--- a/docs/Seminarvortrag.pptx
+++ b/docs/Seminarvortrag.pptx
@@ -7,6 +7,10 @@
   <p:sldIdLst>
     <p:sldId id="257" r:id="rId2"/>
     <p:sldId id="258" r:id="rId3"/>
+    <p:sldId id="259" r:id="rId4"/>
+    <p:sldId id="261" r:id="rId5"/>
+    <p:sldId id="260" r:id="rId6"/>
+    <p:sldId id="262" r:id="rId7"/>
   </p:sldIdLst>
   <p:sldSz cx="12192000" cy="6858000"/>
   <p:notesSz cx="6858000" cy="9144000"/>
@@ -105,6 +109,11 @@
       </a:defRPr>
     </a:lvl9pPr>
   </p:defaultTextStyle>
+  <p:extLst>
+    <p:ext uri="{EFAFB233-063F-42B5-8137-9DF3F51BA10A}">
+      <p15:sldGuideLst xmlns:p15="http://schemas.microsoft.com/office/powerpoint/2012/main"/>
+    </p:ext>
+  </p:extLst>
 </p:presentation>
 </file>
 
@@ -257,7 +266,7 @@
           <a:p>
             <a:fld id="{45D0F98D-38D5-4C1A-A003-148E75DBF760}" type="datetime1">
               <a:rPr lang="de-DE" smtClean="0"/>
-              <a:t>05.12.2019</a:t>
+              <a:t>08.12.2019</a:t>
             </a:fld>
             <a:endParaRPr lang="de-DE"/>
           </a:p>
@@ -460,7 +469,7 @@
           <a:p>
             <a:fld id="{35EE94FD-1B66-443A-A78C-7063FFFB3DB5}" type="datetime1">
               <a:rPr lang="de-DE" smtClean="0"/>
-              <a:t>05.12.2019</a:t>
+              <a:t>08.12.2019</a:t>
             </a:fld>
             <a:endParaRPr lang="de-DE"/>
           </a:p>
@@ -673,7 +682,7 @@
           <a:p>
             <a:fld id="{846435C6-9F94-4AA4-B35A-39DE494D17EA}" type="datetime1">
               <a:rPr lang="de-DE" smtClean="0"/>
-              <a:t>05.12.2019</a:t>
+              <a:t>08.12.2019</a:t>
             </a:fld>
             <a:endParaRPr lang="de-DE"/>
           </a:p>
@@ -876,7 +885,7 @@
           <a:p>
             <a:fld id="{7BA378BF-52EB-4C5B-B6BB-996DFE0988BD}" type="datetime1">
               <a:rPr lang="de-DE" smtClean="0"/>
-              <a:t>05.12.2019</a:t>
+              <a:t>08.12.2019</a:t>
             </a:fld>
             <a:endParaRPr lang="de-DE"/>
           </a:p>
@@ -1155,7 +1164,7 @@
           <a:p>
             <a:fld id="{546325AB-2200-4FF3-AF2A-B172FFDDBDF4}" type="datetime1">
               <a:rPr lang="de-DE" smtClean="0"/>
-              <a:t>05.12.2019</a:t>
+              <a:t>08.12.2019</a:t>
             </a:fld>
             <a:endParaRPr lang="de-DE"/>
           </a:p>
@@ -1426,7 +1435,7 @@
           <a:p>
             <a:fld id="{4BD4E413-4B36-416A-99F8-917101FD3552}" type="datetime1">
               <a:rPr lang="de-DE" smtClean="0"/>
-              <a:t>05.12.2019</a:t>
+              <a:t>08.12.2019</a:t>
             </a:fld>
             <a:endParaRPr lang="de-DE"/>
           </a:p>
@@ -1844,7 +1853,7 @@
           <a:p>
             <a:fld id="{350CD5BB-2135-4C1C-9EB9-6B104A7F1852}" type="datetime1">
               <a:rPr lang="de-DE" smtClean="0"/>
-              <a:t>05.12.2019</a:t>
+              <a:t>08.12.2019</a:t>
             </a:fld>
             <a:endParaRPr lang="de-DE"/>
           </a:p>
@@ -1989,7 +1998,7 @@
           <a:p>
             <a:fld id="{5F8EFD36-9E63-4951-BEF9-F6B8ACF9848D}" type="datetime1">
               <a:rPr lang="de-DE" smtClean="0"/>
-              <a:t>05.12.2019</a:t>
+              <a:t>08.12.2019</a:t>
             </a:fld>
             <a:endParaRPr lang="de-DE"/>
           </a:p>
@@ -2105,7 +2114,7 @@
           <a:p>
             <a:fld id="{5809FACB-23B1-4A10-9D0A-328C6885745A}" type="datetime1">
               <a:rPr lang="de-DE" smtClean="0"/>
-              <a:t>05.12.2019</a:t>
+              <a:t>08.12.2019</a:t>
             </a:fld>
             <a:endParaRPr lang="de-DE"/>
           </a:p>
@@ -2421,7 +2430,7 @@
           <a:p>
             <a:fld id="{D34E0433-A910-4A2C-B27B-93E80F26180A}" type="datetime1">
               <a:rPr lang="de-DE" smtClean="0"/>
-              <a:t>05.12.2019</a:t>
+              <a:t>08.12.2019</a:t>
             </a:fld>
             <a:endParaRPr lang="de-DE"/>
           </a:p>
@@ -2713,7 +2722,7 @@
           <a:p>
             <a:fld id="{27D0816D-89A7-4D5C-8256-1B20355E25D9}" type="datetime1">
               <a:rPr lang="de-DE" smtClean="0"/>
-              <a:t>05.12.2019</a:t>
+              <a:t>08.12.2019</a:t>
             </a:fld>
             <a:endParaRPr lang="de-DE"/>
           </a:p>
@@ -2959,7 +2968,7 @@
           <a:p>
             <a:fld id="{96A0F86B-E49E-4FBD-A866-1ABC19B2F8A7}" type="datetime1">
               <a:rPr lang="de-DE" smtClean="0"/>
-              <a:t>05.12.2019</a:t>
+              <a:t>08.12.2019</a:t>
             </a:fld>
             <a:endParaRPr lang="de-DE"/>
           </a:p>
@@ -4006,10 +4015,7 @@
               <a:rPr lang="en-NZ" sz="1700" dirty="0" err="1"/>
               <a:t>Projektbeschreibung</a:t>
             </a:r>
-            <a:r>
-              <a:rPr lang="en-NZ" sz="1700" dirty="0"/>
-              <a:t> (Moritz)</a:t>
-            </a:r>
+            <a:endParaRPr lang="en-NZ" sz="1700" dirty="0"/>
           </a:p>
           <a:p>
             <a:r>
@@ -4346,6 +4352,1876 @@
     <p:extLst>
       <p:ext uri="{BB962C8B-B14F-4D97-AF65-F5344CB8AC3E}">
         <p14:creationId xmlns:p14="http://schemas.microsoft.com/office/powerpoint/2010/main" val="3492893789"/>
+      </p:ext>
+    </p:extLst>
+  </p:cSld>
+  <p:clrMapOvr>
+    <a:masterClrMapping/>
+  </p:clrMapOvr>
+</p:sld>
+</file>
+
+<file path=ppt/slides/slide3.xml><?xml version="1.0" encoding="utf-8"?>
+<p:sld xmlns:a="http://schemas.openxmlformats.org/drawingml/2006/main" xmlns:r="http://schemas.openxmlformats.org/officeDocument/2006/relationships" xmlns:p="http://schemas.openxmlformats.org/presentationml/2006/main">
+  <p:cSld>
+    <p:spTree>
+      <p:nvGrpSpPr>
+        <p:cNvPr id="1" name=""/>
+        <p:cNvGrpSpPr/>
+        <p:nvPr/>
+      </p:nvGrpSpPr>
+      <p:grpSpPr>
+        <a:xfrm>
+          <a:off x="0" y="0"/>
+          <a:ext cx="0" cy="0"/>
+          <a:chOff x="0" y="0"/>
+          <a:chExt cx="0" cy="0"/>
+        </a:xfrm>
+      </p:grpSpPr>
+      <p:sp>
+        <p:nvSpPr>
+          <p:cNvPr id="2" name="Title 1">
+            <a:extLst>
+              <a:ext uri="{FF2B5EF4-FFF2-40B4-BE49-F238E27FC236}">
+                <a16:creationId xmlns:a16="http://schemas.microsoft.com/office/drawing/2014/main" id="{15066376-BDA9-42B0-B399-BBF455FEAB84}"/>
+              </a:ext>
+            </a:extLst>
+          </p:cNvPr>
+          <p:cNvSpPr>
+            <a:spLocks noGrp="1"/>
+          </p:cNvSpPr>
+          <p:nvPr>
+            <p:ph type="title"/>
+          </p:nvPr>
+        </p:nvSpPr>
+        <p:spPr>
+          <a:xfrm>
+            <a:off x="838200" y="365125"/>
+            <a:ext cx="10515600" cy="1325563"/>
+          </a:xfrm>
+        </p:spPr>
+        <p:txBody>
+          <a:bodyPr/>
+          <a:lstStyle/>
+          <a:p>
+            <a:r>
+              <a:rPr lang="en-NZ"/>
+              <a:t>Projektbeschreibung</a:t>
+            </a:r>
+            <a:endParaRPr lang="en-NZ" dirty="0"/>
+          </a:p>
+        </p:txBody>
+      </p:sp>
+      <p:sp>
+        <p:nvSpPr>
+          <p:cNvPr id="3" name="Content Placeholder 2">
+            <a:extLst>
+              <a:ext uri="{FF2B5EF4-FFF2-40B4-BE49-F238E27FC236}">
+                <a16:creationId xmlns:a16="http://schemas.microsoft.com/office/drawing/2014/main" id="{0FBAFCDA-66B7-4892-8C91-69D5101FD3EE}"/>
+              </a:ext>
+            </a:extLst>
+          </p:cNvPr>
+          <p:cNvSpPr>
+            <a:spLocks noGrp="1"/>
+          </p:cNvSpPr>
+          <p:nvPr>
+            <p:ph idx="1"/>
+          </p:nvPr>
+        </p:nvSpPr>
+        <p:spPr/>
+        <p:txBody>
+          <a:bodyPr>
+            <a:normAutofit fontScale="92500" lnSpcReduction="10000"/>
+          </a:bodyPr>
+          <a:lstStyle/>
+          <a:p>
+            <a:r>
+              <a:rPr lang="en-NZ" dirty="0"/>
+              <a:t>PV-</a:t>
+            </a:r>
+            <a:r>
+              <a:rPr lang="en-NZ" dirty="0" err="1"/>
+              <a:t>Modulportal</a:t>
+            </a:r>
+            <a:r>
+              <a:rPr lang="en-NZ" dirty="0"/>
+              <a:t> </a:t>
+            </a:r>
+            <a:r>
+              <a:rPr lang="en-NZ" dirty="0" err="1"/>
+              <a:t>zum</a:t>
+            </a:r>
+            <a:r>
+              <a:rPr lang="en-NZ" dirty="0"/>
+              <a:t> </a:t>
+            </a:r>
+            <a:r>
+              <a:rPr lang="en-NZ" dirty="0" err="1"/>
+              <a:t>Vergleichen</a:t>
+            </a:r>
+            <a:r>
+              <a:rPr lang="en-NZ" dirty="0"/>
+              <a:t> von </a:t>
+            </a:r>
+            <a:r>
+              <a:rPr lang="en-NZ" dirty="0" err="1"/>
+              <a:t>Kennlinien</a:t>
+            </a:r>
+            <a:endParaRPr lang="en-NZ" dirty="0"/>
+          </a:p>
+          <a:p>
+            <a:pPr lvl="1"/>
+            <a:r>
+              <a:rPr lang="en-NZ" dirty="0" err="1"/>
+              <a:t>Erfassen</a:t>
+            </a:r>
+            <a:endParaRPr lang="en-NZ" dirty="0"/>
+          </a:p>
+          <a:p>
+            <a:pPr lvl="1"/>
+            <a:r>
+              <a:rPr lang="en-NZ" dirty="0" err="1"/>
+              <a:t>Vergleichen</a:t>
+            </a:r>
+            <a:endParaRPr lang="en-NZ" dirty="0"/>
+          </a:p>
+          <a:p>
+            <a:pPr lvl="1"/>
+            <a:r>
+              <a:rPr lang="en-NZ" dirty="0" err="1"/>
+              <a:t>Statistiken</a:t>
+            </a:r>
+            <a:endParaRPr lang="en-NZ" dirty="0"/>
+          </a:p>
+          <a:p>
+            <a:pPr lvl="1"/>
+            <a:r>
+              <a:rPr lang="en-NZ" dirty="0" err="1"/>
+              <a:t>Diskussionen</a:t>
+            </a:r>
+            <a:endParaRPr lang="en-NZ" dirty="0"/>
+          </a:p>
+          <a:p>
+            <a:pPr lvl="1"/>
+            <a:r>
+              <a:rPr lang="en-NZ" dirty="0"/>
+              <a:t>Downloads</a:t>
+            </a:r>
+          </a:p>
+          <a:p>
+            <a:r>
+              <a:rPr lang="en-NZ" dirty="0" err="1"/>
+              <a:t>Übersichtsseite</a:t>
+            </a:r>
+            <a:endParaRPr lang="en-NZ" dirty="0"/>
+          </a:p>
+          <a:p>
+            <a:r>
+              <a:rPr lang="en-NZ" dirty="0" err="1"/>
+              <a:t>Detailseite</a:t>
+            </a:r>
+            <a:endParaRPr lang="en-NZ" dirty="0"/>
+          </a:p>
+          <a:p>
+            <a:r>
+              <a:rPr lang="en-NZ" dirty="0" err="1"/>
+              <a:t>Suche</a:t>
+            </a:r>
+            <a:endParaRPr lang="en-NZ" dirty="0"/>
+          </a:p>
+          <a:p>
+            <a:r>
+              <a:rPr lang="en-NZ" dirty="0" err="1"/>
+              <a:t>Uploadseite</a:t>
+            </a:r>
+            <a:endParaRPr lang="en-NZ" dirty="0"/>
+          </a:p>
+          <a:p>
+            <a:pPr lvl="1"/>
+            <a:r>
+              <a:rPr lang="en-NZ" dirty="0"/>
+              <a:t>Nach </a:t>
+            </a:r>
+            <a:r>
+              <a:rPr lang="en-NZ" dirty="0" err="1"/>
+              <a:t>Planung</a:t>
+            </a:r>
+            <a:r>
+              <a:rPr lang="en-NZ" dirty="0"/>
+              <a:t> </a:t>
+            </a:r>
+            <a:r>
+              <a:rPr lang="en-NZ" dirty="0" err="1"/>
+              <a:t>noch</a:t>
+            </a:r>
+            <a:r>
+              <a:rPr lang="en-NZ" dirty="0"/>
+              <a:t> </a:t>
+            </a:r>
+            <a:r>
+              <a:rPr lang="en-NZ" dirty="0" err="1"/>
+              <a:t>ausstehend</a:t>
+            </a:r>
+            <a:endParaRPr lang="en-NZ" dirty="0"/>
+          </a:p>
+        </p:txBody>
+      </p:sp>
+      <p:sp>
+        <p:nvSpPr>
+          <p:cNvPr id="4" name="Footer Placeholder 3">
+            <a:extLst>
+              <a:ext uri="{FF2B5EF4-FFF2-40B4-BE49-F238E27FC236}">
+                <a16:creationId xmlns:a16="http://schemas.microsoft.com/office/drawing/2014/main" id="{5F1B4AEF-1956-4FA4-AF17-52F5FA22EA93}"/>
+              </a:ext>
+            </a:extLst>
+          </p:cNvPr>
+          <p:cNvSpPr>
+            <a:spLocks noGrp="1"/>
+          </p:cNvSpPr>
+          <p:nvPr>
+            <p:ph type="ftr" sz="quarter" idx="11"/>
+          </p:nvPr>
+        </p:nvSpPr>
+        <p:spPr>
+          <a:xfrm>
+            <a:off x="4038600" y="6356350"/>
+            <a:ext cx="4114800" cy="365125"/>
+          </a:xfrm>
+        </p:spPr>
+        <p:txBody>
+          <a:bodyPr/>
+          <a:lstStyle/>
+          <a:p>
+            <a:r>
+              <a:rPr lang="de-DE"/>
+              <a:t>WS19/20 - PV-Modulportal - Rüffer, Vorwerk, Withöft, Zolkin</a:t>
+            </a:r>
+            <a:endParaRPr lang="de-DE" dirty="0"/>
+          </a:p>
+        </p:txBody>
+      </p:sp>
+      <p:sp>
+        <p:nvSpPr>
+          <p:cNvPr id="5" name="Slide Number Placeholder 4">
+            <a:extLst>
+              <a:ext uri="{FF2B5EF4-FFF2-40B4-BE49-F238E27FC236}">
+                <a16:creationId xmlns:a16="http://schemas.microsoft.com/office/drawing/2014/main" id="{D87CE355-2B04-4F17-8E3C-AE813E70FDE4}"/>
+              </a:ext>
+            </a:extLst>
+          </p:cNvPr>
+          <p:cNvSpPr>
+            <a:spLocks noGrp="1"/>
+          </p:cNvSpPr>
+          <p:nvPr>
+            <p:ph type="sldNum" sz="quarter" idx="12"/>
+          </p:nvPr>
+        </p:nvSpPr>
+        <p:spPr>
+          <a:xfrm>
+            <a:off x="8610600" y="6356350"/>
+            <a:ext cx="2743200" cy="365125"/>
+          </a:xfrm>
+        </p:spPr>
+        <p:txBody>
+          <a:bodyPr/>
+          <a:lstStyle/>
+          <a:p>
+            <a:fld id="{969E759D-A893-4B96-8B48-96EE547EBC41}" type="slidenum">
+              <a:rPr lang="de-DE" smtClean="0"/>
+              <a:t>3</a:t>
+            </a:fld>
+            <a:endParaRPr lang="de-DE"/>
+          </a:p>
+        </p:txBody>
+      </p:sp>
+    </p:spTree>
+    <p:extLst>
+      <p:ext uri="{BB962C8B-B14F-4D97-AF65-F5344CB8AC3E}">
+        <p14:creationId xmlns:p14="http://schemas.microsoft.com/office/powerpoint/2010/main" val="3475415157"/>
+      </p:ext>
+    </p:extLst>
+  </p:cSld>
+  <p:clrMapOvr>
+    <a:masterClrMapping/>
+  </p:clrMapOvr>
+</p:sld>
+</file>
+
+<file path=ppt/slides/slide4.xml><?xml version="1.0" encoding="utf-8"?>
+<p:sld xmlns:a="http://schemas.openxmlformats.org/drawingml/2006/main" xmlns:r="http://schemas.openxmlformats.org/officeDocument/2006/relationships" xmlns:p="http://schemas.openxmlformats.org/presentationml/2006/main">
+  <p:cSld>
+    <p:bg>
+      <p:bgPr>
+        <a:solidFill>
+          <a:schemeClr val="bg1"/>
+        </a:solidFill>
+        <a:effectLst/>
+      </p:bgPr>
+    </p:bg>
+    <p:spTree>
+      <p:nvGrpSpPr>
+        <p:cNvPr id="1" name=""/>
+        <p:cNvGrpSpPr/>
+        <p:nvPr/>
+      </p:nvGrpSpPr>
+      <p:grpSpPr>
+        <a:xfrm>
+          <a:off x="0" y="0"/>
+          <a:ext cx="0" cy="0"/>
+          <a:chOff x="0" y="0"/>
+          <a:chExt cx="0" cy="0"/>
+        </a:xfrm>
+      </p:grpSpPr>
+      <p:sp>
+        <p:nvSpPr>
+          <p:cNvPr id="2" name="Title 1">
+            <a:extLst>
+              <a:ext uri="{FF2B5EF4-FFF2-40B4-BE49-F238E27FC236}">
+                <a16:creationId xmlns:a16="http://schemas.microsoft.com/office/drawing/2014/main" id="{0754DA76-FBA9-4255-9F8F-DBD2A5E204F0}"/>
+              </a:ext>
+            </a:extLst>
+          </p:cNvPr>
+          <p:cNvSpPr>
+            <a:spLocks noGrp="1"/>
+          </p:cNvSpPr>
+          <p:nvPr>
+            <p:ph type="title"/>
+          </p:nvPr>
+        </p:nvSpPr>
+        <p:spPr>
+          <a:xfrm>
+            <a:off x="1514292" y="513612"/>
+            <a:ext cx="9894133" cy="1031216"/>
+          </a:xfrm>
+        </p:spPr>
+        <p:txBody>
+          <a:bodyPr anchor="b">
+            <a:normAutofit/>
+          </a:bodyPr>
+          <a:lstStyle/>
+          <a:p>
+            <a:r>
+              <a:rPr lang="en-NZ" dirty="0" err="1"/>
+              <a:t>Übersichtsseite</a:t>
+            </a:r>
+            <a:endParaRPr lang="en-NZ" dirty="0"/>
+          </a:p>
+        </p:txBody>
+      </p:sp>
+      <p:pic>
+        <p:nvPicPr>
+          <p:cNvPr id="7" name="Picture 6" descr="A screenshot of a cell phone&#10;&#10;Description automatically generated">
+            <a:extLst>
+              <a:ext uri="{FF2B5EF4-FFF2-40B4-BE49-F238E27FC236}">
+                <a16:creationId xmlns:a16="http://schemas.microsoft.com/office/drawing/2014/main" id="{ABEF1177-6BDC-4C82-AAB5-58804151FB71}"/>
+              </a:ext>
+            </a:extLst>
+          </p:cNvPr>
+          <p:cNvPicPr>
+            <a:picLocks noChangeAspect="1"/>
+          </p:cNvPicPr>
+          <p:nvPr/>
+        </p:nvPicPr>
+        <p:blipFill>
+          <a:blip r:embed="rId2">
+            <a:extLst>
+              <a:ext uri="{28A0092B-C50C-407E-A947-70E740481C1C}">
+                <a14:useLocalDpi xmlns:a14="http://schemas.microsoft.com/office/drawing/2010/main" val="0"/>
+              </a:ext>
+            </a:extLst>
+          </a:blip>
+          <a:stretch>
+            <a:fillRect/>
+          </a:stretch>
+        </p:blipFill>
+        <p:spPr>
+          <a:xfrm>
+            <a:off x="1105089" y="2234882"/>
+            <a:ext cx="5723473" cy="3305306"/>
+          </a:xfrm>
+          <a:prstGeom prst="rect">
+            <a:avLst/>
+          </a:prstGeom>
+        </p:spPr>
+      </p:pic>
+      <p:sp>
+        <p:nvSpPr>
+          <p:cNvPr id="12" name="Freeform: Shape 11">
+            <a:extLst>
+              <a:ext uri="{FF2B5EF4-FFF2-40B4-BE49-F238E27FC236}">
+                <a16:creationId xmlns:a16="http://schemas.microsoft.com/office/drawing/2014/main" id="{C607803A-4E99-444E-94F7-8785CDDF5849}"/>
+              </a:ext>
+              <a:ext uri="{C183D7F6-B498-43B3-948B-1728B52AA6E4}">
+                <adec:decorative xmlns:adec="http://schemas.microsoft.com/office/drawing/2017/decorative" val="1"/>
+              </a:ext>
+            </a:extLst>
+          </p:cNvPr>
+          <p:cNvSpPr>
+            <a:spLocks noGrp="1" noRot="1" noChangeAspect="1" noMove="1" noResize="1" noEditPoints="1" noAdjustHandles="1" noChangeArrowheads="1" noChangeShapeType="1" noTextEdit="1"/>
+          </p:cNvSpPr>
+          <p:nvPr>
+            <p:extLst>
+              <p:ext uri="{386F3935-93C4-4BCD-93E2-E3B085C9AB24}">
+                <p16:designElem xmlns:p16="http://schemas.microsoft.com/office/powerpoint/2015/main" val="1"/>
+              </p:ext>
+            </p:extLst>
+          </p:nvPr>
+        </p:nvSpPr>
+        <p:spPr bwMode="auto">
+          <a:xfrm flipH="1" flipV="1">
+            <a:off x="780154" y="1884045"/>
+            <a:ext cx="3275668" cy="2853308"/>
+          </a:xfrm>
+          <a:custGeom>
+            <a:avLst/>
+            <a:gdLst>
+              <a:gd name="connsiteX0" fmla="*/ 3275668 w 3275668"/>
+              <a:gd name="connsiteY0" fmla="*/ 2853308 h 2853308"/>
+              <a:gd name="connsiteX1" fmla="*/ 655 w 3275668"/>
+              <a:gd name="connsiteY1" fmla="*/ 2853308 h 2853308"/>
+              <a:gd name="connsiteX2" fmla="*/ 0 w 3275668"/>
+              <a:gd name="connsiteY2" fmla="*/ 2467565 h 2853308"/>
+              <a:gd name="connsiteX3" fmla="*/ 2869894 w 3275668"/>
+              <a:gd name="connsiteY3" fmla="*/ 2468888 h 2853308"/>
+              <a:gd name="connsiteX4" fmla="*/ 2869894 w 3275668"/>
+              <a:gd name="connsiteY4" fmla="*/ 0 h 2853308"/>
+              <a:gd name="connsiteX5" fmla="*/ 3275668 w 3275668"/>
+              <a:gd name="connsiteY5" fmla="*/ 0 h 2853308"/>
+            </a:gdLst>
+            <a:ahLst/>
+            <a:cxnLst>
+              <a:cxn ang="0">
+                <a:pos x="connsiteX0" y="connsiteY0"/>
+              </a:cxn>
+              <a:cxn ang="0">
+                <a:pos x="connsiteX1" y="connsiteY1"/>
+              </a:cxn>
+              <a:cxn ang="0">
+                <a:pos x="connsiteX2" y="connsiteY2"/>
+              </a:cxn>
+              <a:cxn ang="0">
+                <a:pos x="connsiteX3" y="connsiteY3"/>
+              </a:cxn>
+              <a:cxn ang="0">
+                <a:pos x="connsiteX4" y="connsiteY4"/>
+              </a:cxn>
+              <a:cxn ang="0">
+                <a:pos x="connsiteX5" y="connsiteY5"/>
+              </a:cxn>
+            </a:cxnLst>
+            <a:rect l="l" t="t" r="r" b="b"/>
+            <a:pathLst>
+              <a:path w="3275668" h="2853308">
+                <a:moveTo>
+                  <a:pt x="3275668" y="2853308"/>
+                </a:moveTo>
+                <a:lnTo>
+                  <a:pt x="655" y="2853308"/>
+                </a:lnTo>
+                <a:cubicBezTo>
+                  <a:pt x="-655" y="2720171"/>
+                  <a:pt x="1310" y="2600702"/>
+                  <a:pt x="0" y="2467565"/>
+                </a:cubicBezTo>
+                <a:lnTo>
+                  <a:pt x="2869894" y="2468888"/>
+                </a:lnTo>
+                <a:lnTo>
+                  <a:pt x="2869894" y="0"/>
+                </a:lnTo>
+                <a:lnTo>
+                  <a:pt x="3275668" y="0"/>
+                </a:lnTo>
+                <a:close/>
+              </a:path>
+            </a:pathLst>
+          </a:custGeom>
+          <a:solidFill>
+            <a:srgbClr val="4C4C4C"/>
+          </a:solidFill>
+          <a:ln w="0">
+            <a:noFill/>
+            <a:prstDash val="solid"/>
+            <a:round/>
+            <a:headEnd/>
+            <a:tailEnd/>
+          </a:ln>
+        </p:spPr>
+      </p:sp>
+      <p:sp>
+        <p:nvSpPr>
+          <p:cNvPr id="14" name="Freeform: Shape 13">
+            <a:extLst>
+              <a:ext uri="{FF2B5EF4-FFF2-40B4-BE49-F238E27FC236}">
+                <a16:creationId xmlns:a16="http://schemas.microsoft.com/office/drawing/2014/main" id="{2989BE6A-C309-418E-8ADD-1616A980570D}"/>
+              </a:ext>
+              <a:ext uri="{C183D7F6-B498-43B3-948B-1728B52AA6E4}">
+                <adec:decorative xmlns:adec="http://schemas.microsoft.com/office/drawing/2017/decorative" val="1"/>
+              </a:ext>
+            </a:extLst>
+          </p:cNvPr>
+          <p:cNvSpPr>
+            <a:spLocks noGrp="1" noRot="1" noChangeAspect="1" noMove="1" noResize="1" noEditPoints="1" noAdjustHandles="1" noChangeArrowheads="1" noChangeShapeType="1" noTextEdit="1"/>
+          </p:cNvSpPr>
+          <p:nvPr>
+            <p:extLst>
+              <p:ext uri="{386F3935-93C4-4BCD-93E2-E3B085C9AB24}">
+                <p16:designElem xmlns:p16="http://schemas.microsoft.com/office/powerpoint/2015/main" val="1"/>
+              </p:ext>
+            </p:extLst>
+          </p:nvPr>
+        </p:nvSpPr>
+        <p:spPr bwMode="auto">
+          <a:xfrm>
+            <a:off x="4055822" y="3222529"/>
+            <a:ext cx="3242952" cy="2828156"/>
+          </a:xfrm>
+          <a:custGeom>
+            <a:avLst/>
+            <a:gdLst>
+              <a:gd name="connsiteX0" fmla="*/ 2837178 w 3242952"/>
+              <a:gd name="connsiteY0" fmla="*/ 0 h 2828156"/>
+              <a:gd name="connsiteX1" fmla="*/ 3242952 w 3242952"/>
+              <a:gd name="connsiteY1" fmla="*/ 0 h 2828156"/>
+              <a:gd name="connsiteX2" fmla="*/ 3242952 w 3242952"/>
+              <a:gd name="connsiteY2" fmla="*/ 2828156 h 2828156"/>
+              <a:gd name="connsiteX3" fmla="*/ 0 w 3242952"/>
+              <a:gd name="connsiteY3" fmla="*/ 2828156 h 2828156"/>
+              <a:gd name="connsiteX4" fmla="*/ 0 w 3242952"/>
+              <a:gd name="connsiteY4" fmla="*/ 2442859 h 2828156"/>
+              <a:gd name="connsiteX5" fmla="*/ 2837178 w 3242952"/>
+              <a:gd name="connsiteY5" fmla="*/ 2443295 h 2828156"/>
+            </a:gdLst>
+            <a:ahLst/>
+            <a:cxnLst>
+              <a:cxn ang="0">
+                <a:pos x="connsiteX0" y="connsiteY0"/>
+              </a:cxn>
+              <a:cxn ang="0">
+                <a:pos x="connsiteX1" y="connsiteY1"/>
+              </a:cxn>
+              <a:cxn ang="0">
+                <a:pos x="connsiteX2" y="connsiteY2"/>
+              </a:cxn>
+              <a:cxn ang="0">
+                <a:pos x="connsiteX3" y="connsiteY3"/>
+              </a:cxn>
+              <a:cxn ang="0">
+                <a:pos x="connsiteX4" y="connsiteY4"/>
+              </a:cxn>
+              <a:cxn ang="0">
+                <a:pos x="connsiteX5" y="connsiteY5"/>
+              </a:cxn>
+            </a:cxnLst>
+            <a:rect l="l" t="t" r="r" b="b"/>
+            <a:pathLst>
+              <a:path w="3242952" h="2828156">
+                <a:moveTo>
+                  <a:pt x="2837178" y="0"/>
+                </a:moveTo>
+                <a:lnTo>
+                  <a:pt x="3242952" y="0"/>
+                </a:lnTo>
+                <a:lnTo>
+                  <a:pt x="3242952" y="2828156"/>
+                </a:lnTo>
+                <a:lnTo>
+                  <a:pt x="0" y="2828156"/>
+                </a:lnTo>
+                <a:lnTo>
+                  <a:pt x="0" y="2442859"/>
+                </a:lnTo>
+                <a:lnTo>
+                  <a:pt x="2837178" y="2443295"/>
+                </a:lnTo>
+                <a:close/>
+              </a:path>
+            </a:pathLst>
+          </a:custGeom>
+          <a:solidFill>
+            <a:srgbClr val="4C4C4C"/>
+          </a:solidFill>
+          <a:ln w="0">
+            <a:noFill/>
+            <a:prstDash val="solid"/>
+            <a:round/>
+            <a:headEnd/>
+            <a:tailEnd/>
+          </a:ln>
+        </p:spPr>
+        <p:txBody>
+          <a:bodyPr wrap="square">
+            <a:noAutofit/>
+          </a:bodyPr>
+          <a:lstStyle/>
+          <a:p>
+            <a:pPr marL="0" marR="0" lvl="0" indent="0" algn="l" defTabSz="914400" rtl="0" eaLnBrk="1" fontAlgn="auto" latinLnBrk="0" hangingPunct="1">
+              <a:lnSpc>
+                <a:spcPct val="100000"/>
+              </a:lnSpc>
+              <a:spcBef>
+                <a:spcPts val="0"/>
+              </a:spcBef>
+              <a:spcAft>
+                <a:spcPts val="0"/>
+              </a:spcAft>
+              <a:buClrTx/>
+              <a:buSzTx/>
+              <a:buFontTx/>
+              <a:buNone/>
+              <a:tabLst/>
+              <a:defRPr/>
+            </a:pPr>
+            <a:endParaRPr kumimoji="0" lang="en-US" sz="1800" b="0" i="0" u="none" strike="noStrike" kern="1200" cap="none" spc="0" normalizeH="0" baseline="0" noProof="0">
+              <a:ln>
+                <a:noFill/>
+              </a:ln>
+              <a:solidFill>
+                <a:prstClr val="black"/>
+              </a:solidFill>
+              <a:effectLst/>
+              <a:uLnTx/>
+              <a:uFillTx/>
+              <a:latin typeface="Calibri" panose="020F0502020204030204"/>
+              <a:ea typeface="+mn-ea"/>
+              <a:cs typeface="+mn-cs"/>
+            </a:endParaRPr>
+          </a:p>
+        </p:txBody>
+      </p:sp>
+      <p:sp>
+        <p:nvSpPr>
+          <p:cNvPr id="3" name="Content Placeholder 2">
+            <a:extLst>
+              <a:ext uri="{FF2B5EF4-FFF2-40B4-BE49-F238E27FC236}">
+                <a16:creationId xmlns:a16="http://schemas.microsoft.com/office/drawing/2014/main" id="{A42C7976-7264-4148-AD03-59E4B4F7C697}"/>
+              </a:ext>
+            </a:extLst>
+          </p:cNvPr>
+          <p:cNvSpPr>
+            <a:spLocks noGrp="1"/>
+          </p:cNvSpPr>
+          <p:nvPr>
+            <p:ph idx="1"/>
+          </p:nvPr>
+        </p:nvSpPr>
+        <p:spPr>
+          <a:xfrm>
+            <a:off x="7541111" y="2279151"/>
+            <a:ext cx="4114800" cy="3387145"/>
+          </a:xfrm>
+        </p:spPr>
+        <p:txBody>
+          <a:bodyPr anchor="ctr">
+            <a:normAutofit/>
+          </a:bodyPr>
+          <a:lstStyle/>
+          <a:p>
+            <a:r>
+              <a:rPr lang="en-NZ" sz="2400" dirty="0" err="1"/>
+              <a:t>Übersicht</a:t>
+            </a:r>
+            <a:r>
+              <a:rPr lang="en-NZ" sz="2400" dirty="0"/>
+              <a:t> nach:</a:t>
+            </a:r>
+          </a:p>
+          <a:p>
+            <a:pPr lvl="1"/>
+            <a:r>
+              <a:rPr lang="en-NZ" dirty="0" err="1"/>
+              <a:t>Neuste</a:t>
+            </a:r>
+            <a:endParaRPr lang="en-NZ" dirty="0"/>
+          </a:p>
+          <a:p>
+            <a:pPr lvl="1"/>
+            <a:r>
+              <a:rPr lang="en-NZ" dirty="0"/>
+              <a:t>Am </a:t>
+            </a:r>
+            <a:r>
+              <a:rPr lang="en-NZ" dirty="0" err="1"/>
+              <a:t>meisten</a:t>
+            </a:r>
+            <a:r>
+              <a:rPr lang="en-NZ" dirty="0"/>
+              <a:t> </a:t>
+            </a:r>
+            <a:r>
+              <a:rPr lang="en-NZ" dirty="0" err="1"/>
+              <a:t>gesucht</a:t>
+            </a:r>
+            <a:endParaRPr lang="en-NZ" dirty="0"/>
+          </a:p>
+          <a:p>
+            <a:pPr lvl="1"/>
+            <a:r>
+              <a:rPr lang="en-NZ" dirty="0"/>
+              <a:t>Am </a:t>
+            </a:r>
+            <a:r>
+              <a:rPr lang="en-NZ" dirty="0" err="1"/>
+              <a:t>meisten</a:t>
+            </a:r>
+            <a:r>
+              <a:rPr lang="en-NZ" dirty="0"/>
+              <a:t> </a:t>
+            </a:r>
+            <a:r>
+              <a:rPr lang="en-NZ" dirty="0" err="1"/>
+              <a:t>kommentiert</a:t>
+            </a:r>
+            <a:endParaRPr lang="en-NZ" dirty="0"/>
+          </a:p>
+          <a:p>
+            <a:pPr lvl="1"/>
+            <a:endParaRPr lang="en-NZ" dirty="0"/>
+          </a:p>
+          <a:p>
+            <a:pPr lvl="1"/>
+            <a:endParaRPr lang="en-NZ" dirty="0"/>
+          </a:p>
+        </p:txBody>
+      </p:sp>
+      <p:sp>
+        <p:nvSpPr>
+          <p:cNvPr id="4" name="Footer Placeholder 3">
+            <a:extLst>
+              <a:ext uri="{FF2B5EF4-FFF2-40B4-BE49-F238E27FC236}">
+                <a16:creationId xmlns:a16="http://schemas.microsoft.com/office/drawing/2014/main" id="{E4E0C278-526A-4003-B85A-72429B341BB6}"/>
+              </a:ext>
+            </a:extLst>
+          </p:cNvPr>
+          <p:cNvSpPr>
+            <a:spLocks noGrp="1"/>
+          </p:cNvSpPr>
+          <p:nvPr>
+            <p:ph type="ftr" sz="quarter" idx="11"/>
+          </p:nvPr>
+        </p:nvSpPr>
+        <p:spPr>
+          <a:xfrm>
+            <a:off x="4038600" y="6356350"/>
+            <a:ext cx="4114800" cy="365125"/>
+          </a:xfrm>
+        </p:spPr>
+        <p:txBody>
+          <a:bodyPr>
+            <a:normAutofit/>
+          </a:bodyPr>
+          <a:lstStyle/>
+          <a:p>
+            <a:pPr>
+              <a:spcAft>
+                <a:spcPts val="600"/>
+              </a:spcAft>
+            </a:pPr>
+            <a:r>
+              <a:rPr lang="de-DE">
+                <a:solidFill>
+                  <a:prstClr val="black">
+                    <a:tint val="75000"/>
+                  </a:prstClr>
+                </a:solidFill>
+              </a:rPr>
+              <a:t>WS19/20 - PV-Modulportal - Rüffer, Vorwerk, Withöft, Zolkin</a:t>
+            </a:r>
+          </a:p>
+        </p:txBody>
+      </p:sp>
+      <p:sp>
+        <p:nvSpPr>
+          <p:cNvPr id="5" name="Slide Number Placeholder 4">
+            <a:extLst>
+              <a:ext uri="{FF2B5EF4-FFF2-40B4-BE49-F238E27FC236}">
+                <a16:creationId xmlns:a16="http://schemas.microsoft.com/office/drawing/2014/main" id="{A92E81ED-7F21-418B-B91B-7B27BAA6E5C0}"/>
+              </a:ext>
+            </a:extLst>
+          </p:cNvPr>
+          <p:cNvSpPr>
+            <a:spLocks noGrp="1"/>
+          </p:cNvSpPr>
+          <p:nvPr>
+            <p:ph type="sldNum" sz="quarter" idx="12"/>
+          </p:nvPr>
+        </p:nvSpPr>
+        <p:spPr>
+          <a:xfrm>
+            <a:off x="8610600" y="6356350"/>
+            <a:ext cx="2743200" cy="365125"/>
+          </a:xfrm>
+        </p:spPr>
+        <p:txBody>
+          <a:bodyPr>
+            <a:normAutofit/>
+          </a:bodyPr>
+          <a:lstStyle/>
+          <a:p>
+            <a:pPr>
+              <a:spcAft>
+                <a:spcPts val="600"/>
+              </a:spcAft>
+            </a:pPr>
+            <a:fld id="{969E759D-A893-4B96-8B48-96EE547EBC41}" type="slidenum">
+              <a:rPr lang="de-DE">
+                <a:solidFill>
+                  <a:prstClr val="black">
+                    <a:tint val="75000"/>
+                  </a:prstClr>
+                </a:solidFill>
+              </a:rPr>
+              <a:pPr>
+                <a:spcAft>
+                  <a:spcPts val="600"/>
+                </a:spcAft>
+              </a:pPr>
+              <a:t>4</a:t>
+            </a:fld>
+            <a:endParaRPr lang="de-DE">
+              <a:solidFill>
+                <a:prstClr val="black">
+                  <a:tint val="75000"/>
+                </a:prstClr>
+              </a:solidFill>
+            </a:endParaRPr>
+          </a:p>
+        </p:txBody>
+      </p:sp>
+    </p:spTree>
+    <p:extLst>
+      <p:ext uri="{BB962C8B-B14F-4D97-AF65-F5344CB8AC3E}">
+        <p14:creationId xmlns:p14="http://schemas.microsoft.com/office/powerpoint/2010/main" val="1382505995"/>
+      </p:ext>
+    </p:extLst>
+  </p:cSld>
+  <p:clrMapOvr>
+    <a:masterClrMapping/>
+  </p:clrMapOvr>
+</p:sld>
+</file>
+
+<file path=ppt/slides/slide5.xml><?xml version="1.0" encoding="utf-8"?>
+<p:sld xmlns:a="http://schemas.openxmlformats.org/drawingml/2006/main" xmlns:r="http://schemas.openxmlformats.org/officeDocument/2006/relationships" xmlns:p="http://schemas.openxmlformats.org/presentationml/2006/main">
+  <p:cSld>
+    <p:bg>
+      <p:bgPr>
+        <a:solidFill>
+          <a:schemeClr val="bg1"/>
+        </a:solidFill>
+        <a:effectLst/>
+      </p:bgPr>
+    </p:bg>
+    <p:spTree>
+      <p:nvGrpSpPr>
+        <p:cNvPr id="1" name=""/>
+        <p:cNvGrpSpPr/>
+        <p:nvPr/>
+      </p:nvGrpSpPr>
+      <p:grpSpPr>
+        <a:xfrm>
+          <a:off x="0" y="0"/>
+          <a:ext cx="0" cy="0"/>
+          <a:chOff x="0" y="0"/>
+          <a:chExt cx="0" cy="0"/>
+        </a:xfrm>
+      </p:grpSpPr>
+      <p:sp>
+        <p:nvSpPr>
+          <p:cNvPr id="2" name="Title 1">
+            <a:extLst>
+              <a:ext uri="{FF2B5EF4-FFF2-40B4-BE49-F238E27FC236}">
+                <a16:creationId xmlns:a16="http://schemas.microsoft.com/office/drawing/2014/main" id="{D0F7DBBA-40E4-45A3-ACD0-6F25C32BF6C6}"/>
+              </a:ext>
+            </a:extLst>
+          </p:cNvPr>
+          <p:cNvSpPr>
+            <a:spLocks noGrp="1"/>
+          </p:cNvSpPr>
+          <p:nvPr>
+            <p:ph type="title"/>
+          </p:nvPr>
+        </p:nvSpPr>
+        <p:spPr>
+          <a:xfrm>
+            <a:off x="1514292" y="513612"/>
+            <a:ext cx="9894133" cy="1031216"/>
+          </a:xfrm>
+        </p:spPr>
+        <p:txBody>
+          <a:bodyPr anchor="b">
+            <a:normAutofit/>
+          </a:bodyPr>
+          <a:lstStyle/>
+          <a:p>
+            <a:r>
+              <a:rPr lang="en-NZ"/>
+              <a:t>Suche</a:t>
+            </a:r>
+            <a:endParaRPr lang="en-NZ" dirty="0"/>
+          </a:p>
+        </p:txBody>
+      </p:sp>
+      <p:pic>
+        <p:nvPicPr>
+          <p:cNvPr id="11" name="Picture 10" descr="A screenshot of a cell phone&#10;&#10;Description automatically generated">
+            <a:extLst>
+              <a:ext uri="{FF2B5EF4-FFF2-40B4-BE49-F238E27FC236}">
+                <a16:creationId xmlns:a16="http://schemas.microsoft.com/office/drawing/2014/main" id="{EC8D9439-AB1B-4EEA-8BA5-227492613A4C}"/>
+              </a:ext>
+            </a:extLst>
+          </p:cNvPr>
+          <p:cNvPicPr>
+            <a:picLocks noChangeAspect="1"/>
+          </p:cNvPicPr>
+          <p:nvPr/>
+        </p:nvPicPr>
+        <p:blipFill>
+          <a:blip r:embed="rId2">
+            <a:extLst>
+              <a:ext uri="{28A0092B-C50C-407E-A947-70E740481C1C}">
+                <a14:useLocalDpi xmlns:a14="http://schemas.microsoft.com/office/drawing/2010/main" val="0"/>
+              </a:ext>
+            </a:extLst>
+          </a:blip>
+          <a:stretch>
+            <a:fillRect/>
+          </a:stretch>
+        </p:blipFill>
+        <p:spPr>
+          <a:xfrm>
+            <a:off x="1221475" y="2311687"/>
+            <a:ext cx="5633493" cy="3239259"/>
+          </a:xfrm>
+          <a:prstGeom prst="rect">
+            <a:avLst/>
+          </a:prstGeom>
+        </p:spPr>
+      </p:pic>
+      <p:sp>
+        <p:nvSpPr>
+          <p:cNvPr id="19" name="Freeform: Shape 15">
+            <a:extLst>
+              <a:ext uri="{FF2B5EF4-FFF2-40B4-BE49-F238E27FC236}">
+                <a16:creationId xmlns:a16="http://schemas.microsoft.com/office/drawing/2014/main" id="{C607803A-4E99-444E-94F7-8785CDDF5849}"/>
+              </a:ext>
+              <a:ext uri="{C183D7F6-B498-43B3-948B-1728B52AA6E4}">
+                <adec:decorative xmlns:adec="http://schemas.microsoft.com/office/drawing/2017/decorative" val="1"/>
+              </a:ext>
+            </a:extLst>
+          </p:cNvPr>
+          <p:cNvSpPr>
+            <a:spLocks noGrp="1" noRot="1" noChangeAspect="1" noMove="1" noResize="1" noEditPoints="1" noAdjustHandles="1" noChangeArrowheads="1" noChangeShapeType="1" noTextEdit="1"/>
+          </p:cNvSpPr>
+          <p:nvPr>
+            <p:extLst>
+              <p:ext uri="{386F3935-93C4-4BCD-93E2-E3B085C9AB24}">
+                <p16:designElem xmlns:p16="http://schemas.microsoft.com/office/powerpoint/2015/main" val="1"/>
+              </p:ext>
+            </p:extLst>
+          </p:nvPr>
+        </p:nvSpPr>
+        <p:spPr bwMode="auto">
+          <a:xfrm flipH="1" flipV="1">
+            <a:off x="780154" y="1884045"/>
+            <a:ext cx="3275668" cy="2853308"/>
+          </a:xfrm>
+          <a:custGeom>
+            <a:avLst/>
+            <a:gdLst>
+              <a:gd name="connsiteX0" fmla="*/ 3275668 w 3275668"/>
+              <a:gd name="connsiteY0" fmla="*/ 2853308 h 2853308"/>
+              <a:gd name="connsiteX1" fmla="*/ 655 w 3275668"/>
+              <a:gd name="connsiteY1" fmla="*/ 2853308 h 2853308"/>
+              <a:gd name="connsiteX2" fmla="*/ 0 w 3275668"/>
+              <a:gd name="connsiteY2" fmla="*/ 2467565 h 2853308"/>
+              <a:gd name="connsiteX3" fmla="*/ 2869894 w 3275668"/>
+              <a:gd name="connsiteY3" fmla="*/ 2468888 h 2853308"/>
+              <a:gd name="connsiteX4" fmla="*/ 2869894 w 3275668"/>
+              <a:gd name="connsiteY4" fmla="*/ 0 h 2853308"/>
+              <a:gd name="connsiteX5" fmla="*/ 3275668 w 3275668"/>
+              <a:gd name="connsiteY5" fmla="*/ 0 h 2853308"/>
+            </a:gdLst>
+            <a:ahLst/>
+            <a:cxnLst>
+              <a:cxn ang="0">
+                <a:pos x="connsiteX0" y="connsiteY0"/>
+              </a:cxn>
+              <a:cxn ang="0">
+                <a:pos x="connsiteX1" y="connsiteY1"/>
+              </a:cxn>
+              <a:cxn ang="0">
+                <a:pos x="connsiteX2" y="connsiteY2"/>
+              </a:cxn>
+              <a:cxn ang="0">
+                <a:pos x="connsiteX3" y="connsiteY3"/>
+              </a:cxn>
+              <a:cxn ang="0">
+                <a:pos x="connsiteX4" y="connsiteY4"/>
+              </a:cxn>
+              <a:cxn ang="0">
+                <a:pos x="connsiteX5" y="connsiteY5"/>
+              </a:cxn>
+            </a:cxnLst>
+            <a:rect l="l" t="t" r="r" b="b"/>
+            <a:pathLst>
+              <a:path w="3275668" h="2853308">
+                <a:moveTo>
+                  <a:pt x="3275668" y="2853308"/>
+                </a:moveTo>
+                <a:lnTo>
+                  <a:pt x="655" y="2853308"/>
+                </a:lnTo>
+                <a:cubicBezTo>
+                  <a:pt x="-655" y="2720171"/>
+                  <a:pt x="1310" y="2600702"/>
+                  <a:pt x="0" y="2467565"/>
+                </a:cubicBezTo>
+                <a:lnTo>
+                  <a:pt x="2869894" y="2468888"/>
+                </a:lnTo>
+                <a:lnTo>
+                  <a:pt x="2869894" y="0"/>
+                </a:lnTo>
+                <a:lnTo>
+                  <a:pt x="3275668" y="0"/>
+                </a:lnTo>
+                <a:close/>
+              </a:path>
+            </a:pathLst>
+          </a:custGeom>
+          <a:solidFill>
+            <a:srgbClr val="4C4C4C"/>
+          </a:solidFill>
+          <a:ln w="0">
+            <a:noFill/>
+            <a:prstDash val="solid"/>
+            <a:round/>
+            <a:headEnd/>
+            <a:tailEnd/>
+          </a:ln>
+        </p:spPr>
+      </p:sp>
+      <p:sp>
+        <p:nvSpPr>
+          <p:cNvPr id="18" name="Freeform: Shape 17">
+            <a:extLst>
+              <a:ext uri="{FF2B5EF4-FFF2-40B4-BE49-F238E27FC236}">
+                <a16:creationId xmlns:a16="http://schemas.microsoft.com/office/drawing/2014/main" id="{2989BE6A-C309-418E-8ADD-1616A980570D}"/>
+              </a:ext>
+              <a:ext uri="{C183D7F6-B498-43B3-948B-1728B52AA6E4}">
+                <adec:decorative xmlns:adec="http://schemas.microsoft.com/office/drawing/2017/decorative" val="1"/>
+              </a:ext>
+            </a:extLst>
+          </p:cNvPr>
+          <p:cNvSpPr>
+            <a:spLocks noGrp="1" noRot="1" noChangeAspect="1" noMove="1" noResize="1" noEditPoints="1" noAdjustHandles="1" noChangeArrowheads="1" noChangeShapeType="1" noTextEdit="1"/>
+          </p:cNvSpPr>
+          <p:nvPr>
+            <p:extLst>
+              <p:ext uri="{386F3935-93C4-4BCD-93E2-E3B085C9AB24}">
+                <p16:designElem xmlns:p16="http://schemas.microsoft.com/office/powerpoint/2015/main" val="1"/>
+              </p:ext>
+            </p:extLst>
+          </p:nvPr>
+        </p:nvSpPr>
+        <p:spPr bwMode="auto">
+          <a:xfrm>
+            <a:off x="4055822" y="3222529"/>
+            <a:ext cx="3242952" cy="2828156"/>
+          </a:xfrm>
+          <a:custGeom>
+            <a:avLst/>
+            <a:gdLst>
+              <a:gd name="connsiteX0" fmla="*/ 2837178 w 3242952"/>
+              <a:gd name="connsiteY0" fmla="*/ 0 h 2828156"/>
+              <a:gd name="connsiteX1" fmla="*/ 3242952 w 3242952"/>
+              <a:gd name="connsiteY1" fmla="*/ 0 h 2828156"/>
+              <a:gd name="connsiteX2" fmla="*/ 3242952 w 3242952"/>
+              <a:gd name="connsiteY2" fmla="*/ 2828156 h 2828156"/>
+              <a:gd name="connsiteX3" fmla="*/ 0 w 3242952"/>
+              <a:gd name="connsiteY3" fmla="*/ 2828156 h 2828156"/>
+              <a:gd name="connsiteX4" fmla="*/ 0 w 3242952"/>
+              <a:gd name="connsiteY4" fmla="*/ 2442859 h 2828156"/>
+              <a:gd name="connsiteX5" fmla="*/ 2837178 w 3242952"/>
+              <a:gd name="connsiteY5" fmla="*/ 2443295 h 2828156"/>
+            </a:gdLst>
+            <a:ahLst/>
+            <a:cxnLst>
+              <a:cxn ang="0">
+                <a:pos x="connsiteX0" y="connsiteY0"/>
+              </a:cxn>
+              <a:cxn ang="0">
+                <a:pos x="connsiteX1" y="connsiteY1"/>
+              </a:cxn>
+              <a:cxn ang="0">
+                <a:pos x="connsiteX2" y="connsiteY2"/>
+              </a:cxn>
+              <a:cxn ang="0">
+                <a:pos x="connsiteX3" y="connsiteY3"/>
+              </a:cxn>
+              <a:cxn ang="0">
+                <a:pos x="connsiteX4" y="connsiteY4"/>
+              </a:cxn>
+              <a:cxn ang="0">
+                <a:pos x="connsiteX5" y="connsiteY5"/>
+              </a:cxn>
+            </a:cxnLst>
+            <a:rect l="l" t="t" r="r" b="b"/>
+            <a:pathLst>
+              <a:path w="3242952" h="2828156">
+                <a:moveTo>
+                  <a:pt x="2837178" y="0"/>
+                </a:moveTo>
+                <a:lnTo>
+                  <a:pt x="3242952" y="0"/>
+                </a:lnTo>
+                <a:lnTo>
+                  <a:pt x="3242952" y="2828156"/>
+                </a:lnTo>
+                <a:lnTo>
+                  <a:pt x="0" y="2828156"/>
+                </a:lnTo>
+                <a:lnTo>
+                  <a:pt x="0" y="2442859"/>
+                </a:lnTo>
+                <a:lnTo>
+                  <a:pt x="2837178" y="2443295"/>
+                </a:lnTo>
+                <a:close/>
+              </a:path>
+            </a:pathLst>
+          </a:custGeom>
+          <a:solidFill>
+            <a:srgbClr val="4C4C4C"/>
+          </a:solidFill>
+          <a:ln w="0">
+            <a:noFill/>
+            <a:prstDash val="solid"/>
+            <a:round/>
+            <a:headEnd/>
+            <a:tailEnd/>
+          </a:ln>
+        </p:spPr>
+        <p:txBody>
+          <a:bodyPr wrap="square">
+            <a:noAutofit/>
+          </a:bodyPr>
+          <a:lstStyle/>
+          <a:p>
+            <a:pPr marL="0" marR="0" lvl="0" indent="0" algn="l" defTabSz="914400" rtl="0" eaLnBrk="1" fontAlgn="auto" latinLnBrk="0" hangingPunct="1">
+              <a:lnSpc>
+                <a:spcPct val="100000"/>
+              </a:lnSpc>
+              <a:spcBef>
+                <a:spcPts val="0"/>
+              </a:spcBef>
+              <a:spcAft>
+                <a:spcPts val="0"/>
+              </a:spcAft>
+              <a:buClrTx/>
+              <a:buSzTx/>
+              <a:buFontTx/>
+              <a:buNone/>
+              <a:tabLst/>
+              <a:defRPr/>
+            </a:pPr>
+            <a:endParaRPr kumimoji="0" lang="en-US" sz="1800" b="0" i="0" u="none" strike="noStrike" kern="1200" cap="none" spc="0" normalizeH="0" baseline="0" noProof="0">
+              <a:ln>
+                <a:noFill/>
+              </a:ln>
+              <a:solidFill>
+                <a:prstClr val="black"/>
+              </a:solidFill>
+              <a:effectLst/>
+              <a:uLnTx/>
+              <a:uFillTx/>
+              <a:latin typeface="Calibri" panose="020F0502020204030204"/>
+              <a:ea typeface="+mn-ea"/>
+              <a:cs typeface="+mn-cs"/>
+            </a:endParaRPr>
+          </a:p>
+        </p:txBody>
+      </p:sp>
+      <p:sp>
+        <p:nvSpPr>
+          <p:cNvPr id="9" name="Content Placeholder 8">
+            <a:extLst>
+              <a:ext uri="{FF2B5EF4-FFF2-40B4-BE49-F238E27FC236}">
+                <a16:creationId xmlns:a16="http://schemas.microsoft.com/office/drawing/2014/main" id="{020673C7-CB6D-4F67-ABF0-DE2C50E51566}"/>
+              </a:ext>
+            </a:extLst>
+          </p:cNvPr>
+          <p:cNvSpPr>
+            <a:spLocks noGrp="1"/>
+          </p:cNvSpPr>
+          <p:nvPr>
+            <p:ph idx="1"/>
+          </p:nvPr>
+        </p:nvSpPr>
+        <p:spPr>
+          <a:xfrm>
+            <a:off x="7781373" y="2279151"/>
+            <a:ext cx="3627063" cy="3387145"/>
+          </a:xfrm>
+        </p:spPr>
+        <p:txBody>
+          <a:bodyPr anchor="ctr">
+            <a:normAutofit/>
+          </a:bodyPr>
+          <a:lstStyle/>
+          <a:p>
+            <a:r>
+              <a:rPr lang="en-NZ" sz="2400"/>
+              <a:t>Suche nach Hersteller über Alphabetleiste</a:t>
+            </a:r>
+          </a:p>
+          <a:p>
+            <a:r>
+              <a:rPr lang="en-NZ" sz="2400"/>
+              <a:t>Volltextsuche nach Modulnamen und Hersteller</a:t>
+            </a:r>
+          </a:p>
+        </p:txBody>
+      </p:sp>
+      <p:sp>
+        <p:nvSpPr>
+          <p:cNvPr id="4" name="Footer Placeholder 3">
+            <a:extLst>
+              <a:ext uri="{FF2B5EF4-FFF2-40B4-BE49-F238E27FC236}">
+                <a16:creationId xmlns:a16="http://schemas.microsoft.com/office/drawing/2014/main" id="{5E901347-E5AB-4A86-8D5E-33FABF95AA3A}"/>
+              </a:ext>
+            </a:extLst>
+          </p:cNvPr>
+          <p:cNvSpPr>
+            <a:spLocks noGrp="1"/>
+          </p:cNvSpPr>
+          <p:nvPr>
+            <p:ph type="ftr" sz="quarter" idx="11"/>
+          </p:nvPr>
+        </p:nvSpPr>
+        <p:spPr>
+          <a:xfrm>
+            <a:off x="4038600" y="6356350"/>
+            <a:ext cx="4114800" cy="365125"/>
+          </a:xfrm>
+        </p:spPr>
+        <p:txBody>
+          <a:bodyPr>
+            <a:normAutofit/>
+          </a:bodyPr>
+          <a:lstStyle/>
+          <a:p>
+            <a:pPr>
+              <a:spcAft>
+                <a:spcPts val="600"/>
+              </a:spcAft>
+            </a:pPr>
+            <a:r>
+              <a:rPr lang="de-DE">
+                <a:solidFill>
+                  <a:prstClr val="black">
+                    <a:tint val="75000"/>
+                  </a:prstClr>
+                </a:solidFill>
+              </a:rPr>
+              <a:t>WS19/20 - PV-Modulportal - Rüffer, Vorwerk, Withöft, Zolkin</a:t>
+            </a:r>
+          </a:p>
+        </p:txBody>
+      </p:sp>
+      <p:sp>
+        <p:nvSpPr>
+          <p:cNvPr id="5" name="Slide Number Placeholder 4">
+            <a:extLst>
+              <a:ext uri="{FF2B5EF4-FFF2-40B4-BE49-F238E27FC236}">
+                <a16:creationId xmlns:a16="http://schemas.microsoft.com/office/drawing/2014/main" id="{409F682C-D2C9-4003-BF7F-EDBFC5A4DF22}"/>
+              </a:ext>
+            </a:extLst>
+          </p:cNvPr>
+          <p:cNvSpPr>
+            <a:spLocks noGrp="1"/>
+          </p:cNvSpPr>
+          <p:nvPr>
+            <p:ph type="sldNum" sz="quarter" idx="12"/>
+          </p:nvPr>
+        </p:nvSpPr>
+        <p:spPr>
+          <a:xfrm>
+            <a:off x="8610600" y="6356350"/>
+            <a:ext cx="2743200" cy="365125"/>
+          </a:xfrm>
+        </p:spPr>
+        <p:txBody>
+          <a:bodyPr>
+            <a:normAutofit/>
+          </a:bodyPr>
+          <a:lstStyle/>
+          <a:p>
+            <a:pPr>
+              <a:spcAft>
+                <a:spcPts val="600"/>
+              </a:spcAft>
+            </a:pPr>
+            <a:fld id="{969E759D-A893-4B96-8B48-96EE547EBC41}" type="slidenum">
+              <a:rPr lang="de-DE">
+                <a:solidFill>
+                  <a:prstClr val="black">
+                    <a:tint val="75000"/>
+                  </a:prstClr>
+                </a:solidFill>
+              </a:rPr>
+              <a:pPr>
+                <a:spcAft>
+                  <a:spcPts val="600"/>
+                </a:spcAft>
+              </a:pPr>
+              <a:t>5</a:t>
+            </a:fld>
+            <a:endParaRPr lang="de-DE">
+              <a:solidFill>
+                <a:prstClr val="black">
+                  <a:tint val="75000"/>
+                </a:prstClr>
+              </a:solidFill>
+            </a:endParaRPr>
+          </a:p>
+        </p:txBody>
+      </p:sp>
+    </p:spTree>
+    <p:extLst>
+      <p:ext uri="{BB962C8B-B14F-4D97-AF65-F5344CB8AC3E}">
+        <p14:creationId xmlns:p14="http://schemas.microsoft.com/office/powerpoint/2010/main" val="2994298085"/>
+      </p:ext>
+    </p:extLst>
+  </p:cSld>
+  <p:clrMapOvr>
+    <a:masterClrMapping/>
+  </p:clrMapOvr>
+</p:sld>
+</file>
+
+<file path=ppt/slides/slide6.xml><?xml version="1.0" encoding="utf-8"?>
+<p:sld xmlns:a="http://schemas.openxmlformats.org/drawingml/2006/main" xmlns:r="http://schemas.openxmlformats.org/officeDocument/2006/relationships" xmlns:p="http://schemas.openxmlformats.org/presentationml/2006/main">
+  <p:cSld>
+    <p:bg>
+      <p:bgPr>
+        <a:solidFill>
+          <a:schemeClr val="bg1"/>
+        </a:solidFill>
+        <a:effectLst/>
+      </p:bgPr>
+    </p:bg>
+    <p:spTree>
+      <p:nvGrpSpPr>
+        <p:cNvPr id="1" name=""/>
+        <p:cNvGrpSpPr/>
+        <p:nvPr/>
+      </p:nvGrpSpPr>
+      <p:grpSpPr>
+        <a:xfrm>
+          <a:off x="0" y="0"/>
+          <a:ext cx="0" cy="0"/>
+          <a:chOff x="0" y="0"/>
+          <a:chExt cx="0" cy="0"/>
+        </a:xfrm>
+      </p:grpSpPr>
+      <p:sp>
+        <p:nvSpPr>
+          <p:cNvPr id="2" name="Title 1">
+            <a:extLst>
+              <a:ext uri="{FF2B5EF4-FFF2-40B4-BE49-F238E27FC236}">
+                <a16:creationId xmlns:a16="http://schemas.microsoft.com/office/drawing/2014/main" id="{7FB8FAAD-55D4-4F7B-A3E3-56C2607E59AC}"/>
+              </a:ext>
+            </a:extLst>
+          </p:cNvPr>
+          <p:cNvSpPr>
+            <a:spLocks noGrp="1"/>
+          </p:cNvSpPr>
+          <p:nvPr>
+            <p:ph type="title"/>
+          </p:nvPr>
+        </p:nvSpPr>
+        <p:spPr>
+          <a:xfrm>
+            <a:off x="1514292" y="513612"/>
+            <a:ext cx="9894133" cy="1031216"/>
+          </a:xfrm>
+        </p:spPr>
+        <p:txBody>
+          <a:bodyPr anchor="b">
+            <a:normAutofit/>
+          </a:bodyPr>
+          <a:lstStyle/>
+          <a:p>
+            <a:r>
+              <a:rPr lang="en-NZ" dirty="0" err="1"/>
+              <a:t>Detailseite</a:t>
+            </a:r>
+            <a:endParaRPr lang="en-NZ" dirty="0"/>
+          </a:p>
+        </p:txBody>
+      </p:sp>
+      <p:pic>
+        <p:nvPicPr>
+          <p:cNvPr id="7" name="Content Placeholder 6" descr="A screenshot of a cell phone&#10;&#10;Description automatically generated">
+            <a:extLst>
+              <a:ext uri="{FF2B5EF4-FFF2-40B4-BE49-F238E27FC236}">
+                <a16:creationId xmlns:a16="http://schemas.microsoft.com/office/drawing/2014/main" id="{D42E2C0D-B957-49ED-A36D-F2E34026D6B7}"/>
+              </a:ext>
+            </a:extLst>
+          </p:cNvPr>
+          <p:cNvPicPr>
+            <a:picLocks noChangeAspect="1"/>
+          </p:cNvPicPr>
+          <p:nvPr/>
+        </p:nvPicPr>
+        <p:blipFill>
+          <a:blip r:embed="rId2">
+            <a:extLst>
+              <a:ext uri="{28A0092B-C50C-407E-A947-70E740481C1C}">
+                <a14:useLocalDpi xmlns:a14="http://schemas.microsoft.com/office/drawing/2010/main" val="0"/>
+              </a:ext>
+            </a:extLst>
+          </a:blip>
+          <a:stretch>
+            <a:fillRect/>
+          </a:stretch>
+        </p:blipFill>
+        <p:spPr>
+          <a:xfrm>
+            <a:off x="1117147" y="2421575"/>
+            <a:ext cx="5685323" cy="2970581"/>
+          </a:xfrm>
+          <a:prstGeom prst="rect">
+            <a:avLst/>
+          </a:prstGeom>
+        </p:spPr>
+      </p:pic>
+      <p:sp>
+        <p:nvSpPr>
+          <p:cNvPr id="14" name="Freeform: Shape 13">
+            <a:extLst>
+              <a:ext uri="{FF2B5EF4-FFF2-40B4-BE49-F238E27FC236}">
+                <a16:creationId xmlns:a16="http://schemas.microsoft.com/office/drawing/2014/main" id="{C607803A-4E99-444E-94F7-8785CDDF5849}"/>
+              </a:ext>
+              <a:ext uri="{C183D7F6-B498-43B3-948B-1728B52AA6E4}">
+                <adec:decorative xmlns:adec="http://schemas.microsoft.com/office/drawing/2017/decorative" val="1"/>
+              </a:ext>
+            </a:extLst>
+          </p:cNvPr>
+          <p:cNvSpPr>
+            <a:spLocks noGrp="1" noRot="1" noChangeAspect="1" noMove="1" noResize="1" noEditPoints="1" noAdjustHandles="1" noChangeArrowheads="1" noChangeShapeType="1" noTextEdit="1"/>
+          </p:cNvSpPr>
+          <p:nvPr>
+            <p:extLst>
+              <p:ext uri="{386F3935-93C4-4BCD-93E2-E3B085C9AB24}">
+                <p16:designElem xmlns:p16="http://schemas.microsoft.com/office/powerpoint/2015/main" val="1"/>
+              </p:ext>
+            </p:extLst>
+          </p:nvPr>
+        </p:nvSpPr>
+        <p:spPr bwMode="auto">
+          <a:xfrm flipH="1" flipV="1">
+            <a:off x="780154" y="1884045"/>
+            <a:ext cx="3275668" cy="2853308"/>
+          </a:xfrm>
+          <a:custGeom>
+            <a:avLst/>
+            <a:gdLst>
+              <a:gd name="connsiteX0" fmla="*/ 3275668 w 3275668"/>
+              <a:gd name="connsiteY0" fmla="*/ 2853308 h 2853308"/>
+              <a:gd name="connsiteX1" fmla="*/ 655 w 3275668"/>
+              <a:gd name="connsiteY1" fmla="*/ 2853308 h 2853308"/>
+              <a:gd name="connsiteX2" fmla="*/ 0 w 3275668"/>
+              <a:gd name="connsiteY2" fmla="*/ 2467565 h 2853308"/>
+              <a:gd name="connsiteX3" fmla="*/ 2869894 w 3275668"/>
+              <a:gd name="connsiteY3" fmla="*/ 2468888 h 2853308"/>
+              <a:gd name="connsiteX4" fmla="*/ 2869894 w 3275668"/>
+              <a:gd name="connsiteY4" fmla="*/ 0 h 2853308"/>
+              <a:gd name="connsiteX5" fmla="*/ 3275668 w 3275668"/>
+              <a:gd name="connsiteY5" fmla="*/ 0 h 2853308"/>
+            </a:gdLst>
+            <a:ahLst/>
+            <a:cxnLst>
+              <a:cxn ang="0">
+                <a:pos x="connsiteX0" y="connsiteY0"/>
+              </a:cxn>
+              <a:cxn ang="0">
+                <a:pos x="connsiteX1" y="connsiteY1"/>
+              </a:cxn>
+              <a:cxn ang="0">
+                <a:pos x="connsiteX2" y="connsiteY2"/>
+              </a:cxn>
+              <a:cxn ang="0">
+                <a:pos x="connsiteX3" y="connsiteY3"/>
+              </a:cxn>
+              <a:cxn ang="0">
+                <a:pos x="connsiteX4" y="connsiteY4"/>
+              </a:cxn>
+              <a:cxn ang="0">
+                <a:pos x="connsiteX5" y="connsiteY5"/>
+              </a:cxn>
+            </a:cxnLst>
+            <a:rect l="l" t="t" r="r" b="b"/>
+            <a:pathLst>
+              <a:path w="3275668" h="2853308">
+                <a:moveTo>
+                  <a:pt x="3275668" y="2853308"/>
+                </a:moveTo>
+                <a:lnTo>
+                  <a:pt x="655" y="2853308"/>
+                </a:lnTo>
+                <a:cubicBezTo>
+                  <a:pt x="-655" y="2720171"/>
+                  <a:pt x="1310" y="2600702"/>
+                  <a:pt x="0" y="2467565"/>
+                </a:cubicBezTo>
+                <a:lnTo>
+                  <a:pt x="2869894" y="2468888"/>
+                </a:lnTo>
+                <a:lnTo>
+                  <a:pt x="2869894" y="0"/>
+                </a:lnTo>
+                <a:lnTo>
+                  <a:pt x="3275668" y="0"/>
+                </a:lnTo>
+                <a:close/>
+              </a:path>
+            </a:pathLst>
+          </a:custGeom>
+          <a:solidFill>
+            <a:srgbClr val="4C4C4C"/>
+          </a:solidFill>
+          <a:ln w="0">
+            <a:noFill/>
+            <a:prstDash val="solid"/>
+            <a:round/>
+            <a:headEnd/>
+            <a:tailEnd/>
+          </a:ln>
+        </p:spPr>
+      </p:sp>
+      <p:sp>
+        <p:nvSpPr>
+          <p:cNvPr id="16" name="Freeform: Shape 15">
+            <a:extLst>
+              <a:ext uri="{FF2B5EF4-FFF2-40B4-BE49-F238E27FC236}">
+                <a16:creationId xmlns:a16="http://schemas.microsoft.com/office/drawing/2014/main" id="{2989BE6A-C309-418E-8ADD-1616A980570D}"/>
+              </a:ext>
+              <a:ext uri="{C183D7F6-B498-43B3-948B-1728B52AA6E4}">
+                <adec:decorative xmlns:adec="http://schemas.microsoft.com/office/drawing/2017/decorative" val="1"/>
+              </a:ext>
+            </a:extLst>
+          </p:cNvPr>
+          <p:cNvSpPr>
+            <a:spLocks noGrp="1" noRot="1" noChangeAspect="1" noMove="1" noResize="1" noEditPoints="1" noAdjustHandles="1" noChangeArrowheads="1" noChangeShapeType="1" noTextEdit="1"/>
+          </p:cNvSpPr>
+          <p:nvPr>
+            <p:extLst>
+              <p:ext uri="{386F3935-93C4-4BCD-93E2-E3B085C9AB24}">
+                <p16:designElem xmlns:p16="http://schemas.microsoft.com/office/powerpoint/2015/main" val="1"/>
+              </p:ext>
+            </p:extLst>
+          </p:nvPr>
+        </p:nvSpPr>
+        <p:spPr bwMode="auto">
+          <a:xfrm>
+            <a:off x="4055822" y="3222529"/>
+            <a:ext cx="3242952" cy="2828156"/>
+          </a:xfrm>
+          <a:custGeom>
+            <a:avLst/>
+            <a:gdLst>
+              <a:gd name="connsiteX0" fmla="*/ 2837178 w 3242952"/>
+              <a:gd name="connsiteY0" fmla="*/ 0 h 2828156"/>
+              <a:gd name="connsiteX1" fmla="*/ 3242952 w 3242952"/>
+              <a:gd name="connsiteY1" fmla="*/ 0 h 2828156"/>
+              <a:gd name="connsiteX2" fmla="*/ 3242952 w 3242952"/>
+              <a:gd name="connsiteY2" fmla="*/ 2828156 h 2828156"/>
+              <a:gd name="connsiteX3" fmla="*/ 0 w 3242952"/>
+              <a:gd name="connsiteY3" fmla="*/ 2828156 h 2828156"/>
+              <a:gd name="connsiteX4" fmla="*/ 0 w 3242952"/>
+              <a:gd name="connsiteY4" fmla="*/ 2442859 h 2828156"/>
+              <a:gd name="connsiteX5" fmla="*/ 2837178 w 3242952"/>
+              <a:gd name="connsiteY5" fmla="*/ 2443295 h 2828156"/>
+            </a:gdLst>
+            <a:ahLst/>
+            <a:cxnLst>
+              <a:cxn ang="0">
+                <a:pos x="connsiteX0" y="connsiteY0"/>
+              </a:cxn>
+              <a:cxn ang="0">
+                <a:pos x="connsiteX1" y="connsiteY1"/>
+              </a:cxn>
+              <a:cxn ang="0">
+                <a:pos x="connsiteX2" y="connsiteY2"/>
+              </a:cxn>
+              <a:cxn ang="0">
+                <a:pos x="connsiteX3" y="connsiteY3"/>
+              </a:cxn>
+              <a:cxn ang="0">
+                <a:pos x="connsiteX4" y="connsiteY4"/>
+              </a:cxn>
+              <a:cxn ang="0">
+                <a:pos x="connsiteX5" y="connsiteY5"/>
+              </a:cxn>
+            </a:cxnLst>
+            <a:rect l="l" t="t" r="r" b="b"/>
+            <a:pathLst>
+              <a:path w="3242952" h="2828156">
+                <a:moveTo>
+                  <a:pt x="2837178" y="0"/>
+                </a:moveTo>
+                <a:lnTo>
+                  <a:pt x="3242952" y="0"/>
+                </a:lnTo>
+                <a:lnTo>
+                  <a:pt x="3242952" y="2828156"/>
+                </a:lnTo>
+                <a:lnTo>
+                  <a:pt x="0" y="2828156"/>
+                </a:lnTo>
+                <a:lnTo>
+                  <a:pt x="0" y="2442859"/>
+                </a:lnTo>
+                <a:lnTo>
+                  <a:pt x="2837178" y="2443295"/>
+                </a:lnTo>
+                <a:close/>
+              </a:path>
+            </a:pathLst>
+          </a:custGeom>
+          <a:solidFill>
+            <a:srgbClr val="4C4C4C"/>
+          </a:solidFill>
+          <a:ln w="0">
+            <a:noFill/>
+            <a:prstDash val="solid"/>
+            <a:round/>
+            <a:headEnd/>
+            <a:tailEnd/>
+          </a:ln>
+        </p:spPr>
+        <p:txBody>
+          <a:bodyPr wrap="square">
+            <a:noAutofit/>
+          </a:bodyPr>
+          <a:lstStyle/>
+          <a:p>
+            <a:pPr marL="0" marR="0" lvl="0" indent="0" algn="l" defTabSz="914400" rtl="0" eaLnBrk="1" fontAlgn="auto" latinLnBrk="0" hangingPunct="1">
+              <a:lnSpc>
+                <a:spcPct val="100000"/>
+              </a:lnSpc>
+              <a:spcBef>
+                <a:spcPts val="0"/>
+              </a:spcBef>
+              <a:spcAft>
+                <a:spcPts val="0"/>
+              </a:spcAft>
+              <a:buClrTx/>
+              <a:buSzTx/>
+              <a:buFontTx/>
+              <a:buNone/>
+              <a:tabLst/>
+              <a:defRPr/>
+            </a:pPr>
+            <a:endParaRPr kumimoji="0" lang="en-US" sz="1800" b="0" i="0" u="none" strike="noStrike" kern="1200" cap="none" spc="0" normalizeH="0" baseline="0" noProof="0">
+              <a:ln>
+                <a:noFill/>
+              </a:ln>
+              <a:solidFill>
+                <a:prstClr val="black"/>
+              </a:solidFill>
+              <a:effectLst/>
+              <a:uLnTx/>
+              <a:uFillTx/>
+              <a:latin typeface="Calibri" panose="020F0502020204030204"/>
+              <a:ea typeface="+mn-ea"/>
+              <a:cs typeface="+mn-cs"/>
+            </a:endParaRPr>
+          </a:p>
+        </p:txBody>
+      </p:sp>
+      <p:sp>
+        <p:nvSpPr>
+          <p:cNvPr id="11" name="Content Placeholder 10">
+            <a:extLst>
+              <a:ext uri="{FF2B5EF4-FFF2-40B4-BE49-F238E27FC236}">
+                <a16:creationId xmlns:a16="http://schemas.microsoft.com/office/drawing/2014/main" id="{8DC07883-6FEB-4246-BFE9-889DDCF1DD98}"/>
+              </a:ext>
+            </a:extLst>
+          </p:cNvPr>
+          <p:cNvSpPr>
+            <a:spLocks noGrp="1"/>
+          </p:cNvSpPr>
+          <p:nvPr>
+            <p:ph idx="1"/>
+          </p:nvPr>
+        </p:nvSpPr>
+        <p:spPr>
+          <a:xfrm>
+            <a:off x="7781373" y="2279151"/>
+            <a:ext cx="3627063" cy="3387145"/>
+          </a:xfrm>
+        </p:spPr>
+        <p:txBody>
+          <a:bodyPr anchor="ctr">
+            <a:normAutofit/>
+          </a:bodyPr>
+          <a:lstStyle/>
+          <a:p>
+            <a:r>
+              <a:rPr lang="en-US" sz="2400" dirty="0" err="1"/>
+              <a:t>Detaillierte</a:t>
+            </a:r>
+            <a:r>
+              <a:rPr lang="en-US" sz="2400" dirty="0"/>
+              <a:t> </a:t>
+            </a:r>
+            <a:r>
+              <a:rPr lang="en-US" sz="2400" dirty="0" err="1"/>
+              <a:t>Informationen</a:t>
+            </a:r>
+            <a:endParaRPr lang="en-US" sz="2400" dirty="0"/>
+          </a:p>
+          <a:p>
+            <a:r>
+              <a:rPr lang="en-US" sz="2400" dirty="0" err="1"/>
+              <a:t>Kennlinien</a:t>
+            </a:r>
+            <a:endParaRPr lang="en-US" sz="2400" dirty="0"/>
+          </a:p>
+          <a:p>
+            <a:r>
+              <a:rPr lang="en-US" sz="2400" dirty="0" err="1"/>
+              <a:t>Fehleranalyse</a:t>
+            </a:r>
+            <a:endParaRPr lang="en-US" sz="2400" dirty="0"/>
+          </a:p>
+          <a:p>
+            <a:r>
+              <a:rPr lang="en-US" sz="2400" dirty="0"/>
+              <a:t>Downloads</a:t>
+            </a:r>
+          </a:p>
+          <a:p>
+            <a:r>
+              <a:rPr lang="en-US" sz="2400" dirty="0" err="1"/>
+              <a:t>Diskussionen</a:t>
+            </a:r>
+            <a:endParaRPr lang="en-US" sz="2400" dirty="0"/>
+          </a:p>
+        </p:txBody>
+      </p:sp>
+      <p:sp>
+        <p:nvSpPr>
+          <p:cNvPr id="4" name="Footer Placeholder 3">
+            <a:extLst>
+              <a:ext uri="{FF2B5EF4-FFF2-40B4-BE49-F238E27FC236}">
+                <a16:creationId xmlns:a16="http://schemas.microsoft.com/office/drawing/2014/main" id="{4F1639C5-FA60-4BF7-98BA-05F3753189A9}"/>
+              </a:ext>
+            </a:extLst>
+          </p:cNvPr>
+          <p:cNvSpPr>
+            <a:spLocks noGrp="1"/>
+          </p:cNvSpPr>
+          <p:nvPr>
+            <p:ph type="ftr" sz="quarter" idx="11"/>
+          </p:nvPr>
+        </p:nvSpPr>
+        <p:spPr>
+          <a:xfrm>
+            <a:off x="4038600" y="6356350"/>
+            <a:ext cx="4114800" cy="365125"/>
+          </a:xfrm>
+        </p:spPr>
+        <p:txBody>
+          <a:bodyPr>
+            <a:normAutofit/>
+          </a:bodyPr>
+          <a:lstStyle/>
+          <a:p>
+            <a:pPr>
+              <a:spcAft>
+                <a:spcPts val="600"/>
+              </a:spcAft>
+            </a:pPr>
+            <a:r>
+              <a:rPr lang="de-DE">
+                <a:solidFill>
+                  <a:prstClr val="black">
+                    <a:tint val="75000"/>
+                  </a:prstClr>
+                </a:solidFill>
+              </a:rPr>
+              <a:t>WS19/20 - PV-Modulportal - Rüffer, Vorwerk, Withöft, Zolkin</a:t>
+            </a:r>
+          </a:p>
+        </p:txBody>
+      </p:sp>
+      <p:sp>
+        <p:nvSpPr>
+          <p:cNvPr id="5" name="Slide Number Placeholder 4">
+            <a:extLst>
+              <a:ext uri="{FF2B5EF4-FFF2-40B4-BE49-F238E27FC236}">
+                <a16:creationId xmlns:a16="http://schemas.microsoft.com/office/drawing/2014/main" id="{A6093915-6888-4B2E-A7DB-162E0D0C61DB}"/>
+              </a:ext>
+            </a:extLst>
+          </p:cNvPr>
+          <p:cNvSpPr>
+            <a:spLocks noGrp="1"/>
+          </p:cNvSpPr>
+          <p:nvPr>
+            <p:ph type="sldNum" sz="quarter" idx="12"/>
+          </p:nvPr>
+        </p:nvSpPr>
+        <p:spPr>
+          <a:xfrm>
+            <a:off x="8610600" y="6356350"/>
+            <a:ext cx="2743200" cy="365125"/>
+          </a:xfrm>
+        </p:spPr>
+        <p:txBody>
+          <a:bodyPr>
+            <a:normAutofit/>
+          </a:bodyPr>
+          <a:lstStyle/>
+          <a:p>
+            <a:pPr>
+              <a:spcAft>
+                <a:spcPts val="600"/>
+              </a:spcAft>
+            </a:pPr>
+            <a:fld id="{969E759D-A893-4B96-8B48-96EE547EBC41}" type="slidenum">
+              <a:rPr lang="de-DE">
+                <a:solidFill>
+                  <a:prstClr val="black">
+                    <a:tint val="75000"/>
+                  </a:prstClr>
+                </a:solidFill>
+              </a:rPr>
+              <a:pPr>
+                <a:spcAft>
+                  <a:spcPts val="600"/>
+                </a:spcAft>
+              </a:pPr>
+              <a:t>6</a:t>
+            </a:fld>
+            <a:endParaRPr lang="de-DE">
+              <a:solidFill>
+                <a:prstClr val="black">
+                  <a:tint val="75000"/>
+                </a:prstClr>
+              </a:solidFill>
+            </a:endParaRPr>
+          </a:p>
+        </p:txBody>
+      </p:sp>
+    </p:spTree>
+    <p:extLst>
+      <p:ext uri="{BB962C8B-B14F-4D97-AF65-F5344CB8AC3E}">
+        <p14:creationId xmlns:p14="http://schemas.microsoft.com/office/powerpoint/2010/main" val="20718558"/>
       </p:ext>
     </p:extLst>
   </p:cSld>

--- a/docs/Seminarvortrag.pptx
+++ b/docs/Seminarvortrag.pptx
@@ -11,6 +11,8 @@
     <p:sldId id="261" r:id="rId5"/>
     <p:sldId id="260" r:id="rId6"/>
     <p:sldId id="262" r:id="rId7"/>
+    <p:sldId id="263" r:id="rId8"/>
+    <p:sldId id="264" r:id="rId9"/>
   </p:sldIdLst>
   <p:sldSz cx="12192000" cy="6858000"/>
   <p:notesSz cx="6858000" cy="9144000"/>
@@ -139,7 +141,7 @@
           <p:cNvPr id="2" name="Title 1">
             <a:extLst>
               <a:ext uri="{FF2B5EF4-FFF2-40B4-BE49-F238E27FC236}">
-                <a16:creationId xmlns:a16="http://schemas.microsoft.com/office/drawing/2014/main" id="{046DBCE4-E0EF-4FEE-80D5-A702C3556002}"/>
+                <a16:creationId xmlns:a16="http://schemas.microsoft.com/office/drawing/2014/main" xmlns="" id="{046DBCE4-E0EF-4FEE-80D5-A702C3556002}"/>
               </a:ext>
             </a:extLst>
           </p:cNvPr>
@@ -177,7 +179,7 @@
           <p:cNvPr id="3" name="Subtitle 2">
             <a:extLst>
               <a:ext uri="{FF2B5EF4-FFF2-40B4-BE49-F238E27FC236}">
-                <a16:creationId xmlns:a16="http://schemas.microsoft.com/office/drawing/2014/main" id="{7E50572C-23B8-4844-BEA8-67547B46B854}"/>
+                <a16:creationId xmlns:a16="http://schemas.microsoft.com/office/drawing/2014/main" xmlns="" id="{7E50572C-23B8-4844-BEA8-67547B46B854}"/>
               </a:ext>
             </a:extLst>
           </p:cNvPr>
@@ -248,7 +250,7 @@
           <p:cNvPr id="4" name="Date Placeholder 3">
             <a:extLst>
               <a:ext uri="{FF2B5EF4-FFF2-40B4-BE49-F238E27FC236}">
-                <a16:creationId xmlns:a16="http://schemas.microsoft.com/office/drawing/2014/main" id="{100022F9-A075-4D48-821D-C3BBF5EF6DB8}"/>
+                <a16:creationId xmlns:a16="http://schemas.microsoft.com/office/drawing/2014/main" xmlns="" id="{100022F9-A075-4D48-821D-C3BBF5EF6DB8}"/>
               </a:ext>
             </a:extLst>
           </p:cNvPr>
@@ -266,7 +268,7 @@
           <a:p>
             <a:fld id="{45D0F98D-38D5-4C1A-A003-148E75DBF760}" type="datetime1">
               <a:rPr lang="de-DE" smtClean="0"/>
-              <a:t>08.12.2019</a:t>
+              <a:t>09.12.2019</a:t>
             </a:fld>
             <a:endParaRPr lang="de-DE"/>
           </a:p>
@@ -277,7 +279,7 @@
           <p:cNvPr id="5" name="Footer Placeholder 4">
             <a:extLst>
               <a:ext uri="{FF2B5EF4-FFF2-40B4-BE49-F238E27FC236}">
-                <a16:creationId xmlns:a16="http://schemas.microsoft.com/office/drawing/2014/main" id="{EC31605A-96D3-4AE5-8AB0-795CD0B5F4FF}"/>
+                <a16:creationId xmlns:a16="http://schemas.microsoft.com/office/drawing/2014/main" xmlns="" id="{EC31605A-96D3-4AE5-8AB0-795CD0B5F4FF}"/>
               </a:ext>
             </a:extLst>
           </p:cNvPr>
@@ -305,7 +307,7 @@
           <p:cNvPr id="6" name="Slide Number Placeholder 5">
             <a:extLst>
               <a:ext uri="{FF2B5EF4-FFF2-40B4-BE49-F238E27FC236}">
-                <a16:creationId xmlns:a16="http://schemas.microsoft.com/office/drawing/2014/main" id="{57DF77BF-007F-4C70-98E2-83A1A7E91C87}"/>
+                <a16:creationId xmlns:a16="http://schemas.microsoft.com/office/drawing/2014/main" xmlns="" id="{57DF77BF-007F-4C70-98E2-83A1A7E91C87}"/>
               </a:ext>
             </a:extLst>
           </p:cNvPr>
@@ -323,7 +325,7 @@
           <a:p>
             <a:fld id="{969E759D-A893-4B96-8B48-96EE547EBC41}" type="slidenum">
               <a:rPr lang="de-DE" smtClean="0"/>
-              <a:t>‹#›</a:t>
+              <a:t>‹Nr.›</a:t>
             </a:fld>
             <a:endParaRPr lang="de-DE"/>
           </a:p>
@@ -364,7 +366,7 @@
           <p:cNvPr id="2" name="Title 1">
             <a:extLst>
               <a:ext uri="{FF2B5EF4-FFF2-40B4-BE49-F238E27FC236}">
-                <a16:creationId xmlns:a16="http://schemas.microsoft.com/office/drawing/2014/main" id="{50547723-A745-4136-9E9B-C54A2591C03E}"/>
+                <a16:creationId xmlns:a16="http://schemas.microsoft.com/office/drawing/2014/main" xmlns="" id="{50547723-A745-4136-9E9B-C54A2591C03E}"/>
               </a:ext>
             </a:extLst>
           </p:cNvPr>
@@ -393,7 +395,7 @@
           <p:cNvPr id="3" name="Vertical Text Placeholder 2">
             <a:extLst>
               <a:ext uri="{FF2B5EF4-FFF2-40B4-BE49-F238E27FC236}">
-                <a16:creationId xmlns:a16="http://schemas.microsoft.com/office/drawing/2014/main" id="{19A1C7A2-1B43-4C6D-A293-C7FFD55FA198}"/>
+                <a16:creationId xmlns:a16="http://schemas.microsoft.com/office/drawing/2014/main" xmlns="" id="{19A1C7A2-1B43-4C6D-A293-C7FFD55FA198}"/>
               </a:ext>
             </a:extLst>
           </p:cNvPr>
@@ -451,7 +453,7 @@
           <p:cNvPr id="4" name="Date Placeholder 3">
             <a:extLst>
               <a:ext uri="{FF2B5EF4-FFF2-40B4-BE49-F238E27FC236}">
-                <a16:creationId xmlns:a16="http://schemas.microsoft.com/office/drawing/2014/main" id="{E4D750D0-43FF-490C-A9D5-FAD09D16CB56}"/>
+                <a16:creationId xmlns:a16="http://schemas.microsoft.com/office/drawing/2014/main" xmlns="" id="{E4D750D0-43FF-490C-A9D5-FAD09D16CB56}"/>
               </a:ext>
             </a:extLst>
           </p:cNvPr>
@@ -469,7 +471,7 @@
           <a:p>
             <a:fld id="{35EE94FD-1B66-443A-A78C-7063FFFB3DB5}" type="datetime1">
               <a:rPr lang="de-DE" smtClean="0"/>
-              <a:t>08.12.2019</a:t>
+              <a:t>09.12.2019</a:t>
             </a:fld>
             <a:endParaRPr lang="de-DE"/>
           </a:p>
@@ -480,7 +482,7 @@
           <p:cNvPr id="5" name="Footer Placeholder 4">
             <a:extLst>
               <a:ext uri="{FF2B5EF4-FFF2-40B4-BE49-F238E27FC236}">
-                <a16:creationId xmlns:a16="http://schemas.microsoft.com/office/drawing/2014/main" id="{52720C74-982E-4771-B07D-A0BD79EC910E}"/>
+                <a16:creationId xmlns:a16="http://schemas.microsoft.com/office/drawing/2014/main" xmlns="" id="{52720C74-982E-4771-B07D-A0BD79EC910E}"/>
               </a:ext>
             </a:extLst>
           </p:cNvPr>
@@ -508,7 +510,7 @@
           <p:cNvPr id="6" name="Slide Number Placeholder 5">
             <a:extLst>
               <a:ext uri="{FF2B5EF4-FFF2-40B4-BE49-F238E27FC236}">
-                <a16:creationId xmlns:a16="http://schemas.microsoft.com/office/drawing/2014/main" id="{521B4D69-0D90-4E66-BBD6-D567927F056E}"/>
+                <a16:creationId xmlns:a16="http://schemas.microsoft.com/office/drawing/2014/main" xmlns="" id="{521B4D69-0D90-4E66-BBD6-D567927F056E}"/>
               </a:ext>
             </a:extLst>
           </p:cNvPr>
@@ -526,7 +528,7 @@
           <a:p>
             <a:fld id="{969E759D-A893-4B96-8B48-96EE547EBC41}" type="slidenum">
               <a:rPr lang="de-DE" smtClean="0"/>
-              <a:t>‹#›</a:t>
+              <a:t>‹Nr.›</a:t>
             </a:fld>
             <a:endParaRPr lang="de-DE"/>
           </a:p>
@@ -567,7 +569,7 @@
           <p:cNvPr id="2" name="Vertical Title 1">
             <a:extLst>
               <a:ext uri="{FF2B5EF4-FFF2-40B4-BE49-F238E27FC236}">
-                <a16:creationId xmlns:a16="http://schemas.microsoft.com/office/drawing/2014/main" id="{2CAD75F2-C38E-4541-87A7-F319E899E67A}"/>
+                <a16:creationId xmlns:a16="http://schemas.microsoft.com/office/drawing/2014/main" xmlns="" id="{2CAD75F2-C38E-4541-87A7-F319E899E67A}"/>
               </a:ext>
             </a:extLst>
           </p:cNvPr>
@@ -601,7 +603,7 @@
           <p:cNvPr id="3" name="Vertical Text Placeholder 2">
             <a:extLst>
               <a:ext uri="{FF2B5EF4-FFF2-40B4-BE49-F238E27FC236}">
-                <a16:creationId xmlns:a16="http://schemas.microsoft.com/office/drawing/2014/main" id="{4C062E13-06CB-485A-AA44-1327366B8430}"/>
+                <a16:creationId xmlns:a16="http://schemas.microsoft.com/office/drawing/2014/main" xmlns="" id="{4C062E13-06CB-485A-AA44-1327366B8430}"/>
               </a:ext>
             </a:extLst>
           </p:cNvPr>
@@ -664,7 +666,7 @@
           <p:cNvPr id="4" name="Date Placeholder 3">
             <a:extLst>
               <a:ext uri="{FF2B5EF4-FFF2-40B4-BE49-F238E27FC236}">
-                <a16:creationId xmlns:a16="http://schemas.microsoft.com/office/drawing/2014/main" id="{625F218E-01D2-451A-9031-AD736B1E20A6}"/>
+                <a16:creationId xmlns:a16="http://schemas.microsoft.com/office/drawing/2014/main" xmlns="" id="{625F218E-01D2-451A-9031-AD736B1E20A6}"/>
               </a:ext>
             </a:extLst>
           </p:cNvPr>
@@ -682,7 +684,7 @@
           <a:p>
             <a:fld id="{846435C6-9F94-4AA4-B35A-39DE494D17EA}" type="datetime1">
               <a:rPr lang="de-DE" smtClean="0"/>
-              <a:t>08.12.2019</a:t>
+              <a:t>09.12.2019</a:t>
             </a:fld>
             <a:endParaRPr lang="de-DE"/>
           </a:p>
@@ -693,7 +695,7 @@
           <p:cNvPr id="5" name="Footer Placeholder 4">
             <a:extLst>
               <a:ext uri="{FF2B5EF4-FFF2-40B4-BE49-F238E27FC236}">
-                <a16:creationId xmlns:a16="http://schemas.microsoft.com/office/drawing/2014/main" id="{C7083295-EF4A-46C3-90BB-B9E2D04D0576}"/>
+                <a16:creationId xmlns:a16="http://schemas.microsoft.com/office/drawing/2014/main" xmlns="" id="{C7083295-EF4A-46C3-90BB-B9E2D04D0576}"/>
               </a:ext>
             </a:extLst>
           </p:cNvPr>
@@ -721,7 +723,7 @@
           <p:cNvPr id="6" name="Slide Number Placeholder 5">
             <a:extLst>
               <a:ext uri="{FF2B5EF4-FFF2-40B4-BE49-F238E27FC236}">
-                <a16:creationId xmlns:a16="http://schemas.microsoft.com/office/drawing/2014/main" id="{0F8EDD3E-35ED-415B-86A4-3E78B8B56297}"/>
+                <a16:creationId xmlns:a16="http://schemas.microsoft.com/office/drawing/2014/main" xmlns="" id="{0F8EDD3E-35ED-415B-86A4-3E78B8B56297}"/>
               </a:ext>
             </a:extLst>
           </p:cNvPr>
@@ -739,7 +741,7 @@
           <a:p>
             <a:fld id="{969E759D-A893-4B96-8B48-96EE547EBC41}" type="slidenum">
               <a:rPr lang="de-DE" smtClean="0"/>
-              <a:t>‹#›</a:t>
+              <a:t>‹Nr.›</a:t>
             </a:fld>
             <a:endParaRPr lang="de-DE"/>
           </a:p>
@@ -780,7 +782,7 @@
           <p:cNvPr id="2" name="Title 1">
             <a:extLst>
               <a:ext uri="{FF2B5EF4-FFF2-40B4-BE49-F238E27FC236}">
-                <a16:creationId xmlns:a16="http://schemas.microsoft.com/office/drawing/2014/main" id="{3EC23AC9-B405-43A9-9B49-DD554606884B}"/>
+                <a16:creationId xmlns:a16="http://schemas.microsoft.com/office/drawing/2014/main" xmlns="" id="{3EC23AC9-B405-43A9-9B49-DD554606884B}"/>
               </a:ext>
             </a:extLst>
           </p:cNvPr>
@@ -809,7 +811,7 @@
           <p:cNvPr id="3" name="Content Placeholder 2">
             <a:extLst>
               <a:ext uri="{FF2B5EF4-FFF2-40B4-BE49-F238E27FC236}">
-                <a16:creationId xmlns:a16="http://schemas.microsoft.com/office/drawing/2014/main" id="{5A1ED858-EF3B-4519-8B6B-57FF232A60D6}"/>
+                <a16:creationId xmlns:a16="http://schemas.microsoft.com/office/drawing/2014/main" xmlns="" id="{5A1ED858-EF3B-4519-8B6B-57FF232A60D6}"/>
               </a:ext>
             </a:extLst>
           </p:cNvPr>
@@ -867,7 +869,7 @@
           <p:cNvPr id="4" name="Date Placeholder 3">
             <a:extLst>
               <a:ext uri="{FF2B5EF4-FFF2-40B4-BE49-F238E27FC236}">
-                <a16:creationId xmlns:a16="http://schemas.microsoft.com/office/drawing/2014/main" id="{C8150030-2F31-4B9A-B432-2B22C4DE6212}"/>
+                <a16:creationId xmlns:a16="http://schemas.microsoft.com/office/drawing/2014/main" xmlns="" id="{C8150030-2F31-4B9A-B432-2B22C4DE6212}"/>
               </a:ext>
             </a:extLst>
           </p:cNvPr>
@@ -885,7 +887,7 @@
           <a:p>
             <a:fld id="{7BA378BF-52EB-4C5B-B6BB-996DFE0988BD}" type="datetime1">
               <a:rPr lang="de-DE" smtClean="0"/>
-              <a:t>08.12.2019</a:t>
+              <a:t>09.12.2019</a:t>
             </a:fld>
             <a:endParaRPr lang="de-DE"/>
           </a:p>
@@ -896,7 +898,7 @@
           <p:cNvPr id="5" name="Footer Placeholder 4">
             <a:extLst>
               <a:ext uri="{FF2B5EF4-FFF2-40B4-BE49-F238E27FC236}">
-                <a16:creationId xmlns:a16="http://schemas.microsoft.com/office/drawing/2014/main" id="{9D0121CD-2AA3-4C77-A2DC-710EE8AD1DE5}"/>
+                <a16:creationId xmlns:a16="http://schemas.microsoft.com/office/drawing/2014/main" xmlns="" id="{9D0121CD-2AA3-4C77-A2DC-710EE8AD1DE5}"/>
               </a:ext>
             </a:extLst>
           </p:cNvPr>
@@ -924,7 +926,7 @@
           <p:cNvPr id="6" name="Slide Number Placeholder 5">
             <a:extLst>
               <a:ext uri="{FF2B5EF4-FFF2-40B4-BE49-F238E27FC236}">
-                <a16:creationId xmlns:a16="http://schemas.microsoft.com/office/drawing/2014/main" id="{D230A6F5-C59C-4467-990E-B7673CFF0B72}"/>
+                <a16:creationId xmlns:a16="http://schemas.microsoft.com/office/drawing/2014/main" xmlns="" id="{D230A6F5-C59C-4467-990E-B7673CFF0B72}"/>
               </a:ext>
             </a:extLst>
           </p:cNvPr>
@@ -942,7 +944,7 @@
           <a:p>
             <a:fld id="{969E759D-A893-4B96-8B48-96EE547EBC41}" type="slidenum">
               <a:rPr lang="de-DE" smtClean="0"/>
-              <a:t>‹#›</a:t>
+              <a:t>‹Nr.›</a:t>
             </a:fld>
             <a:endParaRPr lang="de-DE"/>
           </a:p>
@@ -983,7 +985,7 @@
           <p:cNvPr id="2" name="Title 1">
             <a:extLst>
               <a:ext uri="{FF2B5EF4-FFF2-40B4-BE49-F238E27FC236}">
-                <a16:creationId xmlns:a16="http://schemas.microsoft.com/office/drawing/2014/main" id="{BF936881-31C9-42FA-A745-EA48C2B1D924}"/>
+                <a16:creationId xmlns:a16="http://schemas.microsoft.com/office/drawing/2014/main" xmlns="" id="{BF936881-31C9-42FA-A745-EA48C2B1D924}"/>
               </a:ext>
             </a:extLst>
           </p:cNvPr>
@@ -1021,7 +1023,7 @@
           <p:cNvPr id="3" name="Text Placeholder 2">
             <a:extLst>
               <a:ext uri="{FF2B5EF4-FFF2-40B4-BE49-F238E27FC236}">
-                <a16:creationId xmlns:a16="http://schemas.microsoft.com/office/drawing/2014/main" id="{F4F81A45-5932-4C85-A105-4077AD8D9885}"/>
+                <a16:creationId xmlns:a16="http://schemas.microsoft.com/office/drawing/2014/main" xmlns="" id="{F4F81A45-5932-4C85-A105-4077AD8D9885}"/>
               </a:ext>
             </a:extLst>
           </p:cNvPr>
@@ -1146,7 +1148,7 @@
           <p:cNvPr id="4" name="Date Placeholder 3">
             <a:extLst>
               <a:ext uri="{FF2B5EF4-FFF2-40B4-BE49-F238E27FC236}">
-                <a16:creationId xmlns:a16="http://schemas.microsoft.com/office/drawing/2014/main" id="{FF8CFA83-5D09-45E6-BFEE-A02E8D514255}"/>
+                <a16:creationId xmlns:a16="http://schemas.microsoft.com/office/drawing/2014/main" xmlns="" id="{FF8CFA83-5D09-45E6-BFEE-A02E8D514255}"/>
               </a:ext>
             </a:extLst>
           </p:cNvPr>
@@ -1164,7 +1166,7 @@
           <a:p>
             <a:fld id="{546325AB-2200-4FF3-AF2A-B172FFDDBDF4}" type="datetime1">
               <a:rPr lang="de-DE" smtClean="0"/>
-              <a:t>08.12.2019</a:t>
+              <a:t>09.12.2019</a:t>
             </a:fld>
             <a:endParaRPr lang="de-DE"/>
           </a:p>
@@ -1175,7 +1177,7 @@
           <p:cNvPr id="5" name="Footer Placeholder 4">
             <a:extLst>
               <a:ext uri="{FF2B5EF4-FFF2-40B4-BE49-F238E27FC236}">
-                <a16:creationId xmlns:a16="http://schemas.microsoft.com/office/drawing/2014/main" id="{A79C5C45-F0F7-4E1E-A0BA-F748D717175A}"/>
+                <a16:creationId xmlns:a16="http://schemas.microsoft.com/office/drawing/2014/main" xmlns="" id="{A79C5C45-F0F7-4E1E-A0BA-F748D717175A}"/>
               </a:ext>
             </a:extLst>
           </p:cNvPr>
@@ -1203,7 +1205,7 @@
           <p:cNvPr id="6" name="Slide Number Placeholder 5">
             <a:extLst>
               <a:ext uri="{FF2B5EF4-FFF2-40B4-BE49-F238E27FC236}">
-                <a16:creationId xmlns:a16="http://schemas.microsoft.com/office/drawing/2014/main" id="{0B6BC97A-AFA3-4F0C-AF54-B5654540B753}"/>
+                <a16:creationId xmlns:a16="http://schemas.microsoft.com/office/drawing/2014/main" xmlns="" id="{0B6BC97A-AFA3-4F0C-AF54-B5654540B753}"/>
               </a:ext>
             </a:extLst>
           </p:cNvPr>
@@ -1221,7 +1223,7 @@
           <a:p>
             <a:fld id="{969E759D-A893-4B96-8B48-96EE547EBC41}" type="slidenum">
               <a:rPr lang="de-DE" smtClean="0"/>
-              <a:t>‹#›</a:t>
+              <a:t>‹Nr.›</a:t>
             </a:fld>
             <a:endParaRPr lang="de-DE"/>
           </a:p>
@@ -1262,7 +1264,7 @@
           <p:cNvPr id="2" name="Title 1">
             <a:extLst>
               <a:ext uri="{FF2B5EF4-FFF2-40B4-BE49-F238E27FC236}">
-                <a16:creationId xmlns:a16="http://schemas.microsoft.com/office/drawing/2014/main" id="{767E744E-0BBE-4077-8230-C905D1B7B2F6}"/>
+                <a16:creationId xmlns:a16="http://schemas.microsoft.com/office/drawing/2014/main" xmlns="" id="{767E744E-0BBE-4077-8230-C905D1B7B2F6}"/>
               </a:ext>
             </a:extLst>
           </p:cNvPr>
@@ -1291,7 +1293,7 @@
           <p:cNvPr id="3" name="Content Placeholder 2">
             <a:extLst>
               <a:ext uri="{FF2B5EF4-FFF2-40B4-BE49-F238E27FC236}">
-                <a16:creationId xmlns:a16="http://schemas.microsoft.com/office/drawing/2014/main" id="{0C95CA8F-8400-44E9-982B-20F711B51A51}"/>
+                <a16:creationId xmlns:a16="http://schemas.microsoft.com/office/drawing/2014/main" xmlns="" id="{0C95CA8F-8400-44E9-982B-20F711B51A51}"/>
               </a:ext>
             </a:extLst>
           </p:cNvPr>
@@ -1354,7 +1356,7 @@
           <p:cNvPr id="4" name="Content Placeholder 3">
             <a:extLst>
               <a:ext uri="{FF2B5EF4-FFF2-40B4-BE49-F238E27FC236}">
-                <a16:creationId xmlns:a16="http://schemas.microsoft.com/office/drawing/2014/main" id="{8FFC5013-EAEC-446A-836B-EE12B52AF1EE}"/>
+                <a16:creationId xmlns:a16="http://schemas.microsoft.com/office/drawing/2014/main" xmlns="" id="{8FFC5013-EAEC-446A-836B-EE12B52AF1EE}"/>
               </a:ext>
             </a:extLst>
           </p:cNvPr>
@@ -1417,7 +1419,7 @@
           <p:cNvPr id="5" name="Date Placeholder 4">
             <a:extLst>
               <a:ext uri="{FF2B5EF4-FFF2-40B4-BE49-F238E27FC236}">
-                <a16:creationId xmlns:a16="http://schemas.microsoft.com/office/drawing/2014/main" id="{E310F9EB-66BC-4C02-949E-4481CE3C774C}"/>
+                <a16:creationId xmlns:a16="http://schemas.microsoft.com/office/drawing/2014/main" xmlns="" id="{E310F9EB-66BC-4C02-949E-4481CE3C774C}"/>
               </a:ext>
             </a:extLst>
           </p:cNvPr>
@@ -1435,7 +1437,7 @@
           <a:p>
             <a:fld id="{4BD4E413-4B36-416A-99F8-917101FD3552}" type="datetime1">
               <a:rPr lang="de-DE" smtClean="0"/>
-              <a:t>08.12.2019</a:t>
+              <a:t>09.12.2019</a:t>
             </a:fld>
             <a:endParaRPr lang="de-DE"/>
           </a:p>
@@ -1446,7 +1448,7 @@
           <p:cNvPr id="6" name="Footer Placeholder 5">
             <a:extLst>
               <a:ext uri="{FF2B5EF4-FFF2-40B4-BE49-F238E27FC236}">
-                <a16:creationId xmlns:a16="http://schemas.microsoft.com/office/drawing/2014/main" id="{74C21129-AF84-4DC7-B6AB-10366106430C}"/>
+                <a16:creationId xmlns:a16="http://schemas.microsoft.com/office/drawing/2014/main" xmlns="" id="{74C21129-AF84-4DC7-B6AB-10366106430C}"/>
               </a:ext>
             </a:extLst>
           </p:cNvPr>
@@ -1474,7 +1476,7 @@
           <p:cNvPr id="7" name="Slide Number Placeholder 6">
             <a:extLst>
               <a:ext uri="{FF2B5EF4-FFF2-40B4-BE49-F238E27FC236}">
-                <a16:creationId xmlns:a16="http://schemas.microsoft.com/office/drawing/2014/main" id="{6C1A3CA7-9108-4644-9A69-9E5AEB0B2AD0}"/>
+                <a16:creationId xmlns:a16="http://schemas.microsoft.com/office/drawing/2014/main" xmlns="" id="{6C1A3CA7-9108-4644-9A69-9E5AEB0B2AD0}"/>
               </a:ext>
             </a:extLst>
           </p:cNvPr>
@@ -1492,7 +1494,7 @@
           <a:p>
             <a:fld id="{969E759D-A893-4B96-8B48-96EE547EBC41}" type="slidenum">
               <a:rPr lang="de-DE" smtClean="0"/>
-              <a:t>‹#›</a:t>
+              <a:t>‹Nr.›</a:t>
             </a:fld>
             <a:endParaRPr lang="de-DE"/>
           </a:p>
@@ -1533,7 +1535,7 @@
           <p:cNvPr id="2" name="Title 1">
             <a:extLst>
               <a:ext uri="{FF2B5EF4-FFF2-40B4-BE49-F238E27FC236}">
-                <a16:creationId xmlns:a16="http://schemas.microsoft.com/office/drawing/2014/main" id="{33AA1592-15D3-4F0B-B2E7-C95CBA7D7F4C}"/>
+                <a16:creationId xmlns:a16="http://schemas.microsoft.com/office/drawing/2014/main" xmlns="" id="{33AA1592-15D3-4F0B-B2E7-C95CBA7D7F4C}"/>
               </a:ext>
             </a:extLst>
           </p:cNvPr>
@@ -1567,7 +1569,7 @@
           <p:cNvPr id="3" name="Text Placeholder 2">
             <a:extLst>
               <a:ext uri="{FF2B5EF4-FFF2-40B4-BE49-F238E27FC236}">
-                <a16:creationId xmlns:a16="http://schemas.microsoft.com/office/drawing/2014/main" id="{3BC98F03-C09F-41CB-A02C-235FEF123879}"/>
+                <a16:creationId xmlns:a16="http://schemas.microsoft.com/office/drawing/2014/main" xmlns="" id="{3BC98F03-C09F-41CB-A02C-235FEF123879}"/>
               </a:ext>
             </a:extLst>
           </p:cNvPr>
@@ -1638,7 +1640,7 @@
           <p:cNvPr id="4" name="Content Placeholder 3">
             <a:extLst>
               <a:ext uri="{FF2B5EF4-FFF2-40B4-BE49-F238E27FC236}">
-                <a16:creationId xmlns:a16="http://schemas.microsoft.com/office/drawing/2014/main" id="{2B41E649-41F5-4E43-B982-FA612CCD2DF0}"/>
+                <a16:creationId xmlns:a16="http://schemas.microsoft.com/office/drawing/2014/main" xmlns="" id="{2B41E649-41F5-4E43-B982-FA612CCD2DF0}"/>
               </a:ext>
             </a:extLst>
           </p:cNvPr>
@@ -1701,7 +1703,7 @@
           <p:cNvPr id="5" name="Text Placeholder 4">
             <a:extLst>
               <a:ext uri="{FF2B5EF4-FFF2-40B4-BE49-F238E27FC236}">
-                <a16:creationId xmlns:a16="http://schemas.microsoft.com/office/drawing/2014/main" id="{37D7ABD1-D2B0-4CF0-8B82-C5D1C4FD84AF}"/>
+                <a16:creationId xmlns:a16="http://schemas.microsoft.com/office/drawing/2014/main" xmlns="" id="{37D7ABD1-D2B0-4CF0-8B82-C5D1C4FD84AF}"/>
               </a:ext>
             </a:extLst>
           </p:cNvPr>
@@ -1772,7 +1774,7 @@
           <p:cNvPr id="6" name="Content Placeholder 5">
             <a:extLst>
               <a:ext uri="{FF2B5EF4-FFF2-40B4-BE49-F238E27FC236}">
-                <a16:creationId xmlns:a16="http://schemas.microsoft.com/office/drawing/2014/main" id="{9E3897D1-02F3-412B-83EF-28A5CF402015}"/>
+                <a16:creationId xmlns:a16="http://schemas.microsoft.com/office/drawing/2014/main" xmlns="" id="{9E3897D1-02F3-412B-83EF-28A5CF402015}"/>
               </a:ext>
             </a:extLst>
           </p:cNvPr>
@@ -1835,7 +1837,7 @@
           <p:cNvPr id="7" name="Date Placeholder 6">
             <a:extLst>
               <a:ext uri="{FF2B5EF4-FFF2-40B4-BE49-F238E27FC236}">
-                <a16:creationId xmlns:a16="http://schemas.microsoft.com/office/drawing/2014/main" id="{9EA6E2B4-4A3E-4E96-98E5-D833ADA54890}"/>
+                <a16:creationId xmlns:a16="http://schemas.microsoft.com/office/drawing/2014/main" xmlns="" id="{9EA6E2B4-4A3E-4E96-98E5-D833ADA54890}"/>
               </a:ext>
             </a:extLst>
           </p:cNvPr>
@@ -1853,7 +1855,7 @@
           <a:p>
             <a:fld id="{350CD5BB-2135-4C1C-9EB9-6B104A7F1852}" type="datetime1">
               <a:rPr lang="de-DE" smtClean="0"/>
-              <a:t>08.12.2019</a:t>
+              <a:t>09.12.2019</a:t>
             </a:fld>
             <a:endParaRPr lang="de-DE"/>
           </a:p>
@@ -1864,7 +1866,7 @@
           <p:cNvPr id="8" name="Footer Placeholder 7">
             <a:extLst>
               <a:ext uri="{FF2B5EF4-FFF2-40B4-BE49-F238E27FC236}">
-                <a16:creationId xmlns:a16="http://schemas.microsoft.com/office/drawing/2014/main" id="{5AC79E77-5927-4B6F-9B63-ADABE239B453}"/>
+                <a16:creationId xmlns:a16="http://schemas.microsoft.com/office/drawing/2014/main" xmlns="" id="{5AC79E77-5927-4B6F-9B63-ADABE239B453}"/>
               </a:ext>
             </a:extLst>
           </p:cNvPr>
@@ -1892,7 +1894,7 @@
           <p:cNvPr id="9" name="Slide Number Placeholder 8">
             <a:extLst>
               <a:ext uri="{FF2B5EF4-FFF2-40B4-BE49-F238E27FC236}">
-                <a16:creationId xmlns:a16="http://schemas.microsoft.com/office/drawing/2014/main" id="{37B9B9C8-ED50-4852-B9F1-48A216BB03D1}"/>
+                <a16:creationId xmlns:a16="http://schemas.microsoft.com/office/drawing/2014/main" xmlns="" id="{37B9B9C8-ED50-4852-B9F1-48A216BB03D1}"/>
               </a:ext>
             </a:extLst>
           </p:cNvPr>
@@ -1910,7 +1912,7 @@
           <a:p>
             <a:fld id="{969E759D-A893-4B96-8B48-96EE547EBC41}" type="slidenum">
               <a:rPr lang="de-DE" smtClean="0"/>
-              <a:t>‹#›</a:t>
+              <a:t>‹Nr.›</a:t>
             </a:fld>
             <a:endParaRPr lang="de-DE"/>
           </a:p>
@@ -1951,7 +1953,7 @@
           <p:cNvPr id="2" name="Title 1">
             <a:extLst>
               <a:ext uri="{FF2B5EF4-FFF2-40B4-BE49-F238E27FC236}">
-                <a16:creationId xmlns:a16="http://schemas.microsoft.com/office/drawing/2014/main" id="{AFFF9CCC-3D72-4E6D-9B55-5BDB2AB422C8}"/>
+                <a16:creationId xmlns:a16="http://schemas.microsoft.com/office/drawing/2014/main" xmlns="" id="{AFFF9CCC-3D72-4E6D-9B55-5BDB2AB422C8}"/>
               </a:ext>
             </a:extLst>
           </p:cNvPr>
@@ -1980,7 +1982,7 @@
           <p:cNvPr id="3" name="Date Placeholder 2">
             <a:extLst>
               <a:ext uri="{FF2B5EF4-FFF2-40B4-BE49-F238E27FC236}">
-                <a16:creationId xmlns:a16="http://schemas.microsoft.com/office/drawing/2014/main" id="{0B6C3247-58E3-4CD5-BAA0-DA75A819FDB7}"/>
+                <a16:creationId xmlns:a16="http://schemas.microsoft.com/office/drawing/2014/main" xmlns="" id="{0B6C3247-58E3-4CD5-BAA0-DA75A819FDB7}"/>
               </a:ext>
             </a:extLst>
           </p:cNvPr>
@@ -1998,7 +2000,7 @@
           <a:p>
             <a:fld id="{5F8EFD36-9E63-4951-BEF9-F6B8ACF9848D}" type="datetime1">
               <a:rPr lang="de-DE" smtClean="0"/>
-              <a:t>08.12.2019</a:t>
+              <a:t>09.12.2019</a:t>
             </a:fld>
             <a:endParaRPr lang="de-DE"/>
           </a:p>
@@ -2009,7 +2011,7 @@
           <p:cNvPr id="4" name="Footer Placeholder 3">
             <a:extLst>
               <a:ext uri="{FF2B5EF4-FFF2-40B4-BE49-F238E27FC236}">
-                <a16:creationId xmlns:a16="http://schemas.microsoft.com/office/drawing/2014/main" id="{F337865A-A6D7-4B6F-AACB-CF758CA5DFEF}"/>
+                <a16:creationId xmlns:a16="http://schemas.microsoft.com/office/drawing/2014/main" xmlns="" id="{F337865A-A6D7-4B6F-AACB-CF758CA5DFEF}"/>
               </a:ext>
             </a:extLst>
           </p:cNvPr>
@@ -2037,7 +2039,7 @@
           <p:cNvPr id="5" name="Slide Number Placeholder 4">
             <a:extLst>
               <a:ext uri="{FF2B5EF4-FFF2-40B4-BE49-F238E27FC236}">
-                <a16:creationId xmlns:a16="http://schemas.microsoft.com/office/drawing/2014/main" id="{3686C1C5-74DF-47F5-99D6-4A48265FCC9A}"/>
+                <a16:creationId xmlns:a16="http://schemas.microsoft.com/office/drawing/2014/main" xmlns="" id="{3686C1C5-74DF-47F5-99D6-4A48265FCC9A}"/>
               </a:ext>
             </a:extLst>
           </p:cNvPr>
@@ -2055,7 +2057,7 @@
           <a:p>
             <a:fld id="{969E759D-A893-4B96-8B48-96EE547EBC41}" type="slidenum">
               <a:rPr lang="de-DE" smtClean="0"/>
-              <a:t>‹#›</a:t>
+              <a:t>‹Nr.›</a:t>
             </a:fld>
             <a:endParaRPr lang="de-DE"/>
           </a:p>
@@ -2096,7 +2098,7 @@
           <p:cNvPr id="2" name="Date Placeholder 1">
             <a:extLst>
               <a:ext uri="{FF2B5EF4-FFF2-40B4-BE49-F238E27FC236}">
-                <a16:creationId xmlns:a16="http://schemas.microsoft.com/office/drawing/2014/main" id="{DD7FD90C-4FC4-4111-9356-41D9564DB7DC}"/>
+                <a16:creationId xmlns:a16="http://schemas.microsoft.com/office/drawing/2014/main" xmlns="" id="{DD7FD90C-4FC4-4111-9356-41D9564DB7DC}"/>
               </a:ext>
             </a:extLst>
           </p:cNvPr>
@@ -2114,7 +2116,7 @@
           <a:p>
             <a:fld id="{5809FACB-23B1-4A10-9D0A-328C6885745A}" type="datetime1">
               <a:rPr lang="de-DE" smtClean="0"/>
-              <a:t>08.12.2019</a:t>
+              <a:t>09.12.2019</a:t>
             </a:fld>
             <a:endParaRPr lang="de-DE"/>
           </a:p>
@@ -2125,7 +2127,7 @@
           <p:cNvPr id="3" name="Footer Placeholder 2">
             <a:extLst>
               <a:ext uri="{FF2B5EF4-FFF2-40B4-BE49-F238E27FC236}">
-                <a16:creationId xmlns:a16="http://schemas.microsoft.com/office/drawing/2014/main" id="{3C9FF4C4-44A5-48A4-BDD8-FEA03E205412}"/>
+                <a16:creationId xmlns:a16="http://schemas.microsoft.com/office/drawing/2014/main" xmlns="" id="{3C9FF4C4-44A5-48A4-BDD8-FEA03E205412}"/>
               </a:ext>
             </a:extLst>
           </p:cNvPr>
@@ -2153,7 +2155,7 @@
           <p:cNvPr id="4" name="Slide Number Placeholder 3">
             <a:extLst>
               <a:ext uri="{FF2B5EF4-FFF2-40B4-BE49-F238E27FC236}">
-                <a16:creationId xmlns:a16="http://schemas.microsoft.com/office/drawing/2014/main" id="{5BD1C1F2-608B-4F06-B3CF-EA402ECA138C}"/>
+                <a16:creationId xmlns:a16="http://schemas.microsoft.com/office/drawing/2014/main" xmlns="" id="{5BD1C1F2-608B-4F06-B3CF-EA402ECA138C}"/>
               </a:ext>
             </a:extLst>
           </p:cNvPr>
@@ -2171,7 +2173,7 @@
           <a:p>
             <a:fld id="{969E759D-A893-4B96-8B48-96EE547EBC41}" type="slidenum">
               <a:rPr lang="de-DE" smtClean="0"/>
-              <a:t>‹#›</a:t>
+              <a:t>‹Nr.›</a:t>
             </a:fld>
             <a:endParaRPr lang="de-DE"/>
           </a:p>
@@ -2212,7 +2214,7 @@
           <p:cNvPr id="2" name="Title 1">
             <a:extLst>
               <a:ext uri="{FF2B5EF4-FFF2-40B4-BE49-F238E27FC236}">
-                <a16:creationId xmlns:a16="http://schemas.microsoft.com/office/drawing/2014/main" id="{C30E51A0-29CA-4ADD-9397-21C60FE7224C}"/>
+                <a16:creationId xmlns:a16="http://schemas.microsoft.com/office/drawing/2014/main" xmlns="" id="{C30E51A0-29CA-4ADD-9397-21C60FE7224C}"/>
               </a:ext>
             </a:extLst>
           </p:cNvPr>
@@ -2250,7 +2252,7 @@
           <p:cNvPr id="3" name="Content Placeholder 2">
             <a:extLst>
               <a:ext uri="{FF2B5EF4-FFF2-40B4-BE49-F238E27FC236}">
-                <a16:creationId xmlns:a16="http://schemas.microsoft.com/office/drawing/2014/main" id="{AE4C1E59-EC49-477D-A7FA-8D17A544FD35}"/>
+                <a16:creationId xmlns:a16="http://schemas.microsoft.com/office/drawing/2014/main" xmlns="" id="{AE4C1E59-EC49-477D-A7FA-8D17A544FD35}"/>
               </a:ext>
             </a:extLst>
           </p:cNvPr>
@@ -2341,7 +2343,7 @@
           <p:cNvPr id="4" name="Text Placeholder 3">
             <a:extLst>
               <a:ext uri="{FF2B5EF4-FFF2-40B4-BE49-F238E27FC236}">
-                <a16:creationId xmlns:a16="http://schemas.microsoft.com/office/drawing/2014/main" id="{FB140F56-8F9C-46CC-A2A8-FC43BF1B9B5A}"/>
+                <a16:creationId xmlns:a16="http://schemas.microsoft.com/office/drawing/2014/main" xmlns="" id="{FB140F56-8F9C-46CC-A2A8-FC43BF1B9B5A}"/>
               </a:ext>
             </a:extLst>
           </p:cNvPr>
@@ -2412,7 +2414,7 @@
           <p:cNvPr id="5" name="Date Placeholder 4">
             <a:extLst>
               <a:ext uri="{FF2B5EF4-FFF2-40B4-BE49-F238E27FC236}">
-                <a16:creationId xmlns:a16="http://schemas.microsoft.com/office/drawing/2014/main" id="{31CABD1E-515F-40BE-8198-380231147539}"/>
+                <a16:creationId xmlns:a16="http://schemas.microsoft.com/office/drawing/2014/main" xmlns="" id="{31CABD1E-515F-40BE-8198-380231147539}"/>
               </a:ext>
             </a:extLst>
           </p:cNvPr>
@@ -2430,7 +2432,7 @@
           <a:p>
             <a:fld id="{D34E0433-A910-4A2C-B27B-93E80F26180A}" type="datetime1">
               <a:rPr lang="de-DE" smtClean="0"/>
-              <a:t>08.12.2019</a:t>
+              <a:t>09.12.2019</a:t>
             </a:fld>
             <a:endParaRPr lang="de-DE"/>
           </a:p>
@@ -2441,7 +2443,7 @@
           <p:cNvPr id="6" name="Footer Placeholder 5">
             <a:extLst>
               <a:ext uri="{FF2B5EF4-FFF2-40B4-BE49-F238E27FC236}">
-                <a16:creationId xmlns:a16="http://schemas.microsoft.com/office/drawing/2014/main" id="{2F6019DF-BD0B-472E-A976-8D5DB86E4E34}"/>
+                <a16:creationId xmlns:a16="http://schemas.microsoft.com/office/drawing/2014/main" xmlns="" id="{2F6019DF-BD0B-472E-A976-8D5DB86E4E34}"/>
               </a:ext>
             </a:extLst>
           </p:cNvPr>
@@ -2469,7 +2471,7 @@
           <p:cNvPr id="7" name="Slide Number Placeholder 6">
             <a:extLst>
               <a:ext uri="{FF2B5EF4-FFF2-40B4-BE49-F238E27FC236}">
-                <a16:creationId xmlns:a16="http://schemas.microsoft.com/office/drawing/2014/main" id="{E9F698EC-CC4D-4D69-967F-312E2662B149}"/>
+                <a16:creationId xmlns:a16="http://schemas.microsoft.com/office/drawing/2014/main" xmlns="" id="{E9F698EC-CC4D-4D69-967F-312E2662B149}"/>
               </a:ext>
             </a:extLst>
           </p:cNvPr>
@@ -2487,7 +2489,7 @@
           <a:p>
             <a:fld id="{969E759D-A893-4B96-8B48-96EE547EBC41}" type="slidenum">
               <a:rPr lang="de-DE" smtClean="0"/>
-              <a:t>‹#›</a:t>
+              <a:t>‹Nr.›</a:t>
             </a:fld>
             <a:endParaRPr lang="de-DE"/>
           </a:p>
@@ -2528,7 +2530,7 @@
           <p:cNvPr id="2" name="Title 1">
             <a:extLst>
               <a:ext uri="{FF2B5EF4-FFF2-40B4-BE49-F238E27FC236}">
-                <a16:creationId xmlns:a16="http://schemas.microsoft.com/office/drawing/2014/main" id="{3B4FFAA6-7E4F-476A-9070-0F7F2F3CF654}"/>
+                <a16:creationId xmlns:a16="http://schemas.microsoft.com/office/drawing/2014/main" xmlns="" id="{3B4FFAA6-7E4F-476A-9070-0F7F2F3CF654}"/>
               </a:ext>
             </a:extLst>
           </p:cNvPr>
@@ -2566,7 +2568,7 @@
           <p:cNvPr id="3" name="Picture Placeholder 2">
             <a:extLst>
               <a:ext uri="{FF2B5EF4-FFF2-40B4-BE49-F238E27FC236}">
-                <a16:creationId xmlns:a16="http://schemas.microsoft.com/office/drawing/2014/main" id="{818F1107-C63D-4182-B212-341F4BBF5995}"/>
+                <a16:creationId xmlns:a16="http://schemas.microsoft.com/office/drawing/2014/main" xmlns="" id="{818F1107-C63D-4182-B212-341F4BBF5995}"/>
               </a:ext>
             </a:extLst>
           </p:cNvPr>
@@ -2633,7 +2635,7 @@
           <p:cNvPr id="4" name="Text Placeholder 3">
             <a:extLst>
               <a:ext uri="{FF2B5EF4-FFF2-40B4-BE49-F238E27FC236}">
-                <a16:creationId xmlns:a16="http://schemas.microsoft.com/office/drawing/2014/main" id="{0726478D-FAFE-42F8-9655-7B1CEA64186D}"/>
+                <a16:creationId xmlns:a16="http://schemas.microsoft.com/office/drawing/2014/main" xmlns="" id="{0726478D-FAFE-42F8-9655-7B1CEA64186D}"/>
               </a:ext>
             </a:extLst>
           </p:cNvPr>
@@ -2704,7 +2706,7 @@
           <p:cNvPr id="5" name="Date Placeholder 4">
             <a:extLst>
               <a:ext uri="{FF2B5EF4-FFF2-40B4-BE49-F238E27FC236}">
-                <a16:creationId xmlns:a16="http://schemas.microsoft.com/office/drawing/2014/main" id="{4ED6872F-0A70-4D1D-A649-079E23BFC17B}"/>
+                <a16:creationId xmlns:a16="http://schemas.microsoft.com/office/drawing/2014/main" xmlns="" id="{4ED6872F-0A70-4D1D-A649-079E23BFC17B}"/>
               </a:ext>
             </a:extLst>
           </p:cNvPr>
@@ -2722,7 +2724,7 @@
           <a:p>
             <a:fld id="{27D0816D-89A7-4D5C-8256-1B20355E25D9}" type="datetime1">
               <a:rPr lang="de-DE" smtClean="0"/>
-              <a:t>08.12.2019</a:t>
+              <a:t>09.12.2019</a:t>
             </a:fld>
             <a:endParaRPr lang="de-DE"/>
           </a:p>
@@ -2733,7 +2735,7 @@
           <p:cNvPr id="6" name="Footer Placeholder 5">
             <a:extLst>
               <a:ext uri="{FF2B5EF4-FFF2-40B4-BE49-F238E27FC236}">
-                <a16:creationId xmlns:a16="http://schemas.microsoft.com/office/drawing/2014/main" id="{5312BCC0-13EB-4DA8-B39F-A5298CA93138}"/>
+                <a16:creationId xmlns:a16="http://schemas.microsoft.com/office/drawing/2014/main" xmlns="" id="{5312BCC0-13EB-4DA8-B39F-A5298CA93138}"/>
               </a:ext>
             </a:extLst>
           </p:cNvPr>
@@ -2761,7 +2763,7 @@
           <p:cNvPr id="7" name="Slide Number Placeholder 6">
             <a:extLst>
               <a:ext uri="{FF2B5EF4-FFF2-40B4-BE49-F238E27FC236}">
-                <a16:creationId xmlns:a16="http://schemas.microsoft.com/office/drawing/2014/main" id="{1F62339D-75FC-459B-A2F1-6975527E5692}"/>
+                <a16:creationId xmlns:a16="http://schemas.microsoft.com/office/drawing/2014/main" xmlns="" id="{1F62339D-75FC-459B-A2F1-6975527E5692}"/>
               </a:ext>
             </a:extLst>
           </p:cNvPr>
@@ -2779,7 +2781,7 @@
           <a:p>
             <a:fld id="{969E759D-A893-4B96-8B48-96EE547EBC41}" type="slidenum">
               <a:rPr lang="de-DE" smtClean="0"/>
-              <a:t>‹#›</a:t>
+              <a:t>‹Nr.›</a:t>
             </a:fld>
             <a:endParaRPr lang="de-DE"/>
           </a:p>
@@ -2825,7 +2827,7 @@
           <p:cNvPr id="2" name="Title Placeholder 1">
             <a:extLst>
               <a:ext uri="{FF2B5EF4-FFF2-40B4-BE49-F238E27FC236}">
-                <a16:creationId xmlns:a16="http://schemas.microsoft.com/office/drawing/2014/main" id="{EECCEAF9-517F-4246-89B4-773BBE3B5283}"/>
+                <a16:creationId xmlns:a16="http://schemas.microsoft.com/office/drawing/2014/main" xmlns="" id="{EECCEAF9-517F-4246-89B4-773BBE3B5283}"/>
               </a:ext>
             </a:extLst>
           </p:cNvPr>
@@ -2864,7 +2866,7 @@
           <p:cNvPr id="3" name="Text Placeholder 2">
             <a:extLst>
               <a:ext uri="{FF2B5EF4-FFF2-40B4-BE49-F238E27FC236}">
-                <a16:creationId xmlns:a16="http://schemas.microsoft.com/office/drawing/2014/main" id="{9A2C07FB-A743-4CFF-8DBA-B22A10466F8D}"/>
+                <a16:creationId xmlns:a16="http://schemas.microsoft.com/office/drawing/2014/main" xmlns="" id="{9A2C07FB-A743-4CFF-8DBA-B22A10466F8D}"/>
               </a:ext>
             </a:extLst>
           </p:cNvPr>
@@ -2932,7 +2934,7 @@
           <p:cNvPr id="4" name="Date Placeholder 3">
             <a:extLst>
               <a:ext uri="{FF2B5EF4-FFF2-40B4-BE49-F238E27FC236}">
-                <a16:creationId xmlns:a16="http://schemas.microsoft.com/office/drawing/2014/main" id="{3DE3EFD5-A9F8-4124-B4DE-1AEE565BA376}"/>
+                <a16:creationId xmlns:a16="http://schemas.microsoft.com/office/drawing/2014/main" xmlns="" id="{3DE3EFD5-A9F8-4124-B4DE-1AEE565BA376}"/>
               </a:ext>
             </a:extLst>
           </p:cNvPr>
@@ -2968,7 +2970,7 @@
           <a:p>
             <a:fld id="{96A0F86B-E49E-4FBD-A866-1ABC19B2F8A7}" type="datetime1">
               <a:rPr lang="de-DE" smtClean="0"/>
-              <a:t>08.12.2019</a:t>
+              <a:t>09.12.2019</a:t>
             </a:fld>
             <a:endParaRPr lang="de-DE"/>
           </a:p>
@@ -2979,7 +2981,7 @@
           <p:cNvPr id="5" name="Footer Placeholder 4">
             <a:extLst>
               <a:ext uri="{FF2B5EF4-FFF2-40B4-BE49-F238E27FC236}">
-                <a16:creationId xmlns:a16="http://schemas.microsoft.com/office/drawing/2014/main" id="{CB368404-65B1-4F0D-A1D3-FE6F60E99818}"/>
+                <a16:creationId xmlns:a16="http://schemas.microsoft.com/office/drawing/2014/main" xmlns="" id="{CB368404-65B1-4F0D-A1D3-FE6F60E99818}"/>
               </a:ext>
             </a:extLst>
           </p:cNvPr>
@@ -3025,7 +3027,7 @@
           <p:cNvPr id="6" name="Slide Number Placeholder 5">
             <a:extLst>
               <a:ext uri="{FF2B5EF4-FFF2-40B4-BE49-F238E27FC236}">
-                <a16:creationId xmlns:a16="http://schemas.microsoft.com/office/drawing/2014/main" id="{50F0220F-6B11-49AF-AB94-16FA52911A89}"/>
+                <a16:creationId xmlns:a16="http://schemas.microsoft.com/office/drawing/2014/main" xmlns="" id="{50F0220F-6B11-49AF-AB94-16FA52911A89}"/>
               </a:ext>
             </a:extLst>
           </p:cNvPr>
@@ -3061,7 +3063,7 @@
           <a:p>
             <a:fld id="{969E759D-A893-4B96-8B48-96EE547EBC41}" type="slidenum">
               <a:rPr lang="de-DE" smtClean="0"/>
-              <a:t>‹#›</a:t>
+              <a:t>‹Nr.›</a:t>
             </a:fld>
             <a:endParaRPr lang="de-DE"/>
           </a:p>
@@ -3402,7 +3404,7 @@
           <p:cNvPr id="1026" name="Picture 2" descr="Die Campusgebäude wurden mit einer Drohne von oben fotografiert.">
             <a:extLst>
               <a:ext uri="{FF2B5EF4-FFF2-40B4-BE49-F238E27FC236}">
-                <a16:creationId xmlns:a16="http://schemas.microsoft.com/office/drawing/2014/main" id="{BB1D137F-7550-416E-9165-30BB2E2EE823}"/>
+                <a16:creationId xmlns:a16="http://schemas.microsoft.com/office/drawing/2014/main" xmlns="" id="{BB1D137F-7550-416E-9165-30BB2E2EE823}"/>
               </a:ext>
             </a:extLst>
           </p:cNvPr>
@@ -3447,10 +3449,10 @@
           <p:cNvPr id="71" name="Freeform 5">
             <a:extLst>
               <a:ext uri="{FF2B5EF4-FFF2-40B4-BE49-F238E27FC236}">
-                <a16:creationId xmlns:a16="http://schemas.microsoft.com/office/drawing/2014/main" id="{87CC2527-562A-4F69-B487-4371E5B243E7}"/>
+                <a16:creationId xmlns:a16="http://schemas.microsoft.com/office/drawing/2014/main" xmlns="" id="{87CC2527-562A-4F69-B487-4371E5B243E7}"/>
               </a:ext>
               <a:ext uri="{C183D7F6-B498-43B3-948B-1728B52AA6E4}">
-                <adec:decorative xmlns:adec="http://schemas.microsoft.com/office/drawing/2017/decorative" val="1"/>
+                <adec:decorative xmlns:adec="http://schemas.microsoft.com/office/drawing/2017/decorative" xmlns="" val="1"/>
               </a:ext>
             </a:extLst>
           </p:cNvPr>
@@ -3460,7 +3462,7 @@
           <p:nvPr>
             <p:extLst>
               <p:ext uri="{386F3935-93C4-4BCD-93E2-E3B085C9AB24}">
-                <p16:designElem xmlns:p16="http://schemas.microsoft.com/office/powerpoint/2015/main" val="1"/>
+                <p16:designElem xmlns:p16="http://schemas.microsoft.com/office/powerpoint/2015/main" xmlns="" val="1"/>
               </p:ext>
             </p:extLst>
           </p:nvPr>
@@ -3610,7 +3612,7 @@
           <p:cNvPr id="2" name="Title 1">
             <a:extLst>
               <a:ext uri="{FF2B5EF4-FFF2-40B4-BE49-F238E27FC236}">
-                <a16:creationId xmlns:a16="http://schemas.microsoft.com/office/drawing/2014/main" id="{66A5DC1B-C9D0-4F34-9333-047D860C11A0}"/>
+                <a16:creationId xmlns:a16="http://schemas.microsoft.com/office/drawing/2014/main" xmlns="" id="{66A5DC1B-C9D0-4F34-9333-047D860C11A0}"/>
               </a:ext>
             </a:extLst>
           </p:cNvPr>
@@ -3650,7 +3652,7 @@
           <p:cNvPr id="3" name="Subtitle 2">
             <a:extLst>
               <a:ext uri="{FF2B5EF4-FFF2-40B4-BE49-F238E27FC236}">
-                <a16:creationId xmlns:a16="http://schemas.microsoft.com/office/drawing/2014/main" id="{42EC82C3-D779-4672-B134-327C720F0D8A}"/>
+                <a16:creationId xmlns:a16="http://schemas.microsoft.com/office/drawing/2014/main" xmlns="" id="{42EC82C3-D779-4672-B134-327C720F0D8A}"/>
               </a:ext>
             </a:extLst>
           </p:cNvPr>
@@ -3669,7 +3671,7 @@
         </p:spPr>
         <p:txBody>
           <a:bodyPr>
-            <a:normAutofit fontScale="92500" lnSpcReduction="20000"/>
+            <a:normAutofit fontScale="92500" lnSpcReduction="10000"/>
           </a:bodyPr>
           <a:lstStyle/>
           <a:p>
@@ -3700,10 +3702,10 @@
           <p:cNvPr id="73" name="Straight Connector 72">
             <a:extLst>
               <a:ext uri="{FF2B5EF4-FFF2-40B4-BE49-F238E27FC236}">
-                <a16:creationId xmlns:a16="http://schemas.microsoft.com/office/drawing/2014/main" id="{BCDAEC91-5BCE-4B55-9CC0-43EF94CB734B}"/>
+                <a16:creationId xmlns:a16="http://schemas.microsoft.com/office/drawing/2014/main" xmlns="" id="{BCDAEC91-5BCE-4B55-9CC0-43EF94CB734B}"/>
               </a:ext>
               <a:ext uri="{C183D7F6-B498-43B3-948B-1728B52AA6E4}">
-                <adec:decorative xmlns:adec="http://schemas.microsoft.com/office/drawing/2017/decorative" val="1"/>
+                <adec:decorative xmlns:adec="http://schemas.microsoft.com/office/drawing/2017/decorative" xmlns="" val="1"/>
               </a:ext>
             </a:extLst>
           </p:cNvPr>
@@ -3713,7 +3715,7 @@
           <p:nvPr>
             <p:extLst>
               <p:ext uri="{386F3935-93C4-4BCD-93E2-E3B085C9AB24}">
-                <p16:designElem xmlns:p16="http://schemas.microsoft.com/office/powerpoint/2015/main" val="1"/>
+                <p16:designElem xmlns:p16="http://schemas.microsoft.com/office/powerpoint/2015/main" xmlns="" val="1"/>
               </p:ext>
             </p:extLst>
           </p:nvPr>
@@ -3794,10 +3796,10 @@
           <p:cNvPr id="10" name="Rectangle 9">
             <a:extLst>
               <a:ext uri="{FF2B5EF4-FFF2-40B4-BE49-F238E27FC236}">
-                <a16:creationId xmlns:a16="http://schemas.microsoft.com/office/drawing/2014/main" id="{8D70B121-56F4-4848-B38B-182089D909FA}"/>
+                <a16:creationId xmlns:a16="http://schemas.microsoft.com/office/drawing/2014/main" xmlns="" id="{8D70B121-56F4-4848-B38B-182089D909FA}"/>
               </a:ext>
               <a:ext uri="{C183D7F6-B498-43B3-948B-1728B52AA6E4}">
-                <adec:decorative xmlns:adec="http://schemas.microsoft.com/office/drawing/2017/decorative" val="1"/>
+                <adec:decorative xmlns:adec="http://schemas.microsoft.com/office/drawing/2017/decorative" xmlns="" val="1"/>
               </a:ext>
             </a:extLst>
           </p:cNvPr>
@@ -3807,7 +3809,7 @@
           <p:nvPr>
             <p:extLst>
               <p:ext uri="{386F3935-93C4-4BCD-93E2-E3B085C9AB24}">
-                <p16:designElem xmlns:p16="http://schemas.microsoft.com/office/powerpoint/2015/main" val="1"/>
+                <p16:designElem xmlns:p16="http://schemas.microsoft.com/office/powerpoint/2015/main" xmlns="" val="1"/>
               </p:ext>
             </p:extLst>
           </p:nvPr>
@@ -3888,7 +3890,7 @@
           <p:cNvPr id="2" name="Title 1">
             <a:extLst>
               <a:ext uri="{FF2B5EF4-FFF2-40B4-BE49-F238E27FC236}">
-                <a16:creationId xmlns:a16="http://schemas.microsoft.com/office/drawing/2014/main" id="{ACE6EB8D-0A4F-46AA-AF64-E268DD01B696}"/>
+                <a16:creationId xmlns:a16="http://schemas.microsoft.com/office/drawing/2014/main" xmlns="" id="{ACE6EB8D-0A4F-46AA-AF64-E268DD01B696}"/>
               </a:ext>
             </a:extLst>
           </p:cNvPr>
@@ -3933,10 +3935,10 @@
           <p:cNvPr id="20" name="Straight Connector 11">
             <a:extLst>
               <a:ext uri="{FF2B5EF4-FFF2-40B4-BE49-F238E27FC236}">
-                <a16:creationId xmlns:a16="http://schemas.microsoft.com/office/drawing/2014/main" id="{2D72A2C9-F3CA-4216-8BAD-FA4C970C3C4E}"/>
+                <a16:creationId xmlns:a16="http://schemas.microsoft.com/office/drawing/2014/main" xmlns="" id="{2D72A2C9-F3CA-4216-8BAD-FA4C970C3C4E}"/>
               </a:ext>
               <a:ext uri="{C183D7F6-B498-43B3-948B-1728B52AA6E4}">
-                <adec:decorative xmlns:adec="http://schemas.microsoft.com/office/drawing/2017/decorative" val="1"/>
+                <adec:decorative xmlns:adec="http://schemas.microsoft.com/office/drawing/2017/decorative" xmlns="" val="1"/>
               </a:ext>
             </a:extLst>
           </p:cNvPr>
@@ -3946,7 +3948,7 @@
           <p:nvPr>
             <p:extLst>
               <p:ext uri="{386F3935-93C4-4BCD-93E2-E3B085C9AB24}">
-                <p16:designElem xmlns:p16="http://schemas.microsoft.com/office/powerpoint/2015/main" val="1"/>
+                <p16:designElem xmlns:p16="http://schemas.microsoft.com/office/powerpoint/2015/main" xmlns="" val="1"/>
               </p:ext>
             </p:extLst>
           </p:nvPr>
@@ -3988,7 +3990,7 @@
           <p:cNvPr id="21" name="Content Placeholder 2">
             <a:extLst>
               <a:ext uri="{FF2B5EF4-FFF2-40B4-BE49-F238E27FC236}">
-                <a16:creationId xmlns:a16="http://schemas.microsoft.com/office/drawing/2014/main" id="{58AE7285-2250-4AE8-93ED-187E4BCFFE55}"/>
+                <a16:creationId xmlns:a16="http://schemas.microsoft.com/office/drawing/2014/main" xmlns="" id="{58AE7285-2250-4AE8-93ED-187E4BCFFE55}"/>
               </a:ext>
             </a:extLst>
           </p:cNvPr>
@@ -4186,7 +4188,7 @@
           <p:cNvPr id="4" name="Footer Placeholder 3">
             <a:extLst>
               <a:ext uri="{FF2B5EF4-FFF2-40B4-BE49-F238E27FC236}">
-                <a16:creationId xmlns:a16="http://schemas.microsoft.com/office/drawing/2014/main" id="{49971016-FBB9-4FE9-A94D-721F4E0A6EF7}"/>
+                <a16:creationId xmlns:a16="http://schemas.microsoft.com/office/drawing/2014/main" xmlns="" id="{49971016-FBB9-4FE9-A94D-721F4E0A6EF7}"/>
               </a:ext>
             </a:extLst>
           </p:cNvPr>
@@ -4253,7 +4255,7 @@
           <p:cNvPr id="5" name="Slide Number Placeholder 4">
             <a:extLst>
               <a:ext uri="{FF2B5EF4-FFF2-40B4-BE49-F238E27FC236}">
-                <a16:creationId xmlns:a16="http://schemas.microsoft.com/office/drawing/2014/main" id="{D5EC5FDC-86E9-486E-98A5-8B49B12E54F7}"/>
+                <a16:creationId xmlns:a16="http://schemas.microsoft.com/office/drawing/2014/main" xmlns="" id="{D5EC5FDC-86E9-486E-98A5-8B49B12E54F7}"/>
               </a:ext>
             </a:extLst>
           </p:cNvPr>
@@ -4383,7 +4385,7 @@
           <p:cNvPr id="2" name="Title 1">
             <a:extLst>
               <a:ext uri="{FF2B5EF4-FFF2-40B4-BE49-F238E27FC236}">
-                <a16:creationId xmlns:a16="http://schemas.microsoft.com/office/drawing/2014/main" id="{15066376-BDA9-42B0-B399-BBF455FEAB84}"/>
+                <a16:creationId xmlns:a16="http://schemas.microsoft.com/office/drawing/2014/main" xmlns="" id="{15066376-BDA9-42B0-B399-BBF455FEAB84}"/>
               </a:ext>
             </a:extLst>
           </p:cNvPr>
@@ -4417,7 +4419,7 @@
           <p:cNvPr id="3" name="Content Placeholder 2">
             <a:extLst>
               <a:ext uri="{FF2B5EF4-FFF2-40B4-BE49-F238E27FC236}">
-                <a16:creationId xmlns:a16="http://schemas.microsoft.com/office/drawing/2014/main" id="{0FBAFCDA-66B7-4892-8C91-69D5101FD3EE}"/>
+                <a16:creationId xmlns:a16="http://schemas.microsoft.com/office/drawing/2014/main" xmlns="" id="{0FBAFCDA-66B7-4892-8C91-69D5101FD3EE}"/>
               </a:ext>
             </a:extLst>
           </p:cNvPr>
@@ -4571,7 +4573,7 @@
           <p:cNvPr id="4" name="Footer Placeholder 3">
             <a:extLst>
               <a:ext uri="{FF2B5EF4-FFF2-40B4-BE49-F238E27FC236}">
-                <a16:creationId xmlns:a16="http://schemas.microsoft.com/office/drawing/2014/main" id="{5F1B4AEF-1956-4FA4-AF17-52F5FA22EA93}"/>
+                <a16:creationId xmlns:a16="http://schemas.microsoft.com/office/drawing/2014/main" xmlns="" id="{5F1B4AEF-1956-4FA4-AF17-52F5FA22EA93}"/>
               </a:ext>
             </a:extLst>
           </p:cNvPr>
@@ -4605,7 +4607,7 @@
           <p:cNvPr id="5" name="Slide Number Placeholder 4">
             <a:extLst>
               <a:ext uri="{FF2B5EF4-FFF2-40B4-BE49-F238E27FC236}">
-                <a16:creationId xmlns:a16="http://schemas.microsoft.com/office/drawing/2014/main" id="{D87CE355-2B04-4F17-8E3C-AE813E70FDE4}"/>
+                <a16:creationId xmlns:a16="http://schemas.microsoft.com/office/drawing/2014/main" xmlns="" id="{D87CE355-2B04-4F17-8E3C-AE813E70FDE4}"/>
               </a:ext>
             </a:extLst>
           </p:cNvPr>
@@ -4677,7 +4679,7 @@
           <p:cNvPr id="2" name="Title 1">
             <a:extLst>
               <a:ext uri="{FF2B5EF4-FFF2-40B4-BE49-F238E27FC236}">
-                <a16:creationId xmlns:a16="http://schemas.microsoft.com/office/drawing/2014/main" id="{0754DA76-FBA9-4255-9F8F-DBD2A5E204F0}"/>
+                <a16:creationId xmlns:a16="http://schemas.microsoft.com/office/drawing/2014/main" xmlns="" id="{0754DA76-FBA9-4255-9F8F-DBD2A5E204F0}"/>
               </a:ext>
             </a:extLst>
           </p:cNvPr>
@@ -4713,7 +4715,7 @@
           <p:cNvPr id="7" name="Picture 6" descr="A screenshot of a cell phone&#10;&#10;Description automatically generated">
             <a:extLst>
               <a:ext uri="{FF2B5EF4-FFF2-40B4-BE49-F238E27FC236}">
-                <a16:creationId xmlns:a16="http://schemas.microsoft.com/office/drawing/2014/main" id="{ABEF1177-6BDC-4C82-AAB5-58804151FB71}"/>
+                <a16:creationId xmlns:a16="http://schemas.microsoft.com/office/drawing/2014/main" xmlns="" id="{ABEF1177-6BDC-4C82-AAB5-58804151FB71}"/>
               </a:ext>
             </a:extLst>
           </p:cNvPr>
@@ -4749,10 +4751,10 @@
           <p:cNvPr id="12" name="Freeform: Shape 11">
             <a:extLst>
               <a:ext uri="{FF2B5EF4-FFF2-40B4-BE49-F238E27FC236}">
-                <a16:creationId xmlns:a16="http://schemas.microsoft.com/office/drawing/2014/main" id="{C607803A-4E99-444E-94F7-8785CDDF5849}"/>
+                <a16:creationId xmlns:a16="http://schemas.microsoft.com/office/drawing/2014/main" xmlns="" id="{C607803A-4E99-444E-94F7-8785CDDF5849}"/>
               </a:ext>
               <a:ext uri="{C183D7F6-B498-43B3-948B-1728B52AA6E4}">
-                <adec:decorative xmlns:adec="http://schemas.microsoft.com/office/drawing/2017/decorative" val="1"/>
+                <adec:decorative xmlns:adec="http://schemas.microsoft.com/office/drawing/2017/decorative" xmlns="" val="1"/>
               </a:ext>
             </a:extLst>
           </p:cNvPr>
@@ -4762,7 +4764,7 @@
           <p:nvPr>
             <p:extLst>
               <p:ext uri="{386F3935-93C4-4BCD-93E2-E3B085C9AB24}">
-                <p16:designElem xmlns:p16="http://schemas.microsoft.com/office/powerpoint/2015/main" val="1"/>
+                <p16:designElem xmlns:p16="http://schemas.microsoft.com/office/powerpoint/2015/main" xmlns="" val="1"/>
               </p:ext>
             </p:extLst>
           </p:nvPr>
@@ -4853,10 +4855,10 @@
           <p:cNvPr id="14" name="Freeform: Shape 13">
             <a:extLst>
               <a:ext uri="{FF2B5EF4-FFF2-40B4-BE49-F238E27FC236}">
-                <a16:creationId xmlns:a16="http://schemas.microsoft.com/office/drawing/2014/main" id="{2989BE6A-C309-418E-8ADD-1616A980570D}"/>
+                <a16:creationId xmlns:a16="http://schemas.microsoft.com/office/drawing/2014/main" xmlns="" id="{2989BE6A-C309-418E-8ADD-1616A980570D}"/>
               </a:ext>
               <a:ext uri="{C183D7F6-B498-43B3-948B-1728B52AA6E4}">
-                <adec:decorative xmlns:adec="http://schemas.microsoft.com/office/drawing/2017/decorative" val="1"/>
+                <adec:decorative xmlns:adec="http://schemas.microsoft.com/office/drawing/2017/decorative" xmlns="" val="1"/>
               </a:ext>
             </a:extLst>
           </p:cNvPr>
@@ -4866,7 +4868,7 @@
           <p:nvPr>
             <p:extLst>
               <p:ext uri="{386F3935-93C4-4BCD-93E2-E3B085C9AB24}">
-                <p16:designElem xmlns:p16="http://schemas.microsoft.com/office/powerpoint/2015/main" val="1"/>
+                <p16:designElem xmlns:p16="http://schemas.microsoft.com/office/powerpoint/2015/main" xmlns="" val="1"/>
               </p:ext>
             </p:extLst>
           </p:nvPr>
@@ -4994,7 +4996,7 @@
           <p:cNvPr id="3" name="Content Placeholder 2">
             <a:extLst>
               <a:ext uri="{FF2B5EF4-FFF2-40B4-BE49-F238E27FC236}">
-                <a16:creationId xmlns:a16="http://schemas.microsoft.com/office/drawing/2014/main" id="{A42C7976-7264-4148-AD03-59E4B4F7C697}"/>
+                <a16:creationId xmlns:a16="http://schemas.microsoft.com/office/drawing/2014/main" xmlns="" id="{A42C7976-7264-4148-AD03-59E4B4F7C697}"/>
               </a:ext>
             </a:extLst>
           </p:cNvPr>
@@ -5089,7 +5091,7 @@
           <p:cNvPr id="4" name="Footer Placeholder 3">
             <a:extLst>
               <a:ext uri="{FF2B5EF4-FFF2-40B4-BE49-F238E27FC236}">
-                <a16:creationId xmlns:a16="http://schemas.microsoft.com/office/drawing/2014/main" id="{E4E0C278-526A-4003-B85A-72429B341BB6}"/>
+                <a16:creationId xmlns:a16="http://schemas.microsoft.com/office/drawing/2014/main" xmlns="" id="{E4E0C278-526A-4003-B85A-72429B341BB6}"/>
               </a:ext>
             </a:extLst>
           </p:cNvPr>
@@ -5135,7 +5137,7 @@
           <p:cNvPr id="5" name="Slide Number Placeholder 4">
             <a:extLst>
               <a:ext uri="{FF2B5EF4-FFF2-40B4-BE49-F238E27FC236}">
-                <a16:creationId xmlns:a16="http://schemas.microsoft.com/office/drawing/2014/main" id="{A92E81ED-7F21-418B-B91B-7B27BAA6E5C0}"/>
+                <a16:creationId xmlns:a16="http://schemas.microsoft.com/office/drawing/2014/main" xmlns="" id="{A92E81ED-7F21-418B-B91B-7B27BAA6E5C0}"/>
               </a:ext>
             </a:extLst>
           </p:cNvPr>
@@ -5231,7 +5233,7 @@
           <p:cNvPr id="2" name="Title 1">
             <a:extLst>
               <a:ext uri="{FF2B5EF4-FFF2-40B4-BE49-F238E27FC236}">
-                <a16:creationId xmlns:a16="http://schemas.microsoft.com/office/drawing/2014/main" id="{D0F7DBBA-40E4-45A3-ACD0-6F25C32BF6C6}"/>
+                <a16:creationId xmlns:a16="http://schemas.microsoft.com/office/drawing/2014/main" xmlns="" id="{D0F7DBBA-40E4-45A3-ACD0-6F25C32BF6C6}"/>
               </a:ext>
             </a:extLst>
           </p:cNvPr>
@@ -5267,7 +5269,7 @@
           <p:cNvPr id="11" name="Picture 10" descr="A screenshot of a cell phone&#10;&#10;Description automatically generated">
             <a:extLst>
               <a:ext uri="{FF2B5EF4-FFF2-40B4-BE49-F238E27FC236}">
-                <a16:creationId xmlns:a16="http://schemas.microsoft.com/office/drawing/2014/main" id="{EC8D9439-AB1B-4EEA-8BA5-227492613A4C}"/>
+                <a16:creationId xmlns:a16="http://schemas.microsoft.com/office/drawing/2014/main" xmlns="" id="{EC8D9439-AB1B-4EEA-8BA5-227492613A4C}"/>
               </a:ext>
             </a:extLst>
           </p:cNvPr>
@@ -5303,10 +5305,10 @@
           <p:cNvPr id="19" name="Freeform: Shape 15">
             <a:extLst>
               <a:ext uri="{FF2B5EF4-FFF2-40B4-BE49-F238E27FC236}">
-                <a16:creationId xmlns:a16="http://schemas.microsoft.com/office/drawing/2014/main" id="{C607803A-4E99-444E-94F7-8785CDDF5849}"/>
+                <a16:creationId xmlns:a16="http://schemas.microsoft.com/office/drawing/2014/main" xmlns="" id="{C607803A-4E99-444E-94F7-8785CDDF5849}"/>
               </a:ext>
               <a:ext uri="{C183D7F6-B498-43B3-948B-1728B52AA6E4}">
-                <adec:decorative xmlns:adec="http://schemas.microsoft.com/office/drawing/2017/decorative" val="1"/>
+                <adec:decorative xmlns:adec="http://schemas.microsoft.com/office/drawing/2017/decorative" xmlns="" val="1"/>
               </a:ext>
             </a:extLst>
           </p:cNvPr>
@@ -5316,7 +5318,7 @@
           <p:nvPr>
             <p:extLst>
               <p:ext uri="{386F3935-93C4-4BCD-93E2-E3B085C9AB24}">
-                <p16:designElem xmlns:p16="http://schemas.microsoft.com/office/powerpoint/2015/main" val="1"/>
+                <p16:designElem xmlns:p16="http://schemas.microsoft.com/office/powerpoint/2015/main" xmlns="" val="1"/>
               </p:ext>
             </p:extLst>
           </p:nvPr>
@@ -5407,10 +5409,10 @@
           <p:cNvPr id="18" name="Freeform: Shape 17">
             <a:extLst>
               <a:ext uri="{FF2B5EF4-FFF2-40B4-BE49-F238E27FC236}">
-                <a16:creationId xmlns:a16="http://schemas.microsoft.com/office/drawing/2014/main" id="{2989BE6A-C309-418E-8ADD-1616A980570D}"/>
+                <a16:creationId xmlns:a16="http://schemas.microsoft.com/office/drawing/2014/main" xmlns="" id="{2989BE6A-C309-418E-8ADD-1616A980570D}"/>
               </a:ext>
               <a:ext uri="{C183D7F6-B498-43B3-948B-1728B52AA6E4}">
-                <adec:decorative xmlns:adec="http://schemas.microsoft.com/office/drawing/2017/decorative" val="1"/>
+                <adec:decorative xmlns:adec="http://schemas.microsoft.com/office/drawing/2017/decorative" xmlns="" val="1"/>
               </a:ext>
             </a:extLst>
           </p:cNvPr>
@@ -5420,7 +5422,7 @@
           <p:nvPr>
             <p:extLst>
               <p:ext uri="{386F3935-93C4-4BCD-93E2-E3B085C9AB24}">
-                <p16:designElem xmlns:p16="http://schemas.microsoft.com/office/powerpoint/2015/main" val="1"/>
+                <p16:designElem xmlns:p16="http://schemas.microsoft.com/office/powerpoint/2015/main" xmlns="" val="1"/>
               </p:ext>
             </p:extLst>
           </p:nvPr>
@@ -5548,7 +5550,7 @@
           <p:cNvPr id="9" name="Content Placeholder 8">
             <a:extLst>
               <a:ext uri="{FF2B5EF4-FFF2-40B4-BE49-F238E27FC236}">
-                <a16:creationId xmlns:a16="http://schemas.microsoft.com/office/drawing/2014/main" id="{020673C7-CB6D-4F67-ABF0-DE2C50E51566}"/>
+                <a16:creationId xmlns:a16="http://schemas.microsoft.com/office/drawing/2014/main" xmlns="" id="{020673C7-CB6D-4F67-ABF0-DE2C50E51566}"/>
               </a:ext>
             </a:extLst>
           </p:cNvPr>
@@ -5589,7 +5591,7 @@
           <p:cNvPr id="4" name="Footer Placeholder 3">
             <a:extLst>
               <a:ext uri="{FF2B5EF4-FFF2-40B4-BE49-F238E27FC236}">
-                <a16:creationId xmlns:a16="http://schemas.microsoft.com/office/drawing/2014/main" id="{5E901347-E5AB-4A86-8D5E-33FABF95AA3A}"/>
+                <a16:creationId xmlns:a16="http://schemas.microsoft.com/office/drawing/2014/main" xmlns="" id="{5E901347-E5AB-4A86-8D5E-33FABF95AA3A}"/>
               </a:ext>
             </a:extLst>
           </p:cNvPr>
@@ -5635,7 +5637,7 @@
           <p:cNvPr id="5" name="Slide Number Placeholder 4">
             <a:extLst>
               <a:ext uri="{FF2B5EF4-FFF2-40B4-BE49-F238E27FC236}">
-                <a16:creationId xmlns:a16="http://schemas.microsoft.com/office/drawing/2014/main" id="{409F682C-D2C9-4003-BF7F-EDBFC5A4DF22}"/>
+                <a16:creationId xmlns:a16="http://schemas.microsoft.com/office/drawing/2014/main" xmlns="" id="{409F682C-D2C9-4003-BF7F-EDBFC5A4DF22}"/>
               </a:ext>
             </a:extLst>
           </p:cNvPr>
@@ -5731,7 +5733,7 @@
           <p:cNvPr id="2" name="Title 1">
             <a:extLst>
               <a:ext uri="{FF2B5EF4-FFF2-40B4-BE49-F238E27FC236}">
-                <a16:creationId xmlns:a16="http://schemas.microsoft.com/office/drawing/2014/main" id="{7FB8FAAD-55D4-4F7B-A3E3-56C2607E59AC}"/>
+                <a16:creationId xmlns:a16="http://schemas.microsoft.com/office/drawing/2014/main" xmlns="" id="{7FB8FAAD-55D4-4F7B-A3E3-56C2607E59AC}"/>
               </a:ext>
             </a:extLst>
           </p:cNvPr>
@@ -5767,7 +5769,7 @@
           <p:cNvPr id="7" name="Content Placeholder 6" descr="A screenshot of a cell phone&#10;&#10;Description automatically generated">
             <a:extLst>
               <a:ext uri="{FF2B5EF4-FFF2-40B4-BE49-F238E27FC236}">
-                <a16:creationId xmlns:a16="http://schemas.microsoft.com/office/drawing/2014/main" id="{D42E2C0D-B957-49ED-A36D-F2E34026D6B7}"/>
+                <a16:creationId xmlns:a16="http://schemas.microsoft.com/office/drawing/2014/main" xmlns="" id="{D42E2C0D-B957-49ED-A36D-F2E34026D6B7}"/>
               </a:ext>
             </a:extLst>
           </p:cNvPr>
@@ -5803,10 +5805,10 @@
           <p:cNvPr id="14" name="Freeform: Shape 13">
             <a:extLst>
               <a:ext uri="{FF2B5EF4-FFF2-40B4-BE49-F238E27FC236}">
-                <a16:creationId xmlns:a16="http://schemas.microsoft.com/office/drawing/2014/main" id="{C607803A-4E99-444E-94F7-8785CDDF5849}"/>
+                <a16:creationId xmlns:a16="http://schemas.microsoft.com/office/drawing/2014/main" xmlns="" id="{C607803A-4E99-444E-94F7-8785CDDF5849}"/>
               </a:ext>
               <a:ext uri="{C183D7F6-B498-43B3-948B-1728B52AA6E4}">
-                <adec:decorative xmlns:adec="http://schemas.microsoft.com/office/drawing/2017/decorative" val="1"/>
+                <adec:decorative xmlns:adec="http://schemas.microsoft.com/office/drawing/2017/decorative" xmlns="" val="1"/>
               </a:ext>
             </a:extLst>
           </p:cNvPr>
@@ -5816,7 +5818,7 @@
           <p:nvPr>
             <p:extLst>
               <p:ext uri="{386F3935-93C4-4BCD-93E2-E3B085C9AB24}">
-                <p16:designElem xmlns:p16="http://schemas.microsoft.com/office/powerpoint/2015/main" val="1"/>
+                <p16:designElem xmlns:p16="http://schemas.microsoft.com/office/powerpoint/2015/main" xmlns="" val="1"/>
               </p:ext>
             </p:extLst>
           </p:nvPr>
@@ -5907,10 +5909,10 @@
           <p:cNvPr id="16" name="Freeform: Shape 15">
             <a:extLst>
               <a:ext uri="{FF2B5EF4-FFF2-40B4-BE49-F238E27FC236}">
-                <a16:creationId xmlns:a16="http://schemas.microsoft.com/office/drawing/2014/main" id="{2989BE6A-C309-418E-8ADD-1616A980570D}"/>
+                <a16:creationId xmlns:a16="http://schemas.microsoft.com/office/drawing/2014/main" xmlns="" id="{2989BE6A-C309-418E-8ADD-1616A980570D}"/>
               </a:ext>
               <a:ext uri="{C183D7F6-B498-43B3-948B-1728B52AA6E4}">
-                <adec:decorative xmlns:adec="http://schemas.microsoft.com/office/drawing/2017/decorative" val="1"/>
+                <adec:decorative xmlns:adec="http://schemas.microsoft.com/office/drawing/2017/decorative" xmlns="" val="1"/>
               </a:ext>
             </a:extLst>
           </p:cNvPr>
@@ -5920,7 +5922,7 @@
           <p:nvPr>
             <p:extLst>
               <p:ext uri="{386F3935-93C4-4BCD-93E2-E3B085C9AB24}">
-                <p16:designElem xmlns:p16="http://schemas.microsoft.com/office/powerpoint/2015/main" val="1"/>
+                <p16:designElem xmlns:p16="http://schemas.microsoft.com/office/powerpoint/2015/main" xmlns="" val="1"/>
               </p:ext>
             </p:extLst>
           </p:nvPr>
@@ -6048,7 +6050,7 @@
           <p:cNvPr id="11" name="Content Placeholder 10">
             <a:extLst>
               <a:ext uri="{FF2B5EF4-FFF2-40B4-BE49-F238E27FC236}">
-                <a16:creationId xmlns:a16="http://schemas.microsoft.com/office/drawing/2014/main" id="{8DC07883-6FEB-4246-BFE9-889DDCF1DD98}"/>
+                <a16:creationId xmlns:a16="http://schemas.microsoft.com/office/drawing/2014/main" xmlns="" id="{8DC07883-6FEB-4246-BFE9-889DDCF1DD98}"/>
               </a:ext>
             </a:extLst>
           </p:cNvPr>
@@ -6119,7 +6121,7 @@
           <p:cNvPr id="4" name="Footer Placeholder 3">
             <a:extLst>
               <a:ext uri="{FF2B5EF4-FFF2-40B4-BE49-F238E27FC236}">
-                <a16:creationId xmlns:a16="http://schemas.microsoft.com/office/drawing/2014/main" id="{4F1639C5-FA60-4BF7-98BA-05F3753189A9}"/>
+                <a16:creationId xmlns:a16="http://schemas.microsoft.com/office/drawing/2014/main" xmlns="" id="{4F1639C5-FA60-4BF7-98BA-05F3753189A9}"/>
               </a:ext>
             </a:extLst>
           </p:cNvPr>
@@ -6165,7 +6167,7 @@
           <p:cNvPr id="5" name="Slide Number Placeholder 4">
             <a:extLst>
               <a:ext uri="{FF2B5EF4-FFF2-40B4-BE49-F238E27FC236}">
-                <a16:creationId xmlns:a16="http://schemas.microsoft.com/office/drawing/2014/main" id="{A6093915-6888-4B2E-A7DB-162E0D0C61DB}"/>
+                <a16:creationId xmlns:a16="http://schemas.microsoft.com/office/drawing/2014/main" xmlns="" id="{A6093915-6888-4B2E-A7DB-162E0D0C61DB}"/>
               </a:ext>
             </a:extLst>
           </p:cNvPr>
@@ -6222,6 +6224,288 @@
     <p:extLst>
       <p:ext uri="{BB962C8B-B14F-4D97-AF65-F5344CB8AC3E}">
         <p14:creationId xmlns:p14="http://schemas.microsoft.com/office/powerpoint/2010/main" val="20718558"/>
+      </p:ext>
+    </p:extLst>
+  </p:cSld>
+  <p:clrMapOvr>
+    <a:masterClrMapping/>
+  </p:clrMapOvr>
+</p:sld>
+</file>
+
+<file path=ppt/slides/slide7.xml><?xml version="1.0" encoding="utf-8"?>
+<p:sld xmlns:a="http://schemas.openxmlformats.org/drawingml/2006/main" xmlns:r="http://schemas.openxmlformats.org/officeDocument/2006/relationships" xmlns:p="http://schemas.openxmlformats.org/presentationml/2006/main">
+  <p:cSld>
+    <p:spTree>
+      <p:nvGrpSpPr>
+        <p:cNvPr id="1" name=""/>
+        <p:cNvGrpSpPr/>
+        <p:nvPr/>
+      </p:nvGrpSpPr>
+      <p:grpSpPr>
+        <a:xfrm>
+          <a:off x="0" y="0"/>
+          <a:ext cx="0" cy="0"/>
+          <a:chOff x="0" y="0"/>
+          <a:chExt cx="0" cy="0"/>
+        </a:xfrm>
+      </p:grpSpPr>
+      <p:sp>
+        <p:nvSpPr>
+          <p:cNvPr id="2" name="Titel 1"/>
+          <p:cNvSpPr>
+            <a:spLocks noGrp="1"/>
+          </p:cNvSpPr>
+          <p:nvPr>
+            <p:ph type="title"/>
+          </p:nvPr>
+        </p:nvSpPr>
+        <p:spPr/>
+        <p:txBody>
+          <a:bodyPr/>
+          <a:lstStyle/>
+          <a:p>
+            <a:r>
+              <a:rPr lang="de-DE" dirty="0" smtClean="0"/>
+              <a:t>Ausblick</a:t>
+            </a:r>
+            <a:endParaRPr lang="de-DE" dirty="0"/>
+          </a:p>
+        </p:txBody>
+      </p:sp>
+      <p:sp>
+        <p:nvSpPr>
+          <p:cNvPr id="3" name="Inhaltsplatzhalter 2"/>
+          <p:cNvSpPr>
+            <a:spLocks noGrp="1"/>
+          </p:cNvSpPr>
+          <p:nvPr>
+            <p:ph idx="1"/>
+          </p:nvPr>
+        </p:nvSpPr>
+        <p:spPr/>
+        <p:txBody>
+          <a:bodyPr/>
+          <a:lstStyle/>
+          <a:p>
+            <a:r>
+              <a:rPr lang="de-DE" dirty="0" smtClean="0"/>
+              <a:t>Fertigstellung der Moduldetailseite</a:t>
+            </a:r>
+          </a:p>
+          <a:p>
+            <a:r>
+              <a:rPr lang="de-DE" dirty="0" smtClean="0"/>
+              <a:t>Modul-Upload Seite</a:t>
+            </a:r>
+          </a:p>
+          <a:p>
+            <a:r>
+              <a:rPr lang="de-DE" dirty="0" smtClean="0"/>
+              <a:t>Dokumentation</a:t>
+            </a:r>
+          </a:p>
+          <a:p>
+            <a:r>
+              <a:rPr lang="de-DE" dirty="0" smtClean="0"/>
+              <a:t>Projektbericht</a:t>
+            </a:r>
+          </a:p>
+        </p:txBody>
+      </p:sp>
+      <p:sp>
+        <p:nvSpPr>
+          <p:cNvPr id="4" name="Fußzeilenplatzhalter 3"/>
+          <p:cNvSpPr>
+            <a:spLocks noGrp="1"/>
+          </p:cNvSpPr>
+          <p:nvPr>
+            <p:ph type="ftr" sz="quarter" idx="11"/>
+          </p:nvPr>
+        </p:nvSpPr>
+        <p:spPr/>
+        <p:txBody>
+          <a:bodyPr/>
+          <a:lstStyle/>
+          <a:p>
+            <a:r>
+              <a:rPr lang="de-DE" smtClean="0"/>
+              <a:t>WS19/20 - PV-Modulportal - Rüffer, Vorwerk, Withöft, Zolkin</a:t>
+            </a:r>
+            <a:endParaRPr lang="de-DE"/>
+          </a:p>
+        </p:txBody>
+      </p:sp>
+      <p:sp>
+        <p:nvSpPr>
+          <p:cNvPr id="5" name="Foliennummernplatzhalter 4"/>
+          <p:cNvSpPr>
+            <a:spLocks noGrp="1"/>
+          </p:cNvSpPr>
+          <p:nvPr>
+            <p:ph type="sldNum" sz="quarter" idx="12"/>
+          </p:nvPr>
+        </p:nvSpPr>
+        <p:spPr/>
+        <p:txBody>
+          <a:bodyPr/>
+          <a:lstStyle/>
+          <a:p>
+            <a:fld id="{969E759D-A893-4B96-8B48-96EE547EBC41}" type="slidenum">
+              <a:rPr lang="de-DE" smtClean="0"/>
+              <a:t>7</a:t>
+            </a:fld>
+            <a:endParaRPr lang="de-DE"/>
+          </a:p>
+        </p:txBody>
+      </p:sp>
+    </p:spTree>
+    <p:extLst>
+      <p:ext uri="{BB962C8B-B14F-4D97-AF65-F5344CB8AC3E}">
+        <p14:creationId xmlns:p14="http://schemas.microsoft.com/office/powerpoint/2010/main" val="3786423145"/>
+      </p:ext>
+    </p:extLst>
+  </p:cSld>
+  <p:clrMapOvr>
+    <a:masterClrMapping/>
+  </p:clrMapOvr>
+</p:sld>
+</file>
+
+<file path=ppt/slides/slide8.xml><?xml version="1.0" encoding="utf-8"?>
+<p:sld xmlns:a="http://schemas.openxmlformats.org/drawingml/2006/main" xmlns:r="http://schemas.openxmlformats.org/officeDocument/2006/relationships" xmlns:p="http://schemas.openxmlformats.org/presentationml/2006/main">
+  <p:cSld>
+    <p:spTree>
+      <p:nvGrpSpPr>
+        <p:cNvPr id="1" name=""/>
+        <p:cNvGrpSpPr/>
+        <p:nvPr/>
+      </p:nvGrpSpPr>
+      <p:grpSpPr>
+        <a:xfrm>
+          <a:off x="0" y="0"/>
+          <a:ext cx="0" cy="0"/>
+          <a:chOff x="0" y="0"/>
+          <a:chExt cx="0" cy="0"/>
+        </a:xfrm>
+      </p:grpSpPr>
+      <p:sp>
+        <p:nvSpPr>
+          <p:cNvPr id="2" name="Titel 1"/>
+          <p:cNvSpPr>
+            <a:spLocks noGrp="1"/>
+          </p:cNvSpPr>
+          <p:nvPr>
+            <p:ph type="title"/>
+          </p:nvPr>
+        </p:nvSpPr>
+        <p:spPr/>
+        <p:txBody>
+          <a:bodyPr/>
+          <a:lstStyle/>
+          <a:p>
+            <a:r>
+              <a:rPr lang="de-DE" dirty="0" smtClean="0"/>
+              <a:t>Fazit</a:t>
+            </a:r>
+            <a:endParaRPr lang="de-DE" dirty="0"/>
+          </a:p>
+        </p:txBody>
+      </p:sp>
+      <p:sp>
+        <p:nvSpPr>
+          <p:cNvPr id="3" name="Inhaltsplatzhalter 2"/>
+          <p:cNvSpPr>
+            <a:spLocks noGrp="1"/>
+          </p:cNvSpPr>
+          <p:nvPr>
+            <p:ph idx="1"/>
+          </p:nvPr>
+        </p:nvSpPr>
+        <p:spPr/>
+        <p:txBody>
+          <a:bodyPr/>
+          <a:lstStyle/>
+          <a:p>
+            <a:r>
+              <a:rPr lang="de-DE" dirty="0" smtClean="0"/>
+              <a:t>Erstellung des Grob- und Feinkonzepts zu Beginn war sehr hilfreich</a:t>
+            </a:r>
+          </a:p>
+          <a:p>
+            <a:r>
+              <a:rPr lang="de-DE" dirty="0" smtClean="0"/>
+              <a:t>Kommunikation im Team und Gruppendynamik war gut</a:t>
+            </a:r>
+          </a:p>
+          <a:p>
+            <a:r>
+              <a:rPr lang="de-DE" dirty="0" smtClean="0"/>
+              <a:t>Planung war zum Teil schwierig</a:t>
+            </a:r>
+          </a:p>
+          <a:p>
+            <a:r>
+              <a:rPr lang="de-DE" smtClean="0"/>
+              <a:t>Missverständnisse bei den Anforderungen</a:t>
+            </a:r>
+            <a:endParaRPr lang="de-DE" dirty="0" smtClean="0"/>
+          </a:p>
+          <a:p>
+            <a:endParaRPr lang="de-DE" dirty="0"/>
+          </a:p>
+        </p:txBody>
+      </p:sp>
+      <p:sp>
+        <p:nvSpPr>
+          <p:cNvPr id="4" name="Fußzeilenplatzhalter 3"/>
+          <p:cNvSpPr>
+            <a:spLocks noGrp="1"/>
+          </p:cNvSpPr>
+          <p:nvPr>
+            <p:ph type="ftr" sz="quarter" idx="11"/>
+          </p:nvPr>
+        </p:nvSpPr>
+        <p:spPr/>
+        <p:txBody>
+          <a:bodyPr/>
+          <a:lstStyle/>
+          <a:p>
+            <a:r>
+              <a:rPr lang="de-DE" smtClean="0"/>
+              <a:t>WS19/20 - PV-Modulportal - Rüffer, Vorwerk, Withöft, Zolkin</a:t>
+            </a:r>
+            <a:endParaRPr lang="de-DE"/>
+          </a:p>
+        </p:txBody>
+      </p:sp>
+      <p:sp>
+        <p:nvSpPr>
+          <p:cNvPr id="5" name="Foliennummernplatzhalter 4"/>
+          <p:cNvSpPr>
+            <a:spLocks noGrp="1"/>
+          </p:cNvSpPr>
+          <p:nvPr>
+            <p:ph type="sldNum" sz="quarter" idx="12"/>
+          </p:nvPr>
+        </p:nvSpPr>
+        <p:spPr/>
+        <p:txBody>
+          <a:bodyPr/>
+          <a:lstStyle/>
+          <a:p>
+            <a:fld id="{969E759D-A893-4B96-8B48-96EE547EBC41}" type="slidenum">
+              <a:rPr lang="de-DE" smtClean="0"/>
+              <a:t>8</a:t>
+            </a:fld>
+            <a:endParaRPr lang="de-DE"/>
+          </a:p>
+        </p:txBody>
+      </p:sp>
+    </p:spTree>
+    <p:extLst>
+      <p:ext uri="{BB962C8B-B14F-4D97-AF65-F5344CB8AC3E}">
+        <p14:creationId xmlns:p14="http://schemas.microsoft.com/office/powerpoint/2010/main" val="2130456695"/>
       </p:ext>
     </p:extLst>
   </p:cSld>

--- a/docs/Seminarvortrag.pptx
+++ b/docs/Seminarvortrag.pptx
@@ -11,8 +11,10 @@
     <p:sldId id="261" r:id="rId5"/>
     <p:sldId id="260" r:id="rId6"/>
     <p:sldId id="262" r:id="rId7"/>
-    <p:sldId id="263" r:id="rId8"/>
-    <p:sldId id="264" r:id="rId9"/>
+    <p:sldId id="265" r:id="rId8"/>
+    <p:sldId id="267" r:id="rId9"/>
+    <p:sldId id="263" r:id="rId10"/>
+    <p:sldId id="264" r:id="rId11"/>
   </p:sldIdLst>
   <p:sldSz cx="12192000" cy="6858000"/>
   <p:notesSz cx="6858000" cy="9144000"/>
@@ -141,7 +143,7 @@
           <p:cNvPr id="2" name="Title 1">
             <a:extLst>
               <a:ext uri="{FF2B5EF4-FFF2-40B4-BE49-F238E27FC236}">
-                <a16:creationId xmlns:a16="http://schemas.microsoft.com/office/drawing/2014/main" xmlns="" id="{046DBCE4-E0EF-4FEE-80D5-A702C3556002}"/>
+                <a16:creationId xmlns:a16="http://schemas.microsoft.com/office/drawing/2014/main" id="{046DBCE4-E0EF-4FEE-80D5-A702C3556002}"/>
               </a:ext>
             </a:extLst>
           </p:cNvPr>
@@ -179,7 +181,7 @@
           <p:cNvPr id="3" name="Subtitle 2">
             <a:extLst>
               <a:ext uri="{FF2B5EF4-FFF2-40B4-BE49-F238E27FC236}">
-                <a16:creationId xmlns:a16="http://schemas.microsoft.com/office/drawing/2014/main" xmlns="" id="{7E50572C-23B8-4844-BEA8-67547B46B854}"/>
+                <a16:creationId xmlns:a16="http://schemas.microsoft.com/office/drawing/2014/main" id="{7E50572C-23B8-4844-BEA8-67547B46B854}"/>
               </a:ext>
             </a:extLst>
           </p:cNvPr>
@@ -250,7 +252,7 @@
           <p:cNvPr id="4" name="Date Placeholder 3">
             <a:extLst>
               <a:ext uri="{FF2B5EF4-FFF2-40B4-BE49-F238E27FC236}">
-                <a16:creationId xmlns:a16="http://schemas.microsoft.com/office/drawing/2014/main" xmlns="" id="{100022F9-A075-4D48-821D-C3BBF5EF6DB8}"/>
+                <a16:creationId xmlns:a16="http://schemas.microsoft.com/office/drawing/2014/main" id="{100022F9-A075-4D48-821D-C3BBF5EF6DB8}"/>
               </a:ext>
             </a:extLst>
           </p:cNvPr>
@@ -279,7 +281,7 @@
           <p:cNvPr id="5" name="Footer Placeholder 4">
             <a:extLst>
               <a:ext uri="{FF2B5EF4-FFF2-40B4-BE49-F238E27FC236}">
-                <a16:creationId xmlns:a16="http://schemas.microsoft.com/office/drawing/2014/main" xmlns="" id="{EC31605A-96D3-4AE5-8AB0-795CD0B5F4FF}"/>
+                <a16:creationId xmlns:a16="http://schemas.microsoft.com/office/drawing/2014/main" id="{EC31605A-96D3-4AE5-8AB0-795CD0B5F4FF}"/>
               </a:ext>
             </a:extLst>
           </p:cNvPr>
@@ -307,7 +309,7 @@
           <p:cNvPr id="6" name="Slide Number Placeholder 5">
             <a:extLst>
               <a:ext uri="{FF2B5EF4-FFF2-40B4-BE49-F238E27FC236}">
-                <a16:creationId xmlns:a16="http://schemas.microsoft.com/office/drawing/2014/main" xmlns="" id="{57DF77BF-007F-4C70-98E2-83A1A7E91C87}"/>
+                <a16:creationId xmlns:a16="http://schemas.microsoft.com/office/drawing/2014/main" id="{57DF77BF-007F-4C70-98E2-83A1A7E91C87}"/>
               </a:ext>
             </a:extLst>
           </p:cNvPr>
@@ -325,7 +327,7 @@
           <a:p>
             <a:fld id="{969E759D-A893-4B96-8B48-96EE547EBC41}" type="slidenum">
               <a:rPr lang="de-DE" smtClean="0"/>
-              <a:t>‹Nr.›</a:t>
+              <a:t>‹#›</a:t>
             </a:fld>
             <a:endParaRPr lang="de-DE"/>
           </a:p>
@@ -366,7 +368,7 @@
           <p:cNvPr id="2" name="Title 1">
             <a:extLst>
               <a:ext uri="{FF2B5EF4-FFF2-40B4-BE49-F238E27FC236}">
-                <a16:creationId xmlns:a16="http://schemas.microsoft.com/office/drawing/2014/main" xmlns="" id="{50547723-A745-4136-9E9B-C54A2591C03E}"/>
+                <a16:creationId xmlns:a16="http://schemas.microsoft.com/office/drawing/2014/main" id="{50547723-A745-4136-9E9B-C54A2591C03E}"/>
               </a:ext>
             </a:extLst>
           </p:cNvPr>
@@ -395,7 +397,7 @@
           <p:cNvPr id="3" name="Vertical Text Placeholder 2">
             <a:extLst>
               <a:ext uri="{FF2B5EF4-FFF2-40B4-BE49-F238E27FC236}">
-                <a16:creationId xmlns:a16="http://schemas.microsoft.com/office/drawing/2014/main" xmlns="" id="{19A1C7A2-1B43-4C6D-A293-C7FFD55FA198}"/>
+                <a16:creationId xmlns:a16="http://schemas.microsoft.com/office/drawing/2014/main" id="{19A1C7A2-1B43-4C6D-A293-C7FFD55FA198}"/>
               </a:ext>
             </a:extLst>
           </p:cNvPr>
@@ -453,7 +455,7 @@
           <p:cNvPr id="4" name="Date Placeholder 3">
             <a:extLst>
               <a:ext uri="{FF2B5EF4-FFF2-40B4-BE49-F238E27FC236}">
-                <a16:creationId xmlns:a16="http://schemas.microsoft.com/office/drawing/2014/main" xmlns="" id="{E4D750D0-43FF-490C-A9D5-FAD09D16CB56}"/>
+                <a16:creationId xmlns:a16="http://schemas.microsoft.com/office/drawing/2014/main" id="{E4D750D0-43FF-490C-A9D5-FAD09D16CB56}"/>
               </a:ext>
             </a:extLst>
           </p:cNvPr>
@@ -482,7 +484,7 @@
           <p:cNvPr id="5" name="Footer Placeholder 4">
             <a:extLst>
               <a:ext uri="{FF2B5EF4-FFF2-40B4-BE49-F238E27FC236}">
-                <a16:creationId xmlns:a16="http://schemas.microsoft.com/office/drawing/2014/main" xmlns="" id="{52720C74-982E-4771-B07D-A0BD79EC910E}"/>
+                <a16:creationId xmlns:a16="http://schemas.microsoft.com/office/drawing/2014/main" id="{52720C74-982E-4771-B07D-A0BD79EC910E}"/>
               </a:ext>
             </a:extLst>
           </p:cNvPr>
@@ -510,7 +512,7 @@
           <p:cNvPr id="6" name="Slide Number Placeholder 5">
             <a:extLst>
               <a:ext uri="{FF2B5EF4-FFF2-40B4-BE49-F238E27FC236}">
-                <a16:creationId xmlns:a16="http://schemas.microsoft.com/office/drawing/2014/main" xmlns="" id="{521B4D69-0D90-4E66-BBD6-D567927F056E}"/>
+                <a16:creationId xmlns:a16="http://schemas.microsoft.com/office/drawing/2014/main" id="{521B4D69-0D90-4E66-BBD6-D567927F056E}"/>
               </a:ext>
             </a:extLst>
           </p:cNvPr>
@@ -528,7 +530,7 @@
           <a:p>
             <a:fld id="{969E759D-A893-4B96-8B48-96EE547EBC41}" type="slidenum">
               <a:rPr lang="de-DE" smtClean="0"/>
-              <a:t>‹Nr.›</a:t>
+              <a:t>‹#›</a:t>
             </a:fld>
             <a:endParaRPr lang="de-DE"/>
           </a:p>
@@ -569,7 +571,7 @@
           <p:cNvPr id="2" name="Vertical Title 1">
             <a:extLst>
               <a:ext uri="{FF2B5EF4-FFF2-40B4-BE49-F238E27FC236}">
-                <a16:creationId xmlns:a16="http://schemas.microsoft.com/office/drawing/2014/main" xmlns="" id="{2CAD75F2-C38E-4541-87A7-F319E899E67A}"/>
+                <a16:creationId xmlns:a16="http://schemas.microsoft.com/office/drawing/2014/main" id="{2CAD75F2-C38E-4541-87A7-F319E899E67A}"/>
               </a:ext>
             </a:extLst>
           </p:cNvPr>
@@ -603,7 +605,7 @@
           <p:cNvPr id="3" name="Vertical Text Placeholder 2">
             <a:extLst>
               <a:ext uri="{FF2B5EF4-FFF2-40B4-BE49-F238E27FC236}">
-                <a16:creationId xmlns:a16="http://schemas.microsoft.com/office/drawing/2014/main" xmlns="" id="{4C062E13-06CB-485A-AA44-1327366B8430}"/>
+                <a16:creationId xmlns:a16="http://schemas.microsoft.com/office/drawing/2014/main" id="{4C062E13-06CB-485A-AA44-1327366B8430}"/>
               </a:ext>
             </a:extLst>
           </p:cNvPr>
@@ -666,7 +668,7 @@
           <p:cNvPr id="4" name="Date Placeholder 3">
             <a:extLst>
               <a:ext uri="{FF2B5EF4-FFF2-40B4-BE49-F238E27FC236}">
-                <a16:creationId xmlns:a16="http://schemas.microsoft.com/office/drawing/2014/main" xmlns="" id="{625F218E-01D2-451A-9031-AD736B1E20A6}"/>
+                <a16:creationId xmlns:a16="http://schemas.microsoft.com/office/drawing/2014/main" id="{625F218E-01D2-451A-9031-AD736B1E20A6}"/>
               </a:ext>
             </a:extLst>
           </p:cNvPr>
@@ -695,7 +697,7 @@
           <p:cNvPr id="5" name="Footer Placeholder 4">
             <a:extLst>
               <a:ext uri="{FF2B5EF4-FFF2-40B4-BE49-F238E27FC236}">
-                <a16:creationId xmlns:a16="http://schemas.microsoft.com/office/drawing/2014/main" xmlns="" id="{C7083295-EF4A-46C3-90BB-B9E2D04D0576}"/>
+                <a16:creationId xmlns:a16="http://schemas.microsoft.com/office/drawing/2014/main" id="{C7083295-EF4A-46C3-90BB-B9E2D04D0576}"/>
               </a:ext>
             </a:extLst>
           </p:cNvPr>
@@ -723,7 +725,7 @@
           <p:cNvPr id="6" name="Slide Number Placeholder 5">
             <a:extLst>
               <a:ext uri="{FF2B5EF4-FFF2-40B4-BE49-F238E27FC236}">
-                <a16:creationId xmlns:a16="http://schemas.microsoft.com/office/drawing/2014/main" xmlns="" id="{0F8EDD3E-35ED-415B-86A4-3E78B8B56297}"/>
+                <a16:creationId xmlns:a16="http://schemas.microsoft.com/office/drawing/2014/main" id="{0F8EDD3E-35ED-415B-86A4-3E78B8B56297}"/>
               </a:ext>
             </a:extLst>
           </p:cNvPr>
@@ -741,7 +743,7 @@
           <a:p>
             <a:fld id="{969E759D-A893-4B96-8B48-96EE547EBC41}" type="slidenum">
               <a:rPr lang="de-DE" smtClean="0"/>
-              <a:t>‹Nr.›</a:t>
+              <a:t>‹#›</a:t>
             </a:fld>
             <a:endParaRPr lang="de-DE"/>
           </a:p>
@@ -782,7 +784,7 @@
           <p:cNvPr id="2" name="Title 1">
             <a:extLst>
               <a:ext uri="{FF2B5EF4-FFF2-40B4-BE49-F238E27FC236}">
-                <a16:creationId xmlns:a16="http://schemas.microsoft.com/office/drawing/2014/main" xmlns="" id="{3EC23AC9-B405-43A9-9B49-DD554606884B}"/>
+                <a16:creationId xmlns:a16="http://schemas.microsoft.com/office/drawing/2014/main" id="{3EC23AC9-B405-43A9-9B49-DD554606884B}"/>
               </a:ext>
             </a:extLst>
           </p:cNvPr>
@@ -811,7 +813,7 @@
           <p:cNvPr id="3" name="Content Placeholder 2">
             <a:extLst>
               <a:ext uri="{FF2B5EF4-FFF2-40B4-BE49-F238E27FC236}">
-                <a16:creationId xmlns:a16="http://schemas.microsoft.com/office/drawing/2014/main" xmlns="" id="{5A1ED858-EF3B-4519-8B6B-57FF232A60D6}"/>
+                <a16:creationId xmlns:a16="http://schemas.microsoft.com/office/drawing/2014/main" id="{5A1ED858-EF3B-4519-8B6B-57FF232A60D6}"/>
               </a:ext>
             </a:extLst>
           </p:cNvPr>
@@ -869,7 +871,7 @@
           <p:cNvPr id="4" name="Date Placeholder 3">
             <a:extLst>
               <a:ext uri="{FF2B5EF4-FFF2-40B4-BE49-F238E27FC236}">
-                <a16:creationId xmlns:a16="http://schemas.microsoft.com/office/drawing/2014/main" xmlns="" id="{C8150030-2F31-4B9A-B432-2B22C4DE6212}"/>
+                <a16:creationId xmlns:a16="http://schemas.microsoft.com/office/drawing/2014/main" id="{C8150030-2F31-4B9A-B432-2B22C4DE6212}"/>
               </a:ext>
             </a:extLst>
           </p:cNvPr>
@@ -898,7 +900,7 @@
           <p:cNvPr id="5" name="Footer Placeholder 4">
             <a:extLst>
               <a:ext uri="{FF2B5EF4-FFF2-40B4-BE49-F238E27FC236}">
-                <a16:creationId xmlns:a16="http://schemas.microsoft.com/office/drawing/2014/main" xmlns="" id="{9D0121CD-2AA3-4C77-A2DC-710EE8AD1DE5}"/>
+                <a16:creationId xmlns:a16="http://schemas.microsoft.com/office/drawing/2014/main" id="{9D0121CD-2AA3-4C77-A2DC-710EE8AD1DE5}"/>
               </a:ext>
             </a:extLst>
           </p:cNvPr>
@@ -926,7 +928,7 @@
           <p:cNvPr id="6" name="Slide Number Placeholder 5">
             <a:extLst>
               <a:ext uri="{FF2B5EF4-FFF2-40B4-BE49-F238E27FC236}">
-                <a16:creationId xmlns:a16="http://schemas.microsoft.com/office/drawing/2014/main" xmlns="" id="{D230A6F5-C59C-4467-990E-B7673CFF0B72}"/>
+                <a16:creationId xmlns:a16="http://schemas.microsoft.com/office/drawing/2014/main" id="{D230A6F5-C59C-4467-990E-B7673CFF0B72}"/>
               </a:ext>
             </a:extLst>
           </p:cNvPr>
@@ -944,7 +946,7 @@
           <a:p>
             <a:fld id="{969E759D-A893-4B96-8B48-96EE547EBC41}" type="slidenum">
               <a:rPr lang="de-DE" smtClean="0"/>
-              <a:t>‹Nr.›</a:t>
+              <a:t>‹#›</a:t>
             </a:fld>
             <a:endParaRPr lang="de-DE"/>
           </a:p>
@@ -985,7 +987,7 @@
           <p:cNvPr id="2" name="Title 1">
             <a:extLst>
               <a:ext uri="{FF2B5EF4-FFF2-40B4-BE49-F238E27FC236}">
-                <a16:creationId xmlns:a16="http://schemas.microsoft.com/office/drawing/2014/main" xmlns="" id="{BF936881-31C9-42FA-A745-EA48C2B1D924}"/>
+                <a16:creationId xmlns:a16="http://schemas.microsoft.com/office/drawing/2014/main" id="{BF936881-31C9-42FA-A745-EA48C2B1D924}"/>
               </a:ext>
             </a:extLst>
           </p:cNvPr>
@@ -1023,7 +1025,7 @@
           <p:cNvPr id="3" name="Text Placeholder 2">
             <a:extLst>
               <a:ext uri="{FF2B5EF4-FFF2-40B4-BE49-F238E27FC236}">
-                <a16:creationId xmlns:a16="http://schemas.microsoft.com/office/drawing/2014/main" xmlns="" id="{F4F81A45-5932-4C85-A105-4077AD8D9885}"/>
+                <a16:creationId xmlns:a16="http://schemas.microsoft.com/office/drawing/2014/main" id="{F4F81A45-5932-4C85-A105-4077AD8D9885}"/>
               </a:ext>
             </a:extLst>
           </p:cNvPr>
@@ -1148,7 +1150,7 @@
           <p:cNvPr id="4" name="Date Placeholder 3">
             <a:extLst>
               <a:ext uri="{FF2B5EF4-FFF2-40B4-BE49-F238E27FC236}">
-                <a16:creationId xmlns:a16="http://schemas.microsoft.com/office/drawing/2014/main" xmlns="" id="{FF8CFA83-5D09-45E6-BFEE-A02E8D514255}"/>
+                <a16:creationId xmlns:a16="http://schemas.microsoft.com/office/drawing/2014/main" id="{FF8CFA83-5D09-45E6-BFEE-A02E8D514255}"/>
               </a:ext>
             </a:extLst>
           </p:cNvPr>
@@ -1177,7 +1179,7 @@
           <p:cNvPr id="5" name="Footer Placeholder 4">
             <a:extLst>
               <a:ext uri="{FF2B5EF4-FFF2-40B4-BE49-F238E27FC236}">
-                <a16:creationId xmlns:a16="http://schemas.microsoft.com/office/drawing/2014/main" xmlns="" id="{A79C5C45-F0F7-4E1E-A0BA-F748D717175A}"/>
+                <a16:creationId xmlns:a16="http://schemas.microsoft.com/office/drawing/2014/main" id="{A79C5C45-F0F7-4E1E-A0BA-F748D717175A}"/>
               </a:ext>
             </a:extLst>
           </p:cNvPr>
@@ -1205,7 +1207,7 @@
           <p:cNvPr id="6" name="Slide Number Placeholder 5">
             <a:extLst>
               <a:ext uri="{FF2B5EF4-FFF2-40B4-BE49-F238E27FC236}">
-                <a16:creationId xmlns:a16="http://schemas.microsoft.com/office/drawing/2014/main" xmlns="" id="{0B6BC97A-AFA3-4F0C-AF54-B5654540B753}"/>
+                <a16:creationId xmlns:a16="http://schemas.microsoft.com/office/drawing/2014/main" id="{0B6BC97A-AFA3-4F0C-AF54-B5654540B753}"/>
               </a:ext>
             </a:extLst>
           </p:cNvPr>
@@ -1223,7 +1225,7 @@
           <a:p>
             <a:fld id="{969E759D-A893-4B96-8B48-96EE547EBC41}" type="slidenum">
               <a:rPr lang="de-DE" smtClean="0"/>
-              <a:t>‹Nr.›</a:t>
+              <a:t>‹#›</a:t>
             </a:fld>
             <a:endParaRPr lang="de-DE"/>
           </a:p>
@@ -1264,7 +1266,7 @@
           <p:cNvPr id="2" name="Title 1">
             <a:extLst>
               <a:ext uri="{FF2B5EF4-FFF2-40B4-BE49-F238E27FC236}">
-                <a16:creationId xmlns:a16="http://schemas.microsoft.com/office/drawing/2014/main" xmlns="" id="{767E744E-0BBE-4077-8230-C905D1B7B2F6}"/>
+                <a16:creationId xmlns:a16="http://schemas.microsoft.com/office/drawing/2014/main" id="{767E744E-0BBE-4077-8230-C905D1B7B2F6}"/>
               </a:ext>
             </a:extLst>
           </p:cNvPr>
@@ -1293,7 +1295,7 @@
           <p:cNvPr id="3" name="Content Placeholder 2">
             <a:extLst>
               <a:ext uri="{FF2B5EF4-FFF2-40B4-BE49-F238E27FC236}">
-                <a16:creationId xmlns:a16="http://schemas.microsoft.com/office/drawing/2014/main" xmlns="" id="{0C95CA8F-8400-44E9-982B-20F711B51A51}"/>
+                <a16:creationId xmlns:a16="http://schemas.microsoft.com/office/drawing/2014/main" id="{0C95CA8F-8400-44E9-982B-20F711B51A51}"/>
               </a:ext>
             </a:extLst>
           </p:cNvPr>
@@ -1356,7 +1358,7 @@
           <p:cNvPr id="4" name="Content Placeholder 3">
             <a:extLst>
               <a:ext uri="{FF2B5EF4-FFF2-40B4-BE49-F238E27FC236}">
-                <a16:creationId xmlns:a16="http://schemas.microsoft.com/office/drawing/2014/main" xmlns="" id="{8FFC5013-EAEC-446A-836B-EE12B52AF1EE}"/>
+                <a16:creationId xmlns:a16="http://schemas.microsoft.com/office/drawing/2014/main" id="{8FFC5013-EAEC-446A-836B-EE12B52AF1EE}"/>
               </a:ext>
             </a:extLst>
           </p:cNvPr>
@@ -1419,7 +1421,7 @@
           <p:cNvPr id="5" name="Date Placeholder 4">
             <a:extLst>
               <a:ext uri="{FF2B5EF4-FFF2-40B4-BE49-F238E27FC236}">
-                <a16:creationId xmlns:a16="http://schemas.microsoft.com/office/drawing/2014/main" xmlns="" id="{E310F9EB-66BC-4C02-949E-4481CE3C774C}"/>
+                <a16:creationId xmlns:a16="http://schemas.microsoft.com/office/drawing/2014/main" id="{E310F9EB-66BC-4C02-949E-4481CE3C774C}"/>
               </a:ext>
             </a:extLst>
           </p:cNvPr>
@@ -1448,7 +1450,7 @@
           <p:cNvPr id="6" name="Footer Placeholder 5">
             <a:extLst>
               <a:ext uri="{FF2B5EF4-FFF2-40B4-BE49-F238E27FC236}">
-                <a16:creationId xmlns:a16="http://schemas.microsoft.com/office/drawing/2014/main" xmlns="" id="{74C21129-AF84-4DC7-B6AB-10366106430C}"/>
+                <a16:creationId xmlns:a16="http://schemas.microsoft.com/office/drawing/2014/main" id="{74C21129-AF84-4DC7-B6AB-10366106430C}"/>
               </a:ext>
             </a:extLst>
           </p:cNvPr>
@@ -1476,7 +1478,7 @@
           <p:cNvPr id="7" name="Slide Number Placeholder 6">
             <a:extLst>
               <a:ext uri="{FF2B5EF4-FFF2-40B4-BE49-F238E27FC236}">
-                <a16:creationId xmlns:a16="http://schemas.microsoft.com/office/drawing/2014/main" xmlns="" id="{6C1A3CA7-9108-4644-9A69-9E5AEB0B2AD0}"/>
+                <a16:creationId xmlns:a16="http://schemas.microsoft.com/office/drawing/2014/main" id="{6C1A3CA7-9108-4644-9A69-9E5AEB0B2AD0}"/>
               </a:ext>
             </a:extLst>
           </p:cNvPr>
@@ -1494,7 +1496,7 @@
           <a:p>
             <a:fld id="{969E759D-A893-4B96-8B48-96EE547EBC41}" type="slidenum">
               <a:rPr lang="de-DE" smtClean="0"/>
-              <a:t>‹Nr.›</a:t>
+              <a:t>‹#›</a:t>
             </a:fld>
             <a:endParaRPr lang="de-DE"/>
           </a:p>
@@ -1535,7 +1537,7 @@
           <p:cNvPr id="2" name="Title 1">
             <a:extLst>
               <a:ext uri="{FF2B5EF4-FFF2-40B4-BE49-F238E27FC236}">
-                <a16:creationId xmlns:a16="http://schemas.microsoft.com/office/drawing/2014/main" xmlns="" id="{33AA1592-15D3-4F0B-B2E7-C95CBA7D7F4C}"/>
+                <a16:creationId xmlns:a16="http://schemas.microsoft.com/office/drawing/2014/main" id="{33AA1592-15D3-4F0B-B2E7-C95CBA7D7F4C}"/>
               </a:ext>
             </a:extLst>
           </p:cNvPr>
@@ -1569,7 +1571,7 @@
           <p:cNvPr id="3" name="Text Placeholder 2">
             <a:extLst>
               <a:ext uri="{FF2B5EF4-FFF2-40B4-BE49-F238E27FC236}">
-                <a16:creationId xmlns:a16="http://schemas.microsoft.com/office/drawing/2014/main" xmlns="" id="{3BC98F03-C09F-41CB-A02C-235FEF123879}"/>
+                <a16:creationId xmlns:a16="http://schemas.microsoft.com/office/drawing/2014/main" id="{3BC98F03-C09F-41CB-A02C-235FEF123879}"/>
               </a:ext>
             </a:extLst>
           </p:cNvPr>
@@ -1640,7 +1642,7 @@
           <p:cNvPr id="4" name="Content Placeholder 3">
             <a:extLst>
               <a:ext uri="{FF2B5EF4-FFF2-40B4-BE49-F238E27FC236}">
-                <a16:creationId xmlns:a16="http://schemas.microsoft.com/office/drawing/2014/main" xmlns="" id="{2B41E649-41F5-4E43-B982-FA612CCD2DF0}"/>
+                <a16:creationId xmlns:a16="http://schemas.microsoft.com/office/drawing/2014/main" id="{2B41E649-41F5-4E43-B982-FA612CCD2DF0}"/>
               </a:ext>
             </a:extLst>
           </p:cNvPr>
@@ -1703,7 +1705,7 @@
           <p:cNvPr id="5" name="Text Placeholder 4">
             <a:extLst>
               <a:ext uri="{FF2B5EF4-FFF2-40B4-BE49-F238E27FC236}">
-                <a16:creationId xmlns:a16="http://schemas.microsoft.com/office/drawing/2014/main" xmlns="" id="{37D7ABD1-D2B0-4CF0-8B82-C5D1C4FD84AF}"/>
+                <a16:creationId xmlns:a16="http://schemas.microsoft.com/office/drawing/2014/main" id="{37D7ABD1-D2B0-4CF0-8B82-C5D1C4FD84AF}"/>
               </a:ext>
             </a:extLst>
           </p:cNvPr>
@@ -1774,7 +1776,7 @@
           <p:cNvPr id="6" name="Content Placeholder 5">
             <a:extLst>
               <a:ext uri="{FF2B5EF4-FFF2-40B4-BE49-F238E27FC236}">
-                <a16:creationId xmlns:a16="http://schemas.microsoft.com/office/drawing/2014/main" xmlns="" id="{9E3897D1-02F3-412B-83EF-28A5CF402015}"/>
+                <a16:creationId xmlns:a16="http://schemas.microsoft.com/office/drawing/2014/main" id="{9E3897D1-02F3-412B-83EF-28A5CF402015}"/>
               </a:ext>
             </a:extLst>
           </p:cNvPr>
@@ -1837,7 +1839,7 @@
           <p:cNvPr id="7" name="Date Placeholder 6">
             <a:extLst>
               <a:ext uri="{FF2B5EF4-FFF2-40B4-BE49-F238E27FC236}">
-                <a16:creationId xmlns:a16="http://schemas.microsoft.com/office/drawing/2014/main" xmlns="" id="{9EA6E2B4-4A3E-4E96-98E5-D833ADA54890}"/>
+                <a16:creationId xmlns:a16="http://schemas.microsoft.com/office/drawing/2014/main" id="{9EA6E2B4-4A3E-4E96-98E5-D833ADA54890}"/>
               </a:ext>
             </a:extLst>
           </p:cNvPr>
@@ -1866,7 +1868,7 @@
           <p:cNvPr id="8" name="Footer Placeholder 7">
             <a:extLst>
               <a:ext uri="{FF2B5EF4-FFF2-40B4-BE49-F238E27FC236}">
-                <a16:creationId xmlns:a16="http://schemas.microsoft.com/office/drawing/2014/main" xmlns="" id="{5AC79E77-5927-4B6F-9B63-ADABE239B453}"/>
+                <a16:creationId xmlns:a16="http://schemas.microsoft.com/office/drawing/2014/main" id="{5AC79E77-5927-4B6F-9B63-ADABE239B453}"/>
               </a:ext>
             </a:extLst>
           </p:cNvPr>
@@ -1894,7 +1896,7 @@
           <p:cNvPr id="9" name="Slide Number Placeholder 8">
             <a:extLst>
               <a:ext uri="{FF2B5EF4-FFF2-40B4-BE49-F238E27FC236}">
-                <a16:creationId xmlns:a16="http://schemas.microsoft.com/office/drawing/2014/main" xmlns="" id="{37B9B9C8-ED50-4852-B9F1-48A216BB03D1}"/>
+                <a16:creationId xmlns:a16="http://schemas.microsoft.com/office/drawing/2014/main" id="{37B9B9C8-ED50-4852-B9F1-48A216BB03D1}"/>
               </a:ext>
             </a:extLst>
           </p:cNvPr>
@@ -1912,7 +1914,7 @@
           <a:p>
             <a:fld id="{969E759D-A893-4B96-8B48-96EE547EBC41}" type="slidenum">
               <a:rPr lang="de-DE" smtClean="0"/>
-              <a:t>‹Nr.›</a:t>
+              <a:t>‹#›</a:t>
             </a:fld>
             <a:endParaRPr lang="de-DE"/>
           </a:p>
@@ -1953,7 +1955,7 @@
           <p:cNvPr id="2" name="Title 1">
             <a:extLst>
               <a:ext uri="{FF2B5EF4-FFF2-40B4-BE49-F238E27FC236}">
-                <a16:creationId xmlns:a16="http://schemas.microsoft.com/office/drawing/2014/main" xmlns="" id="{AFFF9CCC-3D72-4E6D-9B55-5BDB2AB422C8}"/>
+                <a16:creationId xmlns:a16="http://schemas.microsoft.com/office/drawing/2014/main" id="{AFFF9CCC-3D72-4E6D-9B55-5BDB2AB422C8}"/>
               </a:ext>
             </a:extLst>
           </p:cNvPr>
@@ -1982,7 +1984,7 @@
           <p:cNvPr id="3" name="Date Placeholder 2">
             <a:extLst>
               <a:ext uri="{FF2B5EF4-FFF2-40B4-BE49-F238E27FC236}">
-                <a16:creationId xmlns:a16="http://schemas.microsoft.com/office/drawing/2014/main" xmlns="" id="{0B6C3247-58E3-4CD5-BAA0-DA75A819FDB7}"/>
+                <a16:creationId xmlns:a16="http://schemas.microsoft.com/office/drawing/2014/main" id="{0B6C3247-58E3-4CD5-BAA0-DA75A819FDB7}"/>
               </a:ext>
             </a:extLst>
           </p:cNvPr>
@@ -2011,7 +2013,7 @@
           <p:cNvPr id="4" name="Footer Placeholder 3">
             <a:extLst>
               <a:ext uri="{FF2B5EF4-FFF2-40B4-BE49-F238E27FC236}">
-                <a16:creationId xmlns:a16="http://schemas.microsoft.com/office/drawing/2014/main" xmlns="" id="{F337865A-A6D7-4B6F-AACB-CF758CA5DFEF}"/>
+                <a16:creationId xmlns:a16="http://schemas.microsoft.com/office/drawing/2014/main" id="{F337865A-A6D7-4B6F-AACB-CF758CA5DFEF}"/>
               </a:ext>
             </a:extLst>
           </p:cNvPr>
@@ -2039,7 +2041,7 @@
           <p:cNvPr id="5" name="Slide Number Placeholder 4">
             <a:extLst>
               <a:ext uri="{FF2B5EF4-FFF2-40B4-BE49-F238E27FC236}">
-                <a16:creationId xmlns:a16="http://schemas.microsoft.com/office/drawing/2014/main" xmlns="" id="{3686C1C5-74DF-47F5-99D6-4A48265FCC9A}"/>
+                <a16:creationId xmlns:a16="http://schemas.microsoft.com/office/drawing/2014/main" id="{3686C1C5-74DF-47F5-99D6-4A48265FCC9A}"/>
               </a:ext>
             </a:extLst>
           </p:cNvPr>
@@ -2057,7 +2059,7 @@
           <a:p>
             <a:fld id="{969E759D-A893-4B96-8B48-96EE547EBC41}" type="slidenum">
               <a:rPr lang="de-DE" smtClean="0"/>
-              <a:t>‹Nr.›</a:t>
+              <a:t>‹#›</a:t>
             </a:fld>
             <a:endParaRPr lang="de-DE"/>
           </a:p>
@@ -2098,7 +2100,7 @@
           <p:cNvPr id="2" name="Date Placeholder 1">
             <a:extLst>
               <a:ext uri="{FF2B5EF4-FFF2-40B4-BE49-F238E27FC236}">
-                <a16:creationId xmlns:a16="http://schemas.microsoft.com/office/drawing/2014/main" xmlns="" id="{DD7FD90C-4FC4-4111-9356-41D9564DB7DC}"/>
+                <a16:creationId xmlns:a16="http://schemas.microsoft.com/office/drawing/2014/main" id="{DD7FD90C-4FC4-4111-9356-41D9564DB7DC}"/>
               </a:ext>
             </a:extLst>
           </p:cNvPr>
@@ -2127,7 +2129,7 @@
           <p:cNvPr id="3" name="Footer Placeholder 2">
             <a:extLst>
               <a:ext uri="{FF2B5EF4-FFF2-40B4-BE49-F238E27FC236}">
-                <a16:creationId xmlns:a16="http://schemas.microsoft.com/office/drawing/2014/main" xmlns="" id="{3C9FF4C4-44A5-48A4-BDD8-FEA03E205412}"/>
+                <a16:creationId xmlns:a16="http://schemas.microsoft.com/office/drawing/2014/main" id="{3C9FF4C4-44A5-48A4-BDD8-FEA03E205412}"/>
               </a:ext>
             </a:extLst>
           </p:cNvPr>
@@ -2155,7 +2157,7 @@
           <p:cNvPr id="4" name="Slide Number Placeholder 3">
             <a:extLst>
               <a:ext uri="{FF2B5EF4-FFF2-40B4-BE49-F238E27FC236}">
-                <a16:creationId xmlns:a16="http://schemas.microsoft.com/office/drawing/2014/main" xmlns="" id="{5BD1C1F2-608B-4F06-B3CF-EA402ECA138C}"/>
+                <a16:creationId xmlns:a16="http://schemas.microsoft.com/office/drawing/2014/main" id="{5BD1C1F2-608B-4F06-B3CF-EA402ECA138C}"/>
               </a:ext>
             </a:extLst>
           </p:cNvPr>
@@ -2173,7 +2175,7 @@
           <a:p>
             <a:fld id="{969E759D-A893-4B96-8B48-96EE547EBC41}" type="slidenum">
               <a:rPr lang="de-DE" smtClean="0"/>
-              <a:t>‹Nr.›</a:t>
+              <a:t>‹#›</a:t>
             </a:fld>
             <a:endParaRPr lang="de-DE"/>
           </a:p>
@@ -2214,7 +2216,7 @@
           <p:cNvPr id="2" name="Title 1">
             <a:extLst>
               <a:ext uri="{FF2B5EF4-FFF2-40B4-BE49-F238E27FC236}">
-                <a16:creationId xmlns:a16="http://schemas.microsoft.com/office/drawing/2014/main" xmlns="" id="{C30E51A0-29CA-4ADD-9397-21C60FE7224C}"/>
+                <a16:creationId xmlns:a16="http://schemas.microsoft.com/office/drawing/2014/main" id="{C30E51A0-29CA-4ADD-9397-21C60FE7224C}"/>
               </a:ext>
             </a:extLst>
           </p:cNvPr>
@@ -2252,7 +2254,7 @@
           <p:cNvPr id="3" name="Content Placeholder 2">
             <a:extLst>
               <a:ext uri="{FF2B5EF4-FFF2-40B4-BE49-F238E27FC236}">
-                <a16:creationId xmlns:a16="http://schemas.microsoft.com/office/drawing/2014/main" xmlns="" id="{AE4C1E59-EC49-477D-A7FA-8D17A544FD35}"/>
+                <a16:creationId xmlns:a16="http://schemas.microsoft.com/office/drawing/2014/main" id="{AE4C1E59-EC49-477D-A7FA-8D17A544FD35}"/>
               </a:ext>
             </a:extLst>
           </p:cNvPr>
@@ -2343,7 +2345,7 @@
           <p:cNvPr id="4" name="Text Placeholder 3">
             <a:extLst>
               <a:ext uri="{FF2B5EF4-FFF2-40B4-BE49-F238E27FC236}">
-                <a16:creationId xmlns:a16="http://schemas.microsoft.com/office/drawing/2014/main" xmlns="" id="{FB140F56-8F9C-46CC-A2A8-FC43BF1B9B5A}"/>
+                <a16:creationId xmlns:a16="http://schemas.microsoft.com/office/drawing/2014/main" id="{FB140F56-8F9C-46CC-A2A8-FC43BF1B9B5A}"/>
               </a:ext>
             </a:extLst>
           </p:cNvPr>
@@ -2414,7 +2416,7 @@
           <p:cNvPr id="5" name="Date Placeholder 4">
             <a:extLst>
               <a:ext uri="{FF2B5EF4-FFF2-40B4-BE49-F238E27FC236}">
-                <a16:creationId xmlns:a16="http://schemas.microsoft.com/office/drawing/2014/main" xmlns="" id="{31CABD1E-515F-40BE-8198-380231147539}"/>
+                <a16:creationId xmlns:a16="http://schemas.microsoft.com/office/drawing/2014/main" id="{31CABD1E-515F-40BE-8198-380231147539}"/>
               </a:ext>
             </a:extLst>
           </p:cNvPr>
@@ -2443,7 +2445,7 @@
           <p:cNvPr id="6" name="Footer Placeholder 5">
             <a:extLst>
               <a:ext uri="{FF2B5EF4-FFF2-40B4-BE49-F238E27FC236}">
-                <a16:creationId xmlns:a16="http://schemas.microsoft.com/office/drawing/2014/main" xmlns="" id="{2F6019DF-BD0B-472E-A976-8D5DB86E4E34}"/>
+                <a16:creationId xmlns:a16="http://schemas.microsoft.com/office/drawing/2014/main" id="{2F6019DF-BD0B-472E-A976-8D5DB86E4E34}"/>
               </a:ext>
             </a:extLst>
           </p:cNvPr>
@@ -2471,7 +2473,7 @@
           <p:cNvPr id="7" name="Slide Number Placeholder 6">
             <a:extLst>
               <a:ext uri="{FF2B5EF4-FFF2-40B4-BE49-F238E27FC236}">
-                <a16:creationId xmlns:a16="http://schemas.microsoft.com/office/drawing/2014/main" xmlns="" id="{E9F698EC-CC4D-4D69-967F-312E2662B149}"/>
+                <a16:creationId xmlns:a16="http://schemas.microsoft.com/office/drawing/2014/main" id="{E9F698EC-CC4D-4D69-967F-312E2662B149}"/>
               </a:ext>
             </a:extLst>
           </p:cNvPr>
@@ -2489,7 +2491,7 @@
           <a:p>
             <a:fld id="{969E759D-A893-4B96-8B48-96EE547EBC41}" type="slidenum">
               <a:rPr lang="de-DE" smtClean="0"/>
-              <a:t>‹Nr.›</a:t>
+              <a:t>‹#›</a:t>
             </a:fld>
             <a:endParaRPr lang="de-DE"/>
           </a:p>
@@ -2530,7 +2532,7 @@
           <p:cNvPr id="2" name="Title 1">
             <a:extLst>
               <a:ext uri="{FF2B5EF4-FFF2-40B4-BE49-F238E27FC236}">
-                <a16:creationId xmlns:a16="http://schemas.microsoft.com/office/drawing/2014/main" xmlns="" id="{3B4FFAA6-7E4F-476A-9070-0F7F2F3CF654}"/>
+                <a16:creationId xmlns:a16="http://schemas.microsoft.com/office/drawing/2014/main" id="{3B4FFAA6-7E4F-476A-9070-0F7F2F3CF654}"/>
               </a:ext>
             </a:extLst>
           </p:cNvPr>
@@ -2568,7 +2570,7 @@
           <p:cNvPr id="3" name="Picture Placeholder 2">
             <a:extLst>
               <a:ext uri="{FF2B5EF4-FFF2-40B4-BE49-F238E27FC236}">
-                <a16:creationId xmlns:a16="http://schemas.microsoft.com/office/drawing/2014/main" xmlns="" id="{818F1107-C63D-4182-B212-341F4BBF5995}"/>
+                <a16:creationId xmlns:a16="http://schemas.microsoft.com/office/drawing/2014/main" id="{818F1107-C63D-4182-B212-341F4BBF5995}"/>
               </a:ext>
             </a:extLst>
           </p:cNvPr>
@@ -2635,7 +2637,7 @@
           <p:cNvPr id="4" name="Text Placeholder 3">
             <a:extLst>
               <a:ext uri="{FF2B5EF4-FFF2-40B4-BE49-F238E27FC236}">
-                <a16:creationId xmlns:a16="http://schemas.microsoft.com/office/drawing/2014/main" xmlns="" id="{0726478D-FAFE-42F8-9655-7B1CEA64186D}"/>
+                <a16:creationId xmlns:a16="http://schemas.microsoft.com/office/drawing/2014/main" id="{0726478D-FAFE-42F8-9655-7B1CEA64186D}"/>
               </a:ext>
             </a:extLst>
           </p:cNvPr>
@@ -2706,7 +2708,7 @@
           <p:cNvPr id="5" name="Date Placeholder 4">
             <a:extLst>
               <a:ext uri="{FF2B5EF4-FFF2-40B4-BE49-F238E27FC236}">
-                <a16:creationId xmlns:a16="http://schemas.microsoft.com/office/drawing/2014/main" xmlns="" id="{4ED6872F-0A70-4D1D-A649-079E23BFC17B}"/>
+                <a16:creationId xmlns:a16="http://schemas.microsoft.com/office/drawing/2014/main" id="{4ED6872F-0A70-4D1D-A649-079E23BFC17B}"/>
               </a:ext>
             </a:extLst>
           </p:cNvPr>
@@ -2735,7 +2737,7 @@
           <p:cNvPr id="6" name="Footer Placeholder 5">
             <a:extLst>
               <a:ext uri="{FF2B5EF4-FFF2-40B4-BE49-F238E27FC236}">
-                <a16:creationId xmlns:a16="http://schemas.microsoft.com/office/drawing/2014/main" xmlns="" id="{5312BCC0-13EB-4DA8-B39F-A5298CA93138}"/>
+                <a16:creationId xmlns:a16="http://schemas.microsoft.com/office/drawing/2014/main" id="{5312BCC0-13EB-4DA8-B39F-A5298CA93138}"/>
               </a:ext>
             </a:extLst>
           </p:cNvPr>
@@ -2763,7 +2765,7 @@
           <p:cNvPr id="7" name="Slide Number Placeholder 6">
             <a:extLst>
               <a:ext uri="{FF2B5EF4-FFF2-40B4-BE49-F238E27FC236}">
-                <a16:creationId xmlns:a16="http://schemas.microsoft.com/office/drawing/2014/main" xmlns="" id="{1F62339D-75FC-459B-A2F1-6975527E5692}"/>
+                <a16:creationId xmlns:a16="http://schemas.microsoft.com/office/drawing/2014/main" id="{1F62339D-75FC-459B-A2F1-6975527E5692}"/>
               </a:ext>
             </a:extLst>
           </p:cNvPr>
@@ -2781,7 +2783,7 @@
           <a:p>
             <a:fld id="{969E759D-A893-4B96-8B48-96EE547EBC41}" type="slidenum">
               <a:rPr lang="de-DE" smtClean="0"/>
-              <a:t>‹Nr.›</a:t>
+              <a:t>‹#›</a:t>
             </a:fld>
             <a:endParaRPr lang="de-DE"/>
           </a:p>
@@ -2827,7 +2829,7 @@
           <p:cNvPr id="2" name="Title Placeholder 1">
             <a:extLst>
               <a:ext uri="{FF2B5EF4-FFF2-40B4-BE49-F238E27FC236}">
-                <a16:creationId xmlns:a16="http://schemas.microsoft.com/office/drawing/2014/main" xmlns="" id="{EECCEAF9-517F-4246-89B4-773BBE3B5283}"/>
+                <a16:creationId xmlns:a16="http://schemas.microsoft.com/office/drawing/2014/main" id="{EECCEAF9-517F-4246-89B4-773BBE3B5283}"/>
               </a:ext>
             </a:extLst>
           </p:cNvPr>
@@ -2866,7 +2868,7 @@
           <p:cNvPr id="3" name="Text Placeholder 2">
             <a:extLst>
               <a:ext uri="{FF2B5EF4-FFF2-40B4-BE49-F238E27FC236}">
-                <a16:creationId xmlns:a16="http://schemas.microsoft.com/office/drawing/2014/main" xmlns="" id="{9A2C07FB-A743-4CFF-8DBA-B22A10466F8D}"/>
+                <a16:creationId xmlns:a16="http://schemas.microsoft.com/office/drawing/2014/main" id="{9A2C07FB-A743-4CFF-8DBA-B22A10466F8D}"/>
               </a:ext>
             </a:extLst>
           </p:cNvPr>
@@ -2934,7 +2936,7 @@
           <p:cNvPr id="4" name="Date Placeholder 3">
             <a:extLst>
               <a:ext uri="{FF2B5EF4-FFF2-40B4-BE49-F238E27FC236}">
-                <a16:creationId xmlns:a16="http://schemas.microsoft.com/office/drawing/2014/main" xmlns="" id="{3DE3EFD5-A9F8-4124-B4DE-1AEE565BA376}"/>
+                <a16:creationId xmlns:a16="http://schemas.microsoft.com/office/drawing/2014/main" id="{3DE3EFD5-A9F8-4124-B4DE-1AEE565BA376}"/>
               </a:ext>
             </a:extLst>
           </p:cNvPr>
@@ -2981,7 +2983,7 @@
           <p:cNvPr id="5" name="Footer Placeholder 4">
             <a:extLst>
               <a:ext uri="{FF2B5EF4-FFF2-40B4-BE49-F238E27FC236}">
-                <a16:creationId xmlns:a16="http://schemas.microsoft.com/office/drawing/2014/main" xmlns="" id="{CB368404-65B1-4F0D-A1D3-FE6F60E99818}"/>
+                <a16:creationId xmlns:a16="http://schemas.microsoft.com/office/drawing/2014/main" id="{CB368404-65B1-4F0D-A1D3-FE6F60E99818}"/>
               </a:ext>
             </a:extLst>
           </p:cNvPr>
@@ -3027,7 +3029,7 @@
           <p:cNvPr id="6" name="Slide Number Placeholder 5">
             <a:extLst>
               <a:ext uri="{FF2B5EF4-FFF2-40B4-BE49-F238E27FC236}">
-                <a16:creationId xmlns:a16="http://schemas.microsoft.com/office/drawing/2014/main" xmlns="" id="{50F0220F-6B11-49AF-AB94-16FA52911A89}"/>
+                <a16:creationId xmlns:a16="http://schemas.microsoft.com/office/drawing/2014/main" id="{50F0220F-6B11-49AF-AB94-16FA52911A89}"/>
               </a:ext>
             </a:extLst>
           </p:cNvPr>
@@ -3063,7 +3065,7 @@
           <a:p>
             <a:fld id="{969E759D-A893-4B96-8B48-96EE547EBC41}" type="slidenum">
               <a:rPr lang="de-DE" smtClean="0"/>
-              <a:t>‹Nr.›</a:t>
+              <a:t>‹#›</a:t>
             </a:fld>
             <a:endParaRPr lang="de-DE"/>
           </a:p>
@@ -3404,7 +3406,7 @@
           <p:cNvPr id="1026" name="Picture 2" descr="Die Campusgebäude wurden mit einer Drohne von oben fotografiert.">
             <a:extLst>
               <a:ext uri="{FF2B5EF4-FFF2-40B4-BE49-F238E27FC236}">
-                <a16:creationId xmlns:a16="http://schemas.microsoft.com/office/drawing/2014/main" xmlns="" id="{BB1D137F-7550-416E-9165-30BB2E2EE823}"/>
+                <a16:creationId xmlns:a16="http://schemas.microsoft.com/office/drawing/2014/main" id="{BB1D137F-7550-416E-9165-30BB2E2EE823}"/>
               </a:ext>
             </a:extLst>
           </p:cNvPr>
@@ -3449,10 +3451,10 @@
           <p:cNvPr id="71" name="Freeform 5">
             <a:extLst>
               <a:ext uri="{FF2B5EF4-FFF2-40B4-BE49-F238E27FC236}">
-                <a16:creationId xmlns:a16="http://schemas.microsoft.com/office/drawing/2014/main" xmlns="" id="{87CC2527-562A-4F69-B487-4371E5B243E7}"/>
+                <a16:creationId xmlns:a16="http://schemas.microsoft.com/office/drawing/2014/main" id="{87CC2527-562A-4F69-B487-4371E5B243E7}"/>
               </a:ext>
               <a:ext uri="{C183D7F6-B498-43B3-948B-1728B52AA6E4}">
-                <adec:decorative xmlns:adec="http://schemas.microsoft.com/office/drawing/2017/decorative" xmlns="" val="1"/>
+                <adec:decorative xmlns:adec="http://schemas.microsoft.com/office/drawing/2017/decorative" val="1"/>
               </a:ext>
             </a:extLst>
           </p:cNvPr>
@@ -3462,7 +3464,7 @@
           <p:nvPr>
             <p:extLst>
               <p:ext uri="{386F3935-93C4-4BCD-93E2-E3B085C9AB24}">
-                <p16:designElem xmlns:p16="http://schemas.microsoft.com/office/powerpoint/2015/main" xmlns="" val="1"/>
+                <p16:designElem xmlns:p16="http://schemas.microsoft.com/office/powerpoint/2015/main" val="1"/>
               </p:ext>
             </p:extLst>
           </p:nvPr>
@@ -3612,7 +3614,7 @@
           <p:cNvPr id="2" name="Title 1">
             <a:extLst>
               <a:ext uri="{FF2B5EF4-FFF2-40B4-BE49-F238E27FC236}">
-                <a16:creationId xmlns:a16="http://schemas.microsoft.com/office/drawing/2014/main" xmlns="" id="{66A5DC1B-C9D0-4F34-9333-047D860C11A0}"/>
+                <a16:creationId xmlns:a16="http://schemas.microsoft.com/office/drawing/2014/main" id="{66A5DC1B-C9D0-4F34-9333-047D860C11A0}"/>
               </a:ext>
             </a:extLst>
           </p:cNvPr>
@@ -3652,7 +3654,7 @@
           <p:cNvPr id="3" name="Subtitle 2">
             <a:extLst>
               <a:ext uri="{FF2B5EF4-FFF2-40B4-BE49-F238E27FC236}">
-                <a16:creationId xmlns:a16="http://schemas.microsoft.com/office/drawing/2014/main" xmlns="" id="{42EC82C3-D779-4672-B134-327C720F0D8A}"/>
+                <a16:creationId xmlns:a16="http://schemas.microsoft.com/office/drawing/2014/main" id="{42EC82C3-D779-4672-B134-327C720F0D8A}"/>
               </a:ext>
             </a:extLst>
           </p:cNvPr>
@@ -3671,7 +3673,7 @@
         </p:spPr>
         <p:txBody>
           <a:bodyPr>
-            <a:normAutofit fontScale="92500" lnSpcReduction="10000"/>
+            <a:normAutofit fontScale="92500" lnSpcReduction="20000"/>
           </a:bodyPr>
           <a:lstStyle/>
           <a:p>
@@ -3702,10 +3704,10 @@
           <p:cNvPr id="73" name="Straight Connector 72">
             <a:extLst>
               <a:ext uri="{FF2B5EF4-FFF2-40B4-BE49-F238E27FC236}">
-                <a16:creationId xmlns:a16="http://schemas.microsoft.com/office/drawing/2014/main" xmlns="" id="{BCDAEC91-5BCE-4B55-9CC0-43EF94CB734B}"/>
+                <a16:creationId xmlns:a16="http://schemas.microsoft.com/office/drawing/2014/main" id="{BCDAEC91-5BCE-4B55-9CC0-43EF94CB734B}"/>
               </a:ext>
               <a:ext uri="{C183D7F6-B498-43B3-948B-1728B52AA6E4}">
-                <adec:decorative xmlns:adec="http://schemas.microsoft.com/office/drawing/2017/decorative" xmlns="" val="1"/>
+                <adec:decorative xmlns:adec="http://schemas.microsoft.com/office/drawing/2017/decorative" val="1"/>
               </a:ext>
             </a:extLst>
           </p:cNvPr>
@@ -3715,7 +3717,7 @@
           <p:nvPr>
             <p:extLst>
               <p:ext uri="{386F3935-93C4-4BCD-93E2-E3B085C9AB24}">
-                <p16:designElem xmlns:p16="http://schemas.microsoft.com/office/powerpoint/2015/main" xmlns="" val="1"/>
+                <p16:designElem xmlns:p16="http://schemas.microsoft.com/office/powerpoint/2015/main" val="1"/>
               </p:ext>
             </p:extLst>
           </p:nvPr>
@@ -3766,6 +3768,147 @@
 </p:sld>
 </file>
 
+<file path=ppt/slides/slide10.xml><?xml version="1.0" encoding="utf-8"?>
+<p:sld xmlns:a="http://schemas.openxmlformats.org/drawingml/2006/main" xmlns:r="http://schemas.openxmlformats.org/officeDocument/2006/relationships" xmlns:p="http://schemas.openxmlformats.org/presentationml/2006/main">
+  <p:cSld>
+    <p:spTree>
+      <p:nvGrpSpPr>
+        <p:cNvPr id="1" name=""/>
+        <p:cNvGrpSpPr/>
+        <p:nvPr/>
+      </p:nvGrpSpPr>
+      <p:grpSpPr>
+        <a:xfrm>
+          <a:off x="0" y="0"/>
+          <a:ext cx="0" cy="0"/>
+          <a:chOff x="0" y="0"/>
+          <a:chExt cx="0" cy="0"/>
+        </a:xfrm>
+      </p:grpSpPr>
+      <p:sp>
+        <p:nvSpPr>
+          <p:cNvPr id="2" name="Titel 1"/>
+          <p:cNvSpPr>
+            <a:spLocks noGrp="1"/>
+          </p:cNvSpPr>
+          <p:nvPr>
+            <p:ph type="title"/>
+          </p:nvPr>
+        </p:nvSpPr>
+        <p:spPr/>
+        <p:txBody>
+          <a:bodyPr/>
+          <a:lstStyle/>
+          <a:p>
+            <a:r>
+              <a:rPr lang="de-DE" dirty="0"/>
+              <a:t>Fazit</a:t>
+            </a:r>
+          </a:p>
+        </p:txBody>
+      </p:sp>
+      <p:sp>
+        <p:nvSpPr>
+          <p:cNvPr id="3" name="Inhaltsplatzhalter 2"/>
+          <p:cNvSpPr>
+            <a:spLocks noGrp="1"/>
+          </p:cNvSpPr>
+          <p:nvPr>
+            <p:ph idx="1"/>
+          </p:nvPr>
+        </p:nvSpPr>
+        <p:spPr/>
+        <p:txBody>
+          <a:bodyPr/>
+          <a:lstStyle/>
+          <a:p>
+            <a:r>
+              <a:rPr lang="de-DE" dirty="0"/>
+              <a:t>Erstellung des Grob- und Feinkonzepts zu Beginn war sehr hilfreich</a:t>
+            </a:r>
+          </a:p>
+          <a:p>
+            <a:r>
+              <a:rPr lang="de-DE" dirty="0"/>
+              <a:t>Kommunikation im Team und Gruppendynamik war gut</a:t>
+            </a:r>
+          </a:p>
+          <a:p>
+            <a:r>
+              <a:rPr lang="de-DE" dirty="0"/>
+              <a:t>Planung war zum Teil schwierig</a:t>
+            </a:r>
+          </a:p>
+          <a:p>
+            <a:r>
+              <a:rPr lang="de-DE"/>
+              <a:t>Missverständnisse bei den Anforderungen</a:t>
+            </a:r>
+            <a:endParaRPr lang="de-DE" dirty="0"/>
+          </a:p>
+          <a:p>
+            <a:endParaRPr lang="de-DE" dirty="0"/>
+          </a:p>
+        </p:txBody>
+      </p:sp>
+      <p:sp>
+        <p:nvSpPr>
+          <p:cNvPr id="4" name="Fußzeilenplatzhalter 3"/>
+          <p:cNvSpPr>
+            <a:spLocks noGrp="1"/>
+          </p:cNvSpPr>
+          <p:nvPr>
+            <p:ph type="ftr" sz="quarter" idx="11"/>
+          </p:nvPr>
+        </p:nvSpPr>
+        <p:spPr/>
+        <p:txBody>
+          <a:bodyPr/>
+          <a:lstStyle/>
+          <a:p>
+            <a:r>
+              <a:rPr lang="de-DE"/>
+              <a:t>WS19/20 - PV-Modulportal - Rüffer, Vorwerk, Withöft, Zolkin</a:t>
+            </a:r>
+          </a:p>
+        </p:txBody>
+      </p:sp>
+      <p:sp>
+        <p:nvSpPr>
+          <p:cNvPr id="5" name="Foliennummernplatzhalter 4"/>
+          <p:cNvSpPr>
+            <a:spLocks noGrp="1"/>
+          </p:cNvSpPr>
+          <p:nvPr>
+            <p:ph type="sldNum" sz="quarter" idx="12"/>
+          </p:nvPr>
+        </p:nvSpPr>
+        <p:spPr/>
+        <p:txBody>
+          <a:bodyPr/>
+          <a:lstStyle/>
+          <a:p>
+            <a:fld id="{969E759D-A893-4B96-8B48-96EE547EBC41}" type="slidenum">
+              <a:rPr lang="de-DE" smtClean="0"/>
+              <a:t>10</a:t>
+            </a:fld>
+            <a:endParaRPr lang="de-DE"/>
+          </a:p>
+        </p:txBody>
+      </p:sp>
+    </p:spTree>
+    <p:extLst>
+      <p:ext uri="{BB962C8B-B14F-4D97-AF65-F5344CB8AC3E}">
+        <p14:creationId xmlns:p14="http://schemas.microsoft.com/office/powerpoint/2010/main" val="2130456695"/>
+      </p:ext>
+    </p:extLst>
+  </p:cSld>
+  <p:clrMapOvr>
+    <a:masterClrMapping/>
+  </p:clrMapOvr>
+</p:sld>
+</file>
+
 <file path=ppt/slides/slide2.xml><?xml version="1.0" encoding="utf-8"?>
 <p:sld xmlns:a="http://schemas.openxmlformats.org/drawingml/2006/main" xmlns:r="http://schemas.openxmlformats.org/officeDocument/2006/relationships" xmlns:p="http://schemas.openxmlformats.org/presentationml/2006/main">
   <p:cSld>
@@ -3796,10 +3939,10 @@
           <p:cNvPr id="10" name="Rectangle 9">
             <a:extLst>
               <a:ext uri="{FF2B5EF4-FFF2-40B4-BE49-F238E27FC236}">
-                <a16:creationId xmlns:a16="http://schemas.microsoft.com/office/drawing/2014/main" xmlns="" id="{8D70B121-56F4-4848-B38B-182089D909FA}"/>
+                <a16:creationId xmlns:a16="http://schemas.microsoft.com/office/drawing/2014/main" id="{8D70B121-56F4-4848-B38B-182089D909FA}"/>
               </a:ext>
               <a:ext uri="{C183D7F6-B498-43B3-948B-1728B52AA6E4}">
-                <adec:decorative xmlns:adec="http://schemas.microsoft.com/office/drawing/2017/decorative" xmlns="" val="1"/>
+                <adec:decorative xmlns:adec="http://schemas.microsoft.com/office/drawing/2017/decorative" val="1"/>
               </a:ext>
             </a:extLst>
           </p:cNvPr>
@@ -3809,7 +3952,7 @@
           <p:nvPr>
             <p:extLst>
               <p:ext uri="{386F3935-93C4-4BCD-93E2-E3B085C9AB24}">
-                <p16:designElem xmlns:p16="http://schemas.microsoft.com/office/powerpoint/2015/main" xmlns="" val="1"/>
+                <p16:designElem xmlns:p16="http://schemas.microsoft.com/office/powerpoint/2015/main" val="1"/>
               </p:ext>
             </p:extLst>
           </p:nvPr>
@@ -3890,7 +4033,7 @@
           <p:cNvPr id="2" name="Title 1">
             <a:extLst>
               <a:ext uri="{FF2B5EF4-FFF2-40B4-BE49-F238E27FC236}">
-                <a16:creationId xmlns:a16="http://schemas.microsoft.com/office/drawing/2014/main" xmlns="" id="{ACE6EB8D-0A4F-46AA-AF64-E268DD01B696}"/>
+                <a16:creationId xmlns:a16="http://schemas.microsoft.com/office/drawing/2014/main" id="{ACE6EB8D-0A4F-46AA-AF64-E268DD01B696}"/>
               </a:ext>
             </a:extLst>
           </p:cNvPr>
@@ -3935,10 +4078,10 @@
           <p:cNvPr id="20" name="Straight Connector 11">
             <a:extLst>
               <a:ext uri="{FF2B5EF4-FFF2-40B4-BE49-F238E27FC236}">
-                <a16:creationId xmlns:a16="http://schemas.microsoft.com/office/drawing/2014/main" xmlns="" id="{2D72A2C9-F3CA-4216-8BAD-FA4C970C3C4E}"/>
+                <a16:creationId xmlns:a16="http://schemas.microsoft.com/office/drawing/2014/main" id="{2D72A2C9-F3CA-4216-8BAD-FA4C970C3C4E}"/>
               </a:ext>
               <a:ext uri="{C183D7F6-B498-43B3-948B-1728B52AA6E4}">
-                <adec:decorative xmlns:adec="http://schemas.microsoft.com/office/drawing/2017/decorative" xmlns="" val="1"/>
+                <adec:decorative xmlns:adec="http://schemas.microsoft.com/office/drawing/2017/decorative" val="1"/>
               </a:ext>
             </a:extLst>
           </p:cNvPr>
@@ -3948,7 +4091,7 @@
           <p:nvPr>
             <p:extLst>
               <p:ext uri="{386F3935-93C4-4BCD-93E2-E3B085C9AB24}">
-                <p16:designElem xmlns:p16="http://schemas.microsoft.com/office/powerpoint/2015/main" xmlns="" val="1"/>
+                <p16:designElem xmlns:p16="http://schemas.microsoft.com/office/powerpoint/2015/main" val="1"/>
               </p:ext>
             </p:extLst>
           </p:nvPr>
@@ -3990,7 +4133,7 @@
           <p:cNvPr id="21" name="Content Placeholder 2">
             <a:extLst>
               <a:ext uri="{FF2B5EF4-FFF2-40B4-BE49-F238E27FC236}">
-                <a16:creationId xmlns:a16="http://schemas.microsoft.com/office/drawing/2014/main" xmlns="" id="{58AE7285-2250-4AE8-93ED-187E4BCFFE55}"/>
+                <a16:creationId xmlns:a16="http://schemas.microsoft.com/office/drawing/2014/main" id="{58AE7285-2250-4AE8-93ED-187E4BCFFE55}"/>
               </a:ext>
             </a:extLst>
           </p:cNvPr>
@@ -4188,7 +4331,7 @@
           <p:cNvPr id="4" name="Footer Placeholder 3">
             <a:extLst>
               <a:ext uri="{FF2B5EF4-FFF2-40B4-BE49-F238E27FC236}">
-                <a16:creationId xmlns:a16="http://schemas.microsoft.com/office/drawing/2014/main" xmlns="" id="{49971016-FBB9-4FE9-A94D-721F4E0A6EF7}"/>
+                <a16:creationId xmlns:a16="http://schemas.microsoft.com/office/drawing/2014/main" id="{49971016-FBB9-4FE9-A94D-721F4E0A6EF7}"/>
               </a:ext>
             </a:extLst>
           </p:cNvPr>
@@ -4255,7 +4398,7 @@
           <p:cNvPr id="5" name="Slide Number Placeholder 4">
             <a:extLst>
               <a:ext uri="{FF2B5EF4-FFF2-40B4-BE49-F238E27FC236}">
-                <a16:creationId xmlns:a16="http://schemas.microsoft.com/office/drawing/2014/main" xmlns="" id="{D5EC5FDC-86E9-486E-98A5-8B49B12E54F7}"/>
+                <a16:creationId xmlns:a16="http://schemas.microsoft.com/office/drawing/2014/main" id="{D5EC5FDC-86E9-486E-98A5-8B49B12E54F7}"/>
               </a:ext>
             </a:extLst>
           </p:cNvPr>
@@ -4385,7 +4528,7 @@
           <p:cNvPr id="2" name="Title 1">
             <a:extLst>
               <a:ext uri="{FF2B5EF4-FFF2-40B4-BE49-F238E27FC236}">
-                <a16:creationId xmlns:a16="http://schemas.microsoft.com/office/drawing/2014/main" xmlns="" id="{15066376-BDA9-42B0-B399-BBF455FEAB84}"/>
+                <a16:creationId xmlns:a16="http://schemas.microsoft.com/office/drawing/2014/main" id="{15066376-BDA9-42B0-B399-BBF455FEAB84}"/>
               </a:ext>
             </a:extLst>
           </p:cNvPr>
@@ -4419,7 +4562,7 @@
           <p:cNvPr id="3" name="Content Placeholder 2">
             <a:extLst>
               <a:ext uri="{FF2B5EF4-FFF2-40B4-BE49-F238E27FC236}">
-                <a16:creationId xmlns:a16="http://schemas.microsoft.com/office/drawing/2014/main" xmlns="" id="{0FBAFCDA-66B7-4892-8C91-69D5101FD3EE}"/>
+                <a16:creationId xmlns:a16="http://schemas.microsoft.com/office/drawing/2014/main" id="{0FBAFCDA-66B7-4892-8C91-69D5101FD3EE}"/>
               </a:ext>
             </a:extLst>
           </p:cNvPr>
@@ -4573,7 +4716,7 @@
           <p:cNvPr id="4" name="Footer Placeholder 3">
             <a:extLst>
               <a:ext uri="{FF2B5EF4-FFF2-40B4-BE49-F238E27FC236}">
-                <a16:creationId xmlns:a16="http://schemas.microsoft.com/office/drawing/2014/main" xmlns="" id="{5F1B4AEF-1956-4FA4-AF17-52F5FA22EA93}"/>
+                <a16:creationId xmlns:a16="http://schemas.microsoft.com/office/drawing/2014/main" id="{5F1B4AEF-1956-4FA4-AF17-52F5FA22EA93}"/>
               </a:ext>
             </a:extLst>
           </p:cNvPr>
@@ -4607,7 +4750,7 @@
           <p:cNvPr id="5" name="Slide Number Placeholder 4">
             <a:extLst>
               <a:ext uri="{FF2B5EF4-FFF2-40B4-BE49-F238E27FC236}">
-                <a16:creationId xmlns:a16="http://schemas.microsoft.com/office/drawing/2014/main" xmlns="" id="{D87CE355-2B04-4F17-8E3C-AE813E70FDE4}"/>
+                <a16:creationId xmlns:a16="http://schemas.microsoft.com/office/drawing/2014/main" id="{D87CE355-2B04-4F17-8E3C-AE813E70FDE4}"/>
               </a:ext>
             </a:extLst>
           </p:cNvPr>
@@ -4679,7 +4822,7 @@
           <p:cNvPr id="2" name="Title 1">
             <a:extLst>
               <a:ext uri="{FF2B5EF4-FFF2-40B4-BE49-F238E27FC236}">
-                <a16:creationId xmlns:a16="http://schemas.microsoft.com/office/drawing/2014/main" xmlns="" id="{0754DA76-FBA9-4255-9F8F-DBD2A5E204F0}"/>
+                <a16:creationId xmlns:a16="http://schemas.microsoft.com/office/drawing/2014/main" id="{0754DA76-FBA9-4255-9F8F-DBD2A5E204F0}"/>
               </a:ext>
             </a:extLst>
           </p:cNvPr>
@@ -4715,7 +4858,7 @@
           <p:cNvPr id="7" name="Picture 6" descr="A screenshot of a cell phone&#10;&#10;Description automatically generated">
             <a:extLst>
               <a:ext uri="{FF2B5EF4-FFF2-40B4-BE49-F238E27FC236}">
-                <a16:creationId xmlns:a16="http://schemas.microsoft.com/office/drawing/2014/main" xmlns="" id="{ABEF1177-6BDC-4C82-AAB5-58804151FB71}"/>
+                <a16:creationId xmlns:a16="http://schemas.microsoft.com/office/drawing/2014/main" id="{ABEF1177-6BDC-4C82-AAB5-58804151FB71}"/>
               </a:ext>
             </a:extLst>
           </p:cNvPr>
@@ -4751,10 +4894,10 @@
           <p:cNvPr id="12" name="Freeform: Shape 11">
             <a:extLst>
               <a:ext uri="{FF2B5EF4-FFF2-40B4-BE49-F238E27FC236}">
-                <a16:creationId xmlns:a16="http://schemas.microsoft.com/office/drawing/2014/main" xmlns="" id="{C607803A-4E99-444E-94F7-8785CDDF5849}"/>
+                <a16:creationId xmlns:a16="http://schemas.microsoft.com/office/drawing/2014/main" id="{C607803A-4E99-444E-94F7-8785CDDF5849}"/>
               </a:ext>
               <a:ext uri="{C183D7F6-B498-43B3-948B-1728B52AA6E4}">
-                <adec:decorative xmlns:adec="http://schemas.microsoft.com/office/drawing/2017/decorative" xmlns="" val="1"/>
+                <adec:decorative xmlns:adec="http://schemas.microsoft.com/office/drawing/2017/decorative" val="1"/>
               </a:ext>
             </a:extLst>
           </p:cNvPr>
@@ -4764,7 +4907,7 @@
           <p:nvPr>
             <p:extLst>
               <p:ext uri="{386F3935-93C4-4BCD-93E2-E3B085C9AB24}">
-                <p16:designElem xmlns:p16="http://schemas.microsoft.com/office/powerpoint/2015/main" xmlns="" val="1"/>
+                <p16:designElem xmlns:p16="http://schemas.microsoft.com/office/powerpoint/2015/main" val="1"/>
               </p:ext>
             </p:extLst>
           </p:nvPr>
@@ -4855,10 +4998,10 @@
           <p:cNvPr id="14" name="Freeform: Shape 13">
             <a:extLst>
               <a:ext uri="{FF2B5EF4-FFF2-40B4-BE49-F238E27FC236}">
-                <a16:creationId xmlns:a16="http://schemas.microsoft.com/office/drawing/2014/main" xmlns="" id="{2989BE6A-C309-418E-8ADD-1616A980570D}"/>
+                <a16:creationId xmlns:a16="http://schemas.microsoft.com/office/drawing/2014/main" id="{2989BE6A-C309-418E-8ADD-1616A980570D}"/>
               </a:ext>
               <a:ext uri="{C183D7F6-B498-43B3-948B-1728B52AA6E4}">
-                <adec:decorative xmlns:adec="http://schemas.microsoft.com/office/drawing/2017/decorative" xmlns="" val="1"/>
+                <adec:decorative xmlns:adec="http://schemas.microsoft.com/office/drawing/2017/decorative" val="1"/>
               </a:ext>
             </a:extLst>
           </p:cNvPr>
@@ -4868,7 +5011,7 @@
           <p:nvPr>
             <p:extLst>
               <p:ext uri="{386F3935-93C4-4BCD-93E2-E3B085C9AB24}">
-                <p16:designElem xmlns:p16="http://schemas.microsoft.com/office/powerpoint/2015/main" xmlns="" val="1"/>
+                <p16:designElem xmlns:p16="http://schemas.microsoft.com/office/powerpoint/2015/main" val="1"/>
               </p:ext>
             </p:extLst>
           </p:nvPr>
@@ -4996,7 +5139,7 @@
           <p:cNvPr id="3" name="Content Placeholder 2">
             <a:extLst>
               <a:ext uri="{FF2B5EF4-FFF2-40B4-BE49-F238E27FC236}">
-                <a16:creationId xmlns:a16="http://schemas.microsoft.com/office/drawing/2014/main" xmlns="" id="{A42C7976-7264-4148-AD03-59E4B4F7C697}"/>
+                <a16:creationId xmlns:a16="http://schemas.microsoft.com/office/drawing/2014/main" id="{A42C7976-7264-4148-AD03-59E4B4F7C697}"/>
               </a:ext>
             </a:extLst>
           </p:cNvPr>
@@ -5091,7 +5234,7 @@
           <p:cNvPr id="4" name="Footer Placeholder 3">
             <a:extLst>
               <a:ext uri="{FF2B5EF4-FFF2-40B4-BE49-F238E27FC236}">
-                <a16:creationId xmlns:a16="http://schemas.microsoft.com/office/drawing/2014/main" xmlns="" id="{E4E0C278-526A-4003-B85A-72429B341BB6}"/>
+                <a16:creationId xmlns:a16="http://schemas.microsoft.com/office/drawing/2014/main" id="{E4E0C278-526A-4003-B85A-72429B341BB6}"/>
               </a:ext>
             </a:extLst>
           </p:cNvPr>
@@ -5137,7 +5280,7 @@
           <p:cNvPr id="5" name="Slide Number Placeholder 4">
             <a:extLst>
               <a:ext uri="{FF2B5EF4-FFF2-40B4-BE49-F238E27FC236}">
-                <a16:creationId xmlns:a16="http://schemas.microsoft.com/office/drawing/2014/main" xmlns="" id="{A92E81ED-7F21-418B-B91B-7B27BAA6E5C0}"/>
+                <a16:creationId xmlns:a16="http://schemas.microsoft.com/office/drawing/2014/main" id="{A92E81ED-7F21-418B-B91B-7B27BAA6E5C0}"/>
               </a:ext>
             </a:extLst>
           </p:cNvPr>
@@ -5233,7 +5376,7 @@
           <p:cNvPr id="2" name="Title 1">
             <a:extLst>
               <a:ext uri="{FF2B5EF4-FFF2-40B4-BE49-F238E27FC236}">
-                <a16:creationId xmlns:a16="http://schemas.microsoft.com/office/drawing/2014/main" xmlns="" id="{D0F7DBBA-40E4-45A3-ACD0-6F25C32BF6C6}"/>
+                <a16:creationId xmlns:a16="http://schemas.microsoft.com/office/drawing/2014/main" id="{D0F7DBBA-40E4-45A3-ACD0-6F25C32BF6C6}"/>
               </a:ext>
             </a:extLst>
           </p:cNvPr>
@@ -5269,7 +5412,7 @@
           <p:cNvPr id="11" name="Picture 10" descr="A screenshot of a cell phone&#10;&#10;Description automatically generated">
             <a:extLst>
               <a:ext uri="{FF2B5EF4-FFF2-40B4-BE49-F238E27FC236}">
-                <a16:creationId xmlns:a16="http://schemas.microsoft.com/office/drawing/2014/main" xmlns="" id="{EC8D9439-AB1B-4EEA-8BA5-227492613A4C}"/>
+                <a16:creationId xmlns:a16="http://schemas.microsoft.com/office/drawing/2014/main" id="{EC8D9439-AB1B-4EEA-8BA5-227492613A4C}"/>
               </a:ext>
             </a:extLst>
           </p:cNvPr>
@@ -5305,10 +5448,10 @@
           <p:cNvPr id="19" name="Freeform: Shape 15">
             <a:extLst>
               <a:ext uri="{FF2B5EF4-FFF2-40B4-BE49-F238E27FC236}">
-                <a16:creationId xmlns:a16="http://schemas.microsoft.com/office/drawing/2014/main" xmlns="" id="{C607803A-4E99-444E-94F7-8785CDDF5849}"/>
+                <a16:creationId xmlns:a16="http://schemas.microsoft.com/office/drawing/2014/main" id="{C607803A-4E99-444E-94F7-8785CDDF5849}"/>
               </a:ext>
               <a:ext uri="{C183D7F6-B498-43B3-948B-1728B52AA6E4}">
-                <adec:decorative xmlns:adec="http://schemas.microsoft.com/office/drawing/2017/decorative" xmlns="" val="1"/>
+                <adec:decorative xmlns:adec="http://schemas.microsoft.com/office/drawing/2017/decorative" val="1"/>
               </a:ext>
             </a:extLst>
           </p:cNvPr>
@@ -5318,7 +5461,7 @@
           <p:nvPr>
             <p:extLst>
               <p:ext uri="{386F3935-93C4-4BCD-93E2-E3B085C9AB24}">
-                <p16:designElem xmlns:p16="http://schemas.microsoft.com/office/powerpoint/2015/main" xmlns="" val="1"/>
+                <p16:designElem xmlns:p16="http://schemas.microsoft.com/office/powerpoint/2015/main" val="1"/>
               </p:ext>
             </p:extLst>
           </p:nvPr>
@@ -5409,10 +5552,10 @@
           <p:cNvPr id="18" name="Freeform: Shape 17">
             <a:extLst>
               <a:ext uri="{FF2B5EF4-FFF2-40B4-BE49-F238E27FC236}">
-                <a16:creationId xmlns:a16="http://schemas.microsoft.com/office/drawing/2014/main" xmlns="" id="{2989BE6A-C309-418E-8ADD-1616A980570D}"/>
+                <a16:creationId xmlns:a16="http://schemas.microsoft.com/office/drawing/2014/main" id="{2989BE6A-C309-418E-8ADD-1616A980570D}"/>
               </a:ext>
               <a:ext uri="{C183D7F6-B498-43B3-948B-1728B52AA6E4}">
-                <adec:decorative xmlns:adec="http://schemas.microsoft.com/office/drawing/2017/decorative" xmlns="" val="1"/>
+                <adec:decorative xmlns:adec="http://schemas.microsoft.com/office/drawing/2017/decorative" val="1"/>
               </a:ext>
             </a:extLst>
           </p:cNvPr>
@@ -5422,7 +5565,7 @@
           <p:nvPr>
             <p:extLst>
               <p:ext uri="{386F3935-93C4-4BCD-93E2-E3B085C9AB24}">
-                <p16:designElem xmlns:p16="http://schemas.microsoft.com/office/powerpoint/2015/main" xmlns="" val="1"/>
+                <p16:designElem xmlns:p16="http://schemas.microsoft.com/office/powerpoint/2015/main" val="1"/>
               </p:ext>
             </p:extLst>
           </p:nvPr>
@@ -5550,7 +5693,7 @@
           <p:cNvPr id="9" name="Content Placeholder 8">
             <a:extLst>
               <a:ext uri="{FF2B5EF4-FFF2-40B4-BE49-F238E27FC236}">
-                <a16:creationId xmlns:a16="http://schemas.microsoft.com/office/drawing/2014/main" xmlns="" id="{020673C7-CB6D-4F67-ABF0-DE2C50E51566}"/>
+                <a16:creationId xmlns:a16="http://schemas.microsoft.com/office/drawing/2014/main" id="{020673C7-CB6D-4F67-ABF0-DE2C50E51566}"/>
               </a:ext>
             </a:extLst>
           </p:cNvPr>
@@ -5591,7 +5734,7 @@
           <p:cNvPr id="4" name="Footer Placeholder 3">
             <a:extLst>
               <a:ext uri="{FF2B5EF4-FFF2-40B4-BE49-F238E27FC236}">
-                <a16:creationId xmlns:a16="http://schemas.microsoft.com/office/drawing/2014/main" xmlns="" id="{5E901347-E5AB-4A86-8D5E-33FABF95AA3A}"/>
+                <a16:creationId xmlns:a16="http://schemas.microsoft.com/office/drawing/2014/main" id="{5E901347-E5AB-4A86-8D5E-33FABF95AA3A}"/>
               </a:ext>
             </a:extLst>
           </p:cNvPr>
@@ -5637,7 +5780,7 @@
           <p:cNvPr id="5" name="Slide Number Placeholder 4">
             <a:extLst>
               <a:ext uri="{FF2B5EF4-FFF2-40B4-BE49-F238E27FC236}">
-                <a16:creationId xmlns:a16="http://schemas.microsoft.com/office/drawing/2014/main" xmlns="" id="{409F682C-D2C9-4003-BF7F-EDBFC5A4DF22}"/>
+                <a16:creationId xmlns:a16="http://schemas.microsoft.com/office/drawing/2014/main" id="{409F682C-D2C9-4003-BF7F-EDBFC5A4DF22}"/>
               </a:ext>
             </a:extLst>
           </p:cNvPr>
@@ -5733,7 +5876,7 @@
           <p:cNvPr id="2" name="Title 1">
             <a:extLst>
               <a:ext uri="{FF2B5EF4-FFF2-40B4-BE49-F238E27FC236}">
-                <a16:creationId xmlns:a16="http://schemas.microsoft.com/office/drawing/2014/main" xmlns="" id="{7FB8FAAD-55D4-4F7B-A3E3-56C2607E59AC}"/>
+                <a16:creationId xmlns:a16="http://schemas.microsoft.com/office/drawing/2014/main" id="{7FB8FAAD-55D4-4F7B-A3E3-56C2607E59AC}"/>
               </a:ext>
             </a:extLst>
           </p:cNvPr>
@@ -5769,7 +5912,7 @@
           <p:cNvPr id="7" name="Content Placeholder 6" descr="A screenshot of a cell phone&#10;&#10;Description automatically generated">
             <a:extLst>
               <a:ext uri="{FF2B5EF4-FFF2-40B4-BE49-F238E27FC236}">
-                <a16:creationId xmlns:a16="http://schemas.microsoft.com/office/drawing/2014/main" xmlns="" id="{D42E2C0D-B957-49ED-A36D-F2E34026D6B7}"/>
+                <a16:creationId xmlns:a16="http://schemas.microsoft.com/office/drawing/2014/main" id="{D42E2C0D-B957-49ED-A36D-F2E34026D6B7}"/>
               </a:ext>
             </a:extLst>
           </p:cNvPr>
@@ -5805,10 +5948,10 @@
           <p:cNvPr id="14" name="Freeform: Shape 13">
             <a:extLst>
               <a:ext uri="{FF2B5EF4-FFF2-40B4-BE49-F238E27FC236}">
-                <a16:creationId xmlns:a16="http://schemas.microsoft.com/office/drawing/2014/main" xmlns="" id="{C607803A-4E99-444E-94F7-8785CDDF5849}"/>
+                <a16:creationId xmlns:a16="http://schemas.microsoft.com/office/drawing/2014/main" id="{C607803A-4E99-444E-94F7-8785CDDF5849}"/>
               </a:ext>
               <a:ext uri="{C183D7F6-B498-43B3-948B-1728B52AA6E4}">
-                <adec:decorative xmlns:adec="http://schemas.microsoft.com/office/drawing/2017/decorative" xmlns="" val="1"/>
+                <adec:decorative xmlns:adec="http://schemas.microsoft.com/office/drawing/2017/decorative" val="1"/>
               </a:ext>
             </a:extLst>
           </p:cNvPr>
@@ -5818,7 +5961,7 @@
           <p:nvPr>
             <p:extLst>
               <p:ext uri="{386F3935-93C4-4BCD-93E2-E3B085C9AB24}">
-                <p16:designElem xmlns:p16="http://schemas.microsoft.com/office/powerpoint/2015/main" xmlns="" val="1"/>
+                <p16:designElem xmlns:p16="http://schemas.microsoft.com/office/powerpoint/2015/main" val="1"/>
               </p:ext>
             </p:extLst>
           </p:nvPr>
@@ -5909,10 +6052,10 @@
           <p:cNvPr id="16" name="Freeform: Shape 15">
             <a:extLst>
               <a:ext uri="{FF2B5EF4-FFF2-40B4-BE49-F238E27FC236}">
-                <a16:creationId xmlns:a16="http://schemas.microsoft.com/office/drawing/2014/main" xmlns="" id="{2989BE6A-C309-418E-8ADD-1616A980570D}"/>
+                <a16:creationId xmlns:a16="http://schemas.microsoft.com/office/drawing/2014/main" id="{2989BE6A-C309-418E-8ADD-1616A980570D}"/>
               </a:ext>
               <a:ext uri="{C183D7F6-B498-43B3-948B-1728B52AA6E4}">
-                <adec:decorative xmlns:adec="http://schemas.microsoft.com/office/drawing/2017/decorative" xmlns="" val="1"/>
+                <adec:decorative xmlns:adec="http://schemas.microsoft.com/office/drawing/2017/decorative" val="1"/>
               </a:ext>
             </a:extLst>
           </p:cNvPr>
@@ -5922,7 +6065,7 @@
           <p:nvPr>
             <p:extLst>
               <p:ext uri="{386F3935-93C4-4BCD-93E2-E3B085C9AB24}">
-                <p16:designElem xmlns:p16="http://schemas.microsoft.com/office/powerpoint/2015/main" xmlns="" val="1"/>
+                <p16:designElem xmlns:p16="http://schemas.microsoft.com/office/powerpoint/2015/main" val="1"/>
               </p:ext>
             </p:extLst>
           </p:nvPr>
@@ -6050,7 +6193,7 @@
           <p:cNvPr id="11" name="Content Placeholder 10">
             <a:extLst>
               <a:ext uri="{FF2B5EF4-FFF2-40B4-BE49-F238E27FC236}">
-                <a16:creationId xmlns:a16="http://schemas.microsoft.com/office/drawing/2014/main" xmlns="" id="{8DC07883-6FEB-4246-BFE9-889DDCF1DD98}"/>
+                <a16:creationId xmlns:a16="http://schemas.microsoft.com/office/drawing/2014/main" id="{8DC07883-6FEB-4246-BFE9-889DDCF1DD98}"/>
               </a:ext>
             </a:extLst>
           </p:cNvPr>
@@ -6121,7 +6264,7 @@
           <p:cNvPr id="4" name="Footer Placeholder 3">
             <a:extLst>
               <a:ext uri="{FF2B5EF4-FFF2-40B4-BE49-F238E27FC236}">
-                <a16:creationId xmlns:a16="http://schemas.microsoft.com/office/drawing/2014/main" xmlns="" id="{4F1639C5-FA60-4BF7-98BA-05F3753189A9}"/>
+                <a16:creationId xmlns:a16="http://schemas.microsoft.com/office/drawing/2014/main" id="{4F1639C5-FA60-4BF7-98BA-05F3753189A9}"/>
               </a:ext>
             </a:extLst>
           </p:cNvPr>
@@ -6167,7 +6310,7 @@
           <p:cNvPr id="5" name="Slide Number Placeholder 4">
             <a:extLst>
               <a:ext uri="{FF2B5EF4-FFF2-40B4-BE49-F238E27FC236}">
-                <a16:creationId xmlns:a16="http://schemas.microsoft.com/office/drawing/2014/main" xmlns="" id="{A6093915-6888-4B2E-A7DB-162E0D0C61DB}"/>
+                <a16:creationId xmlns:a16="http://schemas.microsoft.com/office/drawing/2014/main" id="{A6093915-6888-4B2E-A7DB-162E0D0C61DB}"/>
               </a:ext>
             </a:extLst>
           </p:cNvPr>
@@ -6252,7 +6395,13 @@
       </p:grpSpPr>
       <p:sp>
         <p:nvSpPr>
-          <p:cNvPr id="2" name="Titel 1"/>
+          <p:cNvPr id="2" name="Title 1">
+            <a:extLst>
+              <a:ext uri="{FF2B5EF4-FFF2-40B4-BE49-F238E27FC236}">
+                <a16:creationId xmlns:a16="http://schemas.microsoft.com/office/drawing/2014/main" id="{4C84315F-315F-4066-9D3A-472733691F27}"/>
+              </a:ext>
+            </a:extLst>
+          </p:cNvPr>
           <p:cNvSpPr>
             <a:spLocks noGrp="1"/>
           </p:cNvSpPr>
@@ -6262,83 +6411,271 @@
         </p:nvSpPr>
         <p:spPr/>
         <p:txBody>
+          <a:bodyPr>
+            <a:normAutofit fontScale="90000"/>
+          </a:bodyPr>
+          <a:lstStyle/>
+          <a:p>
+            <a:r>
+              <a:rPr lang="en-NZ" dirty="0" err="1"/>
+              <a:t>Codeimplementierungen</a:t>
+            </a:r>
+            <a:r>
+              <a:rPr lang="en-NZ" dirty="0"/>
+              <a:t>    – 	Handling der 									</a:t>
+            </a:r>
+            <a:r>
+              <a:rPr lang="en-NZ" dirty="0" err="1"/>
+              <a:t>Suchergebnisse</a:t>
+            </a:r>
+            <a:endParaRPr lang="de-DE" dirty="0"/>
+          </a:p>
+        </p:txBody>
+      </p:sp>
+      <p:sp>
+        <p:nvSpPr>
+          <p:cNvPr id="3" name="Content Placeholder 2">
+            <a:extLst>
+              <a:ext uri="{FF2B5EF4-FFF2-40B4-BE49-F238E27FC236}">
+                <a16:creationId xmlns:a16="http://schemas.microsoft.com/office/drawing/2014/main" id="{3CCB48FF-D0DB-4239-BF7B-3AC940333DEC}"/>
+              </a:ext>
+            </a:extLst>
+          </p:cNvPr>
+          <p:cNvSpPr>
+            <a:spLocks noGrp="1"/>
+          </p:cNvSpPr>
+          <p:nvPr>
+            <p:ph sz="half" idx="1"/>
+          </p:nvPr>
+        </p:nvSpPr>
+        <p:spPr/>
+        <p:txBody>
+          <a:bodyPr>
+            <a:normAutofit/>
+          </a:bodyPr>
+          <a:lstStyle/>
+          <a:p>
+            <a:r>
+              <a:rPr lang="en-NZ" dirty="0" err="1"/>
+              <a:t>Suchergebnis</a:t>
+            </a:r>
+            <a:r>
+              <a:rPr lang="en-NZ" dirty="0"/>
+              <a:t> </a:t>
+            </a:r>
+            <a:r>
+              <a:rPr lang="en-NZ" dirty="0" err="1"/>
+              <a:t>kann</a:t>
+            </a:r>
+            <a:r>
+              <a:rPr lang="en-NZ" dirty="0"/>
+              <a:t> sein:</a:t>
+            </a:r>
+          </a:p>
+          <a:p>
+            <a:pPr lvl="1"/>
+            <a:r>
+              <a:rPr lang="en-NZ" dirty="0" err="1"/>
+              <a:t>Hersteller</a:t>
+            </a:r>
+            <a:endParaRPr lang="en-NZ" dirty="0"/>
+          </a:p>
+          <a:p>
+            <a:pPr lvl="2"/>
+            <a:r>
+              <a:rPr lang="en-NZ" dirty="0" err="1"/>
+              <a:t>Suche</a:t>
+            </a:r>
+            <a:r>
+              <a:rPr lang="en-NZ" dirty="0"/>
+              <a:t> nach </a:t>
+            </a:r>
+            <a:r>
+              <a:rPr lang="en-NZ" dirty="0" err="1"/>
+              <a:t>Modultypen</a:t>
+            </a:r>
+            <a:endParaRPr lang="en-NZ" dirty="0"/>
+          </a:p>
+          <a:p>
+            <a:pPr lvl="1"/>
+            <a:r>
+              <a:rPr lang="en-NZ" dirty="0" err="1"/>
+              <a:t>Modultyp</a:t>
+            </a:r>
+            <a:endParaRPr lang="en-NZ" dirty="0"/>
+          </a:p>
+          <a:p>
+            <a:pPr lvl="2"/>
+            <a:r>
+              <a:rPr lang="en-NZ" dirty="0" err="1"/>
+              <a:t>Verweis</a:t>
+            </a:r>
+            <a:r>
+              <a:rPr lang="en-NZ" dirty="0"/>
+              <a:t> auf </a:t>
+            </a:r>
+            <a:r>
+              <a:rPr lang="en-NZ" dirty="0" err="1"/>
+              <a:t>Detailseite</a:t>
+            </a:r>
+            <a:endParaRPr lang="en-NZ" dirty="0"/>
+          </a:p>
+          <a:p>
+            <a:r>
+              <a:rPr lang="en-NZ" dirty="0" err="1"/>
+              <a:t>Werden</a:t>
+            </a:r>
+            <a:r>
+              <a:rPr lang="en-NZ" dirty="0"/>
+              <a:t> in </a:t>
+            </a:r>
+            <a:r>
+              <a:rPr lang="en-NZ" dirty="0" err="1"/>
+              <a:t>gleicher</a:t>
+            </a:r>
+            <a:r>
+              <a:rPr lang="en-NZ" dirty="0"/>
+              <a:t> </a:t>
+            </a:r>
+            <a:r>
+              <a:rPr lang="en-NZ" dirty="0" err="1"/>
+              <a:t>Methode</a:t>
+            </a:r>
+            <a:r>
+              <a:rPr lang="en-NZ" dirty="0"/>
+              <a:t> </a:t>
+            </a:r>
+            <a:r>
+              <a:rPr lang="en-NZ" dirty="0" err="1"/>
+              <a:t>zugefügt</a:t>
+            </a:r>
+            <a:endParaRPr lang="en-NZ" dirty="0"/>
+          </a:p>
+          <a:p>
+            <a:r>
+              <a:rPr lang="en-NZ" dirty="0" err="1"/>
+              <a:t>Idee</a:t>
+            </a:r>
+            <a:r>
+              <a:rPr lang="en-NZ" dirty="0"/>
+              <a:t>: </a:t>
+            </a:r>
+            <a:r>
+              <a:rPr lang="en-NZ" dirty="0" err="1"/>
+              <a:t>Enum</a:t>
+            </a:r>
+            <a:r>
+              <a:rPr lang="en-NZ" dirty="0"/>
+              <a:t> </a:t>
+            </a:r>
+            <a:r>
+              <a:rPr lang="en-NZ" dirty="0" err="1"/>
+              <a:t>zum</a:t>
+            </a:r>
+            <a:r>
+              <a:rPr lang="en-NZ" dirty="0"/>
+              <a:t> </a:t>
+            </a:r>
+            <a:r>
+              <a:rPr lang="en-NZ" dirty="0" err="1"/>
+              <a:t>Unterscheiden</a:t>
+            </a:r>
+            <a:endParaRPr lang="en-NZ" dirty="0"/>
+          </a:p>
+          <a:p>
+            <a:r>
+              <a:rPr lang="en-NZ" dirty="0" err="1"/>
+              <a:t>Vorteil</a:t>
+            </a:r>
+            <a:r>
+              <a:rPr lang="en-NZ" dirty="0"/>
+              <a:t>: </a:t>
+            </a:r>
+            <a:r>
+              <a:rPr lang="en-NZ" dirty="0" err="1"/>
+              <a:t>Keine</a:t>
+            </a:r>
+            <a:r>
+              <a:rPr lang="en-NZ" dirty="0"/>
+              <a:t> </a:t>
+            </a:r>
+            <a:r>
+              <a:rPr lang="en-NZ" dirty="0" err="1"/>
+              <a:t>zweite</a:t>
+            </a:r>
+            <a:r>
+              <a:rPr lang="en-NZ" dirty="0"/>
+              <a:t> </a:t>
+            </a:r>
+            <a:r>
+              <a:rPr lang="en-NZ" dirty="0" err="1"/>
+              <a:t>Methode</a:t>
+            </a:r>
+            <a:r>
+              <a:rPr lang="en-NZ" dirty="0"/>
+              <a:t> </a:t>
+            </a:r>
+            <a:r>
+              <a:rPr lang="en-NZ" dirty="0" err="1"/>
+              <a:t>für</a:t>
+            </a:r>
+            <a:r>
+              <a:rPr lang="en-NZ" dirty="0"/>
+              <a:t> </a:t>
+            </a:r>
+            <a:r>
+              <a:rPr lang="en-NZ" dirty="0" err="1"/>
+              <a:t>gleichen</a:t>
+            </a:r>
+            <a:r>
+              <a:rPr lang="en-NZ" dirty="0"/>
+              <a:t> </a:t>
+            </a:r>
+            <a:r>
+              <a:rPr lang="en-NZ" dirty="0" err="1"/>
+              <a:t>Anwendungsfall</a:t>
+            </a:r>
+            <a:endParaRPr lang="de-DE" dirty="0"/>
+          </a:p>
+        </p:txBody>
+      </p:sp>
+      <p:sp>
+        <p:nvSpPr>
+          <p:cNvPr id="4" name="Footer Placeholder 3">
+            <a:extLst>
+              <a:ext uri="{FF2B5EF4-FFF2-40B4-BE49-F238E27FC236}">
+                <a16:creationId xmlns:a16="http://schemas.microsoft.com/office/drawing/2014/main" id="{0EF7D1E5-7A19-4BA2-8CAA-9135FB90076C}"/>
+              </a:ext>
+            </a:extLst>
+          </p:cNvPr>
+          <p:cNvSpPr>
+            <a:spLocks noGrp="1"/>
+          </p:cNvSpPr>
+          <p:nvPr>
+            <p:ph type="ftr" sz="quarter" idx="11"/>
+          </p:nvPr>
+        </p:nvSpPr>
+        <p:spPr/>
+        <p:txBody>
           <a:bodyPr/>
           <a:lstStyle/>
           <a:p>
             <a:r>
-              <a:rPr lang="de-DE" dirty="0" smtClean="0"/>
-              <a:t>Ausblick</a:t>
-            </a:r>
-            <a:endParaRPr lang="de-DE" dirty="0"/>
-          </a:p>
-        </p:txBody>
-      </p:sp>
-      <p:sp>
-        <p:nvSpPr>
-          <p:cNvPr id="3" name="Inhaltsplatzhalter 2"/>
-          <p:cNvSpPr>
-            <a:spLocks noGrp="1"/>
-          </p:cNvSpPr>
-          <p:nvPr>
-            <p:ph idx="1"/>
-          </p:nvPr>
-        </p:nvSpPr>
-        <p:spPr/>
-        <p:txBody>
-          <a:bodyPr/>
-          <a:lstStyle/>
-          <a:p>
-            <a:r>
-              <a:rPr lang="de-DE" dirty="0" smtClean="0"/>
-              <a:t>Fertigstellung der Moduldetailseite</a:t>
-            </a:r>
-          </a:p>
-          <a:p>
-            <a:r>
-              <a:rPr lang="de-DE" dirty="0" smtClean="0"/>
-              <a:t>Modul-Upload Seite</a:t>
-            </a:r>
-          </a:p>
-          <a:p>
-            <a:r>
-              <a:rPr lang="de-DE" dirty="0" smtClean="0"/>
-              <a:t>Dokumentation</a:t>
-            </a:r>
-          </a:p>
-          <a:p>
-            <a:r>
-              <a:rPr lang="de-DE" dirty="0" smtClean="0"/>
-              <a:t>Projektbericht</a:t>
-            </a:r>
-          </a:p>
-        </p:txBody>
-      </p:sp>
-      <p:sp>
-        <p:nvSpPr>
-          <p:cNvPr id="4" name="Fußzeilenplatzhalter 3"/>
-          <p:cNvSpPr>
-            <a:spLocks noGrp="1"/>
-          </p:cNvSpPr>
-          <p:nvPr>
-            <p:ph type="ftr" sz="quarter" idx="11"/>
-          </p:nvPr>
-        </p:nvSpPr>
-        <p:spPr/>
-        <p:txBody>
-          <a:bodyPr/>
-          <a:lstStyle/>
-          <a:p>
-            <a:r>
-              <a:rPr lang="de-DE" smtClean="0"/>
+              <a:rPr lang="de-DE"/>
               <a:t>WS19/20 - PV-Modulportal - Rüffer, Vorwerk, Withöft, Zolkin</a:t>
             </a:r>
-            <a:endParaRPr lang="de-DE"/>
-          </a:p>
-        </p:txBody>
-      </p:sp>
-      <p:sp>
-        <p:nvSpPr>
-          <p:cNvPr id="5" name="Foliennummernplatzhalter 4"/>
+          </a:p>
+        </p:txBody>
+      </p:sp>
+      <p:sp>
+        <p:nvSpPr>
+          <p:cNvPr id="5" name="Slide Number Placeholder 4">
+            <a:extLst>
+              <a:ext uri="{FF2B5EF4-FFF2-40B4-BE49-F238E27FC236}">
+                <a16:creationId xmlns:a16="http://schemas.microsoft.com/office/drawing/2014/main" id="{FAC16E02-623C-4BDA-BAFA-B73797A517FD}"/>
+              </a:ext>
+            </a:extLst>
+          </p:cNvPr>
           <p:cNvSpPr>
             <a:spLocks noGrp="1"/>
           </p:cNvSpPr>
@@ -6359,10 +6696,82 @@
           </a:p>
         </p:txBody>
       </p:sp>
+      <p:pic>
+        <p:nvPicPr>
+          <p:cNvPr id="8" name="Picture 7">
+            <a:extLst>
+              <a:ext uri="{FF2B5EF4-FFF2-40B4-BE49-F238E27FC236}">
+                <a16:creationId xmlns:a16="http://schemas.microsoft.com/office/drawing/2014/main" id="{727B0294-0674-43BC-BDB7-4BEB8B9EBA86}"/>
+              </a:ext>
+            </a:extLst>
+          </p:cNvPr>
+          <p:cNvPicPr>
+            <a:picLocks noChangeAspect="1"/>
+          </p:cNvPicPr>
+          <p:nvPr/>
+        </p:nvPicPr>
+        <p:blipFill>
+          <a:blip r:embed="rId2">
+            <a:extLst>
+              <a:ext uri="{28A0092B-C50C-407E-A947-70E740481C1C}">
+                <a14:useLocalDpi xmlns:a14="http://schemas.microsoft.com/office/drawing/2010/main" val="0"/>
+              </a:ext>
+            </a:extLst>
+          </a:blip>
+          <a:stretch>
+            <a:fillRect/>
+          </a:stretch>
+        </p:blipFill>
+        <p:spPr>
+          <a:xfrm>
+            <a:off x="5753100" y="2112645"/>
+            <a:ext cx="5715000" cy="213360"/>
+          </a:xfrm>
+          <a:prstGeom prst="rect">
+            <a:avLst/>
+          </a:prstGeom>
+        </p:spPr>
+      </p:pic>
+      <p:pic>
+        <p:nvPicPr>
+          <p:cNvPr id="10" name="Picture 9" descr="A screenshot of a cell phone&#10;&#10;Description automatically generated">
+            <a:extLst>
+              <a:ext uri="{FF2B5EF4-FFF2-40B4-BE49-F238E27FC236}">
+                <a16:creationId xmlns:a16="http://schemas.microsoft.com/office/drawing/2014/main" id="{49618CDA-DEB7-47DC-9E64-77CBE909E0AE}"/>
+              </a:ext>
+            </a:extLst>
+          </p:cNvPr>
+          <p:cNvPicPr>
+            <a:picLocks noChangeAspect="1"/>
+          </p:cNvPicPr>
+          <p:nvPr/>
+        </p:nvPicPr>
+        <p:blipFill>
+          <a:blip r:embed="rId3">
+            <a:extLst>
+              <a:ext uri="{28A0092B-C50C-407E-A947-70E740481C1C}">
+                <a14:useLocalDpi xmlns:a14="http://schemas.microsoft.com/office/drawing/2010/main" val="0"/>
+              </a:ext>
+            </a:extLst>
+          </a:blip>
+          <a:stretch>
+            <a:fillRect/>
+          </a:stretch>
+        </p:blipFill>
+        <p:spPr>
+          <a:xfrm>
+            <a:off x="6019800" y="2396490"/>
+            <a:ext cx="4808220" cy="2065020"/>
+          </a:xfrm>
+          <a:prstGeom prst="rect">
+            <a:avLst/>
+          </a:prstGeom>
+        </p:spPr>
+      </p:pic>
     </p:spTree>
     <p:extLst>
       <p:ext uri="{BB962C8B-B14F-4D97-AF65-F5344CB8AC3E}">
-        <p14:creationId xmlns:p14="http://schemas.microsoft.com/office/powerpoint/2010/main" val="3786423145"/>
+        <p14:creationId xmlns:p14="http://schemas.microsoft.com/office/powerpoint/2010/main" val="1219806837"/>
       </p:ext>
     </p:extLst>
   </p:cSld>
@@ -6391,7 +6800,13 @@
       </p:grpSpPr>
       <p:sp>
         <p:nvSpPr>
-          <p:cNvPr id="2" name="Titel 1"/>
+          <p:cNvPr id="2" name="Title 1">
+            <a:extLst>
+              <a:ext uri="{FF2B5EF4-FFF2-40B4-BE49-F238E27FC236}">
+                <a16:creationId xmlns:a16="http://schemas.microsoft.com/office/drawing/2014/main" id="{4C84315F-315F-4066-9D3A-472733691F27}"/>
+              </a:ext>
+            </a:extLst>
+          </p:cNvPr>
           <p:cNvSpPr>
             <a:spLocks noGrp="1"/>
           </p:cNvSpPr>
@@ -6399,89 +6814,246 @@
             <p:ph type="title"/>
           </p:nvPr>
         </p:nvSpPr>
-        <p:spPr/>
+        <p:spPr>
+          <a:xfrm>
+            <a:off x="838200" y="365125"/>
+            <a:ext cx="10515600" cy="1325563"/>
+          </a:xfrm>
+        </p:spPr>
+        <p:txBody>
+          <a:bodyPr>
+            <a:normAutofit fontScale="90000"/>
+          </a:bodyPr>
+          <a:lstStyle/>
+          <a:p>
+            <a:r>
+              <a:rPr lang="en-NZ"/>
+              <a:t>Codeimplementierungen    – 	Ändern von</a:t>
+            </a:r>
+            <a:br>
+              <a:rPr lang="en-NZ"/>
+            </a:br>
+            <a:r>
+              <a:rPr lang="en-NZ"/>
+              <a:t>							Queryparametern</a:t>
+            </a:r>
+            <a:endParaRPr lang="de-DE" dirty="0"/>
+          </a:p>
+        </p:txBody>
+      </p:sp>
+      <p:sp>
+        <p:nvSpPr>
+          <p:cNvPr id="3" name="Content Placeholder 2">
+            <a:extLst>
+              <a:ext uri="{FF2B5EF4-FFF2-40B4-BE49-F238E27FC236}">
+                <a16:creationId xmlns:a16="http://schemas.microsoft.com/office/drawing/2014/main" id="{3CCB48FF-D0DB-4239-BF7B-3AC940333DEC}"/>
+              </a:ext>
+            </a:extLst>
+          </p:cNvPr>
+          <p:cNvSpPr>
+            <a:spLocks noGrp="1"/>
+          </p:cNvSpPr>
+          <p:nvPr>
+            <p:ph sz="half" idx="1"/>
+          </p:nvPr>
+        </p:nvSpPr>
+        <p:spPr>
+          <a:xfrm>
+            <a:off x="838199" y="1825625"/>
+            <a:ext cx="9267825" cy="4351338"/>
+          </a:xfrm>
+        </p:spPr>
+        <p:txBody>
+          <a:bodyPr>
+            <a:normAutofit/>
+          </a:bodyPr>
+          <a:lstStyle/>
+          <a:p>
+            <a:r>
+              <a:rPr lang="en-NZ" dirty="0" err="1"/>
+              <a:t>Anfragen</a:t>
+            </a:r>
+            <a:r>
+              <a:rPr lang="en-NZ" dirty="0"/>
+              <a:t> an Backend </a:t>
+            </a:r>
+            <a:r>
+              <a:rPr lang="en-NZ" dirty="0" err="1"/>
+              <a:t>über</a:t>
+            </a:r>
+            <a:r>
+              <a:rPr lang="en-NZ" dirty="0"/>
+              <a:t> GET</a:t>
+            </a:r>
+          </a:p>
+          <a:p>
+            <a:r>
+              <a:rPr lang="en-NZ" dirty="0" err="1"/>
+              <a:t>Für</a:t>
+            </a:r>
+            <a:r>
+              <a:rPr lang="en-NZ" dirty="0"/>
+              <a:t> Range-Query </a:t>
+            </a:r>
+            <a:r>
+              <a:rPr lang="en-NZ" dirty="0" err="1"/>
+              <a:t>zur</a:t>
+            </a:r>
+            <a:r>
+              <a:rPr lang="en-NZ" dirty="0"/>
+              <a:t> </a:t>
+            </a:r>
+            <a:r>
+              <a:rPr lang="en-NZ" dirty="0" err="1"/>
+              <a:t>Suche</a:t>
+            </a:r>
+            <a:r>
+              <a:rPr lang="en-NZ" dirty="0"/>
+              <a:t> </a:t>
+            </a:r>
+            <a:r>
+              <a:rPr lang="en-NZ" dirty="0" err="1"/>
+              <a:t>Wildcardoperator</a:t>
+            </a:r>
+            <a:r>
+              <a:rPr lang="en-NZ" dirty="0"/>
+              <a:t> (</a:t>
+            </a:r>
+            <a:r>
+              <a:rPr lang="en-NZ" b="1" i="1" dirty="0"/>
+              <a:t>%</a:t>
+            </a:r>
+            <a:r>
+              <a:rPr lang="en-NZ" dirty="0"/>
+              <a:t>) </a:t>
+            </a:r>
+            <a:r>
+              <a:rPr lang="en-NZ" dirty="0" err="1"/>
+              <a:t>benötigt</a:t>
+            </a:r>
+            <a:endParaRPr lang="en-NZ" dirty="0"/>
+          </a:p>
+          <a:p>
+            <a:r>
+              <a:rPr lang="en-NZ" dirty="0"/>
+              <a:t>Problem: </a:t>
+            </a:r>
+            <a:r>
+              <a:rPr lang="en-NZ" dirty="0" err="1"/>
+              <a:t>Suchanfrage</a:t>
+            </a:r>
+            <a:r>
+              <a:rPr lang="en-NZ" dirty="0"/>
+              <a:t> </a:t>
+            </a:r>
+            <a:r>
+              <a:rPr lang="en-NZ" dirty="0" err="1"/>
+              <a:t>wird</a:t>
+            </a:r>
+            <a:r>
+              <a:rPr lang="en-NZ" dirty="0"/>
+              <a:t> encoded: </a:t>
+            </a:r>
+            <a:r>
+              <a:rPr lang="en-NZ" b="1" i="1" dirty="0"/>
+              <a:t>%AB </a:t>
+            </a:r>
+            <a:r>
+              <a:rPr lang="en-NZ" dirty="0" err="1"/>
+              <a:t>wird</a:t>
+            </a:r>
+            <a:r>
+              <a:rPr lang="en-NZ" dirty="0"/>
+              <a:t> </a:t>
+            </a:r>
+            <a:r>
+              <a:rPr lang="en-NZ" dirty="0" err="1"/>
+              <a:t>zu</a:t>
+            </a:r>
+            <a:r>
+              <a:rPr lang="en-NZ" dirty="0"/>
+              <a:t>  </a:t>
+            </a:r>
+            <a:r>
+              <a:rPr lang="en-NZ" b="1" i="1" dirty="0"/>
+              <a:t>«</a:t>
+            </a:r>
+          </a:p>
+          <a:p>
+            <a:r>
+              <a:rPr lang="en-NZ" dirty="0" err="1"/>
+              <a:t>Wildcardoperator</a:t>
+            </a:r>
+            <a:r>
+              <a:rPr lang="en-NZ" dirty="0"/>
+              <a:t> </a:t>
+            </a:r>
+            <a:r>
+              <a:rPr lang="en-NZ" dirty="0" err="1"/>
+              <a:t>musste</a:t>
+            </a:r>
+            <a:r>
+              <a:rPr lang="en-NZ" dirty="0"/>
+              <a:t> neu </a:t>
+            </a:r>
+            <a:r>
+              <a:rPr lang="en-NZ" dirty="0" err="1"/>
+              <a:t>definiert</a:t>
+            </a:r>
+            <a:r>
+              <a:rPr lang="en-NZ" dirty="0"/>
+              <a:t> </a:t>
+            </a:r>
+            <a:r>
+              <a:rPr lang="en-NZ" dirty="0" err="1"/>
+              <a:t>werden</a:t>
+            </a:r>
+            <a:endParaRPr lang="en-NZ" dirty="0"/>
+          </a:p>
+        </p:txBody>
+      </p:sp>
+      <p:sp>
+        <p:nvSpPr>
+          <p:cNvPr id="4" name="Footer Placeholder 3">
+            <a:extLst>
+              <a:ext uri="{FF2B5EF4-FFF2-40B4-BE49-F238E27FC236}">
+                <a16:creationId xmlns:a16="http://schemas.microsoft.com/office/drawing/2014/main" id="{0EF7D1E5-7A19-4BA2-8CAA-9135FB90076C}"/>
+              </a:ext>
+            </a:extLst>
+          </p:cNvPr>
+          <p:cNvSpPr>
+            <a:spLocks noGrp="1"/>
+          </p:cNvSpPr>
+          <p:nvPr>
+            <p:ph type="ftr" sz="quarter" idx="11"/>
+          </p:nvPr>
+        </p:nvSpPr>
+        <p:spPr>
+          <a:xfrm>
+            <a:off x="4038600" y="6356350"/>
+            <a:ext cx="4114800" cy="365125"/>
+          </a:xfrm>
+        </p:spPr>
         <p:txBody>
           <a:bodyPr/>
           <a:lstStyle/>
           <a:p>
             <a:r>
-              <a:rPr lang="de-DE" dirty="0" smtClean="0"/>
-              <a:t>Fazit</a:t>
-            </a:r>
-            <a:endParaRPr lang="de-DE" dirty="0"/>
-          </a:p>
-        </p:txBody>
-      </p:sp>
-      <p:sp>
-        <p:nvSpPr>
-          <p:cNvPr id="3" name="Inhaltsplatzhalter 2"/>
-          <p:cNvSpPr>
-            <a:spLocks noGrp="1"/>
-          </p:cNvSpPr>
-          <p:nvPr>
-            <p:ph idx="1"/>
-          </p:nvPr>
-        </p:nvSpPr>
-        <p:spPr/>
-        <p:txBody>
-          <a:bodyPr/>
-          <a:lstStyle/>
-          <a:p>
-            <a:r>
-              <a:rPr lang="de-DE" dirty="0" smtClean="0"/>
-              <a:t>Erstellung des Grob- und Feinkonzepts zu Beginn war sehr hilfreich</a:t>
-            </a:r>
-          </a:p>
-          <a:p>
-            <a:r>
-              <a:rPr lang="de-DE" dirty="0" smtClean="0"/>
-              <a:t>Kommunikation im Team und Gruppendynamik war gut</a:t>
-            </a:r>
-          </a:p>
-          <a:p>
-            <a:r>
-              <a:rPr lang="de-DE" dirty="0" smtClean="0"/>
-              <a:t>Planung war zum Teil schwierig</a:t>
-            </a:r>
-          </a:p>
-          <a:p>
-            <a:r>
-              <a:rPr lang="de-DE" smtClean="0"/>
-              <a:t>Missverständnisse bei den Anforderungen</a:t>
-            </a:r>
-            <a:endParaRPr lang="de-DE" dirty="0" smtClean="0"/>
-          </a:p>
-          <a:p>
-            <a:endParaRPr lang="de-DE" dirty="0"/>
-          </a:p>
-        </p:txBody>
-      </p:sp>
-      <p:sp>
-        <p:nvSpPr>
-          <p:cNvPr id="4" name="Fußzeilenplatzhalter 3"/>
-          <p:cNvSpPr>
-            <a:spLocks noGrp="1"/>
-          </p:cNvSpPr>
-          <p:nvPr>
-            <p:ph type="ftr" sz="quarter" idx="11"/>
-          </p:nvPr>
-        </p:nvSpPr>
-        <p:spPr/>
-        <p:txBody>
-          <a:bodyPr/>
-          <a:lstStyle/>
-          <a:p>
-            <a:r>
-              <a:rPr lang="de-DE" smtClean="0"/>
+              <a:rPr lang="de-DE"/>
               <a:t>WS19/20 - PV-Modulportal - Rüffer, Vorwerk, Withöft, Zolkin</a:t>
             </a:r>
-            <a:endParaRPr lang="de-DE"/>
-          </a:p>
-        </p:txBody>
-      </p:sp>
-      <p:sp>
-        <p:nvSpPr>
-          <p:cNvPr id="5" name="Foliennummernplatzhalter 4"/>
+          </a:p>
+        </p:txBody>
+      </p:sp>
+      <p:sp>
+        <p:nvSpPr>
+          <p:cNvPr id="5" name="Slide Number Placeholder 4">
+            <a:extLst>
+              <a:ext uri="{FF2B5EF4-FFF2-40B4-BE49-F238E27FC236}">
+                <a16:creationId xmlns:a16="http://schemas.microsoft.com/office/drawing/2014/main" id="{FAC16E02-623C-4BDA-BAFA-B73797A517FD}"/>
+              </a:ext>
+            </a:extLst>
+          </p:cNvPr>
           <p:cNvSpPr>
             <a:spLocks noGrp="1"/>
           </p:cNvSpPr>
@@ -6489,7 +7061,12 @@
             <p:ph type="sldNum" sz="quarter" idx="12"/>
           </p:nvPr>
         </p:nvSpPr>
-        <p:spPr/>
+        <p:spPr>
+          <a:xfrm>
+            <a:off x="8610600" y="6356350"/>
+            <a:ext cx="2743200" cy="365125"/>
+          </a:xfrm>
+        </p:spPr>
         <p:txBody>
           <a:bodyPr/>
           <a:lstStyle/>
@@ -6502,10 +7079,183 @@
           </a:p>
         </p:txBody>
       </p:sp>
+      <p:pic>
+        <p:nvPicPr>
+          <p:cNvPr id="12" name="Picture 11">
+            <a:extLst>
+              <a:ext uri="{FF2B5EF4-FFF2-40B4-BE49-F238E27FC236}">
+                <a16:creationId xmlns:a16="http://schemas.microsoft.com/office/drawing/2014/main" id="{4952C6A9-A774-46DB-BDF1-F673FA48CDFD}"/>
+              </a:ext>
+            </a:extLst>
+          </p:cNvPr>
+          <p:cNvPicPr>
+            <a:picLocks noChangeAspect="1"/>
+          </p:cNvPicPr>
+          <p:nvPr/>
+        </p:nvPicPr>
+        <p:blipFill>
+          <a:blip r:embed="rId2">
+            <a:extLst>
+              <a:ext uri="{28A0092B-C50C-407E-A947-70E740481C1C}">
+                <a14:useLocalDpi xmlns:a14="http://schemas.microsoft.com/office/drawing/2010/main" val="0"/>
+              </a:ext>
+            </a:extLst>
+          </a:blip>
+          <a:stretch>
+            <a:fillRect/>
+          </a:stretch>
+        </p:blipFill>
+        <p:spPr>
+          <a:xfrm>
+            <a:off x="204950" y="4377205"/>
+            <a:ext cx="11782100" cy="1189273"/>
+          </a:xfrm>
+          <a:prstGeom prst="rect">
+            <a:avLst/>
+          </a:prstGeom>
+        </p:spPr>
+      </p:pic>
     </p:spTree>
     <p:extLst>
       <p:ext uri="{BB962C8B-B14F-4D97-AF65-F5344CB8AC3E}">
-        <p14:creationId xmlns:p14="http://schemas.microsoft.com/office/powerpoint/2010/main" val="2130456695"/>
+        <p14:creationId xmlns:p14="http://schemas.microsoft.com/office/powerpoint/2010/main" val="1507256200"/>
+      </p:ext>
+    </p:extLst>
+  </p:cSld>
+  <p:clrMapOvr>
+    <a:masterClrMapping/>
+  </p:clrMapOvr>
+</p:sld>
+</file>
+
+<file path=ppt/slides/slide9.xml><?xml version="1.0" encoding="utf-8"?>
+<p:sld xmlns:a="http://schemas.openxmlformats.org/drawingml/2006/main" xmlns:r="http://schemas.openxmlformats.org/officeDocument/2006/relationships" xmlns:p="http://schemas.openxmlformats.org/presentationml/2006/main">
+  <p:cSld>
+    <p:spTree>
+      <p:nvGrpSpPr>
+        <p:cNvPr id="1" name=""/>
+        <p:cNvGrpSpPr/>
+        <p:nvPr/>
+      </p:nvGrpSpPr>
+      <p:grpSpPr>
+        <a:xfrm>
+          <a:off x="0" y="0"/>
+          <a:ext cx="0" cy="0"/>
+          <a:chOff x="0" y="0"/>
+          <a:chExt cx="0" cy="0"/>
+        </a:xfrm>
+      </p:grpSpPr>
+      <p:sp>
+        <p:nvSpPr>
+          <p:cNvPr id="2" name="Titel 1"/>
+          <p:cNvSpPr>
+            <a:spLocks noGrp="1"/>
+          </p:cNvSpPr>
+          <p:nvPr>
+            <p:ph type="title"/>
+          </p:nvPr>
+        </p:nvSpPr>
+        <p:spPr/>
+        <p:txBody>
+          <a:bodyPr/>
+          <a:lstStyle/>
+          <a:p>
+            <a:r>
+              <a:rPr lang="de-DE" dirty="0"/>
+              <a:t>Ausblick</a:t>
+            </a:r>
+          </a:p>
+        </p:txBody>
+      </p:sp>
+      <p:sp>
+        <p:nvSpPr>
+          <p:cNvPr id="3" name="Inhaltsplatzhalter 2"/>
+          <p:cNvSpPr>
+            <a:spLocks noGrp="1"/>
+          </p:cNvSpPr>
+          <p:nvPr>
+            <p:ph idx="1"/>
+          </p:nvPr>
+        </p:nvSpPr>
+        <p:spPr/>
+        <p:txBody>
+          <a:bodyPr/>
+          <a:lstStyle/>
+          <a:p>
+            <a:r>
+              <a:rPr lang="de-DE" dirty="0"/>
+              <a:t>Fertigstellung der Moduldetailseite</a:t>
+            </a:r>
+          </a:p>
+          <a:p>
+            <a:r>
+              <a:rPr lang="de-DE" dirty="0"/>
+              <a:t>Modul-Upload Seite</a:t>
+            </a:r>
+          </a:p>
+          <a:p>
+            <a:r>
+              <a:rPr lang="de-DE" dirty="0"/>
+              <a:t>Dokumentation</a:t>
+            </a:r>
+          </a:p>
+          <a:p>
+            <a:r>
+              <a:rPr lang="de-DE" dirty="0"/>
+              <a:t>Projektbericht</a:t>
+            </a:r>
+          </a:p>
+        </p:txBody>
+      </p:sp>
+      <p:sp>
+        <p:nvSpPr>
+          <p:cNvPr id="4" name="Fußzeilenplatzhalter 3"/>
+          <p:cNvSpPr>
+            <a:spLocks noGrp="1"/>
+          </p:cNvSpPr>
+          <p:nvPr>
+            <p:ph type="ftr" sz="quarter" idx="11"/>
+          </p:nvPr>
+        </p:nvSpPr>
+        <p:spPr/>
+        <p:txBody>
+          <a:bodyPr/>
+          <a:lstStyle/>
+          <a:p>
+            <a:r>
+              <a:rPr lang="de-DE"/>
+              <a:t>WS19/20 - PV-Modulportal - Rüffer, Vorwerk, Withöft, Zolkin</a:t>
+            </a:r>
+          </a:p>
+        </p:txBody>
+      </p:sp>
+      <p:sp>
+        <p:nvSpPr>
+          <p:cNvPr id="5" name="Foliennummernplatzhalter 4"/>
+          <p:cNvSpPr>
+            <a:spLocks noGrp="1"/>
+          </p:cNvSpPr>
+          <p:nvPr>
+            <p:ph type="sldNum" sz="quarter" idx="12"/>
+          </p:nvPr>
+        </p:nvSpPr>
+        <p:spPr/>
+        <p:txBody>
+          <a:bodyPr/>
+          <a:lstStyle/>
+          <a:p>
+            <a:fld id="{969E759D-A893-4B96-8B48-96EE547EBC41}" type="slidenum">
+              <a:rPr lang="de-DE" smtClean="0"/>
+              <a:t>9</a:t>
+            </a:fld>
+            <a:endParaRPr lang="de-DE"/>
+          </a:p>
+        </p:txBody>
+      </p:sp>
+    </p:spTree>
+    <p:extLst>
+      <p:ext uri="{BB962C8B-B14F-4D97-AF65-F5344CB8AC3E}">
+        <p14:creationId xmlns:p14="http://schemas.microsoft.com/office/powerpoint/2010/main" val="3786423145"/>
       </p:ext>
     </p:extLst>
   </p:cSld>

--- a/docs/Seminarvortrag.pptx
+++ b/docs/Seminarvortrag.pptx
@@ -7,14 +7,37 @@
   <p:sldIdLst>
     <p:sldId id="257" r:id="rId2"/>
     <p:sldId id="258" r:id="rId3"/>
-    <p:sldId id="259" r:id="rId4"/>
-    <p:sldId id="261" r:id="rId5"/>
-    <p:sldId id="260" r:id="rId6"/>
-    <p:sldId id="262" r:id="rId7"/>
-    <p:sldId id="265" r:id="rId8"/>
-    <p:sldId id="267" r:id="rId9"/>
-    <p:sldId id="263" r:id="rId10"/>
-    <p:sldId id="264" r:id="rId11"/>
+    <p:sldId id="280" r:id="rId4"/>
+    <p:sldId id="259" r:id="rId5"/>
+    <p:sldId id="261" r:id="rId6"/>
+    <p:sldId id="260" r:id="rId7"/>
+    <p:sldId id="262" r:id="rId8"/>
+    <p:sldId id="281" r:id="rId9"/>
+    <p:sldId id="279" r:id="rId10"/>
+    <p:sldId id="275" r:id="rId11"/>
+    <p:sldId id="274" r:id="rId12"/>
+    <p:sldId id="276" r:id="rId13"/>
+    <p:sldId id="277" r:id="rId14"/>
+    <p:sldId id="283" r:id="rId15"/>
+    <p:sldId id="286" r:id="rId16"/>
+    <p:sldId id="287" r:id="rId17"/>
+    <p:sldId id="285" r:id="rId18"/>
+    <p:sldId id="288" r:id="rId19"/>
+    <p:sldId id="289" r:id="rId20"/>
+    <p:sldId id="290" r:id="rId21"/>
+    <p:sldId id="284" r:id="rId22"/>
+    <p:sldId id="278" r:id="rId23"/>
+    <p:sldId id="265" r:id="rId24"/>
+    <p:sldId id="267" r:id="rId25"/>
+    <p:sldId id="269" r:id="rId26"/>
+    <p:sldId id="270" r:id="rId27"/>
+    <p:sldId id="268" r:id="rId28"/>
+    <p:sldId id="271" r:id="rId29"/>
+    <p:sldId id="272" r:id="rId30"/>
+    <p:sldId id="273" r:id="rId31"/>
+    <p:sldId id="282" r:id="rId32"/>
+    <p:sldId id="263" r:id="rId33"/>
+    <p:sldId id="264" r:id="rId34"/>
   </p:sldIdLst>
   <p:sldSz cx="12192000" cy="6858000"/>
   <p:notesSz cx="6858000" cy="9144000"/>
@@ -327,7 +350,7 @@
           <a:p>
             <a:fld id="{969E759D-A893-4B96-8B48-96EE547EBC41}" type="slidenum">
               <a:rPr lang="de-DE" smtClean="0"/>
-              <a:t>‹#›</a:t>
+              <a:t>‹Nr.›</a:t>
             </a:fld>
             <a:endParaRPr lang="de-DE"/>
           </a:p>
@@ -530,7 +553,7 @@
           <a:p>
             <a:fld id="{969E759D-A893-4B96-8B48-96EE547EBC41}" type="slidenum">
               <a:rPr lang="de-DE" smtClean="0"/>
-              <a:t>‹#›</a:t>
+              <a:t>‹Nr.›</a:t>
             </a:fld>
             <a:endParaRPr lang="de-DE"/>
           </a:p>
@@ -743,7 +766,7 @@
           <a:p>
             <a:fld id="{969E759D-A893-4B96-8B48-96EE547EBC41}" type="slidenum">
               <a:rPr lang="de-DE" smtClean="0"/>
-              <a:t>‹#›</a:t>
+              <a:t>‹Nr.›</a:t>
             </a:fld>
             <a:endParaRPr lang="de-DE"/>
           </a:p>
@@ -946,7 +969,7 @@
           <a:p>
             <a:fld id="{969E759D-A893-4B96-8B48-96EE547EBC41}" type="slidenum">
               <a:rPr lang="de-DE" smtClean="0"/>
-              <a:t>‹#›</a:t>
+              <a:t>‹Nr.›</a:t>
             </a:fld>
             <a:endParaRPr lang="de-DE"/>
           </a:p>
@@ -1225,7 +1248,7 @@
           <a:p>
             <a:fld id="{969E759D-A893-4B96-8B48-96EE547EBC41}" type="slidenum">
               <a:rPr lang="de-DE" smtClean="0"/>
-              <a:t>‹#›</a:t>
+              <a:t>‹Nr.›</a:t>
             </a:fld>
             <a:endParaRPr lang="de-DE"/>
           </a:p>
@@ -1496,7 +1519,7 @@
           <a:p>
             <a:fld id="{969E759D-A893-4B96-8B48-96EE547EBC41}" type="slidenum">
               <a:rPr lang="de-DE" smtClean="0"/>
-              <a:t>‹#›</a:t>
+              <a:t>‹Nr.›</a:t>
             </a:fld>
             <a:endParaRPr lang="de-DE"/>
           </a:p>
@@ -1914,7 +1937,7 @@
           <a:p>
             <a:fld id="{969E759D-A893-4B96-8B48-96EE547EBC41}" type="slidenum">
               <a:rPr lang="de-DE" smtClean="0"/>
-              <a:t>‹#›</a:t>
+              <a:t>‹Nr.›</a:t>
             </a:fld>
             <a:endParaRPr lang="de-DE"/>
           </a:p>
@@ -2059,7 +2082,7 @@
           <a:p>
             <a:fld id="{969E759D-A893-4B96-8B48-96EE547EBC41}" type="slidenum">
               <a:rPr lang="de-DE" smtClean="0"/>
-              <a:t>‹#›</a:t>
+              <a:t>‹Nr.›</a:t>
             </a:fld>
             <a:endParaRPr lang="de-DE"/>
           </a:p>
@@ -2175,7 +2198,7 @@
           <a:p>
             <a:fld id="{969E759D-A893-4B96-8B48-96EE547EBC41}" type="slidenum">
               <a:rPr lang="de-DE" smtClean="0"/>
-              <a:t>‹#›</a:t>
+              <a:t>‹Nr.›</a:t>
             </a:fld>
             <a:endParaRPr lang="de-DE"/>
           </a:p>
@@ -2491,7 +2514,7 @@
           <a:p>
             <a:fld id="{969E759D-A893-4B96-8B48-96EE547EBC41}" type="slidenum">
               <a:rPr lang="de-DE" smtClean="0"/>
-              <a:t>‹#›</a:t>
+              <a:t>‹Nr.›</a:t>
             </a:fld>
             <a:endParaRPr lang="de-DE"/>
           </a:p>
@@ -2783,7 +2806,7 @@
           <a:p>
             <a:fld id="{969E759D-A893-4B96-8B48-96EE547EBC41}" type="slidenum">
               <a:rPr lang="de-DE" smtClean="0"/>
-              <a:t>‹#›</a:t>
+              <a:t>‹Nr.›</a:t>
             </a:fld>
             <a:endParaRPr lang="de-DE"/>
           </a:p>
@@ -3065,7 +3088,7 @@
           <a:p>
             <a:fld id="{969E759D-A893-4B96-8B48-96EE547EBC41}" type="slidenum">
               <a:rPr lang="de-DE" smtClean="0"/>
-              <a:t>‹#›</a:t>
+              <a:t>‹Nr.›</a:t>
             </a:fld>
             <a:endParaRPr lang="de-DE"/>
           </a:p>
@@ -3787,7 +3810,13 @@
       </p:grpSpPr>
       <p:sp>
         <p:nvSpPr>
-          <p:cNvPr id="2" name="Titel 1"/>
+          <p:cNvPr id="2" name="Title 1">
+            <a:extLst>
+              <a:ext uri="{FF2B5EF4-FFF2-40B4-BE49-F238E27FC236}">
+                <a16:creationId xmlns:a16="http://schemas.microsoft.com/office/drawing/2014/main" id="{4C84315F-315F-4066-9D3A-472733691F27}"/>
+              </a:ext>
+            </a:extLst>
+          </p:cNvPr>
           <p:cNvSpPr>
             <a:spLocks noGrp="1"/>
           </p:cNvSpPr>
@@ -3795,65 +3824,34 @@
             <p:ph type="title"/>
           </p:nvPr>
         </p:nvSpPr>
-        <p:spPr/>
-        <p:txBody>
-          <a:bodyPr/>
+        <p:spPr>
+          <a:xfrm>
+            <a:off x="838200" y="365125"/>
+            <a:ext cx="10515600" cy="881784"/>
+          </a:xfrm>
+        </p:spPr>
+        <p:txBody>
+          <a:bodyPr>
+            <a:normAutofit/>
+          </a:bodyPr>
           <a:lstStyle/>
           <a:p>
             <a:r>
               <a:rPr lang="de-DE" dirty="0"/>
-              <a:t>Fazit</a:t>
-            </a:r>
-          </a:p>
-        </p:txBody>
-      </p:sp>
-      <p:sp>
-        <p:nvSpPr>
-          <p:cNvPr id="3" name="Inhaltsplatzhalter 2"/>
-          <p:cNvSpPr>
-            <a:spLocks noGrp="1"/>
-          </p:cNvSpPr>
-          <p:nvPr>
-            <p:ph idx="1"/>
-          </p:nvPr>
-        </p:nvSpPr>
-        <p:spPr/>
-        <p:txBody>
-          <a:bodyPr/>
-          <a:lstStyle/>
-          <a:p>
-            <a:r>
-              <a:rPr lang="de-DE" dirty="0"/>
-              <a:t>Erstellung des Grob- und Feinkonzepts zu Beginn war sehr hilfreich</a:t>
-            </a:r>
-          </a:p>
-          <a:p>
-            <a:r>
-              <a:rPr lang="de-DE" dirty="0"/>
-              <a:t>Kommunikation im Team und Gruppendynamik war gut</a:t>
-            </a:r>
-          </a:p>
-          <a:p>
-            <a:r>
-              <a:rPr lang="de-DE" dirty="0"/>
-              <a:t>Planung war zum Teil schwierig</a:t>
-            </a:r>
-          </a:p>
-          <a:p>
-            <a:r>
-              <a:rPr lang="de-DE"/>
-              <a:t>Missverständnisse bei den Anforderungen</a:t>
-            </a:r>
-            <a:endParaRPr lang="de-DE" dirty="0"/>
-          </a:p>
-          <a:p>
-            <a:endParaRPr lang="de-DE" dirty="0"/>
-          </a:p>
-        </p:txBody>
-      </p:sp>
-      <p:sp>
-        <p:nvSpPr>
-          <p:cNvPr id="4" name="Fußzeilenplatzhalter 3"/>
+              <a:t>Theoretische Grundlagen  - 	Begriffe</a:t>
+            </a:r>
+          </a:p>
+        </p:txBody>
+      </p:sp>
+      <p:sp>
+        <p:nvSpPr>
+          <p:cNvPr id="4" name="Footer Placeholder 3">
+            <a:extLst>
+              <a:ext uri="{FF2B5EF4-FFF2-40B4-BE49-F238E27FC236}">
+                <a16:creationId xmlns:a16="http://schemas.microsoft.com/office/drawing/2014/main" id="{0EF7D1E5-7A19-4BA2-8CAA-9135FB90076C}"/>
+              </a:ext>
+            </a:extLst>
+          </p:cNvPr>
           <p:cNvSpPr>
             <a:spLocks noGrp="1"/>
           </p:cNvSpPr>
@@ -3875,7 +3873,13 @@
       </p:sp>
       <p:sp>
         <p:nvSpPr>
-          <p:cNvPr id="5" name="Foliennummernplatzhalter 4"/>
+          <p:cNvPr id="5" name="Slide Number Placeholder 4">
+            <a:extLst>
+              <a:ext uri="{FF2B5EF4-FFF2-40B4-BE49-F238E27FC236}">
+                <a16:creationId xmlns:a16="http://schemas.microsoft.com/office/drawing/2014/main" id="{FAC16E02-623C-4BDA-BAFA-B73797A517FD}"/>
+              </a:ext>
+            </a:extLst>
+          </p:cNvPr>
           <p:cNvSpPr>
             <a:spLocks noGrp="1"/>
           </p:cNvSpPr>
@@ -3896,10 +3900,2463 @@
           </a:p>
         </p:txBody>
       </p:sp>
+      <p:sp>
+        <p:nvSpPr>
+          <p:cNvPr id="6" name="Textfeld 5">
+            <a:extLst>
+              <a:ext uri="{FF2B5EF4-FFF2-40B4-BE49-F238E27FC236}">
+                <a16:creationId xmlns:a16="http://schemas.microsoft.com/office/drawing/2014/main" id="{B9994866-87B0-46B7-BEA1-D4F84B1CDF09}"/>
+              </a:ext>
+            </a:extLst>
+          </p:cNvPr>
+          <p:cNvSpPr txBox="1"/>
+          <p:nvPr/>
+        </p:nvSpPr>
+        <p:spPr>
+          <a:xfrm>
+            <a:off x="1083578" y="1414562"/>
+            <a:ext cx="8446316" cy="4801314"/>
+          </a:xfrm>
+          <a:prstGeom prst="rect">
+            <a:avLst/>
+          </a:prstGeom>
+          <a:noFill/>
+        </p:spPr>
+        <p:txBody>
+          <a:bodyPr wrap="square" rtlCol="0">
+            <a:spAutoFit/>
+          </a:bodyPr>
+          <a:lstStyle/>
+          <a:p>
+            <a:pPr marL="285750" indent="-285750">
+              <a:buFont typeface="Arial" panose="020B0604020202020204" pitchFamily="34" charset="0"/>
+              <a:buChar char="•"/>
+            </a:pPr>
+            <a:r>
+              <a:rPr lang="de-DE" dirty="0"/>
+              <a:t>Kennlinien</a:t>
+            </a:r>
+          </a:p>
+          <a:p>
+            <a:pPr marL="742950" lvl="1" indent="-285750">
+              <a:buFont typeface="Arial" panose="020B0604020202020204" pitchFamily="34" charset="0"/>
+              <a:buChar char="•"/>
+            </a:pPr>
+            <a:r>
+              <a:rPr lang="de-DE" dirty="0"/>
+              <a:t>Abbildung von anliegender Spannung zu Stromstärke</a:t>
+            </a:r>
+          </a:p>
+          <a:p>
+            <a:pPr marL="742950" lvl="1" indent="-285750">
+              <a:buFont typeface="Arial" panose="020B0604020202020204" pitchFamily="34" charset="0"/>
+              <a:buChar char="•"/>
+            </a:pPr>
+            <a:r>
+              <a:rPr lang="de-DE" dirty="0"/>
+              <a:t>Messbar durch z.B. kontinuierliche Änderung eines Widerstandes und Messung der Spannung / Stromstärke</a:t>
+            </a:r>
+          </a:p>
+          <a:p>
+            <a:pPr marL="742950" lvl="1" indent="-285750">
+              <a:buFont typeface="Arial" panose="020B0604020202020204" pitchFamily="34" charset="0"/>
+              <a:buChar char="•"/>
+            </a:pPr>
+            <a:r>
+              <a:rPr lang="de-DE" dirty="0"/>
+              <a:t>Verschiedene Arten</a:t>
+            </a:r>
+          </a:p>
+          <a:p>
+            <a:pPr marL="285750" indent="-285750">
+              <a:buFont typeface="Arial" panose="020B0604020202020204" pitchFamily="34" charset="0"/>
+              <a:buChar char="•"/>
+            </a:pPr>
+            <a:r>
+              <a:rPr lang="de-DE" dirty="0"/>
+              <a:t>Hellkennlinien</a:t>
+            </a:r>
+          </a:p>
+          <a:p>
+            <a:pPr marL="742950" lvl="1" indent="-285750">
+              <a:buFont typeface="Arial" panose="020B0604020202020204" pitchFamily="34" charset="0"/>
+              <a:buChar char="•"/>
+            </a:pPr>
+            <a:r>
+              <a:rPr lang="de-DE" dirty="0"/>
+              <a:t>Gemessen unter normalen Bedingungen (25°C, 1000W/m² Einstrahlung, 1.5 AM)</a:t>
+            </a:r>
+          </a:p>
+          <a:p>
+            <a:pPr marL="285750" indent="-285750">
+              <a:buFont typeface="Arial" panose="020B0604020202020204" pitchFamily="34" charset="0"/>
+              <a:buChar char="•"/>
+            </a:pPr>
+            <a:r>
+              <a:rPr lang="de-DE" dirty="0"/>
+              <a:t>Dunkelkennlinien</a:t>
+            </a:r>
+          </a:p>
+          <a:p>
+            <a:pPr marL="742950" lvl="1" indent="-285750">
+              <a:buFont typeface="Arial" panose="020B0604020202020204" pitchFamily="34" charset="0"/>
+              <a:buChar char="•"/>
+            </a:pPr>
+            <a:r>
+              <a:rPr lang="de-DE" dirty="0"/>
+              <a:t>Gemessen ohne Einstrahlung (0W/m²)</a:t>
+            </a:r>
+          </a:p>
+          <a:p>
+            <a:pPr marL="285750" indent="-285750">
+              <a:buFont typeface="Arial" panose="020B0604020202020204" pitchFamily="34" charset="0"/>
+              <a:buChar char="•"/>
+            </a:pPr>
+            <a:r>
+              <a:rPr lang="de-DE" dirty="0"/>
+              <a:t>MPP – Maximum-Power-Point</a:t>
+            </a:r>
+          </a:p>
+          <a:p>
+            <a:pPr marL="742950" lvl="1" indent="-285750">
+              <a:buFont typeface="Arial" panose="020B0604020202020204" pitchFamily="34" charset="0"/>
+              <a:buChar char="•"/>
+            </a:pPr>
+            <a:r>
+              <a:rPr lang="de-DE" dirty="0"/>
+              <a:t>Punkt (Spannung x Stromstärke) der höchsten Effizienz</a:t>
+            </a:r>
+          </a:p>
+          <a:p>
+            <a:pPr marL="285750" indent="-285750">
+              <a:buFont typeface="Arial" panose="020B0604020202020204" pitchFamily="34" charset="0"/>
+              <a:buChar char="•"/>
+            </a:pPr>
+            <a:r>
+              <a:rPr lang="de-DE" dirty="0"/>
+              <a:t>U</a:t>
+            </a:r>
+            <a:r>
+              <a:rPr lang="de-DE" sz="1100" dirty="0"/>
+              <a:t>L </a:t>
+            </a:r>
+            <a:r>
+              <a:rPr lang="de-DE" dirty="0"/>
+              <a:t>– Leerlaufspannung</a:t>
+            </a:r>
+          </a:p>
+          <a:p>
+            <a:pPr marL="742950" lvl="1" indent="-285750">
+              <a:buFont typeface="Arial" panose="020B0604020202020204" pitchFamily="34" charset="0"/>
+              <a:buChar char="•"/>
+            </a:pPr>
+            <a:r>
+              <a:rPr lang="de-DE" dirty="0"/>
+              <a:t>Spannung bei Einstrahlung und keiner Verbindung von den Polen</a:t>
+            </a:r>
+          </a:p>
+          <a:p>
+            <a:pPr marL="742950" lvl="1" indent="-285750">
+              <a:buFont typeface="Arial" panose="020B0604020202020204" pitchFamily="34" charset="0"/>
+              <a:buChar char="•"/>
+            </a:pPr>
+            <a:r>
+              <a:rPr lang="de-DE" dirty="0"/>
+              <a:t>Kein Stromfluss</a:t>
+            </a:r>
+          </a:p>
+          <a:p>
+            <a:pPr marL="285750" indent="-285750">
+              <a:buFont typeface="Arial" panose="020B0604020202020204" pitchFamily="34" charset="0"/>
+              <a:buChar char="•"/>
+            </a:pPr>
+            <a:r>
+              <a:rPr lang="de-DE" dirty="0" err="1">
+                <a:latin typeface="Times New Roman" panose="02020603050405020304" pitchFamily="18" charset="0"/>
+                <a:cs typeface="Times New Roman" panose="02020603050405020304" pitchFamily="18" charset="0"/>
+              </a:rPr>
+              <a:t>I</a:t>
+            </a:r>
+            <a:r>
+              <a:rPr lang="de-DE" sz="1100" dirty="0" err="1"/>
+              <a:t>k</a:t>
+            </a:r>
+            <a:r>
+              <a:rPr lang="de-DE" dirty="0"/>
+              <a:t> – Kurzschlussstrom</a:t>
+            </a:r>
+          </a:p>
+          <a:p>
+            <a:pPr marL="742950" lvl="1" indent="-285750">
+              <a:buFont typeface="Arial" panose="020B0604020202020204" pitchFamily="34" charset="0"/>
+              <a:buChar char="•"/>
+            </a:pPr>
+            <a:r>
+              <a:rPr lang="de-DE" dirty="0"/>
+              <a:t>Stromfluss bei Kurzschluss zwischen den Polen</a:t>
+            </a:r>
+          </a:p>
+          <a:p>
+            <a:pPr marL="742950" lvl="1" indent="-285750">
+              <a:buFont typeface="Arial" panose="020B0604020202020204" pitchFamily="34" charset="0"/>
+              <a:buChar char="•"/>
+            </a:pPr>
+            <a:r>
+              <a:rPr lang="de-DE" dirty="0"/>
+              <a:t>Keine Spannung</a:t>
+            </a:r>
+          </a:p>
+        </p:txBody>
+      </p:sp>
     </p:spTree>
     <p:extLst>
       <p:ext uri="{BB962C8B-B14F-4D97-AF65-F5344CB8AC3E}">
-        <p14:creationId xmlns:p14="http://schemas.microsoft.com/office/powerpoint/2010/main" val="2130456695"/>
+        <p14:creationId xmlns:p14="http://schemas.microsoft.com/office/powerpoint/2010/main" val="1384477586"/>
+      </p:ext>
+    </p:extLst>
+  </p:cSld>
+  <p:clrMapOvr>
+    <a:masterClrMapping/>
+  </p:clrMapOvr>
+</p:sld>
+</file>
+
+<file path=ppt/slides/slide11.xml><?xml version="1.0" encoding="utf-8"?>
+<p:sld xmlns:a="http://schemas.openxmlformats.org/drawingml/2006/main" xmlns:r="http://schemas.openxmlformats.org/officeDocument/2006/relationships" xmlns:p="http://schemas.openxmlformats.org/presentationml/2006/main">
+  <p:cSld>
+    <p:spTree>
+      <p:nvGrpSpPr>
+        <p:cNvPr id="1" name=""/>
+        <p:cNvGrpSpPr/>
+        <p:nvPr/>
+      </p:nvGrpSpPr>
+      <p:grpSpPr>
+        <a:xfrm>
+          <a:off x="0" y="0"/>
+          <a:ext cx="0" cy="0"/>
+          <a:chOff x="0" y="0"/>
+          <a:chExt cx="0" cy="0"/>
+        </a:xfrm>
+      </p:grpSpPr>
+      <p:sp>
+        <p:nvSpPr>
+          <p:cNvPr id="2" name="Title 1">
+            <a:extLst>
+              <a:ext uri="{FF2B5EF4-FFF2-40B4-BE49-F238E27FC236}">
+                <a16:creationId xmlns:a16="http://schemas.microsoft.com/office/drawing/2014/main" id="{4C84315F-315F-4066-9D3A-472733691F27}"/>
+              </a:ext>
+            </a:extLst>
+          </p:cNvPr>
+          <p:cNvSpPr>
+            <a:spLocks noGrp="1"/>
+          </p:cNvSpPr>
+          <p:nvPr>
+            <p:ph type="title"/>
+          </p:nvPr>
+        </p:nvSpPr>
+        <p:spPr>
+          <a:xfrm>
+            <a:off x="838200" y="365125"/>
+            <a:ext cx="10515600" cy="881784"/>
+          </a:xfrm>
+        </p:spPr>
+        <p:txBody>
+          <a:bodyPr>
+            <a:normAutofit/>
+          </a:bodyPr>
+          <a:lstStyle/>
+          <a:p>
+            <a:r>
+              <a:rPr lang="de-DE" dirty="0"/>
+              <a:t>Theoretische Grundlagen  - 	Hellkennlinien</a:t>
+            </a:r>
+          </a:p>
+        </p:txBody>
+      </p:sp>
+      <p:sp>
+        <p:nvSpPr>
+          <p:cNvPr id="4" name="Footer Placeholder 3">
+            <a:extLst>
+              <a:ext uri="{FF2B5EF4-FFF2-40B4-BE49-F238E27FC236}">
+                <a16:creationId xmlns:a16="http://schemas.microsoft.com/office/drawing/2014/main" id="{0EF7D1E5-7A19-4BA2-8CAA-9135FB90076C}"/>
+              </a:ext>
+            </a:extLst>
+          </p:cNvPr>
+          <p:cNvSpPr>
+            <a:spLocks noGrp="1"/>
+          </p:cNvSpPr>
+          <p:nvPr>
+            <p:ph type="ftr" sz="quarter" idx="11"/>
+          </p:nvPr>
+        </p:nvSpPr>
+        <p:spPr/>
+        <p:txBody>
+          <a:bodyPr/>
+          <a:lstStyle/>
+          <a:p>
+            <a:r>
+              <a:rPr lang="de-DE"/>
+              <a:t>WS19/20 - PV-Modulportal - Rüffer, Vorwerk, Withöft, Zolkin</a:t>
+            </a:r>
+          </a:p>
+        </p:txBody>
+      </p:sp>
+      <p:sp>
+        <p:nvSpPr>
+          <p:cNvPr id="5" name="Slide Number Placeholder 4">
+            <a:extLst>
+              <a:ext uri="{FF2B5EF4-FFF2-40B4-BE49-F238E27FC236}">
+                <a16:creationId xmlns:a16="http://schemas.microsoft.com/office/drawing/2014/main" id="{FAC16E02-623C-4BDA-BAFA-B73797A517FD}"/>
+              </a:ext>
+            </a:extLst>
+          </p:cNvPr>
+          <p:cNvSpPr>
+            <a:spLocks noGrp="1"/>
+          </p:cNvSpPr>
+          <p:nvPr>
+            <p:ph type="sldNum" sz="quarter" idx="12"/>
+          </p:nvPr>
+        </p:nvSpPr>
+        <p:spPr/>
+        <p:txBody>
+          <a:bodyPr/>
+          <a:lstStyle/>
+          <a:p>
+            <a:fld id="{969E759D-A893-4B96-8B48-96EE547EBC41}" type="slidenum">
+              <a:rPr lang="de-DE" smtClean="0"/>
+              <a:t>11</a:t>
+            </a:fld>
+            <a:endParaRPr lang="de-DE"/>
+          </a:p>
+        </p:txBody>
+      </p:sp>
+      <p:pic>
+        <p:nvPicPr>
+          <p:cNvPr id="11" name="Grafik 10" descr="Ein Bild, das Screenshot enthält.&#10;&#10;Automatisch generierte Beschreibung">
+            <a:extLst>
+              <a:ext uri="{FF2B5EF4-FFF2-40B4-BE49-F238E27FC236}">
+                <a16:creationId xmlns:a16="http://schemas.microsoft.com/office/drawing/2014/main" id="{08D1ECEA-E3D6-4F58-AF93-8D73129F807D}"/>
+              </a:ext>
+            </a:extLst>
+          </p:cNvPr>
+          <p:cNvPicPr>
+            <a:picLocks noChangeAspect="1"/>
+          </p:cNvPicPr>
+          <p:nvPr/>
+        </p:nvPicPr>
+        <p:blipFill>
+          <a:blip r:embed="rId2">
+            <a:extLst>
+              <a:ext uri="{28A0092B-C50C-407E-A947-70E740481C1C}">
+                <a14:useLocalDpi xmlns:a14="http://schemas.microsoft.com/office/drawing/2010/main" val="0"/>
+              </a:ext>
+            </a:extLst>
+          </a:blip>
+          <a:stretch>
+            <a:fillRect/>
+          </a:stretch>
+        </p:blipFill>
+        <p:spPr>
+          <a:xfrm>
+            <a:off x="5963971" y="2410086"/>
+            <a:ext cx="5850948" cy="3476650"/>
+          </a:xfrm>
+          <a:prstGeom prst="rect">
+            <a:avLst/>
+          </a:prstGeom>
+        </p:spPr>
+      </p:pic>
+      <p:sp>
+        <p:nvSpPr>
+          <p:cNvPr id="12" name="Textfeld 11">
+            <a:extLst>
+              <a:ext uri="{FF2B5EF4-FFF2-40B4-BE49-F238E27FC236}">
+                <a16:creationId xmlns:a16="http://schemas.microsoft.com/office/drawing/2014/main" id="{505B34EF-FD4F-43EC-9410-F3236D2F06E9}"/>
+              </a:ext>
+            </a:extLst>
+          </p:cNvPr>
+          <p:cNvSpPr txBox="1"/>
+          <p:nvPr/>
+        </p:nvSpPr>
+        <p:spPr>
+          <a:xfrm>
+            <a:off x="6234545" y="5886736"/>
+            <a:ext cx="5580374" cy="246221"/>
+          </a:xfrm>
+          <a:prstGeom prst="rect">
+            <a:avLst/>
+          </a:prstGeom>
+          <a:noFill/>
+        </p:spPr>
+        <p:txBody>
+          <a:bodyPr wrap="none" rtlCol="0">
+            <a:spAutoFit/>
+          </a:bodyPr>
+          <a:lstStyle/>
+          <a:p>
+            <a:r>
+              <a:rPr lang="de-DE" sz="1000" dirty="0"/>
+              <a:t>Quelle: https://photovoltaiksolarstrom.com/photovoltaiklexikon/maximum-power-point-mpp-tracking/</a:t>
+            </a:r>
+          </a:p>
+        </p:txBody>
+      </p:sp>
+      <p:sp>
+        <p:nvSpPr>
+          <p:cNvPr id="13" name="Textfeld 12">
+            <a:extLst>
+              <a:ext uri="{FF2B5EF4-FFF2-40B4-BE49-F238E27FC236}">
+                <a16:creationId xmlns:a16="http://schemas.microsoft.com/office/drawing/2014/main" id="{CAB1451E-3CF7-465F-97C3-80760286DFF4}"/>
+              </a:ext>
+            </a:extLst>
+          </p:cNvPr>
+          <p:cNvSpPr txBox="1"/>
+          <p:nvPr/>
+        </p:nvSpPr>
+        <p:spPr>
+          <a:xfrm>
+            <a:off x="628750" y="2508308"/>
+            <a:ext cx="5008651" cy="2308324"/>
+          </a:xfrm>
+          <a:prstGeom prst="rect">
+            <a:avLst/>
+          </a:prstGeom>
+          <a:noFill/>
+        </p:spPr>
+        <p:txBody>
+          <a:bodyPr wrap="square" rtlCol="0">
+            <a:spAutoFit/>
+          </a:bodyPr>
+          <a:lstStyle/>
+          <a:p>
+            <a:pPr marL="285750" indent="-285750">
+              <a:buFont typeface="Arial" panose="020B0604020202020204" pitchFamily="34" charset="0"/>
+              <a:buChar char="•"/>
+            </a:pPr>
+            <a:r>
+              <a:rPr lang="de-DE" dirty="0"/>
+              <a:t>Bestimmung der maximalen Leistung</a:t>
+            </a:r>
+          </a:p>
+          <a:p>
+            <a:pPr marL="285750" indent="-285750">
+              <a:buFont typeface="Arial" panose="020B0604020202020204" pitchFamily="34" charset="0"/>
+              <a:buChar char="•"/>
+            </a:pPr>
+            <a:r>
+              <a:rPr lang="de-DE" dirty="0"/>
+              <a:t>Feststellen von Mängeln</a:t>
+            </a:r>
+          </a:p>
+          <a:p>
+            <a:pPr marL="742950" lvl="1" indent="-285750">
+              <a:buFont typeface="Arial" panose="020B0604020202020204" pitchFamily="34" charset="0"/>
+              <a:buChar char="•"/>
+            </a:pPr>
+            <a:r>
+              <a:rPr lang="de-DE" dirty="0"/>
+              <a:t>Hoher serieller Widerstand -&gt; z.B. durch fehlerhafte Steckverbindungen</a:t>
+            </a:r>
+          </a:p>
+          <a:p>
+            <a:pPr marL="742950" lvl="1" indent="-285750">
+              <a:buFont typeface="Arial" panose="020B0604020202020204" pitchFamily="34" charset="0"/>
+              <a:buChar char="•"/>
+            </a:pPr>
+            <a:r>
+              <a:rPr lang="de-DE" dirty="0"/>
+              <a:t>Geringer Widerstand -&gt; z.B. durch lokale Kurzschlüsse</a:t>
+            </a:r>
+          </a:p>
+          <a:p>
+            <a:pPr marL="285750" indent="-285750">
+              <a:buFont typeface="Arial" panose="020B0604020202020204" pitchFamily="34" charset="0"/>
+              <a:buChar char="•"/>
+            </a:pPr>
+            <a:r>
+              <a:rPr lang="de-DE" dirty="0"/>
+              <a:t>Angefertigt nach Produktion</a:t>
+            </a:r>
+          </a:p>
+          <a:p>
+            <a:pPr marL="742950" lvl="1" indent="-285750">
+              <a:buFont typeface="Wingdings" panose="05000000000000000000" pitchFamily="2" charset="2"/>
+              <a:buChar char="Ø"/>
+            </a:pPr>
+            <a:r>
+              <a:rPr lang="de-DE" dirty="0"/>
+              <a:t>Am besten periodisch wiederholen</a:t>
+            </a:r>
+          </a:p>
+        </p:txBody>
+      </p:sp>
+      <p:sp>
+        <p:nvSpPr>
+          <p:cNvPr id="14" name="Textfeld 13">
+            <a:extLst>
+              <a:ext uri="{FF2B5EF4-FFF2-40B4-BE49-F238E27FC236}">
+                <a16:creationId xmlns:a16="http://schemas.microsoft.com/office/drawing/2014/main" id="{49CB4C5B-54D1-4670-9320-555C2971CB1E}"/>
+              </a:ext>
+            </a:extLst>
+          </p:cNvPr>
+          <p:cNvSpPr txBox="1"/>
+          <p:nvPr/>
+        </p:nvSpPr>
+        <p:spPr>
+          <a:xfrm>
+            <a:off x="8153400" y="2040754"/>
+            <a:ext cx="1895304" cy="369332"/>
+          </a:xfrm>
+          <a:prstGeom prst="rect">
+            <a:avLst/>
+          </a:prstGeom>
+          <a:noFill/>
+        </p:spPr>
+        <p:txBody>
+          <a:bodyPr wrap="square" rtlCol="0">
+            <a:spAutoFit/>
+          </a:bodyPr>
+          <a:lstStyle/>
+          <a:p>
+            <a:r>
+              <a:rPr lang="de-DE" dirty="0"/>
+              <a:t>Eine Hellkennlinie </a:t>
+            </a:r>
+          </a:p>
+        </p:txBody>
+      </p:sp>
+    </p:spTree>
+    <p:extLst>
+      <p:ext uri="{BB962C8B-B14F-4D97-AF65-F5344CB8AC3E}">
+        <p14:creationId xmlns:p14="http://schemas.microsoft.com/office/powerpoint/2010/main" val="3470889795"/>
+      </p:ext>
+    </p:extLst>
+  </p:cSld>
+  <p:clrMapOvr>
+    <a:masterClrMapping/>
+  </p:clrMapOvr>
+</p:sld>
+</file>
+
+<file path=ppt/slides/slide12.xml><?xml version="1.0" encoding="utf-8"?>
+<p:sld xmlns:a="http://schemas.openxmlformats.org/drawingml/2006/main" xmlns:r="http://schemas.openxmlformats.org/officeDocument/2006/relationships" xmlns:p="http://schemas.openxmlformats.org/presentationml/2006/main">
+  <p:cSld>
+    <p:spTree>
+      <p:nvGrpSpPr>
+        <p:cNvPr id="1" name=""/>
+        <p:cNvGrpSpPr/>
+        <p:nvPr/>
+      </p:nvGrpSpPr>
+      <p:grpSpPr>
+        <a:xfrm>
+          <a:off x="0" y="0"/>
+          <a:ext cx="0" cy="0"/>
+          <a:chOff x="0" y="0"/>
+          <a:chExt cx="0" cy="0"/>
+        </a:xfrm>
+      </p:grpSpPr>
+      <p:sp>
+        <p:nvSpPr>
+          <p:cNvPr id="2" name="Title 1">
+            <a:extLst>
+              <a:ext uri="{FF2B5EF4-FFF2-40B4-BE49-F238E27FC236}">
+                <a16:creationId xmlns:a16="http://schemas.microsoft.com/office/drawing/2014/main" id="{4C84315F-315F-4066-9D3A-472733691F27}"/>
+              </a:ext>
+            </a:extLst>
+          </p:cNvPr>
+          <p:cNvSpPr>
+            <a:spLocks noGrp="1"/>
+          </p:cNvSpPr>
+          <p:nvPr>
+            <p:ph type="title"/>
+          </p:nvPr>
+        </p:nvSpPr>
+        <p:spPr>
+          <a:xfrm>
+            <a:off x="838200" y="365125"/>
+            <a:ext cx="10515600" cy="881784"/>
+          </a:xfrm>
+        </p:spPr>
+        <p:txBody>
+          <a:bodyPr>
+            <a:normAutofit/>
+          </a:bodyPr>
+          <a:lstStyle/>
+          <a:p>
+            <a:r>
+              <a:rPr lang="de-DE" dirty="0"/>
+              <a:t>Theoretische Grundlagen  - 	Dunkelkennlinien</a:t>
+            </a:r>
+          </a:p>
+        </p:txBody>
+      </p:sp>
+      <p:sp>
+        <p:nvSpPr>
+          <p:cNvPr id="4" name="Footer Placeholder 3">
+            <a:extLst>
+              <a:ext uri="{FF2B5EF4-FFF2-40B4-BE49-F238E27FC236}">
+                <a16:creationId xmlns:a16="http://schemas.microsoft.com/office/drawing/2014/main" id="{0EF7D1E5-7A19-4BA2-8CAA-9135FB90076C}"/>
+              </a:ext>
+            </a:extLst>
+          </p:cNvPr>
+          <p:cNvSpPr>
+            <a:spLocks noGrp="1"/>
+          </p:cNvSpPr>
+          <p:nvPr>
+            <p:ph type="ftr" sz="quarter" idx="11"/>
+          </p:nvPr>
+        </p:nvSpPr>
+        <p:spPr/>
+        <p:txBody>
+          <a:bodyPr/>
+          <a:lstStyle/>
+          <a:p>
+            <a:r>
+              <a:rPr lang="de-DE"/>
+              <a:t>WS19/20 - PV-Modulportal - Rüffer, Vorwerk, Withöft, Zolkin</a:t>
+            </a:r>
+          </a:p>
+        </p:txBody>
+      </p:sp>
+      <p:sp>
+        <p:nvSpPr>
+          <p:cNvPr id="5" name="Slide Number Placeholder 4">
+            <a:extLst>
+              <a:ext uri="{FF2B5EF4-FFF2-40B4-BE49-F238E27FC236}">
+                <a16:creationId xmlns:a16="http://schemas.microsoft.com/office/drawing/2014/main" id="{FAC16E02-623C-4BDA-BAFA-B73797A517FD}"/>
+              </a:ext>
+            </a:extLst>
+          </p:cNvPr>
+          <p:cNvSpPr>
+            <a:spLocks noGrp="1"/>
+          </p:cNvSpPr>
+          <p:nvPr>
+            <p:ph type="sldNum" sz="quarter" idx="12"/>
+          </p:nvPr>
+        </p:nvSpPr>
+        <p:spPr/>
+        <p:txBody>
+          <a:bodyPr/>
+          <a:lstStyle/>
+          <a:p>
+            <a:fld id="{969E759D-A893-4B96-8B48-96EE547EBC41}" type="slidenum">
+              <a:rPr lang="de-DE" smtClean="0"/>
+              <a:t>12</a:t>
+            </a:fld>
+            <a:endParaRPr lang="de-DE"/>
+          </a:p>
+        </p:txBody>
+      </p:sp>
+      <p:sp>
+        <p:nvSpPr>
+          <p:cNvPr id="12" name="Textfeld 11">
+            <a:extLst>
+              <a:ext uri="{FF2B5EF4-FFF2-40B4-BE49-F238E27FC236}">
+                <a16:creationId xmlns:a16="http://schemas.microsoft.com/office/drawing/2014/main" id="{505B34EF-FD4F-43EC-9410-F3236D2F06E9}"/>
+              </a:ext>
+            </a:extLst>
+          </p:cNvPr>
+          <p:cNvSpPr txBox="1"/>
+          <p:nvPr/>
+        </p:nvSpPr>
+        <p:spPr>
+          <a:xfrm>
+            <a:off x="397034" y="5886736"/>
+            <a:ext cx="4812536" cy="215444"/>
+          </a:xfrm>
+          <a:prstGeom prst="rect">
+            <a:avLst/>
+          </a:prstGeom>
+          <a:noFill/>
+        </p:spPr>
+        <p:txBody>
+          <a:bodyPr wrap="none" rtlCol="0">
+            <a:spAutoFit/>
+          </a:bodyPr>
+          <a:lstStyle/>
+          <a:p>
+            <a:r>
+              <a:rPr lang="de-DE" sz="800" dirty="0"/>
+              <a:t>Quelle: https://photovoltaikbuero.de/pv-know-how-blog/dunkelkennlinien-von-photovoltaikanlagen-messen/</a:t>
+            </a:r>
+          </a:p>
+        </p:txBody>
+      </p:sp>
+      <p:sp>
+        <p:nvSpPr>
+          <p:cNvPr id="13" name="Textfeld 12">
+            <a:extLst>
+              <a:ext uri="{FF2B5EF4-FFF2-40B4-BE49-F238E27FC236}">
+                <a16:creationId xmlns:a16="http://schemas.microsoft.com/office/drawing/2014/main" id="{CAB1451E-3CF7-465F-97C3-80760286DFF4}"/>
+              </a:ext>
+            </a:extLst>
+          </p:cNvPr>
+          <p:cNvSpPr txBox="1"/>
+          <p:nvPr/>
+        </p:nvSpPr>
+        <p:spPr>
+          <a:xfrm>
+            <a:off x="6474691" y="1951672"/>
+            <a:ext cx="5146730" cy="2031325"/>
+          </a:xfrm>
+          <a:prstGeom prst="rect">
+            <a:avLst/>
+          </a:prstGeom>
+          <a:noFill/>
+        </p:spPr>
+        <p:txBody>
+          <a:bodyPr wrap="square" rtlCol="0">
+            <a:spAutoFit/>
+          </a:bodyPr>
+          <a:lstStyle/>
+          <a:p>
+            <a:pPr marL="285750" indent="-285750">
+              <a:buFont typeface="Arial" panose="020B0604020202020204" pitchFamily="34" charset="0"/>
+              <a:buChar char="•"/>
+            </a:pPr>
+            <a:r>
+              <a:rPr lang="de-DE" dirty="0"/>
+              <a:t>Beliebt, da Bedingungen vereinfacht</a:t>
+            </a:r>
+          </a:p>
+          <a:p>
+            <a:pPr marL="285750" indent="-285750">
+              <a:buFont typeface="Arial" panose="020B0604020202020204" pitchFamily="34" charset="0"/>
+              <a:buChar char="•"/>
+            </a:pPr>
+            <a:r>
+              <a:rPr lang="de-DE" dirty="0"/>
+              <a:t>Erschließbar: Dunkelkennlinie –&gt; Hellkennlinie</a:t>
+            </a:r>
+          </a:p>
+          <a:p>
+            <a:pPr marL="285750" indent="-285750">
+              <a:buFont typeface="Arial" panose="020B0604020202020204" pitchFamily="34" charset="0"/>
+              <a:buChar char="•"/>
+            </a:pPr>
+            <a:r>
+              <a:rPr lang="de-DE" dirty="0"/>
+              <a:t>Besondere Verwendung bei Fehleranalyse</a:t>
+            </a:r>
+          </a:p>
+          <a:p>
+            <a:pPr marL="742950" lvl="1" indent="-285750">
+              <a:buFont typeface="Arial" panose="020B0604020202020204" pitchFamily="34" charset="0"/>
+              <a:buChar char="•"/>
+            </a:pPr>
+            <a:r>
+              <a:rPr lang="de-DE" dirty="0"/>
+              <a:t>Untersuchen von ganzen Modulsträngen</a:t>
+            </a:r>
+          </a:p>
+          <a:p>
+            <a:pPr marL="742950" lvl="1" indent="-285750">
+              <a:buFont typeface="Arial" panose="020B0604020202020204" pitchFamily="34" charset="0"/>
+              <a:buChar char="•"/>
+            </a:pPr>
+            <a:r>
+              <a:rPr lang="de-DE" dirty="0"/>
+              <a:t>Heranziehen von Elektrolumineszenz-untersuchungen</a:t>
+            </a:r>
+          </a:p>
+          <a:p>
+            <a:pPr marL="742950" lvl="1" indent="-285750">
+              <a:buFont typeface="Arial" panose="020B0604020202020204" pitchFamily="34" charset="0"/>
+              <a:buChar char="•"/>
+            </a:pPr>
+            <a:r>
+              <a:rPr lang="de-DE" dirty="0"/>
+              <a:t>Tiefergehende Auswertung als Hellkennlinie</a:t>
+            </a:r>
+          </a:p>
+        </p:txBody>
+      </p:sp>
+      <p:sp>
+        <p:nvSpPr>
+          <p:cNvPr id="14" name="Textfeld 13">
+            <a:extLst>
+              <a:ext uri="{FF2B5EF4-FFF2-40B4-BE49-F238E27FC236}">
+                <a16:creationId xmlns:a16="http://schemas.microsoft.com/office/drawing/2014/main" id="{49CB4C5B-54D1-4670-9320-555C2971CB1E}"/>
+              </a:ext>
+            </a:extLst>
+          </p:cNvPr>
+          <p:cNvSpPr txBox="1"/>
+          <p:nvPr/>
+        </p:nvSpPr>
+        <p:spPr>
+          <a:xfrm>
+            <a:off x="1738554" y="2046662"/>
+            <a:ext cx="2129497" cy="369332"/>
+          </a:xfrm>
+          <a:prstGeom prst="rect">
+            <a:avLst/>
+          </a:prstGeom>
+          <a:noFill/>
+        </p:spPr>
+        <p:txBody>
+          <a:bodyPr wrap="square" rtlCol="0">
+            <a:spAutoFit/>
+          </a:bodyPr>
+          <a:lstStyle/>
+          <a:p>
+            <a:r>
+              <a:rPr lang="de-DE" dirty="0"/>
+              <a:t>Eine Dunkelkennlinie </a:t>
+            </a:r>
+          </a:p>
+        </p:txBody>
+      </p:sp>
+      <p:pic>
+        <p:nvPicPr>
+          <p:cNvPr id="6" name="Grafik 5" descr="Ein Bild, das Text, Karte enthält.&#10;&#10;Automatisch generierte Beschreibung">
+            <a:extLst>
+              <a:ext uri="{FF2B5EF4-FFF2-40B4-BE49-F238E27FC236}">
+                <a16:creationId xmlns:a16="http://schemas.microsoft.com/office/drawing/2014/main" id="{ED2227FB-852B-4294-BDE4-B49BA5BECAD1}"/>
+              </a:ext>
+            </a:extLst>
+          </p:cNvPr>
+          <p:cNvPicPr>
+            <a:picLocks noChangeAspect="1"/>
+          </p:cNvPicPr>
+          <p:nvPr/>
+        </p:nvPicPr>
+        <p:blipFill>
+          <a:blip r:embed="rId2">
+            <a:extLst>
+              <a:ext uri="{28A0092B-C50C-407E-A947-70E740481C1C}">
+                <a14:useLocalDpi xmlns:a14="http://schemas.microsoft.com/office/drawing/2010/main" val="0"/>
+              </a:ext>
+            </a:extLst>
+          </a:blip>
+          <a:stretch>
+            <a:fillRect/>
+          </a:stretch>
+        </p:blipFill>
+        <p:spPr>
+          <a:xfrm>
+            <a:off x="570579" y="2415994"/>
+            <a:ext cx="4974730" cy="3470742"/>
+          </a:xfrm>
+          <a:prstGeom prst="rect">
+            <a:avLst/>
+          </a:prstGeom>
+        </p:spPr>
+      </p:pic>
+      <p:pic>
+        <p:nvPicPr>
+          <p:cNvPr id="8" name="Grafik 7" descr="Ein Bild, das Klavier, sitzend, Bahnhof, Uhr enthält.&#10;&#10;Automatisch generierte Beschreibung">
+            <a:extLst>
+              <a:ext uri="{FF2B5EF4-FFF2-40B4-BE49-F238E27FC236}">
+                <a16:creationId xmlns:a16="http://schemas.microsoft.com/office/drawing/2014/main" id="{978155C3-58CA-42C6-A48A-D4F9A0F91FB9}"/>
+              </a:ext>
+            </a:extLst>
+          </p:cNvPr>
+          <p:cNvPicPr>
+            <a:picLocks noChangeAspect="1"/>
+          </p:cNvPicPr>
+          <p:nvPr/>
+        </p:nvPicPr>
+        <p:blipFill>
+          <a:blip r:embed="rId3">
+            <a:extLst>
+              <a:ext uri="{28A0092B-C50C-407E-A947-70E740481C1C}">
+                <a14:useLocalDpi xmlns:a14="http://schemas.microsoft.com/office/drawing/2010/main" val="0"/>
+              </a:ext>
+            </a:extLst>
+          </a:blip>
+          <a:stretch>
+            <a:fillRect/>
+          </a:stretch>
+        </p:blipFill>
+        <p:spPr>
+          <a:xfrm>
+            <a:off x="7592520" y="4198932"/>
+            <a:ext cx="3349169" cy="1754327"/>
+          </a:xfrm>
+          <a:prstGeom prst="rect">
+            <a:avLst/>
+          </a:prstGeom>
+        </p:spPr>
+      </p:pic>
+      <p:sp>
+        <p:nvSpPr>
+          <p:cNvPr id="9" name="Textfeld 8">
+            <a:extLst>
+              <a:ext uri="{FF2B5EF4-FFF2-40B4-BE49-F238E27FC236}">
+                <a16:creationId xmlns:a16="http://schemas.microsoft.com/office/drawing/2014/main" id="{234374B7-DDA3-4C3B-BFBA-D4D81425FABE}"/>
+              </a:ext>
+            </a:extLst>
+          </p:cNvPr>
+          <p:cNvSpPr txBox="1"/>
+          <p:nvPr/>
+        </p:nvSpPr>
+        <p:spPr>
+          <a:xfrm>
+            <a:off x="6443255" y="6015808"/>
+            <a:ext cx="5647700" cy="215444"/>
+          </a:xfrm>
+          <a:prstGeom prst="rect">
+            <a:avLst/>
+          </a:prstGeom>
+          <a:noFill/>
+        </p:spPr>
+        <p:txBody>
+          <a:bodyPr wrap="none" rtlCol="0">
+            <a:spAutoFit/>
+          </a:bodyPr>
+          <a:lstStyle/>
+          <a:p>
+            <a:r>
+              <a:rPr lang="de-DE" sz="800" dirty="0"/>
+              <a:t>Quelle: https://photovoltaikbuero.de/pv-know-how-blog/was-bringt-eine-kennlinienmessung-bei-der-fehlersuche-an-pv-anlagen/</a:t>
+            </a:r>
+          </a:p>
+        </p:txBody>
+      </p:sp>
+    </p:spTree>
+    <p:extLst>
+      <p:ext uri="{BB962C8B-B14F-4D97-AF65-F5344CB8AC3E}">
+        <p14:creationId xmlns:p14="http://schemas.microsoft.com/office/powerpoint/2010/main" val="2273689914"/>
+      </p:ext>
+    </p:extLst>
+  </p:cSld>
+  <p:clrMapOvr>
+    <a:masterClrMapping/>
+  </p:clrMapOvr>
+</p:sld>
+</file>
+
+<file path=ppt/slides/slide13.xml><?xml version="1.0" encoding="utf-8"?>
+<p:sld xmlns:a="http://schemas.openxmlformats.org/drawingml/2006/main" xmlns:r="http://schemas.openxmlformats.org/officeDocument/2006/relationships" xmlns:p="http://schemas.openxmlformats.org/presentationml/2006/main">
+  <p:cSld>
+    <p:spTree>
+      <p:nvGrpSpPr>
+        <p:cNvPr id="1" name=""/>
+        <p:cNvGrpSpPr/>
+        <p:nvPr/>
+      </p:nvGrpSpPr>
+      <p:grpSpPr>
+        <a:xfrm>
+          <a:off x="0" y="0"/>
+          <a:ext cx="0" cy="0"/>
+          <a:chOff x="0" y="0"/>
+          <a:chExt cx="0" cy="0"/>
+        </a:xfrm>
+      </p:grpSpPr>
+      <p:sp>
+        <p:nvSpPr>
+          <p:cNvPr id="2" name="Title 1">
+            <a:extLst>
+              <a:ext uri="{FF2B5EF4-FFF2-40B4-BE49-F238E27FC236}">
+                <a16:creationId xmlns:a16="http://schemas.microsoft.com/office/drawing/2014/main" id="{4C84315F-315F-4066-9D3A-472733691F27}"/>
+              </a:ext>
+            </a:extLst>
+          </p:cNvPr>
+          <p:cNvSpPr>
+            <a:spLocks noGrp="1"/>
+          </p:cNvSpPr>
+          <p:nvPr>
+            <p:ph type="title"/>
+          </p:nvPr>
+        </p:nvSpPr>
+        <p:spPr>
+          <a:xfrm>
+            <a:off x="838200" y="365125"/>
+            <a:ext cx="10515600" cy="834502"/>
+          </a:xfrm>
+        </p:spPr>
+        <p:txBody>
+          <a:bodyPr>
+            <a:normAutofit fontScale="90000"/>
+          </a:bodyPr>
+          <a:lstStyle/>
+          <a:p>
+            <a:r>
+              <a:rPr lang="de-DE" dirty="0"/>
+              <a:t>Theoretische Grundlagen    - 	Vergleich Nutzen</a:t>
+            </a:r>
+          </a:p>
+        </p:txBody>
+      </p:sp>
+      <p:sp>
+        <p:nvSpPr>
+          <p:cNvPr id="4" name="Footer Placeholder 3">
+            <a:extLst>
+              <a:ext uri="{FF2B5EF4-FFF2-40B4-BE49-F238E27FC236}">
+                <a16:creationId xmlns:a16="http://schemas.microsoft.com/office/drawing/2014/main" id="{0EF7D1E5-7A19-4BA2-8CAA-9135FB90076C}"/>
+              </a:ext>
+            </a:extLst>
+          </p:cNvPr>
+          <p:cNvSpPr>
+            <a:spLocks noGrp="1"/>
+          </p:cNvSpPr>
+          <p:nvPr>
+            <p:ph type="ftr" sz="quarter" idx="11"/>
+          </p:nvPr>
+        </p:nvSpPr>
+        <p:spPr/>
+        <p:txBody>
+          <a:bodyPr/>
+          <a:lstStyle/>
+          <a:p>
+            <a:r>
+              <a:rPr lang="de-DE"/>
+              <a:t>WS19/20 - PV-Modulportal - Rüffer, Vorwerk, Withöft, Zolkin</a:t>
+            </a:r>
+          </a:p>
+        </p:txBody>
+      </p:sp>
+      <p:sp>
+        <p:nvSpPr>
+          <p:cNvPr id="5" name="Slide Number Placeholder 4">
+            <a:extLst>
+              <a:ext uri="{FF2B5EF4-FFF2-40B4-BE49-F238E27FC236}">
+                <a16:creationId xmlns:a16="http://schemas.microsoft.com/office/drawing/2014/main" id="{FAC16E02-623C-4BDA-BAFA-B73797A517FD}"/>
+              </a:ext>
+            </a:extLst>
+          </p:cNvPr>
+          <p:cNvSpPr>
+            <a:spLocks noGrp="1"/>
+          </p:cNvSpPr>
+          <p:nvPr>
+            <p:ph type="sldNum" sz="quarter" idx="12"/>
+          </p:nvPr>
+        </p:nvSpPr>
+        <p:spPr/>
+        <p:txBody>
+          <a:bodyPr/>
+          <a:lstStyle/>
+          <a:p>
+            <a:fld id="{969E759D-A893-4B96-8B48-96EE547EBC41}" type="slidenum">
+              <a:rPr lang="de-DE" smtClean="0"/>
+              <a:t>13</a:t>
+            </a:fld>
+            <a:endParaRPr lang="de-DE"/>
+          </a:p>
+        </p:txBody>
+      </p:sp>
+      <p:sp>
+        <p:nvSpPr>
+          <p:cNvPr id="13" name="Textfeld 12">
+            <a:extLst>
+              <a:ext uri="{FF2B5EF4-FFF2-40B4-BE49-F238E27FC236}">
+                <a16:creationId xmlns:a16="http://schemas.microsoft.com/office/drawing/2014/main" id="{CAB1451E-3CF7-465F-97C3-80760286DFF4}"/>
+              </a:ext>
+            </a:extLst>
+          </p:cNvPr>
+          <p:cNvSpPr txBox="1"/>
+          <p:nvPr/>
+        </p:nvSpPr>
+        <p:spPr>
+          <a:xfrm>
+            <a:off x="838200" y="2485327"/>
+            <a:ext cx="5146730" cy="2585323"/>
+          </a:xfrm>
+          <a:prstGeom prst="rect">
+            <a:avLst/>
+          </a:prstGeom>
+          <a:noFill/>
+        </p:spPr>
+        <p:txBody>
+          <a:bodyPr wrap="square" rtlCol="0">
+            <a:spAutoFit/>
+          </a:bodyPr>
+          <a:lstStyle/>
+          <a:p>
+            <a:pPr marL="285750" indent="-285750">
+              <a:buFont typeface="Arial" panose="020B0604020202020204" pitchFamily="34" charset="0"/>
+              <a:buChar char="•"/>
+            </a:pPr>
+            <a:r>
+              <a:rPr lang="de-DE" dirty="0"/>
+              <a:t>Hilfestellung für Neu- und Noch-Nicht-Kunden</a:t>
+            </a:r>
+          </a:p>
+          <a:p>
+            <a:pPr marL="742950" lvl="1" indent="-285750">
+              <a:buFont typeface="Arial" panose="020B0604020202020204" pitchFamily="34" charset="0"/>
+              <a:buChar char="•"/>
+            </a:pPr>
+            <a:r>
+              <a:rPr lang="de-DE" dirty="0"/>
+              <a:t>Auswahl von Modulen z.B. basierend auf Beliebtheitsgrad</a:t>
+            </a:r>
+          </a:p>
+          <a:p>
+            <a:pPr marL="285750" indent="-285750">
+              <a:buFont typeface="Arial" panose="020B0604020202020204" pitchFamily="34" charset="0"/>
+              <a:buChar char="•"/>
+            </a:pPr>
+            <a:r>
+              <a:rPr lang="de-DE" dirty="0"/>
+              <a:t>Überwachung von Performance über Zeit</a:t>
+            </a:r>
+          </a:p>
+          <a:p>
+            <a:pPr marL="285750" indent="-285750">
+              <a:buFont typeface="Arial" panose="020B0604020202020204" pitchFamily="34" charset="0"/>
+              <a:buChar char="•"/>
+            </a:pPr>
+            <a:r>
+              <a:rPr lang="de-DE" dirty="0"/>
+              <a:t>Community basiert!</a:t>
+            </a:r>
+          </a:p>
+          <a:p>
+            <a:pPr marL="742950" lvl="1" indent="-285750">
+              <a:buFont typeface="Arial" panose="020B0604020202020204" pitchFamily="34" charset="0"/>
+              <a:buChar char="•"/>
+            </a:pPr>
+            <a:r>
+              <a:rPr lang="de-DE" dirty="0"/>
+              <a:t>User laden Kennlinien hoch</a:t>
+            </a:r>
+          </a:p>
+          <a:p>
+            <a:pPr marL="742950" lvl="1" indent="-285750">
+              <a:buFont typeface="Arial" panose="020B0604020202020204" pitchFamily="34" charset="0"/>
+              <a:buChar char="•"/>
+            </a:pPr>
+            <a:r>
+              <a:rPr lang="de-DE" dirty="0"/>
+              <a:t>User kommentieren &amp; beurteilen Module</a:t>
+            </a:r>
+          </a:p>
+          <a:p>
+            <a:pPr marL="742950" lvl="1" indent="-285750">
+              <a:buFont typeface="Arial" panose="020B0604020202020204" pitchFamily="34" charset="0"/>
+              <a:buChar char="•"/>
+            </a:pPr>
+            <a:r>
+              <a:rPr lang="de-DE" dirty="0"/>
+              <a:t>Auch für Q&amp;A geeignet</a:t>
+            </a:r>
+          </a:p>
+          <a:p>
+            <a:pPr marL="285750" indent="-285750">
+              <a:buFont typeface="Arial" panose="020B0604020202020204" pitchFamily="34" charset="0"/>
+              <a:buChar char="•"/>
+            </a:pPr>
+            <a:endParaRPr lang="de-DE" dirty="0"/>
+          </a:p>
+        </p:txBody>
+      </p:sp>
+    </p:spTree>
+    <p:extLst>
+      <p:ext uri="{BB962C8B-B14F-4D97-AF65-F5344CB8AC3E}">
+        <p14:creationId xmlns:p14="http://schemas.microsoft.com/office/powerpoint/2010/main" val="3755965010"/>
+      </p:ext>
+    </p:extLst>
+  </p:cSld>
+  <p:clrMapOvr>
+    <a:masterClrMapping/>
+  </p:clrMapOvr>
+</p:sld>
+</file>
+
+<file path=ppt/slides/slide14.xml><?xml version="1.0" encoding="utf-8"?>
+<p:sld xmlns:a="http://schemas.openxmlformats.org/drawingml/2006/main" xmlns:r="http://schemas.openxmlformats.org/officeDocument/2006/relationships" xmlns:p="http://schemas.openxmlformats.org/presentationml/2006/main">
+  <p:cSld>
+    <p:bg>
+      <p:bgPr>
+        <a:solidFill>
+          <a:schemeClr val="bg1">
+            <a:tint val="95000"/>
+            <a:satMod val="170000"/>
+          </a:schemeClr>
+        </a:solidFill>
+        <a:effectLst/>
+      </p:bgPr>
+    </p:bg>
+    <p:spTree>
+      <p:nvGrpSpPr>
+        <p:cNvPr id="1" name=""/>
+        <p:cNvGrpSpPr/>
+        <p:nvPr/>
+      </p:nvGrpSpPr>
+      <p:grpSpPr>
+        <a:xfrm>
+          <a:off x="0" y="0"/>
+          <a:ext cx="0" cy="0"/>
+          <a:chOff x="0" y="0"/>
+          <a:chExt cx="0" cy="0"/>
+        </a:xfrm>
+      </p:grpSpPr>
+      <p:sp>
+        <p:nvSpPr>
+          <p:cNvPr id="10" name="Freeform: Shape 9">
+            <a:extLst>
+              <a:ext uri="{FF2B5EF4-FFF2-40B4-BE49-F238E27FC236}">
+                <a16:creationId xmlns:a16="http://schemas.microsoft.com/office/drawing/2014/main" id="{66B332A4-D438-4773-A77F-5ED49A448D9D}"/>
+              </a:ext>
+              <a:ext uri="{C183D7F6-B498-43B3-948B-1728B52AA6E4}">
+                <adec:decorative xmlns:adec="http://schemas.microsoft.com/office/drawing/2017/decorative" val="1"/>
+              </a:ext>
+            </a:extLst>
+          </p:cNvPr>
+          <p:cNvSpPr>
+            <a:spLocks noGrp="1" noRot="1" noChangeAspect="1" noMove="1" noResize="1" noEditPoints="1" noAdjustHandles="1" noChangeArrowheads="1" noChangeShapeType="1" noTextEdit="1"/>
+          </p:cNvSpPr>
+          <p:nvPr>
+            <p:extLst>
+              <p:ext uri="{386F3935-93C4-4BCD-93E2-E3B085C9AB24}">
+                <p16:designElem xmlns:p16="http://schemas.microsoft.com/office/powerpoint/2015/main" val="1"/>
+              </p:ext>
+            </p:extLst>
+          </p:nvPr>
+        </p:nvSpPr>
+        <p:spPr>
+          <a:xfrm>
+            <a:off x="1953768" y="0"/>
+            <a:ext cx="8284464" cy="6858000"/>
+          </a:xfrm>
+          <a:custGeom>
+            <a:avLst/>
+            <a:gdLst>
+              <a:gd name="connsiteX0" fmla="*/ 1818109 w 8284464"/>
+              <a:gd name="connsiteY0" fmla="*/ 0 h 6858000"/>
+              <a:gd name="connsiteX1" fmla="*/ 6466355 w 8284464"/>
+              <a:gd name="connsiteY1" fmla="*/ 0 h 6858000"/>
+              <a:gd name="connsiteX2" fmla="*/ 6620596 w 8284464"/>
+              <a:gd name="connsiteY2" fmla="*/ 109683 h 6858000"/>
+              <a:gd name="connsiteX3" fmla="*/ 8284464 w 8284464"/>
+              <a:gd name="connsiteY3" fmla="*/ 3429000 h 6858000"/>
+              <a:gd name="connsiteX4" fmla="*/ 6620596 w 8284464"/>
+              <a:gd name="connsiteY4" fmla="*/ 6748318 h 6858000"/>
+              <a:gd name="connsiteX5" fmla="*/ 6466355 w 8284464"/>
+              <a:gd name="connsiteY5" fmla="*/ 6858000 h 6858000"/>
+              <a:gd name="connsiteX6" fmla="*/ 1818109 w 8284464"/>
+              <a:gd name="connsiteY6" fmla="*/ 6858000 h 6858000"/>
+              <a:gd name="connsiteX7" fmla="*/ 1663869 w 8284464"/>
+              <a:gd name="connsiteY7" fmla="*/ 6748318 h 6858000"/>
+              <a:gd name="connsiteX8" fmla="*/ 0 w 8284464"/>
+              <a:gd name="connsiteY8" fmla="*/ 3429000 h 6858000"/>
+              <a:gd name="connsiteX9" fmla="*/ 1663869 w 8284464"/>
+              <a:gd name="connsiteY9" fmla="*/ 109683 h 6858000"/>
+            </a:gdLst>
+            <a:ahLst/>
+            <a:cxnLst>
+              <a:cxn ang="0">
+                <a:pos x="connsiteX0" y="connsiteY0"/>
+              </a:cxn>
+              <a:cxn ang="0">
+                <a:pos x="connsiteX1" y="connsiteY1"/>
+              </a:cxn>
+              <a:cxn ang="0">
+                <a:pos x="connsiteX2" y="connsiteY2"/>
+              </a:cxn>
+              <a:cxn ang="0">
+                <a:pos x="connsiteX3" y="connsiteY3"/>
+              </a:cxn>
+              <a:cxn ang="0">
+                <a:pos x="connsiteX4" y="connsiteY4"/>
+              </a:cxn>
+              <a:cxn ang="0">
+                <a:pos x="connsiteX5" y="connsiteY5"/>
+              </a:cxn>
+              <a:cxn ang="0">
+                <a:pos x="connsiteX6" y="connsiteY6"/>
+              </a:cxn>
+              <a:cxn ang="0">
+                <a:pos x="connsiteX7" y="connsiteY7"/>
+              </a:cxn>
+              <a:cxn ang="0">
+                <a:pos x="connsiteX8" y="connsiteY8"/>
+              </a:cxn>
+              <a:cxn ang="0">
+                <a:pos x="connsiteX9" y="connsiteY9"/>
+              </a:cxn>
+            </a:cxnLst>
+            <a:rect l="l" t="t" r="r" b="b"/>
+            <a:pathLst>
+              <a:path w="8284464" h="6858000">
+                <a:moveTo>
+                  <a:pt x="1818109" y="0"/>
+                </a:moveTo>
+                <a:lnTo>
+                  <a:pt x="6466355" y="0"/>
+                </a:lnTo>
+                <a:lnTo>
+                  <a:pt x="6620596" y="109683"/>
+                </a:lnTo>
+                <a:cubicBezTo>
+                  <a:pt x="7630666" y="865069"/>
+                  <a:pt x="8284464" y="2070683"/>
+                  <a:pt x="8284464" y="3429000"/>
+                </a:cubicBezTo>
+                <a:cubicBezTo>
+                  <a:pt x="8284464" y="4787317"/>
+                  <a:pt x="7630666" y="5992931"/>
+                  <a:pt x="6620596" y="6748318"/>
+                </a:cubicBezTo>
+                <a:lnTo>
+                  <a:pt x="6466355" y="6858000"/>
+                </a:lnTo>
+                <a:lnTo>
+                  <a:pt x="1818109" y="6858000"/>
+                </a:lnTo>
+                <a:lnTo>
+                  <a:pt x="1663869" y="6748318"/>
+                </a:lnTo>
+                <a:cubicBezTo>
+                  <a:pt x="653798" y="5992931"/>
+                  <a:pt x="0" y="4787317"/>
+                  <a:pt x="0" y="3429000"/>
+                </a:cubicBezTo>
+                <a:cubicBezTo>
+                  <a:pt x="0" y="2070683"/>
+                  <a:pt x="653798" y="865069"/>
+                  <a:pt x="1663869" y="109683"/>
+                </a:cubicBezTo>
+                <a:close/>
+              </a:path>
+            </a:pathLst>
+          </a:custGeom>
+          <a:solidFill>
+            <a:srgbClr val="FFFFFF">
+              <a:alpha val="80000"/>
+            </a:srgbClr>
+          </a:solidFill>
+          <a:ln>
+            <a:noFill/>
+          </a:ln>
+        </p:spPr>
+        <p:style>
+          <a:lnRef idx="2">
+            <a:schemeClr val="accent1">
+              <a:shade val="50000"/>
+            </a:schemeClr>
+          </a:lnRef>
+          <a:fillRef idx="1">
+            <a:schemeClr val="accent1"/>
+          </a:fillRef>
+          <a:effectRef idx="0">
+            <a:schemeClr val="accent1"/>
+          </a:effectRef>
+          <a:fontRef idx="minor">
+            <a:schemeClr val="lt1"/>
+          </a:fontRef>
+        </p:style>
+        <p:txBody>
+          <a:bodyPr wrap="square" rtlCol="0" anchor="ctr">
+            <a:noAutofit/>
+          </a:bodyPr>
+          <a:lstStyle/>
+          <a:p>
+            <a:pPr algn="ctr"/>
+            <a:endParaRPr lang="en-US"/>
+          </a:p>
+        </p:txBody>
+      </p:sp>
+      <p:sp>
+        <p:nvSpPr>
+          <p:cNvPr id="12" name="Freeform: Shape 11">
+            <a:extLst>
+              <a:ext uri="{FF2B5EF4-FFF2-40B4-BE49-F238E27FC236}">
+                <a16:creationId xmlns:a16="http://schemas.microsoft.com/office/drawing/2014/main" id="{DF9AD32D-FF05-44F4-BD4D-9CEE89B71EB9}"/>
+              </a:ext>
+              <a:ext uri="{C183D7F6-B498-43B3-948B-1728B52AA6E4}">
+                <adec:decorative xmlns:adec="http://schemas.microsoft.com/office/drawing/2017/decorative" val="1"/>
+              </a:ext>
+            </a:extLst>
+          </p:cNvPr>
+          <p:cNvSpPr>
+            <a:spLocks noGrp="1" noRot="1" noChangeAspect="1" noMove="1" noResize="1" noEditPoints="1" noAdjustHandles="1" noChangeArrowheads="1" noChangeShapeType="1" noTextEdit="1"/>
+          </p:cNvSpPr>
+          <p:nvPr>
+            <p:extLst>
+              <p:ext uri="{386F3935-93C4-4BCD-93E2-E3B085C9AB24}">
+                <p16:designElem xmlns:p16="http://schemas.microsoft.com/office/powerpoint/2015/main" val="1"/>
+              </p:ext>
+            </p:extLst>
+          </p:nvPr>
+        </p:nvSpPr>
+        <p:spPr>
+          <a:xfrm>
+            <a:off x="2118360" y="0"/>
+            <a:ext cx="7955280" cy="6858000"/>
+          </a:xfrm>
+          <a:custGeom>
+            <a:avLst/>
+            <a:gdLst>
+              <a:gd name="connsiteX0" fmla="*/ 1962423 w 7955280"/>
+              <a:gd name="connsiteY0" fmla="*/ 0 h 6858000"/>
+              <a:gd name="connsiteX1" fmla="*/ 5992858 w 7955280"/>
+              <a:gd name="connsiteY1" fmla="*/ 0 h 6858000"/>
+              <a:gd name="connsiteX2" fmla="*/ 6040191 w 7955280"/>
+              <a:gd name="connsiteY2" fmla="*/ 27216 h 6858000"/>
+              <a:gd name="connsiteX3" fmla="*/ 7955280 w 7955280"/>
+              <a:gd name="connsiteY3" fmla="*/ 3429000 h 6858000"/>
+              <a:gd name="connsiteX4" fmla="*/ 6040191 w 7955280"/>
+              <a:gd name="connsiteY4" fmla="*/ 6830784 h 6858000"/>
+              <a:gd name="connsiteX5" fmla="*/ 5992858 w 7955280"/>
+              <a:gd name="connsiteY5" fmla="*/ 6858000 h 6858000"/>
+              <a:gd name="connsiteX6" fmla="*/ 1962423 w 7955280"/>
+              <a:gd name="connsiteY6" fmla="*/ 6858000 h 6858000"/>
+              <a:gd name="connsiteX7" fmla="*/ 1915089 w 7955280"/>
+              <a:gd name="connsiteY7" fmla="*/ 6830784 h 6858000"/>
+              <a:gd name="connsiteX8" fmla="*/ 0 w 7955280"/>
+              <a:gd name="connsiteY8" fmla="*/ 3429000 h 6858000"/>
+              <a:gd name="connsiteX9" fmla="*/ 1915089 w 7955280"/>
+              <a:gd name="connsiteY9" fmla="*/ 27216 h 6858000"/>
+            </a:gdLst>
+            <a:ahLst/>
+            <a:cxnLst>
+              <a:cxn ang="0">
+                <a:pos x="connsiteX0" y="connsiteY0"/>
+              </a:cxn>
+              <a:cxn ang="0">
+                <a:pos x="connsiteX1" y="connsiteY1"/>
+              </a:cxn>
+              <a:cxn ang="0">
+                <a:pos x="connsiteX2" y="connsiteY2"/>
+              </a:cxn>
+              <a:cxn ang="0">
+                <a:pos x="connsiteX3" y="connsiteY3"/>
+              </a:cxn>
+              <a:cxn ang="0">
+                <a:pos x="connsiteX4" y="connsiteY4"/>
+              </a:cxn>
+              <a:cxn ang="0">
+                <a:pos x="connsiteX5" y="connsiteY5"/>
+              </a:cxn>
+              <a:cxn ang="0">
+                <a:pos x="connsiteX6" y="connsiteY6"/>
+              </a:cxn>
+              <a:cxn ang="0">
+                <a:pos x="connsiteX7" y="connsiteY7"/>
+              </a:cxn>
+              <a:cxn ang="0">
+                <a:pos x="connsiteX8" y="connsiteY8"/>
+              </a:cxn>
+              <a:cxn ang="0">
+                <a:pos x="connsiteX9" y="connsiteY9"/>
+              </a:cxn>
+            </a:cxnLst>
+            <a:rect l="l" t="t" r="r" b="b"/>
+            <a:pathLst>
+              <a:path w="7955280" h="6858000">
+                <a:moveTo>
+                  <a:pt x="1962423" y="0"/>
+                </a:moveTo>
+                <a:lnTo>
+                  <a:pt x="5992858" y="0"/>
+                </a:lnTo>
+                <a:lnTo>
+                  <a:pt x="6040191" y="27216"/>
+                </a:lnTo>
+                <a:cubicBezTo>
+                  <a:pt x="7188332" y="724844"/>
+                  <a:pt x="7955280" y="1987357"/>
+                  <a:pt x="7955280" y="3429000"/>
+                </a:cubicBezTo>
+                <a:cubicBezTo>
+                  <a:pt x="7955280" y="4870644"/>
+                  <a:pt x="7188332" y="6133157"/>
+                  <a:pt x="6040191" y="6830784"/>
+                </a:cubicBezTo>
+                <a:lnTo>
+                  <a:pt x="5992858" y="6858000"/>
+                </a:lnTo>
+                <a:lnTo>
+                  <a:pt x="1962423" y="6858000"/>
+                </a:lnTo>
+                <a:lnTo>
+                  <a:pt x="1915089" y="6830784"/>
+                </a:lnTo>
+                <a:cubicBezTo>
+                  <a:pt x="766948" y="6133157"/>
+                  <a:pt x="0" y="4870644"/>
+                  <a:pt x="0" y="3429000"/>
+                </a:cubicBezTo>
+                <a:cubicBezTo>
+                  <a:pt x="0" y="1987357"/>
+                  <a:pt x="766948" y="724844"/>
+                  <a:pt x="1915089" y="27216"/>
+                </a:cubicBezTo>
+                <a:close/>
+              </a:path>
+            </a:pathLst>
+          </a:custGeom>
+          <a:solidFill>
+            <a:schemeClr val="tx1"/>
+          </a:solidFill>
+          <a:ln>
+            <a:noFill/>
+          </a:ln>
+        </p:spPr>
+        <p:style>
+          <a:lnRef idx="2">
+            <a:schemeClr val="accent1">
+              <a:shade val="50000"/>
+            </a:schemeClr>
+          </a:lnRef>
+          <a:fillRef idx="1">
+            <a:schemeClr val="accent1"/>
+          </a:fillRef>
+          <a:effectRef idx="0">
+            <a:schemeClr val="accent1"/>
+          </a:effectRef>
+          <a:fontRef idx="minor">
+            <a:schemeClr val="lt1"/>
+          </a:fontRef>
+        </p:style>
+        <p:txBody>
+          <a:bodyPr wrap="square" rtlCol="0" anchor="ctr">
+            <a:noAutofit/>
+          </a:bodyPr>
+          <a:lstStyle/>
+          <a:p>
+            <a:pPr algn="ctr"/>
+            <a:endParaRPr lang="en-US"/>
+          </a:p>
+        </p:txBody>
+      </p:sp>
+      <p:sp>
+        <p:nvSpPr>
+          <p:cNvPr id="2" name="Title 1">
+            <a:extLst>
+              <a:ext uri="{FF2B5EF4-FFF2-40B4-BE49-F238E27FC236}">
+                <a16:creationId xmlns:a16="http://schemas.microsoft.com/office/drawing/2014/main" id="{4C84315F-315F-4066-9D3A-472733691F27}"/>
+              </a:ext>
+            </a:extLst>
+          </p:cNvPr>
+          <p:cNvSpPr>
+            <a:spLocks noGrp="1"/>
+          </p:cNvSpPr>
+          <p:nvPr>
+            <p:ph type="title"/>
+          </p:nvPr>
+        </p:nvSpPr>
+        <p:spPr>
+          <a:xfrm>
+            <a:off x="2555631" y="1441938"/>
+            <a:ext cx="7080738" cy="3974124"/>
+          </a:xfrm>
+        </p:spPr>
+        <p:txBody>
+          <a:bodyPr vert="horz" lIns="91440" tIns="45720" rIns="91440" bIns="45720" rtlCol="0" anchor="ctr">
+            <a:normAutofit/>
+          </a:bodyPr>
+          <a:lstStyle/>
+          <a:p>
+            <a:pPr algn="ctr"/>
+            <a:r>
+              <a:rPr lang="en-US" sz="5400" dirty="0" err="1">
+                <a:solidFill>
+                  <a:schemeClr val="bg1">
+                    <a:lumMod val="95000"/>
+                    <a:lumOff val="5000"/>
+                  </a:schemeClr>
+                </a:solidFill>
+              </a:rPr>
+              <a:t>Konzeptionelle</a:t>
+            </a:r>
+            <a:r>
+              <a:rPr lang="en-US" sz="5400" dirty="0">
+                <a:solidFill>
+                  <a:schemeClr val="bg1">
+                    <a:lumMod val="95000"/>
+                    <a:lumOff val="5000"/>
+                  </a:schemeClr>
+                </a:solidFill>
+              </a:rPr>
+              <a:t> </a:t>
+            </a:r>
+            <a:r>
+              <a:rPr lang="en-US" sz="5400" dirty="0" err="1">
+                <a:solidFill>
+                  <a:schemeClr val="bg1">
+                    <a:lumMod val="95000"/>
+                    <a:lumOff val="5000"/>
+                  </a:schemeClr>
+                </a:solidFill>
+              </a:rPr>
+              <a:t>Arbeiten</a:t>
+            </a:r>
+            <a:endParaRPr lang="en-US" sz="5400" dirty="0">
+              <a:solidFill>
+                <a:schemeClr val="bg1">
+                  <a:lumMod val="95000"/>
+                  <a:lumOff val="5000"/>
+                </a:schemeClr>
+              </a:solidFill>
+            </a:endParaRPr>
+          </a:p>
+        </p:txBody>
+      </p:sp>
+      <p:sp>
+        <p:nvSpPr>
+          <p:cNvPr id="4" name="Footer Placeholder 3">
+            <a:extLst>
+              <a:ext uri="{FF2B5EF4-FFF2-40B4-BE49-F238E27FC236}">
+                <a16:creationId xmlns:a16="http://schemas.microsoft.com/office/drawing/2014/main" id="{0EF7D1E5-7A19-4BA2-8CAA-9135FB90076C}"/>
+              </a:ext>
+            </a:extLst>
+          </p:cNvPr>
+          <p:cNvSpPr>
+            <a:spLocks noGrp="1"/>
+          </p:cNvSpPr>
+          <p:nvPr>
+            <p:ph type="ftr" sz="quarter" idx="11"/>
+          </p:nvPr>
+        </p:nvSpPr>
+        <p:spPr>
+          <a:xfrm>
+            <a:off x="3892062" y="6199632"/>
+            <a:ext cx="4407876" cy="365125"/>
+          </a:xfrm>
+        </p:spPr>
+        <p:txBody>
+          <a:bodyPr vert="horz" lIns="91440" tIns="45720" rIns="91440" bIns="45720" rtlCol="0" anchor="ctr">
+            <a:normAutofit/>
+          </a:bodyPr>
+          <a:lstStyle/>
+          <a:p>
+            <a:pPr defTabSz="457200">
+              <a:spcAft>
+                <a:spcPts val="600"/>
+              </a:spcAft>
+            </a:pPr>
+            <a:r>
+              <a:rPr lang="en-US" sz="1100" kern="1200">
+                <a:solidFill>
+                  <a:schemeClr val="bg1">
+                    <a:alpha val="80000"/>
+                  </a:schemeClr>
+                </a:solidFill>
+                <a:latin typeface="+mn-lt"/>
+                <a:ea typeface="+mn-ea"/>
+                <a:cs typeface="+mn-cs"/>
+              </a:rPr>
+              <a:t>WS19/20 - PV-Modulportal - Rüffer, Vorwerk, Withöft, Zolkin</a:t>
+            </a:r>
+          </a:p>
+        </p:txBody>
+      </p:sp>
+      <p:sp>
+        <p:nvSpPr>
+          <p:cNvPr id="5" name="Slide Number Placeholder 4">
+            <a:extLst>
+              <a:ext uri="{FF2B5EF4-FFF2-40B4-BE49-F238E27FC236}">
+                <a16:creationId xmlns:a16="http://schemas.microsoft.com/office/drawing/2014/main" id="{FAC16E02-623C-4BDA-BAFA-B73797A517FD}"/>
+              </a:ext>
+            </a:extLst>
+          </p:cNvPr>
+          <p:cNvSpPr>
+            <a:spLocks noGrp="1"/>
+          </p:cNvSpPr>
+          <p:nvPr>
+            <p:ph type="sldNum" sz="quarter" idx="12"/>
+          </p:nvPr>
+        </p:nvSpPr>
+        <p:spPr>
+          <a:xfrm>
+            <a:off x="11000232" y="6108192"/>
+            <a:ext cx="548640" cy="548640"/>
+          </a:xfrm>
+          <a:prstGeom prst="ellipse">
+            <a:avLst/>
+          </a:prstGeom>
+          <a:solidFill>
+            <a:srgbClr val="7F7F7F"/>
+          </a:solidFill>
+        </p:spPr>
+        <p:txBody>
+          <a:bodyPr vert="horz" lIns="91440" tIns="45720" rIns="91440" bIns="45720" rtlCol="0" anchor="ctr">
+            <a:normAutofit/>
+          </a:bodyPr>
+          <a:lstStyle/>
+          <a:p>
+            <a:pPr algn="ctr" defTabSz="457200">
+              <a:spcAft>
+                <a:spcPts val="600"/>
+              </a:spcAft>
+            </a:pPr>
+            <a:fld id="{969E759D-A893-4B96-8B48-96EE547EBC41}" type="slidenum">
+              <a:rPr lang="en-US" sz="1500">
+                <a:solidFill>
+                  <a:srgbClr val="FFFFFF"/>
+                </a:solidFill>
+              </a:rPr>
+              <a:pPr algn="ctr" defTabSz="457200">
+                <a:spcAft>
+                  <a:spcPts val="600"/>
+                </a:spcAft>
+              </a:pPr>
+              <a:t>14</a:t>
+            </a:fld>
+            <a:endParaRPr lang="en-US" sz="1500">
+              <a:solidFill>
+                <a:srgbClr val="FFFFFF"/>
+              </a:solidFill>
+            </a:endParaRPr>
+          </a:p>
+        </p:txBody>
+      </p:sp>
+    </p:spTree>
+    <p:extLst>
+      <p:ext uri="{BB962C8B-B14F-4D97-AF65-F5344CB8AC3E}">
+        <p14:creationId xmlns:p14="http://schemas.microsoft.com/office/powerpoint/2010/main" val="4065161698"/>
+      </p:ext>
+    </p:extLst>
+  </p:cSld>
+  <p:clrMapOvr>
+    <a:overrideClrMapping bg1="dk1" tx1="lt1" bg2="dk2" tx2="lt2" accent1="accent1" accent2="accent2" accent3="accent3" accent4="accent4" accent5="accent5" accent6="accent6" hlink="hlink" folHlink="folHlink"/>
+  </p:clrMapOvr>
+</p:sld>
+</file>
+
+<file path=ppt/slides/slide15.xml><?xml version="1.0" encoding="utf-8"?>
+<p:sld xmlns:a="http://schemas.openxmlformats.org/drawingml/2006/main" xmlns:r="http://schemas.openxmlformats.org/officeDocument/2006/relationships" xmlns:p="http://schemas.openxmlformats.org/presentationml/2006/main">
+  <p:cSld>
+    <p:spTree>
+      <p:nvGrpSpPr>
+        <p:cNvPr id="1" name=""/>
+        <p:cNvGrpSpPr/>
+        <p:nvPr/>
+      </p:nvGrpSpPr>
+      <p:grpSpPr>
+        <a:xfrm>
+          <a:off x="0" y="0"/>
+          <a:ext cx="0" cy="0"/>
+          <a:chOff x="0" y="0"/>
+          <a:chExt cx="0" cy="0"/>
+        </a:xfrm>
+      </p:grpSpPr>
+      <p:sp>
+        <p:nvSpPr>
+          <p:cNvPr id="2" name="Title 1">
+            <a:extLst>
+              <a:ext uri="{FF2B5EF4-FFF2-40B4-BE49-F238E27FC236}">
+                <a16:creationId xmlns:a16="http://schemas.microsoft.com/office/drawing/2014/main" id="{4C84315F-315F-4066-9D3A-472733691F27}"/>
+              </a:ext>
+            </a:extLst>
+          </p:cNvPr>
+          <p:cNvSpPr>
+            <a:spLocks noGrp="1"/>
+          </p:cNvSpPr>
+          <p:nvPr>
+            <p:ph type="title"/>
+          </p:nvPr>
+        </p:nvSpPr>
+        <p:spPr>
+          <a:xfrm>
+            <a:off x="838200" y="365125"/>
+            <a:ext cx="10515600" cy="834502"/>
+          </a:xfrm>
+        </p:spPr>
+        <p:txBody>
+          <a:bodyPr>
+            <a:normAutofit fontScale="90000"/>
+          </a:bodyPr>
+          <a:lstStyle/>
+          <a:p>
+            <a:r>
+              <a:rPr lang="de-DE" dirty="0"/>
+              <a:t>Konzeptionelle Arbeiten  - 	Suche &amp; View </a:t>
+            </a:r>
+            <a:r>
+              <a:rPr lang="de-DE" dirty="0" err="1"/>
+              <a:t>Requests</a:t>
+            </a:r>
+            <a:endParaRPr lang="de-DE" dirty="0"/>
+          </a:p>
+        </p:txBody>
+      </p:sp>
+      <p:sp>
+        <p:nvSpPr>
+          <p:cNvPr id="4" name="Footer Placeholder 3">
+            <a:extLst>
+              <a:ext uri="{FF2B5EF4-FFF2-40B4-BE49-F238E27FC236}">
+                <a16:creationId xmlns:a16="http://schemas.microsoft.com/office/drawing/2014/main" id="{0EF7D1E5-7A19-4BA2-8CAA-9135FB90076C}"/>
+              </a:ext>
+            </a:extLst>
+          </p:cNvPr>
+          <p:cNvSpPr>
+            <a:spLocks noGrp="1"/>
+          </p:cNvSpPr>
+          <p:nvPr>
+            <p:ph type="ftr" sz="quarter" idx="11"/>
+          </p:nvPr>
+        </p:nvSpPr>
+        <p:spPr/>
+        <p:txBody>
+          <a:bodyPr/>
+          <a:lstStyle/>
+          <a:p>
+            <a:r>
+              <a:rPr lang="de-DE"/>
+              <a:t>WS19/20 - PV-Modulportal - Rüffer, Vorwerk, Withöft, Zolkin</a:t>
+            </a:r>
+          </a:p>
+        </p:txBody>
+      </p:sp>
+      <p:sp>
+        <p:nvSpPr>
+          <p:cNvPr id="5" name="Slide Number Placeholder 4">
+            <a:extLst>
+              <a:ext uri="{FF2B5EF4-FFF2-40B4-BE49-F238E27FC236}">
+                <a16:creationId xmlns:a16="http://schemas.microsoft.com/office/drawing/2014/main" id="{FAC16E02-623C-4BDA-BAFA-B73797A517FD}"/>
+              </a:ext>
+            </a:extLst>
+          </p:cNvPr>
+          <p:cNvSpPr>
+            <a:spLocks noGrp="1"/>
+          </p:cNvSpPr>
+          <p:nvPr>
+            <p:ph type="sldNum" sz="quarter" idx="12"/>
+          </p:nvPr>
+        </p:nvSpPr>
+        <p:spPr/>
+        <p:txBody>
+          <a:bodyPr/>
+          <a:lstStyle/>
+          <a:p>
+            <a:fld id="{969E759D-A893-4B96-8B48-96EE547EBC41}" type="slidenum">
+              <a:rPr lang="de-DE" smtClean="0"/>
+              <a:t>15</a:t>
+            </a:fld>
+            <a:endParaRPr lang="de-DE"/>
+          </a:p>
+        </p:txBody>
+      </p:sp>
+      <p:pic>
+        <p:nvPicPr>
+          <p:cNvPr id="7" name="Grafik 6" descr="Ein Bild, das Screenshot enthält.&#10;&#10;Automatisch generierte Beschreibung">
+            <a:extLst>
+              <a:ext uri="{FF2B5EF4-FFF2-40B4-BE49-F238E27FC236}">
+                <a16:creationId xmlns:a16="http://schemas.microsoft.com/office/drawing/2014/main" id="{D06E810E-9F9E-40B3-B461-BB65BB2F7429}"/>
+              </a:ext>
+            </a:extLst>
+          </p:cNvPr>
+          <p:cNvPicPr>
+            <a:picLocks noChangeAspect="1"/>
+          </p:cNvPicPr>
+          <p:nvPr/>
+        </p:nvPicPr>
+        <p:blipFill>
+          <a:blip r:embed="rId2">
+            <a:extLst>
+              <a:ext uri="{28A0092B-C50C-407E-A947-70E740481C1C}">
+                <a14:useLocalDpi xmlns:a14="http://schemas.microsoft.com/office/drawing/2010/main" val="0"/>
+              </a:ext>
+            </a:extLst>
+          </a:blip>
+          <a:stretch>
+            <a:fillRect/>
+          </a:stretch>
+        </p:blipFill>
+        <p:spPr>
+          <a:xfrm>
+            <a:off x="463099" y="1301227"/>
+            <a:ext cx="11265802" cy="4637755"/>
+          </a:xfrm>
+          <a:prstGeom prst="rect">
+            <a:avLst/>
+          </a:prstGeom>
+        </p:spPr>
+      </p:pic>
+    </p:spTree>
+    <p:extLst>
+      <p:ext uri="{BB962C8B-B14F-4D97-AF65-F5344CB8AC3E}">
+        <p14:creationId xmlns:p14="http://schemas.microsoft.com/office/powerpoint/2010/main" val="1350502402"/>
+      </p:ext>
+    </p:extLst>
+  </p:cSld>
+  <p:clrMapOvr>
+    <a:masterClrMapping/>
+  </p:clrMapOvr>
+</p:sld>
+</file>
+
+<file path=ppt/slides/slide16.xml><?xml version="1.0" encoding="utf-8"?>
+<p:sld xmlns:a="http://schemas.openxmlformats.org/drawingml/2006/main" xmlns:r="http://schemas.openxmlformats.org/officeDocument/2006/relationships" xmlns:p="http://schemas.openxmlformats.org/presentationml/2006/main">
+  <p:cSld>
+    <p:spTree>
+      <p:nvGrpSpPr>
+        <p:cNvPr id="1" name=""/>
+        <p:cNvGrpSpPr/>
+        <p:nvPr/>
+      </p:nvGrpSpPr>
+      <p:grpSpPr>
+        <a:xfrm>
+          <a:off x="0" y="0"/>
+          <a:ext cx="0" cy="0"/>
+          <a:chOff x="0" y="0"/>
+          <a:chExt cx="0" cy="0"/>
+        </a:xfrm>
+      </p:grpSpPr>
+      <p:sp>
+        <p:nvSpPr>
+          <p:cNvPr id="2" name="Title 1">
+            <a:extLst>
+              <a:ext uri="{FF2B5EF4-FFF2-40B4-BE49-F238E27FC236}">
+                <a16:creationId xmlns:a16="http://schemas.microsoft.com/office/drawing/2014/main" id="{4C84315F-315F-4066-9D3A-472733691F27}"/>
+              </a:ext>
+            </a:extLst>
+          </p:cNvPr>
+          <p:cNvSpPr>
+            <a:spLocks noGrp="1"/>
+          </p:cNvSpPr>
+          <p:nvPr>
+            <p:ph type="title"/>
+          </p:nvPr>
+        </p:nvSpPr>
+        <p:spPr>
+          <a:xfrm>
+            <a:off x="838200" y="365125"/>
+            <a:ext cx="10515600" cy="834502"/>
+          </a:xfrm>
+        </p:spPr>
+        <p:txBody>
+          <a:bodyPr>
+            <a:normAutofit/>
+          </a:bodyPr>
+          <a:lstStyle/>
+          <a:p>
+            <a:r>
+              <a:rPr lang="de-DE" dirty="0"/>
+              <a:t>Konzeptionelle Arbeiten   - 	Kommentare</a:t>
+            </a:r>
+          </a:p>
+        </p:txBody>
+      </p:sp>
+      <p:sp>
+        <p:nvSpPr>
+          <p:cNvPr id="4" name="Footer Placeholder 3">
+            <a:extLst>
+              <a:ext uri="{FF2B5EF4-FFF2-40B4-BE49-F238E27FC236}">
+                <a16:creationId xmlns:a16="http://schemas.microsoft.com/office/drawing/2014/main" id="{0EF7D1E5-7A19-4BA2-8CAA-9135FB90076C}"/>
+              </a:ext>
+            </a:extLst>
+          </p:cNvPr>
+          <p:cNvSpPr>
+            <a:spLocks noGrp="1"/>
+          </p:cNvSpPr>
+          <p:nvPr>
+            <p:ph type="ftr" sz="quarter" idx="11"/>
+          </p:nvPr>
+        </p:nvSpPr>
+        <p:spPr/>
+        <p:txBody>
+          <a:bodyPr/>
+          <a:lstStyle/>
+          <a:p>
+            <a:r>
+              <a:rPr lang="de-DE"/>
+              <a:t>WS19/20 - PV-Modulportal - Rüffer, Vorwerk, Withöft, Zolkin</a:t>
+            </a:r>
+          </a:p>
+        </p:txBody>
+      </p:sp>
+      <p:sp>
+        <p:nvSpPr>
+          <p:cNvPr id="5" name="Slide Number Placeholder 4">
+            <a:extLst>
+              <a:ext uri="{FF2B5EF4-FFF2-40B4-BE49-F238E27FC236}">
+                <a16:creationId xmlns:a16="http://schemas.microsoft.com/office/drawing/2014/main" id="{FAC16E02-623C-4BDA-BAFA-B73797A517FD}"/>
+              </a:ext>
+            </a:extLst>
+          </p:cNvPr>
+          <p:cNvSpPr>
+            <a:spLocks noGrp="1"/>
+          </p:cNvSpPr>
+          <p:nvPr>
+            <p:ph type="sldNum" sz="quarter" idx="12"/>
+          </p:nvPr>
+        </p:nvSpPr>
+        <p:spPr/>
+        <p:txBody>
+          <a:bodyPr/>
+          <a:lstStyle/>
+          <a:p>
+            <a:fld id="{969E759D-A893-4B96-8B48-96EE547EBC41}" type="slidenum">
+              <a:rPr lang="de-DE" smtClean="0"/>
+              <a:t>16</a:t>
+            </a:fld>
+            <a:endParaRPr lang="de-DE"/>
+          </a:p>
+        </p:txBody>
+      </p:sp>
+      <p:pic>
+        <p:nvPicPr>
+          <p:cNvPr id="9" name="Grafik 8" descr="Ein Bild, das Screenshot enthält.&#10;&#10;Automatisch generierte Beschreibung">
+            <a:extLst>
+              <a:ext uri="{FF2B5EF4-FFF2-40B4-BE49-F238E27FC236}">
+                <a16:creationId xmlns:a16="http://schemas.microsoft.com/office/drawing/2014/main" id="{1CF22820-0D34-45D3-8819-BF095251084E}"/>
+              </a:ext>
+            </a:extLst>
+          </p:cNvPr>
+          <p:cNvPicPr>
+            <a:picLocks noChangeAspect="1"/>
+          </p:cNvPicPr>
+          <p:nvPr/>
+        </p:nvPicPr>
+        <p:blipFill>
+          <a:blip r:embed="rId2">
+            <a:extLst>
+              <a:ext uri="{28A0092B-C50C-407E-A947-70E740481C1C}">
+                <a14:useLocalDpi xmlns:a14="http://schemas.microsoft.com/office/drawing/2010/main" val="0"/>
+              </a:ext>
+            </a:extLst>
+          </a:blip>
+          <a:stretch>
+            <a:fillRect/>
+          </a:stretch>
+        </p:blipFill>
+        <p:spPr>
+          <a:xfrm>
+            <a:off x="1283854" y="1199627"/>
+            <a:ext cx="9624291" cy="4741242"/>
+          </a:xfrm>
+          <a:prstGeom prst="rect">
+            <a:avLst/>
+          </a:prstGeom>
+        </p:spPr>
+      </p:pic>
+    </p:spTree>
+    <p:extLst>
+      <p:ext uri="{BB962C8B-B14F-4D97-AF65-F5344CB8AC3E}">
+        <p14:creationId xmlns:p14="http://schemas.microsoft.com/office/powerpoint/2010/main" val="2135619852"/>
+      </p:ext>
+    </p:extLst>
+  </p:cSld>
+  <p:clrMapOvr>
+    <a:masterClrMapping/>
+  </p:clrMapOvr>
+</p:sld>
+</file>
+
+<file path=ppt/slides/slide17.xml><?xml version="1.0" encoding="utf-8"?>
+<p:sld xmlns:a="http://schemas.openxmlformats.org/drawingml/2006/main" xmlns:r="http://schemas.openxmlformats.org/officeDocument/2006/relationships" xmlns:p="http://schemas.openxmlformats.org/presentationml/2006/main">
+  <p:cSld>
+    <p:spTree>
+      <p:nvGrpSpPr>
+        <p:cNvPr id="1" name=""/>
+        <p:cNvGrpSpPr/>
+        <p:nvPr/>
+      </p:nvGrpSpPr>
+      <p:grpSpPr>
+        <a:xfrm>
+          <a:off x="0" y="0"/>
+          <a:ext cx="0" cy="0"/>
+          <a:chOff x="0" y="0"/>
+          <a:chExt cx="0" cy="0"/>
+        </a:xfrm>
+      </p:grpSpPr>
+      <p:sp>
+        <p:nvSpPr>
+          <p:cNvPr id="2" name="Title 1">
+            <a:extLst>
+              <a:ext uri="{FF2B5EF4-FFF2-40B4-BE49-F238E27FC236}">
+                <a16:creationId xmlns:a16="http://schemas.microsoft.com/office/drawing/2014/main" id="{4C84315F-315F-4066-9D3A-472733691F27}"/>
+              </a:ext>
+            </a:extLst>
+          </p:cNvPr>
+          <p:cNvSpPr>
+            <a:spLocks noGrp="1"/>
+          </p:cNvSpPr>
+          <p:nvPr>
+            <p:ph type="title"/>
+          </p:nvPr>
+        </p:nvSpPr>
+        <p:spPr>
+          <a:xfrm>
+            <a:off x="838200" y="365125"/>
+            <a:ext cx="10515600" cy="834502"/>
+          </a:xfrm>
+        </p:spPr>
+        <p:txBody>
+          <a:bodyPr>
+            <a:normAutofit/>
+          </a:bodyPr>
+          <a:lstStyle/>
+          <a:p>
+            <a:r>
+              <a:rPr lang="de-DE" dirty="0"/>
+              <a:t>Konzeptionelle Arbeiten   - 	Medien</a:t>
+            </a:r>
+          </a:p>
+        </p:txBody>
+      </p:sp>
+      <p:sp>
+        <p:nvSpPr>
+          <p:cNvPr id="4" name="Footer Placeholder 3">
+            <a:extLst>
+              <a:ext uri="{FF2B5EF4-FFF2-40B4-BE49-F238E27FC236}">
+                <a16:creationId xmlns:a16="http://schemas.microsoft.com/office/drawing/2014/main" id="{0EF7D1E5-7A19-4BA2-8CAA-9135FB90076C}"/>
+              </a:ext>
+            </a:extLst>
+          </p:cNvPr>
+          <p:cNvSpPr>
+            <a:spLocks noGrp="1"/>
+          </p:cNvSpPr>
+          <p:nvPr>
+            <p:ph type="ftr" sz="quarter" idx="11"/>
+          </p:nvPr>
+        </p:nvSpPr>
+        <p:spPr/>
+        <p:txBody>
+          <a:bodyPr/>
+          <a:lstStyle/>
+          <a:p>
+            <a:r>
+              <a:rPr lang="de-DE"/>
+              <a:t>WS19/20 - PV-Modulportal - Rüffer, Vorwerk, Withöft, Zolkin</a:t>
+            </a:r>
+          </a:p>
+        </p:txBody>
+      </p:sp>
+      <p:sp>
+        <p:nvSpPr>
+          <p:cNvPr id="5" name="Slide Number Placeholder 4">
+            <a:extLst>
+              <a:ext uri="{FF2B5EF4-FFF2-40B4-BE49-F238E27FC236}">
+                <a16:creationId xmlns:a16="http://schemas.microsoft.com/office/drawing/2014/main" id="{FAC16E02-623C-4BDA-BAFA-B73797A517FD}"/>
+              </a:ext>
+            </a:extLst>
+          </p:cNvPr>
+          <p:cNvSpPr>
+            <a:spLocks noGrp="1"/>
+          </p:cNvSpPr>
+          <p:nvPr>
+            <p:ph type="sldNum" sz="quarter" idx="12"/>
+          </p:nvPr>
+        </p:nvSpPr>
+        <p:spPr/>
+        <p:txBody>
+          <a:bodyPr/>
+          <a:lstStyle/>
+          <a:p>
+            <a:fld id="{969E759D-A893-4B96-8B48-96EE547EBC41}" type="slidenum">
+              <a:rPr lang="de-DE" smtClean="0"/>
+              <a:t>17</a:t>
+            </a:fld>
+            <a:endParaRPr lang="de-DE"/>
+          </a:p>
+        </p:txBody>
+      </p:sp>
+      <p:pic>
+        <p:nvPicPr>
+          <p:cNvPr id="6" name="Grafik 5" descr="Ein Bild, das Screenshot enthält.&#10;&#10;Automatisch generierte Beschreibung">
+            <a:extLst>
+              <a:ext uri="{FF2B5EF4-FFF2-40B4-BE49-F238E27FC236}">
+                <a16:creationId xmlns:a16="http://schemas.microsoft.com/office/drawing/2014/main" id="{D3804517-A1AB-4647-A2F4-4B145C958491}"/>
+              </a:ext>
+            </a:extLst>
+          </p:cNvPr>
+          <p:cNvPicPr>
+            <a:picLocks noChangeAspect="1"/>
+          </p:cNvPicPr>
+          <p:nvPr/>
+        </p:nvPicPr>
+        <p:blipFill>
+          <a:blip r:embed="rId2">
+            <a:extLst>
+              <a:ext uri="{28A0092B-C50C-407E-A947-70E740481C1C}">
+                <a14:useLocalDpi xmlns:a14="http://schemas.microsoft.com/office/drawing/2010/main" val="0"/>
+              </a:ext>
+            </a:extLst>
+          </a:blip>
+          <a:stretch>
+            <a:fillRect/>
+          </a:stretch>
+        </p:blipFill>
+        <p:spPr>
+          <a:xfrm>
+            <a:off x="1850772" y="1199627"/>
+            <a:ext cx="8490456" cy="5010417"/>
+          </a:xfrm>
+          <a:prstGeom prst="rect">
+            <a:avLst/>
+          </a:prstGeom>
+        </p:spPr>
+      </p:pic>
+    </p:spTree>
+    <p:extLst>
+      <p:ext uri="{BB962C8B-B14F-4D97-AF65-F5344CB8AC3E}">
+        <p14:creationId xmlns:p14="http://schemas.microsoft.com/office/powerpoint/2010/main" val="1192285281"/>
+      </p:ext>
+    </p:extLst>
+  </p:cSld>
+  <p:clrMapOvr>
+    <a:masterClrMapping/>
+  </p:clrMapOvr>
+</p:sld>
+</file>
+
+<file path=ppt/slides/slide18.xml><?xml version="1.0" encoding="utf-8"?>
+<p:sld xmlns:a="http://schemas.openxmlformats.org/drawingml/2006/main" xmlns:r="http://schemas.openxmlformats.org/officeDocument/2006/relationships" xmlns:p="http://schemas.openxmlformats.org/presentationml/2006/main">
+  <p:cSld>
+    <p:spTree>
+      <p:nvGrpSpPr>
+        <p:cNvPr id="1" name=""/>
+        <p:cNvGrpSpPr/>
+        <p:nvPr/>
+      </p:nvGrpSpPr>
+      <p:grpSpPr>
+        <a:xfrm>
+          <a:off x="0" y="0"/>
+          <a:ext cx="0" cy="0"/>
+          <a:chOff x="0" y="0"/>
+          <a:chExt cx="0" cy="0"/>
+        </a:xfrm>
+      </p:grpSpPr>
+      <p:sp>
+        <p:nvSpPr>
+          <p:cNvPr id="2" name="Title 1">
+            <a:extLst>
+              <a:ext uri="{FF2B5EF4-FFF2-40B4-BE49-F238E27FC236}">
+                <a16:creationId xmlns:a16="http://schemas.microsoft.com/office/drawing/2014/main" id="{4C84315F-315F-4066-9D3A-472733691F27}"/>
+              </a:ext>
+            </a:extLst>
+          </p:cNvPr>
+          <p:cNvSpPr>
+            <a:spLocks noGrp="1"/>
+          </p:cNvSpPr>
+          <p:nvPr>
+            <p:ph type="title"/>
+          </p:nvPr>
+        </p:nvSpPr>
+        <p:spPr>
+          <a:xfrm>
+            <a:off x="838200" y="256883"/>
+            <a:ext cx="10515600" cy="834502"/>
+          </a:xfrm>
+        </p:spPr>
+        <p:txBody>
+          <a:bodyPr>
+            <a:normAutofit/>
+          </a:bodyPr>
+          <a:lstStyle/>
+          <a:p>
+            <a:r>
+              <a:rPr lang="de-DE" dirty="0"/>
+              <a:t>Konzeptionelle Arbeiten   - 	Gesamt (alt)</a:t>
+            </a:r>
+          </a:p>
+        </p:txBody>
+      </p:sp>
+      <p:sp>
+        <p:nvSpPr>
+          <p:cNvPr id="4" name="Footer Placeholder 3">
+            <a:extLst>
+              <a:ext uri="{FF2B5EF4-FFF2-40B4-BE49-F238E27FC236}">
+                <a16:creationId xmlns:a16="http://schemas.microsoft.com/office/drawing/2014/main" id="{0EF7D1E5-7A19-4BA2-8CAA-9135FB90076C}"/>
+              </a:ext>
+            </a:extLst>
+          </p:cNvPr>
+          <p:cNvSpPr>
+            <a:spLocks noGrp="1"/>
+          </p:cNvSpPr>
+          <p:nvPr>
+            <p:ph type="ftr" sz="quarter" idx="11"/>
+          </p:nvPr>
+        </p:nvSpPr>
+        <p:spPr/>
+        <p:txBody>
+          <a:bodyPr/>
+          <a:lstStyle/>
+          <a:p>
+            <a:r>
+              <a:rPr lang="de-DE"/>
+              <a:t>WS19/20 - PV-Modulportal - Rüffer, Vorwerk, Withöft, Zolkin</a:t>
+            </a:r>
+          </a:p>
+        </p:txBody>
+      </p:sp>
+      <p:sp>
+        <p:nvSpPr>
+          <p:cNvPr id="5" name="Slide Number Placeholder 4">
+            <a:extLst>
+              <a:ext uri="{FF2B5EF4-FFF2-40B4-BE49-F238E27FC236}">
+                <a16:creationId xmlns:a16="http://schemas.microsoft.com/office/drawing/2014/main" id="{FAC16E02-623C-4BDA-BAFA-B73797A517FD}"/>
+              </a:ext>
+            </a:extLst>
+          </p:cNvPr>
+          <p:cNvSpPr>
+            <a:spLocks noGrp="1"/>
+          </p:cNvSpPr>
+          <p:nvPr>
+            <p:ph type="sldNum" sz="quarter" idx="12"/>
+          </p:nvPr>
+        </p:nvSpPr>
+        <p:spPr/>
+        <p:txBody>
+          <a:bodyPr/>
+          <a:lstStyle/>
+          <a:p>
+            <a:fld id="{969E759D-A893-4B96-8B48-96EE547EBC41}" type="slidenum">
+              <a:rPr lang="de-DE" smtClean="0"/>
+              <a:t>18</a:t>
+            </a:fld>
+            <a:endParaRPr lang="de-DE"/>
+          </a:p>
+        </p:txBody>
+      </p:sp>
+      <p:pic>
+        <p:nvPicPr>
+          <p:cNvPr id="8" name="Grafik 7">
+            <a:extLst>
+              <a:ext uri="{FF2B5EF4-FFF2-40B4-BE49-F238E27FC236}">
+                <a16:creationId xmlns:a16="http://schemas.microsoft.com/office/drawing/2014/main" id="{4879F5CA-79B7-4E1C-AE56-DF28301AF14F}"/>
+              </a:ext>
+            </a:extLst>
+          </p:cNvPr>
+          <p:cNvPicPr>
+            <a:picLocks noChangeAspect="1"/>
+          </p:cNvPicPr>
+          <p:nvPr/>
+        </p:nvPicPr>
+        <p:blipFill>
+          <a:blip r:embed="rId2">
+            <a:extLst>
+              <a:ext uri="{28A0092B-C50C-407E-A947-70E740481C1C}">
+                <a14:useLocalDpi xmlns:a14="http://schemas.microsoft.com/office/drawing/2010/main" val="0"/>
+              </a:ext>
+            </a:extLst>
+          </a:blip>
+          <a:stretch>
+            <a:fillRect/>
+          </a:stretch>
+        </p:blipFill>
+        <p:spPr>
+          <a:xfrm>
+            <a:off x="0" y="1091385"/>
+            <a:ext cx="12192000" cy="5048481"/>
+          </a:xfrm>
+          <a:prstGeom prst="rect">
+            <a:avLst/>
+          </a:prstGeom>
+        </p:spPr>
+      </p:pic>
+    </p:spTree>
+    <p:extLst>
+      <p:ext uri="{BB962C8B-B14F-4D97-AF65-F5344CB8AC3E}">
+        <p14:creationId xmlns:p14="http://schemas.microsoft.com/office/powerpoint/2010/main" val="2502654463"/>
+      </p:ext>
+    </p:extLst>
+  </p:cSld>
+  <p:clrMapOvr>
+    <a:masterClrMapping/>
+  </p:clrMapOvr>
+</p:sld>
+</file>
+
+<file path=ppt/slides/slide19.xml><?xml version="1.0" encoding="utf-8"?>
+<p:sld xmlns:a="http://schemas.openxmlformats.org/drawingml/2006/main" xmlns:r="http://schemas.openxmlformats.org/officeDocument/2006/relationships" xmlns:p="http://schemas.openxmlformats.org/presentationml/2006/main">
+  <p:cSld>
+    <p:spTree>
+      <p:nvGrpSpPr>
+        <p:cNvPr id="1" name=""/>
+        <p:cNvGrpSpPr/>
+        <p:nvPr/>
+      </p:nvGrpSpPr>
+      <p:grpSpPr>
+        <a:xfrm>
+          <a:off x="0" y="0"/>
+          <a:ext cx="0" cy="0"/>
+          <a:chOff x="0" y="0"/>
+          <a:chExt cx="0" cy="0"/>
+        </a:xfrm>
+      </p:grpSpPr>
+      <p:sp>
+        <p:nvSpPr>
+          <p:cNvPr id="2" name="Title 1">
+            <a:extLst>
+              <a:ext uri="{FF2B5EF4-FFF2-40B4-BE49-F238E27FC236}">
+                <a16:creationId xmlns:a16="http://schemas.microsoft.com/office/drawing/2014/main" id="{4C84315F-315F-4066-9D3A-472733691F27}"/>
+              </a:ext>
+            </a:extLst>
+          </p:cNvPr>
+          <p:cNvSpPr>
+            <a:spLocks noGrp="1"/>
+          </p:cNvSpPr>
+          <p:nvPr>
+            <p:ph type="title"/>
+          </p:nvPr>
+        </p:nvSpPr>
+        <p:spPr>
+          <a:xfrm>
+            <a:off x="838200" y="256883"/>
+            <a:ext cx="10515600" cy="834502"/>
+          </a:xfrm>
+        </p:spPr>
+        <p:txBody>
+          <a:bodyPr>
+            <a:normAutofit/>
+          </a:bodyPr>
+          <a:lstStyle/>
+          <a:p>
+            <a:r>
+              <a:rPr lang="de-DE" dirty="0"/>
+              <a:t>Konzeptionelle Arbeiten   - 	Gesamt (neu)</a:t>
+            </a:r>
+          </a:p>
+        </p:txBody>
+      </p:sp>
+      <p:sp>
+        <p:nvSpPr>
+          <p:cNvPr id="4" name="Footer Placeholder 3">
+            <a:extLst>
+              <a:ext uri="{FF2B5EF4-FFF2-40B4-BE49-F238E27FC236}">
+                <a16:creationId xmlns:a16="http://schemas.microsoft.com/office/drawing/2014/main" id="{0EF7D1E5-7A19-4BA2-8CAA-9135FB90076C}"/>
+              </a:ext>
+            </a:extLst>
+          </p:cNvPr>
+          <p:cNvSpPr>
+            <a:spLocks noGrp="1"/>
+          </p:cNvSpPr>
+          <p:nvPr>
+            <p:ph type="ftr" sz="quarter" idx="11"/>
+          </p:nvPr>
+        </p:nvSpPr>
+        <p:spPr/>
+        <p:txBody>
+          <a:bodyPr/>
+          <a:lstStyle/>
+          <a:p>
+            <a:r>
+              <a:rPr lang="de-DE"/>
+              <a:t>WS19/20 - PV-Modulportal - Rüffer, Vorwerk, Withöft, Zolkin</a:t>
+            </a:r>
+          </a:p>
+        </p:txBody>
+      </p:sp>
+      <p:sp>
+        <p:nvSpPr>
+          <p:cNvPr id="5" name="Slide Number Placeholder 4">
+            <a:extLst>
+              <a:ext uri="{FF2B5EF4-FFF2-40B4-BE49-F238E27FC236}">
+                <a16:creationId xmlns:a16="http://schemas.microsoft.com/office/drawing/2014/main" id="{FAC16E02-623C-4BDA-BAFA-B73797A517FD}"/>
+              </a:ext>
+            </a:extLst>
+          </p:cNvPr>
+          <p:cNvSpPr>
+            <a:spLocks noGrp="1"/>
+          </p:cNvSpPr>
+          <p:nvPr>
+            <p:ph type="sldNum" sz="quarter" idx="12"/>
+          </p:nvPr>
+        </p:nvSpPr>
+        <p:spPr/>
+        <p:txBody>
+          <a:bodyPr/>
+          <a:lstStyle/>
+          <a:p>
+            <a:fld id="{969E759D-A893-4B96-8B48-96EE547EBC41}" type="slidenum">
+              <a:rPr lang="de-DE" smtClean="0"/>
+              <a:t>19</a:t>
+            </a:fld>
+            <a:endParaRPr lang="de-DE"/>
+          </a:p>
+        </p:txBody>
+      </p:sp>
+    </p:spTree>
+    <p:extLst>
+      <p:ext uri="{BB962C8B-B14F-4D97-AF65-F5344CB8AC3E}">
+        <p14:creationId xmlns:p14="http://schemas.microsoft.com/office/powerpoint/2010/main" val="2349829792"/>
       </p:ext>
     </p:extLst>
   </p:cSld>
@@ -4506,7 +6963,7 @@
 </p:sld>
 </file>
 
-<file path=ppt/slides/slide3.xml><?xml version="1.0" encoding="utf-8"?>
+<file path=ppt/slides/slide20.xml><?xml version="1.0" encoding="utf-8"?>
 <p:sld xmlns:a="http://schemas.openxmlformats.org/drawingml/2006/main" xmlns:r="http://schemas.openxmlformats.org/officeDocument/2006/relationships" xmlns:p="http://schemas.openxmlformats.org/presentationml/2006/main">
   <p:cSld>
     <p:spTree>
@@ -4525,6 +6982,5130 @@
       </p:grpSpPr>
       <p:sp>
         <p:nvSpPr>
+          <p:cNvPr id="4" name="Footer Placeholder 3">
+            <a:extLst>
+              <a:ext uri="{FF2B5EF4-FFF2-40B4-BE49-F238E27FC236}">
+                <a16:creationId xmlns:a16="http://schemas.microsoft.com/office/drawing/2014/main" id="{0EF7D1E5-7A19-4BA2-8CAA-9135FB90076C}"/>
+              </a:ext>
+            </a:extLst>
+          </p:cNvPr>
+          <p:cNvSpPr>
+            <a:spLocks noGrp="1"/>
+          </p:cNvSpPr>
+          <p:nvPr>
+            <p:ph type="ftr" sz="quarter" idx="11"/>
+          </p:nvPr>
+        </p:nvSpPr>
+        <p:spPr/>
+        <p:txBody>
+          <a:bodyPr/>
+          <a:lstStyle/>
+          <a:p>
+            <a:r>
+              <a:rPr lang="de-DE"/>
+              <a:t>WS19/20 - PV-Modulportal - Rüffer, Vorwerk, Withöft, Zolkin</a:t>
+            </a:r>
+          </a:p>
+        </p:txBody>
+      </p:sp>
+      <p:sp>
+        <p:nvSpPr>
+          <p:cNvPr id="5" name="Slide Number Placeholder 4">
+            <a:extLst>
+              <a:ext uri="{FF2B5EF4-FFF2-40B4-BE49-F238E27FC236}">
+                <a16:creationId xmlns:a16="http://schemas.microsoft.com/office/drawing/2014/main" id="{FAC16E02-623C-4BDA-BAFA-B73797A517FD}"/>
+              </a:ext>
+            </a:extLst>
+          </p:cNvPr>
+          <p:cNvSpPr>
+            <a:spLocks noGrp="1"/>
+          </p:cNvSpPr>
+          <p:nvPr>
+            <p:ph type="sldNum" sz="quarter" idx="12"/>
+          </p:nvPr>
+        </p:nvSpPr>
+        <p:spPr/>
+        <p:txBody>
+          <a:bodyPr/>
+          <a:lstStyle/>
+          <a:p>
+            <a:fld id="{969E759D-A893-4B96-8B48-96EE547EBC41}" type="slidenum">
+              <a:rPr lang="de-DE" smtClean="0"/>
+              <a:t>20</a:t>
+            </a:fld>
+            <a:endParaRPr lang="de-DE"/>
+          </a:p>
+        </p:txBody>
+      </p:sp>
+      <p:pic>
+        <p:nvPicPr>
+          <p:cNvPr id="8" name="Grafik 7" descr="Ein Bild, das Screenshot enthält.&#10;&#10;Automatisch generierte Beschreibung">
+            <a:extLst>
+              <a:ext uri="{FF2B5EF4-FFF2-40B4-BE49-F238E27FC236}">
+                <a16:creationId xmlns:a16="http://schemas.microsoft.com/office/drawing/2014/main" id="{C37E994F-AED5-4278-B93F-F1E4AFB6018E}"/>
+              </a:ext>
+            </a:extLst>
+          </p:cNvPr>
+          <p:cNvPicPr>
+            <a:picLocks noChangeAspect="1"/>
+          </p:cNvPicPr>
+          <p:nvPr/>
+        </p:nvPicPr>
+        <p:blipFill>
+          <a:blip r:embed="rId2">
+            <a:extLst>
+              <a:ext uri="{28A0092B-C50C-407E-A947-70E740481C1C}">
+                <a14:useLocalDpi xmlns:a14="http://schemas.microsoft.com/office/drawing/2010/main" val="0"/>
+              </a:ext>
+            </a:extLst>
+          </a:blip>
+          <a:stretch>
+            <a:fillRect/>
+          </a:stretch>
+        </p:blipFill>
+        <p:spPr>
+          <a:xfrm>
+            <a:off x="0" y="219308"/>
+            <a:ext cx="12192000" cy="5809783"/>
+          </a:xfrm>
+          <a:prstGeom prst="rect">
+            <a:avLst/>
+          </a:prstGeom>
+        </p:spPr>
+      </p:pic>
+    </p:spTree>
+    <p:extLst>
+      <p:ext uri="{BB962C8B-B14F-4D97-AF65-F5344CB8AC3E}">
+        <p14:creationId xmlns:p14="http://schemas.microsoft.com/office/powerpoint/2010/main" val="160672366"/>
+      </p:ext>
+    </p:extLst>
+  </p:cSld>
+  <p:clrMapOvr>
+    <a:masterClrMapping/>
+  </p:clrMapOvr>
+</p:sld>
+</file>
+
+<file path=ppt/slides/slide21.xml><?xml version="1.0" encoding="utf-8"?>
+<p:sld xmlns:a="http://schemas.openxmlformats.org/drawingml/2006/main" xmlns:r="http://schemas.openxmlformats.org/officeDocument/2006/relationships" xmlns:p="http://schemas.openxmlformats.org/presentationml/2006/main">
+  <p:cSld>
+    <p:bg>
+      <p:bgPr>
+        <a:solidFill>
+          <a:schemeClr val="bg1">
+            <a:tint val="95000"/>
+            <a:satMod val="170000"/>
+          </a:schemeClr>
+        </a:solidFill>
+        <a:effectLst/>
+      </p:bgPr>
+    </p:bg>
+    <p:spTree>
+      <p:nvGrpSpPr>
+        <p:cNvPr id="1" name=""/>
+        <p:cNvGrpSpPr/>
+        <p:nvPr/>
+      </p:nvGrpSpPr>
+      <p:grpSpPr>
+        <a:xfrm>
+          <a:off x="0" y="0"/>
+          <a:ext cx="0" cy="0"/>
+          <a:chOff x="0" y="0"/>
+          <a:chExt cx="0" cy="0"/>
+        </a:xfrm>
+      </p:grpSpPr>
+      <p:sp>
+        <p:nvSpPr>
+          <p:cNvPr id="10" name="Freeform: Shape 9">
+            <a:extLst>
+              <a:ext uri="{FF2B5EF4-FFF2-40B4-BE49-F238E27FC236}">
+                <a16:creationId xmlns:a16="http://schemas.microsoft.com/office/drawing/2014/main" id="{66B332A4-D438-4773-A77F-5ED49A448D9D}"/>
+              </a:ext>
+              <a:ext uri="{C183D7F6-B498-43B3-948B-1728B52AA6E4}">
+                <adec:decorative xmlns:adec="http://schemas.microsoft.com/office/drawing/2017/decorative" val="1"/>
+              </a:ext>
+            </a:extLst>
+          </p:cNvPr>
+          <p:cNvSpPr>
+            <a:spLocks noGrp="1" noRot="1" noChangeAspect="1" noMove="1" noResize="1" noEditPoints="1" noAdjustHandles="1" noChangeArrowheads="1" noChangeShapeType="1" noTextEdit="1"/>
+          </p:cNvSpPr>
+          <p:nvPr>
+            <p:extLst>
+              <p:ext uri="{386F3935-93C4-4BCD-93E2-E3B085C9AB24}">
+                <p16:designElem xmlns:p16="http://schemas.microsoft.com/office/powerpoint/2015/main" val="1"/>
+              </p:ext>
+            </p:extLst>
+          </p:nvPr>
+        </p:nvSpPr>
+        <p:spPr>
+          <a:xfrm>
+            <a:off x="1953768" y="0"/>
+            <a:ext cx="8284464" cy="6858000"/>
+          </a:xfrm>
+          <a:custGeom>
+            <a:avLst/>
+            <a:gdLst>
+              <a:gd name="connsiteX0" fmla="*/ 1818109 w 8284464"/>
+              <a:gd name="connsiteY0" fmla="*/ 0 h 6858000"/>
+              <a:gd name="connsiteX1" fmla="*/ 6466355 w 8284464"/>
+              <a:gd name="connsiteY1" fmla="*/ 0 h 6858000"/>
+              <a:gd name="connsiteX2" fmla="*/ 6620596 w 8284464"/>
+              <a:gd name="connsiteY2" fmla="*/ 109683 h 6858000"/>
+              <a:gd name="connsiteX3" fmla="*/ 8284464 w 8284464"/>
+              <a:gd name="connsiteY3" fmla="*/ 3429000 h 6858000"/>
+              <a:gd name="connsiteX4" fmla="*/ 6620596 w 8284464"/>
+              <a:gd name="connsiteY4" fmla="*/ 6748318 h 6858000"/>
+              <a:gd name="connsiteX5" fmla="*/ 6466355 w 8284464"/>
+              <a:gd name="connsiteY5" fmla="*/ 6858000 h 6858000"/>
+              <a:gd name="connsiteX6" fmla="*/ 1818109 w 8284464"/>
+              <a:gd name="connsiteY6" fmla="*/ 6858000 h 6858000"/>
+              <a:gd name="connsiteX7" fmla="*/ 1663869 w 8284464"/>
+              <a:gd name="connsiteY7" fmla="*/ 6748318 h 6858000"/>
+              <a:gd name="connsiteX8" fmla="*/ 0 w 8284464"/>
+              <a:gd name="connsiteY8" fmla="*/ 3429000 h 6858000"/>
+              <a:gd name="connsiteX9" fmla="*/ 1663869 w 8284464"/>
+              <a:gd name="connsiteY9" fmla="*/ 109683 h 6858000"/>
+            </a:gdLst>
+            <a:ahLst/>
+            <a:cxnLst>
+              <a:cxn ang="0">
+                <a:pos x="connsiteX0" y="connsiteY0"/>
+              </a:cxn>
+              <a:cxn ang="0">
+                <a:pos x="connsiteX1" y="connsiteY1"/>
+              </a:cxn>
+              <a:cxn ang="0">
+                <a:pos x="connsiteX2" y="connsiteY2"/>
+              </a:cxn>
+              <a:cxn ang="0">
+                <a:pos x="connsiteX3" y="connsiteY3"/>
+              </a:cxn>
+              <a:cxn ang="0">
+                <a:pos x="connsiteX4" y="connsiteY4"/>
+              </a:cxn>
+              <a:cxn ang="0">
+                <a:pos x="connsiteX5" y="connsiteY5"/>
+              </a:cxn>
+              <a:cxn ang="0">
+                <a:pos x="connsiteX6" y="connsiteY6"/>
+              </a:cxn>
+              <a:cxn ang="0">
+                <a:pos x="connsiteX7" y="connsiteY7"/>
+              </a:cxn>
+              <a:cxn ang="0">
+                <a:pos x="connsiteX8" y="connsiteY8"/>
+              </a:cxn>
+              <a:cxn ang="0">
+                <a:pos x="connsiteX9" y="connsiteY9"/>
+              </a:cxn>
+            </a:cxnLst>
+            <a:rect l="l" t="t" r="r" b="b"/>
+            <a:pathLst>
+              <a:path w="8284464" h="6858000">
+                <a:moveTo>
+                  <a:pt x="1818109" y="0"/>
+                </a:moveTo>
+                <a:lnTo>
+                  <a:pt x="6466355" y="0"/>
+                </a:lnTo>
+                <a:lnTo>
+                  <a:pt x="6620596" y="109683"/>
+                </a:lnTo>
+                <a:cubicBezTo>
+                  <a:pt x="7630666" y="865069"/>
+                  <a:pt x="8284464" y="2070683"/>
+                  <a:pt x="8284464" y="3429000"/>
+                </a:cubicBezTo>
+                <a:cubicBezTo>
+                  <a:pt x="8284464" y="4787317"/>
+                  <a:pt x="7630666" y="5992931"/>
+                  <a:pt x="6620596" y="6748318"/>
+                </a:cubicBezTo>
+                <a:lnTo>
+                  <a:pt x="6466355" y="6858000"/>
+                </a:lnTo>
+                <a:lnTo>
+                  <a:pt x="1818109" y="6858000"/>
+                </a:lnTo>
+                <a:lnTo>
+                  <a:pt x="1663869" y="6748318"/>
+                </a:lnTo>
+                <a:cubicBezTo>
+                  <a:pt x="653798" y="5992931"/>
+                  <a:pt x="0" y="4787317"/>
+                  <a:pt x="0" y="3429000"/>
+                </a:cubicBezTo>
+                <a:cubicBezTo>
+                  <a:pt x="0" y="2070683"/>
+                  <a:pt x="653798" y="865069"/>
+                  <a:pt x="1663869" y="109683"/>
+                </a:cubicBezTo>
+                <a:close/>
+              </a:path>
+            </a:pathLst>
+          </a:custGeom>
+          <a:solidFill>
+            <a:srgbClr val="FFFFFF">
+              <a:alpha val="80000"/>
+            </a:srgbClr>
+          </a:solidFill>
+          <a:ln>
+            <a:noFill/>
+          </a:ln>
+        </p:spPr>
+        <p:style>
+          <a:lnRef idx="2">
+            <a:schemeClr val="accent1">
+              <a:shade val="50000"/>
+            </a:schemeClr>
+          </a:lnRef>
+          <a:fillRef idx="1">
+            <a:schemeClr val="accent1"/>
+          </a:fillRef>
+          <a:effectRef idx="0">
+            <a:schemeClr val="accent1"/>
+          </a:effectRef>
+          <a:fontRef idx="minor">
+            <a:schemeClr val="lt1"/>
+          </a:fontRef>
+        </p:style>
+        <p:txBody>
+          <a:bodyPr wrap="square" rtlCol="0" anchor="ctr">
+            <a:noAutofit/>
+          </a:bodyPr>
+          <a:lstStyle/>
+          <a:p>
+            <a:pPr algn="ctr"/>
+            <a:endParaRPr lang="en-US"/>
+          </a:p>
+        </p:txBody>
+      </p:sp>
+      <p:sp>
+        <p:nvSpPr>
+          <p:cNvPr id="12" name="Freeform: Shape 11">
+            <a:extLst>
+              <a:ext uri="{FF2B5EF4-FFF2-40B4-BE49-F238E27FC236}">
+                <a16:creationId xmlns:a16="http://schemas.microsoft.com/office/drawing/2014/main" id="{DF9AD32D-FF05-44F4-BD4D-9CEE89B71EB9}"/>
+              </a:ext>
+              <a:ext uri="{C183D7F6-B498-43B3-948B-1728B52AA6E4}">
+                <adec:decorative xmlns:adec="http://schemas.microsoft.com/office/drawing/2017/decorative" val="1"/>
+              </a:ext>
+            </a:extLst>
+          </p:cNvPr>
+          <p:cNvSpPr>
+            <a:spLocks noGrp="1" noRot="1" noChangeAspect="1" noMove="1" noResize="1" noEditPoints="1" noAdjustHandles="1" noChangeArrowheads="1" noChangeShapeType="1" noTextEdit="1"/>
+          </p:cNvSpPr>
+          <p:nvPr>
+            <p:extLst>
+              <p:ext uri="{386F3935-93C4-4BCD-93E2-E3B085C9AB24}">
+                <p16:designElem xmlns:p16="http://schemas.microsoft.com/office/powerpoint/2015/main" val="1"/>
+              </p:ext>
+            </p:extLst>
+          </p:nvPr>
+        </p:nvSpPr>
+        <p:spPr>
+          <a:xfrm>
+            <a:off x="2118360" y="0"/>
+            <a:ext cx="7955280" cy="6858000"/>
+          </a:xfrm>
+          <a:custGeom>
+            <a:avLst/>
+            <a:gdLst>
+              <a:gd name="connsiteX0" fmla="*/ 1962423 w 7955280"/>
+              <a:gd name="connsiteY0" fmla="*/ 0 h 6858000"/>
+              <a:gd name="connsiteX1" fmla="*/ 5992858 w 7955280"/>
+              <a:gd name="connsiteY1" fmla="*/ 0 h 6858000"/>
+              <a:gd name="connsiteX2" fmla="*/ 6040191 w 7955280"/>
+              <a:gd name="connsiteY2" fmla="*/ 27216 h 6858000"/>
+              <a:gd name="connsiteX3" fmla="*/ 7955280 w 7955280"/>
+              <a:gd name="connsiteY3" fmla="*/ 3429000 h 6858000"/>
+              <a:gd name="connsiteX4" fmla="*/ 6040191 w 7955280"/>
+              <a:gd name="connsiteY4" fmla="*/ 6830784 h 6858000"/>
+              <a:gd name="connsiteX5" fmla="*/ 5992858 w 7955280"/>
+              <a:gd name="connsiteY5" fmla="*/ 6858000 h 6858000"/>
+              <a:gd name="connsiteX6" fmla="*/ 1962423 w 7955280"/>
+              <a:gd name="connsiteY6" fmla="*/ 6858000 h 6858000"/>
+              <a:gd name="connsiteX7" fmla="*/ 1915089 w 7955280"/>
+              <a:gd name="connsiteY7" fmla="*/ 6830784 h 6858000"/>
+              <a:gd name="connsiteX8" fmla="*/ 0 w 7955280"/>
+              <a:gd name="connsiteY8" fmla="*/ 3429000 h 6858000"/>
+              <a:gd name="connsiteX9" fmla="*/ 1915089 w 7955280"/>
+              <a:gd name="connsiteY9" fmla="*/ 27216 h 6858000"/>
+            </a:gdLst>
+            <a:ahLst/>
+            <a:cxnLst>
+              <a:cxn ang="0">
+                <a:pos x="connsiteX0" y="connsiteY0"/>
+              </a:cxn>
+              <a:cxn ang="0">
+                <a:pos x="connsiteX1" y="connsiteY1"/>
+              </a:cxn>
+              <a:cxn ang="0">
+                <a:pos x="connsiteX2" y="connsiteY2"/>
+              </a:cxn>
+              <a:cxn ang="0">
+                <a:pos x="connsiteX3" y="connsiteY3"/>
+              </a:cxn>
+              <a:cxn ang="0">
+                <a:pos x="connsiteX4" y="connsiteY4"/>
+              </a:cxn>
+              <a:cxn ang="0">
+                <a:pos x="connsiteX5" y="connsiteY5"/>
+              </a:cxn>
+              <a:cxn ang="0">
+                <a:pos x="connsiteX6" y="connsiteY6"/>
+              </a:cxn>
+              <a:cxn ang="0">
+                <a:pos x="connsiteX7" y="connsiteY7"/>
+              </a:cxn>
+              <a:cxn ang="0">
+                <a:pos x="connsiteX8" y="connsiteY8"/>
+              </a:cxn>
+              <a:cxn ang="0">
+                <a:pos x="connsiteX9" y="connsiteY9"/>
+              </a:cxn>
+            </a:cxnLst>
+            <a:rect l="l" t="t" r="r" b="b"/>
+            <a:pathLst>
+              <a:path w="7955280" h="6858000">
+                <a:moveTo>
+                  <a:pt x="1962423" y="0"/>
+                </a:moveTo>
+                <a:lnTo>
+                  <a:pt x="5992858" y="0"/>
+                </a:lnTo>
+                <a:lnTo>
+                  <a:pt x="6040191" y="27216"/>
+                </a:lnTo>
+                <a:cubicBezTo>
+                  <a:pt x="7188332" y="724844"/>
+                  <a:pt x="7955280" y="1987357"/>
+                  <a:pt x="7955280" y="3429000"/>
+                </a:cubicBezTo>
+                <a:cubicBezTo>
+                  <a:pt x="7955280" y="4870644"/>
+                  <a:pt x="7188332" y="6133157"/>
+                  <a:pt x="6040191" y="6830784"/>
+                </a:cubicBezTo>
+                <a:lnTo>
+                  <a:pt x="5992858" y="6858000"/>
+                </a:lnTo>
+                <a:lnTo>
+                  <a:pt x="1962423" y="6858000"/>
+                </a:lnTo>
+                <a:lnTo>
+                  <a:pt x="1915089" y="6830784"/>
+                </a:lnTo>
+                <a:cubicBezTo>
+                  <a:pt x="766948" y="6133157"/>
+                  <a:pt x="0" y="4870644"/>
+                  <a:pt x="0" y="3429000"/>
+                </a:cubicBezTo>
+                <a:cubicBezTo>
+                  <a:pt x="0" y="1987357"/>
+                  <a:pt x="766948" y="724844"/>
+                  <a:pt x="1915089" y="27216"/>
+                </a:cubicBezTo>
+                <a:close/>
+              </a:path>
+            </a:pathLst>
+          </a:custGeom>
+          <a:solidFill>
+            <a:schemeClr val="tx1"/>
+          </a:solidFill>
+          <a:ln>
+            <a:noFill/>
+          </a:ln>
+        </p:spPr>
+        <p:style>
+          <a:lnRef idx="2">
+            <a:schemeClr val="accent1">
+              <a:shade val="50000"/>
+            </a:schemeClr>
+          </a:lnRef>
+          <a:fillRef idx="1">
+            <a:schemeClr val="accent1"/>
+          </a:fillRef>
+          <a:effectRef idx="0">
+            <a:schemeClr val="accent1"/>
+          </a:effectRef>
+          <a:fontRef idx="minor">
+            <a:schemeClr val="lt1"/>
+          </a:fontRef>
+        </p:style>
+        <p:txBody>
+          <a:bodyPr wrap="square" rtlCol="0" anchor="ctr">
+            <a:noAutofit/>
+          </a:bodyPr>
+          <a:lstStyle/>
+          <a:p>
+            <a:pPr algn="ctr"/>
+            <a:endParaRPr lang="en-US"/>
+          </a:p>
+        </p:txBody>
+      </p:sp>
+      <p:sp>
+        <p:nvSpPr>
+          <p:cNvPr id="2" name="Title 1">
+            <a:extLst>
+              <a:ext uri="{FF2B5EF4-FFF2-40B4-BE49-F238E27FC236}">
+                <a16:creationId xmlns:a16="http://schemas.microsoft.com/office/drawing/2014/main" id="{4C84315F-315F-4066-9D3A-472733691F27}"/>
+              </a:ext>
+            </a:extLst>
+          </p:cNvPr>
+          <p:cNvSpPr>
+            <a:spLocks noGrp="1"/>
+          </p:cNvSpPr>
+          <p:nvPr>
+            <p:ph type="title"/>
+          </p:nvPr>
+        </p:nvSpPr>
+        <p:spPr>
+          <a:xfrm>
+            <a:off x="2555631" y="1441938"/>
+            <a:ext cx="7080738" cy="3974124"/>
+          </a:xfrm>
+        </p:spPr>
+        <p:txBody>
+          <a:bodyPr vert="horz" lIns="91440" tIns="45720" rIns="91440" bIns="45720" rtlCol="0" anchor="ctr">
+            <a:normAutofit/>
+          </a:bodyPr>
+          <a:lstStyle/>
+          <a:p>
+            <a:pPr algn="ctr"/>
+            <a:r>
+              <a:rPr lang="en-US" sz="5400" dirty="0">
+                <a:solidFill>
+                  <a:schemeClr val="bg1">
+                    <a:lumMod val="95000"/>
+                    <a:lumOff val="5000"/>
+                  </a:schemeClr>
+                </a:solidFill>
+              </a:rPr>
+              <a:t>SW-</a:t>
+            </a:r>
+            <a:r>
+              <a:rPr lang="en-US" sz="5400" dirty="0" err="1">
+                <a:solidFill>
+                  <a:schemeClr val="bg1">
+                    <a:lumMod val="95000"/>
+                    <a:lumOff val="5000"/>
+                  </a:schemeClr>
+                </a:solidFill>
+              </a:rPr>
+              <a:t>Architektur</a:t>
+            </a:r>
+            <a:endParaRPr lang="en-US" sz="5400" dirty="0">
+              <a:solidFill>
+                <a:schemeClr val="bg1">
+                  <a:lumMod val="95000"/>
+                  <a:lumOff val="5000"/>
+                </a:schemeClr>
+              </a:solidFill>
+            </a:endParaRPr>
+          </a:p>
+        </p:txBody>
+      </p:sp>
+      <p:sp>
+        <p:nvSpPr>
+          <p:cNvPr id="4" name="Footer Placeholder 3">
+            <a:extLst>
+              <a:ext uri="{FF2B5EF4-FFF2-40B4-BE49-F238E27FC236}">
+                <a16:creationId xmlns:a16="http://schemas.microsoft.com/office/drawing/2014/main" id="{0EF7D1E5-7A19-4BA2-8CAA-9135FB90076C}"/>
+              </a:ext>
+            </a:extLst>
+          </p:cNvPr>
+          <p:cNvSpPr>
+            <a:spLocks noGrp="1"/>
+          </p:cNvSpPr>
+          <p:nvPr>
+            <p:ph type="ftr" sz="quarter" idx="11"/>
+          </p:nvPr>
+        </p:nvSpPr>
+        <p:spPr>
+          <a:xfrm>
+            <a:off x="3892062" y="6199632"/>
+            <a:ext cx="4407876" cy="365125"/>
+          </a:xfrm>
+        </p:spPr>
+        <p:txBody>
+          <a:bodyPr vert="horz" lIns="91440" tIns="45720" rIns="91440" bIns="45720" rtlCol="0" anchor="ctr">
+            <a:normAutofit/>
+          </a:bodyPr>
+          <a:lstStyle/>
+          <a:p>
+            <a:pPr defTabSz="457200">
+              <a:spcAft>
+                <a:spcPts val="600"/>
+              </a:spcAft>
+            </a:pPr>
+            <a:r>
+              <a:rPr lang="en-US" sz="1100" kern="1200">
+                <a:solidFill>
+                  <a:schemeClr val="bg1">
+                    <a:alpha val="80000"/>
+                  </a:schemeClr>
+                </a:solidFill>
+                <a:latin typeface="+mn-lt"/>
+                <a:ea typeface="+mn-ea"/>
+                <a:cs typeface="+mn-cs"/>
+              </a:rPr>
+              <a:t>WS19/20 - PV-Modulportal - Rüffer, Vorwerk, Withöft, Zolkin</a:t>
+            </a:r>
+          </a:p>
+        </p:txBody>
+      </p:sp>
+      <p:sp>
+        <p:nvSpPr>
+          <p:cNvPr id="5" name="Slide Number Placeholder 4">
+            <a:extLst>
+              <a:ext uri="{FF2B5EF4-FFF2-40B4-BE49-F238E27FC236}">
+                <a16:creationId xmlns:a16="http://schemas.microsoft.com/office/drawing/2014/main" id="{FAC16E02-623C-4BDA-BAFA-B73797A517FD}"/>
+              </a:ext>
+            </a:extLst>
+          </p:cNvPr>
+          <p:cNvSpPr>
+            <a:spLocks noGrp="1"/>
+          </p:cNvSpPr>
+          <p:nvPr>
+            <p:ph type="sldNum" sz="quarter" idx="12"/>
+          </p:nvPr>
+        </p:nvSpPr>
+        <p:spPr>
+          <a:xfrm>
+            <a:off x="11000232" y="6108192"/>
+            <a:ext cx="548640" cy="548640"/>
+          </a:xfrm>
+          <a:prstGeom prst="ellipse">
+            <a:avLst/>
+          </a:prstGeom>
+          <a:solidFill>
+            <a:srgbClr val="7F7F7F"/>
+          </a:solidFill>
+        </p:spPr>
+        <p:txBody>
+          <a:bodyPr vert="horz" lIns="91440" tIns="45720" rIns="91440" bIns="45720" rtlCol="0" anchor="ctr">
+            <a:normAutofit/>
+          </a:bodyPr>
+          <a:lstStyle/>
+          <a:p>
+            <a:pPr algn="ctr" defTabSz="457200">
+              <a:spcAft>
+                <a:spcPts val="600"/>
+              </a:spcAft>
+            </a:pPr>
+            <a:fld id="{969E759D-A893-4B96-8B48-96EE547EBC41}" type="slidenum">
+              <a:rPr lang="en-US" sz="1500">
+                <a:solidFill>
+                  <a:srgbClr val="FFFFFF"/>
+                </a:solidFill>
+              </a:rPr>
+              <a:pPr algn="ctr" defTabSz="457200">
+                <a:spcAft>
+                  <a:spcPts val="600"/>
+                </a:spcAft>
+              </a:pPr>
+              <a:t>21</a:t>
+            </a:fld>
+            <a:endParaRPr lang="en-US" sz="1500">
+              <a:solidFill>
+                <a:srgbClr val="FFFFFF"/>
+              </a:solidFill>
+            </a:endParaRPr>
+          </a:p>
+        </p:txBody>
+      </p:sp>
+    </p:spTree>
+    <p:extLst>
+      <p:ext uri="{BB962C8B-B14F-4D97-AF65-F5344CB8AC3E}">
+        <p14:creationId xmlns:p14="http://schemas.microsoft.com/office/powerpoint/2010/main" val="2093513359"/>
+      </p:ext>
+    </p:extLst>
+  </p:cSld>
+  <p:clrMapOvr>
+    <a:overrideClrMapping bg1="dk1" tx1="lt1" bg2="dk2" tx2="lt2" accent1="accent1" accent2="accent2" accent3="accent3" accent4="accent4" accent5="accent5" accent6="accent6" hlink="hlink" folHlink="folHlink"/>
+  </p:clrMapOvr>
+</p:sld>
+</file>
+
+<file path=ppt/slides/slide22.xml><?xml version="1.0" encoding="utf-8"?>
+<p:sld xmlns:a="http://schemas.openxmlformats.org/drawingml/2006/main" xmlns:r="http://schemas.openxmlformats.org/officeDocument/2006/relationships" xmlns:p="http://schemas.openxmlformats.org/presentationml/2006/main">
+  <p:cSld>
+    <p:bg>
+      <p:bgPr>
+        <a:solidFill>
+          <a:schemeClr val="bg1">
+            <a:tint val="95000"/>
+            <a:satMod val="170000"/>
+          </a:schemeClr>
+        </a:solidFill>
+        <a:effectLst/>
+      </p:bgPr>
+    </p:bg>
+    <p:spTree>
+      <p:nvGrpSpPr>
+        <p:cNvPr id="1" name=""/>
+        <p:cNvGrpSpPr/>
+        <p:nvPr/>
+      </p:nvGrpSpPr>
+      <p:grpSpPr>
+        <a:xfrm>
+          <a:off x="0" y="0"/>
+          <a:ext cx="0" cy="0"/>
+          <a:chOff x="0" y="0"/>
+          <a:chExt cx="0" cy="0"/>
+        </a:xfrm>
+      </p:grpSpPr>
+      <p:sp>
+        <p:nvSpPr>
+          <p:cNvPr id="21" name="Freeform: Shape 20">
+            <a:extLst>
+              <a:ext uri="{FF2B5EF4-FFF2-40B4-BE49-F238E27FC236}">
+                <a16:creationId xmlns:a16="http://schemas.microsoft.com/office/drawing/2014/main" id="{66B332A4-D438-4773-A77F-5ED49A448D9D}"/>
+              </a:ext>
+              <a:ext uri="{C183D7F6-B498-43B3-948B-1728B52AA6E4}">
+                <adec:decorative xmlns:adec="http://schemas.microsoft.com/office/drawing/2017/decorative" val="1"/>
+              </a:ext>
+            </a:extLst>
+          </p:cNvPr>
+          <p:cNvSpPr>
+            <a:spLocks noGrp="1" noRot="1" noChangeAspect="1" noMove="1" noResize="1" noEditPoints="1" noAdjustHandles="1" noChangeArrowheads="1" noChangeShapeType="1" noTextEdit="1"/>
+          </p:cNvSpPr>
+          <p:nvPr>
+            <p:extLst>
+              <p:ext uri="{386F3935-93C4-4BCD-93E2-E3B085C9AB24}">
+                <p16:designElem xmlns:p16="http://schemas.microsoft.com/office/powerpoint/2015/main" val="1"/>
+              </p:ext>
+            </p:extLst>
+          </p:nvPr>
+        </p:nvSpPr>
+        <p:spPr>
+          <a:xfrm>
+            <a:off x="1953768" y="0"/>
+            <a:ext cx="8284464" cy="6858000"/>
+          </a:xfrm>
+          <a:custGeom>
+            <a:avLst/>
+            <a:gdLst>
+              <a:gd name="connsiteX0" fmla="*/ 1818109 w 8284464"/>
+              <a:gd name="connsiteY0" fmla="*/ 0 h 6858000"/>
+              <a:gd name="connsiteX1" fmla="*/ 6466355 w 8284464"/>
+              <a:gd name="connsiteY1" fmla="*/ 0 h 6858000"/>
+              <a:gd name="connsiteX2" fmla="*/ 6620596 w 8284464"/>
+              <a:gd name="connsiteY2" fmla="*/ 109683 h 6858000"/>
+              <a:gd name="connsiteX3" fmla="*/ 8284464 w 8284464"/>
+              <a:gd name="connsiteY3" fmla="*/ 3429000 h 6858000"/>
+              <a:gd name="connsiteX4" fmla="*/ 6620596 w 8284464"/>
+              <a:gd name="connsiteY4" fmla="*/ 6748318 h 6858000"/>
+              <a:gd name="connsiteX5" fmla="*/ 6466355 w 8284464"/>
+              <a:gd name="connsiteY5" fmla="*/ 6858000 h 6858000"/>
+              <a:gd name="connsiteX6" fmla="*/ 1818109 w 8284464"/>
+              <a:gd name="connsiteY6" fmla="*/ 6858000 h 6858000"/>
+              <a:gd name="connsiteX7" fmla="*/ 1663869 w 8284464"/>
+              <a:gd name="connsiteY7" fmla="*/ 6748318 h 6858000"/>
+              <a:gd name="connsiteX8" fmla="*/ 0 w 8284464"/>
+              <a:gd name="connsiteY8" fmla="*/ 3429000 h 6858000"/>
+              <a:gd name="connsiteX9" fmla="*/ 1663869 w 8284464"/>
+              <a:gd name="connsiteY9" fmla="*/ 109683 h 6858000"/>
+            </a:gdLst>
+            <a:ahLst/>
+            <a:cxnLst>
+              <a:cxn ang="0">
+                <a:pos x="connsiteX0" y="connsiteY0"/>
+              </a:cxn>
+              <a:cxn ang="0">
+                <a:pos x="connsiteX1" y="connsiteY1"/>
+              </a:cxn>
+              <a:cxn ang="0">
+                <a:pos x="connsiteX2" y="connsiteY2"/>
+              </a:cxn>
+              <a:cxn ang="0">
+                <a:pos x="connsiteX3" y="connsiteY3"/>
+              </a:cxn>
+              <a:cxn ang="0">
+                <a:pos x="connsiteX4" y="connsiteY4"/>
+              </a:cxn>
+              <a:cxn ang="0">
+                <a:pos x="connsiteX5" y="connsiteY5"/>
+              </a:cxn>
+              <a:cxn ang="0">
+                <a:pos x="connsiteX6" y="connsiteY6"/>
+              </a:cxn>
+              <a:cxn ang="0">
+                <a:pos x="connsiteX7" y="connsiteY7"/>
+              </a:cxn>
+              <a:cxn ang="0">
+                <a:pos x="connsiteX8" y="connsiteY8"/>
+              </a:cxn>
+              <a:cxn ang="0">
+                <a:pos x="connsiteX9" y="connsiteY9"/>
+              </a:cxn>
+            </a:cxnLst>
+            <a:rect l="l" t="t" r="r" b="b"/>
+            <a:pathLst>
+              <a:path w="8284464" h="6858000">
+                <a:moveTo>
+                  <a:pt x="1818109" y="0"/>
+                </a:moveTo>
+                <a:lnTo>
+                  <a:pt x="6466355" y="0"/>
+                </a:lnTo>
+                <a:lnTo>
+                  <a:pt x="6620596" y="109683"/>
+                </a:lnTo>
+                <a:cubicBezTo>
+                  <a:pt x="7630666" y="865069"/>
+                  <a:pt x="8284464" y="2070683"/>
+                  <a:pt x="8284464" y="3429000"/>
+                </a:cubicBezTo>
+                <a:cubicBezTo>
+                  <a:pt x="8284464" y="4787317"/>
+                  <a:pt x="7630666" y="5992931"/>
+                  <a:pt x="6620596" y="6748318"/>
+                </a:cubicBezTo>
+                <a:lnTo>
+                  <a:pt x="6466355" y="6858000"/>
+                </a:lnTo>
+                <a:lnTo>
+                  <a:pt x="1818109" y="6858000"/>
+                </a:lnTo>
+                <a:lnTo>
+                  <a:pt x="1663869" y="6748318"/>
+                </a:lnTo>
+                <a:cubicBezTo>
+                  <a:pt x="653798" y="5992931"/>
+                  <a:pt x="0" y="4787317"/>
+                  <a:pt x="0" y="3429000"/>
+                </a:cubicBezTo>
+                <a:cubicBezTo>
+                  <a:pt x="0" y="2070683"/>
+                  <a:pt x="653798" y="865069"/>
+                  <a:pt x="1663869" y="109683"/>
+                </a:cubicBezTo>
+                <a:close/>
+              </a:path>
+            </a:pathLst>
+          </a:custGeom>
+          <a:solidFill>
+            <a:srgbClr val="FFFFFF">
+              <a:alpha val="80000"/>
+            </a:srgbClr>
+          </a:solidFill>
+          <a:ln>
+            <a:noFill/>
+          </a:ln>
+        </p:spPr>
+        <p:style>
+          <a:lnRef idx="2">
+            <a:schemeClr val="accent1">
+              <a:shade val="50000"/>
+            </a:schemeClr>
+          </a:lnRef>
+          <a:fillRef idx="1">
+            <a:schemeClr val="accent1"/>
+          </a:fillRef>
+          <a:effectRef idx="0">
+            <a:schemeClr val="accent1"/>
+          </a:effectRef>
+          <a:fontRef idx="minor">
+            <a:schemeClr val="lt1"/>
+          </a:fontRef>
+        </p:style>
+        <p:txBody>
+          <a:bodyPr wrap="square" rtlCol="0" anchor="ctr">
+            <a:noAutofit/>
+          </a:bodyPr>
+          <a:lstStyle/>
+          <a:p>
+            <a:pPr algn="ctr"/>
+            <a:endParaRPr lang="en-US"/>
+          </a:p>
+        </p:txBody>
+      </p:sp>
+      <p:sp>
+        <p:nvSpPr>
+          <p:cNvPr id="23" name="Freeform: Shape 22">
+            <a:extLst>
+              <a:ext uri="{FF2B5EF4-FFF2-40B4-BE49-F238E27FC236}">
+                <a16:creationId xmlns:a16="http://schemas.microsoft.com/office/drawing/2014/main" id="{DF9AD32D-FF05-44F4-BD4D-9CEE89B71EB9}"/>
+              </a:ext>
+              <a:ext uri="{C183D7F6-B498-43B3-948B-1728B52AA6E4}">
+                <adec:decorative xmlns:adec="http://schemas.microsoft.com/office/drawing/2017/decorative" val="1"/>
+              </a:ext>
+            </a:extLst>
+          </p:cNvPr>
+          <p:cNvSpPr>
+            <a:spLocks noGrp="1" noRot="1" noChangeAspect="1" noMove="1" noResize="1" noEditPoints="1" noAdjustHandles="1" noChangeArrowheads="1" noChangeShapeType="1" noTextEdit="1"/>
+          </p:cNvSpPr>
+          <p:nvPr>
+            <p:extLst>
+              <p:ext uri="{386F3935-93C4-4BCD-93E2-E3B085C9AB24}">
+                <p16:designElem xmlns:p16="http://schemas.microsoft.com/office/powerpoint/2015/main" val="1"/>
+              </p:ext>
+            </p:extLst>
+          </p:nvPr>
+        </p:nvSpPr>
+        <p:spPr>
+          <a:xfrm>
+            <a:off x="2118360" y="0"/>
+            <a:ext cx="7955280" cy="6858000"/>
+          </a:xfrm>
+          <a:custGeom>
+            <a:avLst/>
+            <a:gdLst>
+              <a:gd name="connsiteX0" fmla="*/ 1962423 w 7955280"/>
+              <a:gd name="connsiteY0" fmla="*/ 0 h 6858000"/>
+              <a:gd name="connsiteX1" fmla="*/ 5992858 w 7955280"/>
+              <a:gd name="connsiteY1" fmla="*/ 0 h 6858000"/>
+              <a:gd name="connsiteX2" fmla="*/ 6040191 w 7955280"/>
+              <a:gd name="connsiteY2" fmla="*/ 27216 h 6858000"/>
+              <a:gd name="connsiteX3" fmla="*/ 7955280 w 7955280"/>
+              <a:gd name="connsiteY3" fmla="*/ 3429000 h 6858000"/>
+              <a:gd name="connsiteX4" fmla="*/ 6040191 w 7955280"/>
+              <a:gd name="connsiteY4" fmla="*/ 6830784 h 6858000"/>
+              <a:gd name="connsiteX5" fmla="*/ 5992858 w 7955280"/>
+              <a:gd name="connsiteY5" fmla="*/ 6858000 h 6858000"/>
+              <a:gd name="connsiteX6" fmla="*/ 1962423 w 7955280"/>
+              <a:gd name="connsiteY6" fmla="*/ 6858000 h 6858000"/>
+              <a:gd name="connsiteX7" fmla="*/ 1915089 w 7955280"/>
+              <a:gd name="connsiteY7" fmla="*/ 6830784 h 6858000"/>
+              <a:gd name="connsiteX8" fmla="*/ 0 w 7955280"/>
+              <a:gd name="connsiteY8" fmla="*/ 3429000 h 6858000"/>
+              <a:gd name="connsiteX9" fmla="*/ 1915089 w 7955280"/>
+              <a:gd name="connsiteY9" fmla="*/ 27216 h 6858000"/>
+            </a:gdLst>
+            <a:ahLst/>
+            <a:cxnLst>
+              <a:cxn ang="0">
+                <a:pos x="connsiteX0" y="connsiteY0"/>
+              </a:cxn>
+              <a:cxn ang="0">
+                <a:pos x="connsiteX1" y="connsiteY1"/>
+              </a:cxn>
+              <a:cxn ang="0">
+                <a:pos x="connsiteX2" y="connsiteY2"/>
+              </a:cxn>
+              <a:cxn ang="0">
+                <a:pos x="connsiteX3" y="connsiteY3"/>
+              </a:cxn>
+              <a:cxn ang="0">
+                <a:pos x="connsiteX4" y="connsiteY4"/>
+              </a:cxn>
+              <a:cxn ang="0">
+                <a:pos x="connsiteX5" y="connsiteY5"/>
+              </a:cxn>
+              <a:cxn ang="0">
+                <a:pos x="connsiteX6" y="connsiteY6"/>
+              </a:cxn>
+              <a:cxn ang="0">
+                <a:pos x="connsiteX7" y="connsiteY7"/>
+              </a:cxn>
+              <a:cxn ang="0">
+                <a:pos x="connsiteX8" y="connsiteY8"/>
+              </a:cxn>
+              <a:cxn ang="0">
+                <a:pos x="connsiteX9" y="connsiteY9"/>
+              </a:cxn>
+            </a:cxnLst>
+            <a:rect l="l" t="t" r="r" b="b"/>
+            <a:pathLst>
+              <a:path w="7955280" h="6858000">
+                <a:moveTo>
+                  <a:pt x="1962423" y="0"/>
+                </a:moveTo>
+                <a:lnTo>
+                  <a:pt x="5992858" y="0"/>
+                </a:lnTo>
+                <a:lnTo>
+                  <a:pt x="6040191" y="27216"/>
+                </a:lnTo>
+                <a:cubicBezTo>
+                  <a:pt x="7188332" y="724844"/>
+                  <a:pt x="7955280" y="1987357"/>
+                  <a:pt x="7955280" y="3429000"/>
+                </a:cubicBezTo>
+                <a:cubicBezTo>
+                  <a:pt x="7955280" y="4870644"/>
+                  <a:pt x="7188332" y="6133157"/>
+                  <a:pt x="6040191" y="6830784"/>
+                </a:cubicBezTo>
+                <a:lnTo>
+                  <a:pt x="5992858" y="6858000"/>
+                </a:lnTo>
+                <a:lnTo>
+                  <a:pt x="1962423" y="6858000"/>
+                </a:lnTo>
+                <a:lnTo>
+                  <a:pt x="1915089" y="6830784"/>
+                </a:lnTo>
+                <a:cubicBezTo>
+                  <a:pt x="766948" y="6133157"/>
+                  <a:pt x="0" y="4870644"/>
+                  <a:pt x="0" y="3429000"/>
+                </a:cubicBezTo>
+                <a:cubicBezTo>
+                  <a:pt x="0" y="1987357"/>
+                  <a:pt x="766948" y="724844"/>
+                  <a:pt x="1915089" y="27216"/>
+                </a:cubicBezTo>
+                <a:close/>
+              </a:path>
+            </a:pathLst>
+          </a:custGeom>
+          <a:solidFill>
+            <a:schemeClr val="tx1"/>
+          </a:solidFill>
+          <a:ln>
+            <a:noFill/>
+          </a:ln>
+        </p:spPr>
+        <p:style>
+          <a:lnRef idx="2">
+            <a:schemeClr val="accent1">
+              <a:shade val="50000"/>
+            </a:schemeClr>
+          </a:lnRef>
+          <a:fillRef idx="1">
+            <a:schemeClr val="accent1"/>
+          </a:fillRef>
+          <a:effectRef idx="0">
+            <a:schemeClr val="accent1"/>
+          </a:effectRef>
+          <a:fontRef idx="minor">
+            <a:schemeClr val="lt1"/>
+          </a:fontRef>
+        </p:style>
+        <p:txBody>
+          <a:bodyPr wrap="square" rtlCol="0" anchor="ctr">
+            <a:noAutofit/>
+          </a:bodyPr>
+          <a:lstStyle/>
+          <a:p>
+            <a:pPr algn="ctr"/>
+            <a:endParaRPr lang="en-US"/>
+          </a:p>
+        </p:txBody>
+      </p:sp>
+      <p:sp>
+        <p:nvSpPr>
+          <p:cNvPr id="2" name="Title 1">
+            <a:extLst>
+              <a:ext uri="{FF2B5EF4-FFF2-40B4-BE49-F238E27FC236}">
+                <a16:creationId xmlns:a16="http://schemas.microsoft.com/office/drawing/2014/main" id="{4C84315F-315F-4066-9D3A-472733691F27}"/>
+              </a:ext>
+            </a:extLst>
+          </p:cNvPr>
+          <p:cNvSpPr>
+            <a:spLocks noGrp="1"/>
+          </p:cNvSpPr>
+          <p:nvPr>
+            <p:ph type="title"/>
+          </p:nvPr>
+        </p:nvSpPr>
+        <p:spPr>
+          <a:xfrm>
+            <a:off x="2555631" y="1441938"/>
+            <a:ext cx="7080738" cy="3974124"/>
+          </a:xfrm>
+        </p:spPr>
+        <p:txBody>
+          <a:bodyPr vert="horz" lIns="91440" tIns="45720" rIns="91440" bIns="45720" rtlCol="0" anchor="ctr">
+            <a:normAutofit/>
+          </a:bodyPr>
+          <a:lstStyle/>
+          <a:p>
+            <a:pPr algn="ctr"/>
+            <a:r>
+              <a:rPr lang="en-US" sz="5400">
+                <a:solidFill>
+                  <a:schemeClr val="bg1">
+                    <a:lumMod val="95000"/>
+                    <a:lumOff val="5000"/>
+                  </a:schemeClr>
+                </a:solidFill>
+              </a:rPr>
+              <a:t>Codeimplementierungen</a:t>
+            </a:r>
+          </a:p>
+        </p:txBody>
+      </p:sp>
+      <p:sp>
+        <p:nvSpPr>
+          <p:cNvPr id="4" name="Footer Placeholder 3">
+            <a:extLst>
+              <a:ext uri="{FF2B5EF4-FFF2-40B4-BE49-F238E27FC236}">
+                <a16:creationId xmlns:a16="http://schemas.microsoft.com/office/drawing/2014/main" id="{0EF7D1E5-7A19-4BA2-8CAA-9135FB90076C}"/>
+              </a:ext>
+            </a:extLst>
+          </p:cNvPr>
+          <p:cNvSpPr>
+            <a:spLocks noGrp="1"/>
+          </p:cNvSpPr>
+          <p:nvPr>
+            <p:ph type="ftr" sz="quarter" idx="11"/>
+          </p:nvPr>
+        </p:nvSpPr>
+        <p:spPr>
+          <a:xfrm>
+            <a:off x="3892062" y="6199632"/>
+            <a:ext cx="4407876" cy="365125"/>
+          </a:xfrm>
+        </p:spPr>
+        <p:txBody>
+          <a:bodyPr vert="horz" lIns="91440" tIns="45720" rIns="91440" bIns="45720" rtlCol="0" anchor="ctr">
+            <a:normAutofit/>
+          </a:bodyPr>
+          <a:lstStyle/>
+          <a:p>
+            <a:pPr defTabSz="457200">
+              <a:spcAft>
+                <a:spcPts val="600"/>
+              </a:spcAft>
+            </a:pPr>
+            <a:r>
+              <a:rPr lang="en-US" sz="1100" kern="1200">
+                <a:solidFill>
+                  <a:schemeClr val="bg1">
+                    <a:alpha val="80000"/>
+                  </a:schemeClr>
+                </a:solidFill>
+                <a:latin typeface="+mn-lt"/>
+                <a:ea typeface="+mn-ea"/>
+                <a:cs typeface="+mn-cs"/>
+              </a:rPr>
+              <a:t>WS19/20 - PV-Modulportal - Rüffer, Vorwerk, Withöft, Zolkin</a:t>
+            </a:r>
+          </a:p>
+        </p:txBody>
+      </p:sp>
+      <p:sp>
+        <p:nvSpPr>
+          <p:cNvPr id="5" name="Slide Number Placeholder 4">
+            <a:extLst>
+              <a:ext uri="{FF2B5EF4-FFF2-40B4-BE49-F238E27FC236}">
+                <a16:creationId xmlns:a16="http://schemas.microsoft.com/office/drawing/2014/main" id="{FAC16E02-623C-4BDA-BAFA-B73797A517FD}"/>
+              </a:ext>
+            </a:extLst>
+          </p:cNvPr>
+          <p:cNvSpPr>
+            <a:spLocks noGrp="1"/>
+          </p:cNvSpPr>
+          <p:nvPr>
+            <p:ph type="sldNum" sz="quarter" idx="12"/>
+          </p:nvPr>
+        </p:nvSpPr>
+        <p:spPr>
+          <a:xfrm>
+            <a:off x="11000232" y="6108192"/>
+            <a:ext cx="548640" cy="548640"/>
+          </a:xfrm>
+          <a:prstGeom prst="ellipse">
+            <a:avLst/>
+          </a:prstGeom>
+          <a:solidFill>
+            <a:srgbClr val="7F7F7F"/>
+          </a:solidFill>
+        </p:spPr>
+        <p:txBody>
+          <a:bodyPr vert="horz" lIns="91440" tIns="45720" rIns="91440" bIns="45720" rtlCol="0" anchor="ctr">
+            <a:normAutofit/>
+          </a:bodyPr>
+          <a:lstStyle/>
+          <a:p>
+            <a:pPr algn="ctr" defTabSz="457200">
+              <a:spcAft>
+                <a:spcPts val="600"/>
+              </a:spcAft>
+            </a:pPr>
+            <a:fld id="{969E759D-A893-4B96-8B48-96EE547EBC41}" type="slidenum">
+              <a:rPr lang="en-US" sz="1500">
+                <a:solidFill>
+                  <a:srgbClr val="FFFFFF"/>
+                </a:solidFill>
+              </a:rPr>
+              <a:pPr algn="ctr" defTabSz="457200">
+                <a:spcAft>
+                  <a:spcPts val="600"/>
+                </a:spcAft>
+              </a:pPr>
+              <a:t>22</a:t>
+            </a:fld>
+            <a:endParaRPr lang="en-US" sz="1500">
+              <a:solidFill>
+                <a:srgbClr val="FFFFFF"/>
+              </a:solidFill>
+            </a:endParaRPr>
+          </a:p>
+        </p:txBody>
+      </p:sp>
+    </p:spTree>
+    <p:extLst>
+      <p:ext uri="{BB962C8B-B14F-4D97-AF65-F5344CB8AC3E}">
+        <p14:creationId xmlns:p14="http://schemas.microsoft.com/office/powerpoint/2010/main" val="1895535445"/>
+      </p:ext>
+    </p:extLst>
+  </p:cSld>
+  <p:clrMapOvr>
+    <a:overrideClrMapping bg1="dk1" tx1="lt1" bg2="dk2" tx2="lt2" accent1="accent1" accent2="accent2" accent3="accent3" accent4="accent4" accent5="accent5" accent6="accent6" hlink="hlink" folHlink="folHlink"/>
+  </p:clrMapOvr>
+</p:sld>
+</file>
+
+<file path=ppt/slides/slide23.xml><?xml version="1.0" encoding="utf-8"?>
+<p:sld xmlns:a="http://schemas.openxmlformats.org/drawingml/2006/main" xmlns:r="http://schemas.openxmlformats.org/officeDocument/2006/relationships" xmlns:p="http://schemas.openxmlformats.org/presentationml/2006/main">
+  <p:cSld>
+    <p:spTree>
+      <p:nvGrpSpPr>
+        <p:cNvPr id="1" name=""/>
+        <p:cNvGrpSpPr/>
+        <p:nvPr/>
+      </p:nvGrpSpPr>
+      <p:grpSpPr>
+        <a:xfrm>
+          <a:off x="0" y="0"/>
+          <a:ext cx="0" cy="0"/>
+          <a:chOff x="0" y="0"/>
+          <a:chExt cx="0" cy="0"/>
+        </a:xfrm>
+      </p:grpSpPr>
+      <p:sp>
+        <p:nvSpPr>
+          <p:cNvPr id="2" name="Title 1">
+            <a:extLst>
+              <a:ext uri="{FF2B5EF4-FFF2-40B4-BE49-F238E27FC236}">
+                <a16:creationId xmlns:a16="http://schemas.microsoft.com/office/drawing/2014/main" id="{4C84315F-315F-4066-9D3A-472733691F27}"/>
+              </a:ext>
+            </a:extLst>
+          </p:cNvPr>
+          <p:cNvSpPr>
+            <a:spLocks noGrp="1"/>
+          </p:cNvSpPr>
+          <p:nvPr>
+            <p:ph type="title"/>
+          </p:nvPr>
+        </p:nvSpPr>
+        <p:spPr/>
+        <p:txBody>
+          <a:bodyPr>
+            <a:normAutofit fontScale="90000"/>
+          </a:bodyPr>
+          <a:lstStyle/>
+          <a:p>
+            <a:r>
+              <a:rPr lang="en-NZ" dirty="0" err="1"/>
+              <a:t>Codeimplementierungen</a:t>
+            </a:r>
+            <a:r>
+              <a:rPr lang="en-NZ" dirty="0"/>
+              <a:t>    – 	Handling der 									</a:t>
+            </a:r>
+            <a:r>
+              <a:rPr lang="en-NZ" dirty="0" err="1"/>
+              <a:t>Suchergebnisse</a:t>
+            </a:r>
+            <a:endParaRPr lang="de-DE" dirty="0"/>
+          </a:p>
+        </p:txBody>
+      </p:sp>
+      <p:sp>
+        <p:nvSpPr>
+          <p:cNvPr id="3" name="Content Placeholder 2">
+            <a:extLst>
+              <a:ext uri="{FF2B5EF4-FFF2-40B4-BE49-F238E27FC236}">
+                <a16:creationId xmlns:a16="http://schemas.microsoft.com/office/drawing/2014/main" id="{3CCB48FF-D0DB-4239-BF7B-3AC940333DEC}"/>
+              </a:ext>
+            </a:extLst>
+          </p:cNvPr>
+          <p:cNvSpPr>
+            <a:spLocks noGrp="1"/>
+          </p:cNvSpPr>
+          <p:nvPr>
+            <p:ph sz="half" idx="1"/>
+          </p:nvPr>
+        </p:nvSpPr>
+        <p:spPr/>
+        <p:txBody>
+          <a:bodyPr>
+            <a:normAutofit/>
+          </a:bodyPr>
+          <a:lstStyle/>
+          <a:p>
+            <a:r>
+              <a:rPr lang="en-NZ" dirty="0" err="1"/>
+              <a:t>Suchergebnis</a:t>
+            </a:r>
+            <a:r>
+              <a:rPr lang="en-NZ" dirty="0"/>
+              <a:t> </a:t>
+            </a:r>
+            <a:r>
+              <a:rPr lang="en-NZ" dirty="0" err="1"/>
+              <a:t>kann</a:t>
+            </a:r>
+            <a:r>
+              <a:rPr lang="en-NZ" dirty="0"/>
+              <a:t> sein:</a:t>
+            </a:r>
+          </a:p>
+          <a:p>
+            <a:pPr lvl="1"/>
+            <a:r>
+              <a:rPr lang="en-NZ" dirty="0" err="1"/>
+              <a:t>Hersteller</a:t>
+            </a:r>
+            <a:endParaRPr lang="en-NZ" dirty="0"/>
+          </a:p>
+          <a:p>
+            <a:pPr lvl="2"/>
+            <a:r>
+              <a:rPr lang="en-NZ" dirty="0" err="1"/>
+              <a:t>Suche</a:t>
+            </a:r>
+            <a:r>
+              <a:rPr lang="en-NZ" dirty="0"/>
+              <a:t> nach </a:t>
+            </a:r>
+            <a:r>
+              <a:rPr lang="en-NZ" dirty="0" err="1"/>
+              <a:t>Modultypen</a:t>
+            </a:r>
+            <a:endParaRPr lang="en-NZ" dirty="0"/>
+          </a:p>
+          <a:p>
+            <a:pPr lvl="1"/>
+            <a:r>
+              <a:rPr lang="en-NZ" dirty="0" err="1"/>
+              <a:t>Modultyp</a:t>
+            </a:r>
+            <a:endParaRPr lang="en-NZ" dirty="0"/>
+          </a:p>
+          <a:p>
+            <a:pPr lvl="2"/>
+            <a:r>
+              <a:rPr lang="en-NZ" dirty="0" err="1"/>
+              <a:t>Verweis</a:t>
+            </a:r>
+            <a:r>
+              <a:rPr lang="en-NZ" dirty="0"/>
+              <a:t> auf </a:t>
+            </a:r>
+            <a:r>
+              <a:rPr lang="en-NZ" dirty="0" err="1"/>
+              <a:t>Detailseite</a:t>
+            </a:r>
+            <a:endParaRPr lang="en-NZ" dirty="0"/>
+          </a:p>
+          <a:p>
+            <a:r>
+              <a:rPr lang="en-NZ" dirty="0" err="1"/>
+              <a:t>Werden</a:t>
+            </a:r>
+            <a:r>
+              <a:rPr lang="en-NZ" dirty="0"/>
+              <a:t> in </a:t>
+            </a:r>
+            <a:r>
+              <a:rPr lang="en-NZ" dirty="0" err="1"/>
+              <a:t>gleicher</a:t>
+            </a:r>
+            <a:r>
+              <a:rPr lang="en-NZ" dirty="0"/>
+              <a:t> </a:t>
+            </a:r>
+            <a:r>
+              <a:rPr lang="en-NZ" dirty="0" err="1"/>
+              <a:t>Methode</a:t>
+            </a:r>
+            <a:r>
+              <a:rPr lang="en-NZ" dirty="0"/>
+              <a:t> </a:t>
+            </a:r>
+            <a:r>
+              <a:rPr lang="en-NZ" dirty="0" err="1"/>
+              <a:t>zugefügt</a:t>
+            </a:r>
+            <a:endParaRPr lang="en-NZ" dirty="0"/>
+          </a:p>
+          <a:p>
+            <a:r>
+              <a:rPr lang="en-NZ" dirty="0" err="1"/>
+              <a:t>Idee</a:t>
+            </a:r>
+            <a:r>
+              <a:rPr lang="en-NZ" dirty="0"/>
+              <a:t>: </a:t>
+            </a:r>
+            <a:r>
+              <a:rPr lang="en-NZ" dirty="0" err="1"/>
+              <a:t>Enum</a:t>
+            </a:r>
+            <a:r>
+              <a:rPr lang="en-NZ" dirty="0"/>
+              <a:t> </a:t>
+            </a:r>
+            <a:r>
+              <a:rPr lang="en-NZ" dirty="0" err="1"/>
+              <a:t>zum</a:t>
+            </a:r>
+            <a:r>
+              <a:rPr lang="en-NZ" dirty="0"/>
+              <a:t> </a:t>
+            </a:r>
+            <a:r>
+              <a:rPr lang="en-NZ" dirty="0" err="1"/>
+              <a:t>Unterscheiden</a:t>
+            </a:r>
+            <a:endParaRPr lang="en-NZ" dirty="0"/>
+          </a:p>
+          <a:p>
+            <a:r>
+              <a:rPr lang="en-NZ" dirty="0" err="1"/>
+              <a:t>Vorteil</a:t>
+            </a:r>
+            <a:r>
+              <a:rPr lang="en-NZ" dirty="0"/>
+              <a:t>: </a:t>
+            </a:r>
+            <a:r>
+              <a:rPr lang="en-NZ" dirty="0" err="1"/>
+              <a:t>Keine</a:t>
+            </a:r>
+            <a:r>
+              <a:rPr lang="en-NZ" dirty="0"/>
+              <a:t> </a:t>
+            </a:r>
+            <a:r>
+              <a:rPr lang="en-NZ" dirty="0" err="1"/>
+              <a:t>zweite</a:t>
+            </a:r>
+            <a:r>
+              <a:rPr lang="en-NZ" dirty="0"/>
+              <a:t> </a:t>
+            </a:r>
+            <a:r>
+              <a:rPr lang="en-NZ" dirty="0" err="1"/>
+              <a:t>Methode</a:t>
+            </a:r>
+            <a:r>
+              <a:rPr lang="en-NZ" dirty="0"/>
+              <a:t> </a:t>
+            </a:r>
+            <a:r>
+              <a:rPr lang="en-NZ" dirty="0" err="1"/>
+              <a:t>für</a:t>
+            </a:r>
+            <a:r>
+              <a:rPr lang="en-NZ" dirty="0"/>
+              <a:t> </a:t>
+            </a:r>
+            <a:r>
+              <a:rPr lang="en-NZ" dirty="0" err="1"/>
+              <a:t>gleichen</a:t>
+            </a:r>
+            <a:r>
+              <a:rPr lang="en-NZ" dirty="0"/>
+              <a:t> </a:t>
+            </a:r>
+            <a:r>
+              <a:rPr lang="en-NZ" dirty="0" err="1"/>
+              <a:t>Anwendungsfall</a:t>
+            </a:r>
+            <a:endParaRPr lang="de-DE" dirty="0"/>
+          </a:p>
+        </p:txBody>
+      </p:sp>
+      <p:sp>
+        <p:nvSpPr>
+          <p:cNvPr id="4" name="Footer Placeholder 3">
+            <a:extLst>
+              <a:ext uri="{FF2B5EF4-FFF2-40B4-BE49-F238E27FC236}">
+                <a16:creationId xmlns:a16="http://schemas.microsoft.com/office/drawing/2014/main" id="{0EF7D1E5-7A19-4BA2-8CAA-9135FB90076C}"/>
+              </a:ext>
+            </a:extLst>
+          </p:cNvPr>
+          <p:cNvSpPr>
+            <a:spLocks noGrp="1"/>
+          </p:cNvSpPr>
+          <p:nvPr>
+            <p:ph type="ftr" sz="quarter" idx="11"/>
+          </p:nvPr>
+        </p:nvSpPr>
+        <p:spPr/>
+        <p:txBody>
+          <a:bodyPr/>
+          <a:lstStyle/>
+          <a:p>
+            <a:r>
+              <a:rPr lang="de-DE"/>
+              <a:t>WS19/20 - PV-Modulportal - Rüffer, Vorwerk, Withöft, Zolkin</a:t>
+            </a:r>
+          </a:p>
+        </p:txBody>
+      </p:sp>
+      <p:sp>
+        <p:nvSpPr>
+          <p:cNvPr id="5" name="Slide Number Placeholder 4">
+            <a:extLst>
+              <a:ext uri="{FF2B5EF4-FFF2-40B4-BE49-F238E27FC236}">
+                <a16:creationId xmlns:a16="http://schemas.microsoft.com/office/drawing/2014/main" id="{FAC16E02-623C-4BDA-BAFA-B73797A517FD}"/>
+              </a:ext>
+            </a:extLst>
+          </p:cNvPr>
+          <p:cNvSpPr>
+            <a:spLocks noGrp="1"/>
+          </p:cNvSpPr>
+          <p:nvPr>
+            <p:ph type="sldNum" sz="quarter" idx="12"/>
+          </p:nvPr>
+        </p:nvSpPr>
+        <p:spPr/>
+        <p:txBody>
+          <a:bodyPr/>
+          <a:lstStyle/>
+          <a:p>
+            <a:fld id="{969E759D-A893-4B96-8B48-96EE547EBC41}" type="slidenum">
+              <a:rPr lang="de-DE" smtClean="0"/>
+              <a:t>23</a:t>
+            </a:fld>
+            <a:endParaRPr lang="de-DE"/>
+          </a:p>
+        </p:txBody>
+      </p:sp>
+      <p:pic>
+        <p:nvPicPr>
+          <p:cNvPr id="8" name="Picture 7">
+            <a:extLst>
+              <a:ext uri="{FF2B5EF4-FFF2-40B4-BE49-F238E27FC236}">
+                <a16:creationId xmlns:a16="http://schemas.microsoft.com/office/drawing/2014/main" id="{727B0294-0674-43BC-BDB7-4BEB8B9EBA86}"/>
+              </a:ext>
+            </a:extLst>
+          </p:cNvPr>
+          <p:cNvPicPr>
+            <a:picLocks noChangeAspect="1"/>
+          </p:cNvPicPr>
+          <p:nvPr/>
+        </p:nvPicPr>
+        <p:blipFill>
+          <a:blip r:embed="rId2">
+            <a:extLst>
+              <a:ext uri="{28A0092B-C50C-407E-A947-70E740481C1C}">
+                <a14:useLocalDpi xmlns:a14="http://schemas.microsoft.com/office/drawing/2010/main" val="0"/>
+              </a:ext>
+            </a:extLst>
+          </a:blip>
+          <a:stretch>
+            <a:fillRect/>
+          </a:stretch>
+        </p:blipFill>
+        <p:spPr>
+          <a:xfrm>
+            <a:off x="5753100" y="2112645"/>
+            <a:ext cx="5715000" cy="213360"/>
+          </a:xfrm>
+          <a:prstGeom prst="rect">
+            <a:avLst/>
+          </a:prstGeom>
+        </p:spPr>
+      </p:pic>
+      <p:pic>
+        <p:nvPicPr>
+          <p:cNvPr id="10" name="Picture 9" descr="A screenshot of a cell phone&#10;&#10;Description automatically generated">
+            <a:extLst>
+              <a:ext uri="{FF2B5EF4-FFF2-40B4-BE49-F238E27FC236}">
+                <a16:creationId xmlns:a16="http://schemas.microsoft.com/office/drawing/2014/main" id="{49618CDA-DEB7-47DC-9E64-77CBE909E0AE}"/>
+              </a:ext>
+            </a:extLst>
+          </p:cNvPr>
+          <p:cNvPicPr>
+            <a:picLocks noChangeAspect="1"/>
+          </p:cNvPicPr>
+          <p:nvPr/>
+        </p:nvPicPr>
+        <p:blipFill>
+          <a:blip r:embed="rId3">
+            <a:extLst>
+              <a:ext uri="{28A0092B-C50C-407E-A947-70E740481C1C}">
+                <a14:useLocalDpi xmlns:a14="http://schemas.microsoft.com/office/drawing/2010/main" val="0"/>
+              </a:ext>
+            </a:extLst>
+          </a:blip>
+          <a:stretch>
+            <a:fillRect/>
+          </a:stretch>
+        </p:blipFill>
+        <p:spPr>
+          <a:xfrm>
+            <a:off x="6019800" y="2396490"/>
+            <a:ext cx="4808220" cy="2065020"/>
+          </a:xfrm>
+          <a:prstGeom prst="rect">
+            <a:avLst/>
+          </a:prstGeom>
+        </p:spPr>
+      </p:pic>
+    </p:spTree>
+    <p:extLst>
+      <p:ext uri="{BB962C8B-B14F-4D97-AF65-F5344CB8AC3E}">
+        <p14:creationId xmlns:p14="http://schemas.microsoft.com/office/powerpoint/2010/main" val="1219806837"/>
+      </p:ext>
+    </p:extLst>
+  </p:cSld>
+  <p:clrMapOvr>
+    <a:masterClrMapping/>
+  </p:clrMapOvr>
+</p:sld>
+</file>
+
+<file path=ppt/slides/slide24.xml><?xml version="1.0" encoding="utf-8"?>
+<p:sld xmlns:a="http://schemas.openxmlformats.org/drawingml/2006/main" xmlns:r="http://schemas.openxmlformats.org/officeDocument/2006/relationships" xmlns:p="http://schemas.openxmlformats.org/presentationml/2006/main">
+  <p:cSld>
+    <p:spTree>
+      <p:nvGrpSpPr>
+        <p:cNvPr id="1" name=""/>
+        <p:cNvGrpSpPr/>
+        <p:nvPr/>
+      </p:nvGrpSpPr>
+      <p:grpSpPr>
+        <a:xfrm>
+          <a:off x="0" y="0"/>
+          <a:ext cx="0" cy="0"/>
+          <a:chOff x="0" y="0"/>
+          <a:chExt cx="0" cy="0"/>
+        </a:xfrm>
+      </p:grpSpPr>
+      <p:sp>
+        <p:nvSpPr>
+          <p:cNvPr id="2" name="Title 1">
+            <a:extLst>
+              <a:ext uri="{FF2B5EF4-FFF2-40B4-BE49-F238E27FC236}">
+                <a16:creationId xmlns:a16="http://schemas.microsoft.com/office/drawing/2014/main" id="{4C84315F-315F-4066-9D3A-472733691F27}"/>
+              </a:ext>
+            </a:extLst>
+          </p:cNvPr>
+          <p:cNvSpPr>
+            <a:spLocks noGrp="1"/>
+          </p:cNvSpPr>
+          <p:nvPr>
+            <p:ph type="title"/>
+          </p:nvPr>
+        </p:nvSpPr>
+        <p:spPr>
+          <a:xfrm>
+            <a:off x="838200" y="365125"/>
+            <a:ext cx="10515600" cy="1325563"/>
+          </a:xfrm>
+        </p:spPr>
+        <p:txBody>
+          <a:bodyPr>
+            <a:normAutofit fontScale="90000"/>
+          </a:bodyPr>
+          <a:lstStyle/>
+          <a:p>
+            <a:r>
+              <a:rPr lang="en-NZ"/>
+              <a:t>Codeimplementierungen    – 	Ändern von</a:t>
+            </a:r>
+            <a:br>
+              <a:rPr lang="en-NZ"/>
+            </a:br>
+            <a:r>
+              <a:rPr lang="en-NZ"/>
+              <a:t>							Queryparametern</a:t>
+            </a:r>
+            <a:endParaRPr lang="de-DE" dirty="0"/>
+          </a:p>
+        </p:txBody>
+      </p:sp>
+      <p:sp>
+        <p:nvSpPr>
+          <p:cNvPr id="3" name="Content Placeholder 2">
+            <a:extLst>
+              <a:ext uri="{FF2B5EF4-FFF2-40B4-BE49-F238E27FC236}">
+                <a16:creationId xmlns:a16="http://schemas.microsoft.com/office/drawing/2014/main" id="{3CCB48FF-D0DB-4239-BF7B-3AC940333DEC}"/>
+              </a:ext>
+            </a:extLst>
+          </p:cNvPr>
+          <p:cNvSpPr>
+            <a:spLocks noGrp="1"/>
+          </p:cNvSpPr>
+          <p:nvPr>
+            <p:ph sz="half" idx="1"/>
+          </p:nvPr>
+        </p:nvSpPr>
+        <p:spPr>
+          <a:xfrm>
+            <a:off x="838199" y="1825625"/>
+            <a:ext cx="9267825" cy="4351338"/>
+          </a:xfrm>
+        </p:spPr>
+        <p:txBody>
+          <a:bodyPr>
+            <a:normAutofit/>
+          </a:bodyPr>
+          <a:lstStyle/>
+          <a:p>
+            <a:r>
+              <a:rPr lang="en-NZ" dirty="0" err="1"/>
+              <a:t>Anfragen</a:t>
+            </a:r>
+            <a:r>
+              <a:rPr lang="en-NZ" dirty="0"/>
+              <a:t> an Backend </a:t>
+            </a:r>
+            <a:r>
+              <a:rPr lang="en-NZ" dirty="0" err="1"/>
+              <a:t>über</a:t>
+            </a:r>
+            <a:r>
+              <a:rPr lang="en-NZ" dirty="0"/>
+              <a:t> GET</a:t>
+            </a:r>
+          </a:p>
+          <a:p>
+            <a:r>
+              <a:rPr lang="en-NZ" dirty="0" err="1"/>
+              <a:t>Für</a:t>
+            </a:r>
+            <a:r>
+              <a:rPr lang="en-NZ" dirty="0"/>
+              <a:t> Range-Query </a:t>
+            </a:r>
+            <a:r>
+              <a:rPr lang="en-NZ" dirty="0" err="1"/>
+              <a:t>zur</a:t>
+            </a:r>
+            <a:r>
+              <a:rPr lang="en-NZ" dirty="0"/>
+              <a:t> </a:t>
+            </a:r>
+            <a:r>
+              <a:rPr lang="en-NZ" dirty="0" err="1"/>
+              <a:t>Suche</a:t>
+            </a:r>
+            <a:r>
+              <a:rPr lang="en-NZ" dirty="0"/>
+              <a:t> </a:t>
+            </a:r>
+            <a:r>
+              <a:rPr lang="en-NZ" dirty="0" err="1"/>
+              <a:t>Wildcardoperator</a:t>
+            </a:r>
+            <a:r>
+              <a:rPr lang="en-NZ" dirty="0"/>
+              <a:t> (</a:t>
+            </a:r>
+            <a:r>
+              <a:rPr lang="en-NZ" b="1" i="1" dirty="0"/>
+              <a:t>%</a:t>
+            </a:r>
+            <a:r>
+              <a:rPr lang="en-NZ" dirty="0"/>
+              <a:t>) </a:t>
+            </a:r>
+            <a:r>
+              <a:rPr lang="en-NZ" dirty="0" err="1"/>
+              <a:t>benötigt</a:t>
+            </a:r>
+            <a:endParaRPr lang="en-NZ" dirty="0"/>
+          </a:p>
+          <a:p>
+            <a:r>
+              <a:rPr lang="en-NZ" dirty="0"/>
+              <a:t>Problem: </a:t>
+            </a:r>
+            <a:r>
+              <a:rPr lang="en-NZ" dirty="0" err="1"/>
+              <a:t>Suchanfrage</a:t>
+            </a:r>
+            <a:r>
+              <a:rPr lang="en-NZ" dirty="0"/>
+              <a:t> </a:t>
+            </a:r>
+            <a:r>
+              <a:rPr lang="en-NZ" dirty="0" err="1"/>
+              <a:t>wird</a:t>
+            </a:r>
+            <a:r>
+              <a:rPr lang="en-NZ" dirty="0"/>
+              <a:t> encoded: </a:t>
+            </a:r>
+            <a:r>
+              <a:rPr lang="en-NZ" b="1" i="1" dirty="0"/>
+              <a:t>%AB </a:t>
+            </a:r>
+            <a:r>
+              <a:rPr lang="en-NZ" dirty="0" err="1"/>
+              <a:t>wird</a:t>
+            </a:r>
+            <a:r>
+              <a:rPr lang="en-NZ" dirty="0"/>
+              <a:t> </a:t>
+            </a:r>
+            <a:r>
+              <a:rPr lang="en-NZ" dirty="0" err="1"/>
+              <a:t>zu</a:t>
+            </a:r>
+            <a:r>
+              <a:rPr lang="en-NZ" dirty="0"/>
+              <a:t>  </a:t>
+            </a:r>
+            <a:r>
+              <a:rPr lang="en-NZ" b="1" i="1" dirty="0"/>
+              <a:t>«</a:t>
+            </a:r>
+          </a:p>
+          <a:p>
+            <a:r>
+              <a:rPr lang="en-NZ" dirty="0" err="1"/>
+              <a:t>Wildcardoperator</a:t>
+            </a:r>
+            <a:r>
+              <a:rPr lang="en-NZ" dirty="0"/>
+              <a:t> </a:t>
+            </a:r>
+            <a:r>
+              <a:rPr lang="en-NZ" dirty="0" err="1"/>
+              <a:t>musste</a:t>
+            </a:r>
+            <a:r>
+              <a:rPr lang="en-NZ" dirty="0"/>
+              <a:t> neu </a:t>
+            </a:r>
+            <a:r>
+              <a:rPr lang="en-NZ" dirty="0" err="1"/>
+              <a:t>definiert</a:t>
+            </a:r>
+            <a:r>
+              <a:rPr lang="en-NZ" dirty="0"/>
+              <a:t> </a:t>
+            </a:r>
+            <a:r>
+              <a:rPr lang="en-NZ" dirty="0" err="1"/>
+              <a:t>werden</a:t>
+            </a:r>
+            <a:endParaRPr lang="en-NZ" dirty="0"/>
+          </a:p>
+        </p:txBody>
+      </p:sp>
+      <p:sp>
+        <p:nvSpPr>
+          <p:cNvPr id="4" name="Footer Placeholder 3">
+            <a:extLst>
+              <a:ext uri="{FF2B5EF4-FFF2-40B4-BE49-F238E27FC236}">
+                <a16:creationId xmlns:a16="http://schemas.microsoft.com/office/drawing/2014/main" id="{0EF7D1E5-7A19-4BA2-8CAA-9135FB90076C}"/>
+              </a:ext>
+            </a:extLst>
+          </p:cNvPr>
+          <p:cNvSpPr>
+            <a:spLocks noGrp="1"/>
+          </p:cNvSpPr>
+          <p:nvPr>
+            <p:ph type="ftr" sz="quarter" idx="11"/>
+          </p:nvPr>
+        </p:nvSpPr>
+        <p:spPr>
+          <a:xfrm>
+            <a:off x="4038600" y="6356350"/>
+            <a:ext cx="4114800" cy="365125"/>
+          </a:xfrm>
+        </p:spPr>
+        <p:txBody>
+          <a:bodyPr/>
+          <a:lstStyle/>
+          <a:p>
+            <a:r>
+              <a:rPr lang="de-DE"/>
+              <a:t>WS19/20 - PV-Modulportal - Rüffer, Vorwerk, Withöft, Zolkin</a:t>
+            </a:r>
+          </a:p>
+        </p:txBody>
+      </p:sp>
+      <p:sp>
+        <p:nvSpPr>
+          <p:cNvPr id="5" name="Slide Number Placeholder 4">
+            <a:extLst>
+              <a:ext uri="{FF2B5EF4-FFF2-40B4-BE49-F238E27FC236}">
+                <a16:creationId xmlns:a16="http://schemas.microsoft.com/office/drawing/2014/main" id="{FAC16E02-623C-4BDA-BAFA-B73797A517FD}"/>
+              </a:ext>
+            </a:extLst>
+          </p:cNvPr>
+          <p:cNvSpPr>
+            <a:spLocks noGrp="1"/>
+          </p:cNvSpPr>
+          <p:nvPr>
+            <p:ph type="sldNum" sz="quarter" idx="12"/>
+          </p:nvPr>
+        </p:nvSpPr>
+        <p:spPr>
+          <a:xfrm>
+            <a:off x="8610600" y="6356350"/>
+            <a:ext cx="2743200" cy="365125"/>
+          </a:xfrm>
+        </p:spPr>
+        <p:txBody>
+          <a:bodyPr/>
+          <a:lstStyle/>
+          <a:p>
+            <a:fld id="{969E759D-A893-4B96-8B48-96EE547EBC41}" type="slidenum">
+              <a:rPr lang="de-DE" smtClean="0"/>
+              <a:t>24</a:t>
+            </a:fld>
+            <a:endParaRPr lang="de-DE"/>
+          </a:p>
+        </p:txBody>
+      </p:sp>
+      <p:pic>
+        <p:nvPicPr>
+          <p:cNvPr id="12" name="Picture 11">
+            <a:extLst>
+              <a:ext uri="{FF2B5EF4-FFF2-40B4-BE49-F238E27FC236}">
+                <a16:creationId xmlns:a16="http://schemas.microsoft.com/office/drawing/2014/main" id="{4952C6A9-A774-46DB-BDF1-F673FA48CDFD}"/>
+              </a:ext>
+            </a:extLst>
+          </p:cNvPr>
+          <p:cNvPicPr>
+            <a:picLocks noChangeAspect="1"/>
+          </p:cNvPicPr>
+          <p:nvPr/>
+        </p:nvPicPr>
+        <p:blipFill>
+          <a:blip r:embed="rId2">
+            <a:extLst>
+              <a:ext uri="{28A0092B-C50C-407E-A947-70E740481C1C}">
+                <a14:useLocalDpi xmlns:a14="http://schemas.microsoft.com/office/drawing/2010/main" val="0"/>
+              </a:ext>
+            </a:extLst>
+          </a:blip>
+          <a:stretch>
+            <a:fillRect/>
+          </a:stretch>
+        </p:blipFill>
+        <p:spPr>
+          <a:xfrm>
+            <a:off x="204950" y="4377205"/>
+            <a:ext cx="11782100" cy="1189273"/>
+          </a:xfrm>
+          <a:prstGeom prst="rect">
+            <a:avLst/>
+          </a:prstGeom>
+        </p:spPr>
+      </p:pic>
+    </p:spTree>
+    <p:extLst>
+      <p:ext uri="{BB962C8B-B14F-4D97-AF65-F5344CB8AC3E}">
+        <p14:creationId xmlns:p14="http://schemas.microsoft.com/office/powerpoint/2010/main" val="1507256200"/>
+      </p:ext>
+    </p:extLst>
+  </p:cSld>
+  <p:clrMapOvr>
+    <a:masterClrMapping/>
+  </p:clrMapOvr>
+</p:sld>
+</file>
+
+<file path=ppt/slides/slide25.xml><?xml version="1.0" encoding="utf-8"?>
+<p:sld xmlns:a="http://schemas.openxmlformats.org/drawingml/2006/main" xmlns:r="http://schemas.openxmlformats.org/officeDocument/2006/relationships" xmlns:p="http://schemas.openxmlformats.org/presentationml/2006/main">
+  <p:cSld>
+    <p:spTree>
+      <p:nvGrpSpPr>
+        <p:cNvPr id="1" name=""/>
+        <p:cNvGrpSpPr/>
+        <p:nvPr/>
+      </p:nvGrpSpPr>
+      <p:grpSpPr>
+        <a:xfrm>
+          <a:off x="0" y="0"/>
+          <a:ext cx="0" cy="0"/>
+          <a:chOff x="0" y="0"/>
+          <a:chExt cx="0" cy="0"/>
+        </a:xfrm>
+      </p:grpSpPr>
+      <p:sp>
+        <p:nvSpPr>
+          <p:cNvPr id="2" name="Title 1">
+            <a:extLst>
+              <a:ext uri="{FF2B5EF4-FFF2-40B4-BE49-F238E27FC236}">
+                <a16:creationId xmlns:a16="http://schemas.microsoft.com/office/drawing/2014/main" id="{4C84315F-315F-4066-9D3A-472733691F27}"/>
+              </a:ext>
+            </a:extLst>
+          </p:cNvPr>
+          <p:cNvSpPr>
+            <a:spLocks noGrp="1"/>
+          </p:cNvSpPr>
+          <p:nvPr>
+            <p:ph type="title"/>
+          </p:nvPr>
+        </p:nvSpPr>
+        <p:spPr>
+          <a:xfrm>
+            <a:off x="838200" y="365125"/>
+            <a:ext cx="10515600" cy="1325563"/>
+          </a:xfrm>
+        </p:spPr>
+        <p:txBody>
+          <a:bodyPr>
+            <a:normAutofit/>
+          </a:bodyPr>
+          <a:lstStyle/>
+          <a:p>
+            <a:r>
+              <a:rPr lang="en-NZ" dirty="0" err="1"/>
+              <a:t>Codeimplementierungen</a:t>
+            </a:r>
+            <a:r>
+              <a:rPr lang="en-NZ" dirty="0"/>
+              <a:t>  – 	Backend</a:t>
+            </a:r>
+            <a:br>
+              <a:rPr lang="en-NZ" dirty="0"/>
+            </a:br>
+            <a:r>
+              <a:rPr lang="en-NZ" dirty="0"/>
+              <a:t>							</a:t>
+            </a:r>
+            <a:r>
+              <a:rPr lang="en-NZ" dirty="0" err="1"/>
+              <a:t>Suche</a:t>
+            </a:r>
+            <a:r>
+              <a:rPr lang="en-NZ" dirty="0"/>
+              <a:t> I</a:t>
+            </a:r>
+            <a:endParaRPr lang="de-DE" dirty="0"/>
+          </a:p>
+        </p:txBody>
+      </p:sp>
+      <p:pic>
+        <p:nvPicPr>
+          <p:cNvPr id="8" name="Inhaltsplatzhalter 7" descr="Ein Bild, das Screenshot enthält.&#10;&#10;Automatisch generierte Beschreibung">
+            <a:extLst>
+              <a:ext uri="{FF2B5EF4-FFF2-40B4-BE49-F238E27FC236}">
+                <a16:creationId xmlns:a16="http://schemas.microsoft.com/office/drawing/2014/main" id="{E3924121-A383-42BD-A8DC-7D467B374357}"/>
+              </a:ext>
+            </a:extLst>
+          </p:cNvPr>
+          <p:cNvPicPr>
+            <a:picLocks noGrp="1" noChangeAspect="1"/>
+          </p:cNvPicPr>
+          <p:nvPr>
+            <p:ph sz="half" idx="1"/>
+          </p:nvPr>
+        </p:nvPicPr>
+        <p:blipFill>
+          <a:blip r:embed="rId2">
+            <a:extLst>
+              <a:ext uri="{28A0092B-C50C-407E-A947-70E740481C1C}">
+                <a14:useLocalDpi xmlns:a14="http://schemas.microsoft.com/office/drawing/2010/main" val="0"/>
+              </a:ext>
+            </a:extLst>
+          </a:blip>
+          <a:stretch>
+            <a:fillRect/>
+          </a:stretch>
+        </p:blipFill>
+        <p:spPr>
+          <a:xfrm>
+            <a:off x="404089" y="2654125"/>
+            <a:ext cx="5950530" cy="2895499"/>
+          </a:xfrm>
+        </p:spPr>
+      </p:pic>
+      <p:sp>
+        <p:nvSpPr>
+          <p:cNvPr id="4" name="Footer Placeholder 3">
+            <a:extLst>
+              <a:ext uri="{FF2B5EF4-FFF2-40B4-BE49-F238E27FC236}">
+                <a16:creationId xmlns:a16="http://schemas.microsoft.com/office/drawing/2014/main" id="{0EF7D1E5-7A19-4BA2-8CAA-9135FB90076C}"/>
+              </a:ext>
+            </a:extLst>
+          </p:cNvPr>
+          <p:cNvSpPr>
+            <a:spLocks noGrp="1"/>
+          </p:cNvSpPr>
+          <p:nvPr>
+            <p:ph type="ftr" sz="quarter" idx="11"/>
+          </p:nvPr>
+        </p:nvSpPr>
+        <p:spPr>
+          <a:xfrm>
+            <a:off x="4038600" y="6356350"/>
+            <a:ext cx="4114800" cy="365125"/>
+          </a:xfrm>
+        </p:spPr>
+        <p:txBody>
+          <a:bodyPr/>
+          <a:lstStyle/>
+          <a:p>
+            <a:r>
+              <a:rPr lang="de-DE"/>
+              <a:t>WS19/20 - PV-Modulportal - Rüffer, Vorwerk, Withöft, Zolkin</a:t>
+            </a:r>
+          </a:p>
+        </p:txBody>
+      </p:sp>
+      <p:sp>
+        <p:nvSpPr>
+          <p:cNvPr id="5" name="Slide Number Placeholder 4">
+            <a:extLst>
+              <a:ext uri="{FF2B5EF4-FFF2-40B4-BE49-F238E27FC236}">
+                <a16:creationId xmlns:a16="http://schemas.microsoft.com/office/drawing/2014/main" id="{FAC16E02-623C-4BDA-BAFA-B73797A517FD}"/>
+              </a:ext>
+            </a:extLst>
+          </p:cNvPr>
+          <p:cNvSpPr>
+            <a:spLocks noGrp="1"/>
+          </p:cNvSpPr>
+          <p:nvPr>
+            <p:ph type="sldNum" sz="quarter" idx="12"/>
+          </p:nvPr>
+        </p:nvSpPr>
+        <p:spPr>
+          <a:xfrm>
+            <a:off x="8610600" y="6356350"/>
+            <a:ext cx="2743200" cy="365125"/>
+          </a:xfrm>
+        </p:spPr>
+        <p:txBody>
+          <a:bodyPr/>
+          <a:lstStyle/>
+          <a:p>
+            <a:fld id="{969E759D-A893-4B96-8B48-96EE547EBC41}" type="slidenum">
+              <a:rPr lang="de-DE" smtClean="0"/>
+              <a:t>25</a:t>
+            </a:fld>
+            <a:endParaRPr lang="de-DE"/>
+          </a:p>
+        </p:txBody>
+      </p:sp>
+      <p:sp>
+        <p:nvSpPr>
+          <p:cNvPr id="9" name="Textfeld 8">
+            <a:extLst>
+              <a:ext uri="{FF2B5EF4-FFF2-40B4-BE49-F238E27FC236}">
+                <a16:creationId xmlns:a16="http://schemas.microsoft.com/office/drawing/2014/main" id="{0BC016EB-C997-45C6-8835-9C6489AE7467}"/>
+              </a:ext>
+            </a:extLst>
+          </p:cNvPr>
+          <p:cNvSpPr txBox="1"/>
+          <p:nvPr/>
+        </p:nvSpPr>
+        <p:spPr>
+          <a:xfrm>
+            <a:off x="1745671" y="2170850"/>
+            <a:ext cx="2655022" cy="369332"/>
+          </a:xfrm>
+          <a:prstGeom prst="rect">
+            <a:avLst/>
+          </a:prstGeom>
+          <a:noFill/>
+        </p:spPr>
+        <p:txBody>
+          <a:bodyPr wrap="none" rtlCol="0">
+            <a:spAutoFit/>
+          </a:bodyPr>
+          <a:lstStyle/>
+          <a:p>
+            <a:r>
+              <a:rPr lang="de-DE" dirty="0"/>
+              <a:t>Parsen der GET-Parameter</a:t>
+            </a:r>
+          </a:p>
+        </p:txBody>
+      </p:sp>
+      <p:pic>
+        <p:nvPicPr>
+          <p:cNvPr id="11" name="Grafik 10" descr="Ein Bild, das Screenshot enthält.&#10;&#10;Automatisch generierte Beschreibung">
+            <a:extLst>
+              <a:ext uri="{FF2B5EF4-FFF2-40B4-BE49-F238E27FC236}">
+                <a16:creationId xmlns:a16="http://schemas.microsoft.com/office/drawing/2014/main" id="{2788B166-ACA4-49D8-8267-C2B86797E620}"/>
+              </a:ext>
+            </a:extLst>
+          </p:cNvPr>
+          <p:cNvPicPr>
+            <a:picLocks noChangeAspect="1"/>
+          </p:cNvPicPr>
+          <p:nvPr/>
+        </p:nvPicPr>
+        <p:blipFill>
+          <a:blip r:embed="rId3">
+            <a:extLst>
+              <a:ext uri="{28A0092B-C50C-407E-A947-70E740481C1C}">
+                <a14:useLocalDpi xmlns:a14="http://schemas.microsoft.com/office/drawing/2010/main" val="0"/>
+              </a:ext>
+            </a:extLst>
+          </a:blip>
+          <a:stretch>
+            <a:fillRect/>
+          </a:stretch>
+        </p:blipFill>
+        <p:spPr>
+          <a:xfrm>
+            <a:off x="6902064" y="2654125"/>
+            <a:ext cx="5197657" cy="2895499"/>
+          </a:xfrm>
+          <a:prstGeom prst="rect">
+            <a:avLst/>
+          </a:prstGeom>
+        </p:spPr>
+      </p:pic>
+      <p:sp>
+        <p:nvSpPr>
+          <p:cNvPr id="16" name="Textfeld 15">
+            <a:extLst>
+              <a:ext uri="{FF2B5EF4-FFF2-40B4-BE49-F238E27FC236}">
+                <a16:creationId xmlns:a16="http://schemas.microsoft.com/office/drawing/2014/main" id="{3B830095-FAAF-4349-B714-8DEAD2804688}"/>
+              </a:ext>
+            </a:extLst>
+          </p:cNvPr>
+          <p:cNvSpPr txBox="1"/>
+          <p:nvPr/>
+        </p:nvSpPr>
+        <p:spPr>
+          <a:xfrm>
+            <a:off x="7976034" y="2170850"/>
+            <a:ext cx="3066737" cy="369332"/>
+          </a:xfrm>
+          <a:prstGeom prst="rect">
+            <a:avLst/>
+          </a:prstGeom>
+          <a:noFill/>
+        </p:spPr>
+        <p:txBody>
+          <a:bodyPr wrap="none" rtlCol="0">
+            <a:spAutoFit/>
+          </a:bodyPr>
+          <a:lstStyle/>
+          <a:p>
+            <a:r>
+              <a:rPr lang="de-DE" dirty="0"/>
+              <a:t>Einfügen in die </a:t>
+            </a:r>
+            <a:r>
+              <a:rPr lang="de-DE" dirty="0" err="1"/>
+              <a:t>PreparedQuery</a:t>
+            </a:r>
+            <a:endParaRPr lang="de-DE" dirty="0"/>
+          </a:p>
+        </p:txBody>
+      </p:sp>
+    </p:spTree>
+    <p:extLst>
+      <p:ext uri="{BB962C8B-B14F-4D97-AF65-F5344CB8AC3E}">
+        <p14:creationId xmlns:p14="http://schemas.microsoft.com/office/powerpoint/2010/main" val="622820045"/>
+      </p:ext>
+    </p:extLst>
+  </p:cSld>
+  <p:clrMapOvr>
+    <a:masterClrMapping/>
+  </p:clrMapOvr>
+</p:sld>
+</file>
+
+<file path=ppt/slides/slide26.xml><?xml version="1.0" encoding="utf-8"?>
+<p:sld xmlns:a="http://schemas.openxmlformats.org/drawingml/2006/main" xmlns:r="http://schemas.openxmlformats.org/officeDocument/2006/relationships" xmlns:p="http://schemas.openxmlformats.org/presentationml/2006/main">
+  <p:cSld>
+    <p:spTree>
+      <p:nvGrpSpPr>
+        <p:cNvPr id="1" name=""/>
+        <p:cNvGrpSpPr/>
+        <p:nvPr/>
+      </p:nvGrpSpPr>
+      <p:grpSpPr>
+        <a:xfrm>
+          <a:off x="0" y="0"/>
+          <a:ext cx="0" cy="0"/>
+          <a:chOff x="0" y="0"/>
+          <a:chExt cx="0" cy="0"/>
+        </a:xfrm>
+      </p:grpSpPr>
+      <p:sp>
+        <p:nvSpPr>
+          <p:cNvPr id="2" name="Title 1">
+            <a:extLst>
+              <a:ext uri="{FF2B5EF4-FFF2-40B4-BE49-F238E27FC236}">
+                <a16:creationId xmlns:a16="http://schemas.microsoft.com/office/drawing/2014/main" id="{4C84315F-315F-4066-9D3A-472733691F27}"/>
+              </a:ext>
+            </a:extLst>
+          </p:cNvPr>
+          <p:cNvSpPr>
+            <a:spLocks noGrp="1"/>
+          </p:cNvSpPr>
+          <p:nvPr>
+            <p:ph type="title"/>
+          </p:nvPr>
+        </p:nvSpPr>
+        <p:spPr>
+          <a:xfrm>
+            <a:off x="838200" y="365125"/>
+            <a:ext cx="10515600" cy="1325563"/>
+          </a:xfrm>
+        </p:spPr>
+        <p:txBody>
+          <a:bodyPr>
+            <a:normAutofit/>
+          </a:bodyPr>
+          <a:lstStyle/>
+          <a:p>
+            <a:r>
+              <a:rPr lang="en-NZ" dirty="0" err="1"/>
+              <a:t>Codeimplementierungen</a:t>
+            </a:r>
+            <a:r>
+              <a:rPr lang="en-NZ" dirty="0"/>
+              <a:t>  – 	Backend</a:t>
+            </a:r>
+            <a:br>
+              <a:rPr lang="en-NZ" dirty="0"/>
+            </a:br>
+            <a:r>
+              <a:rPr lang="en-NZ" dirty="0"/>
+              <a:t>							</a:t>
+            </a:r>
+            <a:r>
+              <a:rPr lang="en-NZ" dirty="0" err="1"/>
+              <a:t>Suche</a:t>
+            </a:r>
+            <a:r>
+              <a:rPr lang="en-NZ" dirty="0"/>
+              <a:t> II</a:t>
+            </a:r>
+            <a:endParaRPr lang="de-DE" dirty="0"/>
+          </a:p>
+        </p:txBody>
+      </p:sp>
+      <p:sp>
+        <p:nvSpPr>
+          <p:cNvPr id="4" name="Footer Placeholder 3">
+            <a:extLst>
+              <a:ext uri="{FF2B5EF4-FFF2-40B4-BE49-F238E27FC236}">
+                <a16:creationId xmlns:a16="http://schemas.microsoft.com/office/drawing/2014/main" id="{0EF7D1E5-7A19-4BA2-8CAA-9135FB90076C}"/>
+              </a:ext>
+            </a:extLst>
+          </p:cNvPr>
+          <p:cNvSpPr>
+            <a:spLocks noGrp="1"/>
+          </p:cNvSpPr>
+          <p:nvPr>
+            <p:ph type="ftr" sz="quarter" idx="11"/>
+          </p:nvPr>
+        </p:nvSpPr>
+        <p:spPr>
+          <a:xfrm>
+            <a:off x="4038600" y="6356350"/>
+            <a:ext cx="4114800" cy="365125"/>
+          </a:xfrm>
+        </p:spPr>
+        <p:txBody>
+          <a:bodyPr/>
+          <a:lstStyle/>
+          <a:p>
+            <a:r>
+              <a:rPr lang="de-DE"/>
+              <a:t>WS19/20 - PV-Modulportal - Rüffer, Vorwerk, Withöft, Zolkin</a:t>
+            </a:r>
+          </a:p>
+        </p:txBody>
+      </p:sp>
+      <p:sp>
+        <p:nvSpPr>
+          <p:cNvPr id="5" name="Slide Number Placeholder 4">
+            <a:extLst>
+              <a:ext uri="{FF2B5EF4-FFF2-40B4-BE49-F238E27FC236}">
+                <a16:creationId xmlns:a16="http://schemas.microsoft.com/office/drawing/2014/main" id="{FAC16E02-623C-4BDA-BAFA-B73797A517FD}"/>
+              </a:ext>
+            </a:extLst>
+          </p:cNvPr>
+          <p:cNvSpPr>
+            <a:spLocks noGrp="1"/>
+          </p:cNvSpPr>
+          <p:nvPr>
+            <p:ph type="sldNum" sz="quarter" idx="12"/>
+          </p:nvPr>
+        </p:nvSpPr>
+        <p:spPr>
+          <a:xfrm>
+            <a:off x="8610600" y="6356350"/>
+            <a:ext cx="2743200" cy="365125"/>
+          </a:xfrm>
+        </p:spPr>
+        <p:txBody>
+          <a:bodyPr/>
+          <a:lstStyle/>
+          <a:p>
+            <a:fld id="{969E759D-A893-4B96-8B48-96EE547EBC41}" type="slidenum">
+              <a:rPr lang="de-DE" smtClean="0"/>
+              <a:t>26</a:t>
+            </a:fld>
+            <a:endParaRPr lang="de-DE"/>
+          </a:p>
+        </p:txBody>
+      </p:sp>
+      <p:sp>
+        <p:nvSpPr>
+          <p:cNvPr id="9" name="Textfeld 8">
+            <a:extLst>
+              <a:ext uri="{FF2B5EF4-FFF2-40B4-BE49-F238E27FC236}">
+                <a16:creationId xmlns:a16="http://schemas.microsoft.com/office/drawing/2014/main" id="{0BC016EB-C997-45C6-8835-9C6489AE7467}"/>
+              </a:ext>
+            </a:extLst>
+          </p:cNvPr>
+          <p:cNvSpPr txBox="1"/>
+          <p:nvPr/>
+        </p:nvSpPr>
+        <p:spPr>
+          <a:xfrm>
+            <a:off x="4123633" y="2114068"/>
+            <a:ext cx="3944734" cy="369332"/>
+          </a:xfrm>
+          <a:prstGeom prst="rect">
+            <a:avLst/>
+          </a:prstGeom>
+          <a:noFill/>
+        </p:spPr>
+        <p:txBody>
+          <a:bodyPr wrap="none" rtlCol="0">
+            <a:spAutoFit/>
+          </a:bodyPr>
+          <a:lstStyle/>
+          <a:p>
+            <a:r>
+              <a:rPr lang="de-DE" dirty="0"/>
+              <a:t>Parameter binden, Ersetzung von § zu %</a:t>
+            </a:r>
+          </a:p>
+        </p:txBody>
+      </p:sp>
+      <p:pic>
+        <p:nvPicPr>
+          <p:cNvPr id="6" name="Grafik 5" descr="Ein Bild, das Messer enthält.&#10;&#10;Automatisch generierte Beschreibung">
+            <a:extLst>
+              <a:ext uri="{FF2B5EF4-FFF2-40B4-BE49-F238E27FC236}">
+                <a16:creationId xmlns:a16="http://schemas.microsoft.com/office/drawing/2014/main" id="{33492598-0506-4F48-9736-08ECA55DD99C}"/>
+              </a:ext>
+            </a:extLst>
+          </p:cNvPr>
+          <p:cNvPicPr>
+            <a:picLocks noChangeAspect="1"/>
+          </p:cNvPicPr>
+          <p:nvPr/>
+        </p:nvPicPr>
+        <p:blipFill>
+          <a:blip r:embed="rId2">
+            <a:extLst>
+              <a:ext uri="{28A0092B-C50C-407E-A947-70E740481C1C}">
+                <a14:useLocalDpi xmlns:a14="http://schemas.microsoft.com/office/drawing/2010/main" val="0"/>
+              </a:ext>
+            </a:extLst>
+          </a:blip>
+          <a:stretch>
+            <a:fillRect/>
+          </a:stretch>
+        </p:blipFill>
+        <p:spPr>
+          <a:xfrm>
+            <a:off x="2342626" y="2776583"/>
+            <a:ext cx="7506748" cy="1095528"/>
+          </a:xfrm>
+          <a:prstGeom prst="rect">
+            <a:avLst/>
+          </a:prstGeom>
+        </p:spPr>
+      </p:pic>
+    </p:spTree>
+    <p:extLst>
+      <p:ext uri="{BB962C8B-B14F-4D97-AF65-F5344CB8AC3E}">
+        <p14:creationId xmlns:p14="http://schemas.microsoft.com/office/powerpoint/2010/main" val="1073039314"/>
+      </p:ext>
+    </p:extLst>
+  </p:cSld>
+  <p:clrMapOvr>
+    <a:masterClrMapping/>
+  </p:clrMapOvr>
+</p:sld>
+</file>
+
+<file path=ppt/slides/slide27.xml><?xml version="1.0" encoding="utf-8"?>
+<p:sld xmlns:a="http://schemas.openxmlformats.org/drawingml/2006/main" xmlns:r="http://schemas.openxmlformats.org/officeDocument/2006/relationships" xmlns:p="http://schemas.openxmlformats.org/presentationml/2006/main">
+  <p:cSld>
+    <p:spTree>
+      <p:nvGrpSpPr>
+        <p:cNvPr id="1" name=""/>
+        <p:cNvGrpSpPr/>
+        <p:nvPr/>
+      </p:nvGrpSpPr>
+      <p:grpSpPr>
+        <a:xfrm>
+          <a:off x="0" y="0"/>
+          <a:ext cx="0" cy="0"/>
+          <a:chOff x="0" y="0"/>
+          <a:chExt cx="0" cy="0"/>
+        </a:xfrm>
+      </p:grpSpPr>
+      <p:sp>
+        <p:nvSpPr>
+          <p:cNvPr id="2" name="Title 1">
+            <a:extLst>
+              <a:ext uri="{FF2B5EF4-FFF2-40B4-BE49-F238E27FC236}">
+                <a16:creationId xmlns:a16="http://schemas.microsoft.com/office/drawing/2014/main" id="{4C84315F-315F-4066-9D3A-472733691F27}"/>
+              </a:ext>
+            </a:extLst>
+          </p:cNvPr>
+          <p:cNvSpPr>
+            <a:spLocks noGrp="1"/>
+          </p:cNvSpPr>
+          <p:nvPr>
+            <p:ph type="title"/>
+          </p:nvPr>
+        </p:nvSpPr>
+        <p:spPr>
+          <a:xfrm>
+            <a:off x="838200" y="365125"/>
+            <a:ext cx="10515600" cy="1325563"/>
+          </a:xfrm>
+        </p:spPr>
+        <p:txBody>
+          <a:bodyPr>
+            <a:normAutofit/>
+          </a:bodyPr>
+          <a:lstStyle/>
+          <a:p>
+            <a:r>
+              <a:rPr lang="en-NZ" dirty="0" err="1"/>
+              <a:t>Codeimplementierungen</a:t>
+            </a:r>
+            <a:r>
+              <a:rPr lang="en-NZ" dirty="0"/>
+              <a:t>  – 	Backend</a:t>
+            </a:r>
+            <a:br>
+              <a:rPr lang="en-NZ" dirty="0"/>
+            </a:br>
+            <a:r>
+              <a:rPr lang="en-NZ" dirty="0"/>
+              <a:t>							</a:t>
+            </a:r>
+            <a:r>
+              <a:rPr lang="en-NZ" dirty="0" err="1"/>
+              <a:t>Kommentare</a:t>
+            </a:r>
+            <a:endParaRPr lang="de-DE" dirty="0"/>
+          </a:p>
+        </p:txBody>
+      </p:sp>
+      <p:sp>
+        <p:nvSpPr>
+          <p:cNvPr id="3" name="Content Placeholder 2">
+            <a:extLst>
+              <a:ext uri="{FF2B5EF4-FFF2-40B4-BE49-F238E27FC236}">
+                <a16:creationId xmlns:a16="http://schemas.microsoft.com/office/drawing/2014/main" id="{3CCB48FF-D0DB-4239-BF7B-3AC940333DEC}"/>
+              </a:ext>
+            </a:extLst>
+          </p:cNvPr>
+          <p:cNvSpPr>
+            <a:spLocks noGrp="1"/>
+          </p:cNvSpPr>
+          <p:nvPr>
+            <p:ph sz="half" idx="1"/>
+          </p:nvPr>
+        </p:nvSpPr>
+        <p:spPr>
+          <a:xfrm>
+            <a:off x="838200" y="1825624"/>
+            <a:ext cx="3706091" cy="4055627"/>
+          </a:xfrm>
+        </p:spPr>
+        <p:txBody>
+          <a:bodyPr>
+            <a:normAutofit/>
+          </a:bodyPr>
+          <a:lstStyle/>
+          <a:p>
+            <a:r>
+              <a:rPr lang="en-NZ" dirty="0" err="1"/>
+              <a:t>Kommentare</a:t>
+            </a:r>
+            <a:r>
+              <a:rPr lang="en-NZ" dirty="0"/>
+              <a:t> </a:t>
+            </a:r>
+            <a:r>
+              <a:rPr lang="en-NZ" dirty="0" err="1"/>
+              <a:t>können</a:t>
+            </a:r>
+            <a:r>
+              <a:rPr lang="en-NZ" dirty="0"/>
+              <a:t> </a:t>
+            </a:r>
+            <a:r>
+              <a:rPr lang="en-NZ" dirty="0" err="1"/>
+              <a:t>verschachtelt</a:t>
+            </a:r>
+            <a:r>
+              <a:rPr lang="en-NZ" dirty="0"/>
+              <a:t> </a:t>
+            </a:r>
+            <a:r>
+              <a:rPr lang="en-NZ" dirty="0" err="1"/>
+              <a:t>werden</a:t>
+            </a:r>
+            <a:endParaRPr lang="en-NZ" dirty="0"/>
+          </a:p>
+          <a:p>
+            <a:r>
+              <a:rPr lang="en-NZ" dirty="0"/>
+              <a:t>Parent-</a:t>
+            </a:r>
+            <a:r>
+              <a:rPr lang="en-NZ" dirty="0" err="1"/>
+              <a:t>Kommentare</a:t>
+            </a:r>
+            <a:r>
+              <a:rPr lang="en-NZ" dirty="0"/>
+              <a:t> </a:t>
+            </a:r>
+            <a:r>
+              <a:rPr lang="en-NZ" dirty="0" err="1"/>
+              <a:t>müssen</a:t>
+            </a:r>
+            <a:r>
+              <a:rPr lang="en-NZ" dirty="0"/>
+              <a:t> </a:t>
+            </a:r>
+            <a:r>
+              <a:rPr lang="en-NZ" dirty="0" err="1"/>
+              <a:t>referenziert</a:t>
+            </a:r>
+            <a:r>
+              <a:rPr lang="en-NZ" dirty="0"/>
+              <a:t> </a:t>
+            </a:r>
+            <a:r>
+              <a:rPr lang="en-NZ" dirty="0" err="1"/>
+              <a:t>werden</a:t>
+            </a:r>
+            <a:endParaRPr lang="en-NZ" dirty="0"/>
+          </a:p>
+          <a:p>
+            <a:pPr lvl="1">
+              <a:buFont typeface="Symbol" panose="05050102010706020507" pitchFamily="18" charset="2"/>
+              <a:buChar char="-"/>
+            </a:pPr>
+            <a:r>
+              <a:rPr lang="en-NZ" dirty="0"/>
+              <a:t>SWAC </a:t>
+            </a:r>
+            <a:r>
+              <a:rPr lang="en-NZ" dirty="0" err="1"/>
+              <a:t>übernimmt</a:t>
+            </a:r>
+            <a:r>
+              <a:rPr lang="en-NZ" dirty="0"/>
+              <a:t> </a:t>
+            </a:r>
+            <a:r>
+              <a:rPr lang="en-NZ" dirty="0" err="1"/>
+              <a:t>rekursiven</a:t>
+            </a:r>
+            <a:r>
+              <a:rPr lang="en-NZ" dirty="0"/>
+              <a:t> </a:t>
+            </a:r>
+            <a:r>
+              <a:rPr lang="en-NZ" dirty="0" err="1"/>
+              <a:t>Aufruf</a:t>
+            </a:r>
+            <a:endParaRPr lang="en-NZ" dirty="0"/>
+          </a:p>
+          <a:p>
+            <a:endParaRPr lang="en-NZ" dirty="0"/>
+          </a:p>
+        </p:txBody>
+      </p:sp>
+      <p:sp>
+        <p:nvSpPr>
+          <p:cNvPr id="4" name="Footer Placeholder 3">
+            <a:extLst>
+              <a:ext uri="{FF2B5EF4-FFF2-40B4-BE49-F238E27FC236}">
+                <a16:creationId xmlns:a16="http://schemas.microsoft.com/office/drawing/2014/main" id="{0EF7D1E5-7A19-4BA2-8CAA-9135FB90076C}"/>
+              </a:ext>
+            </a:extLst>
+          </p:cNvPr>
+          <p:cNvSpPr>
+            <a:spLocks noGrp="1"/>
+          </p:cNvSpPr>
+          <p:nvPr>
+            <p:ph type="ftr" sz="quarter" idx="11"/>
+          </p:nvPr>
+        </p:nvSpPr>
+        <p:spPr>
+          <a:xfrm>
+            <a:off x="4038600" y="6356350"/>
+            <a:ext cx="4114800" cy="365125"/>
+          </a:xfrm>
+        </p:spPr>
+        <p:txBody>
+          <a:bodyPr/>
+          <a:lstStyle/>
+          <a:p>
+            <a:r>
+              <a:rPr lang="de-DE"/>
+              <a:t>WS19/20 - PV-Modulportal - Rüffer, Vorwerk, Withöft, Zolkin</a:t>
+            </a:r>
+          </a:p>
+        </p:txBody>
+      </p:sp>
+      <p:sp>
+        <p:nvSpPr>
+          <p:cNvPr id="5" name="Slide Number Placeholder 4">
+            <a:extLst>
+              <a:ext uri="{FF2B5EF4-FFF2-40B4-BE49-F238E27FC236}">
+                <a16:creationId xmlns:a16="http://schemas.microsoft.com/office/drawing/2014/main" id="{FAC16E02-623C-4BDA-BAFA-B73797A517FD}"/>
+              </a:ext>
+            </a:extLst>
+          </p:cNvPr>
+          <p:cNvSpPr>
+            <a:spLocks noGrp="1"/>
+          </p:cNvSpPr>
+          <p:nvPr>
+            <p:ph type="sldNum" sz="quarter" idx="12"/>
+          </p:nvPr>
+        </p:nvSpPr>
+        <p:spPr>
+          <a:xfrm>
+            <a:off x="8610600" y="6356350"/>
+            <a:ext cx="2743200" cy="365125"/>
+          </a:xfrm>
+        </p:spPr>
+        <p:txBody>
+          <a:bodyPr/>
+          <a:lstStyle/>
+          <a:p>
+            <a:fld id="{969E759D-A893-4B96-8B48-96EE547EBC41}" type="slidenum">
+              <a:rPr lang="de-DE" smtClean="0"/>
+              <a:t>27</a:t>
+            </a:fld>
+            <a:endParaRPr lang="de-DE"/>
+          </a:p>
+        </p:txBody>
+      </p:sp>
+      <p:pic>
+        <p:nvPicPr>
+          <p:cNvPr id="7" name="Grafik 6" descr="Ein Bild, das Screenshot enthält.&#10;&#10;Automatisch generierte Beschreibung">
+            <a:extLst>
+              <a:ext uri="{FF2B5EF4-FFF2-40B4-BE49-F238E27FC236}">
+                <a16:creationId xmlns:a16="http://schemas.microsoft.com/office/drawing/2014/main" id="{C6D8A160-082B-4802-BCC8-63E68D79088A}"/>
+              </a:ext>
+            </a:extLst>
+          </p:cNvPr>
+          <p:cNvPicPr>
+            <a:picLocks noChangeAspect="1"/>
+          </p:cNvPicPr>
+          <p:nvPr/>
+        </p:nvPicPr>
+        <p:blipFill>
+          <a:blip r:embed="rId2">
+            <a:extLst>
+              <a:ext uri="{28A0092B-C50C-407E-A947-70E740481C1C}">
+                <a14:useLocalDpi xmlns:a14="http://schemas.microsoft.com/office/drawing/2010/main" val="0"/>
+              </a:ext>
+            </a:extLst>
+          </a:blip>
+          <a:stretch>
+            <a:fillRect/>
+          </a:stretch>
+        </p:blipFill>
+        <p:spPr>
+          <a:xfrm>
+            <a:off x="5281148" y="2947142"/>
+            <a:ext cx="6658904" cy="2934109"/>
+          </a:xfrm>
+          <a:prstGeom prst="rect">
+            <a:avLst/>
+          </a:prstGeom>
+        </p:spPr>
+      </p:pic>
+    </p:spTree>
+    <p:extLst>
+      <p:ext uri="{BB962C8B-B14F-4D97-AF65-F5344CB8AC3E}">
+        <p14:creationId xmlns:p14="http://schemas.microsoft.com/office/powerpoint/2010/main" val="1642630570"/>
+      </p:ext>
+    </p:extLst>
+  </p:cSld>
+  <p:clrMapOvr>
+    <a:masterClrMapping/>
+  </p:clrMapOvr>
+</p:sld>
+</file>
+
+<file path=ppt/slides/slide28.xml><?xml version="1.0" encoding="utf-8"?>
+<p:sld xmlns:a="http://schemas.openxmlformats.org/drawingml/2006/main" xmlns:r="http://schemas.openxmlformats.org/officeDocument/2006/relationships" xmlns:p="http://schemas.openxmlformats.org/presentationml/2006/main">
+  <p:cSld>
+    <p:spTree>
+      <p:nvGrpSpPr>
+        <p:cNvPr id="1" name=""/>
+        <p:cNvGrpSpPr/>
+        <p:nvPr/>
+      </p:nvGrpSpPr>
+      <p:grpSpPr>
+        <a:xfrm>
+          <a:off x="0" y="0"/>
+          <a:ext cx="0" cy="0"/>
+          <a:chOff x="0" y="0"/>
+          <a:chExt cx="0" cy="0"/>
+        </a:xfrm>
+      </p:grpSpPr>
+      <p:sp>
+        <p:nvSpPr>
+          <p:cNvPr id="2" name="Title 1">
+            <a:extLst>
+              <a:ext uri="{FF2B5EF4-FFF2-40B4-BE49-F238E27FC236}">
+                <a16:creationId xmlns:a16="http://schemas.microsoft.com/office/drawing/2014/main" id="{4C84315F-315F-4066-9D3A-472733691F27}"/>
+              </a:ext>
+            </a:extLst>
+          </p:cNvPr>
+          <p:cNvSpPr>
+            <a:spLocks noGrp="1"/>
+          </p:cNvSpPr>
+          <p:nvPr>
+            <p:ph type="title"/>
+          </p:nvPr>
+        </p:nvSpPr>
+        <p:spPr>
+          <a:xfrm>
+            <a:off x="838200" y="365125"/>
+            <a:ext cx="10515600" cy="1325563"/>
+          </a:xfrm>
+        </p:spPr>
+        <p:txBody>
+          <a:bodyPr>
+            <a:normAutofit/>
+          </a:bodyPr>
+          <a:lstStyle/>
+          <a:p>
+            <a:r>
+              <a:rPr lang="en-NZ" dirty="0" err="1"/>
+              <a:t>Codeimplementierungen</a:t>
+            </a:r>
+            <a:r>
+              <a:rPr lang="en-NZ" dirty="0"/>
+              <a:t>  – 	Backend</a:t>
+            </a:r>
+            <a:br>
+              <a:rPr lang="en-NZ" dirty="0"/>
+            </a:br>
+            <a:r>
+              <a:rPr lang="en-NZ" dirty="0"/>
+              <a:t>							Media</a:t>
+            </a:r>
+            <a:endParaRPr lang="de-DE" dirty="0"/>
+          </a:p>
+        </p:txBody>
+      </p:sp>
+      <p:sp>
+        <p:nvSpPr>
+          <p:cNvPr id="3" name="Content Placeholder 2">
+            <a:extLst>
+              <a:ext uri="{FF2B5EF4-FFF2-40B4-BE49-F238E27FC236}">
+                <a16:creationId xmlns:a16="http://schemas.microsoft.com/office/drawing/2014/main" id="{3CCB48FF-D0DB-4239-BF7B-3AC940333DEC}"/>
+              </a:ext>
+            </a:extLst>
+          </p:cNvPr>
+          <p:cNvSpPr>
+            <a:spLocks noGrp="1"/>
+          </p:cNvSpPr>
+          <p:nvPr>
+            <p:ph sz="half" idx="1"/>
+          </p:nvPr>
+        </p:nvSpPr>
+        <p:spPr>
+          <a:xfrm>
+            <a:off x="527804" y="2073804"/>
+            <a:ext cx="5923327" cy="1009854"/>
+          </a:xfrm>
+        </p:spPr>
+        <p:txBody>
+          <a:bodyPr>
+            <a:normAutofit fontScale="92500"/>
+          </a:bodyPr>
+          <a:lstStyle/>
+          <a:p>
+            <a:pPr marL="0" indent="0">
+              <a:buNone/>
+            </a:pPr>
+            <a:r>
+              <a:rPr lang="en-NZ" dirty="0" err="1"/>
+              <a:t>Vorher</a:t>
+            </a:r>
+            <a:r>
+              <a:rPr lang="en-NZ" dirty="0"/>
+              <a:t>	Media n : 1 </a:t>
+            </a:r>
+            <a:r>
+              <a:rPr lang="en-NZ" dirty="0" err="1"/>
+              <a:t>ObservedObject</a:t>
+            </a:r>
+            <a:endParaRPr lang="en-NZ" dirty="0"/>
+          </a:p>
+          <a:p>
+            <a:pPr marL="0" indent="0">
+              <a:buNone/>
+            </a:pPr>
+            <a:r>
+              <a:rPr lang="en-NZ" dirty="0" err="1"/>
+              <a:t>Ziel</a:t>
+            </a:r>
+            <a:r>
+              <a:rPr lang="en-NZ" dirty="0"/>
+              <a:t>		Media n : m </a:t>
+            </a:r>
+            <a:r>
+              <a:rPr lang="en-NZ" dirty="0" err="1"/>
+              <a:t>ObservedObject</a:t>
+            </a:r>
+            <a:endParaRPr lang="en-NZ" dirty="0"/>
+          </a:p>
+          <a:p>
+            <a:endParaRPr lang="en-NZ" dirty="0"/>
+          </a:p>
+        </p:txBody>
+      </p:sp>
+      <p:sp>
+        <p:nvSpPr>
+          <p:cNvPr id="4" name="Footer Placeholder 3">
+            <a:extLst>
+              <a:ext uri="{FF2B5EF4-FFF2-40B4-BE49-F238E27FC236}">
+                <a16:creationId xmlns:a16="http://schemas.microsoft.com/office/drawing/2014/main" id="{0EF7D1E5-7A19-4BA2-8CAA-9135FB90076C}"/>
+              </a:ext>
+            </a:extLst>
+          </p:cNvPr>
+          <p:cNvSpPr>
+            <a:spLocks noGrp="1"/>
+          </p:cNvSpPr>
+          <p:nvPr>
+            <p:ph type="ftr" sz="quarter" idx="11"/>
+          </p:nvPr>
+        </p:nvSpPr>
+        <p:spPr>
+          <a:xfrm>
+            <a:off x="4038600" y="6356350"/>
+            <a:ext cx="4114800" cy="365125"/>
+          </a:xfrm>
+        </p:spPr>
+        <p:txBody>
+          <a:bodyPr/>
+          <a:lstStyle/>
+          <a:p>
+            <a:r>
+              <a:rPr lang="de-DE"/>
+              <a:t>WS19/20 - PV-Modulportal - Rüffer, Vorwerk, Withöft, Zolkin</a:t>
+            </a:r>
+          </a:p>
+        </p:txBody>
+      </p:sp>
+      <p:sp>
+        <p:nvSpPr>
+          <p:cNvPr id="5" name="Slide Number Placeholder 4">
+            <a:extLst>
+              <a:ext uri="{FF2B5EF4-FFF2-40B4-BE49-F238E27FC236}">
+                <a16:creationId xmlns:a16="http://schemas.microsoft.com/office/drawing/2014/main" id="{FAC16E02-623C-4BDA-BAFA-B73797A517FD}"/>
+              </a:ext>
+            </a:extLst>
+          </p:cNvPr>
+          <p:cNvSpPr>
+            <a:spLocks noGrp="1"/>
+          </p:cNvSpPr>
+          <p:nvPr>
+            <p:ph type="sldNum" sz="quarter" idx="12"/>
+          </p:nvPr>
+        </p:nvSpPr>
+        <p:spPr>
+          <a:xfrm>
+            <a:off x="8610600" y="6356350"/>
+            <a:ext cx="2743200" cy="365125"/>
+          </a:xfrm>
+        </p:spPr>
+        <p:txBody>
+          <a:bodyPr/>
+          <a:lstStyle/>
+          <a:p>
+            <a:fld id="{969E759D-A893-4B96-8B48-96EE547EBC41}" type="slidenum">
+              <a:rPr lang="de-DE" smtClean="0"/>
+              <a:t>28</a:t>
+            </a:fld>
+            <a:endParaRPr lang="de-DE"/>
+          </a:p>
+        </p:txBody>
+      </p:sp>
+      <p:pic>
+        <p:nvPicPr>
+          <p:cNvPr id="8" name="Grafik 7">
+            <a:extLst>
+              <a:ext uri="{FF2B5EF4-FFF2-40B4-BE49-F238E27FC236}">
+                <a16:creationId xmlns:a16="http://schemas.microsoft.com/office/drawing/2014/main" id="{269F6777-DAC5-4237-8396-8FB8169A6384}"/>
+              </a:ext>
+            </a:extLst>
+          </p:cNvPr>
+          <p:cNvPicPr>
+            <a:picLocks noChangeAspect="1"/>
+          </p:cNvPicPr>
+          <p:nvPr/>
+        </p:nvPicPr>
+        <p:blipFill>
+          <a:blip r:embed="rId2">
+            <a:extLst>
+              <a:ext uri="{28A0092B-C50C-407E-A947-70E740481C1C}">
+                <a14:useLocalDpi xmlns:a14="http://schemas.microsoft.com/office/drawing/2010/main" val="0"/>
+              </a:ext>
+            </a:extLst>
+          </a:blip>
+          <a:stretch>
+            <a:fillRect/>
+          </a:stretch>
+        </p:blipFill>
+        <p:spPr>
+          <a:xfrm>
+            <a:off x="583938" y="4768978"/>
+            <a:ext cx="5811061" cy="400106"/>
+          </a:xfrm>
+          <a:prstGeom prst="rect">
+            <a:avLst/>
+          </a:prstGeom>
+        </p:spPr>
+      </p:pic>
+      <p:pic>
+        <p:nvPicPr>
+          <p:cNvPr id="10" name="Grafik 9" descr="Ein Bild, das Screenshot enthält.&#10;&#10;Automatisch generierte Beschreibung">
+            <a:extLst>
+              <a:ext uri="{FF2B5EF4-FFF2-40B4-BE49-F238E27FC236}">
+                <a16:creationId xmlns:a16="http://schemas.microsoft.com/office/drawing/2014/main" id="{14490D41-80A0-4C33-A2CF-D3BAF9AE9CF6}"/>
+              </a:ext>
+            </a:extLst>
+          </p:cNvPr>
+          <p:cNvPicPr>
+            <a:picLocks noChangeAspect="1"/>
+          </p:cNvPicPr>
+          <p:nvPr/>
+        </p:nvPicPr>
+        <p:blipFill>
+          <a:blip r:embed="rId3">
+            <a:extLst>
+              <a:ext uri="{28A0092B-C50C-407E-A947-70E740481C1C}">
+                <a14:useLocalDpi xmlns:a14="http://schemas.microsoft.com/office/drawing/2010/main" val="0"/>
+              </a:ext>
+            </a:extLst>
+          </a:blip>
+          <a:stretch>
+            <a:fillRect/>
+          </a:stretch>
+        </p:blipFill>
+        <p:spPr>
+          <a:xfrm>
+            <a:off x="7734416" y="3911608"/>
+            <a:ext cx="3296110" cy="2114845"/>
+          </a:xfrm>
+          <a:prstGeom prst="rect">
+            <a:avLst/>
+          </a:prstGeom>
+        </p:spPr>
+      </p:pic>
+      <p:sp>
+        <p:nvSpPr>
+          <p:cNvPr id="11" name="Textfeld 10">
+            <a:extLst>
+              <a:ext uri="{FF2B5EF4-FFF2-40B4-BE49-F238E27FC236}">
+                <a16:creationId xmlns:a16="http://schemas.microsoft.com/office/drawing/2014/main" id="{E93B4C1D-B2B1-4CB0-A814-2A2B5321822F}"/>
+              </a:ext>
+            </a:extLst>
+          </p:cNvPr>
+          <p:cNvSpPr txBox="1"/>
+          <p:nvPr/>
+        </p:nvSpPr>
+        <p:spPr>
+          <a:xfrm>
+            <a:off x="989811" y="4222388"/>
+            <a:ext cx="4999317" cy="369332"/>
+          </a:xfrm>
+          <a:prstGeom prst="rect">
+            <a:avLst/>
+          </a:prstGeom>
+          <a:noFill/>
+        </p:spPr>
+        <p:txBody>
+          <a:bodyPr wrap="none" rtlCol="0">
+            <a:spAutoFit/>
+          </a:bodyPr>
+          <a:lstStyle/>
+          <a:p>
+            <a:r>
+              <a:rPr lang="de-DE" dirty="0"/>
+              <a:t>Neuer Verweis in </a:t>
+            </a:r>
+            <a:r>
+              <a:rPr lang="de-DE" dirty="0" err="1"/>
+              <a:t>TblMedia</a:t>
+            </a:r>
+            <a:r>
+              <a:rPr lang="de-DE" dirty="0"/>
+              <a:t> und </a:t>
+            </a:r>
+            <a:r>
+              <a:rPr lang="de-DE" dirty="0" err="1"/>
+              <a:t>TblObservedObject</a:t>
+            </a:r>
+            <a:endParaRPr lang="de-DE" dirty="0"/>
+          </a:p>
+        </p:txBody>
+      </p:sp>
+      <p:sp>
+        <p:nvSpPr>
+          <p:cNvPr id="12" name="Textfeld 11">
+            <a:extLst>
+              <a:ext uri="{FF2B5EF4-FFF2-40B4-BE49-F238E27FC236}">
+                <a16:creationId xmlns:a16="http://schemas.microsoft.com/office/drawing/2014/main" id="{42DBCF64-5F28-4D8C-B161-9DE6DFAB4E36}"/>
+              </a:ext>
+            </a:extLst>
+          </p:cNvPr>
+          <p:cNvSpPr txBox="1"/>
+          <p:nvPr/>
+        </p:nvSpPr>
+        <p:spPr>
+          <a:xfrm>
+            <a:off x="7416801" y="3429000"/>
+            <a:ext cx="4296176" cy="369332"/>
+          </a:xfrm>
+          <a:prstGeom prst="rect">
+            <a:avLst/>
+          </a:prstGeom>
+          <a:noFill/>
+        </p:spPr>
+        <p:txBody>
+          <a:bodyPr wrap="none" rtlCol="0">
+            <a:spAutoFit/>
+          </a:bodyPr>
+          <a:lstStyle/>
+          <a:p>
+            <a:r>
+              <a:rPr lang="de-DE" dirty="0"/>
+              <a:t>n:m Verbindung herstellen in der </a:t>
+            </a:r>
+            <a:r>
+              <a:rPr lang="de-DE" dirty="0" err="1"/>
+              <a:t>Join</a:t>
+            </a:r>
+            <a:r>
+              <a:rPr lang="de-DE" dirty="0"/>
+              <a:t>-Entity</a:t>
+            </a:r>
+          </a:p>
+        </p:txBody>
+      </p:sp>
+    </p:spTree>
+    <p:extLst>
+      <p:ext uri="{BB962C8B-B14F-4D97-AF65-F5344CB8AC3E}">
+        <p14:creationId xmlns:p14="http://schemas.microsoft.com/office/powerpoint/2010/main" val="3339384398"/>
+      </p:ext>
+    </p:extLst>
+  </p:cSld>
+  <p:clrMapOvr>
+    <a:masterClrMapping/>
+  </p:clrMapOvr>
+</p:sld>
+</file>
+
+<file path=ppt/slides/slide29.xml><?xml version="1.0" encoding="utf-8"?>
+<p:sld xmlns:a="http://schemas.openxmlformats.org/drawingml/2006/main" xmlns:r="http://schemas.openxmlformats.org/officeDocument/2006/relationships" xmlns:p="http://schemas.openxmlformats.org/presentationml/2006/main">
+  <p:cSld>
+    <p:spTree>
+      <p:nvGrpSpPr>
+        <p:cNvPr id="1" name=""/>
+        <p:cNvGrpSpPr/>
+        <p:nvPr/>
+      </p:nvGrpSpPr>
+      <p:grpSpPr>
+        <a:xfrm>
+          <a:off x="0" y="0"/>
+          <a:ext cx="0" cy="0"/>
+          <a:chOff x="0" y="0"/>
+          <a:chExt cx="0" cy="0"/>
+        </a:xfrm>
+      </p:grpSpPr>
+      <p:sp>
+        <p:nvSpPr>
+          <p:cNvPr id="2" name="Title 1">
+            <a:extLst>
+              <a:ext uri="{FF2B5EF4-FFF2-40B4-BE49-F238E27FC236}">
+                <a16:creationId xmlns:a16="http://schemas.microsoft.com/office/drawing/2014/main" id="{4C84315F-315F-4066-9D3A-472733691F27}"/>
+              </a:ext>
+            </a:extLst>
+          </p:cNvPr>
+          <p:cNvSpPr>
+            <a:spLocks noGrp="1"/>
+          </p:cNvSpPr>
+          <p:nvPr>
+            <p:ph type="title"/>
+          </p:nvPr>
+        </p:nvSpPr>
+        <p:spPr>
+          <a:xfrm>
+            <a:off x="838200" y="365125"/>
+            <a:ext cx="10515600" cy="1325563"/>
+          </a:xfrm>
+        </p:spPr>
+        <p:txBody>
+          <a:bodyPr>
+            <a:normAutofit/>
+          </a:bodyPr>
+          <a:lstStyle/>
+          <a:p>
+            <a:r>
+              <a:rPr lang="en-NZ" dirty="0" err="1"/>
+              <a:t>Codeimplementierungen</a:t>
+            </a:r>
+            <a:r>
+              <a:rPr lang="en-NZ" dirty="0"/>
+              <a:t>  – 	Backend</a:t>
+            </a:r>
+            <a:br>
+              <a:rPr lang="en-NZ" dirty="0"/>
+            </a:br>
+            <a:r>
+              <a:rPr lang="en-NZ" dirty="0"/>
+              <a:t>							View Requests</a:t>
+            </a:r>
+            <a:endParaRPr lang="de-DE" dirty="0"/>
+          </a:p>
+        </p:txBody>
+      </p:sp>
+      <p:sp>
+        <p:nvSpPr>
+          <p:cNvPr id="4" name="Footer Placeholder 3">
+            <a:extLst>
+              <a:ext uri="{FF2B5EF4-FFF2-40B4-BE49-F238E27FC236}">
+                <a16:creationId xmlns:a16="http://schemas.microsoft.com/office/drawing/2014/main" id="{0EF7D1E5-7A19-4BA2-8CAA-9135FB90076C}"/>
+              </a:ext>
+            </a:extLst>
+          </p:cNvPr>
+          <p:cNvSpPr>
+            <a:spLocks noGrp="1"/>
+          </p:cNvSpPr>
+          <p:nvPr>
+            <p:ph type="ftr" sz="quarter" idx="11"/>
+          </p:nvPr>
+        </p:nvSpPr>
+        <p:spPr>
+          <a:xfrm>
+            <a:off x="4038600" y="6356350"/>
+            <a:ext cx="4114800" cy="365125"/>
+          </a:xfrm>
+        </p:spPr>
+        <p:txBody>
+          <a:bodyPr/>
+          <a:lstStyle/>
+          <a:p>
+            <a:r>
+              <a:rPr lang="de-DE"/>
+              <a:t>WS19/20 - PV-Modulportal - Rüffer, Vorwerk, Withöft, Zolkin</a:t>
+            </a:r>
+          </a:p>
+        </p:txBody>
+      </p:sp>
+      <p:sp>
+        <p:nvSpPr>
+          <p:cNvPr id="5" name="Slide Number Placeholder 4">
+            <a:extLst>
+              <a:ext uri="{FF2B5EF4-FFF2-40B4-BE49-F238E27FC236}">
+                <a16:creationId xmlns:a16="http://schemas.microsoft.com/office/drawing/2014/main" id="{FAC16E02-623C-4BDA-BAFA-B73797A517FD}"/>
+              </a:ext>
+            </a:extLst>
+          </p:cNvPr>
+          <p:cNvSpPr>
+            <a:spLocks noGrp="1"/>
+          </p:cNvSpPr>
+          <p:nvPr>
+            <p:ph type="sldNum" sz="quarter" idx="12"/>
+          </p:nvPr>
+        </p:nvSpPr>
+        <p:spPr>
+          <a:xfrm>
+            <a:off x="8610600" y="6356350"/>
+            <a:ext cx="2743200" cy="365125"/>
+          </a:xfrm>
+        </p:spPr>
+        <p:txBody>
+          <a:bodyPr/>
+          <a:lstStyle/>
+          <a:p>
+            <a:fld id="{969E759D-A893-4B96-8B48-96EE547EBC41}" type="slidenum">
+              <a:rPr lang="de-DE" smtClean="0"/>
+              <a:t>29</a:t>
+            </a:fld>
+            <a:endParaRPr lang="de-DE"/>
+          </a:p>
+        </p:txBody>
+      </p:sp>
+      <p:pic>
+        <p:nvPicPr>
+          <p:cNvPr id="13" name="Grafik 12" descr="Ein Bild, das Screenshot enthält.&#10;&#10;Automatisch generierte Beschreibung">
+            <a:extLst>
+              <a:ext uri="{FF2B5EF4-FFF2-40B4-BE49-F238E27FC236}">
+                <a16:creationId xmlns:a16="http://schemas.microsoft.com/office/drawing/2014/main" id="{F8DEC07D-47B3-4C2C-8979-5804656B76FB}"/>
+              </a:ext>
+            </a:extLst>
+          </p:cNvPr>
+          <p:cNvPicPr>
+            <a:picLocks noChangeAspect="1"/>
+          </p:cNvPicPr>
+          <p:nvPr/>
+        </p:nvPicPr>
+        <p:blipFill>
+          <a:blip r:embed="rId2">
+            <a:extLst>
+              <a:ext uri="{28A0092B-C50C-407E-A947-70E740481C1C}">
+                <a14:useLocalDpi xmlns:a14="http://schemas.microsoft.com/office/drawing/2010/main" val="0"/>
+              </a:ext>
+            </a:extLst>
+          </a:blip>
+          <a:stretch>
+            <a:fillRect/>
+          </a:stretch>
+        </p:blipFill>
+        <p:spPr>
+          <a:xfrm>
+            <a:off x="4769030" y="2903019"/>
+            <a:ext cx="6768740" cy="3017490"/>
+          </a:xfrm>
+          <a:prstGeom prst="rect">
+            <a:avLst/>
+          </a:prstGeom>
+        </p:spPr>
+      </p:pic>
+      <p:sp>
+        <p:nvSpPr>
+          <p:cNvPr id="14" name="Textfeld 13">
+            <a:extLst>
+              <a:ext uri="{FF2B5EF4-FFF2-40B4-BE49-F238E27FC236}">
+                <a16:creationId xmlns:a16="http://schemas.microsoft.com/office/drawing/2014/main" id="{E30BC66D-03A0-4C1B-9A50-E7476EEBEA24}"/>
+              </a:ext>
+            </a:extLst>
+          </p:cNvPr>
+          <p:cNvSpPr txBox="1"/>
+          <p:nvPr/>
+        </p:nvSpPr>
+        <p:spPr>
+          <a:xfrm>
+            <a:off x="931321" y="1934832"/>
+            <a:ext cx="4706930" cy="1477328"/>
+          </a:xfrm>
+          <a:prstGeom prst="rect">
+            <a:avLst/>
+          </a:prstGeom>
+          <a:noFill/>
+        </p:spPr>
+        <p:txBody>
+          <a:bodyPr wrap="none" rtlCol="0">
+            <a:spAutoFit/>
+          </a:bodyPr>
+          <a:lstStyle/>
+          <a:p>
+            <a:r>
+              <a:rPr lang="en-US" dirty="0"/>
+              <a:t>SELECT </a:t>
+            </a:r>
+            <a:r>
+              <a:rPr lang="en-US" dirty="0" err="1"/>
+              <a:t>t.dataset</a:t>
+            </a:r>
+            <a:r>
+              <a:rPr lang="en-US" dirty="0"/>
+              <a:t>, COUNT(id) AS </a:t>
+            </a:r>
+            <a:r>
+              <a:rPr lang="en-US" dirty="0" err="1"/>
+              <a:t>view_count</a:t>
+            </a:r>
+            <a:endParaRPr lang="en-US" dirty="0"/>
+          </a:p>
+          <a:p>
+            <a:r>
+              <a:rPr lang="en-US" dirty="0"/>
+              <a:t>FROM </a:t>
+            </a:r>
+            <a:r>
+              <a:rPr lang="en-US" dirty="0" err="1"/>
+              <a:t>TblObservedObjectDataSetViewRequest</a:t>
+            </a:r>
+            <a:r>
+              <a:rPr lang="en-US" dirty="0"/>
+              <a:t> t</a:t>
+            </a:r>
+          </a:p>
+          <a:p>
+            <a:r>
+              <a:rPr lang="en-US" dirty="0"/>
+              <a:t>WHERE t.id = :id</a:t>
+            </a:r>
+          </a:p>
+          <a:p>
+            <a:r>
+              <a:rPr lang="en-US" dirty="0"/>
+              <a:t>GROUP BY </a:t>
+            </a:r>
+            <a:r>
+              <a:rPr lang="en-US" dirty="0" err="1"/>
+              <a:t>t.dataset</a:t>
+            </a:r>
+            <a:endParaRPr lang="en-US" dirty="0"/>
+          </a:p>
+          <a:p>
+            <a:r>
+              <a:rPr lang="en-US" dirty="0"/>
+              <a:t>ORDER BY </a:t>
+            </a:r>
+            <a:r>
+              <a:rPr lang="en-US" dirty="0" err="1"/>
+              <a:t>view_count</a:t>
+            </a:r>
+            <a:r>
+              <a:rPr lang="en-US" dirty="0"/>
+              <a:t> DESC</a:t>
+            </a:r>
+            <a:endParaRPr lang="de-DE" dirty="0"/>
+          </a:p>
+        </p:txBody>
+      </p:sp>
+      <p:sp>
+        <p:nvSpPr>
+          <p:cNvPr id="15" name="Textfeld 14">
+            <a:extLst>
+              <a:ext uri="{FF2B5EF4-FFF2-40B4-BE49-F238E27FC236}">
+                <a16:creationId xmlns:a16="http://schemas.microsoft.com/office/drawing/2014/main" id="{B0CCF971-9740-4C60-B819-C327D7CC14B9}"/>
+              </a:ext>
+            </a:extLst>
+          </p:cNvPr>
+          <p:cNvSpPr txBox="1"/>
+          <p:nvPr/>
+        </p:nvSpPr>
+        <p:spPr>
+          <a:xfrm>
+            <a:off x="1477818" y="1565500"/>
+            <a:ext cx="3431709" cy="369332"/>
+          </a:xfrm>
+          <a:prstGeom prst="rect">
+            <a:avLst/>
+          </a:prstGeom>
+          <a:noFill/>
+        </p:spPr>
+        <p:txBody>
+          <a:bodyPr wrap="none" rtlCol="0">
+            <a:spAutoFit/>
+          </a:bodyPr>
+          <a:lstStyle/>
+          <a:p>
+            <a:r>
+              <a:rPr lang="de-DE" u="sng" dirty="0"/>
+              <a:t>Query zu „</a:t>
+            </a:r>
+            <a:r>
+              <a:rPr lang="de-DE" u="sng" dirty="0" err="1"/>
+              <a:t>getMostViewedByOoId</a:t>
+            </a:r>
+            <a:r>
+              <a:rPr lang="de-DE" u="sng" dirty="0"/>
+              <a:t>“</a:t>
+            </a:r>
+          </a:p>
+        </p:txBody>
+      </p:sp>
+    </p:spTree>
+    <p:extLst>
+      <p:ext uri="{BB962C8B-B14F-4D97-AF65-F5344CB8AC3E}">
+        <p14:creationId xmlns:p14="http://schemas.microsoft.com/office/powerpoint/2010/main" val="459681618"/>
+      </p:ext>
+    </p:extLst>
+  </p:cSld>
+  <p:clrMapOvr>
+    <a:masterClrMapping/>
+  </p:clrMapOvr>
+</p:sld>
+</file>
+
+<file path=ppt/slides/slide3.xml><?xml version="1.0" encoding="utf-8"?>
+<p:sld xmlns:a="http://schemas.openxmlformats.org/drawingml/2006/main" xmlns:r="http://schemas.openxmlformats.org/officeDocument/2006/relationships" xmlns:p="http://schemas.openxmlformats.org/presentationml/2006/main">
+  <p:cSld>
+    <p:bg>
+      <p:bgPr>
+        <a:solidFill>
+          <a:schemeClr val="bg1">
+            <a:tint val="95000"/>
+            <a:satMod val="170000"/>
+          </a:schemeClr>
+        </a:solidFill>
+        <a:effectLst/>
+      </p:bgPr>
+    </p:bg>
+    <p:spTree>
+      <p:nvGrpSpPr>
+        <p:cNvPr id="1" name=""/>
+        <p:cNvGrpSpPr/>
+        <p:nvPr/>
+      </p:nvGrpSpPr>
+      <p:grpSpPr>
+        <a:xfrm>
+          <a:off x="0" y="0"/>
+          <a:ext cx="0" cy="0"/>
+          <a:chOff x="0" y="0"/>
+          <a:chExt cx="0" cy="0"/>
+        </a:xfrm>
+      </p:grpSpPr>
+      <p:sp>
+        <p:nvSpPr>
+          <p:cNvPr id="19" name="Freeform: Shape 18">
+            <a:extLst>
+              <a:ext uri="{FF2B5EF4-FFF2-40B4-BE49-F238E27FC236}">
+                <a16:creationId xmlns:a16="http://schemas.microsoft.com/office/drawing/2014/main" id="{66B332A4-D438-4773-A77F-5ED49A448D9D}"/>
+              </a:ext>
+              <a:ext uri="{C183D7F6-B498-43B3-948B-1728B52AA6E4}">
+                <adec:decorative xmlns:adec="http://schemas.microsoft.com/office/drawing/2017/decorative" val="1"/>
+              </a:ext>
+            </a:extLst>
+          </p:cNvPr>
+          <p:cNvSpPr>
+            <a:spLocks noGrp="1" noRot="1" noChangeAspect="1" noMove="1" noResize="1" noEditPoints="1" noAdjustHandles="1" noChangeArrowheads="1" noChangeShapeType="1" noTextEdit="1"/>
+          </p:cNvSpPr>
+          <p:nvPr>
+            <p:extLst>
+              <p:ext uri="{386F3935-93C4-4BCD-93E2-E3B085C9AB24}">
+                <p16:designElem xmlns:p16="http://schemas.microsoft.com/office/powerpoint/2015/main" val="1"/>
+              </p:ext>
+            </p:extLst>
+          </p:nvPr>
+        </p:nvSpPr>
+        <p:spPr>
+          <a:xfrm>
+            <a:off x="1953768" y="0"/>
+            <a:ext cx="8284464" cy="6858000"/>
+          </a:xfrm>
+          <a:custGeom>
+            <a:avLst/>
+            <a:gdLst>
+              <a:gd name="connsiteX0" fmla="*/ 1818109 w 8284464"/>
+              <a:gd name="connsiteY0" fmla="*/ 0 h 6858000"/>
+              <a:gd name="connsiteX1" fmla="*/ 6466355 w 8284464"/>
+              <a:gd name="connsiteY1" fmla="*/ 0 h 6858000"/>
+              <a:gd name="connsiteX2" fmla="*/ 6620596 w 8284464"/>
+              <a:gd name="connsiteY2" fmla="*/ 109683 h 6858000"/>
+              <a:gd name="connsiteX3" fmla="*/ 8284464 w 8284464"/>
+              <a:gd name="connsiteY3" fmla="*/ 3429000 h 6858000"/>
+              <a:gd name="connsiteX4" fmla="*/ 6620596 w 8284464"/>
+              <a:gd name="connsiteY4" fmla="*/ 6748318 h 6858000"/>
+              <a:gd name="connsiteX5" fmla="*/ 6466355 w 8284464"/>
+              <a:gd name="connsiteY5" fmla="*/ 6858000 h 6858000"/>
+              <a:gd name="connsiteX6" fmla="*/ 1818109 w 8284464"/>
+              <a:gd name="connsiteY6" fmla="*/ 6858000 h 6858000"/>
+              <a:gd name="connsiteX7" fmla="*/ 1663869 w 8284464"/>
+              <a:gd name="connsiteY7" fmla="*/ 6748318 h 6858000"/>
+              <a:gd name="connsiteX8" fmla="*/ 0 w 8284464"/>
+              <a:gd name="connsiteY8" fmla="*/ 3429000 h 6858000"/>
+              <a:gd name="connsiteX9" fmla="*/ 1663869 w 8284464"/>
+              <a:gd name="connsiteY9" fmla="*/ 109683 h 6858000"/>
+            </a:gdLst>
+            <a:ahLst/>
+            <a:cxnLst>
+              <a:cxn ang="0">
+                <a:pos x="connsiteX0" y="connsiteY0"/>
+              </a:cxn>
+              <a:cxn ang="0">
+                <a:pos x="connsiteX1" y="connsiteY1"/>
+              </a:cxn>
+              <a:cxn ang="0">
+                <a:pos x="connsiteX2" y="connsiteY2"/>
+              </a:cxn>
+              <a:cxn ang="0">
+                <a:pos x="connsiteX3" y="connsiteY3"/>
+              </a:cxn>
+              <a:cxn ang="0">
+                <a:pos x="connsiteX4" y="connsiteY4"/>
+              </a:cxn>
+              <a:cxn ang="0">
+                <a:pos x="connsiteX5" y="connsiteY5"/>
+              </a:cxn>
+              <a:cxn ang="0">
+                <a:pos x="connsiteX6" y="connsiteY6"/>
+              </a:cxn>
+              <a:cxn ang="0">
+                <a:pos x="connsiteX7" y="connsiteY7"/>
+              </a:cxn>
+              <a:cxn ang="0">
+                <a:pos x="connsiteX8" y="connsiteY8"/>
+              </a:cxn>
+              <a:cxn ang="0">
+                <a:pos x="connsiteX9" y="connsiteY9"/>
+              </a:cxn>
+            </a:cxnLst>
+            <a:rect l="l" t="t" r="r" b="b"/>
+            <a:pathLst>
+              <a:path w="8284464" h="6858000">
+                <a:moveTo>
+                  <a:pt x="1818109" y="0"/>
+                </a:moveTo>
+                <a:lnTo>
+                  <a:pt x="6466355" y="0"/>
+                </a:lnTo>
+                <a:lnTo>
+                  <a:pt x="6620596" y="109683"/>
+                </a:lnTo>
+                <a:cubicBezTo>
+                  <a:pt x="7630666" y="865069"/>
+                  <a:pt x="8284464" y="2070683"/>
+                  <a:pt x="8284464" y="3429000"/>
+                </a:cubicBezTo>
+                <a:cubicBezTo>
+                  <a:pt x="8284464" y="4787317"/>
+                  <a:pt x="7630666" y="5992931"/>
+                  <a:pt x="6620596" y="6748318"/>
+                </a:cubicBezTo>
+                <a:lnTo>
+                  <a:pt x="6466355" y="6858000"/>
+                </a:lnTo>
+                <a:lnTo>
+                  <a:pt x="1818109" y="6858000"/>
+                </a:lnTo>
+                <a:lnTo>
+                  <a:pt x="1663869" y="6748318"/>
+                </a:lnTo>
+                <a:cubicBezTo>
+                  <a:pt x="653798" y="5992931"/>
+                  <a:pt x="0" y="4787317"/>
+                  <a:pt x="0" y="3429000"/>
+                </a:cubicBezTo>
+                <a:cubicBezTo>
+                  <a:pt x="0" y="2070683"/>
+                  <a:pt x="653798" y="865069"/>
+                  <a:pt x="1663869" y="109683"/>
+                </a:cubicBezTo>
+                <a:close/>
+              </a:path>
+            </a:pathLst>
+          </a:custGeom>
+          <a:solidFill>
+            <a:srgbClr val="FFFFFF">
+              <a:alpha val="80000"/>
+            </a:srgbClr>
+          </a:solidFill>
+          <a:ln>
+            <a:noFill/>
+          </a:ln>
+        </p:spPr>
+        <p:style>
+          <a:lnRef idx="2">
+            <a:schemeClr val="accent1">
+              <a:shade val="50000"/>
+            </a:schemeClr>
+          </a:lnRef>
+          <a:fillRef idx="1">
+            <a:schemeClr val="accent1"/>
+          </a:fillRef>
+          <a:effectRef idx="0">
+            <a:schemeClr val="accent1"/>
+          </a:effectRef>
+          <a:fontRef idx="minor">
+            <a:schemeClr val="lt1"/>
+          </a:fontRef>
+        </p:style>
+        <p:txBody>
+          <a:bodyPr wrap="square" rtlCol="0" anchor="ctr">
+            <a:noAutofit/>
+          </a:bodyPr>
+          <a:lstStyle/>
+          <a:p>
+            <a:pPr algn="ctr"/>
+            <a:endParaRPr lang="en-US"/>
+          </a:p>
+        </p:txBody>
+      </p:sp>
+      <p:sp>
+        <p:nvSpPr>
+          <p:cNvPr id="21" name="Freeform: Shape 20">
+            <a:extLst>
+              <a:ext uri="{FF2B5EF4-FFF2-40B4-BE49-F238E27FC236}">
+                <a16:creationId xmlns:a16="http://schemas.microsoft.com/office/drawing/2014/main" id="{DF9AD32D-FF05-44F4-BD4D-9CEE89B71EB9}"/>
+              </a:ext>
+              <a:ext uri="{C183D7F6-B498-43B3-948B-1728B52AA6E4}">
+                <adec:decorative xmlns:adec="http://schemas.microsoft.com/office/drawing/2017/decorative" val="1"/>
+              </a:ext>
+            </a:extLst>
+          </p:cNvPr>
+          <p:cNvSpPr>
+            <a:spLocks noGrp="1" noRot="1" noChangeAspect="1" noMove="1" noResize="1" noEditPoints="1" noAdjustHandles="1" noChangeArrowheads="1" noChangeShapeType="1" noTextEdit="1"/>
+          </p:cNvSpPr>
+          <p:nvPr>
+            <p:extLst>
+              <p:ext uri="{386F3935-93C4-4BCD-93E2-E3B085C9AB24}">
+                <p16:designElem xmlns:p16="http://schemas.microsoft.com/office/powerpoint/2015/main" val="1"/>
+              </p:ext>
+            </p:extLst>
+          </p:nvPr>
+        </p:nvSpPr>
+        <p:spPr>
+          <a:xfrm>
+            <a:off x="2118360" y="0"/>
+            <a:ext cx="7955280" cy="6858000"/>
+          </a:xfrm>
+          <a:custGeom>
+            <a:avLst/>
+            <a:gdLst>
+              <a:gd name="connsiteX0" fmla="*/ 1962423 w 7955280"/>
+              <a:gd name="connsiteY0" fmla="*/ 0 h 6858000"/>
+              <a:gd name="connsiteX1" fmla="*/ 5992858 w 7955280"/>
+              <a:gd name="connsiteY1" fmla="*/ 0 h 6858000"/>
+              <a:gd name="connsiteX2" fmla="*/ 6040191 w 7955280"/>
+              <a:gd name="connsiteY2" fmla="*/ 27216 h 6858000"/>
+              <a:gd name="connsiteX3" fmla="*/ 7955280 w 7955280"/>
+              <a:gd name="connsiteY3" fmla="*/ 3429000 h 6858000"/>
+              <a:gd name="connsiteX4" fmla="*/ 6040191 w 7955280"/>
+              <a:gd name="connsiteY4" fmla="*/ 6830784 h 6858000"/>
+              <a:gd name="connsiteX5" fmla="*/ 5992858 w 7955280"/>
+              <a:gd name="connsiteY5" fmla="*/ 6858000 h 6858000"/>
+              <a:gd name="connsiteX6" fmla="*/ 1962423 w 7955280"/>
+              <a:gd name="connsiteY6" fmla="*/ 6858000 h 6858000"/>
+              <a:gd name="connsiteX7" fmla="*/ 1915089 w 7955280"/>
+              <a:gd name="connsiteY7" fmla="*/ 6830784 h 6858000"/>
+              <a:gd name="connsiteX8" fmla="*/ 0 w 7955280"/>
+              <a:gd name="connsiteY8" fmla="*/ 3429000 h 6858000"/>
+              <a:gd name="connsiteX9" fmla="*/ 1915089 w 7955280"/>
+              <a:gd name="connsiteY9" fmla="*/ 27216 h 6858000"/>
+            </a:gdLst>
+            <a:ahLst/>
+            <a:cxnLst>
+              <a:cxn ang="0">
+                <a:pos x="connsiteX0" y="connsiteY0"/>
+              </a:cxn>
+              <a:cxn ang="0">
+                <a:pos x="connsiteX1" y="connsiteY1"/>
+              </a:cxn>
+              <a:cxn ang="0">
+                <a:pos x="connsiteX2" y="connsiteY2"/>
+              </a:cxn>
+              <a:cxn ang="0">
+                <a:pos x="connsiteX3" y="connsiteY3"/>
+              </a:cxn>
+              <a:cxn ang="0">
+                <a:pos x="connsiteX4" y="connsiteY4"/>
+              </a:cxn>
+              <a:cxn ang="0">
+                <a:pos x="connsiteX5" y="connsiteY5"/>
+              </a:cxn>
+              <a:cxn ang="0">
+                <a:pos x="connsiteX6" y="connsiteY6"/>
+              </a:cxn>
+              <a:cxn ang="0">
+                <a:pos x="connsiteX7" y="connsiteY7"/>
+              </a:cxn>
+              <a:cxn ang="0">
+                <a:pos x="connsiteX8" y="connsiteY8"/>
+              </a:cxn>
+              <a:cxn ang="0">
+                <a:pos x="connsiteX9" y="connsiteY9"/>
+              </a:cxn>
+            </a:cxnLst>
+            <a:rect l="l" t="t" r="r" b="b"/>
+            <a:pathLst>
+              <a:path w="7955280" h="6858000">
+                <a:moveTo>
+                  <a:pt x="1962423" y="0"/>
+                </a:moveTo>
+                <a:lnTo>
+                  <a:pt x="5992858" y="0"/>
+                </a:lnTo>
+                <a:lnTo>
+                  <a:pt x="6040191" y="27216"/>
+                </a:lnTo>
+                <a:cubicBezTo>
+                  <a:pt x="7188332" y="724844"/>
+                  <a:pt x="7955280" y="1987357"/>
+                  <a:pt x="7955280" y="3429000"/>
+                </a:cubicBezTo>
+                <a:cubicBezTo>
+                  <a:pt x="7955280" y="4870644"/>
+                  <a:pt x="7188332" y="6133157"/>
+                  <a:pt x="6040191" y="6830784"/>
+                </a:cubicBezTo>
+                <a:lnTo>
+                  <a:pt x="5992858" y="6858000"/>
+                </a:lnTo>
+                <a:lnTo>
+                  <a:pt x="1962423" y="6858000"/>
+                </a:lnTo>
+                <a:lnTo>
+                  <a:pt x="1915089" y="6830784"/>
+                </a:lnTo>
+                <a:cubicBezTo>
+                  <a:pt x="766948" y="6133157"/>
+                  <a:pt x="0" y="4870644"/>
+                  <a:pt x="0" y="3429000"/>
+                </a:cubicBezTo>
+                <a:cubicBezTo>
+                  <a:pt x="0" y="1987357"/>
+                  <a:pt x="766948" y="724844"/>
+                  <a:pt x="1915089" y="27216"/>
+                </a:cubicBezTo>
+                <a:close/>
+              </a:path>
+            </a:pathLst>
+          </a:custGeom>
+          <a:solidFill>
+            <a:schemeClr val="tx1"/>
+          </a:solidFill>
+          <a:ln>
+            <a:noFill/>
+          </a:ln>
+        </p:spPr>
+        <p:style>
+          <a:lnRef idx="2">
+            <a:schemeClr val="accent1">
+              <a:shade val="50000"/>
+            </a:schemeClr>
+          </a:lnRef>
+          <a:fillRef idx="1">
+            <a:schemeClr val="accent1"/>
+          </a:fillRef>
+          <a:effectRef idx="0">
+            <a:schemeClr val="accent1"/>
+          </a:effectRef>
+          <a:fontRef idx="minor">
+            <a:schemeClr val="lt1"/>
+          </a:fontRef>
+        </p:style>
+        <p:txBody>
+          <a:bodyPr wrap="square" rtlCol="0" anchor="ctr">
+            <a:noAutofit/>
+          </a:bodyPr>
+          <a:lstStyle/>
+          <a:p>
+            <a:pPr algn="ctr"/>
+            <a:endParaRPr lang="en-US"/>
+          </a:p>
+        </p:txBody>
+      </p:sp>
+      <p:sp>
+        <p:nvSpPr>
+          <p:cNvPr id="2" name="Title 1">
+            <a:extLst>
+              <a:ext uri="{FF2B5EF4-FFF2-40B4-BE49-F238E27FC236}">
+                <a16:creationId xmlns:a16="http://schemas.microsoft.com/office/drawing/2014/main" id="{4C84315F-315F-4066-9D3A-472733691F27}"/>
+              </a:ext>
+            </a:extLst>
+          </p:cNvPr>
+          <p:cNvSpPr>
+            <a:spLocks noGrp="1"/>
+          </p:cNvSpPr>
+          <p:nvPr>
+            <p:ph type="title"/>
+          </p:nvPr>
+        </p:nvSpPr>
+        <p:spPr>
+          <a:xfrm>
+            <a:off x="2555631" y="1441938"/>
+            <a:ext cx="7080738" cy="3974124"/>
+          </a:xfrm>
+        </p:spPr>
+        <p:txBody>
+          <a:bodyPr vert="horz" lIns="91440" tIns="45720" rIns="91440" bIns="45720" rtlCol="0" anchor="ctr">
+            <a:normAutofit/>
+          </a:bodyPr>
+          <a:lstStyle/>
+          <a:p>
+            <a:pPr algn="ctr"/>
+            <a:r>
+              <a:rPr lang="en-US" sz="5400">
+                <a:solidFill>
+                  <a:schemeClr val="bg1">
+                    <a:lumMod val="95000"/>
+                    <a:lumOff val="5000"/>
+                  </a:schemeClr>
+                </a:solidFill>
+              </a:rPr>
+              <a:t>Projektbeschreibung</a:t>
+            </a:r>
+          </a:p>
+        </p:txBody>
+      </p:sp>
+      <p:sp>
+        <p:nvSpPr>
+          <p:cNvPr id="4" name="Footer Placeholder 3">
+            <a:extLst>
+              <a:ext uri="{FF2B5EF4-FFF2-40B4-BE49-F238E27FC236}">
+                <a16:creationId xmlns:a16="http://schemas.microsoft.com/office/drawing/2014/main" id="{0EF7D1E5-7A19-4BA2-8CAA-9135FB90076C}"/>
+              </a:ext>
+            </a:extLst>
+          </p:cNvPr>
+          <p:cNvSpPr>
+            <a:spLocks noGrp="1"/>
+          </p:cNvSpPr>
+          <p:nvPr>
+            <p:ph type="ftr" sz="quarter" idx="11"/>
+          </p:nvPr>
+        </p:nvSpPr>
+        <p:spPr>
+          <a:xfrm>
+            <a:off x="3892062" y="6199632"/>
+            <a:ext cx="4407876" cy="365125"/>
+          </a:xfrm>
+        </p:spPr>
+        <p:txBody>
+          <a:bodyPr vert="horz" lIns="91440" tIns="45720" rIns="91440" bIns="45720" rtlCol="0" anchor="ctr">
+            <a:normAutofit/>
+          </a:bodyPr>
+          <a:lstStyle/>
+          <a:p>
+            <a:pPr defTabSz="457200">
+              <a:spcAft>
+                <a:spcPts val="600"/>
+              </a:spcAft>
+            </a:pPr>
+            <a:r>
+              <a:rPr lang="en-US" sz="1100" kern="1200">
+                <a:solidFill>
+                  <a:schemeClr val="bg1">
+                    <a:alpha val="80000"/>
+                  </a:schemeClr>
+                </a:solidFill>
+                <a:latin typeface="+mn-lt"/>
+                <a:ea typeface="+mn-ea"/>
+                <a:cs typeface="+mn-cs"/>
+              </a:rPr>
+              <a:t>WS19/20 - PV-Modulportal - Rüffer, Vorwerk, Withöft, Zolkin</a:t>
+            </a:r>
+          </a:p>
+        </p:txBody>
+      </p:sp>
+      <p:sp>
+        <p:nvSpPr>
+          <p:cNvPr id="5" name="Slide Number Placeholder 4">
+            <a:extLst>
+              <a:ext uri="{FF2B5EF4-FFF2-40B4-BE49-F238E27FC236}">
+                <a16:creationId xmlns:a16="http://schemas.microsoft.com/office/drawing/2014/main" id="{FAC16E02-623C-4BDA-BAFA-B73797A517FD}"/>
+              </a:ext>
+            </a:extLst>
+          </p:cNvPr>
+          <p:cNvSpPr>
+            <a:spLocks noGrp="1"/>
+          </p:cNvSpPr>
+          <p:nvPr>
+            <p:ph type="sldNum" sz="quarter" idx="12"/>
+          </p:nvPr>
+        </p:nvSpPr>
+        <p:spPr>
+          <a:xfrm>
+            <a:off x="11000232" y="6108192"/>
+            <a:ext cx="548640" cy="548640"/>
+          </a:xfrm>
+          <a:prstGeom prst="ellipse">
+            <a:avLst/>
+          </a:prstGeom>
+          <a:solidFill>
+            <a:srgbClr val="7F7F7F"/>
+          </a:solidFill>
+        </p:spPr>
+        <p:txBody>
+          <a:bodyPr vert="horz" lIns="91440" tIns="45720" rIns="91440" bIns="45720" rtlCol="0" anchor="ctr">
+            <a:normAutofit/>
+          </a:bodyPr>
+          <a:lstStyle/>
+          <a:p>
+            <a:pPr algn="ctr" defTabSz="457200">
+              <a:spcAft>
+                <a:spcPts val="600"/>
+              </a:spcAft>
+            </a:pPr>
+            <a:fld id="{969E759D-A893-4B96-8B48-96EE547EBC41}" type="slidenum">
+              <a:rPr lang="en-US" sz="1500">
+                <a:solidFill>
+                  <a:srgbClr val="FFFFFF"/>
+                </a:solidFill>
+              </a:rPr>
+              <a:pPr algn="ctr" defTabSz="457200">
+                <a:spcAft>
+                  <a:spcPts val="600"/>
+                </a:spcAft>
+              </a:pPr>
+              <a:t>3</a:t>
+            </a:fld>
+            <a:endParaRPr lang="en-US" sz="1500">
+              <a:solidFill>
+                <a:srgbClr val="FFFFFF"/>
+              </a:solidFill>
+            </a:endParaRPr>
+          </a:p>
+        </p:txBody>
+      </p:sp>
+    </p:spTree>
+    <p:extLst>
+      <p:ext uri="{BB962C8B-B14F-4D97-AF65-F5344CB8AC3E}">
+        <p14:creationId xmlns:p14="http://schemas.microsoft.com/office/powerpoint/2010/main" val="2543022861"/>
+      </p:ext>
+    </p:extLst>
+  </p:cSld>
+  <p:clrMapOvr>
+    <a:overrideClrMapping bg1="dk1" tx1="lt1" bg2="dk2" tx2="lt2" accent1="accent1" accent2="accent2" accent3="accent3" accent4="accent4" accent5="accent5" accent6="accent6" hlink="hlink" folHlink="folHlink"/>
+  </p:clrMapOvr>
+</p:sld>
+</file>
+
+<file path=ppt/slides/slide30.xml><?xml version="1.0" encoding="utf-8"?>
+<p:sld xmlns:a="http://schemas.openxmlformats.org/drawingml/2006/main" xmlns:r="http://schemas.openxmlformats.org/officeDocument/2006/relationships" xmlns:p="http://schemas.openxmlformats.org/presentationml/2006/main">
+  <p:cSld>
+    <p:spTree>
+      <p:nvGrpSpPr>
+        <p:cNvPr id="1" name=""/>
+        <p:cNvGrpSpPr/>
+        <p:nvPr/>
+      </p:nvGrpSpPr>
+      <p:grpSpPr>
+        <a:xfrm>
+          <a:off x="0" y="0"/>
+          <a:ext cx="0" cy="0"/>
+          <a:chOff x="0" y="0"/>
+          <a:chExt cx="0" cy="0"/>
+        </a:xfrm>
+      </p:grpSpPr>
+      <p:sp>
+        <p:nvSpPr>
+          <p:cNvPr id="2" name="Title 1">
+            <a:extLst>
+              <a:ext uri="{FF2B5EF4-FFF2-40B4-BE49-F238E27FC236}">
+                <a16:creationId xmlns:a16="http://schemas.microsoft.com/office/drawing/2014/main" id="{4C84315F-315F-4066-9D3A-472733691F27}"/>
+              </a:ext>
+            </a:extLst>
+          </p:cNvPr>
+          <p:cNvSpPr>
+            <a:spLocks noGrp="1"/>
+          </p:cNvSpPr>
+          <p:nvPr>
+            <p:ph type="title"/>
+          </p:nvPr>
+        </p:nvSpPr>
+        <p:spPr>
+          <a:xfrm>
+            <a:off x="838200" y="365125"/>
+            <a:ext cx="10515600" cy="1325563"/>
+          </a:xfrm>
+        </p:spPr>
+        <p:txBody>
+          <a:bodyPr>
+            <a:normAutofit/>
+          </a:bodyPr>
+          <a:lstStyle/>
+          <a:p>
+            <a:r>
+              <a:rPr lang="en-NZ" dirty="0" err="1"/>
+              <a:t>Codeimplementierungen</a:t>
+            </a:r>
+            <a:r>
+              <a:rPr lang="en-NZ" dirty="0"/>
+              <a:t>  – 	Backend</a:t>
+            </a:r>
+            <a:br>
+              <a:rPr lang="en-NZ" dirty="0"/>
+            </a:br>
+            <a:r>
+              <a:rPr lang="en-NZ" dirty="0"/>
+              <a:t>							View Requests II</a:t>
+            </a:r>
+            <a:endParaRPr lang="de-DE" dirty="0"/>
+          </a:p>
+        </p:txBody>
+      </p:sp>
+      <p:sp>
+        <p:nvSpPr>
+          <p:cNvPr id="4" name="Footer Placeholder 3">
+            <a:extLst>
+              <a:ext uri="{FF2B5EF4-FFF2-40B4-BE49-F238E27FC236}">
+                <a16:creationId xmlns:a16="http://schemas.microsoft.com/office/drawing/2014/main" id="{0EF7D1E5-7A19-4BA2-8CAA-9135FB90076C}"/>
+              </a:ext>
+            </a:extLst>
+          </p:cNvPr>
+          <p:cNvSpPr>
+            <a:spLocks noGrp="1"/>
+          </p:cNvSpPr>
+          <p:nvPr>
+            <p:ph type="ftr" sz="quarter" idx="11"/>
+          </p:nvPr>
+        </p:nvSpPr>
+        <p:spPr>
+          <a:xfrm>
+            <a:off x="4038600" y="6356350"/>
+            <a:ext cx="4114800" cy="365125"/>
+          </a:xfrm>
+        </p:spPr>
+        <p:txBody>
+          <a:bodyPr/>
+          <a:lstStyle/>
+          <a:p>
+            <a:r>
+              <a:rPr lang="de-DE"/>
+              <a:t>WS19/20 - PV-Modulportal - Rüffer, Vorwerk, Withöft, Zolkin</a:t>
+            </a:r>
+          </a:p>
+        </p:txBody>
+      </p:sp>
+      <p:sp>
+        <p:nvSpPr>
+          <p:cNvPr id="5" name="Slide Number Placeholder 4">
+            <a:extLst>
+              <a:ext uri="{FF2B5EF4-FFF2-40B4-BE49-F238E27FC236}">
+                <a16:creationId xmlns:a16="http://schemas.microsoft.com/office/drawing/2014/main" id="{FAC16E02-623C-4BDA-BAFA-B73797A517FD}"/>
+              </a:ext>
+            </a:extLst>
+          </p:cNvPr>
+          <p:cNvSpPr>
+            <a:spLocks noGrp="1"/>
+          </p:cNvSpPr>
+          <p:nvPr>
+            <p:ph type="sldNum" sz="quarter" idx="12"/>
+          </p:nvPr>
+        </p:nvSpPr>
+        <p:spPr>
+          <a:xfrm>
+            <a:off x="8610600" y="6356350"/>
+            <a:ext cx="2743200" cy="365125"/>
+          </a:xfrm>
+        </p:spPr>
+        <p:txBody>
+          <a:bodyPr/>
+          <a:lstStyle/>
+          <a:p>
+            <a:fld id="{969E759D-A893-4B96-8B48-96EE547EBC41}" type="slidenum">
+              <a:rPr lang="de-DE" smtClean="0"/>
+              <a:t>30</a:t>
+            </a:fld>
+            <a:endParaRPr lang="de-DE"/>
+          </a:p>
+        </p:txBody>
+      </p:sp>
+      <p:pic>
+        <p:nvPicPr>
+          <p:cNvPr id="6" name="Grafik 5" descr="Ein Bild, das Screenshot enthält.&#10;&#10;Automatisch generierte Beschreibung">
+            <a:extLst>
+              <a:ext uri="{FF2B5EF4-FFF2-40B4-BE49-F238E27FC236}">
+                <a16:creationId xmlns:a16="http://schemas.microsoft.com/office/drawing/2014/main" id="{E84480C7-A7BE-4603-8078-0594808F9C84}"/>
+              </a:ext>
+            </a:extLst>
+          </p:cNvPr>
+          <p:cNvPicPr>
+            <a:picLocks noChangeAspect="1"/>
+          </p:cNvPicPr>
+          <p:nvPr/>
+        </p:nvPicPr>
+        <p:blipFill>
+          <a:blip r:embed="rId2">
+            <a:extLst>
+              <a:ext uri="{28A0092B-C50C-407E-A947-70E740481C1C}">
+                <a14:useLocalDpi xmlns:a14="http://schemas.microsoft.com/office/drawing/2010/main" val="0"/>
+              </a:ext>
+            </a:extLst>
+          </a:blip>
+          <a:stretch>
+            <a:fillRect/>
+          </a:stretch>
+        </p:blipFill>
+        <p:spPr>
+          <a:xfrm>
+            <a:off x="838200" y="2941022"/>
+            <a:ext cx="6887536" cy="2772162"/>
+          </a:xfrm>
+          <a:prstGeom prst="rect">
+            <a:avLst/>
+          </a:prstGeom>
+        </p:spPr>
+      </p:pic>
+      <p:sp>
+        <p:nvSpPr>
+          <p:cNvPr id="7" name="Textfeld 6">
+            <a:extLst>
+              <a:ext uri="{FF2B5EF4-FFF2-40B4-BE49-F238E27FC236}">
+                <a16:creationId xmlns:a16="http://schemas.microsoft.com/office/drawing/2014/main" id="{C1D64D27-CB0E-48C8-BDC5-E2E4F5AD8D9E}"/>
+              </a:ext>
+            </a:extLst>
+          </p:cNvPr>
+          <p:cNvSpPr txBox="1"/>
+          <p:nvPr/>
+        </p:nvSpPr>
+        <p:spPr>
+          <a:xfrm>
+            <a:off x="1023568" y="2404653"/>
+            <a:ext cx="6949082" cy="369332"/>
+          </a:xfrm>
+          <a:prstGeom prst="rect">
+            <a:avLst/>
+          </a:prstGeom>
+          <a:noFill/>
+        </p:spPr>
+        <p:txBody>
+          <a:bodyPr wrap="none" rtlCol="0">
+            <a:spAutoFit/>
+          </a:bodyPr>
+          <a:lstStyle/>
+          <a:p>
+            <a:r>
+              <a:rPr lang="de-DE" dirty="0"/>
+              <a:t>Holen der einzelnen Datensätze - Individuelle Query für jeden Datensatz</a:t>
+            </a:r>
+          </a:p>
+        </p:txBody>
+      </p:sp>
+      <p:sp>
+        <p:nvSpPr>
+          <p:cNvPr id="8" name="Textfeld 7">
+            <a:extLst>
+              <a:ext uri="{FF2B5EF4-FFF2-40B4-BE49-F238E27FC236}">
+                <a16:creationId xmlns:a16="http://schemas.microsoft.com/office/drawing/2014/main" id="{F800D383-B01F-4C07-BDBE-7459A0254FA2}"/>
+              </a:ext>
+            </a:extLst>
+          </p:cNvPr>
+          <p:cNvSpPr txBox="1"/>
+          <p:nvPr/>
+        </p:nvSpPr>
+        <p:spPr>
+          <a:xfrm>
+            <a:off x="8397541" y="4327103"/>
+            <a:ext cx="2956259" cy="1477328"/>
+          </a:xfrm>
+          <a:prstGeom prst="rect">
+            <a:avLst/>
+          </a:prstGeom>
+          <a:noFill/>
+        </p:spPr>
+        <p:txBody>
+          <a:bodyPr wrap="none" rtlCol="0">
+            <a:spAutoFit/>
+          </a:bodyPr>
+          <a:lstStyle/>
+          <a:p>
+            <a:r>
+              <a:rPr lang="de-DE" dirty="0"/>
+              <a:t>Problem</a:t>
+            </a:r>
+          </a:p>
+          <a:p>
+            <a:pPr marL="285750" indent="-285750">
+              <a:buFont typeface="Arial" panose="020B0604020202020204" pitchFamily="34" charset="0"/>
+              <a:buChar char="•"/>
+            </a:pPr>
+            <a:r>
+              <a:rPr lang="de-DE" dirty="0"/>
+              <a:t>WHERE </a:t>
+            </a:r>
+            <a:r>
+              <a:rPr lang="de-DE" dirty="0" err="1"/>
+              <a:t>id</a:t>
+            </a:r>
+            <a:r>
+              <a:rPr lang="de-DE" dirty="0"/>
+              <a:t> = :</a:t>
+            </a:r>
+            <a:r>
+              <a:rPr lang="de-DE" dirty="0" err="1"/>
+              <a:t>id</a:t>
+            </a:r>
+            <a:endParaRPr lang="de-DE" dirty="0"/>
+          </a:p>
+          <a:p>
+            <a:pPr marL="285750" indent="-285750">
+              <a:buFont typeface="Arial" panose="020B0604020202020204" pitchFamily="34" charset="0"/>
+              <a:buChar char="•"/>
+            </a:pPr>
+            <a:endParaRPr lang="de-DE" dirty="0"/>
+          </a:p>
+          <a:p>
+            <a:r>
+              <a:rPr lang="de-DE" dirty="0"/>
+              <a:t>Mögliche Lösung</a:t>
+            </a:r>
+          </a:p>
+          <a:p>
+            <a:pPr marL="285750" indent="-285750">
+              <a:buFont typeface="Arial" panose="020B0604020202020204" pitchFamily="34" charset="0"/>
+              <a:buChar char="•"/>
+            </a:pPr>
+            <a:r>
+              <a:rPr lang="de-DE" dirty="0"/>
+              <a:t>WHERE </a:t>
+            </a:r>
+            <a:r>
+              <a:rPr lang="de-DE" dirty="0" err="1"/>
+              <a:t>id</a:t>
+            </a:r>
+            <a:r>
+              <a:rPr lang="de-DE" dirty="0"/>
+              <a:t> IN (:id0, :id1, …)</a:t>
+            </a:r>
+          </a:p>
+        </p:txBody>
+      </p:sp>
+    </p:spTree>
+    <p:extLst>
+      <p:ext uri="{BB962C8B-B14F-4D97-AF65-F5344CB8AC3E}">
+        <p14:creationId xmlns:p14="http://schemas.microsoft.com/office/powerpoint/2010/main" val="2359763541"/>
+      </p:ext>
+    </p:extLst>
+  </p:cSld>
+  <p:clrMapOvr>
+    <a:masterClrMapping/>
+  </p:clrMapOvr>
+</p:sld>
+</file>
+
+<file path=ppt/slides/slide31.xml><?xml version="1.0" encoding="utf-8"?>
+<p:sld xmlns:a="http://schemas.openxmlformats.org/drawingml/2006/main" xmlns:r="http://schemas.openxmlformats.org/officeDocument/2006/relationships" xmlns:p="http://schemas.openxmlformats.org/presentationml/2006/main">
+  <p:cSld>
+    <p:bg>
+      <p:bgPr>
+        <a:solidFill>
+          <a:schemeClr val="bg1">
+            <a:tint val="95000"/>
+            <a:satMod val="170000"/>
+          </a:schemeClr>
+        </a:solidFill>
+        <a:effectLst/>
+      </p:bgPr>
+    </p:bg>
+    <p:spTree>
+      <p:nvGrpSpPr>
+        <p:cNvPr id="1" name=""/>
+        <p:cNvGrpSpPr/>
+        <p:nvPr/>
+      </p:nvGrpSpPr>
+      <p:grpSpPr>
+        <a:xfrm>
+          <a:off x="0" y="0"/>
+          <a:ext cx="0" cy="0"/>
+          <a:chOff x="0" y="0"/>
+          <a:chExt cx="0" cy="0"/>
+        </a:xfrm>
+      </p:grpSpPr>
+      <p:sp>
+        <p:nvSpPr>
+          <p:cNvPr id="10" name="Freeform: Shape 9">
+            <a:extLst>
+              <a:ext uri="{FF2B5EF4-FFF2-40B4-BE49-F238E27FC236}">
+                <a16:creationId xmlns:a16="http://schemas.microsoft.com/office/drawing/2014/main" id="{66B332A4-D438-4773-A77F-5ED49A448D9D}"/>
+              </a:ext>
+              <a:ext uri="{C183D7F6-B498-43B3-948B-1728B52AA6E4}">
+                <adec:decorative xmlns:adec="http://schemas.microsoft.com/office/drawing/2017/decorative" val="1"/>
+              </a:ext>
+            </a:extLst>
+          </p:cNvPr>
+          <p:cNvSpPr>
+            <a:spLocks noGrp="1" noRot="1" noChangeAspect="1" noMove="1" noResize="1" noEditPoints="1" noAdjustHandles="1" noChangeArrowheads="1" noChangeShapeType="1" noTextEdit="1"/>
+          </p:cNvSpPr>
+          <p:nvPr>
+            <p:extLst>
+              <p:ext uri="{386F3935-93C4-4BCD-93E2-E3B085C9AB24}">
+                <p16:designElem xmlns:p16="http://schemas.microsoft.com/office/powerpoint/2015/main" val="1"/>
+              </p:ext>
+            </p:extLst>
+          </p:nvPr>
+        </p:nvSpPr>
+        <p:spPr>
+          <a:xfrm>
+            <a:off x="1953768" y="0"/>
+            <a:ext cx="8284464" cy="6858000"/>
+          </a:xfrm>
+          <a:custGeom>
+            <a:avLst/>
+            <a:gdLst>
+              <a:gd name="connsiteX0" fmla="*/ 1818109 w 8284464"/>
+              <a:gd name="connsiteY0" fmla="*/ 0 h 6858000"/>
+              <a:gd name="connsiteX1" fmla="*/ 6466355 w 8284464"/>
+              <a:gd name="connsiteY1" fmla="*/ 0 h 6858000"/>
+              <a:gd name="connsiteX2" fmla="*/ 6620596 w 8284464"/>
+              <a:gd name="connsiteY2" fmla="*/ 109683 h 6858000"/>
+              <a:gd name="connsiteX3" fmla="*/ 8284464 w 8284464"/>
+              <a:gd name="connsiteY3" fmla="*/ 3429000 h 6858000"/>
+              <a:gd name="connsiteX4" fmla="*/ 6620596 w 8284464"/>
+              <a:gd name="connsiteY4" fmla="*/ 6748318 h 6858000"/>
+              <a:gd name="connsiteX5" fmla="*/ 6466355 w 8284464"/>
+              <a:gd name="connsiteY5" fmla="*/ 6858000 h 6858000"/>
+              <a:gd name="connsiteX6" fmla="*/ 1818109 w 8284464"/>
+              <a:gd name="connsiteY6" fmla="*/ 6858000 h 6858000"/>
+              <a:gd name="connsiteX7" fmla="*/ 1663869 w 8284464"/>
+              <a:gd name="connsiteY7" fmla="*/ 6748318 h 6858000"/>
+              <a:gd name="connsiteX8" fmla="*/ 0 w 8284464"/>
+              <a:gd name="connsiteY8" fmla="*/ 3429000 h 6858000"/>
+              <a:gd name="connsiteX9" fmla="*/ 1663869 w 8284464"/>
+              <a:gd name="connsiteY9" fmla="*/ 109683 h 6858000"/>
+            </a:gdLst>
+            <a:ahLst/>
+            <a:cxnLst>
+              <a:cxn ang="0">
+                <a:pos x="connsiteX0" y="connsiteY0"/>
+              </a:cxn>
+              <a:cxn ang="0">
+                <a:pos x="connsiteX1" y="connsiteY1"/>
+              </a:cxn>
+              <a:cxn ang="0">
+                <a:pos x="connsiteX2" y="connsiteY2"/>
+              </a:cxn>
+              <a:cxn ang="0">
+                <a:pos x="connsiteX3" y="connsiteY3"/>
+              </a:cxn>
+              <a:cxn ang="0">
+                <a:pos x="connsiteX4" y="connsiteY4"/>
+              </a:cxn>
+              <a:cxn ang="0">
+                <a:pos x="connsiteX5" y="connsiteY5"/>
+              </a:cxn>
+              <a:cxn ang="0">
+                <a:pos x="connsiteX6" y="connsiteY6"/>
+              </a:cxn>
+              <a:cxn ang="0">
+                <a:pos x="connsiteX7" y="connsiteY7"/>
+              </a:cxn>
+              <a:cxn ang="0">
+                <a:pos x="connsiteX8" y="connsiteY8"/>
+              </a:cxn>
+              <a:cxn ang="0">
+                <a:pos x="connsiteX9" y="connsiteY9"/>
+              </a:cxn>
+            </a:cxnLst>
+            <a:rect l="l" t="t" r="r" b="b"/>
+            <a:pathLst>
+              <a:path w="8284464" h="6858000">
+                <a:moveTo>
+                  <a:pt x="1818109" y="0"/>
+                </a:moveTo>
+                <a:lnTo>
+                  <a:pt x="6466355" y="0"/>
+                </a:lnTo>
+                <a:lnTo>
+                  <a:pt x="6620596" y="109683"/>
+                </a:lnTo>
+                <a:cubicBezTo>
+                  <a:pt x="7630666" y="865069"/>
+                  <a:pt x="8284464" y="2070683"/>
+                  <a:pt x="8284464" y="3429000"/>
+                </a:cubicBezTo>
+                <a:cubicBezTo>
+                  <a:pt x="8284464" y="4787317"/>
+                  <a:pt x="7630666" y="5992931"/>
+                  <a:pt x="6620596" y="6748318"/>
+                </a:cubicBezTo>
+                <a:lnTo>
+                  <a:pt x="6466355" y="6858000"/>
+                </a:lnTo>
+                <a:lnTo>
+                  <a:pt x="1818109" y="6858000"/>
+                </a:lnTo>
+                <a:lnTo>
+                  <a:pt x="1663869" y="6748318"/>
+                </a:lnTo>
+                <a:cubicBezTo>
+                  <a:pt x="653798" y="5992931"/>
+                  <a:pt x="0" y="4787317"/>
+                  <a:pt x="0" y="3429000"/>
+                </a:cubicBezTo>
+                <a:cubicBezTo>
+                  <a:pt x="0" y="2070683"/>
+                  <a:pt x="653798" y="865069"/>
+                  <a:pt x="1663869" y="109683"/>
+                </a:cubicBezTo>
+                <a:close/>
+              </a:path>
+            </a:pathLst>
+          </a:custGeom>
+          <a:solidFill>
+            <a:srgbClr val="FFFFFF">
+              <a:alpha val="80000"/>
+            </a:srgbClr>
+          </a:solidFill>
+          <a:ln>
+            <a:noFill/>
+          </a:ln>
+        </p:spPr>
+        <p:style>
+          <a:lnRef idx="2">
+            <a:schemeClr val="accent1">
+              <a:shade val="50000"/>
+            </a:schemeClr>
+          </a:lnRef>
+          <a:fillRef idx="1">
+            <a:schemeClr val="accent1"/>
+          </a:fillRef>
+          <a:effectRef idx="0">
+            <a:schemeClr val="accent1"/>
+          </a:effectRef>
+          <a:fontRef idx="minor">
+            <a:schemeClr val="lt1"/>
+          </a:fontRef>
+        </p:style>
+        <p:txBody>
+          <a:bodyPr wrap="square" rtlCol="0" anchor="ctr">
+            <a:noAutofit/>
+          </a:bodyPr>
+          <a:lstStyle/>
+          <a:p>
+            <a:pPr algn="ctr"/>
+            <a:endParaRPr lang="en-US"/>
+          </a:p>
+        </p:txBody>
+      </p:sp>
+      <p:sp>
+        <p:nvSpPr>
+          <p:cNvPr id="12" name="Freeform: Shape 11">
+            <a:extLst>
+              <a:ext uri="{FF2B5EF4-FFF2-40B4-BE49-F238E27FC236}">
+                <a16:creationId xmlns:a16="http://schemas.microsoft.com/office/drawing/2014/main" id="{DF9AD32D-FF05-44F4-BD4D-9CEE89B71EB9}"/>
+              </a:ext>
+              <a:ext uri="{C183D7F6-B498-43B3-948B-1728B52AA6E4}">
+                <adec:decorative xmlns:adec="http://schemas.microsoft.com/office/drawing/2017/decorative" val="1"/>
+              </a:ext>
+            </a:extLst>
+          </p:cNvPr>
+          <p:cNvSpPr>
+            <a:spLocks noGrp="1" noRot="1" noChangeAspect="1" noMove="1" noResize="1" noEditPoints="1" noAdjustHandles="1" noChangeArrowheads="1" noChangeShapeType="1" noTextEdit="1"/>
+          </p:cNvSpPr>
+          <p:nvPr>
+            <p:extLst>
+              <p:ext uri="{386F3935-93C4-4BCD-93E2-E3B085C9AB24}">
+                <p16:designElem xmlns:p16="http://schemas.microsoft.com/office/powerpoint/2015/main" val="1"/>
+              </p:ext>
+            </p:extLst>
+          </p:nvPr>
+        </p:nvSpPr>
+        <p:spPr>
+          <a:xfrm>
+            <a:off x="2118360" y="0"/>
+            <a:ext cx="7955280" cy="6858000"/>
+          </a:xfrm>
+          <a:custGeom>
+            <a:avLst/>
+            <a:gdLst>
+              <a:gd name="connsiteX0" fmla="*/ 1962423 w 7955280"/>
+              <a:gd name="connsiteY0" fmla="*/ 0 h 6858000"/>
+              <a:gd name="connsiteX1" fmla="*/ 5992858 w 7955280"/>
+              <a:gd name="connsiteY1" fmla="*/ 0 h 6858000"/>
+              <a:gd name="connsiteX2" fmla="*/ 6040191 w 7955280"/>
+              <a:gd name="connsiteY2" fmla="*/ 27216 h 6858000"/>
+              <a:gd name="connsiteX3" fmla="*/ 7955280 w 7955280"/>
+              <a:gd name="connsiteY3" fmla="*/ 3429000 h 6858000"/>
+              <a:gd name="connsiteX4" fmla="*/ 6040191 w 7955280"/>
+              <a:gd name="connsiteY4" fmla="*/ 6830784 h 6858000"/>
+              <a:gd name="connsiteX5" fmla="*/ 5992858 w 7955280"/>
+              <a:gd name="connsiteY5" fmla="*/ 6858000 h 6858000"/>
+              <a:gd name="connsiteX6" fmla="*/ 1962423 w 7955280"/>
+              <a:gd name="connsiteY6" fmla="*/ 6858000 h 6858000"/>
+              <a:gd name="connsiteX7" fmla="*/ 1915089 w 7955280"/>
+              <a:gd name="connsiteY7" fmla="*/ 6830784 h 6858000"/>
+              <a:gd name="connsiteX8" fmla="*/ 0 w 7955280"/>
+              <a:gd name="connsiteY8" fmla="*/ 3429000 h 6858000"/>
+              <a:gd name="connsiteX9" fmla="*/ 1915089 w 7955280"/>
+              <a:gd name="connsiteY9" fmla="*/ 27216 h 6858000"/>
+            </a:gdLst>
+            <a:ahLst/>
+            <a:cxnLst>
+              <a:cxn ang="0">
+                <a:pos x="connsiteX0" y="connsiteY0"/>
+              </a:cxn>
+              <a:cxn ang="0">
+                <a:pos x="connsiteX1" y="connsiteY1"/>
+              </a:cxn>
+              <a:cxn ang="0">
+                <a:pos x="connsiteX2" y="connsiteY2"/>
+              </a:cxn>
+              <a:cxn ang="0">
+                <a:pos x="connsiteX3" y="connsiteY3"/>
+              </a:cxn>
+              <a:cxn ang="0">
+                <a:pos x="connsiteX4" y="connsiteY4"/>
+              </a:cxn>
+              <a:cxn ang="0">
+                <a:pos x="connsiteX5" y="connsiteY5"/>
+              </a:cxn>
+              <a:cxn ang="0">
+                <a:pos x="connsiteX6" y="connsiteY6"/>
+              </a:cxn>
+              <a:cxn ang="0">
+                <a:pos x="connsiteX7" y="connsiteY7"/>
+              </a:cxn>
+              <a:cxn ang="0">
+                <a:pos x="connsiteX8" y="connsiteY8"/>
+              </a:cxn>
+              <a:cxn ang="0">
+                <a:pos x="connsiteX9" y="connsiteY9"/>
+              </a:cxn>
+            </a:cxnLst>
+            <a:rect l="l" t="t" r="r" b="b"/>
+            <a:pathLst>
+              <a:path w="7955280" h="6858000">
+                <a:moveTo>
+                  <a:pt x="1962423" y="0"/>
+                </a:moveTo>
+                <a:lnTo>
+                  <a:pt x="5992858" y="0"/>
+                </a:lnTo>
+                <a:lnTo>
+                  <a:pt x="6040191" y="27216"/>
+                </a:lnTo>
+                <a:cubicBezTo>
+                  <a:pt x="7188332" y="724844"/>
+                  <a:pt x="7955280" y="1987357"/>
+                  <a:pt x="7955280" y="3429000"/>
+                </a:cubicBezTo>
+                <a:cubicBezTo>
+                  <a:pt x="7955280" y="4870644"/>
+                  <a:pt x="7188332" y="6133157"/>
+                  <a:pt x="6040191" y="6830784"/>
+                </a:cubicBezTo>
+                <a:lnTo>
+                  <a:pt x="5992858" y="6858000"/>
+                </a:lnTo>
+                <a:lnTo>
+                  <a:pt x="1962423" y="6858000"/>
+                </a:lnTo>
+                <a:lnTo>
+                  <a:pt x="1915089" y="6830784"/>
+                </a:lnTo>
+                <a:cubicBezTo>
+                  <a:pt x="766948" y="6133157"/>
+                  <a:pt x="0" y="4870644"/>
+                  <a:pt x="0" y="3429000"/>
+                </a:cubicBezTo>
+                <a:cubicBezTo>
+                  <a:pt x="0" y="1987357"/>
+                  <a:pt x="766948" y="724844"/>
+                  <a:pt x="1915089" y="27216"/>
+                </a:cubicBezTo>
+                <a:close/>
+              </a:path>
+            </a:pathLst>
+          </a:custGeom>
+          <a:solidFill>
+            <a:schemeClr val="tx1"/>
+          </a:solidFill>
+          <a:ln>
+            <a:noFill/>
+          </a:ln>
+        </p:spPr>
+        <p:style>
+          <a:lnRef idx="2">
+            <a:schemeClr val="accent1">
+              <a:shade val="50000"/>
+            </a:schemeClr>
+          </a:lnRef>
+          <a:fillRef idx="1">
+            <a:schemeClr val="accent1"/>
+          </a:fillRef>
+          <a:effectRef idx="0">
+            <a:schemeClr val="accent1"/>
+          </a:effectRef>
+          <a:fontRef idx="minor">
+            <a:schemeClr val="lt1"/>
+          </a:fontRef>
+        </p:style>
+        <p:txBody>
+          <a:bodyPr wrap="square" rtlCol="0" anchor="ctr">
+            <a:noAutofit/>
+          </a:bodyPr>
+          <a:lstStyle/>
+          <a:p>
+            <a:pPr algn="ctr"/>
+            <a:endParaRPr lang="en-US"/>
+          </a:p>
+        </p:txBody>
+      </p:sp>
+      <p:sp>
+        <p:nvSpPr>
+          <p:cNvPr id="2" name="Title 1">
+            <a:extLst>
+              <a:ext uri="{FF2B5EF4-FFF2-40B4-BE49-F238E27FC236}">
+                <a16:creationId xmlns:a16="http://schemas.microsoft.com/office/drawing/2014/main" id="{4C84315F-315F-4066-9D3A-472733691F27}"/>
+              </a:ext>
+            </a:extLst>
+          </p:cNvPr>
+          <p:cNvSpPr>
+            <a:spLocks noGrp="1"/>
+          </p:cNvSpPr>
+          <p:nvPr>
+            <p:ph type="title"/>
+          </p:nvPr>
+        </p:nvSpPr>
+        <p:spPr>
+          <a:xfrm>
+            <a:off x="2555631" y="1441938"/>
+            <a:ext cx="7080738" cy="3974124"/>
+          </a:xfrm>
+        </p:spPr>
+        <p:txBody>
+          <a:bodyPr vert="horz" lIns="91440" tIns="45720" rIns="91440" bIns="45720" rtlCol="0" anchor="ctr">
+            <a:normAutofit/>
+          </a:bodyPr>
+          <a:lstStyle/>
+          <a:p>
+            <a:pPr algn="ctr"/>
+            <a:r>
+              <a:rPr lang="en-US" sz="5400" dirty="0" err="1">
+                <a:solidFill>
+                  <a:schemeClr val="bg1">
+                    <a:lumMod val="95000"/>
+                    <a:lumOff val="5000"/>
+                  </a:schemeClr>
+                </a:solidFill>
+              </a:rPr>
+              <a:t>Ausblick</a:t>
+            </a:r>
+            <a:r>
+              <a:rPr lang="en-US" sz="5400" dirty="0">
+                <a:solidFill>
+                  <a:schemeClr val="bg1">
+                    <a:lumMod val="95000"/>
+                    <a:lumOff val="5000"/>
+                  </a:schemeClr>
+                </a:solidFill>
+              </a:rPr>
+              <a:t> und </a:t>
+            </a:r>
+            <a:r>
+              <a:rPr lang="en-US" sz="5400" dirty="0" err="1">
+                <a:solidFill>
+                  <a:schemeClr val="bg1">
+                    <a:lumMod val="95000"/>
+                    <a:lumOff val="5000"/>
+                  </a:schemeClr>
+                </a:solidFill>
+              </a:rPr>
+              <a:t>Fazit</a:t>
+            </a:r>
+            <a:endParaRPr lang="en-US" sz="5400" dirty="0">
+              <a:solidFill>
+                <a:schemeClr val="bg1">
+                  <a:lumMod val="95000"/>
+                  <a:lumOff val="5000"/>
+                </a:schemeClr>
+              </a:solidFill>
+            </a:endParaRPr>
+          </a:p>
+        </p:txBody>
+      </p:sp>
+      <p:sp>
+        <p:nvSpPr>
+          <p:cNvPr id="4" name="Footer Placeholder 3">
+            <a:extLst>
+              <a:ext uri="{FF2B5EF4-FFF2-40B4-BE49-F238E27FC236}">
+                <a16:creationId xmlns:a16="http://schemas.microsoft.com/office/drawing/2014/main" id="{0EF7D1E5-7A19-4BA2-8CAA-9135FB90076C}"/>
+              </a:ext>
+            </a:extLst>
+          </p:cNvPr>
+          <p:cNvSpPr>
+            <a:spLocks noGrp="1"/>
+          </p:cNvSpPr>
+          <p:nvPr>
+            <p:ph type="ftr" sz="quarter" idx="11"/>
+          </p:nvPr>
+        </p:nvSpPr>
+        <p:spPr>
+          <a:xfrm>
+            <a:off x="3892062" y="6199632"/>
+            <a:ext cx="4407876" cy="365125"/>
+          </a:xfrm>
+        </p:spPr>
+        <p:txBody>
+          <a:bodyPr vert="horz" lIns="91440" tIns="45720" rIns="91440" bIns="45720" rtlCol="0" anchor="ctr">
+            <a:normAutofit/>
+          </a:bodyPr>
+          <a:lstStyle/>
+          <a:p>
+            <a:pPr defTabSz="457200">
+              <a:spcAft>
+                <a:spcPts val="600"/>
+              </a:spcAft>
+            </a:pPr>
+            <a:r>
+              <a:rPr lang="en-US" sz="1100" kern="1200">
+                <a:solidFill>
+                  <a:schemeClr val="bg1">
+                    <a:alpha val="80000"/>
+                  </a:schemeClr>
+                </a:solidFill>
+                <a:latin typeface="+mn-lt"/>
+                <a:ea typeface="+mn-ea"/>
+                <a:cs typeface="+mn-cs"/>
+              </a:rPr>
+              <a:t>WS19/20 - PV-Modulportal - Rüffer, Vorwerk, Withöft, Zolkin</a:t>
+            </a:r>
+          </a:p>
+        </p:txBody>
+      </p:sp>
+      <p:sp>
+        <p:nvSpPr>
+          <p:cNvPr id="5" name="Slide Number Placeholder 4">
+            <a:extLst>
+              <a:ext uri="{FF2B5EF4-FFF2-40B4-BE49-F238E27FC236}">
+                <a16:creationId xmlns:a16="http://schemas.microsoft.com/office/drawing/2014/main" id="{FAC16E02-623C-4BDA-BAFA-B73797A517FD}"/>
+              </a:ext>
+            </a:extLst>
+          </p:cNvPr>
+          <p:cNvSpPr>
+            <a:spLocks noGrp="1"/>
+          </p:cNvSpPr>
+          <p:nvPr>
+            <p:ph type="sldNum" sz="quarter" idx="12"/>
+          </p:nvPr>
+        </p:nvSpPr>
+        <p:spPr>
+          <a:xfrm>
+            <a:off x="11000232" y="6108192"/>
+            <a:ext cx="548640" cy="548640"/>
+          </a:xfrm>
+          <a:prstGeom prst="ellipse">
+            <a:avLst/>
+          </a:prstGeom>
+          <a:solidFill>
+            <a:srgbClr val="7F7F7F"/>
+          </a:solidFill>
+        </p:spPr>
+        <p:txBody>
+          <a:bodyPr vert="horz" lIns="91440" tIns="45720" rIns="91440" bIns="45720" rtlCol="0" anchor="ctr">
+            <a:normAutofit/>
+          </a:bodyPr>
+          <a:lstStyle/>
+          <a:p>
+            <a:pPr algn="ctr" defTabSz="457200">
+              <a:spcAft>
+                <a:spcPts val="600"/>
+              </a:spcAft>
+            </a:pPr>
+            <a:fld id="{969E759D-A893-4B96-8B48-96EE547EBC41}" type="slidenum">
+              <a:rPr lang="en-US" sz="1500">
+                <a:solidFill>
+                  <a:srgbClr val="FFFFFF"/>
+                </a:solidFill>
+              </a:rPr>
+              <a:pPr algn="ctr" defTabSz="457200">
+                <a:spcAft>
+                  <a:spcPts val="600"/>
+                </a:spcAft>
+              </a:pPr>
+              <a:t>31</a:t>
+            </a:fld>
+            <a:endParaRPr lang="en-US" sz="1500">
+              <a:solidFill>
+                <a:srgbClr val="FFFFFF"/>
+              </a:solidFill>
+            </a:endParaRPr>
+          </a:p>
+        </p:txBody>
+      </p:sp>
+    </p:spTree>
+    <p:extLst>
+      <p:ext uri="{BB962C8B-B14F-4D97-AF65-F5344CB8AC3E}">
+        <p14:creationId xmlns:p14="http://schemas.microsoft.com/office/powerpoint/2010/main" val="3828980335"/>
+      </p:ext>
+    </p:extLst>
+  </p:cSld>
+  <p:clrMapOvr>
+    <a:overrideClrMapping bg1="dk1" tx1="lt1" bg2="dk2" tx2="lt2" accent1="accent1" accent2="accent2" accent3="accent3" accent4="accent4" accent5="accent5" accent6="accent6" hlink="hlink" folHlink="folHlink"/>
+  </p:clrMapOvr>
+</p:sld>
+</file>
+
+<file path=ppt/slides/slide32.xml><?xml version="1.0" encoding="utf-8"?>
+<p:sld xmlns:a="http://schemas.openxmlformats.org/drawingml/2006/main" xmlns:r="http://schemas.openxmlformats.org/officeDocument/2006/relationships" xmlns:p="http://schemas.openxmlformats.org/presentationml/2006/main">
+  <p:cSld>
+    <p:spTree>
+      <p:nvGrpSpPr>
+        <p:cNvPr id="1" name=""/>
+        <p:cNvGrpSpPr/>
+        <p:nvPr/>
+      </p:nvGrpSpPr>
+      <p:grpSpPr>
+        <a:xfrm>
+          <a:off x="0" y="0"/>
+          <a:ext cx="0" cy="0"/>
+          <a:chOff x="0" y="0"/>
+          <a:chExt cx="0" cy="0"/>
+        </a:xfrm>
+      </p:grpSpPr>
+      <p:sp>
+        <p:nvSpPr>
+          <p:cNvPr id="2" name="Titel 1"/>
+          <p:cNvSpPr>
+            <a:spLocks noGrp="1"/>
+          </p:cNvSpPr>
+          <p:nvPr>
+            <p:ph type="title"/>
+          </p:nvPr>
+        </p:nvSpPr>
+        <p:spPr/>
+        <p:txBody>
+          <a:bodyPr/>
+          <a:lstStyle/>
+          <a:p>
+            <a:r>
+              <a:rPr lang="de-DE" dirty="0"/>
+              <a:t>Ausblick</a:t>
+            </a:r>
+          </a:p>
+        </p:txBody>
+      </p:sp>
+      <p:sp>
+        <p:nvSpPr>
+          <p:cNvPr id="3" name="Inhaltsplatzhalter 2"/>
+          <p:cNvSpPr>
+            <a:spLocks noGrp="1"/>
+          </p:cNvSpPr>
+          <p:nvPr>
+            <p:ph idx="1"/>
+          </p:nvPr>
+        </p:nvSpPr>
+        <p:spPr/>
+        <p:txBody>
+          <a:bodyPr/>
+          <a:lstStyle/>
+          <a:p>
+            <a:r>
+              <a:rPr lang="de-DE" dirty="0"/>
+              <a:t>Fertigstellung der Moduldetailseite</a:t>
+            </a:r>
+          </a:p>
+          <a:p>
+            <a:r>
+              <a:rPr lang="de-DE" dirty="0"/>
+              <a:t>Modul-Upload Seite</a:t>
+            </a:r>
+          </a:p>
+          <a:p>
+            <a:r>
+              <a:rPr lang="de-DE" dirty="0"/>
+              <a:t>Dokumentation</a:t>
+            </a:r>
+          </a:p>
+          <a:p>
+            <a:r>
+              <a:rPr lang="de-DE" dirty="0"/>
+              <a:t>Projektbericht</a:t>
+            </a:r>
+          </a:p>
+        </p:txBody>
+      </p:sp>
+      <p:sp>
+        <p:nvSpPr>
+          <p:cNvPr id="4" name="Fußzeilenplatzhalter 3"/>
+          <p:cNvSpPr>
+            <a:spLocks noGrp="1"/>
+          </p:cNvSpPr>
+          <p:nvPr>
+            <p:ph type="ftr" sz="quarter" idx="11"/>
+          </p:nvPr>
+        </p:nvSpPr>
+        <p:spPr/>
+        <p:txBody>
+          <a:bodyPr/>
+          <a:lstStyle/>
+          <a:p>
+            <a:r>
+              <a:rPr lang="de-DE"/>
+              <a:t>WS19/20 - PV-Modulportal - Rüffer, Vorwerk, Withöft, Zolkin</a:t>
+            </a:r>
+          </a:p>
+        </p:txBody>
+      </p:sp>
+      <p:sp>
+        <p:nvSpPr>
+          <p:cNvPr id="5" name="Foliennummernplatzhalter 4"/>
+          <p:cNvSpPr>
+            <a:spLocks noGrp="1"/>
+          </p:cNvSpPr>
+          <p:nvPr>
+            <p:ph type="sldNum" sz="quarter" idx="12"/>
+          </p:nvPr>
+        </p:nvSpPr>
+        <p:spPr/>
+        <p:txBody>
+          <a:bodyPr/>
+          <a:lstStyle/>
+          <a:p>
+            <a:fld id="{969E759D-A893-4B96-8B48-96EE547EBC41}" type="slidenum">
+              <a:rPr lang="de-DE" smtClean="0"/>
+              <a:t>32</a:t>
+            </a:fld>
+            <a:endParaRPr lang="de-DE"/>
+          </a:p>
+        </p:txBody>
+      </p:sp>
+    </p:spTree>
+    <p:extLst>
+      <p:ext uri="{BB962C8B-B14F-4D97-AF65-F5344CB8AC3E}">
+        <p14:creationId xmlns:p14="http://schemas.microsoft.com/office/powerpoint/2010/main" val="3786423145"/>
+      </p:ext>
+    </p:extLst>
+  </p:cSld>
+  <p:clrMapOvr>
+    <a:masterClrMapping/>
+  </p:clrMapOvr>
+</p:sld>
+</file>
+
+<file path=ppt/slides/slide33.xml><?xml version="1.0" encoding="utf-8"?>
+<p:sld xmlns:a="http://schemas.openxmlformats.org/drawingml/2006/main" xmlns:r="http://schemas.openxmlformats.org/officeDocument/2006/relationships" xmlns:p="http://schemas.openxmlformats.org/presentationml/2006/main">
+  <p:cSld>
+    <p:spTree>
+      <p:nvGrpSpPr>
+        <p:cNvPr id="1" name=""/>
+        <p:cNvGrpSpPr/>
+        <p:nvPr/>
+      </p:nvGrpSpPr>
+      <p:grpSpPr>
+        <a:xfrm>
+          <a:off x="0" y="0"/>
+          <a:ext cx="0" cy="0"/>
+          <a:chOff x="0" y="0"/>
+          <a:chExt cx="0" cy="0"/>
+        </a:xfrm>
+      </p:grpSpPr>
+      <p:sp>
+        <p:nvSpPr>
+          <p:cNvPr id="2" name="Titel 1"/>
+          <p:cNvSpPr>
+            <a:spLocks noGrp="1"/>
+          </p:cNvSpPr>
+          <p:nvPr>
+            <p:ph type="title"/>
+          </p:nvPr>
+        </p:nvSpPr>
+        <p:spPr/>
+        <p:txBody>
+          <a:bodyPr/>
+          <a:lstStyle/>
+          <a:p>
+            <a:r>
+              <a:rPr lang="de-DE" dirty="0"/>
+              <a:t>Fazit</a:t>
+            </a:r>
+          </a:p>
+        </p:txBody>
+      </p:sp>
+      <p:sp>
+        <p:nvSpPr>
+          <p:cNvPr id="3" name="Inhaltsplatzhalter 2"/>
+          <p:cNvSpPr>
+            <a:spLocks noGrp="1"/>
+          </p:cNvSpPr>
+          <p:nvPr>
+            <p:ph idx="1"/>
+          </p:nvPr>
+        </p:nvSpPr>
+        <p:spPr/>
+        <p:txBody>
+          <a:bodyPr/>
+          <a:lstStyle/>
+          <a:p>
+            <a:r>
+              <a:rPr lang="de-DE" dirty="0"/>
+              <a:t>Erstellung des Grob- und Feinkonzepts zu Beginn war sehr hilfreich</a:t>
+            </a:r>
+          </a:p>
+          <a:p>
+            <a:r>
+              <a:rPr lang="de-DE" dirty="0"/>
+              <a:t>Kommunikation im Team und Gruppendynamik war gut</a:t>
+            </a:r>
+          </a:p>
+          <a:p>
+            <a:r>
+              <a:rPr lang="de-DE" dirty="0"/>
+              <a:t>Planung war zum Teil schwierig</a:t>
+            </a:r>
+          </a:p>
+          <a:p>
+            <a:r>
+              <a:rPr lang="de-DE"/>
+              <a:t>Missverständnisse bei den Anforderungen</a:t>
+            </a:r>
+            <a:endParaRPr lang="de-DE" dirty="0"/>
+          </a:p>
+          <a:p>
+            <a:endParaRPr lang="de-DE" dirty="0"/>
+          </a:p>
+        </p:txBody>
+      </p:sp>
+      <p:sp>
+        <p:nvSpPr>
+          <p:cNvPr id="4" name="Fußzeilenplatzhalter 3"/>
+          <p:cNvSpPr>
+            <a:spLocks noGrp="1"/>
+          </p:cNvSpPr>
+          <p:nvPr>
+            <p:ph type="ftr" sz="quarter" idx="11"/>
+          </p:nvPr>
+        </p:nvSpPr>
+        <p:spPr/>
+        <p:txBody>
+          <a:bodyPr/>
+          <a:lstStyle/>
+          <a:p>
+            <a:r>
+              <a:rPr lang="de-DE"/>
+              <a:t>WS19/20 - PV-Modulportal - Rüffer, Vorwerk, Withöft, Zolkin</a:t>
+            </a:r>
+          </a:p>
+        </p:txBody>
+      </p:sp>
+      <p:sp>
+        <p:nvSpPr>
+          <p:cNvPr id="5" name="Foliennummernplatzhalter 4"/>
+          <p:cNvSpPr>
+            <a:spLocks noGrp="1"/>
+          </p:cNvSpPr>
+          <p:nvPr>
+            <p:ph type="sldNum" sz="quarter" idx="12"/>
+          </p:nvPr>
+        </p:nvSpPr>
+        <p:spPr/>
+        <p:txBody>
+          <a:bodyPr/>
+          <a:lstStyle/>
+          <a:p>
+            <a:fld id="{969E759D-A893-4B96-8B48-96EE547EBC41}" type="slidenum">
+              <a:rPr lang="de-DE" smtClean="0"/>
+              <a:t>33</a:t>
+            </a:fld>
+            <a:endParaRPr lang="de-DE"/>
+          </a:p>
+        </p:txBody>
+      </p:sp>
+    </p:spTree>
+    <p:extLst>
+      <p:ext uri="{BB962C8B-B14F-4D97-AF65-F5344CB8AC3E}">
+        <p14:creationId xmlns:p14="http://schemas.microsoft.com/office/powerpoint/2010/main" val="2130456695"/>
+      </p:ext>
+    </p:extLst>
+  </p:cSld>
+  <p:clrMapOvr>
+    <a:masterClrMapping/>
+  </p:clrMapOvr>
+</p:sld>
+</file>
+
+<file path=ppt/slides/slide4.xml><?xml version="1.0" encoding="utf-8"?>
+<p:sld xmlns:a="http://schemas.openxmlformats.org/drawingml/2006/main" xmlns:r="http://schemas.openxmlformats.org/officeDocument/2006/relationships" xmlns:p="http://schemas.openxmlformats.org/presentationml/2006/main">
+  <p:cSld>
+    <p:spTree>
+      <p:nvGrpSpPr>
+        <p:cNvPr id="1" name=""/>
+        <p:cNvGrpSpPr/>
+        <p:nvPr/>
+      </p:nvGrpSpPr>
+      <p:grpSpPr>
+        <a:xfrm>
+          <a:off x="0" y="0"/>
+          <a:ext cx="0" cy="0"/>
+          <a:chOff x="0" y="0"/>
+          <a:chExt cx="0" cy="0"/>
+        </a:xfrm>
+      </p:grpSpPr>
+      <p:sp>
+        <p:nvSpPr>
           <p:cNvPr id="2" name="Title 1">
             <a:extLst>
               <a:ext uri="{FF2B5EF4-FFF2-40B4-BE49-F238E27FC236}">
@@ -4773,7 +12354,7 @@
           <a:p>
             <a:fld id="{969E759D-A893-4B96-8B48-96EE547EBC41}" type="slidenum">
               <a:rPr lang="de-DE" smtClean="0"/>
-              <a:t>3</a:t>
+              <a:t>4</a:t>
             </a:fld>
             <a:endParaRPr lang="de-DE"/>
           </a:p>
@@ -4792,7 +12373,7 @@
 </p:sld>
 </file>
 
-<file path=ppt/slides/slide4.xml><?xml version="1.0" encoding="utf-8"?>
+<file path=ppt/slides/slide5.xml><?xml version="1.0" encoding="utf-8"?>
 <p:sld xmlns:a="http://schemas.openxmlformats.org/drawingml/2006/main" xmlns:r="http://schemas.openxmlformats.org/officeDocument/2006/relationships" xmlns:p="http://schemas.openxmlformats.org/presentationml/2006/main">
   <p:cSld>
     <p:bg>
@@ -5321,7 +12902,7 @@
                   <a:spcPts val="600"/>
                 </a:spcAft>
               </a:pPr>
-              <a:t>4</a:t>
+              <a:t>5</a:t>
             </a:fld>
             <a:endParaRPr lang="de-DE">
               <a:solidFill>
@@ -5346,7 +12927,7 @@
 </p:sld>
 </file>
 
-<file path=ppt/slides/slide5.xml><?xml version="1.0" encoding="utf-8"?>
+<file path=ppt/slides/slide6.xml><?xml version="1.0" encoding="utf-8"?>
 <p:sld xmlns:a="http://schemas.openxmlformats.org/drawingml/2006/main" xmlns:r="http://schemas.openxmlformats.org/officeDocument/2006/relationships" xmlns:p="http://schemas.openxmlformats.org/presentationml/2006/main">
   <p:cSld>
     <p:bg>
@@ -5821,7 +13402,7 @@
                   <a:spcPts val="600"/>
                 </a:spcAft>
               </a:pPr>
-              <a:t>5</a:t>
+              <a:t>6</a:t>
             </a:fld>
             <a:endParaRPr lang="de-DE">
               <a:solidFill>
@@ -5846,7 +13427,7 @@
 </p:sld>
 </file>
 
-<file path=ppt/slides/slide6.xml><?xml version="1.0" encoding="utf-8"?>
+<file path=ppt/slides/slide7.xml><?xml version="1.0" encoding="utf-8"?>
 <p:sld xmlns:a="http://schemas.openxmlformats.org/drawingml/2006/main" xmlns:r="http://schemas.openxmlformats.org/officeDocument/2006/relationships" xmlns:p="http://schemas.openxmlformats.org/presentationml/2006/main">
   <p:cSld>
     <p:bg>
@@ -6351,7 +13932,7 @@
                   <a:spcPts val="600"/>
                 </a:spcAft>
               </a:pPr>
-              <a:t>6</a:t>
+              <a:t>7</a:t>
             </a:fld>
             <a:endParaRPr lang="de-DE">
               <a:solidFill>
@@ -6376,9 +13957,20 @@
 </p:sld>
 </file>
 
-<file path=ppt/slides/slide7.xml><?xml version="1.0" encoding="utf-8"?>
+<file path=ppt/slides/slide8.xml><?xml version="1.0" encoding="utf-8"?>
 <p:sld xmlns:a="http://schemas.openxmlformats.org/drawingml/2006/main" xmlns:r="http://schemas.openxmlformats.org/officeDocument/2006/relationships" xmlns:p="http://schemas.openxmlformats.org/presentationml/2006/main">
   <p:cSld>
+    <p:bg>
+      <p:bgPr>
+        <a:solidFill>
+          <a:schemeClr val="bg1">
+            <a:tint val="95000"/>
+            <a:satMod val="170000"/>
+          </a:schemeClr>
+        </a:solidFill>
+        <a:effectLst/>
+      </p:bgPr>
+    </p:bg>
     <p:spTree>
       <p:nvGrpSpPr>
         <p:cNvPr id="1" name=""/>
@@ -6395,6 +13987,336 @@
       </p:grpSpPr>
       <p:sp>
         <p:nvSpPr>
+          <p:cNvPr id="19" name="Freeform: Shape 18">
+            <a:extLst>
+              <a:ext uri="{FF2B5EF4-FFF2-40B4-BE49-F238E27FC236}">
+                <a16:creationId xmlns:a16="http://schemas.microsoft.com/office/drawing/2014/main" id="{66B332A4-D438-4773-A77F-5ED49A448D9D}"/>
+              </a:ext>
+              <a:ext uri="{C183D7F6-B498-43B3-948B-1728B52AA6E4}">
+                <adec:decorative xmlns:adec="http://schemas.microsoft.com/office/drawing/2017/decorative" val="1"/>
+              </a:ext>
+            </a:extLst>
+          </p:cNvPr>
+          <p:cNvSpPr>
+            <a:spLocks noGrp="1" noRot="1" noChangeAspect="1" noMove="1" noResize="1" noEditPoints="1" noAdjustHandles="1" noChangeArrowheads="1" noChangeShapeType="1" noTextEdit="1"/>
+          </p:cNvSpPr>
+          <p:nvPr>
+            <p:extLst>
+              <p:ext uri="{386F3935-93C4-4BCD-93E2-E3B085C9AB24}">
+                <p16:designElem xmlns:p16="http://schemas.microsoft.com/office/powerpoint/2015/main" val="1"/>
+              </p:ext>
+            </p:extLst>
+          </p:nvPr>
+        </p:nvSpPr>
+        <p:spPr>
+          <a:xfrm>
+            <a:off x="1953768" y="0"/>
+            <a:ext cx="8284464" cy="6858000"/>
+          </a:xfrm>
+          <a:custGeom>
+            <a:avLst/>
+            <a:gdLst>
+              <a:gd name="connsiteX0" fmla="*/ 1818109 w 8284464"/>
+              <a:gd name="connsiteY0" fmla="*/ 0 h 6858000"/>
+              <a:gd name="connsiteX1" fmla="*/ 6466355 w 8284464"/>
+              <a:gd name="connsiteY1" fmla="*/ 0 h 6858000"/>
+              <a:gd name="connsiteX2" fmla="*/ 6620596 w 8284464"/>
+              <a:gd name="connsiteY2" fmla="*/ 109683 h 6858000"/>
+              <a:gd name="connsiteX3" fmla="*/ 8284464 w 8284464"/>
+              <a:gd name="connsiteY3" fmla="*/ 3429000 h 6858000"/>
+              <a:gd name="connsiteX4" fmla="*/ 6620596 w 8284464"/>
+              <a:gd name="connsiteY4" fmla="*/ 6748318 h 6858000"/>
+              <a:gd name="connsiteX5" fmla="*/ 6466355 w 8284464"/>
+              <a:gd name="connsiteY5" fmla="*/ 6858000 h 6858000"/>
+              <a:gd name="connsiteX6" fmla="*/ 1818109 w 8284464"/>
+              <a:gd name="connsiteY6" fmla="*/ 6858000 h 6858000"/>
+              <a:gd name="connsiteX7" fmla="*/ 1663869 w 8284464"/>
+              <a:gd name="connsiteY7" fmla="*/ 6748318 h 6858000"/>
+              <a:gd name="connsiteX8" fmla="*/ 0 w 8284464"/>
+              <a:gd name="connsiteY8" fmla="*/ 3429000 h 6858000"/>
+              <a:gd name="connsiteX9" fmla="*/ 1663869 w 8284464"/>
+              <a:gd name="connsiteY9" fmla="*/ 109683 h 6858000"/>
+            </a:gdLst>
+            <a:ahLst/>
+            <a:cxnLst>
+              <a:cxn ang="0">
+                <a:pos x="connsiteX0" y="connsiteY0"/>
+              </a:cxn>
+              <a:cxn ang="0">
+                <a:pos x="connsiteX1" y="connsiteY1"/>
+              </a:cxn>
+              <a:cxn ang="0">
+                <a:pos x="connsiteX2" y="connsiteY2"/>
+              </a:cxn>
+              <a:cxn ang="0">
+                <a:pos x="connsiteX3" y="connsiteY3"/>
+              </a:cxn>
+              <a:cxn ang="0">
+                <a:pos x="connsiteX4" y="connsiteY4"/>
+              </a:cxn>
+              <a:cxn ang="0">
+                <a:pos x="connsiteX5" y="connsiteY5"/>
+              </a:cxn>
+              <a:cxn ang="0">
+                <a:pos x="connsiteX6" y="connsiteY6"/>
+              </a:cxn>
+              <a:cxn ang="0">
+                <a:pos x="connsiteX7" y="connsiteY7"/>
+              </a:cxn>
+              <a:cxn ang="0">
+                <a:pos x="connsiteX8" y="connsiteY8"/>
+              </a:cxn>
+              <a:cxn ang="0">
+                <a:pos x="connsiteX9" y="connsiteY9"/>
+              </a:cxn>
+            </a:cxnLst>
+            <a:rect l="l" t="t" r="r" b="b"/>
+            <a:pathLst>
+              <a:path w="8284464" h="6858000">
+                <a:moveTo>
+                  <a:pt x="1818109" y="0"/>
+                </a:moveTo>
+                <a:lnTo>
+                  <a:pt x="6466355" y="0"/>
+                </a:lnTo>
+                <a:lnTo>
+                  <a:pt x="6620596" y="109683"/>
+                </a:lnTo>
+                <a:cubicBezTo>
+                  <a:pt x="7630666" y="865069"/>
+                  <a:pt x="8284464" y="2070683"/>
+                  <a:pt x="8284464" y="3429000"/>
+                </a:cubicBezTo>
+                <a:cubicBezTo>
+                  <a:pt x="8284464" y="4787317"/>
+                  <a:pt x="7630666" y="5992931"/>
+                  <a:pt x="6620596" y="6748318"/>
+                </a:cubicBezTo>
+                <a:lnTo>
+                  <a:pt x="6466355" y="6858000"/>
+                </a:lnTo>
+                <a:lnTo>
+                  <a:pt x="1818109" y="6858000"/>
+                </a:lnTo>
+                <a:lnTo>
+                  <a:pt x="1663869" y="6748318"/>
+                </a:lnTo>
+                <a:cubicBezTo>
+                  <a:pt x="653798" y="5992931"/>
+                  <a:pt x="0" y="4787317"/>
+                  <a:pt x="0" y="3429000"/>
+                </a:cubicBezTo>
+                <a:cubicBezTo>
+                  <a:pt x="0" y="2070683"/>
+                  <a:pt x="653798" y="865069"/>
+                  <a:pt x="1663869" y="109683"/>
+                </a:cubicBezTo>
+                <a:close/>
+              </a:path>
+            </a:pathLst>
+          </a:custGeom>
+          <a:solidFill>
+            <a:srgbClr val="FFFFFF">
+              <a:alpha val="80000"/>
+            </a:srgbClr>
+          </a:solidFill>
+          <a:ln>
+            <a:noFill/>
+          </a:ln>
+        </p:spPr>
+        <p:style>
+          <a:lnRef idx="2">
+            <a:schemeClr val="accent1">
+              <a:shade val="50000"/>
+            </a:schemeClr>
+          </a:lnRef>
+          <a:fillRef idx="1">
+            <a:schemeClr val="accent1"/>
+          </a:fillRef>
+          <a:effectRef idx="0">
+            <a:schemeClr val="accent1"/>
+          </a:effectRef>
+          <a:fontRef idx="minor">
+            <a:schemeClr val="lt1"/>
+          </a:fontRef>
+        </p:style>
+        <p:txBody>
+          <a:bodyPr wrap="square" rtlCol="0" anchor="ctr">
+            <a:noAutofit/>
+          </a:bodyPr>
+          <a:lstStyle/>
+          <a:p>
+            <a:pPr algn="ctr"/>
+            <a:endParaRPr lang="en-US"/>
+          </a:p>
+        </p:txBody>
+      </p:sp>
+      <p:sp>
+        <p:nvSpPr>
+          <p:cNvPr id="21" name="Freeform: Shape 20">
+            <a:extLst>
+              <a:ext uri="{FF2B5EF4-FFF2-40B4-BE49-F238E27FC236}">
+                <a16:creationId xmlns:a16="http://schemas.microsoft.com/office/drawing/2014/main" id="{DF9AD32D-FF05-44F4-BD4D-9CEE89B71EB9}"/>
+              </a:ext>
+              <a:ext uri="{C183D7F6-B498-43B3-948B-1728B52AA6E4}">
+                <adec:decorative xmlns:adec="http://schemas.microsoft.com/office/drawing/2017/decorative" val="1"/>
+              </a:ext>
+            </a:extLst>
+          </p:cNvPr>
+          <p:cNvSpPr>
+            <a:spLocks noGrp="1" noRot="1" noChangeAspect="1" noMove="1" noResize="1" noEditPoints="1" noAdjustHandles="1" noChangeArrowheads="1" noChangeShapeType="1" noTextEdit="1"/>
+          </p:cNvSpPr>
+          <p:nvPr>
+            <p:extLst>
+              <p:ext uri="{386F3935-93C4-4BCD-93E2-E3B085C9AB24}">
+                <p16:designElem xmlns:p16="http://schemas.microsoft.com/office/powerpoint/2015/main" val="1"/>
+              </p:ext>
+            </p:extLst>
+          </p:nvPr>
+        </p:nvSpPr>
+        <p:spPr>
+          <a:xfrm>
+            <a:off x="2118360" y="0"/>
+            <a:ext cx="7955280" cy="6858000"/>
+          </a:xfrm>
+          <a:custGeom>
+            <a:avLst/>
+            <a:gdLst>
+              <a:gd name="connsiteX0" fmla="*/ 1962423 w 7955280"/>
+              <a:gd name="connsiteY0" fmla="*/ 0 h 6858000"/>
+              <a:gd name="connsiteX1" fmla="*/ 5992858 w 7955280"/>
+              <a:gd name="connsiteY1" fmla="*/ 0 h 6858000"/>
+              <a:gd name="connsiteX2" fmla="*/ 6040191 w 7955280"/>
+              <a:gd name="connsiteY2" fmla="*/ 27216 h 6858000"/>
+              <a:gd name="connsiteX3" fmla="*/ 7955280 w 7955280"/>
+              <a:gd name="connsiteY3" fmla="*/ 3429000 h 6858000"/>
+              <a:gd name="connsiteX4" fmla="*/ 6040191 w 7955280"/>
+              <a:gd name="connsiteY4" fmla="*/ 6830784 h 6858000"/>
+              <a:gd name="connsiteX5" fmla="*/ 5992858 w 7955280"/>
+              <a:gd name="connsiteY5" fmla="*/ 6858000 h 6858000"/>
+              <a:gd name="connsiteX6" fmla="*/ 1962423 w 7955280"/>
+              <a:gd name="connsiteY6" fmla="*/ 6858000 h 6858000"/>
+              <a:gd name="connsiteX7" fmla="*/ 1915089 w 7955280"/>
+              <a:gd name="connsiteY7" fmla="*/ 6830784 h 6858000"/>
+              <a:gd name="connsiteX8" fmla="*/ 0 w 7955280"/>
+              <a:gd name="connsiteY8" fmla="*/ 3429000 h 6858000"/>
+              <a:gd name="connsiteX9" fmla="*/ 1915089 w 7955280"/>
+              <a:gd name="connsiteY9" fmla="*/ 27216 h 6858000"/>
+            </a:gdLst>
+            <a:ahLst/>
+            <a:cxnLst>
+              <a:cxn ang="0">
+                <a:pos x="connsiteX0" y="connsiteY0"/>
+              </a:cxn>
+              <a:cxn ang="0">
+                <a:pos x="connsiteX1" y="connsiteY1"/>
+              </a:cxn>
+              <a:cxn ang="0">
+                <a:pos x="connsiteX2" y="connsiteY2"/>
+              </a:cxn>
+              <a:cxn ang="0">
+                <a:pos x="connsiteX3" y="connsiteY3"/>
+              </a:cxn>
+              <a:cxn ang="0">
+                <a:pos x="connsiteX4" y="connsiteY4"/>
+              </a:cxn>
+              <a:cxn ang="0">
+                <a:pos x="connsiteX5" y="connsiteY5"/>
+              </a:cxn>
+              <a:cxn ang="0">
+                <a:pos x="connsiteX6" y="connsiteY6"/>
+              </a:cxn>
+              <a:cxn ang="0">
+                <a:pos x="connsiteX7" y="connsiteY7"/>
+              </a:cxn>
+              <a:cxn ang="0">
+                <a:pos x="connsiteX8" y="connsiteY8"/>
+              </a:cxn>
+              <a:cxn ang="0">
+                <a:pos x="connsiteX9" y="connsiteY9"/>
+              </a:cxn>
+            </a:cxnLst>
+            <a:rect l="l" t="t" r="r" b="b"/>
+            <a:pathLst>
+              <a:path w="7955280" h="6858000">
+                <a:moveTo>
+                  <a:pt x="1962423" y="0"/>
+                </a:moveTo>
+                <a:lnTo>
+                  <a:pt x="5992858" y="0"/>
+                </a:lnTo>
+                <a:lnTo>
+                  <a:pt x="6040191" y="27216"/>
+                </a:lnTo>
+                <a:cubicBezTo>
+                  <a:pt x="7188332" y="724844"/>
+                  <a:pt x="7955280" y="1987357"/>
+                  <a:pt x="7955280" y="3429000"/>
+                </a:cubicBezTo>
+                <a:cubicBezTo>
+                  <a:pt x="7955280" y="4870644"/>
+                  <a:pt x="7188332" y="6133157"/>
+                  <a:pt x="6040191" y="6830784"/>
+                </a:cubicBezTo>
+                <a:lnTo>
+                  <a:pt x="5992858" y="6858000"/>
+                </a:lnTo>
+                <a:lnTo>
+                  <a:pt x="1962423" y="6858000"/>
+                </a:lnTo>
+                <a:lnTo>
+                  <a:pt x="1915089" y="6830784"/>
+                </a:lnTo>
+                <a:cubicBezTo>
+                  <a:pt x="766948" y="6133157"/>
+                  <a:pt x="0" y="4870644"/>
+                  <a:pt x="0" y="3429000"/>
+                </a:cubicBezTo>
+                <a:cubicBezTo>
+                  <a:pt x="0" y="1987357"/>
+                  <a:pt x="766948" y="724844"/>
+                  <a:pt x="1915089" y="27216"/>
+                </a:cubicBezTo>
+                <a:close/>
+              </a:path>
+            </a:pathLst>
+          </a:custGeom>
+          <a:solidFill>
+            <a:schemeClr val="tx1"/>
+          </a:solidFill>
+          <a:ln>
+            <a:noFill/>
+          </a:ln>
+        </p:spPr>
+        <p:style>
+          <a:lnRef idx="2">
+            <a:schemeClr val="accent1">
+              <a:shade val="50000"/>
+            </a:schemeClr>
+          </a:lnRef>
+          <a:fillRef idx="1">
+            <a:schemeClr val="accent1"/>
+          </a:fillRef>
+          <a:effectRef idx="0">
+            <a:schemeClr val="accent1"/>
+          </a:effectRef>
+          <a:fontRef idx="minor">
+            <a:schemeClr val="lt1"/>
+          </a:fontRef>
+        </p:style>
+        <p:txBody>
+          <a:bodyPr wrap="square" rtlCol="0" anchor="ctr">
+            <a:noAutofit/>
+          </a:bodyPr>
+          <a:lstStyle/>
+          <a:p>
+            <a:pPr algn="ctr"/>
+            <a:endParaRPr lang="en-US"/>
+          </a:p>
+        </p:txBody>
+      </p:sp>
+      <p:sp>
+        <p:nvSpPr>
           <p:cNvPr id="2" name="Title 1">
             <a:extLst>
               <a:ext uri="{FF2B5EF4-FFF2-40B4-BE49-F238E27FC236}">
@@ -6409,233 +14331,30 @@
             <p:ph type="title"/>
           </p:nvPr>
         </p:nvSpPr>
-        <p:spPr/>
-        <p:txBody>
-          <a:bodyPr>
-            <a:normAutofit fontScale="90000"/>
-          </a:bodyPr>
-          <a:lstStyle/>
-          <a:p>
-            <a:r>
-              <a:rPr lang="en-NZ" dirty="0" err="1"/>
-              <a:t>Codeimplementierungen</a:t>
-            </a:r>
-            <a:r>
-              <a:rPr lang="en-NZ" dirty="0"/>
-              <a:t>    – 	Handling der 									</a:t>
-            </a:r>
-            <a:r>
-              <a:rPr lang="en-NZ" dirty="0" err="1"/>
-              <a:t>Suchergebnisse</a:t>
-            </a:r>
-            <a:endParaRPr lang="de-DE" dirty="0"/>
-          </a:p>
-        </p:txBody>
-      </p:sp>
-      <p:sp>
-        <p:nvSpPr>
-          <p:cNvPr id="3" name="Content Placeholder 2">
-            <a:extLst>
-              <a:ext uri="{FF2B5EF4-FFF2-40B4-BE49-F238E27FC236}">
-                <a16:creationId xmlns:a16="http://schemas.microsoft.com/office/drawing/2014/main" id="{3CCB48FF-D0DB-4239-BF7B-3AC940333DEC}"/>
-              </a:ext>
-            </a:extLst>
-          </p:cNvPr>
-          <p:cNvSpPr>
-            <a:spLocks noGrp="1"/>
-          </p:cNvSpPr>
-          <p:nvPr>
-            <p:ph sz="half" idx="1"/>
-          </p:nvPr>
-        </p:nvSpPr>
-        <p:spPr/>
-        <p:txBody>
-          <a:bodyPr>
+        <p:spPr>
+          <a:xfrm>
+            <a:off x="2555631" y="1441938"/>
+            <a:ext cx="7080738" cy="3974124"/>
+          </a:xfrm>
+        </p:spPr>
+        <p:txBody>
+          <a:bodyPr vert="horz" lIns="91440" tIns="45720" rIns="91440" bIns="45720" rtlCol="0" anchor="ctr">
             <a:normAutofit/>
           </a:bodyPr>
           <a:lstStyle/>
           <a:p>
-            <a:r>
-              <a:rPr lang="en-NZ" dirty="0" err="1"/>
-              <a:t>Suchergebnis</a:t>
-            </a:r>
-            <a:r>
-              <a:rPr lang="en-NZ" dirty="0"/>
-              <a:t> </a:t>
-            </a:r>
-            <a:r>
-              <a:rPr lang="en-NZ" dirty="0" err="1"/>
-              <a:t>kann</a:t>
-            </a:r>
-            <a:r>
-              <a:rPr lang="en-NZ" dirty="0"/>
-              <a:t> sein:</a:t>
-            </a:r>
-          </a:p>
-          <a:p>
-            <a:pPr lvl="1"/>
-            <a:r>
-              <a:rPr lang="en-NZ" dirty="0" err="1"/>
-              <a:t>Hersteller</a:t>
-            </a:r>
-            <a:endParaRPr lang="en-NZ" dirty="0"/>
-          </a:p>
-          <a:p>
-            <a:pPr lvl="2"/>
-            <a:r>
-              <a:rPr lang="en-NZ" dirty="0" err="1"/>
-              <a:t>Suche</a:t>
-            </a:r>
-            <a:r>
-              <a:rPr lang="en-NZ" dirty="0"/>
-              <a:t> nach </a:t>
-            </a:r>
-            <a:r>
-              <a:rPr lang="en-NZ" dirty="0" err="1"/>
-              <a:t>Modultypen</a:t>
-            </a:r>
-            <a:endParaRPr lang="en-NZ" dirty="0"/>
-          </a:p>
-          <a:p>
-            <a:pPr lvl="1"/>
-            <a:r>
-              <a:rPr lang="en-NZ" dirty="0" err="1"/>
-              <a:t>Modultyp</a:t>
-            </a:r>
-            <a:endParaRPr lang="en-NZ" dirty="0"/>
-          </a:p>
-          <a:p>
-            <a:pPr lvl="2"/>
-            <a:r>
-              <a:rPr lang="en-NZ" dirty="0" err="1"/>
-              <a:t>Verweis</a:t>
-            </a:r>
-            <a:r>
-              <a:rPr lang="en-NZ" dirty="0"/>
-              <a:t> auf </a:t>
-            </a:r>
-            <a:r>
-              <a:rPr lang="en-NZ" dirty="0" err="1"/>
-              <a:t>Detailseite</a:t>
-            </a:r>
-            <a:endParaRPr lang="en-NZ" dirty="0"/>
-          </a:p>
-          <a:p>
-            <a:r>
-              <a:rPr lang="en-NZ" dirty="0" err="1"/>
-              <a:t>Werden</a:t>
-            </a:r>
-            <a:r>
-              <a:rPr lang="en-NZ" dirty="0"/>
-              <a:t> in </a:t>
-            </a:r>
-            <a:r>
-              <a:rPr lang="en-NZ" dirty="0" err="1"/>
-              <a:t>gleicher</a:t>
-            </a:r>
-            <a:r>
-              <a:rPr lang="en-NZ" dirty="0"/>
-              <a:t> </a:t>
-            </a:r>
-            <a:r>
-              <a:rPr lang="en-NZ" dirty="0" err="1"/>
-              <a:t>Methode</a:t>
-            </a:r>
-            <a:r>
-              <a:rPr lang="en-NZ" dirty="0"/>
-              <a:t> </a:t>
-            </a:r>
-            <a:r>
-              <a:rPr lang="en-NZ" dirty="0" err="1"/>
-              <a:t>zugefügt</a:t>
-            </a:r>
-            <a:endParaRPr lang="en-NZ" dirty="0"/>
-          </a:p>
-          <a:p>
-            <a:r>
-              <a:rPr lang="en-NZ" dirty="0" err="1"/>
-              <a:t>Idee</a:t>
-            </a:r>
-            <a:r>
-              <a:rPr lang="en-NZ" dirty="0"/>
-              <a:t>: </a:t>
-            </a:r>
-            <a:r>
-              <a:rPr lang="en-NZ" dirty="0" err="1"/>
-              <a:t>Enum</a:t>
-            </a:r>
-            <a:r>
-              <a:rPr lang="en-NZ" dirty="0"/>
-              <a:t> </a:t>
-            </a:r>
-            <a:r>
-              <a:rPr lang="en-NZ" dirty="0" err="1"/>
-              <a:t>zum</a:t>
-            </a:r>
-            <a:r>
-              <a:rPr lang="en-NZ" dirty="0"/>
-              <a:t> </a:t>
-            </a:r>
-            <a:r>
-              <a:rPr lang="en-NZ" dirty="0" err="1"/>
-              <a:t>Unterscheiden</a:t>
-            </a:r>
-            <a:endParaRPr lang="en-NZ" dirty="0"/>
-          </a:p>
-          <a:p>
-            <a:r>
-              <a:rPr lang="en-NZ" dirty="0" err="1"/>
-              <a:t>Vorteil</a:t>
-            </a:r>
-            <a:r>
-              <a:rPr lang="en-NZ" dirty="0"/>
-              <a:t>: </a:t>
-            </a:r>
-            <a:r>
-              <a:rPr lang="en-NZ" dirty="0" err="1"/>
-              <a:t>Keine</a:t>
-            </a:r>
-            <a:r>
-              <a:rPr lang="en-NZ" dirty="0"/>
-              <a:t> </a:t>
-            </a:r>
-            <a:r>
-              <a:rPr lang="en-NZ" dirty="0" err="1"/>
-              <a:t>zweite</a:t>
-            </a:r>
-            <a:r>
-              <a:rPr lang="en-NZ" dirty="0"/>
-              <a:t> </a:t>
-            </a:r>
-            <a:r>
-              <a:rPr lang="en-NZ" dirty="0" err="1"/>
-              <a:t>Methode</a:t>
-            </a:r>
-            <a:r>
-              <a:rPr lang="en-NZ" dirty="0"/>
-              <a:t> </a:t>
-            </a:r>
-            <a:r>
-              <a:rPr lang="en-NZ" dirty="0" err="1"/>
-              <a:t>für</a:t>
-            </a:r>
-            <a:r>
-              <a:rPr lang="en-NZ" dirty="0"/>
-              <a:t> </a:t>
-            </a:r>
-            <a:r>
-              <a:rPr lang="en-NZ" dirty="0" err="1"/>
-              <a:t>gleichen</a:t>
-            </a:r>
-            <a:r>
-              <a:rPr lang="en-NZ" dirty="0"/>
-              <a:t> </a:t>
-            </a:r>
-            <a:r>
-              <a:rPr lang="en-NZ" dirty="0" err="1"/>
-              <a:t>Anwendungsfall</a:t>
-            </a:r>
-            <a:endParaRPr lang="de-DE" dirty="0"/>
+            <a:pPr algn="ctr"/>
+            <a:r>
+              <a:rPr lang="en-US" sz="5400">
+                <a:solidFill>
+                  <a:schemeClr val="bg1">
+                    <a:lumMod val="95000"/>
+                    <a:lumOff val="5000"/>
+                  </a:schemeClr>
+                </a:solidFill>
+              </a:rPr>
+              <a:t>Vorstellung der Gruppe</a:t>
+            </a:r>
           </a:p>
         </p:txBody>
       </p:sp>
@@ -6655,13 +14374,34 @@
             <p:ph type="ftr" sz="quarter" idx="11"/>
           </p:nvPr>
         </p:nvSpPr>
-        <p:spPr/>
-        <p:txBody>
-          <a:bodyPr/>
-          <a:lstStyle/>
-          <a:p>
-            <a:r>
-              <a:rPr lang="de-DE"/>
+        <p:spPr>
+          <a:xfrm>
+            <a:off x="3892062" y="6199632"/>
+            <a:ext cx="4407876" cy="365125"/>
+          </a:xfrm>
+        </p:spPr>
+        <p:txBody>
+          <a:bodyPr vert="horz" lIns="91440" tIns="45720" rIns="91440" bIns="45720" rtlCol="0" anchor="ctr">
+            <a:normAutofit/>
+          </a:bodyPr>
+          <a:lstStyle/>
+          <a:p>
+            <a:pPr defTabSz="457200">
+              <a:spcAft>
+                <a:spcPts val="600"/>
+              </a:spcAft>
+            </a:pPr>
+            <a:r>
+              <a:rPr lang="en-US" sz="1100" kern="1200">
+                <a:solidFill>
+                  <a:schemeClr val="bg1">
+                    <a:alpha val="80000"/>
+                  </a:schemeClr>
+                </a:solidFill>
+                <a:latin typeface="+mn-lt"/>
+                <a:ea typeface="+mn-ea"/>
+                <a:cs typeface="+mn-cs"/>
+              </a:rPr>
               <a:t>WS19/20 - PV-Modulportal - Rüffer, Vorwerk, Withöft, Zolkin</a:t>
             </a:r>
           </a:p>
@@ -6683,107 +14423,77 @@
             <p:ph type="sldNum" sz="quarter" idx="12"/>
           </p:nvPr>
         </p:nvSpPr>
-        <p:spPr/>
-        <p:txBody>
-          <a:bodyPr/>
-          <a:lstStyle/>
-          <a:p>
-            <a:fld id="{969E759D-A893-4B96-8B48-96EE547EBC41}" type="slidenum">
-              <a:rPr lang="de-DE" smtClean="0"/>
-              <a:t>7</a:t>
-            </a:fld>
-            <a:endParaRPr lang="de-DE"/>
-          </a:p>
-        </p:txBody>
-      </p:sp>
-      <p:pic>
-        <p:nvPicPr>
-          <p:cNvPr id="8" name="Picture 7">
-            <a:extLst>
-              <a:ext uri="{FF2B5EF4-FFF2-40B4-BE49-F238E27FC236}">
-                <a16:creationId xmlns:a16="http://schemas.microsoft.com/office/drawing/2014/main" id="{727B0294-0674-43BC-BDB7-4BEB8B9EBA86}"/>
-              </a:ext>
-            </a:extLst>
-          </p:cNvPr>
-          <p:cNvPicPr>
-            <a:picLocks noChangeAspect="1"/>
-          </p:cNvPicPr>
-          <p:nvPr/>
-        </p:nvPicPr>
-        <p:blipFill>
-          <a:blip r:embed="rId2">
-            <a:extLst>
-              <a:ext uri="{28A0092B-C50C-407E-A947-70E740481C1C}">
-                <a14:useLocalDpi xmlns:a14="http://schemas.microsoft.com/office/drawing/2010/main" val="0"/>
-              </a:ext>
-            </a:extLst>
-          </a:blip>
-          <a:stretch>
-            <a:fillRect/>
-          </a:stretch>
-        </p:blipFill>
-        <p:spPr>
-          <a:xfrm>
-            <a:off x="5753100" y="2112645"/>
-            <a:ext cx="5715000" cy="213360"/>
-          </a:xfrm>
-          <a:prstGeom prst="rect">
+        <p:spPr>
+          <a:xfrm>
+            <a:off x="11000232" y="6108192"/>
+            <a:ext cx="548640" cy="548640"/>
+          </a:xfrm>
+          <a:prstGeom prst="ellipse">
             <a:avLst/>
           </a:prstGeom>
-        </p:spPr>
-      </p:pic>
-      <p:pic>
-        <p:nvPicPr>
-          <p:cNvPr id="10" name="Picture 9" descr="A screenshot of a cell phone&#10;&#10;Description automatically generated">
-            <a:extLst>
-              <a:ext uri="{FF2B5EF4-FFF2-40B4-BE49-F238E27FC236}">
-                <a16:creationId xmlns:a16="http://schemas.microsoft.com/office/drawing/2014/main" id="{49618CDA-DEB7-47DC-9E64-77CBE909E0AE}"/>
-              </a:ext>
-            </a:extLst>
-          </p:cNvPr>
-          <p:cNvPicPr>
-            <a:picLocks noChangeAspect="1"/>
-          </p:cNvPicPr>
-          <p:nvPr/>
-        </p:nvPicPr>
-        <p:blipFill>
-          <a:blip r:embed="rId3">
-            <a:extLst>
-              <a:ext uri="{28A0092B-C50C-407E-A947-70E740481C1C}">
-                <a14:useLocalDpi xmlns:a14="http://schemas.microsoft.com/office/drawing/2010/main" val="0"/>
-              </a:ext>
-            </a:extLst>
-          </a:blip>
-          <a:stretch>
-            <a:fillRect/>
-          </a:stretch>
-        </p:blipFill>
-        <p:spPr>
-          <a:xfrm>
-            <a:off x="6019800" y="2396490"/>
-            <a:ext cx="4808220" cy="2065020"/>
-          </a:xfrm>
-          <a:prstGeom prst="rect">
-            <a:avLst/>
-          </a:prstGeom>
-        </p:spPr>
-      </p:pic>
+          <a:solidFill>
+            <a:srgbClr val="7F7F7F"/>
+          </a:solidFill>
+        </p:spPr>
+        <p:txBody>
+          <a:bodyPr vert="horz" lIns="91440" tIns="45720" rIns="91440" bIns="45720" rtlCol="0" anchor="ctr">
+            <a:normAutofit/>
+          </a:bodyPr>
+          <a:lstStyle/>
+          <a:p>
+            <a:pPr algn="ctr" defTabSz="457200">
+              <a:spcAft>
+                <a:spcPts val="600"/>
+              </a:spcAft>
+            </a:pPr>
+            <a:fld id="{969E759D-A893-4B96-8B48-96EE547EBC41}" type="slidenum">
+              <a:rPr lang="en-US" sz="1500">
+                <a:solidFill>
+                  <a:srgbClr val="FFFFFF"/>
+                </a:solidFill>
+              </a:rPr>
+              <a:pPr algn="ctr" defTabSz="457200">
+                <a:spcAft>
+                  <a:spcPts val="600"/>
+                </a:spcAft>
+              </a:pPr>
+              <a:t>8</a:t>
+            </a:fld>
+            <a:endParaRPr lang="en-US" sz="1500">
+              <a:solidFill>
+                <a:srgbClr val="FFFFFF"/>
+              </a:solidFill>
+            </a:endParaRPr>
+          </a:p>
+        </p:txBody>
+      </p:sp>
     </p:spTree>
     <p:extLst>
       <p:ext uri="{BB962C8B-B14F-4D97-AF65-F5344CB8AC3E}">
-        <p14:creationId xmlns:p14="http://schemas.microsoft.com/office/powerpoint/2010/main" val="1219806837"/>
+        <p14:creationId xmlns:p14="http://schemas.microsoft.com/office/powerpoint/2010/main" val="1060759245"/>
       </p:ext>
     </p:extLst>
   </p:cSld>
   <p:clrMapOvr>
-    <a:masterClrMapping/>
+    <a:overrideClrMapping bg1="dk1" tx1="lt1" bg2="dk2" tx2="lt2" accent1="accent1" accent2="accent2" accent3="accent3" accent4="accent4" accent5="accent5" accent6="accent6" hlink="hlink" folHlink="folHlink"/>
   </p:clrMapOvr>
 </p:sld>
 </file>
 
-<file path=ppt/slides/slide8.xml><?xml version="1.0" encoding="utf-8"?>
+<file path=ppt/slides/slide9.xml><?xml version="1.0" encoding="utf-8"?>
 <p:sld xmlns:a="http://schemas.openxmlformats.org/drawingml/2006/main" xmlns:r="http://schemas.openxmlformats.org/officeDocument/2006/relationships" xmlns:p="http://schemas.openxmlformats.org/presentationml/2006/main">
   <p:cSld>
+    <p:bg>
+      <p:bgPr>
+        <a:solidFill>
+          <a:schemeClr val="bg1">
+            <a:tint val="95000"/>
+            <a:satMod val="170000"/>
+          </a:schemeClr>
+        </a:solidFill>
+        <a:effectLst/>
+      </p:bgPr>
+    </p:bg>
     <p:spTree>
       <p:nvGrpSpPr>
         <p:cNvPr id="1" name=""/>
@@ -6800,6 +14510,336 @@
       </p:grpSpPr>
       <p:sp>
         <p:nvSpPr>
+          <p:cNvPr id="19" name="Freeform: Shape 18">
+            <a:extLst>
+              <a:ext uri="{FF2B5EF4-FFF2-40B4-BE49-F238E27FC236}">
+                <a16:creationId xmlns:a16="http://schemas.microsoft.com/office/drawing/2014/main" id="{66B332A4-D438-4773-A77F-5ED49A448D9D}"/>
+              </a:ext>
+              <a:ext uri="{C183D7F6-B498-43B3-948B-1728B52AA6E4}">
+                <adec:decorative xmlns:adec="http://schemas.microsoft.com/office/drawing/2017/decorative" val="1"/>
+              </a:ext>
+            </a:extLst>
+          </p:cNvPr>
+          <p:cNvSpPr>
+            <a:spLocks noGrp="1" noRot="1" noChangeAspect="1" noMove="1" noResize="1" noEditPoints="1" noAdjustHandles="1" noChangeArrowheads="1" noChangeShapeType="1" noTextEdit="1"/>
+          </p:cNvSpPr>
+          <p:nvPr>
+            <p:extLst>
+              <p:ext uri="{386F3935-93C4-4BCD-93E2-E3B085C9AB24}">
+                <p16:designElem xmlns:p16="http://schemas.microsoft.com/office/powerpoint/2015/main" val="1"/>
+              </p:ext>
+            </p:extLst>
+          </p:nvPr>
+        </p:nvSpPr>
+        <p:spPr>
+          <a:xfrm>
+            <a:off x="1953768" y="0"/>
+            <a:ext cx="8284464" cy="6858000"/>
+          </a:xfrm>
+          <a:custGeom>
+            <a:avLst/>
+            <a:gdLst>
+              <a:gd name="connsiteX0" fmla="*/ 1818109 w 8284464"/>
+              <a:gd name="connsiteY0" fmla="*/ 0 h 6858000"/>
+              <a:gd name="connsiteX1" fmla="*/ 6466355 w 8284464"/>
+              <a:gd name="connsiteY1" fmla="*/ 0 h 6858000"/>
+              <a:gd name="connsiteX2" fmla="*/ 6620596 w 8284464"/>
+              <a:gd name="connsiteY2" fmla="*/ 109683 h 6858000"/>
+              <a:gd name="connsiteX3" fmla="*/ 8284464 w 8284464"/>
+              <a:gd name="connsiteY3" fmla="*/ 3429000 h 6858000"/>
+              <a:gd name="connsiteX4" fmla="*/ 6620596 w 8284464"/>
+              <a:gd name="connsiteY4" fmla="*/ 6748318 h 6858000"/>
+              <a:gd name="connsiteX5" fmla="*/ 6466355 w 8284464"/>
+              <a:gd name="connsiteY5" fmla="*/ 6858000 h 6858000"/>
+              <a:gd name="connsiteX6" fmla="*/ 1818109 w 8284464"/>
+              <a:gd name="connsiteY6" fmla="*/ 6858000 h 6858000"/>
+              <a:gd name="connsiteX7" fmla="*/ 1663869 w 8284464"/>
+              <a:gd name="connsiteY7" fmla="*/ 6748318 h 6858000"/>
+              <a:gd name="connsiteX8" fmla="*/ 0 w 8284464"/>
+              <a:gd name="connsiteY8" fmla="*/ 3429000 h 6858000"/>
+              <a:gd name="connsiteX9" fmla="*/ 1663869 w 8284464"/>
+              <a:gd name="connsiteY9" fmla="*/ 109683 h 6858000"/>
+            </a:gdLst>
+            <a:ahLst/>
+            <a:cxnLst>
+              <a:cxn ang="0">
+                <a:pos x="connsiteX0" y="connsiteY0"/>
+              </a:cxn>
+              <a:cxn ang="0">
+                <a:pos x="connsiteX1" y="connsiteY1"/>
+              </a:cxn>
+              <a:cxn ang="0">
+                <a:pos x="connsiteX2" y="connsiteY2"/>
+              </a:cxn>
+              <a:cxn ang="0">
+                <a:pos x="connsiteX3" y="connsiteY3"/>
+              </a:cxn>
+              <a:cxn ang="0">
+                <a:pos x="connsiteX4" y="connsiteY4"/>
+              </a:cxn>
+              <a:cxn ang="0">
+                <a:pos x="connsiteX5" y="connsiteY5"/>
+              </a:cxn>
+              <a:cxn ang="0">
+                <a:pos x="connsiteX6" y="connsiteY6"/>
+              </a:cxn>
+              <a:cxn ang="0">
+                <a:pos x="connsiteX7" y="connsiteY7"/>
+              </a:cxn>
+              <a:cxn ang="0">
+                <a:pos x="connsiteX8" y="connsiteY8"/>
+              </a:cxn>
+              <a:cxn ang="0">
+                <a:pos x="connsiteX9" y="connsiteY9"/>
+              </a:cxn>
+            </a:cxnLst>
+            <a:rect l="l" t="t" r="r" b="b"/>
+            <a:pathLst>
+              <a:path w="8284464" h="6858000">
+                <a:moveTo>
+                  <a:pt x="1818109" y="0"/>
+                </a:moveTo>
+                <a:lnTo>
+                  <a:pt x="6466355" y="0"/>
+                </a:lnTo>
+                <a:lnTo>
+                  <a:pt x="6620596" y="109683"/>
+                </a:lnTo>
+                <a:cubicBezTo>
+                  <a:pt x="7630666" y="865069"/>
+                  <a:pt x="8284464" y="2070683"/>
+                  <a:pt x="8284464" y="3429000"/>
+                </a:cubicBezTo>
+                <a:cubicBezTo>
+                  <a:pt x="8284464" y="4787317"/>
+                  <a:pt x="7630666" y="5992931"/>
+                  <a:pt x="6620596" y="6748318"/>
+                </a:cubicBezTo>
+                <a:lnTo>
+                  <a:pt x="6466355" y="6858000"/>
+                </a:lnTo>
+                <a:lnTo>
+                  <a:pt x="1818109" y="6858000"/>
+                </a:lnTo>
+                <a:lnTo>
+                  <a:pt x="1663869" y="6748318"/>
+                </a:lnTo>
+                <a:cubicBezTo>
+                  <a:pt x="653798" y="5992931"/>
+                  <a:pt x="0" y="4787317"/>
+                  <a:pt x="0" y="3429000"/>
+                </a:cubicBezTo>
+                <a:cubicBezTo>
+                  <a:pt x="0" y="2070683"/>
+                  <a:pt x="653798" y="865069"/>
+                  <a:pt x="1663869" y="109683"/>
+                </a:cubicBezTo>
+                <a:close/>
+              </a:path>
+            </a:pathLst>
+          </a:custGeom>
+          <a:solidFill>
+            <a:srgbClr val="FFFFFF">
+              <a:alpha val="80000"/>
+            </a:srgbClr>
+          </a:solidFill>
+          <a:ln>
+            <a:noFill/>
+          </a:ln>
+        </p:spPr>
+        <p:style>
+          <a:lnRef idx="2">
+            <a:schemeClr val="accent1">
+              <a:shade val="50000"/>
+            </a:schemeClr>
+          </a:lnRef>
+          <a:fillRef idx="1">
+            <a:schemeClr val="accent1"/>
+          </a:fillRef>
+          <a:effectRef idx="0">
+            <a:schemeClr val="accent1"/>
+          </a:effectRef>
+          <a:fontRef idx="minor">
+            <a:schemeClr val="lt1"/>
+          </a:fontRef>
+        </p:style>
+        <p:txBody>
+          <a:bodyPr wrap="square" rtlCol="0" anchor="ctr">
+            <a:noAutofit/>
+          </a:bodyPr>
+          <a:lstStyle/>
+          <a:p>
+            <a:pPr algn="ctr"/>
+            <a:endParaRPr lang="en-US"/>
+          </a:p>
+        </p:txBody>
+      </p:sp>
+      <p:sp>
+        <p:nvSpPr>
+          <p:cNvPr id="21" name="Freeform: Shape 20">
+            <a:extLst>
+              <a:ext uri="{FF2B5EF4-FFF2-40B4-BE49-F238E27FC236}">
+                <a16:creationId xmlns:a16="http://schemas.microsoft.com/office/drawing/2014/main" id="{DF9AD32D-FF05-44F4-BD4D-9CEE89B71EB9}"/>
+              </a:ext>
+              <a:ext uri="{C183D7F6-B498-43B3-948B-1728B52AA6E4}">
+                <adec:decorative xmlns:adec="http://schemas.microsoft.com/office/drawing/2017/decorative" val="1"/>
+              </a:ext>
+            </a:extLst>
+          </p:cNvPr>
+          <p:cNvSpPr>
+            <a:spLocks noGrp="1" noRot="1" noChangeAspect="1" noMove="1" noResize="1" noEditPoints="1" noAdjustHandles="1" noChangeArrowheads="1" noChangeShapeType="1" noTextEdit="1"/>
+          </p:cNvSpPr>
+          <p:nvPr>
+            <p:extLst>
+              <p:ext uri="{386F3935-93C4-4BCD-93E2-E3B085C9AB24}">
+                <p16:designElem xmlns:p16="http://schemas.microsoft.com/office/powerpoint/2015/main" val="1"/>
+              </p:ext>
+            </p:extLst>
+          </p:nvPr>
+        </p:nvSpPr>
+        <p:spPr>
+          <a:xfrm>
+            <a:off x="2118360" y="0"/>
+            <a:ext cx="7955280" cy="6858000"/>
+          </a:xfrm>
+          <a:custGeom>
+            <a:avLst/>
+            <a:gdLst>
+              <a:gd name="connsiteX0" fmla="*/ 1962423 w 7955280"/>
+              <a:gd name="connsiteY0" fmla="*/ 0 h 6858000"/>
+              <a:gd name="connsiteX1" fmla="*/ 5992858 w 7955280"/>
+              <a:gd name="connsiteY1" fmla="*/ 0 h 6858000"/>
+              <a:gd name="connsiteX2" fmla="*/ 6040191 w 7955280"/>
+              <a:gd name="connsiteY2" fmla="*/ 27216 h 6858000"/>
+              <a:gd name="connsiteX3" fmla="*/ 7955280 w 7955280"/>
+              <a:gd name="connsiteY3" fmla="*/ 3429000 h 6858000"/>
+              <a:gd name="connsiteX4" fmla="*/ 6040191 w 7955280"/>
+              <a:gd name="connsiteY4" fmla="*/ 6830784 h 6858000"/>
+              <a:gd name="connsiteX5" fmla="*/ 5992858 w 7955280"/>
+              <a:gd name="connsiteY5" fmla="*/ 6858000 h 6858000"/>
+              <a:gd name="connsiteX6" fmla="*/ 1962423 w 7955280"/>
+              <a:gd name="connsiteY6" fmla="*/ 6858000 h 6858000"/>
+              <a:gd name="connsiteX7" fmla="*/ 1915089 w 7955280"/>
+              <a:gd name="connsiteY7" fmla="*/ 6830784 h 6858000"/>
+              <a:gd name="connsiteX8" fmla="*/ 0 w 7955280"/>
+              <a:gd name="connsiteY8" fmla="*/ 3429000 h 6858000"/>
+              <a:gd name="connsiteX9" fmla="*/ 1915089 w 7955280"/>
+              <a:gd name="connsiteY9" fmla="*/ 27216 h 6858000"/>
+            </a:gdLst>
+            <a:ahLst/>
+            <a:cxnLst>
+              <a:cxn ang="0">
+                <a:pos x="connsiteX0" y="connsiteY0"/>
+              </a:cxn>
+              <a:cxn ang="0">
+                <a:pos x="connsiteX1" y="connsiteY1"/>
+              </a:cxn>
+              <a:cxn ang="0">
+                <a:pos x="connsiteX2" y="connsiteY2"/>
+              </a:cxn>
+              <a:cxn ang="0">
+                <a:pos x="connsiteX3" y="connsiteY3"/>
+              </a:cxn>
+              <a:cxn ang="0">
+                <a:pos x="connsiteX4" y="connsiteY4"/>
+              </a:cxn>
+              <a:cxn ang="0">
+                <a:pos x="connsiteX5" y="connsiteY5"/>
+              </a:cxn>
+              <a:cxn ang="0">
+                <a:pos x="connsiteX6" y="connsiteY6"/>
+              </a:cxn>
+              <a:cxn ang="0">
+                <a:pos x="connsiteX7" y="connsiteY7"/>
+              </a:cxn>
+              <a:cxn ang="0">
+                <a:pos x="connsiteX8" y="connsiteY8"/>
+              </a:cxn>
+              <a:cxn ang="0">
+                <a:pos x="connsiteX9" y="connsiteY9"/>
+              </a:cxn>
+            </a:cxnLst>
+            <a:rect l="l" t="t" r="r" b="b"/>
+            <a:pathLst>
+              <a:path w="7955280" h="6858000">
+                <a:moveTo>
+                  <a:pt x="1962423" y="0"/>
+                </a:moveTo>
+                <a:lnTo>
+                  <a:pt x="5992858" y="0"/>
+                </a:lnTo>
+                <a:lnTo>
+                  <a:pt x="6040191" y="27216"/>
+                </a:lnTo>
+                <a:cubicBezTo>
+                  <a:pt x="7188332" y="724844"/>
+                  <a:pt x="7955280" y="1987357"/>
+                  <a:pt x="7955280" y="3429000"/>
+                </a:cubicBezTo>
+                <a:cubicBezTo>
+                  <a:pt x="7955280" y="4870644"/>
+                  <a:pt x="7188332" y="6133157"/>
+                  <a:pt x="6040191" y="6830784"/>
+                </a:cubicBezTo>
+                <a:lnTo>
+                  <a:pt x="5992858" y="6858000"/>
+                </a:lnTo>
+                <a:lnTo>
+                  <a:pt x="1962423" y="6858000"/>
+                </a:lnTo>
+                <a:lnTo>
+                  <a:pt x="1915089" y="6830784"/>
+                </a:lnTo>
+                <a:cubicBezTo>
+                  <a:pt x="766948" y="6133157"/>
+                  <a:pt x="0" y="4870644"/>
+                  <a:pt x="0" y="3429000"/>
+                </a:cubicBezTo>
+                <a:cubicBezTo>
+                  <a:pt x="0" y="1987357"/>
+                  <a:pt x="766948" y="724844"/>
+                  <a:pt x="1915089" y="27216"/>
+                </a:cubicBezTo>
+                <a:close/>
+              </a:path>
+            </a:pathLst>
+          </a:custGeom>
+          <a:solidFill>
+            <a:schemeClr val="tx1"/>
+          </a:solidFill>
+          <a:ln>
+            <a:noFill/>
+          </a:ln>
+        </p:spPr>
+        <p:style>
+          <a:lnRef idx="2">
+            <a:schemeClr val="accent1">
+              <a:shade val="50000"/>
+            </a:schemeClr>
+          </a:lnRef>
+          <a:fillRef idx="1">
+            <a:schemeClr val="accent1"/>
+          </a:fillRef>
+          <a:effectRef idx="0">
+            <a:schemeClr val="accent1"/>
+          </a:effectRef>
+          <a:fontRef idx="minor">
+            <a:schemeClr val="lt1"/>
+          </a:fontRef>
+        </p:style>
+        <p:txBody>
+          <a:bodyPr wrap="square" rtlCol="0" anchor="ctr">
+            <a:noAutofit/>
+          </a:bodyPr>
+          <a:lstStyle/>
+          <a:p>
+            <a:pPr algn="ctr"/>
+            <a:endParaRPr lang="en-US"/>
+          </a:p>
+        </p:txBody>
+      </p:sp>
+      <p:sp>
+        <p:nvSpPr>
           <p:cNvPr id="2" name="Title 1">
             <a:extLst>
               <a:ext uri="{FF2B5EF4-FFF2-40B4-BE49-F238E27FC236}">
@@ -6816,199 +14856,28 @@
         </p:nvSpPr>
         <p:spPr>
           <a:xfrm>
-            <a:off x="838200" y="365125"/>
-            <a:ext cx="10515600" cy="1325563"/>
-          </a:xfrm>
-        </p:spPr>
-        <p:txBody>
-          <a:bodyPr>
-            <a:normAutofit fontScale="90000"/>
-          </a:bodyPr>
-          <a:lstStyle/>
-          <a:p>
-            <a:r>
-              <a:rPr lang="en-NZ"/>
-              <a:t>Codeimplementierungen    – 	Ändern von</a:t>
-            </a:r>
-            <a:br>
-              <a:rPr lang="en-NZ"/>
-            </a:br>
-            <a:r>
-              <a:rPr lang="en-NZ"/>
-              <a:t>							Queryparametern</a:t>
-            </a:r>
-            <a:endParaRPr lang="de-DE" dirty="0"/>
-          </a:p>
-        </p:txBody>
-      </p:sp>
-      <p:sp>
-        <p:nvSpPr>
-          <p:cNvPr id="3" name="Content Placeholder 2">
-            <a:extLst>
-              <a:ext uri="{FF2B5EF4-FFF2-40B4-BE49-F238E27FC236}">
-                <a16:creationId xmlns:a16="http://schemas.microsoft.com/office/drawing/2014/main" id="{3CCB48FF-D0DB-4239-BF7B-3AC940333DEC}"/>
-              </a:ext>
-            </a:extLst>
-          </p:cNvPr>
-          <p:cNvSpPr>
-            <a:spLocks noGrp="1"/>
-          </p:cNvSpPr>
-          <p:nvPr>
-            <p:ph sz="half" idx="1"/>
-          </p:nvPr>
-        </p:nvSpPr>
-        <p:spPr>
-          <a:xfrm>
-            <a:off x="838199" y="1825625"/>
-            <a:ext cx="9267825" cy="4351338"/>
-          </a:xfrm>
-        </p:spPr>
-        <p:txBody>
-          <a:bodyPr>
+            <a:off x="2555631" y="1441938"/>
+            <a:ext cx="7080738" cy="3974124"/>
+          </a:xfrm>
+        </p:spPr>
+        <p:txBody>
+          <a:bodyPr vert="horz" lIns="91440" tIns="45720" rIns="91440" bIns="45720" rtlCol="0" anchor="ctr">
             <a:normAutofit/>
           </a:bodyPr>
           <a:lstStyle/>
           <a:p>
-            <a:r>
-              <a:rPr lang="en-NZ" dirty="0" err="1"/>
-              <a:t>Anfragen</a:t>
-            </a:r>
-            <a:r>
-              <a:rPr lang="en-NZ" dirty="0"/>
-              <a:t> an Backend </a:t>
-            </a:r>
-            <a:r>
-              <a:rPr lang="en-NZ" dirty="0" err="1"/>
-              <a:t>über</a:t>
-            </a:r>
-            <a:r>
-              <a:rPr lang="en-NZ" dirty="0"/>
-              <a:t> GET</a:t>
-            </a:r>
-          </a:p>
-          <a:p>
-            <a:r>
-              <a:rPr lang="en-NZ" dirty="0" err="1"/>
-              <a:t>Für</a:t>
-            </a:r>
-            <a:r>
-              <a:rPr lang="en-NZ" dirty="0"/>
-              <a:t> Range-Query </a:t>
-            </a:r>
-            <a:r>
-              <a:rPr lang="en-NZ" dirty="0" err="1"/>
-              <a:t>zur</a:t>
-            </a:r>
-            <a:r>
-              <a:rPr lang="en-NZ" dirty="0"/>
-              <a:t> </a:t>
-            </a:r>
-            <a:r>
-              <a:rPr lang="en-NZ" dirty="0" err="1"/>
-              <a:t>Suche</a:t>
-            </a:r>
-            <a:r>
-              <a:rPr lang="en-NZ" dirty="0"/>
-              <a:t> </a:t>
-            </a:r>
-            <a:r>
-              <a:rPr lang="en-NZ" dirty="0" err="1"/>
-              <a:t>Wildcardoperator</a:t>
-            </a:r>
-            <a:r>
-              <a:rPr lang="en-NZ" dirty="0"/>
-              <a:t> (</a:t>
-            </a:r>
-            <a:r>
-              <a:rPr lang="en-NZ" b="1" i="1" dirty="0"/>
-              <a:t>%</a:t>
-            </a:r>
-            <a:r>
-              <a:rPr lang="en-NZ" dirty="0"/>
-              <a:t>) </a:t>
-            </a:r>
-            <a:r>
-              <a:rPr lang="en-NZ" dirty="0" err="1"/>
-              <a:t>benötigt</a:t>
-            </a:r>
-            <a:endParaRPr lang="en-NZ" dirty="0"/>
-          </a:p>
-          <a:p>
-            <a:r>
-              <a:rPr lang="en-NZ" dirty="0"/>
-              <a:t>Problem: </a:t>
-            </a:r>
-            <a:r>
-              <a:rPr lang="en-NZ" dirty="0" err="1"/>
-              <a:t>Suchanfrage</a:t>
-            </a:r>
-            <a:r>
-              <a:rPr lang="en-NZ" dirty="0"/>
-              <a:t> </a:t>
-            </a:r>
-            <a:r>
-              <a:rPr lang="en-NZ" dirty="0" err="1"/>
-              <a:t>wird</a:t>
-            </a:r>
-            <a:r>
-              <a:rPr lang="en-NZ" dirty="0"/>
-              <a:t> encoded: </a:t>
-            </a:r>
-            <a:r>
-              <a:rPr lang="en-NZ" b="1" i="1" dirty="0"/>
-              <a:t>%AB </a:t>
-            </a:r>
-            <a:r>
-              <a:rPr lang="en-NZ" dirty="0" err="1"/>
-              <a:t>wird</a:t>
-            </a:r>
-            <a:r>
-              <a:rPr lang="en-NZ" dirty="0"/>
-              <a:t> </a:t>
-            </a:r>
-            <a:r>
-              <a:rPr lang="en-NZ" dirty="0" err="1"/>
-              <a:t>zu</a:t>
-            </a:r>
-            <a:r>
-              <a:rPr lang="en-NZ" dirty="0"/>
-              <a:t>  </a:t>
-            </a:r>
-            <a:r>
-              <a:rPr lang="en-NZ" b="1" i="1" dirty="0"/>
-              <a:t>«</a:t>
-            </a:r>
-          </a:p>
-          <a:p>
-            <a:r>
-              <a:rPr lang="en-NZ" dirty="0" err="1"/>
-              <a:t>Wildcardoperator</a:t>
-            </a:r>
-            <a:r>
-              <a:rPr lang="en-NZ" dirty="0"/>
-              <a:t> </a:t>
-            </a:r>
-            <a:r>
-              <a:rPr lang="en-NZ" dirty="0" err="1"/>
-              <a:t>musste</a:t>
-            </a:r>
-            <a:r>
-              <a:rPr lang="en-NZ" dirty="0"/>
-              <a:t> neu </a:t>
-            </a:r>
-            <a:r>
-              <a:rPr lang="en-NZ" dirty="0" err="1"/>
-              <a:t>definiert</a:t>
-            </a:r>
-            <a:r>
-              <a:rPr lang="en-NZ" dirty="0"/>
-              <a:t> </a:t>
-            </a:r>
-            <a:r>
-              <a:rPr lang="en-NZ" dirty="0" err="1"/>
-              <a:t>werden</a:t>
-            </a:r>
-            <a:endParaRPr lang="en-NZ" dirty="0"/>
+            <a:pPr algn="ctr"/>
+            <a:r>
+              <a:rPr lang="en-US" sz="5400">
+                <a:solidFill>
+                  <a:schemeClr val="bg1">
+                    <a:lumMod val="95000"/>
+                    <a:lumOff val="5000"/>
+                  </a:schemeClr>
+                </a:solidFill>
+              </a:rPr>
+              <a:t>Theoretische Grundlagen</a:t>
+            </a:r>
           </a:p>
         </p:txBody>
       </p:sp>
@@ -7030,16 +14899,32 @@
         </p:nvSpPr>
         <p:spPr>
           <a:xfrm>
-            <a:off x="4038600" y="6356350"/>
-            <a:ext cx="4114800" cy="365125"/>
-          </a:xfrm>
-        </p:spPr>
-        <p:txBody>
-          <a:bodyPr/>
-          <a:lstStyle/>
-          <a:p>
-            <a:r>
-              <a:rPr lang="de-DE"/>
+            <a:off x="3892062" y="6199632"/>
+            <a:ext cx="4407876" cy="365125"/>
+          </a:xfrm>
+        </p:spPr>
+        <p:txBody>
+          <a:bodyPr vert="horz" lIns="91440" tIns="45720" rIns="91440" bIns="45720" rtlCol="0" anchor="ctr">
+            <a:normAutofit/>
+          </a:bodyPr>
+          <a:lstStyle/>
+          <a:p>
+            <a:pPr defTabSz="457200">
+              <a:spcAft>
+                <a:spcPts val="600"/>
+              </a:spcAft>
+            </a:pPr>
+            <a:r>
+              <a:rPr lang="en-US" sz="1100" kern="1200">
+                <a:solidFill>
+                  <a:schemeClr val="bg1">
+                    <a:alpha val="80000"/>
+                  </a:schemeClr>
+                </a:solidFill>
+                <a:latin typeface="+mn-lt"/>
+                <a:ea typeface="+mn-ea"/>
+                <a:cs typeface="+mn-cs"/>
+              </a:rPr>
               <a:t>WS19/20 - PV-Modulportal - Rüffer, Vorwerk, Withöft, Zolkin</a:t>
             </a:r>
           </a:p>
@@ -7063,204 +14948,57 @@
         </p:nvSpPr>
         <p:spPr>
           <a:xfrm>
-            <a:off x="8610600" y="6356350"/>
-            <a:ext cx="2743200" cy="365125"/>
-          </a:xfrm>
-        </p:spPr>
-        <p:txBody>
-          <a:bodyPr/>
-          <a:lstStyle/>
-          <a:p>
-            <a:fld id="{969E759D-A893-4B96-8B48-96EE547EBC41}" type="slidenum">
-              <a:rPr lang="de-DE" smtClean="0"/>
-              <a:t>8</a:t>
-            </a:fld>
-            <a:endParaRPr lang="de-DE"/>
-          </a:p>
-        </p:txBody>
-      </p:sp>
-      <p:pic>
-        <p:nvPicPr>
-          <p:cNvPr id="12" name="Picture 11">
-            <a:extLst>
-              <a:ext uri="{FF2B5EF4-FFF2-40B4-BE49-F238E27FC236}">
-                <a16:creationId xmlns:a16="http://schemas.microsoft.com/office/drawing/2014/main" id="{4952C6A9-A774-46DB-BDF1-F673FA48CDFD}"/>
-              </a:ext>
-            </a:extLst>
-          </p:cNvPr>
-          <p:cNvPicPr>
-            <a:picLocks noChangeAspect="1"/>
-          </p:cNvPicPr>
-          <p:nvPr/>
-        </p:nvPicPr>
-        <p:blipFill>
-          <a:blip r:embed="rId2">
-            <a:extLst>
-              <a:ext uri="{28A0092B-C50C-407E-A947-70E740481C1C}">
-                <a14:useLocalDpi xmlns:a14="http://schemas.microsoft.com/office/drawing/2010/main" val="0"/>
-              </a:ext>
-            </a:extLst>
-          </a:blip>
-          <a:stretch>
-            <a:fillRect/>
-          </a:stretch>
-        </p:blipFill>
-        <p:spPr>
-          <a:xfrm>
-            <a:off x="204950" y="4377205"/>
-            <a:ext cx="11782100" cy="1189273"/>
-          </a:xfrm>
-          <a:prstGeom prst="rect">
+            <a:off x="11000232" y="6108192"/>
+            <a:ext cx="548640" cy="548640"/>
+          </a:xfrm>
+          <a:prstGeom prst="ellipse">
             <a:avLst/>
           </a:prstGeom>
-        </p:spPr>
-      </p:pic>
+          <a:solidFill>
+            <a:srgbClr val="7F7F7F"/>
+          </a:solidFill>
+        </p:spPr>
+        <p:txBody>
+          <a:bodyPr vert="horz" lIns="91440" tIns="45720" rIns="91440" bIns="45720" rtlCol="0" anchor="ctr">
+            <a:normAutofit/>
+          </a:bodyPr>
+          <a:lstStyle/>
+          <a:p>
+            <a:pPr algn="ctr" defTabSz="457200">
+              <a:spcAft>
+                <a:spcPts val="600"/>
+              </a:spcAft>
+            </a:pPr>
+            <a:fld id="{969E759D-A893-4B96-8B48-96EE547EBC41}" type="slidenum">
+              <a:rPr lang="en-US" sz="1500">
+                <a:solidFill>
+                  <a:srgbClr val="FFFFFF"/>
+                </a:solidFill>
+              </a:rPr>
+              <a:pPr algn="ctr" defTabSz="457200">
+                <a:spcAft>
+                  <a:spcPts val="600"/>
+                </a:spcAft>
+              </a:pPr>
+              <a:t>9</a:t>
+            </a:fld>
+            <a:endParaRPr lang="en-US" sz="1500">
+              <a:solidFill>
+                <a:srgbClr val="FFFFFF"/>
+              </a:solidFill>
+            </a:endParaRPr>
+          </a:p>
+        </p:txBody>
+      </p:sp>
     </p:spTree>
     <p:extLst>
       <p:ext uri="{BB962C8B-B14F-4D97-AF65-F5344CB8AC3E}">
-        <p14:creationId xmlns:p14="http://schemas.microsoft.com/office/powerpoint/2010/main" val="1507256200"/>
+        <p14:creationId xmlns:p14="http://schemas.microsoft.com/office/powerpoint/2010/main" val="4292448757"/>
       </p:ext>
     </p:extLst>
   </p:cSld>
   <p:clrMapOvr>
-    <a:masterClrMapping/>
-  </p:clrMapOvr>
-</p:sld>
-</file>
-
-<file path=ppt/slides/slide9.xml><?xml version="1.0" encoding="utf-8"?>
-<p:sld xmlns:a="http://schemas.openxmlformats.org/drawingml/2006/main" xmlns:r="http://schemas.openxmlformats.org/officeDocument/2006/relationships" xmlns:p="http://schemas.openxmlformats.org/presentationml/2006/main">
-  <p:cSld>
-    <p:spTree>
-      <p:nvGrpSpPr>
-        <p:cNvPr id="1" name=""/>
-        <p:cNvGrpSpPr/>
-        <p:nvPr/>
-      </p:nvGrpSpPr>
-      <p:grpSpPr>
-        <a:xfrm>
-          <a:off x="0" y="0"/>
-          <a:ext cx="0" cy="0"/>
-          <a:chOff x="0" y="0"/>
-          <a:chExt cx="0" cy="0"/>
-        </a:xfrm>
-      </p:grpSpPr>
-      <p:sp>
-        <p:nvSpPr>
-          <p:cNvPr id="2" name="Titel 1"/>
-          <p:cNvSpPr>
-            <a:spLocks noGrp="1"/>
-          </p:cNvSpPr>
-          <p:nvPr>
-            <p:ph type="title"/>
-          </p:nvPr>
-        </p:nvSpPr>
-        <p:spPr/>
-        <p:txBody>
-          <a:bodyPr/>
-          <a:lstStyle/>
-          <a:p>
-            <a:r>
-              <a:rPr lang="de-DE" dirty="0"/>
-              <a:t>Ausblick</a:t>
-            </a:r>
-          </a:p>
-        </p:txBody>
-      </p:sp>
-      <p:sp>
-        <p:nvSpPr>
-          <p:cNvPr id="3" name="Inhaltsplatzhalter 2"/>
-          <p:cNvSpPr>
-            <a:spLocks noGrp="1"/>
-          </p:cNvSpPr>
-          <p:nvPr>
-            <p:ph idx="1"/>
-          </p:nvPr>
-        </p:nvSpPr>
-        <p:spPr/>
-        <p:txBody>
-          <a:bodyPr/>
-          <a:lstStyle/>
-          <a:p>
-            <a:r>
-              <a:rPr lang="de-DE" dirty="0"/>
-              <a:t>Fertigstellung der Moduldetailseite</a:t>
-            </a:r>
-          </a:p>
-          <a:p>
-            <a:r>
-              <a:rPr lang="de-DE" dirty="0"/>
-              <a:t>Modul-Upload Seite</a:t>
-            </a:r>
-          </a:p>
-          <a:p>
-            <a:r>
-              <a:rPr lang="de-DE" dirty="0"/>
-              <a:t>Dokumentation</a:t>
-            </a:r>
-          </a:p>
-          <a:p>
-            <a:r>
-              <a:rPr lang="de-DE" dirty="0"/>
-              <a:t>Projektbericht</a:t>
-            </a:r>
-          </a:p>
-        </p:txBody>
-      </p:sp>
-      <p:sp>
-        <p:nvSpPr>
-          <p:cNvPr id="4" name="Fußzeilenplatzhalter 3"/>
-          <p:cNvSpPr>
-            <a:spLocks noGrp="1"/>
-          </p:cNvSpPr>
-          <p:nvPr>
-            <p:ph type="ftr" sz="quarter" idx="11"/>
-          </p:nvPr>
-        </p:nvSpPr>
-        <p:spPr/>
-        <p:txBody>
-          <a:bodyPr/>
-          <a:lstStyle/>
-          <a:p>
-            <a:r>
-              <a:rPr lang="de-DE"/>
-              <a:t>WS19/20 - PV-Modulportal - Rüffer, Vorwerk, Withöft, Zolkin</a:t>
-            </a:r>
-          </a:p>
-        </p:txBody>
-      </p:sp>
-      <p:sp>
-        <p:nvSpPr>
-          <p:cNvPr id="5" name="Foliennummernplatzhalter 4"/>
-          <p:cNvSpPr>
-            <a:spLocks noGrp="1"/>
-          </p:cNvSpPr>
-          <p:nvPr>
-            <p:ph type="sldNum" sz="quarter" idx="12"/>
-          </p:nvPr>
-        </p:nvSpPr>
-        <p:spPr/>
-        <p:txBody>
-          <a:bodyPr/>
-          <a:lstStyle/>
-          <a:p>
-            <a:fld id="{969E759D-A893-4B96-8B48-96EE547EBC41}" type="slidenum">
-              <a:rPr lang="de-DE" smtClean="0"/>
-              <a:t>9</a:t>
-            </a:fld>
-            <a:endParaRPr lang="de-DE"/>
-          </a:p>
-        </p:txBody>
-      </p:sp>
-    </p:spTree>
-    <p:extLst>
-      <p:ext uri="{BB962C8B-B14F-4D97-AF65-F5344CB8AC3E}">
-        <p14:creationId xmlns:p14="http://schemas.microsoft.com/office/powerpoint/2010/main" val="3786423145"/>
-      </p:ext>
-    </p:extLst>
-  </p:cSld>
-  <p:clrMapOvr>
-    <a:masterClrMapping/>
+    <a:overrideClrMapping bg1="dk1" tx1="lt1" bg2="dk2" tx2="lt2" accent1="accent1" accent2="accent2" accent3="accent3" accent4="accent4" accent5="accent5" accent6="accent6" hlink="hlink" folHlink="folHlink"/>
   </p:clrMapOvr>
 </p:sld>
 </file>

--- a/docs/Seminarvortrag.pptx
+++ b/docs/Seminarvortrag.pptx
@@ -293,7 +293,7 @@
           <a:p>
             <a:fld id="{45D0F98D-38D5-4C1A-A003-148E75DBF760}" type="datetime1">
               <a:rPr lang="de-DE" smtClean="0"/>
-              <a:t>09.12.2019</a:t>
+              <a:t>10.12.2019</a:t>
             </a:fld>
             <a:endParaRPr lang="de-DE"/>
           </a:p>
@@ -350,7 +350,7 @@
           <a:p>
             <a:fld id="{969E759D-A893-4B96-8B48-96EE547EBC41}" type="slidenum">
               <a:rPr lang="de-DE" smtClean="0"/>
-              <a:t>‹Nr.›</a:t>
+              <a:t>‹#›</a:t>
             </a:fld>
             <a:endParaRPr lang="de-DE"/>
           </a:p>
@@ -496,7 +496,7 @@
           <a:p>
             <a:fld id="{35EE94FD-1B66-443A-A78C-7063FFFB3DB5}" type="datetime1">
               <a:rPr lang="de-DE" smtClean="0"/>
-              <a:t>09.12.2019</a:t>
+              <a:t>10.12.2019</a:t>
             </a:fld>
             <a:endParaRPr lang="de-DE"/>
           </a:p>
@@ -553,7 +553,7 @@
           <a:p>
             <a:fld id="{969E759D-A893-4B96-8B48-96EE547EBC41}" type="slidenum">
               <a:rPr lang="de-DE" smtClean="0"/>
-              <a:t>‹Nr.›</a:t>
+              <a:t>‹#›</a:t>
             </a:fld>
             <a:endParaRPr lang="de-DE"/>
           </a:p>
@@ -709,7 +709,7 @@
           <a:p>
             <a:fld id="{846435C6-9F94-4AA4-B35A-39DE494D17EA}" type="datetime1">
               <a:rPr lang="de-DE" smtClean="0"/>
-              <a:t>09.12.2019</a:t>
+              <a:t>10.12.2019</a:t>
             </a:fld>
             <a:endParaRPr lang="de-DE"/>
           </a:p>
@@ -766,7 +766,7 @@
           <a:p>
             <a:fld id="{969E759D-A893-4B96-8B48-96EE547EBC41}" type="slidenum">
               <a:rPr lang="de-DE" smtClean="0"/>
-              <a:t>‹Nr.›</a:t>
+              <a:t>‹#›</a:t>
             </a:fld>
             <a:endParaRPr lang="de-DE"/>
           </a:p>
@@ -912,7 +912,7 @@
           <a:p>
             <a:fld id="{7BA378BF-52EB-4C5B-B6BB-996DFE0988BD}" type="datetime1">
               <a:rPr lang="de-DE" smtClean="0"/>
-              <a:t>09.12.2019</a:t>
+              <a:t>10.12.2019</a:t>
             </a:fld>
             <a:endParaRPr lang="de-DE"/>
           </a:p>
@@ -969,7 +969,7 @@
           <a:p>
             <a:fld id="{969E759D-A893-4B96-8B48-96EE547EBC41}" type="slidenum">
               <a:rPr lang="de-DE" smtClean="0"/>
-              <a:t>‹Nr.›</a:t>
+              <a:t>‹#›</a:t>
             </a:fld>
             <a:endParaRPr lang="de-DE"/>
           </a:p>
@@ -1191,7 +1191,7 @@
           <a:p>
             <a:fld id="{546325AB-2200-4FF3-AF2A-B172FFDDBDF4}" type="datetime1">
               <a:rPr lang="de-DE" smtClean="0"/>
-              <a:t>09.12.2019</a:t>
+              <a:t>10.12.2019</a:t>
             </a:fld>
             <a:endParaRPr lang="de-DE"/>
           </a:p>
@@ -1248,7 +1248,7 @@
           <a:p>
             <a:fld id="{969E759D-A893-4B96-8B48-96EE547EBC41}" type="slidenum">
               <a:rPr lang="de-DE" smtClean="0"/>
-              <a:t>‹Nr.›</a:t>
+              <a:t>‹#›</a:t>
             </a:fld>
             <a:endParaRPr lang="de-DE"/>
           </a:p>
@@ -1462,7 +1462,7 @@
           <a:p>
             <a:fld id="{4BD4E413-4B36-416A-99F8-917101FD3552}" type="datetime1">
               <a:rPr lang="de-DE" smtClean="0"/>
-              <a:t>09.12.2019</a:t>
+              <a:t>10.12.2019</a:t>
             </a:fld>
             <a:endParaRPr lang="de-DE"/>
           </a:p>
@@ -1519,7 +1519,7 @@
           <a:p>
             <a:fld id="{969E759D-A893-4B96-8B48-96EE547EBC41}" type="slidenum">
               <a:rPr lang="de-DE" smtClean="0"/>
-              <a:t>‹Nr.›</a:t>
+              <a:t>‹#›</a:t>
             </a:fld>
             <a:endParaRPr lang="de-DE"/>
           </a:p>
@@ -1880,7 +1880,7 @@
           <a:p>
             <a:fld id="{350CD5BB-2135-4C1C-9EB9-6B104A7F1852}" type="datetime1">
               <a:rPr lang="de-DE" smtClean="0"/>
-              <a:t>09.12.2019</a:t>
+              <a:t>10.12.2019</a:t>
             </a:fld>
             <a:endParaRPr lang="de-DE"/>
           </a:p>
@@ -1937,7 +1937,7 @@
           <a:p>
             <a:fld id="{969E759D-A893-4B96-8B48-96EE547EBC41}" type="slidenum">
               <a:rPr lang="de-DE" smtClean="0"/>
-              <a:t>‹Nr.›</a:t>
+              <a:t>‹#›</a:t>
             </a:fld>
             <a:endParaRPr lang="de-DE"/>
           </a:p>
@@ -2025,7 +2025,7 @@
           <a:p>
             <a:fld id="{5F8EFD36-9E63-4951-BEF9-F6B8ACF9848D}" type="datetime1">
               <a:rPr lang="de-DE" smtClean="0"/>
-              <a:t>09.12.2019</a:t>
+              <a:t>10.12.2019</a:t>
             </a:fld>
             <a:endParaRPr lang="de-DE"/>
           </a:p>
@@ -2082,7 +2082,7 @@
           <a:p>
             <a:fld id="{969E759D-A893-4B96-8B48-96EE547EBC41}" type="slidenum">
               <a:rPr lang="de-DE" smtClean="0"/>
-              <a:t>‹Nr.›</a:t>
+              <a:t>‹#›</a:t>
             </a:fld>
             <a:endParaRPr lang="de-DE"/>
           </a:p>
@@ -2141,7 +2141,7 @@
           <a:p>
             <a:fld id="{5809FACB-23B1-4A10-9D0A-328C6885745A}" type="datetime1">
               <a:rPr lang="de-DE" smtClean="0"/>
-              <a:t>09.12.2019</a:t>
+              <a:t>10.12.2019</a:t>
             </a:fld>
             <a:endParaRPr lang="de-DE"/>
           </a:p>
@@ -2198,7 +2198,7 @@
           <a:p>
             <a:fld id="{969E759D-A893-4B96-8B48-96EE547EBC41}" type="slidenum">
               <a:rPr lang="de-DE" smtClean="0"/>
-              <a:t>‹Nr.›</a:t>
+              <a:t>‹#›</a:t>
             </a:fld>
             <a:endParaRPr lang="de-DE"/>
           </a:p>
@@ -2457,7 +2457,7 @@
           <a:p>
             <a:fld id="{D34E0433-A910-4A2C-B27B-93E80F26180A}" type="datetime1">
               <a:rPr lang="de-DE" smtClean="0"/>
-              <a:t>09.12.2019</a:t>
+              <a:t>10.12.2019</a:t>
             </a:fld>
             <a:endParaRPr lang="de-DE"/>
           </a:p>
@@ -2514,7 +2514,7 @@
           <a:p>
             <a:fld id="{969E759D-A893-4B96-8B48-96EE547EBC41}" type="slidenum">
               <a:rPr lang="de-DE" smtClean="0"/>
-              <a:t>‹Nr.›</a:t>
+              <a:t>‹#›</a:t>
             </a:fld>
             <a:endParaRPr lang="de-DE"/>
           </a:p>
@@ -2749,7 +2749,7 @@
           <a:p>
             <a:fld id="{27D0816D-89A7-4D5C-8256-1B20355E25D9}" type="datetime1">
               <a:rPr lang="de-DE" smtClean="0"/>
-              <a:t>09.12.2019</a:t>
+              <a:t>10.12.2019</a:t>
             </a:fld>
             <a:endParaRPr lang="de-DE"/>
           </a:p>
@@ -2806,7 +2806,7 @@
           <a:p>
             <a:fld id="{969E759D-A893-4B96-8B48-96EE547EBC41}" type="slidenum">
               <a:rPr lang="de-DE" smtClean="0"/>
-              <a:t>‹Nr.›</a:t>
+              <a:t>‹#›</a:t>
             </a:fld>
             <a:endParaRPr lang="de-DE"/>
           </a:p>
@@ -2995,7 +2995,7 @@
           <a:p>
             <a:fld id="{96A0F86B-E49E-4FBD-A866-1ABC19B2F8A7}" type="datetime1">
               <a:rPr lang="de-DE" smtClean="0"/>
-              <a:t>09.12.2019</a:t>
+              <a:t>10.12.2019</a:t>
             </a:fld>
             <a:endParaRPr lang="de-DE"/>
           </a:p>
@@ -3088,7 +3088,7 @@
           <a:p>
             <a:fld id="{969E759D-A893-4B96-8B48-96EE547EBC41}" type="slidenum">
               <a:rPr lang="de-DE" smtClean="0"/>
-              <a:t>‹Nr.›</a:t>
+              <a:t>‹#›</a:t>
             </a:fld>
             <a:endParaRPr lang="de-DE"/>
           </a:p>
@@ -6648,18 +6648,7 @@
               <a:rPr lang="en-NZ" sz="1700" dirty="0" err="1"/>
               <a:t>Aufgaben</a:t>
             </a:r>
-            <a:r>
-              <a:rPr lang="en-NZ" sz="1700" dirty="0"/>
-              <a:t> und </a:t>
-            </a:r>
-            <a:r>
-              <a:rPr lang="en-NZ" sz="1700" dirty="0" err="1"/>
-              <a:t>Rollen</a:t>
-            </a:r>
-            <a:r>
-              <a:rPr lang="en-NZ" sz="1700" dirty="0"/>
-              <a:t> (Michelle)</a:t>
-            </a:r>
+            <a:endParaRPr lang="en-NZ" sz="1700" dirty="0"/>
           </a:p>
           <a:p>
             <a:r>
@@ -6674,10 +6663,7 @@
               <a:rPr lang="en-NZ" sz="1700" dirty="0" err="1"/>
               <a:t>Grundlagen</a:t>
             </a:r>
-            <a:r>
-              <a:rPr lang="en-NZ" sz="1700" dirty="0"/>
-              <a:t> (Hannes)</a:t>
-            </a:r>
+            <a:endParaRPr lang="en-NZ" sz="1700" dirty="0"/>
           </a:p>
           <a:p>
             <a:r>
@@ -6692,10 +6678,7 @@
               <a:rPr lang="en-NZ" sz="1700" dirty="0" err="1"/>
               <a:t>Arbeiten</a:t>
             </a:r>
-            <a:r>
-              <a:rPr lang="en-NZ" sz="1700" dirty="0"/>
-              <a:t> (Christiane, Michelle)</a:t>
-            </a:r>
+            <a:endParaRPr lang="en-NZ" sz="1700" dirty="0"/>
           </a:p>
           <a:p>
             <a:r>
@@ -6706,10 +6689,7 @@
               <a:rPr lang="en-NZ" sz="1700" dirty="0" err="1"/>
               <a:t>Architektur</a:t>
             </a:r>
-            <a:r>
-              <a:rPr lang="en-NZ" sz="1700" dirty="0"/>
-              <a:t> (Hannes, Moritz)</a:t>
-            </a:r>
+            <a:endParaRPr lang="en-NZ" sz="1700" dirty="0"/>
           </a:p>
           <a:p>
             <a:r>
@@ -6718,49 +6698,14 @@
             </a:r>
             <a:r>
               <a:rPr lang="en-NZ" sz="1700" dirty="0" err="1"/>
-              <a:t>Implementierungen</a:t>
-            </a:r>
+              <a:t>Implementierungsdetails</a:t>
+            </a:r>
+            <a:endParaRPr lang="en-NZ" sz="1700" dirty="0"/>
+          </a:p>
+          <a:p>
             <a:r>
               <a:rPr lang="en-NZ" sz="1700" dirty="0"/>
-              <a:t> </a:t>
-            </a:r>
-            <a:r>
-              <a:rPr lang="en-NZ" sz="1700" dirty="0" err="1"/>
-              <a:t>mit</a:t>
-            </a:r>
-            <a:r>
-              <a:rPr lang="en-NZ" sz="1700" dirty="0"/>
-              <a:t> </a:t>
-            </a:r>
-            <a:r>
-              <a:rPr lang="en-NZ" sz="1700" dirty="0" err="1"/>
-              <a:t>aussagekräftigen</a:t>
-            </a:r>
-            <a:r>
-              <a:rPr lang="en-NZ" sz="1700" dirty="0"/>
-              <a:t> Details (</a:t>
-            </a:r>
-            <a:r>
-              <a:rPr lang="en-NZ" sz="1700" dirty="0" err="1"/>
-              <a:t>alle</a:t>
-            </a:r>
-            <a:r>
-              <a:rPr lang="en-NZ" sz="1700" dirty="0"/>
-              <a:t>)</a:t>
-            </a:r>
-          </a:p>
-          <a:p>
-            <a:r>
-              <a:rPr lang="en-NZ" sz="1700" dirty="0"/>
-              <a:t>Demonstration der Software (</a:t>
-            </a:r>
-            <a:r>
-              <a:rPr lang="en-NZ" sz="1700" dirty="0" err="1"/>
-              <a:t>keiner</a:t>
-            </a:r>
-            <a:r>
-              <a:rPr lang="en-NZ" sz="1700" dirty="0"/>
-              <a:t>)</a:t>
+              <a:t>Demonstration der Software</a:t>
             </a:r>
           </a:p>
           <a:p>
@@ -6776,10 +6721,7 @@
               <a:rPr lang="en-NZ" sz="1700" dirty="0" err="1"/>
               <a:t>Fazit</a:t>
             </a:r>
-            <a:r>
-              <a:rPr lang="en-NZ" sz="1700" dirty="0"/>
-              <a:t> (Christiane)</a:t>
-            </a:r>
+            <a:endParaRPr lang="en-NZ" sz="1700" dirty="0"/>
           </a:p>
         </p:txBody>
       </p:sp>

--- a/docs/Seminarvortrag.pptx
+++ b/docs/Seminarvortrag.pptx
@@ -4,6 +4,9 @@
   <p:sldMasterIdLst>
     <p:sldMasterId id="2147483660" r:id="rId1"/>
   </p:sldMasterIdLst>
+  <p:notesMasterIdLst>
+    <p:notesMasterId r:id="rId36"/>
+  </p:notesMasterIdLst>
   <p:sldIdLst>
     <p:sldId id="257" r:id="rId2"/>
     <p:sldId id="258" r:id="rId3"/>
@@ -12,32 +15,33 @@
     <p:sldId id="261" r:id="rId6"/>
     <p:sldId id="260" r:id="rId7"/>
     <p:sldId id="262" r:id="rId8"/>
-    <p:sldId id="281" r:id="rId9"/>
-    <p:sldId id="279" r:id="rId10"/>
-    <p:sldId id="275" r:id="rId11"/>
-    <p:sldId id="274" r:id="rId12"/>
-    <p:sldId id="276" r:id="rId13"/>
-    <p:sldId id="277" r:id="rId14"/>
-    <p:sldId id="283" r:id="rId15"/>
-    <p:sldId id="286" r:id="rId16"/>
-    <p:sldId id="287" r:id="rId17"/>
-    <p:sldId id="285" r:id="rId18"/>
-    <p:sldId id="288" r:id="rId19"/>
-    <p:sldId id="289" r:id="rId20"/>
-    <p:sldId id="290" r:id="rId21"/>
-    <p:sldId id="284" r:id="rId22"/>
-    <p:sldId id="278" r:id="rId23"/>
-    <p:sldId id="265" r:id="rId24"/>
-    <p:sldId id="267" r:id="rId25"/>
-    <p:sldId id="269" r:id="rId26"/>
-    <p:sldId id="270" r:id="rId27"/>
-    <p:sldId id="268" r:id="rId28"/>
-    <p:sldId id="271" r:id="rId29"/>
-    <p:sldId id="272" r:id="rId30"/>
-    <p:sldId id="273" r:id="rId31"/>
-    <p:sldId id="282" r:id="rId32"/>
-    <p:sldId id="263" r:id="rId33"/>
-    <p:sldId id="264" r:id="rId34"/>
+    <p:sldId id="291" r:id="rId9"/>
+    <p:sldId id="281" r:id="rId10"/>
+    <p:sldId id="279" r:id="rId11"/>
+    <p:sldId id="275" r:id="rId12"/>
+    <p:sldId id="274" r:id="rId13"/>
+    <p:sldId id="276" r:id="rId14"/>
+    <p:sldId id="277" r:id="rId15"/>
+    <p:sldId id="283" r:id="rId16"/>
+    <p:sldId id="286" r:id="rId17"/>
+    <p:sldId id="287" r:id="rId18"/>
+    <p:sldId id="285" r:id="rId19"/>
+    <p:sldId id="288" r:id="rId20"/>
+    <p:sldId id="289" r:id="rId21"/>
+    <p:sldId id="290" r:id="rId22"/>
+    <p:sldId id="284" r:id="rId23"/>
+    <p:sldId id="278" r:id="rId24"/>
+    <p:sldId id="265" r:id="rId25"/>
+    <p:sldId id="267" r:id="rId26"/>
+    <p:sldId id="269" r:id="rId27"/>
+    <p:sldId id="270" r:id="rId28"/>
+    <p:sldId id="268" r:id="rId29"/>
+    <p:sldId id="271" r:id="rId30"/>
+    <p:sldId id="272" r:id="rId31"/>
+    <p:sldId id="273" r:id="rId32"/>
+    <p:sldId id="282" r:id="rId33"/>
+    <p:sldId id="263" r:id="rId34"/>
+    <p:sldId id="264" r:id="rId35"/>
   </p:sldIdLst>
   <p:sldSz cx="12192000" cy="6858000"/>
   <p:notesSz cx="6858000" cy="9144000"/>
@@ -142,6 +146,440 @@
     </p:ext>
   </p:extLst>
 </p:presentation>
+</file>
+
+<file path=ppt/notesMasters/notesMaster1.xml><?xml version="1.0" encoding="utf-8"?>
+<p:notesMaster xmlns:a="http://schemas.openxmlformats.org/drawingml/2006/main" xmlns:r="http://schemas.openxmlformats.org/officeDocument/2006/relationships" xmlns:p="http://schemas.openxmlformats.org/presentationml/2006/main">
+  <p:cSld>
+    <p:bg>
+      <p:bgRef idx="1001">
+        <a:schemeClr val="bg1"/>
+      </p:bgRef>
+    </p:bg>
+    <p:spTree>
+      <p:nvGrpSpPr>
+        <p:cNvPr id="1" name=""/>
+        <p:cNvGrpSpPr/>
+        <p:nvPr/>
+      </p:nvGrpSpPr>
+      <p:grpSpPr>
+        <a:xfrm>
+          <a:off x="0" y="0"/>
+          <a:ext cx="0" cy="0"/>
+          <a:chOff x="0" y="0"/>
+          <a:chExt cx="0" cy="0"/>
+        </a:xfrm>
+      </p:grpSpPr>
+      <p:sp>
+        <p:nvSpPr>
+          <p:cNvPr id="2" name="Header Placeholder 1"/>
+          <p:cNvSpPr>
+            <a:spLocks noGrp="1"/>
+          </p:cNvSpPr>
+          <p:nvPr>
+            <p:ph type="hdr" sz="quarter"/>
+          </p:nvPr>
+        </p:nvSpPr>
+        <p:spPr>
+          <a:xfrm>
+            <a:off x="0" y="0"/>
+            <a:ext cx="2971800" cy="458788"/>
+          </a:xfrm>
+          <a:prstGeom prst="rect">
+            <a:avLst/>
+          </a:prstGeom>
+        </p:spPr>
+        <p:txBody>
+          <a:bodyPr vert="horz" lIns="91440" tIns="45720" rIns="91440" bIns="45720" rtlCol="0"/>
+          <a:lstStyle>
+            <a:lvl1pPr algn="l">
+              <a:defRPr sz="1200"/>
+            </a:lvl1pPr>
+          </a:lstStyle>
+          <a:p>
+            <a:endParaRPr lang="de-DE"/>
+          </a:p>
+        </p:txBody>
+      </p:sp>
+      <p:sp>
+        <p:nvSpPr>
+          <p:cNvPr id="3" name="Date Placeholder 2"/>
+          <p:cNvSpPr>
+            <a:spLocks noGrp="1"/>
+          </p:cNvSpPr>
+          <p:nvPr>
+            <p:ph type="dt" idx="1"/>
+          </p:nvPr>
+        </p:nvSpPr>
+        <p:spPr>
+          <a:xfrm>
+            <a:off x="3884613" y="0"/>
+            <a:ext cx="2971800" cy="458788"/>
+          </a:xfrm>
+          <a:prstGeom prst="rect">
+            <a:avLst/>
+          </a:prstGeom>
+        </p:spPr>
+        <p:txBody>
+          <a:bodyPr vert="horz" lIns="91440" tIns="45720" rIns="91440" bIns="45720" rtlCol="0"/>
+          <a:lstStyle>
+            <a:lvl1pPr algn="r">
+              <a:defRPr sz="1200"/>
+            </a:lvl1pPr>
+          </a:lstStyle>
+          <a:p>
+            <a:fld id="{45BAF5FC-A74A-4194-B400-41A03DD9C024}" type="datetimeFigureOut">
+              <a:rPr lang="de-DE" smtClean="0"/>
+              <a:t>10.12.2019</a:t>
+            </a:fld>
+            <a:endParaRPr lang="de-DE"/>
+          </a:p>
+        </p:txBody>
+      </p:sp>
+      <p:sp>
+        <p:nvSpPr>
+          <p:cNvPr id="4" name="Slide Image Placeholder 3"/>
+          <p:cNvSpPr>
+            <a:spLocks noGrp="1" noRot="1" noChangeAspect="1"/>
+          </p:cNvSpPr>
+          <p:nvPr>
+            <p:ph type="sldImg" idx="2"/>
+          </p:nvPr>
+        </p:nvSpPr>
+        <p:spPr>
+          <a:xfrm>
+            <a:off x="685800" y="1143000"/>
+            <a:ext cx="5486400" cy="3086100"/>
+          </a:xfrm>
+          <a:prstGeom prst="rect">
+            <a:avLst/>
+          </a:prstGeom>
+          <a:noFill/>
+          <a:ln w="12700">
+            <a:solidFill>
+              <a:prstClr val="black"/>
+            </a:solidFill>
+          </a:ln>
+        </p:spPr>
+        <p:txBody>
+          <a:bodyPr vert="horz" lIns="91440" tIns="45720" rIns="91440" bIns="45720" rtlCol="0" anchor="ctr"/>
+          <a:lstStyle/>
+          <a:p>
+            <a:endParaRPr lang="de-DE"/>
+          </a:p>
+        </p:txBody>
+      </p:sp>
+      <p:sp>
+        <p:nvSpPr>
+          <p:cNvPr id="5" name="Notes Placeholder 4"/>
+          <p:cNvSpPr>
+            <a:spLocks noGrp="1"/>
+          </p:cNvSpPr>
+          <p:nvPr>
+            <p:ph type="body" sz="quarter" idx="3"/>
+          </p:nvPr>
+        </p:nvSpPr>
+        <p:spPr>
+          <a:xfrm>
+            <a:off x="685800" y="4400550"/>
+            <a:ext cx="5486400" cy="3600450"/>
+          </a:xfrm>
+          <a:prstGeom prst="rect">
+            <a:avLst/>
+          </a:prstGeom>
+        </p:spPr>
+        <p:txBody>
+          <a:bodyPr vert="horz" lIns="91440" tIns="45720" rIns="91440" bIns="45720" rtlCol="0"/>
+          <a:lstStyle/>
+          <a:p>
+            <a:pPr lvl="0"/>
+            <a:r>
+              <a:rPr lang="en-US"/>
+              <a:t>Click to edit Master text styles</a:t>
+            </a:r>
+          </a:p>
+          <a:p>
+            <a:pPr lvl="1"/>
+            <a:r>
+              <a:rPr lang="en-US"/>
+              <a:t>Second level</a:t>
+            </a:r>
+          </a:p>
+          <a:p>
+            <a:pPr lvl="2"/>
+            <a:r>
+              <a:rPr lang="en-US"/>
+              <a:t>Third level</a:t>
+            </a:r>
+          </a:p>
+          <a:p>
+            <a:pPr lvl="3"/>
+            <a:r>
+              <a:rPr lang="en-US"/>
+              <a:t>Fourth level</a:t>
+            </a:r>
+          </a:p>
+          <a:p>
+            <a:pPr lvl="4"/>
+            <a:r>
+              <a:rPr lang="en-US"/>
+              <a:t>Fifth level</a:t>
+            </a:r>
+            <a:endParaRPr lang="de-DE"/>
+          </a:p>
+        </p:txBody>
+      </p:sp>
+      <p:sp>
+        <p:nvSpPr>
+          <p:cNvPr id="6" name="Footer Placeholder 5"/>
+          <p:cNvSpPr>
+            <a:spLocks noGrp="1"/>
+          </p:cNvSpPr>
+          <p:nvPr>
+            <p:ph type="ftr" sz="quarter" idx="4"/>
+          </p:nvPr>
+        </p:nvSpPr>
+        <p:spPr>
+          <a:xfrm>
+            <a:off x="0" y="8685213"/>
+            <a:ext cx="2971800" cy="458787"/>
+          </a:xfrm>
+          <a:prstGeom prst="rect">
+            <a:avLst/>
+          </a:prstGeom>
+        </p:spPr>
+        <p:txBody>
+          <a:bodyPr vert="horz" lIns="91440" tIns="45720" rIns="91440" bIns="45720" rtlCol="0" anchor="b"/>
+          <a:lstStyle>
+            <a:lvl1pPr algn="l">
+              <a:defRPr sz="1200"/>
+            </a:lvl1pPr>
+          </a:lstStyle>
+          <a:p>
+            <a:endParaRPr lang="de-DE"/>
+          </a:p>
+        </p:txBody>
+      </p:sp>
+      <p:sp>
+        <p:nvSpPr>
+          <p:cNvPr id="7" name="Slide Number Placeholder 6"/>
+          <p:cNvSpPr>
+            <a:spLocks noGrp="1"/>
+          </p:cNvSpPr>
+          <p:nvPr>
+            <p:ph type="sldNum" sz="quarter" idx="5"/>
+          </p:nvPr>
+        </p:nvSpPr>
+        <p:spPr>
+          <a:xfrm>
+            <a:off x="3884613" y="8685213"/>
+            <a:ext cx="2971800" cy="458787"/>
+          </a:xfrm>
+          <a:prstGeom prst="rect">
+            <a:avLst/>
+          </a:prstGeom>
+        </p:spPr>
+        <p:txBody>
+          <a:bodyPr vert="horz" lIns="91440" tIns="45720" rIns="91440" bIns="45720" rtlCol="0" anchor="b"/>
+          <a:lstStyle>
+            <a:lvl1pPr algn="r">
+              <a:defRPr sz="1200"/>
+            </a:lvl1pPr>
+          </a:lstStyle>
+          <a:p>
+            <a:fld id="{B1B0B506-360A-4BC7-A86C-8256EFE9AF9B}" type="slidenum">
+              <a:rPr lang="de-DE" smtClean="0"/>
+              <a:t>‹#›</a:t>
+            </a:fld>
+            <a:endParaRPr lang="de-DE"/>
+          </a:p>
+        </p:txBody>
+      </p:sp>
+    </p:spTree>
+    <p:extLst>
+      <p:ext uri="{BB962C8B-B14F-4D97-AF65-F5344CB8AC3E}">
+        <p14:creationId xmlns:p14="http://schemas.microsoft.com/office/powerpoint/2010/main" val="4104819853"/>
+      </p:ext>
+    </p:extLst>
+  </p:cSld>
+  <p:clrMap bg1="lt1" tx1="dk1" bg2="lt2" tx2="dk2" accent1="accent1" accent2="accent2" accent3="accent3" accent4="accent4" accent5="accent5" accent6="accent6" hlink="hlink" folHlink="folHlink"/>
+  <p:notesStyle>
+    <a:lvl1pPr marL="0" algn="l" defTabSz="914400" rtl="0" eaLnBrk="1" latinLnBrk="0" hangingPunct="1">
+      <a:defRPr sz="1200" kern="1200">
+        <a:solidFill>
+          <a:schemeClr val="tx1"/>
+        </a:solidFill>
+        <a:latin typeface="+mn-lt"/>
+        <a:ea typeface="+mn-ea"/>
+        <a:cs typeface="+mn-cs"/>
+      </a:defRPr>
+    </a:lvl1pPr>
+    <a:lvl2pPr marL="457200" algn="l" defTabSz="914400" rtl="0" eaLnBrk="1" latinLnBrk="0" hangingPunct="1">
+      <a:defRPr sz="1200" kern="1200">
+        <a:solidFill>
+          <a:schemeClr val="tx1"/>
+        </a:solidFill>
+        <a:latin typeface="+mn-lt"/>
+        <a:ea typeface="+mn-ea"/>
+        <a:cs typeface="+mn-cs"/>
+      </a:defRPr>
+    </a:lvl2pPr>
+    <a:lvl3pPr marL="914400" algn="l" defTabSz="914400" rtl="0" eaLnBrk="1" latinLnBrk="0" hangingPunct="1">
+      <a:defRPr sz="1200" kern="1200">
+        <a:solidFill>
+          <a:schemeClr val="tx1"/>
+        </a:solidFill>
+        <a:latin typeface="+mn-lt"/>
+        <a:ea typeface="+mn-ea"/>
+        <a:cs typeface="+mn-cs"/>
+      </a:defRPr>
+    </a:lvl3pPr>
+    <a:lvl4pPr marL="1371600" algn="l" defTabSz="914400" rtl="0" eaLnBrk="1" latinLnBrk="0" hangingPunct="1">
+      <a:defRPr sz="1200" kern="1200">
+        <a:solidFill>
+          <a:schemeClr val="tx1"/>
+        </a:solidFill>
+        <a:latin typeface="+mn-lt"/>
+        <a:ea typeface="+mn-ea"/>
+        <a:cs typeface="+mn-cs"/>
+      </a:defRPr>
+    </a:lvl4pPr>
+    <a:lvl5pPr marL="1828800" algn="l" defTabSz="914400" rtl="0" eaLnBrk="1" latinLnBrk="0" hangingPunct="1">
+      <a:defRPr sz="1200" kern="1200">
+        <a:solidFill>
+          <a:schemeClr val="tx1"/>
+        </a:solidFill>
+        <a:latin typeface="+mn-lt"/>
+        <a:ea typeface="+mn-ea"/>
+        <a:cs typeface="+mn-cs"/>
+      </a:defRPr>
+    </a:lvl5pPr>
+    <a:lvl6pPr marL="2286000" algn="l" defTabSz="914400" rtl="0" eaLnBrk="1" latinLnBrk="0" hangingPunct="1">
+      <a:defRPr sz="1200" kern="1200">
+        <a:solidFill>
+          <a:schemeClr val="tx1"/>
+        </a:solidFill>
+        <a:latin typeface="+mn-lt"/>
+        <a:ea typeface="+mn-ea"/>
+        <a:cs typeface="+mn-cs"/>
+      </a:defRPr>
+    </a:lvl6pPr>
+    <a:lvl7pPr marL="2743200" algn="l" defTabSz="914400" rtl="0" eaLnBrk="1" latinLnBrk="0" hangingPunct="1">
+      <a:defRPr sz="1200" kern="1200">
+        <a:solidFill>
+          <a:schemeClr val="tx1"/>
+        </a:solidFill>
+        <a:latin typeface="+mn-lt"/>
+        <a:ea typeface="+mn-ea"/>
+        <a:cs typeface="+mn-cs"/>
+      </a:defRPr>
+    </a:lvl7pPr>
+    <a:lvl8pPr marL="3200400" algn="l" defTabSz="914400" rtl="0" eaLnBrk="1" latinLnBrk="0" hangingPunct="1">
+      <a:defRPr sz="1200" kern="1200">
+        <a:solidFill>
+          <a:schemeClr val="tx1"/>
+        </a:solidFill>
+        <a:latin typeface="+mn-lt"/>
+        <a:ea typeface="+mn-ea"/>
+        <a:cs typeface="+mn-cs"/>
+      </a:defRPr>
+    </a:lvl8pPr>
+    <a:lvl9pPr marL="3657600" algn="l" defTabSz="914400" rtl="0" eaLnBrk="1" latinLnBrk="0" hangingPunct="1">
+      <a:defRPr sz="1200" kern="1200">
+        <a:solidFill>
+          <a:schemeClr val="tx1"/>
+        </a:solidFill>
+        <a:latin typeface="+mn-lt"/>
+        <a:ea typeface="+mn-ea"/>
+        <a:cs typeface="+mn-cs"/>
+      </a:defRPr>
+    </a:lvl9pPr>
+  </p:notesStyle>
+</p:notesMaster>
+</file>
+
+<file path=ppt/notesSlides/notesSlide1.xml><?xml version="1.0" encoding="utf-8"?>
+<p:notes xmlns:a="http://schemas.openxmlformats.org/drawingml/2006/main" xmlns:r="http://schemas.openxmlformats.org/officeDocument/2006/relationships" xmlns:p="http://schemas.openxmlformats.org/presentationml/2006/main">
+  <p:cSld>
+    <p:spTree>
+      <p:nvGrpSpPr>
+        <p:cNvPr id="1" name=""/>
+        <p:cNvGrpSpPr/>
+        <p:nvPr/>
+      </p:nvGrpSpPr>
+      <p:grpSpPr>
+        <a:xfrm>
+          <a:off x="0" y="0"/>
+          <a:ext cx="0" cy="0"/>
+          <a:chOff x="0" y="0"/>
+          <a:chExt cx="0" cy="0"/>
+        </a:xfrm>
+      </p:grpSpPr>
+      <p:sp>
+        <p:nvSpPr>
+          <p:cNvPr id="2" name="Slide Image Placeholder 1"/>
+          <p:cNvSpPr>
+            <a:spLocks noGrp="1" noRot="1" noChangeAspect="1"/>
+          </p:cNvSpPr>
+          <p:nvPr>
+            <p:ph type="sldImg"/>
+          </p:nvPr>
+        </p:nvSpPr>
+        <p:spPr/>
+      </p:sp>
+      <p:sp>
+        <p:nvSpPr>
+          <p:cNvPr id="3" name="Notes Placeholder 2"/>
+          <p:cNvSpPr>
+            <a:spLocks noGrp="1"/>
+          </p:cNvSpPr>
+          <p:nvPr>
+            <p:ph type="body" idx="1"/>
+          </p:nvPr>
+        </p:nvSpPr>
+        <p:spPr/>
+        <p:txBody>
+          <a:bodyPr/>
+          <a:lstStyle/>
+          <a:p>
+            <a:endParaRPr lang="en-NZ" dirty="0"/>
+          </a:p>
+        </p:txBody>
+      </p:sp>
+      <p:sp>
+        <p:nvSpPr>
+          <p:cNvPr id="4" name="Slide Number Placeholder 3"/>
+          <p:cNvSpPr>
+            <a:spLocks noGrp="1"/>
+          </p:cNvSpPr>
+          <p:nvPr>
+            <p:ph type="sldNum" sz="quarter" idx="5"/>
+          </p:nvPr>
+        </p:nvSpPr>
+        <p:spPr/>
+        <p:txBody>
+          <a:bodyPr/>
+          <a:lstStyle/>
+          <a:p>
+            <a:fld id="{F16849D4-3324-4FF6-8AE8-B1DC02517370}" type="slidenum">
+              <a:rPr lang="de-DE" smtClean="0"/>
+              <a:t>8</a:t>
+            </a:fld>
+            <a:endParaRPr lang="de-DE"/>
+          </a:p>
+        </p:txBody>
+      </p:sp>
+    </p:spTree>
+    <p:extLst>
+      <p:ext uri="{BB962C8B-B14F-4D97-AF65-F5344CB8AC3E}">
+        <p14:creationId xmlns:p14="http://schemas.microsoft.com/office/powerpoint/2010/main" val="3480008940"/>
+      </p:ext>
+    </p:extLst>
+  </p:cSld>
+  <p:clrMapOvr>
+    <a:masterClrMapping/>
+  </p:clrMapOvr>
+</p:notes>
 </file>
 
 <file path=ppt/slideLayouts/slideLayout1.xml><?xml version="1.0" encoding="utf-8"?>
@@ -3794,1269 +4232,6 @@
 <file path=ppt/slides/slide10.xml><?xml version="1.0" encoding="utf-8"?>
 <p:sld xmlns:a="http://schemas.openxmlformats.org/drawingml/2006/main" xmlns:r="http://schemas.openxmlformats.org/officeDocument/2006/relationships" xmlns:p="http://schemas.openxmlformats.org/presentationml/2006/main">
   <p:cSld>
-    <p:spTree>
-      <p:nvGrpSpPr>
-        <p:cNvPr id="1" name=""/>
-        <p:cNvGrpSpPr/>
-        <p:nvPr/>
-      </p:nvGrpSpPr>
-      <p:grpSpPr>
-        <a:xfrm>
-          <a:off x="0" y="0"/>
-          <a:ext cx="0" cy="0"/>
-          <a:chOff x="0" y="0"/>
-          <a:chExt cx="0" cy="0"/>
-        </a:xfrm>
-      </p:grpSpPr>
-      <p:sp>
-        <p:nvSpPr>
-          <p:cNvPr id="2" name="Title 1">
-            <a:extLst>
-              <a:ext uri="{FF2B5EF4-FFF2-40B4-BE49-F238E27FC236}">
-                <a16:creationId xmlns:a16="http://schemas.microsoft.com/office/drawing/2014/main" id="{4C84315F-315F-4066-9D3A-472733691F27}"/>
-              </a:ext>
-            </a:extLst>
-          </p:cNvPr>
-          <p:cNvSpPr>
-            <a:spLocks noGrp="1"/>
-          </p:cNvSpPr>
-          <p:nvPr>
-            <p:ph type="title"/>
-          </p:nvPr>
-        </p:nvSpPr>
-        <p:spPr>
-          <a:xfrm>
-            <a:off x="838200" y="365125"/>
-            <a:ext cx="10515600" cy="881784"/>
-          </a:xfrm>
-        </p:spPr>
-        <p:txBody>
-          <a:bodyPr>
-            <a:normAutofit/>
-          </a:bodyPr>
-          <a:lstStyle/>
-          <a:p>
-            <a:r>
-              <a:rPr lang="de-DE" dirty="0"/>
-              <a:t>Theoretische Grundlagen  - 	Begriffe</a:t>
-            </a:r>
-          </a:p>
-        </p:txBody>
-      </p:sp>
-      <p:sp>
-        <p:nvSpPr>
-          <p:cNvPr id="4" name="Footer Placeholder 3">
-            <a:extLst>
-              <a:ext uri="{FF2B5EF4-FFF2-40B4-BE49-F238E27FC236}">
-                <a16:creationId xmlns:a16="http://schemas.microsoft.com/office/drawing/2014/main" id="{0EF7D1E5-7A19-4BA2-8CAA-9135FB90076C}"/>
-              </a:ext>
-            </a:extLst>
-          </p:cNvPr>
-          <p:cNvSpPr>
-            <a:spLocks noGrp="1"/>
-          </p:cNvSpPr>
-          <p:nvPr>
-            <p:ph type="ftr" sz="quarter" idx="11"/>
-          </p:nvPr>
-        </p:nvSpPr>
-        <p:spPr/>
-        <p:txBody>
-          <a:bodyPr/>
-          <a:lstStyle/>
-          <a:p>
-            <a:r>
-              <a:rPr lang="de-DE"/>
-              <a:t>WS19/20 - PV-Modulportal - Rüffer, Vorwerk, Withöft, Zolkin</a:t>
-            </a:r>
-          </a:p>
-        </p:txBody>
-      </p:sp>
-      <p:sp>
-        <p:nvSpPr>
-          <p:cNvPr id="5" name="Slide Number Placeholder 4">
-            <a:extLst>
-              <a:ext uri="{FF2B5EF4-FFF2-40B4-BE49-F238E27FC236}">
-                <a16:creationId xmlns:a16="http://schemas.microsoft.com/office/drawing/2014/main" id="{FAC16E02-623C-4BDA-BAFA-B73797A517FD}"/>
-              </a:ext>
-            </a:extLst>
-          </p:cNvPr>
-          <p:cNvSpPr>
-            <a:spLocks noGrp="1"/>
-          </p:cNvSpPr>
-          <p:nvPr>
-            <p:ph type="sldNum" sz="quarter" idx="12"/>
-          </p:nvPr>
-        </p:nvSpPr>
-        <p:spPr/>
-        <p:txBody>
-          <a:bodyPr/>
-          <a:lstStyle/>
-          <a:p>
-            <a:fld id="{969E759D-A893-4B96-8B48-96EE547EBC41}" type="slidenum">
-              <a:rPr lang="de-DE" smtClean="0"/>
-              <a:t>10</a:t>
-            </a:fld>
-            <a:endParaRPr lang="de-DE"/>
-          </a:p>
-        </p:txBody>
-      </p:sp>
-      <p:sp>
-        <p:nvSpPr>
-          <p:cNvPr id="6" name="Textfeld 5">
-            <a:extLst>
-              <a:ext uri="{FF2B5EF4-FFF2-40B4-BE49-F238E27FC236}">
-                <a16:creationId xmlns:a16="http://schemas.microsoft.com/office/drawing/2014/main" id="{B9994866-87B0-46B7-BEA1-D4F84B1CDF09}"/>
-              </a:ext>
-            </a:extLst>
-          </p:cNvPr>
-          <p:cNvSpPr txBox="1"/>
-          <p:nvPr/>
-        </p:nvSpPr>
-        <p:spPr>
-          <a:xfrm>
-            <a:off x="1083578" y="1414562"/>
-            <a:ext cx="8446316" cy="4801314"/>
-          </a:xfrm>
-          <a:prstGeom prst="rect">
-            <a:avLst/>
-          </a:prstGeom>
-          <a:noFill/>
-        </p:spPr>
-        <p:txBody>
-          <a:bodyPr wrap="square" rtlCol="0">
-            <a:spAutoFit/>
-          </a:bodyPr>
-          <a:lstStyle/>
-          <a:p>
-            <a:pPr marL="285750" indent="-285750">
-              <a:buFont typeface="Arial" panose="020B0604020202020204" pitchFamily="34" charset="0"/>
-              <a:buChar char="•"/>
-            </a:pPr>
-            <a:r>
-              <a:rPr lang="de-DE" dirty="0"/>
-              <a:t>Kennlinien</a:t>
-            </a:r>
-          </a:p>
-          <a:p>
-            <a:pPr marL="742950" lvl="1" indent="-285750">
-              <a:buFont typeface="Arial" panose="020B0604020202020204" pitchFamily="34" charset="0"/>
-              <a:buChar char="•"/>
-            </a:pPr>
-            <a:r>
-              <a:rPr lang="de-DE" dirty="0"/>
-              <a:t>Abbildung von anliegender Spannung zu Stromstärke</a:t>
-            </a:r>
-          </a:p>
-          <a:p>
-            <a:pPr marL="742950" lvl="1" indent="-285750">
-              <a:buFont typeface="Arial" panose="020B0604020202020204" pitchFamily="34" charset="0"/>
-              <a:buChar char="•"/>
-            </a:pPr>
-            <a:r>
-              <a:rPr lang="de-DE" dirty="0"/>
-              <a:t>Messbar durch z.B. kontinuierliche Änderung eines Widerstandes und Messung der Spannung / Stromstärke</a:t>
-            </a:r>
-          </a:p>
-          <a:p>
-            <a:pPr marL="742950" lvl="1" indent="-285750">
-              <a:buFont typeface="Arial" panose="020B0604020202020204" pitchFamily="34" charset="0"/>
-              <a:buChar char="•"/>
-            </a:pPr>
-            <a:r>
-              <a:rPr lang="de-DE" dirty="0"/>
-              <a:t>Verschiedene Arten</a:t>
-            </a:r>
-          </a:p>
-          <a:p>
-            <a:pPr marL="285750" indent="-285750">
-              <a:buFont typeface="Arial" panose="020B0604020202020204" pitchFamily="34" charset="0"/>
-              <a:buChar char="•"/>
-            </a:pPr>
-            <a:r>
-              <a:rPr lang="de-DE" dirty="0"/>
-              <a:t>Hellkennlinien</a:t>
-            </a:r>
-          </a:p>
-          <a:p>
-            <a:pPr marL="742950" lvl="1" indent="-285750">
-              <a:buFont typeface="Arial" panose="020B0604020202020204" pitchFamily="34" charset="0"/>
-              <a:buChar char="•"/>
-            </a:pPr>
-            <a:r>
-              <a:rPr lang="de-DE" dirty="0"/>
-              <a:t>Gemessen unter normalen Bedingungen (25°C, 1000W/m² Einstrahlung, 1.5 AM)</a:t>
-            </a:r>
-          </a:p>
-          <a:p>
-            <a:pPr marL="285750" indent="-285750">
-              <a:buFont typeface="Arial" panose="020B0604020202020204" pitchFamily="34" charset="0"/>
-              <a:buChar char="•"/>
-            </a:pPr>
-            <a:r>
-              <a:rPr lang="de-DE" dirty="0"/>
-              <a:t>Dunkelkennlinien</a:t>
-            </a:r>
-          </a:p>
-          <a:p>
-            <a:pPr marL="742950" lvl="1" indent="-285750">
-              <a:buFont typeface="Arial" panose="020B0604020202020204" pitchFamily="34" charset="0"/>
-              <a:buChar char="•"/>
-            </a:pPr>
-            <a:r>
-              <a:rPr lang="de-DE" dirty="0"/>
-              <a:t>Gemessen ohne Einstrahlung (0W/m²)</a:t>
-            </a:r>
-          </a:p>
-          <a:p>
-            <a:pPr marL="285750" indent="-285750">
-              <a:buFont typeface="Arial" panose="020B0604020202020204" pitchFamily="34" charset="0"/>
-              <a:buChar char="•"/>
-            </a:pPr>
-            <a:r>
-              <a:rPr lang="de-DE" dirty="0"/>
-              <a:t>MPP – Maximum-Power-Point</a:t>
-            </a:r>
-          </a:p>
-          <a:p>
-            <a:pPr marL="742950" lvl="1" indent="-285750">
-              <a:buFont typeface="Arial" panose="020B0604020202020204" pitchFamily="34" charset="0"/>
-              <a:buChar char="•"/>
-            </a:pPr>
-            <a:r>
-              <a:rPr lang="de-DE" dirty="0"/>
-              <a:t>Punkt (Spannung x Stromstärke) der höchsten Effizienz</a:t>
-            </a:r>
-          </a:p>
-          <a:p>
-            <a:pPr marL="285750" indent="-285750">
-              <a:buFont typeface="Arial" panose="020B0604020202020204" pitchFamily="34" charset="0"/>
-              <a:buChar char="•"/>
-            </a:pPr>
-            <a:r>
-              <a:rPr lang="de-DE" dirty="0"/>
-              <a:t>U</a:t>
-            </a:r>
-            <a:r>
-              <a:rPr lang="de-DE" sz="1100" dirty="0"/>
-              <a:t>L </a:t>
-            </a:r>
-            <a:r>
-              <a:rPr lang="de-DE" dirty="0"/>
-              <a:t>– Leerlaufspannung</a:t>
-            </a:r>
-          </a:p>
-          <a:p>
-            <a:pPr marL="742950" lvl="1" indent="-285750">
-              <a:buFont typeface="Arial" panose="020B0604020202020204" pitchFamily="34" charset="0"/>
-              <a:buChar char="•"/>
-            </a:pPr>
-            <a:r>
-              <a:rPr lang="de-DE" dirty="0"/>
-              <a:t>Spannung bei Einstrahlung und keiner Verbindung von den Polen</a:t>
-            </a:r>
-          </a:p>
-          <a:p>
-            <a:pPr marL="742950" lvl="1" indent="-285750">
-              <a:buFont typeface="Arial" panose="020B0604020202020204" pitchFamily="34" charset="0"/>
-              <a:buChar char="•"/>
-            </a:pPr>
-            <a:r>
-              <a:rPr lang="de-DE" dirty="0"/>
-              <a:t>Kein Stromfluss</a:t>
-            </a:r>
-          </a:p>
-          <a:p>
-            <a:pPr marL="285750" indent="-285750">
-              <a:buFont typeface="Arial" panose="020B0604020202020204" pitchFamily="34" charset="0"/>
-              <a:buChar char="•"/>
-            </a:pPr>
-            <a:r>
-              <a:rPr lang="de-DE" dirty="0" err="1">
-                <a:latin typeface="Times New Roman" panose="02020603050405020304" pitchFamily="18" charset="0"/>
-                <a:cs typeface="Times New Roman" panose="02020603050405020304" pitchFamily="18" charset="0"/>
-              </a:rPr>
-              <a:t>I</a:t>
-            </a:r>
-            <a:r>
-              <a:rPr lang="de-DE" sz="1100" dirty="0" err="1"/>
-              <a:t>k</a:t>
-            </a:r>
-            <a:r>
-              <a:rPr lang="de-DE" dirty="0"/>
-              <a:t> – Kurzschlussstrom</a:t>
-            </a:r>
-          </a:p>
-          <a:p>
-            <a:pPr marL="742950" lvl="1" indent="-285750">
-              <a:buFont typeface="Arial" panose="020B0604020202020204" pitchFamily="34" charset="0"/>
-              <a:buChar char="•"/>
-            </a:pPr>
-            <a:r>
-              <a:rPr lang="de-DE" dirty="0"/>
-              <a:t>Stromfluss bei Kurzschluss zwischen den Polen</a:t>
-            </a:r>
-          </a:p>
-          <a:p>
-            <a:pPr marL="742950" lvl="1" indent="-285750">
-              <a:buFont typeface="Arial" panose="020B0604020202020204" pitchFamily="34" charset="0"/>
-              <a:buChar char="•"/>
-            </a:pPr>
-            <a:r>
-              <a:rPr lang="de-DE" dirty="0"/>
-              <a:t>Keine Spannung</a:t>
-            </a:r>
-          </a:p>
-        </p:txBody>
-      </p:sp>
-    </p:spTree>
-    <p:extLst>
-      <p:ext uri="{BB962C8B-B14F-4D97-AF65-F5344CB8AC3E}">
-        <p14:creationId xmlns:p14="http://schemas.microsoft.com/office/powerpoint/2010/main" val="1384477586"/>
-      </p:ext>
-    </p:extLst>
-  </p:cSld>
-  <p:clrMapOvr>
-    <a:masterClrMapping/>
-  </p:clrMapOvr>
-</p:sld>
-</file>
-
-<file path=ppt/slides/slide11.xml><?xml version="1.0" encoding="utf-8"?>
-<p:sld xmlns:a="http://schemas.openxmlformats.org/drawingml/2006/main" xmlns:r="http://schemas.openxmlformats.org/officeDocument/2006/relationships" xmlns:p="http://schemas.openxmlformats.org/presentationml/2006/main">
-  <p:cSld>
-    <p:spTree>
-      <p:nvGrpSpPr>
-        <p:cNvPr id="1" name=""/>
-        <p:cNvGrpSpPr/>
-        <p:nvPr/>
-      </p:nvGrpSpPr>
-      <p:grpSpPr>
-        <a:xfrm>
-          <a:off x="0" y="0"/>
-          <a:ext cx="0" cy="0"/>
-          <a:chOff x="0" y="0"/>
-          <a:chExt cx="0" cy="0"/>
-        </a:xfrm>
-      </p:grpSpPr>
-      <p:sp>
-        <p:nvSpPr>
-          <p:cNvPr id="2" name="Title 1">
-            <a:extLst>
-              <a:ext uri="{FF2B5EF4-FFF2-40B4-BE49-F238E27FC236}">
-                <a16:creationId xmlns:a16="http://schemas.microsoft.com/office/drawing/2014/main" id="{4C84315F-315F-4066-9D3A-472733691F27}"/>
-              </a:ext>
-            </a:extLst>
-          </p:cNvPr>
-          <p:cNvSpPr>
-            <a:spLocks noGrp="1"/>
-          </p:cNvSpPr>
-          <p:nvPr>
-            <p:ph type="title"/>
-          </p:nvPr>
-        </p:nvSpPr>
-        <p:spPr>
-          <a:xfrm>
-            <a:off x="838200" y="365125"/>
-            <a:ext cx="10515600" cy="881784"/>
-          </a:xfrm>
-        </p:spPr>
-        <p:txBody>
-          <a:bodyPr>
-            <a:normAutofit/>
-          </a:bodyPr>
-          <a:lstStyle/>
-          <a:p>
-            <a:r>
-              <a:rPr lang="de-DE" dirty="0"/>
-              <a:t>Theoretische Grundlagen  - 	Hellkennlinien</a:t>
-            </a:r>
-          </a:p>
-        </p:txBody>
-      </p:sp>
-      <p:sp>
-        <p:nvSpPr>
-          <p:cNvPr id="4" name="Footer Placeholder 3">
-            <a:extLst>
-              <a:ext uri="{FF2B5EF4-FFF2-40B4-BE49-F238E27FC236}">
-                <a16:creationId xmlns:a16="http://schemas.microsoft.com/office/drawing/2014/main" id="{0EF7D1E5-7A19-4BA2-8CAA-9135FB90076C}"/>
-              </a:ext>
-            </a:extLst>
-          </p:cNvPr>
-          <p:cNvSpPr>
-            <a:spLocks noGrp="1"/>
-          </p:cNvSpPr>
-          <p:nvPr>
-            <p:ph type="ftr" sz="quarter" idx="11"/>
-          </p:nvPr>
-        </p:nvSpPr>
-        <p:spPr/>
-        <p:txBody>
-          <a:bodyPr/>
-          <a:lstStyle/>
-          <a:p>
-            <a:r>
-              <a:rPr lang="de-DE"/>
-              <a:t>WS19/20 - PV-Modulportal - Rüffer, Vorwerk, Withöft, Zolkin</a:t>
-            </a:r>
-          </a:p>
-        </p:txBody>
-      </p:sp>
-      <p:sp>
-        <p:nvSpPr>
-          <p:cNvPr id="5" name="Slide Number Placeholder 4">
-            <a:extLst>
-              <a:ext uri="{FF2B5EF4-FFF2-40B4-BE49-F238E27FC236}">
-                <a16:creationId xmlns:a16="http://schemas.microsoft.com/office/drawing/2014/main" id="{FAC16E02-623C-4BDA-BAFA-B73797A517FD}"/>
-              </a:ext>
-            </a:extLst>
-          </p:cNvPr>
-          <p:cNvSpPr>
-            <a:spLocks noGrp="1"/>
-          </p:cNvSpPr>
-          <p:nvPr>
-            <p:ph type="sldNum" sz="quarter" idx="12"/>
-          </p:nvPr>
-        </p:nvSpPr>
-        <p:spPr/>
-        <p:txBody>
-          <a:bodyPr/>
-          <a:lstStyle/>
-          <a:p>
-            <a:fld id="{969E759D-A893-4B96-8B48-96EE547EBC41}" type="slidenum">
-              <a:rPr lang="de-DE" smtClean="0"/>
-              <a:t>11</a:t>
-            </a:fld>
-            <a:endParaRPr lang="de-DE"/>
-          </a:p>
-        </p:txBody>
-      </p:sp>
-      <p:pic>
-        <p:nvPicPr>
-          <p:cNvPr id="11" name="Grafik 10" descr="Ein Bild, das Screenshot enthält.&#10;&#10;Automatisch generierte Beschreibung">
-            <a:extLst>
-              <a:ext uri="{FF2B5EF4-FFF2-40B4-BE49-F238E27FC236}">
-                <a16:creationId xmlns:a16="http://schemas.microsoft.com/office/drawing/2014/main" id="{08D1ECEA-E3D6-4F58-AF93-8D73129F807D}"/>
-              </a:ext>
-            </a:extLst>
-          </p:cNvPr>
-          <p:cNvPicPr>
-            <a:picLocks noChangeAspect="1"/>
-          </p:cNvPicPr>
-          <p:nvPr/>
-        </p:nvPicPr>
-        <p:blipFill>
-          <a:blip r:embed="rId2">
-            <a:extLst>
-              <a:ext uri="{28A0092B-C50C-407E-A947-70E740481C1C}">
-                <a14:useLocalDpi xmlns:a14="http://schemas.microsoft.com/office/drawing/2010/main" val="0"/>
-              </a:ext>
-            </a:extLst>
-          </a:blip>
-          <a:stretch>
-            <a:fillRect/>
-          </a:stretch>
-        </p:blipFill>
-        <p:spPr>
-          <a:xfrm>
-            <a:off x="5963971" y="2410086"/>
-            <a:ext cx="5850948" cy="3476650"/>
-          </a:xfrm>
-          <a:prstGeom prst="rect">
-            <a:avLst/>
-          </a:prstGeom>
-        </p:spPr>
-      </p:pic>
-      <p:sp>
-        <p:nvSpPr>
-          <p:cNvPr id="12" name="Textfeld 11">
-            <a:extLst>
-              <a:ext uri="{FF2B5EF4-FFF2-40B4-BE49-F238E27FC236}">
-                <a16:creationId xmlns:a16="http://schemas.microsoft.com/office/drawing/2014/main" id="{505B34EF-FD4F-43EC-9410-F3236D2F06E9}"/>
-              </a:ext>
-            </a:extLst>
-          </p:cNvPr>
-          <p:cNvSpPr txBox="1"/>
-          <p:nvPr/>
-        </p:nvSpPr>
-        <p:spPr>
-          <a:xfrm>
-            <a:off x="6234545" y="5886736"/>
-            <a:ext cx="5580374" cy="246221"/>
-          </a:xfrm>
-          <a:prstGeom prst="rect">
-            <a:avLst/>
-          </a:prstGeom>
-          <a:noFill/>
-        </p:spPr>
-        <p:txBody>
-          <a:bodyPr wrap="none" rtlCol="0">
-            <a:spAutoFit/>
-          </a:bodyPr>
-          <a:lstStyle/>
-          <a:p>
-            <a:r>
-              <a:rPr lang="de-DE" sz="1000" dirty="0"/>
-              <a:t>Quelle: https://photovoltaiksolarstrom.com/photovoltaiklexikon/maximum-power-point-mpp-tracking/</a:t>
-            </a:r>
-          </a:p>
-        </p:txBody>
-      </p:sp>
-      <p:sp>
-        <p:nvSpPr>
-          <p:cNvPr id="13" name="Textfeld 12">
-            <a:extLst>
-              <a:ext uri="{FF2B5EF4-FFF2-40B4-BE49-F238E27FC236}">
-                <a16:creationId xmlns:a16="http://schemas.microsoft.com/office/drawing/2014/main" id="{CAB1451E-3CF7-465F-97C3-80760286DFF4}"/>
-              </a:ext>
-            </a:extLst>
-          </p:cNvPr>
-          <p:cNvSpPr txBox="1"/>
-          <p:nvPr/>
-        </p:nvSpPr>
-        <p:spPr>
-          <a:xfrm>
-            <a:off x="628750" y="2508308"/>
-            <a:ext cx="5008651" cy="2308324"/>
-          </a:xfrm>
-          <a:prstGeom prst="rect">
-            <a:avLst/>
-          </a:prstGeom>
-          <a:noFill/>
-        </p:spPr>
-        <p:txBody>
-          <a:bodyPr wrap="square" rtlCol="0">
-            <a:spAutoFit/>
-          </a:bodyPr>
-          <a:lstStyle/>
-          <a:p>
-            <a:pPr marL="285750" indent="-285750">
-              <a:buFont typeface="Arial" panose="020B0604020202020204" pitchFamily="34" charset="0"/>
-              <a:buChar char="•"/>
-            </a:pPr>
-            <a:r>
-              <a:rPr lang="de-DE" dirty="0"/>
-              <a:t>Bestimmung der maximalen Leistung</a:t>
-            </a:r>
-          </a:p>
-          <a:p>
-            <a:pPr marL="285750" indent="-285750">
-              <a:buFont typeface="Arial" panose="020B0604020202020204" pitchFamily="34" charset="0"/>
-              <a:buChar char="•"/>
-            </a:pPr>
-            <a:r>
-              <a:rPr lang="de-DE" dirty="0"/>
-              <a:t>Feststellen von Mängeln</a:t>
-            </a:r>
-          </a:p>
-          <a:p>
-            <a:pPr marL="742950" lvl="1" indent="-285750">
-              <a:buFont typeface="Arial" panose="020B0604020202020204" pitchFamily="34" charset="0"/>
-              <a:buChar char="•"/>
-            </a:pPr>
-            <a:r>
-              <a:rPr lang="de-DE" dirty="0"/>
-              <a:t>Hoher serieller Widerstand -&gt; z.B. durch fehlerhafte Steckverbindungen</a:t>
-            </a:r>
-          </a:p>
-          <a:p>
-            <a:pPr marL="742950" lvl="1" indent="-285750">
-              <a:buFont typeface="Arial" panose="020B0604020202020204" pitchFamily="34" charset="0"/>
-              <a:buChar char="•"/>
-            </a:pPr>
-            <a:r>
-              <a:rPr lang="de-DE" dirty="0"/>
-              <a:t>Geringer Widerstand -&gt; z.B. durch lokale Kurzschlüsse</a:t>
-            </a:r>
-          </a:p>
-          <a:p>
-            <a:pPr marL="285750" indent="-285750">
-              <a:buFont typeface="Arial" panose="020B0604020202020204" pitchFamily="34" charset="0"/>
-              <a:buChar char="•"/>
-            </a:pPr>
-            <a:r>
-              <a:rPr lang="de-DE" dirty="0"/>
-              <a:t>Angefertigt nach Produktion</a:t>
-            </a:r>
-          </a:p>
-          <a:p>
-            <a:pPr marL="742950" lvl="1" indent="-285750">
-              <a:buFont typeface="Wingdings" panose="05000000000000000000" pitchFamily="2" charset="2"/>
-              <a:buChar char="Ø"/>
-            </a:pPr>
-            <a:r>
-              <a:rPr lang="de-DE" dirty="0"/>
-              <a:t>Am besten periodisch wiederholen</a:t>
-            </a:r>
-          </a:p>
-        </p:txBody>
-      </p:sp>
-      <p:sp>
-        <p:nvSpPr>
-          <p:cNvPr id="14" name="Textfeld 13">
-            <a:extLst>
-              <a:ext uri="{FF2B5EF4-FFF2-40B4-BE49-F238E27FC236}">
-                <a16:creationId xmlns:a16="http://schemas.microsoft.com/office/drawing/2014/main" id="{49CB4C5B-54D1-4670-9320-555C2971CB1E}"/>
-              </a:ext>
-            </a:extLst>
-          </p:cNvPr>
-          <p:cNvSpPr txBox="1"/>
-          <p:nvPr/>
-        </p:nvSpPr>
-        <p:spPr>
-          <a:xfrm>
-            <a:off x="8153400" y="2040754"/>
-            <a:ext cx="1895304" cy="369332"/>
-          </a:xfrm>
-          <a:prstGeom prst="rect">
-            <a:avLst/>
-          </a:prstGeom>
-          <a:noFill/>
-        </p:spPr>
-        <p:txBody>
-          <a:bodyPr wrap="square" rtlCol="0">
-            <a:spAutoFit/>
-          </a:bodyPr>
-          <a:lstStyle/>
-          <a:p>
-            <a:r>
-              <a:rPr lang="de-DE" dirty="0"/>
-              <a:t>Eine Hellkennlinie </a:t>
-            </a:r>
-          </a:p>
-        </p:txBody>
-      </p:sp>
-    </p:spTree>
-    <p:extLst>
-      <p:ext uri="{BB962C8B-B14F-4D97-AF65-F5344CB8AC3E}">
-        <p14:creationId xmlns:p14="http://schemas.microsoft.com/office/powerpoint/2010/main" val="3470889795"/>
-      </p:ext>
-    </p:extLst>
-  </p:cSld>
-  <p:clrMapOvr>
-    <a:masterClrMapping/>
-  </p:clrMapOvr>
-</p:sld>
-</file>
-
-<file path=ppt/slides/slide12.xml><?xml version="1.0" encoding="utf-8"?>
-<p:sld xmlns:a="http://schemas.openxmlformats.org/drawingml/2006/main" xmlns:r="http://schemas.openxmlformats.org/officeDocument/2006/relationships" xmlns:p="http://schemas.openxmlformats.org/presentationml/2006/main">
-  <p:cSld>
-    <p:spTree>
-      <p:nvGrpSpPr>
-        <p:cNvPr id="1" name=""/>
-        <p:cNvGrpSpPr/>
-        <p:nvPr/>
-      </p:nvGrpSpPr>
-      <p:grpSpPr>
-        <a:xfrm>
-          <a:off x="0" y="0"/>
-          <a:ext cx="0" cy="0"/>
-          <a:chOff x="0" y="0"/>
-          <a:chExt cx="0" cy="0"/>
-        </a:xfrm>
-      </p:grpSpPr>
-      <p:sp>
-        <p:nvSpPr>
-          <p:cNvPr id="2" name="Title 1">
-            <a:extLst>
-              <a:ext uri="{FF2B5EF4-FFF2-40B4-BE49-F238E27FC236}">
-                <a16:creationId xmlns:a16="http://schemas.microsoft.com/office/drawing/2014/main" id="{4C84315F-315F-4066-9D3A-472733691F27}"/>
-              </a:ext>
-            </a:extLst>
-          </p:cNvPr>
-          <p:cNvSpPr>
-            <a:spLocks noGrp="1"/>
-          </p:cNvSpPr>
-          <p:nvPr>
-            <p:ph type="title"/>
-          </p:nvPr>
-        </p:nvSpPr>
-        <p:spPr>
-          <a:xfrm>
-            <a:off x="838200" y="365125"/>
-            <a:ext cx="10515600" cy="881784"/>
-          </a:xfrm>
-        </p:spPr>
-        <p:txBody>
-          <a:bodyPr>
-            <a:normAutofit/>
-          </a:bodyPr>
-          <a:lstStyle/>
-          <a:p>
-            <a:r>
-              <a:rPr lang="de-DE" dirty="0"/>
-              <a:t>Theoretische Grundlagen  - 	Dunkelkennlinien</a:t>
-            </a:r>
-          </a:p>
-        </p:txBody>
-      </p:sp>
-      <p:sp>
-        <p:nvSpPr>
-          <p:cNvPr id="4" name="Footer Placeholder 3">
-            <a:extLst>
-              <a:ext uri="{FF2B5EF4-FFF2-40B4-BE49-F238E27FC236}">
-                <a16:creationId xmlns:a16="http://schemas.microsoft.com/office/drawing/2014/main" id="{0EF7D1E5-7A19-4BA2-8CAA-9135FB90076C}"/>
-              </a:ext>
-            </a:extLst>
-          </p:cNvPr>
-          <p:cNvSpPr>
-            <a:spLocks noGrp="1"/>
-          </p:cNvSpPr>
-          <p:nvPr>
-            <p:ph type="ftr" sz="quarter" idx="11"/>
-          </p:nvPr>
-        </p:nvSpPr>
-        <p:spPr/>
-        <p:txBody>
-          <a:bodyPr/>
-          <a:lstStyle/>
-          <a:p>
-            <a:r>
-              <a:rPr lang="de-DE"/>
-              <a:t>WS19/20 - PV-Modulportal - Rüffer, Vorwerk, Withöft, Zolkin</a:t>
-            </a:r>
-          </a:p>
-        </p:txBody>
-      </p:sp>
-      <p:sp>
-        <p:nvSpPr>
-          <p:cNvPr id="5" name="Slide Number Placeholder 4">
-            <a:extLst>
-              <a:ext uri="{FF2B5EF4-FFF2-40B4-BE49-F238E27FC236}">
-                <a16:creationId xmlns:a16="http://schemas.microsoft.com/office/drawing/2014/main" id="{FAC16E02-623C-4BDA-BAFA-B73797A517FD}"/>
-              </a:ext>
-            </a:extLst>
-          </p:cNvPr>
-          <p:cNvSpPr>
-            <a:spLocks noGrp="1"/>
-          </p:cNvSpPr>
-          <p:nvPr>
-            <p:ph type="sldNum" sz="quarter" idx="12"/>
-          </p:nvPr>
-        </p:nvSpPr>
-        <p:spPr/>
-        <p:txBody>
-          <a:bodyPr/>
-          <a:lstStyle/>
-          <a:p>
-            <a:fld id="{969E759D-A893-4B96-8B48-96EE547EBC41}" type="slidenum">
-              <a:rPr lang="de-DE" smtClean="0"/>
-              <a:t>12</a:t>
-            </a:fld>
-            <a:endParaRPr lang="de-DE"/>
-          </a:p>
-        </p:txBody>
-      </p:sp>
-      <p:sp>
-        <p:nvSpPr>
-          <p:cNvPr id="12" name="Textfeld 11">
-            <a:extLst>
-              <a:ext uri="{FF2B5EF4-FFF2-40B4-BE49-F238E27FC236}">
-                <a16:creationId xmlns:a16="http://schemas.microsoft.com/office/drawing/2014/main" id="{505B34EF-FD4F-43EC-9410-F3236D2F06E9}"/>
-              </a:ext>
-            </a:extLst>
-          </p:cNvPr>
-          <p:cNvSpPr txBox="1"/>
-          <p:nvPr/>
-        </p:nvSpPr>
-        <p:spPr>
-          <a:xfrm>
-            <a:off x="397034" y="5886736"/>
-            <a:ext cx="4812536" cy="215444"/>
-          </a:xfrm>
-          <a:prstGeom prst="rect">
-            <a:avLst/>
-          </a:prstGeom>
-          <a:noFill/>
-        </p:spPr>
-        <p:txBody>
-          <a:bodyPr wrap="none" rtlCol="0">
-            <a:spAutoFit/>
-          </a:bodyPr>
-          <a:lstStyle/>
-          <a:p>
-            <a:r>
-              <a:rPr lang="de-DE" sz="800" dirty="0"/>
-              <a:t>Quelle: https://photovoltaikbuero.de/pv-know-how-blog/dunkelkennlinien-von-photovoltaikanlagen-messen/</a:t>
-            </a:r>
-          </a:p>
-        </p:txBody>
-      </p:sp>
-      <p:sp>
-        <p:nvSpPr>
-          <p:cNvPr id="13" name="Textfeld 12">
-            <a:extLst>
-              <a:ext uri="{FF2B5EF4-FFF2-40B4-BE49-F238E27FC236}">
-                <a16:creationId xmlns:a16="http://schemas.microsoft.com/office/drawing/2014/main" id="{CAB1451E-3CF7-465F-97C3-80760286DFF4}"/>
-              </a:ext>
-            </a:extLst>
-          </p:cNvPr>
-          <p:cNvSpPr txBox="1"/>
-          <p:nvPr/>
-        </p:nvSpPr>
-        <p:spPr>
-          <a:xfrm>
-            <a:off x="6474691" y="1951672"/>
-            <a:ext cx="5146730" cy="2031325"/>
-          </a:xfrm>
-          <a:prstGeom prst="rect">
-            <a:avLst/>
-          </a:prstGeom>
-          <a:noFill/>
-        </p:spPr>
-        <p:txBody>
-          <a:bodyPr wrap="square" rtlCol="0">
-            <a:spAutoFit/>
-          </a:bodyPr>
-          <a:lstStyle/>
-          <a:p>
-            <a:pPr marL="285750" indent="-285750">
-              <a:buFont typeface="Arial" panose="020B0604020202020204" pitchFamily="34" charset="0"/>
-              <a:buChar char="•"/>
-            </a:pPr>
-            <a:r>
-              <a:rPr lang="de-DE" dirty="0"/>
-              <a:t>Beliebt, da Bedingungen vereinfacht</a:t>
-            </a:r>
-          </a:p>
-          <a:p>
-            <a:pPr marL="285750" indent="-285750">
-              <a:buFont typeface="Arial" panose="020B0604020202020204" pitchFamily="34" charset="0"/>
-              <a:buChar char="•"/>
-            </a:pPr>
-            <a:r>
-              <a:rPr lang="de-DE" dirty="0"/>
-              <a:t>Erschließbar: Dunkelkennlinie –&gt; Hellkennlinie</a:t>
-            </a:r>
-          </a:p>
-          <a:p>
-            <a:pPr marL="285750" indent="-285750">
-              <a:buFont typeface="Arial" panose="020B0604020202020204" pitchFamily="34" charset="0"/>
-              <a:buChar char="•"/>
-            </a:pPr>
-            <a:r>
-              <a:rPr lang="de-DE" dirty="0"/>
-              <a:t>Besondere Verwendung bei Fehleranalyse</a:t>
-            </a:r>
-          </a:p>
-          <a:p>
-            <a:pPr marL="742950" lvl="1" indent="-285750">
-              <a:buFont typeface="Arial" panose="020B0604020202020204" pitchFamily="34" charset="0"/>
-              <a:buChar char="•"/>
-            </a:pPr>
-            <a:r>
-              <a:rPr lang="de-DE" dirty="0"/>
-              <a:t>Untersuchen von ganzen Modulsträngen</a:t>
-            </a:r>
-          </a:p>
-          <a:p>
-            <a:pPr marL="742950" lvl="1" indent="-285750">
-              <a:buFont typeface="Arial" panose="020B0604020202020204" pitchFamily="34" charset="0"/>
-              <a:buChar char="•"/>
-            </a:pPr>
-            <a:r>
-              <a:rPr lang="de-DE" dirty="0"/>
-              <a:t>Heranziehen von Elektrolumineszenz-untersuchungen</a:t>
-            </a:r>
-          </a:p>
-          <a:p>
-            <a:pPr marL="742950" lvl="1" indent="-285750">
-              <a:buFont typeface="Arial" panose="020B0604020202020204" pitchFamily="34" charset="0"/>
-              <a:buChar char="•"/>
-            </a:pPr>
-            <a:r>
-              <a:rPr lang="de-DE" dirty="0"/>
-              <a:t>Tiefergehende Auswertung als Hellkennlinie</a:t>
-            </a:r>
-          </a:p>
-        </p:txBody>
-      </p:sp>
-      <p:sp>
-        <p:nvSpPr>
-          <p:cNvPr id="14" name="Textfeld 13">
-            <a:extLst>
-              <a:ext uri="{FF2B5EF4-FFF2-40B4-BE49-F238E27FC236}">
-                <a16:creationId xmlns:a16="http://schemas.microsoft.com/office/drawing/2014/main" id="{49CB4C5B-54D1-4670-9320-555C2971CB1E}"/>
-              </a:ext>
-            </a:extLst>
-          </p:cNvPr>
-          <p:cNvSpPr txBox="1"/>
-          <p:nvPr/>
-        </p:nvSpPr>
-        <p:spPr>
-          <a:xfrm>
-            <a:off x="1738554" y="2046662"/>
-            <a:ext cx="2129497" cy="369332"/>
-          </a:xfrm>
-          <a:prstGeom prst="rect">
-            <a:avLst/>
-          </a:prstGeom>
-          <a:noFill/>
-        </p:spPr>
-        <p:txBody>
-          <a:bodyPr wrap="square" rtlCol="0">
-            <a:spAutoFit/>
-          </a:bodyPr>
-          <a:lstStyle/>
-          <a:p>
-            <a:r>
-              <a:rPr lang="de-DE" dirty="0"/>
-              <a:t>Eine Dunkelkennlinie </a:t>
-            </a:r>
-          </a:p>
-        </p:txBody>
-      </p:sp>
-      <p:pic>
-        <p:nvPicPr>
-          <p:cNvPr id="6" name="Grafik 5" descr="Ein Bild, das Text, Karte enthält.&#10;&#10;Automatisch generierte Beschreibung">
-            <a:extLst>
-              <a:ext uri="{FF2B5EF4-FFF2-40B4-BE49-F238E27FC236}">
-                <a16:creationId xmlns:a16="http://schemas.microsoft.com/office/drawing/2014/main" id="{ED2227FB-852B-4294-BDE4-B49BA5BECAD1}"/>
-              </a:ext>
-            </a:extLst>
-          </p:cNvPr>
-          <p:cNvPicPr>
-            <a:picLocks noChangeAspect="1"/>
-          </p:cNvPicPr>
-          <p:nvPr/>
-        </p:nvPicPr>
-        <p:blipFill>
-          <a:blip r:embed="rId2">
-            <a:extLst>
-              <a:ext uri="{28A0092B-C50C-407E-A947-70E740481C1C}">
-                <a14:useLocalDpi xmlns:a14="http://schemas.microsoft.com/office/drawing/2010/main" val="0"/>
-              </a:ext>
-            </a:extLst>
-          </a:blip>
-          <a:stretch>
-            <a:fillRect/>
-          </a:stretch>
-        </p:blipFill>
-        <p:spPr>
-          <a:xfrm>
-            <a:off x="570579" y="2415994"/>
-            <a:ext cx="4974730" cy="3470742"/>
-          </a:xfrm>
-          <a:prstGeom prst="rect">
-            <a:avLst/>
-          </a:prstGeom>
-        </p:spPr>
-      </p:pic>
-      <p:pic>
-        <p:nvPicPr>
-          <p:cNvPr id="8" name="Grafik 7" descr="Ein Bild, das Klavier, sitzend, Bahnhof, Uhr enthält.&#10;&#10;Automatisch generierte Beschreibung">
-            <a:extLst>
-              <a:ext uri="{FF2B5EF4-FFF2-40B4-BE49-F238E27FC236}">
-                <a16:creationId xmlns:a16="http://schemas.microsoft.com/office/drawing/2014/main" id="{978155C3-58CA-42C6-A48A-D4F9A0F91FB9}"/>
-              </a:ext>
-            </a:extLst>
-          </p:cNvPr>
-          <p:cNvPicPr>
-            <a:picLocks noChangeAspect="1"/>
-          </p:cNvPicPr>
-          <p:nvPr/>
-        </p:nvPicPr>
-        <p:blipFill>
-          <a:blip r:embed="rId3">
-            <a:extLst>
-              <a:ext uri="{28A0092B-C50C-407E-A947-70E740481C1C}">
-                <a14:useLocalDpi xmlns:a14="http://schemas.microsoft.com/office/drawing/2010/main" val="0"/>
-              </a:ext>
-            </a:extLst>
-          </a:blip>
-          <a:stretch>
-            <a:fillRect/>
-          </a:stretch>
-        </p:blipFill>
-        <p:spPr>
-          <a:xfrm>
-            <a:off x="7592520" y="4198932"/>
-            <a:ext cx="3349169" cy="1754327"/>
-          </a:xfrm>
-          <a:prstGeom prst="rect">
-            <a:avLst/>
-          </a:prstGeom>
-        </p:spPr>
-      </p:pic>
-      <p:sp>
-        <p:nvSpPr>
-          <p:cNvPr id="9" name="Textfeld 8">
-            <a:extLst>
-              <a:ext uri="{FF2B5EF4-FFF2-40B4-BE49-F238E27FC236}">
-                <a16:creationId xmlns:a16="http://schemas.microsoft.com/office/drawing/2014/main" id="{234374B7-DDA3-4C3B-BFBA-D4D81425FABE}"/>
-              </a:ext>
-            </a:extLst>
-          </p:cNvPr>
-          <p:cNvSpPr txBox="1"/>
-          <p:nvPr/>
-        </p:nvSpPr>
-        <p:spPr>
-          <a:xfrm>
-            <a:off x="6443255" y="6015808"/>
-            <a:ext cx="5647700" cy="215444"/>
-          </a:xfrm>
-          <a:prstGeom prst="rect">
-            <a:avLst/>
-          </a:prstGeom>
-          <a:noFill/>
-        </p:spPr>
-        <p:txBody>
-          <a:bodyPr wrap="none" rtlCol="0">
-            <a:spAutoFit/>
-          </a:bodyPr>
-          <a:lstStyle/>
-          <a:p>
-            <a:r>
-              <a:rPr lang="de-DE" sz="800" dirty="0"/>
-              <a:t>Quelle: https://photovoltaikbuero.de/pv-know-how-blog/was-bringt-eine-kennlinienmessung-bei-der-fehlersuche-an-pv-anlagen/</a:t>
-            </a:r>
-          </a:p>
-        </p:txBody>
-      </p:sp>
-    </p:spTree>
-    <p:extLst>
-      <p:ext uri="{BB962C8B-B14F-4D97-AF65-F5344CB8AC3E}">
-        <p14:creationId xmlns:p14="http://schemas.microsoft.com/office/powerpoint/2010/main" val="2273689914"/>
-      </p:ext>
-    </p:extLst>
-  </p:cSld>
-  <p:clrMapOvr>
-    <a:masterClrMapping/>
-  </p:clrMapOvr>
-</p:sld>
-</file>
-
-<file path=ppt/slides/slide13.xml><?xml version="1.0" encoding="utf-8"?>
-<p:sld xmlns:a="http://schemas.openxmlformats.org/drawingml/2006/main" xmlns:r="http://schemas.openxmlformats.org/officeDocument/2006/relationships" xmlns:p="http://schemas.openxmlformats.org/presentationml/2006/main">
-  <p:cSld>
-    <p:spTree>
-      <p:nvGrpSpPr>
-        <p:cNvPr id="1" name=""/>
-        <p:cNvGrpSpPr/>
-        <p:nvPr/>
-      </p:nvGrpSpPr>
-      <p:grpSpPr>
-        <a:xfrm>
-          <a:off x="0" y="0"/>
-          <a:ext cx="0" cy="0"/>
-          <a:chOff x="0" y="0"/>
-          <a:chExt cx="0" cy="0"/>
-        </a:xfrm>
-      </p:grpSpPr>
-      <p:sp>
-        <p:nvSpPr>
-          <p:cNvPr id="2" name="Title 1">
-            <a:extLst>
-              <a:ext uri="{FF2B5EF4-FFF2-40B4-BE49-F238E27FC236}">
-                <a16:creationId xmlns:a16="http://schemas.microsoft.com/office/drawing/2014/main" id="{4C84315F-315F-4066-9D3A-472733691F27}"/>
-              </a:ext>
-            </a:extLst>
-          </p:cNvPr>
-          <p:cNvSpPr>
-            <a:spLocks noGrp="1"/>
-          </p:cNvSpPr>
-          <p:nvPr>
-            <p:ph type="title"/>
-          </p:nvPr>
-        </p:nvSpPr>
-        <p:spPr>
-          <a:xfrm>
-            <a:off x="838200" y="365125"/>
-            <a:ext cx="10515600" cy="834502"/>
-          </a:xfrm>
-        </p:spPr>
-        <p:txBody>
-          <a:bodyPr>
-            <a:normAutofit fontScale="90000"/>
-          </a:bodyPr>
-          <a:lstStyle/>
-          <a:p>
-            <a:r>
-              <a:rPr lang="de-DE" dirty="0"/>
-              <a:t>Theoretische Grundlagen    - 	Vergleich Nutzen</a:t>
-            </a:r>
-          </a:p>
-        </p:txBody>
-      </p:sp>
-      <p:sp>
-        <p:nvSpPr>
-          <p:cNvPr id="4" name="Footer Placeholder 3">
-            <a:extLst>
-              <a:ext uri="{FF2B5EF4-FFF2-40B4-BE49-F238E27FC236}">
-                <a16:creationId xmlns:a16="http://schemas.microsoft.com/office/drawing/2014/main" id="{0EF7D1E5-7A19-4BA2-8CAA-9135FB90076C}"/>
-              </a:ext>
-            </a:extLst>
-          </p:cNvPr>
-          <p:cNvSpPr>
-            <a:spLocks noGrp="1"/>
-          </p:cNvSpPr>
-          <p:nvPr>
-            <p:ph type="ftr" sz="quarter" idx="11"/>
-          </p:nvPr>
-        </p:nvSpPr>
-        <p:spPr/>
-        <p:txBody>
-          <a:bodyPr/>
-          <a:lstStyle/>
-          <a:p>
-            <a:r>
-              <a:rPr lang="de-DE"/>
-              <a:t>WS19/20 - PV-Modulportal - Rüffer, Vorwerk, Withöft, Zolkin</a:t>
-            </a:r>
-          </a:p>
-        </p:txBody>
-      </p:sp>
-      <p:sp>
-        <p:nvSpPr>
-          <p:cNvPr id="5" name="Slide Number Placeholder 4">
-            <a:extLst>
-              <a:ext uri="{FF2B5EF4-FFF2-40B4-BE49-F238E27FC236}">
-                <a16:creationId xmlns:a16="http://schemas.microsoft.com/office/drawing/2014/main" id="{FAC16E02-623C-4BDA-BAFA-B73797A517FD}"/>
-              </a:ext>
-            </a:extLst>
-          </p:cNvPr>
-          <p:cNvSpPr>
-            <a:spLocks noGrp="1"/>
-          </p:cNvSpPr>
-          <p:nvPr>
-            <p:ph type="sldNum" sz="quarter" idx="12"/>
-          </p:nvPr>
-        </p:nvSpPr>
-        <p:spPr/>
-        <p:txBody>
-          <a:bodyPr/>
-          <a:lstStyle/>
-          <a:p>
-            <a:fld id="{969E759D-A893-4B96-8B48-96EE547EBC41}" type="slidenum">
-              <a:rPr lang="de-DE" smtClean="0"/>
-              <a:t>13</a:t>
-            </a:fld>
-            <a:endParaRPr lang="de-DE"/>
-          </a:p>
-        </p:txBody>
-      </p:sp>
-      <p:sp>
-        <p:nvSpPr>
-          <p:cNvPr id="13" name="Textfeld 12">
-            <a:extLst>
-              <a:ext uri="{FF2B5EF4-FFF2-40B4-BE49-F238E27FC236}">
-                <a16:creationId xmlns:a16="http://schemas.microsoft.com/office/drawing/2014/main" id="{CAB1451E-3CF7-465F-97C3-80760286DFF4}"/>
-              </a:ext>
-            </a:extLst>
-          </p:cNvPr>
-          <p:cNvSpPr txBox="1"/>
-          <p:nvPr/>
-        </p:nvSpPr>
-        <p:spPr>
-          <a:xfrm>
-            <a:off x="838200" y="2485327"/>
-            <a:ext cx="5146730" cy="2585323"/>
-          </a:xfrm>
-          <a:prstGeom prst="rect">
-            <a:avLst/>
-          </a:prstGeom>
-          <a:noFill/>
-        </p:spPr>
-        <p:txBody>
-          <a:bodyPr wrap="square" rtlCol="0">
-            <a:spAutoFit/>
-          </a:bodyPr>
-          <a:lstStyle/>
-          <a:p>
-            <a:pPr marL="285750" indent="-285750">
-              <a:buFont typeface="Arial" panose="020B0604020202020204" pitchFamily="34" charset="0"/>
-              <a:buChar char="•"/>
-            </a:pPr>
-            <a:r>
-              <a:rPr lang="de-DE" dirty="0"/>
-              <a:t>Hilfestellung für Neu- und Noch-Nicht-Kunden</a:t>
-            </a:r>
-          </a:p>
-          <a:p>
-            <a:pPr marL="742950" lvl="1" indent="-285750">
-              <a:buFont typeface="Arial" panose="020B0604020202020204" pitchFamily="34" charset="0"/>
-              <a:buChar char="•"/>
-            </a:pPr>
-            <a:r>
-              <a:rPr lang="de-DE" dirty="0"/>
-              <a:t>Auswahl von Modulen z.B. basierend auf Beliebtheitsgrad</a:t>
-            </a:r>
-          </a:p>
-          <a:p>
-            <a:pPr marL="285750" indent="-285750">
-              <a:buFont typeface="Arial" panose="020B0604020202020204" pitchFamily="34" charset="0"/>
-              <a:buChar char="•"/>
-            </a:pPr>
-            <a:r>
-              <a:rPr lang="de-DE" dirty="0"/>
-              <a:t>Überwachung von Performance über Zeit</a:t>
-            </a:r>
-          </a:p>
-          <a:p>
-            <a:pPr marL="285750" indent="-285750">
-              <a:buFont typeface="Arial" panose="020B0604020202020204" pitchFamily="34" charset="0"/>
-              <a:buChar char="•"/>
-            </a:pPr>
-            <a:r>
-              <a:rPr lang="de-DE" dirty="0"/>
-              <a:t>Community basiert!</a:t>
-            </a:r>
-          </a:p>
-          <a:p>
-            <a:pPr marL="742950" lvl="1" indent="-285750">
-              <a:buFont typeface="Arial" panose="020B0604020202020204" pitchFamily="34" charset="0"/>
-              <a:buChar char="•"/>
-            </a:pPr>
-            <a:r>
-              <a:rPr lang="de-DE" dirty="0"/>
-              <a:t>User laden Kennlinien hoch</a:t>
-            </a:r>
-          </a:p>
-          <a:p>
-            <a:pPr marL="742950" lvl="1" indent="-285750">
-              <a:buFont typeface="Arial" panose="020B0604020202020204" pitchFamily="34" charset="0"/>
-              <a:buChar char="•"/>
-            </a:pPr>
-            <a:r>
-              <a:rPr lang="de-DE" dirty="0"/>
-              <a:t>User kommentieren &amp; beurteilen Module</a:t>
-            </a:r>
-          </a:p>
-          <a:p>
-            <a:pPr marL="742950" lvl="1" indent="-285750">
-              <a:buFont typeface="Arial" panose="020B0604020202020204" pitchFamily="34" charset="0"/>
-              <a:buChar char="•"/>
-            </a:pPr>
-            <a:r>
-              <a:rPr lang="de-DE" dirty="0"/>
-              <a:t>Auch für Q&amp;A geeignet</a:t>
-            </a:r>
-          </a:p>
-          <a:p>
-            <a:pPr marL="285750" indent="-285750">
-              <a:buFont typeface="Arial" panose="020B0604020202020204" pitchFamily="34" charset="0"/>
-              <a:buChar char="•"/>
-            </a:pPr>
-            <a:endParaRPr lang="de-DE" dirty="0"/>
-          </a:p>
-        </p:txBody>
-      </p:sp>
-    </p:spTree>
-    <p:extLst>
-      <p:ext uri="{BB962C8B-B14F-4D97-AF65-F5344CB8AC3E}">
-        <p14:creationId xmlns:p14="http://schemas.microsoft.com/office/powerpoint/2010/main" val="3755965010"/>
-      </p:ext>
-    </p:extLst>
-  </p:cSld>
-  <p:clrMapOvr>
-    <a:masterClrMapping/>
-  </p:clrMapOvr>
-</p:sld>
-</file>
-
-<file path=ppt/slides/slide14.xml><?xml version="1.0" encoding="utf-8"?>
-<p:sld xmlns:a="http://schemas.openxmlformats.org/drawingml/2006/main" xmlns:r="http://schemas.openxmlformats.org/officeDocument/2006/relationships" xmlns:p="http://schemas.openxmlformats.org/presentationml/2006/main">
-  <p:cSld>
     <p:bg>
       <p:bgPr>
         <a:solidFill>
@@ -5084,7 +4259,7 @@
       </p:grpSpPr>
       <p:sp>
         <p:nvSpPr>
-          <p:cNvPr id="10" name="Freeform: Shape 9">
+          <p:cNvPr id="19" name="Freeform: Shape 18">
             <a:extLst>
               <a:ext uri="{FF2B5EF4-FFF2-40B4-BE49-F238E27FC236}">
                 <a16:creationId xmlns:a16="http://schemas.microsoft.com/office/drawing/2014/main" id="{66B332A4-D438-4773-A77F-5ED49A448D9D}"/>
@@ -5250,7 +4425,7 @@
       </p:sp>
       <p:sp>
         <p:nvSpPr>
-          <p:cNvPr id="12" name="Freeform: Shape 11">
+          <p:cNvPr id="21" name="Freeform: Shape 20">
             <a:extLst>
               <a:ext uri="{FF2B5EF4-FFF2-40B4-BE49-F238E27FC236}">
                 <a16:creationId xmlns:a16="http://schemas.microsoft.com/office/drawing/2014/main" id="{DF9AD32D-FF05-44F4-BD4D-9CEE89B71EB9}"/>
@@ -5442,7 +4617,7 @@
           <a:p>
             <a:pPr algn="ctr"/>
             <a:r>
-              <a:rPr lang="en-US" sz="5400" dirty="0" err="1">
+              <a:rPr lang="en-US" sz="5400">
                 <a:solidFill>
                   <a:schemeClr val="bg1">
                     <a:lumMod val="95000"/>
@@ -5450,38 +4625,8 @@
                   </a:schemeClr>
                 </a:solidFill>
               </a:rPr>
-              <a:t>Konzeptionelle</a:t>
-            </a:r>
-            <a:r>
-              <a:rPr lang="en-US" sz="5400" dirty="0">
-                <a:solidFill>
-                  <a:schemeClr val="bg1">
-                    <a:lumMod val="95000"/>
-                    <a:lumOff val="5000"/>
-                  </a:schemeClr>
-                </a:solidFill>
-              </a:rPr>
-              <a:t> </a:t>
-            </a:r>
-            <a:r>
-              <a:rPr lang="en-US" sz="5400" dirty="0" err="1">
-                <a:solidFill>
-                  <a:schemeClr val="bg1">
-                    <a:lumMod val="95000"/>
-                    <a:lumOff val="5000"/>
-                  </a:schemeClr>
-                </a:solidFill>
-              </a:rPr>
-              <a:t>Arbeiten</a:t>
-            </a:r>
-            <a:endParaRPr lang="en-US" sz="5400" dirty="0">
-              <a:solidFill>
-                <a:schemeClr val="bg1">
-                  <a:lumMod val="95000"/>
-                  <a:lumOff val="5000"/>
-                </a:schemeClr>
-              </a:solidFill>
-            </a:endParaRPr>
+              <a:t>Theoretische Grundlagen</a:t>
+            </a:r>
           </a:p>
         </p:txBody>
       </p:sp>
@@ -5584,7 +4729,7 @@
                   <a:spcPts val="600"/>
                 </a:spcAft>
               </a:pPr>
-              <a:t>14</a:t>
+              <a:t>10</a:t>
             </a:fld>
             <a:endParaRPr lang="en-US" sz="1500">
               <a:solidFill>
@@ -5597,7 +4742,7 @@
     </p:spTree>
     <p:extLst>
       <p:ext uri="{BB962C8B-B14F-4D97-AF65-F5344CB8AC3E}">
-        <p14:creationId xmlns:p14="http://schemas.microsoft.com/office/powerpoint/2010/main" val="4065161698"/>
+        <p14:creationId xmlns:p14="http://schemas.microsoft.com/office/powerpoint/2010/main" val="4292448757"/>
       </p:ext>
     </p:extLst>
   </p:cSld>
@@ -5607,7 +4752,7 @@
 </p:sld>
 </file>
 
-<file path=ppt/slides/slide15.xml><?xml version="1.0" encoding="utf-8"?>
+<file path=ppt/slides/slide11.xml><?xml version="1.0" encoding="utf-8"?>
 <p:sld xmlns:a="http://schemas.openxmlformats.org/drawingml/2006/main" xmlns:r="http://schemas.openxmlformats.org/officeDocument/2006/relationships" xmlns:p="http://schemas.openxmlformats.org/presentationml/2006/main">
   <p:cSld>
     <p:spTree>
@@ -5643,24 +4788,19 @@
         <p:spPr>
           <a:xfrm>
             <a:off x="838200" y="365125"/>
-            <a:ext cx="10515600" cy="834502"/>
+            <a:ext cx="10515600" cy="881784"/>
           </a:xfrm>
         </p:spPr>
         <p:txBody>
           <a:bodyPr>
-            <a:normAutofit fontScale="90000"/>
+            <a:normAutofit/>
           </a:bodyPr>
           <a:lstStyle/>
           <a:p>
             <a:r>
               <a:rPr lang="de-DE" dirty="0"/>
-              <a:t>Konzeptionelle Arbeiten  - 	Suche &amp; View </a:t>
-            </a:r>
-            <a:r>
-              <a:rPr lang="de-DE" dirty="0" err="1"/>
-              <a:t>Requests</a:t>
-            </a:r>
-            <a:endParaRPr lang="de-DE" dirty="0"/>
+              <a:t>Theoretische Grundlagen  - 	Begriffe</a:t>
+            </a:r>
           </a:p>
         </p:txBody>
       </p:sp>
@@ -5715,18 +4855,348 @@
           <a:p>
             <a:fld id="{969E759D-A893-4B96-8B48-96EE547EBC41}" type="slidenum">
               <a:rPr lang="de-DE" smtClean="0"/>
-              <a:t>15</a:t>
+              <a:t>11</a:t>
             </a:fld>
             <a:endParaRPr lang="de-DE"/>
           </a:p>
         </p:txBody>
       </p:sp>
+      <p:sp>
+        <p:nvSpPr>
+          <p:cNvPr id="6" name="Textfeld 5">
+            <a:extLst>
+              <a:ext uri="{FF2B5EF4-FFF2-40B4-BE49-F238E27FC236}">
+                <a16:creationId xmlns:a16="http://schemas.microsoft.com/office/drawing/2014/main" id="{B9994866-87B0-46B7-BEA1-D4F84B1CDF09}"/>
+              </a:ext>
+            </a:extLst>
+          </p:cNvPr>
+          <p:cNvSpPr txBox="1"/>
+          <p:nvPr/>
+        </p:nvSpPr>
+        <p:spPr>
+          <a:xfrm>
+            <a:off x="1083578" y="1414562"/>
+            <a:ext cx="8446316" cy="4801314"/>
+          </a:xfrm>
+          <a:prstGeom prst="rect">
+            <a:avLst/>
+          </a:prstGeom>
+          <a:noFill/>
+        </p:spPr>
+        <p:txBody>
+          <a:bodyPr wrap="square" rtlCol="0">
+            <a:spAutoFit/>
+          </a:bodyPr>
+          <a:lstStyle/>
+          <a:p>
+            <a:pPr marL="285750" indent="-285750">
+              <a:buFont typeface="Arial" panose="020B0604020202020204" pitchFamily="34" charset="0"/>
+              <a:buChar char="•"/>
+            </a:pPr>
+            <a:r>
+              <a:rPr lang="de-DE" dirty="0"/>
+              <a:t>Kennlinien</a:t>
+            </a:r>
+          </a:p>
+          <a:p>
+            <a:pPr marL="742950" lvl="1" indent="-285750">
+              <a:buFont typeface="Arial" panose="020B0604020202020204" pitchFamily="34" charset="0"/>
+              <a:buChar char="•"/>
+            </a:pPr>
+            <a:r>
+              <a:rPr lang="de-DE" dirty="0"/>
+              <a:t>Abbildung von anliegender Spannung zu Stromstärke</a:t>
+            </a:r>
+          </a:p>
+          <a:p>
+            <a:pPr marL="742950" lvl="1" indent="-285750">
+              <a:buFont typeface="Arial" panose="020B0604020202020204" pitchFamily="34" charset="0"/>
+              <a:buChar char="•"/>
+            </a:pPr>
+            <a:r>
+              <a:rPr lang="de-DE" dirty="0"/>
+              <a:t>Messbar durch z.B. kontinuierliche Änderung eines Widerstandes und Messung der Spannung / Stromstärke</a:t>
+            </a:r>
+          </a:p>
+          <a:p>
+            <a:pPr marL="742950" lvl="1" indent="-285750">
+              <a:buFont typeface="Arial" panose="020B0604020202020204" pitchFamily="34" charset="0"/>
+              <a:buChar char="•"/>
+            </a:pPr>
+            <a:r>
+              <a:rPr lang="de-DE" dirty="0"/>
+              <a:t>Verschiedene Arten</a:t>
+            </a:r>
+          </a:p>
+          <a:p>
+            <a:pPr marL="285750" indent="-285750">
+              <a:buFont typeface="Arial" panose="020B0604020202020204" pitchFamily="34" charset="0"/>
+              <a:buChar char="•"/>
+            </a:pPr>
+            <a:r>
+              <a:rPr lang="de-DE" dirty="0"/>
+              <a:t>Hellkennlinien</a:t>
+            </a:r>
+          </a:p>
+          <a:p>
+            <a:pPr marL="742950" lvl="1" indent="-285750">
+              <a:buFont typeface="Arial" panose="020B0604020202020204" pitchFamily="34" charset="0"/>
+              <a:buChar char="•"/>
+            </a:pPr>
+            <a:r>
+              <a:rPr lang="de-DE" dirty="0"/>
+              <a:t>Gemessen unter normalen Bedingungen (25°C, 1000W/m² Einstrahlung, 1.5 AM)</a:t>
+            </a:r>
+          </a:p>
+          <a:p>
+            <a:pPr marL="285750" indent="-285750">
+              <a:buFont typeface="Arial" panose="020B0604020202020204" pitchFamily="34" charset="0"/>
+              <a:buChar char="•"/>
+            </a:pPr>
+            <a:r>
+              <a:rPr lang="de-DE" dirty="0"/>
+              <a:t>Dunkelkennlinien</a:t>
+            </a:r>
+          </a:p>
+          <a:p>
+            <a:pPr marL="742950" lvl="1" indent="-285750">
+              <a:buFont typeface="Arial" panose="020B0604020202020204" pitchFamily="34" charset="0"/>
+              <a:buChar char="•"/>
+            </a:pPr>
+            <a:r>
+              <a:rPr lang="de-DE" dirty="0"/>
+              <a:t>Gemessen ohne Einstrahlung (0W/m²)</a:t>
+            </a:r>
+          </a:p>
+          <a:p>
+            <a:pPr marL="285750" indent="-285750">
+              <a:buFont typeface="Arial" panose="020B0604020202020204" pitchFamily="34" charset="0"/>
+              <a:buChar char="•"/>
+            </a:pPr>
+            <a:r>
+              <a:rPr lang="de-DE" dirty="0"/>
+              <a:t>MPP – Maximum-Power-Point</a:t>
+            </a:r>
+          </a:p>
+          <a:p>
+            <a:pPr marL="742950" lvl="1" indent="-285750">
+              <a:buFont typeface="Arial" panose="020B0604020202020204" pitchFamily="34" charset="0"/>
+              <a:buChar char="•"/>
+            </a:pPr>
+            <a:r>
+              <a:rPr lang="de-DE" dirty="0"/>
+              <a:t>Punkt (Spannung x Stromstärke) der höchsten Effizienz</a:t>
+            </a:r>
+          </a:p>
+          <a:p>
+            <a:pPr marL="285750" indent="-285750">
+              <a:buFont typeface="Arial" panose="020B0604020202020204" pitchFamily="34" charset="0"/>
+              <a:buChar char="•"/>
+            </a:pPr>
+            <a:r>
+              <a:rPr lang="de-DE" dirty="0"/>
+              <a:t>U</a:t>
+            </a:r>
+            <a:r>
+              <a:rPr lang="de-DE" sz="1100" dirty="0"/>
+              <a:t>L </a:t>
+            </a:r>
+            <a:r>
+              <a:rPr lang="de-DE" dirty="0"/>
+              <a:t>– Leerlaufspannung</a:t>
+            </a:r>
+          </a:p>
+          <a:p>
+            <a:pPr marL="742950" lvl="1" indent="-285750">
+              <a:buFont typeface="Arial" panose="020B0604020202020204" pitchFamily="34" charset="0"/>
+              <a:buChar char="•"/>
+            </a:pPr>
+            <a:r>
+              <a:rPr lang="de-DE" dirty="0"/>
+              <a:t>Spannung bei Einstrahlung und keiner Verbindung von den Polen</a:t>
+            </a:r>
+          </a:p>
+          <a:p>
+            <a:pPr marL="742950" lvl="1" indent="-285750">
+              <a:buFont typeface="Arial" panose="020B0604020202020204" pitchFamily="34" charset="0"/>
+              <a:buChar char="•"/>
+            </a:pPr>
+            <a:r>
+              <a:rPr lang="de-DE" dirty="0"/>
+              <a:t>Kein Stromfluss</a:t>
+            </a:r>
+          </a:p>
+          <a:p>
+            <a:pPr marL="285750" indent="-285750">
+              <a:buFont typeface="Arial" panose="020B0604020202020204" pitchFamily="34" charset="0"/>
+              <a:buChar char="•"/>
+            </a:pPr>
+            <a:r>
+              <a:rPr lang="de-DE" dirty="0" err="1">
+                <a:latin typeface="Times New Roman" panose="02020603050405020304" pitchFamily="18" charset="0"/>
+                <a:cs typeface="Times New Roman" panose="02020603050405020304" pitchFamily="18" charset="0"/>
+              </a:rPr>
+              <a:t>I</a:t>
+            </a:r>
+            <a:r>
+              <a:rPr lang="de-DE" sz="1100" dirty="0" err="1"/>
+              <a:t>k</a:t>
+            </a:r>
+            <a:r>
+              <a:rPr lang="de-DE" dirty="0"/>
+              <a:t> – Kurzschlussstrom</a:t>
+            </a:r>
+          </a:p>
+          <a:p>
+            <a:pPr marL="742950" lvl="1" indent="-285750">
+              <a:buFont typeface="Arial" panose="020B0604020202020204" pitchFamily="34" charset="0"/>
+              <a:buChar char="•"/>
+            </a:pPr>
+            <a:r>
+              <a:rPr lang="de-DE" dirty="0"/>
+              <a:t>Stromfluss bei Kurzschluss zwischen den Polen</a:t>
+            </a:r>
+          </a:p>
+          <a:p>
+            <a:pPr marL="742950" lvl="1" indent="-285750">
+              <a:buFont typeface="Arial" panose="020B0604020202020204" pitchFamily="34" charset="0"/>
+              <a:buChar char="•"/>
+            </a:pPr>
+            <a:r>
+              <a:rPr lang="de-DE" dirty="0"/>
+              <a:t>Keine Spannung</a:t>
+            </a:r>
+          </a:p>
+        </p:txBody>
+      </p:sp>
+    </p:spTree>
+    <p:extLst>
+      <p:ext uri="{BB962C8B-B14F-4D97-AF65-F5344CB8AC3E}">
+        <p14:creationId xmlns:p14="http://schemas.microsoft.com/office/powerpoint/2010/main" val="1384477586"/>
+      </p:ext>
+    </p:extLst>
+  </p:cSld>
+  <p:clrMapOvr>
+    <a:masterClrMapping/>
+  </p:clrMapOvr>
+</p:sld>
+</file>
+
+<file path=ppt/slides/slide12.xml><?xml version="1.0" encoding="utf-8"?>
+<p:sld xmlns:a="http://schemas.openxmlformats.org/drawingml/2006/main" xmlns:r="http://schemas.openxmlformats.org/officeDocument/2006/relationships" xmlns:p="http://schemas.openxmlformats.org/presentationml/2006/main">
+  <p:cSld>
+    <p:spTree>
+      <p:nvGrpSpPr>
+        <p:cNvPr id="1" name=""/>
+        <p:cNvGrpSpPr/>
+        <p:nvPr/>
+      </p:nvGrpSpPr>
+      <p:grpSpPr>
+        <a:xfrm>
+          <a:off x="0" y="0"/>
+          <a:ext cx="0" cy="0"/>
+          <a:chOff x="0" y="0"/>
+          <a:chExt cx="0" cy="0"/>
+        </a:xfrm>
+      </p:grpSpPr>
+      <p:sp>
+        <p:nvSpPr>
+          <p:cNvPr id="2" name="Title 1">
+            <a:extLst>
+              <a:ext uri="{FF2B5EF4-FFF2-40B4-BE49-F238E27FC236}">
+                <a16:creationId xmlns:a16="http://schemas.microsoft.com/office/drawing/2014/main" id="{4C84315F-315F-4066-9D3A-472733691F27}"/>
+              </a:ext>
+            </a:extLst>
+          </p:cNvPr>
+          <p:cNvSpPr>
+            <a:spLocks noGrp="1"/>
+          </p:cNvSpPr>
+          <p:nvPr>
+            <p:ph type="title"/>
+          </p:nvPr>
+        </p:nvSpPr>
+        <p:spPr>
+          <a:xfrm>
+            <a:off x="838200" y="365125"/>
+            <a:ext cx="10515600" cy="881784"/>
+          </a:xfrm>
+        </p:spPr>
+        <p:txBody>
+          <a:bodyPr>
+            <a:normAutofit/>
+          </a:bodyPr>
+          <a:lstStyle/>
+          <a:p>
+            <a:r>
+              <a:rPr lang="de-DE" dirty="0"/>
+              <a:t>Theoretische Grundlagen  - 	Hellkennlinien</a:t>
+            </a:r>
+          </a:p>
+        </p:txBody>
+      </p:sp>
+      <p:sp>
+        <p:nvSpPr>
+          <p:cNvPr id="4" name="Footer Placeholder 3">
+            <a:extLst>
+              <a:ext uri="{FF2B5EF4-FFF2-40B4-BE49-F238E27FC236}">
+                <a16:creationId xmlns:a16="http://schemas.microsoft.com/office/drawing/2014/main" id="{0EF7D1E5-7A19-4BA2-8CAA-9135FB90076C}"/>
+              </a:ext>
+            </a:extLst>
+          </p:cNvPr>
+          <p:cNvSpPr>
+            <a:spLocks noGrp="1"/>
+          </p:cNvSpPr>
+          <p:nvPr>
+            <p:ph type="ftr" sz="quarter" idx="11"/>
+          </p:nvPr>
+        </p:nvSpPr>
+        <p:spPr/>
+        <p:txBody>
+          <a:bodyPr/>
+          <a:lstStyle/>
+          <a:p>
+            <a:r>
+              <a:rPr lang="de-DE"/>
+              <a:t>WS19/20 - PV-Modulportal - Rüffer, Vorwerk, Withöft, Zolkin</a:t>
+            </a:r>
+          </a:p>
+        </p:txBody>
+      </p:sp>
+      <p:sp>
+        <p:nvSpPr>
+          <p:cNvPr id="5" name="Slide Number Placeholder 4">
+            <a:extLst>
+              <a:ext uri="{FF2B5EF4-FFF2-40B4-BE49-F238E27FC236}">
+                <a16:creationId xmlns:a16="http://schemas.microsoft.com/office/drawing/2014/main" id="{FAC16E02-623C-4BDA-BAFA-B73797A517FD}"/>
+              </a:ext>
+            </a:extLst>
+          </p:cNvPr>
+          <p:cNvSpPr>
+            <a:spLocks noGrp="1"/>
+          </p:cNvSpPr>
+          <p:nvPr>
+            <p:ph type="sldNum" sz="quarter" idx="12"/>
+          </p:nvPr>
+        </p:nvSpPr>
+        <p:spPr/>
+        <p:txBody>
+          <a:bodyPr/>
+          <a:lstStyle/>
+          <a:p>
+            <a:fld id="{969E759D-A893-4B96-8B48-96EE547EBC41}" type="slidenum">
+              <a:rPr lang="de-DE" smtClean="0"/>
+              <a:t>12</a:t>
+            </a:fld>
+            <a:endParaRPr lang="de-DE"/>
+          </a:p>
+        </p:txBody>
+      </p:sp>
       <p:pic>
         <p:nvPicPr>
-          <p:cNvPr id="7" name="Grafik 6" descr="Ein Bild, das Screenshot enthält.&#10;&#10;Automatisch generierte Beschreibung">
-            <a:extLst>
-              <a:ext uri="{FF2B5EF4-FFF2-40B4-BE49-F238E27FC236}">
-                <a16:creationId xmlns:a16="http://schemas.microsoft.com/office/drawing/2014/main" id="{D06E810E-9F9E-40B3-B461-BB65BB2F7429}"/>
+          <p:cNvPr id="11" name="Grafik 10" descr="Ein Bild, das Screenshot enthält.&#10;&#10;Automatisch generierte Beschreibung">
+            <a:extLst>
+              <a:ext uri="{FF2B5EF4-FFF2-40B4-BE49-F238E27FC236}">
+                <a16:creationId xmlns:a16="http://schemas.microsoft.com/office/drawing/2014/main" id="{08D1ECEA-E3D6-4F58-AF93-8D73129F807D}"/>
               </a:ext>
             </a:extLst>
           </p:cNvPr>
@@ -5749,23 +5219,1351 @@
         </p:blipFill>
         <p:spPr>
           <a:xfrm>
-            <a:off x="463099" y="1301227"/>
-            <a:ext cx="11265802" cy="4637755"/>
+            <a:off x="5963971" y="2410086"/>
+            <a:ext cx="5850948" cy="3476650"/>
           </a:xfrm>
           <a:prstGeom prst="rect">
             <a:avLst/>
           </a:prstGeom>
         </p:spPr>
       </p:pic>
+      <p:sp>
+        <p:nvSpPr>
+          <p:cNvPr id="12" name="Textfeld 11">
+            <a:extLst>
+              <a:ext uri="{FF2B5EF4-FFF2-40B4-BE49-F238E27FC236}">
+                <a16:creationId xmlns:a16="http://schemas.microsoft.com/office/drawing/2014/main" id="{505B34EF-FD4F-43EC-9410-F3236D2F06E9}"/>
+              </a:ext>
+            </a:extLst>
+          </p:cNvPr>
+          <p:cNvSpPr txBox="1"/>
+          <p:nvPr/>
+        </p:nvSpPr>
+        <p:spPr>
+          <a:xfrm>
+            <a:off x="6234545" y="5886736"/>
+            <a:ext cx="5580374" cy="246221"/>
+          </a:xfrm>
+          <a:prstGeom prst="rect">
+            <a:avLst/>
+          </a:prstGeom>
+          <a:noFill/>
+        </p:spPr>
+        <p:txBody>
+          <a:bodyPr wrap="none" rtlCol="0">
+            <a:spAutoFit/>
+          </a:bodyPr>
+          <a:lstStyle/>
+          <a:p>
+            <a:r>
+              <a:rPr lang="de-DE" sz="1000" dirty="0"/>
+              <a:t>Quelle: https://photovoltaiksolarstrom.com/photovoltaiklexikon/maximum-power-point-mpp-tracking/</a:t>
+            </a:r>
+          </a:p>
+        </p:txBody>
+      </p:sp>
+      <p:sp>
+        <p:nvSpPr>
+          <p:cNvPr id="13" name="Textfeld 12">
+            <a:extLst>
+              <a:ext uri="{FF2B5EF4-FFF2-40B4-BE49-F238E27FC236}">
+                <a16:creationId xmlns:a16="http://schemas.microsoft.com/office/drawing/2014/main" id="{CAB1451E-3CF7-465F-97C3-80760286DFF4}"/>
+              </a:ext>
+            </a:extLst>
+          </p:cNvPr>
+          <p:cNvSpPr txBox="1"/>
+          <p:nvPr/>
+        </p:nvSpPr>
+        <p:spPr>
+          <a:xfrm>
+            <a:off x="628750" y="2508308"/>
+            <a:ext cx="5008651" cy="2308324"/>
+          </a:xfrm>
+          <a:prstGeom prst="rect">
+            <a:avLst/>
+          </a:prstGeom>
+          <a:noFill/>
+        </p:spPr>
+        <p:txBody>
+          <a:bodyPr wrap="square" rtlCol="0">
+            <a:spAutoFit/>
+          </a:bodyPr>
+          <a:lstStyle/>
+          <a:p>
+            <a:pPr marL="285750" indent="-285750">
+              <a:buFont typeface="Arial" panose="020B0604020202020204" pitchFamily="34" charset="0"/>
+              <a:buChar char="•"/>
+            </a:pPr>
+            <a:r>
+              <a:rPr lang="de-DE" dirty="0"/>
+              <a:t>Bestimmung der maximalen Leistung</a:t>
+            </a:r>
+          </a:p>
+          <a:p>
+            <a:pPr marL="285750" indent="-285750">
+              <a:buFont typeface="Arial" panose="020B0604020202020204" pitchFamily="34" charset="0"/>
+              <a:buChar char="•"/>
+            </a:pPr>
+            <a:r>
+              <a:rPr lang="de-DE" dirty="0"/>
+              <a:t>Feststellen von Mängeln</a:t>
+            </a:r>
+          </a:p>
+          <a:p>
+            <a:pPr marL="742950" lvl="1" indent="-285750">
+              <a:buFont typeface="Arial" panose="020B0604020202020204" pitchFamily="34" charset="0"/>
+              <a:buChar char="•"/>
+            </a:pPr>
+            <a:r>
+              <a:rPr lang="de-DE" dirty="0"/>
+              <a:t>Hoher serieller Widerstand -&gt; z.B. durch fehlerhafte Steckverbindungen</a:t>
+            </a:r>
+          </a:p>
+          <a:p>
+            <a:pPr marL="742950" lvl="1" indent="-285750">
+              <a:buFont typeface="Arial" panose="020B0604020202020204" pitchFamily="34" charset="0"/>
+              <a:buChar char="•"/>
+            </a:pPr>
+            <a:r>
+              <a:rPr lang="de-DE" dirty="0"/>
+              <a:t>Geringer Widerstand -&gt; z.B. durch lokale Kurzschlüsse</a:t>
+            </a:r>
+          </a:p>
+          <a:p>
+            <a:pPr marL="285750" indent="-285750">
+              <a:buFont typeface="Arial" panose="020B0604020202020204" pitchFamily="34" charset="0"/>
+              <a:buChar char="•"/>
+            </a:pPr>
+            <a:r>
+              <a:rPr lang="de-DE" dirty="0"/>
+              <a:t>Angefertigt nach Produktion</a:t>
+            </a:r>
+          </a:p>
+          <a:p>
+            <a:pPr marL="742950" lvl="1" indent="-285750">
+              <a:buFont typeface="Wingdings" panose="05000000000000000000" pitchFamily="2" charset="2"/>
+              <a:buChar char="Ø"/>
+            </a:pPr>
+            <a:r>
+              <a:rPr lang="de-DE" dirty="0"/>
+              <a:t>Am besten periodisch wiederholen</a:t>
+            </a:r>
+          </a:p>
+        </p:txBody>
+      </p:sp>
+      <p:sp>
+        <p:nvSpPr>
+          <p:cNvPr id="14" name="Textfeld 13">
+            <a:extLst>
+              <a:ext uri="{FF2B5EF4-FFF2-40B4-BE49-F238E27FC236}">
+                <a16:creationId xmlns:a16="http://schemas.microsoft.com/office/drawing/2014/main" id="{49CB4C5B-54D1-4670-9320-555C2971CB1E}"/>
+              </a:ext>
+            </a:extLst>
+          </p:cNvPr>
+          <p:cNvSpPr txBox="1"/>
+          <p:nvPr/>
+        </p:nvSpPr>
+        <p:spPr>
+          <a:xfrm>
+            <a:off x="8153400" y="2040754"/>
+            <a:ext cx="1895304" cy="369332"/>
+          </a:xfrm>
+          <a:prstGeom prst="rect">
+            <a:avLst/>
+          </a:prstGeom>
+          <a:noFill/>
+        </p:spPr>
+        <p:txBody>
+          <a:bodyPr wrap="square" rtlCol="0">
+            <a:spAutoFit/>
+          </a:bodyPr>
+          <a:lstStyle/>
+          <a:p>
+            <a:r>
+              <a:rPr lang="de-DE" dirty="0"/>
+              <a:t>Eine Hellkennlinie </a:t>
+            </a:r>
+          </a:p>
+        </p:txBody>
+      </p:sp>
     </p:spTree>
     <p:extLst>
       <p:ext uri="{BB962C8B-B14F-4D97-AF65-F5344CB8AC3E}">
-        <p14:creationId xmlns:p14="http://schemas.microsoft.com/office/powerpoint/2010/main" val="1350502402"/>
+        <p14:creationId xmlns:p14="http://schemas.microsoft.com/office/powerpoint/2010/main" val="3470889795"/>
       </p:ext>
     </p:extLst>
   </p:cSld>
   <p:clrMapOvr>
     <a:masterClrMapping/>
+  </p:clrMapOvr>
+</p:sld>
+</file>
+
+<file path=ppt/slides/slide13.xml><?xml version="1.0" encoding="utf-8"?>
+<p:sld xmlns:a="http://schemas.openxmlformats.org/drawingml/2006/main" xmlns:r="http://schemas.openxmlformats.org/officeDocument/2006/relationships" xmlns:p="http://schemas.openxmlformats.org/presentationml/2006/main">
+  <p:cSld>
+    <p:spTree>
+      <p:nvGrpSpPr>
+        <p:cNvPr id="1" name=""/>
+        <p:cNvGrpSpPr/>
+        <p:nvPr/>
+      </p:nvGrpSpPr>
+      <p:grpSpPr>
+        <a:xfrm>
+          <a:off x="0" y="0"/>
+          <a:ext cx="0" cy="0"/>
+          <a:chOff x="0" y="0"/>
+          <a:chExt cx="0" cy="0"/>
+        </a:xfrm>
+      </p:grpSpPr>
+      <p:sp>
+        <p:nvSpPr>
+          <p:cNvPr id="2" name="Title 1">
+            <a:extLst>
+              <a:ext uri="{FF2B5EF4-FFF2-40B4-BE49-F238E27FC236}">
+                <a16:creationId xmlns:a16="http://schemas.microsoft.com/office/drawing/2014/main" id="{4C84315F-315F-4066-9D3A-472733691F27}"/>
+              </a:ext>
+            </a:extLst>
+          </p:cNvPr>
+          <p:cNvSpPr>
+            <a:spLocks noGrp="1"/>
+          </p:cNvSpPr>
+          <p:nvPr>
+            <p:ph type="title"/>
+          </p:nvPr>
+        </p:nvSpPr>
+        <p:spPr>
+          <a:xfrm>
+            <a:off x="838200" y="365125"/>
+            <a:ext cx="10515600" cy="881784"/>
+          </a:xfrm>
+        </p:spPr>
+        <p:txBody>
+          <a:bodyPr>
+            <a:normAutofit/>
+          </a:bodyPr>
+          <a:lstStyle/>
+          <a:p>
+            <a:r>
+              <a:rPr lang="de-DE" dirty="0"/>
+              <a:t>Theoretische Grundlagen  - 	Dunkelkennlinien</a:t>
+            </a:r>
+          </a:p>
+        </p:txBody>
+      </p:sp>
+      <p:sp>
+        <p:nvSpPr>
+          <p:cNvPr id="4" name="Footer Placeholder 3">
+            <a:extLst>
+              <a:ext uri="{FF2B5EF4-FFF2-40B4-BE49-F238E27FC236}">
+                <a16:creationId xmlns:a16="http://schemas.microsoft.com/office/drawing/2014/main" id="{0EF7D1E5-7A19-4BA2-8CAA-9135FB90076C}"/>
+              </a:ext>
+            </a:extLst>
+          </p:cNvPr>
+          <p:cNvSpPr>
+            <a:spLocks noGrp="1"/>
+          </p:cNvSpPr>
+          <p:nvPr>
+            <p:ph type="ftr" sz="quarter" idx="11"/>
+          </p:nvPr>
+        </p:nvSpPr>
+        <p:spPr/>
+        <p:txBody>
+          <a:bodyPr/>
+          <a:lstStyle/>
+          <a:p>
+            <a:r>
+              <a:rPr lang="de-DE"/>
+              <a:t>WS19/20 - PV-Modulportal - Rüffer, Vorwerk, Withöft, Zolkin</a:t>
+            </a:r>
+          </a:p>
+        </p:txBody>
+      </p:sp>
+      <p:sp>
+        <p:nvSpPr>
+          <p:cNvPr id="5" name="Slide Number Placeholder 4">
+            <a:extLst>
+              <a:ext uri="{FF2B5EF4-FFF2-40B4-BE49-F238E27FC236}">
+                <a16:creationId xmlns:a16="http://schemas.microsoft.com/office/drawing/2014/main" id="{FAC16E02-623C-4BDA-BAFA-B73797A517FD}"/>
+              </a:ext>
+            </a:extLst>
+          </p:cNvPr>
+          <p:cNvSpPr>
+            <a:spLocks noGrp="1"/>
+          </p:cNvSpPr>
+          <p:nvPr>
+            <p:ph type="sldNum" sz="quarter" idx="12"/>
+          </p:nvPr>
+        </p:nvSpPr>
+        <p:spPr/>
+        <p:txBody>
+          <a:bodyPr/>
+          <a:lstStyle/>
+          <a:p>
+            <a:fld id="{969E759D-A893-4B96-8B48-96EE547EBC41}" type="slidenum">
+              <a:rPr lang="de-DE" smtClean="0"/>
+              <a:t>13</a:t>
+            </a:fld>
+            <a:endParaRPr lang="de-DE"/>
+          </a:p>
+        </p:txBody>
+      </p:sp>
+      <p:sp>
+        <p:nvSpPr>
+          <p:cNvPr id="12" name="Textfeld 11">
+            <a:extLst>
+              <a:ext uri="{FF2B5EF4-FFF2-40B4-BE49-F238E27FC236}">
+                <a16:creationId xmlns:a16="http://schemas.microsoft.com/office/drawing/2014/main" id="{505B34EF-FD4F-43EC-9410-F3236D2F06E9}"/>
+              </a:ext>
+            </a:extLst>
+          </p:cNvPr>
+          <p:cNvSpPr txBox="1"/>
+          <p:nvPr/>
+        </p:nvSpPr>
+        <p:spPr>
+          <a:xfrm>
+            <a:off x="397034" y="5886736"/>
+            <a:ext cx="4812536" cy="215444"/>
+          </a:xfrm>
+          <a:prstGeom prst="rect">
+            <a:avLst/>
+          </a:prstGeom>
+          <a:noFill/>
+        </p:spPr>
+        <p:txBody>
+          <a:bodyPr wrap="none" rtlCol="0">
+            <a:spAutoFit/>
+          </a:bodyPr>
+          <a:lstStyle/>
+          <a:p>
+            <a:r>
+              <a:rPr lang="de-DE" sz="800" dirty="0"/>
+              <a:t>Quelle: https://photovoltaikbuero.de/pv-know-how-blog/dunkelkennlinien-von-photovoltaikanlagen-messen/</a:t>
+            </a:r>
+          </a:p>
+        </p:txBody>
+      </p:sp>
+      <p:sp>
+        <p:nvSpPr>
+          <p:cNvPr id="13" name="Textfeld 12">
+            <a:extLst>
+              <a:ext uri="{FF2B5EF4-FFF2-40B4-BE49-F238E27FC236}">
+                <a16:creationId xmlns:a16="http://schemas.microsoft.com/office/drawing/2014/main" id="{CAB1451E-3CF7-465F-97C3-80760286DFF4}"/>
+              </a:ext>
+            </a:extLst>
+          </p:cNvPr>
+          <p:cNvSpPr txBox="1"/>
+          <p:nvPr/>
+        </p:nvSpPr>
+        <p:spPr>
+          <a:xfrm>
+            <a:off x="6474691" y="1951672"/>
+            <a:ext cx="5146730" cy="2031325"/>
+          </a:xfrm>
+          <a:prstGeom prst="rect">
+            <a:avLst/>
+          </a:prstGeom>
+          <a:noFill/>
+        </p:spPr>
+        <p:txBody>
+          <a:bodyPr wrap="square" rtlCol="0">
+            <a:spAutoFit/>
+          </a:bodyPr>
+          <a:lstStyle/>
+          <a:p>
+            <a:pPr marL="285750" indent="-285750">
+              <a:buFont typeface="Arial" panose="020B0604020202020204" pitchFamily="34" charset="0"/>
+              <a:buChar char="•"/>
+            </a:pPr>
+            <a:r>
+              <a:rPr lang="de-DE" dirty="0"/>
+              <a:t>Beliebt, da Bedingungen vereinfacht</a:t>
+            </a:r>
+          </a:p>
+          <a:p>
+            <a:pPr marL="285750" indent="-285750">
+              <a:buFont typeface="Arial" panose="020B0604020202020204" pitchFamily="34" charset="0"/>
+              <a:buChar char="•"/>
+            </a:pPr>
+            <a:r>
+              <a:rPr lang="de-DE" dirty="0"/>
+              <a:t>Erschließbar: Dunkelkennlinie –&gt; Hellkennlinie</a:t>
+            </a:r>
+          </a:p>
+          <a:p>
+            <a:pPr marL="285750" indent="-285750">
+              <a:buFont typeface="Arial" panose="020B0604020202020204" pitchFamily="34" charset="0"/>
+              <a:buChar char="•"/>
+            </a:pPr>
+            <a:r>
+              <a:rPr lang="de-DE" dirty="0"/>
+              <a:t>Besondere Verwendung bei Fehleranalyse</a:t>
+            </a:r>
+          </a:p>
+          <a:p>
+            <a:pPr marL="742950" lvl="1" indent="-285750">
+              <a:buFont typeface="Arial" panose="020B0604020202020204" pitchFamily="34" charset="0"/>
+              <a:buChar char="•"/>
+            </a:pPr>
+            <a:r>
+              <a:rPr lang="de-DE" dirty="0"/>
+              <a:t>Untersuchen von ganzen Modulsträngen</a:t>
+            </a:r>
+          </a:p>
+          <a:p>
+            <a:pPr marL="742950" lvl="1" indent="-285750">
+              <a:buFont typeface="Arial" panose="020B0604020202020204" pitchFamily="34" charset="0"/>
+              <a:buChar char="•"/>
+            </a:pPr>
+            <a:r>
+              <a:rPr lang="de-DE" dirty="0"/>
+              <a:t>Heranziehen von Elektrolumineszenz-untersuchungen</a:t>
+            </a:r>
+          </a:p>
+          <a:p>
+            <a:pPr marL="742950" lvl="1" indent="-285750">
+              <a:buFont typeface="Arial" panose="020B0604020202020204" pitchFamily="34" charset="0"/>
+              <a:buChar char="•"/>
+            </a:pPr>
+            <a:r>
+              <a:rPr lang="de-DE" dirty="0"/>
+              <a:t>Tiefergehende Auswertung als Hellkennlinie</a:t>
+            </a:r>
+          </a:p>
+        </p:txBody>
+      </p:sp>
+      <p:sp>
+        <p:nvSpPr>
+          <p:cNvPr id="14" name="Textfeld 13">
+            <a:extLst>
+              <a:ext uri="{FF2B5EF4-FFF2-40B4-BE49-F238E27FC236}">
+                <a16:creationId xmlns:a16="http://schemas.microsoft.com/office/drawing/2014/main" id="{49CB4C5B-54D1-4670-9320-555C2971CB1E}"/>
+              </a:ext>
+            </a:extLst>
+          </p:cNvPr>
+          <p:cNvSpPr txBox="1"/>
+          <p:nvPr/>
+        </p:nvSpPr>
+        <p:spPr>
+          <a:xfrm>
+            <a:off x="1738554" y="2046662"/>
+            <a:ext cx="2129497" cy="369332"/>
+          </a:xfrm>
+          <a:prstGeom prst="rect">
+            <a:avLst/>
+          </a:prstGeom>
+          <a:noFill/>
+        </p:spPr>
+        <p:txBody>
+          <a:bodyPr wrap="square" rtlCol="0">
+            <a:spAutoFit/>
+          </a:bodyPr>
+          <a:lstStyle/>
+          <a:p>
+            <a:r>
+              <a:rPr lang="de-DE" dirty="0"/>
+              <a:t>Eine Dunkelkennlinie </a:t>
+            </a:r>
+          </a:p>
+        </p:txBody>
+      </p:sp>
+      <p:pic>
+        <p:nvPicPr>
+          <p:cNvPr id="6" name="Grafik 5" descr="Ein Bild, das Text, Karte enthält.&#10;&#10;Automatisch generierte Beschreibung">
+            <a:extLst>
+              <a:ext uri="{FF2B5EF4-FFF2-40B4-BE49-F238E27FC236}">
+                <a16:creationId xmlns:a16="http://schemas.microsoft.com/office/drawing/2014/main" id="{ED2227FB-852B-4294-BDE4-B49BA5BECAD1}"/>
+              </a:ext>
+            </a:extLst>
+          </p:cNvPr>
+          <p:cNvPicPr>
+            <a:picLocks noChangeAspect="1"/>
+          </p:cNvPicPr>
+          <p:nvPr/>
+        </p:nvPicPr>
+        <p:blipFill>
+          <a:blip r:embed="rId2">
+            <a:extLst>
+              <a:ext uri="{28A0092B-C50C-407E-A947-70E740481C1C}">
+                <a14:useLocalDpi xmlns:a14="http://schemas.microsoft.com/office/drawing/2010/main" val="0"/>
+              </a:ext>
+            </a:extLst>
+          </a:blip>
+          <a:stretch>
+            <a:fillRect/>
+          </a:stretch>
+        </p:blipFill>
+        <p:spPr>
+          <a:xfrm>
+            <a:off x="570579" y="2415994"/>
+            <a:ext cx="4974730" cy="3470742"/>
+          </a:xfrm>
+          <a:prstGeom prst="rect">
+            <a:avLst/>
+          </a:prstGeom>
+        </p:spPr>
+      </p:pic>
+      <p:pic>
+        <p:nvPicPr>
+          <p:cNvPr id="8" name="Grafik 7" descr="Ein Bild, das Klavier, sitzend, Bahnhof, Uhr enthält.&#10;&#10;Automatisch generierte Beschreibung">
+            <a:extLst>
+              <a:ext uri="{FF2B5EF4-FFF2-40B4-BE49-F238E27FC236}">
+                <a16:creationId xmlns:a16="http://schemas.microsoft.com/office/drawing/2014/main" id="{978155C3-58CA-42C6-A48A-D4F9A0F91FB9}"/>
+              </a:ext>
+            </a:extLst>
+          </p:cNvPr>
+          <p:cNvPicPr>
+            <a:picLocks noChangeAspect="1"/>
+          </p:cNvPicPr>
+          <p:nvPr/>
+        </p:nvPicPr>
+        <p:blipFill>
+          <a:blip r:embed="rId3">
+            <a:extLst>
+              <a:ext uri="{28A0092B-C50C-407E-A947-70E740481C1C}">
+                <a14:useLocalDpi xmlns:a14="http://schemas.microsoft.com/office/drawing/2010/main" val="0"/>
+              </a:ext>
+            </a:extLst>
+          </a:blip>
+          <a:stretch>
+            <a:fillRect/>
+          </a:stretch>
+        </p:blipFill>
+        <p:spPr>
+          <a:xfrm>
+            <a:off x="7592520" y="4198932"/>
+            <a:ext cx="3349169" cy="1754327"/>
+          </a:xfrm>
+          <a:prstGeom prst="rect">
+            <a:avLst/>
+          </a:prstGeom>
+        </p:spPr>
+      </p:pic>
+      <p:sp>
+        <p:nvSpPr>
+          <p:cNvPr id="9" name="Textfeld 8">
+            <a:extLst>
+              <a:ext uri="{FF2B5EF4-FFF2-40B4-BE49-F238E27FC236}">
+                <a16:creationId xmlns:a16="http://schemas.microsoft.com/office/drawing/2014/main" id="{234374B7-DDA3-4C3B-BFBA-D4D81425FABE}"/>
+              </a:ext>
+            </a:extLst>
+          </p:cNvPr>
+          <p:cNvSpPr txBox="1"/>
+          <p:nvPr/>
+        </p:nvSpPr>
+        <p:spPr>
+          <a:xfrm>
+            <a:off x="6443255" y="6015808"/>
+            <a:ext cx="5647700" cy="215444"/>
+          </a:xfrm>
+          <a:prstGeom prst="rect">
+            <a:avLst/>
+          </a:prstGeom>
+          <a:noFill/>
+        </p:spPr>
+        <p:txBody>
+          <a:bodyPr wrap="none" rtlCol="0">
+            <a:spAutoFit/>
+          </a:bodyPr>
+          <a:lstStyle/>
+          <a:p>
+            <a:r>
+              <a:rPr lang="de-DE" sz="800" dirty="0"/>
+              <a:t>Quelle: https://photovoltaikbuero.de/pv-know-how-blog/was-bringt-eine-kennlinienmessung-bei-der-fehlersuche-an-pv-anlagen/</a:t>
+            </a:r>
+          </a:p>
+        </p:txBody>
+      </p:sp>
+    </p:spTree>
+    <p:extLst>
+      <p:ext uri="{BB962C8B-B14F-4D97-AF65-F5344CB8AC3E}">
+        <p14:creationId xmlns:p14="http://schemas.microsoft.com/office/powerpoint/2010/main" val="2273689914"/>
+      </p:ext>
+    </p:extLst>
+  </p:cSld>
+  <p:clrMapOvr>
+    <a:masterClrMapping/>
+  </p:clrMapOvr>
+</p:sld>
+</file>
+
+<file path=ppt/slides/slide14.xml><?xml version="1.0" encoding="utf-8"?>
+<p:sld xmlns:a="http://schemas.openxmlformats.org/drawingml/2006/main" xmlns:r="http://schemas.openxmlformats.org/officeDocument/2006/relationships" xmlns:p="http://schemas.openxmlformats.org/presentationml/2006/main">
+  <p:cSld>
+    <p:spTree>
+      <p:nvGrpSpPr>
+        <p:cNvPr id="1" name=""/>
+        <p:cNvGrpSpPr/>
+        <p:nvPr/>
+      </p:nvGrpSpPr>
+      <p:grpSpPr>
+        <a:xfrm>
+          <a:off x="0" y="0"/>
+          <a:ext cx="0" cy="0"/>
+          <a:chOff x="0" y="0"/>
+          <a:chExt cx="0" cy="0"/>
+        </a:xfrm>
+      </p:grpSpPr>
+      <p:sp>
+        <p:nvSpPr>
+          <p:cNvPr id="2" name="Title 1">
+            <a:extLst>
+              <a:ext uri="{FF2B5EF4-FFF2-40B4-BE49-F238E27FC236}">
+                <a16:creationId xmlns:a16="http://schemas.microsoft.com/office/drawing/2014/main" id="{4C84315F-315F-4066-9D3A-472733691F27}"/>
+              </a:ext>
+            </a:extLst>
+          </p:cNvPr>
+          <p:cNvSpPr>
+            <a:spLocks noGrp="1"/>
+          </p:cNvSpPr>
+          <p:nvPr>
+            <p:ph type="title"/>
+          </p:nvPr>
+        </p:nvSpPr>
+        <p:spPr>
+          <a:xfrm>
+            <a:off x="838200" y="365125"/>
+            <a:ext cx="10515600" cy="834502"/>
+          </a:xfrm>
+        </p:spPr>
+        <p:txBody>
+          <a:bodyPr>
+            <a:normAutofit fontScale="90000"/>
+          </a:bodyPr>
+          <a:lstStyle/>
+          <a:p>
+            <a:r>
+              <a:rPr lang="de-DE" dirty="0"/>
+              <a:t>Theoretische Grundlagen    - 	Vergleich Nutzen</a:t>
+            </a:r>
+          </a:p>
+        </p:txBody>
+      </p:sp>
+      <p:sp>
+        <p:nvSpPr>
+          <p:cNvPr id="4" name="Footer Placeholder 3">
+            <a:extLst>
+              <a:ext uri="{FF2B5EF4-FFF2-40B4-BE49-F238E27FC236}">
+                <a16:creationId xmlns:a16="http://schemas.microsoft.com/office/drawing/2014/main" id="{0EF7D1E5-7A19-4BA2-8CAA-9135FB90076C}"/>
+              </a:ext>
+            </a:extLst>
+          </p:cNvPr>
+          <p:cNvSpPr>
+            <a:spLocks noGrp="1"/>
+          </p:cNvSpPr>
+          <p:nvPr>
+            <p:ph type="ftr" sz="quarter" idx="11"/>
+          </p:nvPr>
+        </p:nvSpPr>
+        <p:spPr/>
+        <p:txBody>
+          <a:bodyPr/>
+          <a:lstStyle/>
+          <a:p>
+            <a:r>
+              <a:rPr lang="de-DE"/>
+              <a:t>WS19/20 - PV-Modulportal - Rüffer, Vorwerk, Withöft, Zolkin</a:t>
+            </a:r>
+          </a:p>
+        </p:txBody>
+      </p:sp>
+      <p:sp>
+        <p:nvSpPr>
+          <p:cNvPr id="5" name="Slide Number Placeholder 4">
+            <a:extLst>
+              <a:ext uri="{FF2B5EF4-FFF2-40B4-BE49-F238E27FC236}">
+                <a16:creationId xmlns:a16="http://schemas.microsoft.com/office/drawing/2014/main" id="{FAC16E02-623C-4BDA-BAFA-B73797A517FD}"/>
+              </a:ext>
+            </a:extLst>
+          </p:cNvPr>
+          <p:cNvSpPr>
+            <a:spLocks noGrp="1"/>
+          </p:cNvSpPr>
+          <p:nvPr>
+            <p:ph type="sldNum" sz="quarter" idx="12"/>
+          </p:nvPr>
+        </p:nvSpPr>
+        <p:spPr/>
+        <p:txBody>
+          <a:bodyPr/>
+          <a:lstStyle/>
+          <a:p>
+            <a:fld id="{969E759D-A893-4B96-8B48-96EE547EBC41}" type="slidenum">
+              <a:rPr lang="de-DE" smtClean="0"/>
+              <a:t>14</a:t>
+            </a:fld>
+            <a:endParaRPr lang="de-DE"/>
+          </a:p>
+        </p:txBody>
+      </p:sp>
+      <p:sp>
+        <p:nvSpPr>
+          <p:cNvPr id="13" name="Textfeld 12">
+            <a:extLst>
+              <a:ext uri="{FF2B5EF4-FFF2-40B4-BE49-F238E27FC236}">
+                <a16:creationId xmlns:a16="http://schemas.microsoft.com/office/drawing/2014/main" id="{CAB1451E-3CF7-465F-97C3-80760286DFF4}"/>
+              </a:ext>
+            </a:extLst>
+          </p:cNvPr>
+          <p:cNvSpPr txBox="1"/>
+          <p:nvPr/>
+        </p:nvSpPr>
+        <p:spPr>
+          <a:xfrm>
+            <a:off x="838200" y="2485327"/>
+            <a:ext cx="5146730" cy="2585323"/>
+          </a:xfrm>
+          <a:prstGeom prst="rect">
+            <a:avLst/>
+          </a:prstGeom>
+          <a:noFill/>
+        </p:spPr>
+        <p:txBody>
+          <a:bodyPr wrap="square" rtlCol="0">
+            <a:spAutoFit/>
+          </a:bodyPr>
+          <a:lstStyle/>
+          <a:p>
+            <a:pPr marL="285750" indent="-285750">
+              <a:buFont typeface="Arial" panose="020B0604020202020204" pitchFamily="34" charset="0"/>
+              <a:buChar char="•"/>
+            </a:pPr>
+            <a:r>
+              <a:rPr lang="de-DE" dirty="0"/>
+              <a:t>Hilfestellung für Neu- und Noch-Nicht-Kunden</a:t>
+            </a:r>
+          </a:p>
+          <a:p>
+            <a:pPr marL="742950" lvl="1" indent="-285750">
+              <a:buFont typeface="Arial" panose="020B0604020202020204" pitchFamily="34" charset="0"/>
+              <a:buChar char="•"/>
+            </a:pPr>
+            <a:r>
+              <a:rPr lang="de-DE" dirty="0"/>
+              <a:t>Auswahl von Modulen z.B. basierend auf Beliebtheitsgrad</a:t>
+            </a:r>
+          </a:p>
+          <a:p>
+            <a:pPr marL="285750" indent="-285750">
+              <a:buFont typeface="Arial" panose="020B0604020202020204" pitchFamily="34" charset="0"/>
+              <a:buChar char="•"/>
+            </a:pPr>
+            <a:r>
+              <a:rPr lang="de-DE" dirty="0"/>
+              <a:t>Überwachung von Performance über Zeit</a:t>
+            </a:r>
+          </a:p>
+          <a:p>
+            <a:pPr marL="285750" indent="-285750">
+              <a:buFont typeface="Arial" panose="020B0604020202020204" pitchFamily="34" charset="0"/>
+              <a:buChar char="•"/>
+            </a:pPr>
+            <a:r>
+              <a:rPr lang="de-DE" dirty="0"/>
+              <a:t>Community basiert!</a:t>
+            </a:r>
+          </a:p>
+          <a:p>
+            <a:pPr marL="742950" lvl="1" indent="-285750">
+              <a:buFont typeface="Arial" panose="020B0604020202020204" pitchFamily="34" charset="0"/>
+              <a:buChar char="•"/>
+            </a:pPr>
+            <a:r>
+              <a:rPr lang="de-DE" dirty="0"/>
+              <a:t>User laden Kennlinien hoch</a:t>
+            </a:r>
+          </a:p>
+          <a:p>
+            <a:pPr marL="742950" lvl="1" indent="-285750">
+              <a:buFont typeface="Arial" panose="020B0604020202020204" pitchFamily="34" charset="0"/>
+              <a:buChar char="•"/>
+            </a:pPr>
+            <a:r>
+              <a:rPr lang="de-DE" dirty="0"/>
+              <a:t>User kommentieren &amp; beurteilen Module</a:t>
+            </a:r>
+          </a:p>
+          <a:p>
+            <a:pPr marL="742950" lvl="1" indent="-285750">
+              <a:buFont typeface="Arial" panose="020B0604020202020204" pitchFamily="34" charset="0"/>
+              <a:buChar char="•"/>
+            </a:pPr>
+            <a:r>
+              <a:rPr lang="de-DE" dirty="0"/>
+              <a:t>Auch für Q&amp;A geeignet</a:t>
+            </a:r>
+          </a:p>
+          <a:p>
+            <a:pPr marL="285750" indent="-285750">
+              <a:buFont typeface="Arial" panose="020B0604020202020204" pitchFamily="34" charset="0"/>
+              <a:buChar char="•"/>
+            </a:pPr>
+            <a:endParaRPr lang="de-DE" dirty="0"/>
+          </a:p>
+        </p:txBody>
+      </p:sp>
+    </p:spTree>
+    <p:extLst>
+      <p:ext uri="{BB962C8B-B14F-4D97-AF65-F5344CB8AC3E}">
+        <p14:creationId xmlns:p14="http://schemas.microsoft.com/office/powerpoint/2010/main" val="3755965010"/>
+      </p:ext>
+    </p:extLst>
+  </p:cSld>
+  <p:clrMapOvr>
+    <a:masterClrMapping/>
+  </p:clrMapOvr>
+</p:sld>
+</file>
+
+<file path=ppt/slides/slide15.xml><?xml version="1.0" encoding="utf-8"?>
+<p:sld xmlns:a="http://schemas.openxmlformats.org/drawingml/2006/main" xmlns:r="http://schemas.openxmlformats.org/officeDocument/2006/relationships" xmlns:p="http://schemas.openxmlformats.org/presentationml/2006/main">
+  <p:cSld>
+    <p:bg>
+      <p:bgPr>
+        <a:solidFill>
+          <a:schemeClr val="bg1">
+            <a:tint val="95000"/>
+            <a:satMod val="170000"/>
+          </a:schemeClr>
+        </a:solidFill>
+        <a:effectLst/>
+      </p:bgPr>
+    </p:bg>
+    <p:spTree>
+      <p:nvGrpSpPr>
+        <p:cNvPr id="1" name=""/>
+        <p:cNvGrpSpPr/>
+        <p:nvPr/>
+      </p:nvGrpSpPr>
+      <p:grpSpPr>
+        <a:xfrm>
+          <a:off x="0" y="0"/>
+          <a:ext cx="0" cy="0"/>
+          <a:chOff x="0" y="0"/>
+          <a:chExt cx="0" cy="0"/>
+        </a:xfrm>
+      </p:grpSpPr>
+      <p:sp>
+        <p:nvSpPr>
+          <p:cNvPr id="10" name="Freeform: Shape 9">
+            <a:extLst>
+              <a:ext uri="{FF2B5EF4-FFF2-40B4-BE49-F238E27FC236}">
+                <a16:creationId xmlns:a16="http://schemas.microsoft.com/office/drawing/2014/main" id="{66B332A4-D438-4773-A77F-5ED49A448D9D}"/>
+              </a:ext>
+              <a:ext uri="{C183D7F6-B498-43B3-948B-1728B52AA6E4}">
+                <adec:decorative xmlns:adec="http://schemas.microsoft.com/office/drawing/2017/decorative" val="1"/>
+              </a:ext>
+            </a:extLst>
+          </p:cNvPr>
+          <p:cNvSpPr>
+            <a:spLocks noGrp="1" noRot="1" noChangeAspect="1" noMove="1" noResize="1" noEditPoints="1" noAdjustHandles="1" noChangeArrowheads="1" noChangeShapeType="1" noTextEdit="1"/>
+          </p:cNvSpPr>
+          <p:nvPr>
+            <p:extLst>
+              <p:ext uri="{386F3935-93C4-4BCD-93E2-E3B085C9AB24}">
+                <p16:designElem xmlns:p16="http://schemas.microsoft.com/office/powerpoint/2015/main" val="1"/>
+              </p:ext>
+            </p:extLst>
+          </p:nvPr>
+        </p:nvSpPr>
+        <p:spPr>
+          <a:xfrm>
+            <a:off x="1953768" y="0"/>
+            <a:ext cx="8284464" cy="6858000"/>
+          </a:xfrm>
+          <a:custGeom>
+            <a:avLst/>
+            <a:gdLst>
+              <a:gd name="connsiteX0" fmla="*/ 1818109 w 8284464"/>
+              <a:gd name="connsiteY0" fmla="*/ 0 h 6858000"/>
+              <a:gd name="connsiteX1" fmla="*/ 6466355 w 8284464"/>
+              <a:gd name="connsiteY1" fmla="*/ 0 h 6858000"/>
+              <a:gd name="connsiteX2" fmla="*/ 6620596 w 8284464"/>
+              <a:gd name="connsiteY2" fmla="*/ 109683 h 6858000"/>
+              <a:gd name="connsiteX3" fmla="*/ 8284464 w 8284464"/>
+              <a:gd name="connsiteY3" fmla="*/ 3429000 h 6858000"/>
+              <a:gd name="connsiteX4" fmla="*/ 6620596 w 8284464"/>
+              <a:gd name="connsiteY4" fmla="*/ 6748318 h 6858000"/>
+              <a:gd name="connsiteX5" fmla="*/ 6466355 w 8284464"/>
+              <a:gd name="connsiteY5" fmla="*/ 6858000 h 6858000"/>
+              <a:gd name="connsiteX6" fmla="*/ 1818109 w 8284464"/>
+              <a:gd name="connsiteY6" fmla="*/ 6858000 h 6858000"/>
+              <a:gd name="connsiteX7" fmla="*/ 1663869 w 8284464"/>
+              <a:gd name="connsiteY7" fmla="*/ 6748318 h 6858000"/>
+              <a:gd name="connsiteX8" fmla="*/ 0 w 8284464"/>
+              <a:gd name="connsiteY8" fmla="*/ 3429000 h 6858000"/>
+              <a:gd name="connsiteX9" fmla="*/ 1663869 w 8284464"/>
+              <a:gd name="connsiteY9" fmla="*/ 109683 h 6858000"/>
+            </a:gdLst>
+            <a:ahLst/>
+            <a:cxnLst>
+              <a:cxn ang="0">
+                <a:pos x="connsiteX0" y="connsiteY0"/>
+              </a:cxn>
+              <a:cxn ang="0">
+                <a:pos x="connsiteX1" y="connsiteY1"/>
+              </a:cxn>
+              <a:cxn ang="0">
+                <a:pos x="connsiteX2" y="connsiteY2"/>
+              </a:cxn>
+              <a:cxn ang="0">
+                <a:pos x="connsiteX3" y="connsiteY3"/>
+              </a:cxn>
+              <a:cxn ang="0">
+                <a:pos x="connsiteX4" y="connsiteY4"/>
+              </a:cxn>
+              <a:cxn ang="0">
+                <a:pos x="connsiteX5" y="connsiteY5"/>
+              </a:cxn>
+              <a:cxn ang="0">
+                <a:pos x="connsiteX6" y="connsiteY6"/>
+              </a:cxn>
+              <a:cxn ang="0">
+                <a:pos x="connsiteX7" y="connsiteY7"/>
+              </a:cxn>
+              <a:cxn ang="0">
+                <a:pos x="connsiteX8" y="connsiteY8"/>
+              </a:cxn>
+              <a:cxn ang="0">
+                <a:pos x="connsiteX9" y="connsiteY9"/>
+              </a:cxn>
+            </a:cxnLst>
+            <a:rect l="l" t="t" r="r" b="b"/>
+            <a:pathLst>
+              <a:path w="8284464" h="6858000">
+                <a:moveTo>
+                  <a:pt x="1818109" y="0"/>
+                </a:moveTo>
+                <a:lnTo>
+                  <a:pt x="6466355" y="0"/>
+                </a:lnTo>
+                <a:lnTo>
+                  <a:pt x="6620596" y="109683"/>
+                </a:lnTo>
+                <a:cubicBezTo>
+                  <a:pt x="7630666" y="865069"/>
+                  <a:pt x="8284464" y="2070683"/>
+                  <a:pt x="8284464" y="3429000"/>
+                </a:cubicBezTo>
+                <a:cubicBezTo>
+                  <a:pt x="8284464" y="4787317"/>
+                  <a:pt x="7630666" y="5992931"/>
+                  <a:pt x="6620596" y="6748318"/>
+                </a:cubicBezTo>
+                <a:lnTo>
+                  <a:pt x="6466355" y="6858000"/>
+                </a:lnTo>
+                <a:lnTo>
+                  <a:pt x="1818109" y="6858000"/>
+                </a:lnTo>
+                <a:lnTo>
+                  <a:pt x="1663869" y="6748318"/>
+                </a:lnTo>
+                <a:cubicBezTo>
+                  <a:pt x="653798" y="5992931"/>
+                  <a:pt x="0" y="4787317"/>
+                  <a:pt x="0" y="3429000"/>
+                </a:cubicBezTo>
+                <a:cubicBezTo>
+                  <a:pt x="0" y="2070683"/>
+                  <a:pt x="653798" y="865069"/>
+                  <a:pt x="1663869" y="109683"/>
+                </a:cubicBezTo>
+                <a:close/>
+              </a:path>
+            </a:pathLst>
+          </a:custGeom>
+          <a:solidFill>
+            <a:srgbClr val="FFFFFF">
+              <a:alpha val="80000"/>
+            </a:srgbClr>
+          </a:solidFill>
+          <a:ln>
+            <a:noFill/>
+          </a:ln>
+        </p:spPr>
+        <p:style>
+          <a:lnRef idx="2">
+            <a:schemeClr val="accent1">
+              <a:shade val="50000"/>
+            </a:schemeClr>
+          </a:lnRef>
+          <a:fillRef idx="1">
+            <a:schemeClr val="accent1"/>
+          </a:fillRef>
+          <a:effectRef idx="0">
+            <a:schemeClr val="accent1"/>
+          </a:effectRef>
+          <a:fontRef idx="minor">
+            <a:schemeClr val="lt1"/>
+          </a:fontRef>
+        </p:style>
+        <p:txBody>
+          <a:bodyPr wrap="square" rtlCol="0" anchor="ctr">
+            <a:noAutofit/>
+          </a:bodyPr>
+          <a:lstStyle/>
+          <a:p>
+            <a:pPr algn="ctr"/>
+            <a:endParaRPr lang="en-US"/>
+          </a:p>
+        </p:txBody>
+      </p:sp>
+      <p:sp>
+        <p:nvSpPr>
+          <p:cNvPr id="12" name="Freeform: Shape 11">
+            <a:extLst>
+              <a:ext uri="{FF2B5EF4-FFF2-40B4-BE49-F238E27FC236}">
+                <a16:creationId xmlns:a16="http://schemas.microsoft.com/office/drawing/2014/main" id="{DF9AD32D-FF05-44F4-BD4D-9CEE89B71EB9}"/>
+              </a:ext>
+              <a:ext uri="{C183D7F6-B498-43B3-948B-1728B52AA6E4}">
+                <adec:decorative xmlns:adec="http://schemas.microsoft.com/office/drawing/2017/decorative" val="1"/>
+              </a:ext>
+            </a:extLst>
+          </p:cNvPr>
+          <p:cNvSpPr>
+            <a:spLocks noGrp="1" noRot="1" noChangeAspect="1" noMove="1" noResize="1" noEditPoints="1" noAdjustHandles="1" noChangeArrowheads="1" noChangeShapeType="1" noTextEdit="1"/>
+          </p:cNvSpPr>
+          <p:nvPr>
+            <p:extLst>
+              <p:ext uri="{386F3935-93C4-4BCD-93E2-E3B085C9AB24}">
+                <p16:designElem xmlns:p16="http://schemas.microsoft.com/office/powerpoint/2015/main" val="1"/>
+              </p:ext>
+            </p:extLst>
+          </p:nvPr>
+        </p:nvSpPr>
+        <p:spPr>
+          <a:xfrm>
+            <a:off x="2118360" y="0"/>
+            <a:ext cx="7955280" cy="6858000"/>
+          </a:xfrm>
+          <a:custGeom>
+            <a:avLst/>
+            <a:gdLst>
+              <a:gd name="connsiteX0" fmla="*/ 1962423 w 7955280"/>
+              <a:gd name="connsiteY0" fmla="*/ 0 h 6858000"/>
+              <a:gd name="connsiteX1" fmla="*/ 5992858 w 7955280"/>
+              <a:gd name="connsiteY1" fmla="*/ 0 h 6858000"/>
+              <a:gd name="connsiteX2" fmla="*/ 6040191 w 7955280"/>
+              <a:gd name="connsiteY2" fmla="*/ 27216 h 6858000"/>
+              <a:gd name="connsiteX3" fmla="*/ 7955280 w 7955280"/>
+              <a:gd name="connsiteY3" fmla="*/ 3429000 h 6858000"/>
+              <a:gd name="connsiteX4" fmla="*/ 6040191 w 7955280"/>
+              <a:gd name="connsiteY4" fmla="*/ 6830784 h 6858000"/>
+              <a:gd name="connsiteX5" fmla="*/ 5992858 w 7955280"/>
+              <a:gd name="connsiteY5" fmla="*/ 6858000 h 6858000"/>
+              <a:gd name="connsiteX6" fmla="*/ 1962423 w 7955280"/>
+              <a:gd name="connsiteY6" fmla="*/ 6858000 h 6858000"/>
+              <a:gd name="connsiteX7" fmla="*/ 1915089 w 7955280"/>
+              <a:gd name="connsiteY7" fmla="*/ 6830784 h 6858000"/>
+              <a:gd name="connsiteX8" fmla="*/ 0 w 7955280"/>
+              <a:gd name="connsiteY8" fmla="*/ 3429000 h 6858000"/>
+              <a:gd name="connsiteX9" fmla="*/ 1915089 w 7955280"/>
+              <a:gd name="connsiteY9" fmla="*/ 27216 h 6858000"/>
+            </a:gdLst>
+            <a:ahLst/>
+            <a:cxnLst>
+              <a:cxn ang="0">
+                <a:pos x="connsiteX0" y="connsiteY0"/>
+              </a:cxn>
+              <a:cxn ang="0">
+                <a:pos x="connsiteX1" y="connsiteY1"/>
+              </a:cxn>
+              <a:cxn ang="0">
+                <a:pos x="connsiteX2" y="connsiteY2"/>
+              </a:cxn>
+              <a:cxn ang="0">
+                <a:pos x="connsiteX3" y="connsiteY3"/>
+              </a:cxn>
+              <a:cxn ang="0">
+                <a:pos x="connsiteX4" y="connsiteY4"/>
+              </a:cxn>
+              <a:cxn ang="0">
+                <a:pos x="connsiteX5" y="connsiteY5"/>
+              </a:cxn>
+              <a:cxn ang="0">
+                <a:pos x="connsiteX6" y="connsiteY6"/>
+              </a:cxn>
+              <a:cxn ang="0">
+                <a:pos x="connsiteX7" y="connsiteY7"/>
+              </a:cxn>
+              <a:cxn ang="0">
+                <a:pos x="connsiteX8" y="connsiteY8"/>
+              </a:cxn>
+              <a:cxn ang="0">
+                <a:pos x="connsiteX9" y="connsiteY9"/>
+              </a:cxn>
+            </a:cxnLst>
+            <a:rect l="l" t="t" r="r" b="b"/>
+            <a:pathLst>
+              <a:path w="7955280" h="6858000">
+                <a:moveTo>
+                  <a:pt x="1962423" y="0"/>
+                </a:moveTo>
+                <a:lnTo>
+                  <a:pt x="5992858" y="0"/>
+                </a:lnTo>
+                <a:lnTo>
+                  <a:pt x="6040191" y="27216"/>
+                </a:lnTo>
+                <a:cubicBezTo>
+                  <a:pt x="7188332" y="724844"/>
+                  <a:pt x="7955280" y="1987357"/>
+                  <a:pt x="7955280" y="3429000"/>
+                </a:cubicBezTo>
+                <a:cubicBezTo>
+                  <a:pt x="7955280" y="4870644"/>
+                  <a:pt x="7188332" y="6133157"/>
+                  <a:pt x="6040191" y="6830784"/>
+                </a:cubicBezTo>
+                <a:lnTo>
+                  <a:pt x="5992858" y="6858000"/>
+                </a:lnTo>
+                <a:lnTo>
+                  <a:pt x="1962423" y="6858000"/>
+                </a:lnTo>
+                <a:lnTo>
+                  <a:pt x="1915089" y="6830784"/>
+                </a:lnTo>
+                <a:cubicBezTo>
+                  <a:pt x="766948" y="6133157"/>
+                  <a:pt x="0" y="4870644"/>
+                  <a:pt x="0" y="3429000"/>
+                </a:cubicBezTo>
+                <a:cubicBezTo>
+                  <a:pt x="0" y="1987357"/>
+                  <a:pt x="766948" y="724844"/>
+                  <a:pt x="1915089" y="27216"/>
+                </a:cubicBezTo>
+                <a:close/>
+              </a:path>
+            </a:pathLst>
+          </a:custGeom>
+          <a:solidFill>
+            <a:schemeClr val="tx1"/>
+          </a:solidFill>
+          <a:ln>
+            <a:noFill/>
+          </a:ln>
+        </p:spPr>
+        <p:style>
+          <a:lnRef idx="2">
+            <a:schemeClr val="accent1">
+              <a:shade val="50000"/>
+            </a:schemeClr>
+          </a:lnRef>
+          <a:fillRef idx="1">
+            <a:schemeClr val="accent1"/>
+          </a:fillRef>
+          <a:effectRef idx="0">
+            <a:schemeClr val="accent1"/>
+          </a:effectRef>
+          <a:fontRef idx="minor">
+            <a:schemeClr val="lt1"/>
+          </a:fontRef>
+        </p:style>
+        <p:txBody>
+          <a:bodyPr wrap="square" rtlCol="0" anchor="ctr">
+            <a:noAutofit/>
+          </a:bodyPr>
+          <a:lstStyle/>
+          <a:p>
+            <a:pPr algn="ctr"/>
+            <a:endParaRPr lang="en-US"/>
+          </a:p>
+        </p:txBody>
+      </p:sp>
+      <p:sp>
+        <p:nvSpPr>
+          <p:cNvPr id="2" name="Title 1">
+            <a:extLst>
+              <a:ext uri="{FF2B5EF4-FFF2-40B4-BE49-F238E27FC236}">
+                <a16:creationId xmlns:a16="http://schemas.microsoft.com/office/drawing/2014/main" id="{4C84315F-315F-4066-9D3A-472733691F27}"/>
+              </a:ext>
+            </a:extLst>
+          </p:cNvPr>
+          <p:cNvSpPr>
+            <a:spLocks noGrp="1"/>
+          </p:cNvSpPr>
+          <p:nvPr>
+            <p:ph type="title"/>
+          </p:nvPr>
+        </p:nvSpPr>
+        <p:spPr>
+          <a:xfrm>
+            <a:off x="2555631" y="1441938"/>
+            <a:ext cx="7080738" cy="3974124"/>
+          </a:xfrm>
+        </p:spPr>
+        <p:txBody>
+          <a:bodyPr vert="horz" lIns="91440" tIns="45720" rIns="91440" bIns="45720" rtlCol="0" anchor="ctr">
+            <a:normAutofit/>
+          </a:bodyPr>
+          <a:lstStyle/>
+          <a:p>
+            <a:pPr algn="ctr"/>
+            <a:r>
+              <a:rPr lang="en-US" sz="5400" dirty="0" err="1">
+                <a:solidFill>
+                  <a:schemeClr val="bg1">
+                    <a:lumMod val="95000"/>
+                    <a:lumOff val="5000"/>
+                  </a:schemeClr>
+                </a:solidFill>
+              </a:rPr>
+              <a:t>Konzeptionelle</a:t>
+            </a:r>
+            <a:r>
+              <a:rPr lang="en-US" sz="5400" dirty="0">
+                <a:solidFill>
+                  <a:schemeClr val="bg1">
+                    <a:lumMod val="95000"/>
+                    <a:lumOff val="5000"/>
+                  </a:schemeClr>
+                </a:solidFill>
+              </a:rPr>
+              <a:t> </a:t>
+            </a:r>
+            <a:r>
+              <a:rPr lang="en-US" sz="5400" dirty="0" err="1">
+                <a:solidFill>
+                  <a:schemeClr val="bg1">
+                    <a:lumMod val="95000"/>
+                    <a:lumOff val="5000"/>
+                  </a:schemeClr>
+                </a:solidFill>
+              </a:rPr>
+              <a:t>Arbeiten</a:t>
+            </a:r>
+            <a:endParaRPr lang="en-US" sz="5400" dirty="0">
+              <a:solidFill>
+                <a:schemeClr val="bg1">
+                  <a:lumMod val="95000"/>
+                  <a:lumOff val="5000"/>
+                </a:schemeClr>
+              </a:solidFill>
+            </a:endParaRPr>
+          </a:p>
+        </p:txBody>
+      </p:sp>
+      <p:sp>
+        <p:nvSpPr>
+          <p:cNvPr id="4" name="Footer Placeholder 3">
+            <a:extLst>
+              <a:ext uri="{FF2B5EF4-FFF2-40B4-BE49-F238E27FC236}">
+                <a16:creationId xmlns:a16="http://schemas.microsoft.com/office/drawing/2014/main" id="{0EF7D1E5-7A19-4BA2-8CAA-9135FB90076C}"/>
+              </a:ext>
+            </a:extLst>
+          </p:cNvPr>
+          <p:cNvSpPr>
+            <a:spLocks noGrp="1"/>
+          </p:cNvSpPr>
+          <p:nvPr>
+            <p:ph type="ftr" sz="quarter" idx="11"/>
+          </p:nvPr>
+        </p:nvSpPr>
+        <p:spPr>
+          <a:xfrm>
+            <a:off x="3892062" y="6199632"/>
+            <a:ext cx="4407876" cy="365125"/>
+          </a:xfrm>
+        </p:spPr>
+        <p:txBody>
+          <a:bodyPr vert="horz" lIns="91440" tIns="45720" rIns="91440" bIns="45720" rtlCol="0" anchor="ctr">
+            <a:normAutofit/>
+          </a:bodyPr>
+          <a:lstStyle/>
+          <a:p>
+            <a:pPr defTabSz="457200">
+              <a:spcAft>
+                <a:spcPts val="600"/>
+              </a:spcAft>
+            </a:pPr>
+            <a:r>
+              <a:rPr lang="en-US" sz="1100" kern="1200">
+                <a:solidFill>
+                  <a:schemeClr val="bg1">
+                    <a:alpha val="80000"/>
+                  </a:schemeClr>
+                </a:solidFill>
+                <a:latin typeface="+mn-lt"/>
+                <a:ea typeface="+mn-ea"/>
+                <a:cs typeface="+mn-cs"/>
+              </a:rPr>
+              <a:t>WS19/20 - PV-Modulportal - Rüffer, Vorwerk, Withöft, Zolkin</a:t>
+            </a:r>
+          </a:p>
+        </p:txBody>
+      </p:sp>
+      <p:sp>
+        <p:nvSpPr>
+          <p:cNvPr id="5" name="Slide Number Placeholder 4">
+            <a:extLst>
+              <a:ext uri="{FF2B5EF4-FFF2-40B4-BE49-F238E27FC236}">
+                <a16:creationId xmlns:a16="http://schemas.microsoft.com/office/drawing/2014/main" id="{FAC16E02-623C-4BDA-BAFA-B73797A517FD}"/>
+              </a:ext>
+            </a:extLst>
+          </p:cNvPr>
+          <p:cNvSpPr>
+            <a:spLocks noGrp="1"/>
+          </p:cNvSpPr>
+          <p:nvPr>
+            <p:ph type="sldNum" sz="quarter" idx="12"/>
+          </p:nvPr>
+        </p:nvSpPr>
+        <p:spPr>
+          <a:xfrm>
+            <a:off x="11000232" y="6108192"/>
+            <a:ext cx="548640" cy="548640"/>
+          </a:xfrm>
+          <a:prstGeom prst="ellipse">
+            <a:avLst/>
+          </a:prstGeom>
+          <a:solidFill>
+            <a:srgbClr val="7F7F7F"/>
+          </a:solidFill>
+        </p:spPr>
+        <p:txBody>
+          <a:bodyPr vert="horz" lIns="91440" tIns="45720" rIns="91440" bIns="45720" rtlCol="0" anchor="ctr">
+            <a:normAutofit/>
+          </a:bodyPr>
+          <a:lstStyle/>
+          <a:p>
+            <a:pPr algn="ctr" defTabSz="457200">
+              <a:spcAft>
+                <a:spcPts val="600"/>
+              </a:spcAft>
+            </a:pPr>
+            <a:fld id="{969E759D-A893-4B96-8B48-96EE547EBC41}" type="slidenum">
+              <a:rPr lang="en-US" sz="1500">
+                <a:solidFill>
+                  <a:srgbClr val="FFFFFF"/>
+                </a:solidFill>
+              </a:rPr>
+              <a:pPr algn="ctr" defTabSz="457200">
+                <a:spcAft>
+                  <a:spcPts val="600"/>
+                </a:spcAft>
+              </a:pPr>
+              <a:t>15</a:t>
+            </a:fld>
+            <a:endParaRPr lang="en-US" sz="1500">
+              <a:solidFill>
+                <a:srgbClr val="FFFFFF"/>
+              </a:solidFill>
+            </a:endParaRPr>
+          </a:p>
+        </p:txBody>
+      </p:sp>
+    </p:spTree>
+    <p:extLst>
+      <p:ext uri="{BB962C8B-B14F-4D97-AF65-F5344CB8AC3E}">
+        <p14:creationId xmlns:p14="http://schemas.microsoft.com/office/powerpoint/2010/main" val="4065161698"/>
+      </p:ext>
+    </p:extLst>
+  </p:cSld>
+  <p:clrMapOvr>
+    <a:overrideClrMapping bg1="dk1" tx1="lt1" bg2="dk2" tx2="lt2" accent1="accent1" accent2="accent2" accent3="accent3" accent4="accent4" accent5="accent5" accent6="accent6" hlink="hlink" folHlink="folHlink"/>
   </p:clrMapOvr>
 </p:sld>
 </file>
@@ -5811,14 +6609,19 @@
         </p:spPr>
         <p:txBody>
           <a:bodyPr>
-            <a:normAutofit/>
+            <a:normAutofit fontScale="90000"/>
           </a:bodyPr>
           <a:lstStyle/>
           <a:p>
             <a:r>
               <a:rPr lang="de-DE" dirty="0"/>
-              <a:t>Konzeptionelle Arbeiten   - 	Kommentare</a:t>
-            </a:r>
+              <a:t>Konzeptionelle Arbeiten  - 	Suche &amp; View </a:t>
+            </a:r>
+            <a:r>
+              <a:rPr lang="de-DE" dirty="0" err="1"/>
+              <a:t>Requests</a:t>
+            </a:r>
+            <a:endParaRPr lang="de-DE" dirty="0"/>
           </a:p>
         </p:txBody>
       </p:sp>
@@ -5881,10 +6684,10 @@
       </p:sp>
       <p:pic>
         <p:nvPicPr>
-          <p:cNvPr id="9" name="Grafik 8" descr="Ein Bild, das Screenshot enthält.&#10;&#10;Automatisch generierte Beschreibung">
-            <a:extLst>
-              <a:ext uri="{FF2B5EF4-FFF2-40B4-BE49-F238E27FC236}">
-                <a16:creationId xmlns:a16="http://schemas.microsoft.com/office/drawing/2014/main" id="{1CF22820-0D34-45D3-8819-BF095251084E}"/>
+          <p:cNvPr id="7" name="Grafik 6" descr="Ein Bild, das Screenshot enthält.&#10;&#10;Automatisch generierte Beschreibung">
+            <a:extLst>
+              <a:ext uri="{FF2B5EF4-FFF2-40B4-BE49-F238E27FC236}">
+                <a16:creationId xmlns:a16="http://schemas.microsoft.com/office/drawing/2014/main" id="{D06E810E-9F9E-40B3-B461-BB65BB2F7429}"/>
               </a:ext>
             </a:extLst>
           </p:cNvPr>
@@ -5907,8 +6710,8 @@
         </p:blipFill>
         <p:spPr>
           <a:xfrm>
-            <a:off x="1283854" y="1199627"/>
-            <a:ext cx="9624291" cy="4741242"/>
+            <a:off x="463099" y="1301227"/>
+            <a:ext cx="11265802" cy="4637755"/>
           </a:xfrm>
           <a:prstGeom prst="rect">
             <a:avLst/>
@@ -5918,7 +6721,7 @@
     </p:spTree>
     <p:extLst>
       <p:ext uri="{BB962C8B-B14F-4D97-AF65-F5344CB8AC3E}">
-        <p14:creationId xmlns:p14="http://schemas.microsoft.com/office/powerpoint/2010/main" val="2135619852"/>
+        <p14:creationId xmlns:p14="http://schemas.microsoft.com/office/powerpoint/2010/main" val="1350502402"/>
       </p:ext>
     </p:extLst>
   </p:cSld>
@@ -5975,7 +6778,7 @@
           <a:p>
             <a:r>
               <a:rPr lang="de-DE" dirty="0"/>
-              <a:t>Konzeptionelle Arbeiten   - 	Medien</a:t>
+              <a:t>Konzeptionelle Arbeiten   - 	Kommentare</a:t>
             </a:r>
           </a:p>
         </p:txBody>
@@ -6039,10 +6842,10 @@
       </p:sp>
       <p:pic>
         <p:nvPicPr>
-          <p:cNvPr id="6" name="Grafik 5" descr="Ein Bild, das Screenshot enthält.&#10;&#10;Automatisch generierte Beschreibung">
-            <a:extLst>
-              <a:ext uri="{FF2B5EF4-FFF2-40B4-BE49-F238E27FC236}">
-                <a16:creationId xmlns:a16="http://schemas.microsoft.com/office/drawing/2014/main" id="{D3804517-A1AB-4647-A2F4-4B145C958491}"/>
+          <p:cNvPr id="9" name="Grafik 8" descr="Ein Bild, das Screenshot enthält.&#10;&#10;Automatisch generierte Beschreibung">
+            <a:extLst>
+              <a:ext uri="{FF2B5EF4-FFF2-40B4-BE49-F238E27FC236}">
+                <a16:creationId xmlns:a16="http://schemas.microsoft.com/office/drawing/2014/main" id="{1CF22820-0D34-45D3-8819-BF095251084E}"/>
               </a:ext>
             </a:extLst>
           </p:cNvPr>
@@ -6065,8 +6868,8 @@
         </p:blipFill>
         <p:spPr>
           <a:xfrm>
-            <a:off x="1850772" y="1199627"/>
-            <a:ext cx="8490456" cy="5010417"/>
+            <a:off x="1283854" y="1199627"/>
+            <a:ext cx="9624291" cy="4741242"/>
           </a:xfrm>
           <a:prstGeom prst="rect">
             <a:avLst/>
@@ -6076,7 +6879,7 @@
     </p:spTree>
     <p:extLst>
       <p:ext uri="{BB962C8B-B14F-4D97-AF65-F5344CB8AC3E}">
-        <p14:creationId xmlns:p14="http://schemas.microsoft.com/office/powerpoint/2010/main" val="1192285281"/>
+        <p14:creationId xmlns:p14="http://schemas.microsoft.com/office/powerpoint/2010/main" val="2135619852"/>
       </p:ext>
     </p:extLst>
   </p:cSld>
@@ -6121,7 +6924,7 @@
         </p:nvSpPr>
         <p:spPr>
           <a:xfrm>
-            <a:off x="838200" y="256883"/>
+            <a:off x="838200" y="365125"/>
             <a:ext cx="10515600" cy="834502"/>
           </a:xfrm>
         </p:spPr>
@@ -6133,7 +6936,7 @@
           <a:p>
             <a:r>
               <a:rPr lang="de-DE" dirty="0"/>
-              <a:t>Konzeptionelle Arbeiten   - 	Gesamt (alt)</a:t>
+              <a:t>Konzeptionelle Arbeiten   - 	Medien</a:t>
             </a:r>
           </a:p>
         </p:txBody>
@@ -6197,10 +7000,10 @@
       </p:sp>
       <p:pic>
         <p:nvPicPr>
-          <p:cNvPr id="8" name="Grafik 7">
-            <a:extLst>
-              <a:ext uri="{FF2B5EF4-FFF2-40B4-BE49-F238E27FC236}">
-                <a16:creationId xmlns:a16="http://schemas.microsoft.com/office/drawing/2014/main" id="{4879F5CA-79B7-4E1C-AE56-DF28301AF14F}"/>
+          <p:cNvPr id="6" name="Grafik 5" descr="Ein Bild, das Screenshot enthält.&#10;&#10;Automatisch generierte Beschreibung">
+            <a:extLst>
+              <a:ext uri="{FF2B5EF4-FFF2-40B4-BE49-F238E27FC236}">
+                <a16:creationId xmlns:a16="http://schemas.microsoft.com/office/drawing/2014/main" id="{D3804517-A1AB-4647-A2F4-4B145C958491}"/>
               </a:ext>
             </a:extLst>
           </p:cNvPr>
@@ -6223,8 +7026,8 @@
         </p:blipFill>
         <p:spPr>
           <a:xfrm>
-            <a:off x="0" y="1091385"/>
-            <a:ext cx="12192000" cy="5048481"/>
+            <a:off x="1850772" y="1199627"/>
+            <a:ext cx="8490456" cy="5010417"/>
           </a:xfrm>
           <a:prstGeom prst="rect">
             <a:avLst/>
@@ -6234,7 +7037,7 @@
     </p:spTree>
     <p:extLst>
       <p:ext uri="{BB962C8B-B14F-4D97-AF65-F5344CB8AC3E}">
-        <p14:creationId xmlns:p14="http://schemas.microsoft.com/office/powerpoint/2010/main" val="2502654463"/>
+        <p14:creationId xmlns:p14="http://schemas.microsoft.com/office/powerpoint/2010/main" val="1192285281"/>
       </p:ext>
     </p:extLst>
   </p:cSld>
@@ -6291,7 +7094,7 @@
           <a:p>
             <a:r>
               <a:rPr lang="de-DE" dirty="0"/>
-              <a:t>Konzeptionelle Arbeiten   - 	Gesamt (neu)</a:t>
+              <a:t>Konzeptionelle Arbeiten   - 	Gesamt (alt)</a:t>
             </a:r>
           </a:p>
         </p:txBody>
@@ -6353,10 +7156,46 @@
           </a:p>
         </p:txBody>
       </p:sp>
+      <p:pic>
+        <p:nvPicPr>
+          <p:cNvPr id="8" name="Grafik 7">
+            <a:extLst>
+              <a:ext uri="{FF2B5EF4-FFF2-40B4-BE49-F238E27FC236}">
+                <a16:creationId xmlns:a16="http://schemas.microsoft.com/office/drawing/2014/main" id="{4879F5CA-79B7-4E1C-AE56-DF28301AF14F}"/>
+              </a:ext>
+            </a:extLst>
+          </p:cNvPr>
+          <p:cNvPicPr>
+            <a:picLocks noChangeAspect="1"/>
+          </p:cNvPicPr>
+          <p:nvPr/>
+        </p:nvPicPr>
+        <p:blipFill>
+          <a:blip r:embed="rId2">
+            <a:extLst>
+              <a:ext uri="{28A0092B-C50C-407E-A947-70E740481C1C}">
+                <a14:useLocalDpi xmlns:a14="http://schemas.microsoft.com/office/drawing/2010/main" val="0"/>
+              </a:ext>
+            </a:extLst>
+          </a:blip>
+          <a:stretch>
+            <a:fillRect/>
+          </a:stretch>
+        </p:blipFill>
+        <p:spPr>
+          <a:xfrm>
+            <a:off x="0" y="1091385"/>
+            <a:ext cx="12192000" cy="5048481"/>
+          </a:xfrm>
+          <a:prstGeom prst="rect">
+            <a:avLst/>
+          </a:prstGeom>
+        </p:spPr>
+      </p:pic>
     </p:spTree>
     <p:extLst>
       <p:ext uri="{BB962C8B-B14F-4D97-AF65-F5344CB8AC3E}">
-        <p14:creationId xmlns:p14="http://schemas.microsoft.com/office/powerpoint/2010/main" val="2349829792"/>
+        <p14:creationId xmlns:p14="http://schemas.microsoft.com/office/powerpoint/2010/main" val="2502654463"/>
       </p:ext>
     </p:extLst>
   </p:cSld>
@@ -6924,6 +7763,41 @@
       </p:grpSpPr>
       <p:sp>
         <p:nvSpPr>
+          <p:cNvPr id="2" name="Title 1">
+            <a:extLst>
+              <a:ext uri="{FF2B5EF4-FFF2-40B4-BE49-F238E27FC236}">
+                <a16:creationId xmlns:a16="http://schemas.microsoft.com/office/drawing/2014/main" id="{4C84315F-315F-4066-9D3A-472733691F27}"/>
+              </a:ext>
+            </a:extLst>
+          </p:cNvPr>
+          <p:cNvSpPr>
+            <a:spLocks noGrp="1"/>
+          </p:cNvSpPr>
+          <p:nvPr>
+            <p:ph type="title"/>
+          </p:nvPr>
+        </p:nvSpPr>
+        <p:spPr>
+          <a:xfrm>
+            <a:off x="838200" y="256883"/>
+            <a:ext cx="10515600" cy="834502"/>
+          </a:xfrm>
+        </p:spPr>
+        <p:txBody>
+          <a:bodyPr>
+            <a:normAutofit/>
+          </a:bodyPr>
+          <a:lstStyle/>
+          <a:p>
+            <a:r>
+              <a:rPr lang="de-DE" dirty="0"/>
+              <a:t>Konzeptionelle Arbeiten   - 	Gesamt (neu)</a:t>
+            </a:r>
+          </a:p>
+        </p:txBody>
+      </p:sp>
+      <p:sp>
+        <p:nvSpPr>
           <p:cNvPr id="4" name="Footer Placeholder 3">
             <a:extLst>
               <a:ext uri="{FF2B5EF4-FFF2-40B4-BE49-F238E27FC236}">
@@ -6974,6 +7848,93 @@
             <a:fld id="{969E759D-A893-4B96-8B48-96EE547EBC41}" type="slidenum">
               <a:rPr lang="de-DE" smtClean="0"/>
               <a:t>20</a:t>
+            </a:fld>
+            <a:endParaRPr lang="de-DE"/>
+          </a:p>
+        </p:txBody>
+      </p:sp>
+    </p:spTree>
+    <p:extLst>
+      <p:ext uri="{BB962C8B-B14F-4D97-AF65-F5344CB8AC3E}">
+        <p14:creationId xmlns:p14="http://schemas.microsoft.com/office/powerpoint/2010/main" val="2349829792"/>
+      </p:ext>
+    </p:extLst>
+  </p:cSld>
+  <p:clrMapOvr>
+    <a:masterClrMapping/>
+  </p:clrMapOvr>
+</p:sld>
+</file>
+
+<file path=ppt/slides/slide21.xml><?xml version="1.0" encoding="utf-8"?>
+<p:sld xmlns:a="http://schemas.openxmlformats.org/drawingml/2006/main" xmlns:r="http://schemas.openxmlformats.org/officeDocument/2006/relationships" xmlns:p="http://schemas.openxmlformats.org/presentationml/2006/main">
+  <p:cSld>
+    <p:spTree>
+      <p:nvGrpSpPr>
+        <p:cNvPr id="1" name=""/>
+        <p:cNvGrpSpPr/>
+        <p:nvPr/>
+      </p:nvGrpSpPr>
+      <p:grpSpPr>
+        <a:xfrm>
+          <a:off x="0" y="0"/>
+          <a:ext cx="0" cy="0"/>
+          <a:chOff x="0" y="0"/>
+          <a:chExt cx="0" cy="0"/>
+        </a:xfrm>
+      </p:grpSpPr>
+      <p:sp>
+        <p:nvSpPr>
+          <p:cNvPr id="4" name="Footer Placeholder 3">
+            <a:extLst>
+              <a:ext uri="{FF2B5EF4-FFF2-40B4-BE49-F238E27FC236}">
+                <a16:creationId xmlns:a16="http://schemas.microsoft.com/office/drawing/2014/main" id="{0EF7D1E5-7A19-4BA2-8CAA-9135FB90076C}"/>
+              </a:ext>
+            </a:extLst>
+          </p:cNvPr>
+          <p:cNvSpPr>
+            <a:spLocks noGrp="1"/>
+          </p:cNvSpPr>
+          <p:nvPr>
+            <p:ph type="ftr" sz="quarter" idx="11"/>
+          </p:nvPr>
+        </p:nvSpPr>
+        <p:spPr/>
+        <p:txBody>
+          <a:bodyPr/>
+          <a:lstStyle/>
+          <a:p>
+            <a:r>
+              <a:rPr lang="de-DE"/>
+              <a:t>WS19/20 - PV-Modulportal - Rüffer, Vorwerk, Withöft, Zolkin</a:t>
+            </a:r>
+          </a:p>
+        </p:txBody>
+      </p:sp>
+      <p:sp>
+        <p:nvSpPr>
+          <p:cNvPr id="5" name="Slide Number Placeholder 4">
+            <a:extLst>
+              <a:ext uri="{FF2B5EF4-FFF2-40B4-BE49-F238E27FC236}">
+                <a16:creationId xmlns:a16="http://schemas.microsoft.com/office/drawing/2014/main" id="{FAC16E02-623C-4BDA-BAFA-B73797A517FD}"/>
+              </a:ext>
+            </a:extLst>
+          </p:cNvPr>
+          <p:cNvSpPr>
+            <a:spLocks noGrp="1"/>
+          </p:cNvSpPr>
+          <p:nvPr>
+            <p:ph type="sldNum" sz="quarter" idx="12"/>
+          </p:nvPr>
+        </p:nvSpPr>
+        <p:spPr/>
+        <p:txBody>
+          <a:bodyPr/>
+          <a:lstStyle/>
+          <a:p>
+            <a:fld id="{969E759D-A893-4B96-8B48-96EE547EBC41}" type="slidenum">
+              <a:rPr lang="de-DE" smtClean="0"/>
+              <a:t>21</a:t>
             </a:fld>
             <a:endParaRPr lang="de-DE"/>
           </a:p>
@@ -7028,7 +7989,7 @@
 </p:sld>
 </file>
 
-<file path=ppt/slides/slide21.xml><?xml version="1.0" encoding="utf-8"?>
+<file path=ppt/slides/slide22.xml><?xml version="1.0" encoding="utf-8"?>
 <p:sld xmlns:a="http://schemas.openxmlformats.org/drawingml/2006/main" xmlns:r="http://schemas.openxmlformats.org/officeDocument/2006/relationships" xmlns:p="http://schemas.openxmlformats.org/presentationml/2006/main">
   <p:cSld>
     <p:bg>
@@ -7547,7 +8508,7 @@
                   <a:spcPts val="600"/>
                 </a:spcAft>
               </a:pPr>
-              <a:t>21</a:t>
+              <a:t>22</a:t>
             </a:fld>
             <a:endParaRPr lang="en-US" sz="1500">
               <a:solidFill>
@@ -7570,7 +8531,7 @@
 </p:sld>
 </file>
 
-<file path=ppt/slides/slide22.xml><?xml version="1.0" encoding="utf-8"?>
+<file path=ppt/slides/slide23.xml><?xml version="1.0" encoding="utf-8"?>
 <p:sld xmlns:a="http://schemas.openxmlformats.org/drawingml/2006/main" xmlns:r="http://schemas.openxmlformats.org/officeDocument/2006/relationships" xmlns:p="http://schemas.openxmlformats.org/presentationml/2006/main">
   <p:cSld>
     <p:bg>
@@ -8070,7 +9031,7 @@
                   <a:spcPts val="600"/>
                 </a:spcAft>
               </a:pPr>
-              <a:t>22</a:t>
+              <a:t>23</a:t>
             </a:fld>
             <a:endParaRPr lang="en-US" sz="1500">
               <a:solidFill>
@@ -8089,411 +9050,6 @@
   </p:cSld>
   <p:clrMapOvr>
     <a:overrideClrMapping bg1="dk1" tx1="lt1" bg2="dk2" tx2="lt2" accent1="accent1" accent2="accent2" accent3="accent3" accent4="accent4" accent5="accent5" accent6="accent6" hlink="hlink" folHlink="folHlink"/>
-  </p:clrMapOvr>
-</p:sld>
-</file>
-
-<file path=ppt/slides/slide23.xml><?xml version="1.0" encoding="utf-8"?>
-<p:sld xmlns:a="http://schemas.openxmlformats.org/drawingml/2006/main" xmlns:r="http://schemas.openxmlformats.org/officeDocument/2006/relationships" xmlns:p="http://schemas.openxmlformats.org/presentationml/2006/main">
-  <p:cSld>
-    <p:spTree>
-      <p:nvGrpSpPr>
-        <p:cNvPr id="1" name=""/>
-        <p:cNvGrpSpPr/>
-        <p:nvPr/>
-      </p:nvGrpSpPr>
-      <p:grpSpPr>
-        <a:xfrm>
-          <a:off x="0" y="0"/>
-          <a:ext cx="0" cy="0"/>
-          <a:chOff x="0" y="0"/>
-          <a:chExt cx="0" cy="0"/>
-        </a:xfrm>
-      </p:grpSpPr>
-      <p:sp>
-        <p:nvSpPr>
-          <p:cNvPr id="2" name="Title 1">
-            <a:extLst>
-              <a:ext uri="{FF2B5EF4-FFF2-40B4-BE49-F238E27FC236}">
-                <a16:creationId xmlns:a16="http://schemas.microsoft.com/office/drawing/2014/main" id="{4C84315F-315F-4066-9D3A-472733691F27}"/>
-              </a:ext>
-            </a:extLst>
-          </p:cNvPr>
-          <p:cNvSpPr>
-            <a:spLocks noGrp="1"/>
-          </p:cNvSpPr>
-          <p:nvPr>
-            <p:ph type="title"/>
-          </p:nvPr>
-        </p:nvSpPr>
-        <p:spPr/>
-        <p:txBody>
-          <a:bodyPr>
-            <a:normAutofit fontScale="90000"/>
-          </a:bodyPr>
-          <a:lstStyle/>
-          <a:p>
-            <a:r>
-              <a:rPr lang="en-NZ" dirty="0" err="1"/>
-              <a:t>Codeimplementierungen</a:t>
-            </a:r>
-            <a:r>
-              <a:rPr lang="en-NZ" dirty="0"/>
-              <a:t>    – 	Handling der 									</a:t>
-            </a:r>
-            <a:r>
-              <a:rPr lang="en-NZ" dirty="0" err="1"/>
-              <a:t>Suchergebnisse</a:t>
-            </a:r>
-            <a:endParaRPr lang="de-DE" dirty="0"/>
-          </a:p>
-        </p:txBody>
-      </p:sp>
-      <p:sp>
-        <p:nvSpPr>
-          <p:cNvPr id="3" name="Content Placeholder 2">
-            <a:extLst>
-              <a:ext uri="{FF2B5EF4-FFF2-40B4-BE49-F238E27FC236}">
-                <a16:creationId xmlns:a16="http://schemas.microsoft.com/office/drawing/2014/main" id="{3CCB48FF-D0DB-4239-BF7B-3AC940333DEC}"/>
-              </a:ext>
-            </a:extLst>
-          </p:cNvPr>
-          <p:cNvSpPr>
-            <a:spLocks noGrp="1"/>
-          </p:cNvSpPr>
-          <p:nvPr>
-            <p:ph sz="half" idx="1"/>
-          </p:nvPr>
-        </p:nvSpPr>
-        <p:spPr/>
-        <p:txBody>
-          <a:bodyPr>
-            <a:normAutofit/>
-          </a:bodyPr>
-          <a:lstStyle/>
-          <a:p>
-            <a:r>
-              <a:rPr lang="en-NZ" dirty="0" err="1"/>
-              <a:t>Suchergebnis</a:t>
-            </a:r>
-            <a:r>
-              <a:rPr lang="en-NZ" dirty="0"/>
-              <a:t> </a:t>
-            </a:r>
-            <a:r>
-              <a:rPr lang="en-NZ" dirty="0" err="1"/>
-              <a:t>kann</a:t>
-            </a:r>
-            <a:r>
-              <a:rPr lang="en-NZ" dirty="0"/>
-              <a:t> sein:</a:t>
-            </a:r>
-          </a:p>
-          <a:p>
-            <a:pPr lvl="1"/>
-            <a:r>
-              <a:rPr lang="en-NZ" dirty="0" err="1"/>
-              <a:t>Hersteller</a:t>
-            </a:r>
-            <a:endParaRPr lang="en-NZ" dirty="0"/>
-          </a:p>
-          <a:p>
-            <a:pPr lvl="2"/>
-            <a:r>
-              <a:rPr lang="en-NZ" dirty="0" err="1"/>
-              <a:t>Suche</a:t>
-            </a:r>
-            <a:r>
-              <a:rPr lang="en-NZ" dirty="0"/>
-              <a:t> nach </a:t>
-            </a:r>
-            <a:r>
-              <a:rPr lang="en-NZ" dirty="0" err="1"/>
-              <a:t>Modultypen</a:t>
-            </a:r>
-            <a:endParaRPr lang="en-NZ" dirty="0"/>
-          </a:p>
-          <a:p>
-            <a:pPr lvl="1"/>
-            <a:r>
-              <a:rPr lang="en-NZ" dirty="0" err="1"/>
-              <a:t>Modultyp</a:t>
-            </a:r>
-            <a:endParaRPr lang="en-NZ" dirty="0"/>
-          </a:p>
-          <a:p>
-            <a:pPr lvl="2"/>
-            <a:r>
-              <a:rPr lang="en-NZ" dirty="0" err="1"/>
-              <a:t>Verweis</a:t>
-            </a:r>
-            <a:r>
-              <a:rPr lang="en-NZ" dirty="0"/>
-              <a:t> auf </a:t>
-            </a:r>
-            <a:r>
-              <a:rPr lang="en-NZ" dirty="0" err="1"/>
-              <a:t>Detailseite</a:t>
-            </a:r>
-            <a:endParaRPr lang="en-NZ" dirty="0"/>
-          </a:p>
-          <a:p>
-            <a:r>
-              <a:rPr lang="en-NZ" dirty="0" err="1"/>
-              <a:t>Werden</a:t>
-            </a:r>
-            <a:r>
-              <a:rPr lang="en-NZ" dirty="0"/>
-              <a:t> in </a:t>
-            </a:r>
-            <a:r>
-              <a:rPr lang="en-NZ" dirty="0" err="1"/>
-              <a:t>gleicher</a:t>
-            </a:r>
-            <a:r>
-              <a:rPr lang="en-NZ" dirty="0"/>
-              <a:t> </a:t>
-            </a:r>
-            <a:r>
-              <a:rPr lang="en-NZ" dirty="0" err="1"/>
-              <a:t>Methode</a:t>
-            </a:r>
-            <a:r>
-              <a:rPr lang="en-NZ" dirty="0"/>
-              <a:t> </a:t>
-            </a:r>
-            <a:r>
-              <a:rPr lang="en-NZ" dirty="0" err="1"/>
-              <a:t>zugefügt</a:t>
-            </a:r>
-            <a:endParaRPr lang="en-NZ" dirty="0"/>
-          </a:p>
-          <a:p>
-            <a:r>
-              <a:rPr lang="en-NZ" dirty="0" err="1"/>
-              <a:t>Idee</a:t>
-            </a:r>
-            <a:r>
-              <a:rPr lang="en-NZ" dirty="0"/>
-              <a:t>: </a:t>
-            </a:r>
-            <a:r>
-              <a:rPr lang="en-NZ" dirty="0" err="1"/>
-              <a:t>Enum</a:t>
-            </a:r>
-            <a:r>
-              <a:rPr lang="en-NZ" dirty="0"/>
-              <a:t> </a:t>
-            </a:r>
-            <a:r>
-              <a:rPr lang="en-NZ" dirty="0" err="1"/>
-              <a:t>zum</a:t>
-            </a:r>
-            <a:r>
-              <a:rPr lang="en-NZ" dirty="0"/>
-              <a:t> </a:t>
-            </a:r>
-            <a:r>
-              <a:rPr lang="en-NZ" dirty="0" err="1"/>
-              <a:t>Unterscheiden</a:t>
-            </a:r>
-            <a:endParaRPr lang="en-NZ" dirty="0"/>
-          </a:p>
-          <a:p>
-            <a:r>
-              <a:rPr lang="en-NZ" dirty="0" err="1"/>
-              <a:t>Vorteil</a:t>
-            </a:r>
-            <a:r>
-              <a:rPr lang="en-NZ" dirty="0"/>
-              <a:t>: </a:t>
-            </a:r>
-            <a:r>
-              <a:rPr lang="en-NZ" dirty="0" err="1"/>
-              <a:t>Keine</a:t>
-            </a:r>
-            <a:r>
-              <a:rPr lang="en-NZ" dirty="0"/>
-              <a:t> </a:t>
-            </a:r>
-            <a:r>
-              <a:rPr lang="en-NZ" dirty="0" err="1"/>
-              <a:t>zweite</a:t>
-            </a:r>
-            <a:r>
-              <a:rPr lang="en-NZ" dirty="0"/>
-              <a:t> </a:t>
-            </a:r>
-            <a:r>
-              <a:rPr lang="en-NZ" dirty="0" err="1"/>
-              <a:t>Methode</a:t>
-            </a:r>
-            <a:r>
-              <a:rPr lang="en-NZ" dirty="0"/>
-              <a:t> </a:t>
-            </a:r>
-            <a:r>
-              <a:rPr lang="en-NZ" dirty="0" err="1"/>
-              <a:t>für</a:t>
-            </a:r>
-            <a:r>
-              <a:rPr lang="en-NZ" dirty="0"/>
-              <a:t> </a:t>
-            </a:r>
-            <a:r>
-              <a:rPr lang="en-NZ" dirty="0" err="1"/>
-              <a:t>gleichen</a:t>
-            </a:r>
-            <a:r>
-              <a:rPr lang="en-NZ" dirty="0"/>
-              <a:t> </a:t>
-            </a:r>
-            <a:r>
-              <a:rPr lang="en-NZ" dirty="0" err="1"/>
-              <a:t>Anwendungsfall</a:t>
-            </a:r>
-            <a:endParaRPr lang="de-DE" dirty="0"/>
-          </a:p>
-        </p:txBody>
-      </p:sp>
-      <p:sp>
-        <p:nvSpPr>
-          <p:cNvPr id="4" name="Footer Placeholder 3">
-            <a:extLst>
-              <a:ext uri="{FF2B5EF4-FFF2-40B4-BE49-F238E27FC236}">
-                <a16:creationId xmlns:a16="http://schemas.microsoft.com/office/drawing/2014/main" id="{0EF7D1E5-7A19-4BA2-8CAA-9135FB90076C}"/>
-              </a:ext>
-            </a:extLst>
-          </p:cNvPr>
-          <p:cNvSpPr>
-            <a:spLocks noGrp="1"/>
-          </p:cNvSpPr>
-          <p:nvPr>
-            <p:ph type="ftr" sz="quarter" idx="11"/>
-          </p:nvPr>
-        </p:nvSpPr>
-        <p:spPr/>
-        <p:txBody>
-          <a:bodyPr/>
-          <a:lstStyle/>
-          <a:p>
-            <a:r>
-              <a:rPr lang="de-DE"/>
-              <a:t>WS19/20 - PV-Modulportal - Rüffer, Vorwerk, Withöft, Zolkin</a:t>
-            </a:r>
-          </a:p>
-        </p:txBody>
-      </p:sp>
-      <p:sp>
-        <p:nvSpPr>
-          <p:cNvPr id="5" name="Slide Number Placeholder 4">
-            <a:extLst>
-              <a:ext uri="{FF2B5EF4-FFF2-40B4-BE49-F238E27FC236}">
-                <a16:creationId xmlns:a16="http://schemas.microsoft.com/office/drawing/2014/main" id="{FAC16E02-623C-4BDA-BAFA-B73797A517FD}"/>
-              </a:ext>
-            </a:extLst>
-          </p:cNvPr>
-          <p:cNvSpPr>
-            <a:spLocks noGrp="1"/>
-          </p:cNvSpPr>
-          <p:nvPr>
-            <p:ph type="sldNum" sz="quarter" idx="12"/>
-          </p:nvPr>
-        </p:nvSpPr>
-        <p:spPr/>
-        <p:txBody>
-          <a:bodyPr/>
-          <a:lstStyle/>
-          <a:p>
-            <a:fld id="{969E759D-A893-4B96-8B48-96EE547EBC41}" type="slidenum">
-              <a:rPr lang="de-DE" smtClean="0"/>
-              <a:t>23</a:t>
-            </a:fld>
-            <a:endParaRPr lang="de-DE"/>
-          </a:p>
-        </p:txBody>
-      </p:sp>
-      <p:pic>
-        <p:nvPicPr>
-          <p:cNvPr id="8" name="Picture 7">
-            <a:extLst>
-              <a:ext uri="{FF2B5EF4-FFF2-40B4-BE49-F238E27FC236}">
-                <a16:creationId xmlns:a16="http://schemas.microsoft.com/office/drawing/2014/main" id="{727B0294-0674-43BC-BDB7-4BEB8B9EBA86}"/>
-              </a:ext>
-            </a:extLst>
-          </p:cNvPr>
-          <p:cNvPicPr>
-            <a:picLocks noChangeAspect="1"/>
-          </p:cNvPicPr>
-          <p:nvPr/>
-        </p:nvPicPr>
-        <p:blipFill>
-          <a:blip r:embed="rId2">
-            <a:extLst>
-              <a:ext uri="{28A0092B-C50C-407E-A947-70E740481C1C}">
-                <a14:useLocalDpi xmlns:a14="http://schemas.microsoft.com/office/drawing/2010/main" val="0"/>
-              </a:ext>
-            </a:extLst>
-          </a:blip>
-          <a:stretch>
-            <a:fillRect/>
-          </a:stretch>
-        </p:blipFill>
-        <p:spPr>
-          <a:xfrm>
-            <a:off x="5753100" y="2112645"/>
-            <a:ext cx="5715000" cy="213360"/>
-          </a:xfrm>
-          <a:prstGeom prst="rect">
-            <a:avLst/>
-          </a:prstGeom>
-        </p:spPr>
-      </p:pic>
-      <p:pic>
-        <p:nvPicPr>
-          <p:cNvPr id="10" name="Picture 9" descr="A screenshot of a cell phone&#10;&#10;Description automatically generated">
-            <a:extLst>
-              <a:ext uri="{FF2B5EF4-FFF2-40B4-BE49-F238E27FC236}">
-                <a16:creationId xmlns:a16="http://schemas.microsoft.com/office/drawing/2014/main" id="{49618CDA-DEB7-47DC-9E64-77CBE909E0AE}"/>
-              </a:ext>
-            </a:extLst>
-          </p:cNvPr>
-          <p:cNvPicPr>
-            <a:picLocks noChangeAspect="1"/>
-          </p:cNvPicPr>
-          <p:nvPr/>
-        </p:nvPicPr>
-        <p:blipFill>
-          <a:blip r:embed="rId3">
-            <a:extLst>
-              <a:ext uri="{28A0092B-C50C-407E-A947-70E740481C1C}">
-                <a14:useLocalDpi xmlns:a14="http://schemas.microsoft.com/office/drawing/2010/main" val="0"/>
-              </a:ext>
-            </a:extLst>
-          </a:blip>
-          <a:stretch>
-            <a:fillRect/>
-          </a:stretch>
-        </p:blipFill>
-        <p:spPr>
-          <a:xfrm>
-            <a:off x="6019800" y="2396490"/>
-            <a:ext cx="4808220" cy="2065020"/>
-          </a:xfrm>
-          <a:prstGeom prst="rect">
-            <a:avLst/>
-          </a:prstGeom>
-        </p:spPr>
-      </p:pic>
-    </p:spTree>
-    <p:extLst>
-      <p:ext uri="{BB962C8B-B14F-4D97-AF65-F5344CB8AC3E}">
-        <p14:creationId xmlns:p14="http://schemas.microsoft.com/office/powerpoint/2010/main" val="1219806837"/>
-      </p:ext>
-    </p:extLst>
-  </p:cSld>
-  <p:clrMapOvr>
-    <a:masterClrMapping/>
   </p:clrMapOvr>
 </p:sld>
 </file>
@@ -8531,12 +9087,7 @@
             <p:ph type="title"/>
           </p:nvPr>
         </p:nvSpPr>
-        <p:spPr>
-          <a:xfrm>
-            <a:off x="838200" y="365125"/>
-            <a:ext cx="10515600" cy="1325563"/>
-          </a:xfrm>
-        </p:spPr>
+        <p:spPr/>
         <p:txBody>
           <a:bodyPr>
             <a:normAutofit fontScale="90000"/>
@@ -8544,15 +9095,16 @@
           <a:lstStyle/>
           <a:p>
             <a:r>
-              <a:rPr lang="en-NZ"/>
-              <a:t>Codeimplementierungen    – 	Ändern von</a:t>
-            </a:r>
-            <a:br>
-              <a:rPr lang="en-NZ"/>
-            </a:br>
-            <a:r>
-              <a:rPr lang="en-NZ"/>
-              <a:t>							Queryparametern</a:t>
+              <a:rPr lang="en-NZ" dirty="0" err="1"/>
+              <a:t>Codeimplementierungen</a:t>
+            </a:r>
+            <a:r>
+              <a:rPr lang="en-NZ" dirty="0"/>
+              <a:t>    – 	Handling der 									</a:t>
+            </a:r>
+            <a:r>
+              <a:rPr lang="en-NZ" dirty="0" err="1"/>
+              <a:t>Suchergebnisse</a:t>
             </a:r>
             <a:endParaRPr lang="de-DE" dirty="0"/>
           </a:p>
@@ -8574,12 +9126,7 @@
             <p:ph sz="half" idx="1"/>
           </p:nvPr>
         </p:nvSpPr>
-        <p:spPr>
-          <a:xfrm>
-            <a:off x="838199" y="1825625"/>
-            <a:ext cx="9267825" cy="4351338"/>
-          </a:xfrm>
-        </p:spPr>
+        <p:spPr/>
         <p:txBody>
           <a:bodyPr>
             <a:normAutofit/>
@@ -8588,33 +9135,7 @@
           <a:p>
             <a:r>
               <a:rPr lang="en-NZ" dirty="0" err="1"/>
-              <a:t>Anfragen</a:t>
-            </a:r>
-            <a:r>
-              <a:rPr lang="en-NZ" dirty="0"/>
-              <a:t> an Backend </a:t>
-            </a:r>
-            <a:r>
-              <a:rPr lang="en-NZ" dirty="0" err="1"/>
-              <a:t>über</a:t>
-            </a:r>
-            <a:r>
-              <a:rPr lang="en-NZ" dirty="0"/>
-              <a:t> GET</a:t>
-            </a:r>
-          </a:p>
-          <a:p>
-            <a:r>
-              <a:rPr lang="en-NZ" dirty="0" err="1"/>
-              <a:t>Für</a:t>
-            </a:r>
-            <a:r>
-              <a:rPr lang="en-NZ" dirty="0"/>
-              <a:t> Range-Query </a:t>
-            </a:r>
-            <a:r>
-              <a:rPr lang="en-NZ" dirty="0" err="1"/>
-              <a:t>zur</a:t>
+              <a:t>Suchergebnis</a:t>
             </a:r>
             <a:r>
               <a:rPr lang="en-NZ" dirty="0"/>
@@ -8622,7 +9143,73 @@
             </a:r>
             <a:r>
               <a:rPr lang="en-NZ" dirty="0" err="1"/>
+              <a:t>kann</a:t>
+            </a:r>
+            <a:r>
+              <a:rPr lang="en-NZ" dirty="0"/>
+              <a:t> sein:</a:t>
+            </a:r>
+          </a:p>
+          <a:p>
+            <a:pPr lvl="1"/>
+            <a:r>
+              <a:rPr lang="en-NZ" dirty="0" err="1"/>
+              <a:t>Hersteller</a:t>
+            </a:r>
+            <a:endParaRPr lang="en-NZ" dirty="0"/>
+          </a:p>
+          <a:p>
+            <a:pPr lvl="2"/>
+            <a:r>
+              <a:rPr lang="en-NZ" dirty="0" err="1"/>
               <a:t>Suche</a:t>
+            </a:r>
+            <a:r>
+              <a:rPr lang="en-NZ" dirty="0"/>
+              <a:t> nach </a:t>
+            </a:r>
+            <a:r>
+              <a:rPr lang="en-NZ" dirty="0" err="1"/>
+              <a:t>Modultypen</a:t>
+            </a:r>
+            <a:endParaRPr lang="en-NZ" dirty="0"/>
+          </a:p>
+          <a:p>
+            <a:pPr lvl="1"/>
+            <a:r>
+              <a:rPr lang="en-NZ" dirty="0" err="1"/>
+              <a:t>Modultyp</a:t>
+            </a:r>
+            <a:endParaRPr lang="en-NZ" dirty="0"/>
+          </a:p>
+          <a:p>
+            <a:pPr lvl="2"/>
+            <a:r>
+              <a:rPr lang="en-NZ" dirty="0" err="1"/>
+              <a:t>Verweis</a:t>
+            </a:r>
+            <a:r>
+              <a:rPr lang="en-NZ" dirty="0"/>
+              <a:t> auf </a:t>
+            </a:r>
+            <a:r>
+              <a:rPr lang="en-NZ" dirty="0" err="1"/>
+              <a:t>Detailseite</a:t>
+            </a:r>
+            <a:endParaRPr lang="en-NZ" dirty="0"/>
+          </a:p>
+          <a:p>
+            <a:r>
+              <a:rPr lang="en-NZ" dirty="0" err="1"/>
+              <a:t>Werden</a:t>
+            </a:r>
+            <a:r>
+              <a:rPr lang="en-NZ" dirty="0"/>
+              <a:t> in </a:t>
+            </a:r>
+            <a:r>
+              <a:rPr lang="en-NZ" dirty="0" err="1"/>
+              <a:t>gleicher</a:t>
             </a:r>
             <a:r>
               <a:rPr lang="en-NZ" dirty="0"/>
@@ -8630,34 +9217,7 @@
             </a:r>
             <a:r>
               <a:rPr lang="en-NZ" dirty="0" err="1"/>
-              <a:t>Wildcardoperator</a:t>
-            </a:r>
-            <a:r>
-              <a:rPr lang="en-NZ" dirty="0"/>
-              <a:t> (</a:t>
-            </a:r>
-            <a:r>
-              <a:rPr lang="en-NZ" b="1" i="1" dirty="0"/>
-              <a:t>%</a:t>
-            </a:r>
-            <a:r>
-              <a:rPr lang="en-NZ" dirty="0"/>
-              <a:t>) </a:t>
-            </a:r>
-            <a:r>
-              <a:rPr lang="en-NZ" dirty="0" err="1"/>
-              <a:t>benötigt</a:t>
-            </a:r>
-            <a:endParaRPr lang="en-NZ" dirty="0"/>
-          </a:p>
-          <a:p>
-            <a:r>
-              <a:rPr lang="en-NZ" dirty="0"/>
-              <a:t>Problem: </a:t>
-            </a:r>
-            <a:r>
-              <a:rPr lang="en-NZ" dirty="0" err="1"/>
-              <a:t>Suchanfrage</a:t>
+              <a:t>Methode</a:t>
             </a:r>
             <a:r>
               <a:rPr lang="en-NZ" dirty="0"/>
@@ -8665,19 +9225,22 @@
             </a:r>
             <a:r>
               <a:rPr lang="en-NZ" dirty="0" err="1"/>
-              <a:t>wird</a:t>
+              <a:t>zugefügt</a:t>
+            </a:r>
+            <a:endParaRPr lang="en-NZ" dirty="0"/>
+          </a:p>
+          <a:p>
+            <a:r>
+              <a:rPr lang="en-NZ" dirty="0" err="1"/>
+              <a:t>Idee</a:t>
             </a:r>
             <a:r>
               <a:rPr lang="en-NZ" dirty="0"/>
-              <a:t> encoded: </a:t>
-            </a:r>
-            <a:r>
-              <a:rPr lang="en-NZ" b="1" i="1" dirty="0"/>
-              <a:t>%AB </a:t>
+              <a:t>: </a:t>
             </a:r>
             <a:r>
               <a:rPr lang="en-NZ" dirty="0" err="1"/>
-              <a:t>wird</a:t>
+              <a:t>Enum</a:t>
             </a:r>
             <a:r>
               <a:rPr lang="en-NZ" dirty="0"/>
@@ -8685,21 +9248,7 @@
             </a:r>
             <a:r>
               <a:rPr lang="en-NZ" dirty="0" err="1"/>
-              <a:t>zu</a:t>
-            </a:r>
-            <a:r>
-              <a:rPr lang="en-NZ" dirty="0"/>
-              <a:t>  </a:t>
-            </a:r>
-            <a:r>
-              <a:rPr lang="en-NZ" b="1" i="1" dirty="0"/>
-              <a:t>«</a:t>
-            </a:r>
-          </a:p>
-          <a:p>
-            <a:r>
-              <a:rPr lang="en-NZ" dirty="0" err="1"/>
-              <a:t>Wildcardoperator</a:t>
+              <a:t>zum</a:t>
             </a:r>
             <a:r>
               <a:rPr lang="en-NZ" dirty="0"/>
@@ -8707,15 +9256,22 @@
             </a:r>
             <a:r>
               <a:rPr lang="en-NZ" dirty="0" err="1"/>
-              <a:t>musste</a:t>
+              <a:t>Unterscheiden</a:t>
+            </a:r>
+            <a:endParaRPr lang="en-NZ" dirty="0"/>
+          </a:p>
+          <a:p>
+            <a:r>
+              <a:rPr lang="en-NZ" dirty="0" err="1"/>
+              <a:t>Vorteil</a:t>
             </a:r>
             <a:r>
               <a:rPr lang="en-NZ" dirty="0"/>
-              <a:t> neu </a:t>
+              <a:t>: </a:t>
             </a:r>
             <a:r>
               <a:rPr lang="en-NZ" dirty="0" err="1"/>
-              <a:t>definiert</a:t>
+              <a:t>Keine</a:t>
             </a:r>
             <a:r>
               <a:rPr lang="en-NZ" dirty="0"/>
@@ -8723,9 +9279,41 @@
             </a:r>
             <a:r>
               <a:rPr lang="en-NZ" dirty="0" err="1"/>
-              <a:t>werden</a:t>
-            </a:r>
-            <a:endParaRPr lang="en-NZ" dirty="0"/>
+              <a:t>zweite</a:t>
+            </a:r>
+            <a:r>
+              <a:rPr lang="en-NZ" dirty="0"/>
+              <a:t> </a:t>
+            </a:r>
+            <a:r>
+              <a:rPr lang="en-NZ" dirty="0" err="1"/>
+              <a:t>Methode</a:t>
+            </a:r>
+            <a:r>
+              <a:rPr lang="en-NZ" dirty="0"/>
+              <a:t> </a:t>
+            </a:r>
+            <a:r>
+              <a:rPr lang="en-NZ" dirty="0" err="1"/>
+              <a:t>für</a:t>
+            </a:r>
+            <a:r>
+              <a:rPr lang="en-NZ" dirty="0"/>
+              <a:t> </a:t>
+            </a:r>
+            <a:r>
+              <a:rPr lang="en-NZ" dirty="0" err="1"/>
+              <a:t>gleichen</a:t>
+            </a:r>
+            <a:r>
+              <a:rPr lang="en-NZ" dirty="0"/>
+              <a:t> </a:t>
+            </a:r>
+            <a:r>
+              <a:rPr lang="en-NZ" dirty="0" err="1"/>
+              <a:t>Anwendungsfall</a:t>
+            </a:r>
+            <a:endParaRPr lang="de-DE" dirty="0"/>
           </a:p>
         </p:txBody>
       </p:sp>
@@ -8745,12 +9333,7 @@
             <p:ph type="ftr" sz="quarter" idx="11"/>
           </p:nvPr>
         </p:nvSpPr>
-        <p:spPr>
-          <a:xfrm>
-            <a:off x="4038600" y="6356350"/>
-            <a:ext cx="4114800" cy="365125"/>
-          </a:xfrm>
-        </p:spPr>
+        <p:spPr/>
         <p:txBody>
           <a:bodyPr/>
           <a:lstStyle/>
@@ -8778,12 +9361,7 @@
             <p:ph type="sldNum" sz="quarter" idx="12"/>
           </p:nvPr>
         </p:nvSpPr>
-        <p:spPr>
-          <a:xfrm>
-            <a:off x="8610600" y="6356350"/>
-            <a:ext cx="2743200" cy="365125"/>
-          </a:xfrm>
-        </p:spPr>
+        <p:spPr/>
         <p:txBody>
           <a:bodyPr/>
           <a:lstStyle/>
@@ -8798,10 +9376,10 @@
       </p:sp>
       <p:pic>
         <p:nvPicPr>
-          <p:cNvPr id="12" name="Picture 11">
-            <a:extLst>
-              <a:ext uri="{FF2B5EF4-FFF2-40B4-BE49-F238E27FC236}">
-                <a16:creationId xmlns:a16="http://schemas.microsoft.com/office/drawing/2014/main" id="{4952C6A9-A774-46DB-BDF1-F673FA48CDFD}"/>
+          <p:cNvPr id="8" name="Picture 7">
+            <a:extLst>
+              <a:ext uri="{FF2B5EF4-FFF2-40B4-BE49-F238E27FC236}">
+                <a16:creationId xmlns:a16="http://schemas.microsoft.com/office/drawing/2014/main" id="{727B0294-0674-43BC-BDB7-4BEB8B9EBA86}"/>
               </a:ext>
             </a:extLst>
           </p:cNvPr>
@@ -8824,8 +9402,44 @@
         </p:blipFill>
         <p:spPr>
           <a:xfrm>
-            <a:off x="204950" y="4377205"/>
-            <a:ext cx="11782100" cy="1189273"/>
+            <a:off x="5753100" y="2112645"/>
+            <a:ext cx="5715000" cy="213360"/>
+          </a:xfrm>
+          <a:prstGeom prst="rect">
+            <a:avLst/>
+          </a:prstGeom>
+        </p:spPr>
+      </p:pic>
+      <p:pic>
+        <p:nvPicPr>
+          <p:cNvPr id="10" name="Picture 9" descr="A screenshot of a cell phone&#10;&#10;Description automatically generated">
+            <a:extLst>
+              <a:ext uri="{FF2B5EF4-FFF2-40B4-BE49-F238E27FC236}">
+                <a16:creationId xmlns:a16="http://schemas.microsoft.com/office/drawing/2014/main" id="{49618CDA-DEB7-47DC-9E64-77CBE909E0AE}"/>
+              </a:ext>
+            </a:extLst>
+          </p:cNvPr>
+          <p:cNvPicPr>
+            <a:picLocks noChangeAspect="1"/>
+          </p:cNvPicPr>
+          <p:nvPr/>
+        </p:nvPicPr>
+        <p:blipFill>
+          <a:blip r:embed="rId3">
+            <a:extLst>
+              <a:ext uri="{28A0092B-C50C-407E-A947-70E740481C1C}">
+                <a14:useLocalDpi xmlns:a14="http://schemas.microsoft.com/office/drawing/2010/main" val="0"/>
+              </a:ext>
+            </a:extLst>
+          </a:blip>
+          <a:stretch>
+            <a:fillRect/>
+          </a:stretch>
+        </p:blipFill>
+        <p:spPr>
+          <a:xfrm>
+            <a:off x="6019800" y="2396490"/>
+            <a:ext cx="4808220" cy="2065020"/>
           </a:xfrm>
           <a:prstGeom prst="rect">
             <a:avLst/>
@@ -8835,7 +9449,7 @@
     </p:spTree>
     <p:extLst>
       <p:ext uri="{BB962C8B-B14F-4D97-AF65-F5344CB8AC3E}">
-        <p14:creationId xmlns:p14="http://schemas.microsoft.com/office/powerpoint/2010/main" val="1507256200"/>
+        <p14:creationId xmlns:p14="http://schemas.microsoft.com/office/powerpoint/2010/main" val="1219806837"/>
       </p:ext>
     </p:extLst>
   </p:cSld>
@@ -8886,24 +9500,86 @@
         </p:spPr>
         <p:txBody>
           <a:bodyPr>
+            <a:normAutofit fontScale="90000"/>
+          </a:bodyPr>
+          <a:lstStyle/>
+          <a:p>
+            <a:r>
+              <a:rPr lang="en-NZ"/>
+              <a:t>Codeimplementierungen    – 	Ändern von</a:t>
+            </a:r>
+            <a:br>
+              <a:rPr lang="en-NZ"/>
+            </a:br>
+            <a:r>
+              <a:rPr lang="en-NZ"/>
+              <a:t>							Queryparametern</a:t>
+            </a:r>
+            <a:endParaRPr lang="de-DE" dirty="0"/>
+          </a:p>
+        </p:txBody>
+      </p:sp>
+      <p:sp>
+        <p:nvSpPr>
+          <p:cNvPr id="3" name="Content Placeholder 2">
+            <a:extLst>
+              <a:ext uri="{FF2B5EF4-FFF2-40B4-BE49-F238E27FC236}">
+                <a16:creationId xmlns:a16="http://schemas.microsoft.com/office/drawing/2014/main" id="{3CCB48FF-D0DB-4239-BF7B-3AC940333DEC}"/>
+              </a:ext>
+            </a:extLst>
+          </p:cNvPr>
+          <p:cNvSpPr>
+            <a:spLocks noGrp="1"/>
+          </p:cNvSpPr>
+          <p:nvPr>
+            <p:ph sz="half" idx="1"/>
+          </p:nvPr>
+        </p:nvSpPr>
+        <p:spPr>
+          <a:xfrm>
+            <a:off x="838199" y="1825625"/>
+            <a:ext cx="9267825" cy="4351338"/>
+          </a:xfrm>
+        </p:spPr>
+        <p:txBody>
+          <a:bodyPr>
             <a:normAutofit/>
           </a:bodyPr>
           <a:lstStyle/>
           <a:p>
             <a:r>
               <a:rPr lang="en-NZ" dirty="0" err="1"/>
-              <a:t>Codeimplementierungen</a:t>
+              <a:t>Anfragen</a:t>
             </a:r>
             <a:r>
               <a:rPr lang="en-NZ" dirty="0"/>
-              <a:t>  – 	Backend</a:t>
-            </a:r>
-            <a:br>
+              <a:t> an Backend </a:t>
+            </a:r>
+            <a:r>
+              <a:rPr lang="en-NZ" dirty="0" err="1"/>
+              <a:t>über</a:t>
+            </a:r>
+            <a:r>
               <a:rPr lang="en-NZ" dirty="0"/>
-            </a:br>
+              <a:t> GET</a:t>
+            </a:r>
+          </a:p>
+          <a:p>
+            <a:r>
+              <a:rPr lang="en-NZ" dirty="0" err="1"/>
+              <a:t>Für</a:t>
+            </a:r>
             <a:r>
               <a:rPr lang="en-NZ" dirty="0"/>
-              <a:t>							</a:t>
+              <a:t> Range-Query </a:t>
+            </a:r>
+            <a:r>
+              <a:rPr lang="en-NZ" dirty="0" err="1"/>
+              <a:t>zur</a:t>
+            </a:r>
+            <a:r>
+              <a:rPr lang="en-NZ" dirty="0"/>
+              <a:t> </a:t>
             </a:r>
             <a:r>
               <a:rPr lang="en-NZ" dirty="0" err="1"/>
@@ -8911,47 +9587,109 @@
             </a:r>
             <a:r>
               <a:rPr lang="en-NZ" dirty="0"/>
-              <a:t> I</a:t>
-            </a:r>
-            <a:endParaRPr lang="de-DE" dirty="0"/>
-          </a:p>
-        </p:txBody>
-      </p:sp>
-      <p:pic>
-        <p:nvPicPr>
-          <p:cNvPr id="8" name="Inhaltsplatzhalter 7" descr="Ein Bild, das Screenshot enthält.&#10;&#10;Automatisch generierte Beschreibung">
-            <a:extLst>
-              <a:ext uri="{FF2B5EF4-FFF2-40B4-BE49-F238E27FC236}">
-                <a16:creationId xmlns:a16="http://schemas.microsoft.com/office/drawing/2014/main" id="{E3924121-A383-42BD-A8DC-7D467B374357}"/>
-              </a:ext>
-            </a:extLst>
-          </p:cNvPr>
-          <p:cNvPicPr>
-            <a:picLocks noGrp="1" noChangeAspect="1"/>
-          </p:cNvPicPr>
-          <p:nvPr>
-            <p:ph sz="half" idx="1"/>
-          </p:nvPr>
-        </p:nvPicPr>
-        <p:blipFill>
-          <a:blip r:embed="rId2">
-            <a:extLst>
-              <a:ext uri="{28A0092B-C50C-407E-A947-70E740481C1C}">
-                <a14:useLocalDpi xmlns:a14="http://schemas.microsoft.com/office/drawing/2010/main" val="0"/>
-              </a:ext>
-            </a:extLst>
-          </a:blip>
-          <a:stretch>
-            <a:fillRect/>
-          </a:stretch>
-        </p:blipFill>
-        <p:spPr>
-          <a:xfrm>
-            <a:off x="404089" y="2654125"/>
-            <a:ext cx="5950530" cy="2895499"/>
-          </a:xfrm>
-        </p:spPr>
-      </p:pic>
+              <a:t> </a:t>
+            </a:r>
+            <a:r>
+              <a:rPr lang="en-NZ" dirty="0" err="1"/>
+              <a:t>Wildcardoperator</a:t>
+            </a:r>
+            <a:r>
+              <a:rPr lang="en-NZ" dirty="0"/>
+              <a:t> (</a:t>
+            </a:r>
+            <a:r>
+              <a:rPr lang="en-NZ" b="1" i="1" dirty="0"/>
+              <a:t>%</a:t>
+            </a:r>
+            <a:r>
+              <a:rPr lang="en-NZ" dirty="0"/>
+              <a:t>) </a:t>
+            </a:r>
+            <a:r>
+              <a:rPr lang="en-NZ" dirty="0" err="1"/>
+              <a:t>benötigt</a:t>
+            </a:r>
+            <a:endParaRPr lang="en-NZ" dirty="0"/>
+          </a:p>
+          <a:p>
+            <a:r>
+              <a:rPr lang="en-NZ" dirty="0"/>
+              <a:t>Problem: </a:t>
+            </a:r>
+            <a:r>
+              <a:rPr lang="en-NZ" dirty="0" err="1"/>
+              <a:t>Suchanfrage</a:t>
+            </a:r>
+            <a:r>
+              <a:rPr lang="en-NZ" dirty="0"/>
+              <a:t> </a:t>
+            </a:r>
+            <a:r>
+              <a:rPr lang="en-NZ" dirty="0" err="1"/>
+              <a:t>wird</a:t>
+            </a:r>
+            <a:r>
+              <a:rPr lang="en-NZ" dirty="0"/>
+              <a:t> encoded: </a:t>
+            </a:r>
+            <a:r>
+              <a:rPr lang="en-NZ" b="1" i="1" dirty="0"/>
+              <a:t>%AB </a:t>
+            </a:r>
+            <a:r>
+              <a:rPr lang="en-NZ" dirty="0" err="1"/>
+              <a:t>wird</a:t>
+            </a:r>
+            <a:r>
+              <a:rPr lang="en-NZ" dirty="0"/>
+              <a:t> </a:t>
+            </a:r>
+            <a:r>
+              <a:rPr lang="en-NZ" dirty="0" err="1"/>
+              <a:t>zu</a:t>
+            </a:r>
+            <a:r>
+              <a:rPr lang="en-NZ" dirty="0"/>
+              <a:t>  </a:t>
+            </a:r>
+            <a:r>
+              <a:rPr lang="en-NZ" b="1" i="1" dirty="0"/>
+              <a:t>«</a:t>
+            </a:r>
+          </a:p>
+          <a:p>
+            <a:r>
+              <a:rPr lang="en-NZ" dirty="0" err="1"/>
+              <a:t>Wildcardoperator</a:t>
+            </a:r>
+            <a:r>
+              <a:rPr lang="en-NZ" dirty="0"/>
+              <a:t> </a:t>
+            </a:r>
+            <a:r>
+              <a:rPr lang="en-NZ" dirty="0" err="1"/>
+              <a:t>musste</a:t>
+            </a:r>
+            <a:r>
+              <a:rPr lang="en-NZ" dirty="0"/>
+              <a:t> neu </a:t>
+            </a:r>
+            <a:r>
+              <a:rPr lang="en-NZ" dirty="0" err="1"/>
+              <a:t>definiert</a:t>
+            </a:r>
+            <a:r>
+              <a:rPr lang="en-NZ" dirty="0"/>
+              <a:t> </a:t>
+            </a:r>
+            <a:r>
+              <a:rPr lang="en-NZ" dirty="0" err="1"/>
+              <a:t>werden</a:t>
+            </a:r>
+            <a:endParaRPr lang="en-NZ" dirty="0"/>
+          </a:p>
+        </p:txBody>
+      </p:sp>
       <p:sp>
         <p:nvSpPr>
           <p:cNvPr id="4" name="Footer Placeholder 3">
@@ -9019,47 +9757,12 @@
           </a:p>
         </p:txBody>
       </p:sp>
-      <p:sp>
-        <p:nvSpPr>
-          <p:cNvPr id="9" name="Textfeld 8">
-            <a:extLst>
-              <a:ext uri="{FF2B5EF4-FFF2-40B4-BE49-F238E27FC236}">
-                <a16:creationId xmlns:a16="http://schemas.microsoft.com/office/drawing/2014/main" id="{0BC016EB-C997-45C6-8835-9C6489AE7467}"/>
-              </a:ext>
-            </a:extLst>
-          </p:cNvPr>
-          <p:cNvSpPr txBox="1"/>
-          <p:nvPr/>
-        </p:nvSpPr>
-        <p:spPr>
-          <a:xfrm>
-            <a:off x="1745671" y="2170850"/>
-            <a:ext cx="2655022" cy="369332"/>
-          </a:xfrm>
-          <a:prstGeom prst="rect">
-            <a:avLst/>
-          </a:prstGeom>
-          <a:noFill/>
-        </p:spPr>
-        <p:txBody>
-          <a:bodyPr wrap="none" rtlCol="0">
-            <a:spAutoFit/>
-          </a:bodyPr>
-          <a:lstStyle/>
-          <a:p>
-            <a:r>
-              <a:rPr lang="de-DE" dirty="0"/>
-              <a:t>Parsen der GET-Parameter</a:t>
-            </a:r>
-          </a:p>
-        </p:txBody>
-      </p:sp>
       <p:pic>
         <p:nvPicPr>
-          <p:cNvPr id="11" name="Grafik 10" descr="Ein Bild, das Screenshot enthält.&#10;&#10;Automatisch generierte Beschreibung">
-            <a:extLst>
-              <a:ext uri="{FF2B5EF4-FFF2-40B4-BE49-F238E27FC236}">
-                <a16:creationId xmlns:a16="http://schemas.microsoft.com/office/drawing/2014/main" id="{2788B166-ACA4-49D8-8267-C2B86797E620}"/>
+          <p:cNvPr id="12" name="Picture 11">
+            <a:extLst>
+              <a:ext uri="{FF2B5EF4-FFF2-40B4-BE49-F238E27FC236}">
+                <a16:creationId xmlns:a16="http://schemas.microsoft.com/office/drawing/2014/main" id="{4952C6A9-A774-46DB-BDF1-F673FA48CDFD}"/>
               </a:ext>
             </a:extLst>
           </p:cNvPr>
@@ -9069,7 +9772,7 @@
           <p:nvPr/>
         </p:nvPicPr>
         <p:blipFill>
-          <a:blip r:embed="rId3">
+          <a:blip r:embed="rId2">
             <a:extLst>
               <a:ext uri="{28A0092B-C50C-407E-A947-70E740481C1C}">
                 <a14:useLocalDpi xmlns:a14="http://schemas.microsoft.com/office/drawing/2010/main" val="0"/>
@@ -9082,58 +9785,18 @@
         </p:blipFill>
         <p:spPr>
           <a:xfrm>
-            <a:off x="6902064" y="2654125"/>
-            <a:ext cx="5197657" cy="2895499"/>
+            <a:off x="204950" y="4377205"/>
+            <a:ext cx="11782100" cy="1189273"/>
           </a:xfrm>
           <a:prstGeom prst="rect">
             <a:avLst/>
           </a:prstGeom>
         </p:spPr>
       </p:pic>
-      <p:sp>
-        <p:nvSpPr>
-          <p:cNvPr id="16" name="Textfeld 15">
-            <a:extLst>
-              <a:ext uri="{FF2B5EF4-FFF2-40B4-BE49-F238E27FC236}">
-                <a16:creationId xmlns:a16="http://schemas.microsoft.com/office/drawing/2014/main" id="{3B830095-FAAF-4349-B714-8DEAD2804688}"/>
-              </a:ext>
-            </a:extLst>
-          </p:cNvPr>
-          <p:cNvSpPr txBox="1"/>
-          <p:nvPr/>
-        </p:nvSpPr>
-        <p:spPr>
-          <a:xfrm>
-            <a:off x="7976034" y="2170850"/>
-            <a:ext cx="3066737" cy="369332"/>
-          </a:xfrm>
-          <a:prstGeom prst="rect">
-            <a:avLst/>
-          </a:prstGeom>
-          <a:noFill/>
-        </p:spPr>
-        <p:txBody>
-          <a:bodyPr wrap="none" rtlCol="0">
-            <a:spAutoFit/>
-          </a:bodyPr>
-          <a:lstStyle/>
-          <a:p>
-            <a:r>
-              <a:rPr lang="de-DE" dirty="0"/>
-              <a:t>Einfügen in die </a:t>
-            </a:r>
-            <a:r>
-              <a:rPr lang="de-DE" dirty="0" err="1"/>
-              <a:t>PreparedQuery</a:t>
-            </a:r>
-            <a:endParaRPr lang="de-DE" dirty="0"/>
-          </a:p>
-        </p:txBody>
-      </p:sp>
     </p:spTree>
     <p:extLst>
       <p:ext uri="{BB962C8B-B14F-4D97-AF65-F5344CB8AC3E}">
-        <p14:creationId xmlns:p14="http://schemas.microsoft.com/office/powerpoint/2010/main" val="622820045"/>
+        <p14:creationId xmlns:p14="http://schemas.microsoft.com/office/powerpoint/2010/main" val="1507256200"/>
       </p:ext>
     </p:extLst>
   </p:cSld>
@@ -9209,12 +9872,47 @@
             </a:r>
             <a:r>
               <a:rPr lang="en-NZ" dirty="0"/>
-              <a:t> II</a:t>
+              <a:t> I</a:t>
             </a:r>
             <a:endParaRPr lang="de-DE" dirty="0"/>
           </a:p>
         </p:txBody>
       </p:sp>
+      <p:pic>
+        <p:nvPicPr>
+          <p:cNvPr id="8" name="Inhaltsplatzhalter 7" descr="Ein Bild, das Screenshot enthält.&#10;&#10;Automatisch generierte Beschreibung">
+            <a:extLst>
+              <a:ext uri="{FF2B5EF4-FFF2-40B4-BE49-F238E27FC236}">
+                <a16:creationId xmlns:a16="http://schemas.microsoft.com/office/drawing/2014/main" id="{E3924121-A383-42BD-A8DC-7D467B374357}"/>
+              </a:ext>
+            </a:extLst>
+          </p:cNvPr>
+          <p:cNvPicPr>
+            <a:picLocks noGrp="1" noChangeAspect="1"/>
+          </p:cNvPicPr>
+          <p:nvPr>
+            <p:ph sz="half" idx="1"/>
+          </p:nvPr>
+        </p:nvPicPr>
+        <p:blipFill>
+          <a:blip r:embed="rId2">
+            <a:extLst>
+              <a:ext uri="{28A0092B-C50C-407E-A947-70E740481C1C}">
+                <a14:useLocalDpi xmlns:a14="http://schemas.microsoft.com/office/drawing/2010/main" val="0"/>
+              </a:ext>
+            </a:extLst>
+          </a:blip>
+          <a:stretch>
+            <a:fillRect/>
+          </a:stretch>
+        </p:blipFill>
+        <p:spPr>
+          <a:xfrm>
+            <a:off x="404089" y="2654125"/>
+            <a:ext cx="5950530" cy="2895499"/>
+          </a:xfrm>
+        </p:spPr>
+      </p:pic>
       <p:sp>
         <p:nvSpPr>
           <p:cNvPr id="4" name="Footer Placeholder 3">
@@ -9296,8 +9994,8 @@
         </p:nvSpPr>
         <p:spPr>
           <a:xfrm>
-            <a:off x="4123633" y="2114068"/>
-            <a:ext cx="3944734" cy="369332"/>
+            <a:off x="1745671" y="2170850"/>
+            <a:ext cx="2655022" cy="369332"/>
           </a:xfrm>
           <a:prstGeom prst="rect">
             <a:avLst/>
@@ -9312,17 +10010,17 @@
           <a:p>
             <a:r>
               <a:rPr lang="de-DE" dirty="0"/>
-              <a:t>Parameter binden, Ersetzung von § zu %</a:t>
+              <a:t>Parsen der GET-Parameter</a:t>
             </a:r>
           </a:p>
         </p:txBody>
       </p:sp>
       <p:pic>
         <p:nvPicPr>
-          <p:cNvPr id="6" name="Grafik 5" descr="Ein Bild, das Messer enthält.&#10;&#10;Automatisch generierte Beschreibung">
-            <a:extLst>
-              <a:ext uri="{FF2B5EF4-FFF2-40B4-BE49-F238E27FC236}">
-                <a16:creationId xmlns:a16="http://schemas.microsoft.com/office/drawing/2014/main" id="{33492598-0506-4F48-9736-08ECA55DD99C}"/>
+          <p:cNvPr id="11" name="Grafik 10" descr="Ein Bild, das Screenshot enthält.&#10;&#10;Automatisch generierte Beschreibung">
+            <a:extLst>
+              <a:ext uri="{FF2B5EF4-FFF2-40B4-BE49-F238E27FC236}">
+                <a16:creationId xmlns:a16="http://schemas.microsoft.com/office/drawing/2014/main" id="{2788B166-ACA4-49D8-8267-C2B86797E620}"/>
               </a:ext>
             </a:extLst>
           </p:cNvPr>
@@ -9332,7 +10030,7 @@
           <p:nvPr/>
         </p:nvPicPr>
         <p:blipFill>
-          <a:blip r:embed="rId2">
+          <a:blip r:embed="rId3">
             <a:extLst>
               <a:ext uri="{28A0092B-C50C-407E-A947-70E740481C1C}">
                 <a14:useLocalDpi xmlns:a14="http://schemas.microsoft.com/office/drawing/2010/main" val="0"/>
@@ -9345,18 +10043,58 @@
         </p:blipFill>
         <p:spPr>
           <a:xfrm>
-            <a:off x="2342626" y="2776583"/>
-            <a:ext cx="7506748" cy="1095528"/>
+            <a:off x="6902064" y="2654125"/>
+            <a:ext cx="5197657" cy="2895499"/>
           </a:xfrm>
           <a:prstGeom prst="rect">
             <a:avLst/>
           </a:prstGeom>
         </p:spPr>
       </p:pic>
+      <p:sp>
+        <p:nvSpPr>
+          <p:cNvPr id="16" name="Textfeld 15">
+            <a:extLst>
+              <a:ext uri="{FF2B5EF4-FFF2-40B4-BE49-F238E27FC236}">
+                <a16:creationId xmlns:a16="http://schemas.microsoft.com/office/drawing/2014/main" id="{3B830095-FAAF-4349-B714-8DEAD2804688}"/>
+              </a:ext>
+            </a:extLst>
+          </p:cNvPr>
+          <p:cNvSpPr txBox="1"/>
+          <p:nvPr/>
+        </p:nvSpPr>
+        <p:spPr>
+          <a:xfrm>
+            <a:off x="7976034" y="2170850"/>
+            <a:ext cx="3066737" cy="369332"/>
+          </a:xfrm>
+          <a:prstGeom prst="rect">
+            <a:avLst/>
+          </a:prstGeom>
+          <a:noFill/>
+        </p:spPr>
+        <p:txBody>
+          <a:bodyPr wrap="none" rtlCol="0">
+            <a:spAutoFit/>
+          </a:bodyPr>
+          <a:lstStyle/>
+          <a:p>
+            <a:r>
+              <a:rPr lang="de-DE" dirty="0"/>
+              <a:t>Einfügen in die </a:t>
+            </a:r>
+            <a:r>
+              <a:rPr lang="de-DE" dirty="0" err="1"/>
+              <a:t>PreparedQuery</a:t>
+            </a:r>
+            <a:endParaRPr lang="de-DE" dirty="0"/>
+          </a:p>
+        </p:txBody>
+      </p:sp>
     </p:spTree>
     <p:extLst>
       <p:ext uri="{BB962C8B-B14F-4D97-AF65-F5344CB8AC3E}">
-        <p14:creationId xmlns:p14="http://schemas.microsoft.com/office/powerpoint/2010/main" val="1073039314"/>
+        <p14:creationId xmlns:p14="http://schemas.microsoft.com/office/powerpoint/2010/main" val="622820045"/>
       </p:ext>
     </p:extLst>
   </p:cSld>
@@ -9428,138 +10166,13 @@
             </a:r>
             <a:r>
               <a:rPr lang="en-NZ" dirty="0" err="1"/>
-              <a:t>Kommentare</a:t>
+              <a:t>Suche</a:t>
+            </a:r>
+            <a:r>
+              <a:rPr lang="en-NZ" dirty="0"/>
+              <a:t> II</a:t>
             </a:r>
             <a:endParaRPr lang="de-DE" dirty="0"/>
-          </a:p>
-        </p:txBody>
-      </p:sp>
-      <p:sp>
-        <p:nvSpPr>
-          <p:cNvPr id="3" name="Content Placeholder 2">
-            <a:extLst>
-              <a:ext uri="{FF2B5EF4-FFF2-40B4-BE49-F238E27FC236}">
-                <a16:creationId xmlns:a16="http://schemas.microsoft.com/office/drawing/2014/main" id="{3CCB48FF-D0DB-4239-BF7B-3AC940333DEC}"/>
-              </a:ext>
-            </a:extLst>
-          </p:cNvPr>
-          <p:cNvSpPr>
-            <a:spLocks noGrp="1"/>
-          </p:cNvSpPr>
-          <p:nvPr>
-            <p:ph sz="half" idx="1"/>
-          </p:nvPr>
-        </p:nvSpPr>
-        <p:spPr>
-          <a:xfrm>
-            <a:off x="838200" y="1825624"/>
-            <a:ext cx="3706091" cy="4055627"/>
-          </a:xfrm>
-        </p:spPr>
-        <p:txBody>
-          <a:bodyPr>
-            <a:normAutofit/>
-          </a:bodyPr>
-          <a:lstStyle/>
-          <a:p>
-            <a:r>
-              <a:rPr lang="en-NZ" dirty="0" err="1"/>
-              <a:t>Kommentare</a:t>
-            </a:r>
-            <a:r>
-              <a:rPr lang="en-NZ" dirty="0"/>
-              <a:t> </a:t>
-            </a:r>
-            <a:r>
-              <a:rPr lang="en-NZ" dirty="0" err="1"/>
-              <a:t>können</a:t>
-            </a:r>
-            <a:r>
-              <a:rPr lang="en-NZ" dirty="0"/>
-              <a:t> </a:t>
-            </a:r>
-            <a:r>
-              <a:rPr lang="en-NZ" dirty="0" err="1"/>
-              <a:t>verschachtelt</a:t>
-            </a:r>
-            <a:r>
-              <a:rPr lang="en-NZ" dirty="0"/>
-              <a:t> </a:t>
-            </a:r>
-            <a:r>
-              <a:rPr lang="en-NZ" dirty="0" err="1"/>
-              <a:t>werden</a:t>
-            </a:r>
-            <a:endParaRPr lang="en-NZ" dirty="0"/>
-          </a:p>
-          <a:p>
-            <a:r>
-              <a:rPr lang="en-NZ" dirty="0"/>
-              <a:t>Parent-</a:t>
-            </a:r>
-            <a:r>
-              <a:rPr lang="en-NZ" dirty="0" err="1"/>
-              <a:t>Kommentare</a:t>
-            </a:r>
-            <a:r>
-              <a:rPr lang="en-NZ" dirty="0"/>
-              <a:t> </a:t>
-            </a:r>
-            <a:r>
-              <a:rPr lang="en-NZ" dirty="0" err="1"/>
-              <a:t>müssen</a:t>
-            </a:r>
-            <a:r>
-              <a:rPr lang="en-NZ" dirty="0"/>
-              <a:t> </a:t>
-            </a:r>
-            <a:r>
-              <a:rPr lang="en-NZ" dirty="0" err="1"/>
-              <a:t>referenziert</a:t>
-            </a:r>
-            <a:r>
-              <a:rPr lang="en-NZ" dirty="0"/>
-              <a:t> </a:t>
-            </a:r>
-            <a:r>
-              <a:rPr lang="en-NZ" dirty="0" err="1"/>
-              <a:t>werden</a:t>
-            </a:r>
-            <a:endParaRPr lang="en-NZ" dirty="0"/>
-          </a:p>
-          <a:p>
-            <a:pPr lvl="1">
-              <a:buFont typeface="Symbol" panose="05050102010706020507" pitchFamily="18" charset="2"/>
-              <a:buChar char="-"/>
-            </a:pPr>
-            <a:r>
-              <a:rPr lang="en-NZ" dirty="0"/>
-              <a:t>SWAC </a:t>
-            </a:r>
-            <a:r>
-              <a:rPr lang="en-NZ" dirty="0" err="1"/>
-              <a:t>übernimmt</a:t>
-            </a:r>
-            <a:r>
-              <a:rPr lang="en-NZ" dirty="0"/>
-              <a:t> </a:t>
-            </a:r>
-            <a:r>
-              <a:rPr lang="en-NZ" dirty="0" err="1"/>
-              <a:t>rekursiven</a:t>
-            </a:r>
-            <a:r>
-              <a:rPr lang="en-NZ" dirty="0"/>
-              <a:t> </a:t>
-            </a:r>
-            <a:r>
-              <a:rPr lang="en-NZ" dirty="0" err="1"/>
-              <a:t>Aufruf</a:t>
-            </a:r>
-            <a:endParaRPr lang="en-NZ" dirty="0"/>
-          </a:p>
-          <a:p>
-            <a:endParaRPr lang="en-NZ" dirty="0"/>
           </a:p>
         </p:txBody>
       </p:sp>
@@ -9630,12 +10243,47 @@
           </a:p>
         </p:txBody>
       </p:sp>
+      <p:sp>
+        <p:nvSpPr>
+          <p:cNvPr id="9" name="Textfeld 8">
+            <a:extLst>
+              <a:ext uri="{FF2B5EF4-FFF2-40B4-BE49-F238E27FC236}">
+                <a16:creationId xmlns:a16="http://schemas.microsoft.com/office/drawing/2014/main" id="{0BC016EB-C997-45C6-8835-9C6489AE7467}"/>
+              </a:ext>
+            </a:extLst>
+          </p:cNvPr>
+          <p:cNvSpPr txBox="1"/>
+          <p:nvPr/>
+        </p:nvSpPr>
+        <p:spPr>
+          <a:xfrm>
+            <a:off x="4123633" y="2114068"/>
+            <a:ext cx="3944734" cy="369332"/>
+          </a:xfrm>
+          <a:prstGeom prst="rect">
+            <a:avLst/>
+          </a:prstGeom>
+          <a:noFill/>
+        </p:spPr>
+        <p:txBody>
+          <a:bodyPr wrap="none" rtlCol="0">
+            <a:spAutoFit/>
+          </a:bodyPr>
+          <a:lstStyle/>
+          <a:p>
+            <a:r>
+              <a:rPr lang="de-DE" dirty="0"/>
+              <a:t>Parameter binden, Ersetzung von § zu %</a:t>
+            </a:r>
+          </a:p>
+        </p:txBody>
+      </p:sp>
       <p:pic>
         <p:nvPicPr>
-          <p:cNvPr id="7" name="Grafik 6" descr="Ein Bild, das Screenshot enthält.&#10;&#10;Automatisch generierte Beschreibung">
-            <a:extLst>
-              <a:ext uri="{FF2B5EF4-FFF2-40B4-BE49-F238E27FC236}">
-                <a16:creationId xmlns:a16="http://schemas.microsoft.com/office/drawing/2014/main" id="{C6D8A160-082B-4802-BCC8-63E68D79088A}"/>
+          <p:cNvPr id="6" name="Grafik 5" descr="Ein Bild, das Messer enthält.&#10;&#10;Automatisch generierte Beschreibung">
+            <a:extLst>
+              <a:ext uri="{FF2B5EF4-FFF2-40B4-BE49-F238E27FC236}">
+                <a16:creationId xmlns:a16="http://schemas.microsoft.com/office/drawing/2014/main" id="{33492598-0506-4F48-9736-08ECA55DD99C}"/>
               </a:ext>
             </a:extLst>
           </p:cNvPr>
@@ -9658,8 +10306,8 @@
         </p:blipFill>
         <p:spPr>
           <a:xfrm>
-            <a:off x="5281148" y="2947142"/>
-            <a:ext cx="6658904" cy="2934109"/>
+            <a:off x="2342626" y="2776583"/>
+            <a:ext cx="7506748" cy="1095528"/>
           </a:xfrm>
           <a:prstGeom prst="rect">
             <a:avLst/>
@@ -9669,7 +10317,7 @@
     </p:spTree>
     <p:extLst>
       <p:ext uri="{BB962C8B-B14F-4D97-AF65-F5344CB8AC3E}">
-        <p14:creationId xmlns:p14="http://schemas.microsoft.com/office/powerpoint/2010/main" val="1642630570"/>
+        <p14:creationId xmlns:p14="http://schemas.microsoft.com/office/powerpoint/2010/main" val="1073039314"/>
       </p:ext>
     </p:extLst>
   </p:cSld>
@@ -9737,7 +10385,11 @@
             </a:br>
             <a:r>
               <a:rPr lang="en-NZ" dirty="0"/>
-              <a:t>							Media</a:t>
+              <a:t>							</a:t>
+            </a:r>
+            <a:r>
+              <a:rPr lang="en-NZ" dirty="0" err="1"/>
+              <a:t>Kommentare</a:t>
             </a:r>
             <a:endParaRPr lang="de-DE" dirty="0"/>
           </a:p>
@@ -9761,48 +10413,109 @@
         </p:nvSpPr>
         <p:spPr>
           <a:xfrm>
-            <a:off x="527804" y="2073804"/>
-            <a:ext cx="5923327" cy="1009854"/>
+            <a:off x="838200" y="1825624"/>
+            <a:ext cx="3706091" cy="4055627"/>
           </a:xfrm>
         </p:spPr>
         <p:txBody>
           <a:bodyPr>
-            <a:normAutofit fontScale="92500"/>
+            <a:normAutofit/>
           </a:bodyPr>
           <a:lstStyle/>
           <a:p>
-            <a:pPr marL="0" indent="0">
-              <a:buNone/>
+            <a:r>
+              <a:rPr lang="en-NZ" dirty="0" err="1"/>
+              <a:t>Kommentare</a:t>
+            </a:r>
+            <a:r>
+              <a:rPr lang="en-NZ" dirty="0"/>
+              <a:t> </a:t>
+            </a:r>
+            <a:r>
+              <a:rPr lang="en-NZ" dirty="0" err="1"/>
+              <a:t>können</a:t>
+            </a:r>
+            <a:r>
+              <a:rPr lang="en-NZ" dirty="0"/>
+              <a:t> </a:t>
+            </a:r>
+            <a:r>
+              <a:rPr lang="en-NZ" dirty="0" err="1"/>
+              <a:t>verschachtelt</a:t>
+            </a:r>
+            <a:r>
+              <a:rPr lang="en-NZ" dirty="0"/>
+              <a:t> </a:t>
+            </a:r>
+            <a:r>
+              <a:rPr lang="en-NZ" dirty="0" err="1"/>
+              <a:t>werden</a:t>
+            </a:r>
+            <a:endParaRPr lang="en-NZ" dirty="0"/>
+          </a:p>
+          <a:p>
+            <a:r>
+              <a:rPr lang="en-NZ" dirty="0"/>
+              <a:t>Parent-</a:t>
+            </a:r>
+            <a:r>
+              <a:rPr lang="en-NZ" dirty="0" err="1"/>
+              <a:t>Kommentare</a:t>
+            </a:r>
+            <a:r>
+              <a:rPr lang="en-NZ" dirty="0"/>
+              <a:t> </a:t>
+            </a:r>
+            <a:r>
+              <a:rPr lang="en-NZ" dirty="0" err="1"/>
+              <a:t>müssen</a:t>
+            </a:r>
+            <a:r>
+              <a:rPr lang="en-NZ" dirty="0"/>
+              <a:t> </a:t>
+            </a:r>
+            <a:r>
+              <a:rPr lang="en-NZ" dirty="0" err="1"/>
+              <a:t>referenziert</a:t>
+            </a:r>
+            <a:r>
+              <a:rPr lang="en-NZ" dirty="0"/>
+              <a:t> </a:t>
+            </a:r>
+            <a:r>
+              <a:rPr lang="en-NZ" dirty="0" err="1"/>
+              <a:t>werden</a:t>
+            </a:r>
+            <a:endParaRPr lang="en-NZ" dirty="0"/>
+          </a:p>
+          <a:p>
+            <a:pPr lvl="1">
+              <a:buFont typeface="Symbol" panose="05050102010706020507" pitchFamily="18" charset="2"/>
+              <a:buChar char="-"/>
             </a:pPr>
             <a:r>
+              <a:rPr lang="en-NZ" dirty="0"/>
+              <a:t>SWAC </a:t>
+            </a:r>
+            <a:r>
               <a:rPr lang="en-NZ" dirty="0" err="1"/>
-              <a:t>Vorher</a:t>
+              <a:t>übernimmt</a:t>
             </a:r>
             <a:r>
               <a:rPr lang="en-NZ" dirty="0"/>
-              <a:t>	Media n : 1 </a:t>
+              <a:t> </a:t>
             </a:r>
             <a:r>
               <a:rPr lang="en-NZ" dirty="0" err="1"/>
-              <a:t>ObservedObject</a:t>
-            </a:r>
-            <a:endParaRPr lang="en-NZ" dirty="0"/>
-          </a:p>
-          <a:p>
-            <a:pPr marL="0" indent="0">
-              <a:buNone/>
-            </a:pPr>
+              <a:t>rekursiven</a:t>
+            </a:r>
+            <a:r>
+              <a:rPr lang="en-NZ" dirty="0"/>
+              <a:t> </a:t>
+            </a:r>
             <a:r>
               <a:rPr lang="en-NZ" dirty="0" err="1"/>
-              <a:t>Ziel</a:t>
-            </a:r>
-            <a:r>
-              <a:rPr lang="en-NZ" dirty="0"/>
-              <a:t>		Media n : m </a:t>
-            </a:r>
-            <a:r>
-              <a:rPr lang="en-NZ" dirty="0" err="1"/>
-              <a:t>ObservedObject</a:t>
+              <a:t>Aufruf</a:t>
             </a:r>
             <a:endParaRPr lang="en-NZ" dirty="0"/>
           </a:p>
@@ -9880,10 +10593,10 @@
       </p:sp>
       <p:pic>
         <p:nvPicPr>
-          <p:cNvPr id="8" name="Grafik 7">
-            <a:extLst>
-              <a:ext uri="{FF2B5EF4-FFF2-40B4-BE49-F238E27FC236}">
-                <a16:creationId xmlns:a16="http://schemas.microsoft.com/office/drawing/2014/main" id="{269F6777-DAC5-4237-8396-8FB8169A6384}"/>
+          <p:cNvPr id="7" name="Grafik 6" descr="Ein Bild, das Screenshot enthält.&#10;&#10;Automatisch generierte Beschreibung">
+            <a:extLst>
+              <a:ext uri="{FF2B5EF4-FFF2-40B4-BE49-F238E27FC236}">
+                <a16:creationId xmlns:a16="http://schemas.microsoft.com/office/drawing/2014/main" id="{C6D8A160-082B-4802-BCC8-63E68D79088A}"/>
               </a:ext>
             </a:extLst>
           </p:cNvPr>
@@ -9906,145 +10619,18 @@
         </p:blipFill>
         <p:spPr>
           <a:xfrm>
-            <a:off x="583938" y="4768978"/>
-            <a:ext cx="5811061" cy="400106"/>
+            <a:off x="5281148" y="2947142"/>
+            <a:ext cx="6658904" cy="2934109"/>
           </a:xfrm>
           <a:prstGeom prst="rect">
             <a:avLst/>
           </a:prstGeom>
         </p:spPr>
       </p:pic>
-      <p:pic>
-        <p:nvPicPr>
-          <p:cNvPr id="10" name="Grafik 9" descr="Ein Bild, das Screenshot enthält.&#10;&#10;Automatisch generierte Beschreibung">
-            <a:extLst>
-              <a:ext uri="{FF2B5EF4-FFF2-40B4-BE49-F238E27FC236}">
-                <a16:creationId xmlns:a16="http://schemas.microsoft.com/office/drawing/2014/main" id="{14490D41-80A0-4C33-A2CF-D3BAF9AE9CF6}"/>
-              </a:ext>
-            </a:extLst>
-          </p:cNvPr>
-          <p:cNvPicPr>
-            <a:picLocks noChangeAspect="1"/>
-          </p:cNvPicPr>
-          <p:nvPr/>
-        </p:nvPicPr>
-        <p:blipFill>
-          <a:blip r:embed="rId3">
-            <a:extLst>
-              <a:ext uri="{28A0092B-C50C-407E-A947-70E740481C1C}">
-                <a14:useLocalDpi xmlns:a14="http://schemas.microsoft.com/office/drawing/2010/main" val="0"/>
-              </a:ext>
-            </a:extLst>
-          </a:blip>
-          <a:stretch>
-            <a:fillRect/>
-          </a:stretch>
-        </p:blipFill>
-        <p:spPr>
-          <a:xfrm>
-            <a:off x="7734416" y="3911608"/>
-            <a:ext cx="3296110" cy="2114845"/>
-          </a:xfrm>
-          <a:prstGeom prst="rect">
-            <a:avLst/>
-          </a:prstGeom>
-        </p:spPr>
-      </p:pic>
-      <p:sp>
-        <p:nvSpPr>
-          <p:cNvPr id="11" name="Textfeld 10">
-            <a:extLst>
-              <a:ext uri="{FF2B5EF4-FFF2-40B4-BE49-F238E27FC236}">
-                <a16:creationId xmlns:a16="http://schemas.microsoft.com/office/drawing/2014/main" id="{E93B4C1D-B2B1-4CB0-A814-2A2B5321822F}"/>
-              </a:ext>
-            </a:extLst>
-          </p:cNvPr>
-          <p:cNvSpPr txBox="1"/>
-          <p:nvPr/>
-        </p:nvSpPr>
-        <p:spPr>
-          <a:xfrm>
-            <a:off x="989811" y="4222388"/>
-            <a:ext cx="4999317" cy="369332"/>
-          </a:xfrm>
-          <a:prstGeom prst="rect">
-            <a:avLst/>
-          </a:prstGeom>
-          <a:noFill/>
-        </p:spPr>
-        <p:txBody>
-          <a:bodyPr wrap="none" rtlCol="0">
-            <a:spAutoFit/>
-          </a:bodyPr>
-          <a:lstStyle/>
-          <a:p>
-            <a:r>
-              <a:rPr lang="de-DE" dirty="0"/>
-              <a:t>Neuer Verweis in </a:t>
-            </a:r>
-            <a:r>
-              <a:rPr lang="de-DE" dirty="0" err="1"/>
-              <a:t>TblMedia</a:t>
-            </a:r>
-            <a:r>
-              <a:rPr lang="de-DE" dirty="0"/>
-              <a:t> und </a:t>
-            </a:r>
-            <a:r>
-              <a:rPr lang="de-DE" dirty="0" err="1"/>
-              <a:t>TblObservedObject</a:t>
-            </a:r>
-            <a:endParaRPr lang="de-DE" dirty="0"/>
-          </a:p>
-        </p:txBody>
-      </p:sp>
-      <p:sp>
-        <p:nvSpPr>
-          <p:cNvPr id="12" name="Textfeld 11">
-            <a:extLst>
-              <a:ext uri="{FF2B5EF4-FFF2-40B4-BE49-F238E27FC236}">
-                <a16:creationId xmlns:a16="http://schemas.microsoft.com/office/drawing/2014/main" id="{42DBCF64-5F28-4D8C-B161-9DE6DFAB4E36}"/>
-              </a:ext>
-            </a:extLst>
-          </p:cNvPr>
-          <p:cNvSpPr txBox="1"/>
-          <p:nvPr/>
-        </p:nvSpPr>
-        <p:spPr>
-          <a:xfrm>
-            <a:off x="7416801" y="3429000"/>
-            <a:ext cx="4296176" cy="369332"/>
-          </a:xfrm>
-          <a:prstGeom prst="rect">
-            <a:avLst/>
-          </a:prstGeom>
-          <a:noFill/>
-        </p:spPr>
-        <p:txBody>
-          <a:bodyPr wrap="none" rtlCol="0">
-            <a:spAutoFit/>
-          </a:bodyPr>
-          <a:lstStyle/>
-          <a:p>
-            <a:r>
-              <a:rPr lang="de-DE" dirty="0"/>
-              <a:t>n:m Verbindung herstellen in der </a:t>
-            </a:r>
-            <a:r>
-              <a:rPr lang="de-DE" dirty="0" err="1"/>
-              <a:t>Join</a:t>
-            </a:r>
-            <a:r>
-              <a:rPr lang="de-DE" dirty="0"/>
-              <a:t>-Entity</a:t>
-            </a:r>
-          </a:p>
-        </p:txBody>
-      </p:sp>
     </p:spTree>
     <p:extLst>
       <p:ext uri="{BB962C8B-B14F-4D97-AF65-F5344CB8AC3E}">
-        <p14:creationId xmlns:p14="http://schemas.microsoft.com/office/powerpoint/2010/main" val="3339384398"/>
+        <p14:creationId xmlns:p14="http://schemas.microsoft.com/office/powerpoint/2010/main" val="1642630570"/>
       </p:ext>
     </p:extLst>
   </p:cSld>
@@ -10112,9 +10698,77 @@
             </a:br>
             <a:r>
               <a:rPr lang="en-NZ" dirty="0"/>
-              <a:t>							View Requests</a:t>
+              <a:t>							Media</a:t>
             </a:r>
             <a:endParaRPr lang="de-DE" dirty="0"/>
+          </a:p>
+        </p:txBody>
+      </p:sp>
+      <p:sp>
+        <p:nvSpPr>
+          <p:cNvPr id="3" name="Content Placeholder 2">
+            <a:extLst>
+              <a:ext uri="{FF2B5EF4-FFF2-40B4-BE49-F238E27FC236}">
+                <a16:creationId xmlns:a16="http://schemas.microsoft.com/office/drawing/2014/main" id="{3CCB48FF-D0DB-4239-BF7B-3AC940333DEC}"/>
+              </a:ext>
+            </a:extLst>
+          </p:cNvPr>
+          <p:cNvSpPr>
+            <a:spLocks noGrp="1"/>
+          </p:cNvSpPr>
+          <p:nvPr>
+            <p:ph sz="half" idx="1"/>
+          </p:nvPr>
+        </p:nvSpPr>
+        <p:spPr>
+          <a:xfrm>
+            <a:off x="527804" y="2073804"/>
+            <a:ext cx="5923327" cy="1009854"/>
+          </a:xfrm>
+        </p:spPr>
+        <p:txBody>
+          <a:bodyPr>
+            <a:normAutofit fontScale="92500"/>
+          </a:bodyPr>
+          <a:lstStyle/>
+          <a:p>
+            <a:pPr marL="0" indent="0">
+              <a:buNone/>
+            </a:pPr>
+            <a:r>
+              <a:rPr lang="en-NZ" dirty="0" err="1"/>
+              <a:t>Vorher</a:t>
+            </a:r>
+            <a:r>
+              <a:rPr lang="en-NZ" dirty="0"/>
+              <a:t>	Media n : 1 </a:t>
+            </a:r>
+            <a:r>
+              <a:rPr lang="en-NZ" dirty="0" err="1"/>
+              <a:t>ObservedObject</a:t>
+            </a:r>
+            <a:endParaRPr lang="en-NZ" dirty="0"/>
+          </a:p>
+          <a:p>
+            <a:pPr marL="0" indent="0">
+              <a:buNone/>
+            </a:pPr>
+            <a:r>
+              <a:rPr lang="en-NZ" dirty="0" err="1"/>
+              <a:t>Ziel</a:t>
+            </a:r>
+            <a:r>
+              <a:rPr lang="en-NZ" dirty="0"/>
+              <a:t>		Media n : m </a:t>
+            </a:r>
+            <a:r>
+              <a:rPr lang="en-NZ" dirty="0" err="1"/>
+              <a:t>ObservedObject</a:t>
+            </a:r>
+            <a:endParaRPr lang="en-NZ" dirty="0"/>
+          </a:p>
+          <a:p>
+            <a:endParaRPr lang="en-NZ" dirty="0"/>
           </a:p>
         </p:txBody>
       </p:sp>
@@ -10187,10 +10841,10 @@
       </p:sp>
       <p:pic>
         <p:nvPicPr>
-          <p:cNvPr id="13" name="Grafik 12" descr="Ein Bild, das Screenshot enthält.&#10;&#10;Automatisch generierte Beschreibung">
-            <a:extLst>
-              <a:ext uri="{FF2B5EF4-FFF2-40B4-BE49-F238E27FC236}">
-                <a16:creationId xmlns:a16="http://schemas.microsoft.com/office/drawing/2014/main" id="{F8DEC07D-47B3-4C2C-8979-5804656B76FB}"/>
+          <p:cNvPr id="8" name="Grafik 7">
+            <a:extLst>
+              <a:ext uri="{FF2B5EF4-FFF2-40B4-BE49-F238E27FC236}">
+                <a16:creationId xmlns:a16="http://schemas.microsoft.com/office/drawing/2014/main" id="{269F6777-DAC5-4237-8396-8FB8169A6384}"/>
               </a:ext>
             </a:extLst>
           </p:cNvPr>
@@ -10213,20 +10867,56 @@
         </p:blipFill>
         <p:spPr>
           <a:xfrm>
-            <a:off x="4769030" y="2903019"/>
-            <a:ext cx="6768740" cy="3017490"/>
+            <a:off x="583938" y="4768978"/>
+            <a:ext cx="5811061" cy="400106"/>
           </a:xfrm>
           <a:prstGeom prst="rect">
             <a:avLst/>
           </a:prstGeom>
         </p:spPr>
       </p:pic>
-      <p:sp>
-        <p:nvSpPr>
-          <p:cNvPr id="14" name="Textfeld 13">
-            <a:extLst>
-              <a:ext uri="{FF2B5EF4-FFF2-40B4-BE49-F238E27FC236}">
-                <a16:creationId xmlns:a16="http://schemas.microsoft.com/office/drawing/2014/main" id="{E30BC66D-03A0-4C1B-9A50-E7476EEBEA24}"/>
+      <p:pic>
+        <p:nvPicPr>
+          <p:cNvPr id="10" name="Grafik 9" descr="Ein Bild, das Screenshot enthält.&#10;&#10;Automatisch generierte Beschreibung">
+            <a:extLst>
+              <a:ext uri="{FF2B5EF4-FFF2-40B4-BE49-F238E27FC236}">
+                <a16:creationId xmlns:a16="http://schemas.microsoft.com/office/drawing/2014/main" id="{14490D41-80A0-4C33-A2CF-D3BAF9AE9CF6}"/>
+              </a:ext>
+            </a:extLst>
+          </p:cNvPr>
+          <p:cNvPicPr>
+            <a:picLocks noChangeAspect="1"/>
+          </p:cNvPicPr>
+          <p:nvPr/>
+        </p:nvPicPr>
+        <p:blipFill>
+          <a:blip r:embed="rId3">
+            <a:extLst>
+              <a:ext uri="{28A0092B-C50C-407E-A947-70E740481C1C}">
+                <a14:useLocalDpi xmlns:a14="http://schemas.microsoft.com/office/drawing/2010/main" val="0"/>
+              </a:ext>
+            </a:extLst>
+          </a:blip>
+          <a:stretch>
+            <a:fillRect/>
+          </a:stretch>
+        </p:blipFill>
+        <p:spPr>
+          <a:xfrm>
+            <a:off x="7734416" y="3911608"/>
+            <a:ext cx="3296110" cy="2114845"/>
+          </a:xfrm>
+          <a:prstGeom prst="rect">
+            <a:avLst/>
+          </a:prstGeom>
+        </p:spPr>
+      </p:pic>
+      <p:sp>
+        <p:nvSpPr>
+          <p:cNvPr id="11" name="Textfeld 10">
+            <a:extLst>
+              <a:ext uri="{FF2B5EF4-FFF2-40B4-BE49-F238E27FC236}">
+                <a16:creationId xmlns:a16="http://schemas.microsoft.com/office/drawing/2014/main" id="{E93B4C1D-B2B1-4CB0-A814-2A2B5321822F}"/>
               </a:ext>
             </a:extLst>
           </p:cNvPr>
@@ -10235,8 +10925,8 @@
         </p:nvSpPr>
         <p:spPr>
           <a:xfrm>
-            <a:off x="931321" y="1934832"/>
-            <a:ext cx="4706930" cy="1477328"/>
+            <a:off x="989811" y="4222388"/>
+            <a:ext cx="4999317" cy="369332"/>
           </a:xfrm>
           <a:prstGeom prst="rect">
             <a:avLst/>
@@ -10250,66 +10940,20 @@
           <a:lstStyle/>
           <a:p>
             <a:r>
-              <a:rPr lang="en-US" dirty="0"/>
-              <a:t>SELECT </a:t>
-            </a:r>
-            <a:r>
-              <a:rPr lang="en-US" dirty="0" err="1"/>
-              <a:t>t.dataset</a:t>
-            </a:r>
-            <a:r>
-              <a:rPr lang="en-US" dirty="0"/>
-              <a:t>, COUNT(id) AS </a:t>
-            </a:r>
-            <a:r>
-              <a:rPr lang="en-US" dirty="0" err="1"/>
-              <a:t>view_count</a:t>
-            </a:r>
-            <a:endParaRPr lang="en-US" dirty="0"/>
-          </a:p>
-          <a:p>
-            <a:r>
-              <a:rPr lang="en-US" dirty="0"/>
-              <a:t>FROM </a:t>
-            </a:r>
-            <a:r>
-              <a:rPr lang="en-US" dirty="0" err="1"/>
-              <a:t>TblObservedObjectDataSetViewRequest</a:t>
-            </a:r>
-            <a:r>
-              <a:rPr lang="en-US" dirty="0"/>
-              <a:t> t</a:t>
-            </a:r>
-          </a:p>
-          <a:p>
-            <a:r>
-              <a:rPr lang="en-US" dirty="0"/>
-              <a:t>WHERE t.id = :id</a:t>
-            </a:r>
-          </a:p>
-          <a:p>
-            <a:r>
-              <a:rPr lang="en-US" dirty="0"/>
-              <a:t>GROUP BY </a:t>
-            </a:r>
-            <a:r>
-              <a:rPr lang="en-US" dirty="0" err="1"/>
-              <a:t>t.dataset</a:t>
-            </a:r>
-            <a:endParaRPr lang="en-US" dirty="0"/>
-          </a:p>
-          <a:p>
-            <a:r>
-              <a:rPr lang="en-US" dirty="0"/>
-              <a:t>ORDER BY </a:t>
-            </a:r>
-            <a:r>
-              <a:rPr lang="en-US" dirty="0" err="1"/>
-              <a:t>view_count</a:t>
-            </a:r>
-            <a:r>
-              <a:rPr lang="en-US" dirty="0"/>
-              <a:t> DESC</a:t>
+              <a:rPr lang="de-DE" dirty="0"/>
+              <a:t>Neuer Verweis in </a:t>
+            </a:r>
+            <a:r>
+              <a:rPr lang="de-DE" dirty="0" err="1"/>
+              <a:t>TblMedia</a:t>
+            </a:r>
+            <a:r>
+              <a:rPr lang="de-DE" dirty="0"/>
+              <a:t> und </a:t>
+            </a:r>
+            <a:r>
+              <a:rPr lang="de-DE" dirty="0" err="1"/>
+              <a:t>TblObservedObject</a:t>
             </a:r>
             <a:endParaRPr lang="de-DE" dirty="0"/>
           </a:p>
@@ -10317,10 +10961,10 @@
       </p:sp>
       <p:sp>
         <p:nvSpPr>
-          <p:cNvPr id="15" name="Textfeld 14">
-            <a:extLst>
-              <a:ext uri="{FF2B5EF4-FFF2-40B4-BE49-F238E27FC236}">
-                <a16:creationId xmlns:a16="http://schemas.microsoft.com/office/drawing/2014/main" id="{B0CCF971-9740-4C60-B819-C327D7CC14B9}"/>
+          <p:cNvPr id="12" name="Textfeld 11">
+            <a:extLst>
+              <a:ext uri="{FF2B5EF4-FFF2-40B4-BE49-F238E27FC236}">
+                <a16:creationId xmlns:a16="http://schemas.microsoft.com/office/drawing/2014/main" id="{42DBCF64-5F28-4D8C-B161-9DE6DFAB4E36}"/>
               </a:ext>
             </a:extLst>
           </p:cNvPr>
@@ -10329,8 +10973,8 @@
         </p:nvSpPr>
         <p:spPr>
           <a:xfrm>
-            <a:off x="1477818" y="1565500"/>
-            <a:ext cx="3431709" cy="369332"/>
+            <a:off x="7416801" y="3429000"/>
+            <a:ext cx="4296176" cy="369332"/>
           </a:xfrm>
           <a:prstGeom prst="rect">
             <a:avLst/>
@@ -10344,16 +10988,16 @@
           <a:lstStyle/>
           <a:p>
             <a:r>
-              <a:rPr lang="de-DE" u="sng" dirty="0"/>
-              <a:t>Query zu „</a:t>
-            </a:r>
-            <a:r>
-              <a:rPr lang="de-DE" u="sng" dirty="0" err="1"/>
-              <a:t>getMostViewedByOoId</a:t>
-            </a:r>
-            <a:r>
-              <a:rPr lang="de-DE" u="sng" dirty="0"/>
-              <a:t>“</a:t>
+              <a:rPr lang="de-DE" dirty="0"/>
+              <a:t>n:m Verbindung herstellen in der </a:t>
+            </a:r>
+            <a:r>
+              <a:rPr lang="de-DE" dirty="0" err="1"/>
+              <a:t>Join</a:t>
+            </a:r>
+            <a:r>
+              <a:rPr lang="de-DE" dirty="0"/>
+              <a:t>-Entity</a:t>
             </a:r>
           </a:p>
         </p:txBody>
@@ -10361,7 +11005,7 @@
     </p:spTree>
     <p:extLst>
       <p:ext uri="{BB962C8B-B14F-4D97-AF65-F5344CB8AC3E}">
-        <p14:creationId xmlns:p14="http://schemas.microsoft.com/office/powerpoint/2010/main" val="459681618"/>
+        <p14:creationId xmlns:p14="http://schemas.microsoft.com/office/powerpoint/2010/main" val="3339384398"/>
       </p:ext>
     </p:extLst>
   </p:cSld>
@@ -10952,7 +11596,7 @@
             </a:br>
             <a:r>
               <a:rPr lang="en-NZ" dirty="0"/>
-              <a:t>							View Requests II</a:t>
+              <a:t>							View Requests</a:t>
             </a:r>
             <a:endParaRPr lang="de-DE" dirty="0"/>
           </a:p>
@@ -11020,6 +11664,323 @@
             <a:fld id="{969E759D-A893-4B96-8B48-96EE547EBC41}" type="slidenum">
               <a:rPr lang="de-DE" smtClean="0"/>
               <a:t>30</a:t>
+            </a:fld>
+            <a:endParaRPr lang="de-DE"/>
+          </a:p>
+        </p:txBody>
+      </p:sp>
+      <p:pic>
+        <p:nvPicPr>
+          <p:cNvPr id="13" name="Grafik 12" descr="Ein Bild, das Screenshot enthält.&#10;&#10;Automatisch generierte Beschreibung">
+            <a:extLst>
+              <a:ext uri="{FF2B5EF4-FFF2-40B4-BE49-F238E27FC236}">
+                <a16:creationId xmlns:a16="http://schemas.microsoft.com/office/drawing/2014/main" id="{F8DEC07D-47B3-4C2C-8979-5804656B76FB}"/>
+              </a:ext>
+            </a:extLst>
+          </p:cNvPr>
+          <p:cNvPicPr>
+            <a:picLocks noChangeAspect="1"/>
+          </p:cNvPicPr>
+          <p:nvPr/>
+        </p:nvPicPr>
+        <p:blipFill>
+          <a:blip r:embed="rId2">
+            <a:extLst>
+              <a:ext uri="{28A0092B-C50C-407E-A947-70E740481C1C}">
+                <a14:useLocalDpi xmlns:a14="http://schemas.microsoft.com/office/drawing/2010/main" val="0"/>
+              </a:ext>
+            </a:extLst>
+          </a:blip>
+          <a:stretch>
+            <a:fillRect/>
+          </a:stretch>
+        </p:blipFill>
+        <p:spPr>
+          <a:xfrm>
+            <a:off x="4769030" y="2903019"/>
+            <a:ext cx="6768740" cy="3017490"/>
+          </a:xfrm>
+          <a:prstGeom prst="rect">
+            <a:avLst/>
+          </a:prstGeom>
+        </p:spPr>
+      </p:pic>
+      <p:sp>
+        <p:nvSpPr>
+          <p:cNvPr id="14" name="Textfeld 13">
+            <a:extLst>
+              <a:ext uri="{FF2B5EF4-FFF2-40B4-BE49-F238E27FC236}">
+                <a16:creationId xmlns:a16="http://schemas.microsoft.com/office/drawing/2014/main" id="{E30BC66D-03A0-4C1B-9A50-E7476EEBEA24}"/>
+              </a:ext>
+            </a:extLst>
+          </p:cNvPr>
+          <p:cNvSpPr txBox="1"/>
+          <p:nvPr/>
+        </p:nvSpPr>
+        <p:spPr>
+          <a:xfrm>
+            <a:off x="931321" y="1934832"/>
+            <a:ext cx="4706930" cy="1477328"/>
+          </a:xfrm>
+          <a:prstGeom prst="rect">
+            <a:avLst/>
+          </a:prstGeom>
+          <a:noFill/>
+        </p:spPr>
+        <p:txBody>
+          <a:bodyPr wrap="none" rtlCol="0">
+            <a:spAutoFit/>
+          </a:bodyPr>
+          <a:lstStyle/>
+          <a:p>
+            <a:r>
+              <a:rPr lang="en-US" dirty="0"/>
+              <a:t>SELECT </a:t>
+            </a:r>
+            <a:r>
+              <a:rPr lang="en-US" dirty="0" err="1"/>
+              <a:t>t.dataset</a:t>
+            </a:r>
+            <a:r>
+              <a:rPr lang="en-US" dirty="0"/>
+              <a:t>, COUNT(id) AS </a:t>
+            </a:r>
+            <a:r>
+              <a:rPr lang="en-US" dirty="0" err="1"/>
+              <a:t>view_count</a:t>
+            </a:r>
+            <a:endParaRPr lang="en-US" dirty="0"/>
+          </a:p>
+          <a:p>
+            <a:r>
+              <a:rPr lang="en-US" dirty="0"/>
+              <a:t>FROM </a:t>
+            </a:r>
+            <a:r>
+              <a:rPr lang="en-US" dirty="0" err="1"/>
+              <a:t>TblObservedObjectDataSetViewRequest</a:t>
+            </a:r>
+            <a:r>
+              <a:rPr lang="en-US" dirty="0"/>
+              <a:t> t</a:t>
+            </a:r>
+          </a:p>
+          <a:p>
+            <a:r>
+              <a:rPr lang="en-US" dirty="0"/>
+              <a:t>WHERE t.id = :id</a:t>
+            </a:r>
+          </a:p>
+          <a:p>
+            <a:r>
+              <a:rPr lang="en-US" dirty="0"/>
+              <a:t>GROUP BY </a:t>
+            </a:r>
+            <a:r>
+              <a:rPr lang="en-US" dirty="0" err="1"/>
+              <a:t>t.dataset</a:t>
+            </a:r>
+            <a:endParaRPr lang="en-US" dirty="0"/>
+          </a:p>
+          <a:p>
+            <a:r>
+              <a:rPr lang="en-US" dirty="0"/>
+              <a:t>ORDER BY </a:t>
+            </a:r>
+            <a:r>
+              <a:rPr lang="en-US" dirty="0" err="1"/>
+              <a:t>view_count</a:t>
+            </a:r>
+            <a:r>
+              <a:rPr lang="en-US" dirty="0"/>
+              <a:t> DESC</a:t>
+            </a:r>
+            <a:endParaRPr lang="de-DE" dirty="0"/>
+          </a:p>
+        </p:txBody>
+      </p:sp>
+      <p:sp>
+        <p:nvSpPr>
+          <p:cNvPr id="15" name="Textfeld 14">
+            <a:extLst>
+              <a:ext uri="{FF2B5EF4-FFF2-40B4-BE49-F238E27FC236}">
+                <a16:creationId xmlns:a16="http://schemas.microsoft.com/office/drawing/2014/main" id="{B0CCF971-9740-4C60-B819-C327D7CC14B9}"/>
+              </a:ext>
+            </a:extLst>
+          </p:cNvPr>
+          <p:cNvSpPr txBox="1"/>
+          <p:nvPr/>
+        </p:nvSpPr>
+        <p:spPr>
+          <a:xfrm>
+            <a:off x="1477818" y="1565500"/>
+            <a:ext cx="3431709" cy="369332"/>
+          </a:xfrm>
+          <a:prstGeom prst="rect">
+            <a:avLst/>
+          </a:prstGeom>
+          <a:noFill/>
+        </p:spPr>
+        <p:txBody>
+          <a:bodyPr wrap="none" rtlCol="0">
+            <a:spAutoFit/>
+          </a:bodyPr>
+          <a:lstStyle/>
+          <a:p>
+            <a:r>
+              <a:rPr lang="de-DE" u="sng" dirty="0"/>
+              <a:t>Query zu „</a:t>
+            </a:r>
+            <a:r>
+              <a:rPr lang="de-DE" u="sng" dirty="0" err="1"/>
+              <a:t>getMostViewedByOoId</a:t>
+            </a:r>
+            <a:r>
+              <a:rPr lang="de-DE" u="sng" dirty="0"/>
+              <a:t>“</a:t>
+            </a:r>
+          </a:p>
+        </p:txBody>
+      </p:sp>
+    </p:spTree>
+    <p:extLst>
+      <p:ext uri="{BB962C8B-B14F-4D97-AF65-F5344CB8AC3E}">
+        <p14:creationId xmlns:p14="http://schemas.microsoft.com/office/powerpoint/2010/main" val="459681618"/>
+      </p:ext>
+    </p:extLst>
+  </p:cSld>
+  <p:clrMapOvr>
+    <a:masterClrMapping/>
+  </p:clrMapOvr>
+</p:sld>
+</file>
+
+<file path=ppt/slides/slide31.xml><?xml version="1.0" encoding="utf-8"?>
+<p:sld xmlns:a="http://schemas.openxmlformats.org/drawingml/2006/main" xmlns:r="http://schemas.openxmlformats.org/officeDocument/2006/relationships" xmlns:p="http://schemas.openxmlformats.org/presentationml/2006/main">
+  <p:cSld>
+    <p:spTree>
+      <p:nvGrpSpPr>
+        <p:cNvPr id="1" name=""/>
+        <p:cNvGrpSpPr/>
+        <p:nvPr/>
+      </p:nvGrpSpPr>
+      <p:grpSpPr>
+        <a:xfrm>
+          <a:off x="0" y="0"/>
+          <a:ext cx="0" cy="0"/>
+          <a:chOff x="0" y="0"/>
+          <a:chExt cx="0" cy="0"/>
+        </a:xfrm>
+      </p:grpSpPr>
+      <p:sp>
+        <p:nvSpPr>
+          <p:cNvPr id="2" name="Title 1">
+            <a:extLst>
+              <a:ext uri="{FF2B5EF4-FFF2-40B4-BE49-F238E27FC236}">
+                <a16:creationId xmlns:a16="http://schemas.microsoft.com/office/drawing/2014/main" id="{4C84315F-315F-4066-9D3A-472733691F27}"/>
+              </a:ext>
+            </a:extLst>
+          </p:cNvPr>
+          <p:cNvSpPr>
+            <a:spLocks noGrp="1"/>
+          </p:cNvSpPr>
+          <p:nvPr>
+            <p:ph type="title"/>
+          </p:nvPr>
+        </p:nvSpPr>
+        <p:spPr>
+          <a:xfrm>
+            <a:off x="838200" y="365125"/>
+            <a:ext cx="10515600" cy="1325563"/>
+          </a:xfrm>
+        </p:spPr>
+        <p:txBody>
+          <a:bodyPr>
+            <a:normAutofit/>
+          </a:bodyPr>
+          <a:lstStyle/>
+          <a:p>
+            <a:r>
+              <a:rPr lang="en-NZ" dirty="0" err="1"/>
+              <a:t>Codeimplementierungen</a:t>
+            </a:r>
+            <a:r>
+              <a:rPr lang="en-NZ" dirty="0"/>
+              <a:t>  – 	Backend</a:t>
+            </a:r>
+            <a:br>
+              <a:rPr lang="en-NZ" dirty="0"/>
+            </a:br>
+            <a:r>
+              <a:rPr lang="en-NZ" dirty="0"/>
+              <a:t>							View Requests II</a:t>
+            </a:r>
+            <a:endParaRPr lang="de-DE" dirty="0"/>
+          </a:p>
+        </p:txBody>
+      </p:sp>
+      <p:sp>
+        <p:nvSpPr>
+          <p:cNvPr id="4" name="Footer Placeholder 3">
+            <a:extLst>
+              <a:ext uri="{FF2B5EF4-FFF2-40B4-BE49-F238E27FC236}">
+                <a16:creationId xmlns:a16="http://schemas.microsoft.com/office/drawing/2014/main" id="{0EF7D1E5-7A19-4BA2-8CAA-9135FB90076C}"/>
+              </a:ext>
+            </a:extLst>
+          </p:cNvPr>
+          <p:cNvSpPr>
+            <a:spLocks noGrp="1"/>
+          </p:cNvSpPr>
+          <p:nvPr>
+            <p:ph type="ftr" sz="quarter" idx="11"/>
+          </p:nvPr>
+        </p:nvSpPr>
+        <p:spPr>
+          <a:xfrm>
+            <a:off x="4038600" y="6356350"/>
+            <a:ext cx="4114800" cy="365125"/>
+          </a:xfrm>
+        </p:spPr>
+        <p:txBody>
+          <a:bodyPr/>
+          <a:lstStyle/>
+          <a:p>
+            <a:r>
+              <a:rPr lang="de-DE"/>
+              <a:t>WS19/20 - PV-Modulportal - Rüffer, Vorwerk, Withöft, Zolkin</a:t>
+            </a:r>
+          </a:p>
+        </p:txBody>
+      </p:sp>
+      <p:sp>
+        <p:nvSpPr>
+          <p:cNvPr id="5" name="Slide Number Placeholder 4">
+            <a:extLst>
+              <a:ext uri="{FF2B5EF4-FFF2-40B4-BE49-F238E27FC236}">
+                <a16:creationId xmlns:a16="http://schemas.microsoft.com/office/drawing/2014/main" id="{FAC16E02-623C-4BDA-BAFA-B73797A517FD}"/>
+              </a:ext>
+            </a:extLst>
+          </p:cNvPr>
+          <p:cNvSpPr>
+            <a:spLocks noGrp="1"/>
+          </p:cNvSpPr>
+          <p:nvPr>
+            <p:ph type="sldNum" sz="quarter" idx="12"/>
+          </p:nvPr>
+        </p:nvSpPr>
+        <p:spPr>
+          <a:xfrm>
+            <a:off x="8610600" y="6356350"/>
+            <a:ext cx="2743200" cy="365125"/>
+          </a:xfrm>
+        </p:spPr>
+        <p:txBody>
+          <a:bodyPr/>
+          <a:lstStyle/>
+          <a:p>
+            <a:fld id="{969E759D-A893-4B96-8B48-96EE547EBC41}" type="slidenum">
+              <a:rPr lang="de-DE" smtClean="0"/>
+              <a:t>31</a:t>
             </a:fld>
             <a:endParaRPr lang="de-DE"/>
           </a:p>
@@ -11198,7 +12159,7 @@
 </p:sld>
 </file>
 
-<file path=ppt/slides/slide31.xml><?xml version="1.0" encoding="utf-8"?>
+<file path=ppt/slides/slide32.xml><?xml version="1.0" encoding="utf-8"?>
 <p:sld xmlns:a="http://schemas.openxmlformats.org/drawingml/2006/main" xmlns:r="http://schemas.openxmlformats.org/officeDocument/2006/relationships" xmlns:p="http://schemas.openxmlformats.org/presentationml/2006/main">
   <p:cSld>
     <p:bg>
@@ -11728,7 +12689,7 @@
                   <a:spcPts val="600"/>
                 </a:spcAft>
               </a:pPr>
-              <a:t>31</a:t>
+              <a:t>32</a:t>
             </a:fld>
             <a:endParaRPr lang="en-US" sz="1500">
               <a:solidFill>
@@ -11747,143 +12708,6 @@
   </p:cSld>
   <p:clrMapOvr>
     <a:overrideClrMapping bg1="dk1" tx1="lt1" bg2="dk2" tx2="lt2" accent1="accent1" accent2="accent2" accent3="accent3" accent4="accent4" accent5="accent5" accent6="accent6" hlink="hlink" folHlink="folHlink"/>
-  </p:clrMapOvr>
-</p:sld>
-</file>
-
-<file path=ppt/slides/slide32.xml><?xml version="1.0" encoding="utf-8"?>
-<p:sld xmlns:a="http://schemas.openxmlformats.org/drawingml/2006/main" xmlns:r="http://schemas.openxmlformats.org/officeDocument/2006/relationships" xmlns:p="http://schemas.openxmlformats.org/presentationml/2006/main">
-  <p:cSld>
-    <p:spTree>
-      <p:nvGrpSpPr>
-        <p:cNvPr id="1" name=""/>
-        <p:cNvGrpSpPr/>
-        <p:nvPr/>
-      </p:nvGrpSpPr>
-      <p:grpSpPr>
-        <a:xfrm>
-          <a:off x="0" y="0"/>
-          <a:ext cx="0" cy="0"/>
-          <a:chOff x="0" y="0"/>
-          <a:chExt cx="0" cy="0"/>
-        </a:xfrm>
-      </p:grpSpPr>
-      <p:sp>
-        <p:nvSpPr>
-          <p:cNvPr id="2" name="Titel 1"/>
-          <p:cNvSpPr>
-            <a:spLocks noGrp="1"/>
-          </p:cNvSpPr>
-          <p:nvPr>
-            <p:ph type="title"/>
-          </p:nvPr>
-        </p:nvSpPr>
-        <p:spPr/>
-        <p:txBody>
-          <a:bodyPr/>
-          <a:lstStyle/>
-          <a:p>
-            <a:r>
-              <a:rPr lang="de-DE" dirty="0"/>
-              <a:t>Ausblick</a:t>
-            </a:r>
-          </a:p>
-        </p:txBody>
-      </p:sp>
-      <p:sp>
-        <p:nvSpPr>
-          <p:cNvPr id="3" name="Inhaltsplatzhalter 2"/>
-          <p:cNvSpPr>
-            <a:spLocks noGrp="1"/>
-          </p:cNvSpPr>
-          <p:nvPr>
-            <p:ph idx="1"/>
-          </p:nvPr>
-        </p:nvSpPr>
-        <p:spPr/>
-        <p:txBody>
-          <a:bodyPr/>
-          <a:lstStyle/>
-          <a:p>
-            <a:r>
-              <a:rPr lang="de-DE" dirty="0"/>
-              <a:t>Fertigstellung der Moduldetailseite</a:t>
-            </a:r>
-          </a:p>
-          <a:p>
-            <a:r>
-              <a:rPr lang="de-DE" dirty="0"/>
-              <a:t>Modul-Upload Seite</a:t>
-            </a:r>
-          </a:p>
-          <a:p>
-            <a:r>
-              <a:rPr lang="de-DE" dirty="0"/>
-              <a:t>Dokumentation</a:t>
-            </a:r>
-          </a:p>
-          <a:p>
-            <a:r>
-              <a:rPr lang="de-DE" dirty="0"/>
-              <a:t>Projektbericht</a:t>
-            </a:r>
-          </a:p>
-        </p:txBody>
-      </p:sp>
-      <p:sp>
-        <p:nvSpPr>
-          <p:cNvPr id="4" name="Fußzeilenplatzhalter 3"/>
-          <p:cNvSpPr>
-            <a:spLocks noGrp="1"/>
-          </p:cNvSpPr>
-          <p:nvPr>
-            <p:ph type="ftr" sz="quarter" idx="11"/>
-          </p:nvPr>
-        </p:nvSpPr>
-        <p:spPr/>
-        <p:txBody>
-          <a:bodyPr/>
-          <a:lstStyle/>
-          <a:p>
-            <a:r>
-              <a:rPr lang="de-DE"/>
-              <a:t>WS19/20 - PV-Modulportal - Rüffer, Vorwerk, Withöft, Zolkin</a:t>
-            </a:r>
-          </a:p>
-        </p:txBody>
-      </p:sp>
-      <p:sp>
-        <p:nvSpPr>
-          <p:cNvPr id="5" name="Foliennummernplatzhalter 4"/>
-          <p:cNvSpPr>
-            <a:spLocks noGrp="1"/>
-          </p:cNvSpPr>
-          <p:nvPr>
-            <p:ph type="sldNum" sz="quarter" idx="12"/>
-          </p:nvPr>
-        </p:nvSpPr>
-        <p:spPr/>
-        <p:txBody>
-          <a:bodyPr/>
-          <a:lstStyle/>
-          <a:p>
-            <a:fld id="{969E759D-A893-4B96-8B48-96EE547EBC41}" type="slidenum">
-              <a:rPr lang="de-DE" smtClean="0"/>
-              <a:t>32</a:t>
-            </a:fld>
-            <a:endParaRPr lang="de-DE"/>
-          </a:p>
-        </p:txBody>
-      </p:sp>
-    </p:spTree>
-    <p:extLst>
-      <p:ext uri="{BB962C8B-B14F-4D97-AF65-F5344CB8AC3E}">
-        <p14:creationId xmlns:p14="http://schemas.microsoft.com/office/powerpoint/2010/main" val="3786423145"/>
-      </p:ext>
-    </p:extLst>
-  </p:cSld>
-  <p:clrMapOvr>
-    <a:masterClrMapping/>
   </p:clrMapOvr>
 </p:sld>
 </file>
@@ -11922,7 +12746,7 @@
           <a:p>
             <a:r>
               <a:rPr lang="de-DE" dirty="0"/>
-              <a:t>Fazit</a:t>
+              <a:t>Ausblick</a:t>
             </a:r>
           </a:p>
         </p:txBody>
@@ -11944,30 +12768,26 @@
           <a:p>
             <a:r>
               <a:rPr lang="de-DE" dirty="0"/>
-              <a:t>Erstellung des Grob- und Feinkonzepts zu Beginn war sehr hilfreich</a:t>
+              <a:t>Fertigstellung der Moduldetailseite</a:t>
             </a:r>
           </a:p>
           <a:p>
             <a:r>
               <a:rPr lang="de-DE" dirty="0"/>
-              <a:t>Kommunikation im Team und Gruppendynamik war gut</a:t>
+              <a:t>Modul-Upload Seite</a:t>
             </a:r>
           </a:p>
           <a:p>
             <a:r>
               <a:rPr lang="de-DE" dirty="0"/>
-              <a:t>Planung war zum Teil schwierig</a:t>
-            </a:r>
-          </a:p>
-          <a:p>
-            <a:r>
-              <a:rPr lang="de-DE"/>
-              <a:t>Missverständnisse bei den Anforderungen</a:t>
-            </a:r>
-            <a:endParaRPr lang="de-DE" dirty="0"/>
-          </a:p>
-          <a:p>
-            <a:endParaRPr lang="de-DE" dirty="0"/>
+              <a:t>Dokumentation</a:t>
+            </a:r>
+          </a:p>
+          <a:p>
+            <a:r>
+              <a:rPr lang="de-DE" dirty="0"/>
+              <a:t>Projektbericht</a:t>
+            </a:r>
           </a:p>
         </p:txBody>
       </p:sp>
@@ -12011,6 +12831,147 @@
             <a:fld id="{969E759D-A893-4B96-8B48-96EE547EBC41}" type="slidenum">
               <a:rPr lang="de-DE" smtClean="0"/>
               <a:t>33</a:t>
+            </a:fld>
+            <a:endParaRPr lang="de-DE"/>
+          </a:p>
+        </p:txBody>
+      </p:sp>
+    </p:spTree>
+    <p:extLst>
+      <p:ext uri="{BB962C8B-B14F-4D97-AF65-F5344CB8AC3E}">
+        <p14:creationId xmlns:p14="http://schemas.microsoft.com/office/powerpoint/2010/main" val="3786423145"/>
+      </p:ext>
+    </p:extLst>
+  </p:cSld>
+  <p:clrMapOvr>
+    <a:masterClrMapping/>
+  </p:clrMapOvr>
+</p:sld>
+</file>
+
+<file path=ppt/slides/slide34.xml><?xml version="1.0" encoding="utf-8"?>
+<p:sld xmlns:a="http://schemas.openxmlformats.org/drawingml/2006/main" xmlns:r="http://schemas.openxmlformats.org/officeDocument/2006/relationships" xmlns:p="http://schemas.openxmlformats.org/presentationml/2006/main">
+  <p:cSld>
+    <p:spTree>
+      <p:nvGrpSpPr>
+        <p:cNvPr id="1" name=""/>
+        <p:cNvGrpSpPr/>
+        <p:nvPr/>
+      </p:nvGrpSpPr>
+      <p:grpSpPr>
+        <a:xfrm>
+          <a:off x="0" y="0"/>
+          <a:ext cx="0" cy="0"/>
+          <a:chOff x="0" y="0"/>
+          <a:chExt cx="0" cy="0"/>
+        </a:xfrm>
+      </p:grpSpPr>
+      <p:sp>
+        <p:nvSpPr>
+          <p:cNvPr id="2" name="Titel 1"/>
+          <p:cNvSpPr>
+            <a:spLocks noGrp="1"/>
+          </p:cNvSpPr>
+          <p:nvPr>
+            <p:ph type="title"/>
+          </p:nvPr>
+        </p:nvSpPr>
+        <p:spPr/>
+        <p:txBody>
+          <a:bodyPr/>
+          <a:lstStyle/>
+          <a:p>
+            <a:r>
+              <a:rPr lang="de-DE" dirty="0"/>
+              <a:t>Fazit</a:t>
+            </a:r>
+          </a:p>
+        </p:txBody>
+      </p:sp>
+      <p:sp>
+        <p:nvSpPr>
+          <p:cNvPr id="3" name="Inhaltsplatzhalter 2"/>
+          <p:cNvSpPr>
+            <a:spLocks noGrp="1"/>
+          </p:cNvSpPr>
+          <p:nvPr>
+            <p:ph idx="1"/>
+          </p:nvPr>
+        </p:nvSpPr>
+        <p:spPr/>
+        <p:txBody>
+          <a:bodyPr/>
+          <a:lstStyle/>
+          <a:p>
+            <a:r>
+              <a:rPr lang="de-DE" dirty="0"/>
+              <a:t>Erstellung des Grob- und Feinkonzepts zu Beginn war sehr hilfreich</a:t>
+            </a:r>
+          </a:p>
+          <a:p>
+            <a:r>
+              <a:rPr lang="de-DE" dirty="0"/>
+              <a:t>Kommunikation im Team und Gruppendynamik war gut</a:t>
+            </a:r>
+          </a:p>
+          <a:p>
+            <a:r>
+              <a:rPr lang="de-DE" dirty="0"/>
+              <a:t>Planung war zum Teil schwierig</a:t>
+            </a:r>
+          </a:p>
+          <a:p>
+            <a:r>
+              <a:rPr lang="de-DE"/>
+              <a:t>Missverständnisse bei den Anforderungen</a:t>
+            </a:r>
+            <a:endParaRPr lang="de-DE" dirty="0"/>
+          </a:p>
+          <a:p>
+            <a:endParaRPr lang="de-DE" dirty="0"/>
+          </a:p>
+        </p:txBody>
+      </p:sp>
+      <p:sp>
+        <p:nvSpPr>
+          <p:cNvPr id="4" name="Fußzeilenplatzhalter 3"/>
+          <p:cNvSpPr>
+            <a:spLocks noGrp="1"/>
+          </p:cNvSpPr>
+          <p:nvPr>
+            <p:ph type="ftr" sz="quarter" idx="11"/>
+          </p:nvPr>
+        </p:nvSpPr>
+        <p:spPr/>
+        <p:txBody>
+          <a:bodyPr/>
+          <a:lstStyle/>
+          <a:p>
+            <a:r>
+              <a:rPr lang="de-DE"/>
+              <a:t>WS19/20 - PV-Modulportal - Rüffer, Vorwerk, Withöft, Zolkin</a:t>
+            </a:r>
+          </a:p>
+        </p:txBody>
+      </p:sp>
+      <p:sp>
+        <p:nvSpPr>
+          <p:cNvPr id="5" name="Foliennummernplatzhalter 4"/>
+          <p:cNvSpPr>
+            <a:spLocks noGrp="1"/>
+          </p:cNvSpPr>
+          <p:nvPr>
+            <p:ph type="sldNum" sz="quarter" idx="12"/>
+          </p:nvPr>
+        </p:nvSpPr>
+        <p:spPr/>
+        <p:txBody>
+          <a:bodyPr/>
+          <a:lstStyle/>
+          <a:p>
+            <a:fld id="{969E759D-A893-4B96-8B48-96EE547EBC41}" type="slidenum">
+              <a:rPr lang="de-DE" smtClean="0"/>
+              <a:t>34</a:t>
             </a:fld>
             <a:endParaRPr lang="de-DE"/>
           </a:p>
@@ -13900,6 +14861,104 @@
 </file>
 
 <file path=ppt/slides/slide8.xml><?xml version="1.0" encoding="utf-8"?>
+<p:sld xmlns:a="http://schemas.openxmlformats.org/drawingml/2006/main" xmlns:r="http://schemas.openxmlformats.org/officeDocument/2006/relationships" xmlns:p="http://schemas.openxmlformats.org/presentationml/2006/main">
+  <p:cSld>
+    <p:spTree>
+      <p:nvGrpSpPr>
+        <p:cNvPr id="1" name=""/>
+        <p:cNvGrpSpPr/>
+        <p:nvPr/>
+      </p:nvGrpSpPr>
+      <p:grpSpPr>
+        <a:xfrm>
+          <a:off x="0" y="0"/>
+          <a:ext cx="0" cy="0"/>
+          <a:chOff x="0" y="0"/>
+          <a:chExt cx="0" cy="0"/>
+        </a:xfrm>
+      </p:grpSpPr>
+      <p:sp>
+        <p:nvSpPr>
+          <p:cNvPr id="10" name="TextBox 9">
+            <a:extLst>
+              <a:ext uri="{FF2B5EF4-FFF2-40B4-BE49-F238E27FC236}">
+                <a16:creationId xmlns:a16="http://schemas.microsoft.com/office/drawing/2014/main" id="{0EC7CB5C-2C3D-4A9E-BB5E-032FF2465606}"/>
+              </a:ext>
+            </a:extLst>
+          </p:cNvPr>
+          <p:cNvSpPr txBox="1"/>
+          <p:nvPr/>
+        </p:nvSpPr>
+        <p:spPr>
+          <a:xfrm>
+            <a:off x="2910515" y="1167320"/>
+            <a:ext cx="2933862" cy="369332"/>
+          </a:xfrm>
+          <a:prstGeom prst="rect">
+            <a:avLst/>
+          </a:prstGeom>
+          <a:noFill/>
+        </p:spPr>
+        <p:txBody>
+          <a:bodyPr wrap="square" rtlCol="0">
+            <a:spAutoFit/>
+          </a:bodyPr>
+          <a:lstStyle/>
+          <a:p>
+            <a:endParaRPr lang="en-NZ" dirty="0"/>
+          </a:p>
+        </p:txBody>
+      </p:sp>
+      <p:pic>
+        <p:nvPicPr>
+          <p:cNvPr id="3" name="Picture 2" descr="A picture containing implement, pencil, computer, sitting&#10;&#10;Description automatically generated">
+            <a:extLst>
+              <a:ext uri="{FF2B5EF4-FFF2-40B4-BE49-F238E27FC236}">
+                <a16:creationId xmlns:a16="http://schemas.microsoft.com/office/drawing/2014/main" id="{EAC737AC-7EDE-4FC3-BCB3-AD1B0ED862F8}"/>
+              </a:ext>
+            </a:extLst>
+          </p:cNvPr>
+          <p:cNvPicPr>
+            <a:picLocks noChangeAspect="1"/>
+          </p:cNvPicPr>
+          <p:nvPr/>
+        </p:nvPicPr>
+        <p:blipFill>
+          <a:blip r:embed="rId3" cstate="print">
+            <a:extLst>
+              <a:ext uri="{28A0092B-C50C-407E-A947-70E740481C1C}">
+                <a14:useLocalDpi xmlns:a14="http://schemas.microsoft.com/office/drawing/2010/main" val="0"/>
+              </a:ext>
+            </a:extLst>
+          </a:blip>
+          <a:stretch>
+            <a:fillRect/>
+          </a:stretch>
+        </p:blipFill>
+        <p:spPr>
+          <a:xfrm>
+            <a:off x="0" y="136187"/>
+            <a:ext cx="12192000" cy="6653720"/>
+          </a:xfrm>
+          <a:prstGeom prst="rect">
+            <a:avLst/>
+          </a:prstGeom>
+        </p:spPr>
+      </p:pic>
+    </p:spTree>
+    <p:extLst>
+      <p:ext uri="{BB962C8B-B14F-4D97-AF65-F5344CB8AC3E}">
+        <p14:creationId xmlns:p14="http://schemas.microsoft.com/office/powerpoint/2010/main" val="17102612"/>
+      </p:ext>
+    </p:extLst>
+  </p:cSld>
+  <p:clrMapOvr>
+    <a:masterClrMapping/>
+  </p:clrMapOvr>
+</p:sld>
+</file>
+
+<file path=ppt/slides/slide9.xml><?xml version="1.0" encoding="utf-8"?>
 <p:sld xmlns:a="http://schemas.openxmlformats.org/drawingml/2006/main" xmlns:r="http://schemas.openxmlformats.org/officeDocument/2006/relationships" xmlns:p="http://schemas.openxmlformats.org/presentationml/2006/main">
   <p:cSld>
     <p:bg>
@@ -14399,529 +15458,6 @@
                   <a:spcPts val="600"/>
                 </a:spcAft>
               </a:pPr>
-              <a:t>8</a:t>
-            </a:fld>
-            <a:endParaRPr lang="en-US" sz="1500">
-              <a:solidFill>
-                <a:srgbClr val="FFFFFF"/>
-              </a:solidFill>
-            </a:endParaRPr>
-          </a:p>
-        </p:txBody>
-      </p:sp>
-    </p:spTree>
-    <p:extLst>
-      <p:ext uri="{BB962C8B-B14F-4D97-AF65-F5344CB8AC3E}">
-        <p14:creationId xmlns:p14="http://schemas.microsoft.com/office/powerpoint/2010/main" val="1060759245"/>
-      </p:ext>
-    </p:extLst>
-  </p:cSld>
-  <p:clrMapOvr>
-    <a:overrideClrMapping bg1="dk1" tx1="lt1" bg2="dk2" tx2="lt2" accent1="accent1" accent2="accent2" accent3="accent3" accent4="accent4" accent5="accent5" accent6="accent6" hlink="hlink" folHlink="folHlink"/>
-  </p:clrMapOvr>
-</p:sld>
-</file>
-
-<file path=ppt/slides/slide9.xml><?xml version="1.0" encoding="utf-8"?>
-<p:sld xmlns:a="http://schemas.openxmlformats.org/drawingml/2006/main" xmlns:r="http://schemas.openxmlformats.org/officeDocument/2006/relationships" xmlns:p="http://schemas.openxmlformats.org/presentationml/2006/main">
-  <p:cSld>
-    <p:bg>
-      <p:bgPr>
-        <a:solidFill>
-          <a:schemeClr val="bg1">
-            <a:tint val="95000"/>
-            <a:satMod val="170000"/>
-          </a:schemeClr>
-        </a:solidFill>
-        <a:effectLst/>
-      </p:bgPr>
-    </p:bg>
-    <p:spTree>
-      <p:nvGrpSpPr>
-        <p:cNvPr id="1" name=""/>
-        <p:cNvGrpSpPr/>
-        <p:nvPr/>
-      </p:nvGrpSpPr>
-      <p:grpSpPr>
-        <a:xfrm>
-          <a:off x="0" y="0"/>
-          <a:ext cx="0" cy="0"/>
-          <a:chOff x="0" y="0"/>
-          <a:chExt cx="0" cy="0"/>
-        </a:xfrm>
-      </p:grpSpPr>
-      <p:sp>
-        <p:nvSpPr>
-          <p:cNvPr id="19" name="Freeform: Shape 18">
-            <a:extLst>
-              <a:ext uri="{FF2B5EF4-FFF2-40B4-BE49-F238E27FC236}">
-                <a16:creationId xmlns:a16="http://schemas.microsoft.com/office/drawing/2014/main" id="{66B332A4-D438-4773-A77F-5ED49A448D9D}"/>
-              </a:ext>
-              <a:ext uri="{C183D7F6-B498-43B3-948B-1728B52AA6E4}">
-                <adec:decorative xmlns:adec="http://schemas.microsoft.com/office/drawing/2017/decorative" val="1"/>
-              </a:ext>
-            </a:extLst>
-          </p:cNvPr>
-          <p:cNvSpPr>
-            <a:spLocks noGrp="1" noRot="1" noChangeAspect="1" noMove="1" noResize="1" noEditPoints="1" noAdjustHandles="1" noChangeArrowheads="1" noChangeShapeType="1" noTextEdit="1"/>
-          </p:cNvSpPr>
-          <p:nvPr>
-            <p:extLst>
-              <p:ext uri="{386F3935-93C4-4BCD-93E2-E3B085C9AB24}">
-                <p16:designElem xmlns:p16="http://schemas.microsoft.com/office/powerpoint/2015/main" val="1"/>
-              </p:ext>
-            </p:extLst>
-          </p:nvPr>
-        </p:nvSpPr>
-        <p:spPr>
-          <a:xfrm>
-            <a:off x="1953768" y="0"/>
-            <a:ext cx="8284464" cy="6858000"/>
-          </a:xfrm>
-          <a:custGeom>
-            <a:avLst/>
-            <a:gdLst>
-              <a:gd name="connsiteX0" fmla="*/ 1818109 w 8284464"/>
-              <a:gd name="connsiteY0" fmla="*/ 0 h 6858000"/>
-              <a:gd name="connsiteX1" fmla="*/ 6466355 w 8284464"/>
-              <a:gd name="connsiteY1" fmla="*/ 0 h 6858000"/>
-              <a:gd name="connsiteX2" fmla="*/ 6620596 w 8284464"/>
-              <a:gd name="connsiteY2" fmla="*/ 109683 h 6858000"/>
-              <a:gd name="connsiteX3" fmla="*/ 8284464 w 8284464"/>
-              <a:gd name="connsiteY3" fmla="*/ 3429000 h 6858000"/>
-              <a:gd name="connsiteX4" fmla="*/ 6620596 w 8284464"/>
-              <a:gd name="connsiteY4" fmla="*/ 6748318 h 6858000"/>
-              <a:gd name="connsiteX5" fmla="*/ 6466355 w 8284464"/>
-              <a:gd name="connsiteY5" fmla="*/ 6858000 h 6858000"/>
-              <a:gd name="connsiteX6" fmla="*/ 1818109 w 8284464"/>
-              <a:gd name="connsiteY6" fmla="*/ 6858000 h 6858000"/>
-              <a:gd name="connsiteX7" fmla="*/ 1663869 w 8284464"/>
-              <a:gd name="connsiteY7" fmla="*/ 6748318 h 6858000"/>
-              <a:gd name="connsiteX8" fmla="*/ 0 w 8284464"/>
-              <a:gd name="connsiteY8" fmla="*/ 3429000 h 6858000"/>
-              <a:gd name="connsiteX9" fmla="*/ 1663869 w 8284464"/>
-              <a:gd name="connsiteY9" fmla="*/ 109683 h 6858000"/>
-            </a:gdLst>
-            <a:ahLst/>
-            <a:cxnLst>
-              <a:cxn ang="0">
-                <a:pos x="connsiteX0" y="connsiteY0"/>
-              </a:cxn>
-              <a:cxn ang="0">
-                <a:pos x="connsiteX1" y="connsiteY1"/>
-              </a:cxn>
-              <a:cxn ang="0">
-                <a:pos x="connsiteX2" y="connsiteY2"/>
-              </a:cxn>
-              <a:cxn ang="0">
-                <a:pos x="connsiteX3" y="connsiteY3"/>
-              </a:cxn>
-              <a:cxn ang="0">
-                <a:pos x="connsiteX4" y="connsiteY4"/>
-              </a:cxn>
-              <a:cxn ang="0">
-                <a:pos x="connsiteX5" y="connsiteY5"/>
-              </a:cxn>
-              <a:cxn ang="0">
-                <a:pos x="connsiteX6" y="connsiteY6"/>
-              </a:cxn>
-              <a:cxn ang="0">
-                <a:pos x="connsiteX7" y="connsiteY7"/>
-              </a:cxn>
-              <a:cxn ang="0">
-                <a:pos x="connsiteX8" y="connsiteY8"/>
-              </a:cxn>
-              <a:cxn ang="0">
-                <a:pos x="connsiteX9" y="connsiteY9"/>
-              </a:cxn>
-            </a:cxnLst>
-            <a:rect l="l" t="t" r="r" b="b"/>
-            <a:pathLst>
-              <a:path w="8284464" h="6858000">
-                <a:moveTo>
-                  <a:pt x="1818109" y="0"/>
-                </a:moveTo>
-                <a:lnTo>
-                  <a:pt x="6466355" y="0"/>
-                </a:lnTo>
-                <a:lnTo>
-                  <a:pt x="6620596" y="109683"/>
-                </a:lnTo>
-                <a:cubicBezTo>
-                  <a:pt x="7630666" y="865069"/>
-                  <a:pt x="8284464" y="2070683"/>
-                  <a:pt x="8284464" y="3429000"/>
-                </a:cubicBezTo>
-                <a:cubicBezTo>
-                  <a:pt x="8284464" y="4787317"/>
-                  <a:pt x="7630666" y="5992931"/>
-                  <a:pt x="6620596" y="6748318"/>
-                </a:cubicBezTo>
-                <a:lnTo>
-                  <a:pt x="6466355" y="6858000"/>
-                </a:lnTo>
-                <a:lnTo>
-                  <a:pt x="1818109" y="6858000"/>
-                </a:lnTo>
-                <a:lnTo>
-                  <a:pt x="1663869" y="6748318"/>
-                </a:lnTo>
-                <a:cubicBezTo>
-                  <a:pt x="653798" y="5992931"/>
-                  <a:pt x="0" y="4787317"/>
-                  <a:pt x="0" y="3429000"/>
-                </a:cubicBezTo>
-                <a:cubicBezTo>
-                  <a:pt x="0" y="2070683"/>
-                  <a:pt x="653798" y="865069"/>
-                  <a:pt x="1663869" y="109683"/>
-                </a:cubicBezTo>
-                <a:close/>
-              </a:path>
-            </a:pathLst>
-          </a:custGeom>
-          <a:solidFill>
-            <a:srgbClr val="FFFFFF">
-              <a:alpha val="80000"/>
-            </a:srgbClr>
-          </a:solidFill>
-          <a:ln>
-            <a:noFill/>
-          </a:ln>
-        </p:spPr>
-        <p:style>
-          <a:lnRef idx="2">
-            <a:schemeClr val="accent1">
-              <a:shade val="50000"/>
-            </a:schemeClr>
-          </a:lnRef>
-          <a:fillRef idx="1">
-            <a:schemeClr val="accent1"/>
-          </a:fillRef>
-          <a:effectRef idx="0">
-            <a:schemeClr val="accent1"/>
-          </a:effectRef>
-          <a:fontRef idx="minor">
-            <a:schemeClr val="lt1"/>
-          </a:fontRef>
-        </p:style>
-        <p:txBody>
-          <a:bodyPr wrap="square" rtlCol="0" anchor="ctr">
-            <a:noAutofit/>
-          </a:bodyPr>
-          <a:lstStyle/>
-          <a:p>
-            <a:pPr algn="ctr"/>
-            <a:endParaRPr lang="en-US"/>
-          </a:p>
-        </p:txBody>
-      </p:sp>
-      <p:sp>
-        <p:nvSpPr>
-          <p:cNvPr id="21" name="Freeform: Shape 20">
-            <a:extLst>
-              <a:ext uri="{FF2B5EF4-FFF2-40B4-BE49-F238E27FC236}">
-                <a16:creationId xmlns:a16="http://schemas.microsoft.com/office/drawing/2014/main" id="{DF9AD32D-FF05-44F4-BD4D-9CEE89B71EB9}"/>
-              </a:ext>
-              <a:ext uri="{C183D7F6-B498-43B3-948B-1728B52AA6E4}">
-                <adec:decorative xmlns:adec="http://schemas.microsoft.com/office/drawing/2017/decorative" val="1"/>
-              </a:ext>
-            </a:extLst>
-          </p:cNvPr>
-          <p:cNvSpPr>
-            <a:spLocks noGrp="1" noRot="1" noChangeAspect="1" noMove="1" noResize="1" noEditPoints="1" noAdjustHandles="1" noChangeArrowheads="1" noChangeShapeType="1" noTextEdit="1"/>
-          </p:cNvSpPr>
-          <p:nvPr>
-            <p:extLst>
-              <p:ext uri="{386F3935-93C4-4BCD-93E2-E3B085C9AB24}">
-                <p16:designElem xmlns:p16="http://schemas.microsoft.com/office/powerpoint/2015/main" val="1"/>
-              </p:ext>
-            </p:extLst>
-          </p:nvPr>
-        </p:nvSpPr>
-        <p:spPr>
-          <a:xfrm>
-            <a:off x="2118360" y="0"/>
-            <a:ext cx="7955280" cy="6858000"/>
-          </a:xfrm>
-          <a:custGeom>
-            <a:avLst/>
-            <a:gdLst>
-              <a:gd name="connsiteX0" fmla="*/ 1962423 w 7955280"/>
-              <a:gd name="connsiteY0" fmla="*/ 0 h 6858000"/>
-              <a:gd name="connsiteX1" fmla="*/ 5992858 w 7955280"/>
-              <a:gd name="connsiteY1" fmla="*/ 0 h 6858000"/>
-              <a:gd name="connsiteX2" fmla="*/ 6040191 w 7955280"/>
-              <a:gd name="connsiteY2" fmla="*/ 27216 h 6858000"/>
-              <a:gd name="connsiteX3" fmla="*/ 7955280 w 7955280"/>
-              <a:gd name="connsiteY3" fmla="*/ 3429000 h 6858000"/>
-              <a:gd name="connsiteX4" fmla="*/ 6040191 w 7955280"/>
-              <a:gd name="connsiteY4" fmla="*/ 6830784 h 6858000"/>
-              <a:gd name="connsiteX5" fmla="*/ 5992858 w 7955280"/>
-              <a:gd name="connsiteY5" fmla="*/ 6858000 h 6858000"/>
-              <a:gd name="connsiteX6" fmla="*/ 1962423 w 7955280"/>
-              <a:gd name="connsiteY6" fmla="*/ 6858000 h 6858000"/>
-              <a:gd name="connsiteX7" fmla="*/ 1915089 w 7955280"/>
-              <a:gd name="connsiteY7" fmla="*/ 6830784 h 6858000"/>
-              <a:gd name="connsiteX8" fmla="*/ 0 w 7955280"/>
-              <a:gd name="connsiteY8" fmla="*/ 3429000 h 6858000"/>
-              <a:gd name="connsiteX9" fmla="*/ 1915089 w 7955280"/>
-              <a:gd name="connsiteY9" fmla="*/ 27216 h 6858000"/>
-            </a:gdLst>
-            <a:ahLst/>
-            <a:cxnLst>
-              <a:cxn ang="0">
-                <a:pos x="connsiteX0" y="connsiteY0"/>
-              </a:cxn>
-              <a:cxn ang="0">
-                <a:pos x="connsiteX1" y="connsiteY1"/>
-              </a:cxn>
-              <a:cxn ang="0">
-                <a:pos x="connsiteX2" y="connsiteY2"/>
-              </a:cxn>
-              <a:cxn ang="0">
-                <a:pos x="connsiteX3" y="connsiteY3"/>
-              </a:cxn>
-              <a:cxn ang="0">
-                <a:pos x="connsiteX4" y="connsiteY4"/>
-              </a:cxn>
-              <a:cxn ang="0">
-                <a:pos x="connsiteX5" y="connsiteY5"/>
-              </a:cxn>
-              <a:cxn ang="0">
-                <a:pos x="connsiteX6" y="connsiteY6"/>
-              </a:cxn>
-              <a:cxn ang="0">
-                <a:pos x="connsiteX7" y="connsiteY7"/>
-              </a:cxn>
-              <a:cxn ang="0">
-                <a:pos x="connsiteX8" y="connsiteY8"/>
-              </a:cxn>
-              <a:cxn ang="0">
-                <a:pos x="connsiteX9" y="connsiteY9"/>
-              </a:cxn>
-            </a:cxnLst>
-            <a:rect l="l" t="t" r="r" b="b"/>
-            <a:pathLst>
-              <a:path w="7955280" h="6858000">
-                <a:moveTo>
-                  <a:pt x="1962423" y="0"/>
-                </a:moveTo>
-                <a:lnTo>
-                  <a:pt x="5992858" y="0"/>
-                </a:lnTo>
-                <a:lnTo>
-                  <a:pt x="6040191" y="27216"/>
-                </a:lnTo>
-                <a:cubicBezTo>
-                  <a:pt x="7188332" y="724844"/>
-                  <a:pt x="7955280" y="1987357"/>
-                  <a:pt x="7955280" y="3429000"/>
-                </a:cubicBezTo>
-                <a:cubicBezTo>
-                  <a:pt x="7955280" y="4870644"/>
-                  <a:pt x="7188332" y="6133157"/>
-                  <a:pt x="6040191" y="6830784"/>
-                </a:cubicBezTo>
-                <a:lnTo>
-                  <a:pt x="5992858" y="6858000"/>
-                </a:lnTo>
-                <a:lnTo>
-                  <a:pt x="1962423" y="6858000"/>
-                </a:lnTo>
-                <a:lnTo>
-                  <a:pt x="1915089" y="6830784"/>
-                </a:lnTo>
-                <a:cubicBezTo>
-                  <a:pt x="766948" y="6133157"/>
-                  <a:pt x="0" y="4870644"/>
-                  <a:pt x="0" y="3429000"/>
-                </a:cubicBezTo>
-                <a:cubicBezTo>
-                  <a:pt x="0" y="1987357"/>
-                  <a:pt x="766948" y="724844"/>
-                  <a:pt x="1915089" y="27216"/>
-                </a:cubicBezTo>
-                <a:close/>
-              </a:path>
-            </a:pathLst>
-          </a:custGeom>
-          <a:solidFill>
-            <a:schemeClr val="tx1"/>
-          </a:solidFill>
-          <a:ln>
-            <a:noFill/>
-          </a:ln>
-        </p:spPr>
-        <p:style>
-          <a:lnRef idx="2">
-            <a:schemeClr val="accent1">
-              <a:shade val="50000"/>
-            </a:schemeClr>
-          </a:lnRef>
-          <a:fillRef idx="1">
-            <a:schemeClr val="accent1"/>
-          </a:fillRef>
-          <a:effectRef idx="0">
-            <a:schemeClr val="accent1"/>
-          </a:effectRef>
-          <a:fontRef idx="minor">
-            <a:schemeClr val="lt1"/>
-          </a:fontRef>
-        </p:style>
-        <p:txBody>
-          <a:bodyPr wrap="square" rtlCol="0" anchor="ctr">
-            <a:noAutofit/>
-          </a:bodyPr>
-          <a:lstStyle/>
-          <a:p>
-            <a:pPr algn="ctr"/>
-            <a:endParaRPr lang="en-US"/>
-          </a:p>
-        </p:txBody>
-      </p:sp>
-      <p:sp>
-        <p:nvSpPr>
-          <p:cNvPr id="2" name="Title 1">
-            <a:extLst>
-              <a:ext uri="{FF2B5EF4-FFF2-40B4-BE49-F238E27FC236}">
-                <a16:creationId xmlns:a16="http://schemas.microsoft.com/office/drawing/2014/main" id="{4C84315F-315F-4066-9D3A-472733691F27}"/>
-              </a:ext>
-            </a:extLst>
-          </p:cNvPr>
-          <p:cNvSpPr>
-            <a:spLocks noGrp="1"/>
-          </p:cNvSpPr>
-          <p:nvPr>
-            <p:ph type="title"/>
-          </p:nvPr>
-        </p:nvSpPr>
-        <p:spPr>
-          <a:xfrm>
-            <a:off x="2555631" y="1441938"/>
-            <a:ext cx="7080738" cy="3974124"/>
-          </a:xfrm>
-        </p:spPr>
-        <p:txBody>
-          <a:bodyPr vert="horz" lIns="91440" tIns="45720" rIns="91440" bIns="45720" rtlCol="0" anchor="ctr">
-            <a:normAutofit/>
-          </a:bodyPr>
-          <a:lstStyle/>
-          <a:p>
-            <a:pPr algn="ctr"/>
-            <a:r>
-              <a:rPr lang="en-US" sz="5400">
-                <a:solidFill>
-                  <a:schemeClr val="bg1">
-                    <a:lumMod val="95000"/>
-                    <a:lumOff val="5000"/>
-                  </a:schemeClr>
-                </a:solidFill>
-              </a:rPr>
-              <a:t>Theoretische Grundlagen</a:t>
-            </a:r>
-          </a:p>
-        </p:txBody>
-      </p:sp>
-      <p:sp>
-        <p:nvSpPr>
-          <p:cNvPr id="4" name="Footer Placeholder 3">
-            <a:extLst>
-              <a:ext uri="{FF2B5EF4-FFF2-40B4-BE49-F238E27FC236}">
-                <a16:creationId xmlns:a16="http://schemas.microsoft.com/office/drawing/2014/main" id="{0EF7D1E5-7A19-4BA2-8CAA-9135FB90076C}"/>
-              </a:ext>
-            </a:extLst>
-          </p:cNvPr>
-          <p:cNvSpPr>
-            <a:spLocks noGrp="1"/>
-          </p:cNvSpPr>
-          <p:nvPr>
-            <p:ph type="ftr" sz="quarter" idx="11"/>
-          </p:nvPr>
-        </p:nvSpPr>
-        <p:spPr>
-          <a:xfrm>
-            <a:off x="3892062" y="6199632"/>
-            <a:ext cx="4407876" cy="365125"/>
-          </a:xfrm>
-        </p:spPr>
-        <p:txBody>
-          <a:bodyPr vert="horz" lIns="91440" tIns="45720" rIns="91440" bIns="45720" rtlCol="0" anchor="ctr">
-            <a:normAutofit/>
-          </a:bodyPr>
-          <a:lstStyle/>
-          <a:p>
-            <a:pPr defTabSz="457200">
-              <a:spcAft>
-                <a:spcPts val="600"/>
-              </a:spcAft>
-            </a:pPr>
-            <a:r>
-              <a:rPr lang="en-US" sz="1100" kern="1200">
-                <a:solidFill>
-                  <a:schemeClr val="bg1">
-                    <a:alpha val="80000"/>
-                  </a:schemeClr>
-                </a:solidFill>
-                <a:latin typeface="+mn-lt"/>
-                <a:ea typeface="+mn-ea"/>
-                <a:cs typeface="+mn-cs"/>
-              </a:rPr>
-              <a:t>WS19/20 - PV-Modulportal - Rüffer, Vorwerk, Withöft, Zolkin</a:t>
-            </a:r>
-          </a:p>
-        </p:txBody>
-      </p:sp>
-      <p:sp>
-        <p:nvSpPr>
-          <p:cNvPr id="5" name="Slide Number Placeholder 4">
-            <a:extLst>
-              <a:ext uri="{FF2B5EF4-FFF2-40B4-BE49-F238E27FC236}">
-                <a16:creationId xmlns:a16="http://schemas.microsoft.com/office/drawing/2014/main" id="{FAC16E02-623C-4BDA-BAFA-B73797A517FD}"/>
-              </a:ext>
-            </a:extLst>
-          </p:cNvPr>
-          <p:cNvSpPr>
-            <a:spLocks noGrp="1"/>
-          </p:cNvSpPr>
-          <p:nvPr>
-            <p:ph type="sldNum" sz="quarter" idx="12"/>
-          </p:nvPr>
-        </p:nvSpPr>
-        <p:spPr>
-          <a:xfrm>
-            <a:off x="11000232" y="6108192"/>
-            <a:ext cx="548640" cy="548640"/>
-          </a:xfrm>
-          <a:prstGeom prst="ellipse">
-            <a:avLst/>
-          </a:prstGeom>
-          <a:solidFill>
-            <a:srgbClr val="7F7F7F"/>
-          </a:solidFill>
-        </p:spPr>
-        <p:txBody>
-          <a:bodyPr vert="horz" lIns="91440" tIns="45720" rIns="91440" bIns="45720" rtlCol="0" anchor="ctr">
-            <a:normAutofit/>
-          </a:bodyPr>
-          <a:lstStyle/>
-          <a:p>
-            <a:pPr algn="ctr" defTabSz="457200">
-              <a:spcAft>
-                <a:spcPts val="600"/>
-              </a:spcAft>
-            </a:pPr>
-            <a:fld id="{969E759D-A893-4B96-8B48-96EE547EBC41}" type="slidenum">
-              <a:rPr lang="en-US" sz="1500">
-                <a:solidFill>
-                  <a:srgbClr val="FFFFFF"/>
-                </a:solidFill>
-              </a:rPr>
-              <a:pPr algn="ctr" defTabSz="457200">
-                <a:spcAft>
-                  <a:spcPts val="600"/>
-                </a:spcAft>
-              </a:pPr>
               <a:t>9</a:t>
             </a:fld>
             <a:endParaRPr lang="en-US" sz="1500">
@@ -14935,7 +15471,7 @@
     </p:spTree>
     <p:extLst>
       <p:ext uri="{BB962C8B-B14F-4D97-AF65-F5344CB8AC3E}">
-        <p14:creationId xmlns:p14="http://schemas.microsoft.com/office/powerpoint/2010/main" val="4292448757"/>
+        <p14:creationId xmlns:p14="http://schemas.microsoft.com/office/powerpoint/2010/main" val="1060759245"/>
       </p:ext>
     </p:extLst>
   </p:cSld>
@@ -15238,4 +15774,299 @@
     </a:ext>
   </a:extLst>
 </a:theme>
+</file>
+
+<file path=ppt/theme/theme2.xml><?xml version="1.0" encoding="utf-8"?>
+<a:theme xmlns:a="http://schemas.openxmlformats.org/drawingml/2006/main" name="Office Theme">
+  <a:themeElements>
+    <a:clrScheme name="Office">
+      <a:dk1>
+        <a:sysClr val="windowText" lastClr="000000"/>
+      </a:dk1>
+      <a:lt1>
+        <a:sysClr val="window" lastClr="FFFFFF"/>
+      </a:lt1>
+      <a:dk2>
+        <a:srgbClr val="44546A"/>
+      </a:dk2>
+      <a:lt2>
+        <a:srgbClr val="E7E6E6"/>
+      </a:lt2>
+      <a:accent1>
+        <a:srgbClr val="4472C4"/>
+      </a:accent1>
+      <a:accent2>
+        <a:srgbClr val="ED7D31"/>
+      </a:accent2>
+      <a:accent3>
+        <a:srgbClr val="A5A5A5"/>
+      </a:accent3>
+      <a:accent4>
+        <a:srgbClr val="FFC000"/>
+      </a:accent4>
+      <a:accent5>
+        <a:srgbClr val="5B9BD5"/>
+      </a:accent5>
+      <a:accent6>
+        <a:srgbClr val="70AD47"/>
+      </a:accent6>
+      <a:hlink>
+        <a:srgbClr val="0563C1"/>
+      </a:hlink>
+      <a:folHlink>
+        <a:srgbClr val="954F72"/>
+      </a:folHlink>
+    </a:clrScheme>
+    <a:fontScheme name="Office">
+      <a:majorFont>
+        <a:latin typeface="Calibri Light" panose="020F0302020204030204"/>
+        <a:ea typeface=""/>
+        <a:cs typeface=""/>
+        <a:font script="Jpan" typeface="游ゴシック Light"/>
+        <a:font script="Hang" typeface="맑은 고딕"/>
+        <a:font script="Hans" typeface="等线 Light"/>
+        <a:font script="Hant" typeface="新細明體"/>
+        <a:font script="Arab" typeface="Times New Roman"/>
+        <a:font script="Hebr" typeface="Times New Roman"/>
+        <a:font script="Thai" typeface="Angsana New"/>
+        <a:font script="Ethi" typeface="Nyala"/>
+        <a:font script="Beng" typeface="Vrinda"/>
+        <a:font script="Gujr" typeface="Shruti"/>
+        <a:font script="Khmr" typeface="MoolBoran"/>
+        <a:font script="Knda" typeface="Tunga"/>
+        <a:font script="Guru" typeface="Raavi"/>
+        <a:font script="Cans" typeface="Euphemia"/>
+        <a:font script="Cher" typeface="Plantagenet Cherokee"/>
+        <a:font script="Yiii" typeface="Microsoft Yi Baiti"/>
+        <a:font script="Tibt" typeface="Microsoft Himalaya"/>
+        <a:font script="Thaa" typeface="MV Boli"/>
+        <a:font script="Deva" typeface="Mangal"/>
+        <a:font script="Telu" typeface="Gautami"/>
+        <a:font script="Taml" typeface="Latha"/>
+        <a:font script="Syrc" typeface="Estrangelo Edessa"/>
+        <a:font script="Orya" typeface="Kalinga"/>
+        <a:font script="Mlym" typeface="Kartika"/>
+        <a:font script="Laoo" typeface="DokChampa"/>
+        <a:font script="Sinh" typeface="Iskoola Pota"/>
+        <a:font script="Mong" typeface="Mongolian Baiti"/>
+        <a:font script="Viet" typeface="Times New Roman"/>
+        <a:font script="Uigh" typeface="Microsoft Uighur"/>
+        <a:font script="Geor" typeface="Sylfaen"/>
+        <a:font script="Armn" typeface="Arial"/>
+        <a:font script="Bugi" typeface="Leelawadee UI"/>
+        <a:font script="Bopo" typeface="Microsoft JhengHei"/>
+        <a:font script="Java" typeface="Javanese Text"/>
+        <a:font script="Lisu" typeface="Segoe UI"/>
+        <a:font script="Mymr" typeface="Myanmar Text"/>
+        <a:font script="Nkoo" typeface="Ebrima"/>
+        <a:font script="Olck" typeface="Nirmala UI"/>
+        <a:font script="Osma" typeface="Ebrima"/>
+        <a:font script="Phag" typeface="Phagspa"/>
+        <a:font script="Syrn" typeface="Estrangelo Edessa"/>
+        <a:font script="Syrj" typeface="Estrangelo Edessa"/>
+        <a:font script="Syre" typeface="Estrangelo Edessa"/>
+        <a:font script="Sora" typeface="Nirmala UI"/>
+        <a:font script="Tale" typeface="Microsoft Tai Le"/>
+        <a:font script="Talu" typeface="Microsoft New Tai Lue"/>
+        <a:font script="Tfng" typeface="Ebrima"/>
+      </a:majorFont>
+      <a:minorFont>
+        <a:latin typeface="Calibri" panose="020F0502020204030204"/>
+        <a:ea typeface=""/>
+        <a:cs typeface=""/>
+        <a:font script="Jpan" typeface="游ゴシック"/>
+        <a:font script="Hang" typeface="맑은 고딕"/>
+        <a:font script="Hans" typeface="等线"/>
+        <a:font script="Hant" typeface="新細明體"/>
+        <a:font script="Arab" typeface="Arial"/>
+        <a:font script="Hebr" typeface="Arial"/>
+        <a:font script="Thai" typeface="Cordia New"/>
+        <a:font script="Ethi" typeface="Nyala"/>
+        <a:font script="Beng" typeface="Vrinda"/>
+        <a:font script="Gujr" typeface="Shruti"/>
+        <a:font script="Khmr" typeface="DaunPenh"/>
+        <a:font script="Knda" typeface="Tunga"/>
+        <a:font script="Guru" typeface="Raavi"/>
+        <a:font script="Cans" typeface="Euphemia"/>
+        <a:font script="Cher" typeface="Plantagenet Cherokee"/>
+        <a:font script="Yiii" typeface="Microsoft Yi Baiti"/>
+        <a:font script="Tibt" typeface="Microsoft Himalaya"/>
+        <a:font script="Thaa" typeface="MV Boli"/>
+        <a:font script="Deva" typeface="Mangal"/>
+        <a:font script="Telu" typeface="Gautami"/>
+        <a:font script="Taml" typeface="Latha"/>
+        <a:font script="Syrc" typeface="Estrangelo Edessa"/>
+        <a:font script="Orya" typeface="Kalinga"/>
+        <a:font script="Mlym" typeface="Kartika"/>
+        <a:font script="Laoo" typeface="DokChampa"/>
+        <a:font script="Sinh" typeface="Iskoola Pota"/>
+        <a:font script="Mong" typeface="Mongolian Baiti"/>
+        <a:font script="Viet" typeface="Arial"/>
+        <a:font script="Uigh" typeface="Microsoft Uighur"/>
+        <a:font script="Geor" typeface="Sylfaen"/>
+        <a:font script="Armn" typeface="Arial"/>
+        <a:font script="Bugi" typeface="Leelawadee UI"/>
+        <a:font script="Bopo" typeface="Microsoft JhengHei"/>
+        <a:font script="Java" typeface="Javanese Text"/>
+        <a:font script="Lisu" typeface="Segoe UI"/>
+        <a:font script="Mymr" typeface="Myanmar Text"/>
+        <a:font script="Nkoo" typeface="Ebrima"/>
+        <a:font script="Olck" typeface="Nirmala UI"/>
+        <a:font script="Osma" typeface="Ebrima"/>
+        <a:font script="Phag" typeface="Phagspa"/>
+        <a:font script="Syrn" typeface="Estrangelo Edessa"/>
+        <a:font script="Syrj" typeface="Estrangelo Edessa"/>
+        <a:font script="Syre" typeface="Estrangelo Edessa"/>
+        <a:font script="Sora" typeface="Nirmala UI"/>
+        <a:font script="Tale" typeface="Microsoft Tai Le"/>
+        <a:font script="Talu" typeface="Microsoft New Tai Lue"/>
+        <a:font script="Tfng" typeface="Ebrima"/>
+      </a:minorFont>
+    </a:fontScheme>
+    <a:fmtScheme name="Office">
+      <a:fillStyleLst>
+        <a:solidFill>
+          <a:schemeClr val="phClr"/>
+        </a:solidFill>
+        <a:gradFill rotWithShape="1">
+          <a:gsLst>
+            <a:gs pos="0">
+              <a:schemeClr val="phClr">
+                <a:lumMod val="110000"/>
+                <a:satMod val="105000"/>
+                <a:tint val="67000"/>
+              </a:schemeClr>
+            </a:gs>
+            <a:gs pos="50000">
+              <a:schemeClr val="phClr">
+                <a:lumMod val="105000"/>
+                <a:satMod val="103000"/>
+                <a:tint val="73000"/>
+              </a:schemeClr>
+            </a:gs>
+            <a:gs pos="100000">
+              <a:schemeClr val="phClr">
+                <a:lumMod val="105000"/>
+                <a:satMod val="109000"/>
+                <a:tint val="81000"/>
+              </a:schemeClr>
+            </a:gs>
+          </a:gsLst>
+          <a:lin ang="5400000" scaled="0"/>
+        </a:gradFill>
+        <a:gradFill rotWithShape="1">
+          <a:gsLst>
+            <a:gs pos="0">
+              <a:schemeClr val="phClr">
+                <a:satMod val="103000"/>
+                <a:lumMod val="102000"/>
+                <a:tint val="94000"/>
+              </a:schemeClr>
+            </a:gs>
+            <a:gs pos="50000">
+              <a:schemeClr val="phClr">
+                <a:satMod val="110000"/>
+                <a:lumMod val="100000"/>
+                <a:shade val="100000"/>
+              </a:schemeClr>
+            </a:gs>
+            <a:gs pos="100000">
+              <a:schemeClr val="phClr">
+                <a:lumMod val="99000"/>
+                <a:satMod val="120000"/>
+                <a:shade val="78000"/>
+              </a:schemeClr>
+            </a:gs>
+          </a:gsLst>
+          <a:lin ang="5400000" scaled="0"/>
+        </a:gradFill>
+      </a:fillStyleLst>
+      <a:lnStyleLst>
+        <a:ln w="6350" cap="flat" cmpd="sng" algn="ctr">
+          <a:solidFill>
+            <a:schemeClr val="phClr"/>
+          </a:solidFill>
+          <a:prstDash val="solid"/>
+          <a:miter lim="800000"/>
+        </a:ln>
+        <a:ln w="12700" cap="flat" cmpd="sng" algn="ctr">
+          <a:solidFill>
+            <a:schemeClr val="phClr"/>
+          </a:solidFill>
+          <a:prstDash val="solid"/>
+          <a:miter lim="800000"/>
+        </a:ln>
+        <a:ln w="19050" cap="flat" cmpd="sng" algn="ctr">
+          <a:solidFill>
+            <a:schemeClr val="phClr"/>
+          </a:solidFill>
+          <a:prstDash val="solid"/>
+          <a:miter lim="800000"/>
+        </a:ln>
+      </a:lnStyleLst>
+      <a:effectStyleLst>
+        <a:effectStyle>
+          <a:effectLst/>
+        </a:effectStyle>
+        <a:effectStyle>
+          <a:effectLst/>
+        </a:effectStyle>
+        <a:effectStyle>
+          <a:effectLst>
+            <a:outerShdw blurRad="57150" dist="19050" dir="5400000" algn="ctr" rotWithShape="0">
+              <a:srgbClr val="000000">
+                <a:alpha val="63000"/>
+              </a:srgbClr>
+            </a:outerShdw>
+          </a:effectLst>
+        </a:effectStyle>
+      </a:effectStyleLst>
+      <a:bgFillStyleLst>
+        <a:solidFill>
+          <a:schemeClr val="phClr"/>
+        </a:solidFill>
+        <a:solidFill>
+          <a:schemeClr val="phClr">
+            <a:tint val="95000"/>
+            <a:satMod val="170000"/>
+          </a:schemeClr>
+        </a:solidFill>
+        <a:gradFill rotWithShape="1">
+          <a:gsLst>
+            <a:gs pos="0">
+              <a:schemeClr val="phClr">
+                <a:tint val="93000"/>
+                <a:satMod val="150000"/>
+                <a:shade val="98000"/>
+                <a:lumMod val="102000"/>
+              </a:schemeClr>
+            </a:gs>
+            <a:gs pos="50000">
+              <a:schemeClr val="phClr">
+                <a:tint val="98000"/>
+                <a:satMod val="130000"/>
+                <a:shade val="90000"/>
+                <a:lumMod val="103000"/>
+              </a:schemeClr>
+            </a:gs>
+            <a:gs pos="100000">
+              <a:schemeClr val="phClr">
+                <a:shade val="63000"/>
+                <a:satMod val="120000"/>
+              </a:schemeClr>
+            </a:gs>
+          </a:gsLst>
+          <a:lin ang="5400000" scaled="0"/>
+        </a:gradFill>
+      </a:bgFillStyleLst>
+    </a:fmtScheme>
+  </a:themeElements>
+  <a:objectDefaults/>
+  <a:extraClrSchemeLst/>
+  <a:extLst>
+    <a:ext uri="{05A4C25C-085E-4340-85A3-A5531E510DB2}">
+      <thm15:themeFamily xmlns:thm15="http://schemas.microsoft.com/office/thememl/2012/main" name="Office Theme" id="{62F939B6-93AF-4DB8-9C6B-D6C7DFDC589F}" vid="{4A3C46E8-61CC-4603-A589-7422A47A8E4A}"/>
+    </a:ext>
+  </a:extLst>
+</a:theme>
 </file>
--- a/docs/Seminarvortrag.pptx
+++ b/docs/Seminarvortrag.pptx
@@ -5,7 +5,7 @@
     <p:sldMasterId id="2147483660" r:id="rId1"/>
   </p:sldMasterIdLst>
   <p:notesMasterIdLst>
-    <p:notesMasterId r:id="rId36"/>
+    <p:notesMasterId r:id="rId42"/>
   </p:notesMasterIdLst>
   <p:sldIdLst>
     <p:sldId id="257" r:id="rId2"/>
@@ -17,31 +17,37 @@
     <p:sldId id="262" r:id="rId8"/>
     <p:sldId id="291" r:id="rId9"/>
     <p:sldId id="281" r:id="rId10"/>
-    <p:sldId id="279" r:id="rId11"/>
-    <p:sldId id="275" r:id="rId12"/>
-    <p:sldId id="274" r:id="rId13"/>
-    <p:sldId id="276" r:id="rId14"/>
-    <p:sldId id="277" r:id="rId15"/>
-    <p:sldId id="283" r:id="rId16"/>
-    <p:sldId id="286" r:id="rId17"/>
-    <p:sldId id="287" r:id="rId18"/>
-    <p:sldId id="285" r:id="rId19"/>
-    <p:sldId id="288" r:id="rId20"/>
-    <p:sldId id="289" r:id="rId21"/>
-    <p:sldId id="290" r:id="rId22"/>
-    <p:sldId id="284" r:id="rId23"/>
-    <p:sldId id="278" r:id="rId24"/>
-    <p:sldId id="265" r:id="rId25"/>
-    <p:sldId id="267" r:id="rId26"/>
-    <p:sldId id="269" r:id="rId27"/>
-    <p:sldId id="270" r:id="rId28"/>
-    <p:sldId id="268" r:id="rId29"/>
-    <p:sldId id="271" r:id="rId30"/>
-    <p:sldId id="272" r:id="rId31"/>
-    <p:sldId id="273" r:id="rId32"/>
-    <p:sldId id="282" r:id="rId33"/>
-    <p:sldId id="263" r:id="rId34"/>
-    <p:sldId id="264" r:id="rId35"/>
+    <p:sldId id="292" r:id="rId11"/>
+    <p:sldId id="279" r:id="rId12"/>
+    <p:sldId id="275" r:id="rId13"/>
+    <p:sldId id="274" r:id="rId14"/>
+    <p:sldId id="276" r:id="rId15"/>
+    <p:sldId id="277" r:id="rId16"/>
+    <p:sldId id="283" r:id="rId17"/>
+    <p:sldId id="286" r:id="rId18"/>
+    <p:sldId id="287" r:id="rId19"/>
+    <p:sldId id="285" r:id="rId20"/>
+    <p:sldId id="288" r:id="rId21"/>
+    <p:sldId id="289" r:id="rId22"/>
+    <p:sldId id="290" r:id="rId23"/>
+    <p:sldId id="284" r:id="rId24"/>
+    <p:sldId id="278" r:id="rId25"/>
+    <p:sldId id="265" r:id="rId26"/>
+    <p:sldId id="267" r:id="rId27"/>
+    <p:sldId id="269" r:id="rId28"/>
+    <p:sldId id="270" r:id="rId29"/>
+    <p:sldId id="293" r:id="rId30"/>
+    <p:sldId id="294" r:id="rId31"/>
+    <p:sldId id="268" r:id="rId32"/>
+    <p:sldId id="271" r:id="rId33"/>
+    <p:sldId id="295" r:id="rId34"/>
+    <p:sldId id="296" r:id="rId35"/>
+    <p:sldId id="297" r:id="rId36"/>
+    <p:sldId id="272" r:id="rId37"/>
+    <p:sldId id="273" r:id="rId38"/>
+    <p:sldId id="282" r:id="rId39"/>
+    <p:sldId id="263" r:id="rId40"/>
+    <p:sldId id="264" r:id="rId41"/>
   </p:sldIdLst>
   <p:sldSz cx="12192000" cy="6858000"/>
   <p:notesSz cx="6858000" cy="9144000"/>
@@ -389,7 +395,7 @@
           <a:p>
             <a:fld id="{B1B0B506-360A-4BC7-A86C-8256EFE9AF9B}" type="slidenum">
               <a:rPr lang="de-DE" smtClean="0"/>
-              <a:t>‹#›</a:t>
+              <a:t>‹Nr.›</a:t>
             </a:fld>
             <a:endParaRPr lang="de-DE"/>
           </a:p>
@@ -582,6 +588,331 @@
 </p:notes>
 </file>
 
+<file path=ppt/notesSlides/notesSlide2.xml><?xml version="1.0" encoding="utf-8"?>
+<p:notes xmlns:a="http://schemas.openxmlformats.org/drawingml/2006/main" xmlns:r="http://schemas.openxmlformats.org/officeDocument/2006/relationships" xmlns:p="http://schemas.openxmlformats.org/presentationml/2006/main">
+  <p:cSld>
+    <p:spTree>
+      <p:nvGrpSpPr>
+        <p:cNvPr id="1" name=""/>
+        <p:cNvGrpSpPr/>
+        <p:nvPr/>
+      </p:nvGrpSpPr>
+      <p:grpSpPr>
+        <a:xfrm>
+          <a:off x="0" y="0"/>
+          <a:ext cx="0" cy="0"/>
+          <a:chOff x="0" y="0"/>
+          <a:chExt cx="0" cy="0"/>
+        </a:xfrm>
+      </p:grpSpPr>
+      <p:sp>
+        <p:nvSpPr>
+          <p:cNvPr id="2" name="Folienbildplatzhalter 1"/>
+          <p:cNvSpPr>
+            <a:spLocks noGrp="1" noRot="1" noChangeAspect="1"/>
+          </p:cNvSpPr>
+          <p:nvPr>
+            <p:ph type="sldImg"/>
+          </p:nvPr>
+        </p:nvSpPr>
+        <p:spPr/>
+      </p:sp>
+      <p:sp>
+        <p:nvSpPr>
+          <p:cNvPr id="3" name="Notizenplatzhalter 2"/>
+          <p:cNvSpPr>
+            <a:spLocks noGrp="1"/>
+          </p:cNvSpPr>
+          <p:nvPr>
+            <p:ph type="body" idx="1"/>
+          </p:nvPr>
+        </p:nvSpPr>
+        <p:spPr/>
+        <p:txBody>
+          <a:bodyPr/>
+          <a:lstStyle/>
+          <a:p>
+            <a:r>
+              <a:rPr lang="de-DE" dirty="0"/>
+              <a:t> Projektleiter: Moritz </a:t>
+            </a:r>
+            <a:r>
+              <a:rPr lang="de-DE" dirty="0" err="1"/>
+              <a:t>Withöft</a:t>
+            </a:r>
+            <a:endParaRPr lang="de-DE" dirty="0"/>
+          </a:p>
+          <a:p>
+            <a:r>
+              <a:rPr lang="de-DE" dirty="0"/>
+              <a:t>Dokumentationsmanager: Moritz </a:t>
+            </a:r>
+            <a:r>
+              <a:rPr lang="de-DE" dirty="0" err="1"/>
+              <a:t>Withöft</a:t>
+            </a:r>
+            <a:endParaRPr lang="de-DE" dirty="0"/>
+          </a:p>
+          <a:p>
+            <a:r>
+              <a:rPr lang="de-DE" dirty="0"/>
+              <a:t>Schnittstellenmanager: Michelle Vorwerk</a:t>
+            </a:r>
+          </a:p>
+          <a:p>
+            <a:r>
+              <a:rPr lang="de-DE" dirty="0"/>
+              <a:t>Frontend:</a:t>
+            </a:r>
+          </a:p>
+          <a:p>
+            <a:pPr lvl="1"/>
+            <a:r>
+              <a:rPr lang="de-DE" dirty="0"/>
+              <a:t>Michelle Vorwerk</a:t>
+            </a:r>
+          </a:p>
+          <a:p>
+            <a:pPr lvl="1"/>
+            <a:r>
+              <a:rPr lang="de-DE" dirty="0"/>
+              <a:t>Christiane Zolkin</a:t>
+            </a:r>
+          </a:p>
+          <a:p>
+            <a:pPr lvl="1"/>
+            <a:r>
+              <a:rPr lang="de-DE" dirty="0"/>
+              <a:t>Moritz </a:t>
+            </a:r>
+            <a:r>
+              <a:rPr lang="de-DE" dirty="0" err="1"/>
+              <a:t>Withöft</a:t>
+            </a:r>
+            <a:endParaRPr lang="de-DE" dirty="0"/>
+          </a:p>
+          <a:p>
+            <a:r>
+              <a:rPr lang="de-DE" dirty="0"/>
+              <a:t>Backend:</a:t>
+            </a:r>
+          </a:p>
+          <a:p>
+            <a:pPr lvl="1"/>
+            <a:r>
+              <a:rPr lang="de-DE" dirty="0"/>
+              <a:t>Hannes Rüffer</a:t>
+            </a:r>
+          </a:p>
+          <a:p>
+            <a:endParaRPr lang="de-DE" dirty="0"/>
+          </a:p>
+        </p:txBody>
+      </p:sp>
+      <p:sp>
+        <p:nvSpPr>
+          <p:cNvPr id="4" name="Foliennummernplatzhalter 3"/>
+          <p:cNvSpPr>
+            <a:spLocks noGrp="1"/>
+          </p:cNvSpPr>
+          <p:nvPr>
+            <p:ph type="sldNum" sz="quarter" idx="5"/>
+          </p:nvPr>
+        </p:nvSpPr>
+        <p:spPr/>
+        <p:txBody>
+          <a:bodyPr/>
+          <a:lstStyle/>
+          <a:p>
+            <a:fld id="{0942BA0F-76A4-4F7A-AC66-00E9D6FDCBC2}" type="slidenum">
+              <a:rPr lang="de-DE" smtClean="0"/>
+              <a:t>10</a:t>
+            </a:fld>
+            <a:endParaRPr lang="de-DE"/>
+          </a:p>
+        </p:txBody>
+      </p:sp>
+    </p:spTree>
+    <p:extLst>
+      <p:ext uri="{BB962C8B-B14F-4D97-AF65-F5344CB8AC3E}">
+        <p14:creationId xmlns:p14="http://schemas.microsoft.com/office/powerpoint/2010/main" val="1717572405"/>
+      </p:ext>
+    </p:extLst>
+  </p:cSld>
+  <p:clrMapOvr>
+    <a:masterClrMapping/>
+  </p:clrMapOvr>
+</p:notes>
+</file>
+
+<file path=ppt/notesSlides/notesSlide3.xml><?xml version="1.0" encoding="utf-8"?>
+<p:notes xmlns:a="http://schemas.openxmlformats.org/drawingml/2006/main" xmlns:r="http://schemas.openxmlformats.org/officeDocument/2006/relationships" xmlns:p="http://schemas.openxmlformats.org/presentationml/2006/main">
+  <p:cSld>
+    <p:spTree>
+      <p:nvGrpSpPr>
+        <p:cNvPr id="1" name=""/>
+        <p:cNvGrpSpPr/>
+        <p:nvPr/>
+      </p:nvGrpSpPr>
+      <p:grpSpPr>
+        <a:xfrm>
+          <a:off x="0" y="0"/>
+          <a:ext cx="0" cy="0"/>
+          <a:chOff x="0" y="0"/>
+          <a:chExt cx="0" cy="0"/>
+        </a:xfrm>
+      </p:grpSpPr>
+      <p:sp>
+        <p:nvSpPr>
+          <p:cNvPr id="2" name="Folienbildplatzhalter 1"/>
+          <p:cNvSpPr>
+            <a:spLocks noGrp="1" noRot="1" noChangeAspect="1"/>
+          </p:cNvSpPr>
+          <p:nvPr>
+            <p:ph type="sldImg"/>
+          </p:nvPr>
+        </p:nvSpPr>
+        <p:spPr/>
+      </p:sp>
+      <p:sp>
+        <p:nvSpPr>
+          <p:cNvPr id="3" name="Notizenplatzhalter 2"/>
+          <p:cNvSpPr>
+            <a:spLocks noGrp="1"/>
+          </p:cNvSpPr>
+          <p:nvPr>
+            <p:ph type="body" idx="1"/>
+          </p:nvPr>
+        </p:nvSpPr>
+        <p:spPr/>
+        <p:txBody>
+          <a:bodyPr/>
+          <a:lstStyle/>
+          <a:p>
+            <a:endParaRPr lang="de-DE" dirty="0"/>
+          </a:p>
+        </p:txBody>
+      </p:sp>
+      <p:sp>
+        <p:nvSpPr>
+          <p:cNvPr id="4" name="Foliennummernplatzhalter 3"/>
+          <p:cNvSpPr>
+            <a:spLocks noGrp="1"/>
+          </p:cNvSpPr>
+          <p:nvPr>
+            <p:ph type="sldNum" sz="quarter" idx="5"/>
+          </p:nvPr>
+        </p:nvSpPr>
+        <p:spPr/>
+        <p:txBody>
+          <a:bodyPr/>
+          <a:lstStyle/>
+          <a:p>
+            <a:fld id="{0942BA0F-76A4-4F7A-AC66-00E9D6FDCBC2}" type="slidenum">
+              <a:rPr lang="de-DE" smtClean="0"/>
+              <a:t>33</a:t>
+            </a:fld>
+            <a:endParaRPr lang="de-DE"/>
+          </a:p>
+        </p:txBody>
+      </p:sp>
+    </p:spTree>
+    <p:extLst>
+      <p:ext uri="{BB962C8B-B14F-4D97-AF65-F5344CB8AC3E}">
+        <p14:creationId xmlns:p14="http://schemas.microsoft.com/office/powerpoint/2010/main" val="3380693151"/>
+      </p:ext>
+    </p:extLst>
+  </p:cSld>
+  <p:clrMapOvr>
+    <a:masterClrMapping/>
+  </p:clrMapOvr>
+</p:notes>
+</file>
+
+<file path=ppt/notesSlides/notesSlide4.xml><?xml version="1.0" encoding="utf-8"?>
+<p:notes xmlns:a="http://schemas.openxmlformats.org/drawingml/2006/main" xmlns:r="http://schemas.openxmlformats.org/officeDocument/2006/relationships" xmlns:p="http://schemas.openxmlformats.org/presentationml/2006/main">
+  <p:cSld>
+    <p:spTree>
+      <p:nvGrpSpPr>
+        <p:cNvPr id="1" name=""/>
+        <p:cNvGrpSpPr/>
+        <p:nvPr/>
+      </p:nvGrpSpPr>
+      <p:grpSpPr>
+        <a:xfrm>
+          <a:off x="0" y="0"/>
+          <a:ext cx="0" cy="0"/>
+          <a:chOff x="0" y="0"/>
+          <a:chExt cx="0" cy="0"/>
+        </a:xfrm>
+      </p:grpSpPr>
+      <p:sp>
+        <p:nvSpPr>
+          <p:cNvPr id="2" name="Folienbildplatzhalter 1"/>
+          <p:cNvSpPr>
+            <a:spLocks noGrp="1" noRot="1" noChangeAspect="1"/>
+          </p:cNvSpPr>
+          <p:nvPr>
+            <p:ph type="sldImg"/>
+          </p:nvPr>
+        </p:nvSpPr>
+        <p:spPr/>
+      </p:sp>
+      <p:sp>
+        <p:nvSpPr>
+          <p:cNvPr id="3" name="Notizenplatzhalter 2"/>
+          <p:cNvSpPr>
+            <a:spLocks noGrp="1"/>
+          </p:cNvSpPr>
+          <p:nvPr>
+            <p:ph type="body" idx="1"/>
+          </p:nvPr>
+        </p:nvSpPr>
+        <p:spPr/>
+        <p:txBody>
+          <a:bodyPr/>
+          <a:lstStyle/>
+          <a:p>
+            <a:endParaRPr lang="de-DE" dirty="0"/>
+          </a:p>
+        </p:txBody>
+      </p:sp>
+      <p:sp>
+        <p:nvSpPr>
+          <p:cNvPr id="4" name="Foliennummernplatzhalter 3"/>
+          <p:cNvSpPr>
+            <a:spLocks noGrp="1"/>
+          </p:cNvSpPr>
+          <p:nvPr>
+            <p:ph type="sldNum" sz="quarter" idx="5"/>
+          </p:nvPr>
+        </p:nvSpPr>
+        <p:spPr/>
+        <p:txBody>
+          <a:bodyPr/>
+          <a:lstStyle/>
+          <a:p>
+            <a:fld id="{0942BA0F-76A4-4F7A-AC66-00E9D6FDCBC2}" type="slidenum">
+              <a:rPr lang="de-DE" smtClean="0"/>
+              <a:t>34</a:t>
+            </a:fld>
+            <a:endParaRPr lang="de-DE"/>
+          </a:p>
+        </p:txBody>
+      </p:sp>
+    </p:spTree>
+    <p:extLst>
+      <p:ext uri="{BB962C8B-B14F-4D97-AF65-F5344CB8AC3E}">
+        <p14:creationId xmlns:p14="http://schemas.microsoft.com/office/powerpoint/2010/main" val="662585975"/>
+      </p:ext>
+    </p:extLst>
+  </p:cSld>
+  <p:clrMapOvr>
+    <a:masterClrMapping/>
+  </p:clrMapOvr>
+</p:notes>
+</file>
+
 <file path=ppt/slideLayouts/slideLayout1.xml><?xml version="1.0" encoding="utf-8"?>
 <p:sldLayout xmlns:a="http://schemas.openxmlformats.org/drawingml/2006/main" xmlns:r="http://schemas.openxmlformats.org/officeDocument/2006/relationships" xmlns:p="http://schemas.openxmlformats.org/presentationml/2006/main" type="title" preserve="1">
   <p:cSld name="Title Slide">
@@ -788,7 +1119,7 @@
           <a:p>
             <a:fld id="{969E759D-A893-4B96-8B48-96EE547EBC41}" type="slidenum">
               <a:rPr lang="de-DE" smtClean="0"/>
-              <a:t>‹#›</a:t>
+              <a:t>‹Nr.›</a:t>
             </a:fld>
             <a:endParaRPr lang="de-DE"/>
           </a:p>
@@ -991,7 +1322,7 @@
           <a:p>
             <a:fld id="{969E759D-A893-4B96-8B48-96EE547EBC41}" type="slidenum">
               <a:rPr lang="de-DE" smtClean="0"/>
-              <a:t>‹#›</a:t>
+              <a:t>‹Nr.›</a:t>
             </a:fld>
             <a:endParaRPr lang="de-DE"/>
           </a:p>
@@ -1204,7 +1535,7 @@
           <a:p>
             <a:fld id="{969E759D-A893-4B96-8B48-96EE547EBC41}" type="slidenum">
               <a:rPr lang="de-DE" smtClean="0"/>
-              <a:t>‹#›</a:t>
+              <a:t>‹Nr.›</a:t>
             </a:fld>
             <a:endParaRPr lang="de-DE"/>
           </a:p>
@@ -1407,7 +1738,7 @@
           <a:p>
             <a:fld id="{969E759D-A893-4B96-8B48-96EE547EBC41}" type="slidenum">
               <a:rPr lang="de-DE" smtClean="0"/>
-              <a:t>‹#›</a:t>
+              <a:t>‹Nr.›</a:t>
             </a:fld>
             <a:endParaRPr lang="de-DE"/>
           </a:p>
@@ -1686,7 +2017,7 @@
           <a:p>
             <a:fld id="{969E759D-A893-4B96-8B48-96EE547EBC41}" type="slidenum">
               <a:rPr lang="de-DE" smtClean="0"/>
-              <a:t>‹#›</a:t>
+              <a:t>‹Nr.›</a:t>
             </a:fld>
             <a:endParaRPr lang="de-DE"/>
           </a:p>
@@ -1957,7 +2288,7 @@
           <a:p>
             <a:fld id="{969E759D-A893-4B96-8B48-96EE547EBC41}" type="slidenum">
               <a:rPr lang="de-DE" smtClean="0"/>
-              <a:t>‹#›</a:t>
+              <a:t>‹Nr.›</a:t>
             </a:fld>
             <a:endParaRPr lang="de-DE"/>
           </a:p>
@@ -2375,7 +2706,7 @@
           <a:p>
             <a:fld id="{969E759D-A893-4B96-8B48-96EE547EBC41}" type="slidenum">
               <a:rPr lang="de-DE" smtClean="0"/>
-              <a:t>‹#›</a:t>
+              <a:t>‹Nr.›</a:t>
             </a:fld>
             <a:endParaRPr lang="de-DE"/>
           </a:p>
@@ -2520,7 +2851,7 @@
           <a:p>
             <a:fld id="{969E759D-A893-4B96-8B48-96EE547EBC41}" type="slidenum">
               <a:rPr lang="de-DE" smtClean="0"/>
-              <a:t>‹#›</a:t>
+              <a:t>‹Nr.›</a:t>
             </a:fld>
             <a:endParaRPr lang="de-DE"/>
           </a:p>
@@ -2636,7 +2967,7 @@
           <a:p>
             <a:fld id="{969E759D-A893-4B96-8B48-96EE547EBC41}" type="slidenum">
               <a:rPr lang="de-DE" smtClean="0"/>
-              <a:t>‹#›</a:t>
+              <a:t>‹Nr.›</a:t>
             </a:fld>
             <a:endParaRPr lang="de-DE"/>
           </a:p>
@@ -2952,7 +3283,7 @@
           <a:p>
             <a:fld id="{969E759D-A893-4B96-8B48-96EE547EBC41}" type="slidenum">
               <a:rPr lang="de-DE" smtClean="0"/>
-              <a:t>‹#›</a:t>
+              <a:t>‹Nr.›</a:t>
             </a:fld>
             <a:endParaRPr lang="de-DE"/>
           </a:p>
@@ -3244,7 +3575,7 @@
           <a:p>
             <a:fld id="{969E759D-A893-4B96-8B48-96EE547EBC41}" type="slidenum">
               <a:rPr lang="de-DE" smtClean="0"/>
-              <a:t>‹#›</a:t>
+              <a:t>‹Nr.›</a:t>
             </a:fld>
             <a:endParaRPr lang="de-DE"/>
           </a:p>
@@ -3526,7 +3857,7 @@
           <a:p>
             <a:fld id="{969E759D-A893-4B96-8B48-96EE547EBC41}" type="slidenum">
               <a:rPr lang="de-DE" smtClean="0"/>
-              <a:t>‹#›</a:t>
+              <a:t>‹Nr.›</a:t>
             </a:fld>
             <a:endParaRPr lang="de-DE"/>
           </a:p>
@@ -4232,6 +4563,248 @@
 <file path=ppt/slides/slide10.xml><?xml version="1.0" encoding="utf-8"?>
 <p:sld xmlns:a="http://schemas.openxmlformats.org/drawingml/2006/main" xmlns:r="http://schemas.openxmlformats.org/officeDocument/2006/relationships" xmlns:p="http://schemas.openxmlformats.org/presentationml/2006/main">
   <p:cSld>
+    <p:spTree>
+      <p:nvGrpSpPr>
+        <p:cNvPr id="1" name=""/>
+        <p:cNvGrpSpPr/>
+        <p:nvPr/>
+      </p:nvGrpSpPr>
+      <p:grpSpPr>
+        <a:xfrm>
+          <a:off x="0" y="0"/>
+          <a:ext cx="0" cy="0"/>
+          <a:chOff x="0" y="0"/>
+          <a:chExt cx="0" cy="0"/>
+        </a:xfrm>
+      </p:grpSpPr>
+      <p:sp>
+        <p:nvSpPr>
+          <p:cNvPr id="7" name="Titel 6">
+            <a:extLst>
+              <a:ext uri="{FF2B5EF4-FFF2-40B4-BE49-F238E27FC236}">
+                <a16:creationId xmlns:a16="http://schemas.microsoft.com/office/drawing/2014/main" id="{06F81B39-CC5E-430E-A51C-C34E1573A8DA}"/>
+              </a:ext>
+            </a:extLst>
+          </p:cNvPr>
+          <p:cNvSpPr>
+            <a:spLocks noGrp="1"/>
+          </p:cNvSpPr>
+          <p:nvPr>
+            <p:ph type="title"/>
+          </p:nvPr>
+        </p:nvSpPr>
+        <p:spPr/>
+        <p:txBody>
+          <a:bodyPr/>
+          <a:lstStyle/>
+          <a:p>
+            <a:r>
+              <a:rPr lang="de-DE" dirty="0"/>
+              <a:t>Team</a:t>
+            </a:r>
+          </a:p>
+        </p:txBody>
+      </p:sp>
+      <p:sp>
+        <p:nvSpPr>
+          <p:cNvPr id="3" name="Inhaltsplatzhalter 2">
+            <a:extLst>
+              <a:ext uri="{FF2B5EF4-FFF2-40B4-BE49-F238E27FC236}">
+                <a16:creationId xmlns:a16="http://schemas.microsoft.com/office/drawing/2014/main" id="{05EB6F76-0506-482C-8DF5-5972FA052E23}"/>
+              </a:ext>
+            </a:extLst>
+          </p:cNvPr>
+          <p:cNvSpPr>
+            <a:spLocks noGrp="1"/>
+          </p:cNvSpPr>
+          <p:nvPr>
+            <p:ph sz="half" idx="1"/>
+          </p:nvPr>
+        </p:nvSpPr>
+        <p:spPr/>
+        <p:txBody>
+          <a:bodyPr>
+            <a:normAutofit/>
+          </a:bodyPr>
+          <a:lstStyle/>
+          <a:p>
+            <a:r>
+              <a:rPr lang="de-DE" dirty="0"/>
+              <a:t>Moritz </a:t>
+            </a:r>
+            <a:r>
+              <a:rPr lang="de-DE" dirty="0" err="1"/>
+              <a:t>Withöft</a:t>
+            </a:r>
+            <a:endParaRPr lang="de-DE" dirty="0"/>
+          </a:p>
+          <a:p>
+            <a:pPr lvl="1"/>
+            <a:r>
+              <a:rPr lang="de-DE" dirty="0"/>
+              <a:t>Projektleiter</a:t>
+            </a:r>
+          </a:p>
+          <a:p>
+            <a:pPr lvl="1"/>
+            <a:r>
+              <a:rPr lang="de-DE" dirty="0"/>
+              <a:t>Dokumentationsmanager</a:t>
+            </a:r>
+          </a:p>
+          <a:p>
+            <a:pPr lvl="1"/>
+            <a:r>
+              <a:rPr lang="de-DE" dirty="0"/>
+              <a:t>Frontend</a:t>
+            </a:r>
+          </a:p>
+          <a:p>
+            <a:r>
+              <a:rPr lang="de-DE" dirty="0"/>
+              <a:t>Hannes Rüffer</a:t>
+            </a:r>
+          </a:p>
+          <a:p>
+            <a:pPr lvl="1"/>
+            <a:r>
+              <a:rPr lang="de-DE" dirty="0"/>
+              <a:t>Backend</a:t>
+            </a:r>
+          </a:p>
+        </p:txBody>
+      </p:sp>
+      <p:sp>
+        <p:nvSpPr>
+          <p:cNvPr id="8" name="Inhaltsplatzhalter 7">
+            <a:extLst>
+              <a:ext uri="{FF2B5EF4-FFF2-40B4-BE49-F238E27FC236}">
+                <a16:creationId xmlns:a16="http://schemas.microsoft.com/office/drawing/2014/main" id="{1984EF27-681D-4A81-BD45-B65014D1190C}"/>
+              </a:ext>
+            </a:extLst>
+          </p:cNvPr>
+          <p:cNvSpPr>
+            <a:spLocks noGrp="1"/>
+          </p:cNvSpPr>
+          <p:nvPr>
+            <p:ph sz="half" idx="2"/>
+          </p:nvPr>
+        </p:nvSpPr>
+        <p:spPr/>
+        <p:txBody>
+          <a:bodyPr/>
+          <a:lstStyle/>
+          <a:p>
+            <a:r>
+              <a:rPr lang="de-DE" dirty="0"/>
+              <a:t>Christiane Zolkin</a:t>
+            </a:r>
+          </a:p>
+          <a:p>
+            <a:pPr lvl="1"/>
+            <a:r>
+              <a:rPr lang="de-DE" dirty="0"/>
+              <a:t>Frontend</a:t>
+            </a:r>
+          </a:p>
+          <a:p>
+            <a:r>
+              <a:rPr lang="de-DE" dirty="0"/>
+              <a:t>Michelle Vorwerk</a:t>
+            </a:r>
+          </a:p>
+          <a:p>
+            <a:pPr lvl="1"/>
+            <a:r>
+              <a:rPr lang="de-DE" dirty="0"/>
+              <a:t>Schnittstellenmanager</a:t>
+            </a:r>
+          </a:p>
+          <a:p>
+            <a:pPr lvl="1"/>
+            <a:r>
+              <a:rPr lang="de-DE" dirty="0"/>
+              <a:t>Frontend</a:t>
+            </a:r>
+          </a:p>
+          <a:p>
+            <a:endParaRPr lang="de-DE" dirty="0"/>
+          </a:p>
+        </p:txBody>
+      </p:sp>
+      <p:sp>
+        <p:nvSpPr>
+          <p:cNvPr id="5" name="Fußzeilenplatzhalter 4">
+            <a:extLst>
+              <a:ext uri="{FF2B5EF4-FFF2-40B4-BE49-F238E27FC236}">
+                <a16:creationId xmlns:a16="http://schemas.microsoft.com/office/drawing/2014/main" id="{B3342DBB-7459-4914-8B4E-7D75AACAC05D}"/>
+              </a:ext>
+            </a:extLst>
+          </p:cNvPr>
+          <p:cNvSpPr>
+            <a:spLocks noGrp="1"/>
+          </p:cNvSpPr>
+          <p:nvPr>
+            <p:ph type="ftr" sz="quarter" idx="11"/>
+          </p:nvPr>
+        </p:nvSpPr>
+        <p:spPr/>
+        <p:txBody>
+          <a:bodyPr/>
+          <a:lstStyle/>
+          <a:p>
+            <a:r>
+              <a:rPr lang="de-DE"/>
+              <a:t>WS19/20 - PV-Modulportal - Rüffer, Vorwerk, Withöft, Zolkin</a:t>
+            </a:r>
+          </a:p>
+        </p:txBody>
+      </p:sp>
+      <p:sp>
+        <p:nvSpPr>
+          <p:cNvPr id="6" name="Foliennummernplatzhalter 5">
+            <a:extLst>
+              <a:ext uri="{FF2B5EF4-FFF2-40B4-BE49-F238E27FC236}">
+                <a16:creationId xmlns:a16="http://schemas.microsoft.com/office/drawing/2014/main" id="{039F0CB6-0EB5-48C9-A7AF-B05D53CB2CF0}"/>
+              </a:ext>
+            </a:extLst>
+          </p:cNvPr>
+          <p:cNvSpPr>
+            <a:spLocks noGrp="1"/>
+          </p:cNvSpPr>
+          <p:nvPr>
+            <p:ph type="sldNum" sz="quarter" idx="12"/>
+          </p:nvPr>
+        </p:nvSpPr>
+        <p:spPr/>
+        <p:txBody>
+          <a:bodyPr/>
+          <a:lstStyle/>
+          <a:p>
+            <a:fld id="{969E759D-A893-4B96-8B48-96EE547EBC41}" type="slidenum">
+              <a:rPr lang="de-DE" smtClean="0"/>
+              <a:t>10</a:t>
+            </a:fld>
+            <a:endParaRPr lang="de-DE"/>
+          </a:p>
+        </p:txBody>
+      </p:sp>
+    </p:spTree>
+    <p:extLst>
+      <p:ext uri="{BB962C8B-B14F-4D97-AF65-F5344CB8AC3E}">
+        <p14:creationId xmlns:p14="http://schemas.microsoft.com/office/powerpoint/2010/main" val="3481525500"/>
+      </p:ext>
+    </p:extLst>
+  </p:cSld>
+  <p:clrMapOvr>
+    <a:masterClrMapping/>
+  </p:clrMapOvr>
+</p:sld>
+</file>
+
+<file path=ppt/slides/slide11.xml><?xml version="1.0" encoding="utf-8"?>
+<p:sld xmlns:a="http://schemas.openxmlformats.org/drawingml/2006/main" xmlns:r="http://schemas.openxmlformats.org/officeDocument/2006/relationships" xmlns:p="http://schemas.openxmlformats.org/presentationml/2006/main">
+  <p:cSld>
     <p:bg>
       <p:bgPr>
         <a:solidFill>
@@ -4729,7 +5302,7 @@
                   <a:spcPts val="600"/>
                 </a:spcAft>
               </a:pPr>
-              <a:t>10</a:t>
+              <a:t>11</a:t>
             </a:fld>
             <a:endParaRPr lang="en-US" sz="1500">
               <a:solidFill>
@@ -4748,336 +5321,6 @@
   </p:cSld>
   <p:clrMapOvr>
     <a:overrideClrMapping bg1="dk1" tx1="lt1" bg2="dk2" tx2="lt2" accent1="accent1" accent2="accent2" accent3="accent3" accent4="accent4" accent5="accent5" accent6="accent6" hlink="hlink" folHlink="folHlink"/>
-  </p:clrMapOvr>
-</p:sld>
-</file>
-
-<file path=ppt/slides/slide11.xml><?xml version="1.0" encoding="utf-8"?>
-<p:sld xmlns:a="http://schemas.openxmlformats.org/drawingml/2006/main" xmlns:r="http://schemas.openxmlformats.org/officeDocument/2006/relationships" xmlns:p="http://schemas.openxmlformats.org/presentationml/2006/main">
-  <p:cSld>
-    <p:spTree>
-      <p:nvGrpSpPr>
-        <p:cNvPr id="1" name=""/>
-        <p:cNvGrpSpPr/>
-        <p:nvPr/>
-      </p:nvGrpSpPr>
-      <p:grpSpPr>
-        <a:xfrm>
-          <a:off x="0" y="0"/>
-          <a:ext cx="0" cy="0"/>
-          <a:chOff x="0" y="0"/>
-          <a:chExt cx="0" cy="0"/>
-        </a:xfrm>
-      </p:grpSpPr>
-      <p:sp>
-        <p:nvSpPr>
-          <p:cNvPr id="2" name="Title 1">
-            <a:extLst>
-              <a:ext uri="{FF2B5EF4-FFF2-40B4-BE49-F238E27FC236}">
-                <a16:creationId xmlns:a16="http://schemas.microsoft.com/office/drawing/2014/main" id="{4C84315F-315F-4066-9D3A-472733691F27}"/>
-              </a:ext>
-            </a:extLst>
-          </p:cNvPr>
-          <p:cNvSpPr>
-            <a:spLocks noGrp="1"/>
-          </p:cNvSpPr>
-          <p:nvPr>
-            <p:ph type="title"/>
-          </p:nvPr>
-        </p:nvSpPr>
-        <p:spPr>
-          <a:xfrm>
-            <a:off x="838200" y="365125"/>
-            <a:ext cx="10515600" cy="881784"/>
-          </a:xfrm>
-        </p:spPr>
-        <p:txBody>
-          <a:bodyPr>
-            <a:normAutofit/>
-          </a:bodyPr>
-          <a:lstStyle/>
-          <a:p>
-            <a:r>
-              <a:rPr lang="de-DE" dirty="0"/>
-              <a:t>Theoretische Grundlagen  - 	Begriffe</a:t>
-            </a:r>
-          </a:p>
-        </p:txBody>
-      </p:sp>
-      <p:sp>
-        <p:nvSpPr>
-          <p:cNvPr id="4" name="Footer Placeholder 3">
-            <a:extLst>
-              <a:ext uri="{FF2B5EF4-FFF2-40B4-BE49-F238E27FC236}">
-                <a16:creationId xmlns:a16="http://schemas.microsoft.com/office/drawing/2014/main" id="{0EF7D1E5-7A19-4BA2-8CAA-9135FB90076C}"/>
-              </a:ext>
-            </a:extLst>
-          </p:cNvPr>
-          <p:cNvSpPr>
-            <a:spLocks noGrp="1"/>
-          </p:cNvSpPr>
-          <p:nvPr>
-            <p:ph type="ftr" sz="quarter" idx="11"/>
-          </p:nvPr>
-        </p:nvSpPr>
-        <p:spPr/>
-        <p:txBody>
-          <a:bodyPr/>
-          <a:lstStyle/>
-          <a:p>
-            <a:r>
-              <a:rPr lang="de-DE"/>
-              <a:t>WS19/20 - PV-Modulportal - Rüffer, Vorwerk, Withöft, Zolkin</a:t>
-            </a:r>
-          </a:p>
-        </p:txBody>
-      </p:sp>
-      <p:sp>
-        <p:nvSpPr>
-          <p:cNvPr id="5" name="Slide Number Placeholder 4">
-            <a:extLst>
-              <a:ext uri="{FF2B5EF4-FFF2-40B4-BE49-F238E27FC236}">
-                <a16:creationId xmlns:a16="http://schemas.microsoft.com/office/drawing/2014/main" id="{FAC16E02-623C-4BDA-BAFA-B73797A517FD}"/>
-              </a:ext>
-            </a:extLst>
-          </p:cNvPr>
-          <p:cNvSpPr>
-            <a:spLocks noGrp="1"/>
-          </p:cNvSpPr>
-          <p:nvPr>
-            <p:ph type="sldNum" sz="quarter" idx="12"/>
-          </p:nvPr>
-        </p:nvSpPr>
-        <p:spPr/>
-        <p:txBody>
-          <a:bodyPr/>
-          <a:lstStyle/>
-          <a:p>
-            <a:fld id="{969E759D-A893-4B96-8B48-96EE547EBC41}" type="slidenum">
-              <a:rPr lang="de-DE" smtClean="0"/>
-              <a:t>11</a:t>
-            </a:fld>
-            <a:endParaRPr lang="de-DE"/>
-          </a:p>
-        </p:txBody>
-      </p:sp>
-      <p:sp>
-        <p:nvSpPr>
-          <p:cNvPr id="6" name="Textfeld 5">
-            <a:extLst>
-              <a:ext uri="{FF2B5EF4-FFF2-40B4-BE49-F238E27FC236}">
-                <a16:creationId xmlns:a16="http://schemas.microsoft.com/office/drawing/2014/main" id="{B9994866-87B0-46B7-BEA1-D4F84B1CDF09}"/>
-              </a:ext>
-            </a:extLst>
-          </p:cNvPr>
-          <p:cNvSpPr txBox="1"/>
-          <p:nvPr/>
-        </p:nvSpPr>
-        <p:spPr>
-          <a:xfrm>
-            <a:off x="1083578" y="1414562"/>
-            <a:ext cx="8446316" cy="4801314"/>
-          </a:xfrm>
-          <a:prstGeom prst="rect">
-            <a:avLst/>
-          </a:prstGeom>
-          <a:noFill/>
-        </p:spPr>
-        <p:txBody>
-          <a:bodyPr wrap="square" rtlCol="0">
-            <a:spAutoFit/>
-          </a:bodyPr>
-          <a:lstStyle/>
-          <a:p>
-            <a:pPr marL="285750" indent="-285750">
-              <a:buFont typeface="Arial" panose="020B0604020202020204" pitchFamily="34" charset="0"/>
-              <a:buChar char="•"/>
-            </a:pPr>
-            <a:r>
-              <a:rPr lang="de-DE" dirty="0"/>
-              <a:t>Kennlinien</a:t>
-            </a:r>
-          </a:p>
-          <a:p>
-            <a:pPr marL="742950" lvl="1" indent="-285750">
-              <a:buFont typeface="Arial" panose="020B0604020202020204" pitchFamily="34" charset="0"/>
-              <a:buChar char="•"/>
-            </a:pPr>
-            <a:r>
-              <a:rPr lang="de-DE" dirty="0"/>
-              <a:t>Abbildung von anliegender Spannung zu Stromstärke</a:t>
-            </a:r>
-          </a:p>
-          <a:p>
-            <a:pPr marL="742950" lvl="1" indent="-285750">
-              <a:buFont typeface="Arial" panose="020B0604020202020204" pitchFamily="34" charset="0"/>
-              <a:buChar char="•"/>
-            </a:pPr>
-            <a:r>
-              <a:rPr lang="de-DE" dirty="0"/>
-              <a:t>Messbar durch z.B. kontinuierliche Änderung eines Widerstandes und Messung der Spannung / Stromstärke</a:t>
-            </a:r>
-          </a:p>
-          <a:p>
-            <a:pPr marL="742950" lvl="1" indent="-285750">
-              <a:buFont typeface="Arial" panose="020B0604020202020204" pitchFamily="34" charset="0"/>
-              <a:buChar char="•"/>
-            </a:pPr>
-            <a:r>
-              <a:rPr lang="de-DE" dirty="0"/>
-              <a:t>Verschiedene Arten</a:t>
-            </a:r>
-          </a:p>
-          <a:p>
-            <a:pPr marL="285750" indent="-285750">
-              <a:buFont typeface="Arial" panose="020B0604020202020204" pitchFamily="34" charset="0"/>
-              <a:buChar char="•"/>
-            </a:pPr>
-            <a:r>
-              <a:rPr lang="de-DE" dirty="0"/>
-              <a:t>Hellkennlinien</a:t>
-            </a:r>
-          </a:p>
-          <a:p>
-            <a:pPr marL="742950" lvl="1" indent="-285750">
-              <a:buFont typeface="Arial" panose="020B0604020202020204" pitchFamily="34" charset="0"/>
-              <a:buChar char="•"/>
-            </a:pPr>
-            <a:r>
-              <a:rPr lang="de-DE" dirty="0"/>
-              <a:t>Gemessen unter normalen Bedingungen (25°C, 1000W/m² Einstrahlung, 1.5 AM)</a:t>
-            </a:r>
-          </a:p>
-          <a:p>
-            <a:pPr marL="285750" indent="-285750">
-              <a:buFont typeface="Arial" panose="020B0604020202020204" pitchFamily="34" charset="0"/>
-              <a:buChar char="•"/>
-            </a:pPr>
-            <a:r>
-              <a:rPr lang="de-DE" dirty="0"/>
-              <a:t>Dunkelkennlinien</a:t>
-            </a:r>
-          </a:p>
-          <a:p>
-            <a:pPr marL="742950" lvl="1" indent="-285750">
-              <a:buFont typeface="Arial" panose="020B0604020202020204" pitchFamily="34" charset="0"/>
-              <a:buChar char="•"/>
-            </a:pPr>
-            <a:r>
-              <a:rPr lang="de-DE" dirty="0"/>
-              <a:t>Gemessen ohne Einstrahlung (0W/m²)</a:t>
-            </a:r>
-          </a:p>
-          <a:p>
-            <a:pPr marL="285750" indent="-285750">
-              <a:buFont typeface="Arial" panose="020B0604020202020204" pitchFamily="34" charset="0"/>
-              <a:buChar char="•"/>
-            </a:pPr>
-            <a:r>
-              <a:rPr lang="de-DE" dirty="0"/>
-              <a:t>MPP – Maximum-Power-Point</a:t>
-            </a:r>
-          </a:p>
-          <a:p>
-            <a:pPr marL="742950" lvl="1" indent="-285750">
-              <a:buFont typeface="Arial" panose="020B0604020202020204" pitchFamily="34" charset="0"/>
-              <a:buChar char="•"/>
-            </a:pPr>
-            <a:r>
-              <a:rPr lang="de-DE" dirty="0"/>
-              <a:t>Punkt (Spannung x Stromstärke) der höchsten Effizienz</a:t>
-            </a:r>
-          </a:p>
-          <a:p>
-            <a:pPr marL="285750" indent="-285750">
-              <a:buFont typeface="Arial" panose="020B0604020202020204" pitchFamily="34" charset="0"/>
-              <a:buChar char="•"/>
-            </a:pPr>
-            <a:r>
-              <a:rPr lang="de-DE" dirty="0"/>
-              <a:t>U</a:t>
-            </a:r>
-            <a:r>
-              <a:rPr lang="de-DE" sz="1100" dirty="0"/>
-              <a:t>L </a:t>
-            </a:r>
-            <a:r>
-              <a:rPr lang="de-DE" dirty="0"/>
-              <a:t>– Leerlaufspannung</a:t>
-            </a:r>
-          </a:p>
-          <a:p>
-            <a:pPr marL="742950" lvl="1" indent="-285750">
-              <a:buFont typeface="Arial" panose="020B0604020202020204" pitchFamily="34" charset="0"/>
-              <a:buChar char="•"/>
-            </a:pPr>
-            <a:r>
-              <a:rPr lang="de-DE" dirty="0"/>
-              <a:t>Spannung bei Einstrahlung und keiner Verbindung von den Polen</a:t>
-            </a:r>
-          </a:p>
-          <a:p>
-            <a:pPr marL="742950" lvl="1" indent="-285750">
-              <a:buFont typeface="Arial" panose="020B0604020202020204" pitchFamily="34" charset="0"/>
-              <a:buChar char="•"/>
-            </a:pPr>
-            <a:r>
-              <a:rPr lang="de-DE" dirty="0"/>
-              <a:t>Kein Stromfluss</a:t>
-            </a:r>
-          </a:p>
-          <a:p>
-            <a:pPr marL="285750" indent="-285750">
-              <a:buFont typeface="Arial" panose="020B0604020202020204" pitchFamily="34" charset="0"/>
-              <a:buChar char="•"/>
-            </a:pPr>
-            <a:r>
-              <a:rPr lang="de-DE" dirty="0" err="1">
-                <a:latin typeface="Times New Roman" panose="02020603050405020304" pitchFamily="18" charset="0"/>
-                <a:cs typeface="Times New Roman" panose="02020603050405020304" pitchFamily="18" charset="0"/>
-              </a:rPr>
-              <a:t>I</a:t>
-            </a:r>
-            <a:r>
-              <a:rPr lang="de-DE" sz="1100" dirty="0" err="1"/>
-              <a:t>k</a:t>
-            </a:r>
-            <a:r>
-              <a:rPr lang="de-DE" dirty="0"/>
-              <a:t> – Kurzschlussstrom</a:t>
-            </a:r>
-          </a:p>
-          <a:p>
-            <a:pPr marL="742950" lvl="1" indent="-285750">
-              <a:buFont typeface="Arial" panose="020B0604020202020204" pitchFamily="34" charset="0"/>
-              <a:buChar char="•"/>
-            </a:pPr>
-            <a:r>
-              <a:rPr lang="de-DE" dirty="0"/>
-              <a:t>Stromfluss bei Kurzschluss zwischen den Polen</a:t>
-            </a:r>
-          </a:p>
-          <a:p>
-            <a:pPr marL="742950" lvl="1" indent="-285750">
-              <a:buFont typeface="Arial" panose="020B0604020202020204" pitchFamily="34" charset="0"/>
-              <a:buChar char="•"/>
-            </a:pPr>
-            <a:r>
-              <a:rPr lang="de-DE" dirty="0"/>
-              <a:t>Keine Spannung</a:t>
-            </a:r>
-          </a:p>
-        </p:txBody>
-      </p:sp>
-    </p:spTree>
-    <p:extLst>
-      <p:ext uri="{BB962C8B-B14F-4D97-AF65-F5344CB8AC3E}">
-        <p14:creationId xmlns:p14="http://schemas.microsoft.com/office/powerpoint/2010/main" val="1384477586"/>
-      </p:ext>
-    </p:extLst>
-  </p:cSld>
-  <p:clrMapOvr>
-    <a:masterClrMapping/>
   </p:clrMapOvr>
 </p:sld>
 </file>
@@ -5129,7 +5372,7 @@
           <a:p>
             <a:r>
               <a:rPr lang="de-DE" dirty="0"/>
-              <a:t>Theoretische Grundlagen  - 	Hellkennlinien</a:t>
+              <a:t>Theoretische Grundlagen  - 	Begriffe</a:t>
             </a:r>
           </a:p>
         </p:txBody>
@@ -5191,58 +5434,22 @@
           </a:p>
         </p:txBody>
       </p:sp>
-      <p:pic>
-        <p:nvPicPr>
-          <p:cNvPr id="11" name="Grafik 10" descr="Ein Bild, das Screenshot enthält.&#10;&#10;Automatisch generierte Beschreibung">
-            <a:extLst>
-              <a:ext uri="{FF2B5EF4-FFF2-40B4-BE49-F238E27FC236}">
-                <a16:creationId xmlns:a16="http://schemas.microsoft.com/office/drawing/2014/main" id="{08D1ECEA-E3D6-4F58-AF93-8D73129F807D}"/>
-              </a:ext>
-            </a:extLst>
-          </p:cNvPr>
-          <p:cNvPicPr>
-            <a:picLocks noChangeAspect="1"/>
-          </p:cNvPicPr>
+      <p:sp>
+        <p:nvSpPr>
+          <p:cNvPr id="6" name="Textfeld 5">
+            <a:extLst>
+              <a:ext uri="{FF2B5EF4-FFF2-40B4-BE49-F238E27FC236}">
+                <a16:creationId xmlns:a16="http://schemas.microsoft.com/office/drawing/2014/main" id="{B9994866-87B0-46B7-BEA1-D4F84B1CDF09}"/>
+              </a:ext>
+            </a:extLst>
+          </p:cNvPr>
+          <p:cNvSpPr txBox="1"/>
           <p:nvPr/>
-        </p:nvPicPr>
-        <p:blipFill>
-          <a:blip r:embed="rId2">
-            <a:extLst>
-              <a:ext uri="{28A0092B-C50C-407E-A947-70E740481C1C}">
-                <a14:useLocalDpi xmlns:a14="http://schemas.microsoft.com/office/drawing/2010/main" val="0"/>
-              </a:ext>
-            </a:extLst>
-          </a:blip>
-          <a:stretch>
-            <a:fillRect/>
-          </a:stretch>
-        </p:blipFill>
+        </p:nvSpPr>
         <p:spPr>
           <a:xfrm>
-            <a:off x="5963971" y="2410086"/>
-            <a:ext cx="5850948" cy="3476650"/>
-          </a:xfrm>
-          <a:prstGeom prst="rect">
-            <a:avLst/>
-          </a:prstGeom>
-        </p:spPr>
-      </p:pic>
-      <p:sp>
-        <p:nvSpPr>
-          <p:cNvPr id="12" name="Textfeld 11">
-            <a:extLst>
-              <a:ext uri="{FF2B5EF4-FFF2-40B4-BE49-F238E27FC236}">
-                <a16:creationId xmlns:a16="http://schemas.microsoft.com/office/drawing/2014/main" id="{505B34EF-FD4F-43EC-9410-F3236D2F06E9}"/>
-              </a:ext>
-            </a:extLst>
-          </p:cNvPr>
-          <p:cNvSpPr txBox="1"/>
-          <p:nvPr/>
-        </p:nvSpPr>
-        <p:spPr>
-          <a:xfrm>
-            <a:off x="6234545" y="5886736"/>
-            <a:ext cx="5580374" cy="246221"/>
+            <a:off x="1083578" y="1414562"/>
+            <a:ext cx="8446316" cy="4801314"/>
           </a:xfrm>
           <a:prstGeom prst="rect">
             <a:avLst/>
@@ -5250,41 +5457,6 @@
           <a:noFill/>
         </p:spPr>
         <p:txBody>
-          <a:bodyPr wrap="none" rtlCol="0">
-            <a:spAutoFit/>
-          </a:bodyPr>
-          <a:lstStyle/>
-          <a:p>
-            <a:r>
-              <a:rPr lang="de-DE" sz="1000" dirty="0"/>
-              <a:t>Quelle: https://photovoltaiksolarstrom.com/photovoltaiklexikon/maximum-power-point-mpp-tracking/</a:t>
-            </a:r>
-          </a:p>
-        </p:txBody>
-      </p:sp>
-      <p:sp>
-        <p:nvSpPr>
-          <p:cNvPr id="13" name="Textfeld 12">
-            <a:extLst>
-              <a:ext uri="{FF2B5EF4-FFF2-40B4-BE49-F238E27FC236}">
-                <a16:creationId xmlns:a16="http://schemas.microsoft.com/office/drawing/2014/main" id="{CAB1451E-3CF7-465F-97C3-80760286DFF4}"/>
-              </a:ext>
-            </a:extLst>
-          </p:cNvPr>
-          <p:cNvSpPr txBox="1"/>
-          <p:nvPr/>
-        </p:nvSpPr>
-        <p:spPr>
-          <a:xfrm>
-            <a:off x="628750" y="2508308"/>
-            <a:ext cx="5008651" cy="2308324"/>
-          </a:xfrm>
-          <a:prstGeom prst="rect">
-            <a:avLst/>
-          </a:prstGeom>
-          <a:noFill/>
-        </p:spPr>
-        <p:txBody>
           <a:bodyPr wrap="square" rtlCol="0">
             <a:spAutoFit/>
           </a:bodyPr>
@@ -5296,7 +5468,37 @@
             </a:pPr>
             <a:r>
               <a:rPr lang="de-DE" dirty="0"/>
-              <a:t>Bestimmung der maximalen Leistung</a:t>
+              <a:t>Kennlinien</a:t>
+            </a:r>
+          </a:p>
+          <a:p>
+            <a:pPr marL="742950" lvl="1" indent="-285750">
+              <a:buFont typeface="Arial" panose="020B0604020202020204" pitchFamily="34" charset="0"/>
+              <a:buChar char="•"/>
+            </a:pPr>
+            <a:r>
+              <a:rPr lang="de-DE" dirty="0"/>
+              <a:t>Abbildung von anliegender Spannung zu Stromstärke</a:t>
+            </a:r>
+          </a:p>
+          <a:p>
+            <a:pPr marL="742950" lvl="1" indent="-285750">
+              <a:buFont typeface="Arial" panose="020B0604020202020204" pitchFamily="34" charset="0"/>
+              <a:buChar char="•"/>
+            </a:pPr>
+            <a:r>
+              <a:rPr lang="de-DE" dirty="0"/>
+              <a:t>Messbar durch z.B. kontinuierliche Änderung eines Widerstandes und Messung der Spannung / Stromstärke</a:t>
+            </a:r>
+          </a:p>
+          <a:p>
+            <a:pPr marL="742950" lvl="1" indent="-285750">
+              <a:buFont typeface="Arial" panose="020B0604020202020204" pitchFamily="34" charset="0"/>
+              <a:buChar char="•"/>
+            </a:pPr>
+            <a:r>
+              <a:rPr lang="de-DE" dirty="0"/>
+              <a:t>Verschiedene Arten</a:t>
             </a:r>
           </a:p>
           <a:p>
@@ -5306,7 +5508,7 @@
             </a:pPr>
             <a:r>
               <a:rPr lang="de-DE" dirty="0"/>
-              <a:t>Feststellen von Mängeln</a:t>
+              <a:t>Hellkennlinien</a:t>
             </a:r>
           </a:p>
           <a:p>
@@ -5316,7 +5518,17 @@
             </a:pPr>
             <a:r>
               <a:rPr lang="de-DE" dirty="0"/>
-              <a:t>Hoher serieller Widerstand -&gt; z.B. durch fehlerhafte Steckverbindungen</a:t>
+              <a:t>Gemessen unter normalen Bedingungen (25°C, 1000W/m² Einstrahlung, 1.5 AM)</a:t>
+            </a:r>
+          </a:p>
+          <a:p>
+            <a:pPr marL="285750" indent="-285750">
+              <a:buFont typeface="Arial" panose="020B0604020202020204" pitchFamily="34" charset="0"/>
+              <a:buChar char="•"/>
+            </a:pPr>
+            <a:r>
+              <a:rPr lang="de-DE" dirty="0"/>
+              <a:t>Dunkelkennlinien</a:t>
             </a:r>
           </a:p>
           <a:p>
@@ -5326,7 +5538,7 @@
             </a:pPr>
             <a:r>
               <a:rPr lang="de-DE" dirty="0"/>
-              <a:t>Geringer Widerstand -&gt; z.B. durch lokale Kurzschlüsse</a:t>
+              <a:t>Gemessen ohne Einstrahlung (0W/m²)</a:t>
             </a:r>
           </a:p>
           <a:p>
@@ -5336,52 +5548,96 @@
             </a:pPr>
             <a:r>
               <a:rPr lang="de-DE" dirty="0"/>
-              <a:t>Angefertigt nach Produktion</a:t>
+              <a:t>MPP – Maximum-Power-Point</a:t>
             </a:r>
           </a:p>
           <a:p>
             <a:pPr marL="742950" lvl="1" indent="-285750">
-              <a:buFont typeface="Wingdings" panose="05000000000000000000" pitchFamily="2" charset="2"/>
-              <a:buChar char="Ø"/>
+              <a:buFont typeface="Arial" panose="020B0604020202020204" pitchFamily="34" charset="0"/>
+              <a:buChar char="•"/>
             </a:pPr>
             <a:r>
               <a:rPr lang="de-DE" dirty="0"/>
-              <a:t>Am besten periodisch wiederholen</a:t>
-            </a:r>
-          </a:p>
-        </p:txBody>
-      </p:sp>
-      <p:sp>
-        <p:nvSpPr>
-          <p:cNvPr id="14" name="Textfeld 13">
-            <a:extLst>
-              <a:ext uri="{FF2B5EF4-FFF2-40B4-BE49-F238E27FC236}">
-                <a16:creationId xmlns:a16="http://schemas.microsoft.com/office/drawing/2014/main" id="{49CB4C5B-54D1-4670-9320-555C2971CB1E}"/>
-              </a:ext>
-            </a:extLst>
-          </p:cNvPr>
-          <p:cNvSpPr txBox="1"/>
-          <p:nvPr/>
-        </p:nvSpPr>
-        <p:spPr>
-          <a:xfrm>
-            <a:off x="8153400" y="2040754"/>
-            <a:ext cx="1895304" cy="369332"/>
-          </a:xfrm>
-          <a:prstGeom prst="rect">
-            <a:avLst/>
-          </a:prstGeom>
-          <a:noFill/>
-        </p:spPr>
-        <p:txBody>
-          <a:bodyPr wrap="square" rtlCol="0">
-            <a:spAutoFit/>
-          </a:bodyPr>
-          <a:lstStyle/>
-          <a:p>
+              <a:t>Punkt (Spannung x Stromstärke) der höchsten Effizienz</a:t>
+            </a:r>
+          </a:p>
+          <a:p>
+            <a:pPr marL="285750" indent="-285750">
+              <a:buFont typeface="Arial" panose="020B0604020202020204" pitchFamily="34" charset="0"/>
+              <a:buChar char="•"/>
+            </a:pPr>
             <a:r>
               <a:rPr lang="de-DE" dirty="0"/>
-              <a:t>Eine Hellkennlinie </a:t>
+              <a:t>U</a:t>
+            </a:r>
+            <a:r>
+              <a:rPr lang="de-DE" sz="1100" dirty="0"/>
+              <a:t>L </a:t>
+            </a:r>
+            <a:r>
+              <a:rPr lang="de-DE" dirty="0"/>
+              <a:t>– Leerlaufspannung</a:t>
+            </a:r>
+          </a:p>
+          <a:p>
+            <a:pPr marL="742950" lvl="1" indent="-285750">
+              <a:buFont typeface="Arial" panose="020B0604020202020204" pitchFamily="34" charset="0"/>
+              <a:buChar char="•"/>
+            </a:pPr>
+            <a:r>
+              <a:rPr lang="de-DE" dirty="0"/>
+              <a:t>Spannung bei Einstrahlung und keiner Verbindung von den Polen</a:t>
+            </a:r>
+          </a:p>
+          <a:p>
+            <a:pPr marL="742950" lvl="1" indent="-285750">
+              <a:buFont typeface="Arial" panose="020B0604020202020204" pitchFamily="34" charset="0"/>
+              <a:buChar char="•"/>
+            </a:pPr>
+            <a:r>
+              <a:rPr lang="de-DE" dirty="0"/>
+              <a:t>Kein Stromfluss</a:t>
+            </a:r>
+          </a:p>
+          <a:p>
+            <a:pPr marL="285750" indent="-285750">
+              <a:buFont typeface="Arial" panose="020B0604020202020204" pitchFamily="34" charset="0"/>
+              <a:buChar char="•"/>
+            </a:pPr>
+            <a:r>
+              <a:rPr lang="de-DE" dirty="0" err="1">
+                <a:latin typeface="Times New Roman" panose="02020603050405020304" pitchFamily="18" charset="0"/>
+                <a:cs typeface="Times New Roman" panose="02020603050405020304" pitchFamily="18" charset="0"/>
+              </a:rPr>
+              <a:t>I</a:t>
+            </a:r>
+            <a:r>
+              <a:rPr lang="de-DE" sz="1100" dirty="0" err="1"/>
+              <a:t>k</a:t>
+            </a:r>
+            <a:r>
+              <a:rPr lang="de-DE" dirty="0"/>
+              <a:t> – Kurzschlussstrom</a:t>
+            </a:r>
+          </a:p>
+          <a:p>
+            <a:pPr marL="742950" lvl="1" indent="-285750">
+              <a:buFont typeface="Arial" panose="020B0604020202020204" pitchFamily="34" charset="0"/>
+              <a:buChar char="•"/>
+            </a:pPr>
+            <a:r>
+              <a:rPr lang="de-DE" dirty="0"/>
+              <a:t>Stromfluss bei Kurzschluss zwischen den Polen</a:t>
+            </a:r>
+          </a:p>
+          <a:p>
+            <a:pPr marL="742950" lvl="1" indent="-285750">
+              <a:buFont typeface="Arial" panose="020B0604020202020204" pitchFamily="34" charset="0"/>
+              <a:buChar char="•"/>
+            </a:pPr>
+            <a:r>
+              <a:rPr lang="de-DE" dirty="0"/>
+              <a:t>Keine Spannung</a:t>
             </a:r>
           </a:p>
         </p:txBody>
@@ -5389,7 +5645,7 @@
     </p:spTree>
     <p:extLst>
       <p:ext uri="{BB962C8B-B14F-4D97-AF65-F5344CB8AC3E}">
-        <p14:creationId xmlns:p14="http://schemas.microsoft.com/office/powerpoint/2010/main" val="3470889795"/>
+        <p14:creationId xmlns:p14="http://schemas.microsoft.com/office/powerpoint/2010/main" val="1384477586"/>
       </p:ext>
     </p:extLst>
   </p:cSld>
@@ -5446,7 +5702,7 @@
           <a:p>
             <a:r>
               <a:rPr lang="de-DE" dirty="0"/>
-              <a:t>Theoretische Grundlagen  - 	Dunkelkennlinien</a:t>
+              <a:t>Theoretische Grundlagen  - 	Hellkennlinien</a:t>
             </a:r>
           </a:p>
         </p:txBody>
@@ -5508,171 +5764,12 @@
           </a:p>
         </p:txBody>
       </p:sp>
-      <p:sp>
-        <p:nvSpPr>
-          <p:cNvPr id="12" name="Textfeld 11">
-            <a:extLst>
-              <a:ext uri="{FF2B5EF4-FFF2-40B4-BE49-F238E27FC236}">
-                <a16:creationId xmlns:a16="http://schemas.microsoft.com/office/drawing/2014/main" id="{505B34EF-FD4F-43EC-9410-F3236D2F06E9}"/>
-              </a:ext>
-            </a:extLst>
-          </p:cNvPr>
-          <p:cNvSpPr txBox="1"/>
-          <p:nvPr/>
-        </p:nvSpPr>
-        <p:spPr>
-          <a:xfrm>
-            <a:off x="397034" y="5886736"/>
-            <a:ext cx="4812536" cy="215444"/>
-          </a:xfrm>
-          <a:prstGeom prst="rect">
-            <a:avLst/>
-          </a:prstGeom>
-          <a:noFill/>
-        </p:spPr>
-        <p:txBody>
-          <a:bodyPr wrap="none" rtlCol="0">
-            <a:spAutoFit/>
-          </a:bodyPr>
-          <a:lstStyle/>
-          <a:p>
-            <a:r>
-              <a:rPr lang="de-DE" sz="800" dirty="0"/>
-              <a:t>Quelle: https://photovoltaikbuero.de/pv-know-how-blog/dunkelkennlinien-von-photovoltaikanlagen-messen/</a:t>
-            </a:r>
-          </a:p>
-        </p:txBody>
-      </p:sp>
-      <p:sp>
-        <p:nvSpPr>
-          <p:cNvPr id="13" name="Textfeld 12">
-            <a:extLst>
-              <a:ext uri="{FF2B5EF4-FFF2-40B4-BE49-F238E27FC236}">
-                <a16:creationId xmlns:a16="http://schemas.microsoft.com/office/drawing/2014/main" id="{CAB1451E-3CF7-465F-97C3-80760286DFF4}"/>
-              </a:ext>
-            </a:extLst>
-          </p:cNvPr>
-          <p:cNvSpPr txBox="1"/>
-          <p:nvPr/>
-        </p:nvSpPr>
-        <p:spPr>
-          <a:xfrm>
-            <a:off x="6474691" y="1951672"/>
-            <a:ext cx="5146730" cy="2031325"/>
-          </a:xfrm>
-          <a:prstGeom prst="rect">
-            <a:avLst/>
-          </a:prstGeom>
-          <a:noFill/>
-        </p:spPr>
-        <p:txBody>
-          <a:bodyPr wrap="square" rtlCol="0">
-            <a:spAutoFit/>
-          </a:bodyPr>
-          <a:lstStyle/>
-          <a:p>
-            <a:pPr marL="285750" indent="-285750">
-              <a:buFont typeface="Arial" panose="020B0604020202020204" pitchFamily="34" charset="0"/>
-              <a:buChar char="•"/>
-            </a:pPr>
-            <a:r>
-              <a:rPr lang="de-DE" dirty="0"/>
-              <a:t>Beliebt, da Bedingungen vereinfacht</a:t>
-            </a:r>
-          </a:p>
-          <a:p>
-            <a:pPr marL="285750" indent="-285750">
-              <a:buFont typeface="Arial" panose="020B0604020202020204" pitchFamily="34" charset="0"/>
-              <a:buChar char="•"/>
-            </a:pPr>
-            <a:r>
-              <a:rPr lang="de-DE" dirty="0"/>
-              <a:t>Erschließbar: Dunkelkennlinie –&gt; Hellkennlinie</a:t>
-            </a:r>
-          </a:p>
-          <a:p>
-            <a:pPr marL="285750" indent="-285750">
-              <a:buFont typeface="Arial" panose="020B0604020202020204" pitchFamily="34" charset="0"/>
-              <a:buChar char="•"/>
-            </a:pPr>
-            <a:r>
-              <a:rPr lang="de-DE" dirty="0"/>
-              <a:t>Besondere Verwendung bei Fehleranalyse</a:t>
-            </a:r>
-          </a:p>
-          <a:p>
-            <a:pPr marL="742950" lvl="1" indent="-285750">
-              <a:buFont typeface="Arial" panose="020B0604020202020204" pitchFamily="34" charset="0"/>
-              <a:buChar char="•"/>
-            </a:pPr>
-            <a:r>
-              <a:rPr lang="de-DE" dirty="0"/>
-              <a:t>Untersuchen von ganzen Modulsträngen</a:t>
-            </a:r>
-          </a:p>
-          <a:p>
-            <a:pPr marL="742950" lvl="1" indent="-285750">
-              <a:buFont typeface="Arial" panose="020B0604020202020204" pitchFamily="34" charset="0"/>
-              <a:buChar char="•"/>
-            </a:pPr>
-            <a:r>
-              <a:rPr lang="de-DE" dirty="0"/>
-              <a:t>Heranziehen von Elektrolumineszenz-untersuchungen</a:t>
-            </a:r>
-          </a:p>
-          <a:p>
-            <a:pPr marL="742950" lvl="1" indent="-285750">
-              <a:buFont typeface="Arial" panose="020B0604020202020204" pitchFamily="34" charset="0"/>
-              <a:buChar char="•"/>
-            </a:pPr>
-            <a:r>
-              <a:rPr lang="de-DE" dirty="0"/>
-              <a:t>Tiefergehende Auswertung als Hellkennlinie</a:t>
-            </a:r>
-          </a:p>
-        </p:txBody>
-      </p:sp>
-      <p:sp>
-        <p:nvSpPr>
-          <p:cNvPr id="14" name="Textfeld 13">
-            <a:extLst>
-              <a:ext uri="{FF2B5EF4-FFF2-40B4-BE49-F238E27FC236}">
-                <a16:creationId xmlns:a16="http://schemas.microsoft.com/office/drawing/2014/main" id="{49CB4C5B-54D1-4670-9320-555C2971CB1E}"/>
-              </a:ext>
-            </a:extLst>
-          </p:cNvPr>
-          <p:cNvSpPr txBox="1"/>
-          <p:nvPr/>
-        </p:nvSpPr>
-        <p:spPr>
-          <a:xfrm>
-            <a:off x="1738554" y="2046662"/>
-            <a:ext cx="2129497" cy="369332"/>
-          </a:xfrm>
-          <a:prstGeom prst="rect">
-            <a:avLst/>
-          </a:prstGeom>
-          <a:noFill/>
-        </p:spPr>
-        <p:txBody>
-          <a:bodyPr wrap="square" rtlCol="0">
-            <a:spAutoFit/>
-          </a:bodyPr>
-          <a:lstStyle/>
-          <a:p>
-            <a:r>
-              <a:rPr lang="de-DE" dirty="0"/>
-              <a:t>Eine Dunkelkennlinie </a:t>
-            </a:r>
-          </a:p>
-        </p:txBody>
-      </p:sp>
       <p:pic>
         <p:nvPicPr>
-          <p:cNvPr id="6" name="Grafik 5" descr="Ein Bild, das Text, Karte enthält.&#10;&#10;Automatisch generierte Beschreibung">
-            <a:extLst>
-              <a:ext uri="{FF2B5EF4-FFF2-40B4-BE49-F238E27FC236}">
-                <a16:creationId xmlns:a16="http://schemas.microsoft.com/office/drawing/2014/main" id="{ED2227FB-852B-4294-BDE4-B49BA5BECAD1}"/>
+          <p:cNvPr id="11" name="Grafik 10" descr="Ein Bild, das Screenshot enthält.&#10;&#10;Automatisch generierte Beschreibung">
+            <a:extLst>
+              <a:ext uri="{FF2B5EF4-FFF2-40B4-BE49-F238E27FC236}">
+                <a16:creationId xmlns:a16="http://schemas.microsoft.com/office/drawing/2014/main" id="{08D1ECEA-E3D6-4F58-AF93-8D73129F807D}"/>
               </a:ext>
             </a:extLst>
           </p:cNvPr>
@@ -5695,66 +5792,30 @@
         </p:blipFill>
         <p:spPr>
           <a:xfrm>
-            <a:off x="570579" y="2415994"/>
-            <a:ext cx="4974730" cy="3470742"/>
+            <a:off x="5963971" y="2410086"/>
+            <a:ext cx="5850948" cy="3476650"/>
           </a:xfrm>
           <a:prstGeom prst="rect">
             <a:avLst/>
           </a:prstGeom>
         </p:spPr>
       </p:pic>
-      <p:pic>
-        <p:nvPicPr>
-          <p:cNvPr id="8" name="Grafik 7" descr="Ein Bild, das Klavier, sitzend, Bahnhof, Uhr enthält.&#10;&#10;Automatisch generierte Beschreibung">
-            <a:extLst>
-              <a:ext uri="{FF2B5EF4-FFF2-40B4-BE49-F238E27FC236}">
-                <a16:creationId xmlns:a16="http://schemas.microsoft.com/office/drawing/2014/main" id="{978155C3-58CA-42C6-A48A-D4F9A0F91FB9}"/>
-              </a:ext>
-            </a:extLst>
-          </p:cNvPr>
-          <p:cNvPicPr>
-            <a:picLocks noChangeAspect="1"/>
-          </p:cNvPicPr>
+      <p:sp>
+        <p:nvSpPr>
+          <p:cNvPr id="12" name="Textfeld 11">
+            <a:extLst>
+              <a:ext uri="{FF2B5EF4-FFF2-40B4-BE49-F238E27FC236}">
+                <a16:creationId xmlns:a16="http://schemas.microsoft.com/office/drawing/2014/main" id="{505B34EF-FD4F-43EC-9410-F3236D2F06E9}"/>
+              </a:ext>
+            </a:extLst>
+          </p:cNvPr>
+          <p:cNvSpPr txBox="1"/>
           <p:nvPr/>
-        </p:nvPicPr>
-        <p:blipFill>
-          <a:blip r:embed="rId3">
-            <a:extLst>
-              <a:ext uri="{28A0092B-C50C-407E-A947-70E740481C1C}">
-                <a14:useLocalDpi xmlns:a14="http://schemas.microsoft.com/office/drawing/2010/main" val="0"/>
-              </a:ext>
-            </a:extLst>
-          </a:blip>
-          <a:stretch>
-            <a:fillRect/>
-          </a:stretch>
-        </p:blipFill>
+        </p:nvSpPr>
         <p:spPr>
           <a:xfrm>
-            <a:off x="7592520" y="4198932"/>
-            <a:ext cx="3349169" cy="1754327"/>
-          </a:xfrm>
-          <a:prstGeom prst="rect">
-            <a:avLst/>
-          </a:prstGeom>
-        </p:spPr>
-      </p:pic>
-      <p:sp>
-        <p:nvSpPr>
-          <p:cNvPr id="9" name="Textfeld 8">
-            <a:extLst>
-              <a:ext uri="{FF2B5EF4-FFF2-40B4-BE49-F238E27FC236}">
-                <a16:creationId xmlns:a16="http://schemas.microsoft.com/office/drawing/2014/main" id="{234374B7-DDA3-4C3B-BFBA-D4D81425FABE}"/>
-              </a:ext>
-            </a:extLst>
-          </p:cNvPr>
-          <p:cNvSpPr txBox="1"/>
-          <p:nvPr/>
-        </p:nvSpPr>
-        <p:spPr>
-          <a:xfrm>
-            <a:off x="6443255" y="6015808"/>
-            <a:ext cx="5647700" cy="215444"/>
+            <a:off x="6234545" y="5886736"/>
+            <a:ext cx="5580374" cy="246221"/>
           </a:xfrm>
           <a:prstGeom prst="rect">
             <a:avLst/>
@@ -5768,8 +5829,132 @@
           <a:lstStyle/>
           <a:p>
             <a:r>
-              <a:rPr lang="de-DE" sz="800" dirty="0"/>
-              <a:t>Quelle: https://photovoltaikbuero.de/pv-know-how-blog/was-bringt-eine-kennlinienmessung-bei-der-fehlersuche-an-pv-anlagen/</a:t>
+              <a:rPr lang="de-DE" sz="1000" dirty="0"/>
+              <a:t>Quelle: https://photovoltaiksolarstrom.com/photovoltaiklexikon/maximum-power-point-mpp-tracking/</a:t>
+            </a:r>
+          </a:p>
+        </p:txBody>
+      </p:sp>
+      <p:sp>
+        <p:nvSpPr>
+          <p:cNvPr id="13" name="Textfeld 12">
+            <a:extLst>
+              <a:ext uri="{FF2B5EF4-FFF2-40B4-BE49-F238E27FC236}">
+                <a16:creationId xmlns:a16="http://schemas.microsoft.com/office/drawing/2014/main" id="{CAB1451E-3CF7-465F-97C3-80760286DFF4}"/>
+              </a:ext>
+            </a:extLst>
+          </p:cNvPr>
+          <p:cNvSpPr txBox="1"/>
+          <p:nvPr/>
+        </p:nvSpPr>
+        <p:spPr>
+          <a:xfrm>
+            <a:off x="628750" y="2508308"/>
+            <a:ext cx="5008651" cy="2308324"/>
+          </a:xfrm>
+          <a:prstGeom prst="rect">
+            <a:avLst/>
+          </a:prstGeom>
+          <a:noFill/>
+        </p:spPr>
+        <p:txBody>
+          <a:bodyPr wrap="square" rtlCol="0">
+            <a:spAutoFit/>
+          </a:bodyPr>
+          <a:lstStyle/>
+          <a:p>
+            <a:pPr marL="285750" indent="-285750">
+              <a:buFont typeface="Arial" panose="020B0604020202020204" pitchFamily="34" charset="0"/>
+              <a:buChar char="•"/>
+            </a:pPr>
+            <a:r>
+              <a:rPr lang="de-DE" dirty="0"/>
+              <a:t>Bestimmung der maximalen Leistung</a:t>
+            </a:r>
+          </a:p>
+          <a:p>
+            <a:pPr marL="285750" indent="-285750">
+              <a:buFont typeface="Arial" panose="020B0604020202020204" pitchFamily="34" charset="0"/>
+              <a:buChar char="•"/>
+            </a:pPr>
+            <a:r>
+              <a:rPr lang="de-DE" dirty="0"/>
+              <a:t>Feststellen von Mängeln</a:t>
+            </a:r>
+          </a:p>
+          <a:p>
+            <a:pPr marL="742950" lvl="1" indent="-285750">
+              <a:buFont typeface="Arial" panose="020B0604020202020204" pitchFamily="34" charset="0"/>
+              <a:buChar char="•"/>
+            </a:pPr>
+            <a:r>
+              <a:rPr lang="de-DE" dirty="0"/>
+              <a:t>Hoher serieller Widerstand -&gt; z.B. durch fehlerhafte Steckverbindungen</a:t>
+            </a:r>
+          </a:p>
+          <a:p>
+            <a:pPr marL="742950" lvl="1" indent="-285750">
+              <a:buFont typeface="Arial" panose="020B0604020202020204" pitchFamily="34" charset="0"/>
+              <a:buChar char="•"/>
+            </a:pPr>
+            <a:r>
+              <a:rPr lang="de-DE" dirty="0"/>
+              <a:t>Geringer Widerstand -&gt; z.B. durch lokale Kurzschlüsse</a:t>
+            </a:r>
+          </a:p>
+          <a:p>
+            <a:pPr marL="285750" indent="-285750">
+              <a:buFont typeface="Arial" panose="020B0604020202020204" pitchFamily="34" charset="0"/>
+              <a:buChar char="•"/>
+            </a:pPr>
+            <a:r>
+              <a:rPr lang="de-DE" dirty="0"/>
+              <a:t>Angefertigt nach Produktion</a:t>
+            </a:r>
+          </a:p>
+          <a:p>
+            <a:pPr marL="742950" lvl="1" indent="-285750">
+              <a:buFont typeface="Wingdings" panose="05000000000000000000" pitchFamily="2" charset="2"/>
+              <a:buChar char="Ø"/>
+            </a:pPr>
+            <a:r>
+              <a:rPr lang="de-DE" dirty="0"/>
+              <a:t>Am besten periodisch wiederholen</a:t>
+            </a:r>
+          </a:p>
+        </p:txBody>
+      </p:sp>
+      <p:sp>
+        <p:nvSpPr>
+          <p:cNvPr id="14" name="Textfeld 13">
+            <a:extLst>
+              <a:ext uri="{FF2B5EF4-FFF2-40B4-BE49-F238E27FC236}">
+                <a16:creationId xmlns:a16="http://schemas.microsoft.com/office/drawing/2014/main" id="{49CB4C5B-54D1-4670-9320-555C2971CB1E}"/>
+              </a:ext>
+            </a:extLst>
+          </p:cNvPr>
+          <p:cNvSpPr txBox="1"/>
+          <p:nvPr/>
+        </p:nvSpPr>
+        <p:spPr>
+          <a:xfrm>
+            <a:off x="8153400" y="2040754"/>
+            <a:ext cx="1895304" cy="369332"/>
+          </a:xfrm>
+          <a:prstGeom prst="rect">
+            <a:avLst/>
+          </a:prstGeom>
+          <a:noFill/>
+        </p:spPr>
+        <p:txBody>
+          <a:bodyPr wrap="square" rtlCol="0">
+            <a:spAutoFit/>
+          </a:bodyPr>
+          <a:lstStyle/>
+          <a:p>
+            <a:r>
+              <a:rPr lang="de-DE" dirty="0"/>
+              <a:t>Eine Hellkennlinie </a:t>
             </a:r>
           </a:p>
         </p:txBody>
@@ -5777,7 +5962,7 @@
     </p:spTree>
     <p:extLst>
       <p:ext uri="{BB962C8B-B14F-4D97-AF65-F5344CB8AC3E}">
-        <p14:creationId xmlns:p14="http://schemas.microsoft.com/office/powerpoint/2010/main" val="2273689914"/>
+        <p14:creationId xmlns:p14="http://schemas.microsoft.com/office/powerpoint/2010/main" val="3470889795"/>
       </p:ext>
     </p:extLst>
   </p:cSld>
@@ -5823,6 +6008,394 @@
         <p:spPr>
           <a:xfrm>
             <a:off x="838200" y="365125"/>
+            <a:ext cx="10515600" cy="881784"/>
+          </a:xfrm>
+        </p:spPr>
+        <p:txBody>
+          <a:bodyPr>
+            <a:normAutofit/>
+          </a:bodyPr>
+          <a:lstStyle/>
+          <a:p>
+            <a:r>
+              <a:rPr lang="de-DE" dirty="0"/>
+              <a:t>Theoretische Grundlagen  - 	Dunkelkennlinien</a:t>
+            </a:r>
+          </a:p>
+        </p:txBody>
+      </p:sp>
+      <p:sp>
+        <p:nvSpPr>
+          <p:cNvPr id="4" name="Footer Placeholder 3">
+            <a:extLst>
+              <a:ext uri="{FF2B5EF4-FFF2-40B4-BE49-F238E27FC236}">
+                <a16:creationId xmlns:a16="http://schemas.microsoft.com/office/drawing/2014/main" id="{0EF7D1E5-7A19-4BA2-8CAA-9135FB90076C}"/>
+              </a:ext>
+            </a:extLst>
+          </p:cNvPr>
+          <p:cNvSpPr>
+            <a:spLocks noGrp="1"/>
+          </p:cNvSpPr>
+          <p:nvPr>
+            <p:ph type="ftr" sz="quarter" idx="11"/>
+          </p:nvPr>
+        </p:nvSpPr>
+        <p:spPr/>
+        <p:txBody>
+          <a:bodyPr/>
+          <a:lstStyle/>
+          <a:p>
+            <a:r>
+              <a:rPr lang="de-DE"/>
+              <a:t>WS19/20 - PV-Modulportal - Rüffer, Vorwerk, Withöft, Zolkin</a:t>
+            </a:r>
+          </a:p>
+        </p:txBody>
+      </p:sp>
+      <p:sp>
+        <p:nvSpPr>
+          <p:cNvPr id="5" name="Slide Number Placeholder 4">
+            <a:extLst>
+              <a:ext uri="{FF2B5EF4-FFF2-40B4-BE49-F238E27FC236}">
+                <a16:creationId xmlns:a16="http://schemas.microsoft.com/office/drawing/2014/main" id="{FAC16E02-623C-4BDA-BAFA-B73797A517FD}"/>
+              </a:ext>
+            </a:extLst>
+          </p:cNvPr>
+          <p:cNvSpPr>
+            <a:spLocks noGrp="1"/>
+          </p:cNvSpPr>
+          <p:nvPr>
+            <p:ph type="sldNum" sz="quarter" idx="12"/>
+          </p:nvPr>
+        </p:nvSpPr>
+        <p:spPr/>
+        <p:txBody>
+          <a:bodyPr/>
+          <a:lstStyle/>
+          <a:p>
+            <a:fld id="{969E759D-A893-4B96-8B48-96EE547EBC41}" type="slidenum">
+              <a:rPr lang="de-DE" smtClean="0"/>
+              <a:t>14</a:t>
+            </a:fld>
+            <a:endParaRPr lang="de-DE"/>
+          </a:p>
+        </p:txBody>
+      </p:sp>
+      <p:sp>
+        <p:nvSpPr>
+          <p:cNvPr id="12" name="Textfeld 11">
+            <a:extLst>
+              <a:ext uri="{FF2B5EF4-FFF2-40B4-BE49-F238E27FC236}">
+                <a16:creationId xmlns:a16="http://schemas.microsoft.com/office/drawing/2014/main" id="{505B34EF-FD4F-43EC-9410-F3236D2F06E9}"/>
+              </a:ext>
+            </a:extLst>
+          </p:cNvPr>
+          <p:cNvSpPr txBox="1"/>
+          <p:nvPr/>
+        </p:nvSpPr>
+        <p:spPr>
+          <a:xfrm>
+            <a:off x="397034" y="5886736"/>
+            <a:ext cx="4812536" cy="215444"/>
+          </a:xfrm>
+          <a:prstGeom prst="rect">
+            <a:avLst/>
+          </a:prstGeom>
+          <a:noFill/>
+        </p:spPr>
+        <p:txBody>
+          <a:bodyPr wrap="none" rtlCol="0">
+            <a:spAutoFit/>
+          </a:bodyPr>
+          <a:lstStyle/>
+          <a:p>
+            <a:r>
+              <a:rPr lang="de-DE" sz="800" dirty="0"/>
+              <a:t>Quelle: https://photovoltaikbuero.de/pv-know-how-blog/dunkelkennlinien-von-photovoltaikanlagen-messen/</a:t>
+            </a:r>
+          </a:p>
+        </p:txBody>
+      </p:sp>
+      <p:sp>
+        <p:nvSpPr>
+          <p:cNvPr id="13" name="Textfeld 12">
+            <a:extLst>
+              <a:ext uri="{FF2B5EF4-FFF2-40B4-BE49-F238E27FC236}">
+                <a16:creationId xmlns:a16="http://schemas.microsoft.com/office/drawing/2014/main" id="{CAB1451E-3CF7-465F-97C3-80760286DFF4}"/>
+              </a:ext>
+            </a:extLst>
+          </p:cNvPr>
+          <p:cNvSpPr txBox="1"/>
+          <p:nvPr/>
+        </p:nvSpPr>
+        <p:spPr>
+          <a:xfrm>
+            <a:off x="6474691" y="1951672"/>
+            <a:ext cx="5146730" cy="2031325"/>
+          </a:xfrm>
+          <a:prstGeom prst="rect">
+            <a:avLst/>
+          </a:prstGeom>
+          <a:noFill/>
+        </p:spPr>
+        <p:txBody>
+          <a:bodyPr wrap="square" rtlCol="0">
+            <a:spAutoFit/>
+          </a:bodyPr>
+          <a:lstStyle/>
+          <a:p>
+            <a:pPr marL="285750" indent="-285750">
+              <a:buFont typeface="Arial" panose="020B0604020202020204" pitchFamily="34" charset="0"/>
+              <a:buChar char="•"/>
+            </a:pPr>
+            <a:r>
+              <a:rPr lang="de-DE" dirty="0"/>
+              <a:t>Beliebt, da Bedingungen vereinfacht</a:t>
+            </a:r>
+          </a:p>
+          <a:p>
+            <a:pPr marL="285750" indent="-285750">
+              <a:buFont typeface="Arial" panose="020B0604020202020204" pitchFamily="34" charset="0"/>
+              <a:buChar char="•"/>
+            </a:pPr>
+            <a:r>
+              <a:rPr lang="de-DE" dirty="0"/>
+              <a:t>Erschließbar: Dunkelkennlinie –&gt; Hellkennlinie</a:t>
+            </a:r>
+          </a:p>
+          <a:p>
+            <a:pPr marL="285750" indent="-285750">
+              <a:buFont typeface="Arial" panose="020B0604020202020204" pitchFamily="34" charset="0"/>
+              <a:buChar char="•"/>
+            </a:pPr>
+            <a:r>
+              <a:rPr lang="de-DE" dirty="0"/>
+              <a:t>Besondere Verwendung bei Fehleranalyse</a:t>
+            </a:r>
+          </a:p>
+          <a:p>
+            <a:pPr marL="742950" lvl="1" indent="-285750">
+              <a:buFont typeface="Arial" panose="020B0604020202020204" pitchFamily="34" charset="0"/>
+              <a:buChar char="•"/>
+            </a:pPr>
+            <a:r>
+              <a:rPr lang="de-DE" dirty="0"/>
+              <a:t>Untersuchen von ganzen Modulsträngen</a:t>
+            </a:r>
+          </a:p>
+          <a:p>
+            <a:pPr marL="742950" lvl="1" indent="-285750">
+              <a:buFont typeface="Arial" panose="020B0604020202020204" pitchFamily="34" charset="0"/>
+              <a:buChar char="•"/>
+            </a:pPr>
+            <a:r>
+              <a:rPr lang="de-DE" dirty="0"/>
+              <a:t>Heranziehen von Elektrolumineszenz-untersuchungen</a:t>
+            </a:r>
+          </a:p>
+          <a:p>
+            <a:pPr marL="742950" lvl="1" indent="-285750">
+              <a:buFont typeface="Arial" panose="020B0604020202020204" pitchFamily="34" charset="0"/>
+              <a:buChar char="•"/>
+            </a:pPr>
+            <a:r>
+              <a:rPr lang="de-DE" dirty="0"/>
+              <a:t>Tiefergehende Auswertung als Hellkennlinie</a:t>
+            </a:r>
+          </a:p>
+        </p:txBody>
+      </p:sp>
+      <p:sp>
+        <p:nvSpPr>
+          <p:cNvPr id="14" name="Textfeld 13">
+            <a:extLst>
+              <a:ext uri="{FF2B5EF4-FFF2-40B4-BE49-F238E27FC236}">
+                <a16:creationId xmlns:a16="http://schemas.microsoft.com/office/drawing/2014/main" id="{49CB4C5B-54D1-4670-9320-555C2971CB1E}"/>
+              </a:ext>
+            </a:extLst>
+          </p:cNvPr>
+          <p:cNvSpPr txBox="1"/>
+          <p:nvPr/>
+        </p:nvSpPr>
+        <p:spPr>
+          <a:xfrm>
+            <a:off x="1738554" y="2046662"/>
+            <a:ext cx="2129497" cy="369332"/>
+          </a:xfrm>
+          <a:prstGeom prst="rect">
+            <a:avLst/>
+          </a:prstGeom>
+          <a:noFill/>
+        </p:spPr>
+        <p:txBody>
+          <a:bodyPr wrap="square" rtlCol="0">
+            <a:spAutoFit/>
+          </a:bodyPr>
+          <a:lstStyle/>
+          <a:p>
+            <a:r>
+              <a:rPr lang="de-DE" dirty="0"/>
+              <a:t>Eine Dunkelkennlinie </a:t>
+            </a:r>
+          </a:p>
+        </p:txBody>
+      </p:sp>
+      <p:pic>
+        <p:nvPicPr>
+          <p:cNvPr id="6" name="Grafik 5" descr="Ein Bild, das Text, Karte enthält.&#10;&#10;Automatisch generierte Beschreibung">
+            <a:extLst>
+              <a:ext uri="{FF2B5EF4-FFF2-40B4-BE49-F238E27FC236}">
+                <a16:creationId xmlns:a16="http://schemas.microsoft.com/office/drawing/2014/main" id="{ED2227FB-852B-4294-BDE4-B49BA5BECAD1}"/>
+              </a:ext>
+            </a:extLst>
+          </p:cNvPr>
+          <p:cNvPicPr>
+            <a:picLocks noChangeAspect="1"/>
+          </p:cNvPicPr>
+          <p:nvPr/>
+        </p:nvPicPr>
+        <p:blipFill>
+          <a:blip r:embed="rId2">
+            <a:extLst>
+              <a:ext uri="{28A0092B-C50C-407E-A947-70E740481C1C}">
+                <a14:useLocalDpi xmlns:a14="http://schemas.microsoft.com/office/drawing/2010/main" val="0"/>
+              </a:ext>
+            </a:extLst>
+          </a:blip>
+          <a:stretch>
+            <a:fillRect/>
+          </a:stretch>
+        </p:blipFill>
+        <p:spPr>
+          <a:xfrm>
+            <a:off x="570579" y="2415994"/>
+            <a:ext cx="4974730" cy="3470742"/>
+          </a:xfrm>
+          <a:prstGeom prst="rect">
+            <a:avLst/>
+          </a:prstGeom>
+        </p:spPr>
+      </p:pic>
+      <p:pic>
+        <p:nvPicPr>
+          <p:cNvPr id="8" name="Grafik 7" descr="Ein Bild, das Klavier, sitzend, Bahnhof, Uhr enthält.&#10;&#10;Automatisch generierte Beschreibung">
+            <a:extLst>
+              <a:ext uri="{FF2B5EF4-FFF2-40B4-BE49-F238E27FC236}">
+                <a16:creationId xmlns:a16="http://schemas.microsoft.com/office/drawing/2014/main" id="{978155C3-58CA-42C6-A48A-D4F9A0F91FB9}"/>
+              </a:ext>
+            </a:extLst>
+          </p:cNvPr>
+          <p:cNvPicPr>
+            <a:picLocks noChangeAspect="1"/>
+          </p:cNvPicPr>
+          <p:nvPr/>
+        </p:nvPicPr>
+        <p:blipFill>
+          <a:blip r:embed="rId3">
+            <a:extLst>
+              <a:ext uri="{28A0092B-C50C-407E-A947-70E740481C1C}">
+                <a14:useLocalDpi xmlns:a14="http://schemas.microsoft.com/office/drawing/2010/main" val="0"/>
+              </a:ext>
+            </a:extLst>
+          </a:blip>
+          <a:stretch>
+            <a:fillRect/>
+          </a:stretch>
+        </p:blipFill>
+        <p:spPr>
+          <a:xfrm>
+            <a:off x="7592520" y="4198932"/>
+            <a:ext cx="3349169" cy="1754327"/>
+          </a:xfrm>
+          <a:prstGeom prst="rect">
+            <a:avLst/>
+          </a:prstGeom>
+        </p:spPr>
+      </p:pic>
+      <p:sp>
+        <p:nvSpPr>
+          <p:cNvPr id="9" name="Textfeld 8">
+            <a:extLst>
+              <a:ext uri="{FF2B5EF4-FFF2-40B4-BE49-F238E27FC236}">
+                <a16:creationId xmlns:a16="http://schemas.microsoft.com/office/drawing/2014/main" id="{234374B7-DDA3-4C3B-BFBA-D4D81425FABE}"/>
+              </a:ext>
+            </a:extLst>
+          </p:cNvPr>
+          <p:cNvSpPr txBox="1"/>
+          <p:nvPr/>
+        </p:nvSpPr>
+        <p:spPr>
+          <a:xfrm>
+            <a:off x="6443255" y="6015808"/>
+            <a:ext cx="5647700" cy="215444"/>
+          </a:xfrm>
+          <a:prstGeom prst="rect">
+            <a:avLst/>
+          </a:prstGeom>
+          <a:noFill/>
+        </p:spPr>
+        <p:txBody>
+          <a:bodyPr wrap="none" rtlCol="0">
+            <a:spAutoFit/>
+          </a:bodyPr>
+          <a:lstStyle/>
+          <a:p>
+            <a:r>
+              <a:rPr lang="de-DE" sz="800" dirty="0"/>
+              <a:t>Quelle: https://photovoltaikbuero.de/pv-know-how-blog/was-bringt-eine-kennlinienmessung-bei-der-fehlersuche-an-pv-anlagen/</a:t>
+            </a:r>
+          </a:p>
+        </p:txBody>
+      </p:sp>
+    </p:spTree>
+    <p:extLst>
+      <p:ext uri="{BB962C8B-B14F-4D97-AF65-F5344CB8AC3E}">
+        <p14:creationId xmlns:p14="http://schemas.microsoft.com/office/powerpoint/2010/main" val="2273689914"/>
+      </p:ext>
+    </p:extLst>
+  </p:cSld>
+  <p:clrMapOvr>
+    <a:masterClrMapping/>
+  </p:clrMapOvr>
+</p:sld>
+</file>
+
+<file path=ppt/slides/slide15.xml><?xml version="1.0" encoding="utf-8"?>
+<p:sld xmlns:a="http://schemas.openxmlformats.org/drawingml/2006/main" xmlns:r="http://schemas.openxmlformats.org/officeDocument/2006/relationships" xmlns:p="http://schemas.openxmlformats.org/presentationml/2006/main">
+  <p:cSld>
+    <p:spTree>
+      <p:nvGrpSpPr>
+        <p:cNvPr id="1" name=""/>
+        <p:cNvGrpSpPr/>
+        <p:nvPr/>
+      </p:nvGrpSpPr>
+      <p:grpSpPr>
+        <a:xfrm>
+          <a:off x="0" y="0"/>
+          <a:ext cx="0" cy="0"/>
+          <a:chOff x="0" y="0"/>
+          <a:chExt cx="0" cy="0"/>
+        </a:xfrm>
+      </p:grpSpPr>
+      <p:sp>
+        <p:nvSpPr>
+          <p:cNvPr id="2" name="Title 1">
+            <a:extLst>
+              <a:ext uri="{FF2B5EF4-FFF2-40B4-BE49-F238E27FC236}">
+                <a16:creationId xmlns:a16="http://schemas.microsoft.com/office/drawing/2014/main" id="{4C84315F-315F-4066-9D3A-472733691F27}"/>
+              </a:ext>
+            </a:extLst>
+          </p:cNvPr>
+          <p:cNvSpPr>
+            <a:spLocks noGrp="1"/>
+          </p:cNvSpPr>
+          <p:nvPr>
+            <p:ph type="title"/>
+          </p:nvPr>
+        </p:nvSpPr>
+        <p:spPr>
+          <a:xfrm>
+            <a:off x="838200" y="365125"/>
             <a:ext cx="10515600" cy="834502"/>
           </a:xfrm>
         </p:spPr>
@@ -5890,7 +6463,7 @@
           <a:p>
             <a:fld id="{969E759D-A893-4B96-8B48-96EE547EBC41}" type="slidenum">
               <a:rPr lang="de-DE" smtClean="0"/>
-              <a:t>14</a:t>
+              <a:t>15</a:t>
             </a:fld>
             <a:endParaRPr lang="de-DE"/>
           </a:p>
@@ -6015,7 +6588,7 @@
 </p:sld>
 </file>
 
-<file path=ppt/slides/slide15.xml><?xml version="1.0" encoding="utf-8"?>
+<file path=ppt/slides/slide16.xml><?xml version="1.0" encoding="utf-8"?>
 <p:sld xmlns:a="http://schemas.openxmlformats.org/drawingml/2006/main" xmlns:r="http://schemas.openxmlformats.org/officeDocument/2006/relationships" xmlns:p="http://schemas.openxmlformats.org/presentationml/2006/main">
   <p:cSld>
     <p:bg>
@@ -6545,7 +7118,7 @@
                   <a:spcPts val="600"/>
                 </a:spcAft>
               </a:pPr>
-              <a:t>15</a:t>
+              <a:t>16</a:t>
             </a:fld>
             <a:endParaRPr lang="en-US" sz="1500">
               <a:solidFill>
@@ -6564,169 +7137,6 @@
   </p:cSld>
   <p:clrMapOvr>
     <a:overrideClrMapping bg1="dk1" tx1="lt1" bg2="dk2" tx2="lt2" accent1="accent1" accent2="accent2" accent3="accent3" accent4="accent4" accent5="accent5" accent6="accent6" hlink="hlink" folHlink="folHlink"/>
-  </p:clrMapOvr>
-</p:sld>
-</file>
-
-<file path=ppt/slides/slide16.xml><?xml version="1.0" encoding="utf-8"?>
-<p:sld xmlns:a="http://schemas.openxmlformats.org/drawingml/2006/main" xmlns:r="http://schemas.openxmlformats.org/officeDocument/2006/relationships" xmlns:p="http://schemas.openxmlformats.org/presentationml/2006/main">
-  <p:cSld>
-    <p:spTree>
-      <p:nvGrpSpPr>
-        <p:cNvPr id="1" name=""/>
-        <p:cNvGrpSpPr/>
-        <p:nvPr/>
-      </p:nvGrpSpPr>
-      <p:grpSpPr>
-        <a:xfrm>
-          <a:off x="0" y="0"/>
-          <a:ext cx="0" cy="0"/>
-          <a:chOff x="0" y="0"/>
-          <a:chExt cx="0" cy="0"/>
-        </a:xfrm>
-      </p:grpSpPr>
-      <p:sp>
-        <p:nvSpPr>
-          <p:cNvPr id="2" name="Title 1">
-            <a:extLst>
-              <a:ext uri="{FF2B5EF4-FFF2-40B4-BE49-F238E27FC236}">
-                <a16:creationId xmlns:a16="http://schemas.microsoft.com/office/drawing/2014/main" id="{4C84315F-315F-4066-9D3A-472733691F27}"/>
-              </a:ext>
-            </a:extLst>
-          </p:cNvPr>
-          <p:cNvSpPr>
-            <a:spLocks noGrp="1"/>
-          </p:cNvSpPr>
-          <p:nvPr>
-            <p:ph type="title"/>
-          </p:nvPr>
-        </p:nvSpPr>
-        <p:spPr>
-          <a:xfrm>
-            <a:off x="838200" y="365125"/>
-            <a:ext cx="10515600" cy="834502"/>
-          </a:xfrm>
-        </p:spPr>
-        <p:txBody>
-          <a:bodyPr>
-            <a:normAutofit fontScale="90000"/>
-          </a:bodyPr>
-          <a:lstStyle/>
-          <a:p>
-            <a:r>
-              <a:rPr lang="de-DE" dirty="0"/>
-              <a:t>Konzeptionelle Arbeiten  - 	Suche &amp; View </a:t>
-            </a:r>
-            <a:r>
-              <a:rPr lang="de-DE" dirty="0" err="1"/>
-              <a:t>Requests</a:t>
-            </a:r>
-            <a:endParaRPr lang="de-DE" dirty="0"/>
-          </a:p>
-        </p:txBody>
-      </p:sp>
-      <p:sp>
-        <p:nvSpPr>
-          <p:cNvPr id="4" name="Footer Placeholder 3">
-            <a:extLst>
-              <a:ext uri="{FF2B5EF4-FFF2-40B4-BE49-F238E27FC236}">
-                <a16:creationId xmlns:a16="http://schemas.microsoft.com/office/drawing/2014/main" id="{0EF7D1E5-7A19-4BA2-8CAA-9135FB90076C}"/>
-              </a:ext>
-            </a:extLst>
-          </p:cNvPr>
-          <p:cNvSpPr>
-            <a:spLocks noGrp="1"/>
-          </p:cNvSpPr>
-          <p:nvPr>
-            <p:ph type="ftr" sz="quarter" idx="11"/>
-          </p:nvPr>
-        </p:nvSpPr>
-        <p:spPr/>
-        <p:txBody>
-          <a:bodyPr/>
-          <a:lstStyle/>
-          <a:p>
-            <a:r>
-              <a:rPr lang="de-DE"/>
-              <a:t>WS19/20 - PV-Modulportal - Rüffer, Vorwerk, Withöft, Zolkin</a:t>
-            </a:r>
-          </a:p>
-        </p:txBody>
-      </p:sp>
-      <p:sp>
-        <p:nvSpPr>
-          <p:cNvPr id="5" name="Slide Number Placeholder 4">
-            <a:extLst>
-              <a:ext uri="{FF2B5EF4-FFF2-40B4-BE49-F238E27FC236}">
-                <a16:creationId xmlns:a16="http://schemas.microsoft.com/office/drawing/2014/main" id="{FAC16E02-623C-4BDA-BAFA-B73797A517FD}"/>
-              </a:ext>
-            </a:extLst>
-          </p:cNvPr>
-          <p:cNvSpPr>
-            <a:spLocks noGrp="1"/>
-          </p:cNvSpPr>
-          <p:nvPr>
-            <p:ph type="sldNum" sz="quarter" idx="12"/>
-          </p:nvPr>
-        </p:nvSpPr>
-        <p:spPr/>
-        <p:txBody>
-          <a:bodyPr/>
-          <a:lstStyle/>
-          <a:p>
-            <a:fld id="{969E759D-A893-4B96-8B48-96EE547EBC41}" type="slidenum">
-              <a:rPr lang="de-DE" smtClean="0"/>
-              <a:t>16</a:t>
-            </a:fld>
-            <a:endParaRPr lang="de-DE"/>
-          </a:p>
-        </p:txBody>
-      </p:sp>
-      <p:pic>
-        <p:nvPicPr>
-          <p:cNvPr id="7" name="Grafik 6" descr="Ein Bild, das Screenshot enthält.&#10;&#10;Automatisch generierte Beschreibung">
-            <a:extLst>
-              <a:ext uri="{FF2B5EF4-FFF2-40B4-BE49-F238E27FC236}">
-                <a16:creationId xmlns:a16="http://schemas.microsoft.com/office/drawing/2014/main" id="{D06E810E-9F9E-40B3-B461-BB65BB2F7429}"/>
-              </a:ext>
-            </a:extLst>
-          </p:cNvPr>
-          <p:cNvPicPr>
-            <a:picLocks noChangeAspect="1"/>
-          </p:cNvPicPr>
-          <p:nvPr/>
-        </p:nvPicPr>
-        <p:blipFill>
-          <a:blip r:embed="rId2">
-            <a:extLst>
-              <a:ext uri="{28A0092B-C50C-407E-A947-70E740481C1C}">
-                <a14:useLocalDpi xmlns:a14="http://schemas.microsoft.com/office/drawing/2010/main" val="0"/>
-              </a:ext>
-            </a:extLst>
-          </a:blip>
-          <a:stretch>
-            <a:fillRect/>
-          </a:stretch>
-        </p:blipFill>
-        <p:spPr>
-          <a:xfrm>
-            <a:off x="463099" y="1301227"/>
-            <a:ext cx="11265802" cy="4637755"/>
-          </a:xfrm>
-          <a:prstGeom prst="rect">
-            <a:avLst/>
-          </a:prstGeom>
-        </p:spPr>
-      </p:pic>
-    </p:spTree>
-    <p:extLst>
-      <p:ext uri="{BB962C8B-B14F-4D97-AF65-F5344CB8AC3E}">
-        <p14:creationId xmlns:p14="http://schemas.microsoft.com/office/powerpoint/2010/main" val="1350502402"/>
-      </p:ext>
-    </p:extLst>
-  </p:cSld>
-  <p:clrMapOvr>
-    <a:masterClrMapping/>
   </p:clrMapOvr>
 </p:sld>
 </file>
@@ -6772,14 +7182,19 @@
         </p:spPr>
         <p:txBody>
           <a:bodyPr>
-            <a:normAutofit/>
+            <a:normAutofit fontScale="90000"/>
           </a:bodyPr>
           <a:lstStyle/>
           <a:p>
             <a:r>
               <a:rPr lang="de-DE" dirty="0"/>
-              <a:t>Konzeptionelle Arbeiten   - 	Kommentare</a:t>
-            </a:r>
+              <a:t>Konzeptionelle Arbeiten  - 	Suche &amp; View </a:t>
+            </a:r>
+            <a:r>
+              <a:rPr lang="de-DE" dirty="0" err="1"/>
+              <a:t>Requests</a:t>
+            </a:r>
+            <a:endParaRPr lang="de-DE" dirty="0"/>
           </a:p>
         </p:txBody>
       </p:sp>
@@ -6842,10 +7257,10 @@
       </p:sp>
       <p:pic>
         <p:nvPicPr>
-          <p:cNvPr id="9" name="Grafik 8" descr="Ein Bild, das Screenshot enthält.&#10;&#10;Automatisch generierte Beschreibung">
-            <a:extLst>
-              <a:ext uri="{FF2B5EF4-FFF2-40B4-BE49-F238E27FC236}">
-                <a16:creationId xmlns:a16="http://schemas.microsoft.com/office/drawing/2014/main" id="{1CF22820-0D34-45D3-8819-BF095251084E}"/>
+          <p:cNvPr id="7" name="Grafik 6" descr="Ein Bild, das Screenshot enthält.&#10;&#10;Automatisch generierte Beschreibung">
+            <a:extLst>
+              <a:ext uri="{FF2B5EF4-FFF2-40B4-BE49-F238E27FC236}">
+                <a16:creationId xmlns:a16="http://schemas.microsoft.com/office/drawing/2014/main" id="{D06E810E-9F9E-40B3-B461-BB65BB2F7429}"/>
               </a:ext>
             </a:extLst>
           </p:cNvPr>
@@ -6868,8 +7283,8 @@
         </p:blipFill>
         <p:spPr>
           <a:xfrm>
-            <a:off x="1283854" y="1199627"/>
-            <a:ext cx="9624291" cy="4741242"/>
+            <a:off x="463099" y="1301227"/>
+            <a:ext cx="11265802" cy="4637755"/>
           </a:xfrm>
           <a:prstGeom prst="rect">
             <a:avLst/>
@@ -6879,7 +7294,7 @@
     </p:spTree>
     <p:extLst>
       <p:ext uri="{BB962C8B-B14F-4D97-AF65-F5344CB8AC3E}">
-        <p14:creationId xmlns:p14="http://schemas.microsoft.com/office/powerpoint/2010/main" val="2135619852"/>
+        <p14:creationId xmlns:p14="http://schemas.microsoft.com/office/powerpoint/2010/main" val="1350502402"/>
       </p:ext>
     </p:extLst>
   </p:cSld>
@@ -6936,7 +7351,7 @@
           <a:p>
             <a:r>
               <a:rPr lang="de-DE" dirty="0"/>
-              <a:t>Konzeptionelle Arbeiten   - 	Medien</a:t>
+              <a:t>Konzeptionelle Arbeiten   - 	Kommentare</a:t>
             </a:r>
           </a:p>
         </p:txBody>
@@ -7000,10 +7415,10 @@
       </p:sp>
       <p:pic>
         <p:nvPicPr>
-          <p:cNvPr id="6" name="Grafik 5" descr="Ein Bild, das Screenshot enthält.&#10;&#10;Automatisch generierte Beschreibung">
-            <a:extLst>
-              <a:ext uri="{FF2B5EF4-FFF2-40B4-BE49-F238E27FC236}">
-                <a16:creationId xmlns:a16="http://schemas.microsoft.com/office/drawing/2014/main" id="{D3804517-A1AB-4647-A2F4-4B145C958491}"/>
+          <p:cNvPr id="9" name="Grafik 8" descr="Ein Bild, das Screenshot enthält.&#10;&#10;Automatisch generierte Beschreibung">
+            <a:extLst>
+              <a:ext uri="{FF2B5EF4-FFF2-40B4-BE49-F238E27FC236}">
+                <a16:creationId xmlns:a16="http://schemas.microsoft.com/office/drawing/2014/main" id="{1CF22820-0D34-45D3-8819-BF095251084E}"/>
               </a:ext>
             </a:extLst>
           </p:cNvPr>
@@ -7026,8 +7441,8 @@
         </p:blipFill>
         <p:spPr>
           <a:xfrm>
-            <a:off x="1850772" y="1199627"/>
-            <a:ext cx="8490456" cy="5010417"/>
+            <a:off x="1283854" y="1199627"/>
+            <a:ext cx="9624291" cy="4741242"/>
           </a:xfrm>
           <a:prstGeom prst="rect">
             <a:avLst/>
@@ -7037,7 +7452,7 @@
     </p:spTree>
     <p:extLst>
       <p:ext uri="{BB962C8B-B14F-4D97-AF65-F5344CB8AC3E}">
-        <p14:creationId xmlns:p14="http://schemas.microsoft.com/office/powerpoint/2010/main" val="1192285281"/>
+        <p14:creationId xmlns:p14="http://schemas.microsoft.com/office/powerpoint/2010/main" val="2135619852"/>
       </p:ext>
     </p:extLst>
   </p:cSld>
@@ -7082,7 +7497,7 @@
         </p:nvSpPr>
         <p:spPr>
           <a:xfrm>
-            <a:off x="838200" y="256883"/>
+            <a:off x="838200" y="365125"/>
             <a:ext cx="10515600" cy="834502"/>
           </a:xfrm>
         </p:spPr>
@@ -7094,7 +7509,7 @@
           <a:p>
             <a:r>
               <a:rPr lang="de-DE" dirty="0"/>
-              <a:t>Konzeptionelle Arbeiten   - 	Gesamt (alt)</a:t>
+              <a:t>Konzeptionelle Arbeiten   - 	Medien</a:t>
             </a:r>
           </a:p>
         </p:txBody>
@@ -7158,10 +7573,10 @@
       </p:sp>
       <p:pic>
         <p:nvPicPr>
-          <p:cNvPr id="8" name="Grafik 7">
-            <a:extLst>
-              <a:ext uri="{FF2B5EF4-FFF2-40B4-BE49-F238E27FC236}">
-                <a16:creationId xmlns:a16="http://schemas.microsoft.com/office/drawing/2014/main" id="{4879F5CA-79B7-4E1C-AE56-DF28301AF14F}"/>
+          <p:cNvPr id="6" name="Grafik 5" descr="Ein Bild, das Screenshot enthält.&#10;&#10;Automatisch generierte Beschreibung">
+            <a:extLst>
+              <a:ext uri="{FF2B5EF4-FFF2-40B4-BE49-F238E27FC236}">
+                <a16:creationId xmlns:a16="http://schemas.microsoft.com/office/drawing/2014/main" id="{D3804517-A1AB-4647-A2F4-4B145C958491}"/>
               </a:ext>
             </a:extLst>
           </p:cNvPr>
@@ -7184,8 +7599,8 @@
         </p:blipFill>
         <p:spPr>
           <a:xfrm>
-            <a:off x="0" y="1091385"/>
-            <a:ext cx="12192000" cy="5048481"/>
+            <a:off x="1850772" y="1199627"/>
+            <a:ext cx="8490456" cy="5010417"/>
           </a:xfrm>
           <a:prstGeom prst="rect">
             <a:avLst/>
@@ -7195,7 +7610,7 @@
     </p:spTree>
     <p:extLst>
       <p:ext uri="{BB962C8B-B14F-4D97-AF65-F5344CB8AC3E}">
-        <p14:creationId xmlns:p14="http://schemas.microsoft.com/office/powerpoint/2010/main" val="2502654463"/>
+        <p14:creationId xmlns:p14="http://schemas.microsoft.com/office/powerpoint/2010/main" val="1192285281"/>
       </p:ext>
     </p:extLst>
   </p:cSld>
@@ -7791,7 +8206,7 @@
           <a:p>
             <a:r>
               <a:rPr lang="de-DE" dirty="0"/>
-              <a:t>Konzeptionelle Arbeiten   - 	Gesamt (neu)</a:t>
+              <a:t>Konzeptionelle Arbeiten   - 	Gesamt (alt)</a:t>
             </a:r>
           </a:p>
         </p:txBody>
@@ -7853,10 +8268,46 @@
           </a:p>
         </p:txBody>
       </p:sp>
+      <p:pic>
+        <p:nvPicPr>
+          <p:cNvPr id="8" name="Grafik 7">
+            <a:extLst>
+              <a:ext uri="{FF2B5EF4-FFF2-40B4-BE49-F238E27FC236}">
+                <a16:creationId xmlns:a16="http://schemas.microsoft.com/office/drawing/2014/main" id="{4879F5CA-79B7-4E1C-AE56-DF28301AF14F}"/>
+              </a:ext>
+            </a:extLst>
+          </p:cNvPr>
+          <p:cNvPicPr>
+            <a:picLocks noChangeAspect="1"/>
+          </p:cNvPicPr>
+          <p:nvPr/>
+        </p:nvPicPr>
+        <p:blipFill>
+          <a:blip r:embed="rId2">
+            <a:extLst>
+              <a:ext uri="{28A0092B-C50C-407E-A947-70E740481C1C}">
+                <a14:useLocalDpi xmlns:a14="http://schemas.microsoft.com/office/drawing/2010/main" val="0"/>
+              </a:ext>
+            </a:extLst>
+          </a:blip>
+          <a:stretch>
+            <a:fillRect/>
+          </a:stretch>
+        </p:blipFill>
+        <p:spPr>
+          <a:xfrm>
+            <a:off x="0" y="1091385"/>
+            <a:ext cx="12192000" cy="5048481"/>
+          </a:xfrm>
+          <a:prstGeom prst="rect">
+            <a:avLst/>
+          </a:prstGeom>
+        </p:spPr>
+      </p:pic>
     </p:spTree>
     <p:extLst>
       <p:ext uri="{BB962C8B-B14F-4D97-AF65-F5344CB8AC3E}">
-        <p14:creationId xmlns:p14="http://schemas.microsoft.com/office/powerpoint/2010/main" val="2349829792"/>
+        <p14:creationId xmlns:p14="http://schemas.microsoft.com/office/powerpoint/2010/main" val="2502654463"/>
       </p:ext>
     </p:extLst>
   </p:cSld>
@@ -7885,6 +8336,41 @@
       </p:grpSpPr>
       <p:sp>
         <p:nvSpPr>
+          <p:cNvPr id="2" name="Title 1">
+            <a:extLst>
+              <a:ext uri="{FF2B5EF4-FFF2-40B4-BE49-F238E27FC236}">
+                <a16:creationId xmlns:a16="http://schemas.microsoft.com/office/drawing/2014/main" id="{4C84315F-315F-4066-9D3A-472733691F27}"/>
+              </a:ext>
+            </a:extLst>
+          </p:cNvPr>
+          <p:cNvSpPr>
+            <a:spLocks noGrp="1"/>
+          </p:cNvSpPr>
+          <p:nvPr>
+            <p:ph type="title"/>
+          </p:nvPr>
+        </p:nvSpPr>
+        <p:spPr>
+          <a:xfrm>
+            <a:off x="838200" y="256883"/>
+            <a:ext cx="10515600" cy="834502"/>
+          </a:xfrm>
+        </p:spPr>
+        <p:txBody>
+          <a:bodyPr>
+            <a:normAutofit/>
+          </a:bodyPr>
+          <a:lstStyle/>
+          <a:p>
+            <a:r>
+              <a:rPr lang="de-DE" dirty="0"/>
+              <a:t>Konzeptionelle Arbeiten   - 	Gesamt (neu)</a:t>
+            </a:r>
+          </a:p>
+        </p:txBody>
+      </p:sp>
+      <p:sp>
+        <p:nvSpPr>
           <p:cNvPr id="4" name="Footer Placeholder 3">
             <a:extLst>
               <a:ext uri="{FF2B5EF4-FFF2-40B4-BE49-F238E27FC236}">
@@ -7935,6 +8421,93 @@
             <a:fld id="{969E759D-A893-4B96-8B48-96EE547EBC41}" type="slidenum">
               <a:rPr lang="de-DE" smtClean="0"/>
               <a:t>21</a:t>
+            </a:fld>
+            <a:endParaRPr lang="de-DE"/>
+          </a:p>
+        </p:txBody>
+      </p:sp>
+    </p:spTree>
+    <p:extLst>
+      <p:ext uri="{BB962C8B-B14F-4D97-AF65-F5344CB8AC3E}">
+        <p14:creationId xmlns:p14="http://schemas.microsoft.com/office/powerpoint/2010/main" val="2349829792"/>
+      </p:ext>
+    </p:extLst>
+  </p:cSld>
+  <p:clrMapOvr>
+    <a:masterClrMapping/>
+  </p:clrMapOvr>
+</p:sld>
+</file>
+
+<file path=ppt/slides/slide22.xml><?xml version="1.0" encoding="utf-8"?>
+<p:sld xmlns:a="http://schemas.openxmlformats.org/drawingml/2006/main" xmlns:r="http://schemas.openxmlformats.org/officeDocument/2006/relationships" xmlns:p="http://schemas.openxmlformats.org/presentationml/2006/main">
+  <p:cSld>
+    <p:spTree>
+      <p:nvGrpSpPr>
+        <p:cNvPr id="1" name=""/>
+        <p:cNvGrpSpPr/>
+        <p:nvPr/>
+      </p:nvGrpSpPr>
+      <p:grpSpPr>
+        <a:xfrm>
+          <a:off x="0" y="0"/>
+          <a:ext cx="0" cy="0"/>
+          <a:chOff x="0" y="0"/>
+          <a:chExt cx="0" cy="0"/>
+        </a:xfrm>
+      </p:grpSpPr>
+      <p:sp>
+        <p:nvSpPr>
+          <p:cNvPr id="4" name="Footer Placeholder 3">
+            <a:extLst>
+              <a:ext uri="{FF2B5EF4-FFF2-40B4-BE49-F238E27FC236}">
+                <a16:creationId xmlns:a16="http://schemas.microsoft.com/office/drawing/2014/main" id="{0EF7D1E5-7A19-4BA2-8CAA-9135FB90076C}"/>
+              </a:ext>
+            </a:extLst>
+          </p:cNvPr>
+          <p:cNvSpPr>
+            <a:spLocks noGrp="1"/>
+          </p:cNvSpPr>
+          <p:nvPr>
+            <p:ph type="ftr" sz="quarter" idx="11"/>
+          </p:nvPr>
+        </p:nvSpPr>
+        <p:spPr/>
+        <p:txBody>
+          <a:bodyPr/>
+          <a:lstStyle/>
+          <a:p>
+            <a:r>
+              <a:rPr lang="de-DE"/>
+              <a:t>WS19/20 - PV-Modulportal - Rüffer, Vorwerk, Withöft, Zolkin</a:t>
+            </a:r>
+          </a:p>
+        </p:txBody>
+      </p:sp>
+      <p:sp>
+        <p:nvSpPr>
+          <p:cNvPr id="5" name="Slide Number Placeholder 4">
+            <a:extLst>
+              <a:ext uri="{FF2B5EF4-FFF2-40B4-BE49-F238E27FC236}">
+                <a16:creationId xmlns:a16="http://schemas.microsoft.com/office/drawing/2014/main" id="{FAC16E02-623C-4BDA-BAFA-B73797A517FD}"/>
+              </a:ext>
+            </a:extLst>
+          </p:cNvPr>
+          <p:cNvSpPr>
+            <a:spLocks noGrp="1"/>
+          </p:cNvSpPr>
+          <p:nvPr>
+            <p:ph type="sldNum" sz="quarter" idx="12"/>
+          </p:nvPr>
+        </p:nvSpPr>
+        <p:spPr/>
+        <p:txBody>
+          <a:bodyPr/>
+          <a:lstStyle/>
+          <a:p>
+            <a:fld id="{969E759D-A893-4B96-8B48-96EE547EBC41}" type="slidenum">
+              <a:rPr lang="de-DE" smtClean="0"/>
+              <a:t>22</a:t>
             </a:fld>
             <a:endParaRPr lang="de-DE"/>
           </a:p>
@@ -7989,7 +8562,7 @@
 </p:sld>
 </file>
 
-<file path=ppt/slides/slide22.xml><?xml version="1.0" encoding="utf-8"?>
+<file path=ppt/slides/slide23.xml><?xml version="1.0" encoding="utf-8"?>
 <p:sld xmlns:a="http://schemas.openxmlformats.org/drawingml/2006/main" xmlns:r="http://schemas.openxmlformats.org/officeDocument/2006/relationships" xmlns:p="http://schemas.openxmlformats.org/presentationml/2006/main">
   <p:cSld>
     <p:bg>
@@ -8508,7 +9081,7 @@
                   <a:spcPts val="600"/>
                 </a:spcAft>
               </a:pPr>
-              <a:t>22</a:t>
+              <a:t>23</a:t>
             </a:fld>
             <a:endParaRPr lang="en-US" sz="1500">
               <a:solidFill>
@@ -8531,7 +9104,7 @@
 </p:sld>
 </file>
 
-<file path=ppt/slides/slide23.xml><?xml version="1.0" encoding="utf-8"?>
+<file path=ppt/slides/slide24.xml><?xml version="1.0" encoding="utf-8"?>
 <p:sld xmlns:a="http://schemas.openxmlformats.org/drawingml/2006/main" xmlns:r="http://schemas.openxmlformats.org/officeDocument/2006/relationships" xmlns:p="http://schemas.openxmlformats.org/presentationml/2006/main">
   <p:cSld>
     <p:bg>
@@ -9031,7 +9604,7 @@
                   <a:spcPts val="600"/>
                 </a:spcAft>
               </a:pPr>
-              <a:t>23</a:t>
+              <a:t>24</a:t>
             </a:fld>
             <a:endParaRPr lang="en-US" sz="1500">
               <a:solidFill>
@@ -9050,411 +9623,6 @@
   </p:cSld>
   <p:clrMapOvr>
     <a:overrideClrMapping bg1="dk1" tx1="lt1" bg2="dk2" tx2="lt2" accent1="accent1" accent2="accent2" accent3="accent3" accent4="accent4" accent5="accent5" accent6="accent6" hlink="hlink" folHlink="folHlink"/>
-  </p:clrMapOvr>
-</p:sld>
-</file>
-
-<file path=ppt/slides/slide24.xml><?xml version="1.0" encoding="utf-8"?>
-<p:sld xmlns:a="http://schemas.openxmlformats.org/drawingml/2006/main" xmlns:r="http://schemas.openxmlformats.org/officeDocument/2006/relationships" xmlns:p="http://schemas.openxmlformats.org/presentationml/2006/main">
-  <p:cSld>
-    <p:spTree>
-      <p:nvGrpSpPr>
-        <p:cNvPr id="1" name=""/>
-        <p:cNvGrpSpPr/>
-        <p:nvPr/>
-      </p:nvGrpSpPr>
-      <p:grpSpPr>
-        <a:xfrm>
-          <a:off x="0" y="0"/>
-          <a:ext cx="0" cy="0"/>
-          <a:chOff x="0" y="0"/>
-          <a:chExt cx="0" cy="0"/>
-        </a:xfrm>
-      </p:grpSpPr>
-      <p:sp>
-        <p:nvSpPr>
-          <p:cNvPr id="2" name="Title 1">
-            <a:extLst>
-              <a:ext uri="{FF2B5EF4-FFF2-40B4-BE49-F238E27FC236}">
-                <a16:creationId xmlns:a16="http://schemas.microsoft.com/office/drawing/2014/main" id="{4C84315F-315F-4066-9D3A-472733691F27}"/>
-              </a:ext>
-            </a:extLst>
-          </p:cNvPr>
-          <p:cNvSpPr>
-            <a:spLocks noGrp="1"/>
-          </p:cNvSpPr>
-          <p:nvPr>
-            <p:ph type="title"/>
-          </p:nvPr>
-        </p:nvSpPr>
-        <p:spPr/>
-        <p:txBody>
-          <a:bodyPr>
-            <a:normAutofit fontScale="90000"/>
-          </a:bodyPr>
-          <a:lstStyle/>
-          <a:p>
-            <a:r>
-              <a:rPr lang="en-NZ" dirty="0" err="1"/>
-              <a:t>Codeimplementierungen</a:t>
-            </a:r>
-            <a:r>
-              <a:rPr lang="en-NZ" dirty="0"/>
-              <a:t>    – 	Handling der 									</a:t>
-            </a:r>
-            <a:r>
-              <a:rPr lang="en-NZ" dirty="0" err="1"/>
-              <a:t>Suchergebnisse</a:t>
-            </a:r>
-            <a:endParaRPr lang="de-DE" dirty="0"/>
-          </a:p>
-        </p:txBody>
-      </p:sp>
-      <p:sp>
-        <p:nvSpPr>
-          <p:cNvPr id="3" name="Content Placeholder 2">
-            <a:extLst>
-              <a:ext uri="{FF2B5EF4-FFF2-40B4-BE49-F238E27FC236}">
-                <a16:creationId xmlns:a16="http://schemas.microsoft.com/office/drawing/2014/main" id="{3CCB48FF-D0DB-4239-BF7B-3AC940333DEC}"/>
-              </a:ext>
-            </a:extLst>
-          </p:cNvPr>
-          <p:cNvSpPr>
-            <a:spLocks noGrp="1"/>
-          </p:cNvSpPr>
-          <p:nvPr>
-            <p:ph sz="half" idx="1"/>
-          </p:nvPr>
-        </p:nvSpPr>
-        <p:spPr/>
-        <p:txBody>
-          <a:bodyPr>
-            <a:normAutofit/>
-          </a:bodyPr>
-          <a:lstStyle/>
-          <a:p>
-            <a:r>
-              <a:rPr lang="en-NZ" dirty="0" err="1"/>
-              <a:t>Suchergebnis</a:t>
-            </a:r>
-            <a:r>
-              <a:rPr lang="en-NZ" dirty="0"/>
-              <a:t> </a:t>
-            </a:r>
-            <a:r>
-              <a:rPr lang="en-NZ" dirty="0" err="1"/>
-              <a:t>kann</a:t>
-            </a:r>
-            <a:r>
-              <a:rPr lang="en-NZ" dirty="0"/>
-              <a:t> sein:</a:t>
-            </a:r>
-          </a:p>
-          <a:p>
-            <a:pPr lvl="1"/>
-            <a:r>
-              <a:rPr lang="en-NZ" dirty="0" err="1"/>
-              <a:t>Hersteller</a:t>
-            </a:r>
-            <a:endParaRPr lang="en-NZ" dirty="0"/>
-          </a:p>
-          <a:p>
-            <a:pPr lvl="2"/>
-            <a:r>
-              <a:rPr lang="en-NZ" dirty="0" err="1"/>
-              <a:t>Suche</a:t>
-            </a:r>
-            <a:r>
-              <a:rPr lang="en-NZ" dirty="0"/>
-              <a:t> nach </a:t>
-            </a:r>
-            <a:r>
-              <a:rPr lang="en-NZ" dirty="0" err="1"/>
-              <a:t>Modultypen</a:t>
-            </a:r>
-            <a:endParaRPr lang="en-NZ" dirty="0"/>
-          </a:p>
-          <a:p>
-            <a:pPr lvl="1"/>
-            <a:r>
-              <a:rPr lang="en-NZ" dirty="0" err="1"/>
-              <a:t>Modultyp</a:t>
-            </a:r>
-            <a:endParaRPr lang="en-NZ" dirty="0"/>
-          </a:p>
-          <a:p>
-            <a:pPr lvl="2"/>
-            <a:r>
-              <a:rPr lang="en-NZ" dirty="0" err="1"/>
-              <a:t>Verweis</a:t>
-            </a:r>
-            <a:r>
-              <a:rPr lang="en-NZ" dirty="0"/>
-              <a:t> auf </a:t>
-            </a:r>
-            <a:r>
-              <a:rPr lang="en-NZ" dirty="0" err="1"/>
-              <a:t>Detailseite</a:t>
-            </a:r>
-            <a:endParaRPr lang="en-NZ" dirty="0"/>
-          </a:p>
-          <a:p>
-            <a:r>
-              <a:rPr lang="en-NZ" dirty="0" err="1"/>
-              <a:t>Werden</a:t>
-            </a:r>
-            <a:r>
-              <a:rPr lang="en-NZ" dirty="0"/>
-              <a:t> in </a:t>
-            </a:r>
-            <a:r>
-              <a:rPr lang="en-NZ" dirty="0" err="1"/>
-              <a:t>gleicher</a:t>
-            </a:r>
-            <a:r>
-              <a:rPr lang="en-NZ" dirty="0"/>
-              <a:t> </a:t>
-            </a:r>
-            <a:r>
-              <a:rPr lang="en-NZ" dirty="0" err="1"/>
-              <a:t>Methode</a:t>
-            </a:r>
-            <a:r>
-              <a:rPr lang="en-NZ" dirty="0"/>
-              <a:t> </a:t>
-            </a:r>
-            <a:r>
-              <a:rPr lang="en-NZ" dirty="0" err="1"/>
-              <a:t>zugefügt</a:t>
-            </a:r>
-            <a:endParaRPr lang="en-NZ" dirty="0"/>
-          </a:p>
-          <a:p>
-            <a:r>
-              <a:rPr lang="en-NZ" dirty="0" err="1"/>
-              <a:t>Idee</a:t>
-            </a:r>
-            <a:r>
-              <a:rPr lang="en-NZ" dirty="0"/>
-              <a:t>: </a:t>
-            </a:r>
-            <a:r>
-              <a:rPr lang="en-NZ" dirty="0" err="1"/>
-              <a:t>Enum</a:t>
-            </a:r>
-            <a:r>
-              <a:rPr lang="en-NZ" dirty="0"/>
-              <a:t> </a:t>
-            </a:r>
-            <a:r>
-              <a:rPr lang="en-NZ" dirty="0" err="1"/>
-              <a:t>zum</a:t>
-            </a:r>
-            <a:r>
-              <a:rPr lang="en-NZ" dirty="0"/>
-              <a:t> </a:t>
-            </a:r>
-            <a:r>
-              <a:rPr lang="en-NZ" dirty="0" err="1"/>
-              <a:t>Unterscheiden</a:t>
-            </a:r>
-            <a:endParaRPr lang="en-NZ" dirty="0"/>
-          </a:p>
-          <a:p>
-            <a:r>
-              <a:rPr lang="en-NZ" dirty="0" err="1"/>
-              <a:t>Vorteil</a:t>
-            </a:r>
-            <a:r>
-              <a:rPr lang="en-NZ" dirty="0"/>
-              <a:t>: </a:t>
-            </a:r>
-            <a:r>
-              <a:rPr lang="en-NZ" dirty="0" err="1"/>
-              <a:t>Keine</a:t>
-            </a:r>
-            <a:r>
-              <a:rPr lang="en-NZ" dirty="0"/>
-              <a:t> </a:t>
-            </a:r>
-            <a:r>
-              <a:rPr lang="en-NZ" dirty="0" err="1"/>
-              <a:t>zweite</a:t>
-            </a:r>
-            <a:r>
-              <a:rPr lang="en-NZ" dirty="0"/>
-              <a:t> </a:t>
-            </a:r>
-            <a:r>
-              <a:rPr lang="en-NZ" dirty="0" err="1"/>
-              <a:t>Methode</a:t>
-            </a:r>
-            <a:r>
-              <a:rPr lang="en-NZ" dirty="0"/>
-              <a:t> </a:t>
-            </a:r>
-            <a:r>
-              <a:rPr lang="en-NZ" dirty="0" err="1"/>
-              <a:t>für</a:t>
-            </a:r>
-            <a:r>
-              <a:rPr lang="en-NZ" dirty="0"/>
-              <a:t> </a:t>
-            </a:r>
-            <a:r>
-              <a:rPr lang="en-NZ" dirty="0" err="1"/>
-              <a:t>gleichen</a:t>
-            </a:r>
-            <a:r>
-              <a:rPr lang="en-NZ" dirty="0"/>
-              <a:t> </a:t>
-            </a:r>
-            <a:r>
-              <a:rPr lang="en-NZ" dirty="0" err="1"/>
-              <a:t>Anwendungsfall</a:t>
-            </a:r>
-            <a:endParaRPr lang="de-DE" dirty="0"/>
-          </a:p>
-        </p:txBody>
-      </p:sp>
-      <p:sp>
-        <p:nvSpPr>
-          <p:cNvPr id="4" name="Footer Placeholder 3">
-            <a:extLst>
-              <a:ext uri="{FF2B5EF4-FFF2-40B4-BE49-F238E27FC236}">
-                <a16:creationId xmlns:a16="http://schemas.microsoft.com/office/drawing/2014/main" id="{0EF7D1E5-7A19-4BA2-8CAA-9135FB90076C}"/>
-              </a:ext>
-            </a:extLst>
-          </p:cNvPr>
-          <p:cNvSpPr>
-            <a:spLocks noGrp="1"/>
-          </p:cNvSpPr>
-          <p:nvPr>
-            <p:ph type="ftr" sz="quarter" idx="11"/>
-          </p:nvPr>
-        </p:nvSpPr>
-        <p:spPr/>
-        <p:txBody>
-          <a:bodyPr/>
-          <a:lstStyle/>
-          <a:p>
-            <a:r>
-              <a:rPr lang="de-DE"/>
-              <a:t>WS19/20 - PV-Modulportal - Rüffer, Vorwerk, Withöft, Zolkin</a:t>
-            </a:r>
-          </a:p>
-        </p:txBody>
-      </p:sp>
-      <p:sp>
-        <p:nvSpPr>
-          <p:cNvPr id="5" name="Slide Number Placeholder 4">
-            <a:extLst>
-              <a:ext uri="{FF2B5EF4-FFF2-40B4-BE49-F238E27FC236}">
-                <a16:creationId xmlns:a16="http://schemas.microsoft.com/office/drawing/2014/main" id="{FAC16E02-623C-4BDA-BAFA-B73797A517FD}"/>
-              </a:ext>
-            </a:extLst>
-          </p:cNvPr>
-          <p:cNvSpPr>
-            <a:spLocks noGrp="1"/>
-          </p:cNvSpPr>
-          <p:nvPr>
-            <p:ph type="sldNum" sz="quarter" idx="12"/>
-          </p:nvPr>
-        </p:nvSpPr>
-        <p:spPr/>
-        <p:txBody>
-          <a:bodyPr/>
-          <a:lstStyle/>
-          <a:p>
-            <a:fld id="{969E759D-A893-4B96-8B48-96EE547EBC41}" type="slidenum">
-              <a:rPr lang="de-DE" smtClean="0"/>
-              <a:t>24</a:t>
-            </a:fld>
-            <a:endParaRPr lang="de-DE"/>
-          </a:p>
-        </p:txBody>
-      </p:sp>
-      <p:pic>
-        <p:nvPicPr>
-          <p:cNvPr id="8" name="Picture 7">
-            <a:extLst>
-              <a:ext uri="{FF2B5EF4-FFF2-40B4-BE49-F238E27FC236}">
-                <a16:creationId xmlns:a16="http://schemas.microsoft.com/office/drawing/2014/main" id="{727B0294-0674-43BC-BDB7-4BEB8B9EBA86}"/>
-              </a:ext>
-            </a:extLst>
-          </p:cNvPr>
-          <p:cNvPicPr>
-            <a:picLocks noChangeAspect="1"/>
-          </p:cNvPicPr>
-          <p:nvPr/>
-        </p:nvPicPr>
-        <p:blipFill>
-          <a:blip r:embed="rId2">
-            <a:extLst>
-              <a:ext uri="{28A0092B-C50C-407E-A947-70E740481C1C}">
-                <a14:useLocalDpi xmlns:a14="http://schemas.microsoft.com/office/drawing/2010/main" val="0"/>
-              </a:ext>
-            </a:extLst>
-          </a:blip>
-          <a:stretch>
-            <a:fillRect/>
-          </a:stretch>
-        </p:blipFill>
-        <p:spPr>
-          <a:xfrm>
-            <a:off x="5753100" y="2112645"/>
-            <a:ext cx="5715000" cy="213360"/>
-          </a:xfrm>
-          <a:prstGeom prst="rect">
-            <a:avLst/>
-          </a:prstGeom>
-        </p:spPr>
-      </p:pic>
-      <p:pic>
-        <p:nvPicPr>
-          <p:cNvPr id="10" name="Picture 9" descr="A screenshot of a cell phone&#10;&#10;Description automatically generated">
-            <a:extLst>
-              <a:ext uri="{FF2B5EF4-FFF2-40B4-BE49-F238E27FC236}">
-                <a16:creationId xmlns:a16="http://schemas.microsoft.com/office/drawing/2014/main" id="{49618CDA-DEB7-47DC-9E64-77CBE909E0AE}"/>
-              </a:ext>
-            </a:extLst>
-          </p:cNvPr>
-          <p:cNvPicPr>
-            <a:picLocks noChangeAspect="1"/>
-          </p:cNvPicPr>
-          <p:nvPr/>
-        </p:nvPicPr>
-        <p:blipFill>
-          <a:blip r:embed="rId3">
-            <a:extLst>
-              <a:ext uri="{28A0092B-C50C-407E-A947-70E740481C1C}">
-                <a14:useLocalDpi xmlns:a14="http://schemas.microsoft.com/office/drawing/2010/main" val="0"/>
-              </a:ext>
-            </a:extLst>
-          </a:blip>
-          <a:stretch>
-            <a:fillRect/>
-          </a:stretch>
-        </p:blipFill>
-        <p:spPr>
-          <a:xfrm>
-            <a:off x="6019800" y="2396490"/>
-            <a:ext cx="4808220" cy="2065020"/>
-          </a:xfrm>
-          <a:prstGeom prst="rect">
-            <a:avLst/>
-          </a:prstGeom>
-        </p:spPr>
-      </p:pic>
-    </p:spTree>
-    <p:extLst>
-      <p:ext uri="{BB962C8B-B14F-4D97-AF65-F5344CB8AC3E}">
-        <p14:creationId xmlns:p14="http://schemas.microsoft.com/office/powerpoint/2010/main" val="1219806837"/>
-      </p:ext>
-    </p:extLst>
-  </p:cSld>
-  <p:clrMapOvr>
-    <a:masterClrMapping/>
   </p:clrMapOvr>
 </p:sld>
 </file>
@@ -9492,12 +9660,7 @@
             <p:ph type="title"/>
           </p:nvPr>
         </p:nvSpPr>
-        <p:spPr>
-          <a:xfrm>
-            <a:off x="838200" y="365125"/>
-            <a:ext cx="10515600" cy="1325563"/>
-          </a:xfrm>
-        </p:spPr>
+        <p:spPr/>
         <p:txBody>
           <a:bodyPr>
             <a:normAutofit fontScale="90000"/>
@@ -9505,15 +9668,16 @@
           <a:lstStyle/>
           <a:p>
             <a:r>
-              <a:rPr lang="en-NZ"/>
-              <a:t>Codeimplementierungen    – 	Ändern von</a:t>
-            </a:r>
-            <a:br>
-              <a:rPr lang="en-NZ"/>
-            </a:br>
-            <a:r>
-              <a:rPr lang="en-NZ"/>
-              <a:t>							Queryparametern</a:t>
+              <a:rPr lang="en-NZ" dirty="0" err="1"/>
+              <a:t>Codeimplementierungen</a:t>
+            </a:r>
+            <a:r>
+              <a:rPr lang="en-NZ" dirty="0"/>
+              <a:t>    – 	Handling der 									</a:t>
+            </a:r>
+            <a:r>
+              <a:rPr lang="en-NZ" dirty="0" err="1"/>
+              <a:t>Suchergebnisse</a:t>
             </a:r>
             <a:endParaRPr lang="de-DE" dirty="0"/>
           </a:p>
@@ -9535,12 +9699,7 @@
             <p:ph sz="half" idx="1"/>
           </p:nvPr>
         </p:nvSpPr>
-        <p:spPr>
-          <a:xfrm>
-            <a:off x="838199" y="1825625"/>
-            <a:ext cx="9267825" cy="4351338"/>
-          </a:xfrm>
-        </p:spPr>
+        <p:spPr/>
         <p:txBody>
           <a:bodyPr>
             <a:normAutofit/>
@@ -9549,33 +9708,7 @@
           <a:p>
             <a:r>
               <a:rPr lang="en-NZ" dirty="0" err="1"/>
-              <a:t>Anfragen</a:t>
-            </a:r>
-            <a:r>
-              <a:rPr lang="en-NZ" dirty="0"/>
-              <a:t> an Backend </a:t>
-            </a:r>
-            <a:r>
-              <a:rPr lang="en-NZ" dirty="0" err="1"/>
-              <a:t>über</a:t>
-            </a:r>
-            <a:r>
-              <a:rPr lang="en-NZ" dirty="0"/>
-              <a:t> GET</a:t>
-            </a:r>
-          </a:p>
-          <a:p>
-            <a:r>
-              <a:rPr lang="en-NZ" dirty="0" err="1"/>
-              <a:t>Für</a:t>
-            </a:r>
-            <a:r>
-              <a:rPr lang="en-NZ" dirty="0"/>
-              <a:t> Range-Query </a:t>
-            </a:r>
-            <a:r>
-              <a:rPr lang="en-NZ" dirty="0" err="1"/>
-              <a:t>zur</a:t>
+              <a:t>Suchergebnis</a:t>
             </a:r>
             <a:r>
               <a:rPr lang="en-NZ" dirty="0"/>
@@ -9583,7 +9716,73 @@
             </a:r>
             <a:r>
               <a:rPr lang="en-NZ" dirty="0" err="1"/>
+              <a:t>kann</a:t>
+            </a:r>
+            <a:r>
+              <a:rPr lang="en-NZ" dirty="0"/>
+              <a:t> sein:</a:t>
+            </a:r>
+          </a:p>
+          <a:p>
+            <a:pPr lvl="1"/>
+            <a:r>
+              <a:rPr lang="en-NZ" dirty="0" err="1"/>
+              <a:t>Hersteller</a:t>
+            </a:r>
+            <a:endParaRPr lang="en-NZ" dirty="0"/>
+          </a:p>
+          <a:p>
+            <a:pPr lvl="2"/>
+            <a:r>
+              <a:rPr lang="en-NZ" dirty="0" err="1"/>
               <a:t>Suche</a:t>
+            </a:r>
+            <a:r>
+              <a:rPr lang="en-NZ" dirty="0"/>
+              <a:t> nach </a:t>
+            </a:r>
+            <a:r>
+              <a:rPr lang="en-NZ" dirty="0" err="1"/>
+              <a:t>Modultypen</a:t>
+            </a:r>
+            <a:endParaRPr lang="en-NZ" dirty="0"/>
+          </a:p>
+          <a:p>
+            <a:pPr lvl="1"/>
+            <a:r>
+              <a:rPr lang="en-NZ" dirty="0" err="1"/>
+              <a:t>Modultyp</a:t>
+            </a:r>
+            <a:endParaRPr lang="en-NZ" dirty="0"/>
+          </a:p>
+          <a:p>
+            <a:pPr lvl="2"/>
+            <a:r>
+              <a:rPr lang="en-NZ" dirty="0" err="1"/>
+              <a:t>Verweis</a:t>
+            </a:r>
+            <a:r>
+              <a:rPr lang="en-NZ" dirty="0"/>
+              <a:t> auf </a:t>
+            </a:r>
+            <a:r>
+              <a:rPr lang="en-NZ" dirty="0" err="1"/>
+              <a:t>Detailseite</a:t>
+            </a:r>
+            <a:endParaRPr lang="en-NZ" dirty="0"/>
+          </a:p>
+          <a:p>
+            <a:r>
+              <a:rPr lang="en-NZ" dirty="0" err="1"/>
+              <a:t>Werden</a:t>
+            </a:r>
+            <a:r>
+              <a:rPr lang="en-NZ" dirty="0"/>
+              <a:t> in </a:t>
+            </a:r>
+            <a:r>
+              <a:rPr lang="en-NZ" dirty="0" err="1"/>
+              <a:t>gleicher</a:t>
             </a:r>
             <a:r>
               <a:rPr lang="en-NZ" dirty="0"/>
@@ -9591,34 +9790,7 @@
             </a:r>
             <a:r>
               <a:rPr lang="en-NZ" dirty="0" err="1"/>
-              <a:t>Wildcardoperator</a:t>
-            </a:r>
-            <a:r>
-              <a:rPr lang="en-NZ" dirty="0"/>
-              <a:t> (</a:t>
-            </a:r>
-            <a:r>
-              <a:rPr lang="en-NZ" b="1" i="1" dirty="0"/>
-              <a:t>%</a:t>
-            </a:r>
-            <a:r>
-              <a:rPr lang="en-NZ" dirty="0"/>
-              <a:t>) </a:t>
-            </a:r>
-            <a:r>
-              <a:rPr lang="en-NZ" dirty="0" err="1"/>
-              <a:t>benötigt</a:t>
-            </a:r>
-            <a:endParaRPr lang="en-NZ" dirty="0"/>
-          </a:p>
-          <a:p>
-            <a:r>
-              <a:rPr lang="en-NZ" dirty="0"/>
-              <a:t>Problem: </a:t>
-            </a:r>
-            <a:r>
-              <a:rPr lang="en-NZ" dirty="0" err="1"/>
-              <a:t>Suchanfrage</a:t>
+              <a:t>Methode</a:t>
             </a:r>
             <a:r>
               <a:rPr lang="en-NZ" dirty="0"/>
@@ -9626,19 +9798,22 @@
             </a:r>
             <a:r>
               <a:rPr lang="en-NZ" dirty="0" err="1"/>
-              <a:t>wird</a:t>
+              <a:t>zugefügt</a:t>
+            </a:r>
+            <a:endParaRPr lang="en-NZ" dirty="0"/>
+          </a:p>
+          <a:p>
+            <a:r>
+              <a:rPr lang="en-NZ" dirty="0" err="1"/>
+              <a:t>Idee</a:t>
             </a:r>
             <a:r>
               <a:rPr lang="en-NZ" dirty="0"/>
-              <a:t> encoded: </a:t>
-            </a:r>
-            <a:r>
-              <a:rPr lang="en-NZ" b="1" i="1" dirty="0"/>
-              <a:t>%AB </a:t>
+              <a:t>: </a:t>
             </a:r>
             <a:r>
               <a:rPr lang="en-NZ" dirty="0" err="1"/>
-              <a:t>wird</a:t>
+              <a:t>Enum</a:t>
             </a:r>
             <a:r>
               <a:rPr lang="en-NZ" dirty="0"/>
@@ -9646,21 +9821,7 @@
             </a:r>
             <a:r>
               <a:rPr lang="en-NZ" dirty="0" err="1"/>
-              <a:t>zu</a:t>
-            </a:r>
-            <a:r>
-              <a:rPr lang="en-NZ" dirty="0"/>
-              <a:t>  </a:t>
-            </a:r>
-            <a:r>
-              <a:rPr lang="en-NZ" b="1" i="1" dirty="0"/>
-              <a:t>«</a:t>
-            </a:r>
-          </a:p>
-          <a:p>
-            <a:r>
-              <a:rPr lang="en-NZ" dirty="0" err="1"/>
-              <a:t>Wildcardoperator</a:t>
+              <a:t>zum</a:t>
             </a:r>
             <a:r>
               <a:rPr lang="en-NZ" dirty="0"/>
@@ -9668,15 +9829,22 @@
             </a:r>
             <a:r>
               <a:rPr lang="en-NZ" dirty="0" err="1"/>
-              <a:t>musste</a:t>
+              <a:t>Unterscheiden</a:t>
+            </a:r>
+            <a:endParaRPr lang="en-NZ" dirty="0"/>
+          </a:p>
+          <a:p>
+            <a:r>
+              <a:rPr lang="en-NZ" dirty="0" err="1"/>
+              <a:t>Vorteil</a:t>
             </a:r>
             <a:r>
               <a:rPr lang="en-NZ" dirty="0"/>
-              <a:t> neu </a:t>
+              <a:t>: </a:t>
             </a:r>
             <a:r>
               <a:rPr lang="en-NZ" dirty="0" err="1"/>
-              <a:t>definiert</a:t>
+              <a:t>Keine</a:t>
             </a:r>
             <a:r>
               <a:rPr lang="en-NZ" dirty="0"/>
@@ -9684,9 +9852,41 @@
             </a:r>
             <a:r>
               <a:rPr lang="en-NZ" dirty="0" err="1"/>
-              <a:t>werden</a:t>
-            </a:r>
-            <a:endParaRPr lang="en-NZ" dirty="0"/>
+              <a:t>zweite</a:t>
+            </a:r>
+            <a:r>
+              <a:rPr lang="en-NZ" dirty="0"/>
+              <a:t> </a:t>
+            </a:r>
+            <a:r>
+              <a:rPr lang="en-NZ" dirty="0" err="1"/>
+              <a:t>Methode</a:t>
+            </a:r>
+            <a:r>
+              <a:rPr lang="en-NZ" dirty="0"/>
+              <a:t> </a:t>
+            </a:r>
+            <a:r>
+              <a:rPr lang="en-NZ" dirty="0" err="1"/>
+              <a:t>für</a:t>
+            </a:r>
+            <a:r>
+              <a:rPr lang="en-NZ" dirty="0"/>
+              <a:t> </a:t>
+            </a:r>
+            <a:r>
+              <a:rPr lang="en-NZ" dirty="0" err="1"/>
+              <a:t>gleichen</a:t>
+            </a:r>
+            <a:r>
+              <a:rPr lang="en-NZ" dirty="0"/>
+              <a:t> </a:t>
+            </a:r>
+            <a:r>
+              <a:rPr lang="en-NZ" dirty="0" err="1"/>
+              <a:t>Anwendungsfall</a:t>
+            </a:r>
+            <a:endParaRPr lang="de-DE" dirty="0"/>
           </a:p>
         </p:txBody>
       </p:sp>
@@ -9706,12 +9906,7 @@
             <p:ph type="ftr" sz="quarter" idx="11"/>
           </p:nvPr>
         </p:nvSpPr>
-        <p:spPr>
-          <a:xfrm>
-            <a:off x="4038600" y="6356350"/>
-            <a:ext cx="4114800" cy="365125"/>
-          </a:xfrm>
-        </p:spPr>
+        <p:spPr/>
         <p:txBody>
           <a:bodyPr/>
           <a:lstStyle/>
@@ -9739,12 +9934,7 @@
             <p:ph type="sldNum" sz="quarter" idx="12"/>
           </p:nvPr>
         </p:nvSpPr>
-        <p:spPr>
-          <a:xfrm>
-            <a:off x="8610600" y="6356350"/>
-            <a:ext cx="2743200" cy="365125"/>
-          </a:xfrm>
-        </p:spPr>
+        <p:spPr/>
         <p:txBody>
           <a:bodyPr/>
           <a:lstStyle/>
@@ -9759,10 +9949,10 @@
       </p:sp>
       <p:pic>
         <p:nvPicPr>
-          <p:cNvPr id="12" name="Picture 11">
-            <a:extLst>
-              <a:ext uri="{FF2B5EF4-FFF2-40B4-BE49-F238E27FC236}">
-                <a16:creationId xmlns:a16="http://schemas.microsoft.com/office/drawing/2014/main" id="{4952C6A9-A774-46DB-BDF1-F673FA48CDFD}"/>
+          <p:cNvPr id="8" name="Picture 7">
+            <a:extLst>
+              <a:ext uri="{FF2B5EF4-FFF2-40B4-BE49-F238E27FC236}">
+                <a16:creationId xmlns:a16="http://schemas.microsoft.com/office/drawing/2014/main" id="{727B0294-0674-43BC-BDB7-4BEB8B9EBA86}"/>
               </a:ext>
             </a:extLst>
           </p:cNvPr>
@@ -9785,8 +9975,44 @@
         </p:blipFill>
         <p:spPr>
           <a:xfrm>
-            <a:off x="204950" y="4377205"/>
-            <a:ext cx="11782100" cy="1189273"/>
+            <a:off x="5753100" y="2112645"/>
+            <a:ext cx="5715000" cy="213360"/>
+          </a:xfrm>
+          <a:prstGeom prst="rect">
+            <a:avLst/>
+          </a:prstGeom>
+        </p:spPr>
+      </p:pic>
+      <p:pic>
+        <p:nvPicPr>
+          <p:cNvPr id="10" name="Picture 9" descr="A screenshot of a cell phone&#10;&#10;Description automatically generated">
+            <a:extLst>
+              <a:ext uri="{FF2B5EF4-FFF2-40B4-BE49-F238E27FC236}">
+                <a16:creationId xmlns:a16="http://schemas.microsoft.com/office/drawing/2014/main" id="{49618CDA-DEB7-47DC-9E64-77CBE909E0AE}"/>
+              </a:ext>
+            </a:extLst>
+          </p:cNvPr>
+          <p:cNvPicPr>
+            <a:picLocks noChangeAspect="1"/>
+          </p:cNvPicPr>
+          <p:nvPr/>
+        </p:nvPicPr>
+        <p:blipFill>
+          <a:blip r:embed="rId3">
+            <a:extLst>
+              <a:ext uri="{28A0092B-C50C-407E-A947-70E740481C1C}">
+                <a14:useLocalDpi xmlns:a14="http://schemas.microsoft.com/office/drawing/2010/main" val="0"/>
+              </a:ext>
+            </a:extLst>
+          </a:blip>
+          <a:stretch>
+            <a:fillRect/>
+          </a:stretch>
+        </p:blipFill>
+        <p:spPr>
+          <a:xfrm>
+            <a:off x="6019800" y="2396490"/>
+            <a:ext cx="4808220" cy="2065020"/>
           </a:xfrm>
           <a:prstGeom prst="rect">
             <a:avLst/>
@@ -9796,7 +10022,7 @@
     </p:spTree>
     <p:extLst>
       <p:ext uri="{BB962C8B-B14F-4D97-AF65-F5344CB8AC3E}">
-        <p14:creationId xmlns:p14="http://schemas.microsoft.com/office/powerpoint/2010/main" val="1507256200"/>
+        <p14:creationId xmlns:p14="http://schemas.microsoft.com/office/powerpoint/2010/main" val="1219806837"/>
       </p:ext>
     </p:extLst>
   </p:cSld>
@@ -9847,24 +10073,86 @@
         </p:spPr>
         <p:txBody>
           <a:bodyPr>
+            <a:normAutofit fontScale="90000"/>
+          </a:bodyPr>
+          <a:lstStyle/>
+          <a:p>
+            <a:r>
+              <a:rPr lang="en-NZ"/>
+              <a:t>Codeimplementierungen    – 	Ändern von</a:t>
+            </a:r>
+            <a:br>
+              <a:rPr lang="en-NZ"/>
+            </a:br>
+            <a:r>
+              <a:rPr lang="en-NZ"/>
+              <a:t>							Queryparametern</a:t>
+            </a:r>
+            <a:endParaRPr lang="de-DE" dirty="0"/>
+          </a:p>
+        </p:txBody>
+      </p:sp>
+      <p:sp>
+        <p:nvSpPr>
+          <p:cNvPr id="3" name="Content Placeholder 2">
+            <a:extLst>
+              <a:ext uri="{FF2B5EF4-FFF2-40B4-BE49-F238E27FC236}">
+                <a16:creationId xmlns:a16="http://schemas.microsoft.com/office/drawing/2014/main" id="{3CCB48FF-D0DB-4239-BF7B-3AC940333DEC}"/>
+              </a:ext>
+            </a:extLst>
+          </p:cNvPr>
+          <p:cNvSpPr>
+            <a:spLocks noGrp="1"/>
+          </p:cNvSpPr>
+          <p:nvPr>
+            <p:ph sz="half" idx="1"/>
+          </p:nvPr>
+        </p:nvSpPr>
+        <p:spPr>
+          <a:xfrm>
+            <a:off x="838199" y="1825625"/>
+            <a:ext cx="9267825" cy="4351338"/>
+          </a:xfrm>
+        </p:spPr>
+        <p:txBody>
+          <a:bodyPr>
             <a:normAutofit/>
           </a:bodyPr>
           <a:lstStyle/>
           <a:p>
             <a:r>
               <a:rPr lang="en-NZ" dirty="0" err="1"/>
-              <a:t>Codeimplementierungen</a:t>
+              <a:t>Anfragen</a:t>
             </a:r>
             <a:r>
               <a:rPr lang="en-NZ" dirty="0"/>
-              <a:t>  – 	Backend</a:t>
-            </a:r>
-            <a:br>
+              <a:t> an Backend </a:t>
+            </a:r>
+            <a:r>
+              <a:rPr lang="en-NZ" dirty="0" err="1"/>
+              <a:t>über</a:t>
+            </a:r>
+            <a:r>
               <a:rPr lang="en-NZ" dirty="0"/>
-            </a:br>
+              <a:t> GET</a:t>
+            </a:r>
+          </a:p>
+          <a:p>
+            <a:r>
+              <a:rPr lang="en-NZ" dirty="0" err="1"/>
+              <a:t>Für</a:t>
+            </a:r>
             <a:r>
               <a:rPr lang="en-NZ" dirty="0"/>
-              <a:t>							</a:t>
+              <a:t> Range-Query </a:t>
+            </a:r>
+            <a:r>
+              <a:rPr lang="en-NZ" dirty="0" err="1"/>
+              <a:t>zur</a:t>
+            </a:r>
+            <a:r>
+              <a:rPr lang="en-NZ" dirty="0"/>
+              <a:t> </a:t>
             </a:r>
             <a:r>
               <a:rPr lang="en-NZ" dirty="0" err="1"/>
@@ -9872,27 +10160,189 @@
             </a:r>
             <a:r>
               <a:rPr lang="en-NZ" dirty="0"/>
-              <a:t> I</a:t>
-            </a:r>
-            <a:endParaRPr lang="de-DE" dirty="0"/>
+              <a:t> </a:t>
+            </a:r>
+            <a:r>
+              <a:rPr lang="en-NZ" dirty="0" err="1"/>
+              <a:t>Wildcardoperator</a:t>
+            </a:r>
+            <a:r>
+              <a:rPr lang="en-NZ" dirty="0"/>
+              <a:t> (</a:t>
+            </a:r>
+            <a:r>
+              <a:rPr lang="en-NZ" b="1" i="1" dirty="0"/>
+              <a:t>%</a:t>
+            </a:r>
+            <a:r>
+              <a:rPr lang="en-NZ" dirty="0"/>
+              <a:t>) </a:t>
+            </a:r>
+            <a:r>
+              <a:rPr lang="en-NZ" dirty="0" err="1"/>
+              <a:t>benötigt</a:t>
+            </a:r>
+            <a:endParaRPr lang="en-NZ" dirty="0"/>
+          </a:p>
+          <a:p>
+            <a:r>
+              <a:rPr lang="en-NZ" dirty="0"/>
+              <a:t>Problem: </a:t>
+            </a:r>
+            <a:r>
+              <a:rPr lang="en-NZ" dirty="0" err="1"/>
+              <a:t>Suchanfrage</a:t>
+            </a:r>
+            <a:r>
+              <a:rPr lang="en-NZ" dirty="0"/>
+              <a:t> </a:t>
+            </a:r>
+            <a:r>
+              <a:rPr lang="en-NZ" dirty="0" err="1"/>
+              <a:t>wird</a:t>
+            </a:r>
+            <a:r>
+              <a:rPr lang="en-NZ" dirty="0"/>
+              <a:t> encoded: </a:t>
+            </a:r>
+            <a:r>
+              <a:rPr lang="en-NZ" b="1" i="1" dirty="0"/>
+              <a:t>%AB </a:t>
+            </a:r>
+            <a:r>
+              <a:rPr lang="en-NZ" dirty="0" err="1"/>
+              <a:t>wird</a:t>
+            </a:r>
+            <a:r>
+              <a:rPr lang="en-NZ" dirty="0"/>
+              <a:t> </a:t>
+            </a:r>
+            <a:r>
+              <a:rPr lang="en-NZ" dirty="0" err="1"/>
+              <a:t>zu</a:t>
+            </a:r>
+            <a:r>
+              <a:rPr lang="en-NZ" dirty="0"/>
+              <a:t>  </a:t>
+            </a:r>
+            <a:r>
+              <a:rPr lang="en-NZ" b="1" i="1" dirty="0"/>
+              <a:t>«</a:t>
+            </a:r>
+          </a:p>
+          <a:p>
+            <a:r>
+              <a:rPr lang="en-NZ" dirty="0" err="1"/>
+              <a:t>Wildcardoperator</a:t>
+            </a:r>
+            <a:r>
+              <a:rPr lang="en-NZ" dirty="0"/>
+              <a:t> </a:t>
+            </a:r>
+            <a:r>
+              <a:rPr lang="en-NZ" dirty="0" err="1"/>
+              <a:t>musste</a:t>
+            </a:r>
+            <a:r>
+              <a:rPr lang="en-NZ" dirty="0"/>
+              <a:t> neu </a:t>
+            </a:r>
+            <a:r>
+              <a:rPr lang="en-NZ" dirty="0" err="1"/>
+              <a:t>definiert</a:t>
+            </a:r>
+            <a:r>
+              <a:rPr lang="en-NZ" dirty="0"/>
+              <a:t> </a:t>
+            </a:r>
+            <a:r>
+              <a:rPr lang="en-NZ" dirty="0" err="1"/>
+              <a:t>werden</a:t>
+            </a:r>
+            <a:endParaRPr lang="en-NZ" dirty="0"/>
+          </a:p>
+        </p:txBody>
+      </p:sp>
+      <p:sp>
+        <p:nvSpPr>
+          <p:cNvPr id="4" name="Footer Placeholder 3">
+            <a:extLst>
+              <a:ext uri="{FF2B5EF4-FFF2-40B4-BE49-F238E27FC236}">
+                <a16:creationId xmlns:a16="http://schemas.microsoft.com/office/drawing/2014/main" id="{0EF7D1E5-7A19-4BA2-8CAA-9135FB90076C}"/>
+              </a:ext>
+            </a:extLst>
+          </p:cNvPr>
+          <p:cNvSpPr>
+            <a:spLocks noGrp="1"/>
+          </p:cNvSpPr>
+          <p:nvPr>
+            <p:ph type="ftr" sz="quarter" idx="11"/>
+          </p:nvPr>
+        </p:nvSpPr>
+        <p:spPr>
+          <a:xfrm>
+            <a:off x="4038600" y="6356350"/>
+            <a:ext cx="4114800" cy="365125"/>
+          </a:xfrm>
+        </p:spPr>
+        <p:txBody>
+          <a:bodyPr/>
+          <a:lstStyle/>
+          <a:p>
+            <a:r>
+              <a:rPr lang="de-DE"/>
+              <a:t>WS19/20 - PV-Modulportal - Rüffer, Vorwerk, Withöft, Zolkin</a:t>
+            </a:r>
+          </a:p>
+        </p:txBody>
+      </p:sp>
+      <p:sp>
+        <p:nvSpPr>
+          <p:cNvPr id="5" name="Slide Number Placeholder 4">
+            <a:extLst>
+              <a:ext uri="{FF2B5EF4-FFF2-40B4-BE49-F238E27FC236}">
+                <a16:creationId xmlns:a16="http://schemas.microsoft.com/office/drawing/2014/main" id="{FAC16E02-623C-4BDA-BAFA-B73797A517FD}"/>
+              </a:ext>
+            </a:extLst>
+          </p:cNvPr>
+          <p:cNvSpPr>
+            <a:spLocks noGrp="1"/>
+          </p:cNvSpPr>
+          <p:nvPr>
+            <p:ph type="sldNum" sz="quarter" idx="12"/>
+          </p:nvPr>
+        </p:nvSpPr>
+        <p:spPr>
+          <a:xfrm>
+            <a:off x="8610600" y="6356350"/>
+            <a:ext cx="2743200" cy="365125"/>
+          </a:xfrm>
+        </p:spPr>
+        <p:txBody>
+          <a:bodyPr/>
+          <a:lstStyle/>
+          <a:p>
+            <a:fld id="{969E759D-A893-4B96-8B48-96EE547EBC41}" type="slidenum">
+              <a:rPr lang="de-DE" smtClean="0"/>
+              <a:t>26</a:t>
+            </a:fld>
+            <a:endParaRPr lang="de-DE"/>
           </a:p>
         </p:txBody>
       </p:sp>
       <p:pic>
         <p:nvPicPr>
-          <p:cNvPr id="8" name="Inhaltsplatzhalter 7" descr="Ein Bild, das Screenshot enthält.&#10;&#10;Automatisch generierte Beschreibung">
-            <a:extLst>
-              <a:ext uri="{FF2B5EF4-FFF2-40B4-BE49-F238E27FC236}">
-                <a16:creationId xmlns:a16="http://schemas.microsoft.com/office/drawing/2014/main" id="{E3924121-A383-42BD-A8DC-7D467B374357}"/>
+          <p:cNvPr id="12" name="Picture 11">
+            <a:extLst>
+              <a:ext uri="{FF2B5EF4-FFF2-40B4-BE49-F238E27FC236}">
+                <a16:creationId xmlns:a16="http://schemas.microsoft.com/office/drawing/2014/main" id="{4952C6A9-A774-46DB-BDF1-F673FA48CDFD}"/>
               </a:ext>
             </a:extLst>
           </p:cNvPr>
           <p:cNvPicPr>
-            <a:picLocks noGrp="1" noChangeAspect="1"/>
+            <a:picLocks noChangeAspect="1"/>
           </p:cNvPicPr>
-          <p:nvPr>
-            <p:ph sz="half" idx="1"/>
-          </p:nvPr>
+          <p:nvPr/>
         </p:nvPicPr>
         <p:blipFill>
           <a:blip r:embed="rId2">
@@ -9908,193 +10358,18 @@
         </p:blipFill>
         <p:spPr>
           <a:xfrm>
-            <a:off x="404089" y="2654125"/>
-            <a:ext cx="5950530" cy="2895499"/>
-          </a:xfrm>
-        </p:spPr>
-      </p:pic>
-      <p:sp>
-        <p:nvSpPr>
-          <p:cNvPr id="4" name="Footer Placeholder 3">
-            <a:extLst>
-              <a:ext uri="{FF2B5EF4-FFF2-40B4-BE49-F238E27FC236}">
-                <a16:creationId xmlns:a16="http://schemas.microsoft.com/office/drawing/2014/main" id="{0EF7D1E5-7A19-4BA2-8CAA-9135FB90076C}"/>
-              </a:ext>
-            </a:extLst>
-          </p:cNvPr>
-          <p:cNvSpPr>
-            <a:spLocks noGrp="1"/>
-          </p:cNvSpPr>
-          <p:nvPr>
-            <p:ph type="ftr" sz="quarter" idx="11"/>
-          </p:nvPr>
-        </p:nvSpPr>
-        <p:spPr>
-          <a:xfrm>
-            <a:off x="4038600" y="6356350"/>
-            <a:ext cx="4114800" cy="365125"/>
-          </a:xfrm>
-        </p:spPr>
-        <p:txBody>
-          <a:bodyPr/>
-          <a:lstStyle/>
-          <a:p>
-            <a:r>
-              <a:rPr lang="de-DE"/>
-              <a:t>WS19/20 - PV-Modulportal - Rüffer, Vorwerk, Withöft, Zolkin</a:t>
-            </a:r>
-          </a:p>
-        </p:txBody>
-      </p:sp>
-      <p:sp>
-        <p:nvSpPr>
-          <p:cNvPr id="5" name="Slide Number Placeholder 4">
-            <a:extLst>
-              <a:ext uri="{FF2B5EF4-FFF2-40B4-BE49-F238E27FC236}">
-                <a16:creationId xmlns:a16="http://schemas.microsoft.com/office/drawing/2014/main" id="{FAC16E02-623C-4BDA-BAFA-B73797A517FD}"/>
-              </a:ext>
-            </a:extLst>
-          </p:cNvPr>
-          <p:cNvSpPr>
-            <a:spLocks noGrp="1"/>
-          </p:cNvSpPr>
-          <p:nvPr>
-            <p:ph type="sldNum" sz="quarter" idx="12"/>
-          </p:nvPr>
-        </p:nvSpPr>
-        <p:spPr>
-          <a:xfrm>
-            <a:off x="8610600" y="6356350"/>
-            <a:ext cx="2743200" cy="365125"/>
-          </a:xfrm>
-        </p:spPr>
-        <p:txBody>
-          <a:bodyPr/>
-          <a:lstStyle/>
-          <a:p>
-            <a:fld id="{969E759D-A893-4B96-8B48-96EE547EBC41}" type="slidenum">
-              <a:rPr lang="de-DE" smtClean="0"/>
-              <a:t>26</a:t>
-            </a:fld>
-            <a:endParaRPr lang="de-DE"/>
-          </a:p>
-        </p:txBody>
-      </p:sp>
-      <p:sp>
-        <p:nvSpPr>
-          <p:cNvPr id="9" name="Textfeld 8">
-            <a:extLst>
-              <a:ext uri="{FF2B5EF4-FFF2-40B4-BE49-F238E27FC236}">
-                <a16:creationId xmlns:a16="http://schemas.microsoft.com/office/drawing/2014/main" id="{0BC016EB-C997-45C6-8835-9C6489AE7467}"/>
-              </a:ext>
-            </a:extLst>
-          </p:cNvPr>
-          <p:cNvSpPr txBox="1"/>
-          <p:nvPr/>
-        </p:nvSpPr>
-        <p:spPr>
-          <a:xfrm>
-            <a:off x="1745671" y="2170850"/>
-            <a:ext cx="2655022" cy="369332"/>
+            <a:off x="204950" y="4377205"/>
+            <a:ext cx="11782100" cy="1189273"/>
           </a:xfrm>
           <a:prstGeom prst="rect">
             <a:avLst/>
           </a:prstGeom>
-          <a:noFill/>
-        </p:spPr>
-        <p:txBody>
-          <a:bodyPr wrap="none" rtlCol="0">
-            <a:spAutoFit/>
-          </a:bodyPr>
-          <a:lstStyle/>
-          <a:p>
-            <a:r>
-              <a:rPr lang="de-DE" dirty="0"/>
-              <a:t>Parsen der GET-Parameter</a:t>
-            </a:r>
-          </a:p>
-        </p:txBody>
-      </p:sp>
-      <p:pic>
-        <p:nvPicPr>
-          <p:cNvPr id="11" name="Grafik 10" descr="Ein Bild, das Screenshot enthält.&#10;&#10;Automatisch generierte Beschreibung">
-            <a:extLst>
-              <a:ext uri="{FF2B5EF4-FFF2-40B4-BE49-F238E27FC236}">
-                <a16:creationId xmlns:a16="http://schemas.microsoft.com/office/drawing/2014/main" id="{2788B166-ACA4-49D8-8267-C2B86797E620}"/>
-              </a:ext>
-            </a:extLst>
-          </p:cNvPr>
-          <p:cNvPicPr>
-            <a:picLocks noChangeAspect="1"/>
-          </p:cNvPicPr>
-          <p:nvPr/>
-        </p:nvPicPr>
-        <p:blipFill>
-          <a:blip r:embed="rId3">
-            <a:extLst>
-              <a:ext uri="{28A0092B-C50C-407E-A947-70E740481C1C}">
-                <a14:useLocalDpi xmlns:a14="http://schemas.microsoft.com/office/drawing/2010/main" val="0"/>
-              </a:ext>
-            </a:extLst>
-          </a:blip>
-          <a:stretch>
-            <a:fillRect/>
-          </a:stretch>
-        </p:blipFill>
-        <p:spPr>
-          <a:xfrm>
-            <a:off x="6902064" y="2654125"/>
-            <a:ext cx="5197657" cy="2895499"/>
-          </a:xfrm>
-          <a:prstGeom prst="rect">
-            <a:avLst/>
-          </a:prstGeom>
         </p:spPr>
       </p:pic>
-      <p:sp>
-        <p:nvSpPr>
-          <p:cNvPr id="16" name="Textfeld 15">
-            <a:extLst>
-              <a:ext uri="{FF2B5EF4-FFF2-40B4-BE49-F238E27FC236}">
-                <a16:creationId xmlns:a16="http://schemas.microsoft.com/office/drawing/2014/main" id="{3B830095-FAAF-4349-B714-8DEAD2804688}"/>
-              </a:ext>
-            </a:extLst>
-          </p:cNvPr>
-          <p:cNvSpPr txBox="1"/>
-          <p:nvPr/>
-        </p:nvSpPr>
-        <p:spPr>
-          <a:xfrm>
-            <a:off x="7976034" y="2170850"/>
-            <a:ext cx="3066737" cy="369332"/>
-          </a:xfrm>
-          <a:prstGeom prst="rect">
-            <a:avLst/>
-          </a:prstGeom>
-          <a:noFill/>
-        </p:spPr>
-        <p:txBody>
-          <a:bodyPr wrap="none" rtlCol="0">
-            <a:spAutoFit/>
-          </a:bodyPr>
-          <a:lstStyle/>
-          <a:p>
-            <a:r>
-              <a:rPr lang="de-DE" dirty="0"/>
-              <a:t>Einfügen in die </a:t>
-            </a:r>
-            <a:r>
-              <a:rPr lang="de-DE" dirty="0" err="1"/>
-              <a:t>PreparedQuery</a:t>
-            </a:r>
-            <a:endParaRPr lang="de-DE" dirty="0"/>
-          </a:p>
-        </p:txBody>
-      </p:sp>
     </p:spTree>
     <p:extLst>
       <p:ext uri="{BB962C8B-B14F-4D97-AF65-F5344CB8AC3E}">
-        <p14:creationId xmlns:p14="http://schemas.microsoft.com/office/powerpoint/2010/main" val="622820045"/>
+        <p14:creationId xmlns:p14="http://schemas.microsoft.com/office/powerpoint/2010/main" val="1507256200"/>
       </p:ext>
     </p:extLst>
   </p:cSld>
@@ -10170,127 +10445,27 @@
             </a:r>
             <a:r>
               <a:rPr lang="en-NZ" dirty="0"/>
-              <a:t> II</a:t>
+              <a:t> I</a:t>
             </a:r>
             <a:endParaRPr lang="de-DE" dirty="0"/>
-          </a:p>
-        </p:txBody>
-      </p:sp>
-      <p:sp>
-        <p:nvSpPr>
-          <p:cNvPr id="4" name="Footer Placeholder 3">
-            <a:extLst>
-              <a:ext uri="{FF2B5EF4-FFF2-40B4-BE49-F238E27FC236}">
-                <a16:creationId xmlns:a16="http://schemas.microsoft.com/office/drawing/2014/main" id="{0EF7D1E5-7A19-4BA2-8CAA-9135FB90076C}"/>
-              </a:ext>
-            </a:extLst>
-          </p:cNvPr>
-          <p:cNvSpPr>
-            <a:spLocks noGrp="1"/>
-          </p:cNvSpPr>
-          <p:nvPr>
-            <p:ph type="ftr" sz="quarter" idx="11"/>
-          </p:nvPr>
-        </p:nvSpPr>
-        <p:spPr>
-          <a:xfrm>
-            <a:off x="4038600" y="6356350"/>
-            <a:ext cx="4114800" cy="365125"/>
-          </a:xfrm>
-        </p:spPr>
-        <p:txBody>
-          <a:bodyPr/>
-          <a:lstStyle/>
-          <a:p>
-            <a:r>
-              <a:rPr lang="de-DE"/>
-              <a:t>WS19/20 - PV-Modulportal - Rüffer, Vorwerk, Withöft, Zolkin</a:t>
-            </a:r>
-          </a:p>
-        </p:txBody>
-      </p:sp>
-      <p:sp>
-        <p:nvSpPr>
-          <p:cNvPr id="5" name="Slide Number Placeholder 4">
-            <a:extLst>
-              <a:ext uri="{FF2B5EF4-FFF2-40B4-BE49-F238E27FC236}">
-                <a16:creationId xmlns:a16="http://schemas.microsoft.com/office/drawing/2014/main" id="{FAC16E02-623C-4BDA-BAFA-B73797A517FD}"/>
-              </a:ext>
-            </a:extLst>
-          </p:cNvPr>
-          <p:cNvSpPr>
-            <a:spLocks noGrp="1"/>
-          </p:cNvSpPr>
-          <p:nvPr>
-            <p:ph type="sldNum" sz="quarter" idx="12"/>
-          </p:nvPr>
-        </p:nvSpPr>
-        <p:spPr>
-          <a:xfrm>
-            <a:off x="8610600" y="6356350"/>
-            <a:ext cx="2743200" cy="365125"/>
-          </a:xfrm>
-        </p:spPr>
-        <p:txBody>
-          <a:bodyPr/>
-          <a:lstStyle/>
-          <a:p>
-            <a:fld id="{969E759D-A893-4B96-8B48-96EE547EBC41}" type="slidenum">
-              <a:rPr lang="de-DE" smtClean="0"/>
-              <a:t>27</a:t>
-            </a:fld>
-            <a:endParaRPr lang="de-DE"/>
-          </a:p>
-        </p:txBody>
-      </p:sp>
-      <p:sp>
-        <p:nvSpPr>
-          <p:cNvPr id="9" name="Textfeld 8">
-            <a:extLst>
-              <a:ext uri="{FF2B5EF4-FFF2-40B4-BE49-F238E27FC236}">
-                <a16:creationId xmlns:a16="http://schemas.microsoft.com/office/drawing/2014/main" id="{0BC016EB-C997-45C6-8835-9C6489AE7467}"/>
-              </a:ext>
-            </a:extLst>
-          </p:cNvPr>
-          <p:cNvSpPr txBox="1"/>
-          <p:nvPr/>
-        </p:nvSpPr>
-        <p:spPr>
-          <a:xfrm>
-            <a:off x="4123633" y="2114068"/>
-            <a:ext cx="3944734" cy="369332"/>
-          </a:xfrm>
-          <a:prstGeom prst="rect">
-            <a:avLst/>
-          </a:prstGeom>
-          <a:noFill/>
-        </p:spPr>
-        <p:txBody>
-          <a:bodyPr wrap="none" rtlCol="0">
-            <a:spAutoFit/>
-          </a:bodyPr>
-          <a:lstStyle/>
-          <a:p>
-            <a:r>
-              <a:rPr lang="de-DE" dirty="0"/>
-              <a:t>Parameter binden, Ersetzung von § zu %</a:t>
-            </a:r>
           </a:p>
         </p:txBody>
       </p:sp>
       <p:pic>
         <p:nvPicPr>
-          <p:cNvPr id="6" name="Grafik 5" descr="Ein Bild, das Messer enthält.&#10;&#10;Automatisch generierte Beschreibung">
-            <a:extLst>
-              <a:ext uri="{FF2B5EF4-FFF2-40B4-BE49-F238E27FC236}">
-                <a16:creationId xmlns:a16="http://schemas.microsoft.com/office/drawing/2014/main" id="{33492598-0506-4F48-9736-08ECA55DD99C}"/>
+          <p:cNvPr id="8" name="Inhaltsplatzhalter 7" descr="Ein Bild, das Screenshot enthält.&#10;&#10;Automatisch generierte Beschreibung">
+            <a:extLst>
+              <a:ext uri="{FF2B5EF4-FFF2-40B4-BE49-F238E27FC236}">
+                <a16:creationId xmlns:a16="http://schemas.microsoft.com/office/drawing/2014/main" id="{E3924121-A383-42BD-A8DC-7D467B374357}"/>
               </a:ext>
             </a:extLst>
           </p:cNvPr>
           <p:cNvPicPr>
-            <a:picLocks noChangeAspect="1"/>
+            <a:picLocks noGrp="1" noChangeAspect="1"/>
           </p:cNvPicPr>
-          <p:nvPr/>
+          <p:nvPr>
+            <p:ph sz="half" idx="1"/>
+          </p:nvPr>
         </p:nvPicPr>
         <p:blipFill>
           <a:blip r:embed="rId2">
@@ -10306,18 +10481,193 @@
         </p:blipFill>
         <p:spPr>
           <a:xfrm>
-            <a:off x="2342626" y="2776583"/>
-            <a:ext cx="7506748" cy="1095528"/>
+            <a:off x="404089" y="2654125"/>
+            <a:ext cx="5950530" cy="2895499"/>
+          </a:xfrm>
+        </p:spPr>
+      </p:pic>
+      <p:sp>
+        <p:nvSpPr>
+          <p:cNvPr id="4" name="Footer Placeholder 3">
+            <a:extLst>
+              <a:ext uri="{FF2B5EF4-FFF2-40B4-BE49-F238E27FC236}">
+                <a16:creationId xmlns:a16="http://schemas.microsoft.com/office/drawing/2014/main" id="{0EF7D1E5-7A19-4BA2-8CAA-9135FB90076C}"/>
+              </a:ext>
+            </a:extLst>
+          </p:cNvPr>
+          <p:cNvSpPr>
+            <a:spLocks noGrp="1"/>
+          </p:cNvSpPr>
+          <p:nvPr>
+            <p:ph type="ftr" sz="quarter" idx="11"/>
+          </p:nvPr>
+        </p:nvSpPr>
+        <p:spPr>
+          <a:xfrm>
+            <a:off x="4038600" y="6356350"/>
+            <a:ext cx="4114800" cy="365125"/>
+          </a:xfrm>
+        </p:spPr>
+        <p:txBody>
+          <a:bodyPr/>
+          <a:lstStyle/>
+          <a:p>
+            <a:r>
+              <a:rPr lang="de-DE"/>
+              <a:t>WS19/20 - PV-Modulportal - Rüffer, Vorwerk, Withöft, Zolkin</a:t>
+            </a:r>
+          </a:p>
+        </p:txBody>
+      </p:sp>
+      <p:sp>
+        <p:nvSpPr>
+          <p:cNvPr id="5" name="Slide Number Placeholder 4">
+            <a:extLst>
+              <a:ext uri="{FF2B5EF4-FFF2-40B4-BE49-F238E27FC236}">
+                <a16:creationId xmlns:a16="http://schemas.microsoft.com/office/drawing/2014/main" id="{FAC16E02-623C-4BDA-BAFA-B73797A517FD}"/>
+              </a:ext>
+            </a:extLst>
+          </p:cNvPr>
+          <p:cNvSpPr>
+            <a:spLocks noGrp="1"/>
+          </p:cNvSpPr>
+          <p:nvPr>
+            <p:ph type="sldNum" sz="quarter" idx="12"/>
+          </p:nvPr>
+        </p:nvSpPr>
+        <p:spPr>
+          <a:xfrm>
+            <a:off x="8610600" y="6356350"/>
+            <a:ext cx="2743200" cy="365125"/>
+          </a:xfrm>
+        </p:spPr>
+        <p:txBody>
+          <a:bodyPr/>
+          <a:lstStyle/>
+          <a:p>
+            <a:fld id="{969E759D-A893-4B96-8B48-96EE547EBC41}" type="slidenum">
+              <a:rPr lang="de-DE" smtClean="0"/>
+              <a:t>27</a:t>
+            </a:fld>
+            <a:endParaRPr lang="de-DE"/>
+          </a:p>
+        </p:txBody>
+      </p:sp>
+      <p:sp>
+        <p:nvSpPr>
+          <p:cNvPr id="9" name="Textfeld 8">
+            <a:extLst>
+              <a:ext uri="{FF2B5EF4-FFF2-40B4-BE49-F238E27FC236}">
+                <a16:creationId xmlns:a16="http://schemas.microsoft.com/office/drawing/2014/main" id="{0BC016EB-C997-45C6-8835-9C6489AE7467}"/>
+              </a:ext>
+            </a:extLst>
+          </p:cNvPr>
+          <p:cNvSpPr txBox="1"/>
+          <p:nvPr/>
+        </p:nvSpPr>
+        <p:spPr>
+          <a:xfrm>
+            <a:off x="1745671" y="2170850"/>
+            <a:ext cx="2655022" cy="369332"/>
           </a:xfrm>
           <a:prstGeom prst="rect">
             <a:avLst/>
           </a:prstGeom>
+          <a:noFill/>
+        </p:spPr>
+        <p:txBody>
+          <a:bodyPr wrap="none" rtlCol="0">
+            <a:spAutoFit/>
+          </a:bodyPr>
+          <a:lstStyle/>
+          <a:p>
+            <a:r>
+              <a:rPr lang="de-DE" dirty="0"/>
+              <a:t>Parsen der GET-Parameter</a:t>
+            </a:r>
+          </a:p>
+        </p:txBody>
+      </p:sp>
+      <p:pic>
+        <p:nvPicPr>
+          <p:cNvPr id="11" name="Grafik 10" descr="Ein Bild, das Screenshot enthält.&#10;&#10;Automatisch generierte Beschreibung">
+            <a:extLst>
+              <a:ext uri="{FF2B5EF4-FFF2-40B4-BE49-F238E27FC236}">
+                <a16:creationId xmlns:a16="http://schemas.microsoft.com/office/drawing/2014/main" id="{2788B166-ACA4-49D8-8267-C2B86797E620}"/>
+              </a:ext>
+            </a:extLst>
+          </p:cNvPr>
+          <p:cNvPicPr>
+            <a:picLocks noChangeAspect="1"/>
+          </p:cNvPicPr>
+          <p:nvPr/>
+        </p:nvPicPr>
+        <p:blipFill>
+          <a:blip r:embed="rId3">
+            <a:extLst>
+              <a:ext uri="{28A0092B-C50C-407E-A947-70E740481C1C}">
+                <a14:useLocalDpi xmlns:a14="http://schemas.microsoft.com/office/drawing/2010/main" val="0"/>
+              </a:ext>
+            </a:extLst>
+          </a:blip>
+          <a:stretch>
+            <a:fillRect/>
+          </a:stretch>
+        </p:blipFill>
+        <p:spPr>
+          <a:xfrm>
+            <a:off x="6902064" y="2654125"/>
+            <a:ext cx="5197657" cy="2895499"/>
+          </a:xfrm>
+          <a:prstGeom prst="rect">
+            <a:avLst/>
+          </a:prstGeom>
         </p:spPr>
       </p:pic>
+      <p:sp>
+        <p:nvSpPr>
+          <p:cNvPr id="16" name="Textfeld 15">
+            <a:extLst>
+              <a:ext uri="{FF2B5EF4-FFF2-40B4-BE49-F238E27FC236}">
+                <a16:creationId xmlns:a16="http://schemas.microsoft.com/office/drawing/2014/main" id="{3B830095-FAAF-4349-B714-8DEAD2804688}"/>
+              </a:ext>
+            </a:extLst>
+          </p:cNvPr>
+          <p:cNvSpPr txBox="1"/>
+          <p:nvPr/>
+        </p:nvSpPr>
+        <p:spPr>
+          <a:xfrm>
+            <a:off x="7976034" y="2170850"/>
+            <a:ext cx="3066737" cy="369332"/>
+          </a:xfrm>
+          <a:prstGeom prst="rect">
+            <a:avLst/>
+          </a:prstGeom>
+          <a:noFill/>
+        </p:spPr>
+        <p:txBody>
+          <a:bodyPr wrap="none" rtlCol="0">
+            <a:spAutoFit/>
+          </a:bodyPr>
+          <a:lstStyle/>
+          <a:p>
+            <a:r>
+              <a:rPr lang="de-DE" dirty="0"/>
+              <a:t>Einfügen in die </a:t>
+            </a:r>
+            <a:r>
+              <a:rPr lang="de-DE" dirty="0" err="1"/>
+              <a:t>PreparedQuery</a:t>
+            </a:r>
+            <a:endParaRPr lang="de-DE" dirty="0"/>
+          </a:p>
+        </p:txBody>
+      </p:sp>
     </p:spTree>
     <p:extLst>
       <p:ext uri="{BB962C8B-B14F-4D97-AF65-F5344CB8AC3E}">
-        <p14:creationId xmlns:p14="http://schemas.microsoft.com/office/powerpoint/2010/main" val="1073039314"/>
+        <p14:creationId xmlns:p14="http://schemas.microsoft.com/office/powerpoint/2010/main" val="622820045"/>
       </p:ext>
     </p:extLst>
   </p:cSld>
@@ -10389,138 +10739,13 @@
             </a:r>
             <a:r>
               <a:rPr lang="en-NZ" dirty="0" err="1"/>
-              <a:t>Kommentare</a:t>
+              <a:t>Suche</a:t>
+            </a:r>
+            <a:r>
+              <a:rPr lang="en-NZ" dirty="0"/>
+              <a:t> II</a:t>
             </a:r>
             <a:endParaRPr lang="de-DE" dirty="0"/>
-          </a:p>
-        </p:txBody>
-      </p:sp>
-      <p:sp>
-        <p:nvSpPr>
-          <p:cNvPr id="3" name="Content Placeholder 2">
-            <a:extLst>
-              <a:ext uri="{FF2B5EF4-FFF2-40B4-BE49-F238E27FC236}">
-                <a16:creationId xmlns:a16="http://schemas.microsoft.com/office/drawing/2014/main" id="{3CCB48FF-D0DB-4239-BF7B-3AC940333DEC}"/>
-              </a:ext>
-            </a:extLst>
-          </p:cNvPr>
-          <p:cNvSpPr>
-            <a:spLocks noGrp="1"/>
-          </p:cNvSpPr>
-          <p:nvPr>
-            <p:ph sz="half" idx="1"/>
-          </p:nvPr>
-        </p:nvSpPr>
-        <p:spPr>
-          <a:xfrm>
-            <a:off x="838200" y="1825624"/>
-            <a:ext cx="3706091" cy="4055627"/>
-          </a:xfrm>
-        </p:spPr>
-        <p:txBody>
-          <a:bodyPr>
-            <a:normAutofit/>
-          </a:bodyPr>
-          <a:lstStyle/>
-          <a:p>
-            <a:r>
-              <a:rPr lang="en-NZ" dirty="0" err="1"/>
-              <a:t>Kommentare</a:t>
-            </a:r>
-            <a:r>
-              <a:rPr lang="en-NZ" dirty="0"/>
-              <a:t> </a:t>
-            </a:r>
-            <a:r>
-              <a:rPr lang="en-NZ" dirty="0" err="1"/>
-              <a:t>können</a:t>
-            </a:r>
-            <a:r>
-              <a:rPr lang="en-NZ" dirty="0"/>
-              <a:t> </a:t>
-            </a:r>
-            <a:r>
-              <a:rPr lang="en-NZ" dirty="0" err="1"/>
-              <a:t>verschachtelt</a:t>
-            </a:r>
-            <a:r>
-              <a:rPr lang="en-NZ" dirty="0"/>
-              <a:t> </a:t>
-            </a:r>
-            <a:r>
-              <a:rPr lang="en-NZ" dirty="0" err="1"/>
-              <a:t>werden</a:t>
-            </a:r>
-            <a:endParaRPr lang="en-NZ" dirty="0"/>
-          </a:p>
-          <a:p>
-            <a:r>
-              <a:rPr lang="en-NZ" dirty="0"/>
-              <a:t>Parent-</a:t>
-            </a:r>
-            <a:r>
-              <a:rPr lang="en-NZ" dirty="0" err="1"/>
-              <a:t>Kommentare</a:t>
-            </a:r>
-            <a:r>
-              <a:rPr lang="en-NZ" dirty="0"/>
-              <a:t> </a:t>
-            </a:r>
-            <a:r>
-              <a:rPr lang="en-NZ" dirty="0" err="1"/>
-              <a:t>müssen</a:t>
-            </a:r>
-            <a:r>
-              <a:rPr lang="en-NZ" dirty="0"/>
-              <a:t> </a:t>
-            </a:r>
-            <a:r>
-              <a:rPr lang="en-NZ" dirty="0" err="1"/>
-              <a:t>referenziert</a:t>
-            </a:r>
-            <a:r>
-              <a:rPr lang="en-NZ" dirty="0"/>
-              <a:t> </a:t>
-            </a:r>
-            <a:r>
-              <a:rPr lang="en-NZ" dirty="0" err="1"/>
-              <a:t>werden</a:t>
-            </a:r>
-            <a:endParaRPr lang="en-NZ" dirty="0"/>
-          </a:p>
-          <a:p>
-            <a:pPr lvl="1">
-              <a:buFont typeface="Symbol" panose="05050102010706020507" pitchFamily="18" charset="2"/>
-              <a:buChar char="-"/>
-            </a:pPr>
-            <a:r>
-              <a:rPr lang="en-NZ" dirty="0"/>
-              <a:t>SWAC </a:t>
-            </a:r>
-            <a:r>
-              <a:rPr lang="en-NZ" dirty="0" err="1"/>
-              <a:t>übernimmt</a:t>
-            </a:r>
-            <a:r>
-              <a:rPr lang="en-NZ" dirty="0"/>
-              <a:t> </a:t>
-            </a:r>
-            <a:r>
-              <a:rPr lang="en-NZ" dirty="0" err="1"/>
-              <a:t>rekursiven</a:t>
-            </a:r>
-            <a:r>
-              <a:rPr lang="en-NZ" dirty="0"/>
-              <a:t> </a:t>
-            </a:r>
-            <a:r>
-              <a:rPr lang="en-NZ" dirty="0" err="1"/>
-              <a:t>Aufruf</a:t>
-            </a:r>
-            <a:endParaRPr lang="en-NZ" dirty="0"/>
-          </a:p>
-          <a:p>
-            <a:endParaRPr lang="en-NZ" dirty="0"/>
           </a:p>
         </p:txBody>
       </p:sp>
@@ -10591,12 +10816,47 @@
           </a:p>
         </p:txBody>
       </p:sp>
+      <p:sp>
+        <p:nvSpPr>
+          <p:cNvPr id="9" name="Textfeld 8">
+            <a:extLst>
+              <a:ext uri="{FF2B5EF4-FFF2-40B4-BE49-F238E27FC236}">
+                <a16:creationId xmlns:a16="http://schemas.microsoft.com/office/drawing/2014/main" id="{0BC016EB-C997-45C6-8835-9C6489AE7467}"/>
+              </a:ext>
+            </a:extLst>
+          </p:cNvPr>
+          <p:cNvSpPr txBox="1"/>
+          <p:nvPr/>
+        </p:nvSpPr>
+        <p:spPr>
+          <a:xfrm>
+            <a:off x="4123633" y="2114068"/>
+            <a:ext cx="3944734" cy="369332"/>
+          </a:xfrm>
+          <a:prstGeom prst="rect">
+            <a:avLst/>
+          </a:prstGeom>
+          <a:noFill/>
+        </p:spPr>
+        <p:txBody>
+          <a:bodyPr wrap="none" rtlCol="0">
+            <a:spAutoFit/>
+          </a:bodyPr>
+          <a:lstStyle/>
+          <a:p>
+            <a:r>
+              <a:rPr lang="de-DE" dirty="0"/>
+              <a:t>Parameter binden, Ersetzung von § zu %</a:t>
+            </a:r>
+          </a:p>
+        </p:txBody>
+      </p:sp>
       <p:pic>
         <p:nvPicPr>
-          <p:cNvPr id="7" name="Grafik 6" descr="Ein Bild, das Screenshot enthält.&#10;&#10;Automatisch generierte Beschreibung">
-            <a:extLst>
-              <a:ext uri="{FF2B5EF4-FFF2-40B4-BE49-F238E27FC236}">
-                <a16:creationId xmlns:a16="http://schemas.microsoft.com/office/drawing/2014/main" id="{C6D8A160-082B-4802-BCC8-63E68D79088A}"/>
+          <p:cNvPr id="6" name="Grafik 5" descr="Ein Bild, das Messer enthält.&#10;&#10;Automatisch generierte Beschreibung">
+            <a:extLst>
+              <a:ext uri="{FF2B5EF4-FFF2-40B4-BE49-F238E27FC236}">
+                <a16:creationId xmlns:a16="http://schemas.microsoft.com/office/drawing/2014/main" id="{33492598-0506-4F48-9736-08ECA55DD99C}"/>
               </a:ext>
             </a:extLst>
           </p:cNvPr>
@@ -10619,8 +10879,8 @@
         </p:blipFill>
         <p:spPr>
           <a:xfrm>
-            <a:off x="5281148" y="2947142"/>
-            <a:ext cx="6658904" cy="2934109"/>
+            <a:off x="2342626" y="2776583"/>
+            <a:ext cx="7506748" cy="1095528"/>
           </a:xfrm>
           <a:prstGeom prst="rect">
             <a:avLst/>
@@ -10630,7 +10890,7 @@
     </p:spTree>
     <p:extLst>
       <p:ext uri="{BB962C8B-B14F-4D97-AF65-F5344CB8AC3E}">
-        <p14:creationId xmlns:p14="http://schemas.microsoft.com/office/powerpoint/2010/main" val="1642630570"/>
+        <p14:creationId xmlns:p14="http://schemas.microsoft.com/office/powerpoint/2010/main" val="1073039314"/>
       </p:ext>
     </p:extLst>
   </p:cSld>
@@ -10659,10 +10919,10 @@
       </p:grpSpPr>
       <p:sp>
         <p:nvSpPr>
-          <p:cNvPr id="2" name="Title 1">
-            <a:extLst>
-              <a:ext uri="{FF2B5EF4-FFF2-40B4-BE49-F238E27FC236}">
-                <a16:creationId xmlns:a16="http://schemas.microsoft.com/office/drawing/2014/main" id="{4C84315F-315F-4066-9D3A-472733691F27}"/>
+          <p:cNvPr id="2" name="Titel 1">
+            <a:extLst>
+              <a:ext uri="{FF2B5EF4-FFF2-40B4-BE49-F238E27FC236}">
+                <a16:creationId xmlns:a16="http://schemas.microsoft.com/office/drawing/2014/main" id="{17DEE8A4-A5A4-4301-9176-15D6AA2023C5}"/>
               </a:ext>
             </a:extLst>
           </p:cNvPr>
@@ -10673,16 +10933,9 @@
             <p:ph type="title"/>
           </p:nvPr>
         </p:nvSpPr>
-        <p:spPr>
-          <a:xfrm>
-            <a:off x="838200" y="365125"/>
-            <a:ext cx="10515600" cy="1325563"/>
-          </a:xfrm>
-        </p:spPr>
-        <p:txBody>
-          <a:bodyPr>
-            <a:normAutofit/>
-          </a:bodyPr>
+        <p:spPr/>
+        <p:txBody>
+          <a:bodyPr/>
           <a:lstStyle/>
           <a:p>
             <a:r>
@@ -10691,14 +10944,18 @@
             </a:r>
             <a:r>
               <a:rPr lang="en-NZ" dirty="0"/>
-              <a:t>  – 	Backend</a:t>
+              <a:t>  – 	Frontend</a:t>
             </a:r>
             <a:br>
               <a:rPr lang="en-NZ" dirty="0"/>
             </a:br>
             <a:r>
               <a:rPr lang="en-NZ" dirty="0"/>
-              <a:t>							Media</a:t>
+              <a:t>							</a:t>
+            </a:r>
+            <a:r>
+              <a:rPr lang="en-NZ" dirty="0" err="1"/>
+              <a:t>Kommentare</a:t>
             </a:r>
             <a:endParaRPr lang="de-DE" dirty="0"/>
           </a:p>
@@ -10706,10 +10963,10 @@
       </p:sp>
       <p:sp>
         <p:nvSpPr>
-          <p:cNvPr id="3" name="Content Placeholder 2">
-            <a:extLst>
-              <a:ext uri="{FF2B5EF4-FFF2-40B4-BE49-F238E27FC236}">
-                <a16:creationId xmlns:a16="http://schemas.microsoft.com/office/drawing/2014/main" id="{3CCB48FF-D0DB-4239-BF7B-3AC940333DEC}"/>
+          <p:cNvPr id="3" name="Inhaltsplatzhalter 2">
+            <a:extLst>
+              <a:ext uri="{FF2B5EF4-FFF2-40B4-BE49-F238E27FC236}">
+                <a16:creationId xmlns:a16="http://schemas.microsoft.com/office/drawing/2014/main" id="{F00680B5-0C22-4D42-BEA8-0B4B975F1B86}"/>
               </a:ext>
             </a:extLst>
           </p:cNvPr>
@@ -10720,64 +10977,24 @@
             <p:ph sz="half" idx="1"/>
           </p:nvPr>
         </p:nvSpPr>
-        <p:spPr>
-          <a:xfrm>
-            <a:off x="527804" y="2073804"/>
-            <a:ext cx="5923327" cy="1009854"/>
-          </a:xfrm>
-        </p:spPr>
-        <p:txBody>
-          <a:bodyPr>
-            <a:normAutofit fontScale="92500"/>
-          </a:bodyPr>
-          <a:lstStyle/>
-          <a:p>
-            <a:pPr marL="0" indent="0">
-              <a:buNone/>
-            </a:pPr>
-            <a:r>
-              <a:rPr lang="en-NZ" dirty="0" err="1"/>
-              <a:t>Vorher</a:t>
-            </a:r>
-            <a:r>
-              <a:rPr lang="en-NZ" dirty="0"/>
-              <a:t>	Media n : 1 </a:t>
-            </a:r>
-            <a:r>
-              <a:rPr lang="en-NZ" dirty="0" err="1"/>
-              <a:t>ObservedObject</a:t>
-            </a:r>
-            <a:endParaRPr lang="en-NZ" dirty="0"/>
-          </a:p>
-          <a:p>
-            <a:pPr marL="0" indent="0">
-              <a:buNone/>
-            </a:pPr>
-            <a:r>
-              <a:rPr lang="en-NZ" dirty="0" err="1"/>
-              <a:t>Ziel</a:t>
-            </a:r>
-            <a:r>
-              <a:rPr lang="en-NZ" dirty="0"/>
-              <a:t>		Media n : m </a:t>
-            </a:r>
-            <a:r>
-              <a:rPr lang="en-NZ" dirty="0" err="1"/>
-              <a:t>ObservedObject</a:t>
-            </a:r>
-            <a:endParaRPr lang="en-NZ" dirty="0"/>
-          </a:p>
-          <a:p>
-            <a:endParaRPr lang="en-NZ" dirty="0"/>
-          </a:p>
-        </p:txBody>
-      </p:sp>
-      <p:sp>
-        <p:nvSpPr>
-          <p:cNvPr id="4" name="Footer Placeholder 3">
-            <a:extLst>
-              <a:ext uri="{FF2B5EF4-FFF2-40B4-BE49-F238E27FC236}">
-                <a16:creationId xmlns:a16="http://schemas.microsoft.com/office/drawing/2014/main" id="{0EF7D1E5-7A19-4BA2-8CAA-9135FB90076C}"/>
+        <p:spPr/>
+        <p:txBody>
+          <a:bodyPr/>
+          <a:lstStyle/>
+          <a:p>
+            <a:r>
+              <a:rPr lang="de-DE" dirty="0"/>
+              <a:t>SWAC Komponente</a:t>
+            </a:r>
+          </a:p>
+        </p:txBody>
+      </p:sp>
+      <p:sp>
+        <p:nvSpPr>
+          <p:cNvPr id="5" name="Fußzeilenplatzhalter 4">
+            <a:extLst>
+              <a:ext uri="{FF2B5EF4-FFF2-40B4-BE49-F238E27FC236}">
+                <a16:creationId xmlns:a16="http://schemas.microsoft.com/office/drawing/2014/main" id="{DB08F782-DCB4-4161-88AE-F7AA7041A40F}"/>
               </a:ext>
             </a:extLst>
           </p:cNvPr>
@@ -10788,12 +11005,7 @@
             <p:ph type="ftr" sz="quarter" idx="11"/>
           </p:nvPr>
         </p:nvSpPr>
-        <p:spPr>
-          <a:xfrm>
-            <a:off x="4038600" y="6356350"/>
-            <a:ext cx="4114800" cy="365125"/>
-          </a:xfrm>
-        </p:spPr>
+        <p:spPr/>
         <p:txBody>
           <a:bodyPr/>
           <a:lstStyle/>
@@ -10807,10 +11019,10 @@
       </p:sp>
       <p:sp>
         <p:nvSpPr>
-          <p:cNvPr id="5" name="Slide Number Placeholder 4">
-            <a:extLst>
-              <a:ext uri="{FF2B5EF4-FFF2-40B4-BE49-F238E27FC236}">
-                <a16:creationId xmlns:a16="http://schemas.microsoft.com/office/drawing/2014/main" id="{FAC16E02-623C-4BDA-BAFA-B73797A517FD}"/>
+          <p:cNvPr id="6" name="Foliennummernplatzhalter 5">
+            <a:extLst>
+              <a:ext uri="{FF2B5EF4-FFF2-40B4-BE49-F238E27FC236}">
+                <a16:creationId xmlns:a16="http://schemas.microsoft.com/office/drawing/2014/main" id="{3E21B9F1-DC31-40EC-82DF-25E8412AFF2C}"/>
               </a:ext>
             </a:extLst>
           </p:cNvPr>
@@ -10821,12 +11033,7 @@
             <p:ph type="sldNum" sz="quarter" idx="12"/>
           </p:nvPr>
         </p:nvSpPr>
-        <p:spPr>
-          <a:xfrm>
-            <a:off x="8610600" y="6356350"/>
-            <a:ext cx="2743200" cy="365125"/>
-          </a:xfrm>
-        </p:spPr>
+        <p:spPr/>
         <p:txBody>
           <a:bodyPr/>
           <a:lstStyle/>
@@ -10841,171 +11048,39 @@
       </p:sp>
       <p:pic>
         <p:nvPicPr>
-          <p:cNvPr id="8" name="Grafik 7">
-            <a:extLst>
-              <a:ext uri="{FF2B5EF4-FFF2-40B4-BE49-F238E27FC236}">
-                <a16:creationId xmlns:a16="http://schemas.microsoft.com/office/drawing/2014/main" id="{269F6777-DAC5-4237-8396-8FB8169A6384}"/>
+          <p:cNvPr id="11" name="Inhaltsplatzhalter 10">
+            <a:extLst>
+              <a:ext uri="{FF2B5EF4-FFF2-40B4-BE49-F238E27FC236}">
+                <a16:creationId xmlns:a16="http://schemas.microsoft.com/office/drawing/2014/main" id="{007F4C84-4F4F-4520-885C-408A29A85748}"/>
               </a:ext>
             </a:extLst>
           </p:cNvPr>
           <p:cNvPicPr>
-            <a:picLocks noChangeAspect="1"/>
+            <a:picLocks noGrp="1" noChangeAspect="1"/>
           </p:cNvPicPr>
-          <p:nvPr/>
+          <p:nvPr>
+            <p:ph sz="half" idx="2"/>
+          </p:nvPr>
         </p:nvPicPr>
-        <p:blipFill>
-          <a:blip r:embed="rId2">
-            <a:extLst>
-              <a:ext uri="{28A0092B-C50C-407E-A947-70E740481C1C}">
-                <a14:useLocalDpi xmlns:a14="http://schemas.microsoft.com/office/drawing/2010/main" val="0"/>
-              </a:ext>
-            </a:extLst>
-          </a:blip>
-          <a:stretch>
-            <a:fillRect/>
-          </a:stretch>
+        <p:blipFill rotWithShape="1">
+          <a:blip r:embed="rId2"/>
+          <a:srcRect t="28846"/>
+          <a:stretch/>
         </p:blipFill>
         <p:spPr>
           <a:xfrm>
-            <a:off x="583938" y="4768978"/>
-            <a:ext cx="5811061" cy="400106"/>
+            <a:off x="520699" y="2312988"/>
+            <a:ext cx="11519669" cy="3998912"/>
           </a:xfrm>
           <a:prstGeom prst="rect">
             <a:avLst/>
           </a:prstGeom>
         </p:spPr>
       </p:pic>
-      <p:pic>
-        <p:nvPicPr>
-          <p:cNvPr id="10" name="Grafik 9" descr="Ein Bild, das Screenshot enthält.&#10;&#10;Automatisch generierte Beschreibung">
-            <a:extLst>
-              <a:ext uri="{FF2B5EF4-FFF2-40B4-BE49-F238E27FC236}">
-                <a16:creationId xmlns:a16="http://schemas.microsoft.com/office/drawing/2014/main" id="{14490D41-80A0-4C33-A2CF-D3BAF9AE9CF6}"/>
-              </a:ext>
-            </a:extLst>
-          </p:cNvPr>
-          <p:cNvPicPr>
-            <a:picLocks noChangeAspect="1"/>
-          </p:cNvPicPr>
-          <p:nvPr/>
-        </p:nvPicPr>
-        <p:blipFill>
-          <a:blip r:embed="rId3">
-            <a:extLst>
-              <a:ext uri="{28A0092B-C50C-407E-A947-70E740481C1C}">
-                <a14:useLocalDpi xmlns:a14="http://schemas.microsoft.com/office/drawing/2010/main" val="0"/>
-              </a:ext>
-            </a:extLst>
-          </a:blip>
-          <a:stretch>
-            <a:fillRect/>
-          </a:stretch>
-        </p:blipFill>
-        <p:spPr>
-          <a:xfrm>
-            <a:off x="7734416" y="3911608"/>
-            <a:ext cx="3296110" cy="2114845"/>
-          </a:xfrm>
-          <a:prstGeom prst="rect">
-            <a:avLst/>
-          </a:prstGeom>
-        </p:spPr>
-      </p:pic>
-      <p:sp>
-        <p:nvSpPr>
-          <p:cNvPr id="11" name="Textfeld 10">
-            <a:extLst>
-              <a:ext uri="{FF2B5EF4-FFF2-40B4-BE49-F238E27FC236}">
-                <a16:creationId xmlns:a16="http://schemas.microsoft.com/office/drawing/2014/main" id="{E93B4C1D-B2B1-4CB0-A814-2A2B5321822F}"/>
-              </a:ext>
-            </a:extLst>
-          </p:cNvPr>
-          <p:cNvSpPr txBox="1"/>
-          <p:nvPr/>
-        </p:nvSpPr>
-        <p:spPr>
-          <a:xfrm>
-            <a:off x="989811" y="4222388"/>
-            <a:ext cx="4999317" cy="369332"/>
-          </a:xfrm>
-          <a:prstGeom prst="rect">
-            <a:avLst/>
-          </a:prstGeom>
-          <a:noFill/>
-        </p:spPr>
-        <p:txBody>
-          <a:bodyPr wrap="none" rtlCol="0">
-            <a:spAutoFit/>
-          </a:bodyPr>
-          <a:lstStyle/>
-          <a:p>
-            <a:r>
-              <a:rPr lang="de-DE" dirty="0"/>
-              <a:t>Neuer Verweis in </a:t>
-            </a:r>
-            <a:r>
-              <a:rPr lang="de-DE" dirty="0" err="1"/>
-              <a:t>TblMedia</a:t>
-            </a:r>
-            <a:r>
-              <a:rPr lang="de-DE" dirty="0"/>
-              <a:t> und </a:t>
-            </a:r>
-            <a:r>
-              <a:rPr lang="de-DE" dirty="0" err="1"/>
-              <a:t>TblObservedObject</a:t>
-            </a:r>
-            <a:endParaRPr lang="de-DE" dirty="0"/>
-          </a:p>
-        </p:txBody>
-      </p:sp>
-      <p:sp>
-        <p:nvSpPr>
-          <p:cNvPr id="12" name="Textfeld 11">
-            <a:extLst>
-              <a:ext uri="{FF2B5EF4-FFF2-40B4-BE49-F238E27FC236}">
-                <a16:creationId xmlns:a16="http://schemas.microsoft.com/office/drawing/2014/main" id="{42DBCF64-5F28-4D8C-B161-9DE6DFAB4E36}"/>
-              </a:ext>
-            </a:extLst>
-          </p:cNvPr>
-          <p:cNvSpPr txBox="1"/>
-          <p:nvPr/>
-        </p:nvSpPr>
-        <p:spPr>
-          <a:xfrm>
-            <a:off x="7416801" y="3429000"/>
-            <a:ext cx="4296176" cy="369332"/>
-          </a:xfrm>
-          <a:prstGeom prst="rect">
-            <a:avLst/>
-          </a:prstGeom>
-          <a:noFill/>
-        </p:spPr>
-        <p:txBody>
-          <a:bodyPr wrap="none" rtlCol="0">
-            <a:spAutoFit/>
-          </a:bodyPr>
-          <a:lstStyle/>
-          <a:p>
-            <a:r>
-              <a:rPr lang="de-DE" dirty="0"/>
-              <a:t>n:m Verbindung herstellen in der </a:t>
-            </a:r>
-            <a:r>
-              <a:rPr lang="de-DE" dirty="0" err="1"/>
-              <a:t>Join</a:t>
-            </a:r>
-            <a:r>
-              <a:rPr lang="de-DE" dirty="0"/>
-              <a:t>-Entity</a:t>
-            </a:r>
-          </a:p>
-        </p:txBody>
-      </p:sp>
     </p:spTree>
     <p:extLst>
       <p:ext uri="{BB962C8B-B14F-4D97-AF65-F5344CB8AC3E}">
-        <p14:creationId xmlns:p14="http://schemas.microsoft.com/office/powerpoint/2010/main" val="3339384398"/>
+        <p14:creationId xmlns:p14="http://schemas.microsoft.com/office/powerpoint/2010/main" val="2584507575"/>
       </p:ext>
     </p:extLst>
   </p:cSld>
@@ -11557,10 +11632,10 @@
       </p:grpSpPr>
       <p:sp>
         <p:nvSpPr>
-          <p:cNvPr id="2" name="Title 1">
-            <a:extLst>
-              <a:ext uri="{FF2B5EF4-FFF2-40B4-BE49-F238E27FC236}">
-                <a16:creationId xmlns:a16="http://schemas.microsoft.com/office/drawing/2014/main" id="{4C84315F-315F-4066-9D3A-472733691F27}"/>
+          <p:cNvPr id="2" name="Titel 1">
+            <a:extLst>
+              <a:ext uri="{FF2B5EF4-FFF2-40B4-BE49-F238E27FC236}">
+                <a16:creationId xmlns:a16="http://schemas.microsoft.com/office/drawing/2014/main" id="{17DEE8A4-A5A4-4301-9176-15D6AA2023C5}"/>
               </a:ext>
             </a:extLst>
           </p:cNvPr>
@@ -11571,16 +11646,9 @@
             <p:ph type="title"/>
           </p:nvPr>
         </p:nvSpPr>
-        <p:spPr>
-          <a:xfrm>
-            <a:off x="838200" y="365125"/>
-            <a:ext cx="10515600" cy="1325563"/>
-          </a:xfrm>
-        </p:spPr>
-        <p:txBody>
-          <a:bodyPr>
-            <a:normAutofit/>
-          </a:bodyPr>
+        <p:spPr/>
+        <p:txBody>
+          <a:bodyPr/>
           <a:lstStyle/>
           <a:p>
             <a:r>
@@ -11589,14 +11657,18 @@
             </a:r>
             <a:r>
               <a:rPr lang="en-NZ" dirty="0"/>
-              <a:t>  – 	Backend</a:t>
+              <a:t>  – 	Frontend</a:t>
             </a:r>
             <a:br>
               <a:rPr lang="en-NZ" dirty="0"/>
             </a:br>
             <a:r>
               <a:rPr lang="en-NZ" dirty="0"/>
-              <a:t>							View Requests</a:t>
+              <a:t>							</a:t>
+            </a:r>
+            <a:r>
+              <a:rPr lang="en-NZ" dirty="0" err="1"/>
+              <a:t>Kommentare</a:t>
             </a:r>
             <a:endParaRPr lang="de-DE" dirty="0"/>
           </a:p>
@@ -11604,101 +11676,58 @@
       </p:sp>
       <p:sp>
         <p:nvSpPr>
-          <p:cNvPr id="4" name="Footer Placeholder 3">
-            <a:extLst>
-              <a:ext uri="{FF2B5EF4-FFF2-40B4-BE49-F238E27FC236}">
-                <a16:creationId xmlns:a16="http://schemas.microsoft.com/office/drawing/2014/main" id="{0EF7D1E5-7A19-4BA2-8CAA-9135FB90076C}"/>
-              </a:ext>
-            </a:extLst>
-          </p:cNvPr>
-          <p:cNvSpPr>
-            <a:spLocks noGrp="1"/>
-          </p:cNvSpPr>
-          <p:nvPr>
-            <p:ph type="ftr" sz="quarter" idx="11"/>
-          </p:nvPr>
-        </p:nvSpPr>
-        <p:spPr>
-          <a:xfrm>
-            <a:off x="4038600" y="6356350"/>
-            <a:ext cx="4114800" cy="365125"/>
-          </a:xfrm>
-        </p:spPr>
+          <p:cNvPr id="3" name="Inhaltsplatzhalter 2">
+            <a:extLst>
+              <a:ext uri="{FF2B5EF4-FFF2-40B4-BE49-F238E27FC236}">
+                <a16:creationId xmlns:a16="http://schemas.microsoft.com/office/drawing/2014/main" id="{F00680B5-0C22-4D42-BEA8-0B4B975F1B86}"/>
+              </a:ext>
+            </a:extLst>
+          </p:cNvPr>
+          <p:cNvSpPr>
+            <a:spLocks noGrp="1"/>
+          </p:cNvSpPr>
+          <p:nvPr>
+            <p:ph sz="half" idx="1"/>
+          </p:nvPr>
+        </p:nvSpPr>
+        <p:spPr/>
         <p:txBody>
           <a:bodyPr/>
           <a:lstStyle/>
           <a:p>
             <a:r>
-              <a:rPr lang="de-DE"/>
-              <a:t>WS19/20 - PV-Modulportal - Rüffer, Vorwerk, Withöft, Zolkin</a:t>
-            </a:r>
-          </a:p>
-        </p:txBody>
-      </p:sp>
-      <p:sp>
-        <p:nvSpPr>
-          <p:cNvPr id="5" name="Slide Number Placeholder 4">
-            <a:extLst>
-              <a:ext uri="{FF2B5EF4-FFF2-40B4-BE49-F238E27FC236}">
-                <a16:creationId xmlns:a16="http://schemas.microsoft.com/office/drawing/2014/main" id="{FAC16E02-623C-4BDA-BAFA-B73797A517FD}"/>
-              </a:ext>
-            </a:extLst>
-          </p:cNvPr>
-          <p:cNvSpPr>
-            <a:spLocks noGrp="1"/>
-          </p:cNvSpPr>
-          <p:nvPr>
-            <p:ph type="sldNum" sz="quarter" idx="12"/>
-          </p:nvPr>
-        </p:nvSpPr>
-        <p:spPr>
-          <a:xfrm>
-            <a:off x="8610600" y="6356350"/>
-            <a:ext cx="2743200" cy="365125"/>
-          </a:xfrm>
-        </p:spPr>
-        <p:txBody>
-          <a:bodyPr/>
-          <a:lstStyle/>
-          <a:p>
-            <a:fld id="{969E759D-A893-4B96-8B48-96EE547EBC41}" type="slidenum">
-              <a:rPr lang="de-DE" smtClean="0"/>
-              <a:t>30</a:t>
-            </a:fld>
-            <a:endParaRPr lang="de-DE"/>
+              <a:rPr lang="de-DE" dirty="0"/>
+              <a:t>Senden eines Kommentares</a:t>
+            </a:r>
           </a:p>
         </p:txBody>
       </p:sp>
       <p:pic>
         <p:nvPicPr>
-          <p:cNvPr id="13" name="Grafik 12" descr="Ein Bild, das Screenshot enthält.&#10;&#10;Automatisch generierte Beschreibung">
-            <a:extLst>
-              <a:ext uri="{FF2B5EF4-FFF2-40B4-BE49-F238E27FC236}">
-                <a16:creationId xmlns:a16="http://schemas.microsoft.com/office/drawing/2014/main" id="{F8DEC07D-47B3-4C2C-8979-5804656B76FB}"/>
+          <p:cNvPr id="8" name="Inhaltsplatzhalter 7">
+            <a:extLst>
+              <a:ext uri="{FF2B5EF4-FFF2-40B4-BE49-F238E27FC236}">
+                <a16:creationId xmlns:a16="http://schemas.microsoft.com/office/drawing/2014/main" id="{FBAEB1D6-5F14-4FA5-9CC1-F1F27B76CF93}"/>
               </a:ext>
             </a:extLst>
           </p:cNvPr>
           <p:cNvPicPr>
-            <a:picLocks noChangeAspect="1"/>
+            <a:picLocks noGrp="1" noChangeAspect="1"/>
           </p:cNvPicPr>
-          <p:nvPr/>
+          <p:nvPr>
+            <p:ph sz="half" idx="2"/>
+          </p:nvPr>
         </p:nvPicPr>
         <p:blipFill>
-          <a:blip r:embed="rId2">
-            <a:extLst>
-              <a:ext uri="{28A0092B-C50C-407E-A947-70E740481C1C}">
-                <a14:useLocalDpi xmlns:a14="http://schemas.microsoft.com/office/drawing/2010/main" val="0"/>
-              </a:ext>
-            </a:extLst>
-          </a:blip>
+          <a:blip r:embed="rId2"/>
           <a:stretch>
             <a:fillRect/>
           </a:stretch>
         </p:blipFill>
         <p:spPr>
           <a:xfrm>
-            <a:off x="4769030" y="2903019"/>
-            <a:ext cx="6768740" cy="3017490"/>
+            <a:off x="635347" y="2341563"/>
+            <a:ext cx="10921305" cy="4151312"/>
           </a:xfrm>
           <a:prstGeom prst="rect">
             <a:avLst/>
@@ -11707,145 +11736,65 @@
       </p:pic>
       <p:sp>
         <p:nvSpPr>
-          <p:cNvPr id="14" name="Textfeld 13">
-            <a:extLst>
-              <a:ext uri="{FF2B5EF4-FFF2-40B4-BE49-F238E27FC236}">
-                <a16:creationId xmlns:a16="http://schemas.microsoft.com/office/drawing/2014/main" id="{E30BC66D-03A0-4C1B-9A50-E7476EEBEA24}"/>
-              </a:ext>
-            </a:extLst>
-          </p:cNvPr>
-          <p:cNvSpPr txBox="1"/>
-          <p:nvPr/>
-        </p:nvSpPr>
-        <p:spPr>
-          <a:xfrm>
-            <a:off x="931321" y="1934832"/>
-            <a:ext cx="4706930" cy="1477328"/>
-          </a:xfrm>
-          <a:prstGeom prst="rect">
-            <a:avLst/>
-          </a:prstGeom>
-          <a:noFill/>
-        </p:spPr>
-        <p:txBody>
-          <a:bodyPr wrap="none" rtlCol="0">
-            <a:spAutoFit/>
-          </a:bodyPr>
-          <a:lstStyle/>
-          <a:p>
-            <a:r>
-              <a:rPr lang="en-US" dirty="0"/>
-              <a:t>SELECT </a:t>
-            </a:r>
-            <a:r>
-              <a:rPr lang="en-US" dirty="0" err="1"/>
-              <a:t>t.dataset</a:t>
-            </a:r>
-            <a:r>
-              <a:rPr lang="en-US" dirty="0"/>
-              <a:t>, COUNT(id) AS </a:t>
-            </a:r>
-            <a:r>
-              <a:rPr lang="en-US" dirty="0" err="1"/>
-              <a:t>view_count</a:t>
-            </a:r>
-            <a:endParaRPr lang="en-US" dirty="0"/>
-          </a:p>
-          <a:p>
-            <a:r>
-              <a:rPr lang="en-US" dirty="0"/>
-              <a:t>FROM </a:t>
-            </a:r>
-            <a:r>
-              <a:rPr lang="en-US" dirty="0" err="1"/>
-              <a:t>TblObservedObjectDataSetViewRequest</a:t>
-            </a:r>
-            <a:r>
-              <a:rPr lang="en-US" dirty="0"/>
-              <a:t> t</a:t>
-            </a:r>
-          </a:p>
-          <a:p>
-            <a:r>
-              <a:rPr lang="en-US" dirty="0"/>
-              <a:t>WHERE t.id = :id</a:t>
-            </a:r>
-          </a:p>
-          <a:p>
-            <a:r>
-              <a:rPr lang="en-US" dirty="0"/>
-              <a:t>GROUP BY </a:t>
-            </a:r>
-            <a:r>
-              <a:rPr lang="en-US" dirty="0" err="1"/>
-              <a:t>t.dataset</a:t>
-            </a:r>
-            <a:endParaRPr lang="en-US" dirty="0"/>
-          </a:p>
-          <a:p>
-            <a:r>
-              <a:rPr lang="en-US" dirty="0"/>
-              <a:t>ORDER BY </a:t>
-            </a:r>
-            <a:r>
-              <a:rPr lang="en-US" dirty="0" err="1"/>
-              <a:t>view_count</a:t>
-            </a:r>
-            <a:r>
-              <a:rPr lang="en-US" dirty="0"/>
-              <a:t> DESC</a:t>
-            </a:r>
-            <a:endParaRPr lang="de-DE" dirty="0"/>
-          </a:p>
-        </p:txBody>
-      </p:sp>
-      <p:sp>
-        <p:nvSpPr>
-          <p:cNvPr id="15" name="Textfeld 14">
-            <a:extLst>
-              <a:ext uri="{FF2B5EF4-FFF2-40B4-BE49-F238E27FC236}">
-                <a16:creationId xmlns:a16="http://schemas.microsoft.com/office/drawing/2014/main" id="{B0CCF971-9740-4C60-B819-C327D7CC14B9}"/>
-              </a:ext>
-            </a:extLst>
-          </p:cNvPr>
-          <p:cNvSpPr txBox="1"/>
-          <p:nvPr/>
-        </p:nvSpPr>
-        <p:spPr>
-          <a:xfrm>
-            <a:off x="1477818" y="1565500"/>
-            <a:ext cx="3431709" cy="369332"/>
-          </a:xfrm>
-          <a:prstGeom prst="rect">
-            <a:avLst/>
-          </a:prstGeom>
-          <a:noFill/>
-        </p:spPr>
-        <p:txBody>
-          <a:bodyPr wrap="none" rtlCol="0">
-            <a:spAutoFit/>
-          </a:bodyPr>
-          <a:lstStyle/>
-          <a:p>
-            <a:r>
-              <a:rPr lang="de-DE" u="sng" dirty="0"/>
-              <a:t>Query zu „</a:t>
-            </a:r>
-            <a:r>
-              <a:rPr lang="de-DE" u="sng" dirty="0" err="1"/>
-              <a:t>getMostViewedByOoId</a:t>
-            </a:r>
-            <a:r>
-              <a:rPr lang="de-DE" u="sng" dirty="0"/>
-              <a:t>“</a:t>
-            </a:r>
+          <p:cNvPr id="5" name="Fußzeilenplatzhalter 4">
+            <a:extLst>
+              <a:ext uri="{FF2B5EF4-FFF2-40B4-BE49-F238E27FC236}">
+                <a16:creationId xmlns:a16="http://schemas.microsoft.com/office/drawing/2014/main" id="{DB08F782-DCB4-4161-88AE-F7AA7041A40F}"/>
+              </a:ext>
+            </a:extLst>
+          </p:cNvPr>
+          <p:cNvSpPr>
+            <a:spLocks noGrp="1"/>
+          </p:cNvSpPr>
+          <p:nvPr>
+            <p:ph type="ftr" sz="quarter" idx="11"/>
+          </p:nvPr>
+        </p:nvSpPr>
+        <p:spPr/>
+        <p:txBody>
+          <a:bodyPr/>
+          <a:lstStyle/>
+          <a:p>
+            <a:r>
+              <a:rPr lang="de-DE"/>
+              <a:t>WS19/20 - PV-Modulportal - Rüffer, Vorwerk, Withöft, Zolkin</a:t>
+            </a:r>
+          </a:p>
+        </p:txBody>
+      </p:sp>
+      <p:sp>
+        <p:nvSpPr>
+          <p:cNvPr id="6" name="Foliennummernplatzhalter 5">
+            <a:extLst>
+              <a:ext uri="{FF2B5EF4-FFF2-40B4-BE49-F238E27FC236}">
+                <a16:creationId xmlns:a16="http://schemas.microsoft.com/office/drawing/2014/main" id="{3E21B9F1-DC31-40EC-82DF-25E8412AFF2C}"/>
+              </a:ext>
+            </a:extLst>
+          </p:cNvPr>
+          <p:cNvSpPr>
+            <a:spLocks noGrp="1"/>
+          </p:cNvSpPr>
+          <p:nvPr>
+            <p:ph type="sldNum" sz="quarter" idx="12"/>
+          </p:nvPr>
+        </p:nvSpPr>
+        <p:spPr/>
+        <p:txBody>
+          <a:bodyPr/>
+          <a:lstStyle/>
+          <a:p>
+            <a:fld id="{969E759D-A893-4B96-8B48-96EE547EBC41}" type="slidenum">
+              <a:rPr lang="de-DE" smtClean="0"/>
+              <a:t>30</a:t>
+            </a:fld>
+            <a:endParaRPr lang="de-DE"/>
           </a:p>
         </p:txBody>
       </p:sp>
     </p:spTree>
     <p:extLst>
       <p:ext uri="{BB962C8B-B14F-4D97-AF65-F5344CB8AC3E}">
-        <p14:creationId xmlns:p14="http://schemas.microsoft.com/office/powerpoint/2010/main" val="459681618"/>
+        <p14:creationId xmlns:p14="http://schemas.microsoft.com/office/powerpoint/2010/main" val="3451479124"/>
       </p:ext>
     </p:extLst>
   </p:cSld>
@@ -11913,9 +11862,142 @@
             </a:br>
             <a:r>
               <a:rPr lang="en-NZ" dirty="0"/>
-              <a:t>							View Requests II</a:t>
+              <a:t>							</a:t>
+            </a:r>
+            <a:r>
+              <a:rPr lang="en-NZ" dirty="0" err="1"/>
+              <a:t>Kommentare</a:t>
             </a:r>
             <a:endParaRPr lang="de-DE" dirty="0"/>
+          </a:p>
+        </p:txBody>
+      </p:sp>
+      <p:sp>
+        <p:nvSpPr>
+          <p:cNvPr id="3" name="Content Placeholder 2">
+            <a:extLst>
+              <a:ext uri="{FF2B5EF4-FFF2-40B4-BE49-F238E27FC236}">
+                <a16:creationId xmlns:a16="http://schemas.microsoft.com/office/drawing/2014/main" id="{3CCB48FF-D0DB-4239-BF7B-3AC940333DEC}"/>
+              </a:ext>
+            </a:extLst>
+          </p:cNvPr>
+          <p:cNvSpPr>
+            <a:spLocks noGrp="1"/>
+          </p:cNvSpPr>
+          <p:nvPr>
+            <p:ph sz="half" idx="1"/>
+          </p:nvPr>
+        </p:nvSpPr>
+        <p:spPr>
+          <a:xfrm>
+            <a:off x="838200" y="1825624"/>
+            <a:ext cx="3706091" cy="4055627"/>
+          </a:xfrm>
+        </p:spPr>
+        <p:txBody>
+          <a:bodyPr>
+            <a:normAutofit/>
+          </a:bodyPr>
+          <a:lstStyle/>
+          <a:p>
+            <a:r>
+              <a:rPr lang="en-NZ" dirty="0" err="1"/>
+              <a:t>Kommentare</a:t>
+            </a:r>
+            <a:r>
+              <a:rPr lang="en-NZ" dirty="0"/>
+              <a:t> </a:t>
+            </a:r>
+            <a:r>
+              <a:rPr lang="en-NZ" dirty="0" err="1"/>
+              <a:t>können</a:t>
+            </a:r>
+            <a:r>
+              <a:rPr lang="en-NZ" dirty="0"/>
+              <a:t> </a:t>
+            </a:r>
+            <a:r>
+              <a:rPr lang="en-NZ" dirty="0" err="1"/>
+              <a:t>verschachtelt</a:t>
+            </a:r>
+            <a:r>
+              <a:rPr lang="en-NZ" dirty="0"/>
+              <a:t> </a:t>
+            </a:r>
+            <a:r>
+              <a:rPr lang="en-NZ" dirty="0" err="1"/>
+              <a:t>werden</a:t>
+            </a:r>
+            <a:endParaRPr lang="en-NZ" dirty="0"/>
+          </a:p>
+          <a:p>
+            <a:r>
+              <a:rPr lang="en-NZ" dirty="0"/>
+              <a:t>Parent-</a:t>
+            </a:r>
+            <a:r>
+              <a:rPr lang="en-NZ" dirty="0" err="1"/>
+              <a:t>Kommentare</a:t>
+            </a:r>
+            <a:r>
+              <a:rPr lang="en-NZ" dirty="0"/>
+              <a:t> </a:t>
+            </a:r>
+            <a:r>
+              <a:rPr lang="en-NZ" dirty="0" err="1"/>
+              <a:t>müssen</a:t>
+            </a:r>
+            <a:r>
+              <a:rPr lang="en-NZ" dirty="0"/>
+              <a:t> </a:t>
+            </a:r>
+            <a:r>
+              <a:rPr lang="en-NZ" dirty="0" err="1"/>
+              <a:t>referenziert</a:t>
+            </a:r>
+            <a:r>
+              <a:rPr lang="en-NZ" dirty="0"/>
+              <a:t> </a:t>
+            </a:r>
+            <a:r>
+              <a:rPr lang="en-NZ" dirty="0" err="1"/>
+              <a:t>werden</a:t>
+            </a:r>
+            <a:endParaRPr lang="en-NZ" dirty="0"/>
+          </a:p>
+          <a:p>
+            <a:pPr lvl="1">
+              <a:buFont typeface="Symbol" panose="05050102010706020507" pitchFamily="18" charset="2"/>
+              <a:buChar char="-"/>
+            </a:pPr>
+            <a:r>
+              <a:rPr lang="en-NZ" dirty="0"/>
+              <a:t>SWAC </a:t>
+            </a:r>
+            <a:r>
+              <a:rPr lang="en-NZ" dirty="0" err="1"/>
+              <a:t>übernimmt</a:t>
+            </a:r>
+            <a:r>
+              <a:rPr lang="en-NZ" dirty="0"/>
+              <a:t> </a:t>
+            </a:r>
+            <a:r>
+              <a:rPr lang="en-NZ" dirty="0" err="1"/>
+              <a:t>rekursiven</a:t>
+            </a:r>
+            <a:r>
+              <a:rPr lang="en-NZ" dirty="0"/>
+              <a:t> </a:t>
+            </a:r>
+            <a:r>
+              <a:rPr lang="en-NZ" dirty="0" err="1"/>
+              <a:t>Aufruf</a:t>
+            </a:r>
+            <a:endParaRPr lang="en-NZ" dirty="0"/>
+          </a:p>
+          <a:p>
+            <a:endParaRPr lang="en-NZ" dirty="0"/>
           </a:p>
         </p:txBody>
       </p:sp>
@@ -11981,6 +12063,1497 @@
             <a:fld id="{969E759D-A893-4B96-8B48-96EE547EBC41}" type="slidenum">
               <a:rPr lang="de-DE" smtClean="0"/>
               <a:t>31</a:t>
+            </a:fld>
+            <a:endParaRPr lang="de-DE"/>
+          </a:p>
+        </p:txBody>
+      </p:sp>
+      <p:pic>
+        <p:nvPicPr>
+          <p:cNvPr id="7" name="Grafik 6" descr="Ein Bild, das Screenshot enthält.&#10;&#10;Automatisch generierte Beschreibung">
+            <a:extLst>
+              <a:ext uri="{FF2B5EF4-FFF2-40B4-BE49-F238E27FC236}">
+                <a16:creationId xmlns:a16="http://schemas.microsoft.com/office/drawing/2014/main" id="{C6D8A160-082B-4802-BCC8-63E68D79088A}"/>
+              </a:ext>
+            </a:extLst>
+          </p:cNvPr>
+          <p:cNvPicPr>
+            <a:picLocks noChangeAspect="1"/>
+          </p:cNvPicPr>
+          <p:nvPr/>
+        </p:nvPicPr>
+        <p:blipFill>
+          <a:blip r:embed="rId2">
+            <a:extLst>
+              <a:ext uri="{28A0092B-C50C-407E-A947-70E740481C1C}">
+                <a14:useLocalDpi xmlns:a14="http://schemas.microsoft.com/office/drawing/2010/main" val="0"/>
+              </a:ext>
+            </a:extLst>
+          </a:blip>
+          <a:stretch>
+            <a:fillRect/>
+          </a:stretch>
+        </p:blipFill>
+        <p:spPr>
+          <a:xfrm>
+            <a:off x="5281148" y="2947142"/>
+            <a:ext cx="6658904" cy="2934109"/>
+          </a:xfrm>
+          <a:prstGeom prst="rect">
+            <a:avLst/>
+          </a:prstGeom>
+        </p:spPr>
+      </p:pic>
+    </p:spTree>
+    <p:extLst>
+      <p:ext uri="{BB962C8B-B14F-4D97-AF65-F5344CB8AC3E}">
+        <p14:creationId xmlns:p14="http://schemas.microsoft.com/office/powerpoint/2010/main" val="1642630570"/>
+      </p:ext>
+    </p:extLst>
+  </p:cSld>
+  <p:clrMapOvr>
+    <a:masterClrMapping/>
+  </p:clrMapOvr>
+</p:sld>
+</file>
+
+<file path=ppt/slides/slide32.xml><?xml version="1.0" encoding="utf-8"?>
+<p:sld xmlns:a="http://schemas.openxmlformats.org/drawingml/2006/main" xmlns:r="http://schemas.openxmlformats.org/officeDocument/2006/relationships" xmlns:p="http://schemas.openxmlformats.org/presentationml/2006/main">
+  <p:cSld>
+    <p:spTree>
+      <p:nvGrpSpPr>
+        <p:cNvPr id="1" name=""/>
+        <p:cNvGrpSpPr/>
+        <p:nvPr/>
+      </p:nvGrpSpPr>
+      <p:grpSpPr>
+        <a:xfrm>
+          <a:off x="0" y="0"/>
+          <a:ext cx="0" cy="0"/>
+          <a:chOff x="0" y="0"/>
+          <a:chExt cx="0" cy="0"/>
+        </a:xfrm>
+      </p:grpSpPr>
+      <p:sp>
+        <p:nvSpPr>
+          <p:cNvPr id="2" name="Title 1">
+            <a:extLst>
+              <a:ext uri="{FF2B5EF4-FFF2-40B4-BE49-F238E27FC236}">
+                <a16:creationId xmlns:a16="http://schemas.microsoft.com/office/drawing/2014/main" id="{4C84315F-315F-4066-9D3A-472733691F27}"/>
+              </a:ext>
+            </a:extLst>
+          </p:cNvPr>
+          <p:cNvSpPr>
+            <a:spLocks noGrp="1"/>
+          </p:cNvSpPr>
+          <p:nvPr>
+            <p:ph type="title"/>
+          </p:nvPr>
+        </p:nvSpPr>
+        <p:spPr>
+          <a:xfrm>
+            <a:off x="838200" y="365125"/>
+            <a:ext cx="10515600" cy="1325563"/>
+          </a:xfrm>
+        </p:spPr>
+        <p:txBody>
+          <a:bodyPr>
+            <a:normAutofit/>
+          </a:bodyPr>
+          <a:lstStyle/>
+          <a:p>
+            <a:r>
+              <a:rPr lang="en-NZ" dirty="0" err="1"/>
+              <a:t>Codeimplementierungen</a:t>
+            </a:r>
+            <a:r>
+              <a:rPr lang="en-NZ" dirty="0"/>
+              <a:t>  – 	Backend</a:t>
+            </a:r>
+            <a:br>
+              <a:rPr lang="en-NZ" dirty="0"/>
+            </a:br>
+            <a:r>
+              <a:rPr lang="en-NZ" dirty="0"/>
+              <a:t>							Media</a:t>
+            </a:r>
+            <a:endParaRPr lang="de-DE" dirty="0"/>
+          </a:p>
+        </p:txBody>
+      </p:sp>
+      <p:sp>
+        <p:nvSpPr>
+          <p:cNvPr id="3" name="Content Placeholder 2">
+            <a:extLst>
+              <a:ext uri="{FF2B5EF4-FFF2-40B4-BE49-F238E27FC236}">
+                <a16:creationId xmlns:a16="http://schemas.microsoft.com/office/drawing/2014/main" id="{3CCB48FF-D0DB-4239-BF7B-3AC940333DEC}"/>
+              </a:ext>
+            </a:extLst>
+          </p:cNvPr>
+          <p:cNvSpPr>
+            <a:spLocks noGrp="1"/>
+          </p:cNvSpPr>
+          <p:nvPr>
+            <p:ph sz="half" idx="1"/>
+          </p:nvPr>
+        </p:nvSpPr>
+        <p:spPr>
+          <a:xfrm>
+            <a:off x="527804" y="2073804"/>
+            <a:ext cx="5923327" cy="1009854"/>
+          </a:xfrm>
+        </p:spPr>
+        <p:txBody>
+          <a:bodyPr>
+            <a:normAutofit fontScale="92500"/>
+          </a:bodyPr>
+          <a:lstStyle/>
+          <a:p>
+            <a:pPr marL="0" indent="0">
+              <a:buNone/>
+            </a:pPr>
+            <a:r>
+              <a:rPr lang="en-NZ" dirty="0" err="1"/>
+              <a:t>Vorher</a:t>
+            </a:r>
+            <a:r>
+              <a:rPr lang="en-NZ" dirty="0"/>
+              <a:t>	Media n : 1 </a:t>
+            </a:r>
+            <a:r>
+              <a:rPr lang="en-NZ" dirty="0" err="1"/>
+              <a:t>ObservedObject</a:t>
+            </a:r>
+            <a:endParaRPr lang="en-NZ" dirty="0"/>
+          </a:p>
+          <a:p>
+            <a:pPr marL="0" indent="0">
+              <a:buNone/>
+            </a:pPr>
+            <a:r>
+              <a:rPr lang="en-NZ" dirty="0" err="1"/>
+              <a:t>Ziel</a:t>
+            </a:r>
+            <a:r>
+              <a:rPr lang="en-NZ" dirty="0"/>
+              <a:t>		Media n : m </a:t>
+            </a:r>
+            <a:r>
+              <a:rPr lang="en-NZ" dirty="0" err="1"/>
+              <a:t>ObservedObject</a:t>
+            </a:r>
+            <a:endParaRPr lang="en-NZ" dirty="0"/>
+          </a:p>
+          <a:p>
+            <a:endParaRPr lang="en-NZ" dirty="0"/>
+          </a:p>
+        </p:txBody>
+      </p:sp>
+      <p:sp>
+        <p:nvSpPr>
+          <p:cNvPr id="4" name="Footer Placeholder 3">
+            <a:extLst>
+              <a:ext uri="{FF2B5EF4-FFF2-40B4-BE49-F238E27FC236}">
+                <a16:creationId xmlns:a16="http://schemas.microsoft.com/office/drawing/2014/main" id="{0EF7D1E5-7A19-4BA2-8CAA-9135FB90076C}"/>
+              </a:ext>
+            </a:extLst>
+          </p:cNvPr>
+          <p:cNvSpPr>
+            <a:spLocks noGrp="1"/>
+          </p:cNvSpPr>
+          <p:nvPr>
+            <p:ph type="ftr" sz="quarter" idx="11"/>
+          </p:nvPr>
+        </p:nvSpPr>
+        <p:spPr>
+          <a:xfrm>
+            <a:off x="4038600" y="6356350"/>
+            <a:ext cx="4114800" cy="365125"/>
+          </a:xfrm>
+        </p:spPr>
+        <p:txBody>
+          <a:bodyPr/>
+          <a:lstStyle/>
+          <a:p>
+            <a:r>
+              <a:rPr lang="de-DE"/>
+              <a:t>WS19/20 - PV-Modulportal - Rüffer, Vorwerk, Withöft, Zolkin</a:t>
+            </a:r>
+          </a:p>
+        </p:txBody>
+      </p:sp>
+      <p:sp>
+        <p:nvSpPr>
+          <p:cNvPr id="5" name="Slide Number Placeholder 4">
+            <a:extLst>
+              <a:ext uri="{FF2B5EF4-FFF2-40B4-BE49-F238E27FC236}">
+                <a16:creationId xmlns:a16="http://schemas.microsoft.com/office/drawing/2014/main" id="{FAC16E02-623C-4BDA-BAFA-B73797A517FD}"/>
+              </a:ext>
+            </a:extLst>
+          </p:cNvPr>
+          <p:cNvSpPr>
+            <a:spLocks noGrp="1"/>
+          </p:cNvSpPr>
+          <p:nvPr>
+            <p:ph type="sldNum" sz="quarter" idx="12"/>
+          </p:nvPr>
+        </p:nvSpPr>
+        <p:spPr>
+          <a:xfrm>
+            <a:off x="8610600" y="6356350"/>
+            <a:ext cx="2743200" cy="365125"/>
+          </a:xfrm>
+        </p:spPr>
+        <p:txBody>
+          <a:bodyPr/>
+          <a:lstStyle/>
+          <a:p>
+            <a:fld id="{969E759D-A893-4B96-8B48-96EE547EBC41}" type="slidenum">
+              <a:rPr lang="de-DE" smtClean="0"/>
+              <a:t>32</a:t>
+            </a:fld>
+            <a:endParaRPr lang="de-DE"/>
+          </a:p>
+        </p:txBody>
+      </p:sp>
+      <p:pic>
+        <p:nvPicPr>
+          <p:cNvPr id="8" name="Grafik 7">
+            <a:extLst>
+              <a:ext uri="{FF2B5EF4-FFF2-40B4-BE49-F238E27FC236}">
+                <a16:creationId xmlns:a16="http://schemas.microsoft.com/office/drawing/2014/main" id="{269F6777-DAC5-4237-8396-8FB8169A6384}"/>
+              </a:ext>
+            </a:extLst>
+          </p:cNvPr>
+          <p:cNvPicPr>
+            <a:picLocks noChangeAspect="1"/>
+          </p:cNvPicPr>
+          <p:nvPr/>
+        </p:nvPicPr>
+        <p:blipFill>
+          <a:blip r:embed="rId2">
+            <a:extLst>
+              <a:ext uri="{28A0092B-C50C-407E-A947-70E740481C1C}">
+                <a14:useLocalDpi xmlns:a14="http://schemas.microsoft.com/office/drawing/2010/main" val="0"/>
+              </a:ext>
+            </a:extLst>
+          </a:blip>
+          <a:stretch>
+            <a:fillRect/>
+          </a:stretch>
+        </p:blipFill>
+        <p:spPr>
+          <a:xfrm>
+            <a:off x="583938" y="4768978"/>
+            <a:ext cx="5811061" cy="400106"/>
+          </a:xfrm>
+          <a:prstGeom prst="rect">
+            <a:avLst/>
+          </a:prstGeom>
+        </p:spPr>
+      </p:pic>
+      <p:pic>
+        <p:nvPicPr>
+          <p:cNvPr id="10" name="Grafik 9" descr="Ein Bild, das Screenshot enthält.&#10;&#10;Automatisch generierte Beschreibung">
+            <a:extLst>
+              <a:ext uri="{FF2B5EF4-FFF2-40B4-BE49-F238E27FC236}">
+                <a16:creationId xmlns:a16="http://schemas.microsoft.com/office/drawing/2014/main" id="{14490D41-80A0-4C33-A2CF-D3BAF9AE9CF6}"/>
+              </a:ext>
+            </a:extLst>
+          </p:cNvPr>
+          <p:cNvPicPr>
+            <a:picLocks noChangeAspect="1"/>
+          </p:cNvPicPr>
+          <p:nvPr/>
+        </p:nvPicPr>
+        <p:blipFill>
+          <a:blip r:embed="rId3">
+            <a:extLst>
+              <a:ext uri="{28A0092B-C50C-407E-A947-70E740481C1C}">
+                <a14:useLocalDpi xmlns:a14="http://schemas.microsoft.com/office/drawing/2010/main" val="0"/>
+              </a:ext>
+            </a:extLst>
+          </a:blip>
+          <a:stretch>
+            <a:fillRect/>
+          </a:stretch>
+        </p:blipFill>
+        <p:spPr>
+          <a:xfrm>
+            <a:off x="7734416" y="3911608"/>
+            <a:ext cx="3296110" cy="2114845"/>
+          </a:xfrm>
+          <a:prstGeom prst="rect">
+            <a:avLst/>
+          </a:prstGeom>
+        </p:spPr>
+      </p:pic>
+      <p:sp>
+        <p:nvSpPr>
+          <p:cNvPr id="11" name="Textfeld 10">
+            <a:extLst>
+              <a:ext uri="{FF2B5EF4-FFF2-40B4-BE49-F238E27FC236}">
+                <a16:creationId xmlns:a16="http://schemas.microsoft.com/office/drawing/2014/main" id="{E93B4C1D-B2B1-4CB0-A814-2A2B5321822F}"/>
+              </a:ext>
+            </a:extLst>
+          </p:cNvPr>
+          <p:cNvSpPr txBox="1"/>
+          <p:nvPr/>
+        </p:nvSpPr>
+        <p:spPr>
+          <a:xfrm>
+            <a:off x="989811" y="4222388"/>
+            <a:ext cx="4999317" cy="369332"/>
+          </a:xfrm>
+          <a:prstGeom prst="rect">
+            <a:avLst/>
+          </a:prstGeom>
+          <a:noFill/>
+        </p:spPr>
+        <p:txBody>
+          <a:bodyPr wrap="none" rtlCol="0">
+            <a:spAutoFit/>
+          </a:bodyPr>
+          <a:lstStyle/>
+          <a:p>
+            <a:r>
+              <a:rPr lang="de-DE" dirty="0"/>
+              <a:t>Neuer Verweis in </a:t>
+            </a:r>
+            <a:r>
+              <a:rPr lang="de-DE" dirty="0" err="1"/>
+              <a:t>TblMedia</a:t>
+            </a:r>
+            <a:r>
+              <a:rPr lang="de-DE" dirty="0"/>
+              <a:t> und </a:t>
+            </a:r>
+            <a:r>
+              <a:rPr lang="de-DE" dirty="0" err="1"/>
+              <a:t>TblObservedObject</a:t>
+            </a:r>
+            <a:endParaRPr lang="de-DE" dirty="0"/>
+          </a:p>
+        </p:txBody>
+      </p:sp>
+      <p:sp>
+        <p:nvSpPr>
+          <p:cNvPr id="12" name="Textfeld 11">
+            <a:extLst>
+              <a:ext uri="{FF2B5EF4-FFF2-40B4-BE49-F238E27FC236}">
+                <a16:creationId xmlns:a16="http://schemas.microsoft.com/office/drawing/2014/main" id="{42DBCF64-5F28-4D8C-B161-9DE6DFAB4E36}"/>
+              </a:ext>
+            </a:extLst>
+          </p:cNvPr>
+          <p:cNvSpPr txBox="1"/>
+          <p:nvPr/>
+        </p:nvSpPr>
+        <p:spPr>
+          <a:xfrm>
+            <a:off x="7416801" y="3429000"/>
+            <a:ext cx="4296176" cy="369332"/>
+          </a:xfrm>
+          <a:prstGeom prst="rect">
+            <a:avLst/>
+          </a:prstGeom>
+          <a:noFill/>
+        </p:spPr>
+        <p:txBody>
+          <a:bodyPr wrap="none" rtlCol="0">
+            <a:spAutoFit/>
+          </a:bodyPr>
+          <a:lstStyle/>
+          <a:p>
+            <a:r>
+              <a:rPr lang="de-DE" dirty="0"/>
+              <a:t>n:m Verbindung herstellen in der </a:t>
+            </a:r>
+            <a:r>
+              <a:rPr lang="de-DE" dirty="0" err="1"/>
+              <a:t>Join</a:t>
+            </a:r>
+            <a:r>
+              <a:rPr lang="de-DE" dirty="0"/>
+              <a:t>-Entity</a:t>
+            </a:r>
+          </a:p>
+        </p:txBody>
+      </p:sp>
+    </p:spTree>
+    <p:extLst>
+      <p:ext uri="{BB962C8B-B14F-4D97-AF65-F5344CB8AC3E}">
+        <p14:creationId xmlns:p14="http://schemas.microsoft.com/office/powerpoint/2010/main" val="3339384398"/>
+      </p:ext>
+    </p:extLst>
+  </p:cSld>
+  <p:clrMapOvr>
+    <a:masterClrMapping/>
+  </p:clrMapOvr>
+</p:sld>
+</file>
+
+<file path=ppt/slides/slide33.xml><?xml version="1.0" encoding="utf-8"?>
+<p:sld xmlns:a="http://schemas.openxmlformats.org/drawingml/2006/main" xmlns:r="http://schemas.openxmlformats.org/officeDocument/2006/relationships" xmlns:p="http://schemas.openxmlformats.org/presentationml/2006/main">
+  <p:cSld>
+    <p:spTree>
+      <p:nvGrpSpPr>
+        <p:cNvPr id="1" name=""/>
+        <p:cNvGrpSpPr/>
+        <p:nvPr/>
+      </p:nvGrpSpPr>
+      <p:grpSpPr>
+        <a:xfrm>
+          <a:off x="0" y="0"/>
+          <a:ext cx="0" cy="0"/>
+          <a:chOff x="0" y="0"/>
+          <a:chExt cx="0" cy="0"/>
+        </a:xfrm>
+      </p:grpSpPr>
+      <p:sp>
+        <p:nvSpPr>
+          <p:cNvPr id="2" name="Titel 1">
+            <a:extLst>
+              <a:ext uri="{FF2B5EF4-FFF2-40B4-BE49-F238E27FC236}">
+                <a16:creationId xmlns:a16="http://schemas.microsoft.com/office/drawing/2014/main" id="{0C84D783-1E23-4D31-A167-7B9D190AAA9B}"/>
+              </a:ext>
+            </a:extLst>
+          </p:cNvPr>
+          <p:cNvSpPr>
+            <a:spLocks noGrp="1"/>
+          </p:cNvSpPr>
+          <p:nvPr>
+            <p:ph type="title"/>
+          </p:nvPr>
+        </p:nvSpPr>
+        <p:spPr/>
+        <p:txBody>
+          <a:bodyPr/>
+          <a:lstStyle/>
+          <a:p>
+            <a:r>
+              <a:rPr lang="en-NZ" dirty="0" err="1"/>
+              <a:t>Codeimplementierungen</a:t>
+            </a:r>
+            <a:r>
+              <a:rPr lang="en-NZ" dirty="0"/>
+              <a:t>  – 	</a:t>
+            </a:r>
+            <a:r>
+              <a:rPr lang="en-NZ" dirty="0" err="1"/>
+              <a:t>Kennlinien</a:t>
+            </a:r>
+            <a:br>
+              <a:rPr lang="en-NZ" dirty="0"/>
+            </a:br>
+            <a:r>
+              <a:rPr lang="en-NZ" dirty="0"/>
+              <a:t>							</a:t>
+            </a:r>
+            <a:r>
+              <a:rPr lang="en-NZ" dirty="0" err="1"/>
+              <a:t>Diagramm</a:t>
+            </a:r>
+            <a:endParaRPr lang="de-DE" dirty="0"/>
+          </a:p>
+        </p:txBody>
+      </p:sp>
+      <p:sp>
+        <p:nvSpPr>
+          <p:cNvPr id="3" name="Inhaltsplatzhalter 2">
+            <a:extLst>
+              <a:ext uri="{FF2B5EF4-FFF2-40B4-BE49-F238E27FC236}">
+                <a16:creationId xmlns:a16="http://schemas.microsoft.com/office/drawing/2014/main" id="{BABF5C33-7554-4297-A144-BA91DC915755}"/>
+              </a:ext>
+            </a:extLst>
+          </p:cNvPr>
+          <p:cNvSpPr>
+            <a:spLocks noGrp="1"/>
+          </p:cNvSpPr>
+          <p:nvPr>
+            <p:ph sz="half" idx="1"/>
+          </p:nvPr>
+        </p:nvSpPr>
+        <p:spPr/>
+        <p:txBody>
+          <a:bodyPr/>
+          <a:lstStyle/>
+          <a:p>
+            <a:r>
+              <a:rPr lang="de-DE" dirty="0"/>
+              <a:t>Chart Komponente </a:t>
+            </a:r>
+          </a:p>
+          <a:p>
+            <a:pPr lvl="1"/>
+            <a:r>
+              <a:rPr lang="de-DE" dirty="0"/>
+              <a:t>Neuer Plugin</a:t>
+            </a:r>
+          </a:p>
+          <a:p>
+            <a:pPr lvl="1"/>
+            <a:r>
+              <a:rPr lang="de-DE" dirty="0"/>
+              <a:t>Optionen für die Darstellung des Diagramms</a:t>
+            </a:r>
+          </a:p>
+        </p:txBody>
+      </p:sp>
+      <p:pic>
+        <p:nvPicPr>
+          <p:cNvPr id="7" name="Inhaltsplatzhalter 6">
+            <a:extLst>
+              <a:ext uri="{FF2B5EF4-FFF2-40B4-BE49-F238E27FC236}">
+                <a16:creationId xmlns:a16="http://schemas.microsoft.com/office/drawing/2014/main" id="{69C30DC1-E47A-46AD-94A8-14B576B9F1CB}"/>
+              </a:ext>
+            </a:extLst>
+          </p:cNvPr>
+          <p:cNvPicPr>
+            <a:picLocks noGrp="1" noChangeAspect="1"/>
+          </p:cNvPicPr>
+          <p:nvPr>
+            <p:ph sz="half" idx="2"/>
+          </p:nvPr>
+        </p:nvPicPr>
+        <p:blipFill>
+          <a:blip r:embed="rId3"/>
+          <a:stretch>
+            <a:fillRect/>
+          </a:stretch>
+        </p:blipFill>
+        <p:spPr>
+          <a:xfrm>
+            <a:off x="6019800" y="1690688"/>
+            <a:ext cx="5903913" cy="4357940"/>
+          </a:xfrm>
+          <a:prstGeom prst="rect">
+            <a:avLst/>
+          </a:prstGeom>
+        </p:spPr>
+      </p:pic>
+      <p:sp>
+        <p:nvSpPr>
+          <p:cNvPr id="5" name="Fußzeilenplatzhalter 4">
+            <a:extLst>
+              <a:ext uri="{FF2B5EF4-FFF2-40B4-BE49-F238E27FC236}">
+                <a16:creationId xmlns:a16="http://schemas.microsoft.com/office/drawing/2014/main" id="{5EE04440-D578-4BC9-AFE9-188AE5A15D83}"/>
+              </a:ext>
+            </a:extLst>
+          </p:cNvPr>
+          <p:cNvSpPr>
+            <a:spLocks noGrp="1"/>
+          </p:cNvSpPr>
+          <p:nvPr>
+            <p:ph type="ftr" sz="quarter" idx="11"/>
+          </p:nvPr>
+        </p:nvSpPr>
+        <p:spPr/>
+        <p:txBody>
+          <a:bodyPr/>
+          <a:lstStyle/>
+          <a:p>
+            <a:r>
+              <a:rPr lang="de-DE"/>
+              <a:t>WS19/20 - PV-Modulportal - Rüffer, Vorwerk, Withöft, Zolkin</a:t>
+            </a:r>
+          </a:p>
+        </p:txBody>
+      </p:sp>
+      <p:sp>
+        <p:nvSpPr>
+          <p:cNvPr id="6" name="Foliennummernplatzhalter 5">
+            <a:extLst>
+              <a:ext uri="{FF2B5EF4-FFF2-40B4-BE49-F238E27FC236}">
+                <a16:creationId xmlns:a16="http://schemas.microsoft.com/office/drawing/2014/main" id="{1626310D-58D0-4D30-AB26-C0F6492EE42A}"/>
+              </a:ext>
+            </a:extLst>
+          </p:cNvPr>
+          <p:cNvSpPr>
+            <a:spLocks noGrp="1"/>
+          </p:cNvSpPr>
+          <p:nvPr>
+            <p:ph type="sldNum" sz="quarter" idx="12"/>
+          </p:nvPr>
+        </p:nvSpPr>
+        <p:spPr/>
+        <p:txBody>
+          <a:bodyPr/>
+          <a:lstStyle/>
+          <a:p>
+            <a:fld id="{969E759D-A893-4B96-8B48-96EE547EBC41}" type="slidenum">
+              <a:rPr lang="de-DE" smtClean="0"/>
+              <a:t>33</a:t>
+            </a:fld>
+            <a:endParaRPr lang="de-DE"/>
+          </a:p>
+        </p:txBody>
+      </p:sp>
+    </p:spTree>
+    <p:extLst>
+      <p:ext uri="{BB962C8B-B14F-4D97-AF65-F5344CB8AC3E}">
+        <p14:creationId xmlns:p14="http://schemas.microsoft.com/office/powerpoint/2010/main" val="1491783072"/>
+      </p:ext>
+    </p:extLst>
+  </p:cSld>
+  <p:clrMapOvr>
+    <a:masterClrMapping/>
+  </p:clrMapOvr>
+</p:sld>
+</file>
+
+<file path=ppt/slides/slide34.xml><?xml version="1.0" encoding="utf-8"?>
+<p:sld xmlns:a="http://schemas.openxmlformats.org/drawingml/2006/main" xmlns:r="http://schemas.openxmlformats.org/officeDocument/2006/relationships" xmlns:p="http://schemas.openxmlformats.org/presentationml/2006/main">
+  <p:cSld>
+    <p:spTree>
+      <p:nvGrpSpPr>
+        <p:cNvPr id="1" name=""/>
+        <p:cNvGrpSpPr/>
+        <p:nvPr/>
+      </p:nvGrpSpPr>
+      <p:grpSpPr>
+        <a:xfrm>
+          <a:off x="0" y="0"/>
+          <a:ext cx="0" cy="0"/>
+          <a:chOff x="0" y="0"/>
+          <a:chExt cx="0" cy="0"/>
+        </a:xfrm>
+      </p:grpSpPr>
+      <p:sp>
+        <p:nvSpPr>
+          <p:cNvPr id="2" name="Titel 1">
+            <a:extLst>
+              <a:ext uri="{FF2B5EF4-FFF2-40B4-BE49-F238E27FC236}">
+                <a16:creationId xmlns:a16="http://schemas.microsoft.com/office/drawing/2014/main" id="{0C84D783-1E23-4D31-A167-7B9D190AAA9B}"/>
+              </a:ext>
+            </a:extLst>
+          </p:cNvPr>
+          <p:cNvSpPr>
+            <a:spLocks noGrp="1"/>
+          </p:cNvSpPr>
+          <p:nvPr>
+            <p:ph type="title"/>
+          </p:nvPr>
+        </p:nvSpPr>
+        <p:spPr/>
+        <p:txBody>
+          <a:bodyPr/>
+          <a:lstStyle/>
+          <a:p>
+            <a:r>
+              <a:rPr lang="en-NZ" dirty="0" err="1"/>
+              <a:t>Codeimplementierungen</a:t>
+            </a:r>
+            <a:r>
+              <a:rPr lang="en-NZ" dirty="0"/>
+              <a:t>  – 	</a:t>
+            </a:r>
+            <a:r>
+              <a:rPr lang="en-NZ" dirty="0" err="1"/>
+              <a:t>Kennlinien</a:t>
+            </a:r>
+            <a:br>
+              <a:rPr lang="en-NZ" dirty="0"/>
+            </a:br>
+            <a:r>
+              <a:rPr lang="en-NZ" dirty="0"/>
+              <a:t>							</a:t>
+            </a:r>
+            <a:r>
+              <a:rPr lang="en-NZ" dirty="0" err="1"/>
+              <a:t>Diagramm</a:t>
+            </a:r>
+            <a:endParaRPr lang="de-DE" dirty="0"/>
+          </a:p>
+        </p:txBody>
+      </p:sp>
+      <p:sp>
+        <p:nvSpPr>
+          <p:cNvPr id="3" name="Inhaltsplatzhalter 2">
+            <a:extLst>
+              <a:ext uri="{FF2B5EF4-FFF2-40B4-BE49-F238E27FC236}">
+                <a16:creationId xmlns:a16="http://schemas.microsoft.com/office/drawing/2014/main" id="{BABF5C33-7554-4297-A144-BA91DC915755}"/>
+              </a:ext>
+            </a:extLst>
+          </p:cNvPr>
+          <p:cNvSpPr>
+            <a:spLocks noGrp="1"/>
+          </p:cNvSpPr>
+          <p:nvPr>
+            <p:ph sz="half" idx="1"/>
+          </p:nvPr>
+        </p:nvSpPr>
+        <p:spPr>
+          <a:xfrm>
+            <a:off x="838200" y="1825625"/>
+            <a:ext cx="4241800" cy="4351338"/>
+          </a:xfrm>
+        </p:spPr>
+        <p:txBody>
+          <a:bodyPr/>
+          <a:lstStyle/>
+          <a:p>
+            <a:r>
+              <a:rPr lang="de-DE" dirty="0"/>
+              <a:t>Daten von REST Schnittstelle holen</a:t>
+            </a:r>
+          </a:p>
+          <a:p>
+            <a:r>
+              <a:rPr lang="de-DE" dirty="0"/>
+              <a:t>P ausrechnen &amp; in JS Objekt speichern</a:t>
+            </a:r>
+          </a:p>
+        </p:txBody>
+      </p:sp>
+      <p:sp>
+        <p:nvSpPr>
+          <p:cNvPr id="5" name="Fußzeilenplatzhalter 4">
+            <a:extLst>
+              <a:ext uri="{FF2B5EF4-FFF2-40B4-BE49-F238E27FC236}">
+                <a16:creationId xmlns:a16="http://schemas.microsoft.com/office/drawing/2014/main" id="{5EE04440-D578-4BC9-AFE9-188AE5A15D83}"/>
+              </a:ext>
+            </a:extLst>
+          </p:cNvPr>
+          <p:cNvSpPr>
+            <a:spLocks noGrp="1"/>
+          </p:cNvSpPr>
+          <p:nvPr>
+            <p:ph type="ftr" sz="quarter" idx="11"/>
+          </p:nvPr>
+        </p:nvSpPr>
+        <p:spPr/>
+        <p:txBody>
+          <a:bodyPr/>
+          <a:lstStyle/>
+          <a:p>
+            <a:r>
+              <a:rPr lang="de-DE"/>
+              <a:t>WS19/20 - PV-Modulportal - Rüffer, Vorwerk, Withöft, Zolkin</a:t>
+            </a:r>
+          </a:p>
+        </p:txBody>
+      </p:sp>
+      <p:sp>
+        <p:nvSpPr>
+          <p:cNvPr id="6" name="Foliennummernplatzhalter 5">
+            <a:extLst>
+              <a:ext uri="{FF2B5EF4-FFF2-40B4-BE49-F238E27FC236}">
+                <a16:creationId xmlns:a16="http://schemas.microsoft.com/office/drawing/2014/main" id="{1626310D-58D0-4D30-AB26-C0F6492EE42A}"/>
+              </a:ext>
+            </a:extLst>
+          </p:cNvPr>
+          <p:cNvSpPr>
+            <a:spLocks noGrp="1"/>
+          </p:cNvSpPr>
+          <p:nvPr>
+            <p:ph type="sldNum" sz="quarter" idx="12"/>
+          </p:nvPr>
+        </p:nvSpPr>
+        <p:spPr/>
+        <p:txBody>
+          <a:bodyPr/>
+          <a:lstStyle/>
+          <a:p>
+            <a:fld id="{969E759D-A893-4B96-8B48-96EE547EBC41}" type="slidenum">
+              <a:rPr lang="de-DE" smtClean="0"/>
+              <a:t>34</a:t>
+            </a:fld>
+            <a:endParaRPr lang="de-DE"/>
+          </a:p>
+        </p:txBody>
+      </p:sp>
+      <p:pic>
+        <p:nvPicPr>
+          <p:cNvPr id="9" name="Inhaltsplatzhalter 8">
+            <a:extLst>
+              <a:ext uri="{FF2B5EF4-FFF2-40B4-BE49-F238E27FC236}">
+                <a16:creationId xmlns:a16="http://schemas.microsoft.com/office/drawing/2014/main" id="{F18B9E0B-E80D-4E38-B625-0C5A50228016}"/>
+              </a:ext>
+            </a:extLst>
+          </p:cNvPr>
+          <p:cNvPicPr>
+            <a:picLocks noGrp="1" noChangeAspect="1"/>
+          </p:cNvPicPr>
+          <p:nvPr>
+            <p:ph sz="half" idx="2"/>
+          </p:nvPr>
+        </p:nvPicPr>
+        <p:blipFill>
+          <a:blip r:embed="rId3"/>
+          <a:stretch>
+            <a:fillRect/>
+          </a:stretch>
+        </p:blipFill>
+        <p:spPr>
+          <a:xfrm>
+            <a:off x="4521202" y="1716074"/>
+            <a:ext cx="7018418" cy="4640276"/>
+          </a:xfrm>
+          <a:prstGeom prst="rect">
+            <a:avLst/>
+          </a:prstGeom>
+        </p:spPr>
+      </p:pic>
+    </p:spTree>
+    <p:extLst>
+      <p:ext uri="{BB962C8B-B14F-4D97-AF65-F5344CB8AC3E}">
+        <p14:creationId xmlns:p14="http://schemas.microsoft.com/office/powerpoint/2010/main" val="3636852884"/>
+      </p:ext>
+    </p:extLst>
+  </p:cSld>
+  <p:clrMapOvr>
+    <a:masterClrMapping/>
+  </p:clrMapOvr>
+</p:sld>
+</file>
+
+<file path=ppt/slides/slide35.xml><?xml version="1.0" encoding="utf-8"?>
+<p:sld xmlns:a="http://schemas.openxmlformats.org/drawingml/2006/main" xmlns:r="http://schemas.openxmlformats.org/officeDocument/2006/relationships" xmlns:p="http://schemas.openxmlformats.org/presentationml/2006/main">
+  <p:cSld>
+    <p:spTree>
+      <p:nvGrpSpPr>
+        <p:cNvPr id="1" name=""/>
+        <p:cNvGrpSpPr/>
+        <p:nvPr/>
+      </p:nvGrpSpPr>
+      <p:grpSpPr>
+        <a:xfrm>
+          <a:off x="0" y="0"/>
+          <a:ext cx="0" cy="0"/>
+          <a:chOff x="0" y="0"/>
+          <a:chExt cx="0" cy="0"/>
+        </a:xfrm>
+      </p:grpSpPr>
+      <p:sp>
+        <p:nvSpPr>
+          <p:cNvPr id="2" name="Titel 1">
+            <a:extLst>
+              <a:ext uri="{FF2B5EF4-FFF2-40B4-BE49-F238E27FC236}">
+                <a16:creationId xmlns:a16="http://schemas.microsoft.com/office/drawing/2014/main" id="{66F1BA0D-C2FA-47D2-9FB8-AD44C4EED4AD}"/>
+              </a:ext>
+            </a:extLst>
+          </p:cNvPr>
+          <p:cNvSpPr>
+            <a:spLocks noGrp="1"/>
+          </p:cNvSpPr>
+          <p:nvPr>
+            <p:ph type="title"/>
+          </p:nvPr>
+        </p:nvSpPr>
+        <p:spPr/>
+        <p:txBody>
+          <a:bodyPr/>
+          <a:lstStyle/>
+          <a:p>
+            <a:r>
+              <a:rPr lang="en-NZ" dirty="0" err="1"/>
+              <a:t>Codeimplementierungen</a:t>
+            </a:r>
+            <a:r>
+              <a:rPr lang="en-NZ" dirty="0"/>
+              <a:t>  – 	Modul</a:t>
+            </a:r>
+            <a:br>
+              <a:rPr lang="en-NZ" dirty="0"/>
+            </a:br>
+            <a:r>
+              <a:rPr lang="en-NZ" dirty="0"/>
+              <a:t>							</a:t>
+            </a:r>
+            <a:r>
+              <a:rPr lang="en-NZ" dirty="0" err="1"/>
+              <a:t>Übersicht</a:t>
+            </a:r>
+            <a:endParaRPr lang="de-DE" dirty="0"/>
+          </a:p>
+        </p:txBody>
+      </p:sp>
+      <p:sp>
+        <p:nvSpPr>
+          <p:cNvPr id="3" name="Inhaltsplatzhalter 2">
+            <a:extLst>
+              <a:ext uri="{FF2B5EF4-FFF2-40B4-BE49-F238E27FC236}">
+                <a16:creationId xmlns:a16="http://schemas.microsoft.com/office/drawing/2014/main" id="{6EEE1972-3631-4FBA-B46A-2AA4D12679A6}"/>
+              </a:ext>
+            </a:extLst>
+          </p:cNvPr>
+          <p:cNvSpPr>
+            <a:spLocks noGrp="1"/>
+          </p:cNvSpPr>
+          <p:nvPr>
+            <p:ph sz="half" idx="1"/>
+          </p:nvPr>
+        </p:nvSpPr>
+        <p:spPr>
+          <a:xfrm>
+            <a:off x="838200" y="1690688"/>
+            <a:ext cx="5181600" cy="4351338"/>
+          </a:xfrm>
+        </p:spPr>
+        <p:txBody>
+          <a:bodyPr/>
+          <a:lstStyle/>
+          <a:p>
+            <a:r>
+              <a:rPr lang="de-DE" dirty="0"/>
+              <a:t>SWAC </a:t>
+            </a:r>
+            <a:r>
+              <a:rPr lang="de-DE" dirty="0" err="1"/>
+              <a:t>Present</a:t>
+            </a:r>
+            <a:r>
+              <a:rPr lang="de-DE" dirty="0"/>
+              <a:t> Komponente</a:t>
+            </a:r>
+          </a:p>
+        </p:txBody>
+      </p:sp>
+      <p:sp>
+        <p:nvSpPr>
+          <p:cNvPr id="5" name="Fußzeilenplatzhalter 4">
+            <a:extLst>
+              <a:ext uri="{FF2B5EF4-FFF2-40B4-BE49-F238E27FC236}">
+                <a16:creationId xmlns:a16="http://schemas.microsoft.com/office/drawing/2014/main" id="{819DB87F-8E51-49C7-A29F-F2C16E1E90C3}"/>
+              </a:ext>
+            </a:extLst>
+          </p:cNvPr>
+          <p:cNvSpPr>
+            <a:spLocks noGrp="1"/>
+          </p:cNvSpPr>
+          <p:nvPr>
+            <p:ph type="ftr" sz="quarter" idx="11"/>
+          </p:nvPr>
+        </p:nvSpPr>
+        <p:spPr/>
+        <p:txBody>
+          <a:bodyPr/>
+          <a:lstStyle/>
+          <a:p>
+            <a:r>
+              <a:rPr lang="de-DE"/>
+              <a:t>WS19/20 - PV-Modulportal - Rüffer, Vorwerk, Withöft, Zolkin</a:t>
+            </a:r>
+          </a:p>
+        </p:txBody>
+      </p:sp>
+      <p:sp>
+        <p:nvSpPr>
+          <p:cNvPr id="6" name="Foliennummernplatzhalter 5">
+            <a:extLst>
+              <a:ext uri="{FF2B5EF4-FFF2-40B4-BE49-F238E27FC236}">
+                <a16:creationId xmlns:a16="http://schemas.microsoft.com/office/drawing/2014/main" id="{2B7E863B-C09E-4732-B624-D572A5287E56}"/>
+              </a:ext>
+            </a:extLst>
+          </p:cNvPr>
+          <p:cNvSpPr>
+            <a:spLocks noGrp="1"/>
+          </p:cNvSpPr>
+          <p:nvPr>
+            <p:ph type="sldNum" sz="quarter" idx="12"/>
+          </p:nvPr>
+        </p:nvSpPr>
+        <p:spPr/>
+        <p:txBody>
+          <a:bodyPr/>
+          <a:lstStyle/>
+          <a:p>
+            <a:fld id="{969E759D-A893-4B96-8B48-96EE547EBC41}" type="slidenum">
+              <a:rPr lang="de-DE" smtClean="0"/>
+              <a:t>35</a:t>
+            </a:fld>
+            <a:endParaRPr lang="de-DE"/>
+          </a:p>
+        </p:txBody>
+      </p:sp>
+      <p:pic>
+        <p:nvPicPr>
+          <p:cNvPr id="16" name="Inhaltsplatzhalter 15">
+            <a:extLst>
+              <a:ext uri="{FF2B5EF4-FFF2-40B4-BE49-F238E27FC236}">
+                <a16:creationId xmlns:a16="http://schemas.microsoft.com/office/drawing/2014/main" id="{9485EB70-197A-45EF-9B71-B1730B205A96}"/>
+              </a:ext>
+            </a:extLst>
+          </p:cNvPr>
+          <p:cNvPicPr>
+            <a:picLocks noGrp="1" noChangeAspect="1"/>
+          </p:cNvPicPr>
+          <p:nvPr>
+            <p:ph sz="half" idx="2"/>
+          </p:nvPr>
+        </p:nvPicPr>
+        <p:blipFill>
+          <a:blip r:embed="rId2"/>
+          <a:stretch>
+            <a:fillRect/>
+          </a:stretch>
+        </p:blipFill>
+        <p:spPr>
+          <a:xfrm>
+            <a:off x="503222" y="2243138"/>
+            <a:ext cx="11337960" cy="3956050"/>
+          </a:xfrm>
+          <a:prstGeom prst="rect">
+            <a:avLst/>
+          </a:prstGeom>
+        </p:spPr>
+      </p:pic>
+    </p:spTree>
+    <p:extLst>
+      <p:ext uri="{BB962C8B-B14F-4D97-AF65-F5344CB8AC3E}">
+        <p14:creationId xmlns:p14="http://schemas.microsoft.com/office/powerpoint/2010/main" val="1973854940"/>
+      </p:ext>
+    </p:extLst>
+  </p:cSld>
+  <p:clrMapOvr>
+    <a:masterClrMapping/>
+  </p:clrMapOvr>
+</p:sld>
+</file>
+
+<file path=ppt/slides/slide36.xml><?xml version="1.0" encoding="utf-8"?>
+<p:sld xmlns:a="http://schemas.openxmlformats.org/drawingml/2006/main" xmlns:r="http://schemas.openxmlformats.org/officeDocument/2006/relationships" xmlns:p="http://schemas.openxmlformats.org/presentationml/2006/main">
+  <p:cSld>
+    <p:spTree>
+      <p:nvGrpSpPr>
+        <p:cNvPr id="1" name=""/>
+        <p:cNvGrpSpPr/>
+        <p:nvPr/>
+      </p:nvGrpSpPr>
+      <p:grpSpPr>
+        <a:xfrm>
+          <a:off x="0" y="0"/>
+          <a:ext cx="0" cy="0"/>
+          <a:chOff x="0" y="0"/>
+          <a:chExt cx="0" cy="0"/>
+        </a:xfrm>
+      </p:grpSpPr>
+      <p:sp>
+        <p:nvSpPr>
+          <p:cNvPr id="2" name="Title 1">
+            <a:extLst>
+              <a:ext uri="{FF2B5EF4-FFF2-40B4-BE49-F238E27FC236}">
+                <a16:creationId xmlns:a16="http://schemas.microsoft.com/office/drawing/2014/main" id="{4C84315F-315F-4066-9D3A-472733691F27}"/>
+              </a:ext>
+            </a:extLst>
+          </p:cNvPr>
+          <p:cNvSpPr>
+            <a:spLocks noGrp="1"/>
+          </p:cNvSpPr>
+          <p:nvPr>
+            <p:ph type="title"/>
+          </p:nvPr>
+        </p:nvSpPr>
+        <p:spPr>
+          <a:xfrm>
+            <a:off x="838200" y="365125"/>
+            <a:ext cx="10515600" cy="1325563"/>
+          </a:xfrm>
+        </p:spPr>
+        <p:txBody>
+          <a:bodyPr>
+            <a:normAutofit/>
+          </a:bodyPr>
+          <a:lstStyle/>
+          <a:p>
+            <a:r>
+              <a:rPr lang="en-NZ" dirty="0" err="1"/>
+              <a:t>Codeimplementierungen</a:t>
+            </a:r>
+            <a:r>
+              <a:rPr lang="en-NZ" dirty="0"/>
+              <a:t>  – 	Backend</a:t>
+            </a:r>
+            <a:br>
+              <a:rPr lang="en-NZ" dirty="0"/>
+            </a:br>
+            <a:r>
+              <a:rPr lang="en-NZ" dirty="0"/>
+              <a:t>							View Requests</a:t>
+            </a:r>
+            <a:endParaRPr lang="de-DE" dirty="0"/>
+          </a:p>
+        </p:txBody>
+      </p:sp>
+      <p:sp>
+        <p:nvSpPr>
+          <p:cNvPr id="4" name="Footer Placeholder 3">
+            <a:extLst>
+              <a:ext uri="{FF2B5EF4-FFF2-40B4-BE49-F238E27FC236}">
+                <a16:creationId xmlns:a16="http://schemas.microsoft.com/office/drawing/2014/main" id="{0EF7D1E5-7A19-4BA2-8CAA-9135FB90076C}"/>
+              </a:ext>
+            </a:extLst>
+          </p:cNvPr>
+          <p:cNvSpPr>
+            <a:spLocks noGrp="1"/>
+          </p:cNvSpPr>
+          <p:nvPr>
+            <p:ph type="ftr" sz="quarter" idx="11"/>
+          </p:nvPr>
+        </p:nvSpPr>
+        <p:spPr>
+          <a:xfrm>
+            <a:off x="4038600" y="6356350"/>
+            <a:ext cx="4114800" cy="365125"/>
+          </a:xfrm>
+        </p:spPr>
+        <p:txBody>
+          <a:bodyPr/>
+          <a:lstStyle/>
+          <a:p>
+            <a:r>
+              <a:rPr lang="de-DE"/>
+              <a:t>WS19/20 - PV-Modulportal - Rüffer, Vorwerk, Withöft, Zolkin</a:t>
+            </a:r>
+          </a:p>
+        </p:txBody>
+      </p:sp>
+      <p:sp>
+        <p:nvSpPr>
+          <p:cNvPr id="5" name="Slide Number Placeholder 4">
+            <a:extLst>
+              <a:ext uri="{FF2B5EF4-FFF2-40B4-BE49-F238E27FC236}">
+                <a16:creationId xmlns:a16="http://schemas.microsoft.com/office/drawing/2014/main" id="{FAC16E02-623C-4BDA-BAFA-B73797A517FD}"/>
+              </a:ext>
+            </a:extLst>
+          </p:cNvPr>
+          <p:cNvSpPr>
+            <a:spLocks noGrp="1"/>
+          </p:cNvSpPr>
+          <p:nvPr>
+            <p:ph type="sldNum" sz="quarter" idx="12"/>
+          </p:nvPr>
+        </p:nvSpPr>
+        <p:spPr>
+          <a:xfrm>
+            <a:off x="8610600" y="6356350"/>
+            <a:ext cx="2743200" cy="365125"/>
+          </a:xfrm>
+        </p:spPr>
+        <p:txBody>
+          <a:bodyPr/>
+          <a:lstStyle/>
+          <a:p>
+            <a:fld id="{969E759D-A893-4B96-8B48-96EE547EBC41}" type="slidenum">
+              <a:rPr lang="de-DE" smtClean="0"/>
+              <a:t>36</a:t>
+            </a:fld>
+            <a:endParaRPr lang="de-DE"/>
+          </a:p>
+        </p:txBody>
+      </p:sp>
+      <p:pic>
+        <p:nvPicPr>
+          <p:cNvPr id="13" name="Grafik 12" descr="Ein Bild, das Screenshot enthält.&#10;&#10;Automatisch generierte Beschreibung">
+            <a:extLst>
+              <a:ext uri="{FF2B5EF4-FFF2-40B4-BE49-F238E27FC236}">
+                <a16:creationId xmlns:a16="http://schemas.microsoft.com/office/drawing/2014/main" id="{F8DEC07D-47B3-4C2C-8979-5804656B76FB}"/>
+              </a:ext>
+            </a:extLst>
+          </p:cNvPr>
+          <p:cNvPicPr>
+            <a:picLocks noChangeAspect="1"/>
+          </p:cNvPicPr>
+          <p:nvPr/>
+        </p:nvPicPr>
+        <p:blipFill>
+          <a:blip r:embed="rId2">
+            <a:extLst>
+              <a:ext uri="{28A0092B-C50C-407E-A947-70E740481C1C}">
+                <a14:useLocalDpi xmlns:a14="http://schemas.microsoft.com/office/drawing/2010/main" val="0"/>
+              </a:ext>
+            </a:extLst>
+          </a:blip>
+          <a:stretch>
+            <a:fillRect/>
+          </a:stretch>
+        </p:blipFill>
+        <p:spPr>
+          <a:xfrm>
+            <a:off x="4769030" y="2903019"/>
+            <a:ext cx="6768740" cy="3017490"/>
+          </a:xfrm>
+          <a:prstGeom prst="rect">
+            <a:avLst/>
+          </a:prstGeom>
+        </p:spPr>
+      </p:pic>
+      <p:sp>
+        <p:nvSpPr>
+          <p:cNvPr id="14" name="Textfeld 13">
+            <a:extLst>
+              <a:ext uri="{FF2B5EF4-FFF2-40B4-BE49-F238E27FC236}">
+                <a16:creationId xmlns:a16="http://schemas.microsoft.com/office/drawing/2014/main" id="{E30BC66D-03A0-4C1B-9A50-E7476EEBEA24}"/>
+              </a:ext>
+            </a:extLst>
+          </p:cNvPr>
+          <p:cNvSpPr txBox="1"/>
+          <p:nvPr/>
+        </p:nvSpPr>
+        <p:spPr>
+          <a:xfrm>
+            <a:off x="931321" y="1934832"/>
+            <a:ext cx="4706930" cy="1477328"/>
+          </a:xfrm>
+          <a:prstGeom prst="rect">
+            <a:avLst/>
+          </a:prstGeom>
+          <a:noFill/>
+        </p:spPr>
+        <p:txBody>
+          <a:bodyPr wrap="none" rtlCol="0">
+            <a:spAutoFit/>
+          </a:bodyPr>
+          <a:lstStyle/>
+          <a:p>
+            <a:r>
+              <a:rPr lang="en-US" dirty="0"/>
+              <a:t>SELECT </a:t>
+            </a:r>
+            <a:r>
+              <a:rPr lang="en-US" dirty="0" err="1"/>
+              <a:t>t.dataset</a:t>
+            </a:r>
+            <a:r>
+              <a:rPr lang="en-US" dirty="0"/>
+              <a:t>, COUNT(id) AS </a:t>
+            </a:r>
+            <a:r>
+              <a:rPr lang="en-US" dirty="0" err="1"/>
+              <a:t>view_count</a:t>
+            </a:r>
+            <a:endParaRPr lang="en-US" dirty="0"/>
+          </a:p>
+          <a:p>
+            <a:r>
+              <a:rPr lang="en-US" dirty="0"/>
+              <a:t>FROM </a:t>
+            </a:r>
+            <a:r>
+              <a:rPr lang="en-US" dirty="0" err="1"/>
+              <a:t>TblObservedObjectDataSetViewRequest</a:t>
+            </a:r>
+            <a:r>
+              <a:rPr lang="en-US" dirty="0"/>
+              <a:t> t</a:t>
+            </a:r>
+          </a:p>
+          <a:p>
+            <a:r>
+              <a:rPr lang="en-US" dirty="0"/>
+              <a:t>WHERE t.id = :id</a:t>
+            </a:r>
+          </a:p>
+          <a:p>
+            <a:r>
+              <a:rPr lang="en-US" dirty="0"/>
+              <a:t>GROUP BY </a:t>
+            </a:r>
+            <a:r>
+              <a:rPr lang="en-US" dirty="0" err="1"/>
+              <a:t>t.dataset</a:t>
+            </a:r>
+            <a:endParaRPr lang="en-US" dirty="0"/>
+          </a:p>
+          <a:p>
+            <a:r>
+              <a:rPr lang="en-US" dirty="0"/>
+              <a:t>ORDER BY </a:t>
+            </a:r>
+            <a:r>
+              <a:rPr lang="en-US" dirty="0" err="1"/>
+              <a:t>view_count</a:t>
+            </a:r>
+            <a:r>
+              <a:rPr lang="en-US" dirty="0"/>
+              <a:t> DESC</a:t>
+            </a:r>
+            <a:endParaRPr lang="de-DE" dirty="0"/>
+          </a:p>
+        </p:txBody>
+      </p:sp>
+      <p:sp>
+        <p:nvSpPr>
+          <p:cNvPr id="15" name="Textfeld 14">
+            <a:extLst>
+              <a:ext uri="{FF2B5EF4-FFF2-40B4-BE49-F238E27FC236}">
+                <a16:creationId xmlns:a16="http://schemas.microsoft.com/office/drawing/2014/main" id="{B0CCF971-9740-4C60-B819-C327D7CC14B9}"/>
+              </a:ext>
+            </a:extLst>
+          </p:cNvPr>
+          <p:cNvSpPr txBox="1"/>
+          <p:nvPr/>
+        </p:nvSpPr>
+        <p:spPr>
+          <a:xfrm>
+            <a:off x="1477818" y="1565500"/>
+            <a:ext cx="3431709" cy="369332"/>
+          </a:xfrm>
+          <a:prstGeom prst="rect">
+            <a:avLst/>
+          </a:prstGeom>
+          <a:noFill/>
+        </p:spPr>
+        <p:txBody>
+          <a:bodyPr wrap="none" rtlCol="0">
+            <a:spAutoFit/>
+          </a:bodyPr>
+          <a:lstStyle/>
+          <a:p>
+            <a:r>
+              <a:rPr lang="de-DE" u="sng" dirty="0"/>
+              <a:t>Query zu „</a:t>
+            </a:r>
+            <a:r>
+              <a:rPr lang="de-DE" u="sng" dirty="0" err="1"/>
+              <a:t>getMostViewedByOoId</a:t>
+            </a:r>
+            <a:r>
+              <a:rPr lang="de-DE" u="sng" dirty="0"/>
+              <a:t>“</a:t>
+            </a:r>
+          </a:p>
+        </p:txBody>
+      </p:sp>
+    </p:spTree>
+    <p:extLst>
+      <p:ext uri="{BB962C8B-B14F-4D97-AF65-F5344CB8AC3E}">
+        <p14:creationId xmlns:p14="http://schemas.microsoft.com/office/powerpoint/2010/main" val="459681618"/>
+      </p:ext>
+    </p:extLst>
+  </p:cSld>
+  <p:clrMapOvr>
+    <a:masterClrMapping/>
+  </p:clrMapOvr>
+</p:sld>
+</file>
+
+<file path=ppt/slides/slide37.xml><?xml version="1.0" encoding="utf-8"?>
+<p:sld xmlns:a="http://schemas.openxmlformats.org/drawingml/2006/main" xmlns:r="http://schemas.openxmlformats.org/officeDocument/2006/relationships" xmlns:p="http://schemas.openxmlformats.org/presentationml/2006/main">
+  <p:cSld>
+    <p:spTree>
+      <p:nvGrpSpPr>
+        <p:cNvPr id="1" name=""/>
+        <p:cNvGrpSpPr/>
+        <p:nvPr/>
+      </p:nvGrpSpPr>
+      <p:grpSpPr>
+        <a:xfrm>
+          <a:off x="0" y="0"/>
+          <a:ext cx="0" cy="0"/>
+          <a:chOff x="0" y="0"/>
+          <a:chExt cx="0" cy="0"/>
+        </a:xfrm>
+      </p:grpSpPr>
+      <p:sp>
+        <p:nvSpPr>
+          <p:cNvPr id="2" name="Title 1">
+            <a:extLst>
+              <a:ext uri="{FF2B5EF4-FFF2-40B4-BE49-F238E27FC236}">
+                <a16:creationId xmlns:a16="http://schemas.microsoft.com/office/drawing/2014/main" id="{4C84315F-315F-4066-9D3A-472733691F27}"/>
+              </a:ext>
+            </a:extLst>
+          </p:cNvPr>
+          <p:cNvSpPr>
+            <a:spLocks noGrp="1"/>
+          </p:cNvSpPr>
+          <p:nvPr>
+            <p:ph type="title"/>
+          </p:nvPr>
+        </p:nvSpPr>
+        <p:spPr>
+          <a:xfrm>
+            <a:off x="838200" y="365125"/>
+            <a:ext cx="10515600" cy="1325563"/>
+          </a:xfrm>
+        </p:spPr>
+        <p:txBody>
+          <a:bodyPr>
+            <a:normAutofit/>
+          </a:bodyPr>
+          <a:lstStyle/>
+          <a:p>
+            <a:r>
+              <a:rPr lang="en-NZ" dirty="0" err="1"/>
+              <a:t>Codeimplementierungen</a:t>
+            </a:r>
+            <a:r>
+              <a:rPr lang="en-NZ" dirty="0"/>
+              <a:t>  – 	Backend</a:t>
+            </a:r>
+            <a:br>
+              <a:rPr lang="en-NZ" dirty="0"/>
+            </a:br>
+            <a:r>
+              <a:rPr lang="en-NZ" dirty="0"/>
+              <a:t>							View Requests II</a:t>
+            </a:r>
+            <a:endParaRPr lang="de-DE" dirty="0"/>
+          </a:p>
+        </p:txBody>
+      </p:sp>
+      <p:sp>
+        <p:nvSpPr>
+          <p:cNvPr id="4" name="Footer Placeholder 3">
+            <a:extLst>
+              <a:ext uri="{FF2B5EF4-FFF2-40B4-BE49-F238E27FC236}">
+                <a16:creationId xmlns:a16="http://schemas.microsoft.com/office/drawing/2014/main" id="{0EF7D1E5-7A19-4BA2-8CAA-9135FB90076C}"/>
+              </a:ext>
+            </a:extLst>
+          </p:cNvPr>
+          <p:cNvSpPr>
+            <a:spLocks noGrp="1"/>
+          </p:cNvSpPr>
+          <p:nvPr>
+            <p:ph type="ftr" sz="quarter" idx="11"/>
+          </p:nvPr>
+        </p:nvSpPr>
+        <p:spPr>
+          <a:xfrm>
+            <a:off x="4038600" y="6356350"/>
+            <a:ext cx="4114800" cy="365125"/>
+          </a:xfrm>
+        </p:spPr>
+        <p:txBody>
+          <a:bodyPr/>
+          <a:lstStyle/>
+          <a:p>
+            <a:r>
+              <a:rPr lang="de-DE"/>
+              <a:t>WS19/20 - PV-Modulportal - Rüffer, Vorwerk, Withöft, Zolkin</a:t>
+            </a:r>
+          </a:p>
+        </p:txBody>
+      </p:sp>
+      <p:sp>
+        <p:nvSpPr>
+          <p:cNvPr id="5" name="Slide Number Placeholder 4">
+            <a:extLst>
+              <a:ext uri="{FF2B5EF4-FFF2-40B4-BE49-F238E27FC236}">
+                <a16:creationId xmlns:a16="http://schemas.microsoft.com/office/drawing/2014/main" id="{FAC16E02-623C-4BDA-BAFA-B73797A517FD}"/>
+              </a:ext>
+            </a:extLst>
+          </p:cNvPr>
+          <p:cNvSpPr>
+            <a:spLocks noGrp="1"/>
+          </p:cNvSpPr>
+          <p:nvPr>
+            <p:ph type="sldNum" sz="quarter" idx="12"/>
+          </p:nvPr>
+        </p:nvSpPr>
+        <p:spPr>
+          <a:xfrm>
+            <a:off x="8610600" y="6356350"/>
+            <a:ext cx="2743200" cy="365125"/>
+          </a:xfrm>
+        </p:spPr>
+        <p:txBody>
+          <a:bodyPr/>
+          <a:lstStyle/>
+          <a:p>
+            <a:fld id="{969E759D-A893-4B96-8B48-96EE547EBC41}" type="slidenum">
+              <a:rPr lang="de-DE" smtClean="0"/>
+              <a:t>37</a:t>
             </a:fld>
             <a:endParaRPr lang="de-DE"/>
           </a:p>
@@ -12159,7 +13732,7 @@
 </p:sld>
 </file>
 
-<file path=ppt/slides/slide32.xml><?xml version="1.0" encoding="utf-8"?>
+<file path=ppt/slides/slide38.xml><?xml version="1.0" encoding="utf-8"?>
 <p:sld xmlns:a="http://schemas.openxmlformats.org/drawingml/2006/main" xmlns:r="http://schemas.openxmlformats.org/officeDocument/2006/relationships" xmlns:p="http://schemas.openxmlformats.org/presentationml/2006/main">
   <p:cSld>
     <p:bg>
@@ -12689,7 +14262,7 @@
                   <a:spcPts val="600"/>
                 </a:spcAft>
               </a:pPr>
-              <a:t>32</a:t>
+              <a:t>38</a:t>
             </a:fld>
             <a:endParaRPr lang="en-US" sz="1500">
               <a:solidFill>
@@ -12712,7 +14285,7 @@
 </p:sld>
 </file>
 
-<file path=ppt/slides/slide33.xml><?xml version="1.0" encoding="utf-8"?>
+<file path=ppt/slides/slide39.xml><?xml version="1.0" encoding="utf-8"?>
 <p:sld xmlns:a="http://schemas.openxmlformats.org/drawingml/2006/main" xmlns:r="http://schemas.openxmlformats.org/officeDocument/2006/relationships" xmlns:p="http://schemas.openxmlformats.org/presentationml/2006/main">
   <p:cSld>
     <p:spTree>
@@ -12830,7 +14403,7 @@
           <a:p>
             <a:fld id="{969E759D-A893-4B96-8B48-96EE547EBC41}" type="slidenum">
               <a:rPr lang="de-DE" smtClean="0"/>
-              <a:t>33</a:t>
+              <a:t>39</a:t>
             </a:fld>
             <a:endParaRPr lang="de-DE"/>
           </a:p>
@@ -12840,147 +14413,6 @@
     <p:extLst>
       <p:ext uri="{BB962C8B-B14F-4D97-AF65-F5344CB8AC3E}">
         <p14:creationId xmlns:p14="http://schemas.microsoft.com/office/powerpoint/2010/main" val="3786423145"/>
-      </p:ext>
-    </p:extLst>
-  </p:cSld>
-  <p:clrMapOvr>
-    <a:masterClrMapping/>
-  </p:clrMapOvr>
-</p:sld>
-</file>
-
-<file path=ppt/slides/slide34.xml><?xml version="1.0" encoding="utf-8"?>
-<p:sld xmlns:a="http://schemas.openxmlformats.org/drawingml/2006/main" xmlns:r="http://schemas.openxmlformats.org/officeDocument/2006/relationships" xmlns:p="http://schemas.openxmlformats.org/presentationml/2006/main">
-  <p:cSld>
-    <p:spTree>
-      <p:nvGrpSpPr>
-        <p:cNvPr id="1" name=""/>
-        <p:cNvGrpSpPr/>
-        <p:nvPr/>
-      </p:nvGrpSpPr>
-      <p:grpSpPr>
-        <a:xfrm>
-          <a:off x="0" y="0"/>
-          <a:ext cx="0" cy="0"/>
-          <a:chOff x="0" y="0"/>
-          <a:chExt cx="0" cy="0"/>
-        </a:xfrm>
-      </p:grpSpPr>
-      <p:sp>
-        <p:nvSpPr>
-          <p:cNvPr id="2" name="Titel 1"/>
-          <p:cNvSpPr>
-            <a:spLocks noGrp="1"/>
-          </p:cNvSpPr>
-          <p:nvPr>
-            <p:ph type="title"/>
-          </p:nvPr>
-        </p:nvSpPr>
-        <p:spPr/>
-        <p:txBody>
-          <a:bodyPr/>
-          <a:lstStyle/>
-          <a:p>
-            <a:r>
-              <a:rPr lang="de-DE" dirty="0"/>
-              <a:t>Fazit</a:t>
-            </a:r>
-          </a:p>
-        </p:txBody>
-      </p:sp>
-      <p:sp>
-        <p:nvSpPr>
-          <p:cNvPr id="3" name="Inhaltsplatzhalter 2"/>
-          <p:cNvSpPr>
-            <a:spLocks noGrp="1"/>
-          </p:cNvSpPr>
-          <p:nvPr>
-            <p:ph idx="1"/>
-          </p:nvPr>
-        </p:nvSpPr>
-        <p:spPr/>
-        <p:txBody>
-          <a:bodyPr/>
-          <a:lstStyle/>
-          <a:p>
-            <a:r>
-              <a:rPr lang="de-DE" dirty="0"/>
-              <a:t>Erstellung des Grob- und Feinkonzepts zu Beginn war sehr hilfreich</a:t>
-            </a:r>
-          </a:p>
-          <a:p>
-            <a:r>
-              <a:rPr lang="de-DE" dirty="0"/>
-              <a:t>Kommunikation im Team und Gruppendynamik war gut</a:t>
-            </a:r>
-          </a:p>
-          <a:p>
-            <a:r>
-              <a:rPr lang="de-DE" dirty="0"/>
-              <a:t>Planung war zum Teil schwierig</a:t>
-            </a:r>
-          </a:p>
-          <a:p>
-            <a:r>
-              <a:rPr lang="de-DE"/>
-              <a:t>Missverständnisse bei den Anforderungen</a:t>
-            </a:r>
-            <a:endParaRPr lang="de-DE" dirty="0"/>
-          </a:p>
-          <a:p>
-            <a:endParaRPr lang="de-DE" dirty="0"/>
-          </a:p>
-        </p:txBody>
-      </p:sp>
-      <p:sp>
-        <p:nvSpPr>
-          <p:cNvPr id="4" name="Fußzeilenplatzhalter 3"/>
-          <p:cNvSpPr>
-            <a:spLocks noGrp="1"/>
-          </p:cNvSpPr>
-          <p:nvPr>
-            <p:ph type="ftr" sz="quarter" idx="11"/>
-          </p:nvPr>
-        </p:nvSpPr>
-        <p:spPr/>
-        <p:txBody>
-          <a:bodyPr/>
-          <a:lstStyle/>
-          <a:p>
-            <a:r>
-              <a:rPr lang="de-DE"/>
-              <a:t>WS19/20 - PV-Modulportal - Rüffer, Vorwerk, Withöft, Zolkin</a:t>
-            </a:r>
-          </a:p>
-        </p:txBody>
-      </p:sp>
-      <p:sp>
-        <p:nvSpPr>
-          <p:cNvPr id="5" name="Foliennummernplatzhalter 4"/>
-          <p:cNvSpPr>
-            <a:spLocks noGrp="1"/>
-          </p:cNvSpPr>
-          <p:nvPr>
-            <p:ph type="sldNum" sz="quarter" idx="12"/>
-          </p:nvPr>
-        </p:nvSpPr>
-        <p:spPr/>
-        <p:txBody>
-          <a:bodyPr/>
-          <a:lstStyle/>
-          <a:p>
-            <a:fld id="{969E759D-A893-4B96-8B48-96EE547EBC41}" type="slidenum">
-              <a:rPr lang="de-DE" smtClean="0"/>
-              <a:t>34</a:t>
-            </a:fld>
-            <a:endParaRPr lang="de-DE"/>
-          </a:p>
-        </p:txBody>
-      </p:sp>
-    </p:spTree>
-    <p:extLst>
-      <p:ext uri="{BB962C8B-B14F-4D97-AF65-F5344CB8AC3E}">
-        <p14:creationId xmlns:p14="http://schemas.microsoft.com/office/powerpoint/2010/main" val="2130456695"/>
       </p:ext>
     </p:extLst>
   </p:cSld>
@@ -13267,6 +14699,147 @@
     <p:extLst>
       <p:ext uri="{BB962C8B-B14F-4D97-AF65-F5344CB8AC3E}">
         <p14:creationId xmlns:p14="http://schemas.microsoft.com/office/powerpoint/2010/main" val="3475415157"/>
+      </p:ext>
+    </p:extLst>
+  </p:cSld>
+  <p:clrMapOvr>
+    <a:masterClrMapping/>
+  </p:clrMapOvr>
+</p:sld>
+</file>
+
+<file path=ppt/slides/slide40.xml><?xml version="1.0" encoding="utf-8"?>
+<p:sld xmlns:a="http://schemas.openxmlformats.org/drawingml/2006/main" xmlns:r="http://schemas.openxmlformats.org/officeDocument/2006/relationships" xmlns:p="http://schemas.openxmlformats.org/presentationml/2006/main">
+  <p:cSld>
+    <p:spTree>
+      <p:nvGrpSpPr>
+        <p:cNvPr id="1" name=""/>
+        <p:cNvGrpSpPr/>
+        <p:nvPr/>
+      </p:nvGrpSpPr>
+      <p:grpSpPr>
+        <a:xfrm>
+          <a:off x="0" y="0"/>
+          <a:ext cx="0" cy="0"/>
+          <a:chOff x="0" y="0"/>
+          <a:chExt cx="0" cy="0"/>
+        </a:xfrm>
+      </p:grpSpPr>
+      <p:sp>
+        <p:nvSpPr>
+          <p:cNvPr id="2" name="Titel 1"/>
+          <p:cNvSpPr>
+            <a:spLocks noGrp="1"/>
+          </p:cNvSpPr>
+          <p:nvPr>
+            <p:ph type="title"/>
+          </p:nvPr>
+        </p:nvSpPr>
+        <p:spPr/>
+        <p:txBody>
+          <a:bodyPr/>
+          <a:lstStyle/>
+          <a:p>
+            <a:r>
+              <a:rPr lang="de-DE" dirty="0"/>
+              <a:t>Fazit</a:t>
+            </a:r>
+          </a:p>
+        </p:txBody>
+      </p:sp>
+      <p:sp>
+        <p:nvSpPr>
+          <p:cNvPr id="3" name="Inhaltsplatzhalter 2"/>
+          <p:cNvSpPr>
+            <a:spLocks noGrp="1"/>
+          </p:cNvSpPr>
+          <p:nvPr>
+            <p:ph idx="1"/>
+          </p:nvPr>
+        </p:nvSpPr>
+        <p:spPr/>
+        <p:txBody>
+          <a:bodyPr/>
+          <a:lstStyle/>
+          <a:p>
+            <a:r>
+              <a:rPr lang="de-DE" dirty="0"/>
+              <a:t>Erstellung des Grob- und Feinkonzepts zu Beginn war sehr hilfreich</a:t>
+            </a:r>
+          </a:p>
+          <a:p>
+            <a:r>
+              <a:rPr lang="de-DE" dirty="0"/>
+              <a:t>Kommunikation im Team und Gruppendynamik war gut</a:t>
+            </a:r>
+          </a:p>
+          <a:p>
+            <a:r>
+              <a:rPr lang="de-DE" dirty="0"/>
+              <a:t>Planung war zum Teil schwierig</a:t>
+            </a:r>
+          </a:p>
+          <a:p>
+            <a:r>
+              <a:rPr lang="de-DE"/>
+              <a:t>Missverständnisse bei den Anforderungen</a:t>
+            </a:r>
+            <a:endParaRPr lang="de-DE" dirty="0"/>
+          </a:p>
+          <a:p>
+            <a:endParaRPr lang="de-DE" dirty="0"/>
+          </a:p>
+        </p:txBody>
+      </p:sp>
+      <p:sp>
+        <p:nvSpPr>
+          <p:cNvPr id="4" name="Fußzeilenplatzhalter 3"/>
+          <p:cNvSpPr>
+            <a:spLocks noGrp="1"/>
+          </p:cNvSpPr>
+          <p:nvPr>
+            <p:ph type="ftr" sz="quarter" idx="11"/>
+          </p:nvPr>
+        </p:nvSpPr>
+        <p:spPr/>
+        <p:txBody>
+          <a:bodyPr/>
+          <a:lstStyle/>
+          <a:p>
+            <a:r>
+              <a:rPr lang="de-DE"/>
+              <a:t>WS19/20 - PV-Modulportal - Rüffer, Vorwerk, Withöft, Zolkin</a:t>
+            </a:r>
+          </a:p>
+        </p:txBody>
+      </p:sp>
+      <p:sp>
+        <p:nvSpPr>
+          <p:cNvPr id="5" name="Foliennummernplatzhalter 4"/>
+          <p:cNvSpPr>
+            <a:spLocks noGrp="1"/>
+          </p:cNvSpPr>
+          <p:nvPr>
+            <p:ph type="sldNum" sz="quarter" idx="12"/>
+          </p:nvPr>
+        </p:nvSpPr>
+        <p:spPr/>
+        <p:txBody>
+          <a:bodyPr/>
+          <a:lstStyle/>
+          <a:p>
+            <a:fld id="{969E759D-A893-4B96-8B48-96EE547EBC41}" type="slidenum">
+              <a:rPr lang="de-DE" smtClean="0"/>
+              <a:t>40</a:t>
+            </a:fld>
+            <a:endParaRPr lang="de-DE"/>
+          </a:p>
+        </p:txBody>
+      </p:sp>
+    </p:spTree>
+    <p:extLst>
+      <p:ext uri="{BB962C8B-B14F-4D97-AF65-F5344CB8AC3E}">
+        <p14:creationId xmlns:p14="http://schemas.microsoft.com/office/powerpoint/2010/main" val="2130456695"/>
       </p:ext>
     </p:extLst>
   </p:cSld>

--- a/docs/Seminarvortrag.pptx
+++ b/docs/Seminarvortrag.pptx
@@ -5,7 +5,7 @@
     <p:sldMasterId id="2147483660" r:id="rId1"/>
   </p:sldMasterIdLst>
   <p:notesMasterIdLst>
-    <p:notesMasterId r:id="rId36"/>
+    <p:notesMasterId r:id="rId38"/>
   </p:notesMasterIdLst>
   <p:sldIdLst>
     <p:sldId id="257" r:id="rId2"/>
@@ -30,18 +30,20 @@
     <p:sldId id="289" r:id="rId21"/>
     <p:sldId id="290" r:id="rId22"/>
     <p:sldId id="284" r:id="rId23"/>
-    <p:sldId id="278" r:id="rId24"/>
-    <p:sldId id="265" r:id="rId25"/>
-    <p:sldId id="267" r:id="rId26"/>
-    <p:sldId id="269" r:id="rId27"/>
-    <p:sldId id="270" r:id="rId28"/>
-    <p:sldId id="268" r:id="rId29"/>
-    <p:sldId id="271" r:id="rId30"/>
-    <p:sldId id="272" r:id="rId31"/>
-    <p:sldId id="273" r:id="rId32"/>
-    <p:sldId id="282" r:id="rId33"/>
-    <p:sldId id="263" r:id="rId34"/>
-    <p:sldId id="264" r:id="rId35"/>
+    <p:sldId id="266" r:id="rId24"/>
+    <p:sldId id="292" r:id="rId25"/>
+    <p:sldId id="278" r:id="rId26"/>
+    <p:sldId id="265" r:id="rId27"/>
+    <p:sldId id="267" r:id="rId28"/>
+    <p:sldId id="269" r:id="rId29"/>
+    <p:sldId id="270" r:id="rId30"/>
+    <p:sldId id="268" r:id="rId31"/>
+    <p:sldId id="271" r:id="rId32"/>
+    <p:sldId id="272" r:id="rId33"/>
+    <p:sldId id="273" r:id="rId34"/>
+    <p:sldId id="282" r:id="rId35"/>
+    <p:sldId id="263" r:id="rId36"/>
+    <p:sldId id="264" r:id="rId37"/>
   </p:sldIdLst>
   <p:sldSz cx="12192000" cy="6858000"/>
   <p:notesSz cx="6858000" cy="9144000"/>
@@ -8534,6 +8536,939 @@
 <file path=ppt/slides/slide23.xml><?xml version="1.0" encoding="utf-8"?>
 <p:sld xmlns:a="http://schemas.openxmlformats.org/drawingml/2006/main" xmlns:r="http://schemas.openxmlformats.org/officeDocument/2006/relationships" xmlns:p="http://schemas.openxmlformats.org/presentationml/2006/main">
   <p:cSld>
+    <p:spTree>
+      <p:nvGrpSpPr>
+        <p:cNvPr id="1" name=""/>
+        <p:cNvGrpSpPr/>
+        <p:nvPr/>
+      </p:nvGrpSpPr>
+      <p:grpSpPr>
+        <a:xfrm>
+          <a:off x="0" y="0"/>
+          <a:ext cx="0" cy="0"/>
+          <a:chOff x="0" y="0"/>
+          <a:chExt cx="0" cy="0"/>
+        </a:xfrm>
+      </p:grpSpPr>
+      <p:sp>
+        <p:nvSpPr>
+          <p:cNvPr id="2" name="Title 1">
+            <a:extLst>
+              <a:ext uri="{FF2B5EF4-FFF2-40B4-BE49-F238E27FC236}">
+                <a16:creationId xmlns:a16="http://schemas.microsoft.com/office/drawing/2014/main" id="{4AFD5C52-84F6-4587-9BCD-038E7093DFA8}"/>
+              </a:ext>
+            </a:extLst>
+          </p:cNvPr>
+          <p:cNvSpPr>
+            <a:spLocks noGrp="1"/>
+          </p:cNvSpPr>
+          <p:nvPr>
+            <p:ph type="title"/>
+          </p:nvPr>
+        </p:nvSpPr>
+        <p:spPr/>
+        <p:txBody>
+          <a:bodyPr/>
+          <a:lstStyle/>
+          <a:p>
+            <a:r>
+              <a:rPr lang="en-NZ" dirty="0"/>
+              <a:t>SW-</a:t>
+            </a:r>
+            <a:r>
+              <a:rPr lang="en-NZ" dirty="0" err="1"/>
+              <a:t>Architektur</a:t>
+            </a:r>
+            <a:r>
+              <a:rPr lang="en-NZ" dirty="0"/>
+              <a:t> - </a:t>
+            </a:r>
+            <a:r>
+              <a:rPr lang="en-NZ" dirty="0" err="1"/>
+              <a:t>Übersicht</a:t>
+            </a:r>
+            <a:endParaRPr lang="de-DE" dirty="0"/>
+          </a:p>
+        </p:txBody>
+      </p:sp>
+      <p:sp>
+        <p:nvSpPr>
+          <p:cNvPr id="11" name="Content Placeholder 10">
+            <a:extLst>
+              <a:ext uri="{FF2B5EF4-FFF2-40B4-BE49-F238E27FC236}">
+                <a16:creationId xmlns:a16="http://schemas.microsoft.com/office/drawing/2014/main" id="{C7793A84-3F72-4C91-A48B-DD4AB4EC41F0}"/>
+              </a:ext>
+            </a:extLst>
+          </p:cNvPr>
+          <p:cNvSpPr>
+            <a:spLocks noGrp="1"/>
+          </p:cNvSpPr>
+          <p:nvPr>
+            <p:ph idx="1"/>
+          </p:nvPr>
+        </p:nvSpPr>
+        <p:spPr>
+          <a:xfrm>
+            <a:off x="6248400" y="1978025"/>
+            <a:ext cx="5257800" cy="4351338"/>
+          </a:xfrm>
+        </p:spPr>
+        <p:txBody>
+          <a:bodyPr/>
+          <a:lstStyle/>
+          <a:p>
+            <a:pPr marL="0" indent="0">
+              <a:buNone/>
+            </a:pPr>
+            <a:r>
+              <a:rPr lang="en-NZ" dirty="0"/>
+              <a:t>Backend</a:t>
+            </a:r>
+          </a:p>
+          <a:p>
+            <a:pPr lvl="1"/>
+            <a:r>
+              <a:rPr lang="en-NZ" dirty="0" err="1"/>
+              <a:t>Sprachen</a:t>
+            </a:r>
+            <a:endParaRPr lang="en-NZ" dirty="0"/>
+          </a:p>
+          <a:p>
+            <a:pPr lvl="2"/>
+            <a:r>
+              <a:rPr lang="en-NZ" dirty="0"/>
+              <a:t>Java</a:t>
+            </a:r>
+          </a:p>
+          <a:p>
+            <a:pPr lvl="1"/>
+            <a:r>
+              <a:rPr lang="en-NZ" dirty="0" err="1"/>
+              <a:t>Architektur</a:t>
+            </a:r>
+            <a:endParaRPr lang="en-NZ" dirty="0"/>
+          </a:p>
+          <a:p>
+            <a:pPr lvl="2"/>
+            <a:r>
+              <a:rPr lang="en-NZ" dirty="0" err="1"/>
+              <a:t>SmartMonitoring</a:t>
+            </a:r>
+            <a:r>
+              <a:rPr lang="en-NZ" dirty="0"/>
+              <a:t> </a:t>
+            </a:r>
+          </a:p>
+          <a:p>
+            <a:pPr marL="914400" lvl="2" indent="0">
+              <a:buNone/>
+            </a:pPr>
+            <a:r>
+              <a:rPr lang="en-NZ" dirty="0"/>
+              <a:t>    Backend (REST, JPA, Hibernate)</a:t>
+            </a:r>
+          </a:p>
+          <a:p>
+            <a:pPr lvl="2"/>
+            <a:r>
+              <a:rPr lang="en-NZ" dirty="0"/>
+              <a:t>PostgreSQL </a:t>
+            </a:r>
+            <a:r>
+              <a:rPr lang="en-NZ" dirty="0" err="1"/>
+              <a:t>Datenbank</a:t>
+            </a:r>
+            <a:endParaRPr lang="en-NZ" dirty="0"/>
+          </a:p>
+          <a:p>
+            <a:pPr lvl="2"/>
+            <a:endParaRPr lang="de-DE" dirty="0"/>
+          </a:p>
+        </p:txBody>
+      </p:sp>
+      <p:sp>
+        <p:nvSpPr>
+          <p:cNvPr id="17" name="Content Placeholder 10">
+            <a:extLst>
+              <a:ext uri="{FF2B5EF4-FFF2-40B4-BE49-F238E27FC236}">
+                <a16:creationId xmlns:a16="http://schemas.microsoft.com/office/drawing/2014/main" id="{0E078E16-2FE1-4F5F-8D2E-1D82437D0BDE}"/>
+              </a:ext>
+            </a:extLst>
+          </p:cNvPr>
+          <p:cNvSpPr txBox="1">
+            <a:spLocks/>
+          </p:cNvSpPr>
+          <p:nvPr/>
+        </p:nvSpPr>
+        <p:spPr>
+          <a:xfrm>
+            <a:off x="990600" y="1978025"/>
+            <a:ext cx="5257800" cy="4351338"/>
+          </a:xfrm>
+          <a:prstGeom prst="rect">
+            <a:avLst/>
+          </a:prstGeom>
+        </p:spPr>
+        <p:txBody>
+          <a:bodyPr vert="horz" lIns="91440" tIns="45720" rIns="91440" bIns="45720" rtlCol="0">
+            <a:normAutofit/>
+          </a:bodyPr>
+          <a:lstStyle>
+            <a:lvl1pPr marL="228600" indent="-228600" algn="l" defTabSz="914400" rtl="0" eaLnBrk="1" latinLnBrk="0" hangingPunct="1">
+              <a:lnSpc>
+                <a:spcPct val="90000"/>
+              </a:lnSpc>
+              <a:spcBef>
+                <a:spcPts val="1000"/>
+              </a:spcBef>
+              <a:buFont typeface="Arial" panose="020B0604020202020204" pitchFamily="34" charset="0"/>
+              <a:buChar char="•"/>
+              <a:defRPr sz="2800" kern="1200">
+                <a:solidFill>
+                  <a:schemeClr val="tx1"/>
+                </a:solidFill>
+                <a:latin typeface="+mn-lt"/>
+                <a:ea typeface="+mn-ea"/>
+                <a:cs typeface="+mn-cs"/>
+              </a:defRPr>
+            </a:lvl1pPr>
+            <a:lvl2pPr marL="685800" indent="-228600" algn="l" defTabSz="914400" rtl="0" eaLnBrk="1" latinLnBrk="0" hangingPunct="1">
+              <a:lnSpc>
+                <a:spcPct val="90000"/>
+              </a:lnSpc>
+              <a:spcBef>
+                <a:spcPts val="500"/>
+              </a:spcBef>
+              <a:buFont typeface="Arial" panose="020B0604020202020204" pitchFamily="34" charset="0"/>
+              <a:buChar char="•"/>
+              <a:defRPr sz="2400" kern="1200">
+                <a:solidFill>
+                  <a:schemeClr val="tx1"/>
+                </a:solidFill>
+                <a:latin typeface="+mn-lt"/>
+                <a:ea typeface="+mn-ea"/>
+                <a:cs typeface="+mn-cs"/>
+              </a:defRPr>
+            </a:lvl2pPr>
+            <a:lvl3pPr marL="1143000" indent="-228600" algn="l" defTabSz="914400" rtl="0" eaLnBrk="1" latinLnBrk="0" hangingPunct="1">
+              <a:lnSpc>
+                <a:spcPct val="90000"/>
+              </a:lnSpc>
+              <a:spcBef>
+                <a:spcPts val="500"/>
+              </a:spcBef>
+              <a:buFont typeface="Arial" panose="020B0604020202020204" pitchFamily="34" charset="0"/>
+              <a:buChar char="•"/>
+              <a:defRPr sz="2000" kern="1200">
+                <a:solidFill>
+                  <a:schemeClr val="tx1"/>
+                </a:solidFill>
+                <a:latin typeface="+mn-lt"/>
+                <a:ea typeface="+mn-ea"/>
+                <a:cs typeface="+mn-cs"/>
+              </a:defRPr>
+            </a:lvl3pPr>
+            <a:lvl4pPr marL="1600200" indent="-228600" algn="l" defTabSz="914400" rtl="0" eaLnBrk="1" latinLnBrk="0" hangingPunct="1">
+              <a:lnSpc>
+                <a:spcPct val="90000"/>
+              </a:lnSpc>
+              <a:spcBef>
+                <a:spcPts val="500"/>
+              </a:spcBef>
+              <a:buFont typeface="Arial" panose="020B0604020202020204" pitchFamily="34" charset="0"/>
+              <a:buChar char="•"/>
+              <a:defRPr sz="1800" kern="1200">
+                <a:solidFill>
+                  <a:schemeClr val="tx1"/>
+                </a:solidFill>
+                <a:latin typeface="+mn-lt"/>
+                <a:ea typeface="+mn-ea"/>
+                <a:cs typeface="+mn-cs"/>
+              </a:defRPr>
+            </a:lvl4pPr>
+            <a:lvl5pPr marL="2057400" indent="-228600" algn="l" defTabSz="914400" rtl="0" eaLnBrk="1" latinLnBrk="0" hangingPunct="1">
+              <a:lnSpc>
+                <a:spcPct val="90000"/>
+              </a:lnSpc>
+              <a:spcBef>
+                <a:spcPts val="500"/>
+              </a:spcBef>
+              <a:buFont typeface="Arial" panose="020B0604020202020204" pitchFamily="34" charset="0"/>
+              <a:buChar char="•"/>
+              <a:defRPr sz="1800" kern="1200">
+                <a:solidFill>
+                  <a:schemeClr val="tx1"/>
+                </a:solidFill>
+                <a:latin typeface="+mn-lt"/>
+                <a:ea typeface="+mn-ea"/>
+                <a:cs typeface="+mn-cs"/>
+              </a:defRPr>
+            </a:lvl5pPr>
+            <a:lvl6pPr marL="2514600" indent="-228600" algn="l" defTabSz="914400" rtl="0" eaLnBrk="1" latinLnBrk="0" hangingPunct="1">
+              <a:lnSpc>
+                <a:spcPct val="90000"/>
+              </a:lnSpc>
+              <a:spcBef>
+                <a:spcPts val="500"/>
+              </a:spcBef>
+              <a:buFont typeface="Arial" panose="020B0604020202020204" pitchFamily="34" charset="0"/>
+              <a:buChar char="•"/>
+              <a:defRPr sz="1800" kern="1200">
+                <a:solidFill>
+                  <a:schemeClr val="tx1"/>
+                </a:solidFill>
+                <a:latin typeface="+mn-lt"/>
+                <a:ea typeface="+mn-ea"/>
+                <a:cs typeface="+mn-cs"/>
+              </a:defRPr>
+            </a:lvl6pPr>
+            <a:lvl7pPr marL="2971800" indent="-228600" algn="l" defTabSz="914400" rtl="0" eaLnBrk="1" latinLnBrk="0" hangingPunct="1">
+              <a:lnSpc>
+                <a:spcPct val="90000"/>
+              </a:lnSpc>
+              <a:spcBef>
+                <a:spcPts val="500"/>
+              </a:spcBef>
+              <a:buFont typeface="Arial" panose="020B0604020202020204" pitchFamily="34" charset="0"/>
+              <a:buChar char="•"/>
+              <a:defRPr sz="1800" kern="1200">
+                <a:solidFill>
+                  <a:schemeClr val="tx1"/>
+                </a:solidFill>
+                <a:latin typeface="+mn-lt"/>
+                <a:ea typeface="+mn-ea"/>
+                <a:cs typeface="+mn-cs"/>
+              </a:defRPr>
+            </a:lvl7pPr>
+            <a:lvl8pPr marL="3429000" indent="-228600" algn="l" defTabSz="914400" rtl="0" eaLnBrk="1" latinLnBrk="0" hangingPunct="1">
+              <a:lnSpc>
+                <a:spcPct val="90000"/>
+              </a:lnSpc>
+              <a:spcBef>
+                <a:spcPts val="500"/>
+              </a:spcBef>
+              <a:buFont typeface="Arial" panose="020B0604020202020204" pitchFamily="34" charset="0"/>
+              <a:buChar char="•"/>
+              <a:defRPr sz="1800" kern="1200">
+                <a:solidFill>
+                  <a:schemeClr val="tx1"/>
+                </a:solidFill>
+                <a:latin typeface="+mn-lt"/>
+                <a:ea typeface="+mn-ea"/>
+                <a:cs typeface="+mn-cs"/>
+              </a:defRPr>
+            </a:lvl8pPr>
+            <a:lvl9pPr marL="3886200" indent="-228600" algn="l" defTabSz="914400" rtl="0" eaLnBrk="1" latinLnBrk="0" hangingPunct="1">
+              <a:lnSpc>
+                <a:spcPct val="90000"/>
+              </a:lnSpc>
+              <a:spcBef>
+                <a:spcPts val="500"/>
+              </a:spcBef>
+              <a:buFont typeface="Arial" panose="020B0604020202020204" pitchFamily="34" charset="0"/>
+              <a:buChar char="•"/>
+              <a:defRPr sz="1800" kern="1200">
+                <a:solidFill>
+                  <a:schemeClr val="tx1"/>
+                </a:solidFill>
+                <a:latin typeface="+mn-lt"/>
+                <a:ea typeface="+mn-ea"/>
+                <a:cs typeface="+mn-cs"/>
+              </a:defRPr>
+            </a:lvl9pPr>
+          </a:lstStyle>
+          <a:p>
+            <a:pPr marL="0" indent="0">
+              <a:buFont typeface="Arial" panose="020B0604020202020204" pitchFamily="34" charset="0"/>
+              <a:buNone/>
+            </a:pPr>
+            <a:r>
+              <a:rPr lang="en-NZ" dirty="0"/>
+              <a:t>Frontend</a:t>
+            </a:r>
+          </a:p>
+          <a:p>
+            <a:pPr lvl="1"/>
+            <a:r>
+              <a:rPr lang="en-NZ" dirty="0" err="1"/>
+              <a:t>Sprachen</a:t>
+            </a:r>
+            <a:endParaRPr lang="en-NZ" dirty="0"/>
+          </a:p>
+          <a:p>
+            <a:pPr lvl="2"/>
+            <a:r>
+              <a:rPr lang="en-NZ" dirty="0"/>
+              <a:t>HTML</a:t>
+            </a:r>
+          </a:p>
+          <a:p>
+            <a:pPr lvl="2"/>
+            <a:r>
+              <a:rPr lang="en-NZ" dirty="0"/>
+              <a:t>CSS</a:t>
+            </a:r>
+          </a:p>
+          <a:p>
+            <a:pPr lvl="2"/>
+            <a:r>
+              <a:rPr lang="en-NZ" dirty="0"/>
+              <a:t>JavaScript</a:t>
+            </a:r>
+          </a:p>
+          <a:p>
+            <a:pPr lvl="1"/>
+            <a:r>
+              <a:rPr lang="en-NZ" dirty="0" err="1"/>
+              <a:t>Architektur</a:t>
+            </a:r>
+            <a:endParaRPr lang="en-NZ" dirty="0"/>
+          </a:p>
+          <a:p>
+            <a:pPr lvl="2"/>
+            <a:r>
+              <a:rPr lang="en-NZ" dirty="0" err="1"/>
+              <a:t>Komponenten</a:t>
+            </a:r>
+            <a:r>
+              <a:rPr lang="en-NZ" dirty="0"/>
+              <a:t> von SWAC</a:t>
+            </a:r>
+          </a:p>
+          <a:p>
+            <a:pPr lvl="1"/>
+            <a:endParaRPr lang="en-NZ" dirty="0"/>
+          </a:p>
+          <a:p>
+            <a:pPr lvl="2"/>
+            <a:endParaRPr lang="de-DE" dirty="0"/>
+          </a:p>
+        </p:txBody>
+      </p:sp>
+      <p:pic>
+        <p:nvPicPr>
+          <p:cNvPr id="4098" name="Picture 2" descr="Image result for java">
+            <a:extLst>
+              <a:ext uri="{FF2B5EF4-FFF2-40B4-BE49-F238E27FC236}">
+                <a16:creationId xmlns:a16="http://schemas.microsoft.com/office/drawing/2014/main" id="{C5566FCF-4A88-4F9C-B530-8AC9550E73D8}"/>
+              </a:ext>
+            </a:extLst>
+          </p:cNvPr>
+          <p:cNvPicPr>
+            <a:picLocks noChangeAspect="1" noChangeArrowheads="1"/>
+          </p:cNvPicPr>
+          <p:nvPr/>
+        </p:nvPicPr>
+        <p:blipFill>
+          <a:blip r:embed="rId2" cstate="print">
+            <a:extLst>
+              <a:ext uri="{28A0092B-C50C-407E-A947-70E740481C1C}">
+                <a14:useLocalDpi xmlns:a14="http://schemas.microsoft.com/office/drawing/2010/main" val="0"/>
+              </a:ext>
+            </a:extLst>
+          </a:blip>
+          <a:srcRect/>
+          <a:stretch>
+            <a:fillRect/>
+          </a:stretch>
+        </p:blipFill>
+        <p:spPr bwMode="auto">
+          <a:xfrm>
+            <a:off x="10869306" y="5443243"/>
+            <a:ext cx="484494" cy="886120"/>
+          </a:xfrm>
+          <a:prstGeom prst="rect">
+            <a:avLst/>
+          </a:prstGeom>
+          <a:noFill/>
+          <a:extLst>
+            <a:ext uri="{909E8E84-426E-40DD-AFC4-6F175D3DCCD1}">
+              <a14:hiddenFill xmlns:a14="http://schemas.microsoft.com/office/drawing/2010/main">
+                <a:solidFill>
+                  <a:srgbClr val="FFFFFF"/>
+                </a:solidFill>
+              </a14:hiddenFill>
+            </a:ext>
+          </a:extLst>
+        </p:spPr>
+      </p:pic>
+      <p:pic>
+        <p:nvPicPr>
+          <p:cNvPr id="4100" name="Picture 4" descr="Image result for hibernate">
+            <a:extLst>
+              <a:ext uri="{FF2B5EF4-FFF2-40B4-BE49-F238E27FC236}">
+                <a16:creationId xmlns:a16="http://schemas.microsoft.com/office/drawing/2014/main" id="{8111C7FF-7E14-4D4C-833E-3E26A1E238AB}"/>
+              </a:ext>
+            </a:extLst>
+          </p:cNvPr>
+          <p:cNvPicPr>
+            <a:picLocks noChangeAspect="1" noChangeArrowheads="1"/>
+          </p:cNvPicPr>
+          <p:nvPr/>
+        </p:nvPicPr>
+        <p:blipFill>
+          <a:blip r:embed="rId3" cstate="print">
+            <a:extLst>
+              <a:ext uri="{28A0092B-C50C-407E-A947-70E740481C1C}">
+                <a14:useLocalDpi xmlns:a14="http://schemas.microsoft.com/office/drawing/2010/main" val="0"/>
+              </a:ext>
+            </a:extLst>
+          </a:blip>
+          <a:srcRect/>
+          <a:stretch>
+            <a:fillRect/>
+          </a:stretch>
+        </p:blipFill>
+        <p:spPr bwMode="auto">
+          <a:xfrm>
+            <a:off x="10049960" y="5510017"/>
+            <a:ext cx="819346" cy="819346"/>
+          </a:xfrm>
+          <a:prstGeom prst="rect">
+            <a:avLst/>
+          </a:prstGeom>
+          <a:noFill/>
+          <a:extLst>
+            <a:ext uri="{909E8E84-426E-40DD-AFC4-6F175D3DCCD1}">
+              <a14:hiddenFill xmlns:a14="http://schemas.microsoft.com/office/drawing/2010/main">
+                <a:solidFill>
+                  <a:srgbClr val="FFFFFF"/>
+                </a:solidFill>
+              </a14:hiddenFill>
+            </a:ext>
+          </a:extLst>
+        </p:spPr>
+      </p:pic>
+      <p:pic>
+        <p:nvPicPr>
+          <p:cNvPr id="4102" name="Picture 6" descr="Image result for postgre">
+            <a:extLst>
+              <a:ext uri="{FF2B5EF4-FFF2-40B4-BE49-F238E27FC236}">
+                <a16:creationId xmlns:a16="http://schemas.microsoft.com/office/drawing/2014/main" id="{C34F0C44-1D14-4C8C-BDE2-512FD1BC21BA}"/>
+              </a:ext>
+            </a:extLst>
+          </p:cNvPr>
+          <p:cNvPicPr>
+            <a:picLocks noChangeAspect="1" noChangeArrowheads="1"/>
+          </p:cNvPicPr>
+          <p:nvPr/>
+        </p:nvPicPr>
+        <p:blipFill>
+          <a:blip r:embed="rId4" cstate="print">
+            <a:extLst>
+              <a:ext uri="{28A0092B-C50C-407E-A947-70E740481C1C}">
+                <a14:useLocalDpi xmlns:a14="http://schemas.microsoft.com/office/drawing/2010/main" val="0"/>
+              </a:ext>
+            </a:extLst>
+          </a:blip>
+          <a:srcRect/>
+          <a:stretch>
+            <a:fillRect/>
+          </a:stretch>
+        </p:blipFill>
+        <p:spPr bwMode="auto">
+          <a:xfrm>
+            <a:off x="9230613" y="5647502"/>
+            <a:ext cx="819347" cy="845373"/>
+          </a:xfrm>
+          <a:prstGeom prst="rect">
+            <a:avLst/>
+          </a:prstGeom>
+          <a:noFill/>
+          <a:extLst>
+            <a:ext uri="{909E8E84-426E-40DD-AFC4-6F175D3DCCD1}">
+              <a14:hiddenFill xmlns:a14="http://schemas.microsoft.com/office/drawing/2010/main">
+                <a:solidFill>
+                  <a:srgbClr val="FFFFFF"/>
+                </a:solidFill>
+              </a14:hiddenFill>
+            </a:ext>
+          </a:extLst>
+        </p:spPr>
+      </p:pic>
+      <p:pic>
+        <p:nvPicPr>
+          <p:cNvPr id="4104" name="Picture 8" descr="Image result for JS">
+            <a:extLst>
+              <a:ext uri="{FF2B5EF4-FFF2-40B4-BE49-F238E27FC236}">
+                <a16:creationId xmlns:a16="http://schemas.microsoft.com/office/drawing/2014/main" id="{1F7DFBFE-8410-4919-87AE-1AE0915AC1B6}"/>
+              </a:ext>
+            </a:extLst>
+          </p:cNvPr>
+          <p:cNvPicPr>
+            <a:picLocks noChangeAspect="1" noChangeArrowheads="1"/>
+          </p:cNvPicPr>
+          <p:nvPr/>
+        </p:nvPicPr>
+        <p:blipFill>
+          <a:blip r:embed="rId5" cstate="print">
+            <a:extLst>
+              <a:ext uri="{28A0092B-C50C-407E-A947-70E740481C1C}">
+                <a14:useLocalDpi xmlns:a14="http://schemas.microsoft.com/office/drawing/2010/main" val="0"/>
+              </a:ext>
+            </a:extLst>
+          </a:blip>
+          <a:srcRect/>
+          <a:stretch>
+            <a:fillRect/>
+          </a:stretch>
+        </p:blipFill>
+        <p:spPr bwMode="auto">
+          <a:xfrm>
+            <a:off x="685800" y="5647502"/>
+            <a:ext cx="848461" cy="848461"/>
+          </a:xfrm>
+          <a:prstGeom prst="rect">
+            <a:avLst/>
+          </a:prstGeom>
+          <a:noFill/>
+          <a:extLst>
+            <a:ext uri="{909E8E84-426E-40DD-AFC4-6F175D3DCCD1}">
+              <a14:hiddenFill xmlns:a14="http://schemas.microsoft.com/office/drawing/2010/main">
+                <a:solidFill>
+                  <a:srgbClr val="FFFFFF"/>
+                </a:solidFill>
+              </a14:hiddenFill>
+            </a:ext>
+          </a:extLst>
+        </p:spPr>
+      </p:pic>
+      <p:pic>
+        <p:nvPicPr>
+          <p:cNvPr id="4106" name="Picture 10" descr="Image result for HTML">
+            <a:extLst>
+              <a:ext uri="{FF2B5EF4-FFF2-40B4-BE49-F238E27FC236}">
+                <a16:creationId xmlns:a16="http://schemas.microsoft.com/office/drawing/2014/main" id="{875ED7E3-294D-4358-ABF4-9BB48BD1776C}"/>
+              </a:ext>
+            </a:extLst>
+          </p:cNvPr>
+          <p:cNvPicPr>
+            <a:picLocks noChangeAspect="1" noChangeArrowheads="1"/>
+          </p:cNvPicPr>
+          <p:nvPr/>
+        </p:nvPicPr>
+        <p:blipFill>
+          <a:blip r:embed="rId6" cstate="print">
+            <a:extLst>
+              <a:ext uri="{28A0092B-C50C-407E-A947-70E740481C1C}">
+                <a14:useLocalDpi xmlns:a14="http://schemas.microsoft.com/office/drawing/2010/main" val="0"/>
+              </a:ext>
+            </a:extLst>
+          </a:blip>
+          <a:srcRect/>
+          <a:stretch>
+            <a:fillRect/>
+          </a:stretch>
+        </p:blipFill>
+        <p:spPr bwMode="auto">
+          <a:xfrm>
+            <a:off x="1534261" y="5438349"/>
+            <a:ext cx="1178351" cy="1178351"/>
+          </a:xfrm>
+          <a:prstGeom prst="rect">
+            <a:avLst/>
+          </a:prstGeom>
+          <a:noFill/>
+          <a:extLst>
+            <a:ext uri="{909E8E84-426E-40DD-AFC4-6F175D3DCCD1}">
+              <a14:hiddenFill xmlns:a14="http://schemas.microsoft.com/office/drawing/2010/main">
+                <a:solidFill>
+                  <a:srgbClr val="FFFFFF"/>
+                </a:solidFill>
+              </a14:hiddenFill>
+            </a:ext>
+          </a:extLst>
+        </p:spPr>
+      </p:pic>
+      <p:pic>
+        <p:nvPicPr>
+          <p:cNvPr id="4108" name="Picture 12" descr="Image result for CSS">
+            <a:extLst>
+              <a:ext uri="{FF2B5EF4-FFF2-40B4-BE49-F238E27FC236}">
+                <a16:creationId xmlns:a16="http://schemas.microsoft.com/office/drawing/2014/main" id="{286DDF16-867F-464D-B791-E19858482730}"/>
+              </a:ext>
+            </a:extLst>
+          </p:cNvPr>
+          <p:cNvPicPr>
+            <a:picLocks noChangeAspect="1" noChangeArrowheads="1"/>
+          </p:cNvPicPr>
+          <p:nvPr/>
+        </p:nvPicPr>
+        <p:blipFill>
+          <a:blip r:embed="rId7" cstate="print">
+            <a:extLst>
+              <a:ext uri="{28A0092B-C50C-407E-A947-70E740481C1C}">
+                <a14:useLocalDpi xmlns:a14="http://schemas.microsoft.com/office/drawing/2010/main" val="0"/>
+              </a:ext>
+            </a:extLst>
+          </a:blip>
+          <a:srcRect/>
+          <a:stretch>
+            <a:fillRect/>
+          </a:stretch>
+        </p:blipFill>
+        <p:spPr bwMode="auto">
+          <a:xfrm>
+            <a:off x="2648955" y="5438349"/>
+            <a:ext cx="859328" cy="1212377"/>
+          </a:xfrm>
+          <a:prstGeom prst="rect">
+            <a:avLst/>
+          </a:prstGeom>
+          <a:noFill/>
+          <a:extLst>
+            <a:ext uri="{909E8E84-426E-40DD-AFC4-6F175D3DCCD1}">
+              <a14:hiddenFill xmlns:a14="http://schemas.microsoft.com/office/drawing/2010/main">
+                <a:solidFill>
+                  <a:srgbClr val="FFFFFF"/>
+                </a:solidFill>
+              </a14:hiddenFill>
+            </a:ext>
+          </a:extLst>
+        </p:spPr>
+      </p:pic>
+      <p:sp>
+        <p:nvSpPr>
+          <p:cNvPr id="18" name="Footer Placeholder 17">
+            <a:extLst>
+              <a:ext uri="{FF2B5EF4-FFF2-40B4-BE49-F238E27FC236}">
+                <a16:creationId xmlns:a16="http://schemas.microsoft.com/office/drawing/2014/main" id="{4F33CCDD-795D-4350-838F-8FAFB293BB24}"/>
+              </a:ext>
+            </a:extLst>
+          </p:cNvPr>
+          <p:cNvSpPr>
+            <a:spLocks noGrp="1"/>
+          </p:cNvSpPr>
+          <p:nvPr>
+            <p:ph type="ftr" sz="quarter" idx="11"/>
+          </p:nvPr>
+        </p:nvSpPr>
+        <p:spPr/>
+        <p:txBody>
+          <a:bodyPr/>
+          <a:lstStyle/>
+          <a:p>
+            <a:r>
+              <a:rPr lang="de-DE"/>
+              <a:t>WS19/20 - PV-Modulportal - Rüffer, Vorwerk, Withöft, Zolkin</a:t>
+            </a:r>
+          </a:p>
+        </p:txBody>
+      </p:sp>
+      <p:sp>
+        <p:nvSpPr>
+          <p:cNvPr id="19" name="Slide Number Placeholder 18">
+            <a:extLst>
+              <a:ext uri="{FF2B5EF4-FFF2-40B4-BE49-F238E27FC236}">
+                <a16:creationId xmlns:a16="http://schemas.microsoft.com/office/drawing/2014/main" id="{B6B9846D-45B6-4896-BFB4-5E01D7A6F467}"/>
+              </a:ext>
+            </a:extLst>
+          </p:cNvPr>
+          <p:cNvSpPr>
+            <a:spLocks noGrp="1"/>
+          </p:cNvSpPr>
+          <p:nvPr>
+            <p:ph type="sldNum" sz="quarter" idx="12"/>
+          </p:nvPr>
+        </p:nvSpPr>
+        <p:spPr/>
+        <p:txBody>
+          <a:bodyPr/>
+          <a:lstStyle/>
+          <a:p>
+            <a:fld id="{969E759D-A893-4B96-8B48-96EE547EBC41}" type="slidenum">
+              <a:rPr lang="de-DE" smtClean="0"/>
+              <a:t>23</a:t>
+            </a:fld>
+            <a:endParaRPr lang="de-DE"/>
+          </a:p>
+        </p:txBody>
+      </p:sp>
+    </p:spTree>
+    <p:extLst>
+      <p:ext uri="{BB962C8B-B14F-4D97-AF65-F5344CB8AC3E}">
+        <p14:creationId xmlns:p14="http://schemas.microsoft.com/office/powerpoint/2010/main" val="57721221"/>
+      </p:ext>
+    </p:extLst>
+  </p:cSld>
+  <p:clrMapOvr>
+    <a:masterClrMapping/>
+  </p:clrMapOvr>
+</p:sld>
+</file>
+
+<file path=ppt/slides/slide24.xml><?xml version="1.0" encoding="utf-8"?>
+<p:sld xmlns:a="http://schemas.openxmlformats.org/drawingml/2006/main" xmlns:r="http://schemas.openxmlformats.org/officeDocument/2006/relationships" xmlns:p="http://schemas.openxmlformats.org/presentationml/2006/main">
+  <p:cSld>
+    <p:spTree>
+      <p:nvGrpSpPr>
+        <p:cNvPr id="1" name=""/>
+        <p:cNvGrpSpPr/>
+        <p:nvPr/>
+      </p:nvGrpSpPr>
+      <p:grpSpPr>
+        <a:xfrm>
+          <a:off x="0" y="0"/>
+          <a:ext cx="0" cy="0"/>
+          <a:chOff x="0" y="0"/>
+          <a:chExt cx="0" cy="0"/>
+        </a:xfrm>
+      </p:grpSpPr>
+      <p:sp>
+        <p:nvSpPr>
+          <p:cNvPr id="2" name="Title 1">
+            <a:extLst>
+              <a:ext uri="{FF2B5EF4-FFF2-40B4-BE49-F238E27FC236}">
+                <a16:creationId xmlns:a16="http://schemas.microsoft.com/office/drawing/2014/main" id="{B6E737F4-3B03-4D2F-91C5-95AD7221CEDC}"/>
+              </a:ext>
+            </a:extLst>
+          </p:cNvPr>
+          <p:cNvSpPr>
+            <a:spLocks noGrp="1"/>
+          </p:cNvSpPr>
+          <p:nvPr>
+            <p:ph type="title"/>
+          </p:nvPr>
+        </p:nvSpPr>
+        <p:spPr>
+          <a:xfrm>
+            <a:off x="838200" y="136525"/>
+            <a:ext cx="10515600" cy="1325563"/>
+          </a:xfrm>
+        </p:spPr>
+        <p:txBody>
+          <a:bodyPr/>
+          <a:lstStyle/>
+          <a:p>
+            <a:r>
+              <a:rPr lang="en-NZ" dirty="0"/>
+              <a:t>SW-</a:t>
+            </a:r>
+            <a:r>
+              <a:rPr lang="en-NZ" dirty="0" err="1"/>
+              <a:t>Architektur</a:t>
+            </a:r>
+            <a:r>
+              <a:rPr lang="en-NZ" dirty="0"/>
+              <a:t> - </a:t>
+            </a:r>
+            <a:r>
+              <a:rPr lang="en-NZ" dirty="0" err="1"/>
+              <a:t>Komponenten</a:t>
+            </a:r>
+            <a:endParaRPr lang="de-DE" dirty="0"/>
+          </a:p>
+        </p:txBody>
+      </p:sp>
+      <p:sp>
+        <p:nvSpPr>
+          <p:cNvPr id="4" name="Footer Placeholder 3">
+            <a:extLst>
+              <a:ext uri="{FF2B5EF4-FFF2-40B4-BE49-F238E27FC236}">
+                <a16:creationId xmlns:a16="http://schemas.microsoft.com/office/drawing/2014/main" id="{0D0F6FF7-3337-483E-ADB9-5C497BEA80C1}"/>
+              </a:ext>
+            </a:extLst>
+          </p:cNvPr>
+          <p:cNvSpPr>
+            <a:spLocks noGrp="1"/>
+          </p:cNvSpPr>
+          <p:nvPr>
+            <p:ph type="ftr" sz="quarter" idx="11"/>
+          </p:nvPr>
+        </p:nvSpPr>
+        <p:spPr/>
+        <p:txBody>
+          <a:bodyPr/>
+          <a:lstStyle/>
+          <a:p>
+            <a:r>
+              <a:rPr lang="de-DE"/>
+              <a:t>WS19/20 - PV-Modulportal - Rüffer, Vorwerk, Withöft, Zolkin</a:t>
+            </a:r>
+          </a:p>
+        </p:txBody>
+      </p:sp>
+      <p:sp>
+        <p:nvSpPr>
+          <p:cNvPr id="5" name="Slide Number Placeholder 4">
+            <a:extLst>
+              <a:ext uri="{FF2B5EF4-FFF2-40B4-BE49-F238E27FC236}">
+                <a16:creationId xmlns:a16="http://schemas.microsoft.com/office/drawing/2014/main" id="{9195C8BF-0B9D-4568-A78D-D38C5519B517}"/>
+              </a:ext>
+            </a:extLst>
+          </p:cNvPr>
+          <p:cNvSpPr>
+            <a:spLocks noGrp="1"/>
+          </p:cNvSpPr>
+          <p:nvPr>
+            <p:ph type="sldNum" sz="quarter" idx="12"/>
+          </p:nvPr>
+        </p:nvSpPr>
+        <p:spPr/>
+        <p:txBody>
+          <a:bodyPr/>
+          <a:lstStyle/>
+          <a:p>
+            <a:fld id="{969E759D-A893-4B96-8B48-96EE547EBC41}" type="slidenum">
+              <a:rPr lang="de-DE" smtClean="0"/>
+              <a:t>24</a:t>
+            </a:fld>
+            <a:endParaRPr lang="de-DE"/>
+          </a:p>
+        </p:txBody>
+      </p:sp>
+      <p:pic>
+        <p:nvPicPr>
+          <p:cNvPr id="7" name="Picture 6" descr="A screenshot of a cell phone&#10;&#10;Description automatically generated">
+            <a:extLst>
+              <a:ext uri="{FF2B5EF4-FFF2-40B4-BE49-F238E27FC236}">
+                <a16:creationId xmlns:a16="http://schemas.microsoft.com/office/drawing/2014/main" id="{FEC7423A-3473-46A7-A830-7BC737F3C64D}"/>
+              </a:ext>
+            </a:extLst>
+          </p:cNvPr>
+          <p:cNvPicPr>
+            <a:picLocks noChangeAspect="1"/>
+          </p:cNvPicPr>
+          <p:nvPr/>
+        </p:nvPicPr>
+        <p:blipFill>
+          <a:blip r:embed="rId2">
+            <a:extLst>
+              <a:ext uri="{28A0092B-C50C-407E-A947-70E740481C1C}">
+                <a14:useLocalDpi xmlns:a14="http://schemas.microsoft.com/office/drawing/2010/main" val="0"/>
+              </a:ext>
+            </a:extLst>
+          </a:blip>
+          <a:stretch>
+            <a:fillRect/>
+          </a:stretch>
+        </p:blipFill>
+        <p:spPr>
+          <a:xfrm>
+            <a:off x="2790825" y="1121410"/>
+            <a:ext cx="6324600" cy="5234940"/>
+          </a:xfrm>
+          <a:prstGeom prst="rect">
+            <a:avLst/>
+          </a:prstGeom>
+        </p:spPr>
+      </p:pic>
+    </p:spTree>
+    <p:extLst>
+      <p:ext uri="{BB962C8B-B14F-4D97-AF65-F5344CB8AC3E}">
+        <p14:creationId xmlns:p14="http://schemas.microsoft.com/office/powerpoint/2010/main" val="1791321303"/>
+      </p:ext>
+    </p:extLst>
+  </p:cSld>
+  <p:clrMapOvr>
+    <a:masterClrMapping/>
+  </p:clrMapOvr>
+</p:sld>
+</file>
+
+<file path=ppt/slides/slide25.xml><?xml version="1.0" encoding="utf-8"?>
+<p:sld xmlns:a="http://schemas.openxmlformats.org/drawingml/2006/main" xmlns:r="http://schemas.openxmlformats.org/officeDocument/2006/relationships" xmlns:p="http://schemas.openxmlformats.org/presentationml/2006/main">
+  <p:cSld>
     <p:bg>
       <p:bgPr>
         <a:solidFill>
@@ -9031,7 +9966,7 @@
                   <a:spcPts val="600"/>
                 </a:spcAft>
               </a:pPr>
-              <a:t>23</a:t>
+              <a:t>25</a:t>
             </a:fld>
             <a:endParaRPr lang="en-US" sz="1500">
               <a:solidFill>
@@ -9050,758 +9985,6 @@
   </p:cSld>
   <p:clrMapOvr>
     <a:overrideClrMapping bg1="dk1" tx1="lt1" bg2="dk2" tx2="lt2" accent1="accent1" accent2="accent2" accent3="accent3" accent4="accent4" accent5="accent5" accent6="accent6" hlink="hlink" folHlink="folHlink"/>
-  </p:clrMapOvr>
-</p:sld>
-</file>
-
-<file path=ppt/slides/slide24.xml><?xml version="1.0" encoding="utf-8"?>
-<p:sld xmlns:a="http://schemas.openxmlformats.org/drawingml/2006/main" xmlns:r="http://schemas.openxmlformats.org/officeDocument/2006/relationships" xmlns:p="http://schemas.openxmlformats.org/presentationml/2006/main">
-  <p:cSld>
-    <p:spTree>
-      <p:nvGrpSpPr>
-        <p:cNvPr id="1" name=""/>
-        <p:cNvGrpSpPr/>
-        <p:nvPr/>
-      </p:nvGrpSpPr>
-      <p:grpSpPr>
-        <a:xfrm>
-          <a:off x="0" y="0"/>
-          <a:ext cx="0" cy="0"/>
-          <a:chOff x="0" y="0"/>
-          <a:chExt cx="0" cy="0"/>
-        </a:xfrm>
-      </p:grpSpPr>
-      <p:sp>
-        <p:nvSpPr>
-          <p:cNvPr id="2" name="Title 1">
-            <a:extLst>
-              <a:ext uri="{FF2B5EF4-FFF2-40B4-BE49-F238E27FC236}">
-                <a16:creationId xmlns:a16="http://schemas.microsoft.com/office/drawing/2014/main" id="{4C84315F-315F-4066-9D3A-472733691F27}"/>
-              </a:ext>
-            </a:extLst>
-          </p:cNvPr>
-          <p:cNvSpPr>
-            <a:spLocks noGrp="1"/>
-          </p:cNvSpPr>
-          <p:nvPr>
-            <p:ph type="title"/>
-          </p:nvPr>
-        </p:nvSpPr>
-        <p:spPr/>
-        <p:txBody>
-          <a:bodyPr>
-            <a:normAutofit fontScale="90000"/>
-          </a:bodyPr>
-          <a:lstStyle/>
-          <a:p>
-            <a:r>
-              <a:rPr lang="en-NZ" dirty="0" err="1"/>
-              <a:t>Codeimplementierungen</a:t>
-            </a:r>
-            <a:r>
-              <a:rPr lang="en-NZ" dirty="0"/>
-              <a:t>    – 	Handling der 									</a:t>
-            </a:r>
-            <a:r>
-              <a:rPr lang="en-NZ" dirty="0" err="1"/>
-              <a:t>Suchergebnisse</a:t>
-            </a:r>
-            <a:endParaRPr lang="de-DE" dirty="0"/>
-          </a:p>
-        </p:txBody>
-      </p:sp>
-      <p:sp>
-        <p:nvSpPr>
-          <p:cNvPr id="3" name="Content Placeholder 2">
-            <a:extLst>
-              <a:ext uri="{FF2B5EF4-FFF2-40B4-BE49-F238E27FC236}">
-                <a16:creationId xmlns:a16="http://schemas.microsoft.com/office/drawing/2014/main" id="{3CCB48FF-D0DB-4239-BF7B-3AC940333DEC}"/>
-              </a:ext>
-            </a:extLst>
-          </p:cNvPr>
-          <p:cNvSpPr>
-            <a:spLocks noGrp="1"/>
-          </p:cNvSpPr>
-          <p:nvPr>
-            <p:ph sz="half" idx="1"/>
-          </p:nvPr>
-        </p:nvSpPr>
-        <p:spPr/>
-        <p:txBody>
-          <a:bodyPr>
-            <a:normAutofit/>
-          </a:bodyPr>
-          <a:lstStyle/>
-          <a:p>
-            <a:r>
-              <a:rPr lang="en-NZ" dirty="0" err="1"/>
-              <a:t>Suchergebnis</a:t>
-            </a:r>
-            <a:r>
-              <a:rPr lang="en-NZ" dirty="0"/>
-              <a:t> </a:t>
-            </a:r>
-            <a:r>
-              <a:rPr lang="en-NZ" dirty="0" err="1"/>
-              <a:t>kann</a:t>
-            </a:r>
-            <a:r>
-              <a:rPr lang="en-NZ" dirty="0"/>
-              <a:t> sein:</a:t>
-            </a:r>
-          </a:p>
-          <a:p>
-            <a:pPr lvl="1"/>
-            <a:r>
-              <a:rPr lang="en-NZ" dirty="0" err="1"/>
-              <a:t>Hersteller</a:t>
-            </a:r>
-            <a:endParaRPr lang="en-NZ" dirty="0"/>
-          </a:p>
-          <a:p>
-            <a:pPr lvl="2"/>
-            <a:r>
-              <a:rPr lang="en-NZ" dirty="0" err="1"/>
-              <a:t>Suche</a:t>
-            </a:r>
-            <a:r>
-              <a:rPr lang="en-NZ" dirty="0"/>
-              <a:t> nach </a:t>
-            </a:r>
-            <a:r>
-              <a:rPr lang="en-NZ" dirty="0" err="1"/>
-              <a:t>Modultypen</a:t>
-            </a:r>
-            <a:endParaRPr lang="en-NZ" dirty="0"/>
-          </a:p>
-          <a:p>
-            <a:pPr lvl="1"/>
-            <a:r>
-              <a:rPr lang="en-NZ" dirty="0" err="1"/>
-              <a:t>Modultyp</a:t>
-            </a:r>
-            <a:endParaRPr lang="en-NZ" dirty="0"/>
-          </a:p>
-          <a:p>
-            <a:pPr lvl="2"/>
-            <a:r>
-              <a:rPr lang="en-NZ" dirty="0" err="1"/>
-              <a:t>Verweis</a:t>
-            </a:r>
-            <a:r>
-              <a:rPr lang="en-NZ" dirty="0"/>
-              <a:t> auf </a:t>
-            </a:r>
-            <a:r>
-              <a:rPr lang="en-NZ" dirty="0" err="1"/>
-              <a:t>Detailseite</a:t>
-            </a:r>
-            <a:endParaRPr lang="en-NZ" dirty="0"/>
-          </a:p>
-          <a:p>
-            <a:r>
-              <a:rPr lang="en-NZ" dirty="0" err="1"/>
-              <a:t>Werden</a:t>
-            </a:r>
-            <a:r>
-              <a:rPr lang="en-NZ" dirty="0"/>
-              <a:t> in </a:t>
-            </a:r>
-            <a:r>
-              <a:rPr lang="en-NZ" dirty="0" err="1"/>
-              <a:t>gleicher</a:t>
-            </a:r>
-            <a:r>
-              <a:rPr lang="en-NZ" dirty="0"/>
-              <a:t> </a:t>
-            </a:r>
-            <a:r>
-              <a:rPr lang="en-NZ" dirty="0" err="1"/>
-              <a:t>Methode</a:t>
-            </a:r>
-            <a:r>
-              <a:rPr lang="en-NZ" dirty="0"/>
-              <a:t> </a:t>
-            </a:r>
-            <a:r>
-              <a:rPr lang="en-NZ" dirty="0" err="1"/>
-              <a:t>zugefügt</a:t>
-            </a:r>
-            <a:endParaRPr lang="en-NZ" dirty="0"/>
-          </a:p>
-          <a:p>
-            <a:r>
-              <a:rPr lang="en-NZ" dirty="0" err="1"/>
-              <a:t>Idee</a:t>
-            </a:r>
-            <a:r>
-              <a:rPr lang="en-NZ" dirty="0"/>
-              <a:t>: </a:t>
-            </a:r>
-            <a:r>
-              <a:rPr lang="en-NZ" dirty="0" err="1"/>
-              <a:t>Enum</a:t>
-            </a:r>
-            <a:r>
-              <a:rPr lang="en-NZ" dirty="0"/>
-              <a:t> </a:t>
-            </a:r>
-            <a:r>
-              <a:rPr lang="en-NZ" dirty="0" err="1"/>
-              <a:t>zum</a:t>
-            </a:r>
-            <a:r>
-              <a:rPr lang="en-NZ" dirty="0"/>
-              <a:t> </a:t>
-            </a:r>
-            <a:r>
-              <a:rPr lang="en-NZ" dirty="0" err="1"/>
-              <a:t>Unterscheiden</a:t>
-            </a:r>
-            <a:endParaRPr lang="en-NZ" dirty="0"/>
-          </a:p>
-          <a:p>
-            <a:r>
-              <a:rPr lang="en-NZ" dirty="0" err="1"/>
-              <a:t>Vorteil</a:t>
-            </a:r>
-            <a:r>
-              <a:rPr lang="en-NZ" dirty="0"/>
-              <a:t>: </a:t>
-            </a:r>
-            <a:r>
-              <a:rPr lang="en-NZ" dirty="0" err="1"/>
-              <a:t>Keine</a:t>
-            </a:r>
-            <a:r>
-              <a:rPr lang="en-NZ" dirty="0"/>
-              <a:t> </a:t>
-            </a:r>
-            <a:r>
-              <a:rPr lang="en-NZ" dirty="0" err="1"/>
-              <a:t>zweite</a:t>
-            </a:r>
-            <a:r>
-              <a:rPr lang="en-NZ" dirty="0"/>
-              <a:t> </a:t>
-            </a:r>
-            <a:r>
-              <a:rPr lang="en-NZ" dirty="0" err="1"/>
-              <a:t>Methode</a:t>
-            </a:r>
-            <a:r>
-              <a:rPr lang="en-NZ" dirty="0"/>
-              <a:t> </a:t>
-            </a:r>
-            <a:r>
-              <a:rPr lang="en-NZ" dirty="0" err="1"/>
-              <a:t>für</a:t>
-            </a:r>
-            <a:r>
-              <a:rPr lang="en-NZ" dirty="0"/>
-              <a:t> </a:t>
-            </a:r>
-            <a:r>
-              <a:rPr lang="en-NZ" dirty="0" err="1"/>
-              <a:t>gleichen</a:t>
-            </a:r>
-            <a:r>
-              <a:rPr lang="en-NZ" dirty="0"/>
-              <a:t> </a:t>
-            </a:r>
-            <a:r>
-              <a:rPr lang="en-NZ" dirty="0" err="1"/>
-              <a:t>Anwendungsfall</a:t>
-            </a:r>
-            <a:endParaRPr lang="de-DE" dirty="0"/>
-          </a:p>
-        </p:txBody>
-      </p:sp>
-      <p:sp>
-        <p:nvSpPr>
-          <p:cNvPr id="4" name="Footer Placeholder 3">
-            <a:extLst>
-              <a:ext uri="{FF2B5EF4-FFF2-40B4-BE49-F238E27FC236}">
-                <a16:creationId xmlns:a16="http://schemas.microsoft.com/office/drawing/2014/main" id="{0EF7D1E5-7A19-4BA2-8CAA-9135FB90076C}"/>
-              </a:ext>
-            </a:extLst>
-          </p:cNvPr>
-          <p:cNvSpPr>
-            <a:spLocks noGrp="1"/>
-          </p:cNvSpPr>
-          <p:nvPr>
-            <p:ph type="ftr" sz="quarter" idx="11"/>
-          </p:nvPr>
-        </p:nvSpPr>
-        <p:spPr/>
-        <p:txBody>
-          <a:bodyPr/>
-          <a:lstStyle/>
-          <a:p>
-            <a:r>
-              <a:rPr lang="de-DE"/>
-              <a:t>WS19/20 - PV-Modulportal - Rüffer, Vorwerk, Withöft, Zolkin</a:t>
-            </a:r>
-          </a:p>
-        </p:txBody>
-      </p:sp>
-      <p:sp>
-        <p:nvSpPr>
-          <p:cNvPr id="5" name="Slide Number Placeholder 4">
-            <a:extLst>
-              <a:ext uri="{FF2B5EF4-FFF2-40B4-BE49-F238E27FC236}">
-                <a16:creationId xmlns:a16="http://schemas.microsoft.com/office/drawing/2014/main" id="{FAC16E02-623C-4BDA-BAFA-B73797A517FD}"/>
-              </a:ext>
-            </a:extLst>
-          </p:cNvPr>
-          <p:cNvSpPr>
-            <a:spLocks noGrp="1"/>
-          </p:cNvSpPr>
-          <p:nvPr>
-            <p:ph type="sldNum" sz="quarter" idx="12"/>
-          </p:nvPr>
-        </p:nvSpPr>
-        <p:spPr/>
-        <p:txBody>
-          <a:bodyPr/>
-          <a:lstStyle/>
-          <a:p>
-            <a:fld id="{969E759D-A893-4B96-8B48-96EE547EBC41}" type="slidenum">
-              <a:rPr lang="de-DE" smtClean="0"/>
-              <a:t>24</a:t>
-            </a:fld>
-            <a:endParaRPr lang="de-DE"/>
-          </a:p>
-        </p:txBody>
-      </p:sp>
-      <p:pic>
-        <p:nvPicPr>
-          <p:cNvPr id="8" name="Picture 7">
-            <a:extLst>
-              <a:ext uri="{FF2B5EF4-FFF2-40B4-BE49-F238E27FC236}">
-                <a16:creationId xmlns:a16="http://schemas.microsoft.com/office/drawing/2014/main" id="{727B0294-0674-43BC-BDB7-4BEB8B9EBA86}"/>
-              </a:ext>
-            </a:extLst>
-          </p:cNvPr>
-          <p:cNvPicPr>
-            <a:picLocks noChangeAspect="1"/>
-          </p:cNvPicPr>
-          <p:nvPr/>
-        </p:nvPicPr>
-        <p:blipFill>
-          <a:blip r:embed="rId2">
-            <a:extLst>
-              <a:ext uri="{28A0092B-C50C-407E-A947-70E740481C1C}">
-                <a14:useLocalDpi xmlns:a14="http://schemas.microsoft.com/office/drawing/2010/main" val="0"/>
-              </a:ext>
-            </a:extLst>
-          </a:blip>
-          <a:stretch>
-            <a:fillRect/>
-          </a:stretch>
-        </p:blipFill>
-        <p:spPr>
-          <a:xfrm>
-            <a:off x="5753100" y="2112645"/>
-            <a:ext cx="5715000" cy="213360"/>
-          </a:xfrm>
-          <a:prstGeom prst="rect">
-            <a:avLst/>
-          </a:prstGeom>
-        </p:spPr>
-      </p:pic>
-      <p:pic>
-        <p:nvPicPr>
-          <p:cNvPr id="10" name="Picture 9" descr="A screenshot of a cell phone&#10;&#10;Description automatically generated">
-            <a:extLst>
-              <a:ext uri="{FF2B5EF4-FFF2-40B4-BE49-F238E27FC236}">
-                <a16:creationId xmlns:a16="http://schemas.microsoft.com/office/drawing/2014/main" id="{49618CDA-DEB7-47DC-9E64-77CBE909E0AE}"/>
-              </a:ext>
-            </a:extLst>
-          </p:cNvPr>
-          <p:cNvPicPr>
-            <a:picLocks noChangeAspect="1"/>
-          </p:cNvPicPr>
-          <p:nvPr/>
-        </p:nvPicPr>
-        <p:blipFill>
-          <a:blip r:embed="rId3">
-            <a:extLst>
-              <a:ext uri="{28A0092B-C50C-407E-A947-70E740481C1C}">
-                <a14:useLocalDpi xmlns:a14="http://schemas.microsoft.com/office/drawing/2010/main" val="0"/>
-              </a:ext>
-            </a:extLst>
-          </a:blip>
-          <a:stretch>
-            <a:fillRect/>
-          </a:stretch>
-        </p:blipFill>
-        <p:spPr>
-          <a:xfrm>
-            <a:off x="6019800" y="2396490"/>
-            <a:ext cx="4808220" cy="2065020"/>
-          </a:xfrm>
-          <a:prstGeom prst="rect">
-            <a:avLst/>
-          </a:prstGeom>
-        </p:spPr>
-      </p:pic>
-    </p:spTree>
-    <p:extLst>
-      <p:ext uri="{BB962C8B-B14F-4D97-AF65-F5344CB8AC3E}">
-        <p14:creationId xmlns:p14="http://schemas.microsoft.com/office/powerpoint/2010/main" val="1219806837"/>
-      </p:ext>
-    </p:extLst>
-  </p:cSld>
-  <p:clrMapOvr>
-    <a:masterClrMapping/>
-  </p:clrMapOvr>
-</p:sld>
-</file>
-
-<file path=ppt/slides/slide25.xml><?xml version="1.0" encoding="utf-8"?>
-<p:sld xmlns:a="http://schemas.openxmlformats.org/drawingml/2006/main" xmlns:r="http://schemas.openxmlformats.org/officeDocument/2006/relationships" xmlns:p="http://schemas.openxmlformats.org/presentationml/2006/main">
-  <p:cSld>
-    <p:spTree>
-      <p:nvGrpSpPr>
-        <p:cNvPr id="1" name=""/>
-        <p:cNvGrpSpPr/>
-        <p:nvPr/>
-      </p:nvGrpSpPr>
-      <p:grpSpPr>
-        <a:xfrm>
-          <a:off x="0" y="0"/>
-          <a:ext cx="0" cy="0"/>
-          <a:chOff x="0" y="0"/>
-          <a:chExt cx="0" cy="0"/>
-        </a:xfrm>
-      </p:grpSpPr>
-      <p:sp>
-        <p:nvSpPr>
-          <p:cNvPr id="2" name="Title 1">
-            <a:extLst>
-              <a:ext uri="{FF2B5EF4-FFF2-40B4-BE49-F238E27FC236}">
-                <a16:creationId xmlns:a16="http://schemas.microsoft.com/office/drawing/2014/main" id="{4C84315F-315F-4066-9D3A-472733691F27}"/>
-              </a:ext>
-            </a:extLst>
-          </p:cNvPr>
-          <p:cNvSpPr>
-            <a:spLocks noGrp="1"/>
-          </p:cNvSpPr>
-          <p:nvPr>
-            <p:ph type="title"/>
-          </p:nvPr>
-        </p:nvSpPr>
-        <p:spPr>
-          <a:xfrm>
-            <a:off x="838200" y="365125"/>
-            <a:ext cx="10515600" cy="1325563"/>
-          </a:xfrm>
-        </p:spPr>
-        <p:txBody>
-          <a:bodyPr>
-            <a:normAutofit fontScale="90000"/>
-          </a:bodyPr>
-          <a:lstStyle/>
-          <a:p>
-            <a:r>
-              <a:rPr lang="en-NZ"/>
-              <a:t>Codeimplementierungen    – 	Ändern von</a:t>
-            </a:r>
-            <a:br>
-              <a:rPr lang="en-NZ"/>
-            </a:br>
-            <a:r>
-              <a:rPr lang="en-NZ"/>
-              <a:t>							Queryparametern</a:t>
-            </a:r>
-            <a:endParaRPr lang="de-DE" dirty="0"/>
-          </a:p>
-        </p:txBody>
-      </p:sp>
-      <p:sp>
-        <p:nvSpPr>
-          <p:cNvPr id="3" name="Content Placeholder 2">
-            <a:extLst>
-              <a:ext uri="{FF2B5EF4-FFF2-40B4-BE49-F238E27FC236}">
-                <a16:creationId xmlns:a16="http://schemas.microsoft.com/office/drawing/2014/main" id="{3CCB48FF-D0DB-4239-BF7B-3AC940333DEC}"/>
-              </a:ext>
-            </a:extLst>
-          </p:cNvPr>
-          <p:cNvSpPr>
-            <a:spLocks noGrp="1"/>
-          </p:cNvSpPr>
-          <p:nvPr>
-            <p:ph sz="half" idx="1"/>
-          </p:nvPr>
-        </p:nvSpPr>
-        <p:spPr>
-          <a:xfrm>
-            <a:off x="838199" y="1825625"/>
-            <a:ext cx="9267825" cy="4351338"/>
-          </a:xfrm>
-        </p:spPr>
-        <p:txBody>
-          <a:bodyPr>
-            <a:normAutofit/>
-          </a:bodyPr>
-          <a:lstStyle/>
-          <a:p>
-            <a:r>
-              <a:rPr lang="en-NZ" dirty="0" err="1"/>
-              <a:t>Anfragen</a:t>
-            </a:r>
-            <a:r>
-              <a:rPr lang="en-NZ" dirty="0"/>
-              <a:t> an Backend </a:t>
-            </a:r>
-            <a:r>
-              <a:rPr lang="en-NZ" dirty="0" err="1"/>
-              <a:t>über</a:t>
-            </a:r>
-            <a:r>
-              <a:rPr lang="en-NZ" dirty="0"/>
-              <a:t> GET</a:t>
-            </a:r>
-          </a:p>
-          <a:p>
-            <a:r>
-              <a:rPr lang="en-NZ" dirty="0" err="1"/>
-              <a:t>Für</a:t>
-            </a:r>
-            <a:r>
-              <a:rPr lang="en-NZ" dirty="0"/>
-              <a:t> Range-Query </a:t>
-            </a:r>
-            <a:r>
-              <a:rPr lang="en-NZ" dirty="0" err="1"/>
-              <a:t>zur</a:t>
-            </a:r>
-            <a:r>
-              <a:rPr lang="en-NZ" dirty="0"/>
-              <a:t> </a:t>
-            </a:r>
-            <a:r>
-              <a:rPr lang="en-NZ" dirty="0" err="1"/>
-              <a:t>Suche</a:t>
-            </a:r>
-            <a:r>
-              <a:rPr lang="en-NZ" dirty="0"/>
-              <a:t> </a:t>
-            </a:r>
-            <a:r>
-              <a:rPr lang="en-NZ" dirty="0" err="1"/>
-              <a:t>Wildcardoperator</a:t>
-            </a:r>
-            <a:r>
-              <a:rPr lang="en-NZ" dirty="0"/>
-              <a:t> (</a:t>
-            </a:r>
-            <a:r>
-              <a:rPr lang="en-NZ" b="1" i="1" dirty="0"/>
-              <a:t>%</a:t>
-            </a:r>
-            <a:r>
-              <a:rPr lang="en-NZ" dirty="0"/>
-              <a:t>) </a:t>
-            </a:r>
-            <a:r>
-              <a:rPr lang="en-NZ" dirty="0" err="1"/>
-              <a:t>benötigt</a:t>
-            </a:r>
-            <a:endParaRPr lang="en-NZ" dirty="0"/>
-          </a:p>
-          <a:p>
-            <a:r>
-              <a:rPr lang="en-NZ" dirty="0"/>
-              <a:t>Problem: </a:t>
-            </a:r>
-            <a:r>
-              <a:rPr lang="en-NZ" dirty="0" err="1"/>
-              <a:t>Suchanfrage</a:t>
-            </a:r>
-            <a:r>
-              <a:rPr lang="en-NZ" dirty="0"/>
-              <a:t> </a:t>
-            </a:r>
-            <a:r>
-              <a:rPr lang="en-NZ" dirty="0" err="1"/>
-              <a:t>wird</a:t>
-            </a:r>
-            <a:r>
-              <a:rPr lang="en-NZ" dirty="0"/>
-              <a:t> encoded: </a:t>
-            </a:r>
-            <a:r>
-              <a:rPr lang="en-NZ" b="1" i="1" dirty="0"/>
-              <a:t>%AB </a:t>
-            </a:r>
-            <a:r>
-              <a:rPr lang="en-NZ" dirty="0" err="1"/>
-              <a:t>wird</a:t>
-            </a:r>
-            <a:r>
-              <a:rPr lang="en-NZ" dirty="0"/>
-              <a:t> </a:t>
-            </a:r>
-            <a:r>
-              <a:rPr lang="en-NZ" dirty="0" err="1"/>
-              <a:t>zu</a:t>
-            </a:r>
-            <a:r>
-              <a:rPr lang="en-NZ" dirty="0"/>
-              <a:t>  </a:t>
-            </a:r>
-            <a:r>
-              <a:rPr lang="en-NZ" b="1" i="1" dirty="0"/>
-              <a:t>«</a:t>
-            </a:r>
-          </a:p>
-          <a:p>
-            <a:r>
-              <a:rPr lang="en-NZ" dirty="0" err="1"/>
-              <a:t>Wildcardoperator</a:t>
-            </a:r>
-            <a:r>
-              <a:rPr lang="en-NZ" dirty="0"/>
-              <a:t> </a:t>
-            </a:r>
-            <a:r>
-              <a:rPr lang="en-NZ" dirty="0" err="1"/>
-              <a:t>musste</a:t>
-            </a:r>
-            <a:r>
-              <a:rPr lang="en-NZ" dirty="0"/>
-              <a:t> neu </a:t>
-            </a:r>
-            <a:r>
-              <a:rPr lang="en-NZ" dirty="0" err="1"/>
-              <a:t>definiert</a:t>
-            </a:r>
-            <a:r>
-              <a:rPr lang="en-NZ" dirty="0"/>
-              <a:t> </a:t>
-            </a:r>
-            <a:r>
-              <a:rPr lang="en-NZ" dirty="0" err="1"/>
-              <a:t>werden</a:t>
-            </a:r>
-            <a:endParaRPr lang="en-NZ" dirty="0"/>
-          </a:p>
-        </p:txBody>
-      </p:sp>
-      <p:sp>
-        <p:nvSpPr>
-          <p:cNvPr id="4" name="Footer Placeholder 3">
-            <a:extLst>
-              <a:ext uri="{FF2B5EF4-FFF2-40B4-BE49-F238E27FC236}">
-                <a16:creationId xmlns:a16="http://schemas.microsoft.com/office/drawing/2014/main" id="{0EF7D1E5-7A19-4BA2-8CAA-9135FB90076C}"/>
-              </a:ext>
-            </a:extLst>
-          </p:cNvPr>
-          <p:cNvSpPr>
-            <a:spLocks noGrp="1"/>
-          </p:cNvSpPr>
-          <p:nvPr>
-            <p:ph type="ftr" sz="quarter" idx="11"/>
-          </p:nvPr>
-        </p:nvSpPr>
-        <p:spPr>
-          <a:xfrm>
-            <a:off x="4038600" y="6356350"/>
-            <a:ext cx="4114800" cy="365125"/>
-          </a:xfrm>
-        </p:spPr>
-        <p:txBody>
-          <a:bodyPr/>
-          <a:lstStyle/>
-          <a:p>
-            <a:r>
-              <a:rPr lang="de-DE"/>
-              <a:t>WS19/20 - PV-Modulportal - Rüffer, Vorwerk, Withöft, Zolkin</a:t>
-            </a:r>
-          </a:p>
-        </p:txBody>
-      </p:sp>
-      <p:sp>
-        <p:nvSpPr>
-          <p:cNvPr id="5" name="Slide Number Placeholder 4">
-            <a:extLst>
-              <a:ext uri="{FF2B5EF4-FFF2-40B4-BE49-F238E27FC236}">
-                <a16:creationId xmlns:a16="http://schemas.microsoft.com/office/drawing/2014/main" id="{FAC16E02-623C-4BDA-BAFA-B73797A517FD}"/>
-              </a:ext>
-            </a:extLst>
-          </p:cNvPr>
-          <p:cNvSpPr>
-            <a:spLocks noGrp="1"/>
-          </p:cNvSpPr>
-          <p:nvPr>
-            <p:ph type="sldNum" sz="quarter" idx="12"/>
-          </p:nvPr>
-        </p:nvSpPr>
-        <p:spPr>
-          <a:xfrm>
-            <a:off x="8610600" y="6356350"/>
-            <a:ext cx="2743200" cy="365125"/>
-          </a:xfrm>
-        </p:spPr>
-        <p:txBody>
-          <a:bodyPr/>
-          <a:lstStyle/>
-          <a:p>
-            <a:fld id="{969E759D-A893-4B96-8B48-96EE547EBC41}" type="slidenum">
-              <a:rPr lang="de-DE" smtClean="0"/>
-              <a:t>25</a:t>
-            </a:fld>
-            <a:endParaRPr lang="de-DE"/>
-          </a:p>
-        </p:txBody>
-      </p:sp>
-      <p:pic>
-        <p:nvPicPr>
-          <p:cNvPr id="12" name="Picture 11">
-            <a:extLst>
-              <a:ext uri="{FF2B5EF4-FFF2-40B4-BE49-F238E27FC236}">
-                <a16:creationId xmlns:a16="http://schemas.microsoft.com/office/drawing/2014/main" id="{4952C6A9-A774-46DB-BDF1-F673FA48CDFD}"/>
-              </a:ext>
-            </a:extLst>
-          </p:cNvPr>
-          <p:cNvPicPr>
-            <a:picLocks noChangeAspect="1"/>
-          </p:cNvPicPr>
-          <p:nvPr/>
-        </p:nvPicPr>
-        <p:blipFill>
-          <a:blip r:embed="rId2">
-            <a:extLst>
-              <a:ext uri="{28A0092B-C50C-407E-A947-70E740481C1C}">
-                <a14:useLocalDpi xmlns:a14="http://schemas.microsoft.com/office/drawing/2010/main" val="0"/>
-              </a:ext>
-            </a:extLst>
-          </a:blip>
-          <a:stretch>
-            <a:fillRect/>
-          </a:stretch>
-        </p:blipFill>
-        <p:spPr>
-          <a:xfrm>
-            <a:off x="204950" y="4377205"/>
-            <a:ext cx="11782100" cy="1189273"/>
-          </a:xfrm>
-          <a:prstGeom prst="rect">
-            <a:avLst/>
-          </a:prstGeom>
-        </p:spPr>
-      </p:pic>
-    </p:spTree>
-    <p:extLst>
-      <p:ext uri="{BB962C8B-B14F-4D97-AF65-F5344CB8AC3E}">
-        <p14:creationId xmlns:p14="http://schemas.microsoft.com/office/powerpoint/2010/main" val="1507256200"/>
-      </p:ext>
-    </p:extLst>
-  </p:cSld>
-  <p:clrMapOvr>
-    <a:masterClrMapping/>
   </p:clrMapOvr>
 </p:sld>
 </file>
@@ -9839,12 +10022,46 @@
             <p:ph type="title"/>
           </p:nvPr>
         </p:nvSpPr>
-        <p:spPr>
-          <a:xfrm>
-            <a:off x="838200" y="365125"/>
-            <a:ext cx="10515600" cy="1325563"/>
-          </a:xfrm>
-        </p:spPr>
+        <p:spPr/>
+        <p:txBody>
+          <a:bodyPr>
+            <a:normAutofit fontScale="90000"/>
+          </a:bodyPr>
+          <a:lstStyle/>
+          <a:p>
+            <a:r>
+              <a:rPr lang="en-NZ" dirty="0" err="1"/>
+              <a:t>Codeimplementierungen</a:t>
+            </a:r>
+            <a:r>
+              <a:rPr lang="en-NZ" dirty="0"/>
+              <a:t>    – 	Handling der 									</a:t>
+            </a:r>
+            <a:r>
+              <a:rPr lang="en-NZ" dirty="0" err="1"/>
+              <a:t>Suchergebnisse</a:t>
+            </a:r>
+            <a:endParaRPr lang="de-DE" dirty="0"/>
+          </a:p>
+        </p:txBody>
+      </p:sp>
+      <p:sp>
+        <p:nvSpPr>
+          <p:cNvPr id="3" name="Content Placeholder 2">
+            <a:extLst>
+              <a:ext uri="{FF2B5EF4-FFF2-40B4-BE49-F238E27FC236}">
+                <a16:creationId xmlns:a16="http://schemas.microsoft.com/office/drawing/2014/main" id="{3CCB48FF-D0DB-4239-BF7B-3AC940333DEC}"/>
+              </a:ext>
+            </a:extLst>
+          </p:cNvPr>
+          <p:cNvSpPr>
+            <a:spLocks noGrp="1"/>
+          </p:cNvSpPr>
+          <p:nvPr>
+            <p:ph sz="half" idx="1"/>
+          </p:nvPr>
+        </p:nvSpPr>
+        <p:spPr/>
         <p:txBody>
           <a:bodyPr>
             <a:normAutofit/>
@@ -9853,46 +10070,258 @@
           <a:p>
             <a:r>
               <a:rPr lang="en-NZ" dirty="0" err="1"/>
-              <a:t>Codeimplementierungen</a:t>
+              <a:t>Suchergebnis</a:t>
             </a:r>
             <a:r>
               <a:rPr lang="en-NZ" dirty="0"/>
-              <a:t>  – 	Backend</a:t>
-            </a:r>
-            <a:br>
+              <a:t> </a:t>
+            </a:r>
+            <a:r>
+              <a:rPr lang="en-NZ" dirty="0" err="1"/>
+              <a:t>kann</a:t>
+            </a:r>
+            <a:r>
               <a:rPr lang="en-NZ" dirty="0"/>
-            </a:br>
-            <a:r>
-              <a:rPr lang="en-NZ" dirty="0"/>
-              <a:t>							</a:t>
-            </a:r>
+              <a:t> sein:</a:t>
+            </a:r>
+          </a:p>
+          <a:p>
+            <a:pPr lvl="1"/>
+            <a:r>
+              <a:rPr lang="en-NZ" dirty="0" err="1"/>
+              <a:t>Hersteller</a:t>
+            </a:r>
+            <a:endParaRPr lang="en-NZ" dirty="0"/>
+          </a:p>
+          <a:p>
+            <a:pPr lvl="2"/>
             <a:r>
               <a:rPr lang="en-NZ" dirty="0" err="1"/>
               <a:t>Suche</a:t>
             </a:r>
             <a:r>
               <a:rPr lang="en-NZ" dirty="0"/>
-              <a:t> I</a:t>
+              <a:t> nach </a:t>
+            </a:r>
+            <a:r>
+              <a:rPr lang="en-NZ" dirty="0" err="1"/>
+              <a:t>Modultypen</a:t>
+            </a:r>
+            <a:endParaRPr lang="en-NZ" dirty="0"/>
+          </a:p>
+          <a:p>
+            <a:pPr lvl="1"/>
+            <a:r>
+              <a:rPr lang="en-NZ" dirty="0" err="1"/>
+              <a:t>Modultyp</a:t>
+            </a:r>
+            <a:endParaRPr lang="en-NZ" dirty="0"/>
+          </a:p>
+          <a:p>
+            <a:pPr lvl="2"/>
+            <a:r>
+              <a:rPr lang="en-NZ" dirty="0" err="1"/>
+              <a:t>Verweis</a:t>
+            </a:r>
+            <a:r>
+              <a:rPr lang="en-NZ" dirty="0"/>
+              <a:t> auf </a:t>
+            </a:r>
+            <a:r>
+              <a:rPr lang="en-NZ" dirty="0" err="1"/>
+              <a:t>Detailseite</a:t>
+            </a:r>
+            <a:endParaRPr lang="en-NZ" dirty="0"/>
+          </a:p>
+          <a:p>
+            <a:r>
+              <a:rPr lang="en-NZ" dirty="0" err="1"/>
+              <a:t>Werden</a:t>
+            </a:r>
+            <a:r>
+              <a:rPr lang="en-NZ" dirty="0"/>
+              <a:t> in </a:t>
+            </a:r>
+            <a:r>
+              <a:rPr lang="en-NZ" dirty="0" err="1"/>
+              <a:t>gleicher</a:t>
+            </a:r>
+            <a:r>
+              <a:rPr lang="en-NZ" dirty="0"/>
+              <a:t> </a:t>
+            </a:r>
+            <a:r>
+              <a:rPr lang="en-NZ" dirty="0" err="1"/>
+              <a:t>Methode</a:t>
+            </a:r>
+            <a:r>
+              <a:rPr lang="en-NZ" dirty="0"/>
+              <a:t> </a:t>
+            </a:r>
+            <a:r>
+              <a:rPr lang="en-NZ" dirty="0" err="1"/>
+              <a:t>zugefügt</a:t>
+            </a:r>
+            <a:endParaRPr lang="en-NZ" dirty="0"/>
+          </a:p>
+          <a:p>
+            <a:r>
+              <a:rPr lang="en-NZ" dirty="0" err="1"/>
+              <a:t>Idee</a:t>
+            </a:r>
+            <a:r>
+              <a:rPr lang="en-NZ" dirty="0"/>
+              <a:t>: </a:t>
+            </a:r>
+            <a:r>
+              <a:rPr lang="en-NZ" dirty="0" err="1"/>
+              <a:t>Enum</a:t>
+            </a:r>
+            <a:r>
+              <a:rPr lang="en-NZ" dirty="0"/>
+              <a:t> </a:t>
+            </a:r>
+            <a:r>
+              <a:rPr lang="en-NZ" dirty="0" err="1"/>
+              <a:t>zum</a:t>
+            </a:r>
+            <a:r>
+              <a:rPr lang="en-NZ" dirty="0"/>
+              <a:t> </a:t>
+            </a:r>
+            <a:r>
+              <a:rPr lang="en-NZ" dirty="0" err="1"/>
+              <a:t>Unterscheiden</a:t>
+            </a:r>
+            <a:endParaRPr lang="en-NZ" dirty="0"/>
+          </a:p>
+          <a:p>
+            <a:r>
+              <a:rPr lang="en-NZ" dirty="0" err="1"/>
+              <a:t>Vorteil</a:t>
+            </a:r>
+            <a:r>
+              <a:rPr lang="en-NZ" dirty="0"/>
+              <a:t>: </a:t>
+            </a:r>
+            <a:r>
+              <a:rPr lang="en-NZ" dirty="0" err="1"/>
+              <a:t>Keine</a:t>
+            </a:r>
+            <a:r>
+              <a:rPr lang="en-NZ" dirty="0"/>
+              <a:t> </a:t>
+            </a:r>
+            <a:r>
+              <a:rPr lang="en-NZ" dirty="0" err="1"/>
+              <a:t>zweite</a:t>
+            </a:r>
+            <a:r>
+              <a:rPr lang="en-NZ" dirty="0"/>
+              <a:t> </a:t>
+            </a:r>
+            <a:r>
+              <a:rPr lang="en-NZ" dirty="0" err="1"/>
+              <a:t>Methode</a:t>
+            </a:r>
+            <a:r>
+              <a:rPr lang="en-NZ" dirty="0"/>
+              <a:t> </a:t>
+            </a:r>
+            <a:r>
+              <a:rPr lang="en-NZ" dirty="0" err="1"/>
+              <a:t>für</a:t>
+            </a:r>
+            <a:r>
+              <a:rPr lang="en-NZ" dirty="0"/>
+              <a:t> </a:t>
+            </a:r>
+            <a:r>
+              <a:rPr lang="en-NZ" dirty="0" err="1"/>
+              <a:t>gleichen</a:t>
+            </a:r>
+            <a:r>
+              <a:rPr lang="en-NZ" dirty="0"/>
+              <a:t> </a:t>
+            </a:r>
+            <a:r>
+              <a:rPr lang="en-NZ" dirty="0" err="1"/>
+              <a:t>Anwendungsfall</a:t>
             </a:r>
             <a:endParaRPr lang="de-DE" dirty="0"/>
+          </a:p>
+        </p:txBody>
+      </p:sp>
+      <p:sp>
+        <p:nvSpPr>
+          <p:cNvPr id="4" name="Footer Placeholder 3">
+            <a:extLst>
+              <a:ext uri="{FF2B5EF4-FFF2-40B4-BE49-F238E27FC236}">
+                <a16:creationId xmlns:a16="http://schemas.microsoft.com/office/drawing/2014/main" id="{0EF7D1E5-7A19-4BA2-8CAA-9135FB90076C}"/>
+              </a:ext>
+            </a:extLst>
+          </p:cNvPr>
+          <p:cNvSpPr>
+            <a:spLocks noGrp="1"/>
+          </p:cNvSpPr>
+          <p:nvPr>
+            <p:ph type="ftr" sz="quarter" idx="11"/>
+          </p:nvPr>
+        </p:nvSpPr>
+        <p:spPr/>
+        <p:txBody>
+          <a:bodyPr/>
+          <a:lstStyle/>
+          <a:p>
+            <a:r>
+              <a:rPr lang="de-DE"/>
+              <a:t>WS19/20 - PV-Modulportal - Rüffer, Vorwerk, Withöft, Zolkin</a:t>
+            </a:r>
+          </a:p>
+        </p:txBody>
+      </p:sp>
+      <p:sp>
+        <p:nvSpPr>
+          <p:cNvPr id="5" name="Slide Number Placeholder 4">
+            <a:extLst>
+              <a:ext uri="{FF2B5EF4-FFF2-40B4-BE49-F238E27FC236}">
+                <a16:creationId xmlns:a16="http://schemas.microsoft.com/office/drawing/2014/main" id="{FAC16E02-623C-4BDA-BAFA-B73797A517FD}"/>
+              </a:ext>
+            </a:extLst>
+          </p:cNvPr>
+          <p:cNvSpPr>
+            <a:spLocks noGrp="1"/>
+          </p:cNvSpPr>
+          <p:nvPr>
+            <p:ph type="sldNum" sz="quarter" idx="12"/>
+          </p:nvPr>
+        </p:nvSpPr>
+        <p:spPr/>
+        <p:txBody>
+          <a:bodyPr/>
+          <a:lstStyle/>
+          <a:p>
+            <a:fld id="{969E759D-A893-4B96-8B48-96EE547EBC41}" type="slidenum">
+              <a:rPr lang="de-DE" smtClean="0"/>
+              <a:t>26</a:t>
+            </a:fld>
+            <a:endParaRPr lang="de-DE"/>
           </a:p>
         </p:txBody>
       </p:sp>
       <p:pic>
         <p:nvPicPr>
-          <p:cNvPr id="8" name="Inhaltsplatzhalter 7" descr="Ein Bild, das Screenshot enthält.&#10;&#10;Automatisch generierte Beschreibung">
-            <a:extLst>
-              <a:ext uri="{FF2B5EF4-FFF2-40B4-BE49-F238E27FC236}">
-                <a16:creationId xmlns:a16="http://schemas.microsoft.com/office/drawing/2014/main" id="{E3924121-A383-42BD-A8DC-7D467B374357}"/>
+          <p:cNvPr id="8" name="Picture 7">
+            <a:extLst>
+              <a:ext uri="{FF2B5EF4-FFF2-40B4-BE49-F238E27FC236}">
+                <a16:creationId xmlns:a16="http://schemas.microsoft.com/office/drawing/2014/main" id="{727B0294-0674-43BC-BDB7-4BEB8B9EBA86}"/>
               </a:ext>
             </a:extLst>
           </p:cNvPr>
           <p:cNvPicPr>
-            <a:picLocks noGrp="1" noChangeAspect="1"/>
+            <a:picLocks noChangeAspect="1"/>
           </p:cNvPicPr>
-          <p:nvPr>
-            <p:ph sz="half" idx="1"/>
-          </p:nvPr>
+          <p:nvPr/>
         </p:nvPicPr>
         <p:blipFill>
           <a:blip r:embed="rId2">
@@ -9908,119 +10337,20 @@
         </p:blipFill>
         <p:spPr>
           <a:xfrm>
-            <a:off x="404089" y="2654125"/>
-            <a:ext cx="5950530" cy="2895499"/>
-          </a:xfrm>
-        </p:spPr>
-      </p:pic>
-      <p:sp>
-        <p:nvSpPr>
-          <p:cNvPr id="4" name="Footer Placeholder 3">
-            <a:extLst>
-              <a:ext uri="{FF2B5EF4-FFF2-40B4-BE49-F238E27FC236}">
-                <a16:creationId xmlns:a16="http://schemas.microsoft.com/office/drawing/2014/main" id="{0EF7D1E5-7A19-4BA2-8CAA-9135FB90076C}"/>
-              </a:ext>
-            </a:extLst>
-          </p:cNvPr>
-          <p:cNvSpPr>
-            <a:spLocks noGrp="1"/>
-          </p:cNvSpPr>
-          <p:nvPr>
-            <p:ph type="ftr" sz="quarter" idx="11"/>
-          </p:nvPr>
-        </p:nvSpPr>
-        <p:spPr>
-          <a:xfrm>
-            <a:off x="4038600" y="6356350"/>
-            <a:ext cx="4114800" cy="365125"/>
-          </a:xfrm>
-        </p:spPr>
-        <p:txBody>
-          <a:bodyPr/>
-          <a:lstStyle/>
-          <a:p>
-            <a:r>
-              <a:rPr lang="de-DE"/>
-              <a:t>WS19/20 - PV-Modulportal - Rüffer, Vorwerk, Withöft, Zolkin</a:t>
-            </a:r>
-          </a:p>
-        </p:txBody>
-      </p:sp>
-      <p:sp>
-        <p:nvSpPr>
-          <p:cNvPr id="5" name="Slide Number Placeholder 4">
-            <a:extLst>
-              <a:ext uri="{FF2B5EF4-FFF2-40B4-BE49-F238E27FC236}">
-                <a16:creationId xmlns:a16="http://schemas.microsoft.com/office/drawing/2014/main" id="{FAC16E02-623C-4BDA-BAFA-B73797A517FD}"/>
-              </a:ext>
-            </a:extLst>
-          </p:cNvPr>
-          <p:cNvSpPr>
-            <a:spLocks noGrp="1"/>
-          </p:cNvSpPr>
-          <p:nvPr>
-            <p:ph type="sldNum" sz="quarter" idx="12"/>
-          </p:nvPr>
-        </p:nvSpPr>
-        <p:spPr>
-          <a:xfrm>
-            <a:off x="8610600" y="6356350"/>
-            <a:ext cx="2743200" cy="365125"/>
-          </a:xfrm>
-        </p:spPr>
-        <p:txBody>
-          <a:bodyPr/>
-          <a:lstStyle/>
-          <a:p>
-            <a:fld id="{969E759D-A893-4B96-8B48-96EE547EBC41}" type="slidenum">
-              <a:rPr lang="de-DE" smtClean="0"/>
-              <a:t>26</a:t>
-            </a:fld>
-            <a:endParaRPr lang="de-DE"/>
-          </a:p>
-        </p:txBody>
-      </p:sp>
-      <p:sp>
-        <p:nvSpPr>
-          <p:cNvPr id="9" name="Textfeld 8">
-            <a:extLst>
-              <a:ext uri="{FF2B5EF4-FFF2-40B4-BE49-F238E27FC236}">
-                <a16:creationId xmlns:a16="http://schemas.microsoft.com/office/drawing/2014/main" id="{0BC016EB-C997-45C6-8835-9C6489AE7467}"/>
-              </a:ext>
-            </a:extLst>
-          </p:cNvPr>
-          <p:cNvSpPr txBox="1"/>
-          <p:nvPr/>
-        </p:nvSpPr>
-        <p:spPr>
-          <a:xfrm>
-            <a:off x="1745671" y="2170850"/>
-            <a:ext cx="2655022" cy="369332"/>
+            <a:off x="5753100" y="2112645"/>
+            <a:ext cx="5715000" cy="213360"/>
           </a:xfrm>
           <a:prstGeom prst="rect">
             <a:avLst/>
           </a:prstGeom>
-          <a:noFill/>
-        </p:spPr>
-        <p:txBody>
-          <a:bodyPr wrap="none" rtlCol="0">
-            <a:spAutoFit/>
-          </a:bodyPr>
-          <a:lstStyle/>
-          <a:p>
-            <a:r>
-              <a:rPr lang="de-DE" dirty="0"/>
-              <a:t>Parsen der GET-Parameter</a:t>
-            </a:r>
-          </a:p>
-        </p:txBody>
-      </p:sp>
+        </p:spPr>
+      </p:pic>
       <p:pic>
         <p:nvPicPr>
-          <p:cNvPr id="11" name="Grafik 10" descr="Ein Bild, das Screenshot enthält.&#10;&#10;Automatisch generierte Beschreibung">
-            <a:extLst>
-              <a:ext uri="{FF2B5EF4-FFF2-40B4-BE49-F238E27FC236}">
-                <a16:creationId xmlns:a16="http://schemas.microsoft.com/office/drawing/2014/main" id="{2788B166-ACA4-49D8-8267-C2B86797E620}"/>
+          <p:cNvPr id="10" name="Picture 9" descr="A screenshot of a cell phone&#10;&#10;Description automatically generated">
+            <a:extLst>
+              <a:ext uri="{FF2B5EF4-FFF2-40B4-BE49-F238E27FC236}">
+                <a16:creationId xmlns:a16="http://schemas.microsoft.com/office/drawing/2014/main" id="{49618CDA-DEB7-47DC-9E64-77CBE909E0AE}"/>
               </a:ext>
             </a:extLst>
           </p:cNvPr>
@@ -10043,58 +10373,18 @@
         </p:blipFill>
         <p:spPr>
           <a:xfrm>
-            <a:off x="6902064" y="2654125"/>
-            <a:ext cx="5197657" cy="2895499"/>
+            <a:off x="6019800" y="2396490"/>
+            <a:ext cx="4808220" cy="2065020"/>
           </a:xfrm>
           <a:prstGeom prst="rect">
             <a:avLst/>
           </a:prstGeom>
         </p:spPr>
       </p:pic>
-      <p:sp>
-        <p:nvSpPr>
-          <p:cNvPr id="16" name="Textfeld 15">
-            <a:extLst>
-              <a:ext uri="{FF2B5EF4-FFF2-40B4-BE49-F238E27FC236}">
-                <a16:creationId xmlns:a16="http://schemas.microsoft.com/office/drawing/2014/main" id="{3B830095-FAAF-4349-B714-8DEAD2804688}"/>
-              </a:ext>
-            </a:extLst>
-          </p:cNvPr>
-          <p:cNvSpPr txBox="1"/>
-          <p:nvPr/>
-        </p:nvSpPr>
-        <p:spPr>
-          <a:xfrm>
-            <a:off x="7976034" y="2170850"/>
-            <a:ext cx="3066737" cy="369332"/>
-          </a:xfrm>
-          <a:prstGeom prst="rect">
-            <a:avLst/>
-          </a:prstGeom>
-          <a:noFill/>
-        </p:spPr>
-        <p:txBody>
-          <a:bodyPr wrap="none" rtlCol="0">
-            <a:spAutoFit/>
-          </a:bodyPr>
-          <a:lstStyle/>
-          <a:p>
-            <a:r>
-              <a:rPr lang="de-DE" dirty="0"/>
-              <a:t>Einfügen in die </a:t>
-            </a:r>
-            <a:r>
-              <a:rPr lang="de-DE" dirty="0" err="1"/>
-              <a:t>PreparedQuery</a:t>
-            </a:r>
-            <a:endParaRPr lang="de-DE" dirty="0"/>
-          </a:p>
-        </p:txBody>
-      </p:sp>
     </p:spTree>
     <p:extLst>
       <p:ext uri="{BB962C8B-B14F-4D97-AF65-F5344CB8AC3E}">
-        <p14:creationId xmlns:p14="http://schemas.microsoft.com/office/powerpoint/2010/main" val="622820045"/>
+        <p14:creationId xmlns:p14="http://schemas.microsoft.com/office/powerpoint/2010/main" val="1219806837"/>
       </p:ext>
     </p:extLst>
   </p:cSld>
@@ -10145,24 +10435,86 @@
         </p:spPr>
         <p:txBody>
           <a:bodyPr>
+            <a:normAutofit fontScale="90000"/>
+          </a:bodyPr>
+          <a:lstStyle/>
+          <a:p>
+            <a:r>
+              <a:rPr lang="en-NZ"/>
+              <a:t>Codeimplementierungen    – 	Ändern von</a:t>
+            </a:r>
+            <a:br>
+              <a:rPr lang="en-NZ"/>
+            </a:br>
+            <a:r>
+              <a:rPr lang="en-NZ"/>
+              <a:t>							Queryparametern</a:t>
+            </a:r>
+            <a:endParaRPr lang="de-DE" dirty="0"/>
+          </a:p>
+        </p:txBody>
+      </p:sp>
+      <p:sp>
+        <p:nvSpPr>
+          <p:cNvPr id="3" name="Content Placeholder 2">
+            <a:extLst>
+              <a:ext uri="{FF2B5EF4-FFF2-40B4-BE49-F238E27FC236}">
+                <a16:creationId xmlns:a16="http://schemas.microsoft.com/office/drawing/2014/main" id="{3CCB48FF-D0DB-4239-BF7B-3AC940333DEC}"/>
+              </a:ext>
+            </a:extLst>
+          </p:cNvPr>
+          <p:cNvSpPr>
+            <a:spLocks noGrp="1"/>
+          </p:cNvSpPr>
+          <p:nvPr>
+            <p:ph sz="half" idx="1"/>
+          </p:nvPr>
+        </p:nvSpPr>
+        <p:spPr>
+          <a:xfrm>
+            <a:off x="838199" y="1825625"/>
+            <a:ext cx="9267825" cy="4351338"/>
+          </a:xfrm>
+        </p:spPr>
+        <p:txBody>
+          <a:bodyPr>
             <a:normAutofit/>
           </a:bodyPr>
           <a:lstStyle/>
           <a:p>
             <a:r>
               <a:rPr lang="en-NZ" dirty="0" err="1"/>
-              <a:t>Codeimplementierungen</a:t>
+              <a:t>Anfragen</a:t>
             </a:r>
             <a:r>
               <a:rPr lang="en-NZ" dirty="0"/>
-              <a:t>  – 	Backend</a:t>
-            </a:r>
-            <a:br>
+              <a:t> an Backend </a:t>
+            </a:r>
+            <a:r>
+              <a:rPr lang="en-NZ" dirty="0" err="1"/>
+              <a:t>über</a:t>
+            </a:r>
+            <a:r>
               <a:rPr lang="en-NZ" dirty="0"/>
-            </a:br>
+              <a:t> GET</a:t>
+            </a:r>
+          </a:p>
+          <a:p>
+            <a:r>
+              <a:rPr lang="en-NZ" dirty="0" err="1"/>
+              <a:t>Für</a:t>
+            </a:r>
             <a:r>
               <a:rPr lang="en-NZ" dirty="0"/>
-              <a:t>							</a:t>
+              <a:t> Range-Query </a:t>
+            </a:r>
+            <a:r>
+              <a:rPr lang="en-NZ" dirty="0" err="1"/>
+              <a:t>zur</a:t>
+            </a:r>
+            <a:r>
+              <a:rPr lang="en-NZ" dirty="0"/>
+              <a:t> </a:t>
             </a:r>
             <a:r>
               <a:rPr lang="en-NZ" dirty="0" err="1"/>
@@ -10170,9 +10522,106 @@
             </a:r>
             <a:r>
               <a:rPr lang="en-NZ" dirty="0"/>
-              <a:t> II</a:t>
-            </a:r>
-            <a:endParaRPr lang="de-DE" dirty="0"/>
+              <a:t> </a:t>
+            </a:r>
+            <a:r>
+              <a:rPr lang="en-NZ" dirty="0" err="1"/>
+              <a:t>Wildcardoperator</a:t>
+            </a:r>
+            <a:r>
+              <a:rPr lang="en-NZ" dirty="0"/>
+              <a:t> (</a:t>
+            </a:r>
+            <a:r>
+              <a:rPr lang="en-NZ" b="1" i="1" dirty="0"/>
+              <a:t>%</a:t>
+            </a:r>
+            <a:r>
+              <a:rPr lang="en-NZ" dirty="0"/>
+              <a:t>) </a:t>
+            </a:r>
+            <a:r>
+              <a:rPr lang="en-NZ" dirty="0" err="1"/>
+              <a:t>benötigt</a:t>
+            </a:r>
+            <a:endParaRPr lang="en-NZ" dirty="0"/>
+          </a:p>
+          <a:p>
+            <a:r>
+              <a:rPr lang="en-NZ" dirty="0"/>
+              <a:t>Problem: </a:t>
+            </a:r>
+            <a:r>
+              <a:rPr lang="en-NZ" dirty="0" err="1"/>
+              <a:t>Suchanfrage</a:t>
+            </a:r>
+            <a:r>
+              <a:rPr lang="en-NZ" dirty="0"/>
+              <a:t> </a:t>
+            </a:r>
+            <a:r>
+              <a:rPr lang="en-NZ" dirty="0" err="1"/>
+              <a:t>wird</a:t>
+            </a:r>
+            <a:r>
+              <a:rPr lang="en-NZ" dirty="0"/>
+              <a:t> encoded: </a:t>
+            </a:r>
+            <a:r>
+              <a:rPr lang="en-NZ" b="1" i="1" dirty="0"/>
+              <a:t>%AB </a:t>
+            </a:r>
+            <a:r>
+              <a:rPr lang="en-NZ" dirty="0" err="1"/>
+              <a:t>wird</a:t>
+            </a:r>
+            <a:r>
+              <a:rPr lang="en-NZ" dirty="0"/>
+              <a:t> </a:t>
+            </a:r>
+            <a:r>
+              <a:rPr lang="en-NZ" dirty="0" err="1"/>
+              <a:t>zu</a:t>
+            </a:r>
+            <a:r>
+              <a:rPr lang="en-NZ" dirty="0"/>
+              <a:t>  </a:t>
+            </a:r>
+            <a:r>
+              <a:rPr lang="en-NZ" b="1" i="1" dirty="0"/>
+              <a:t>«</a:t>
+            </a:r>
+          </a:p>
+          <a:p>
+            <a:r>
+              <a:rPr lang="en-NZ" dirty="0" err="1"/>
+              <a:t>Wildcardoperator</a:t>
+            </a:r>
+            <a:r>
+              <a:rPr lang="en-NZ" dirty="0"/>
+              <a:t> </a:t>
+            </a:r>
+            <a:r>
+              <a:rPr lang="en-NZ" dirty="0" err="1"/>
+              <a:t>musste</a:t>
+            </a:r>
+            <a:r>
+              <a:rPr lang="en-NZ" dirty="0"/>
+              <a:t> neu </a:t>
+            </a:r>
+            <a:r>
+              <a:rPr lang="en-NZ" dirty="0" err="1"/>
+              <a:t>definiert</a:t>
+            </a:r>
+            <a:r>
+              <a:rPr lang="en-NZ" dirty="0"/>
+              <a:t> </a:t>
+            </a:r>
+            <a:r>
+              <a:rPr lang="en-NZ" dirty="0" err="1"/>
+              <a:t>werden</a:t>
+            </a:r>
+            <a:endParaRPr lang="en-NZ" dirty="0"/>
           </a:p>
         </p:txBody>
       </p:sp>
@@ -10243,47 +10692,12 @@
           </a:p>
         </p:txBody>
       </p:sp>
-      <p:sp>
-        <p:nvSpPr>
-          <p:cNvPr id="9" name="Textfeld 8">
-            <a:extLst>
-              <a:ext uri="{FF2B5EF4-FFF2-40B4-BE49-F238E27FC236}">
-                <a16:creationId xmlns:a16="http://schemas.microsoft.com/office/drawing/2014/main" id="{0BC016EB-C997-45C6-8835-9C6489AE7467}"/>
-              </a:ext>
-            </a:extLst>
-          </p:cNvPr>
-          <p:cNvSpPr txBox="1"/>
-          <p:nvPr/>
-        </p:nvSpPr>
-        <p:spPr>
-          <a:xfrm>
-            <a:off x="4123633" y="2114068"/>
-            <a:ext cx="3944734" cy="369332"/>
-          </a:xfrm>
-          <a:prstGeom prst="rect">
-            <a:avLst/>
-          </a:prstGeom>
-          <a:noFill/>
-        </p:spPr>
-        <p:txBody>
-          <a:bodyPr wrap="none" rtlCol="0">
-            <a:spAutoFit/>
-          </a:bodyPr>
-          <a:lstStyle/>
-          <a:p>
-            <a:r>
-              <a:rPr lang="de-DE" dirty="0"/>
-              <a:t>Parameter binden, Ersetzung von § zu %</a:t>
-            </a:r>
-          </a:p>
-        </p:txBody>
-      </p:sp>
       <p:pic>
         <p:nvPicPr>
-          <p:cNvPr id="6" name="Grafik 5" descr="Ein Bild, das Messer enthält.&#10;&#10;Automatisch generierte Beschreibung">
-            <a:extLst>
-              <a:ext uri="{FF2B5EF4-FFF2-40B4-BE49-F238E27FC236}">
-                <a16:creationId xmlns:a16="http://schemas.microsoft.com/office/drawing/2014/main" id="{33492598-0506-4F48-9736-08ECA55DD99C}"/>
+          <p:cNvPr id="12" name="Picture 11">
+            <a:extLst>
+              <a:ext uri="{FF2B5EF4-FFF2-40B4-BE49-F238E27FC236}">
+                <a16:creationId xmlns:a16="http://schemas.microsoft.com/office/drawing/2014/main" id="{4952C6A9-A774-46DB-BDF1-F673FA48CDFD}"/>
               </a:ext>
             </a:extLst>
           </p:cNvPr>
@@ -10306,8 +10720,8 @@
         </p:blipFill>
         <p:spPr>
           <a:xfrm>
-            <a:off x="2342626" y="2776583"/>
-            <a:ext cx="7506748" cy="1095528"/>
+            <a:off x="204950" y="4377205"/>
+            <a:ext cx="11782100" cy="1189273"/>
           </a:xfrm>
           <a:prstGeom prst="rect">
             <a:avLst/>
@@ -10317,7 +10731,7 @@
     </p:spTree>
     <p:extLst>
       <p:ext uri="{BB962C8B-B14F-4D97-AF65-F5344CB8AC3E}">
-        <p14:creationId xmlns:p14="http://schemas.microsoft.com/office/powerpoint/2010/main" val="1073039314"/>
+        <p14:creationId xmlns:p14="http://schemas.microsoft.com/office/powerpoint/2010/main" val="1507256200"/>
       </p:ext>
     </p:extLst>
   </p:cSld>
@@ -10389,141 +10803,51 @@
             </a:r>
             <a:r>
               <a:rPr lang="en-NZ" dirty="0" err="1"/>
-              <a:t>Kommentare</a:t>
+              <a:t>Suche</a:t>
+            </a:r>
+            <a:r>
+              <a:rPr lang="en-NZ" dirty="0"/>
+              <a:t> I</a:t>
             </a:r>
             <a:endParaRPr lang="de-DE" dirty="0"/>
           </a:p>
         </p:txBody>
       </p:sp>
-      <p:sp>
-        <p:nvSpPr>
-          <p:cNvPr id="3" name="Content Placeholder 2">
-            <a:extLst>
-              <a:ext uri="{FF2B5EF4-FFF2-40B4-BE49-F238E27FC236}">
-                <a16:creationId xmlns:a16="http://schemas.microsoft.com/office/drawing/2014/main" id="{3CCB48FF-D0DB-4239-BF7B-3AC940333DEC}"/>
-              </a:ext>
-            </a:extLst>
-          </p:cNvPr>
-          <p:cNvSpPr>
-            <a:spLocks noGrp="1"/>
-          </p:cNvSpPr>
+      <p:pic>
+        <p:nvPicPr>
+          <p:cNvPr id="8" name="Inhaltsplatzhalter 7" descr="Ein Bild, das Screenshot enthält.&#10;&#10;Automatisch generierte Beschreibung">
+            <a:extLst>
+              <a:ext uri="{FF2B5EF4-FFF2-40B4-BE49-F238E27FC236}">
+                <a16:creationId xmlns:a16="http://schemas.microsoft.com/office/drawing/2014/main" id="{E3924121-A383-42BD-A8DC-7D467B374357}"/>
+              </a:ext>
+            </a:extLst>
+          </p:cNvPr>
+          <p:cNvPicPr>
+            <a:picLocks noGrp="1" noChangeAspect="1"/>
+          </p:cNvPicPr>
           <p:nvPr>
             <p:ph sz="half" idx="1"/>
           </p:nvPr>
-        </p:nvSpPr>
+        </p:nvPicPr>
+        <p:blipFill>
+          <a:blip r:embed="rId2">
+            <a:extLst>
+              <a:ext uri="{28A0092B-C50C-407E-A947-70E740481C1C}">
+                <a14:useLocalDpi xmlns:a14="http://schemas.microsoft.com/office/drawing/2010/main" val="0"/>
+              </a:ext>
+            </a:extLst>
+          </a:blip>
+          <a:stretch>
+            <a:fillRect/>
+          </a:stretch>
+        </p:blipFill>
         <p:spPr>
           <a:xfrm>
-            <a:off x="838200" y="1825624"/>
-            <a:ext cx="3706091" cy="4055627"/>
-          </a:xfrm>
-        </p:spPr>
-        <p:txBody>
-          <a:bodyPr>
-            <a:normAutofit/>
-          </a:bodyPr>
-          <a:lstStyle/>
-          <a:p>
-            <a:r>
-              <a:rPr lang="en-NZ" dirty="0" err="1"/>
-              <a:t>Kommentare</a:t>
-            </a:r>
-            <a:r>
-              <a:rPr lang="en-NZ" dirty="0"/>
-              <a:t> </a:t>
-            </a:r>
-            <a:r>
-              <a:rPr lang="en-NZ" dirty="0" err="1"/>
-              <a:t>können</a:t>
-            </a:r>
-            <a:r>
-              <a:rPr lang="en-NZ" dirty="0"/>
-              <a:t> </a:t>
-            </a:r>
-            <a:r>
-              <a:rPr lang="en-NZ" dirty="0" err="1"/>
-              <a:t>verschachtelt</a:t>
-            </a:r>
-            <a:r>
-              <a:rPr lang="en-NZ" dirty="0"/>
-              <a:t> </a:t>
-            </a:r>
-            <a:r>
-              <a:rPr lang="en-NZ" dirty="0" err="1"/>
-              <a:t>werden</a:t>
-            </a:r>
-            <a:endParaRPr lang="en-NZ" dirty="0"/>
-          </a:p>
-          <a:p>
-            <a:r>
-              <a:rPr lang="en-NZ" dirty="0"/>
-              <a:t>Parent-</a:t>
-            </a:r>
-            <a:r>
-              <a:rPr lang="en-NZ" dirty="0" err="1"/>
-              <a:t>Kommentare</a:t>
-            </a:r>
-            <a:r>
-              <a:rPr lang="en-NZ" dirty="0"/>
-              <a:t> </a:t>
-            </a:r>
-            <a:r>
-              <a:rPr lang="en-NZ" dirty="0" err="1"/>
-              <a:t>müssen</a:t>
-            </a:r>
-            <a:r>
-              <a:rPr lang="en-NZ" dirty="0"/>
-              <a:t> </a:t>
-            </a:r>
-            <a:r>
-              <a:rPr lang="en-NZ" dirty="0" err="1"/>
-              <a:t>referenziert</a:t>
-            </a:r>
-            <a:r>
-              <a:rPr lang="en-NZ" dirty="0"/>
-              <a:t> </a:t>
-            </a:r>
-            <a:r>
-              <a:rPr lang="en-NZ" dirty="0" err="1"/>
-              <a:t>werden</a:t>
-            </a:r>
-            <a:endParaRPr lang="en-NZ" dirty="0"/>
-          </a:p>
-          <a:p>
-            <a:pPr lvl="1">
-              <a:buFont typeface="Symbol" panose="05050102010706020507" pitchFamily="18" charset="2"/>
-              <a:buChar char="-"/>
-            </a:pPr>
-            <a:r>
-              <a:rPr lang="en-NZ" dirty="0"/>
-              <a:t>SWAC </a:t>
-            </a:r>
-            <a:r>
-              <a:rPr lang="en-NZ" dirty="0" err="1"/>
-              <a:t>übernimmt</a:t>
-            </a:r>
-            <a:r>
-              <a:rPr lang="en-NZ" dirty="0"/>
-              <a:t> </a:t>
-            </a:r>
-            <a:r>
-              <a:rPr lang="en-NZ" dirty="0" err="1"/>
-              <a:t>rekursiven</a:t>
-            </a:r>
-            <a:r>
-              <a:rPr lang="en-NZ" dirty="0"/>
-              <a:t> </a:t>
-            </a:r>
-            <a:r>
-              <a:rPr lang="en-NZ" dirty="0" err="1"/>
-              <a:t>Aufruf</a:t>
-            </a:r>
-            <a:endParaRPr lang="en-NZ" dirty="0"/>
-          </a:p>
-          <a:p>
-            <a:endParaRPr lang="en-NZ" dirty="0"/>
-          </a:p>
-        </p:txBody>
-      </p:sp>
+            <a:off x="404089" y="2654125"/>
+            <a:ext cx="5950530" cy="2895499"/>
+          </a:xfrm>
+        </p:spPr>
+      </p:pic>
       <p:sp>
         <p:nvSpPr>
           <p:cNvPr id="4" name="Footer Placeholder 3">
@@ -10591,12 +10915,47 @@
           </a:p>
         </p:txBody>
       </p:sp>
+      <p:sp>
+        <p:nvSpPr>
+          <p:cNvPr id="9" name="Textfeld 8">
+            <a:extLst>
+              <a:ext uri="{FF2B5EF4-FFF2-40B4-BE49-F238E27FC236}">
+                <a16:creationId xmlns:a16="http://schemas.microsoft.com/office/drawing/2014/main" id="{0BC016EB-C997-45C6-8835-9C6489AE7467}"/>
+              </a:ext>
+            </a:extLst>
+          </p:cNvPr>
+          <p:cNvSpPr txBox="1"/>
+          <p:nvPr/>
+        </p:nvSpPr>
+        <p:spPr>
+          <a:xfrm>
+            <a:off x="1745671" y="2170850"/>
+            <a:ext cx="2655022" cy="369332"/>
+          </a:xfrm>
+          <a:prstGeom prst="rect">
+            <a:avLst/>
+          </a:prstGeom>
+          <a:noFill/>
+        </p:spPr>
+        <p:txBody>
+          <a:bodyPr wrap="none" rtlCol="0">
+            <a:spAutoFit/>
+          </a:bodyPr>
+          <a:lstStyle/>
+          <a:p>
+            <a:r>
+              <a:rPr lang="de-DE" dirty="0"/>
+              <a:t>Parsen der GET-Parameter</a:t>
+            </a:r>
+          </a:p>
+        </p:txBody>
+      </p:sp>
       <p:pic>
         <p:nvPicPr>
-          <p:cNvPr id="7" name="Grafik 6" descr="Ein Bild, das Screenshot enthält.&#10;&#10;Automatisch generierte Beschreibung">
-            <a:extLst>
-              <a:ext uri="{FF2B5EF4-FFF2-40B4-BE49-F238E27FC236}">
-                <a16:creationId xmlns:a16="http://schemas.microsoft.com/office/drawing/2014/main" id="{C6D8A160-082B-4802-BCC8-63E68D79088A}"/>
+          <p:cNvPr id="11" name="Grafik 10" descr="Ein Bild, das Screenshot enthält.&#10;&#10;Automatisch generierte Beschreibung">
+            <a:extLst>
+              <a:ext uri="{FF2B5EF4-FFF2-40B4-BE49-F238E27FC236}">
+                <a16:creationId xmlns:a16="http://schemas.microsoft.com/office/drawing/2014/main" id="{2788B166-ACA4-49D8-8267-C2B86797E620}"/>
               </a:ext>
             </a:extLst>
           </p:cNvPr>
@@ -10606,7 +10965,7 @@
           <p:nvPr/>
         </p:nvPicPr>
         <p:blipFill>
-          <a:blip r:embed="rId2">
+          <a:blip r:embed="rId3">
             <a:extLst>
               <a:ext uri="{28A0092B-C50C-407E-A947-70E740481C1C}">
                 <a14:useLocalDpi xmlns:a14="http://schemas.microsoft.com/office/drawing/2010/main" val="0"/>
@@ -10619,18 +10978,58 @@
         </p:blipFill>
         <p:spPr>
           <a:xfrm>
-            <a:off x="5281148" y="2947142"/>
-            <a:ext cx="6658904" cy="2934109"/>
+            <a:off x="6902064" y="2654125"/>
+            <a:ext cx="5197657" cy="2895499"/>
           </a:xfrm>
           <a:prstGeom prst="rect">
             <a:avLst/>
           </a:prstGeom>
         </p:spPr>
       </p:pic>
+      <p:sp>
+        <p:nvSpPr>
+          <p:cNvPr id="16" name="Textfeld 15">
+            <a:extLst>
+              <a:ext uri="{FF2B5EF4-FFF2-40B4-BE49-F238E27FC236}">
+                <a16:creationId xmlns:a16="http://schemas.microsoft.com/office/drawing/2014/main" id="{3B830095-FAAF-4349-B714-8DEAD2804688}"/>
+              </a:ext>
+            </a:extLst>
+          </p:cNvPr>
+          <p:cNvSpPr txBox="1"/>
+          <p:nvPr/>
+        </p:nvSpPr>
+        <p:spPr>
+          <a:xfrm>
+            <a:off x="7976034" y="2170850"/>
+            <a:ext cx="3066737" cy="369332"/>
+          </a:xfrm>
+          <a:prstGeom prst="rect">
+            <a:avLst/>
+          </a:prstGeom>
+          <a:noFill/>
+        </p:spPr>
+        <p:txBody>
+          <a:bodyPr wrap="none" rtlCol="0">
+            <a:spAutoFit/>
+          </a:bodyPr>
+          <a:lstStyle/>
+          <a:p>
+            <a:r>
+              <a:rPr lang="de-DE" dirty="0"/>
+              <a:t>Einfügen in die </a:t>
+            </a:r>
+            <a:r>
+              <a:rPr lang="de-DE" dirty="0" err="1"/>
+              <a:t>PreparedQuery</a:t>
+            </a:r>
+            <a:endParaRPr lang="de-DE" dirty="0"/>
+          </a:p>
+        </p:txBody>
+      </p:sp>
     </p:spTree>
     <p:extLst>
       <p:ext uri="{BB962C8B-B14F-4D97-AF65-F5344CB8AC3E}">
-        <p14:creationId xmlns:p14="http://schemas.microsoft.com/office/powerpoint/2010/main" val="1642630570"/>
+        <p14:creationId xmlns:p14="http://schemas.microsoft.com/office/powerpoint/2010/main" val="622820045"/>
       </p:ext>
     </p:extLst>
   </p:cSld>
@@ -10698,77 +11097,17 @@
             </a:br>
             <a:r>
               <a:rPr lang="en-NZ" dirty="0"/>
-              <a:t>							Media</a:t>
+              <a:t>							</a:t>
+            </a:r>
+            <a:r>
+              <a:rPr lang="en-NZ" dirty="0" err="1"/>
+              <a:t>Suche</a:t>
+            </a:r>
+            <a:r>
+              <a:rPr lang="en-NZ" dirty="0"/>
+              <a:t> II</a:t>
             </a:r>
             <a:endParaRPr lang="de-DE" dirty="0"/>
-          </a:p>
-        </p:txBody>
-      </p:sp>
-      <p:sp>
-        <p:nvSpPr>
-          <p:cNvPr id="3" name="Content Placeholder 2">
-            <a:extLst>
-              <a:ext uri="{FF2B5EF4-FFF2-40B4-BE49-F238E27FC236}">
-                <a16:creationId xmlns:a16="http://schemas.microsoft.com/office/drawing/2014/main" id="{3CCB48FF-D0DB-4239-BF7B-3AC940333DEC}"/>
-              </a:ext>
-            </a:extLst>
-          </p:cNvPr>
-          <p:cNvSpPr>
-            <a:spLocks noGrp="1"/>
-          </p:cNvSpPr>
-          <p:nvPr>
-            <p:ph sz="half" idx="1"/>
-          </p:nvPr>
-        </p:nvSpPr>
-        <p:spPr>
-          <a:xfrm>
-            <a:off x="527804" y="2073804"/>
-            <a:ext cx="5923327" cy="1009854"/>
-          </a:xfrm>
-        </p:spPr>
-        <p:txBody>
-          <a:bodyPr>
-            <a:normAutofit fontScale="92500"/>
-          </a:bodyPr>
-          <a:lstStyle/>
-          <a:p>
-            <a:pPr marL="0" indent="0">
-              <a:buNone/>
-            </a:pPr>
-            <a:r>
-              <a:rPr lang="en-NZ" dirty="0" err="1"/>
-              <a:t>Vorher</a:t>
-            </a:r>
-            <a:r>
-              <a:rPr lang="en-NZ" dirty="0"/>
-              <a:t>	Media n : 1 </a:t>
-            </a:r>
-            <a:r>
-              <a:rPr lang="en-NZ" dirty="0" err="1"/>
-              <a:t>ObservedObject</a:t>
-            </a:r>
-            <a:endParaRPr lang="en-NZ" dirty="0"/>
-          </a:p>
-          <a:p>
-            <a:pPr marL="0" indent="0">
-              <a:buNone/>
-            </a:pPr>
-            <a:r>
-              <a:rPr lang="en-NZ" dirty="0" err="1"/>
-              <a:t>Ziel</a:t>
-            </a:r>
-            <a:r>
-              <a:rPr lang="en-NZ" dirty="0"/>
-              <a:t>		Media n : m </a:t>
-            </a:r>
-            <a:r>
-              <a:rPr lang="en-NZ" dirty="0" err="1"/>
-              <a:t>ObservedObject</a:t>
-            </a:r>
-            <a:endParaRPr lang="en-NZ" dirty="0"/>
-          </a:p>
-          <a:p>
-            <a:endParaRPr lang="en-NZ" dirty="0"/>
           </a:p>
         </p:txBody>
       </p:sp>
@@ -10839,12 +11178,47 @@
           </a:p>
         </p:txBody>
       </p:sp>
+      <p:sp>
+        <p:nvSpPr>
+          <p:cNvPr id="9" name="Textfeld 8">
+            <a:extLst>
+              <a:ext uri="{FF2B5EF4-FFF2-40B4-BE49-F238E27FC236}">
+                <a16:creationId xmlns:a16="http://schemas.microsoft.com/office/drawing/2014/main" id="{0BC016EB-C997-45C6-8835-9C6489AE7467}"/>
+              </a:ext>
+            </a:extLst>
+          </p:cNvPr>
+          <p:cNvSpPr txBox="1"/>
+          <p:nvPr/>
+        </p:nvSpPr>
+        <p:spPr>
+          <a:xfrm>
+            <a:off x="4123633" y="2114068"/>
+            <a:ext cx="3944734" cy="369332"/>
+          </a:xfrm>
+          <a:prstGeom prst="rect">
+            <a:avLst/>
+          </a:prstGeom>
+          <a:noFill/>
+        </p:spPr>
+        <p:txBody>
+          <a:bodyPr wrap="none" rtlCol="0">
+            <a:spAutoFit/>
+          </a:bodyPr>
+          <a:lstStyle/>
+          <a:p>
+            <a:r>
+              <a:rPr lang="de-DE" dirty="0"/>
+              <a:t>Parameter binden, Ersetzung von § zu %</a:t>
+            </a:r>
+          </a:p>
+        </p:txBody>
+      </p:sp>
       <p:pic>
         <p:nvPicPr>
-          <p:cNvPr id="8" name="Grafik 7">
-            <a:extLst>
-              <a:ext uri="{FF2B5EF4-FFF2-40B4-BE49-F238E27FC236}">
-                <a16:creationId xmlns:a16="http://schemas.microsoft.com/office/drawing/2014/main" id="{269F6777-DAC5-4237-8396-8FB8169A6384}"/>
+          <p:cNvPr id="6" name="Grafik 5" descr="Ein Bild, das Messer enthält.&#10;&#10;Automatisch generierte Beschreibung">
+            <a:extLst>
+              <a:ext uri="{FF2B5EF4-FFF2-40B4-BE49-F238E27FC236}">
+                <a16:creationId xmlns:a16="http://schemas.microsoft.com/office/drawing/2014/main" id="{33492598-0506-4F48-9736-08ECA55DD99C}"/>
               </a:ext>
             </a:extLst>
           </p:cNvPr>
@@ -10867,145 +11241,18 @@
         </p:blipFill>
         <p:spPr>
           <a:xfrm>
-            <a:off x="583938" y="4768978"/>
-            <a:ext cx="5811061" cy="400106"/>
+            <a:off x="2342626" y="2776583"/>
+            <a:ext cx="7506748" cy="1095528"/>
           </a:xfrm>
           <a:prstGeom prst="rect">
             <a:avLst/>
           </a:prstGeom>
         </p:spPr>
       </p:pic>
-      <p:pic>
-        <p:nvPicPr>
-          <p:cNvPr id="10" name="Grafik 9" descr="Ein Bild, das Screenshot enthält.&#10;&#10;Automatisch generierte Beschreibung">
-            <a:extLst>
-              <a:ext uri="{FF2B5EF4-FFF2-40B4-BE49-F238E27FC236}">
-                <a16:creationId xmlns:a16="http://schemas.microsoft.com/office/drawing/2014/main" id="{14490D41-80A0-4C33-A2CF-D3BAF9AE9CF6}"/>
-              </a:ext>
-            </a:extLst>
-          </p:cNvPr>
-          <p:cNvPicPr>
-            <a:picLocks noChangeAspect="1"/>
-          </p:cNvPicPr>
-          <p:nvPr/>
-        </p:nvPicPr>
-        <p:blipFill>
-          <a:blip r:embed="rId3">
-            <a:extLst>
-              <a:ext uri="{28A0092B-C50C-407E-A947-70E740481C1C}">
-                <a14:useLocalDpi xmlns:a14="http://schemas.microsoft.com/office/drawing/2010/main" val="0"/>
-              </a:ext>
-            </a:extLst>
-          </a:blip>
-          <a:stretch>
-            <a:fillRect/>
-          </a:stretch>
-        </p:blipFill>
-        <p:spPr>
-          <a:xfrm>
-            <a:off x="7734416" y="3911608"/>
-            <a:ext cx="3296110" cy="2114845"/>
-          </a:xfrm>
-          <a:prstGeom prst="rect">
-            <a:avLst/>
-          </a:prstGeom>
-        </p:spPr>
-      </p:pic>
-      <p:sp>
-        <p:nvSpPr>
-          <p:cNvPr id="11" name="Textfeld 10">
-            <a:extLst>
-              <a:ext uri="{FF2B5EF4-FFF2-40B4-BE49-F238E27FC236}">
-                <a16:creationId xmlns:a16="http://schemas.microsoft.com/office/drawing/2014/main" id="{E93B4C1D-B2B1-4CB0-A814-2A2B5321822F}"/>
-              </a:ext>
-            </a:extLst>
-          </p:cNvPr>
-          <p:cNvSpPr txBox="1"/>
-          <p:nvPr/>
-        </p:nvSpPr>
-        <p:spPr>
-          <a:xfrm>
-            <a:off x="989811" y="4222388"/>
-            <a:ext cx="4999317" cy="369332"/>
-          </a:xfrm>
-          <a:prstGeom prst="rect">
-            <a:avLst/>
-          </a:prstGeom>
-          <a:noFill/>
-        </p:spPr>
-        <p:txBody>
-          <a:bodyPr wrap="none" rtlCol="0">
-            <a:spAutoFit/>
-          </a:bodyPr>
-          <a:lstStyle/>
-          <a:p>
-            <a:r>
-              <a:rPr lang="de-DE" dirty="0"/>
-              <a:t>Neuer Verweis in </a:t>
-            </a:r>
-            <a:r>
-              <a:rPr lang="de-DE" dirty="0" err="1"/>
-              <a:t>TblMedia</a:t>
-            </a:r>
-            <a:r>
-              <a:rPr lang="de-DE" dirty="0"/>
-              <a:t> und </a:t>
-            </a:r>
-            <a:r>
-              <a:rPr lang="de-DE" dirty="0" err="1"/>
-              <a:t>TblObservedObject</a:t>
-            </a:r>
-            <a:endParaRPr lang="de-DE" dirty="0"/>
-          </a:p>
-        </p:txBody>
-      </p:sp>
-      <p:sp>
-        <p:nvSpPr>
-          <p:cNvPr id="12" name="Textfeld 11">
-            <a:extLst>
-              <a:ext uri="{FF2B5EF4-FFF2-40B4-BE49-F238E27FC236}">
-                <a16:creationId xmlns:a16="http://schemas.microsoft.com/office/drawing/2014/main" id="{42DBCF64-5F28-4D8C-B161-9DE6DFAB4E36}"/>
-              </a:ext>
-            </a:extLst>
-          </p:cNvPr>
-          <p:cNvSpPr txBox="1"/>
-          <p:nvPr/>
-        </p:nvSpPr>
-        <p:spPr>
-          <a:xfrm>
-            <a:off x="7416801" y="3429000"/>
-            <a:ext cx="4296176" cy="369332"/>
-          </a:xfrm>
-          <a:prstGeom prst="rect">
-            <a:avLst/>
-          </a:prstGeom>
-          <a:noFill/>
-        </p:spPr>
-        <p:txBody>
-          <a:bodyPr wrap="none" rtlCol="0">
-            <a:spAutoFit/>
-          </a:bodyPr>
-          <a:lstStyle/>
-          <a:p>
-            <a:r>
-              <a:rPr lang="de-DE" dirty="0"/>
-              <a:t>n:m Verbindung herstellen in der </a:t>
-            </a:r>
-            <a:r>
-              <a:rPr lang="de-DE" dirty="0" err="1"/>
-              <a:t>Join</a:t>
-            </a:r>
-            <a:r>
-              <a:rPr lang="de-DE" dirty="0"/>
-              <a:t>-Entity</a:t>
-            </a:r>
-          </a:p>
-        </p:txBody>
-      </p:sp>
     </p:spTree>
     <p:extLst>
       <p:ext uri="{BB962C8B-B14F-4D97-AF65-F5344CB8AC3E}">
-        <p14:creationId xmlns:p14="http://schemas.microsoft.com/office/powerpoint/2010/main" val="3339384398"/>
+        <p14:creationId xmlns:p14="http://schemas.microsoft.com/office/powerpoint/2010/main" val="1073039314"/>
       </p:ext>
     </p:extLst>
   </p:cSld>
@@ -11596,9 +11843,142 @@
             </a:br>
             <a:r>
               <a:rPr lang="en-NZ" dirty="0"/>
-              <a:t>							View Requests</a:t>
+              <a:t>							</a:t>
+            </a:r>
+            <a:r>
+              <a:rPr lang="en-NZ" dirty="0" err="1"/>
+              <a:t>Kommentare</a:t>
             </a:r>
             <a:endParaRPr lang="de-DE" dirty="0"/>
+          </a:p>
+        </p:txBody>
+      </p:sp>
+      <p:sp>
+        <p:nvSpPr>
+          <p:cNvPr id="3" name="Content Placeholder 2">
+            <a:extLst>
+              <a:ext uri="{FF2B5EF4-FFF2-40B4-BE49-F238E27FC236}">
+                <a16:creationId xmlns:a16="http://schemas.microsoft.com/office/drawing/2014/main" id="{3CCB48FF-D0DB-4239-BF7B-3AC940333DEC}"/>
+              </a:ext>
+            </a:extLst>
+          </p:cNvPr>
+          <p:cNvSpPr>
+            <a:spLocks noGrp="1"/>
+          </p:cNvSpPr>
+          <p:nvPr>
+            <p:ph sz="half" idx="1"/>
+          </p:nvPr>
+        </p:nvSpPr>
+        <p:spPr>
+          <a:xfrm>
+            <a:off x="838200" y="1825624"/>
+            <a:ext cx="3706091" cy="4055627"/>
+          </a:xfrm>
+        </p:spPr>
+        <p:txBody>
+          <a:bodyPr>
+            <a:normAutofit/>
+          </a:bodyPr>
+          <a:lstStyle/>
+          <a:p>
+            <a:r>
+              <a:rPr lang="en-NZ" dirty="0" err="1"/>
+              <a:t>Kommentare</a:t>
+            </a:r>
+            <a:r>
+              <a:rPr lang="en-NZ" dirty="0"/>
+              <a:t> </a:t>
+            </a:r>
+            <a:r>
+              <a:rPr lang="en-NZ" dirty="0" err="1"/>
+              <a:t>können</a:t>
+            </a:r>
+            <a:r>
+              <a:rPr lang="en-NZ" dirty="0"/>
+              <a:t> </a:t>
+            </a:r>
+            <a:r>
+              <a:rPr lang="en-NZ" dirty="0" err="1"/>
+              <a:t>verschachtelt</a:t>
+            </a:r>
+            <a:r>
+              <a:rPr lang="en-NZ" dirty="0"/>
+              <a:t> </a:t>
+            </a:r>
+            <a:r>
+              <a:rPr lang="en-NZ" dirty="0" err="1"/>
+              <a:t>werden</a:t>
+            </a:r>
+            <a:endParaRPr lang="en-NZ" dirty="0"/>
+          </a:p>
+          <a:p>
+            <a:r>
+              <a:rPr lang="en-NZ" dirty="0"/>
+              <a:t>Parent-</a:t>
+            </a:r>
+            <a:r>
+              <a:rPr lang="en-NZ" dirty="0" err="1"/>
+              <a:t>Kommentare</a:t>
+            </a:r>
+            <a:r>
+              <a:rPr lang="en-NZ" dirty="0"/>
+              <a:t> </a:t>
+            </a:r>
+            <a:r>
+              <a:rPr lang="en-NZ" dirty="0" err="1"/>
+              <a:t>müssen</a:t>
+            </a:r>
+            <a:r>
+              <a:rPr lang="en-NZ" dirty="0"/>
+              <a:t> </a:t>
+            </a:r>
+            <a:r>
+              <a:rPr lang="en-NZ" dirty="0" err="1"/>
+              <a:t>referenziert</a:t>
+            </a:r>
+            <a:r>
+              <a:rPr lang="en-NZ" dirty="0"/>
+              <a:t> </a:t>
+            </a:r>
+            <a:r>
+              <a:rPr lang="en-NZ" dirty="0" err="1"/>
+              <a:t>werden</a:t>
+            </a:r>
+            <a:endParaRPr lang="en-NZ" dirty="0"/>
+          </a:p>
+          <a:p>
+            <a:pPr lvl="1">
+              <a:buFont typeface="Symbol" panose="05050102010706020507" pitchFamily="18" charset="2"/>
+              <a:buChar char="-"/>
+            </a:pPr>
+            <a:r>
+              <a:rPr lang="en-NZ" dirty="0"/>
+              <a:t>SWAC </a:t>
+            </a:r>
+            <a:r>
+              <a:rPr lang="en-NZ" dirty="0" err="1"/>
+              <a:t>übernimmt</a:t>
+            </a:r>
+            <a:r>
+              <a:rPr lang="en-NZ" dirty="0"/>
+              <a:t> </a:t>
+            </a:r>
+            <a:r>
+              <a:rPr lang="en-NZ" dirty="0" err="1"/>
+              <a:t>rekursiven</a:t>
+            </a:r>
+            <a:r>
+              <a:rPr lang="en-NZ" dirty="0"/>
+              <a:t> </a:t>
+            </a:r>
+            <a:r>
+              <a:rPr lang="en-NZ" dirty="0" err="1"/>
+              <a:t>Aufruf</a:t>
+            </a:r>
+            <a:endParaRPr lang="en-NZ" dirty="0"/>
+          </a:p>
+          <a:p>
+            <a:endParaRPr lang="en-NZ" dirty="0"/>
           </a:p>
         </p:txBody>
       </p:sp>
@@ -11671,10 +12051,10 @@
       </p:sp>
       <p:pic>
         <p:nvPicPr>
-          <p:cNvPr id="13" name="Grafik 12" descr="Ein Bild, das Screenshot enthält.&#10;&#10;Automatisch generierte Beschreibung">
-            <a:extLst>
-              <a:ext uri="{FF2B5EF4-FFF2-40B4-BE49-F238E27FC236}">
-                <a16:creationId xmlns:a16="http://schemas.microsoft.com/office/drawing/2014/main" id="{F8DEC07D-47B3-4C2C-8979-5804656B76FB}"/>
+          <p:cNvPr id="7" name="Grafik 6" descr="Ein Bild, das Screenshot enthält.&#10;&#10;Automatisch generierte Beschreibung">
+            <a:extLst>
+              <a:ext uri="{FF2B5EF4-FFF2-40B4-BE49-F238E27FC236}">
+                <a16:creationId xmlns:a16="http://schemas.microsoft.com/office/drawing/2014/main" id="{C6D8A160-082B-4802-BCC8-63E68D79088A}"/>
               </a:ext>
             </a:extLst>
           </p:cNvPr>
@@ -11697,155 +12077,18 @@
         </p:blipFill>
         <p:spPr>
           <a:xfrm>
-            <a:off x="4769030" y="2903019"/>
-            <a:ext cx="6768740" cy="3017490"/>
+            <a:off x="5281148" y="2947142"/>
+            <a:ext cx="6658904" cy="2934109"/>
           </a:xfrm>
           <a:prstGeom prst="rect">
             <a:avLst/>
           </a:prstGeom>
         </p:spPr>
       </p:pic>
-      <p:sp>
-        <p:nvSpPr>
-          <p:cNvPr id="14" name="Textfeld 13">
-            <a:extLst>
-              <a:ext uri="{FF2B5EF4-FFF2-40B4-BE49-F238E27FC236}">
-                <a16:creationId xmlns:a16="http://schemas.microsoft.com/office/drawing/2014/main" id="{E30BC66D-03A0-4C1B-9A50-E7476EEBEA24}"/>
-              </a:ext>
-            </a:extLst>
-          </p:cNvPr>
-          <p:cNvSpPr txBox="1"/>
-          <p:nvPr/>
-        </p:nvSpPr>
-        <p:spPr>
-          <a:xfrm>
-            <a:off x="931321" y="1934832"/>
-            <a:ext cx="4706930" cy="1477328"/>
-          </a:xfrm>
-          <a:prstGeom prst="rect">
-            <a:avLst/>
-          </a:prstGeom>
-          <a:noFill/>
-        </p:spPr>
-        <p:txBody>
-          <a:bodyPr wrap="none" rtlCol="0">
-            <a:spAutoFit/>
-          </a:bodyPr>
-          <a:lstStyle/>
-          <a:p>
-            <a:r>
-              <a:rPr lang="en-US" dirty="0"/>
-              <a:t>SELECT </a:t>
-            </a:r>
-            <a:r>
-              <a:rPr lang="en-US" dirty="0" err="1"/>
-              <a:t>t.dataset</a:t>
-            </a:r>
-            <a:r>
-              <a:rPr lang="en-US" dirty="0"/>
-              <a:t>, COUNT(id) AS </a:t>
-            </a:r>
-            <a:r>
-              <a:rPr lang="en-US" dirty="0" err="1"/>
-              <a:t>view_count</a:t>
-            </a:r>
-            <a:endParaRPr lang="en-US" dirty="0"/>
-          </a:p>
-          <a:p>
-            <a:r>
-              <a:rPr lang="en-US" dirty="0"/>
-              <a:t>FROM </a:t>
-            </a:r>
-            <a:r>
-              <a:rPr lang="en-US" dirty="0" err="1"/>
-              <a:t>TblObservedObjectDataSetViewRequest</a:t>
-            </a:r>
-            <a:r>
-              <a:rPr lang="en-US" dirty="0"/>
-              <a:t> t</a:t>
-            </a:r>
-          </a:p>
-          <a:p>
-            <a:r>
-              <a:rPr lang="en-US" dirty="0"/>
-              <a:t>WHERE t.id = :id</a:t>
-            </a:r>
-          </a:p>
-          <a:p>
-            <a:r>
-              <a:rPr lang="en-US" dirty="0"/>
-              <a:t>GROUP BY </a:t>
-            </a:r>
-            <a:r>
-              <a:rPr lang="en-US" dirty="0" err="1"/>
-              <a:t>t.dataset</a:t>
-            </a:r>
-            <a:endParaRPr lang="en-US" dirty="0"/>
-          </a:p>
-          <a:p>
-            <a:r>
-              <a:rPr lang="en-US" dirty="0"/>
-              <a:t>ORDER BY </a:t>
-            </a:r>
-            <a:r>
-              <a:rPr lang="en-US" dirty="0" err="1"/>
-              <a:t>view_count</a:t>
-            </a:r>
-            <a:r>
-              <a:rPr lang="en-US" dirty="0"/>
-              <a:t> DESC</a:t>
-            </a:r>
-            <a:endParaRPr lang="de-DE" dirty="0"/>
-          </a:p>
-        </p:txBody>
-      </p:sp>
-      <p:sp>
-        <p:nvSpPr>
-          <p:cNvPr id="15" name="Textfeld 14">
-            <a:extLst>
-              <a:ext uri="{FF2B5EF4-FFF2-40B4-BE49-F238E27FC236}">
-                <a16:creationId xmlns:a16="http://schemas.microsoft.com/office/drawing/2014/main" id="{B0CCF971-9740-4C60-B819-C327D7CC14B9}"/>
-              </a:ext>
-            </a:extLst>
-          </p:cNvPr>
-          <p:cNvSpPr txBox="1"/>
-          <p:nvPr/>
-        </p:nvSpPr>
-        <p:spPr>
-          <a:xfrm>
-            <a:off x="1477818" y="1565500"/>
-            <a:ext cx="3431709" cy="369332"/>
-          </a:xfrm>
-          <a:prstGeom prst="rect">
-            <a:avLst/>
-          </a:prstGeom>
-          <a:noFill/>
-        </p:spPr>
-        <p:txBody>
-          <a:bodyPr wrap="none" rtlCol="0">
-            <a:spAutoFit/>
-          </a:bodyPr>
-          <a:lstStyle/>
-          <a:p>
-            <a:r>
-              <a:rPr lang="de-DE" u="sng" dirty="0"/>
-              <a:t>Query zu „</a:t>
-            </a:r>
-            <a:r>
-              <a:rPr lang="de-DE" u="sng" dirty="0" err="1"/>
-              <a:t>getMostViewedByOoId</a:t>
-            </a:r>
-            <a:r>
-              <a:rPr lang="de-DE" u="sng" dirty="0"/>
-              <a:t>“</a:t>
-            </a:r>
-          </a:p>
-        </p:txBody>
-      </p:sp>
     </p:spTree>
     <p:extLst>
       <p:ext uri="{BB962C8B-B14F-4D97-AF65-F5344CB8AC3E}">
-        <p14:creationId xmlns:p14="http://schemas.microsoft.com/office/powerpoint/2010/main" val="459681618"/>
+        <p14:creationId xmlns:p14="http://schemas.microsoft.com/office/powerpoint/2010/main" val="1642630570"/>
       </p:ext>
     </p:extLst>
   </p:cSld>
@@ -11913,9 +12156,77 @@
             </a:br>
             <a:r>
               <a:rPr lang="en-NZ" dirty="0"/>
-              <a:t>							View Requests II</a:t>
+              <a:t>							Media</a:t>
             </a:r>
             <a:endParaRPr lang="de-DE" dirty="0"/>
+          </a:p>
+        </p:txBody>
+      </p:sp>
+      <p:sp>
+        <p:nvSpPr>
+          <p:cNvPr id="3" name="Content Placeholder 2">
+            <a:extLst>
+              <a:ext uri="{FF2B5EF4-FFF2-40B4-BE49-F238E27FC236}">
+                <a16:creationId xmlns:a16="http://schemas.microsoft.com/office/drawing/2014/main" id="{3CCB48FF-D0DB-4239-BF7B-3AC940333DEC}"/>
+              </a:ext>
+            </a:extLst>
+          </p:cNvPr>
+          <p:cNvSpPr>
+            <a:spLocks noGrp="1"/>
+          </p:cNvSpPr>
+          <p:nvPr>
+            <p:ph sz="half" idx="1"/>
+          </p:nvPr>
+        </p:nvSpPr>
+        <p:spPr>
+          <a:xfrm>
+            <a:off x="527804" y="2073804"/>
+            <a:ext cx="5923327" cy="1009854"/>
+          </a:xfrm>
+        </p:spPr>
+        <p:txBody>
+          <a:bodyPr>
+            <a:normAutofit fontScale="92500"/>
+          </a:bodyPr>
+          <a:lstStyle/>
+          <a:p>
+            <a:pPr marL="0" indent="0">
+              <a:buNone/>
+            </a:pPr>
+            <a:r>
+              <a:rPr lang="en-NZ" dirty="0" err="1"/>
+              <a:t>Vorher</a:t>
+            </a:r>
+            <a:r>
+              <a:rPr lang="en-NZ" dirty="0"/>
+              <a:t>	Media n : 1 </a:t>
+            </a:r>
+            <a:r>
+              <a:rPr lang="en-NZ" dirty="0" err="1"/>
+              <a:t>ObservedObject</a:t>
+            </a:r>
+            <a:endParaRPr lang="en-NZ" dirty="0"/>
+          </a:p>
+          <a:p>
+            <a:pPr marL="0" indent="0">
+              <a:buNone/>
+            </a:pPr>
+            <a:r>
+              <a:rPr lang="en-NZ" dirty="0" err="1"/>
+              <a:t>Ziel</a:t>
+            </a:r>
+            <a:r>
+              <a:rPr lang="en-NZ" dirty="0"/>
+              <a:t>		Media n : m </a:t>
+            </a:r>
+            <a:r>
+              <a:rPr lang="en-NZ" dirty="0" err="1"/>
+              <a:t>ObservedObject</a:t>
+            </a:r>
+            <a:endParaRPr lang="en-NZ" dirty="0"/>
+          </a:p>
+          <a:p>
+            <a:endParaRPr lang="en-NZ" dirty="0"/>
           </a:p>
         </p:txBody>
       </p:sp>
@@ -11981,6 +12292,630 @@
             <a:fld id="{969E759D-A893-4B96-8B48-96EE547EBC41}" type="slidenum">
               <a:rPr lang="de-DE" smtClean="0"/>
               <a:t>31</a:t>
+            </a:fld>
+            <a:endParaRPr lang="de-DE"/>
+          </a:p>
+        </p:txBody>
+      </p:sp>
+      <p:pic>
+        <p:nvPicPr>
+          <p:cNvPr id="8" name="Grafik 7">
+            <a:extLst>
+              <a:ext uri="{FF2B5EF4-FFF2-40B4-BE49-F238E27FC236}">
+                <a16:creationId xmlns:a16="http://schemas.microsoft.com/office/drawing/2014/main" id="{269F6777-DAC5-4237-8396-8FB8169A6384}"/>
+              </a:ext>
+            </a:extLst>
+          </p:cNvPr>
+          <p:cNvPicPr>
+            <a:picLocks noChangeAspect="1"/>
+          </p:cNvPicPr>
+          <p:nvPr/>
+        </p:nvPicPr>
+        <p:blipFill>
+          <a:blip r:embed="rId2">
+            <a:extLst>
+              <a:ext uri="{28A0092B-C50C-407E-A947-70E740481C1C}">
+                <a14:useLocalDpi xmlns:a14="http://schemas.microsoft.com/office/drawing/2010/main" val="0"/>
+              </a:ext>
+            </a:extLst>
+          </a:blip>
+          <a:stretch>
+            <a:fillRect/>
+          </a:stretch>
+        </p:blipFill>
+        <p:spPr>
+          <a:xfrm>
+            <a:off x="583938" y="4768978"/>
+            <a:ext cx="5811061" cy="400106"/>
+          </a:xfrm>
+          <a:prstGeom prst="rect">
+            <a:avLst/>
+          </a:prstGeom>
+        </p:spPr>
+      </p:pic>
+      <p:pic>
+        <p:nvPicPr>
+          <p:cNvPr id="10" name="Grafik 9" descr="Ein Bild, das Screenshot enthält.&#10;&#10;Automatisch generierte Beschreibung">
+            <a:extLst>
+              <a:ext uri="{FF2B5EF4-FFF2-40B4-BE49-F238E27FC236}">
+                <a16:creationId xmlns:a16="http://schemas.microsoft.com/office/drawing/2014/main" id="{14490D41-80A0-4C33-A2CF-D3BAF9AE9CF6}"/>
+              </a:ext>
+            </a:extLst>
+          </p:cNvPr>
+          <p:cNvPicPr>
+            <a:picLocks noChangeAspect="1"/>
+          </p:cNvPicPr>
+          <p:nvPr/>
+        </p:nvPicPr>
+        <p:blipFill>
+          <a:blip r:embed="rId3">
+            <a:extLst>
+              <a:ext uri="{28A0092B-C50C-407E-A947-70E740481C1C}">
+                <a14:useLocalDpi xmlns:a14="http://schemas.microsoft.com/office/drawing/2010/main" val="0"/>
+              </a:ext>
+            </a:extLst>
+          </a:blip>
+          <a:stretch>
+            <a:fillRect/>
+          </a:stretch>
+        </p:blipFill>
+        <p:spPr>
+          <a:xfrm>
+            <a:off x="7734416" y="3911608"/>
+            <a:ext cx="3296110" cy="2114845"/>
+          </a:xfrm>
+          <a:prstGeom prst="rect">
+            <a:avLst/>
+          </a:prstGeom>
+        </p:spPr>
+      </p:pic>
+      <p:sp>
+        <p:nvSpPr>
+          <p:cNvPr id="11" name="Textfeld 10">
+            <a:extLst>
+              <a:ext uri="{FF2B5EF4-FFF2-40B4-BE49-F238E27FC236}">
+                <a16:creationId xmlns:a16="http://schemas.microsoft.com/office/drawing/2014/main" id="{E93B4C1D-B2B1-4CB0-A814-2A2B5321822F}"/>
+              </a:ext>
+            </a:extLst>
+          </p:cNvPr>
+          <p:cNvSpPr txBox="1"/>
+          <p:nvPr/>
+        </p:nvSpPr>
+        <p:spPr>
+          <a:xfrm>
+            <a:off x="989811" y="4222388"/>
+            <a:ext cx="4999317" cy="369332"/>
+          </a:xfrm>
+          <a:prstGeom prst="rect">
+            <a:avLst/>
+          </a:prstGeom>
+          <a:noFill/>
+        </p:spPr>
+        <p:txBody>
+          <a:bodyPr wrap="none" rtlCol="0">
+            <a:spAutoFit/>
+          </a:bodyPr>
+          <a:lstStyle/>
+          <a:p>
+            <a:r>
+              <a:rPr lang="de-DE" dirty="0"/>
+              <a:t>Neuer Verweis in </a:t>
+            </a:r>
+            <a:r>
+              <a:rPr lang="de-DE" dirty="0" err="1"/>
+              <a:t>TblMedia</a:t>
+            </a:r>
+            <a:r>
+              <a:rPr lang="de-DE" dirty="0"/>
+              <a:t> und </a:t>
+            </a:r>
+            <a:r>
+              <a:rPr lang="de-DE" dirty="0" err="1"/>
+              <a:t>TblObservedObject</a:t>
+            </a:r>
+            <a:endParaRPr lang="de-DE" dirty="0"/>
+          </a:p>
+        </p:txBody>
+      </p:sp>
+      <p:sp>
+        <p:nvSpPr>
+          <p:cNvPr id="12" name="Textfeld 11">
+            <a:extLst>
+              <a:ext uri="{FF2B5EF4-FFF2-40B4-BE49-F238E27FC236}">
+                <a16:creationId xmlns:a16="http://schemas.microsoft.com/office/drawing/2014/main" id="{42DBCF64-5F28-4D8C-B161-9DE6DFAB4E36}"/>
+              </a:ext>
+            </a:extLst>
+          </p:cNvPr>
+          <p:cNvSpPr txBox="1"/>
+          <p:nvPr/>
+        </p:nvSpPr>
+        <p:spPr>
+          <a:xfrm>
+            <a:off x="7416801" y="3429000"/>
+            <a:ext cx="4296176" cy="369332"/>
+          </a:xfrm>
+          <a:prstGeom prst="rect">
+            <a:avLst/>
+          </a:prstGeom>
+          <a:noFill/>
+        </p:spPr>
+        <p:txBody>
+          <a:bodyPr wrap="none" rtlCol="0">
+            <a:spAutoFit/>
+          </a:bodyPr>
+          <a:lstStyle/>
+          <a:p>
+            <a:r>
+              <a:rPr lang="de-DE" dirty="0"/>
+              <a:t>n:m Verbindung herstellen in der </a:t>
+            </a:r>
+            <a:r>
+              <a:rPr lang="de-DE" dirty="0" err="1"/>
+              <a:t>Join</a:t>
+            </a:r>
+            <a:r>
+              <a:rPr lang="de-DE" dirty="0"/>
+              <a:t>-Entity</a:t>
+            </a:r>
+          </a:p>
+        </p:txBody>
+      </p:sp>
+    </p:spTree>
+    <p:extLst>
+      <p:ext uri="{BB962C8B-B14F-4D97-AF65-F5344CB8AC3E}">
+        <p14:creationId xmlns:p14="http://schemas.microsoft.com/office/powerpoint/2010/main" val="3339384398"/>
+      </p:ext>
+    </p:extLst>
+  </p:cSld>
+  <p:clrMapOvr>
+    <a:masterClrMapping/>
+  </p:clrMapOvr>
+</p:sld>
+</file>
+
+<file path=ppt/slides/slide32.xml><?xml version="1.0" encoding="utf-8"?>
+<p:sld xmlns:a="http://schemas.openxmlformats.org/drawingml/2006/main" xmlns:r="http://schemas.openxmlformats.org/officeDocument/2006/relationships" xmlns:p="http://schemas.openxmlformats.org/presentationml/2006/main">
+  <p:cSld>
+    <p:spTree>
+      <p:nvGrpSpPr>
+        <p:cNvPr id="1" name=""/>
+        <p:cNvGrpSpPr/>
+        <p:nvPr/>
+      </p:nvGrpSpPr>
+      <p:grpSpPr>
+        <a:xfrm>
+          <a:off x="0" y="0"/>
+          <a:ext cx="0" cy="0"/>
+          <a:chOff x="0" y="0"/>
+          <a:chExt cx="0" cy="0"/>
+        </a:xfrm>
+      </p:grpSpPr>
+      <p:sp>
+        <p:nvSpPr>
+          <p:cNvPr id="2" name="Title 1">
+            <a:extLst>
+              <a:ext uri="{FF2B5EF4-FFF2-40B4-BE49-F238E27FC236}">
+                <a16:creationId xmlns:a16="http://schemas.microsoft.com/office/drawing/2014/main" id="{4C84315F-315F-4066-9D3A-472733691F27}"/>
+              </a:ext>
+            </a:extLst>
+          </p:cNvPr>
+          <p:cNvSpPr>
+            <a:spLocks noGrp="1"/>
+          </p:cNvSpPr>
+          <p:nvPr>
+            <p:ph type="title"/>
+          </p:nvPr>
+        </p:nvSpPr>
+        <p:spPr>
+          <a:xfrm>
+            <a:off x="838200" y="365125"/>
+            <a:ext cx="10515600" cy="1325563"/>
+          </a:xfrm>
+        </p:spPr>
+        <p:txBody>
+          <a:bodyPr>
+            <a:normAutofit/>
+          </a:bodyPr>
+          <a:lstStyle/>
+          <a:p>
+            <a:r>
+              <a:rPr lang="en-NZ" dirty="0" err="1"/>
+              <a:t>Codeimplementierungen</a:t>
+            </a:r>
+            <a:r>
+              <a:rPr lang="en-NZ" dirty="0"/>
+              <a:t>  – 	Backend</a:t>
+            </a:r>
+            <a:br>
+              <a:rPr lang="en-NZ" dirty="0"/>
+            </a:br>
+            <a:r>
+              <a:rPr lang="en-NZ" dirty="0"/>
+              <a:t>							View Requests</a:t>
+            </a:r>
+            <a:endParaRPr lang="de-DE" dirty="0"/>
+          </a:p>
+        </p:txBody>
+      </p:sp>
+      <p:sp>
+        <p:nvSpPr>
+          <p:cNvPr id="4" name="Footer Placeholder 3">
+            <a:extLst>
+              <a:ext uri="{FF2B5EF4-FFF2-40B4-BE49-F238E27FC236}">
+                <a16:creationId xmlns:a16="http://schemas.microsoft.com/office/drawing/2014/main" id="{0EF7D1E5-7A19-4BA2-8CAA-9135FB90076C}"/>
+              </a:ext>
+            </a:extLst>
+          </p:cNvPr>
+          <p:cNvSpPr>
+            <a:spLocks noGrp="1"/>
+          </p:cNvSpPr>
+          <p:nvPr>
+            <p:ph type="ftr" sz="quarter" idx="11"/>
+          </p:nvPr>
+        </p:nvSpPr>
+        <p:spPr>
+          <a:xfrm>
+            <a:off x="4038600" y="6356350"/>
+            <a:ext cx="4114800" cy="365125"/>
+          </a:xfrm>
+        </p:spPr>
+        <p:txBody>
+          <a:bodyPr/>
+          <a:lstStyle/>
+          <a:p>
+            <a:r>
+              <a:rPr lang="de-DE"/>
+              <a:t>WS19/20 - PV-Modulportal - Rüffer, Vorwerk, Withöft, Zolkin</a:t>
+            </a:r>
+          </a:p>
+        </p:txBody>
+      </p:sp>
+      <p:sp>
+        <p:nvSpPr>
+          <p:cNvPr id="5" name="Slide Number Placeholder 4">
+            <a:extLst>
+              <a:ext uri="{FF2B5EF4-FFF2-40B4-BE49-F238E27FC236}">
+                <a16:creationId xmlns:a16="http://schemas.microsoft.com/office/drawing/2014/main" id="{FAC16E02-623C-4BDA-BAFA-B73797A517FD}"/>
+              </a:ext>
+            </a:extLst>
+          </p:cNvPr>
+          <p:cNvSpPr>
+            <a:spLocks noGrp="1"/>
+          </p:cNvSpPr>
+          <p:nvPr>
+            <p:ph type="sldNum" sz="quarter" idx="12"/>
+          </p:nvPr>
+        </p:nvSpPr>
+        <p:spPr>
+          <a:xfrm>
+            <a:off x="8610600" y="6356350"/>
+            <a:ext cx="2743200" cy="365125"/>
+          </a:xfrm>
+        </p:spPr>
+        <p:txBody>
+          <a:bodyPr/>
+          <a:lstStyle/>
+          <a:p>
+            <a:fld id="{969E759D-A893-4B96-8B48-96EE547EBC41}" type="slidenum">
+              <a:rPr lang="de-DE" smtClean="0"/>
+              <a:t>32</a:t>
+            </a:fld>
+            <a:endParaRPr lang="de-DE"/>
+          </a:p>
+        </p:txBody>
+      </p:sp>
+      <p:pic>
+        <p:nvPicPr>
+          <p:cNvPr id="13" name="Grafik 12" descr="Ein Bild, das Screenshot enthält.&#10;&#10;Automatisch generierte Beschreibung">
+            <a:extLst>
+              <a:ext uri="{FF2B5EF4-FFF2-40B4-BE49-F238E27FC236}">
+                <a16:creationId xmlns:a16="http://schemas.microsoft.com/office/drawing/2014/main" id="{F8DEC07D-47B3-4C2C-8979-5804656B76FB}"/>
+              </a:ext>
+            </a:extLst>
+          </p:cNvPr>
+          <p:cNvPicPr>
+            <a:picLocks noChangeAspect="1"/>
+          </p:cNvPicPr>
+          <p:nvPr/>
+        </p:nvPicPr>
+        <p:blipFill>
+          <a:blip r:embed="rId2">
+            <a:extLst>
+              <a:ext uri="{28A0092B-C50C-407E-A947-70E740481C1C}">
+                <a14:useLocalDpi xmlns:a14="http://schemas.microsoft.com/office/drawing/2010/main" val="0"/>
+              </a:ext>
+            </a:extLst>
+          </a:blip>
+          <a:stretch>
+            <a:fillRect/>
+          </a:stretch>
+        </p:blipFill>
+        <p:spPr>
+          <a:xfrm>
+            <a:off x="4769030" y="2903019"/>
+            <a:ext cx="6768740" cy="3017490"/>
+          </a:xfrm>
+          <a:prstGeom prst="rect">
+            <a:avLst/>
+          </a:prstGeom>
+        </p:spPr>
+      </p:pic>
+      <p:sp>
+        <p:nvSpPr>
+          <p:cNvPr id="14" name="Textfeld 13">
+            <a:extLst>
+              <a:ext uri="{FF2B5EF4-FFF2-40B4-BE49-F238E27FC236}">
+                <a16:creationId xmlns:a16="http://schemas.microsoft.com/office/drawing/2014/main" id="{E30BC66D-03A0-4C1B-9A50-E7476EEBEA24}"/>
+              </a:ext>
+            </a:extLst>
+          </p:cNvPr>
+          <p:cNvSpPr txBox="1"/>
+          <p:nvPr/>
+        </p:nvSpPr>
+        <p:spPr>
+          <a:xfrm>
+            <a:off x="931321" y="1934832"/>
+            <a:ext cx="4706930" cy="1477328"/>
+          </a:xfrm>
+          <a:prstGeom prst="rect">
+            <a:avLst/>
+          </a:prstGeom>
+          <a:noFill/>
+        </p:spPr>
+        <p:txBody>
+          <a:bodyPr wrap="none" rtlCol="0">
+            <a:spAutoFit/>
+          </a:bodyPr>
+          <a:lstStyle/>
+          <a:p>
+            <a:r>
+              <a:rPr lang="en-US" dirty="0"/>
+              <a:t>SELECT </a:t>
+            </a:r>
+            <a:r>
+              <a:rPr lang="en-US" dirty="0" err="1"/>
+              <a:t>t.dataset</a:t>
+            </a:r>
+            <a:r>
+              <a:rPr lang="en-US" dirty="0"/>
+              <a:t>, COUNT(id) AS </a:t>
+            </a:r>
+            <a:r>
+              <a:rPr lang="en-US" dirty="0" err="1"/>
+              <a:t>view_count</a:t>
+            </a:r>
+            <a:endParaRPr lang="en-US" dirty="0"/>
+          </a:p>
+          <a:p>
+            <a:r>
+              <a:rPr lang="en-US" dirty="0"/>
+              <a:t>FROM </a:t>
+            </a:r>
+            <a:r>
+              <a:rPr lang="en-US" dirty="0" err="1"/>
+              <a:t>TblObservedObjectDataSetViewRequest</a:t>
+            </a:r>
+            <a:r>
+              <a:rPr lang="en-US" dirty="0"/>
+              <a:t> t</a:t>
+            </a:r>
+          </a:p>
+          <a:p>
+            <a:r>
+              <a:rPr lang="en-US" dirty="0"/>
+              <a:t>WHERE t.id = :id</a:t>
+            </a:r>
+          </a:p>
+          <a:p>
+            <a:r>
+              <a:rPr lang="en-US" dirty="0"/>
+              <a:t>GROUP BY </a:t>
+            </a:r>
+            <a:r>
+              <a:rPr lang="en-US" dirty="0" err="1"/>
+              <a:t>t.dataset</a:t>
+            </a:r>
+            <a:endParaRPr lang="en-US" dirty="0"/>
+          </a:p>
+          <a:p>
+            <a:r>
+              <a:rPr lang="en-US" dirty="0"/>
+              <a:t>ORDER BY </a:t>
+            </a:r>
+            <a:r>
+              <a:rPr lang="en-US" dirty="0" err="1"/>
+              <a:t>view_count</a:t>
+            </a:r>
+            <a:r>
+              <a:rPr lang="en-US" dirty="0"/>
+              <a:t> DESC</a:t>
+            </a:r>
+            <a:endParaRPr lang="de-DE" dirty="0"/>
+          </a:p>
+        </p:txBody>
+      </p:sp>
+      <p:sp>
+        <p:nvSpPr>
+          <p:cNvPr id="15" name="Textfeld 14">
+            <a:extLst>
+              <a:ext uri="{FF2B5EF4-FFF2-40B4-BE49-F238E27FC236}">
+                <a16:creationId xmlns:a16="http://schemas.microsoft.com/office/drawing/2014/main" id="{B0CCF971-9740-4C60-B819-C327D7CC14B9}"/>
+              </a:ext>
+            </a:extLst>
+          </p:cNvPr>
+          <p:cNvSpPr txBox="1"/>
+          <p:nvPr/>
+        </p:nvSpPr>
+        <p:spPr>
+          <a:xfrm>
+            <a:off x="1477818" y="1565500"/>
+            <a:ext cx="3431709" cy="369332"/>
+          </a:xfrm>
+          <a:prstGeom prst="rect">
+            <a:avLst/>
+          </a:prstGeom>
+          <a:noFill/>
+        </p:spPr>
+        <p:txBody>
+          <a:bodyPr wrap="none" rtlCol="0">
+            <a:spAutoFit/>
+          </a:bodyPr>
+          <a:lstStyle/>
+          <a:p>
+            <a:r>
+              <a:rPr lang="de-DE" u="sng" dirty="0"/>
+              <a:t>Query zu „</a:t>
+            </a:r>
+            <a:r>
+              <a:rPr lang="de-DE" u="sng" dirty="0" err="1"/>
+              <a:t>getMostViewedByOoId</a:t>
+            </a:r>
+            <a:r>
+              <a:rPr lang="de-DE" u="sng" dirty="0"/>
+              <a:t>“</a:t>
+            </a:r>
+          </a:p>
+        </p:txBody>
+      </p:sp>
+    </p:spTree>
+    <p:extLst>
+      <p:ext uri="{BB962C8B-B14F-4D97-AF65-F5344CB8AC3E}">
+        <p14:creationId xmlns:p14="http://schemas.microsoft.com/office/powerpoint/2010/main" val="459681618"/>
+      </p:ext>
+    </p:extLst>
+  </p:cSld>
+  <p:clrMapOvr>
+    <a:masterClrMapping/>
+  </p:clrMapOvr>
+</p:sld>
+</file>
+
+<file path=ppt/slides/slide33.xml><?xml version="1.0" encoding="utf-8"?>
+<p:sld xmlns:a="http://schemas.openxmlformats.org/drawingml/2006/main" xmlns:r="http://schemas.openxmlformats.org/officeDocument/2006/relationships" xmlns:p="http://schemas.openxmlformats.org/presentationml/2006/main">
+  <p:cSld>
+    <p:spTree>
+      <p:nvGrpSpPr>
+        <p:cNvPr id="1" name=""/>
+        <p:cNvGrpSpPr/>
+        <p:nvPr/>
+      </p:nvGrpSpPr>
+      <p:grpSpPr>
+        <a:xfrm>
+          <a:off x="0" y="0"/>
+          <a:ext cx="0" cy="0"/>
+          <a:chOff x="0" y="0"/>
+          <a:chExt cx="0" cy="0"/>
+        </a:xfrm>
+      </p:grpSpPr>
+      <p:sp>
+        <p:nvSpPr>
+          <p:cNvPr id="2" name="Title 1">
+            <a:extLst>
+              <a:ext uri="{FF2B5EF4-FFF2-40B4-BE49-F238E27FC236}">
+                <a16:creationId xmlns:a16="http://schemas.microsoft.com/office/drawing/2014/main" id="{4C84315F-315F-4066-9D3A-472733691F27}"/>
+              </a:ext>
+            </a:extLst>
+          </p:cNvPr>
+          <p:cNvSpPr>
+            <a:spLocks noGrp="1"/>
+          </p:cNvSpPr>
+          <p:nvPr>
+            <p:ph type="title"/>
+          </p:nvPr>
+        </p:nvSpPr>
+        <p:spPr>
+          <a:xfrm>
+            <a:off x="838200" y="365125"/>
+            <a:ext cx="10515600" cy="1325563"/>
+          </a:xfrm>
+        </p:spPr>
+        <p:txBody>
+          <a:bodyPr>
+            <a:normAutofit/>
+          </a:bodyPr>
+          <a:lstStyle/>
+          <a:p>
+            <a:r>
+              <a:rPr lang="en-NZ" dirty="0" err="1"/>
+              <a:t>Codeimplementierungen</a:t>
+            </a:r>
+            <a:r>
+              <a:rPr lang="en-NZ" dirty="0"/>
+              <a:t>  – 	Backend</a:t>
+            </a:r>
+            <a:br>
+              <a:rPr lang="en-NZ" dirty="0"/>
+            </a:br>
+            <a:r>
+              <a:rPr lang="en-NZ" dirty="0"/>
+              <a:t>							View Requests II</a:t>
+            </a:r>
+            <a:endParaRPr lang="de-DE" dirty="0"/>
+          </a:p>
+        </p:txBody>
+      </p:sp>
+      <p:sp>
+        <p:nvSpPr>
+          <p:cNvPr id="4" name="Footer Placeholder 3">
+            <a:extLst>
+              <a:ext uri="{FF2B5EF4-FFF2-40B4-BE49-F238E27FC236}">
+                <a16:creationId xmlns:a16="http://schemas.microsoft.com/office/drawing/2014/main" id="{0EF7D1E5-7A19-4BA2-8CAA-9135FB90076C}"/>
+              </a:ext>
+            </a:extLst>
+          </p:cNvPr>
+          <p:cNvSpPr>
+            <a:spLocks noGrp="1"/>
+          </p:cNvSpPr>
+          <p:nvPr>
+            <p:ph type="ftr" sz="quarter" idx="11"/>
+          </p:nvPr>
+        </p:nvSpPr>
+        <p:spPr>
+          <a:xfrm>
+            <a:off x="4038600" y="6356350"/>
+            <a:ext cx="4114800" cy="365125"/>
+          </a:xfrm>
+        </p:spPr>
+        <p:txBody>
+          <a:bodyPr/>
+          <a:lstStyle/>
+          <a:p>
+            <a:r>
+              <a:rPr lang="de-DE"/>
+              <a:t>WS19/20 - PV-Modulportal - Rüffer, Vorwerk, Withöft, Zolkin</a:t>
+            </a:r>
+          </a:p>
+        </p:txBody>
+      </p:sp>
+      <p:sp>
+        <p:nvSpPr>
+          <p:cNvPr id="5" name="Slide Number Placeholder 4">
+            <a:extLst>
+              <a:ext uri="{FF2B5EF4-FFF2-40B4-BE49-F238E27FC236}">
+                <a16:creationId xmlns:a16="http://schemas.microsoft.com/office/drawing/2014/main" id="{FAC16E02-623C-4BDA-BAFA-B73797A517FD}"/>
+              </a:ext>
+            </a:extLst>
+          </p:cNvPr>
+          <p:cNvSpPr>
+            <a:spLocks noGrp="1"/>
+          </p:cNvSpPr>
+          <p:nvPr>
+            <p:ph type="sldNum" sz="quarter" idx="12"/>
+          </p:nvPr>
+        </p:nvSpPr>
+        <p:spPr>
+          <a:xfrm>
+            <a:off x="8610600" y="6356350"/>
+            <a:ext cx="2743200" cy="365125"/>
+          </a:xfrm>
+        </p:spPr>
+        <p:txBody>
+          <a:bodyPr/>
+          <a:lstStyle/>
+          <a:p>
+            <a:fld id="{969E759D-A893-4B96-8B48-96EE547EBC41}" type="slidenum">
+              <a:rPr lang="de-DE" smtClean="0"/>
+              <a:t>33</a:t>
             </a:fld>
             <a:endParaRPr lang="de-DE"/>
           </a:p>
@@ -12159,7 +13094,7 @@
 </p:sld>
 </file>
 
-<file path=ppt/slides/slide32.xml><?xml version="1.0" encoding="utf-8"?>
+<file path=ppt/slides/slide34.xml><?xml version="1.0" encoding="utf-8"?>
 <p:sld xmlns:a="http://schemas.openxmlformats.org/drawingml/2006/main" xmlns:r="http://schemas.openxmlformats.org/officeDocument/2006/relationships" xmlns:p="http://schemas.openxmlformats.org/presentationml/2006/main">
   <p:cSld>
     <p:bg>
@@ -12689,7 +13624,7 @@
                   <a:spcPts val="600"/>
                 </a:spcAft>
               </a:pPr>
-              <a:t>32</a:t>
+              <a:t>34</a:t>
             </a:fld>
             <a:endParaRPr lang="en-US" sz="1500">
               <a:solidFill>
@@ -12712,7 +13647,7 @@
 </p:sld>
 </file>
 
-<file path=ppt/slides/slide33.xml><?xml version="1.0" encoding="utf-8"?>
+<file path=ppt/slides/slide35.xml><?xml version="1.0" encoding="utf-8"?>
 <p:sld xmlns:a="http://schemas.openxmlformats.org/drawingml/2006/main" xmlns:r="http://schemas.openxmlformats.org/officeDocument/2006/relationships" xmlns:p="http://schemas.openxmlformats.org/presentationml/2006/main">
   <p:cSld>
     <p:spTree>
@@ -12830,7 +13765,7 @@
           <a:p>
             <a:fld id="{969E759D-A893-4B96-8B48-96EE547EBC41}" type="slidenum">
               <a:rPr lang="de-DE" smtClean="0"/>
-              <a:t>33</a:t>
+              <a:t>35</a:t>
             </a:fld>
             <a:endParaRPr lang="de-DE"/>
           </a:p>
@@ -12849,7 +13784,7 @@
 </p:sld>
 </file>
 
-<file path=ppt/slides/slide34.xml><?xml version="1.0" encoding="utf-8"?>
+<file path=ppt/slides/slide36.xml><?xml version="1.0" encoding="utf-8"?>
 <p:sld xmlns:a="http://schemas.openxmlformats.org/drawingml/2006/main" xmlns:r="http://schemas.openxmlformats.org/officeDocument/2006/relationships" xmlns:p="http://schemas.openxmlformats.org/presentationml/2006/main">
   <p:cSld>
     <p:spTree>
@@ -12971,7 +13906,7 @@
           <a:p>
             <a:fld id="{969E759D-A893-4B96-8B48-96EE547EBC41}" type="slidenum">
               <a:rPr lang="de-DE" smtClean="0"/>
-              <a:t>34</a:t>
+              <a:t>36</a:t>
             </a:fld>
             <a:endParaRPr lang="de-DE"/>
           </a:p>

--- a/docs/Seminarvortrag.pptx
+++ b/docs/Seminarvortrag.pptx
@@ -389,7 +389,7 @@
           <a:p>
             <a:fld id="{B1B0B506-360A-4BC7-A86C-8256EFE9AF9B}" type="slidenum">
               <a:rPr lang="de-DE" smtClean="0"/>
-              <a:t>‹#›</a:t>
+              <a:t>‹Nr.›</a:t>
             </a:fld>
             <a:endParaRPr lang="de-DE"/>
           </a:p>
@@ -604,7 +604,7 @@
           <p:cNvPr id="2" name="Title 1">
             <a:extLst>
               <a:ext uri="{FF2B5EF4-FFF2-40B4-BE49-F238E27FC236}">
-                <a16:creationId xmlns:a16="http://schemas.microsoft.com/office/drawing/2014/main" id="{046DBCE4-E0EF-4FEE-80D5-A702C3556002}"/>
+                <a16:creationId xmlns:a16="http://schemas.microsoft.com/office/drawing/2014/main" xmlns="" id="{046DBCE4-E0EF-4FEE-80D5-A702C3556002}"/>
               </a:ext>
             </a:extLst>
           </p:cNvPr>
@@ -642,7 +642,7 @@
           <p:cNvPr id="3" name="Subtitle 2">
             <a:extLst>
               <a:ext uri="{FF2B5EF4-FFF2-40B4-BE49-F238E27FC236}">
-                <a16:creationId xmlns:a16="http://schemas.microsoft.com/office/drawing/2014/main" id="{7E50572C-23B8-4844-BEA8-67547B46B854}"/>
+                <a16:creationId xmlns:a16="http://schemas.microsoft.com/office/drawing/2014/main" xmlns="" id="{7E50572C-23B8-4844-BEA8-67547B46B854}"/>
               </a:ext>
             </a:extLst>
           </p:cNvPr>
@@ -713,7 +713,7 @@
           <p:cNvPr id="4" name="Date Placeholder 3">
             <a:extLst>
               <a:ext uri="{FF2B5EF4-FFF2-40B4-BE49-F238E27FC236}">
-                <a16:creationId xmlns:a16="http://schemas.microsoft.com/office/drawing/2014/main" id="{100022F9-A075-4D48-821D-C3BBF5EF6DB8}"/>
+                <a16:creationId xmlns:a16="http://schemas.microsoft.com/office/drawing/2014/main" xmlns="" id="{100022F9-A075-4D48-821D-C3BBF5EF6DB8}"/>
               </a:ext>
             </a:extLst>
           </p:cNvPr>
@@ -742,7 +742,7 @@
           <p:cNvPr id="5" name="Footer Placeholder 4">
             <a:extLst>
               <a:ext uri="{FF2B5EF4-FFF2-40B4-BE49-F238E27FC236}">
-                <a16:creationId xmlns:a16="http://schemas.microsoft.com/office/drawing/2014/main" id="{EC31605A-96D3-4AE5-8AB0-795CD0B5F4FF}"/>
+                <a16:creationId xmlns:a16="http://schemas.microsoft.com/office/drawing/2014/main" xmlns="" id="{EC31605A-96D3-4AE5-8AB0-795CD0B5F4FF}"/>
               </a:ext>
             </a:extLst>
           </p:cNvPr>
@@ -770,7 +770,7 @@
           <p:cNvPr id="6" name="Slide Number Placeholder 5">
             <a:extLst>
               <a:ext uri="{FF2B5EF4-FFF2-40B4-BE49-F238E27FC236}">
-                <a16:creationId xmlns:a16="http://schemas.microsoft.com/office/drawing/2014/main" id="{57DF77BF-007F-4C70-98E2-83A1A7E91C87}"/>
+                <a16:creationId xmlns:a16="http://schemas.microsoft.com/office/drawing/2014/main" xmlns="" id="{57DF77BF-007F-4C70-98E2-83A1A7E91C87}"/>
               </a:ext>
             </a:extLst>
           </p:cNvPr>
@@ -788,7 +788,7 @@
           <a:p>
             <a:fld id="{969E759D-A893-4B96-8B48-96EE547EBC41}" type="slidenum">
               <a:rPr lang="de-DE" smtClean="0"/>
-              <a:t>‹#›</a:t>
+              <a:t>‹Nr.›</a:t>
             </a:fld>
             <a:endParaRPr lang="de-DE"/>
           </a:p>
@@ -829,7 +829,7 @@
           <p:cNvPr id="2" name="Title 1">
             <a:extLst>
               <a:ext uri="{FF2B5EF4-FFF2-40B4-BE49-F238E27FC236}">
-                <a16:creationId xmlns:a16="http://schemas.microsoft.com/office/drawing/2014/main" id="{50547723-A745-4136-9E9B-C54A2591C03E}"/>
+                <a16:creationId xmlns:a16="http://schemas.microsoft.com/office/drawing/2014/main" xmlns="" id="{50547723-A745-4136-9E9B-C54A2591C03E}"/>
               </a:ext>
             </a:extLst>
           </p:cNvPr>
@@ -858,7 +858,7 @@
           <p:cNvPr id="3" name="Vertical Text Placeholder 2">
             <a:extLst>
               <a:ext uri="{FF2B5EF4-FFF2-40B4-BE49-F238E27FC236}">
-                <a16:creationId xmlns:a16="http://schemas.microsoft.com/office/drawing/2014/main" id="{19A1C7A2-1B43-4C6D-A293-C7FFD55FA198}"/>
+                <a16:creationId xmlns:a16="http://schemas.microsoft.com/office/drawing/2014/main" xmlns="" id="{19A1C7A2-1B43-4C6D-A293-C7FFD55FA198}"/>
               </a:ext>
             </a:extLst>
           </p:cNvPr>
@@ -916,7 +916,7 @@
           <p:cNvPr id="4" name="Date Placeholder 3">
             <a:extLst>
               <a:ext uri="{FF2B5EF4-FFF2-40B4-BE49-F238E27FC236}">
-                <a16:creationId xmlns:a16="http://schemas.microsoft.com/office/drawing/2014/main" id="{E4D750D0-43FF-490C-A9D5-FAD09D16CB56}"/>
+                <a16:creationId xmlns:a16="http://schemas.microsoft.com/office/drawing/2014/main" xmlns="" id="{E4D750D0-43FF-490C-A9D5-FAD09D16CB56}"/>
               </a:ext>
             </a:extLst>
           </p:cNvPr>
@@ -945,7 +945,7 @@
           <p:cNvPr id="5" name="Footer Placeholder 4">
             <a:extLst>
               <a:ext uri="{FF2B5EF4-FFF2-40B4-BE49-F238E27FC236}">
-                <a16:creationId xmlns:a16="http://schemas.microsoft.com/office/drawing/2014/main" id="{52720C74-982E-4771-B07D-A0BD79EC910E}"/>
+                <a16:creationId xmlns:a16="http://schemas.microsoft.com/office/drawing/2014/main" xmlns="" id="{52720C74-982E-4771-B07D-A0BD79EC910E}"/>
               </a:ext>
             </a:extLst>
           </p:cNvPr>
@@ -973,7 +973,7 @@
           <p:cNvPr id="6" name="Slide Number Placeholder 5">
             <a:extLst>
               <a:ext uri="{FF2B5EF4-FFF2-40B4-BE49-F238E27FC236}">
-                <a16:creationId xmlns:a16="http://schemas.microsoft.com/office/drawing/2014/main" id="{521B4D69-0D90-4E66-BBD6-D567927F056E}"/>
+                <a16:creationId xmlns:a16="http://schemas.microsoft.com/office/drawing/2014/main" xmlns="" id="{521B4D69-0D90-4E66-BBD6-D567927F056E}"/>
               </a:ext>
             </a:extLst>
           </p:cNvPr>
@@ -991,7 +991,7 @@
           <a:p>
             <a:fld id="{969E759D-A893-4B96-8B48-96EE547EBC41}" type="slidenum">
               <a:rPr lang="de-DE" smtClean="0"/>
-              <a:t>‹#›</a:t>
+              <a:t>‹Nr.›</a:t>
             </a:fld>
             <a:endParaRPr lang="de-DE"/>
           </a:p>
@@ -1032,7 +1032,7 @@
           <p:cNvPr id="2" name="Vertical Title 1">
             <a:extLst>
               <a:ext uri="{FF2B5EF4-FFF2-40B4-BE49-F238E27FC236}">
-                <a16:creationId xmlns:a16="http://schemas.microsoft.com/office/drawing/2014/main" id="{2CAD75F2-C38E-4541-87A7-F319E899E67A}"/>
+                <a16:creationId xmlns:a16="http://schemas.microsoft.com/office/drawing/2014/main" xmlns="" id="{2CAD75F2-C38E-4541-87A7-F319E899E67A}"/>
               </a:ext>
             </a:extLst>
           </p:cNvPr>
@@ -1066,7 +1066,7 @@
           <p:cNvPr id="3" name="Vertical Text Placeholder 2">
             <a:extLst>
               <a:ext uri="{FF2B5EF4-FFF2-40B4-BE49-F238E27FC236}">
-                <a16:creationId xmlns:a16="http://schemas.microsoft.com/office/drawing/2014/main" id="{4C062E13-06CB-485A-AA44-1327366B8430}"/>
+                <a16:creationId xmlns:a16="http://schemas.microsoft.com/office/drawing/2014/main" xmlns="" id="{4C062E13-06CB-485A-AA44-1327366B8430}"/>
               </a:ext>
             </a:extLst>
           </p:cNvPr>
@@ -1129,7 +1129,7 @@
           <p:cNvPr id="4" name="Date Placeholder 3">
             <a:extLst>
               <a:ext uri="{FF2B5EF4-FFF2-40B4-BE49-F238E27FC236}">
-                <a16:creationId xmlns:a16="http://schemas.microsoft.com/office/drawing/2014/main" id="{625F218E-01D2-451A-9031-AD736B1E20A6}"/>
+                <a16:creationId xmlns:a16="http://schemas.microsoft.com/office/drawing/2014/main" xmlns="" id="{625F218E-01D2-451A-9031-AD736B1E20A6}"/>
               </a:ext>
             </a:extLst>
           </p:cNvPr>
@@ -1158,7 +1158,7 @@
           <p:cNvPr id="5" name="Footer Placeholder 4">
             <a:extLst>
               <a:ext uri="{FF2B5EF4-FFF2-40B4-BE49-F238E27FC236}">
-                <a16:creationId xmlns:a16="http://schemas.microsoft.com/office/drawing/2014/main" id="{C7083295-EF4A-46C3-90BB-B9E2D04D0576}"/>
+                <a16:creationId xmlns:a16="http://schemas.microsoft.com/office/drawing/2014/main" xmlns="" id="{C7083295-EF4A-46C3-90BB-B9E2D04D0576}"/>
               </a:ext>
             </a:extLst>
           </p:cNvPr>
@@ -1186,7 +1186,7 @@
           <p:cNvPr id="6" name="Slide Number Placeholder 5">
             <a:extLst>
               <a:ext uri="{FF2B5EF4-FFF2-40B4-BE49-F238E27FC236}">
-                <a16:creationId xmlns:a16="http://schemas.microsoft.com/office/drawing/2014/main" id="{0F8EDD3E-35ED-415B-86A4-3E78B8B56297}"/>
+                <a16:creationId xmlns:a16="http://schemas.microsoft.com/office/drawing/2014/main" xmlns="" id="{0F8EDD3E-35ED-415B-86A4-3E78B8B56297}"/>
               </a:ext>
             </a:extLst>
           </p:cNvPr>
@@ -1204,7 +1204,7 @@
           <a:p>
             <a:fld id="{969E759D-A893-4B96-8B48-96EE547EBC41}" type="slidenum">
               <a:rPr lang="de-DE" smtClean="0"/>
-              <a:t>‹#›</a:t>
+              <a:t>‹Nr.›</a:t>
             </a:fld>
             <a:endParaRPr lang="de-DE"/>
           </a:p>
@@ -1245,7 +1245,7 @@
           <p:cNvPr id="2" name="Title 1">
             <a:extLst>
               <a:ext uri="{FF2B5EF4-FFF2-40B4-BE49-F238E27FC236}">
-                <a16:creationId xmlns:a16="http://schemas.microsoft.com/office/drawing/2014/main" id="{3EC23AC9-B405-43A9-9B49-DD554606884B}"/>
+                <a16:creationId xmlns:a16="http://schemas.microsoft.com/office/drawing/2014/main" xmlns="" id="{3EC23AC9-B405-43A9-9B49-DD554606884B}"/>
               </a:ext>
             </a:extLst>
           </p:cNvPr>
@@ -1274,7 +1274,7 @@
           <p:cNvPr id="3" name="Content Placeholder 2">
             <a:extLst>
               <a:ext uri="{FF2B5EF4-FFF2-40B4-BE49-F238E27FC236}">
-                <a16:creationId xmlns:a16="http://schemas.microsoft.com/office/drawing/2014/main" id="{5A1ED858-EF3B-4519-8B6B-57FF232A60D6}"/>
+                <a16:creationId xmlns:a16="http://schemas.microsoft.com/office/drawing/2014/main" xmlns="" id="{5A1ED858-EF3B-4519-8B6B-57FF232A60D6}"/>
               </a:ext>
             </a:extLst>
           </p:cNvPr>
@@ -1332,7 +1332,7 @@
           <p:cNvPr id="4" name="Date Placeholder 3">
             <a:extLst>
               <a:ext uri="{FF2B5EF4-FFF2-40B4-BE49-F238E27FC236}">
-                <a16:creationId xmlns:a16="http://schemas.microsoft.com/office/drawing/2014/main" id="{C8150030-2F31-4B9A-B432-2B22C4DE6212}"/>
+                <a16:creationId xmlns:a16="http://schemas.microsoft.com/office/drawing/2014/main" xmlns="" id="{C8150030-2F31-4B9A-B432-2B22C4DE6212}"/>
               </a:ext>
             </a:extLst>
           </p:cNvPr>
@@ -1361,7 +1361,7 @@
           <p:cNvPr id="5" name="Footer Placeholder 4">
             <a:extLst>
               <a:ext uri="{FF2B5EF4-FFF2-40B4-BE49-F238E27FC236}">
-                <a16:creationId xmlns:a16="http://schemas.microsoft.com/office/drawing/2014/main" id="{9D0121CD-2AA3-4C77-A2DC-710EE8AD1DE5}"/>
+                <a16:creationId xmlns:a16="http://schemas.microsoft.com/office/drawing/2014/main" xmlns="" id="{9D0121CD-2AA3-4C77-A2DC-710EE8AD1DE5}"/>
               </a:ext>
             </a:extLst>
           </p:cNvPr>
@@ -1389,7 +1389,7 @@
           <p:cNvPr id="6" name="Slide Number Placeholder 5">
             <a:extLst>
               <a:ext uri="{FF2B5EF4-FFF2-40B4-BE49-F238E27FC236}">
-                <a16:creationId xmlns:a16="http://schemas.microsoft.com/office/drawing/2014/main" id="{D230A6F5-C59C-4467-990E-B7673CFF0B72}"/>
+                <a16:creationId xmlns:a16="http://schemas.microsoft.com/office/drawing/2014/main" xmlns="" id="{D230A6F5-C59C-4467-990E-B7673CFF0B72}"/>
               </a:ext>
             </a:extLst>
           </p:cNvPr>
@@ -1407,7 +1407,7 @@
           <a:p>
             <a:fld id="{969E759D-A893-4B96-8B48-96EE547EBC41}" type="slidenum">
               <a:rPr lang="de-DE" smtClean="0"/>
-              <a:t>‹#›</a:t>
+              <a:t>‹Nr.›</a:t>
             </a:fld>
             <a:endParaRPr lang="de-DE"/>
           </a:p>
@@ -1448,7 +1448,7 @@
           <p:cNvPr id="2" name="Title 1">
             <a:extLst>
               <a:ext uri="{FF2B5EF4-FFF2-40B4-BE49-F238E27FC236}">
-                <a16:creationId xmlns:a16="http://schemas.microsoft.com/office/drawing/2014/main" id="{BF936881-31C9-42FA-A745-EA48C2B1D924}"/>
+                <a16:creationId xmlns:a16="http://schemas.microsoft.com/office/drawing/2014/main" xmlns="" id="{BF936881-31C9-42FA-A745-EA48C2B1D924}"/>
               </a:ext>
             </a:extLst>
           </p:cNvPr>
@@ -1486,7 +1486,7 @@
           <p:cNvPr id="3" name="Text Placeholder 2">
             <a:extLst>
               <a:ext uri="{FF2B5EF4-FFF2-40B4-BE49-F238E27FC236}">
-                <a16:creationId xmlns:a16="http://schemas.microsoft.com/office/drawing/2014/main" id="{F4F81A45-5932-4C85-A105-4077AD8D9885}"/>
+                <a16:creationId xmlns:a16="http://schemas.microsoft.com/office/drawing/2014/main" xmlns="" id="{F4F81A45-5932-4C85-A105-4077AD8D9885}"/>
               </a:ext>
             </a:extLst>
           </p:cNvPr>
@@ -1611,7 +1611,7 @@
           <p:cNvPr id="4" name="Date Placeholder 3">
             <a:extLst>
               <a:ext uri="{FF2B5EF4-FFF2-40B4-BE49-F238E27FC236}">
-                <a16:creationId xmlns:a16="http://schemas.microsoft.com/office/drawing/2014/main" id="{FF8CFA83-5D09-45E6-BFEE-A02E8D514255}"/>
+                <a16:creationId xmlns:a16="http://schemas.microsoft.com/office/drawing/2014/main" xmlns="" id="{FF8CFA83-5D09-45E6-BFEE-A02E8D514255}"/>
               </a:ext>
             </a:extLst>
           </p:cNvPr>
@@ -1640,7 +1640,7 @@
           <p:cNvPr id="5" name="Footer Placeholder 4">
             <a:extLst>
               <a:ext uri="{FF2B5EF4-FFF2-40B4-BE49-F238E27FC236}">
-                <a16:creationId xmlns:a16="http://schemas.microsoft.com/office/drawing/2014/main" id="{A79C5C45-F0F7-4E1E-A0BA-F748D717175A}"/>
+                <a16:creationId xmlns:a16="http://schemas.microsoft.com/office/drawing/2014/main" xmlns="" id="{A79C5C45-F0F7-4E1E-A0BA-F748D717175A}"/>
               </a:ext>
             </a:extLst>
           </p:cNvPr>
@@ -1668,7 +1668,7 @@
           <p:cNvPr id="6" name="Slide Number Placeholder 5">
             <a:extLst>
               <a:ext uri="{FF2B5EF4-FFF2-40B4-BE49-F238E27FC236}">
-                <a16:creationId xmlns:a16="http://schemas.microsoft.com/office/drawing/2014/main" id="{0B6BC97A-AFA3-4F0C-AF54-B5654540B753}"/>
+                <a16:creationId xmlns:a16="http://schemas.microsoft.com/office/drawing/2014/main" xmlns="" id="{0B6BC97A-AFA3-4F0C-AF54-B5654540B753}"/>
               </a:ext>
             </a:extLst>
           </p:cNvPr>
@@ -1686,7 +1686,7 @@
           <a:p>
             <a:fld id="{969E759D-A893-4B96-8B48-96EE547EBC41}" type="slidenum">
               <a:rPr lang="de-DE" smtClean="0"/>
-              <a:t>‹#›</a:t>
+              <a:t>‹Nr.›</a:t>
             </a:fld>
             <a:endParaRPr lang="de-DE"/>
           </a:p>
@@ -1727,7 +1727,7 @@
           <p:cNvPr id="2" name="Title 1">
             <a:extLst>
               <a:ext uri="{FF2B5EF4-FFF2-40B4-BE49-F238E27FC236}">
-                <a16:creationId xmlns:a16="http://schemas.microsoft.com/office/drawing/2014/main" id="{767E744E-0BBE-4077-8230-C905D1B7B2F6}"/>
+                <a16:creationId xmlns:a16="http://schemas.microsoft.com/office/drawing/2014/main" xmlns="" id="{767E744E-0BBE-4077-8230-C905D1B7B2F6}"/>
               </a:ext>
             </a:extLst>
           </p:cNvPr>
@@ -1756,7 +1756,7 @@
           <p:cNvPr id="3" name="Content Placeholder 2">
             <a:extLst>
               <a:ext uri="{FF2B5EF4-FFF2-40B4-BE49-F238E27FC236}">
-                <a16:creationId xmlns:a16="http://schemas.microsoft.com/office/drawing/2014/main" id="{0C95CA8F-8400-44E9-982B-20F711B51A51}"/>
+                <a16:creationId xmlns:a16="http://schemas.microsoft.com/office/drawing/2014/main" xmlns="" id="{0C95CA8F-8400-44E9-982B-20F711B51A51}"/>
               </a:ext>
             </a:extLst>
           </p:cNvPr>
@@ -1819,7 +1819,7 @@
           <p:cNvPr id="4" name="Content Placeholder 3">
             <a:extLst>
               <a:ext uri="{FF2B5EF4-FFF2-40B4-BE49-F238E27FC236}">
-                <a16:creationId xmlns:a16="http://schemas.microsoft.com/office/drawing/2014/main" id="{8FFC5013-EAEC-446A-836B-EE12B52AF1EE}"/>
+                <a16:creationId xmlns:a16="http://schemas.microsoft.com/office/drawing/2014/main" xmlns="" id="{8FFC5013-EAEC-446A-836B-EE12B52AF1EE}"/>
               </a:ext>
             </a:extLst>
           </p:cNvPr>
@@ -1882,7 +1882,7 @@
           <p:cNvPr id="5" name="Date Placeholder 4">
             <a:extLst>
               <a:ext uri="{FF2B5EF4-FFF2-40B4-BE49-F238E27FC236}">
-                <a16:creationId xmlns:a16="http://schemas.microsoft.com/office/drawing/2014/main" id="{E310F9EB-66BC-4C02-949E-4481CE3C774C}"/>
+                <a16:creationId xmlns:a16="http://schemas.microsoft.com/office/drawing/2014/main" xmlns="" id="{E310F9EB-66BC-4C02-949E-4481CE3C774C}"/>
               </a:ext>
             </a:extLst>
           </p:cNvPr>
@@ -1911,7 +1911,7 @@
           <p:cNvPr id="6" name="Footer Placeholder 5">
             <a:extLst>
               <a:ext uri="{FF2B5EF4-FFF2-40B4-BE49-F238E27FC236}">
-                <a16:creationId xmlns:a16="http://schemas.microsoft.com/office/drawing/2014/main" id="{74C21129-AF84-4DC7-B6AB-10366106430C}"/>
+                <a16:creationId xmlns:a16="http://schemas.microsoft.com/office/drawing/2014/main" xmlns="" id="{74C21129-AF84-4DC7-B6AB-10366106430C}"/>
               </a:ext>
             </a:extLst>
           </p:cNvPr>
@@ -1939,7 +1939,7 @@
           <p:cNvPr id="7" name="Slide Number Placeholder 6">
             <a:extLst>
               <a:ext uri="{FF2B5EF4-FFF2-40B4-BE49-F238E27FC236}">
-                <a16:creationId xmlns:a16="http://schemas.microsoft.com/office/drawing/2014/main" id="{6C1A3CA7-9108-4644-9A69-9E5AEB0B2AD0}"/>
+                <a16:creationId xmlns:a16="http://schemas.microsoft.com/office/drawing/2014/main" xmlns="" id="{6C1A3CA7-9108-4644-9A69-9E5AEB0B2AD0}"/>
               </a:ext>
             </a:extLst>
           </p:cNvPr>
@@ -1957,7 +1957,7 @@
           <a:p>
             <a:fld id="{969E759D-A893-4B96-8B48-96EE547EBC41}" type="slidenum">
               <a:rPr lang="de-DE" smtClean="0"/>
-              <a:t>‹#›</a:t>
+              <a:t>‹Nr.›</a:t>
             </a:fld>
             <a:endParaRPr lang="de-DE"/>
           </a:p>
@@ -1998,7 +1998,7 @@
           <p:cNvPr id="2" name="Title 1">
             <a:extLst>
               <a:ext uri="{FF2B5EF4-FFF2-40B4-BE49-F238E27FC236}">
-                <a16:creationId xmlns:a16="http://schemas.microsoft.com/office/drawing/2014/main" id="{33AA1592-15D3-4F0B-B2E7-C95CBA7D7F4C}"/>
+                <a16:creationId xmlns:a16="http://schemas.microsoft.com/office/drawing/2014/main" xmlns="" id="{33AA1592-15D3-4F0B-B2E7-C95CBA7D7F4C}"/>
               </a:ext>
             </a:extLst>
           </p:cNvPr>
@@ -2032,7 +2032,7 @@
           <p:cNvPr id="3" name="Text Placeholder 2">
             <a:extLst>
               <a:ext uri="{FF2B5EF4-FFF2-40B4-BE49-F238E27FC236}">
-                <a16:creationId xmlns:a16="http://schemas.microsoft.com/office/drawing/2014/main" id="{3BC98F03-C09F-41CB-A02C-235FEF123879}"/>
+                <a16:creationId xmlns:a16="http://schemas.microsoft.com/office/drawing/2014/main" xmlns="" id="{3BC98F03-C09F-41CB-A02C-235FEF123879}"/>
               </a:ext>
             </a:extLst>
           </p:cNvPr>
@@ -2103,7 +2103,7 @@
           <p:cNvPr id="4" name="Content Placeholder 3">
             <a:extLst>
               <a:ext uri="{FF2B5EF4-FFF2-40B4-BE49-F238E27FC236}">
-                <a16:creationId xmlns:a16="http://schemas.microsoft.com/office/drawing/2014/main" id="{2B41E649-41F5-4E43-B982-FA612CCD2DF0}"/>
+                <a16:creationId xmlns:a16="http://schemas.microsoft.com/office/drawing/2014/main" xmlns="" id="{2B41E649-41F5-4E43-B982-FA612CCD2DF0}"/>
               </a:ext>
             </a:extLst>
           </p:cNvPr>
@@ -2166,7 +2166,7 @@
           <p:cNvPr id="5" name="Text Placeholder 4">
             <a:extLst>
               <a:ext uri="{FF2B5EF4-FFF2-40B4-BE49-F238E27FC236}">
-                <a16:creationId xmlns:a16="http://schemas.microsoft.com/office/drawing/2014/main" id="{37D7ABD1-D2B0-4CF0-8B82-C5D1C4FD84AF}"/>
+                <a16:creationId xmlns:a16="http://schemas.microsoft.com/office/drawing/2014/main" xmlns="" id="{37D7ABD1-D2B0-4CF0-8B82-C5D1C4FD84AF}"/>
               </a:ext>
             </a:extLst>
           </p:cNvPr>
@@ -2237,7 +2237,7 @@
           <p:cNvPr id="6" name="Content Placeholder 5">
             <a:extLst>
               <a:ext uri="{FF2B5EF4-FFF2-40B4-BE49-F238E27FC236}">
-                <a16:creationId xmlns:a16="http://schemas.microsoft.com/office/drawing/2014/main" id="{9E3897D1-02F3-412B-83EF-28A5CF402015}"/>
+                <a16:creationId xmlns:a16="http://schemas.microsoft.com/office/drawing/2014/main" xmlns="" id="{9E3897D1-02F3-412B-83EF-28A5CF402015}"/>
               </a:ext>
             </a:extLst>
           </p:cNvPr>
@@ -2300,7 +2300,7 @@
           <p:cNvPr id="7" name="Date Placeholder 6">
             <a:extLst>
               <a:ext uri="{FF2B5EF4-FFF2-40B4-BE49-F238E27FC236}">
-                <a16:creationId xmlns:a16="http://schemas.microsoft.com/office/drawing/2014/main" id="{9EA6E2B4-4A3E-4E96-98E5-D833ADA54890}"/>
+                <a16:creationId xmlns:a16="http://schemas.microsoft.com/office/drawing/2014/main" xmlns="" id="{9EA6E2B4-4A3E-4E96-98E5-D833ADA54890}"/>
               </a:ext>
             </a:extLst>
           </p:cNvPr>
@@ -2329,7 +2329,7 @@
           <p:cNvPr id="8" name="Footer Placeholder 7">
             <a:extLst>
               <a:ext uri="{FF2B5EF4-FFF2-40B4-BE49-F238E27FC236}">
-                <a16:creationId xmlns:a16="http://schemas.microsoft.com/office/drawing/2014/main" id="{5AC79E77-5927-4B6F-9B63-ADABE239B453}"/>
+                <a16:creationId xmlns:a16="http://schemas.microsoft.com/office/drawing/2014/main" xmlns="" id="{5AC79E77-5927-4B6F-9B63-ADABE239B453}"/>
               </a:ext>
             </a:extLst>
           </p:cNvPr>
@@ -2357,7 +2357,7 @@
           <p:cNvPr id="9" name="Slide Number Placeholder 8">
             <a:extLst>
               <a:ext uri="{FF2B5EF4-FFF2-40B4-BE49-F238E27FC236}">
-                <a16:creationId xmlns:a16="http://schemas.microsoft.com/office/drawing/2014/main" id="{37B9B9C8-ED50-4852-B9F1-48A216BB03D1}"/>
+                <a16:creationId xmlns:a16="http://schemas.microsoft.com/office/drawing/2014/main" xmlns="" id="{37B9B9C8-ED50-4852-B9F1-48A216BB03D1}"/>
               </a:ext>
             </a:extLst>
           </p:cNvPr>
@@ -2375,7 +2375,7 @@
           <a:p>
             <a:fld id="{969E759D-A893-4B96-8B48-96EE547EBC41}" type="slidenum">
               <a:rPr lang="de-DE" smtClean="0"/>
-              <a:t>‹#›</a:t>
+              <a:t>‹Nr.›</a:t>
             </a:fld>
             <a:endParaRPr lang="de-DE"/>
           </a:p>
@@ -2416,7 +2416,7 @@
           <p:cNvPr id="2" name="Title 1">
             <a:extLst>
               <a:ext uri="{FF2B5EF4-FFF2-40B4-BE49-F238E27FC236}">
-                <a16:creationId xmlns:a16="http://schemas.microsoft.com/office/drawing/2014/main" id="{AFFF9CCC-3D72-4E6D-9B55-5BDB2AB422C8}"/>
+                <a16:creationId xmlns:a16="http://schemas.microsoft.com/office/drawing/2014/main" xmlns="" id="{AFFF9CCC-3D72-4E6D-9B55-5BDB2AB422C8}"/>
               </a:ext>
             </a:extLst>
           </p:cNvPr>
@@ -2445,7 +2445,7 @@
           <p:cNvPr id="3" name="Date Placeholder 2">
             <a:extLst>
               <a:ext uri="{FF2B5EF4-FFF2-40B4-BE49-F238E27FC236}">
-                <a16:creationId xmlns:a16="http://schemas.microsoft.com/office/drawing/2014/main" id="{0B6C3247-58E3-4CD5-BAA0-DA75A819FDB7}"/>
+                <a16:creationId xmlns:a16="http://schemas.microsoft.com/office/drawing/2014/main" xmlns="" id="{0B6C3247-58E3-4CD5-BAA0-DA75A819FDB7}"/>
               </a:ext>
             </a:extLst>
           </p:cNvPr>
@@ -2474,7 +2474,7 @@
           <p:cNvPr id="4" name="Footer Placeholder 3">
             <a:extLst>
               <a:ext uri="{FF2B5EF4-FFF2-40B4-BE49-F238E27FC236}">
-                <a16:creationId xmlns:a16="http://schemas.microsoft.com/office/drawing/2014/main" id="{F337865A-A6D7-4B6F-AACB-CF758CA5DFEF}"/>
+                <a16:creationId xmlns:a16="http://schemas.microsoft.com/office/drawing/2014/main" xmlns="" id="{F337865A-A6D7-4B6F-AACB-CF758CA5DFEF}"/>
               </a:ext>
             </a:extLst>
           </p:cNvPr>
@@ -2502,7 +2502,7 @@
           <p:cNvPr id="5" name="Slide Number Placeholder 4">
             <a:extLst>
               <a:ext uri="{FF2B5EF4-FFF2-40B4-BE49-F238E27FC236}">
-                <a16:creationId xmlns:a16="http://schemas.microsoft.com/office/drawing/2014/main" id="{3686C1C5-74DF-47F5-99D6-4A48265FCC9A}"/>
+                <a16:creationId xmlns:a16="http://schemas.microsoft.com/office/drawing/2014/main" xmlns="" id="{3686C1C5-74DF-47F5-99D6-4A48265FCC9A}"/>
               </a:ext>
             </a:extLst>
           </p:cNvPr>
@@ -2520,7 +2520,7 @@
           <a:p>
             <a:fld id="{969E759D-A893-4B96-8B48-96EE547EBC41}" type="slidenum">
               <a:rPr lang="de-DE" smtClean="0"/>
-              <a:t>‹#›</a:t>
+              <a:t>‹Nr.›</a:t>
             </a:fld>
             <a:endParaRPr lang="de-DE"/>
           </a:p>
@@ -2561,7 +2561,7 @@
           <p:cNvPr id="2" name="Date Placeholder 1">
             <a:extLst>
               <a:ext uri="{FF2B5EF4-FFF2-40B4-BE49-F238E27FC236}">
-                <a16:creationId xmlns:a16="http://schemas.microsoft.com/office/drawing/2014/main" id="{DD7FD90C-4FC4-4111-9356-41D9564DB7DC}"/>
+                <a16:creationId xmlns:a16="http://schemas.microsoft.com/office/drawing/2014/main" xmlns="" id="{DD7FD90C-4FC4-4111-9356-41D9564DB7DC}"/>
               </a:ext>
             </a:extLst>
           </p:cNvPr>
@@ -2590,7 +2590,7 @@
           <p:cNvPr id="3" name="Footer Placeholder 2">
             <a:extLst>
               <a:ext uri="{FF2B5EF4-FFF2-40B4-BE49-F238E27FC236}">
-                <a16:creationId xmlns:a16="http://schemas.microsoft.com/office/drawing/2014/main" id="{3C9FF4C4-44A5-48A4-BDD8-FEA03E205412}"/>
+                <a16:creationId xmlns:a16="http://schemas.microsoft.com/office/drawing/2014/main" xmlns="" id="{3C9FF4C4-44A5-48A4-BDD8-FEA03E205412}"/>
               </a:ext>
             </a:extLst>
           </p:cNvPr>
@@ -2618,7 +2618,7 @@
           <p:cNvPr id="4" name="Slide Number Placeholder 3">
             <a:extLst>
               <a:ext uri="{FF2B5EF4-FFF2-40B4-BE49-F238E27FC236}">
-                <a16:creationId xmlns:a16="http://schemas.microsoft.com/office/drawing/2014/main" id="{5BD1C1F2-608B-4F06-B3CF-EA402ECA138C}"/>
+                <a16:creationId xmlns:a16="http://schemas.microsoft.com/office/drawing/2014/main" xmlns="" id="{5BD1C1F2-608B-4F06-B3CF-EA402ECA138C}"/>
               </a:ext>
             </a:extLst>
           </p:cNvPr>
@@ -2636,7 +2636,7 @@
           <a:p>
             <a:fld id="{969E759D-A893-4B96-8B48-96EE547EBC41}" type="slidenum">
               <a:rPr lang="de-DE" smtClean="0"/>
-              <a:t>‹#›</a:t>
+              <a:t>‹Nr.›</a:t>
             </a:fld>
             <a:endParaRPr lang="de-DE"/>
           </a:p>
@@ -2677,7 +2677,7 @@
           <p:cNvPr id="2" name="Title 1">
             <a:extLst>
               <a:ext uri="{FF2B5EF4-FFF2-40B4-BE49-F238E27FC236}">
-                <a16:creationId xmlns:a16="http://schemas.microsoft.com/office/drawing/2014/main" id="{C30E51A0-29CA-4ADD-9397-21C60FE7224C}"/>
+                <a16:creationId xmlns:a16="http://schemas.microsoft.com/office/drawing/2014/main" xmlns="" id="{C30E51A0-29CA-4ADD-9397-21C60FE7224C}"/>
               </a:ext>
             </a:extLst>
           </p:cNvPr>
@@ -2715,7 +2715,7 @@
           <p:cNvPr id="3" name="Content Placeholder 2">
             <a:extLst>
               <a:ext uri="{FF2B5EF4-FFF2-40B4-BE49-F238E27FC236}">
-                <a16:creationId xmlns:a16="http://schemas.microsoft.com/office/drawing/2014/main" id="{AE4C1E59-EC49-477D-A7FA-8D17A544FD35}"/>
+                <a16:creationId xmlns:a16="http://schemas.microsoft.com/office/drawing/2014/main" xmlns="" id="{AE4C1E59-EC49-477D-A7FA-8D17A544FD35}"/>
               </a:ext>
             </a:extLst>
           </p:cNvPr>
@@ -2806,7 +2806,7 @@
           <p:cNvPr id="4" name="Text Placeholder 3">
             <a:extLst>
               <a:ext uri="{FF2B5EF4-FFF2-40B4-BE49-F238E27FC236}">
-                <a16:creationId xmlns:a16="http://schemas.microsoft.com/office/drawing/2014/main" id="{FB140F56-8F9C-46CC-A2A8-FC43BF1B9B5A}"/>
+                <a16:creationId xmlns:a16="http://schemas.microsoft.com/office/drawing/2014/main" xmlns="" id="{FB140F56-8F9C-46CC-A2A8-FC43BF1B9B5A}"/>
               </a:ext>
             </a:extLst>
           </p:cNvPr>
@@ -2877,7 +2877,7 @@
           <p:cNvPr id="5" name="Date Placeholder 4">
             <a:extLst>
               <a:ext uri="{FF2B5EF4-FFF2-40B4-BE49-F238E27FC236}">
-                <a16:creationId xmlns:a16="http://schemas.microsoft.com/office/drawing/2014/main" id="{31CABD1E-515F-40BE-8198-380231147539}"/>
+                <a16:creationId xmlns:a16="http://schemas.microsoft.com/office/drawing/2014/main" xmlns="" id="{31CABD1E-515F-40BE-8198-380231147539}"/>
               </a:ext>
             </a:extLst>
           </p:cNvPr>
@@ -2906,7 +2906,7 @@
           <p:cNvPr id="6" name="Footer Placeholder 5">
             <a:extLst>
               <a:ext uri="{FF2B5EF4-FFF2-40B4-BE49-F238E27FC236}">
-                <a16:creationId xmlns:a16="http://schemas.microsoft.com/office/drawing/2014/main" id="{2F6019DF-BD0B-472E-A976-8D5DB86E4E34}"/>
+                <a16:creationId xmlns:a16="http://schemas.microsoft.com/office/drawing/2014/main" xmlns="" id="{2F6019DF-BD0B-472E-A976-8D5DB86E4E34}"/>
               </a:ext>
             </a:extLst>
           </p:cNvPr>
@@ -2934,7 +2934,7 @@
           <p:cNvPr id="7" name="Slide Number Placeholder 6">
             <a:extLst>
               <a:ext uri="{FF2B5EF4-FFF2-40B4-BE49-F238E27FC236}">
-                <a16:creationId xmlns:a16="http://schemas.microsoft.com/office/drawing/2014/main" id="{E9F698EC-CC4D-4D69-967F-312E2662B149}"/>
+                <a16:creationId xmlns:a16="http://schemas.microsoft.com/office/drawing/2014/main" xmlns="" id="{E9F698EC-CC4D-4D69-967F-312E2662B149}"/>
               </a:ext>
             </a:extLst>
           </p:cNvPr>
@@ -2952,7 +2952,7 @@
           <a:p>
             <a:fld id="{969E759D-A893-4B96-8B48-96EE547EBC41}" type="slidenum">
               <a:rPr lang="de-DE" smtClean="0"/>
-              <a:t>‹#›</a:t>
+              <a:t>‹Nr.›</a:t>
             </a:fld>
             <a:endParaRPr lang="de-DE"/>
           </a:p>
@@ -2993,7 +2993,7 @@
           <p:cNvPr id="2" name="Title 1">
             <a:extLst>
               <a:ext uri="{FF2B5EF4-FFF2-40B4-BE49-F238E27FC236}">
-                <a16:creationId xmlns:a16="http://schemas.microsoft.com/office/drawing/2014/main" id="{3B4FFAA6-7E4F-476A-9070-0F7F2F3CF654}"/>
+                <a16:creationId xmlns:a16="http://schemas.microsoft.com/office/drawing/2014/main" xmlns="" id="{3B4FFAA6-7E4F-476A-9070-0F7F2F3CF654}"/>
               </a:ext>
             </a:extLst>
           </p:cNvPr>
@@ -3031,7 +3031,7 @@
           <p:cNvPr id="3" name="Picture Placeholder 2">
             <a:extLst>
               <a:ext uri="{FF2B5EF4-FFF2-40B4-BE49-F238E27FC236}">
-                <a16:creationId xmlns:a16="http://schemas.microsoft.com/office/drawing/2014/main" id="{818F1107-C63D-4182-B212-341F4BBF5995}"/>
+                <a16:creationId xmlns:a16="http://schemas.microsoft.com/office/drawing/2014/main" xmlns="" id="{818F1107-C63D-4182-B212-341F4BBF5995}"/>
               </a:ext>
             </a:extLst>
           </p:cNvPr>
@@ -3098,7 +3098,7 @@
           <p:cNvPr id="4" name="Text Placeholder 3">
             <a:extLst>
               <a:ext uri="{FF2B5EF4-FFF2-40B4-BE49-F238E27FC236}">
-                <a16:creationId xmlns:a16="http://schemas.microsoft.com/office/drawing/2014/main" id="{0726478D-FAFE-42F8-9655-7B1CEA64186D}"/>
+                <a16:creationId xmlns:a16="http://schemas.microsoft.com/office/drawing/2014/main" xmlns="" id="{0726478D-FAFE-42F8-9655-7B1CEA64186D}"/>
               </a:ext>
             </a:extLst>
           </p:cNvPr>
@@ -3169,7 +3169,7 @@
           <p:cNvPr id="5" name="Date Placeholder 4">
             <a:extLst>
               <a:ext uri="{FF2B5EF4-FFF2-40B4-BE49-F238E27FC236}">
-                <a16:creationId xmlns:a16="http://schemas.microsoft.com/office/drawing/2014/main" id="{4ED6872F-0A70-4D1D-A649-079E23BFC17B}"/>
+                <a16:creationId xmlns:a16="http://schemas.microsoft.com/office/drawing/2014/main" xmlns="" id="{4ED6872F-0A70-4D1D-A649-079E23BFC17B}"/>
               </a:ext>
             </a:extLst>
           </p:cNvPr>
@@ -3198,7 +3198,7 @@
           <p:cNvPr id="6" name="Footer Placeholder 5">
             <a:extLst>
               <a:ext uri="{FF2B5EF4-FFF2-40B4-BE49-F238E27FC236}">
-                <a16:creationId xmlns:a16="http://schemas.microsoft.com/office/drawing/2014/main" id="{5312BCC0-13EB-4DA8-B39F-A5298CA93138}"/>
+                <a16:creationId xmlns:a16="http://schemas.microsoft.com/office/drawing/2014/main" xmlns="" id="{5312BCC0-13EB-4DA8-B39F-A5298CA93138}"/>
               </a:ext>
             </a:extLst>
           </p:cNvPr>
@@ -3226,7 +3226,7 @@
           <p:cNvPr id="7" name="Slide Number Placeholder 6">
             <a:extLst>
               <a:ext uri="{FF2B5EF4-FFF2-40B4-BE49-F238E27FC236}">
-                <a16:creationId xmlns:a16="http://schemas.microsoft.com/office/drawing/2014/main" id="{1F62339D-75FC-459B-A2F1-6975527E5692}"/>
+                <a16:creationId xmlns:a16="http://schemas.microsoft.com/office/drawing/2014/main" xmlns="" id="{1F62339D-75FC-459B-A2F1-6975527E5692}"/>
               </a:ext>
             </a:extLst>
           </p:cNvPr>
@@ -3244,7 +3244,7 @@
           <a:p>
             <a:fld id="{969E759D-A893-4B96-8B48-96EE547EBC41}" type="slidenum">
               <a:rPr lang="de-DE" smtClean="0"/>
-              <a:t>‹#›</a:t>
+              <a:t>‹Nr.›</a:t>
             </a:fld>
             <a:endParaRPr lang="de-DE"/>
           </a:p>
@@ -3290,7 +3290,7 @@
           <p:cNvPr id="2" name="Title Placeholder 1">
             <a:extLst>
               <a:ext uri="{FF2B5EF4-FFF2-40B4-BE49-F238E27FC236}">
-                <a16:creationId xmlns:a16="http://schemas.microsoft.com/office/drawing/2014/main" id="{EECCEAF9-517F-4246-89B4-773BBE3B5283}"/>
+                <a16:creationId xmlns:a16="http://schemas.microsoft.com/office/drawing/2014/main" xmlns="" id="{EECCEAF9-517F-4246-89B4-773BBE3B5283}"/>
               </a:ext>
             </a:extLst>
           </p:cNvPr>
@@ -3329,7 +3329,7 @@
           <p:cNvPr id="3" name="Text Placeholder 2">
             <a:extLst>
               <a:ext uri="{FF2B5EF4-FFF2-40B4-BE49-F238E27FC236}">
-                <a16:creationId xmlns:a16="http://schemas.microsoft.com/office/drawing/2014/main" id="{9A2C07FB-A743-4CFF-8DBA-B22A10466F8D}"/>
+                <a16:creationId xmlns:a16="http://schemas.microsoft.com/office/drawing/2014/main" xmlns="" id="{9A2C07FB-A743-4CFF-8DBA-B22A10466F8D}"/>
               </a:ext>
             </a:extLst>
           </p:cNvPr>
@@ -3397,7 +3397,7 @@
           <p:cNvPr id="4" name="Date Placeholder 3">
             <a:extLst>
               <a:ext uri="{FF2B5EF4-FFF2-40B4-BE49-F238E27FC236}">
-                <a16:creationId xmlns:a16="http://schemas.microsoft.com/office/drawing/2014/main" id="{3DE3EFD5-A9F8-4124-B4DE-1AEE565BA376}"/>
+                <a16:creationId xmlns:a16="http://schemas.microsoft.com/office/drawing/2014/main" xmlns="" id="{3DE3EFD5-A9F8-4124-B4DE-1AEE565BA376}"/>
               </a:ext>
             </a:extLst>
           </p:cNvPr>
@@ -3444,7 +3444,7 @@
           <p:cNvPr id="5" name="Footer Placeholder 4">
             <a:extLst>
               <a:ext uri="{FF2B5EF4-FFF2-40B4-BE49-F238E27FC236}">
-                <a16:creationId xmlns:a16="http://schemas.microsoft.com/office/drawing/2014/main" id="{CB368404-65B1-4F0D-A1D3-FE6F60E99818}"/>
+                <a16:creationId xmlns:a16="http://schemas.microsoft.com/office/drawing/2014/main" xmlns="" id="{CB368404-65B1-4F0D-A1D3-FE6F60E99818}"/>
               </a:ext>
             </a:extLst>
           </p:cNvPr>
@@ -3490,7 +3490,7 @@
           <p:cNvPr id="6" name="Slide Number Placeholder 5">
             <a:extLst>
               <a:ext uri="{FF2B5EF4-FFF2-40B4-BE49-F238E27FC236}">
-                <a16:creationId xmlns:a16="http://schemas.microsoft.com/office/drawing/2014/main" id="{50F0220F-6B11-49AF-AB94-16FA52911A89}"/>
+                <a16:creationId xmlns:a16="http://schemas.microsoft.com/office/drawing/2014/main" xmlns="" id="{50F0220F-6B11-49AF-AB94-16FA52911A89}"/>
               </a:ext>
             </a:extLst>
           </p:cNvPr>
@@ -3526,7 +3526,7 @@
           <a:p>
             <a:fld id="{969E759D-A893-4B96-8B48-96EE547EBC41}" type="slidenum">
               <a:rPr lang="de-DE" smtClean="0"/>
-              <a:t>‹#›</a:t>
+              <a:t>‹Nr.›</a:t>
             </a:fld>
             <a:endParaRPr lang="de-DE"/>
           </a:p>
@@ -3867,7 +3867,7 @@
           <p:cNvPr id="1026" name="Picture 2" descr="Die Campusgebäude wurden mit einer Drohne von oben fotografiert.">
             <a:extLst>
               <a:ext uri="{FF2B5EF4-FFF2-40B4-BE49-F238E27FC236}">
-                <a16:creationId xmlns:a16="http://schemas.microsoft.com/office/drawing/2014/main" id="{BB1D137F-7550-416E-9165-30BB2E2EE823}"/>
+                <a16:creationId xmlns:a16="http://schemas.microsoft.com/office/drawing/2014/main" xmlns="" id="{BB1D137F-7550-416E-9165-30BB2E2EE823}"/>
               </a:ext>
             </a:extLst>
           </p:cNvPr>
@@ -3912,10 +3912,10 @@
           <p:cNvPr id="71" name="Freeform 5">
             <a:extLst>
               <a:ext uri="{FF2B5EF4-FFF2-40B4-BE49-F238E27FC236}">
-                <a16:creationId xmlns:a16="http://schemas.microsoft.com/office/drawing/2014/main" id="{87CC2527-562A-4F69-B487-4371E5B243E7}"/>
+                <a16:creationId xmlns:a16="http://schemas.microsoft.com/office/drawing/2014/main" xmlns="" id="{87CC2527-562A-4F69-B487-4371E5B243E7}"/>
               </a:ext>
               <a:ext uri="{C183D7F6-B498-43B3-948B-1728B52AA6E4}">
-                <adec:decorative xmlns:adec="http://schemas.microsoft.com/office/drawing/2017/decorative" val="1"/>
+                <adec:decorative xmlns:adec="http://schemas.microsoft.com/office/drawing/2017/decorative" xmlns="" val="1"/>
               </a:ext>
             </a:extLst>
           </p:cNvPr>
@@ -3925,7 +3925,7 @@
           <p:nvPr>
             <p:extLst>
               <p:ext uri="{386F3935-93C4-4BCD-93E2-E3B085C9AB24}">
-                <p16:designElem xmlns:p16="http://schemas.microsoft.com/office/powerpoint/2015/main" val="1"/>
+                <p16:designElem xmlns:p16="http://schemas.microsoft.com/office/powerpoint/2015/main" xmlns="" val="1"/>
               </p:ext>
             </p:extLst>
           </p:nvPr>
@@ -4075,7 +4075,7 @@
           <p:cNvPr id="2" name="Title 1">
             <a:extLst>
               <a:ext uri="{FF2B5EF4-FFF2-40B4-BE49-F238E27FC236}">
-                <a16:creationId xmlns:a16="http://schemas.microsoft.com/office/drawing/2014/main" id="{66A5DC1B-C9D0-4F34-9333-047D860C11A0}"/>
+                <a16:creationId xmlns:a16="http://schemas.microsoft.com/office/drawing/2014/main" xmlns="" id="{66A5DC1B-C9D0-4F34-9333-047D860C11A0}"/>
               </a:ext>
             </a:extLst>
           </p:cNvPr>
@@ -4115,7 +4115,7 @@
           <p:cNvPr id="3" name="Subtitle 2">
             <a:extLst>
               <a:ext uri="{FF2B5EF4-FFF2-40B4-BE49-F238E27FC236}">
-                <a16:creationId xmlns:a16="http://schemas.microsoft.com/office/drawing/2014/main" id="{42EC82C3-D779-4672-B134-327C720F0D8A}"/>
+                <a16:creationId xmlns:a16="http://schemas.microsoft.com/office/drawing/2014/main" xmlns="" id="{42EC82C3-D779-4672-B134-327C720F0D8A}"/>
               </a:ext>
             </a:extLst>
           </p:cNvPr>
@@ -4134,7 +4134,7 @@
         </p:spPr>
         <p:txBody>
           <a:bodyPr>
-            <a:normAutofit fontScale="92500" lnSpcReduction="20000"/>
+            <a:normAutofit fontScale="92500" lnSpcReduction="10000"/>
           </a:bodyPr>
           <a:lstStyle/>
           <a:p>
@@ -4165,10 +4165,10 @@
           <p:cNvPr id="73" name="Straight Connector 72">
             <a:extLst>
               <a:ext uri="{FF2B5EF4-FFF2-40B4-BE49-F238E27FC236}">
-                <a16:creationId xmlns:a16="http://schemas.microsoft.com/office/drawing/2014/main" id="{BCDAEC91-5BCE-4B55-9CC0-43EF94CB734B}"/>
+                <a16:creationId xmlns:a16="http://schemas.microsoft.com/office/drawing/2014/main" xmlns="" id="{BCDAEC91-5BCE-4B55-9CC0-43EF94CB734B}"/>
               </a:ext>
               <a:ext uri="{C183D7F6-B498-43B3-948B-1728B52AA6E4}">
-                <adec:decorative xmlns:adec="http://schemas.microsoft.com/office/drawing/2017/decorative" val="1"/>
+                <adec:decorative xmlns:adec="http://schemas.microsoft.com/office/drawing/2017/decorative" xmlns="" val="1"/>
               </a:ext>
             </a:extLst>
           </p:cNvPr>
@@ -4178,7 +4178,7 @@
           <p:nvPr>
             <p:extLst>
               <p:ext uri="{386F3935-93C4-4BCD-93E2-E3B085C9AB24}">
-                <p16:designElem xmlns:p16="http://schemas.microsoft.com/office/powerpoint/2015/main" val="1"/>
+                <p16:designElem xmlns:p16="http://schemas.microsoft.com/office/powerpoint/2015/main" xmlns="" val="1"/>
               </p:ext>
             </p:extLst>
           </p:nvPr>
@@ -4262,10 +4262,10 @@
           <p:cNvPr id="19" name="Freeform: Shape 18">
             <a:extLst>
               <a:ext uri="{FF2B5EF4-FFF2-40B4-BE49-F238E27FC236}">
-                <a16:creationId xmlns:a16="http://schemas.microsoft.com/office/drawing/2014/main" id="{66B332A4-D438-4773-A77F-5ED49A448D9D}"/>
+                <a16:creationId xmlns:a16="http://schemas.microsoft.com/office/drawing/2014/main" xmlns="" id="{66B332A4-D438-4773-A77F-5ED49A448D9D}"/>
               </a:ext>
               <a:ext uri="{C183D7F6-B498-43B3-948B-1728B52AA6E4}">
-                <adec:decorative xmlns:adec="http://schemas.microsoft.com/office/drawing/2017/decorative" val="1"/>
+                <adec:decorative xmlns:adec="http://schemas.microsoft.com/office/drawing/2017/decorative" xmlns="" val="1"/>
               </a:ext>
             </a:extLst>
           </p:cNvPr>
@@ -4275,7 +4275,7 @@
           <p:nvPr>
             <p:extLst>
               <p:ext uri="{386F3935-93C4-4BCD-93E2-E3B085C9AB24}">
-                <p16:designElem xmlns:p16="http://schemas.microsoft.com/office/powerpoint/2015/main" val="1"/>
+                <p16:designElem xmlns:p16="http://schemas.microsoft.com/office/powerpoint/2015/main" xmlns="" val="1"/>
               </p:ext>
             </p:extLst>
           </p:nvPr>
@@ -4428,10 +4428,10 @@
           <p:cNvPr id="21" name="Freeform: Shape 20">
             <a:extLst>
               <a:ext uri="{FF2B5EF4-FFF2-40B4-BE49-F238E27FC236}">
-                <a16:creationId xmlns:a16="http://schemas.microsoft.com/office/drawing/2014/main" id="{DF9AD32D-FF05-44F4-BD4D-9CEE89B71EB9}"/>
+                <a16:creationId xmlns:a16="http://schemas.microsoft.com/office/drawing/2014/main" xmlns="" id="{DF9AD32D-FF05-44F4-BD4D-9CEE89B71EB9}"/>
               </a:ext>
               <a:ext uri="{C183D7F6-B498-43B3-948B-1728B52AA6E4}">
-                <adec:decorative xmlns:adec="http://schemas.microsoft.com/office/drawing/2017/decorative" val="1"/>
+                <adec:decorative xmlns:adec="http://schemas.microsoft.com/office/drawing/2017/decorative" xmlns="" val="1"/>
               </a:ext>
             </a:extLst>
           </p:cNvPr>
@@ -4441,7 +4441,7 @@
           <p:nvPr>
             <p:extLst>
               <p:ext uri="{386F3935-93C4-4BCD-93E2-E3B085C9AB24}">
-                <p16:designElem xmlns:p16="http://schemas.microsoft.com/office/powerpoint/2015/main" val="1"/>
+                <p16:designElem xmlns:p16="http://schemas.microsoft.com/office/powerpoint/2015/main" xmlns="" val="1"/>
               </p:ext>
             </p:extLst>
           </p:nvPr>
@@ -4592,7 +4592,7 @@
           <p:cNvPr id="2" name="Title 1">
             <a:extLst>
               <a:ext uri="{FF2B5EF4-FFF2-40B4-BE49-F238E27FC236}">
-                <a16:creationId xmlns:a16="http://schemas.microsoft.com/office/drawing/2014/main" id="{4C84315F-315F-4066-9D3A-472733691F27}"/>
+                <a16:creationId xmlns:a16="http://schemas.microsoft.com/office/drawing/2014/main" xmlns="" id="{4C84315F-315F-4066-9D3A-472733691F27}"/>
               </a:ext>
             </a:extLst>
           </p:cNvPr>
@@ -4635,7 +4635,7 @@
           <p:cNvPr id="4" name="Footer Placeholder 3">
             <a:extLst>
               <a:ext uri="{FF2B5EF4-FFF2-40B4-BE49-F238E27FC236}">
-                <a16:creationId xmlns:a16="http://schemas.microsoft.com/office/drawing/2014/main" id="{0EF7D1E5-7A19-4BA2-8CAA-9135FB90076C}"/>
+                <a16:creationId xmlns:a16="http://schemas.microsoft.com/office/drawing/2014/main" xmlns="" id="{0EF7D1E5-7A19-4BA2-8CAA-9135FB90076C}"/>
               </a:ext>
             </a:extLst>
           </p:cNvPr>
@@ -4684,7 +4684,7 @@
           <p:cNvPr id="5" name="Slide Number Placeholder 4">
             <a:extLst>
               <a:ext uri="{FF2B5EF4-FFF2-40B4-BE49-F238E27FC236}">
-                <a16:creationId xmlns:a16="http://schemas.microsoft.com/office/drawing/2014/main" id="{FAC16E02-623C-4BDA-BAFA-B73797A517FD}"/>
+                <a16:creationId xmlns:a16="http://schemas.microsoft.com/office/drawing/2014/main" xmlns="" id="{FAC16E02-623C-4BDA-BAFA-B73797A517FD}"/>
               </a:ext>
             </a:extLst>
           </p:cNvPr>
@@ -4774,7 +4774,7 @@
           <p:cNvPr id="2" name="Title 1">
             <a:extLst>
               <a:ext uri="{FF2B5EF4-FFF2-40B4-BE49-F238E27FC236}">
-                <a16:creationId xmlns:a16="http://schemas.microsoft.com/office/drawing/2014/main" id="{4C84315F-315F-4066-9D3A-472733691F27}"/>
+                <a16:creationId xmlns:a16="http://schemas.microsoft.com/office/drawing/2014/main" xmlns="" id="{4C84315F-315F-4066-9D3A-472733691F27}"/>
               </a:ext>
             </a:extLst>
           </p:cNvPr>
@@ -4809,7 +4809,7 @@
           <p:cNvPr id="4" name="Footer Placeholder 3">
             <a:extLst>
               <a:ext uri="{FF2B5EF4-FFF2-40B4-BE49-F238E27FC236}">
-                <a16:creationId xmlns:a16="http://schemas.microsoft.com/office/drawing/2014/main" id="{0EF7D1E5-7A19-4BA2-8CAA-9135FB90076C}"/>
+                <a16:creationId xmlns:a16="http://schemas.microsoft.com/office/drawing/2014/main" xmlns="" id="{0EF7D1E5-7A19-4BA2-8CAA-9135FB90076C}"/>
               </a:ext>
             </a:extLst>
           </p:cNvPr>
@@ -4837,7 +4837,7 @@
           <p:cNvPr id="5" name="Slide Number Placeholder 4">
             <a:extLst>
               <a:ext uri="{FF2B5EF4-FFF2-40B4-BE49-F238E27FC236}">
-                <a16:creationId xmlns:a16="http://schemas.microsoft.com/office/drawing/2014/main" id="{FAC16E02-623C-4BDA-BAFA-B73797A517FD}"/>
+                <a16:creationId xmlns:a16="http://schemas.microsoft.com/office/drawing/2014/main" xmlns="" id="{FAC16E02-623C-4BDA-BAFA-B73797A517FD}"/>
               </a:ext>
             </a:extLst>
           </p:cNvPr>
@@ -4866,7 +4866,7 @@
           <p:cNvPr id="6" name="Textfeld 5">
             <a:extLst>
               <a:ext uri="{FF2B5EF4-FFF2-40B4-BE49-F238E27FC236}">
-                <a16:creationId xmlns:a16="http://schemas.microsoft.com/office/drawing/2014/main" id="{B9994866-87B0-46B7-BEA1-D4F84B1CDF09}"/>
+                <a16:creationId xmlns:a16="http://schemas.microsoft.com/office/drawing/2014/main" xmlns="" id="{B9994866-87B0-46B7-BEA1-D4F84B1CDF09}"/>
               </a:ext>
             </a:extLst>
           </p:cNvPr>
@@ -5104,7 +5104,7 @@
           <p:cNvPr id="2" name="Title 1">
             <a:extLst>
               <a:ext uri="{FF2B5EF4-FFF2-40B4-BE49-F238E27FC236}">
-                <a16:creationId xmlns:a16="http://schemas.microsoft.com/office/drawing/2014/main" id="{4C84315F-315F-4066-9D3A-472733691F27}"/>
+                <a16:creationId xmlns:a16="http://schemas.microsoft.com/office/drawing/2014/main" xmlns="" id="{4C84315F-315F-4066-9D3A-472733691F27}"/>
               </a:ext>
             </a:extLst>
           </p:cNvPr>
@@ -5139,7 +5139,7 @@
           <p:cNvPr id="4" name="Footer Placeholder 3">
             <a:extLst>
               <a:ext uri="{FF2B5EF4-FFF2-40B4-BE49-F238E27FC236}">
-                <a16:creationId xmlns:a16="http://schemas.microsoft.com/office/drawing/2014/main" id="{0EF7D1E5-7A19-4BA2-8CAA-9135FB90076C}"/>
+                <a16:creationId xmlns:a16="http://schemas.microsoft.com/office/drawing/2014/main" xmlns="" id="{0EF7D1E5-7A19-4BA2-8CAA-9135FB90076C}"/>
               </a:ext>
             </a:extLst>
           </p:cNvPr>
@@ -5167,7 +5167,7 @@
           <p:cNvPr id="5" name="Slide Number Placeholder 4">
             <a:extLst>
               <a:ext uri="{FF2B5EF4-FFF2-40B4-BE49-F238E27FC236}">
-                <a16:creationId xmlns:a16="http://schemas.microsoft.com/office/drawing/2014/main" id="{FAC16E02-623C-4BDA-BAFA-B73797A517FD}"/>
+                <a16:creationId xmlns:a16="http://schemas.microsoft.com/office/drawing/2014/main" xmlns="" id="{FAC16E02-623C-4BDA-BAFA-B73797A517FD}"/>
               </a:ext>
             </a:extLst>
           </p:cNvPr>
@@ -5196,7 +5196,7 @@
           <p:cNvPr id="11" name="Grafik 10" descr="Ein Bild, das Screenshot enthält.&#10;&#10;Automatisch generierte Beschreibung">
             <a:extLst>
               <a:ext uri="{FF2B5EF4-FFF2-40B4-BE49-F238E27FC236}">
-                <a16:creationId xmlns:a16="http://schemas.microsoft.com/office/drawing/2014/main" id="{08D1ECEA-E3D6-4F58-AF93-8D73129F807D}"/>
+                <a16:creationId xmlns:a16="http://schemas.microsoft.com/office/drawing/2014/main" xmlns="" id="{08D1ECEA-E3D6-4F58-AF93-8D73129F807D}"/>
               </a:ext>
             </a:extLst>
           </p:cNvPr>
@@ -5232,7 +5232,7 @@
           <p:cNvPr id="12" name="Textfeld 11">
             <a:extLst>
               <a:ext uri="{FF2B5EF4-FFF2-40B4-BE49-F238E27FC236}">
-                <a16:creationId xmlns:a16="http://schemas.microsoft.com/office/drawing/2014/main" id="{505B34EF-FD4F-43EC-9410-F3236D2F06E9}"/>
+                <a16:creationId xmlns:a16="http://schemas.microsoft.com/office/drawing/2014/main" xmlns="" id="{505B34EF-FD4F-43EC-9410-F3236D2F06E9}"/>
               </a:ext>
             </a:extLst>
           </p:cNvPr>
@@ -5267,7 +5267,7 @@
           <p:cNvPr id="13" name="Textfeld 12">
             <a:extLst>
               <a:ext uri="{FF2B5EF4-FFF2-40B4-BE49-F238E27FC236}">
-                <a16:creationId xmlns:a16="http://schemas.microsoft.com/office/drawing/2014/main" id="{CAB1451E-3CF7-465F-97C3-80760286DFF4}"/>
+                <a16:creationId xmlns:a16="http://schemas.microsoft.com/office/drawing/2014/main" xmlns="" id="{CAB1451E-3CF7-465F-97C3-80760286DFF4}"/>
               </a:ext>
             </a:extLst>
           </p:cNvPr>
@@ -5356,7 +5356,7 @@
           <p:cNvPr id="14" name="Textfeld 13">
             <a:extLst>
               <a:ext uri="{FF2B5EF4-FFF2-40B4-BE49-F238E27FC236}">
-                <a16:creationId xmlns:a16="http://schemas.microsoft.com/office/drawing/2014/main" id="{49CB4C5B-54D1-4670-9320-555C2971CB1E}"/>
+                <a16:creationId xmlns:a16="http://schemas.microsoft.com/office/drawing/2014/main" xmlns="" id="{49CB4C5B-54D1-4670-9320-555C2971CB1E}"/>
               </a:ext>
             </a:extLst>
           </p:cNvPr>
@@ -5421,7 +5421,7 @@
           <p:cNvPr id="2" name="Title 1">
             <a:extLst>
               <a:ext uri="{FF2B5EF4-FFF2-40B4-BE49-F238E27FC236}">
-                <a16:creationId xmlns:a16="http://schemas.microsoft.com/office/drawing/2014/main" id="{4C84315F-315F-4066-9D3A-472733691F27}"/>
+                <a16:creationId xmlns:a16="http://schemas.microsoft.com/office/drawing/2014/main" xmlns="" id="{4C84315F-315F-4066-9D3A-472733691F27}"/>
               </a:ext>
             </a:extLst>
           </p:cNvPr>
@@ -5456,7 +5456,7 @@
           <p:cNvPr id="4" name="Footer Placeholder 3">
             <a:extLst>
               <a:ext uri="{FF2B5EF4-FFF2-40B4-BE49-F238E27FC236}">
-                <a16:creationId xmlns:a16="http://schemas.microsoft.com/office/drawing/2014/main" id="{0EF7D1E5-7A19-4BA2-8CAA-9135FB90076C}"/>
+                <a16:creationId xmlns:a16="http://schemas.microsoft.com/office/drawing/2014/main" xmlns="" id="{0EF7D1E5-7A19-4BA2-8CAA-9135FB90076C}"/>
               </a:ext>
             </a:extLst>
           </p:cNvPr>
@@ -5484,7 +5484,7 @@
           <p:cNvPr id="5" name="Slide Number Placeholder 4">
             <a:extLst>
               <a:ext uri="{FF2B5EF4-FFF2-40B4-BE49-F238E27FC236}">
-                <a16:creationId xmlns:a16="http://schemas.microsoft.com/office/drawing/2014/main" id="{FAC16E02-623C-4BDA-BAFA-B73797A517FD}"/>
+                <a16:creationId xmlns:a16="http://schemas.microsoft.com/office/drawing/2014/main" xmlns="" id="{FAC16E02-623C-4BDA-BAFA-B73797A517FD}"/>
               </a:ext>
             </a:extLst>
           </p:cNvPr>
@@ -5513,7 +5513,7 @@
           <p:cNvPr id="12" name="Textfeld 11">
             <a:extLst>
               <a:ext uri="{FF2B5EF4-FFF2-40B4-BE49-F238E27FC236}">
-                <a16:creationId xmlns:a16="http://schemas.microsoft.com/office/drawing/2014/main" id="{505B34EF-FD4F-43EC-9410-F3236D2F06E9}"/>
+                <a16:creationId xmlns:a16="http://schemas.microsoft.com/office/drawing/2014/main" xmlns="" id="{505B34EF-FD4F-43EC-9410-F3236D2F06E9}"/>
               </a:ext>
             </a:extLst>
           </p:cNvPr>
@@ -5548,7 +5548,7 @@
           <p:cNvPr id="13" name="Textfeld 12">
             <a:extLst>
               <a:ext uri="{FF2B5EF4-FFF2-40B4-BE49-F238E27FC236}">
-                <a16:creationId xmlns:a16="http://schemas.microsoft.com/office/drawing/2014/main" id="{CAB1451E-3CF7-465F-97C3-80760286DFF4}"/>
+                <a16:creationId xmlns:a16="http://schemas.microsoft.com/office/drawing/2014/main" xmlns="" id="{CAB1451E-3CF7-465F-97C3-80760286DFF4}"/>
               </a:ext>
             </a:extLst>
           </p:cNvPr>
@@ -5637,7 +5637,7 @@
           <p:cNvPr id="14" name="Textfeld 13">
             <a:extLst>
               <a:ext uri="{FF2B5EF4-FFF2-40B4-BE49-F238E27FC236}">
-                <a16:creationId xmlns:a16="http://schemas.microsoft.com/office/drawing/2014/main" id="{49CB4C5B-54D1-4670-9320-555C2971CB1E}"/>
+                <a16:creationId xmlns:a16="http://schemas.microsoft.com/office/drawing/2014/main" xmlns="" id="{49CB4C5B-54D1-4670-9320-555C2971CB1E}"/>
               </a:ext>
             </a:extLst>
           </p:cNvPr>
@@ -5672,7 +5672,7 @@
           <p:cNvPr id="6" name="Grafik 5" descr="Ein Bild, das Text, Karte enthält.&#10;&#10;Automatisch generierte Beschreibung">
             <a:extLst>
               <a:ext uri="{FF2B5EF4-FFF2-40B4-BE49-F238E27FC236}">
-                <a16:creationId xmlns:a16="http://schemas.microsoft.com/office/drawing/2014/main" id="{ED2227FB-852B-4294-BDE4-B49BA5BECAD1}"/>
+                <a16:creationId xmlns:a16="http://schemas.microsoft.com/office/drawing/2014/main" xmlns="" id="{ED2227FB-852B-4294-BDE4-B49BA5BECAD1}"/>
               </a:ext>
             </a:extLst>
           </p:cNvPr>
@@ -5708,7 +5708,7 @@
           <p:cNvPr id="8" name="Grafik 7" descr="Ein Bild, das Klavier, sitzend, Bahnhof, Uhr enthält.&#10;&#10;Automatisch generierte Beschreibung">
             <a:extLst>
               <a:ext uri="{FF2B5EF4-FFF2-40B4-BE49-F238E27FC236}">
-                <a16:creationId xmlns:a16="http://schemas.microsoft.com/office/drawing/2014/main" id="{978155C3-58CA-42C6-A48A-D4F9A0F91FB9}"/>
+                <a16:creationId xmlns:a16="http://schemas.microsoft.com/office/drawing/2014/main" xmlns="" id="{978155C3-58CA-42C6-A48A-D4F9A0F91FB9}"/>
               </a:ext>
             </a:extLst>
           </p:cNvPr>
@@ -5744,7 +5744,7 @@
           <p:cNvPr id="9" name="Textfeld 8">
             <a:extLst>
               <a:ext uri="{FF2B5EF4-FFF2-40B4-BE49-F238E27FC236}">
-                <a16:creationId xmlns:a16="http://schemas.microsoft.com/office/drawing/2014/main" id="{234374B7-DDA3-4C3B-BFBA-D4D81425FABE}"/>
+                <a16:creationId xmlns:a16="http://schemas.microsoft.com/office/drawing/2014/main" xmlns="" id="{234374B7-DDA3-4C3B-BFBA-D4D81425FABE}"/>
               </a:ext>
             </a:extLst>
           </p:cNvPr>
@@ -5809,7 +5809,7 @@
           <p:cNvPr id="2" name="Title 1">
             <a:extLst>
               <a:ext uri="{FF2B5EF4-FFF2-40B4-BE49-F238E27FC236}">
-                <a16:creationId xmlns:a16="http://schemas.microsoft.com/office/drawing/2014/main" id="{4C84315F-315F-4066-9D3A-472733691F27}"/>
+                <a16:creationId xmlns:a16="http://schemas.microsoft.com/office/drawing/2014/main" xmlns="" id="{4C84315F-315F-4066-9D3A-472733691F27}"/>
               </a:ext>
             </a:extLst>
           </p:cNvPr>
@@ -5844,7 +5844,7 @@
           <p:cNvPr id="4" name="Footer Placeholder 3">
             <a:extLst>
               <a:ext uri="{FF2B5EF4-FFF2-40B4-BE49-F238E27FC236}">
-                <a16:creationId xmlns:a16="http://schemas.microsoft.com/office/drawing/2014/main" id="{0EF7D1E5-7A19-4BA2-8CAA-9135FB90076C}"/>
+                <a16:creationId xmlns:a16="http://schemas.microsoft.com/office/drawing/2014/main" xmlns="" id="{0EF7D1E5-7A19-4BA2-8CAA-9135FB90076C}"/>
               </a:ext>
             </a:extLst>
           </p:cNvPr>
@@ -5872,7 +5872,7 @@
           <p:cNvPr id="5" name="Slide Number Placeholder 4">
             <a:extLst>
               <a:ext uri="{FF2B5EF4-FFF2-40B4-BE49-F238E27FC236}">
-                <a16:creationId xmlns:a16="http://schemas.microsoft.com/office/drawing/2014/main" id="{FAC16E02-623C-4BDA-BAFA-B73797A517FD}"/>
+                <a16:creationId xmlns:a16="http://schemas.microsoft.com/office/drawing/2014/main" xmlns="" id="{FAC16E02-623C-4BDA-BAFA-B73797A517FD}"/>
               </a:ext>
             </a:extLst>
           </p:cNvPr>
@@ -5901,7 +5901,7 @@
           <p:cNvPr id="13" name="Textfeld 12">
             <a:extLst>
               <a:ext uri="{FF2B5EF4-FFF2-40B4-BE49-F238E27FC236}">
-                <a16:creationId xmlns:a16="http://schemas.microsoft.com/office/drawing/2014/main" id="{CAB1451E-3CF7-465F-97C3-80760286DFF4}"/>
+                <a16:creationId xmlns:a16="http://schemas.microsoft.com/office/drawing/2014/main" xmlns="" id="{CAB1451E-3CF7-465F-97C3-80760286DFF4}"/>
               </a:ext>
             </a:extLst>
           </p:cNvPr>
@@ -6048,10 +6048,10 @@
           <p:cNvPr id="10" name="Freeform: Shape 9">
             <a:extLst>
               <a:ext uri="{FF2B5EF4-FFF2-40B4-BE49-F238E27FC236}">
-                <a16:creationId xmlns:a16="http://schemas.microsoft.com/office/drawing/2014/main" id="{66B332A4-D438-4773-A77F-5ED49A448D9D}"/>
+                <a16:creationId xmlns:a16="http://schemas.microsoft.com/office/drawing/2014/main" xmlns="" id="{66B332A4-D438-4773-A77F-5ED49A448D9D}"/>
               </a:ext>
               <a:ext uri="{C183D7F6-B498-43B3-948B-1728B52AA6E4}">
-                <adec:decorative xmlns:adec="http://schemas.microsoft.com/office/drawing/2017/decorative" val="1"/>
+                <adec:decorative xmlns:adec="http://schemas.microsoft.com/office/drawing/2017/decorative" xmlns="" val="1"/>
               </a:ext>
             </a:extLst>
           </p:cNvPr>
@@ -6061,7 +6061,7 @@
           <p:nvPr>
             <p:extLst>
               <p:ext uri="{386F3935-93C4-4BCD-93E2-E3B085C9AB24}">
-                <p16:designElem xmlns:p16="http://schemas.microsoft.com/office/powerpoint/2015/main" val="1"/>
+                <p16:designElem xmlns:p16="http://schemas.microsoft.com/office/powerpoint/2015/main" xmlns="" val="1"/>
               </p:ext>
             </p:extLst>
           </p:nvPr>
@@ -6214,10 +6214,10 @@
           <p:cNvPr id="12" name="Freeform: Shape 11">
             <a:extLst>
               <a:ext uri="{FF2B5EF4-FFF2-40B4-BE49-F238E27FC236}">
-                <a16:creationId xmlns:a16="http://schemas.microsoft.com/office/drawing/2014/main" id="{DF9AD32D-FF05-44F4-BD4D-9CEE89B71EB9}"/>
+                <a16:creationId xmlns:a16="http://schemas.microsoft.com/office/drawing/2014/main" xmlns="" id="{DF9AD32D-FF05-44F4-BD4D-9CEE89B71EB9}"/>
               </a:ext>
               <a:ext uri="{C183D7F6-B498-43B3-948B-1728B52AA6E4}">
-                <adec:decorative xmlns:adec="http://schemas.microsoft.com/office/drawing/2017/decorative" val="1"/>
+                <adec:decorative xmlns:adec="http://schemas.microsoft.com/office/drawing/2017/decorative" xmlns="" val="1"/>
               </a:ext>
             </a:extLst>
           </p:cNvPr>
@@ -6227,7 +6227,7 @@
           <p:nvPr>
             <p:extLst>
               <p:ext uri="{386F3935-93C4-4BCD-93E2-E3B085C9AB24}">
-                <p16:designElem xmlns:p16="http://schemas.microsoft.com/office/powerpoint/2015/main" val="1"/>
+                <p16:designElem xmlns:p16="http://schemas.microsoft.com/office/powerpoint/2015/main" xmlns="" val="1"/>
               </p:ext>
             </p:extLst>
           </p:nvPr>
@@ -6378,7 +6378,7 @@
           <p:cNvPr id="2" name="Title 1">
             <a:extLst>
               <a:ext uri="{FF2B5EF4-FFF2-40B4-BE49-F238E27FC236}">
-                <a16:creationId xmlns:a16="http://schemas.microsoft.com/office/drawing/2014/main" id="{4C84315F-315F-4066-9D3A-472733691F27}"/>
+                <a16:creationId xmlns:a16="http://schemas.microsoft.com/office/drawing/2014/main" xmlns="" id="{4C84315F-315F-4066-9D3A-472733691F27}"/>
               </a:ext>
             </a:extLst>
           </p:cNvPr>
@@ -6451,7 +6451,7 @@
           <p:cNvPr id="4" name="Footer Placeholder 3">
             <a:extLst>
               <a:ext uri="{FF2B5EF4-FFF2-40B4-BE49-F238E27FC236}">
-                <a16:creationId xmlns:a16="http://schemas.microsoft.com/office/drawing/2014/main" id="{0EF7D1E5-7A19-4BA2-8CAA-9135FB90076C}"/>
+                <a16:creationId xmlns:a16="http://schemas.microsoft.com/office/drawing/2014/main" xmlns="" id="{0EF7D1E5-7A19-4BA2-8CAA-9135FB90076C}"/>
               </a:ext>
             </a:extLst>
           </p:cNvPr>
@@ -6500,7 +6500,7 @@
           <p:cNvPr id="5" name="Slide Number Placeholder 4">
             <a:extLst>
               <a:ext uri="{FF2B5EF4-FFF2-40B4-BE49-F238E27FC236}">
-                <a16:creationId xmlns:a16="http://schemas.microsoft.com/office/drawing/2014/main" id="{FAC16E02-623C-4BDA-BAFA-B73797A517FD}"/>
+                <a16:creationId xmlns:a16="http://schemas.microsoft.com/office/drawing/2014/main" xmlns="" id="{FAC16E02-623C-4BDA-BAFA-B73797A517FD}"/>
               </a:ext>
             </a:extLst>
           </p:cNvPr>
@@ -6590,7 +6590,7 @@
           <p:cNvPr id="2" name="Title 1">
             <a:extLst>
               <a:ext uri="{FF2B5EF4-FFF2-40B4-BE49-F238E27FC236}">
-                <a16:creationId xmlns:a16="http://schemas.microsoft.com/office/drawing/2014/main" id="{4C84315F-315F-4066-9D3A-472733691F27}"/>
+                <a16:creationId xmlns:a16="http://schemas.microsoft.com/office/drawing/2014/main" xmlns="" id="{4C84315F-315F-4066-9D3A-472733691F27}"/>
               </a:ext>
             </a:extLst>
           </p:cNvPr>
@@ -6630,7 +6630,7 @@
           <p:cNvPr id="4" name="Footer Placeholder 3">
             <a:extLst>
               <a:ext uri="{FF2B5EF4-FFF2-40B4-BE49-F238E27FC236}">
-                <a16:creationId xmlns:a16="http://schemas.microsoft.com/office/drawing/2014/main" id="{0EF7D1E5-7A19-4BA2-8CAA-9135FB90076C}"/>
+                <a16:creationId xmlns:a16="http://schemas.microsoft.com/office/drawing/2014/main" xmlns="" id="{0EF7D1E5-7A19-4BA2-8CAA-9135FB90076C}"/>
               </a:ext>
             </a:extLst>
           </p:cNvPr>
@@ -6658,7 +6658,7 @@
           <p:cNvPr id="5" name="Slide Number Placeholder 4">
             <a:extLst>
               <a:ext uri="{FF2B5EF4-FFF2-40B4-BE49-F238E27FC236}">
-                <a16:creationId xmlns:a16="http://schemas.microsoft.com/office/drawing/2014/main" id="{FAC16E02-623C-4BDA-BAFA-B73797A517FD}"/>
+                <a16:creationId xmlns:a16="http://schemas.microsoft.com/office/drawing/2014/main" xmlns="" id="{FAC16E02-623C-4BDA-BAFA-B73797A517FD}"/>
               </a:ext>
             </a:extLst>
           </p:cNvPr>
@@ -6687,7 +6687,7 @@
           <p:cNvPr id="7" name="Grafik 6" descr="Ein Bild, das Screenshot enthält.&#10;&#10;Automatisch generierte Beschreibung">
             <a:extLst>
               <a:ext uri="{FF2B5EF4-FFF2-40B4-BE49-F238E27FC236}">
-                <a16:creationId xmlns:a16="http://schemas.microsoft.com/office/drawing/2014/main" id="{D06E810E-9F9E-40B3-B461-BB65BB2F7429}"/>
+                <a16:creationId xmlns:a16="http://schemas.microsoft.com/office/drawing/2014/main" xmlns="" id="{D06E810E-9F9E-40B3-B461-BB65BB2F7429}"/>
               </a:ext>
             </a:extLst>
           </p:cNvPr>
@@ -6753,7 +6753,7 @@
           <p:cNvPr id="2" name="Title 1">
             <a:extLst>
               <a:ext uri="{FF2B5EF4-FFF2-40B4-BE49-F238E27FC236}">
-                <a16:creationId xmlns:a16="http://schemas.microsoft.com/office/drawing/2014/main" id="{4C84315F-315F-4066-9D3A-472733691F27}"/>
+                <a16:creationId xmlns:a16="http://schemas.microsoft.com/office/drawing/2014/main" xmlns="" id="{4C84315F-315F-4066-9D3A-472733691F27}"/>
               </a:ext>
             </a:extLst>
           </p:cNvPr>
@@ -6788,7 +6788,7 @@
           <p:cNvPr id="4" name="Footer Placeholder 3">
             <a:extLst>
               <a:ext uri="{FF2B5EF4-FFF2-40B4-BE49-F238E27FC236}">
-                <a16:creationId xmlns:a16="http://schemas.microsoft.com/office/drawing/2014/main" id="{0EF7D1E5-7A19-4BA2-8CAA-9135FB90076C}"/>
+                <a16:creationId xmlns:a16="http://schemas.microsoft.com/office/drawing/2014/main" xmlns="" id="{0EF7D1E5-7A19-4BA2-8CAA-9135FB90076C}"/>
               </a:ext>
             </a:extLst>
           </p:cNvPr>
@@ -6816,7 +6816,7 @@
           <p:cNvPr id="5" name="Slide Number Placeholder 4">
             <a:extLst>
               <a:ext uri="{FF2B5EF4-FFF2-40B4-BE49-F238E27FC236}">
-                <a16:creationId xmlns:a16="http://schemas.microsoft.com/office/drawing/2014/main" id="{FAC16E02-623C-4BDA-BAFA-B73797A517FD}"/>
+                <a16:creationId xmlns:a16="http://schemas.microsoft.com/office/drawing/2014/main" xmlns="" id="{FAC16E02-623C-4BDA-BAFA-B73797A517FD}"/>
               </a:ext>
             </a:extLst>
           </p:cNvPr>
@@ -6845,7 +6845,7 @@
           <p:cNvPr id="9" name="Grafik 8" descr="Ein Bild, das Screenshot enthält.&#10;&#10;Automatisch generierte Beschreibung">
             <a:extLst>
               <a:ext uri="{FF2B5EF4-FFF2-40B4-BE49-F238E27FC236}">
-                <a16:creationId xmlns:a16="http://schemas.microsoft.com/office/drawing/2014/main" id="{1CF22820-0D34-45D3-8819-BF095251084E}"/>
+                <a16:creationId xmlns:a16="http://schemas.microsoft.com/office/drawing/2014/main" xmlns="" id="{1CF22820-0D34-45D3-8819-BF095251084E}"/>
               </a:ext>
             </a:extLst>
           </p:cNvPr>
@@ -6911,7 +6911,7 @@
           <p:cNvPr id="2" name="Title 1">
             <a:extLst>
               <a:ext uri="{FF2B5EF4-FFF2-40B4-BE49-F238E27FC236}">
-                <a16:creationId xmlns:a16="http://schemas.microsoft.com/office/drawing/2014/main" id="{4C84315F-315F-4066-9D3A-472733691F27}"/>
+                <a16:creationId xmlns:a16="http://schemas.microsoft.com/office/drawing/2014/main" xmlns="" id="{4C84315F-315F-4066-9D3A-472733691F27}"/>
               </a:ext>
             </a:extLst>
           </p:cNvPr>
@@ -6946,7 +6946,7 @@
           <p:cNvPr id="4" name="Footer Placeholder 3">
             <a:extLst>
               <a:ext uri="{FF2B5EF4-FFF2-40B4-BE49-F238E27FC236}">
-                <a16:creationId xmlns:a16="http://schemas.microsoft.com/office/drawing/2014/main" id="{0EF7D1E5-7A19-4BA2-8CAA-9135FB90076C}"/>
+                <a16:creationId xmlns:a16="http://schemas.microsoft.com/office/drawing/2014/main" xmlns="" id="{0EF7D1E5-7A19-4BA2-8CAA-9135FB90076C}"/>
               </a:ext>
             </a:extLst>
           </p:cNvPr>
@@ -6974,7 +6974,7 @@
           <p:cNvPr id="5" name="Slide Number Placeholder 4">
             <a:extLst>
               <a:ext uri="{FF2B5EF4-FFF2-40B4-BE49-F238E27FC236}">
-                <a16:creationId xmlns:a16="http://schemas.microsoft.com/office/drawing/2014/main" id="{FAC16E02-623C-4BDA-BAFA-B73797A517FD}"/>
+                <a16:creationId xmlns:a16="http://schemas.microsoft.com/office/drawing/2014/main" xmlns="" id="{FAC16E02-623C-4BDA-BAFA-B73797A517FD}"/>
               </a:ext>
             </a:extLst>
           </p:cNvPr>
@@ -7003,7 +7003,7 @@
           <p:cNvPr id="6" name="Grafik 5" descr="Ein Bild, das Screenshot enthält.&#10;&#10;Automatisch generierte Beschreibung">
             <a:extLst>
               <a:ext uri="{FF2B5EF4-FFF2-40B4-BE49-F238E27FC236}">
-                <a16:creationId xmlns:a16="http://schemas.microsoft.com/office/drawing/2014/main" id="{D3804517-A1AB-4647-A2F4-4B145C958491}"/>
+                <a16:creationId xmlns:a16="http://schemas.microsoft.com/office/drawing/2014/main" xmlns="" id="{D3804517-A1AB-4647-A2F4-4B145C958491}"/>
               </a:ext>
             </a:extLst>
           </p:cNvPr>
@@ -7069,7 +7069,7 @@
           <p:cNvPr id="2" name="Title 1">
             <a:extLst>
               <a:ext uri="{FF2B5EF4-FFF2-40B4-BE49-F238E27FC236}">
-                <a16:creationId xmlns:a16="http://schemas.microsoft.com/office/drawing/2014/main" id="{4C84315F-315F-4066-9D3A-472733691F27}"/>
+                <a16:creationId xmlns:a16="http://schemas.microsoft.com/office/drawing/2014/main" xmlns="" id="{4C84315F-315F-4066-9D3A-472733691F27}"/>
               </a:ext>
             </a:extLst>
           </p:cNvPr>
@@ -7104,7 +7104,7 @@
           <p:cNvPr id="4" name="Footer Placeholder 3">
             <a:extLst>
               <a:ext uri="{FF2B5EF4-FFF2-40B4-BE49-F238E27FC236}">
-                <a16:creationId xmlns:a16="http://schemas.microsoft.com/office/drawing/2014/main" id="{0EF7D1E5-7A19-4BA2-8CAA-9135FB90076C}"/>
+                <a16:creationId xmlns:a16="http://schemas.microsoft.com/office/drawing/2014/main" xmlns="" id="{0EF7D1E5-7A19-4BA2-8CAA-9135FB90076C}"/>
               </a:ext>
             </a:extLst>
           </p:cNvPr>
@@ -7132,7 +7132,7 @@
           <p:cNvPr id="5" name="Slide Number Placeholder 4">
             <a:extLst>
               <a:ext uri="{FF2B5EF4-FFF2-40B4-BE49-F238E27FC236}">
-                <a16:creationId xmlns:a16="http://schemas.microsoft.com/office/drawing/2014/main" id="{FAC16E02-623C-4BDA-BAFA-B73797A517FD}"/>
+                <a16:creationId xmlns:a16="http://schemas.microsoft.com/office/drawing/2014/main" xmlns="" id="{FAC16E02-623C-4BDA-BAFA-B73797A517FD}"/>
               </a:ext>
             </a:extLst>
           </p:cNvPr>
@@ -7161,7 +7161,7 @@
           <p:cNvPr id="8" name="Grafik 7">
             <a:extLst>
               <a:ext uri="{FF2B5EF4-FFF2-40B4-BE49-F238E27FC236}">
-                <a16:creationId xmlns:a16="http://schemas.microsoft.com/office/drawing/2014/main" id="{4879F5CA-79B7-4E1C-AE56-DF28301AF14F}"/>
+                <a16:creationId xmlns:a16="http://schemas.microsoft.com/office/drawing/2014/main" xmlns="" id="{4879F5CA-79B7-4E1C-AE56-DF28301AF14F}"/>
               </a:ext>
             </a:extLst>
           </p:cNvPr>
@@ -7235,10 +7235,10 @@
           <p:cNvPr id="10" name="Rectangle 9">
             <a:extLst>
               <a:ext uri="{FF2B5EF4-FFF2-40B4-BE49-F238E27FC236}">
-                <a16:creationId xmlns:a16="http://schemas.microsoft.com/office/drawing/2014/main" id="{8D70B121-56F4-4848-B38B-182089D909FA}"/>
+                <a16:creationId xmlns:a16="http://schemas.microsoft.com/office/drawing/2014/main" xmlns="" id="{8D70B121-56F4-4848-B38B-182089D909FA}"/>
               </a:ext>
               <a:ext uri="{C183D7F6-B498-43B3-948B-1728B52AA6E4}">
-                <adec:decorative xmlns:adec="http://schemas.microsoft.com/office/drawing/2017/decorative" val="1"/>
+                <adec:decorative xmlns:adec="http://schemas.microsoft.com/office/drawing/2017/decorative" xmlns="" val="1"/>
               </a:ext>
             </a:extLst>
           </p:cNvPr>
@@ -7248,7 +7248,7 @@
           <p:nvPr>
             <p:extLst>
               <p:ext uri="{386F3935-93C4-4BCD-93E2-E3B085C9AB24}">
-                <p16:designElem xmlns:p16="http://schemas.microsoft.com/office/powerpoint/2015/main" val="1"/>
+                <p16:designElem xmlns:p16="http://schemas.microsoft.com/office/powerpoint/2015/main" xmlns="" val="1"/>
               </p:ext>
             </p:extLst>
           </p:nvPr>
@@ -7329,7 +7329,7 @@
           <p:cNvPr id="2" name="Title 1">
             <a:extLst>
               <a:ext uri="{FF2B5EF4-FFF2-40B4-BE49-F238E27FC236}">
-                <a16:creationId xmlns:a16="http://schemas.microsoft.com/office/drawing/2014/main" id="{ACE6EB8D-0A4F-46AA-AF64-E268DD01B696}"/>
+                <a16:creationId xmlns:a16="http://schemas.microsoft.com/office/drawing/2014/main" xmlns="" id="{ACE6EB8D-0A4F-46AA-AF64-E268DD01B696}"/>
               </a:ext>
             </a:extLst>
           </p:cNvPr>
@@ -7374,10 +7374,10 @@
           <p:cNvPr id="20" name="Straight Connector 11">
             <a:extLst>
               <a:ext uri="{FF2B5EF4-FFF2-40B4-BE49-F238E27FC236}">
-                <a16:creationId xmlns:a16="http://schemas.microsoft.com/office/drawing/2014/main" id="{2D72A2C9-F3CA-4216-8BAD-FA4C970C3C4E}"/>
+                <a16:creationId xmlns:a16="http://schemas.microsoft.com/office/drawing/2014/main" xmlns="" id="{2D72A2C9-F3CA-4216-8BAD-FA4C970C3C4E}"/>
               </a:ext>
               <a:ext uri="{C183D7F6-B498-43B3-948B-1728B52AA6E4}">
-                <adec:decorative xmlns:adec="http://schemas.microsoft.com/office/drawing/2017/decorative" val="1"/>
+                <adec:decorative xmlns:adec="http://schemas.microsoft.com/office/drawing/2017/decorative" xmlns="" val="1"/>
               </a:ext>
             </a:extLst>
           </p:cNvPr>
@@ -7387,7 +7387,7 @@
           <p:nvPr>
             <p:extLst>
               <p:ext uri="{386F3935-93C4-4BCD-93E2-E3B085C9AB24}">
-                <p16:designElem xmlns:p16="http://schemas.microsoft.com/office/powerpoint/2015/main" val="1"/>
+                <p16:designElem xmlns:p16="http://schemas.microsoft.com/office/powerpoint/2015/main" xmlns="" val="1"/>
               </p:ext>
             </p:extLst>
           </p:nvPr>
@@ -7429,7 +7429,7 @@
           <p:cNvPr id="21" name="Content Placeholder 2">
             <a:extLst>
               <a:ext uri="{FF2B5EF4-FFF2-40B4-BE49-F238E27FC236}">
-                <a16:creationId xmlns:a16="http://schemas.microsoft.com/office/drawing/2014/main" id="{58AE7285-2250-4AE8-93ED-187E4BCFFE55}"/>
+                <a16:creationId xmlns:a16="http://schemas.microsoft.com/office/drawing/2014/main" xmlns="" id="{58AE7285-2250-4AE8-93ED-187E4BCFFE55}"/>
               </a:ext>
             </a:extLst>
           </p:cNvPr>
@@ -7569,7 +7569,7 @@
           <p:cNvPr id="4" name="Footer Placeholder 3">
             <a:extLst>
               <a:ext uri="{FF2B5EF4-FFF2-40B4-BE49-F238E27FC236}">
-                <a16:creationId xmlns:a16="http://schemas.microsoft.com/office/drawing/2014/main" id="{49971016-FBB9-4FE9-A94D-721F4E0A6EF7}"/>
+                <a16:creationId xmlns:a16="http://schemas.microsoft.com/office/drawing/2014/main" xmlns="" id="{49971016-FBB9-4FE9-A94D-721F4E0A6EF7}"/>
               </a:ext>
             </a:extLst>
           </p:cNvPr>
@@ -7636,7 +7636,7 @@
           <p:cNvPr id="5" name="Slide Number Placeholder 4">
             <a:extLst>
               <a:ext uri="{FF2B5EF4-FFF2-40B4-BE49-F238E27FC236}">
-                <a16:creationId xmlns:a16="http://schemas.microsoft.com/office/drawing/2014/main" id="{D5EC5FDC-86E9-486E-98A5-8B49B12E54F7}"/>
+                <a16:creationId xmlns:a16="http://schemas.microsoft.com/office/drawing/2014/main" xmlns="" id="{D5EC5FDC-86E9-486E-98A5-8B49B12E54F7}"/>
               </a:ext>
             </a:extLst>
           </p:cNvPr>
@@ -7766,7 +7766,7 @@
           <p:cNvPr id="2" name="Title 1">
             <a:extLst>
               <a:ext uri="{FF2B5EF4-FFF2-40B4-BE49-F238E27FC236}">
-                <a16:creationId xmlns:a16="http://schemas.microsoft.com/office/drawing/2014/main" id="{4C84315F-315F-4066-9D3A-472733691F27}"/>
+                <a16:creationId xmlns:a16="http://schemas.microsoft.com/office/drawing/2014/main" xmlns="" id="{4C84315F-315F-4066-9D3A-472733691F27}"/>
               </a:ext>
             </a:extLst>
           </p:cNvPr>
@@ -7801,7 +7801,7 @@
           <p:cNvPr id="4" name="Footer Placeholder 3">
             <a:extLst>
               <a:ext uri="{FF2B5EF4-FFF2-40B4-BE49-F238E27FC236}">
-                <a16:creationId xmlns:a16="http://schemas.microsoft.com/office/drawing/2014/main" id="{0EF7D1E5-7A19-4BA2-8CAA-9135FB90076C}"/>
+                <a16:creationId xmlns:a16="http://schemas.microsoft.com/office/drawing/2014/main" xmlns="" id="{0EF7D1E5-7A19-4BA2-8CAA-9135FB90076C}"/>
               </a:ext>
             </a:extLst>
           </p:cNvPr>
@@ -7829,7 +7829,7 @@
           <p:cNvPr id="5" name="Slide Number Placeholder 4">
             <a:extLst>
               <a:ext uri="{FF2B5EF4-FFF2-40B4-BE49-F238E27FC236}">
-                <a16:creationId xmlns:a16="http://schemas.microsoft.com/office/drawing/2014/main" id="{FAC16E02-623C-4BDA-BAFA-B73797A517FD}"/>
+                <a16:creationId xmlns:a16="http://schemas.microsoft.com/office/drawing/2014/main" xmlns="" id="{FAC16E02-623C-4BDA-BAFA-B73797A517FD}"/>
               </a:ext>
             </a:extLst>
           </p:cNvPr>
@@ -7888,7 +7888,7 @@
           <p:cNvPr id="4" name="Footer Placeholder 3">
             <a:extLst>
               <a:ext uri="{FF2B5EF4-FFF2-40B4-BE49-F238E27FC236}">
-                <a16:creationId xmlns:a16="http://schemas.microsoft.com/office/drawing/2014/main" id="{0EF7D1E5-7A19-4BA2-8CAA-9135FB90076C}"/>
+                <a16:creationId xmlns:a16="http://schemas.microsoft.com/office/drawing/2014/main" xmlns="" id="{0EF7D1E5-7A19-4BA2-8CAA-9135FB90076C}"/>
               </a:ext>
             </a:extLst>
           </p:cNvPr>
@@ -7916,7 +7916,7 @@
           <p:cNvPr id="5" name="Slide Number Placeholder 4">
             <a:extLst>
               <a:ext uri="{FF2B5EF4-FFF2-40B4-BE49-F238E27FC236}">
-                <a16:creationId xmlns:a16="http://schemas.microsoft.com/office/drawing/2014/main" id="{FAC16E02-623C-4BDA-BAFA-B73797A517FD}"/>
+                <a16:creationId xmlns:a16="http://schemas.microsoft.com/office/drawing/2014/main" xmlns="" id="{FAC16E02-623C-4BDA-BAFA-B73797A517FD}"/>
               </a:ext>
             </a:extLst>
           </p:cNvPr>
@@ -7945,7 +7945,7 @@
           <p:cNvPr id="8" name="Grafik 7" descr="Ein Bild, das Screenshot enthält.&#10;&#10;Automatisch generierte Beschreibung">
             <a:extLst>
               <a:ext uri="{FF2B5EF4-FFF2-40B4-BE49-F238E27FC236}">
-                <a16:creationId xmlns:a16="http://schemas.microsoft.com/office/drawing/2014/main" id="{C37E994F-AED5-4278-B93F-F1E4AFB6018E}"/>
+                <a16:creationId xmlns:a16="http://schemas.microsoft.com/office/drawing/2014/main" xmlns="" id="{C37E994F-AED5-4278-B93F-F1E4AFB6018E}"/>
               </a:ext>
             </a:extLst>
           </p:cNvPr>
@@ -8022,10 +8022,10 @@
           <p:cNvPr id="10" name="Freeform: Shape 9">
             <a:extLst>
               <a:ext uri="{FF2B5EF4-FFF2-40B4-BE49-F238E27FC236}">
-                <a16:creationId xmlns:a16="http://schemas.microsoft.com/office/drawing/2014/main" id="{66B332A4-D438-4773-A77F-5ED49A448D9D}"/>
+                <a16:creationId xmlns:a16="http://schemas.microsoft.com/office/drawing/2014/main" xmlns="" id="{66B332A4-D438-4773-A77F-5ED49A448D9D}"/>
               </a:ext>
               <a:ext uri="{C183D7F6-B498-43B3-948B-1728B52AA6E4}">
-                <adec:decorative xmlns:adec="http://schemas.microsoft.com/office/drawing/2017/decorative" val="1"/>
+                <adec:decorative xmlns:adec="http://schemas.microsoft.com/office/drawing/2017/decorative" xmlns="" val="1"/>
               </a:ext>
             </a:extLst>
           </p:cNvPr>
@@ -8035,7 +8035,7 @@
           <p:nvPr>
             <p:extLst>
               <p:ext uri="{386F3935-93C4-4BCD-93E2-E3B085C9AB24}">
-                <p16:designElem xmlns:p16="http://schemas.microsoft.com/office/powerpoint/2015/main" val="1"/>
+                <p16:designElem xmlns:p16="http://schemas.microsoft.com/office/powerpoint/2015/main" xmlns="" val="1"/>
               </p:ext>
             </p:extLst>
           </p:nvPr>
@@ -8188,10 +8188,10 @@
           <p:cNvPr id="12" name="Freeform: Shape 11">
             <a:extLst>
               <a:ext uri="{FF2B5EF4-FFF2-40B4-BE49-F238E27FC236}">
-                <a16:creationId xmlns:a16="http://schemas.microsoft.com/office/drawing/2014/main" id="{DF9AD32D-FF05-44F4-BD4D-9CEE89B71EB9}"/>
+                <a16:creationId xmlns:a16="http://schemas.microsoft.com/office/drawing/2014/main" xmlns="" id="{DF9AD32D-FF05-44F4-BD4D-9CEE89B71EB9}"/>
               </a:ext>
               <a:ext uri="{C183D7F6-B498-43B3-948B-1728B52AA6E4}">
-                <adec:decorative xmlns:adec="http://schemas.microsoft.com/office/drawing/2017/decorative" val="1"/>
+                <adec:decorative xmlns:adec="http://schemas.microsoft.com/office/drawing/2017/decorative" xmlns="" val="1"/>
               </a:ext>
             </a:extLst>
           </p:cNvPr>
@@ -8201,7 +8201,7 @@
           <p:nvPr>
             <p:extLst>
               <p:ext uri="{386F3935-93C4-4BCD-93E2-E3B085C9AB24}">
-                <p16:designElem xmlns:p16="http://schemas.microsoft.com/office/powerpoint/2015/main" val="1"/>
+                <p16:designElem xmlns:p16="http://schemas.microsoft.com/office/powerpoint/2015/main" xmlns="" val="1"/>
               </p:ext>
             </p:extLst>
           </p:nvPr>
@@ -8352,7 +8352,7 @@
           <p:cNvPr id="2" name="Title 1">
             <a:extLst>
               <a:ext uri="{FF2B5EF4-FFF2-40B4-BE49-F238E27FC236}">
-                <a16:creationId xmlns:a16="http://schemas.microsoft.com/office/drawing/2014/main" id="{4C84315F-315F-4066-9D3A-472733691F27}"/>
+                <a16:creationId xmlns:a16="http://schemas.microsoft.com/office/drawing/2014/main" xmlns="" id="{4C84315F-315F-4066-9D3A-472733691F27}"/>
               </a:ext>
             </a:extLst>
           </p:cNvPr>
@@ -8414,7 +8414,7 @@
           <p:cNvPr id="4" name="Footer Placeholder 3">
             <a:extLst>
               <a:ext uri="{FF2B5EF4-FFF2-40B4-BE49-F238E27FC236}">
-                <a16:creationId xmlns:a16="http://schemas.microsoft.com/office/drawing/2014/main" id="{0EF7D1E5-7A19-4BA2-8CAA-9135FB90076C}"/>
+                <a16:creationId xmlns:a16="http://schemas.microsoft.com/office/drawing/2014/main" xmlns="" id="{0EF7D1E5-7A19-4BA2-8CAA-9135FB90076C}"/>
               </a:ext>
             </a:extLst>
           </p:cNvPr>
@@ -8463,7 +8463,7 @@
           <p:cNvPr id="5" name="Slide Number Placeholder 4">
             <a:extLst>
               <a:ext uri="{FF2B5EF4-FFF2-40B4-BE49-F238E27FC236}">
-                <a16:creationId xmlns:a16="http://schemas.microsoft.com/office/drawing/2014/main" id="{FAC16E02-623C-4BDA-BAFA-B73797A517FD}"/>
+                <a16:creationId xmlns:a16="http://schemas.microsoft.com/office/drawing/2014/main" xmlns="" id="{FAC16E02-623C-4BDA-BAFA-B73797A517FD}"/>
               </a:ext>
             </a:extLst>
           </p:cNvPr>
@@ -8564,10 +8564,10 @@
           <p:cNvPr id="21" name="Freeform: Shape 20">
             <a:extLst>
               <a:ext uri="{FF2B5EF4-FFF2-40B4-BE49-F238E27FC236}">
-                <a16:creationId xmlns:a16="http://schemas.microsoft.com/office/drawing/2014/main" id="{66B332A4-D438-4773-A77F-5ED49A448D9D}"/>
+                <a16:creationId xmlns:a16="http://schemas.microsoft.com/office/drawing/2014/main" xmlns="" id="{66B332A4-D438-4773-A77F-5ED49A448D9D}"/>
               </a:ext>
               <a:ext uri="{C183D7F6-B498-43B3-948B-1728B52AA6E4}">
-                <adec:decorative xmlns:adec="http://schemas.microsoft.com/office/drawing/2017/decorative" val="1"/>
+                <adec:decorative xmlns:adec="http://schemas.microsoft.com/office/drawing/2017/decorative" xmlns="" val="1"/>
               </a:ext>
             </a:extLst>
           </p:cNvPr>
@@ -8577,7 +8577,7 @@
           <p:nvPr>
             <p:extLst>
               <p:ext uri="{386F3935-93C4-4BCD-93E2-E3B085C9AB24}">
-                <p16:designElem xmlns:p16="http://schemas.microsoft.com/office/powerpoint/2015/main" val="1"/>
+                <p16:designElem xmlns:p16="http://schemas.microsoft.com/office/powerpoint/2015/main" xmlns="" val="1"/>
               </p:ext>
             </p:extLst>
           </p:nvPr>
@@ -8730,10 +8730,10 @@
           <p:cNvPr id="23" name="Freeform: Shape 22">
             <a:extLst>
               <a:ext uri="{FF2B5EF4-FFF2-40B4-BE49-F238E27FC236}">
-                <a16:creationId xmlns:a16="http://schemas.microsoft.com/office/drawing/2014/main" id="{DF9AD32D-FF05-44F4-BD4D-9CEE89B71EB9}"/>
+                <a16:creationId xmlns:a16="http://schemas.microsoft.com/office/drawing/2014/main" xmlns="" id="{DF9AD32D-FF05-44F4-BD4D-9CEE89B71EB9}"/>
               </a:ext>
               <a:ext uri="{C183D7F6-B498-43B3-948B-1728B52AA6E4}">
-                <adec:decorative xmlns:adec="http://schemas.microsoft.com/office/drawing/2017/decorative" val="1"/>
+                <adec:decorative xmlns:adec="http://schemas.microsoft.com/office/drawing/2017/decorative" xmlns="" val="1"/>
               </a:ext>
             </a:extLst>
           </p:cNvPr>
@@ -8743,7 +8743,7 @@
           <p:nvPr>
             <p:extLst>
               <p:ext uri="{386F3935-93C4-4BCD-93E2-E3B085C9AB24}">
-                <p16:designElem xmlns:p16="http://schemas.microsoft.com/office/powerpoint/2015/main" val="1"/>
+                <p16:designElem xmlns:p16="http://schemas.microsoft.com/office/powerpoint/2015/main" xmlns="" val="1"/>
               </p:ext>
             </p:extLst>
           </p:nvPr>
@@ -8894,7 +8894,7 @@
           <p:cNvPr id="2" name="Title 1">
             <a:extLst>
               <a:ext uri="{FF2B5EF4-FFF2-40B4-BE49-F238E27FC236}">
-                <a16:creationId xmlns:a16="http://schemas.microsoft.com/office/drawing/2014/main" id="{4C84315F-315F-4066-9D3A-472733691F27}"/>
+                <a16:creationId xmlns:a16="http://schemas.microsoft.com/office/drawing/2014/main" xmlns="" id="{4C84315F-315F-4066-9D3A-472733691F27}"/>
               </a:ext>
             </a:extLst>
           </p:cNvPr>
@@ -8937,7 +8937,7 @@
           <p:cNvPr id="4" name="Footer Placeholder 3">
             <a:extLst>
               <a:ext uri="{FF2B5EF4-FFF2-40B4-BE49-F238E27FC236}">
-                <a16:creationId xmlns:a16="http://schemas.microsoft.com/office/drawing/2014/main" id="{0EF7D1E5-7A19-4BA2-8CAA-9135FB90076C}"/>
+                <a16:creationId xmlns:a16="http://schemas.microsoft.com/office/drawing/2014/main" xmlns="" id="{0EF7D1E5-7A19-4BA2-8CAA-9135FB90076C}"/>
               </a:ext>
             </a:extLst>
           </p:cNvPr>
@@ -8986,7 +8986,7 @@
           <p:cNvPr id="5" name="Slide Number Placeholder 4">
             <a:extLst>
               <a:ext uri="{FF2B5EF4-FFF2-40B4-BE49-F238E27FC236}">
-                <a16:creationId xmlns:a16="http://schemas.microsoft.com/office/drawing/2014/main" id="{FAC16E02-623C-4BDA-BAFA-B73797A517FD}"/>
+                <a16:creationId xmlns:a16="http://schemas.microsoft.com/office/drawing/2014/main" xmlns="" id="{FAC16E02-623C-4BDA-BAFA-B73797A517FD}"/>
               </a:ext>
             </a:extLst>
           </p:cNvPr>
@@ -9076,7 +9076,7 @@
           <p:cNvPr id="2" name="Title 1">
             <a:extLst>
               <a:ext uri="{FF2B5EF4-FFF2-40B4-BE49-F238E27FC236}">
-                <a16:creationId xmlns:a16="http://schemas.microsoft.com/office/drawing/2014/main" id="{4C84315F-315F-4066-9D3A-472733691F27}"/>
+                <a16:creationId xmlns:a16="http://schemas.microsoft.com/office/drawing/2014/main" xmlns="" id="{4C84315F-315F-4066-9D3A-472733691F27}"/>
               </a:ext>
             </a:extLst>
           </p:cNvPr>
@@ -9115,7 +9115,7 @@
           <p:cNvPr id="3" name="Content Placeholder 2">
             <a:extLst>
               <a:ext uri="{FF2B5EF4-FFF2-40B4-BE49-F238E27FC236}">
-                <a16:creationId xmlns:a16="http://schemas.microsoft.com/office/drawing/2014/main" id="{3CCB48FF-D0DB-4239-BF7B-3AC940333DEC}"/>
+                <a16:creationId xmlns:a16="http://schemas.microsoft.com/office/drawing/2014/main" xmlns="" id="{3CCB48FF-D0DB-4239-BF7B-3AC940333DEC}"/>
               </a:ext>
             </a:extLst>
           </p:cNvPr>
@@ -9322,7 +9322,7 @@
           <p:cNvPr id="4" name="Footer Placeholder 3">
             <a:extLst>
               <a:ext uri="{FF2B5EF4-FFF2-40B4-BE49-F238E27FC236}">
-                <a16:creationId xmlns:a16="http://schemas.microsoft.com/office/drawing/2014/main" id="{0EF7D1E5-7A19-4BA2-8CAA-9135FB90076C}"/>
+                <a16:creationId xmlns:a16="http://schemas.microsoft.com/office/drawing/2014/main" xmlns="" id="{0EF7D1E5-7A19-4BA2-8CAA-9135FB90076C}"/>
               </a:ext>
             </a:extLst>
           </p:cNvPr>
@@ -9350,7 +9350,7 @@
           <p:cNvPr id="5" name="Slide Number Placeholder 4">
             <a:extLst>
               <a:ext uri="{FF2B5EF4-FFF2-40B4-BE49-F238E27FC236}">
-                <a16:creationId xmlns:a16="http://schemas.microsoft.com/office/drawing/2014/main" id="{FAC16E02-623C-4BDA-BAFA-B73797A517FD}"/>
+                <a16:creationId xmlns:a16="http://schemas.microsoft.com/office/drawing/2014/main" xmlns="" id="{FAC16E02-623C-4BDA-BAFA-B73797A517FD}"/>
               </a:ext>
             </a:extLst>
           </p:cNvPr>
@@ -9379,7 +9379,7 @@
           <p:cNvPr id="8" name="Picture 7">
             <a:extLst>
               <a:ext uri="{FF2B5EF4-FFF2-40B4-BE49-F238E27FC236}">
-                <a16:creationId xmlns:a16="http://schemas.microsoft.com/office/drawing/2014/main" id="{727B0294-0674-43BC-BDB7-4BEB8B9EBA86}"/>
+                <a16:creationId xmlns:a16="http://schemas.microsoft.com/office/drawing/2014/main" xmlns="" id="{727B0294-0674-43BC-BDB7-4BEB8B9EBA86}"/>
               </a:ext>
             </a:extLst>
           </p:cNvPr>
@@ -9415,7 +9415,7 @@
           <p:cNvPr id="10" name="Picture 9" descr="A screenshot of a cell phone&#10;&#10;Description automatically generated">
             <a:extLst>
               <a:ext uri="{FF2B5EF4-FFF2-40B4-BE49-F238E27FC236}">
-                <a16:creationId xmlns:a16="http://schemas.microsoft.com/office/drawing/2014/main" id="{49618CDA-DEB7-47DC-9E64-77CBE909E0AE}"/>
+                <a16:creationId xmlns:a16="http://schemas.microsoft.com/office/drawing/2014/main" xmlns="" id="{49618CDA-DEB7-47DC-9E64-77CBE909E0AE}"/>
               </a:ext>
             </a:extLst>
           </p:cNvPr>
@@ -9481,7 +9481,7 @@
           <p:cNvPr id="2" name="Title 1">
             <a:extLst>
               <a:ext uri="{FF2B5EF4-FFF2-40B4-BE49-F238E27FC236}">
-                <a16:creationId xmlns:a16="http://schemas.microsoft.com/office/drawing/2014/main" id="{4C84315F-315F-4066-9D3A-472733691F27}"/>
+                <a16:creationId xmlns:a16="http://schemas.microsoft.com/office/drawing/2014/main" xmlns="" id="{4C84315F-315F-4066-9D3A-472733691F27}"/>
               </a:ext>
             </a:extLst>
           </p:cNvPr>
@@ -9524,7 +9524,7 @@
           <p:cNvPr id="3" name="Content Placeholder 2">
             <a:extLst>
               <a:ext uri="{FF2B5EF4-FFF2-40B4-BE49-F238E27FC236}">
-                <a16:creationId xmlns:a16="http://schemas.microsoft.com/office/drawing/2014/main" id="{3CCB48FF-D0DB-4239-BF7B-3AC940333DEC}"/>
+                <a16:creationId xmlns:a16="http://schemas.microsoft.com/office/drawing/2014/main" xmlns="" id="{3CCB48FF-D0DB-4239-BF7B-3AC940333DEC}"/>
               </a:ext>
             </a:extLst>
           </p:cNvPr>
@@ -9695,7 +9695,7 @@
           <p:cNvPr id="4" name="Footer Placeholder 3">
             <a:extLst>
               <a:ext uri="{FF2B5EF4-FFF2-40B4-BE49-F238E27FC236}">
-                <a16:creationId xmlns:a16="http://schemas.microsoft.com/office/drawing/2014/main" id="{0EF7D1E5-7A19-4BA2-8CAA-9135FB90076C}"/>
+                <a16:creationId xmlns:a16="http://schemas.microsoft.com/office/drawing/2014/main" xmlns="" id="{0EF7D1E5-7A19-4BA2-8CAA-9135FB90076C}"/>
               </a:ext>
             </a:extLst>
           </p:cNvPr>
@@ -9728,7 +9728,7 @@
           <p:cNvPr id="5" name="Slide Number Placeholder 4">
             <a:extLst>
               <a:ext uri="{FF2B5EF4-FFF2-40B4-BE49-F238E27FC236}">
-                <a16:creationId xmlns:a16="http://schemas.microsoft.com/office/drawing/2014/main" id="{FAC16E02-623C-4BDA-BAFA-B73797A517FD}"/>
+                <a16:creationId xmlns:a16="http://schemas.microsoft.com/office/drawing/2014/main" xmlns="" id="{FAC16E02-623C-4BDA-BAFA-B73797A517FD}"/>
               </a:ext>
             </a:extLst>
           </p:cNvPr>
@@ -9762,7 +9762,7 @@
           <p:cNvPr id="12" name="Picture 11">
             <a:extLst>
               <a:ext uri="{FF2B5EF4-FFF2-40B4-BE49-F238E27FC236}">
-                <a16:creationId xmlns:a16="http://schemas.microsoft.com/office/drawing/2014/main" id="{4952C6A9-A774-46DB-BDF1-F673FA48CDFD}"/>
+                <a16:creationId xmlns:a16="http://schemas.microsoft.com/office/drawing/2014/main" xmlns="" id="{4952C6A9-A774-46DB-BDF1-F673FA48CDFD}"/>
               </a:ext>
             </a:extLst>
           </p:cNvPr>
@@ -9828,7 +9828,7 @@
           <p:cNvPr id="2" name="Title 1">
             <a:extLst>
               <a:ext uri="{FF2B5EF4-FFF2-40B4-BE49-F238E27FC236}">
-                <a16:creationId xmlns:a16="http://schemas.microsoft.com/office/drawing/2014/main" id="{4C84315F-315F-4066-9D3A-472733691F27}"/>
+                <a16:creationId xmlns:a16="http://schemas.microsoft.com/office/drawing/2014/main" xmlns="" id="{4C84315F-315F-4066-9D3A-472733691F27}"/>
               </a:ext>
             </a:extLst>
           </p:cNvPr>
@@ -9883,7 +9883,7 @@
           <p:cNvPr id="8" name="Inhaltsplatzhalter 7" descr="Ein Bild, das Screenshot enthält.&#10;&#10;Automatisch generierte Beschreibung">
             <a:extLst>
               <a:ext uri="{FF2B5EF4-FFF2-40B4-BE49-F238E27FC236}">
-                <a16:creationId xmlns:a16="http://schemas.microsoft.com/office/drawing/2014/main" id="{E3924121-A383-42BD-A8DC-7D467B374357}"/>
+                <a16:creationId xmlns:a16="http://schemas.microsoft.com/office/drawing/2014/main" xmlns="" id="{E3924121-A383-42BD-A8DC-7D467B374357}"/>
               </a:ext>
             </a:extLst>
           </p:cNvPr>
@@ -9918,7 +9918,7 @@
           <p:cNvPr id="4" name="Footer Placeholder 3">
             <a:extLst>
               <a:ext uri="{FF2B5EF4-FFF2-40B4-BE49-F238E27FC236}">
-                <a16:creationId xmlns:a16="http://schemas.microsoft.com/office/drawing/2014/main" id="{0EF7D1E5-7A19-4BA2-8CAA-9135FB90076C}"/>
+                <a16:creationId xmlns:a16="http://schemas.microsoft.com/office/drawing/2014/main" xmlns="" id="{0EF7D1E5-7A19-4BA2-8CAA-9135FB90076C}"/>
               </a:ext>
             </a:extLst>
           </p:cNvPr>
@@ -9951,7 +9951,7 @@
           <p:cNvPr id="5" name="Slide Number Placeholder 4">
             <a:extLst>
               <a:ext uri="{FF2B5EF4-FFF2-40B4-BE49-F238E27FC236}">
-                <a16:creationId xmlns:a16="http://schemas.microsoft.com/office/drawing/2014/main" id="{FAC16E02-623C-4BDA-BAFA-B73797A517FD}"/>
+                <a16:creationId xmlns:a16="http://schemas.microsoft.com/office/drawing/2014/main" xmlns="" id="{FAC16E02-623C-4BDA-BAFA-B73797A517FD}"/>
               </a:ext>
             </a:extLst>
           </p:cNvPr>
@@ -9985,7 +9985,7 @@
           <p:cNvPr id="9" name="Textfeld 8">
             <a:extLst>
               <a:ext uri="{FF2B5EF4-FFF2-40B4-BE49-F238E27FC236}">
-                <a16:creationId xmlns:a16="http://schemas.microsoft.com/office/drawing/2014/main" id="{0BC016EB-C997-45C6-8835-9C6489AE7467}"/>
+                <a16:creationId xmlns:a16="http://schemas.microsoft.com/office/drawing/2014/main" xmlns="" id="{0BC016EB-C997-45C6-8835-9C6489AE7467}"/>
               </a:ext>
             </a:extLst>
           </p:cNvPr>
@@ -10020,7 +10020,7 @@
           <p:cNvPr id="11" name="Grafik 10" descr="Ein Bild, das Screenshot enthält.&#10;&#10;Automatisch generierte Beschreibung">
             <a:extLst>
               <a:ext uri="{FF2B5EF4-FFF2-40B4-BE49-F238E27FC236}">
-                <a16:creationId xmlns:a16="http://schemas.microsoft.com/office/drawing/2014/main" id="{2788B166-ACA4-49D8-8267-C2B86797E620}"/>
+                <a16:creationId xmlns:a16="http://schemas.microsoft.com/office/drawing/2014/main" xmlns="" id="{2788B166-ACA4-49D8-8267-C2B86797E620}"/>
               </a:ext>
             </a:extLst>
           </p:cNvPr>
@@ -10056,7 +10056,7 @@
           <p:cNvPr id="16" name="Textfeld 15">
             <a:extLst>
               <a:ext uri="{FF2B5EF4-FFF2-40B4-BE49-F238E27FC236}">
-                <a16:creationId xmlns:a16="http://schemas.microsoft.com/office/drawing/2014/main" id="{3B830095-FAAF-4349-B714-8DEAD2804688}"/>
+                <a16:creationId xmlns:a16="http://schemas.microsoft.com/office/drawing/2014/main" xmlns="" id="{3B830095-FAAF-4349-B714-8DEAD2804688}"/>
               </a:ext>
             </a:extLst>
           </p:cNvPr>
@@ -10126,7 +10126,7 @@
           <p:cNvPr id="2" name="Title 1">
             <a:extLst>
               <a:ext uri="{FF2B5EF4-FFF2-40B4-BE49-F238E27FC236}">
-                <a16:creationId xmlns:a16="http://schemas.microsoft.com/office/drawing/2014/main" id="{4C84315F-315F-4066-9D3A-472733691F27}"/>
+                <a16:creationId xmlns:a16="http://schemas.microsoft.com/office/drawing/2014/main" xmlns="" id="{4C84315F-315F-4066-9D3A-472733691F27}"/>
               </a:ext>
             </a:extLst>
           </p:cNvPr>
@@ -10181,7 +10181,7 @@
           <p:cNvPr id="4" name="Footer Placeholder 3">
             <a:extLst>
               <a:ext uri="{FF2B5EF4-FFF2-40B4-BE49-F238E27FC236}">
-                <a16:creationId xmlns:a16="http://schemas.microsoft.com/office/drawing/2014/main" id="{0EF7D1E5-7A19-4BA2-8CAA-9135FB90076C}"/>
+                <a16:creationId xmlns:a16="http://schemas.microsoft.com/office/drawing/2014/main" xmlns="" id="{0EF7D1E5-7A19-4BA2-8CAA-9135FB90076C}"/>
               </a:ext>
             </a:extLst>
           </p:cNvPr>
@@ -10214,7 +10214,7 @@
           <p:cNvPr id="5" name="Slide Number Placeholder 4">
             <a:extLst>
               <a:ext uri="{FF2B5EF4-FFF2-40B4-BE49-F238E27FC236}">
-                <a16:creationId xmlns:a16="http://schemas.microsoft.com/office/drawing/2014/main" id="{FAC16E02-623C-4BDA-BAFA-B73797A517FD}"/>
+                <a16:creationId xmlns:a16="http://schemas.microsoft.com/office/drawing/2014/main" xmlns="" id="{FAC16E02-623C-4BDA-BAFA-B73797A517FD}"/>
               </a:ext>
             </a:extLst>
           </p:cNvPr>
@@ -10248,7 +10248,7 @@
           <p:cNvPr id="9" name="Textfeld 8">
             <a:extLst>
               <a:ext uri="{FF2B5EF4-FFF2-40B4-BE49-F238E27FC236}">
-                <a16:creationId xmlns:a16="http://schemas.microsoft.com/office/drawing/2014/main" id="{0BC016EB-C997-45C6-8835-9C6489AE7467}"/>
+                <a16:creationId xmlns:a16="http://schemas.microsoft.com/office/drawing/2014/main" xmlns="" id="{0BC016EB-C997-45C6-8835-9C6489AE7467}"/>
               </a:ext>
             </a:extLst>
           </p:cNvPr>
@@ -10283,7 +10283,7 @@
           <p:cNvPr id="6" name="Grafik 5" descr="Ein Bild, das Messer enthält.&#10;&#10;Automatisch generierte Beschreibung">
             <a:extLst>
               <a:ext uri="{FF2B5EF4-FFF2-40B4-BE49-F238E27FC236}">
-                <a16:creationId xmlns:a16="http://schemas.microsoft.com/office/drawing/2014/main" id="{33492598-0506-4F48-9736-08ECA55DD99C}"/>
+                <a16:creationId xmlns:a16="http://schemas.microsoft.com/office/drawing/2014/main" xmlns="" id="{33492598-0506-4F48-9736-08ECA55DD99C}"/>
               </a:ext>
             </a:extLst>
           </p:cNvPr>
@@ -10349,7 +10349,7 @@
           <p:cNvPr id="2" name="Title 1">
             <a:extLst>
               <a:ext uri="{FF2B5EF4-FFF2-40B4-BE49-F238E27FC236}">
-                <a16:creationId xmlns:a16="http://schemas.microsoft.com/office/drawing/2014/main" id="{4C84315F-315F-4066-9D3A-472733691F27}"/>
+                <a16:creationId xmlns:a16="http://schemas.microsoft.com/office/drawing/2014/main" xmlns="" id="{4C84315F-315F-4066-9D3A-472733691F27}"/>
               </a:ext>
             </a:extLst>
           </p:cNvPr>
@@ -10400,7 +10400,7 @@
           <p:cNvPr id="3" name="Content Placeholder 2">
             <a:extLst>
               <a:ext uri="{FF2B5EF4-FFF2-40B4-BE49-F238E27FC236}">
-                <a16:creationId xmlns:a16="http://schemas.microsoft.com/office/drawing/2014/main" id="{3CCB48FF-D0DB-4239-BF7B-3AC940333DEC}"/>
+                <a16:creationId xmlns:a16="http://schemas.microsoft.com/office/drawing/2014/main" xmlns="" id="{3CCB48FF-D0DB-4239-BF7B-3AC940333DEC}"/>
               </a:ext>
             </a:extLst>
           </p:cNvPr>
@@ -10529,7 +10529,7 @@
           <p:cNvPr id="4" name="Footer Placeholder 3">
             <a:extLst>
               <a:ext uri="{FF2B5EF4-FFF2-40B4-BE49-F238E27FC236}">
-                <a16:creationId xmlns:a16="http://schemas.microsoft.com/office/drawing/2014/main" id="{0EF7D1E5-7A19-4BA2-8CAA-9135FB90076C}"/>
+                <a16:creationId xmlns:a16="http://schemas.microsoft.com/office/drawing/2014/main" xmlns="" id="{0EF7D1E5-7A19-4BA2-8CAA-9135FB90076C}"/>
               </a:ext>
             </a:extLst>
           </p:cNvPr>
@@ -10562,7 +10562,7 @@
           <p:cNvPr id="5" name="Slide Number Placeholder 4">
             <a:extLst>
               <a:ext uri="{FF2B5EF4-FFF2-40B4-BE49-F238E27FC236}">
-                <a16:creationId xmlns:a16="http://schemas.microsoft.com/office/drawing/2014/main" id="{FAC16E02-623C-4BDA-BAFA-B73797A517FD}"/>
+                <a16:creationId xmlns:a16="http://schemas.microsoft.com/office/drawing/2014/main" xmlns="" id="{FAC16E02-623C-4BDA-BAFA-B73797A517FD}"/>
               </a:ext>
             </a:extLst>
           </p:cNvPr>
@@ -10596,7 +10596,7 @@
           <p:cNvPr id="7" name="Grafik 6" descr="Ein Bild, das Screenshot enthält.&#10;&#10;Automatisch generierte Beschreibung">
             <a:extLst>
               <a:ext uri="{FF2B5EF4-FFF2-40B4-BE49-F238E27FC236}">
-                <a16:creationId xmlns:a16="http://schemas.microsoft.com/office/drawing/2014/main" id="{C6D8A160-082B-4802-BCC8-63E68D79088A}"/>
+                <a16:creationId xmlns:a16="http://schemas.microsoft.com/office/drawing/2014/main" xmlns="" id="{C6D8A160-082B-4802-BCC8-63E68D79088A}"/>
               </a:ext>
             </a:extLst>
           </p:cNvPr>
@@ -10662,7 +10662,7 @@
           <p:cNvPr id="2" name="Title 1">
             <a:extLst>
               <a:ext uri="{FF2B5EF4-FFF2-40B4-BE49-F238E27FC236}">
-                <a16:creationId xmlns:a16="http://schemas.microsoft.com/office/drawing/2014/main" id="{4C84315F-315F-4066-9D3A-472733691F27}"/>
+                <a16:creationId xmlns:a16="http://schemas.microsoft.com/office/drawing/2014/main" xmlns="" id="{4C84315F-315F-4066-9D3A-472733691F27}"/>
               </a:ext>
             </a:extLst>
           </p:cNvPr>
@@ -10709,7 +10709,7 @@
           <p:cNvPr id="3" name="Content Placeholder 2">
             <a:extLst>
               <a:ext uri="{FF2B5EF4-FFF2-40B4-BE49-F238E27FC236}">
-                <a16:creationId xmlns:a16="http://schemas.microsoft.com/office/drawing/2014/main" id="{3CCB48FF-D0DB-4239-BF7B-3AC940333DEC}"/>
+                <a16:creationId xmlns:a16="http://schemas.microsoft.com/office/drawing/2014/main" xmlns="" id="{3CCB48FF-D0DB-4239-BF7B-3AC940333DEC}"/>
               </a:ext>
             </a:extLst>
           </p:cNvPr>
@@ -10777,7 +10777,7 @@
           <p:cNvPr id="4" name="Footer Placeholder 3">
             <a:extLst>
               <a:ext uri="{FF2B5EF4-FFF2-40B4-BE49-F238E27FC236}">
-                <a16:creationId xmlns:a16="http://schemas.microsoft.com/office/drawing/2014/main" id="{0EF7D1E5-7A19-4BA2-8CAA-9135FB90076C}"/>
+                <a16:creationId xmlns:a16="http://schemas.microsoft.com/office/drawing/2014/main" xmlns="" id="{0EF7D1E5-7A19-4BA2-8CAA-9135FB90076C}"/>
               </a:ext>
             </a:extLst>
           </p:cNvPr>
@@ -10810,7 +10810,7 @@
           <p:cNvPr id="5" name="Slide Number Placeholder 4">
             <a:extLst>
               <a:ext uri="{FF2B5EF4-FFF2-40B4-BE49-F238E27FC236}">
-                <a16:creationId xmlns:a16="http://schemas.microsoft.com/office/drawing/2014/main" id="{FAC16E02-623C-4BDA-BAFA-B73797A517FD}"/>
+                <a16:creationId xmlns:a16="http://schemas.microsoft.com/office/drawing/2014/main" xmlns="" id="{FAC16E02-623C-4BDA-BAFA-B73797A517FD}"/>
               </a:ext>
             </a:extLst>
           </p:cNvPr>
@@ -10844,7 +10844,7 @@
           <p:cNvPr id="8" name="Grafik 7">
             <a:extLst>
               <a:ext uri="{FF2B5EF4-FFF2-40B4-BE49-F238E27FC236}">
-                <a16:creationId xmlns:a16="http://schemas.microsoft.com/office/drawing/2014/main" id="{269F6777-DAC5-4237-8396-8FB8169A6384}"/>
+                <a16:creationId xmlns:a16="http://schemas.microsoft.com/office/drawing/2014/main" xmlns="" id="{269F6777-DAC5-4237-8396-8FB8169A6384}"/>
               </a:ext>
             </a:extLst>
           </p:cNvPr>
@@ -10880,7 +10880,7 @@
           <p:cNvPr id="10" name="Grafik 9" descr="Ein Bild, das Screenshot enthält.&#10;&#10;Automatisch generierte Beschreibung">
             <a:extLst>
               <a:ext uri="{FF2B5EF4-FFF2-40B4-BE49-F238E27FC236}">
-                <a16:creationId xmlns:a16="http://schemas.microsoft.com/office/drawing/2014/main" id="{14490D41-80A0-4C33-A2CF-D3BAF9AE9CF6}"/>
+                <a16:creationId xmlns:a16="http://schemas.microsoft.com/office/drawing/2014/main" xmlns="" id="{14490D41-80A0-4C33-A2CF-D3BAF9AE9CF6}"/>
               </a:ext>
             </a:extLst>
           </p:cNvPr>
@@ -10916,7 +10916,7 @@
           <p:cNvPr id="11" name="Textfeld 10">
             <a:extLst>
               <a:ext uri="{FF2B5EF4-FFF2-40B4-BE49-F238E27FC236}">
-                <a16:creationId xmlns:a16="http://schemas.microsoft.com/office/drawing/2014/main" id="{E93B4C1D-B2B1-4CB0-A814-2A2B5321822F}"/>
+                <a16:creationId xmlns:a16="http://schemas.microsoft.com/office/drawing/2014/main" xmlns="" id="{E93B4C1D-B2B1-4CB0-A814-2A2B5321822F}"/>
               </a:ext>
             </a:extLst>
           </p:cNvPr>
@@ -10964,7 +10964,7 @@
           <p:cNvPr id="12" name="Textfeld 11">
             <a:extLst>
               <a:ext uri="{FF2B5EF4-FFF2-40B4-BE49-F238E27FC236}">
-                <a16:creationId xmlns:a16="http://schemas.microsoft.com/office/drawing/2014/main" id="{42DBCF64-5F28-4D8C-B161-9DE6DFAB4E36}"/>
+                <a16:creationId xmlns:a16="http://schemas.microsoft.com/office/drawing/2014/main" xmlns="" id="{42DBCF64-5F28-4D8C-B161-9DE6DFAB4E36}"/>
               </a:ext>
             </a:extLst>
           </p:cNvPr>
@@ -11048,10 +11048,10 @@
           <p:cNvPr id="19" name="Freeform: Shape 18">
             <a:extLst>
               <a:ext uri="{FF2B5EF4-FFF2-40B4-BE49-F238E27FC236}">
-                <a16:creationId xmlns:a16="http://schemas.microsoft.com/office/drawing/2014/main" id="{66B332A4-D438-4773-A77F-5ED49A448D9D}"/>
+                <a16:creationId xmlns:a16="http://schemas.microsoft.com/office/drawing/2014/main" xmlns="" id="{66B332A4-D438-4773-A77F-5ED49A448D9D}"/>
               </a:ext>
               <a:ext uri="{C183D7F6-B498-43B3-948B-1728B52AA6E4}">
-                <adec:decorative xmlns:adec="http://schemas.microsoft.com/office/drawing/2017/decorative" val="1"/>
+                <adec:decorative xmlns:adec="http://schemas.microsoft.com/office/drawing/2017/decorative" xmlns="" val="1"/>
               </a:ext>
             </a:extLst>
           </p:cNvPr>
@@ -11061,7 +11061,7 @@
           <p:nvPr>
             <p:extLst>
               <p:ext uri="{386F3935-93C4-4BCD-93E2-E3B085C9AB24}">
-                <p16:designElem xmlns:p16="http://schemas.microsoft.com/office/powerpoint/2015/main" val="1"/>
+                <p16:designElem xmlns:p16="http://schemas.microsoft.com/office/powerpoint/2015/main" xmlns="" val="1"/>
               </p:ext>
             </p:extLst>
           </p:nvPr>
@@ -11214,10 +11214,10 @@
           <p:cNvPr id="21" name="Freeform: Shape 20">
             <a:extLst>
               <a:ext uri="{FF2B5EF4-FFF2-40B4-BE49-F238E27FC236}">
-                <a16:creationId xmlns:a16="http://schemas.microsoft.com/office/drawing/2014/main" id="{DF9AD32D-FF05-44F4-BD4D-9CEE89B71EB9}"/>
+                <a16:creationId xmlns:a16="http://schemas.microsoft.com/office/drawing/2014/main" xmlns="" id="{DF9AD32D-FF05-44F4-BD4D-9CEE89B71EB9}"/>
               </a:ext>
               <a:ext uri="{C183D7F6-B498-43B3-948B-1728B52AA6E4}">
-                <adec:decorative xmlns:adec="http://schemas.microsoft.com/office/drawing/2017/decorative" val="1"/>
+                <adec:decorative xmlns:adec="http://schemas.microsoft.com/office/drawing/2017/decorative" xmlns="" val="1"/>
               </a:ext>
             </a:extLst>
           </p:cNvPr>
@@ -11227,7 +11227,7 @@
           <p:nvPr>
             <p:extLst>
               <p:ext uri="{386F3935-93C4-4BCD-93E2-E3B085C9AB24}">
-                <p16:designElem xmlns:p16="http://schemas.microsoft.com/office/powerpoint/2015/main" val="1"/>
+                <p16:designElem xmlns:p16="http://schemas.microsoft.com/office/powerpoint/2015/main" xmlns="" val="1"/>
               </p:ext>
             </p:extLst>
           </p:nvPr>
@@ -11378,7 +11378,7 @@
           <p:cNvPr id="2" name="Title 1">
             <a:extLst>
               <a:ext uri="{FF2B5EF4-FFF2-40B4-BE49-F238E27FC236}">
-                <a16:creationId xmlns:a16="http://schemas.microsoft.com/office/drawing/2014/main" id="{4C84315F-315F-4066-9D3A-472733691F27}"/>
+                <a16:creationId xmlns:a16="http://schemas.microsoft.com/office/drawing/2014/main" xmlns="" id="{4C84315F-315F-4066-9D3A-472733691F27}"/>
               </a:ext>
             </a:extLst>
           </p:cNvPr>
@@ -11421,7 +11421,7 @@
           <p:cNvPr id="4" name="Footer Placeholder 3">
             <a:extLst>
               <a:ext uri="{FF2B5EF4-FFF2-40B4-BE49-F238E27FC236}">
-                <a16:creationId xmlns:a16="http://schemas.microsoft.com/office/drawing/2014/main" id="{0EF7D1E5-7A19-4BA2-8CAA-9135FB90076C}"/>
+                <a16:creationId xmlns:a16="http://schemas.microsoft.com/office/drawing/2014/main" xmlns="" id="{0EF7D1E5-7A19-4BA2-8CAA-9135FB90076C}"/>
               </a:ext>
             </a:extLst>
           </p:cNvPr>
@@ -11470,7 +11470,7 @@
           <p:cNvPr id="5" name="Slide Number Placeholder 4">
             <a:extLst>
               <a:ext uri="{FF2B5EF4-FFF2-40B4-BE49-F238E27FC236}">
-                <a16:creationId xmlns:a16="http://schemas.microsoft.com/office/drawing/2014/main" id="{FAC16E02-623C-4BDA-BAFA-B73797A517FD}"/>
+                <a16:creationId xmlns:a16="http://schemas.microsoft.com/office/drawing/2014/main" xmlns="" id="{FAC16E02-623C-4BDA-BAFA-B73797A517FD}"/>
               </a:ext>
             </a:extLst>
           </p:cNvPr>
@@ -11560,7 +11560,7 @@
           <p:cNvPr id="2" name="Title 1">
             <a:extLst>
               <a:ext uri="{FF2B5EF4-FFF2-40B4-BE49-F238E27FC236}">
-                <a16:creationId xmlns:a16="http://schemas.microsoft.com/office/drawing/2014/main" id="{4C84315F-315F-4066-9D3A-472733691F27}"/>
+                <a16:creationId xmlns:a16="http://schemas.microsoft.com/office/drawing/2014/main" xmlns="" id="{4C84315F-315F-4066-9D3A-472733691F27}"/>
               </a:ext>
             </a:extLst>
           </p:cNvPr>
@@ -11607,7 +11607,7 @@
           <p:cNvPr id="4" name="Footer Placeholder 3">
             <a:extLst>
               <a:ext uri="{FF2B5EF4-FFF2-40B4-BE49-F238E27FC236}">
-                <a16:creationId xmlns:a16="http://schemas.microsoft.com/office/drawing/2014/main" id="{0EF7D1E5-7A19-4BA2-8CAA-9135FB90076C}"/>
+                <a16:creationId xmlns:a16="http://schemas.microsoft.com/office/drawing/2014/main" xmlns="" id="{0EF7D1E5-7A19-4BA2-8CAA-9135FB90076C}"/>
               </a:ext>
             </a:extLst>
           </p:cNvPr>
@@ -11640,7 +11640,7 @@
           <p:cNvPr id="5" name="Slide Number Placeholder 4">
             <a:extLst>
               <a:ext uri="{FF2B5EF4-FFF2-40B4-BE49-F238E27FC236}">
-                <a16:creationId xmlns:a16="http://schemas.microsoft.com/office/drawing/2014/main" id="{FAC16E02-623C-4BDA-BAFA-B73797A517FD}"/>
+                <a16:creationId xmlns:a16="http://schemas.microsoft.com/office/drawing/2014/main" xmlns="" id="{FAC16E02-623C-4BDA-BAFA-B73797A517FD}"/>
               </a:ext>
             </a:extLst>
           </p:cNvPr>
@@ -11674,7 +11674,7 @@
           <p:cNvPr id="13" name="Grafik 12" descr="Ein Bild, das Screenshot enthält.&#10;&#10;Automatisch generierte Beschreibung">
             <a:extLst>
               <a:ext uri="{FF2B5EF4-FFF2-40B4-BE49-F238E27FC236}">
-                <a16:creationId xmlns:a16="http://schemas.microsoft.com/office/drawing/2014/main" id="{F8DEC07D-47B3-4C2C-8979-5804656B76FB}"/>
+                <a16:creationId xmlns:a16="http://schemas.microsoft.com/office/drawing/2014/main" xmlns="" id="{F8DEC07D-47B3-4C2C-8979-5804656B76FB}"/>
               </a:ext>
             </a:extLst>
           </p:cNvPr>
@@ -11710,7 +11710,7 @@
           <p:cNvPr id="14" name="Textfeld 13">
             <a:extLst>
               <a:ext uri="{FF2B5EF4-FFF2-40B4-BE49-F238E27FC236}">
-                <a16:creationId xmlns:a16="http://schemas.microsoft.com/office/drawing/2014/main" id="{E30BC66D-03A0-4C1B-9A50-E7476EEBEA24}"/>
+                <a16:creationId xmlns:a16="http://schemas.microsoft.com/office/drawing/2014/main" xmlns="" id="{E30BC66D-03A0-4C1B-9A50-E7476EEBEA24}"/>
               </a:ext>
             </a:extLst>
           </p:cNvPr>
@@ -11804,7 +11804,7 @@
           <p:cNvPr id="15" name="Textfeld 14">
             <a:extLst>
               <a:ext uri="{FF2B5EF4-FFF2-40B4-BE49-F238E27FC236}">
-                <a16:creationId xmlns:a16="http://schemas.microsoft.com/office/drawing/2014/main" id="{B0CCF971-9740-4C60-B819-C327D7CC14B9}"/>
+                <a16:creationId xmlns:a16="http://schemas.microsoft.com/office/drawing/2014/main" xmlns="" id="{B0CCF971-9740-4C60-B819-C327D7CC14B9}"/>
               </a:ext>
             </a:extLst>
           </p:cNvPr>
@@ -11877,7 +11877,7 @@
           <p:cNvPr id="2" name="Title 1">
             <a:extLst>
               <a:ext uri="{FF2B5EF4-FFF2-40B4-BE49-F238E27FC236}">
-                <a16:creationId xmlns:a16="http://schemas.microsoft.com/office/drawing/2014/main" id="{4C84315F-315F-4066-9D3A-472733691F27}"/>
+                <a16:creationId xmlns:a16="http://schemas.microsoft.com/office/drawing/2014/main" xmlns="" id="{4C84315F-315F-4066-9D3A-472733691F27}"/>
               </a:ext>
             </a:extLst>
           </p:cNvPr>
@@ -11924,7 +11924,7 @@
           <p:cNvPr id="4" name="Footer Placeholder 3">
             <a:extLst>
               <a:ext uri="{FF2B5EF4-FFF2-40B4-BE49-F238E27FC236}">
-                <a16:creationId xmlns:a16="http://schemas.microsoft.com/office/drawing/2014/main" id="{0EF7D1E5-7A19-4BA2-8CAA-9135FB90076C}"/>
+                <a16:creationId xmlns:a16="http://schemas.microsoft.com/office/drawing/2014/main" xmlns="" id="{0EF7D1E5-7A19-4BA2-8CAA-9135FB90076C}"/>
               </a:ext>
             </a:extLst>
           </p:cNvPr>
@@ -11957,7 +11957,7 @@
           <p:cNvPr id="5" name="Slide Number Placeholder 4">
             <a:extLst>
               <a:ext uri="{FF2B5EF4-FFF2-40B4-BE49-F238E27FC236}">
-                <a16:creationId xmlns:a16="http://schemas.microsoft.com/office/drawing/2014/main" id="{FAC16E02-623C-4BDA-BAFA-B73797A517FD}"/>
+                <a16:creationId xmlns:a16="http://schemas.microsoft.com/office/drawing/2014/main" xmlns="" id="{FAC16E02-623C-4BDA-BAFA-B73797A517FD}"/>
               </a:ext>
             </a:extLst>
           </p:cNvPr>
@@ -11991,7 +11991,7 @@
           <p:cNvPr id="6" name="Grafik 5" descr="Ein Bild, das Screenshot enthält.&#10;&#10;Automatisch generierte Beschreibung">
             <a:extLst>
               <a:ext uri="{FF2B5EF4-FFF2-40B4-BE49-F238E27FC236}">
-                <a16:creationId xmlns:a16="http://schemas.microsoft.com/office/drawing/2014/main" id="{E84480C7-A7BE-4603-8078-0594808F9C84}"/>
+                <a16:creationId xmlns:a16="http://schemas.microsoft.com/office/drawing/2014/main" xmlns="" id="{E84480C7-A7BE-4603-8078-0594808F9C84}"/>
               </a:ext>
             </a:extLst>
           </p:cNvPr>
@@ -12027,7 +12027,7 @@
           <p:cNvPr id="7" name="Textfeld 6">
             <a:extLst>
               <a:ext uri="{FF2B5EF4-FFF2-40B4-BE49-F238E27FC236}">
-                <a16:creationId xmlns:a16="http://schemas.microsoft.com/office/drawing/2014/main" id="{C1D64D27-CB0E-48C8-BDC5-E2E4F5AD8D9E}"/>
+                <a16:creationId xmlns:a16="http://schemas.microsoft.com/office/drawing/2014/main" xmlns="" id="{C1D64D27-CB0E-48C8-BDC5-E2E4F5AD8D9E}"/>
               </a:ext>
             </a:extLst>
           </p:cNvPr>
@@ -12062,7 +12062,7 @@
           <p:cNvPr id="8" name="Textfeld 7">
             <a:extLst>
               <a:ext uri="{FF2B5EF4-FFF2-40B4-BE49-F238E27FC236}">
-                <a16:creationId xmlns:a16="http://schemas.microsoft.com/office/drawing/2014/main" id="{F800D383-B01F-4C07-BDBE-7459A0254FA2}"/>
+                <a16:creationId xmlns:a16="http://schemas.microsoft.com/office/drawing/2014/main" xmlns="" id="{F800D383-B01F-4C07-BDBE-7459A0254FA2}"/>
               </a:ext>
             </a:extLst>
           </p:cNvPr>
@@ -12192,10 +12192,10 @@
           <p:cNvPr id="10" name="Freeform: Shape 9">
             <a:extLst>
               <a:ext uri="{FF2B5EF4-FFF2-40B4-BE49-F238E27FC236}">
-                <a16:creationId xmlns:a16="http://schemas.microsoft.com/office/drawing/2014/main" id="{66B332A4-D438-4773-A77F-5ED49A448D9D}"/>
+                <a16:creationId xmlns:a16="http://schemas.microsoft.com/office/drawing/2014/main" xmlns="" id="{66B332A4-D438-4773-A77F-5ED49A448D9D}"/>
               </a:ext>
               <a:ext uri="{C183D7F6-B498-43B3-948B-1728B52AA6E4}">
-                <adec:decorative xmlns:adec="http://schemas.microsoft.com/office/drawing/2017/decorative" val="1"/>
+                <adec:decorative xmlns:adec="http://schemas.microsoft.com/office/drawing/2017/decorative" xmlns="" val="1"/>
               </a:ext>
             </a:extLst>
           </p:cNvPr>
@@ -12205,7 +12205,7 @@
           <p:nvPr>
             <p:extLst>
               <p:ext uri="{386F3935-93C4-4BCD-93E2-E3B085C9AB24}">
-                <p16:designElem xmlns:p16="http://schemas.microsoft.com/office/powerpoint/2015/main" val="1"/>
+                <p16:designElem xmlns:p16="http://schemas.microsoft.com/office/powerpoint/2015/main" xmlns="" val="1"/>
               </p:ext>
             </p:extLst>
           </p:nvPr>
@@ -12358,10 +12358,10 @@
           <p:cNvPr id="12" name="Freeform: Shape 11">
             <a:extLst>
               <a:ext uri="{FF2B5EF4-FFF2-40B4-BE49-F238E27FC236}">
-                <a16:creationId xmlns:a16="http://schemas.microsoft.com/office/drawing/2014/main" id="{DF9AD32D-FF05-44F4-BD4D-9CEE89B71EB9}"/>
+                <a16:creationId xmlns:a16="http://schemas.microsoft.com/office/drawing/2014/main" xmlns="" id="{DF9AD32D-FF05-44F4-BD4D-9CEE89B71EB9}"/>
               </a:ext>
               <a:ext uri="{C183D7F6-B498-43B3-948B-1728B52AA6E4}">
-                <adec:decorative xmlns:adec="http://schemas.microsoft.com/office/drawing/2017/decorative" val="1"/>
+                <adec:decorative xmlns:adec="http://schemas.microsoft.com/office/drawing/2017/decorative" xmlns="" val="1"/>
               </a:ext>
             </a:extLst>
           </p:cNvPr>
@@ -12371,7 +12371,7 @@
           <p:nvPr>
             <p:extLst>
               <p:ext uri="{386F3935-93C4-4BCD-93E2-E3B085C9AB24}">
-                <p16:designElem xmlns:p16="http://schemas.microsoft.com/office/powerpoint/2015/main" val="1"/>
+                <p16:designElem xmlns:p16="http://schemas.microsoft.com/office/powerpoint/2015/main" xmlns="" val="1"/>
               </p:ext>
             </p:extLst>
           </p:nvPr>
@@ -12522,7 +12522,7 @@
           <p:cNvPr id="2" name="Title 1">
             <a:extLst>
               <a:ext uri="{FF2B5EF4-FFF2-40B4-BE49-F238E27FC236}">
-                <a16:creationId xmlns:a16="http://schemas.microsoft.com/office/drawing/2014/main" id="{4C84315F-315F-4066-9D3A-472733691F27}"/>
+                <a16:creationId xmlns:a16="http://schemas.microsoft.com/office/drawing/2014/main" xmlns="" id="{4C84315F-315F-4066-9D3A-472733691F27}"/>
               </a:ext>
             </a:extLst>
           </p:cNvPr>
@@ -12595,7 +12595,7 @@
           <p:cNvPr id="4" name="Footer Placeholder 3">
             <a:extLst>
               <a:ext uri="{FF2B5EF4-FFF2-40B4-BE49-F238E27FC236}">
-                <a16:creationId xmlns:a16="http://schemas.microsoft.com/office/drawing/2014/main" id="{0EF7D1E5-7A19-4BA2-8CAA-9135FB90076C}"/>
+                <a16:creationId xmlns:a16="http://schemas.microsoft.com/office/drawing/2014/main" xmlns="" id="{0EF7D1E5-7A19-4BA2-8CAA-9135FB90076C}"/>
               </a:ext>
             </a:extLst>
           </p:cNvPr>
@@ -12644,7 +12644,7 @@
           <p:cNvPr id="5" name="Slide Number Placeholder 4">
             <a:extLst>
               <a:ext uri="{FF2B5EF4-FFF2-40B4-BE49-F238E27FC236}">
-                <a16:creationId xmlns:a16="http://schemas.microsoft.com/office/drawing/2014/main" id="{FAC16E02-623C-4BDA-BAFA-B73797A517FD}"/>
+                <a16:creationId xmlns:a16="http://schemas.microsoft.com/office/drawing/2014/main" xmlns="" id="{FAC16E02-623C-4BDA-BAFA-B73797A517FD}"/>
               </a:ext>
             </a:extLst>
           </p:cNvPr>
@@ -12917,13 +12917,68 @@
           <a:p>
             <a:r>
               <a:rPr lang="de-DE" dirty="0"/>
-              <a:t>Planung war zum Teil schwierig</a:t>
-            </a:r>
-          </a:p>
-          <a:p>
-            <a:r>
-              <a:rPr lang="de-DE"/>
-              <a:t>Missverständnisse bei den Anforderungen</a:t>
+              <a:t>Planung </a:t>
+            </a:r>
+            <a:r>
+              <a:rPr lang="de-DE" dirty="0" smtClean="0"/>
+              <a:t>zum </a:t>
+            </a:r>
+            <a:r>
+              <a:rPr lang="de-DE" dirty="0"/>
+              <a:t>Teil </a:t>
+            </a:r>
+            <a:r>
+              <a:rPr lang="de-DE" dirty="0" smtClean="0"/>
+              <a:t>schwierig</a:t>
+            </a:r>
+          </a:p>
+          <a:p>
+            <a:pPr lvl="1"/>
+            <a:r>
+              <a:rPr lang="de-DE" dirty="0" smtClean="0"/>
+              <a:t>Da Überblick über das gesamte Projekt noch nicht vorhanden war </a:t>
+            </a:r>
+            <a:endParaRPr lang="de-DE" dirty="0"/>
+          </a:p>
+          <a:p>
+            <a:r>
+              <a:rPr lang="de-DE" dirty="0" smtClean="0"/>
+              <a:t>Teilweise Missverständnisse </a:t>
+            </a:r>
+            <a:r>
+              <a:rPr lang="de-DE" dirty="0"/>
+              <a:t>bei den </a:t>
+            </a:r>
+            <a:r>
+              <a:rPr lang="de-DE" dirty="0" smtClean="0"/>
+              <a:t>Anforderungen</a:t>
+            </a:r>
+          </a:p>
+          <a:p>
+            <a:pPr lvl="1"/>
+            <a:r>
+              <a:rPr lang="de-DE" dirty="0" smtClean="0"/>
+              <a:t>Wurden bei Besprechungen größtenteils beseitigt</a:t>
+            </a:r>
+          </a:p>
+          <a:p>
+            <a:r>
+              <a:rPr lang="de-DE" dirty="0" smtClean="0"/>
+              <a:t>Zeitplan teilweise eingehalten</a:t>
+            </a:r>
+          </a:p>
+          <a:p>
+            <a:pPr lvl="1"/>
+            <a:r>
+              <a:rPr lang="de-DE" dirty="0" smtClean="0"/>
+              <a:t>Zum Teil schwierig perfekt einzuhalten</a:t>
+            </a:r>
+          </a:p>
+          <a:p>
+            <a:pPr lvl="1"/>
+            <a:r>
+              <a:rPr lang="de-DE" dirty="0" smtClean="0"/>
+              <a:t>Durch dynamische Vorgehensweise wurde der Zeitplan gut ausbalanciert</a:t>
             </a:r>
             <a:endParaRPr lang="de-DE" dirty="0"/>
           </a:p>
@@ -13012,7 +13067,7 @@
           <p:cNvPr id="2" name="Title 1">
             <a:extLst>
               <a:ext uri="{FF2B5EF4-FFF2-40B4-BE49-F238E27FC236}">
-                <a16:creationId xmlns:a16="http://schemas.microsoft.com/office/drawing/2014/main" id="{15066376-BDA9-42B0-B399-BBF455FEAB84}"/>
+                <a16:creationId xmlns:a16="http://schemas.microsoft.com/office/drawing/2014/main" xmlns="" id="{15066376-BDA9-42B0-B399-BBF455FEAB84}"/>
               </a:ext>
             </a:extLst>
           </p:cNvPr>
@@ -13046,7 +13101,7 @@
           <p:cNvPr id="3" name="Content Placeholder 2">
             <a:extLst>
               <a:ext uri="{FF2B5EF4-FFF2-40B4-BE49-F238E27FC236}">
-                <a16:creationId xmlns:a16="http://schemas.microsoft.com/office/drawing/2014/main" id="{0FBAFCDA-66B7-4892-8C91-69D5101FD3EE}"/>
+                <a16:creationId xmlns:a16="http://schemas.microsoft.com/office/drawing/2014/main" xmlns="" id="{0FBAFCDA-66B7-4892-8C91-69D5101FD3EE}"/>
               </a:ext>
             </a:extLst>
           </p:cNvPr>
@@ -13200,7 +13255,7 @@
           <p:cNvPr id="4" name="Footer Placeholder 3">
             <a:extLst>
               <a:ext uri="{FF2B5EF4-FFF2-40B4-BE49-F238E27FC236}">
-                <a16:creationId xmlns:a16="http://schemas.microsoft.com/office/drawing/2014/main" id="{5F1B4AEF-1956-4FA4-AF17-52F5FA22EA93}"/>
+                <a16:creationId xmlns:a16="http://schemas.microsoft.com/office/drawing/2014/main" xmlns="" id="{5F1B4AEF-1956-4FA4-AF17-52F5FA22EA93}"/>
               </a:ext>
             </a:extLst>
           </p:cNvPr>
@@ -13234,7 +13289,7 @@
           <p:cNvPr id="5" name="Slide Number Placeholder 4">
             <a:extLst>
               <a:ext uri="{FF2B5EF4-FFF2-40B4-BE49-F238E27FC236}">
-                <a16:creationId xmlns:a16="http://schemas.microsoft.com/office/drawing/2014/main" id="{D87CE355-2B04-4F17-8E3C-AE813E70FDE4}"/>
+                <a16:creationId xmlns:a16="http://schemas.microsoft.com/office/drawing/2014/main" xmlns="" id="{D87CE355-2B04-4F17-8E3C-AE813E70FDE4}"/>
               </a:ext>
             </a:extLst>
           </p:cNvPr>
@@ -13306,7 +13361,7 @@
           <p:cNvPr id="2" name="Title 1">
             <a:extLst>
               <a:ext uri="{FF2B5EF4-FFF2-40B4-BE49-F238E27FC236}">
-                <a16:creationId xmlns:a16="http://schemas.microsoft.com/office/drawing/2014/main" id="{0754DA76-FBA9-4255-9F8F-DBD2A5E204F0}"/>
+                <a16:creationId xmlns:a16="http://schemas.microsoft.com/office/drawing/2014/main" xmlns="" id="{0754DA76-FBA9-4255-9F8F-DBD2A5E204F0}"/>
               </a:ext>
             </a:extLst>
           </p:cNvPr>
@@ -13342,7 +13397,7 @@
           <p:cNvPr id="7" name="Picture 6" descr="A screenshot of a cell phone&#10;&#10;Description automatically generated">
             <a:extLst>
               <a:ext uri="{FF2B5EF4-FFF2-40B4-BE49-F238E27FC236}">
-                <a16:creationId xmlns:a16="http://schemas.microsoft.com/office/drawing/2014/main" id="{ABEF1177-6BDC-4C82-AAB5-58804151FB71}"/>
+                <a16:creationId xmlns:a16="http://schemas.microsoft.com/office/drawing/2014/main" xmlns="" id="{ABEF1177-6BDC-4C82-AAB5-58804151FB71}"/>
               </a:ext>
             </a:extLst>
           </p:cNvPr>
@@ -13378,10 +13433,10 @@
           <p:cNvPr id="12" name="Freeform: Shape 11">
             <a:extLst>
               <a:ext uri="{FF2B5EF4-FFF2-40B4-BE49-F238E27FC236}">
-                <a16:creationId xmlns:a16="http://schemas.microsoft.com/office/drawing/2014/main" id="{C607803A-4E99-444E-94F7-8785CDDF5849}"/>
+                <a16:creationId xmlns:a16="http://schemas.microsoft.com/office/drawing/2014/main" xmlns="" id="{C607803A-4E99-444E-94F7-8785CDDF5849}"/>
               </a:ext>
               <a:ext uri="{C183D7F6-B498-43B3-948B-1728B52AA6E4}">
-                <adec:decorative xmlns:adec="http://schemas.microsoft.com/office/drawing/2017/decorative" val="1"/>
+                <adec:decorative xmlns:adec="http://schemas.microsoft.com/office/drawing/2017/decorative" xmlns="" val="1"/>
               </a:ext>
             </a:extLst>
           </p:cNvPr>
@@ -13391,7 +13446,7 @@
           <p:nvPr>
             <p:extLst>
               <p:ext uri="{386F3935-93C4-4BCD-93E2-E3B085C9AB24}">
-                <p16:designElem xmlns:p16="http://schemas.microsoft.com/office/powerpoint/2015/main" val="1"/>
+                <p16:designElem xmlns:p16="http://schemas.microsoft.com/office/powerpoint/2015/main" xmlns="" val="1"/>
               </p:ext>
             </p:extLst>
           </p:nvPr>
@@ -13482,10 +13537,10 @@
           <p:cNvPr id="14" name="Freeform: Shape 13">
             <a:extLst>
               <a:ext uri="{FF2B5EF4-FFF2-40B4-BE49-F238E27FC236}">
-                <a16:creationId xmlns:a16="http://schemas.microsoft.com/office/drawing/2014/main" id="{2989BE6A-C309-418E-8ADD-1616A980570D}"/>
+                <a16:creationId xmlns:a16="http://schemas.microsoft.com/office/drawing/2014/main" xmlns="" id="{2989BE6A-C309-418E-8ADD-1616A980570D}"/>
               </a:ext>
               <a:ext uri="{C183D7F6-B498-43B3-948B-1728B52AA6E4}">
-                <adec:decorative xmlns:adec="http://schemas.microsoft.com/office/drawing/2017/decorative" val="1"/>
+                <adec:decorative xmlns:adec="http://schemas.microsoft.com/office/drawing/2017/decorative" xmlns="" val="1"/>
               </a:ext>
             </a:extLst>
           </p:cNvPr>
@@ -13495,7 +13550,7 @@
           <p:nvPr>
             <p:extLst>
               <p:ext uri="{386F3935-93C4-4BCD-93E2-E3B085C9AB24}">
-                <p16:designElem xmlns:p16="http://schemas.microsoft.com/office/powerpoint/2015/main" val="1"/>
+                <p16:designElem xmlns:p16="http://schemas.microsoft.com/office/powerpoint/2015/main" xmlns="" val="1"/>
               </p:ext>
             </p:extLst>
           </p:nvPr>
@@ -13623,7 +13678,7 @@
           <p:cNvPr id="3" name="Content Placeholder 2">
             <a:extLst>
               <a:ext uri="{FF2B5EF4-FFF2-40B4-BE49-F238E27FC236}">
-                <a16:creationId xmlns:a16="http://schemas.microsoft.com/office/drawing/2014/main" id="{A42C7976-7264-4148-AD03-59E4B4F7C697}"/>
+                <a16:creationId xmlns:a16="http://schemas.microsoft.com/office/drawing/2014/main" xmlns="" id="{A42C7976-7264-4148-AD03-59E4B4F7C697}"/>
               </a:ext>
             </a:extLst>
           </p:cNvPr>
@@ -13718,7 +13773,7 @@
           <p:cNvPr id="4" name="Footer Placeholder 3">
             <a:extLst>
               <a:ext uri="{FF2B5EF4-FFF2-40B4-BE49-F238E27FC236}">
-                <a16:creationId xmlns:a16="http://schemas.microsoft.com/office/drawing/2014/main" id="{E4E0C278-526A-4003-B85A-72429B341BB6}"/>
+                <a16:creationId xmlns:a16="http://schemas.microsoft.com/office/drawing/2014/main" xmlns="" id="{E4E0C278-526A-4003-B85A-72429B341BB6}"/>
               </a:ext>
             </a:extLst>
           </p:cNvPr>
@@ -13764,7 +13819,7 @@
           <p:cNvPr id="5" name="Slide Number Placeholder 4">
             <a:extLst>
               <a:ext uri="{FF2B5EF4-FFF2-40B4-BE49-F238E27FC236}">
-                <a16:creationId xmlns:a16="http://schemas.microsoft.com/office/drawing/2014/main" id="{A92E81ED-7F21-418B-B91B-7B27BAA6E5C0}"/>
+                <a16:creationId xmlns:a16="http://schemas.microsoft.com/office/drawing/2014/main" xmlns="" id="{A92E81ED-7F21-418B-B91B-7B27BAA6E5C0}"/>
               </a:ext>
             </a:extLst>
           </p:cNvPr>
@@ -13860,7 +13915,7 @@
           <p:cNvPr id="2" name="Title 1">
             <a:extLst>
               <a:ext uri="{FF2B5EF4-FFF2-40B4-BE49-F238E27FC236}">
-                <a16:creationId xmlns:a16="http://schemas.microsoft.com/office/drawing/2014/main" id="{D0F7DBBA-40E4-45A3-ACD0-6F25C32BF6C6}"/>
+                <a16:creationId xmlns:a16="http://schemas.microsoft.com/office/drawing/2014/main" xmlns="" id="{D0F7DBBA-40E4-45A3-ACD0-6F25C32BF6C6}"/>
               </a:ext>
             </a:extLst>
           </p:cNvPr>
@@ -13896,7 +13951,7 @@
           <p:cNvPr id="11" name="Picture 10" descr="A screenshot of a cell phone&#10;&#10;Description automatically generated">
             <a:extLst>
               <a:ext uri="{FF2B5EF4-FFF2-40B4-BE49-F238E27FC236}">
-                <a16:creationId xmlns:a16="http://schemas.microsoft.com/office/drawing/2014/main" id="{EC8D9439-AB1B-4EEA-8BA5-227492613A4C}"/>
+                <a16:creationId xmlns:a16="http://schemas.microsoft.com/office/drawing/2014/main" xmlns="" id="{EC8D9439-AB1B-4EEA-8BA5-227492613A4C}"/>
               </a:ext>
             </a:extLst>
           </p:cNvPr>
@@ -13932,10 +13987,10 @@
           <p:cNvPr id="19" name="Freeform: Shape 15">
             <a:extLst>
               <a:ext uri="{FF2B5EF4-FFF2-40B4-BE49-F238E27FC236}">
-                <a16:creationId xmlns:a16="http://schemas.microsoft.com/office/drawing/2014/main" id="{C607803A-4E99-444E-94F7-8785CDDF5849}"/>
+                <a16:creationId xmlns:a16="http://schemas.microsoft.com/office/drawing/2014/main" xmlns="" id="{C607803A-4E99-444E-94F7-8785CDDF5849}"/>
               </a:ext>
               <a:ext uri="{C183D7F6-B498-43B3-948B-1728B52AA6E4}">
-                <adec:decorative xmlns:adec="http://schemas.microsoft.com/office/drawing/2017/decorative" val="1"/>
+                <adec:decorative xmlns:adec="http://schemas.microsoft.com/office/drawing/2017/decorative" xmlns="" val="1"/>
               </a:ext>
             </a:extLst>
           </p:cNvPr>
@@ -13945,7 +14000,7 @@
           <p:nvPr>
             <p:extLst>
               <p:ext uri="{386F3935-93C4-4BCD-93E2-E3B085C9AB24}">
-                <p16:designElem xmlns:p16="http://schemas.microsoft.com/office/powerpoint/2015/main" val="1"/>
+                <p16:designElem xmlns:p16="http://schemas.microsoft.com/office/powerpoint/2015/main" xmlns="" val="1"/>
               </p:ext>
             </p:extLst>
           </p:nvPr>
@@ -14036,10 +14091,10 @@
           <p:cNvPr id="18" name="Freeform: Shape 17">
             <a:extLst>
               <a:ext uri="{FF2B5EF4-FFF2-40B4-BE49-F238E27FC236}">
-                <a16:creationId xmlns:a16="http://schemas.microsoft.com/office/drawing/2014/main" id="{2989BE6A-C309-418E-8ADD-1616A980570D}"/>
+                <a16:creationId xmlns:a16="http://schemas.microsoft.com/office/drawing/2014/main" xmlns="" id="{2989BE6A-C309-418E-8ADD-1616A980570D}"/>
               </a:ext>
               <a:ext uri="{C183D7F6-B498-43B3-948B-1728B52AA6E4}">
-                <adec:decorative xmlns:adec="http://schemas.microsoft.com/office/drawing/2017/decorative" val="1"/>
+                <adec:decorative xmlns:adec="http://schemas.microsoft.com/office/drawing/2017/decorative" xmlns="" val="1"/>
               </a:ext>
             </a:extLst>
           </p:cNvPr>
@@ -14049,7 +14104,7 @@
           <p:nvPr>
             <p:extLst>
               <p:ext uri="{386F3935-93C4-4BCD-93E2-E3B085C9AB24}">
-                <p16:designElem xmlns:p16="http://schemas.microsoft.com/office/powerpoint/2015/main" val="1"/>
+                <p16:designElem xmlns:p16="http://schemas.microsoft.com/office/powerpoint/2015/main" xmlns="" val="1"/>
               </p:ext>
             </p:extLst>
           </p:nvPr>
@@ -14177,7 +14232,7 @@
           <p:cNvPr id="9" name="Content Placeholder 8">
             <a:extLst>
               <a:ext uri="{FF2B5EF4-FFF2-40B4-BE49-F238E27FC236}">
-                <a16:creationId xmlns:a16="http://schemas.microsoft.com/office/drawing/2014/main" id="{020673C7-CB6D-4F67-ABF0-DE2C50E51566}"/>
+                <a16:creationId xmlns:a16="http://schemas.microsoft.com/office/drawing/2014/main" xmlns="" id="{020673C7-CB6D-4F67-ABF0-DE2C50E51566}"/>
               </a:ext>
             </a:extLst>
           </p:cNvPr>
@@ -14218,7 +14273,7 @@
           <p:cNvPr id="4" name="Footer Placeholder 3">
             <a:extLst>
               <a:ext uri="{FF2B5EF4-FFF2-40B4-BE49-F238E27FC236}">
-                <a16:creationId xmlns:a16="http://schemas.microsoft.com/office/drawing/2014/main" id="{5E901347-E5AB-4A86-8D5E-33FABF95AA3A}"/>
+                <a16:creationId xmlns:a16="http://schemas.microsoft.com/office/drawing/2014/main" xmlns="" id="{5E901347-E5AB-4A86-8D5E-33FABF95AA3A}"/>
               </a:ext>
             </a:extLst>
           </p:cNvPr>
@@ -14264,7 +14319,7 @@
           <p:cNvPr id="5" name="Slide Number Placeholder 4">
             <a:extLst>
               <a:ext uri="{FF2B5EF4-FFF2-40B4-BE49-F238E27FC236}">
-                <a16:creationId xmlns:a16="http://schemas.microsoft.com/office/drawing/2014/main" id="{409F682C-D2C9-4003-BF7F-EDBFC5A4DF22}"/>
+                <a16:creationId xmlns:a16="http://schemas.microsoft.com/office/drawing/2014/main" xmlns="" id="{409F682C-D2C9-4003-BF7F-EDBFC5A4DF22}"/>
               </a:ext>
             </a:extLst>
           </p:cNvPr>
@@ -14360,7 +14415,7 @@
           <p:cNvPr id="2" name="Title 1">
             <a:extLst>
               <a:ext uri="{FF2B5EF4-FFF2-40B4-BE49-F238E27FC236}">
-                <a16:creationId xmlns:a16="http://schemas.microsoft.com/office/drawing/2014/main" id="{7FB8FAAD-55D4-4F7B-A3E3-56C2607E59AC}"/>
+                <a16:creationId xmlns:a16="http://schemas.microsoft.com/office/drawing/2014/main" xmlns="" id="{7FB8FAAD-55D4-4F7B-A3E3-56C2607E59AC}"/>
               </a:ext>
             </a:extLst>
           </p:cNvPr>
@@ -14396,7 +14451,7 @@
           <p:cNvPr id="7" name="Content Placeholder 6" descr="A screenshot of a cell phone&#10;&#10;Description automatically generated">
             <a:extLst>
               <a:ext uri="{FF2B5EF4-FFF2-40B4-BE49-F238E27FC236}">
-                <a16:creationId xmlns:a16="http://schemas.microsoft.com/office/drawing/2014/main" id="{D42E2C0D-B957-49ED-A36D-F2E34026D6B7}"/>
+                <a16:creationId xmlns:a16="http://schemas.microsoft.com/office/drawing/2014/main" xmlns="" id="{D42E2C0D-B957-49ED-A36D-F2E34026D6B7}"/>
               </a:ext>
             </a:extLst>
           </p:cNvPr>
@@ -14432,10 +14487,10 @@
           <p:cNvPr id="14" name="Freeform: Shape 13">
             <a:extLst>
               <a:ext uri="{FF2B5EF4-FFF2-40B4-BE49-F238E27FC236}">
-                <a16:creationId xmlns:a16="http://schemas.microsoft.com/office/drawing/2014/main" id="{C607803A-4E99-444E-94F7-8785CDDF5849}"/>
+                <a16:creationId xmlns:a16="http://schemas.microsoft.com/office/drawing/2014/main" xmlns="" id="{C607803A-4E99-444E-94F7-8785CDDF5849}"/>
               </a:ext>
               <a:ext uri="{C183D7F6-B498-43B3-948B-1728B52AA6E4}">
-                <adec:decorative xmlns:adec="http://schemas.microsoft.com/office/drawing/2017/decorative" val="1"/>
+                <adec:decorative xmlns:adec="http://schemas.microsoft.com/office/drawing/2017/decorative" xmlns="" val="1"/>
               </a:ext>
             </a:extLst>
           </p:cNvPr>
@@ -14445,7 +14500,7 @@
           <p:nvPr>
             <p:extLst>
               <p:ext uri="{386F3935-93C4-4BCD-93E2-E3B085C9AB24}">
-                <p16:designElem xmlns:p16="http://schemas.microsoft.com/office/powerpoint/2015/main" val="1"/>
+                <p16:designElem xmlns:p16="http://schemas.microsoft.com/office/powerpoint/2015/main" xmlns="" val="1"/>
               </p:ext>
             </p:extLst>
           </p:nvPr>
@@ -14536,10 +14591,10 @@
           <p:cNvPr id="16" name="Freeform: Shape 15">
             <a:extLst>
               <a:ext uri="{FF2B5EF4-FFF2-40B4-BE49-F238E27FC236}">
-                <a16:creationId xmlns:a16="http://schemas.microsoft.com/office/drawing/2014/main" id="{2989BE6A-C309-418E-8ADD-1616A980570D}"/>
+                <a16:creationId xmlns:a16="http://schemas.microsoft.com/office/drawing/2014/main" xmlns="" id="{2989BE6A-C309-418E-8ADD-1616A980570D}"/>
               </a:ext>
               <a:ext uri="{C183D7F6-B498-43B3-948B-1728B52AA6E4}">
-                <adec:decorative xmlns:adec="http://schemas.microsoft.com/office/drawing/2017/decorative" val="1"/>
+                <adec:decorative xmlns:adec="http://schemas.microsoft.com/office/drawing/2017/decorative" xmlns="" val="1"/>
               </a:ext>
             </a:extLst>
           </p:cNvPr>
@@ -14549,7 +14604,7 @@
           <p:nvPr>
             <p:extLst>
               <p:ext uri="{386F3935-93C4-4BCD-93E2-E3B085C9AB24}">
-                <p16:designElem xmlns:p16="http://schemas.microsoft.com/office/powerpoint/2015/main" val="1"/>
+                <p16:designElem xmlns:p16="http://schemas.microsoft.com/office/powerpoint/2015/main" xmlns="" val="1"/>
               </p:ext>
             </p:extLst>
           </p:nvPr>
@@ -14677,7 +14732,7 @@
           <p:cNvPr id="11" name="Content Placeholder 10">
             <a:extLst>
               <a:ext uri="{FF2B5EF4-FFF2-40B4-BE49-F238E27FC236}">
-                <a16:creationId xmlns:a16="http://schemas.microsoft.com/office/drawing/2014/main" id="{8DC07883-6FEB-4246-BFE9-889DDCF1DD98}"/>
+                <a16:creationId xmlns:a16="http://schemas.microsoft.com/office/drawing/2014/main" xmlns="" id="{8DC07883-6FEB-4246-BFE9-889DDCF1DD98}"/>
               </a:ext>
             </a:extLst>
           </p:cNvPr>
@@ -14748,7 +14803,7 @@
           <p:cNvPr id="4" name="Footer Placeholder 3">
             <a:extLst>
               <a:ext uri="{FF2B5EF4-FFF2-40B4-BE49-F238E27FC236}">
-                <a16:creationId xmlns:a16="http://schemas.microsoft.com/office/drawing/2014/main" id="{4F1639C5-FA60-4BF7-98BA-05F3753189A9}"/>
+                <a16:creationId xmlns:a16="http://schemas.microsoft.com/office/drawing/2014/main" xmlns="" id="{4F1639C5-FA60-4BF7-98BA-05F3753189A9}"/>
               </a:ext>
             </a:extLst>
           </p:cNvPr>
@@ -14794,7 +14849,7 @@
           <p:cNvPr id="5" name="Slide Number Placeholder 4">
             <a:extLst>
               <a:ext uri="{FF2B5EF4-FFF2-40B4-BE49-F238E27FC236}">
-                <a16:creationId xmlns:a16="http://schemas.microsoft.com/office/drawing/2014/main" id="{A6093915-6888-4B2E-A7DB-162E0D0C61DB}"/>
+                <a16:creationId xmlns:a16="http://schemas.microsoft.com/office/drawing/2014/main" xmlns="" id="{A6093915-6888-4B2E-A7DB-162E0D0C61DB}"/>
               </a:ext>
             </a:extLst>
           </p:cNvPr>
@@ -14882,7 +14937,7 @@
           <p:cNvPr id="10" name="TextBox 9">
             <a:extLst>
               <a:ext uri="{FF2B5EF4-FFF2-40B4-BE49-F238E27FC236}">
-                <a16:creationId xmlns:a16="http://schemas.microsoft.com/office/drawing/2014/main" id="{0EC7CB5C-2C3D-4A9E-BB5E-032FF2465606}"/>
+                <a16:creationId xmlns:a16="http://schemas.microsoft.com/office/drawing/2014/main" xmlns="" id="{0EC7CB5C-2C3D-4A9E-BB5E-032FF2465606}"/>
               </a:ext>
             </a:extLst>
           </p:cNvPr>
@@ -14914,7 +14969,7 @@
           <p:cNvPr id="3" name="Picture 2" descr="A picture containing implement, pencil, computer, sitting&#10;&#10;Description automatically generated">
             <a:extLst>
               <a:ext uri="{FF2B5EF4-FFF2-40B4-BE49-F238E27FC236}">
-                <a16:creationId xmlns:a16="http://schemas.microsoft.com/office/drawing/2014/main" id="{EAC737AC-7EDE-4FC3-BCB3-AD1B0ED862F8}"/>
+                <a16:creationId xmlns:a16="http://schemas.microsoft.com/office/drawing/2014/main" xmlns="" id="{EAC737AC-7EDE-4FC3-BCB3-AD1B0ED862F8}"/>
               </a:ext>
             </a:extLst>
           </p:cNvPr>
@@ -14991,10 +15046,10 @@
           <p:cNvPr id="19" name="Freeform: Shape 18">
             <a:extLst>
               <a:ext uri="{FF2B5EF4-FFF2-40B4-BE49-F238E27FC236}">
-                <a16:creationId xmlns:a16="http://schemas.microsoft.com/office/drawing/2014/main" id="{66B332A4-D438-4773-A77F-5ED49A448D9D}"/>
+                <a16:creationId xmlns:a16="http://schemas.microsoft.com/office/drawing/2014/main" xmlns="" id="{66B332A4-D438-4773-A77F-5ED49A448D9D}"/>
               </a:ext>
               <a:ext uri="{C183D7F6-B498-43B3-948B-1728B52AA6E4}">
-                <adec:decorative xmlns:adec="http://schemas.microsoft.com/office/drawing/2017/decorative" val="1"/>
+                <adec:decorative xmlns:adec="http://schemas.microsoft.com/office/drawing/2017/decorative" xmlns="" val="1"/>
               </a:ext>
             </a:extLst>
           </p:cNvPr>
@@ -15004,7 +15059,7 @@
           <p:nvPr>
             <p:extLst>
               <p:ext uri="{386F3935-93C4-4BCD-93E2-E3B085C9AB24}">
-                <p16:designElem xmlns:p16="http://schemas.microsoft.com/office/powerpoint/2015/main" val="1"/>
+                <p16:designElem xmlns:p16="http://schemas.microsoft.com/office/powerpoint/2015/main" xmlns="" val="1"/>
               </p:ext>
             </p:extLst>
           </p:nvPr>
@@ -15157,10 +15212,10 @@
           <p:cNvPr id="21" name="Freeform: Shape 20">
             <a:extLst>
               <a:ext uri="{FF2B5EF4-FFF2-40B4-BE49-F238E27FC236}">
-                <a16:creationId xmlns:a16="http://schemas.microsoft.com/office/drawing/2014/main" id="{DF9AD32D-FF05-44F4-BD4D-9CEE89B71EB9}"/>
+                <a16:creationId xmlns:a16="http://schemas.microsoft.com/office/drawing/2014/main" xmlns="" id="{DF9AD32D-FF05-44F4-BD4D-9CEE89B71EB9}"/>
               </a:ext>
               <a:ext uri="{C183D7F6-B498-43B3-948B-1728B52AA6E4}">
-                <adec:decorative xmlns:adec="http://schemas.microsoft.com/office/drawing/2017/decorative" val="1"/>
+                <adec:decorative xmlns:adec="http://schemas.microsoft.com/office/drawing/2017/decorative" xmlns="" val="1"/>
               </a:ext>
             </a:extLst>
           </p:cNvPr>
@@ -15170,7 +15225,7 @@
           <p:nvPr>
             <p:extLst>
               <p:ext uri="{386F3935-93C4-4BCD-93E2-E3B085C9AB24}">
-                <p16:designElem xmlns:p16="http://schemas.microsoft.com/office/powerpoint/2015/main" val="1"/>
+                <p16:designElem xmlns:p16="http://schemas.microsoft.com/office/powerpoint/2015/main" xmlns="" val="1"/>
               </p:ext>
             </p:extLst>
           </p:nvPr>
@@ -15321,7 +15376,7 @@
           <p:cNvPr id="2" name="Title 1">
             <a:extLst>
               <a:ext uri="{FF2B5EF4-FFF2-40B4-BE49-F238E27FC236}">
-                <a16:creationId xmlns:a16="http://schemas.microsoft.com/office/drawing/2014/main" id="{4C84315F-315F-4066-9D3A-472733691F27}"/>
+                <a16:creationId xmlns:a16="http://schemas.microsoft.com/office/drawing/2014/main" xmlns="" id="{4C84315F-315F-4066-9D3A-472733691F27}"/>
               </a:ext>
             </a:extLst>
           </p:cNvPr>
@@ -15364,7 +15419,7 @@
           <p:cNvPr id="4" name="Footer Placeholder 3">
             <a:extLst>
               <a:ext uri="{FF2B5EF4-FFF2-40B4-BE49-F238E27FC236}">
-                <a16:creationId xmlns:a16="http://schemas.microsoft.com/office/drawing/2014/main" id="{0EF7D1E5-7A19-4BA2-8CAA-9135FB90076C}"/>
+                <a16:creationId xmlns:a16="http://schemas.microsoft.com/office/drawing/2014/main" xmlns="" id="{0EF7D1E5-7A19-4BA2-8CAA-9135FB90076C}"/>
               </a:ext>
             </a:extLst>
           </p:cNvPr>
@@ -15413,7 +15468,7 @@
           <p:cNvPr id="5" name="Slide Number Placeholder 4">
             <a:extLst>
               <a:ext uri="{FF2B5EF4-FFF2-40B4-BE49-F238E27FC236}">
-                <a16:creationId xmlns:a16="http://schemas.microsoft.com/office/drawing/2014/main" id="{FAC16E02-623C-4BDA-BAFA-B73797A517FD}"/>
+                <a16:creationId xmlns:a16="http://schemas.microsoft.com/office/drawing/2014/main" xmlns="" id="{FAC16E02-623C-4BDA-BAFA-B73797A517FD}"/>
               </a:ext>
             </a:extLst>
           </p:cNvPr>

--- a/docs/Seminarvortrag.pptx
+++ b/docs/Seminarvortrag.pptx
@@ -26,7 +26,7 @@
     <p:sldId id="283" r:id="rId17"/>
     <p:sldId id="300" r:id="rId18"/>
     <p:sldId id="286" r:id="rId19"/>
-    <p:sldId id="299" r:id="rId20"/>
+    <p:sldId id="301" r:id="rId20"/>
     <p:sldId id="287" r:id="rId21"/>
     <p:sldId id="285" r:id="rId22"/>
     <p:sldId id="288" r:id="rId23"/>
@@ -7508,8 +7508,8 @@
         </p:blipFill>
         <p:spPr>
           <a:xfrm>
-            <a:off x="169653" y="1502819"/>
-            <a:ext cx="11852694" cy="4613307"/>
+            <a:off x="251869" y="1623051"/>
+            <a:ext cx="11688262" cy="4191152"/>
           </a:xfrm>
         </p:spPr>
       </p:pic>
@@ -7562,7 +7562,7 @@
     </p:spTree>
     <p:extLst>
       <p:ext uri="{BB962C8B-B14F-4D97-AF65-F5344CB8AC3E}">
-        <p14:creationId xmlns:p14="http://schemas.microsoft.com/office/powerpoint/2010/main" val="2296335255"/>
+        <p14:creationId xmlns:p14="http://schemas.microsoft.com/office/powerpoint/2010/main" val="51384102"/>
       </p:ext>
     </p:extLst>
   </p:cSld>

--- a/docs/Seminarvortrag.pptx
+++ b/docs/Seminarvortrag.pptx
@@ -399,7 +399,7 @@
           <a:p>
             <a:fld id="{B1B0B506-360A-4BC7-A86C-8256EFE9AF9B}" type="slidenum">
               <a:rPr lang="de-DE" smtClean="0"/>
-              <a:t>‹Nr.›</a:t>
+              <a:t>‹#›</a:t>
             </a:fld>
             <a:endParaRPr lang="de-DE"/>
           </a:p>
@@ -939,7 +939,7 @@
           <p:cNvPr id="2" name="Title 1">
             <a:extLst>
               <a:ext uri="{FF2B5EF4-FFF2-40B4-BE49-F238E27FC236}">
-                <a16:creationId xmlns:a16="http://schemas.microsoft.com/office/drawing/2014/main" xmlns="" id="{046DBCE4-E0EF-4FEE-80D5-A702C3556002}"/>
+                <a16:creationId xmlns:a16="http://schemas.microsoft.com/office/drawing/2014/main" id="{046DBCE4-E0EF-4FEE-80D5-A702C3556002}"/>
               </a:ext>
             </a:extLst>
           </p:cNvPr>
@@ -977,7 +977,7 @@
           <p:cNvPr id="3" name="Subtitle 2">
             <a:extLst>
               <a:ext uri="{FF2B5EF4-FFF2-40B4-BE49-F238E27FC236}">
-                <a16:creationId xmlns:a16="http://schemas.microsoft.com/office/drawing/2014/main" xmlns="" id="{7E50572C-23B8-4844-BEA8-67547B46B854}"/>
+                <a16:creationId xmlns:a16="http://schemas.microsoft.com/office/drawing/2014/main" id="{7E50572C-23B8-4844-BEA8-67547B46B854}"/>
               </a:ext>
             </a:extLst>
           </p:cNvPr>
@@ -1048,7 +1048,7 @@
           <p:cNvPr id="4" name="Date Placeholder 3">
             <a:extLst>
               <a:ext uri="{FF2B5EF4-FFF2-40B4-BE49-F238E27FC236}">
-                <a16:creationId xmlns:a16="http://schemas.microsoft.com/office/drawing/2014/main" xmlns="" id="{100022F9-A075-4D48-821D-C3BBF5EF6DB8}"/>
+                <a16:creationId xmlns:a16="http://schemas.microsoft.com/office/drawing/2014/main" id="{100022F9-A075-4D48-821D-C3BBF5EF6DB8}"/>
               </a:ext>
             </a:extLst>
           </p:cNvPr>
@@ -1077,7 +1077,7 @@
           <p:cNvPr id="5" name="Footer Placeholder 4">
             <a:extLst>
               <a:ext uri="{FF2B5EF4-FFF2-40B4-BE49-F238E27FC236}">
-                <a16:creationId xmlns:a16="http://schemas.microsoft.com/office/drawing/2014/main" xmlns="" id="{EC31605A-96D3-4AE5-8AB0-795CD0B5F4FF}"/>
+                <a16:creationId xmlns:a16="http://schemas.microsoft.com/office/drawing/2014/main" id="{EC31605A-96D3-4AE5-8AB0-795CD0B5F4FF}"/>
               </a:ext>
             </a:extLst>
           </p:cNvPr>
@@ -1105,7 +1105,7 @@
           <p:cNvPr id="6" name="Slide Number Placeholder 5">
             <a:extLst>
               <a:ext uri="{FF2B5EF4-FFF2-40B4-BE49-F238E27FC236}">
-                <a16:creationId xmlns:a16="http://schemas.microsoft.com/office/drawing/2014/main" xmlns="" id="{57DF77BF-007F-4C70-98E2-83A1A7E91C87}"/>
+                <a16:creationId xmlns:a16="http://schemas.microsoft.com/office/drawing/2014/main" id="{57DF77BF-007F-4C70-98E2-83A1A7E91C87}"/>
               </a:ext>
             </a:extLst>
           </p:cNvPr>
@@ -1123,7 +1123,7 @@
           <a:p>
             <a:fld id="{969E759D-A893-4B96-8B48-96EE547EBC41}" type="slidenum">
               <a:rPr lang="de-DE" smtClean="0"/>
-              <a:t>‹Nr.›</a:t>
+              <a:t>‹#›</a:t>
             </a:fld>
             <a:endParaRPr lang="de-DE"/>
           </a:p>
@@ -1164,7 +1164,7 @@
           <p:cNvPr id="2" name="Title 1">
             <a:extLst>
               <a:ext uri="{FF2B5EF4-FFF2-40B4-BE49-F238E27FC236}">
-                <a16:creationId xmlns:a16="http://schemas.microsoft.com/office/drawing/2014/main" xmlns="" id="{50547723-A745-4136-9E9B-C54A2591C03E}"/>
+                <a16:creationId xmlns:a16="http://schemas.microsoft.com/office/drawing/2014/main" id="{50547723-A745-4136-9E9B-C54A2591C03E}"/>
               </a:ext>
             </a:extLst>
           </p:cNvPr>
@@ -1193,7 +1193,7 @@
           <p:cNvPr id="3" name="Vertical Text Placeholder 2">
             <a:extLst>
               <a:ext uri="{FF2B5EF4-FFF2-40B4-BE49-F238E27FC236}">
-                <a16:creationId xmlns:a16="http://schemas.microsoft.com/office/drawing/2014/main" xmlns="" id="{19A1C7A2-1B43-4C6D-A293-C7FFD55FA198}"/>
+                <a16:creationId xmlns:a16="http://schemas.microsoft.com/office/drawing/2014/main" id="{19A1C7A2-1B43-4C6D-A293-C7FFD55FA198}"/>
               </a:ext>
             </a:extLst>
           </p:cNvPr>
@@ -1251,7 +1251,7 @@
           <p:cNvPr id="4" name="Date Placeholder 3">
             <a:extLst>
               <a:ext uri="{FF2B5EF4-FFF2-40B4-BE49-F238E27FC236}">
-                <a16:creationId xmlns:a16="http://schemas.microsoft.com/office/drawing/2014/main" xmlns="" id="{E4D750D0-43FF-490C-A9D5-FAD09D16CB56}"/>
+                <a16:creationId xmlns:a16="http://schemas.microsoft.com/office/drawing/2014/main" id="{E4D750D0-43FF-490C-A9D5-FAD09D16CB56}"/>
               </a:ext>
             </a:extLst>
           </p:cNvPr>
@@ -1280,7 +1280,7 @@
           <p:cNvPr id="5" name="Footer Placeholder 4">
             <a:extLst>
               <a:ext uri="{FF2B5EF4-FFF2-40B4-BE49-F238E27FC236}">
-                <a16:creationId xmlns:a16="http://schemas.microsoft.com/office/drawing/2014/main" xmlns="" id="{52720C74-982E-4771-B07D-A0BD79EC910E}"/>
+                <a16:creationId xmlns:a16="http://schemas.microsoft.com/office/drawing/2014/main" id="{52720C74-982E-4771-B07D-A0BD79EC910E}"/>
               </a:ext>
             </a:extLst>
           </p:cNvPr>
@@ -1308,7 +1308,7 @@
           <p:cNvPr id="6" name="Slide Number Placeholder 5">
             <a:extLst>
               <a:ext uri="{FF2B5EF4-FFF2-40B4-BE49-F238E27FC236}">
-                <a16:creationId xmlns:a16="http://schemas.microsoft.com/office/drawing/2014/main" xmlns="" id="{521B4D69-0D90-4E66-BBD6-D567927F056E}"/>
+                <a16:creationId xmlns:a16="http://schemas.microsoft.com/office/drawing/2014/main" id="{521B4D69-0D90-4E66-BBD6-D567927F056E}"/>
               </a:ext>
             </a:extLst>
           </p:cNvPr>
@@ -1326,7 +1326,7 @@
           <a:p>
             <a:fld id="{969E759D-A893-4B96-8B48-96EE547EBC41}" type="slidenum">
               <a:rPr lang="de-DE" smtClean="0"/>
-              <a:t>‹Nr.›</a:t>
+              <a:t>‹#›</a:t>
             </a:fld>
             <a:endParaRPr lang="de-DE"/>
           </a:p>
@@ -1367,7 +1367,7 @@
           <p:cNvPr id="2" name="Vertical Title 1">
             <a:extLst>
               <a:ext uri="{FF2B5EF4-FFF2-40B4-BE49-F238E27FC236}">
-                <a16:creationId xmlns:a16="http://schemas.microsoft.com/office/drawing/2014/main" xmlns="" id="{2CAD75F2-C38E-4541-87A7-F319E899E67A}"/>
+                <a16:creationId xmlns:a16="http://schemas.microsoft.com/office/drawing/2014/main" id="{2CAD75F2-C38E-4541-87A7-F319E899E67A}"/>
               </a:ext>
             </a:extLst>
           </p:cNvPr>
@@ -1401,7 +1401,7 @@
           <p:cNvPr id="3" name="Vertical Text Placeholder 2">
             <a:extLst>
               <a:ext uri="{FF2B5EF4-FFF2-40B4-BE49-F238E27FC236}">
-                <a16:creationId xmlns:a16="http://schemas.microsoft.com/office/drawing/2014/main" xmlns="" id="{4C062E13-06CB-485A-AA44-1327366B8430}"/>
+                <a16:creationId xmlns:a16="http://schemas.microsoft.com/office/drawing/2014/main" id="{4C062E13-06CB-485A-AA44-1327366B8430}"/>
               </a:ext>
             </a:extLst>
           </p:cNvPr>
@@ -1464,7 +1464,7 @@
           <p:cNvPr id="4" name="Date Placeholder 3">
             <a:extLst>
               <a:ext uri="{FF2B5EF4-FFF2-40B4-BE49-F238E27FC236}">
-                <a16:creationId xmlns:a16="http://schemas.microsoft.com/office/drawing/2014/main" xmlns="" id="{625F218E-01D2-451A-9031-AD736B1E20A6}"/>
+                <a16:creationId xmlns:a16="http://schemas.microsoft.com/office/drawing/2014/main" id="{625F218E-01D2-451A-9031-AD736B1E20A6}"/>
               </a:ext>
             </a:extLst>
           </p:cNvPr>
@@ -1493,7 +1493,7 @@
           <p:cNvPr id="5" name="Footer Placeholder 4">
             <a:extLst>
               <a:ext uri="{FF2B5EF4-FFF2-40B4-BE49-F238E27FC236}">
-                <a16:creationId xmlns:a16="http://schemas.microsoft.com/office/drawing/2014/main" xmlns="" id="{C7083295-EF4A-46C3-90BB-B9E2D04D0576}"/>
+                <a16:creationId xmlns:a16="http://schemas.microsoft.com/office/drawing/2014/main" id="{C7083295-EF4A-46C3-90BB-B9E2D04D0576}"/>
               </a:ext>
             </a:extLst>
           </p:cNvPr>
@@ -1521,7 +1521,7 @@
           <p:cNvPr id="6" name="Slide Number Placeholder 5">
             <a:extLst>
               <a:ext uri="{FF2B5EF4-FFF2-40B4-BE49-F238E27FC236}">
-                <a16:creationId xmlns:a16="http://schemas.microsoft.com/office/drawing/2014/main" xmlns="" id="{0F8EDD3E-35ED-415B-86A4-3E78B8B56297}"/>
+                <a16:creationId xmlns:a16="http://schemas.microsoft.com/office/drawing/2014/main" id="{0F8EDD3E-35ED-415B-86A4-3E78B8B56297}"/>
               </a:ext>
             </a:extLst>
           </p:cNvPr>
@@ -1539,7 +1539,7 @@
           <a:p>
             <a:fld id="{969E759D-A893-4B96-8B48-96EE547EBC41}" type="slidenum">
               <a:rPr lang="de-DE" smtClean="0"/>
-              <a:t>‹Nr.›</a:t>
+              <a:t>‹#›</a:t>
             </a:fld>
             <a:endParaRPr lang="de-DE"/>
           </a:p>
@@ -1580,7 +1580,7 @@
           <p:cNvPr id="2" name="Title 1">
             <a:extLst>
               <a:ext uri="{FF2B5EF4-FFF2-40B4-BE49-F238E27FC236}">
-                <a16:creationId xmlns:a16="http://schemas.microsoft.com/office/drawing/2014/main" xmlns="" id="{3EC23AC9-B405-43A9-9B49-DD554606884B}"/>
+                <a16:creationId xmlns:a16="http://schemas.microsoft.com/office/drawing/2014/main" id="{3EC23AC9-B405-43A9-9B49-DD554606884B}"/>
               </a:ext>
             </a:extLst>
           </p:cNvPr>
@@ -1609,7 +1609,7 @@
           <p:cNvPr id="3" name="Content Placeholder 2">
             <a:extLst>
               <a:ext uri="{FF2B5EF4-FFF2-40B4-BE49-F238E27FC236}">
-                <a16:creationId xmlns:a16="http://schemas.microsoft.com/office/drawing/2014/main" xmlns="" id="{5A1ED858-EF3B-4519-8B6B-57FF232A60D6}"/>
+                <a16:creationId xmlns:a16="http://schemas.microsoft.com/office/drawing/2014/main" id="{5A1ED858-EF3B-4519-8B6B-57FF232A60D6}"/>
               </a:ext>
             </a:extLst>
           </p:cNvPr>
@@ -1667,7 +1667,7 @@
           <p:cNvPr id="4" name="Date Placeholder 3">
             <a:extLst>
               <a:ext uri="{FF2B5EF4-FFF2-40B4-BE49-F238E27FC236}">
-                <a16:creationId xmlns:a16="http://schemas.microsoft.com/office/drawing/2014/main" xmlns="" id="{C8150030-2F31-4B9A-B432-2B22C4DE6212}"/>
+                <a16:creationId xmlns:a16="http://schemas.microsoft.com/office/drawing/2014/main" id="{C8150030-2F31-4B9A-B432-2B22C4DE6212}"/>
               </a:ext>
             </a:extLst>
           </p:cNvPr>
@@ -1696,7 +1696,7 @@
           <p:cNvPr id="5" name="Footer Placeholder 4">
             <a:extLst>
               <a:ext uri="{FF2B5EF4-FFF2-40B4-BE49-F238E27FC236}">
-                <a16:creationId xmlns:a16="http://schemas.microsoft.com/office/drawing/2014/main" xmlns="" id="{9D0121CD-2AA3-4C77-A2DC-710EE8AD1DE5}"/>
+                <a16:creationId xmlns:a16="http://schemas.microsoft.com/office/drawing/2014/main" id="{9D0121CD-2AA3-4C77-A2DC-710EE8AD1DE5}"/>
               </a:ext>
             </a:extLst>
           </p:cNvPr>
@@ -1724,7 +1724,7 @@
           <p:cNvPr id="6" name="Slide Number Placeholder 5">
             <a:extLst>
               <a:ext uri="{FF2B5EF4-FFF2-40B4-BE49-F238E27FC236}">
-                <a16:creationId xmlns:a16="http://schemas.microsoft.com/office/drawing/2014/main" xmlns="" id="{D230A6F5-C59C-4467-990E-B7673CFF0B72}"/>
+                <a16:creationId xmlns:a16="http://schemas.microsoft.com/office/drawing/2014/main" id="{D230A6F5-C59C-4467-990E-B7673CFF0B72}"/>
               </a:ext>
             </a:extLst>
           </p:cNvPr>
@@ -1742,7 +1742,7 @@
           <a:p>
             <a:fld id="{969E759D-A893-4B96-8B48-96EE547EBC41}" type="slidenum">
               <a:rPr lang="de-DE" smtClean="0"/>
-              <a:t>‹Nr.›</a:t>
+              <a:t>‹#›</a:t>
             </a:fld>
             <a:endParaRPr lang="de-DE"/>
           </a:p>
@@ -1783,7 +1783,7 @@
           <p:cNvPr id="2" name="Title 1">
             <a:extLst>
               <a:ext uri="{FF2B5EF4-FFF2-40B4-BE49-F238E27FC236}">
-                <a16:creationId xmlns:a16="http://schemas.microsoft.com/office/drawing/2014/main" xmlns="" id="{BF936881-31C9-42FA-A745-EA48C2B1D924}"/>
+                <a16:creationId xmlns:a16="http://schemas.microsoft.com/office/drawing/2014/main" id="{BF936881-31C9-42FA-A745-EA48C2B1D924}"/>
               </a:ext>
             </a:extLst>
           </p:cNvPr>
@@ -1821,7 +1821,7 @@
           <p:cNvPr id="3" name="Text Placeholder 2">
             <a:extLst>
               <a:ext uri="{FF2B5EF4-FFF2-40B4-BE49-F238E27FC236}">
-                <a16:creationId xmlns:a16="http://schemas.microsoft.com/office/drawing/2014/main" xmlns="" id="{F4F81A45-5932-4C85-A105-4077AD8D9885}"/>
+                <a16:creationId xmlns:a16="http://schemas.microsoft.com/office/drawing/2014/main" id="{F4F81A45-5932-4C85-A105-4077AD8D9885}"/>
               </a:ext>
             </a:extLst>
           </p:cNvPr>
@@ -1946,7 +1946,7 @@
           <p:cNvPr id="4" name="Date Placeholder 3">
             <a:extLst>
               <a:ext uri="{FF2B5EF4-FFF2-40B4-BE49-F238E27FC236}">
-                <a16:creationId xmlns:a16="http://schemas.microsoft.com/office/drawing/2014/main" xmlns="" id="{FF8CFA83-5D09-45E6-BFEE-A02E8D514255}"/>
+                <a16:creationId xmlns:a16="http://schemas.microsoft.com/office/drawing/2014/main" id="{FF8CFA83-5D09-45E6-BFEE-A02E8D514255}"/>
               </a:ext>
             </a:extLst>
           </p:cNvPr>
@@ -1975,7 +1975,7 @@
           <p:cNvPr id="5" name="Footer Placeholder 4">
             <a:extLst>
               <a:ext uri="{FF2B5EF4-FFF2-40B4-BE49-F238E27FC236}">
-                <a16:creationId xmlns:a16="http://schemas.microsoft.com/office/drawing/2014/main" xmlns="" id="{A79C5C45-F0F7-4E1E-A0BA-F748D717175A}"/>
+                <a16:creationId xmlns:a16="http://schemas.microsoft.com/office/drawing/2014/main" id="{A79C5C45-F0F7-4E1E-A0BA-F748D717175A}"/>
               </a:ext>
             </a:extLst>
           </p:cNvPr>
@@ -2003,7 +2003,7 @@
           <p:cNvPr id="6" name="Slide Number Placeholder 5">
             <a:extLst>
               <a:ext uri="{FF2B5EF4-FFF2-40B4-BE49-F238E27FC236}">
-                <a16:creationId xmlns:a16="http://schemas.microsoft.com/office/drawing/2014/main" xmlns="" id="{0B6BC97A-AFA3-4F0C-AF54-B5654540B753}"/>
+                <a16:creationId xmlns:a16="http://schemas.microsoft.com/office/drawing/2014/main" id="{0B6BC97A-AFA3-4F0C-AF54-B5654540B753}"/>
               </a:ext>
             </a:extLst>
           </p:cNvPr>
@@ -2021,7 +2021,7 @@
           <a:p>
             <a:fld id="{969E759D-A893-4B96-8B48-96EE547EBC41}" type="slidenum">
               <a:rPr lang="de-DE" smtClean="0"/>
-              <a:t>‹Nr.›</a:t>
+              <a:t>‹#›</a:t>
             </a:fld>
             <a:endParaRPr lang="de-DE"/>
           </a:p>
@@ -2062,7 +2062,7 @@
           <p:cNvPr id="2" name="Title 1">
             <a:extLst>
               <a:ext uri="{FF2B5EF4-FFF2-40B4-BE49-F238E27FC236}">
-                <a16:creationId xmlns:a16="http://schemas.microsoft.com/office/drawing/2014/main" xmlns="" id="{767E744E-0BBE-4077-8230-C905D1B7B2F6}"/>
+                <a16:creationId xmlns:a16="http://schemas.microsoft.com/office/drawing/2014/main" id="{767E744E-0BBE-4077-8230-C905D1B7B2F6}"/>
               </a:ext>
             </a:extLst>
           </p:cNvPr>
@@ -2091,7 +2091,7 @@
           <p:cNvPr id="3" name="Content Placeholder 2">
             <a:extLst>
               <a:ext uri="{FF2B5EF4-FFF2-40B4-BE49-F238E27FC236}">
-                <a16:creationId xmlns:a16="http://schemas.microsoft.com/office/drawing/2014/main" xmlns="" id="{0C95CA8F-8400-44E9-982B-20F711B51A51}"/>
+                <a16:creationId xmlns:a16="http://schemas.microsoft.com/office/drawing/2014/main" id="{0C95CA8F-8400-44E9-982B-20F711B51A51}"/>
               </a:ext>
             </a:extLst>
           </p:cNvPr>
@@ -2154,7 +2154,7 @@
           <p:cNvPr id="4" name="Content Placeholder 3">
             <a:extLst>
               <a:ext uri="{FF2B5EF4-FFF2-40B4-BE49-F238E27FC236}">
-                <a16:creationId xmlns:a16="http://schemas.microsoft.com/office/drawing/2014/main" xmlns="" id="{8FFC5013-EAEC-446A-836B-EE12B52AF1EE}"/>
+                <a16:creationId xmlns:a16="http://schemas.microsoft.com/office/drawing/2014/main" id="{8FFC5013-EAEC-446A-836B-EE12B52AF1EE}"/>
               </a:ext>
             </a:extLst>
           </p:cNvPr>
@@ -2217,7 +2217,7 @@
           <p:cNvPr id="5" name="Date Placeholder 4">
             <a:extLst>
               <a:ext uri="{FF2B5EF4-FFF2-40B4-BE49-F238E27FC236}">
-                <a16:creationId xmlns:a16="http://schemas.microsoft.com/office/drawing/2014/main" xmlns="" id="{E310F9EB-66BC-4C02-949E-4481CE3C774C}"/>
+                <a16:creationId xmlns:a16="http://schemas.microsoft.com/office/drawing/2014/main" id="{E310F9EB-66BC-4C02-949E-4481CE3C774C}"/>
               </a:ext>
             </a:extLst>
           </p:cNvPr>
@@ -2246,7 +2246,7 @@
           <p:cNvPr id="6" name="Footer Placeholder 5">
             <a:extLst>
               <a:ext uri="{FF2B5EF4-FFF2-40B4-BE49-F238E27FC236}">
-                <a16:creationId xmlns:a16="http://schemas.microsoft.com/office/drawing/2014/main" xmlns="" id="{74C21129-AF84-4DC7-B6AB-10366106430C}"/>
+                <a16:creationId xmlns:a16="http://schemas.microsoft.com/office/drawing/2014/main" id="{74C21129-AF84-4DC7-B6AB-10366106430C}"/>
               </a:ext>
             </a:extLst>
           </p:cNvPr>
@@ -2274,7 +2274,7 @@
           <p:cNvPr id="7" name="Slide Number Placeholder 6">
             <a:extLst>
               <a:ext uri="{FF2B5EF4-FFF2-40B4-BE49-F238E27FC236}">
-                <a16:creationId xmlns:a16="http://schemas.microsoft.com/office/drawing/2014/main" xmlns="" id="{6C1A3CA7-9108-4644-9A69-9E5AEB0B2AD0}"/>
+                <a16:creationId xmlns:a16="http://schemas.microsoft.com/office/drawing/2014/main" id="{6C1A3CA7-9108-4644-9A69-9E5AEB0B2AD0}"/>
               </a:ext>
             </a:extLst>
           </p:cNvPr>
@@ -2292,7 +2292,7 @@
           <a:p>
             <a:fld id="{969E759D-A893-4B96-8B48-96EE547EBC41}" type="slidenum">
               <a:rPr lang="de-DE" smtClean="0"/>
-              <a:t>‹Nr.›</a:t>
+              <a:t>‹#›</a:t>
             </a:fld>
             <a:endParaRPr lang="de-DE"/>
           </a:p>
@@ -2333,7 +2333,7 @@
           <p:cNvPr id="2" name="Title 1">
             <a:extLst>
               <a:ext uri="{FF2B5EF4-FFF2-40B4-BE49-F238E27FC236}">
-                <a16:creationId xmlns:a16="http://schemas.microsoft.com/office/drawing/2014/main" xmlns="" id="{33AA1592-15D3-4F0B-B2E7-C95CBA7D7F4C}"/>
+                <a16:creationId xmlns:a16="http://schemas.microsoft.com/office/drawing/2014/main" id="{33AA1592-15D3-4F0B-B2E7-C95CBA7D7F4C}"/>
               </a:ext>
             </a:extLst>
           </p:cNvPr>
@@ -2367,7 +2367,7 @@
           <p:cNvPr id="3" name="Text Placeholder 2">
             <a:extLst>
               <a:ext uri="{FF2B5EF4-FFF2-40B4-BE49-F238E27FC236}">
-                <a16:creationId xmlns:a16="http://schemas.microsoft.com/office/drawing/2014/main" xmlns="" id="{3BC98F03-C09F-41CB-A02C-235FEF123879}"/>
+                <a16:creationId xmlns:a16="http://schemas.microsoft.com/office/drawing/2014/main" id="{3BC98F03-C09F-41CB-A02C-235FEF123879}"/>
               </a:ext>
             </a:extLst>
           </p:cNvPr>
@@ -2438,7 +2438,7 @@
           <p:cNvPr id="4" name="Content Placeholder 3">
             <a:extLst>
               <a:ext uri="{FF2B5EF4-FFF2-40B4-BE49-F238E27FC236}">
-                <a16:creationId xmlns:a16="http://schemas.microsoft.com/office/drawing/2014/main" xmlns="" id="{2B41E649-41F5-4E43-B982-FA612CCD2DF0}"/>
+                <a16:creationId xmlns:a16="http://schemas.microsoft.com/office/drawing/2014/main" id="{2B41E649-41F5-4E43-B982-FA612CCD2DF0}"/>
               </a:ext>
             </a:extLst>
           </p:cNvPr>
@@ -2501,7 +2501,7 @@
           <p:cNvPr id="5" name="Text Placeholder 4">
             <a:extLst>
               <a:ext uri="{FF2B5EF4-FFF2-40B4-BE49-F238E27FC236}">
-                <a16:creationId xmlns:a16="http://schemas.microsoft.com/office/drawing/2014/main" xmlns="" id="{37D7ABD1-D2B0-4CF0-8B82-C5D1C4FD84AF}"/>
+                <a16:creationId xmlns:a16="http://schemas.microsoft.com/office/drawing/2014/main" id="{37D7ABD1-D2B0-4CF0-8B82-C5D1C4FD84AF}"/>
               </a:ext>
             </a:extLst>
           </p:cNvPr>
@@ -2572,7 +2572,7 @@
           <p:cNvPr id="6" name="Content Placeholder 5">
             <a:extLst>
               <a:ext uri="{FF2B5EF4-FFF2-40B4-BE49-F238E27FC236}">
-                <a16:creationId xmlns:a16="http://schemas.microsoft.com/office/drawing/2014/main" xmlns="" id="{9E3897D1-02F3-412B-83EF-28A5CF402015}"/>
+                <a16:creationId xmlns:a16="http://schemas.microsoft.com/office/drawing/2014/main" id="{9E3897D1-02F3-412B-83EF-28A5CF402015}"/>
               </a:ext>
             </a:extLst>
           </p:cNvPr>
@@ -2635,7 +2635,7 @@
           <p:cNvPr id="7" name="Date Placeholder 6">
             <a:extLst>
               <a:ext uri="{FF2B5EF4-FFF2-40B4-BE49-F238E27FC236}">
-                <a16:creationId xmlns:a16="http://schemas.microsoft.com/office/drawing/2014/main" xmlns="" id="{9EA6E2B4-4A3E-4E96-98E5-D833ADA54890}"/>
+                <a16:creationId xmlns:a16="http://schemas.microsoft.com/office/drawing/2014/main" id="{9EA6E2B4-4A3E-4E96-98E5-D833ADA54890}"/>
               </a:ext>
             </a:extLst>
           </p:cNvPr>
@@ -2664,7 +2664,7 @@
           <p:cNvPr id="8" name="Footer Placeholder 7">
             <a:extLst>
               <a:ext uri="{FF2B5EF4-FFF2-40B4-BE49-F238E27FC236}">
-                <a16:creationId xmlns:a16="http://schemas.microsoft.com/office/drawing/2014/main" xmlns="" id="{5AC79E77-5927-4B6F-9B63-ADABE239B453}"/>
+                <a16:creationId xmlns:a16="http://schemas.microsoft.com/office/drawing/2014/main" id="{5AC79E77-5927-4B6F-9B63-ADABE239B453}"/>
               </a:ext>
             </a:extLst>
           </p:cNvPr>
@@ -2692,7 +2692,7 @@
           <p:cNvPr id="9" name="Slide Number Placeholder 8">
             <a:extLst>
               <a:ext uri="{FF2B5EF4-FFF2-40B4-BE49-F238E27FC236}">
-                <a16:creationId xmlns:a16="http://schemas.microsoft.com/office/drawing/2014/main" xmlns="" id="{37B9B9C8-ED50-4852-B9F1-48A216BB03D1}"/>
+                <a16:creationId xmlns:a16="http://schemas.microsoft.com/office/drawing/2014/main" id="{37B9B9C8-ED50-4852-B9F1-48A216BB03D1}"/>
               </a:ext>
             </a:extLst>
           </p:cNvPr>
@@ -2710,7 +2710,7 @@
           <a:p>
             <a:fld id="{969E759D-A893-4B96-8B48-96EE547EBC41}" type="slidenum">
               <a:rPr lang="de-DE" smtClean="0"/>
-              <a:t>‹Nr.›</a:t>
+              <a:t>‹#›</a:t>
             </a:fld>
             <a:endParaRPr lang="de-DE"/>
           </a:p>
@@ -2751,7 +2751,7 @@
           <p:cNvPr id="2" name="Title 1">
             <a:extLst>
               <a:ext uri="{FF2B5EF4-FFF2-40B4-BE49-F238E27FC236}">
-                <a16:creationId xmlns:a16="http://schemas.microsoft.com/office/drawing/2014/main" xmlns="" id="{AFFF9CCC-3D72-4E6D-9B55-5BDB2AB422C8}"/>
+                <a16:creationId xmlns:a16="http://schemas.microsoft.com/office/drawing/2014/main" id="{AFFF9CCC-3D72-4E6D-9B55-5BDB2AB422C8}"/>
               </a:ext>
             </a:extLst>
           </p:cNvPr>
@@ -2780,7 +2780,7 @@
           <p:cNvPr id="3" name="Date Placeholder 2">
             <a:extLst>
               <a:ext uri="{FF2B5EF4-FFF2-40B4-BE49-F238E27FC236}">
-                <a16:creationId xmlns:a16="http://schemas.microsoft.com/office/drawing/2014/main" xmlns="" id="{0B6C3247-58E3-4CD5-BAA0-DA75A819FDB7}"/>
+                <a16:creationId xmlns:a16="http://schemas.microsoft.com/office/drawing/2014/main" id="{0B6C3247-58E3-4CD5-BAA0-DA75A819FDB7}"/>
               </a:ext>
             </a:extLst>
           </p:cNvPr>
@@ -2809,7 +2809,7 @@
           <p:cNvPr id="4" name="Footer Placeholder 3">
             <a:extLst>
               <a:ext uri="{FF2B5EF4-FFF2-40B4-BE49-F238E27FC236}">
-                <a16:creationId xmlns:a16="http://schemas.microsoft.com/office/drawing/2014/main" xmlns="" id="{F337865A-A6D7-4B6F-AACB-CF758CA5DFEF}"/>
+                <a16:creationId xmlns:a16="http://schemas.microsoft.com/office/drawing/2014/main" id="{F337865A-A6D7-4B6F-AACB-CF758CA5DFEF}"/>
               </a:ext>
             </a:extLst>
           </p:cNvPr>
@@ -2837,7 +2837,7 @@
           <p:cNvPr id="5" name="Slide Number Placeholder 4">
             <a:extLst>
               <a:ext uri="{FF2B5EF4-FFF2-40B4-BE49-F238E27FC236}">
-                <a16:creationId xmlns:a16="http://schemas.microsoft.com/office/drawing/2014/main" xmlns="" id="{3686C1C5-74DF-47F5-99D6-4A48265FCC9A}"/>
+                <a16:creationId xmlns:a16="http://schemas.microsoft.com/office/drawing/2014/main" id="{3686C1C5-74DF-47F5-99D6-4A48265FCC9A}"/>
               </a:ext>
             </a:extLst>
           </p:cNvPr>
@@ -2855,7 +2855,7 @@
           <a:p>
             <a:fld id="{969E759D-A893-4B96-8B48-96EE547EBC41}" type="slidenum">
               <a:rPr lang="de-DE" smtClean="0"/>
-              <a:t>‹Nr.›</a:t>
+              <a:t>‹#›</a:t>
             </a:fld>
             <a:endParaRPr lang="de-DE"/>
           </a:p>
@@ -2896,7 +2896,7 @@
           <p:cNvPr id="2" name="Date Placeholder 1">
             <a:extLst>
               <a:ext uri="{FF2B5EF4-FFF2-40B4-BE49-F238E27FC236}">
-                <a16:creationId xmlns:a16="http://schemas.microsoft.com/office/drawing/2014/main" xmlns="" id="{DD7FD90C-4FC4-4111-9356-41D9564DB7DC}"/>
+                <a16:creationId xmlns:a16="http://schemas.microsoft.com/office/drawing/2014/main" id="{DD7FD90C-4FC4-4111-9356-41D9564DB7DC}"/>
               </a:ext>
             </a:extLst>
           </p:cNvPr>
@@ -2925,7 +2925,7 @@
           <p:cNvPr id="3" name="Footer Placeholder 2">
             <a:extLst>
               <a:ext uri="{FF2B5EF4-FFF2-40B4-BE49-F238E27FC236}">
-                <a16:creationId xmlns:a16="http://schemas.microsoft.com/office/drawing/2014/main" xmlns="" id="{3C9FF4C4-44A5-48A4-BDD8-FEA03E205412}"/>
+                <a16:creationId xmlns:a16="http://schemas.microsoft.com/office/drawing/2014/main" id="{3C9FF4C4-44A5-48A4-BDD8-FEA03E205412}"/>
               </a:ext>
             </a:extLst>
           </p:cNvPr>
@@ -2953,7 +2953,7 @@
           <p:cNvPr id="4" name="Slide Number Placeholder 3">
             <a:extLst>
               <a:ext uri="{FF2B5EF4-FFF2-40B4-BE49-F238E27FC236}">
-                <a16:creationId xmlns:a16="http://schemas.microsoft.com/office/drawing/2014/main" xmlns="" id="{5BD1C1F2-608B-4F06-B3CF-EA402ECA138C}"/>
+                <a16:creationId xmlns:a16="http://schemas.microsoft.com/office/drawing/2014/main" id="{5BD1C1F2-608B-4F06-B3CF-EA402ECA138C}"/>
               </a:ext>
             </a:extLst>
           </p:cNvPr>
@@ -2971,7 +2971,7 @@
           <a:p>
             <a:fld id="{969E759D-A893-4B96-8B48-96EE547EBC41}" type="slidenum">
               <a:rPr lang="de-DE" smtClean="0"/>
-              <a:t>‹Nr.›</a:t>
+              <a:t>‹#›</a:t>
             </a:fld>
             <a:endParaRPr lang="de-DE"/>
           </a:p>
@@ -3012,7 +3012,7 @@
           <p:cNvPr id="2" name="Title 1">
             <a:extLst>
               <a:ext uri="{FF2B5EF4-FFF2-40B4-BE49-F238E27FC236}">
-                <a16:creationId xmlns:a16="http://schemas.microsoft.com/office/drawing/2014/main" xmlns="" id="{C30E51A0-29CA-4ADD-9397-21C60FE7224C}"/>
+                <a16:creationId xmlns:a16="http://schemas.microsoft.com/office/drawing/2014/main" id="{C30E51A0-29CA-4ADD-9397-21C60FE7224C}"/>
               </a:ext>
             </a:extLst>
           </p:cNvPr>
@@ -3050,7 +3050,7 @@
           <p:cNvPr id="3" name="Content Placeholder 2">
             <a:extLst>
               <a:ext uri="{FF2B5EF4-FFF2-40B4-BE49-F238E27FC236}">
-                <a16:creationId xmlns:a16="http://schemas.microsoft.com/office/drawing/2014/main" xmlns="" id="{AE4C1E59-EC49-477D-A7FA-8D17A544FD35}"/>
+                <a16:creationId xmlns:a16="http://schemas.microsoft.com/office/drawing/2014/main" id="{AE4C1E59-EC49-477D-A7FA-8D17A544FD35}"/>
               </a:ext>
             </a:extLst>
           </p:cNvPr>
@@ -3141,7 +3141,7 @@
           <p:cNvPr id="4" name="Text Placeholder 3">
             <a:extLst>
               <a:ext uri="{FF2B5EF4-FFF2-40B4-BE49-F238E27FC236}">
-                <a16:creationId xmlns:a16="http://schemas.microsoft.com/office/drawing/2014/main" xmlns="" id="{FB140F56-8F9C-46CC-A2A8-FC43BF1B9B5A}"/>
+                <a16:creationId xmlns:a16="http://schemas.microsoft.com/office/drawing/2014/main" id="{FB140F56-8F9C-46CC-A2A8-FC43BF1B9B5A}"/>
               </a:ext>
             </a:extLst>
           </p:cNvPr>
@@ -3212,7 +3212,7 @@
           <p:cNvPr id="5" name="Date Placeholder 4">
             <a:extLst>
               <a:ext uri="{FF2B5EF4-FFF2-40B4-BE49-F238E27FC236}">
-                <a16:creationId xmlns:a16="http://schemas.microsoft.com/office/drawing/2014/main" xmlns="" id="{31CABD1E-515F-40BE-8198-380231147539}"/>
+                <a16:creationId xmlns:a16="http://schemas.microsoft.com/office/drawing/2014/main" id="{31CABD1E-515F-40BE-8198-380231147539}"/>
               </a:ext>
             </a:extLst>
           </p:cNvPr>
@@ -3241,7 +3241,7 @@
           <p:cNvPr id="6" name="Footer Placeholder 5">
             <a:extLst>
               <a:ext uri="{FF2B5EF4-FFF2-40B4-BE49-F238E27FC236}">
-                <a16:creationId xmlns:a16="http://schemas.microsoft.com/office/drawing/2014/main" xmlns="" id="{2F6019DF-BD0B-472E-A976-8D5DB86E4E34}"/>
+                <a16:creationId xmlns:a16="http://schemas.microsoft.com/office/drawing/2014/main" id="{2F6019DF-BD0B-472E-A976-8D5DB86E4E34}"/>
               </a:ext>
             </a:extLst>
           </p:cNvPr>
@@ -3269,7 +3269,7 @@
           <p:cNvPr id="7" name="Slide Number Placeholder 6">
             <a:extLst>
               <a:ext uri="{FF2B5EF4-FFF2-40B4-BE49-F238E27FC236}">
-                <a16:creationId xmlns:a16="http://schemas.microsoft.com/office/drawing/2014/main" xmlns="" id="{E9F698EC-CC4D-4D69-967F-312E2662B149}"/>
+                <a16:creationId xmlns:a16="http://schemas.microsoft.com/office/drawing/2014/main" id="{E9F698EC-CC4D-4D69-967F-312E2662B149}"/>
               </a:ext>
             </a:extLst>
           </p:cNvPr>
@@ -3287,7 +3287,7 @@
           <a:p>
             <a:fld id="{969E759D-A893-4B96-8B48-96EE547EBC41}" type="slidenum">
               <a:rPr lang="de-DE" smtClean="0"/>
-              <a:t>‹Nr.›</a:t>
+              <a:t>‹#›</a:t>
             </a:fld>
             <a:endParaRPr lang="de-DE"/>
           </a:p>
@@ -3328,7 +3328,7 @@
           <p:cNvPr id="2" name="Title 1">
             <a:extLst>
               <a:ext uri="{FF2B5EF4-FFF2-40B4-BE49-F238E27FC236}">
-                <a16:creationId xmlns:a16="http://schemas.microsoft.com/office/drawing/2014/main" xmlns="" id="{3B4FFAA6-7E4F-476A-9070-0F7F2F3CF654}"/>
+                <a16:creationId xmlns:a16="http://schemas.microsoft.com/office/drawing/2014/main" id="{3B4FFAA6-7E4F-476A-9070-0F7F2F3CF654}"/>
               </a:ext>
             </a:extLst>
           </p:cNvPr>
@@ -3366,7 +3366,7 @@
           <p:cNvPr id="3" name="Picture Placeholder 2">
             <a:extLst>
               <a:ext uri="{FF2B5EF4-FFF2-40B4-BE49-F238E27FC236}">
-                <a16:creationId xmlns:a16="http://schemas.microsoft.com/office/drawing/2014/main" xmlns="" id="{818F1107-C63D-4182-B212-341F4BBF5995}"/>
+                <a16:creationId xmlns:a16="http://schemas.microsoft.com/office/drawing/2014/main" id="{818F1107-C63D-4182-B212-341F4BBF5995}"/>
               </a:ext>
             </a:extLst>
           </p:cNvPr>
@@ -3433,7 +3433,7 @@
           <p:cNvPr id="4" name="Text Placeholder 3">
             <a:extLst>
               <a:ext uri="{FF2B5EF4-FFF2-40B4-BE49-F238E27FC236}">
-                <a16:creationId xmlns:a16="http://schemas.microsoft.com/office/drawing/2014/main" xmlns="" id="{0726478D-FAFE-42F8-9655-7B1CEA64186D}"/>
+                <a16:creationId xmlns:a16="http://schemas.microsoft.com/office/drawing/2014/main" id="{0726478D-FAFE-42F8-9655-7B1CEA64186D}"/>
               </a:ext>
             </a:extLst>
           </p:cNvPr>
@@ -3504,7 +3504,7 @@
           <p:cNvPr id="5" name="Date Placeholder 4">
             <a:extLst>
               <a:ext uri="{FF2B5EF4-FFF2-40B4-BE49-F238E27FC236}">
-                <a16:creationId xmlns:a16="http://schemas.microsoft.com/office/drawing/2014/main" xmlns="" id="{4ED6872F-0A70-4D1D-A649-079E23BFC17B}"/>
+                <a16:creationId xmlns:a16="http://schemas.microsoft.com/office/drawing/2014/main" id="{4ED6872F-0A70-4D1D-A649-079E23BFC17B}"/>
               </a:ext>
             </a:extLst>
           </p:cNvPr>
@@ -3533,7 +3533,7 @@
           <p:cNvPr id="6" name="Footer Placeholder 5">
             <a:extLst>
               <a:ext uri="{FF2B5EF4-FFF2-40B4-BE49-F238E27FC236}">
-                <a16:creationId xmlns:a16="http://schemas.microsoft.com/office/drawing/2014/main" xmlns="" id="{5312BCC0-13EB-4DA8-B39F-A5298CA93138}"/>
+                <a16:creationId xmlns:a16="http://schemas.microsoft.com/office/drawing/2014/main" id="{5312BCC0-13EB-4DA8-B39F-A5298CA93138}"/>
               </a:ext>
             </a:extLst>
           </p:cNvPr>
@@ -3561,7 +3561,7 @@
           <p:cNvPr id="7" name="Slide Number Placeholder 6">
             <a:extLst>
               <a:ext uri="{FF2B5EF4-FFF2-40B4-BE49-F238E27FC236}">
-                <a16:creationId xmlns:a16="http://schemas.microsoft.com/office/drawing/2014/main" xmlns="" id="{1F62339D-75FC-459B-A2F1-6975527E5692}"/>
+                <a16:creationId xmlns:a16="http://schemas.microsoft.com/office/drawing/2014/main" id="{1F62339D-75FC-459B-A2F1-6975527E5692}"/>
               </a:ext>
             </a:extLst>
           </p:cNvPr>
@@ -3579,7 +3579,7 @@
           <a:p>
             <a:fld id="{969E759D-A893-4B96-8B48-96EE547EBC41}" type="slidenum">
               <a:rPr lang="de-DE" smtClean="0"/>
-              <a:t>‹Nr.›</a:t>
+              <a:t>‹#›</a:t>
             </a:fld>
             <a:endParaRPr lang="de-DE"/>
           </a:p>
@@ -3625,7 +3625,7 @@
           <p:cNvPr id="2" name="Title Placeholder 1">
             <a:extLst>
               <a:ext uri="{FF2B5EF4-FFF2-40B4-BE49-F238E27FC236}">
-                <a16:creationId xmlns:a16="http://schemas.microsoft.com/office/drawing/2014/main" xmlns="" id="{EECCEAF9-517F-4246-89B4-773BBE3B5283}"/>
+                <a16:creationId xmlns:a16="http://schemas.microsoft.com/office/drawing/2014/main" id="{EECCEAF9-517F-4246-89B4-773BBE3B5283}"/>
               </a:ext>
             </a:extLst>
           </p:cNvPr>
@@ -3664,7 +3664,7 @@
           <p:cNvPr id="3" name="Text Placeholder 2">
             <a:extLst>
               <a:ext uri="{FF2B5EF4-FFF2-40B4-BE49-F238E27FC236}">
-                <a16:creationId xmlns:a16="http://schemas.microsoft.com/office/drawing/2014/main" xmlns="" id="{9A2C07FB-A743-4CFF-8DBA-B22A10466F8D}"/>
+                <a16:creationId xmlns:a16="http://schemas.microsoft.com/office/drawing/2014/main" id="{9A2C07FB-A743-4CFF-8DBA-B22A10466F8D}"/>
               </a:ext>
             </a:extLst>
           </p:cNvPr>
@@ -3732,7 +3732,7 @@
           <p:cNvPr id="4" name="Date Placeholder 3">
             <a:extLst>
               <a:ext uri="{FF2B5EF4-FFF2-40B4-BE49-F238E27FC236}">
-                <a16:creationId xmlns:a16="http://schemas.microsoft.com/office/drawing/2014/main" xmlns="" id="{3DE3EFD5-A9F8-4124-B4DE-1AEE565BA376}"/>
+                <a16:creationId xmlns:a16="http://schemas.microsoft.com/office/drawing/2014/main" id="{3DE3EFD5-A9F8-4124-B4DE-1AEE565BA376}"/>
               </a:ext>
             </a:extLst>
           </p:cNvPr>
@@ -3779,7 +3779,7 @@
           <p:cNvPr id="5" name="Footer Placeholder 4">
             <a:extLst>
               <a:ext uri="{FF2B5EF4-FFF2-40B4-BE49-F238E27FC236}">
-                <a16:creationId xmlns:a16="http://schemas.microsoft.com/office/drawing/2014/main" xmlns="" id="{CB368404-65B1-4F0D-A1D3-FE6F60E99818}"/>
+                <a16:creationId xmlns:a16="http://schemas.microsoft.com/office/drawing/2014/main" id="{CB368404-65B1-4F0D-A1D3-FE6F60E99818}"/>
               </a:ext>
             </a:extLst>
           </p:cNvPr>
@@ -3825,7 +3825,7 @@
           <p:cNvPr id="6" name="Slide Number Placeholder 5">
             <a:extLst>
               <a:ext uri="{FF2B5EF4-FFF2-40B4-BE49-F238E27FC236}">
-                <a16:creationId xmlns:a16="http://schemas.microsoft.com/office/drawing/2014/main" xmlns="" id="{50F0220F-6B11-49AF-AB94-16FA52911A89}"/>
+                <a16:creationId xmlns:a16="http://schemas.microsoft.com/office/drawing/2014/main" id="{50F0220F-6B11-49AF-AB94-16FA52911A89}"/>
               </a:ext>
             </a:extLst>
           </p:cNvPr>
@@ -3861,7 +3861,7 @@
           <a:p>
             <a:fld id="{969E759D-A893-4B96-8B48-96EE547EBC41}" type="slidenum">
               <a:rPr lang="de-DE" smtClean="0"/>
-              <a:t>‹Nr.›</a:t>
+              <a:t>‹#›</a:t>
             </a:fld>
             <a:endParaRPr lang="de-DE"/>
           </a:p>
@@ -4202,7 +4202,7 @@
           <p:cNvPr id="1026" name="Picture 2" descr="Die Campusgebäude wurden mit einer Drohne von oben fotografiert.">
             <a:extLst>
               <a:ext uri="{FF2B5EF4-FFF2-40B4-BE49-F238E27FC236}">
-                <a16:creationId xmlns:a16="http://schemas.microsoft.com/office/drawing/2014/main" xmlns="" id="{BB1D137F-7550-416E-9165-30BB2E2EE823}"/>
+                <a16:creationId xmlns:a16="http://schemas.microsoft.com/office/drawing/2014/main" id="{BB1D137F-7550-416E-9165-30BB2E2EE823}"/>
               </a:ext>
             </a:extLst>
           </p:cNvPr>
@@ -4247,10 +4247,10 @@
           <p:cNvPr id="71" name="Freeform 5">
             <a:extLst>
               <a:ext uri="{FF2B5EF4-FFF2-40B4-BE49-F238E27FC236}">
-                <a16:creationId xmlns:a16="http://schemas.microsoft.com/office/drawing/2014/main" xmlns="" id="{87CC2527-562A-4F69-B487-4371E5B243E7}"/>
+                <a16:creationId xmlns:a16="http://schemas.microsoft.com/office/drawing/2014/main" id="{87CC2527-562A-4F69-B487-4371E5B243E7}"/>
               </a:ext>
               <a:ext uri="{C183D7F6-B498-43B3-948B-1728B52AA6E4}">
-                <adec:decorative xmlns:adec="http://schemas.microsoft.com/office/drawing/2017/decorative" xmlns="" val="1"/>
+                <adec:decorative xmlns:adec="http://schemas.microsoft.com/office/drawing/2017/decorative" val="1"/>
               </a:ext>
             </a:extLst>
           </p:cNvPr>
@@ -4260,7 +4260,7 @@
           <p:nvPr>
             <p:extLst>
               <p:ext uri="{386F3935-93C4-4BCD-93E2-E3B085C9AB24}">
-                <p16:designElem xmlns:p16="http://schemas.microsoft.com/office/powerpoint/2015/main" xmlns="" val="1"/>
+                <p16:designElem xmlns:p16="http://schemas.microsoft.com/office/powerpoint/2015/main" val="1"/>
               </p:ext>
             </p:extLst>
           </p:nvPr>
@@ -4410,7 +4410,7 @@
           <p:cNvPr id="2" name="Title 1">
             <a:extLst>
               <a:ext uri="{FF2B5EF4-FFF2-40B4-BE49-F238E27FC236}">
-                <a16:creationId xmlns:a16="http://schemas.microsoft.com/office/drawing/2014/main" xmlns="" id="{66A5DC1B-C9D0-4F34-9333-047D860C11A0}"/>
+                <a16:creationId xmlns:a16="http://schemas.microsoft.com/office/drawing/2014/main" id="{66A5DC1B-C9D0-4F34-9333-047D860C11A0}"/>
               </a:ext>
             </a:extLst>
           </p:cNvPr>
@@ -4450,7 +4450,7 @@
           <p:cNvPr id="3" name="Subtitle 2">
             <a:extLst>
               <a:ext uri="{FF2B5EF4-FFF2-40B4-BE49-F238E27FC236}">
-                <a16:creationId xmlns:a16="http://schemas.microsoft.com/office/drawing/2014/main" xmlns="" id="{42EC82C3-D779-4672-B134-327C720F0D8A}"/>
+                <a16:creationId xmlns:a16="http://schemas.microsoft.com/office/drawing/2014/main" id="{42EC82C3-D779-4672-B134-327C720F0D8A}"/>
               </a:ext>
             </a:extLst>
           </p:cNvPr>
@@ -4469,7 +4469,7 @@
         </p:spPr>
         <p:txBody>
           <a:bodyPr>
-            <a:normAutofit fontScale="92500" lnSpcReduction="10000"/>
+            <a:normAutofit fontScale="92500" lnSpcReduction="20000"/>
           </a:bodyPr>
           <a:lstStyle/>
           <a:p>
@@ -4500,10 +4500,10 @@
           <p:cNvPr id="73" name="Straight Connector 72">
             <a:extLst>
               <a:ext uri="{FF2B5EF4-FFF2-40B4-BE49-F238E27FC236}">
-                <a16:creationId xmlns:a16="http://schemas.microsoft.com/office/drawing/2014/main" xmlns="" id="{BCDAEC91-5BCE-4B55-9CC0-43EF94CB734B}"/>
+                <a16:creationId xmlns:a16="http://schemas.microsoft.com/office/drawing/2014/main" id="{BCDAEC91-5BCE-4B55-9CC0-43EF94CB734B}"/>
               </a:ext>
               <a:ext uri="{C183D7F6-B498-43B3-948B-1728B52AA6E4}">
-                <adec:decorative xmlns:adec="http://schemas.microsoft.com/office/drawing/2017/decorative" xmlns="" val="1"/>
+                <adec:decorative xmlns:adec="http://schemas.microsoft.com/office/drawing/2017/decorative" val="1"/>
               </a:ext>
             </a:extLst>
           </p:cNvPr>
@@ -4513,7 +4513,7 @@
           <p:nvPr>
             <p:extLst>
               <p:ext uri="{386F3935-93C4-4BCD-93E2-E3B085C9AB24}">
-                <p16:designElem xmlns:p16="http://schemas.microsoft.com/office/powerpoint/2015/main" xmlns="" val="1"/>
+                <p16:designElem xmlns:p16="http://schemas.microsoft.com/office/powerpoint/2015/main" val="1"/>
               </p:ext>
             </p:extLst>
           </p:nvPr>
@@ -4586,7 +4586,7 @@
           <p:cNvPr id="7" name="Titel 6">
             <a:extLst>
               <a:ext uri="{FF2B5EF4-FFF2-40B4-BE49-F238E27FC236}">
-                <a16:creationId xmlns:a16="http://schemas.microsoft.com/office/drawing/2014/main" xmlns="" id="{06F81B39-CC5E-430E-A51C-C34E1573A8DA}"/>
+                <a16:creationId xmlns:a16="http://schemas.microsoft.com/office/drawing/2014/main" id="{06F81B39-CC5E-430E-A51C-C34E1573A8DA}"/>
               </a:ext>
             </a:extLst>
           </p:cNvPr>
@@ -4614,7 +4614,7 @@
           <p:cNvPr id="3" name="Inhaltsplatzhalter 2">
             <a:extLst>
               <a:ext uri="{FF2B5EF4-FFF2-40B4-BE49-F238E27FC236}">
-                <a16:creationId xmlns:a16="http://schemas.microsoft.com/office/drawing/2014/main" xmlns="" id="{05EB6F76-0506-482C-8DF5-5972FA052E23}"/>
+                <a16:creationId xmlns:a16="http://schemas.microsoft.com/office/drawing/2014/main" id="{05EB6F76-0506-482C-8DF5-5972FA052E23}"/>
               </a:ext>
             </a:extLst>
           </p:cNvPr>
@@ -4683,7 +4683,7 @@
           <p:cNvPr id="8" name="Inhaltsplatzhalter 7">
             <a:extLst>
               <a:ext uri="{FF2B5EF4-FFF2-40B4-BE49-F238E27FC236}">
-                <a16:creationId xmlns:a16="http://schemas.microsoft.com/office/drawing/2014/main" xmlns="" id="{1984EF27-681D-4A81-BD45-B65014D1190C}"/>
+                <a16:creationId xmlns:a16="http://schemas.microsoft.com/office/drawing/2014/main" id="{1984EF27-681D-4A81-BD45-B65014D1190C}"/>
               </a:ext>
             </a:extLst>
           </p:cNvPr>
@@ -4741,7 +4741,7 @@
           <p:cNvPr id="5" name="Fußzeilenplatzhalter 4">
             <a:extLst>
               <a:ext uri="{FF2B5EF4-FFF2-40B4-BE49-F238E27FC236}">
-                <a16:creationId xmlns:a16="http://schemas.microsoft.com/office/drawing/2014/main" xmlns="" id="{B3342DBB-7459-4914-8B4E-7D75AACAC05D}"/>
+                <a16:creationId xmlns:a16="http://schemas.microsoft.com/office/drawing/2014/main" id="{B3342DBB-7459-4914-8B4E-7D75AACAC05D}"/>
               </a:ext>
             </a:extLst>
           </p:cNvPr>
@@ -4769,7 +4769,7 @@
           <p:cNvPr id="6" name="Foliennummernplatzhalter 5">
             <a:extLst>
               <a:ext uri="{FF2B5EF4-FFF2-40B4-BE49-F238E27FC236}">
-                <a16:creationId xmlns:a16="http://schemas.microsoft.com/office/drawing/2014/main" xmlns="" id="{039F0CB6-0EB5-48C9-A7AF-B05D53CB2CF0}"/>
+                <a16:creationId xmlns:a16="http://schemas.microsoft.com/office/drawing/2014/main" id="{039F0CB6-0EB5-48C9-A7AF-B05D53CB2CF0}"/>
               </a:ext>
             </a:extLst>
           </p:cNvPr>
@@ -4839,10 +4839,10 @@
           <p:cNvPr id="19" name="Freeform: Shape 18">
             <a:extLst>
               <a:ext uri="{FF2B5EF4-FFF2-40B4-BE49-F238E27FC236}">
-                <a16:creationId xmlns:a16="http://schemas.microsoft.com/office/drawing/2014/main" xmlns="" id="{66B332A4-D438-4773-A77F-5ED49A448D9D}"/>
+                <a16:creationId xmlns:a16="http://schemas.microsoft.com/office/drawing/2014/main" id="{66B332A4-D438-4773-A77F-5ED49A448D9D}"/>
               </a:ext>
               <a:ext uri="{C183D7F6-B498-43B3-948B-1728B52AA6E4}">
-                <adec:decorative xmlns:adec="http://schemas.microsoft.com/office/drawing/2017/decorative" xmlns="" val="1"/>
+                <adec:decorative xmlns:adec="http://schemas.microsoft.com/office/drawing/2017/decorative" val="1"/>
               </a:ext>
             </a:extLst>
           </p:cNvPr>
@@ -4852,7 +4852,7 @@
           <p:nvPr>
             <p:extLst>
               <p:ext uri="{386F3935-93C4-4BCD-93E2-E3B085C9AB24}">
-                <p16:designElem xmlns:p16="http://schemas.microsoft.com/office/powerpoint/2015/main" xmlns="" val="1"/>
+                <p16:designElem xmlns:p16="http://schemas.microsoft.com/office/powerpoint/2015/main" val="1"/>
               </p:ext>
             </p:extLst>
           </p:nvPr>
@@ -5005,10 +5005,10 @@
           <p:cNvPr id="21" name="Freeform: Shape 20">
             <a:extLst>
               <a:ext uri="{FF2B5EF4-FFF2-40B4-BE49-F238E27FC236}">
-                <a16:creationId xmlns:a16="http://schemas.microsoft.com/office/drawing/2014/main" xmlns="" id="{DF9AD32D-FF05-44F4-BD4D-9CEE89B71EB9}"/>
+                <a16:creationId xmlns:a16="http://schemas.microsoft.com/office/drawing/2014/main" id="{DF9AD32D-FF05-44F4-BD4D-9CEE89B71EB9}"/>
               </a:ext>
               <a:ext uri="{C183D7F6-B498-43B3-948B-1728B52AA6E4}">
-                <adec:decorative xmlns:adec="http://schemas.microsoft.com/office/drawing/2017/decorative" xmlns="" val="1"/>
+                <adec:decorative xmlns:adec="http://schemas.microsoft.com/office/drawing/2017/decorative" val="1"/>
               </a:ext>
             </a:extLst>
           </p:cNvPr>
@@ -5018,7 +5018,7 @@
           <p:nvPr>
             <p:extLst>
               <p:ext uri="{386F3935-93C4-4BCD-93E2-E3B085C9AB24}">
-                <p16:designElem xmlns:p16="http://schemas.microsoft.com/office/powerpoint/2015/main" xmlns="" val="1"/>
+                <p16:designElem xmlns:p16="http://schemas.microsoft.com/office/powerpoint/2015/main" val="1"/>
               </p:ext>
             </p:extLst>
           </p:nvPr>
@@ -5169,7 +5169,7 @@
           <p:cNvPr id="2" name="Title 1">
             <a:extLst>
               <a:ext uri="{FF2B5EF4-FFF2-40B4-BE49-F238E27FC236}">
-                <a16:creationId xmlns:a16="http://schemas.microsoft.com/office/drawing/2014/main" xmlns="" id="{4C84315F-315F-4066-9D3A-472733691F27}"/>
+                <a16:creationId xmlns:a16="http://schemas.microsoft.com/office/drawing/2014/main" id="{4C84315F-315F-4066-9D3A-472733691F27}"/>
               </a:ext>
             </a:extLst>
           </p:cNvPr>
@@ -5212,7 +5212,7 @@
           <p:cNvPr id="4" name="Footer Placeholder 3">
             <a:extLst>
               <a:ext uri="{FF2B5EF4-FFF2-40B4-BE49-F238E27FC236}">
-                <a16:creationId xmlns:a16="http://schemas.microsoft.com/office/drawing/2014/main" xmlns="" id="{0EF7D1E5-7A19-4BA2-8CAA-9135FB90076C}"/>
+                <a16:creationId xmlns:a16="http://schemas.microsoft.com/office/drawing/2014/main" id="{0EF7D1E5-7A19-4BA2-8CAA-9135FB90076C}"/>
               </a:ext>
             </a:extLst>
           </p:cNvPr>
@@ -5261,7 +5261,7 @@
           <p:cNvPr id="5" name="Slide Number Placeholder 4">
             <a:extLst>
               <a:ext uri="{FF2B5EF4-FFF2-40B4-BE49-F238E27FC236}">
-                <a16:creationId xmlns:a16="http://schemas.microsoft.com/office/drawing/2014/main" xmlns="" id="{FAC16E02-623C-4BDA-BAFA-B73797A517FD}"/>
+                <a16:creationId xmlns:a16="http://schemas.microsoft.com/office/drawing/2014/main" id="{FAC16E02-623C-4BDA-BAFA-B73797A517FD}"/>
               </a:ext>
             </a:extLst>
           </p:cNvPr>
@@ -5351,7 +5351,7 @@
           <p:cNvPr id="2" name="Title 1">
             <a:extLst>
               <a:ext uri="{FF2B5EF4-FFF2-40B4-BE49-F238E27FC236}">
-                <a16:creationId xmlns:a16="http://schemas.microsoft.com/office/drawing/2014/main" xmlns="" id="{4C84315F-315F-4066-9D3A-472733691F27}"/>
+                <a16:creationId xmlns:a16="http://schemas.microsoft.com/office/drawing/2014/main" id="{4C84315F-315F-4066-9D3A-472733691F27}"/>
               </a:ext>
             </a:extLst>
           </p:cNvPr>
@@ -5386,7 +5386,7 @@
           <p:cNvPr id="4" name="Footer Placeholder 3">
             <a:extLst>
               <a:ext uri="{FF2B5EF4-FFF2-40B4-BE49-F238E27FC236}">
-                <a16:creationId xmlns:a16="http://schemas.microsoft.com/office/drawing/2014/main" xmlns="" id="{0EF7D1E5-7A19-4BA2-8CAA-9135FB90076C}"/>
+                <a16:creationId xmlns:a16="http://schemas.microsoft.com/office/drawing/2014/main" id="{0EF7D1E5-7A19-4BA2-8CAA-9135FB90076C}"/>
               </a:ext>
             </a:extLst>
           </p:cNvPr>
@@ -5414,7 +5414,7 @@
           <p:cNvPr id="5" name="Slide Number Placeholder 4">
             <a:extLst>
               <a:ext uri="{FF2B5EF4-FFF2-40B4-BE49-F238E27FC236}">
-                <a16:creationId xmlns:a16="http://schemas.microsoft.com/office/drawing/2014/main" xmlns="" id="{FAC16E02-623C-4BDA-BAFA-B73797A517FD}"/>
+                <a16:creationId xmlns:a16="http://schemas.microsoft.com/office/drawing/2014/main" id="{FAC16E02-623C-4BDA-BAFA-B73797A517FD}"/>
               </a:ext>
             </a:extLst>
           </p:cNvPr>
@@ -5443,7 +5443,7 @@
           <p:cNvPr id="6" name="Textfeld 5">
             <a:extLst>
               <a:ext uri="{FF2B5EF4-FFF2-40B4-BE49-F238E27FC236}">
-                <a16:creationId xmlns:a16="http://schemas.microsoft.com/office/drawing/2014/main" xmlns="" id="{B9994866-87B0-46B7-BEA1-D4F84B1CDF09}"/>
+                <a16:creationId xmlns:a16="http://schemas.microsoft.com/office/drawing/2014/main" id="{B9994866-87B0-46B7-BEA1-D4F84B1CDF09}"/>
               </a:ext>
             </a:extLst>
           </p:cNvPr>
@@ -5681,7 +5681,7 @@
           <p:cNvPr id="2" name="Title 1">
             <a:extLst>
               <a:ext uri="{FF2B5EF4-FFF2-40B4-BE49-F238E27FC236}">
-                <a16:creationId xmlns:a16="http://schemas.microsoft.com/office/drawing/2014/main" xmlns="" id="{4C84315F-315F-4066-9D3A-472733691F27}"/>
+                <a16:creationId xmlns:a16="http://schemas.microsoft.com/office/drawing/2014/main" id="{4C84315F-315F-4066-9D3A-472733691F27}"/>
               </a:ext>
             </a:extLst>
           </p:cNvPr>
@@ -5716,7 +5716,7 @@
           <p:cNvPr id="4" name="Footer Placeholder 3">
             <a:extLst>
               <a:ext uri="{FF2B5EF4-FFF2-40B4-BE49-F238E27FC236}">
-                <a16:creationId xmlns:a16="http://schemas.microsoft.com/office/drawing/2014/main" xmlns="" id="{0EF7D1E5-7A19-4BA2-8CAA-9135FB90076C}"/>
+                <a16:creationId xmlns:a16="http://schemas.microsoft.com/office/drawing/2014/main" id="{0EF7D1E5-7A19-4BA2-8CAA-9135FB90076C}"/>
               </a:ext>
             </a:extLst>
           </p:cNvPr>
@@ -5744,7 +5744,7 @@
           <p:cNvPr id="5" name="Slide Number Placeholder 4">
             <a:extLst>
               <a:ext uri="{FF2B5EF4-FFF2-40B4-BE49-F238E27FC236}">
-                <a16:creationId xmlns:a16="http://schemas.microsoft.com/office/drawing/2014/main" xmlns="" id="{FAC16E02-623C-4BDA-BAFA-B73797A517FD}"/>
+                <a16:creationId xmlns:a16="http://schemas.microsoft.com/office/drawing/2014/main" id="{FAC16E02-623C-4BDA-BAFA-B73797A517FD}"/>
               </a:ext>
             </a:extLst>
           </p:cNvPr>
@@ -5773,7 +5773,7 @@
           <p:cNvPr id="11" name="Grafik 10" descr="Ein Bild, das Screenshot enthält.&#10;&#10;Automatisch generierte Beschreibung">
             <a:extLst>
               <a:ext uri="{FF2B5EF4-FFF2-40B4-BE49-F238E27FC236}">
-                <a16:creationId xmlns:a16="http://schemas.microsoft.com/office/drawing/2014/main" xmlns="" id="{08D1ECEA-E3D6-4F58-AF93-8D73129F807D}"/>
+                <a16:creationId xmlns:a16="http://schemas.microsoft.com/office/drawing/2014/main" id="{08D1ECEA-E3D6-4F58-AF93-8D73129F807D}"/>
               </a:ext>
             </a:extLst>
           </p:cNvPr>
@@ -5809,7 +5809,7 @@
           <p:cNvPr id="12" name="Textfeld 11">
             <a:extLst>
               <a:ext uri="{FF2B5EF4-FFF2-40B4-BE49-F238E27FC236}">
-                <a16:creationId xmlns:a16="http://schemas.microsoft.com/office/drawing/2014/main" xmlns="" id="{505B34EF-FD4F-43EC-9410-F3236D2F06E9}"/>
+                <a16:creationId xmlns:a16="http://schemas.microsoft.com/office/drawing/2014/main" id="{505B34EF-FD4F-43EC-9410-F3236D2F06E9}"/>
               </a:ext>
             </a:extLst>
           </p:cNvPr>
@@ -5844,7 +5844,7 @@
           <p:cNvPr id="13" name="Textfeld 12">
             <a:extLst>
               <a:ext uri="{FF2B5EF4-FFF2-40B4-BE49-F238E27FC236}">
-                <a16:creationId xmlns:a16="http://schemas.microsoft.com/office/drawing/2014/main" xmlns="" id="{CAB1451E-3CF7-465F-97C3-80760286DFF4}"/>
+                <a16:creationId xmlns:a16="http://schemas.microsoft.com/office/drawing/2014/main" id="{CAB1451E-3CF7-465F-97C3-80760286DFF4}"/>
               </a:ext>
             </a:extLst>
           </p:cNvPr>
@@ -5933,7 +5933,7 @@
           <p:cNvPr id="14" name="Textfeld 13">
             <a:extLst>
               <a:ext uri="{FF2B5EF4-FFF2-40B4-BE49-F238E27FC236}">
-                <a16:creationId xmlns:a16="http://schemas.microsoft.com/office/drawing/2014/main" xmlns="" id="{49CB4C5B-54D1-4670-9320-555C2971CB1E}"/>
+                <a16:creationId xmlns:a16="http://schemas.microsoft.com/office/drawing/2014/main" id="{49CB4C5B-54D1-4670-9320-555C2971CB1E}"/>
               </a:ext>
             </a:extLst>
           </p:cNvPr>
@@ -5998,7 +5998,7 @@
           <p:cNvPr id="2" name="Title 1">
             <a:extLst>
               <a:ext uri="{FF2B5EF4-FFF2-40B4-BE49-F238E27FC236}">
-                <a16:creationId xmlns:a16="http://schemas.microsoft.com/office/drawing/2014/main" xmlns="" id="{4C84315F-315F-4066-9D3A-472733691F27}"/>
+                <a16:creationId xmlns:a16="http://schemas.microsoft.com/office/drawing/2014/main" id="{4C84315F-315F-4066-9D3A-472733691F27}"/>
               </a:ext>
             </a:extLst>
           </p:cNvPr>
@@ -6033,7 +6033,7 @@
           <p:cNvPr id="4" name="Footer Placeholder 3">
             <a:extLst>
               <a:ext uri="{FF2B5EF4-FFF2-40B4-BE49-F238E27FC236}">
-                <a16:creationId xmlns:a16="http://schemas.microsoft.com/office/drawing/2014/main" xmlns="" id="{0EF7D1E5-7A19-4BA2-8CAA-9135FB90076C}"/>
+                <a16:creationId xmlns:a16="http://schemas.microsoft.com/office/drawing/2014/main" id="{0EF7D1E5-7A19-4BA2-8CAA-9135FB90076C}"/>
               </a:ext>
             </a:extLst>
           </p:cNvPr>
@@ -6061,7 +6061,7 @@
           <p:cNvPr id="5" name="Slide Number Placeholder 4">
             <a:extLst>
               <a:ext uri="{FF2B5EF4-FFF2-40B4-BE49-F238E27FC236}">
-                <a16:creationId xmlns:a16="http://schemas.microsoft.com/office/drawing/2014/main" xmlns="" id="{FAC16E02-623C-4BDA-BAFA-B73797A517FD}"/>
+                <a16:creationId xmlns:a16="http://schemas.microsoft.com/office/drawing/2014/main" id="{FAC16E02-623C-4BDA-BAFA-B73797A517FD}"/>
               </a:ext>
             </a:extLst>
           </p:cNvPr>
@@ -6090,7 +6090,7 @@
           <p:cNvPr id="12" name="Textfeld 11">
             <a:extLst>
               <a:ext uri="{FF2B5EF4-FFF2-40B4-BE49-F238E27FC236}">
-                <a16:creationId xmlns:a16="http://schemas.microsoft.com/office/drawing/2014/main" xmlns="" id="{505B34EF-FD4F-43EC-9410-F3236D2F06E9}"/>
+                <a16:creationId xmlns:a16="http://schemas.microsoft.com/office/drawing/2014/main" id="{505B34EF-FD4F-43EC-9410-F3236D2F06E9}"/>
               </a:ext>
             </a:extLst>
           </p:cNvPr>
@@ -6125,7 +6125,7 @@
           <p:cNvPr id="13" name="Textfeld 12">
             <a:extLst>
               <a:ext uri="{FF2B5EF4-FFF2-40B4-BE49-F238E27FC236}">
-                <a16:creationId xmlns:a16="http://schemas.microsoft.com/office/drawing/2014/main" xmlns="" id="{CAB1451E-3CF7-465F-97C3-80760286DFF4}"/>
+                <a16:creationId xmlns:a16="http://schemas.microsoft.com/office/drawing/2014/main" id="{CAB1451E-3CF7-465F-97C3-80760286DFF4}"/>
               </a:ext>
             </a:extLst>
           </p:cNvPr>
@@ -6214,7 +6214,7 @@
           <p:cNvPr id="14" name="Textfeld 13">
             <a:extLst>
               <a:ext uri="{FF2B5EF4-FFF2-40B4-BE49-F238E27FC236}">
-                <a16:creationId xmlns:a16="http://schemas.microsoft.com/office/drawing/2014/main" xmlns="" id="{49CB4C5B-54D1-4670-9320-555C2971CB1E}"/>
+                <a16:creationId xmlns:a16="http://schemas.microsoft.com/office/drawing/2014/main" id="{49CB4C5B-54D1-4670-9320-555C2971CB1E}"/>
               </a:ext>
             </a:extLst>
           </p:cNvPr>
@@ -6249,7 +6249,7 @@
           <p:cNvPr id="6" name="Grafik 5" descr="Ein Bild, das Text, Karte enthält.&#10;&#10;Automatisch generierte Beschreibung">
             <a:extLst>
               <a:ext uri="{FF2B5EF4-FFF2-40B4-BE49-F238E27FC236}">
-                <a16:creationId xmlns:a16="http://schemas.microsoft.com/office/drawing/2014/main" xmlns="" id="{ED2227FB-852B-4294-BDE4-B49BA5BECAD1}"/>
+                <a16:creationId xmlns:a16="http://schemas.microsoft.com/office/drawing/2014/main" id="{ED2227FB-852B-4294-BDE4-B49BA5BECAD1}"/>
               </a:ext>
             </a:extLst>
           </p:cNvPr>
@@ -6285,7 +6285,7 @@
           <p:cNvPr id="8" name="Grafik 7" descr="Ein Bild, das Klavier, sitzend, Bahnhof, Uhr enthält.&#10;&#10;Automatisch generierte Beschreibung">
             <a:extLst>
               <a:ext uri="{FF2B5EF4-FFF2-40B4-BE49-F238E27FC236}">
-                <a16:creationId xmlns:a16="http://schemas.microsoft.com/office/drawing/2014/main" xmlns="" id="{978155C3-58CA-42C6-A48A-D4F9A0F91FB9}"/>
+                <a16:creationId xmlns:a16="http://schemas.microsoft.com/office/drawing/2014/main" id="{978155C3-58CA-42C6-A48A-D4F9A0F91FB9}"/>
               </a:ext>
             </a:extLst>
           </p:cNvPr>
@@ -6321,7 +6321,7 @@
           <p:cNvPr id="9" name="Textfeld 8">
             <a:extLst>
               <a:ext uri="{FF2B5EF4-FFF2-40B4-BE49-F238E27FC236}">
-                <a16:creationId xmlns:a16="http://schemas.microsoft.com/office/drawing/2014/main" xmlns="" id="{234374B7-DDA3-4C3B-BFBA-D4D81425FABE}"/>
+                <a16:creationId xmlns:a16="http://schemas.microsoft.com/office/drawing/2014/main" id="{234374B7-DDA3-4C3B-BFBA-D4D81425FABE}"/>
               </a:ext>
             </a:extLst>
           </p:cNvPr>
@@ -6386,7 +6386,7 @@
           <p:cNvPr id="2" name="Title 1">
             <a:extLst>
               <a:ext uri="{FF2B5EF4-FFF2-40B4-BE49-F238E27FC236}">
-                <a16:creationId xmlns:a16="http://schemas.microsoft.com/office/drawing/2014/main" xmlns="" id="{4C84315F-315F-4066-9D3A-472733691F27}"/>
+                <a16:creationId xmlns:a16="http://schemas.microsoft.com/office/drawing/2014/main" id="{4C84315F-315F-4066-9D3A-472733691F27}"/>
               </a:ext>
             </a:extLst>
           </p:cNvPr>
@@ -6421,7 +6421,7 @@
           <p:cNvPr id="4" name="Footer Placeholder 3">
             <a:extLst>
               <a:ext uri="{FF2B5EF4-FFF2-40B4-BE49-F238E27FC236}">
-                <a16:creationId xmlns:a16="http://schemas.microsoft.com/office/drawing/2014/main" xmlns="" id="{0EF7D1E5-7A19-4BA2-8CAA-9135FB90076C}"/>
+                <a16:creationId xmlns:a16="http://schemas.microsoft.com/office/drawing/2014/main" id="{0EF7D1E5-7A19-4BA2-8CAA-9135FB90076C}"/>
               </a:ext>
             </a:extLst>
           </p:cNvPr>
@@ -6449,7 +6449,7 @@
           <p:cNvPr id="5" name="Slide Number Placeholder 4">
             <a:extLst>
               <a:ext uri="{FF2B5EF4-FFF2-40B4-BE49-F238E27FC236}">
-                <a16:creationId xmlns:a16="http://schemas.microsoft.com/office/drawing/2014/main" xmlns="" id="{FAC16E02-623C-4BDA-BAFA-B73797A517FD}"/>
+                <a16:creationId xmlns:a16="http://schemas.microsoft.com/office/drawing/2014/main" id="{FAC16E02-623C-4BDA-BAFA-B73797A517FD}"/>
               </a:ext>
             </a:extLst>
           </p:cNvPr>
@@ -6478,7 +6478,7 @@
           <p:cNvPr id="13" name="Textfeld 12">
             <a:extLst>
               <a:ext uri="{FF2B5EF4-FFF2-40B4-BE49-F238E27FC236}">
-                <a16:creationId xmlns:a16="http://schemas.microsoft.com/office/drawing/2014/main" xmlns="" id="{CAB1451E-3CF7-465F-97C3-80760286DFF4}"/>
+                <a16:creationId xmlns:a16="http://schemas.microsoft.com/office/drawing/2014/main" id="{CAB1451E-3CF7-465F-97C3-80760286DFF4}"/>
               </a:ext>
             </a:extLst>
           </p:cNvPr>
@@ -6625,10 +6625,10 @@
           <p:cNvPr id="10" name="Freeform: Shape 9">
             <a:extLst>
               <a:ext uri="{FF2B5EF4-FFF2-40B4-BE49-F238E27FC236}">
-                <a16:creationId xmlns:a16="http://schemas.microsoft.com/office/drawing/2014/main" xmlns="" id="{66B332A4-D438-4773-A77F-5ED49A448D9D}"/>
+                <a16:creationId xmlns:a16="http://schemas.microsoft.com/office/drawing/2014/main" id="{66B332A4-D438-4773-A77F-5ED49A448D9D}"/>
               </a:ext>
               <a:ext uri="{C183D7F6-B498-43B3-948B-1728B52AA6E4}">
-                <adec:decorative xmlns:adec="http://schemas.microsoft.com/office/drawing/2017/decorative" xmlns="" val="1"/>
+                <adec:decorative xmlns:adec="http://schemas.microsoft.com/office/drawing/2017/decorative" val="1"/>
               </a:ext>
             </a:extLst>
           </p:cNvPr>
@@ -6638,7 +6638,7 @@
           <p:nvPr>
             <p:extLst>
               <p:ext uri="{386F3935-93C4-4BCD-93E2-E3B085C9AB24}">
-                <p16:designElem xmlns:p16="http://schemas.microsoft.com/office/powerpoint/2015/main" xmlns="" val="1"/>
+                <p16:designElem xmlns:p16="http://schemas.microsoft.com/office/powerpoint/2015/main" val="1"/>
               </p:ext>
             </p:extLst>
           </p:nvPr>
@@ -6791,10 +6791,10 @@
           <p:cNvPr id="12" name="Freeform: Shape 11">
             <a:extLst>
               <a:ext uri="{FF2B5EF4-FFF2-40B4-BE49-F238E27FC236}">
-                <a16:creationId xmlns:a16="http://schemas.microsoft.com/office/drawing/2014/main" xmlns="" id="{DF9AD32D-FF05-44F4-BD4D-9CEE89B71EB9}"/>
+                <a16:creationId xmlns:a16="http://schemas.microsoft.com/office/drawing/2014/main" id="{DF9AD32D-FF05-44F4-BD4D-9CEE89B71EB9}"/>
               </a:ext>
               <a:ext uri="{C183D7F6-B498-43B3-948B-1728B52AA6E4}">
-                <adec:decorative xmlns:adec="http://schemas.microsoft.com/office/drawing/2017/decorative" xmlns="" val="1"/>
+                <adec:decorative xmlns:adec="http://schemas.microsoft.com/office/drawing/2017/decorative" val="1"/>
               </a:ext>
             </a:extLst>
           </p:cNvPr>
@@ -6804,7 +6804,7 @@
           <p:nvPr>
             <p:extLst>
               <p:ext uri="{386F3935-93C4-4BCD-93E2-E3B085C9AB24}">
-                <p16:designElem xmlns:p16="http://schemas.microsoft.com/office/powerpoint/2015/main" xmlns="" val="1"/>
+                <p16:designElem xmlns:p16="http://schemas.microsoft.com/office/powerpoint/2015/main" val="1"/>
               </p:ext>
             </p:extLst>
           </p:nvPr>
@@ -6955,7 +6955,7 @@
           <p:cNvPr id="2" name="Title 1">
             <a:extLst>
               <a:ext uri="{FF2B5EF4-FFF2-40B4-BE49-F238E27FC236}">
-                <a16:creationId xmlns:a16="http://schemas.microsoft.com/office/drawing/2014/main" xmlns="" id="{4C84315F-315F-4066-9D3A-472733691F27}"/>
+                <a16:creationId xmlns:a16="http://schemas.microsoft.com/office/drawing/2014/main" id="{4C84315F-315F-4066-9D3A-472733691F27}"/>
               </a:ext>
             </a:extLst>
           </p:cNvPr>
@@ -7028,7 +7028,7 @@
           <p:cNvPr id="4" name="Footer Placeholder 3">
             <a:extLst>
               <a:ext uri="{FF2B5EF4-FFF2-40B4-BE49-F238E27FC236}">
-                <a16:creationId xmlns:a16="http://schemas.microsoft.com/office/drawing/2014/main" xmlns="" id="{0EF7D1E5-7A19-4BA2-8CAA-9135FB90076C}"/>
+                <a16:creationId xmlns:a16="http://schemas.microsoft.com/office/drawing/2014/main" id="{0EF7D1E5-7A19-4BA2-8CAA-9135FB90076C}"/>
               </a:ext>
             </a:extLst>
           </p:cNvPr>
@@ -7077,7 +7077,7 @@
           <p:cNvPr id="5" name="Slide Number Placeholder 4">
             <a:extLst>
               <a:ext uri="{FF2B5EF4-FFF2-40B4-BE49-F238E27FC236}">
-                <a16:creationId xmlns:a16="http://schemas.microsoft.com/office/drawing/2014/main" xmlns="" id="{FAC16E02-623C-4BDA-BAFA-B73797A517FD}"/>
+                <a16:creationId xmlns:a16="http://schemas.microsoft.com/office/drawing/2014/main" id="{FAC16E02-623C-4BDA-BAFA-B73797A517FD}"/>
               </a:ext>
             </a:extLst>
           </p:cNvPr>
@@ -7178,14 +7178,13 @@
           <a:lstStyle/>
           <a:p>
             <a:r>
-              <a:rPr lang="de-DE" dirty="0" err="1" smtClean="0"/>
+              <a:rPr lang="de-DE" dirty="0" err="1"/>
               <a:t>Use</a:t>
             </a:r>
             <a:r>
-              <a:rPr lang="de-DE" dirty="0" smtClean="0"/>
+              <a:rPr lang="de-DE" dirty="0"/>
               <a:t> Case Diagramm</a:t>
             </a:r>
-            <a:endParaRPr lang="de-DE" dirty="0"/>
           </a:p>
         </p:txBody>
       </p:sp>
@@ -7234,10 +7233,9 @@
           <a:lstStyle/>
           <a:p>
             <a:r>
-              <a:rPr lang="de-DE" smtClean="0"/>
+              <a:rPr lang="de-DE"/>
               <a:t>WS19/20 - PV-Modulportal - Rüffer, Vorwerk, Withöft, Zolkin</a:t>
             </a:r>
-            <a:endParaRPr lang="de-DE"/>
           </a:p>
         </p:txBody>
       </p:sp>
@@ -7299,7 +7297,7 @@
           <p:cNvPr id="2" name="Title 1">
             <a:extLst>
               <a:ext uri="{FF2B5EF4-FFF2-40B4-BE49-F238E27FC236}">
-                <a16:creationId xmlns:a16="http://schemas.microsoft.com/office/drawing/2014/main" xmlns="" id="{4C84315F-315F-4066-9D3A-472733691F27}"/>
+                <a16:creationId xmlns:a16="http://schemas.microsoft.com/office/drawing/2014/main" id="{4C84315F-315F-4066-9D3A-472733691F27}"/>
               </a:ext>
             </a:extLst>
           </p:cNvPr>
@@ -7339,7 +7337,7 @@
           <p:cNvPr id="4" name="Footer Placeholder 3">
             <a:extLst>
               <a:ext uri="{FF2B5EF4-FFF2-40B4-BE49-F238E27FC236}">
-                <a16:creationId xmlns:a16="http://schemas.microsoft.com/office/drawing/2014/main" xmlns="" id="{0EF7D1E5-7A19-4BA2-8CAA-9135FB90076C}"/>
+                <a16:creationId xmlns:a16="http://schemas.microsoft.com/office/drawing/2014/main" id="{0EF7D1E5-7A19-4BA2-8CAA-9135FB90076C}"/>
               </a:ext>
             </a:extLst>
           </p:cNvPr>
@@ -7367,7 +7365,7 @@
           <p:cNvPr id="5" name="Slide Number Placeholder 4">
             <a:extLst>
               <a:ext uri="{FF2B5EF4-FFF2-40B4-BE49-F238E27FC236}">
-                <a16:creationId xmlns:a16="http://schemas.microsoft.com/office/drawing/2014/main" xmlns="" id="{FAC16E02-623C-4BDA-BAFA-B73797A517FD}"/>
+                <a16:creationId xmlns:a16="http://schemas.microsoft.com/office/drawing/2014/main" id="{FAC16E02-623C-4BDA-BAFA-B73797A517FD}"/>
               </a:ext>
             </a:extLst>
           </p:cNvPr>
@@ -7396,7 +7394,7 @@
           <p:cNvPr id="7" name="Grafik 6" descr="Ein Bild, das Screenshot enthält.&#10;&#10;Automatisch generierte Beschreibung">
             <a:extLst>
               <a:ext uri="{FF2B5EF4-FFF2-40B4-BE49-F238E27FC236}">
-                <a16:creationId xmlns:a16="http://schemas.microsoft.com/office/drawing/2014/main" xmlns="" id="{D06E810E-9F9E-40B3-B461-BB65BB2F7429}"/>
+                <a16:creationId xmlns:a16="http://schemas.microsoft.com/office/drawing/2014/main" id="{D06E810E-9F9E-40B3-B461-BB65BB2F7429}"/>
               </a:ext>
             </a:extLst>
           </p:cNvPr>
@@ -7473,14 +7471,13 @@
           <a:lstStyle/>
           <a:p>
             <a:r>
-              <a:rPr lang="de-DE" dirty="0" err="1" smtClean="0"/>
+              <a:rPr lang="de-DE" dirty="0" err="1"/>
               <a:t>ModuleSearch</a:t>
             </a:r>
             <a:r>
-              <a:rPr lang="de-DE" dirty="0" smtClean="0"/>
+              <a:rPr lang="de-DE" dirty="0"/>
               <a:t> - Sequenzdiagramm</a:t>
             </a:r>
-            <a:endParaRPr lang="de-DE" dirty="0"/>
           </a:p>
         </p:txBody>
       </p:sp>
@@ -7529,10 +7526,9 @@
           <a:lstStyle/>
           <a:p>
             <a:r>
-              <a:rPr lang="de-DE" smtClean="0"/>
+              <a:rPr lang="de-DE"/>
               <a:t>WS19/20 - PV-Modulportal - Rüffer, Vorwerk, Withöft, Zolkin</a:t>
             </a:r>
-            <a:endParaRPr lang="de-DE"/>
           </a:p>
         </p:txBody>
       </p:sp>
@@ -7602,10 +7598,10 @@
           <p:cNvPr id="10" name="Rectangle 9">
             <a:extLst>
               <a:ext uri="{FF2B5EF4-FFF2-40B4-BE49-F238E27FC236}">
-                <a16:creationId xmlns:a16="http://schemas.microsoft.com/office/drawing/2014/main" xmlns="" id="{8D70B121-56F4-4848-B38B-182089D909FA}"/>
+                <a16:creationId xmlns:a16="http://schemas.microsoft.com/office/drawing/2014/main" id="{8D70B121-56F4-4848-B38B-182089D909FA}"/>
               </a:ext>
               <a:ext uri="{C183D7F6-B498-43B3-948B-1728B52AA6E4}">
-                <adec:decorative xmlns:adec="http://schemas.microsoft.com/office/drawing/2017/decorative" xmlns="" val="1"/>
+                <adec:decorative xmlns:adec="http://schemas.microsoft.com/office/drawing/2017/decorative" val="1"/>
               </a:ext>
             </a:extLst>
           </p:cNvPr>
@@ -7615,7 +7611,7 @@
           <p:nvPr>
             <p:extLst>
               <p:ext uri="{386F3935-93C4-4BCD-93E2-E3B085C9AB24}">
-                <p16:designElem xmlns:p16="http://schemas.microsoft.com/office/powerpoint/2015/main" xmlns="" val="1"/>
+                <p16:designElem xmlns:p16="http://schemas.microsoft.com/office/powerpoint/2015/main" val="1"/>
               </p:ext>
             </p:extLst>
           </p:nvPr>
@@ -7696,7 +7692,7 @@
           <p:cNvPr id="2" name="Title 1">
             <a:extLst>
               <a:ext uri="{FF2B5EF4-FFF2-40B4-BE49-F238E27FC236}">
-                <a16:creationId xmlns:a16="http://schemas.microsoft.com/office/drawing/2014/main" xmlns="" id="{ACE6EB8D-0A4F-46AA-AF64-E268DD01B696}"/>
+                <a16:creationId xmlns:a16="http://schemas.microsoft.com/office/drawing/2014/main" id="{ACE6EB8D-0A4F-46AA-AF64-E268DD01B696}"/>
               </a:ext>
             </a:extLst>
           </p:cNvPr>
@@ -7741,10 +7737,10 @@
           <p:cNvPr id="20" name="Straight Connector 11">
             <a:extLst>
               <a:ext uri="{FF2B5EF4-FFF2-40B4-BE49-F238E27FC236}">
-                <a16:creationId xmlns:a16="http://schemas.microsoft.com/office/drawing/2014/main" xmlns="" id="{2D72A2C9-F3CA-4216-8BAD-FA4C970C3C4E}"/>
+                <a16:creationId xmlns:a16="http://schemas.microsoft.com/office/drawing/2014/main" id="{2D72A2C9-F3CA-4216-8BAD-FA4C970C3C4E}"/>
               </a:ext>
               <a:ext uri="{C183D7F6-B498-43B3-948B-1728B52AA6E4}">
-                <adec:decorative xmlns:adec="http://schemas.microsoft.com/office/drawing/2017/decorative" xmlns="" val="1"/>
+                <adec:decorative xmlns:adec="http://schemas.microsoft.com/office/drawing/2017/decorative" val="1"/>
               </a:ext>
             </a:extLst>
           </p:cNvPr>
@@ -7754,7 +7750,7 @@
           <p:nvPr>
             <p:extLst>
               <p:ext uri="{386F3935-93C4-4BCD-93E2-E3B085C9AB24}">
-                <p16:designElem xmlns:p16="http://schemas.microsoft.com/office/powerpoint/2015/main" xmlns="" val="1"/>
+                <p16:designElem xmlns:p16="http://schemas.microsoft.com/office/powerpoint/2015/main" val="1"/>
               </p:ext>
             </p:extLst>
           </p:nvPr>
@@ -7796,7 +7792,7 @@
           <p:cNvPr id="21" name="Content Placeholder 2">
             <a:extLst>
               <a:ext uri="{FF2B5EF4-FFF2-40B4-BE49-F238E27FC236}">
-                <a16:creationId xmlns:a16="http://schemas.microsoft.com/office/drawing/2014/main" xmlns="" id="{58AE7285-2250-4AE8-93ED-187E4BCFFE55}"/>
+                <a16:creationId xmlns:a16="http://schemas.microsoft.com/office/drawing/2014/main" id="{58AE7285-2250-4AE8-93ED-187E4BCFFE55}"/>
               </a:ext>
             </a:extLst>
           </p:cNvPr>
@@ -7936,7 +7932,7 @@
           <p:cNvPr id="4" name="Footer Placeholder 3">
             <a:extLst>
               <a:ext uri="{FF2B5EF4-FFF2-40B4-BE49-F238E27FC236}">
-                <a16:creationId xmlns:a16="http://schemas.microsoft.com/office/drawing/2014/main" xmlns="" id="{49971016-FBB9-4FE9-A94D-721F4E0A6EF7}"/>
+                <a16:creationId xmlns:a16="http://schemas.microsoft.com/office/drawing/2014/main" id="{49971016-FBB9-4FE9-A94D-721F4E0A6EF7}"/>
               </a:ext>
             </a:extLst>
           </p:cNvPr>
@@ -8003,7 +7999,7 @@
           <p:cNvPr id="5" name="Slide Number Placeholder 4">
             <a:extLst>
               <a:ext uri="{FF2B5EF4-FFF2-40B4-BE49-F238E27FC236}">
-                <a16:creationId xmlns:a16="http://schemas.microsoft.com/office/drawing/2014/main" xmlns="" id="{D5EC5FDC-86E9-486E-98A5-8B49B12E54F7}"/>
+                <a16:creationId xmlns:a16="http://schemas.microsoft.com/office/drawing/2014/main" id="{D5EC5FDC-86E9-486E-98A5-8B49B12E54F7}"/>
               </a:ext>
             </a:extLst>
           </p:cNvPr>
@@ -8133,7 +8129,7 @@
           <p:cNvPr id="2" name="Title 1">
             <a:extLst>
               <a:ext uri="{FF2B5EF4-FFF2-40B4-BE49-F238E27FC236}">
-                <a16:creationId xmlns:a16="http://schemas.microsoft.com/office/drawing/2014/main" xmlns="" id="{4C84315F-315F-4066-9D3A-472733691F27}"/>
+                <a16:creationId xmlns:a16="http://schemas.microsoft.com/office/drawing/2014/main" id="{4C84315F-315F-4066-9D3A-472733691F27}"/>
               </a:ext>
             </a:extLst>
           </p:cNvPr>
@@ -8168,7 +8164,7 @@
           <p:cNvPr id="4" name="Footer Placeholder 3">
             <a:extLst>
               <a:ext uri="{FF2B5EF4-FFF2-40B4-BE49-F238E27FC236}">
-                <a16:creationId xmlns:a16="http://schemas.microsoft.com/office/drawing/2014/main" xmlns="" id="{0EF7D1E5-7A19-4BA2-8CAA-9135FB90076C}"/>
+                <a16:creationId xmlns:a16="http://schemas.microsoft.com/office/drawing/2014/main" id="{0EF7D1E5-7A19-4BA2-8CAA-9135FB90076C}"/>
               </a:ext>
             </a:extLst>
           </p:cNvPr>
@@ -8196,7 +8192,7 @@
           <p:cNvPr id="5" name="Slide Number Placeholder 4">
             <a:extLst>
               <a:ext uri="{FF2B5EF4-FFF2-40B4-BE49-F238E27FC236}">
-                <a16:creationId xmlns:a16="http://schemas.microsoft.com/office/drawing/2014/main" xmlns="" id="{FAC16E02-623C-4BDA-BAFA-B73797A517FD}"/>
+                <a16:creationId xmlns:a16="http://schemas.microsoft.com/office/drawing/2014/main" id="{FAC16E02-623C-4BDA-BAFA-B73797A517FD}"/>
               </a:ext>
             </a:extLst>
           </p:cNvPr>
@@ -8225,7 +8221,7 @@
           <p:cNvPr id="9" name="Grafik 8" descr="Ein Bild, das Screenshot enthält.&#10;&#10;Automatisch generierte Beschreibung">
             <a:extLst>
               <a:ext uri="{FF2B5EF4-FFF2-40B4-BE49-F238E27FC236}">
-                <a16:creationId xmlns:a16="http://schemas.microsoft.com/office/drawing/2014/main" xmlns="" id="{1CF22820-0D34-45D3-8819-BF095251084E}"/>
+                <a16:creationId xmlns:a16="http://schemas.microsoft.com/office/drawing/2014/main" id="{1CF22820-0D34-45D3-8819-BF095251084E}"/>
               </a:ext>
             </a:extLst>
           </p:cNvPr>
@@ -8291,7 +8287,7 @@
           <p:cNvPr id="2" name="Title 1">
             <a:extLst>
               <a:ext uri="{FF2B5EF4-FFF2-40B4-BE49-F238E27FC236}">
-                <a16:creationId xmlns:a16="http://schemas.microsoft.com/office/drawing/2014/main" xmlns="" id="{4C84315F-315F-4066-9D3A-472733691F27}"/>
+                <a16:creationId xmlns:a16="http://schemas.microsoft.com/office/drawing/2014/main" id="{4C84315F-315F-4066-9D3A-472733691F27}"/>
               </a:ext>
             </a:extLst>
           </p:cNvPr>
@@ -8326,7 +8322,7 @@
           <p:cNvPr id="4" name="Footer Placeholder 3">
             <a:extLst>
               <a:ext uri="{FF2B5EF4-FFF2-40B4-BE49-F238E27FC236}">
-                <a16:creationId xmlns:a16="http://schemas.microsoft.com/office/drawing/2014/main" xmlns="" id="{0EF7D1E5-7A19-4BA2-8CAA-9135FB90076C}"/>
+                <a16:creationId xmlns:a16="http://schemas.microsoft.com/office/drawing/2014/main" id="{0EF7D1E5-7A19-4BA2-8CAA-9135FB90076C}"/>
               </a:ext>
             </a:extLst>
           </p:cNvPr>
@@ -8354,7 +8350,7 @@
           <p:cNvPr id="5" name="Slide Number Placeholder 4">
             <a:extLst>
               <a:ext uri="{FF2B5EF4-FFF2-40B4-BE49-F238E27FC236}">
-                <a16:creationId xmlns:a16="http://schemas.microsoft.com/office/drawing/2014/main" xmlns="" id="{FAC16E02-623C-4BDA-BAFA-B73797A517FD}"/>
+                <a16:creationId xmlns:a16="http://schemas.microsoft.com/office/drawing/2014/main" id="{FAC16E02-623C-4BDA-BAFA-B73797A517FD}"/>
               </a:ext>
             </a:extLst>
           </p:cNvPr>
@@ -8383,7 +8379,7 @@
           <p:cNvPr id="6" name="Grafik 5" descr="Ein Bild, das Screenshot enthält.&#10;&#10;Automatisch generierte Beschreibung">
             <a:extLst>
               <a:ext uri="{FF2B5EF4-FFF2-40B4-BE49-F238E27FC236}">
-                <a16:creationId xmlns:a16="http://schemas.microsoft.com/office/drawing/2014/main" xmlns="" id="{D3804517-A1AB-4647-A2F4-4B145C958491}"/>
+                <a16:creationId xmlns:a16="http://schemas.microsoft.com/office/drawing/2014/main" id="{D3804517-A1AB-4647-A2F4-4B145C958491}"/>
               </a:ext>
             </a:extLst>
           </p:cNvPr>
@@ -8449,7 +8445,7 @@
           <p:cNvPr id="2" name="Title 1">
             <a:extLst>
               <a:ext uri="{FF2B5EF4-FFF2-40B4-BE49-F238E27FC236}">
-                <a16:creationId xmlns:a16="http://schemas.microsoft.com/office/drawing/2014/main" xmlns="" id="{4C84315F-315F-4066-9D3A-472733691F27}"/>
+                <a16:creationId xmlns:a16="http://schemas.microsoft.com/office/drawing/2014/main" id="{4C84315F-315F-4066-9D3A-472733691F27}"/>
               </a:ext>
             </a:extLst>
           </p:cNvPr>
@@ -8484,7 +8480,7 @@
           <p:cNvPr id="4" name="Footer Placeholder 3">
             <a:extLst>
               <a:ext uri="{FF2B5EF4-FFF2-40B4-BE49-F238E27FC236}">
-                <a16:creationId xmlns:a16="http://schemas.microsoft.com/office/drawing/2014/main" xmlns="" id="{0EF7D1E5-7A19-4BA2-8CAA-9135FB90076C}"/>
+                <a16:creationId xmlns:a16="http://schemas.microsoft.com/office/drawing/2014/main" id="{0EF7D1E5-7A19-4BA2-8CAA-9135FB90076C}"/>
               </a:ext>
             </a:extLst>
           </p:cNvPr>
@@ -8512,7 +8508,7 @@
           <p:cNvPr id="5" name="Slide Number Placeholder 4">
             <a:extLst>
               <a:ext uri="{FF2B5EF4-FFF2-40B4-BE49-F238E27FC236}">
-                <a16:creationId xmlns:a16="http://schemas.microsoft.com/office/drawing/2014/main" xmlns="" id="{FAC16E02-623C-4BDA-BAFA-B73797A517FD}"/>
+                <a16:creationId xmlns:a16="http://schemas.microsoft.com/office/drawing/2014/main" id="{FAC16E02-623C-4BDA-BAFA-B73797A517FD}"/>
               </a:ext>
             </a:extLst>
           </p:cNvPr>
@@ -8541,7 +8537,7 @@
           <p:cNvPr id="8" name="Grafik 7">
             <a:extLst>
               <a:ext uri="{FF2B5EF4-FFF2-40B4-BE49-F238E27FC236}">
-                <a16:creationId xmlns:a16="http://schemas.microsoft.com/office/drawing/2014/main" xmlns="" id="{4879F5CA-79B7-4E1C-AE56-DF28301AF14F}"/>
+                <a16:creationId xmlns:a16="http://schemas.microsoft.com/office/drawing/2014/main" id="{4879F5CA-79B7-4E1C-AE56-DF28301AF14F}"/>
               </a:ext>
             </a:extLst>
           </p:cNvPr>
@@ -8607,7 +8603,7 @@
           <p:cNvPr id="2" name="Title 1">
             <a:extLst>
               <a:ext uri="{FF2B5EF4-FFF2-40B4-BE49-F238E27FC236}">
-                <a16:creationId xmlns:a16="http://schemas.microsoft.com/office/drawing/2014/main" xmlns="" id="{4C84315F-315F-4066-9D3A-472733691F27}"/>
+                <a16:creationId xmlns:a16="http://schemas.microsoft.com/office/drawing/2014/main" id="{4C84315F-315F-4066-9D3A-472733691F27}"/>
               </a:ext>
             </a:extLst>
           </p:cNvPr>
@@ -8642,7 +8638,7 @@
           <p:cNvPr id="4" name="Footer Placeholder 3">
             <a:extLst>
               <a:ext uri="{FF2B5EF4-FFF2-40B4-BE49-F238E27FC236}">
-                <a16:creationId xmlns:a16="http://schemas.microsoft.com/office/drawing/2014/main" xmlns="" id="{0EF7D1E5-7A19-4BA2-8CAA-9135FB90076C}"/>
+                <a16:creationId xmlns:a16="http://schemas.microsoft.com/office/drawing/2014/main" id="{0EF7D1E5-7A19-4BA2-8CAA-9135FB90076C}"/>
               </a:ext>
             </a:extLst>
           </p:cNvPr>
@@ -8670,7 +8666,7 @@
           <p:cNvPr id="5" name="Slide Number Placeholder 4">
             <a:extLst>
               <a:ext uri="{FF2B5EF4-FFF2-40B4-BE49-F238E27FC236}">
-                <a16:creationId xmlns:a16="http://schemas.microsoft.com/office/drawing/2014/main" xmlns="" id="{FAC16E02-623C-4BDA-BAFA-B73797A517FD}"/>
+                <a16:creationId xmlns:a16="http://schemas.microsoft.com/office/drawing/2014/main" id="{FAC16E02-623C-4BDA-BAFA-B73797A517FD}"/>
               </a:ext>
             </a:extLst>
           </p:cNvPr>
@@ -8729,7 +8725,7 @@
           <p:cNvPr id="4" name="Footer Placeholder 3">
             <a:extLst>
               <a:ext uri="{FF2B5EF4-FFF2-40B4-BE49-F238E27FC236}">
-                <a16:creationId xmlns:a16="http://schemas.microsoft.com/office/drawing/2014/main" xmlns="" id="{0EF7D1E5-7A19-4BA2-8CAA-9135FB90076C}"/>
+                <a16:creationId xmlns:a16="http://schemas.microsoft.com/office/drawing/2014/main" id="{0EF7D1E5-7A19-4BA2-8CAA-9135FB90076C}"/>
               </a:ext>
             </a:extLst>
           </p:cNvPr>
@@ -8757,7 +8753,7 @@
           <p:cNvPr id="5" name="Slide Number Placeholder 4">
             <a:extLst>
               <a:ext uri="{FF2B5EF4-FFF2-40B4-BE49-F238E27FC236}">
-                <a16:creationId xmlns:a16="http://schemas.microsoft.com/office/drawing/2014/main" xmlns="" id="{FAC16E02-623C-4BDA-BAFA-B73797A517FD}"/>
+                <a16:creationId xmlns:a16="http://schemas.microsoft.com/office/drawing/2014/main" id="{FAC16E02-623C-4BDA-BAFA-B73797A517FD}"/>
               </a:ext>
             </a:extLst>
           </p:cNvPr>
@@ -8786,7 +8782,7 @@
           <p:cNvPr id="8" name="Grafik 7" descr="Ein Bild, das Screenshot enthält.&#10;&#10;Automatisch generierte Beschreibung">
             <a:extLst>
               <a:ext uri="{FF2B5EF4-FFF2-40B4-BE49-F238E27FC236}">
-                <a16:creationId xmlns:a16="http://schemas.microsoft.com/office/drawing/2014/main" xmlns="" id="{C37E994F-AED5-4278-B93F-F1E4AFB6018E}"/>
+                <a16:creationId xmlns:a16="http://schemas.microsoft.com/office/drawing/2014/main" id="{C37E994F-AED5-4278-B93F-F1E4AFB6018E}"/>
               </a:ext>
             </a:extLst>
           </p:cNvPr>
@@ -8863,10 +8859,10 @@
           <p:cNvPr id="10" name="Freeform: Shape 9">
             <a:extLst>
               <a:ext uri="{FF2B5EF4-FFF2-40B4-BE49-F238E27FC236}">
-                <a16:creationId xmlns:a16="http://schemas.microsoft.com/office/drawing/2014/main" xmlns="" id="{66B332A4-D438-4773-A77F-5ED49A448D9D}"/>
+                <a16:creationId xmlns:a16="http://schemas.microsoft.com/office/drawing/2014/main" id="{66B332A4-D438-4773-A77F-5ED49A448D9D}"/>
               </a:ext>
               <a:ext uri="{C183D7F6-B498-43B3-948B-1728B52AA6E4}">
-                <adec:decorative xmlns:adec="http://schemas.microsoft.com/office/drawing/2017/decorative" xmlns="" val="1"/>
+                <adec:decorative xmlns:adec="http://schemas.microsoft.com/office/drawing/2017/decorative" val="1"/>
               </a:ext>
             </a:extLst>
           </p:cNvPr>
@@ -8876,7 +8872,7 @@
           <p:nvPr>
             <p:extLst>
               <p:ext uri="{386F3935-93C4-4BCD-93E2-E3B085C9AB24}">
-                <p16:designElem xmlns:p16="http://schemas.microsoft.com/office/powerpoint/2015/main" xmlns="" val="1"/>
+                <p16:designElem xmlns:p16="http://schemas.microsoft.com/office/powerpoint/2015/main" val="1"/>
               </p:ext>
             </p:extLst>
           </p:nvPr>
@@ -9029,10 +9025,10 @@
           <p:cNvPr id="12" name="Freeform: Shape 11">
             <a:extLst>
               <a:ext uri="{FF2B5EF4-FFF2-40B4-BE49-F238E27FC236}">
-                <a16:creationId xmlns:a16="http://schemas.microsoft.com/office/drawing/2014/main" xmlns="" id="{DF9AD32D-FF05-44F4-BD4D-9CEE89B71EB9}"/>
+                <a16:creationId xmlns:a16="http://schemas.microsoft.com/office/drawing/2014/main" id="{DF9AD32D-FF05-44F4-BD4D-9CEE89B71EB9}"/>
               </a:ext>
               <a:ext uri="{C183D7F6-B498-43B3-948B-1728B52AA6E4}">
-                <adec:decorative xmlns:adec="http://schemas.microsoft.com/office/drawing/2017/decorative" xmlns="" val="1"/>
+                <adec:decorative xmlns:adec="http://schemas.microsoft.com/office/drawing/2017/decorative" val="1"/>
               </a:ext>
             </a:extLst>
           </p:cNvPr>
@@ -9042,7 +9038,7 @@
           <p:nvPr>
             <p:extLst>
               <p:ext uri="{386F3935-93C4-4BCD-93E2-E3B085C9AB24}">
-                <p16:designElem xmlns:p16="http://schemas.microsoft.com/office/powerpoint/2015/main" xmlns="" val="1"/>
+                <p16:designElem xmlns:p16="http://schemas.microsoft.com/office/powerpoint/2015/main" val="1"/>
               </p:ext>
             </p:extLst>
           </p:nvPr>
@@ -9193,7 +9189,7 @@
           <p:cNvPr id="2" name="Title 1">
             <a:extLst>
               <a:ext uri="{FF2B5EF4-FFF2-40B4-BE49-F238E27FC236}">
-                <a16:creationId xmlns:a16="http://schemas.microsoft.com/office/drawing/2014/main" xmlns="" id="{4C84315F-315F-4066-9D3A-472733691F27}"/>
+                <a16:creationId xmlns:a16="http://schemas.microsoft.com/office/drawing/2014/main" id="{4C84315F-315F-4066-9D3A-472733691F27}"/>
               </a:ext>
             </a:extLst>
           </p:cNvPr>
@@ -9255,7 +9251,7 @@
           <p:cNvPr id="4" name="Footer Placeholder 3">
             <a:extLst>
               <a:ext uri="{FF2B5EF4-FFF2-40B4-BE49-F238E27FC236}">
-                <a16:creationId xmlns:a16="http://schemas.microsoft.com/office/drawing/2014/main" xmlns="" id="{0EF7D1E5-7A19-4BA2-8CAA-9135FB90076C}"/>
+                <a16:creationId xmlns:a16="http://schemas.microsoft.com/office/drawing/2014/main" id="{0EF7D1E5-7A19-4BA2-8CAA-9135FB90076C}"/>
               </a:ext>
             </a:extLst>
           </p:cNvPr>
@@ -9304,7 +9300,7 @@
           <p:cNvPr id="5" name="Slide Number Placeholder 4">
             <a:extLst>
               <a:ext uri="{FF2B5EF4-FFF2-40B4-BE49-F238E27FC236}">
-                <a16:creationId xmlns:a16="http://schemas.microsoft.com/office/drawing/2014/main" xmlns="" id="{FAC16E02-623C-4BDA-BAFA-B73797A517FD}"/>
+                <a16:creationId xmlns:a16="http://schemas.microsoft.com/office/drawing/2014/main" id="{FAC16E02-623C-4BDA-BAFA-B73797A517FD}"/>
               </a:ext>
             </a:extLst>
           </p:cNvPr>
@@ -9394,7 +9390,7 @@
           <p:cNvPr id="2" name="Title 1">
             <a:extLst>
               <a:ext uri="{FF2B5EF4-FFF2-40B4-BE49-F238E27FC236}">
-                <a16:creationId xmlns:a16="http://schemas.microsoft.com/office/drawing/2014/main" xmlns="" id="{4AFD5C52-84F6-4587-9BCD-038E7093DFA8}"/>
+                <a16:creationId xmlns:a16="http://schemas.microsoft.com/office/drawing/2014/main" id="{4AFD5C52-84F6-4587-9BCD-038E7093DFA8}"/>
               </a:ext>
             </a:extLst>
           </p:cNvPr>
@@ -9435,7 +9431,7 @@
           <p:cNvPr id="11" name="Content Placeholder 10">
             <a:extLst>
               <a:ext uri="{FF2B5EF4-FFF2-40B4-BE49-F238E27FC236}">
-                <a16:creationId xmlns:a16="http://schemas.microsoft.com/office/drawing/2014/main" xmlns="" id="{C7793A84-3F72-4C91-A48B-DD4AB4EC41F0}"/>
+                <a16:creationId xmlns:a16="http://schemas.microsoft.com/office/drawing/2014/main" id="{C7793A84-3F72-4C91-A48B-DD4AB4EC41F0}"/>
               </a:ext>
             </a:extLst>
           </p:cNvPr>
@@ -9530,7 +9526,7 @@
           <p:cNvPr id="17" name="Content Placeholder 10">
             <a:extLst>
               <a:ext uri="{FF2B5EF4-FFF2-40B4-BE49-F238E27FC236}">
-                <a16:creationId xmlns:a16="http://schemas.microsoft.com/office/drawing/2014/main" xmlns="" id="{0E078E16-2FE1-4F5F-8D2E-1D82437D0BDE}"/>
+                <a16:creationId xmlns:a16="http://schemas.microsoft.com/office/drawing/2014/main" id="{0E078E16-2FE1-4F5F-8D2E-1D82437D0BDE}"/>
               </a:ext>
             </a:extLst>
           </p:cNvPr>
@@ -9789,7 +9785,7 @@
           <p:cNvPr id="4098" name="Picture 2" descr="Image result for java">
             <a:extLst>
               <a:ext uri="{FF2B5EF4-FFF2-40B4-BE49-F238E27FC236}">
-                <a16:creationId xmlns:a16="http://schemas.microsoft.com/office/drawing/2014/main" xmlns="" id="{C5566FCF-4A88-4F9C-B530-8AC9550E73D8}"/>
+                <a16:creationId xmlns:a16="http://schemas.microsoft.com/office/drawing/2014/main" id="{C5566FCF-4A88-4F9C-B530-8AC9550E73D8}"/>
               </a:ext>
             </a:extLst>
           </p:cNvPr>
@@ -9836,7 +9832,7 @@
           <p:cNvPr id="4100" name="Picture 4" descr="Image result for hibernate">
             <a:extLst>
               <a:ext uri="{FF2B5EF4-FFF2-40B4-BE49-F238E27FC236}">
-                <a16:creationId xmlns:a16="http://schemas.microsoft.com/office/drawing/2014/main" xmlns="" id="{8111C7FF-7E14-4D4C-833E-3E26A1E238AB}"/>
+                <a16:creationId xmlns:a16="http://schemas.microsoft.com/office/drawing/2014/main" id="{8111C7FF-7E14-4D4C-833E-3E26A1E238AB}"/>
               </a:ext>
             </a:extLst>
           </p:cNvPr>
@@ -9883,7 +9879,7 @@
           <p:cNvPr id="4102" name="Picture 6" descr="Image result for postgre">
             <a:extLst>
               <a:ext uri="{FF2B5EF4-FFF2-40B4-BE49-F238E27FC236}">
-                <a16:creationId xmlns:a16="http://schemas.microsoft.com/office/drawing/2014/main" xmlns="" id="{C34F0C44-1D14-4C8C-BDE2-512FD1BC21BA}"/>
+                <a16:creationId xmlns:a16="http://schemas.microsoft.com/office/drawing/2014/main" id="{C34F0C44-1D14-4C8C-BDE2-512FD1BC21BA}"/>
               </a:ext>
             </a:extLst>
           </p:cNvPr>
@@ -9930,7 +9926,7 @@
           <p:cNvPr id="4104" name="Picture 8" descr="Image result for JS">
             <a:extLst>
               <a:ext uri="{FF2B5EF4-FFF2-40B4-BE49-F238E27FC236}">
-                <a16:creationId xmlns:a16="http://schemas.microsoft.com/office/drawing/2014/main" xmlns="" id="{1F7DFBFE-8410-4919-87AE-1AE0915AC1B6}"/>
+                <a16:creationId xmlns:a16="http://schemas.microsoft.com/office/drawing/2014/main" id="{1F7DFBFE-8410-4919-87AE-1AE0915AC1B6}"/>
               </a:ext>
             </a:extLst>
           </p:cNvPr>
@@ -9977,7 +9973,7 @@
           <p:cNvPr id="4106" name="Picture 10" descr="Image result for HTML">
             <a:extLst>
               <a:ext uri="{FF2B5EF4-FFF2-40B4-BE49-F238E27FC236}">
-                <a16:creationId xmlns:a16="http://schemas.microsoft.com/office/drawing/2014/main" xmlns="" id="{875ED7E3-294D-4358-ABF4-9BB48BD1776C}"/>
+                <a16:creationId xmlns:a16="http://schemas.microsoft.com/office/drawing/2014/main" id="{875ED7E3-294D-4358-ABF4-9BB48BD1776C}"/>
               </a:ext>
             </a:extLst>
           </p:cNvPr>
@@ -10024,7 +10020,7 @@
           <p:cNvPr id="4108" name="Picture 12" descr="Image result for CSS">
             <a:extLst>
               <a:ext uri="{FF2B5EF4-FFF2-40B4-BE49-F238E27FC236}">
-                <a16:creationId xmlns:a16="http://schemas.microsoft.com/office/drawing/2014/main" xmlns="" id="{286DDF16-867F-464D-B791-E19858482730}"/>
+                <a16:creationId xmlns:a16="http://schemas.microsoft.com/office/drawing/2014/main" id="{286DDF16-867F-464D-B791-E19858482730}"/>
               </a:ext>
             </a:extLst>
           </p:cNvPr>
@@ -10071,7 +10067,7 @@
           <p:cNvPr id="18" name="Footer Placeholder 17">
             <a:extLst>
               <a:ext uri="{FF2B5EF4-FFF2-40B4-BE49-F238E27FC236}">
-                <a16:creationId xmlns:a16="http://schemas.microsoft.com/office/drawing/2014/main" xmlns="" id="{4F33CCDD-795D-4350-838F-8FAFB293BB24}"/>
+                <a16:creationId xmlns:a16="http://schemas.microsoft.com/office/drawing/2014/main" id="{4F33CCDD-795D-4350-838F-8FAFB293BB24}"/>
               </a:ext>
             </a:extLst>
           </p:cNvPr>
@@ -10099,7 +10095,7 @@
           <p:cNvPr id="19" name="Slide Number Placeholder 18">
             <a:extLst>
               <a:ext uri="{FF2B5EF4-FFF2-40B4-BE49-F238E27FC236}">
-                <a16:creationId xmlns:a16="http://schemas.microsoft.com/office/drawing/2014/main" xmlns="" id="{B6B9846D-45B6-4896-BFB4-5E01D7A6F467}"/>
+                <a16:creationId xmlns:a16="http://schemas.microsoft.com/office/drawing/2014/main" id="{B6B9846D-45B6-4896-BFB4-5E01D7A6F467}"/>
               </a:ext>
             </a:extLst>
           </p:cNvPr>
@@ -10158,7 +10154,7 @@
           <p:cNvPr id="2" name="Title 1">
             <a:extLst>
               <a:ext uri="{FF2B5EF4-FFF2-40B4-BE49-F238E27FC236}">
-                <a16:creationId xmlns:a16="http://schemas.microsoft.com/office/drawing/2014/main" xmlns="" id="{B6E737F4-3B03-4D2F-91C5-95AD7221CEDC}"/>
+                <a16:creationId xmlns:a16="http://schemas.microsoft.com/office/drawing/2014/main" id="{B6E737F4-3B03-4D2F-91C5-95AD7221CEDC}"/>
               </a:ext>
             </a:extLst>
           </p:cNvPr>
@@ -10204,7 +10200,7 @@
           <p:cNvPr id="4" name="Footer Placeholder 3">
             <a:extLst>
               <a:ext uri="{FF2B5EF4-FFF2-40B4-BE49-F238E27FC236}">
-                <a16:creationId xmlns:a16="http://schemas.microsoft.com/office/drawing/2014/main" xmlns="" id="{0D0F6FF7-3337-483E-ADB9-5C497BEA80C1}"/>
+                <a16:creationId xmlns:a16="http://schemas.microsoft.com/office/drawing/2014/main" id="{0D0F6FF7-3337-483E-ADB9-5C497BEA80C1}"/>
               </a:ext>
             </a:extLst>
           </p:cNvPr>
@@ -10232,7 +10228,7 @@
           <p:cNvPr id="5" name="Slide Number Placeholder 4">
             <a:extLst>
               <a:ext uri="{FF2B5EF4-FFF2-40B4-BE49-F238E27FC236}">
-                <a16:creationId xmlns:a16="http://schemas.microsoft.com/office/drawing/2014/main" xmlns="" id="{9195C8BF-0B9D-4568-A78D-D38C5519B517}"/>
+                <a16:creationId xmlns:a16="http://schemas.microsoft.com/office/drawing/2014/main" id="{9195C8BF-0B9D-4568-A78D-D38C5519B517}"/>
               </a:ext>
             </a:extLst>
           </p:cNvPr>
@@ -10261,7 +10257,7 @@
           <p:cNvPr id="7" name="Picture 6" descr="A screenshot of a cell phone&#10;&#10;Description automatically generated">
             <a:extLst>
               <a:ext uri="{FF2B5EF4-FFF2-40B4-BE49-F238E27FC236}">
-                <a16:creationId xmlns:a16="http://schemas.microsoft.com/office/drawing/2014/main" xmlns="" id="{FEC7423A-3473-46A7-A830-7BC737F3C64D}"/>
+                <a16:creationId xmlns:a16="http://schemas.microsoft.com/office/drawing/2014/main" id="{FEC7423A-3473-46A7-A830-7BC737F3C64D}"/>
               </a:ext>
             </a:extLst>
           </p:cNvPr>
@@ -10338,10 +10334,10 @@
           <p:cNvPr id="21" name="Freeform: Shape 20">
             <a:extLst>
               <a:ext uri="{FF2B5EF4-FFF2-40B4-BE49-F238E27FC236}">
-                <a16:creationId xmlns:a16="http://schemas.microsoft.com/office/drawing/2014/main" xmlns="" id="{66B332A4-D438-4773-A77F-5ED49A448D9D}"/>
+                <a16:creationId xmlns:a16="http://schemas.microsoft.com/office/drawing/2014/main" id="{66B332A4-D438-4773-A77F-5ED49A448D9D}"/>
               </a:ext>
               <a:ext uri="{C183D7F6-B498-43B3-948B-1728B52AA6E4}">
-                <adec:decorative xmlns:adec="http://schemas.microsoft.com/office/drawing/2017/decorative" xmlns="" val="1"/>
+                <adec:decorative xmlns:adec="http://schemas.microsoft.com/office/drawing/2017/decorative" val="1"/>
               </a:ext>
             </a:extLst>
           </p:cNvPr>
@@ -10351,7 +10347,7 @@
           <p:nvPr>
             <p:extLst>
               <p:ext uri="{386F3935-93C4-4BCD-93E2-E3B085C9AB24}">
-                <p16:designElem xmlns:p16="http://schemas.microsoft.com/office/powerpoint/2015/main" xmlns="" val="1"/>
+                <p16:designElem xmlns:p16="http://schemas.microsoft.com/office/powerpoint/2015/main" val="1"/>
               </p:ext>
             </p:extLst>
           </p:nvPr>
@@ -10504,10 +10500,10 @@
           <p:cNvPr id="23" name="Freeform: Shape 22">
             <a:extLst>
               <a:ext uri="{FF2B5EF4-FFF2-40B4-BE49-F238E27FC236}">
-                <a16:creationId xmlns:a16="http://schemas.microsoft.com/office/drawing/2014/main" xmlns="" id="{DF9AD32D-FF05-44F4-BD4D-9CEE89B71EB9}"/>
+                <a16:creationId xmlns:a16="http://schemas.microsoft.com/office/drawing/2014/main" id="{DF9AD32D-FF05-44F4-BD4D-9CEE89B71EB9}"/>
               </a:ext>
               <a:ext uri="{C183D7F6-B498-43B3-948B-1728B52AA6E4}">
-                <adec:decorative xmlns:adec="http://schemas.microsoft.com/office/drawing/2017/decorative" xmlns="" val="1"/>
+                <adec:decorative xmlns:adec="http://schemas.microsoft.com/office/drawing/2017/decorative" val="1"/>
               </a:ext>
             </a:extLst>
           </p:cNvPr>
@@ -10517,7 +10513,7 @@
           <p:nvPr>
             <p:extLst>
               <p:ext uri="{386F3935-93C4-4BCD-93E2-E3B085C9AB24}">
-                <p16:designElem xmlns:p16="http://schemas.microsoft.com/office/powerpoint/2015/main" xmlns="" val="1"/>
+                <p16:designElem xmlns:p16="http://schemas.microsoft.com/office/powerpoint/2015/main" val="1"/>
               </p:ext>
             </p:extLst>
           </p:nvPr>
@@ -10668,7 +10664,7 @@
           <p:cNvPr id="2" name="Title 1">
             <a:extLst>
               <a:ext uri="{FF2B5EF4-FFF2-40B4-BE49-F238E27FC236}">
-                <a16:creationId xmlns:a16="http://schemas.microsoft.com/office/drawing/2014/main" xmlns="" id="{4C84315F-315F-4066-9D3A-472733691F27}"/>
+                <a16:creationId xmlns:a16="http://schemas.microsoft.com/office/drawing/2014/main" id="{4C84315F-315F-4066-9D3A-472733691F27}"/>
               </a:ext>
             </a:extLst>
           </p:cNvPr>
@@ -10711,7 +10707,7 @@
           <p:cNvPr id="4" name="Footer Placeholder 3">
             <a:extLst>
               <a:ext uri="{FF2B5EF4-FFF2-40B4-BE49-F238E27FC236}">
-                <a16:creationId xmlns:a16="http://schemas.microsoft.com/office/drawing/2014/main" xmlns="" id="{0EF7D1E5-7A19-4BA2-8CAA-9135FB90076C}"/>
+                <a16:creationId xmlns:a16="http://schemas.microsoft.com/office/drawing/2014/main" id="{0EF7D1E5-7A19-4BA2-8CAA-9135FB90076C}"/>
               </a:ext>
             </a:extLst>
           </p:cNvPr>
@@ -10760,7 +10756,7 @@
           <p:cNvPr id="5" name="Slide Number Placeholder 4">
             <a:extLst>
               <a:ext uri="{FF2B5EF4-FFF2-40B4-BE49-F238E27FC236}">
-                <a16:creationId xmlns:a16="http://schemas.microsoft.com/office/drawing/2014/main" xmlns="" id="{FAC16E02-623C-4BDA-BAFA-B73797A517FD}"/>
+                <a16:creationId xmlns:a16="http://schemas.microsoft.com/office/drawing/2014/main" id="{FAC16E02-623C-4BDA-BAFA-B73797A517FD}"/>
               </a:ext>
             </a:extLst>
           </p:cNvPr>
@@ -10850,7 +10846,7 @@
           <p:cNvPr id="2" name="Title 1">
             <a:extLst>
               <a:ext uri="{FF2B5EF4-FFF2-40B4-BE49-F238E27FC236}">
-                <a16:creationId xmlns:a16="http://schemas.microsoft.com/office/drawing/2014/main" xmlns="" id="{4C84315F-315F-4066-9D3A-472733691F27}"/>
+                <a16:creationId xmlns:a16="http://schemas.microsoft.com/office/drawing/2014/main" id="{4C84315F-315F-4066-9D3A-472733691F27}"/>
               </a:ext>
             </a:extLst>
           </p:cNvPr>
@@ -10889,7 +10885,7 @@
           <p:cNvPr id="3" name="Content Placeholder 2">
             <a:extLst>
               <a:ext uri="{FF2B5EF4-FFF2-40B4-BE49-F238E27FC236}">
-                <a16:creationId xmlns:a16="http://schemas.microsoft.com/office/drawing/2014/main" xmlns="" id="{3CCB48FF-D0DB-4239-BF7B-3AC940333DEC}"/>
+                <a16:creationId xmlns:a16="http://schemas.microsoft.com/office/drawing/2014/main" id="{3CCB48FF-D0DB-4239-BF7B-3AC940333DEC}"/>
               </a:ext>
             </a:extLst>
           </p:cNvPr>
@@ -11096,7 +11092,7 @@
           <p:cNvPr id="4" name="Footer Placeholder 3">
             <a:extLst>
               <a:ext uri="{FF2B5EF4-FFF2-40B4-BE49-F238E27FC236}">
-                <a16:creationId xmlns:a16="http://schemas.microsoft.com/office/drawing/2014/main" xmlns="" id="{0EF7D1E5-7A19-4BA2-8CAA-9135FB90076C}"/>
+                <a16:creationId xmlns:a16="http://schemas.microsoft.com/office/drawing/2014/main" id="{0EF7D1E5-7A19-4BA2-8CAA-9135FB90076C}"/>
               </a:ext>
             </a:extLst>
           </p:cNvPr>
@@ -11124,7 +11120,7 @@
           <p:cNvPr id="5" name="Slide Number Placeholder 4">
             <a:extLst>
               <a:ext uri="{FF2B5EF4-FFF2-40B4-BE49-F238E27FC236}">
-                <a16:creationId xmlns:a16="http://schemas.microsoft.com/office/drawing/2014/main" xmlns="" id="{FAC16E02-623C-4BDA-BAFA-B73797A517FD}"/>
+                <a16:creationId xmlns:a16="http://schemas.microsoft.com/office/drawing/2014/main" id="{FAC16E02-623C-4BDA-BAFA-B73797A517FD}"/>
               </a:ext>
             </a:extLst>
           </p:cNvPr>
@@ -11153,7 +11149,7 @@
           <p:cNvPr id="8" name="Picture 7">
             <a:extLst>
               <a:ext uri="{FF2B5EF4-FFF2-40B4-BE49-F238E27FC236}">
-                <a16:creationId xmlns:a16="http://schemas.microsoft.com/office/drawing/2014/main" xmlns="" id="{727B0294-0674-43BC-BDB7-4BEB8B9EBA86}"/>
+                <a16:creationId xmlns:a16="http://schemas.microsoft.com/office/drawing/2014/main" id="{727B0294-0674-43BC-BDB7-4BEB8B9EBA86}"/>
               </a:ext>
             </a:extLst>
           </p:cNvPr>
@@ -11189,7 +11185,7 @@
           <p:cNvPr id="10" name="Picture 9" descr="A screenshot of a cell phone&#10;&#10;Description automatically generated">
             <a:extLst>
               <a:ext uri="{FF2B5EF4-FFF2-40B4-BE49-F238E27FC236}">
-                <a16:creationId xmlns:a16="http://schemas.microsoft.com/office/drawing/2014/main" xmlns="" id="{49618CDA-DEB7-47DC-9E64-77CBE909E0AE}"/>
+                <a16:creationId xmlns:a16="http://schemas.microsoft.com/office/drawing/2014/main" id="{49618CDA-DEB7-47DC-9E64-77CBE909E0AE}"/>
               </a:ext>
             </a:extLst>
           </p:cNvPr>
@@ -11266,10 +11262,10 @@
           <p:cNvPr id="19" name="Freeform: Shape 18">
             <a:extLst>
               <a:ext uri="{FF2B5EF4-FFF2-40B4-BE49-F238E27FC236}">
-                <a16:creationId xmlns:a16="http://schemas.microsoft.com/office/drawing/2014/main" xmlns="" id="{66B332A4-D438-4773-A77F-5ED49A448D9D}"/>
+                <a16:creationId xmlns:a16="http://schemas.microsoft.com/office/drawing/2014/main" id="{66B332A4-D438-4773-A77F-5ED49A448D9D}"/>
               </a:ext>
               <a:ext uri="{C183D7F6-B498-43B3-948B-1728B52AA6E4}">
-                <adec:decorative xmlns:adec="http://schemas.microsoft.com/office/drawing/2017/decorative" xmlns="" val="1"/>
+                <adec:decorative xmlns:adec="http://schemas.microsoft.com/office/drawing/2017/decorative" val="1"/>
               </a:ext>
             </a:extLst>
           </p:cNvPr>
@@ -11279,7 +11275,7 @@
           <p:nvPr>
             <p:extLst>
               <p:ext uri="{386F3935-93C4-4BCD-93E2-E3B085C9AB24}">
-                <p16:designElem xmlns:p16="http://schemas.microsoft.com/office/powerpoint/2015/main" xmlns="" val="1"/>
+                <p16:designElem xmlns:p16="http://schemas.microsoft.com/office/powerpoint/2015/main" val="1"/>
               </p:ext>
             </p:extLst>
           </p:nvPr>
@@ -11432,10 +11428,10 @@
           <p:cNvPr id="21" name="Freeform: Shape 20">
             <a:extLst>
               <a:ext uri="{FF2B5EF4-FFF2-40B4-BE49-F238E27FC236}">
-                <a16:creationId xmlns:a16="http://schemas.microsoft.com/office/drawing/2014/main" xmlns="" id="{DF9AD32D-FF05-44F4-BD4D-9CEE89B71EB9}"/>
+                <a16:creationId xmlns:a16="http://schemas.microsoft.com/office/drawing/2014/main" id="{DF9AD32D-FF05-44F4-BD4D-9CEE89B71EB9}"/>
               </a:ext>
               <a:ext uri="{C183D7F6-B498-43B3-948B-1728B52AA6E4}">
-                <adec:decorative xmlns:adec="http://schemas.microsoft.com/office/drawing/2017/decorative" xmlns="" val="1"/>
+                <adec:decorative xmlns:adec="http://schemas.microsoft.com/office/drawing/2017/decorative" val="1"/>
               </a:ext>
             </a:extLst>
           </p:cNvPr>
@@ -11445,7 +11441,7 @@
           <p:nvPr>
             <p:extLst>
               <p:ext uri="{386F3935-93C4-4BCD-93E2-E3B085C9AB24}">
-                <p16:designElem xmlns:p16="http://schemas.microsoft.com/office/powerpoint/2015/main" xmlns="" val="1"/>
+                <p16:designElem xmlns:p16="http://schemas.microsoft.com/office/powerpoint/2015/main" val="1"/>
               </p:ext>
             </p:extLst>
           </p:nvPr>
@@ -11596,7 +11592,7 @@
           <p:cNvPr id="2" name="Title 1">
             <a:extLst>
               <a:ext uri="{FF2B5EF4-FFF2-40B4-BE49-F238E27FC236}">
-                <a16:creationId xmlns:a16="http://schemas.microsoft.com/office/drawing/2014/main" xmlns="" id="{4C84315F-315F-4066-9D3A-472733691F27}"/>
+                <a16:creationId xmlns:a16="http://schemas.microsoft.com/office/drawing/2014/main" id="{4C84315F-315F-4066-9D3A-472733691F27}"/>
               </a:ext>
             </a:extLst>
           </p:cNvPr>
@@ -11639,7 +11635,7 @@
           <p:cNvPr id="4" name="Footer Placeholder 3">
             <a:extLst>
               <a:ext uri="{FF2B5EF4-FFF2-40B4-BE49-F238E27FC236}">
-                <a16:creationId xmlns:a16="http://schemas.microsoft.com/office/drawing/2014/main" xmlns="" id="{0EF7D1E5-7A19-4BA2-8CAA-9135FB90076C}"/>
+                <a16:creationId xmlns:a16="http://schemas.microsoft.com/office/drawing/2014/main" id="{0EF7D1E5-7A19-4BA2-8CAA-9135FB90076C}"/>
               </a:ext>
             </a:extLst>
           </p:cNvPr>
@@ -11688,7 +11684,7 @@
           <p:cNvPr id="5" name="Slide Number Placeholder 4">
             <a:extLst>
               <a:ext uri="{FF2B5EF4-FFF2-40B4-BE49-F238E27FC236}">
-                <a16:creationId xmlns:a16="http://schemas.microsoft.com/office/drawing/2014/main" xmlns="" id="{FAC16E02-623C-4BDA-BAFA-B73797A517FD}"/>
+                <a16:creationId xmlns:a16="http://schemas.microsoft.com/office/drawing/2014/main" id="{FAC16E02-623C-4BDA-BAFA-B73797A517FD}"/>
               </a:ext>
             </a:extLst>
           </p:cNvPr>
@@ -11778,7 +11774,7 @@
           <p:cNvPr id="2" name="Title 1">
             <a:extLst>
               <a:ext uri="{FF2B5EF4-FFF2-40B4-BE49-F238E27FC236}">
-                <a16:creationId xmlns:a16="http://schemas.microsoft.com/office/drawing/2014/main" xmlns="" id="{4C84315F-315F-4066-9D3A-472733691F27}"/>
+                <a16:creationId xmlns:a16="http://schemas.microsoft.com/office/drawing/2014/main" id="{4C84315F-315F-4066-9D3A-472733691F27}"/>
               </a:ext>
             </a:extLst>
           </p:cNvPr>
@@ -11821,7 +11817,7 @@
           <p:cNvPr id="3" name="Content Placeholder 2">
             <a:extLst>
               <a:ext uri="{FF2B5EF4-FFF2-40B4-BE49-F238E27FC236}">
-                <a16:creationId xmlns:a16="http://schemas.microsoft.com/office/drawing/2014/main" xmlns="" id="{3CCB48FF-D0DB-4239-BF7B-3AC940333DEC}"/>
+                <a16:creationId xmlns:a16="http://schemas.microsoft.com/office/drawing/2014/main" id="{3CCB48FF-D0DB-4239-BF7B-3AC940333DEC}"/>
               </a:ext>
             </a:extLst>
           </p:cNvPr>
@@ -11992,7 +11988,7 @@
           <p:cNvPr id="4" name="Footer Placeholder 3">
             <a:extLst>
               <a:ext uri="{FF2B5EF4-FFF2-40B4-BE49-F238E27FC236}">
-                <a16:creationId xmlns:a16="http://schemas.microsoft.com/office/drawing/2014/main" xmlns="" id="{0EF7D1E5-7A19-4BA2-8CAA-9135FB90076C}"/>
+                <a16:creationId xmlns:a16="http://schemas.microsoft.com/office/drawing/2014/main" id="{0EF7D1E5-7A19-4BA2-8CAA-9135FB90076C}"/>
               </a:ext>
             </a:extLst>
           </p:cNvPr>
@@ -12025,7 +12021,7 @@
           <p:cNvPr id="5" name="Slide Number Placeholder 4">
             <a:extLst>
               <a:ext uri="{FF2B5EF4-FFF2-40B4-BE49-F238E27FC236}">
-                <a16:creationId xmlns:a16="http://schemas.microsoft.com/office/drawing/2014/main" xmlns="" id="{FAC16E02-623C-4BDA-BAFA-B73797A517FD}"/>
+                <a16:creationId xmlns:a16="http://schemas.microsoft.com/office/drawing/2014/main" id="{FAC16E02-623C-4BDA-BAFA-B73797A517FD}"/>
               </a:ext>
             </a:extLst>
           </p:cNvPr>
@@ -12059,7 +12055,7 @@
           <p:cNvPr id="12" name="Picture 11">
             <a:extLst>
               <a:ext uri="{FF2B5EF4-FFF2-40B4-BE49-F238E27FC236}">
-                <a16:creationId xmlns:a16="http://schemas.microsoft.com/office/drawing/2014/main" xmlns="" id="{4952C6A9-A774-46DB-BDF1-F673FA48CDFD}"/>
+                <a16:creationId xmlns:a16="http://schemas.microsoft.com/office/drawing/2014/main" id="{4952C6A9-A774-46DB-BDF1-F673FA48CDFD}"/>
               </a:ext>
             </a:extLst>
           </p:cNvPr>
@@ -12125,7 +12121,7 @@
           <p:cNvPr id="2" name="Title 1">
             <a:extLst>
               <a:ext uri="{FF2B5EF4-FFF2-40B4-BE49-F238E27FC236}">
-                <a16:creationId xmlns:a16="http://schemas.microsoft.com/office/drawing/2014/main" xmlns="" id="{4C84315F-315F-4066-9D3A-472733691F27}"/>
+                <a16:creationId xmlns:a16="http://schemas.microsoft.com/office/drawing/2014/main" id="{4C84315F-315F-4066-9D3A-472733691F27}"/>
               </a:ext>
             </a:extLst>
           </p:cNvPr>
@@ -12180,7 +12176,7 @@
           <p:cNvPr id="8" name="Inhaltsplatzhalter 7" descr="Ein Bild, das Screenshot enthält.&#10;&#10;Automatisch generierte Beschreibung">
             <a:extLst>
               <a:ext uri="{FF2B5EF4-FFF2-40B4-BE49-F238E27FC236}">
-                <a16:creationId xmlns:a16="http://schemas.microsoft.com/office/drawing/2014/main" xmlns="" id="{E3924121-A383-42BD-A8DC-7D467B374357}"/>
+                <a16:creationId xmlns:a16="http://schemas.microsoft.com/office/drawing/2014/main" id="{E3924121-A383-42BD-A8DC-7D467B374357}"/>
               </a:ext>
             </a:extLst>
           </p:cNvPr>
@@ -12215,7 +12211,7 @@
           <p:cNvPr id="4" name="Footer Placeholder 3">
             <a:extLst>
               <a:ext uri="{FF2B5EF4-FFF2-40B4-BE49-F238E27FC236}">
-                <a16:creationId xmlns:a16="http://schemas.microsoft.com/office/drawing/2014/main" xmlns="" id="{0EF7D1E5-7A19-4BA2-8CAA-9135FB90076C}"/>
+                <a16:creationId xmlns:a16="http://schemas.microsoft.com/office/drawing/2014/main" id="{0EF7D1E5-7A19-4BA2-8CAA-9135FB90076C}"/>
               </a:ext>
             </a:extLst>
           </p:cNvPr>
@@ -12248,7 +12244,7 @@
           <p:cNvPr id="5" name="Slide Number Placeholder 4">
             <a:extLst>
               <a:ext uri="{FF2B5EF4-FFF2-40B4-BE49-F238E27FC236}">
-                <a16:creationId xmlns:a16="http://schemas.microsoft.com/office/drawing/2014/main" xmlns="" id="{FAC16E02-623C-4BDA-BAFA-B73797A517FD}"/>
+                <a16:creationId xmlns:a16="http://schemas.microsoft.com/office/drawing/2014/main" id="{FAC16E02-623C-4BDA-BAFA-B73797A517FD}"/>
               </a:ext>
             </a:extLst>
           </p:cNvPr>
@@ -12282,7 +12278,7 @@
           <p:cNvPr id="9" name="Textfeld 8">
             <a:extLst>
               <a:ext uri="{FF2B5EF4-FFF2-40B4-BE49-F238E27FC236}">
-                <a16:creationId xmlns:a16="http://schemas.microsoft.com/office/drawing/2014/main" xmlns="" id="{0BC016EB-C997-45C6-8835-9C6489AE7467}"/>
+                <a16:creationId xmlns:a16="http://schemas.microsoft.com/office/drawing/2014/main" id="{0BC016EB-C997-45C6-8835-9C6489AE7467}"/>
               </a:ext>
             </a:extLst>
           </p:cNvPr>
@@ -12317,7 +12313,7 @@
           <p:cNvPr id="11" name="Grafik 10" descr="Ein Bild, das Screenshot enthält.&#10;&#10;Automatisch generierte Beschreibung">
             <a:extLst>
               <a:ext uri="{FF2B5EF4-FFF2-40B4-BE49-F238E27FC236}">
-                <a16:creationId xmlns:a16="http://schemas.microsoft.com/office/drawing/2014/main" xmlns="" id="{2788B166-ACA4-49D8-8267-C2B86797E620}"/>
+                <a16:creationId xmlns:a16="http://schemas.microsoft.com/office/drawing/2014/main" id="{2788B166-ACA4-49D8-8267-C2B86797E620}"/>
               </a:ext>
             </a:extLst>
           </p:cNvPr>
@@ -12353,7 +12349,7 @@
           <p:cNvPr id="16" name="Textfeld 15">
             <a:extLst>
               <a:ext uri="{FF2B5EF4-FFF2-40B4-BE49-F238E27FC236}">
-                <a16:creationId xmlns:a16="http://schemas.microsoft.com/office/drawing/2014/main" xmlns="" id="{3B830095-FAAF-4349-B714-8DEAD2804688}"/>
+                <a16:creationId xmlns:a16="http://schemas.microsoft.com/office/drawing/2014/main" id="{3B830095-FAAF-4349-B714-8DEAD2804688}"/>
               </a:ext>
             </a:extLst>
           </p:cNvPr>
@@ -12423,7 +12419,7 @@
           <p:cNvPr id="2" name="Title 1">
             <a:extLst>
               <a:ext uri="{FF2B5EF4-FFF2-40B4-BE49-F238E27FC236}">
-                <a16:creationId xmlns:a16="http://schemas.microsoft.com/office/drawing/2014/main" xmlns="" id="{4C84315F-315F-4066-9D3A-472733691F27}"/>
+                <a16:creationId xmlns:a16="http://schemas.microsoft.com/office/drawing/2014/main" id="{4C84315F-315F-4066-9D3A-472733691F27}"/>
               </a:ext>
             </a:extLst>
           </p:cNvPr>
@@ -12478,7 +12474,7 @@
           <p:cNvPr id="4" name="Footer Placeholder 3">
             <a:extLst>
               <a:ext uri="{FF2B5EF4-FFF2-40B4-BE49-F238E27FC236}">
-                <a16:creationId xmlns:a16="http://schemas.microsoft.com/office/drawing/2014/main" xmlns="" id="{0EF7D1E5-7A19-4BA2-8CAA-9135FB90076C}"/>
+                <a16:creationId xmlns:a16="http://schemas.microsoft.com/office/drawing/2014/main" id="{0EF7D1E5-7A19-4BA2-8CAA-9135FB90076C}"/>
               </a:ext>
             </a:extLst>
           </p:cNvPr>
@@ -12511,7 +12507,7 @@
           <p:cNvPr id="5" name="Slide Number Placeholder 4">
             <a:extLst>
               <a:ext uri="{FF2B5EF4-FFF2-40B4-BE49-F238E27FC236}">
-                <a16:creationId xmlns:a16="http://schemas.microsoft.com/office/drawing/2014/main" xmlns="" id="{FAC16E02-623C-4BDA-BAFA-B73797A517FD}"/>
+                <a16:creationId xmlns:a16="http://schemas.microsoft.com/office/drawing/2014/main" id="{FAC16E02-623C-4BDA-BAFA-B73797A517FD}"/>
               </a:ext>
             </a:extLst>
           </p:cNvPr>
@@ -12545,7 +12541,7 @@
           <p:cNvPr id="9" name="Textfeld 8">
             <a:extLst>
               <a:ext uri="{FF2B5EF4-FFF2-40B4-BE49-F238E27FC236}">
-                <a16:creationId xmlns:a16="http://schemas.microsoft.com/office/drawing/2014/main" xmlns="" id="{0BC016EB-C997-45C6-8835-9C6489AE7467}"/>
+                <a16:creationId xmlns:a16="http://schemas.microsoft.com/office/drawing/2014/main" id="{0BC016EB-C997-45C6-8835-9C6489AE7467}"/>
               </a:ext>
             </a:extLst>
           </p:cNvPr>
@@ -12580,7 +12576,7 @@
           <p:cNvPr id="6" name="Grafik 5" descr="Ein Bild, das Messer enthält.&#10;&#10;Automatisch generierte Beschreibung">
             <a:extLst>
               <a:ext uri="{FF2B5EF4-FFF2-40B4-BE49-F238E27FC236}">
-                <a16:creationId xmlns:a16="http://schemas.microsoft.com/office/drawing/2014/main" xmlns="" id="{33492598-0506-4F48-9736-08ECA55DD99C}"/>
+                <a16:creationId xmlns:a16="http://schemas.microsoft.com/office/drawing/2014/main" id="{33492598-0506-4F48-9736-08ECA55DD99C}"/>
               </a:ext>
             </a:extLst>
           </p:cNvPr>
@@ -12646,7 +12642,7 @@
           <p:cNvPr id="2" name="Titel 1">
             <a:extLst>
               <a:ext uri="{FF2B5EF4-FFF2-40B4-BE49-F238E27FC236}">
-                <a16:creationId xmlns:a16="http://schemas.microsoft.com/office/drawing/2014/main" xmlns="" id="{17DEE8A4-A5A4-4301-9176-15D6AA2023C5}"/>
+                <a16:creationId xmlns:a16="http://schemas.microsoft.com/office/drawing/2014/main" id="{17DEE8A4-A5A4-4301-9176-15D6AA2023C5}"/>
               </a:ext>
             </a:extLst>
           </p:cNvPr>
@@ -12690,7 +12686,7 @@
           <p:cNvPr id="3" name="Inhaltsplatzhalter 2">
             <a:extLst>
               <a:ext uri="{FF2B5EF4-FFF2-40B4-BE49-F238E27FC236}">
-                <a16:creationId xmlns:a16="http://schemas.microsoft.com/office/drawing/2014/main" xmlns="" id="{F00680B5-0C22-4D42-BEA8-0B4B975F1B86}"/>
+                <a16:creationId xmlns:a16="http://schemas.microsoft.com/office/drawing/2014/main" id="{F00680B5-0C22-4D42-BEA8-0B4B975F1B86}"/>
               </a:ext>
             </a:extLst>
           </p:cNvPr>
@@ -12718,7 +12714,7 @@
           <p:cNvPr id="5" name="Fußzeilenplatzhalter 4">
             <a:extLst>
               <a:ext uri="{FF2B5EF4-FFF2-40B4-BE49-F238E27FC236}">
-                <a16:creationId xmlns:a16="http://schemas.microsoft.com/office/drawing/2014/main" xmlns="" id="{DB08F782-DCB4-4161-88AE-F7AA7041A40F}"/>
+                <a16:creationId xmlns:a16="http://schemas.microsoft.com/office/drawing/2014/main" id="{DB08F782-DCB4-4161-88AE-F7AA7041A40F}"/>
               </a:ext>
             </a:extLst>
           </p:cNvPr>
@@ -12746,7 +12742,7 @@
           <p:cNvPr id="6" name="Foliennummernplatzhalter 5">
             <a:extLst>
               <a:ext uri="{FF2B5EF4-FFF2-40B4-BE49-F238E27FC236}">
-                <a16:creationId xmlns:a16="http://schemas.microsoft.com/office/drawing/2014/main" xmlns="" id="{3E21B9F1-DC31-40EC-82DF-25E8412AFF2C}"/>
+                <a16:creationId xmlns:a16="http://schemas.microsoft.com/office/drawing/2014/main" id="{3E21B9F1-DC31-40EC-82DF-25E8412AFF2C}"/>
               </a:ext>
             </a:extLst>
           </p:cNvPr>
@@ -12775,7 +12771,7 @@
           <p:cNvPr id="11" name="Inhaltsplatzhalter 10">
             <a:extLst>
               <a:ext uri="{FF2B5EF4-FFF2-40B4-BE49-F238E27FC236}">
-                <a16:creationId xmlns:a16="http://schemas.microsoft.com/office/drawing/2014/main" xmlns="" id="{007F4C84-4F4F-4520-885C-408A29A85748}"/>
+                <a16:creationId xmlns:a16="http://schemas.microsoft.com/office/drawing/2014/main" id="{007F4C84-4F4F-4520-885C-408A29A85748}"/>
               </a:ext>
             </a:extLst>
           </p:cNvPr>
@@ -12836,7 +12832,7 @@
           <p:cNvPr id="2" name="Titel 1">
             <a:extLst>
               <a:ext uri="{FF2B5EF4-FFF2-40B4-BE49-F238E27FC236}">
-                <a16:creationId xmlns:a16="http://schemas.microsoft.com/office/drawing/2014/main" xmlns="" id="{17DEE8A4-A5A4-4301-9176-15D6AA2023C5}"/>
+                <a16:creationId xmlns:a16="http://schemas.microsoft.com/office/drawing/2014/main" id="{17DEE8A4-A5A4-4301-9176-15D6AA2023C5}"/>
               </a:ext>
             </a:extLst>
           </p:cNvPr>
@@ -12880,7 +12876,7 @@
           <p:cNvPr id="3" name="Inhaltsplatzhalter 2">
             <a:extLst>
               <a:ext uri="{FF2B5EF4-FFF2-40B4-BE49-F238E27FC236}">
-                <a16:creationId xmlns:a16="http://schemas.microsoft.com/office/drawing/2014/main" xmlns="" id="{F00680B5-0C22-4D42-BEA8-0B4B975F1B86}"/>
+                <a16:creationId xmlns:a16="http://schemas.microsoft.com/office/drawing/2014/main" id="{F00680B5-0C22-4D42-BEA8-0B4B975F1B86}"/>
               </a:ext>
             </a:extLst>
           </p:cNvPr>
@@ -12908,7 +12904,7 @@
           <p:cNvPr id="8" name="Inhaltsplatzhalter 7">
             <a:extLst>
               <a:ext uri="{FF2B5EF4-FFF2-40B4-BE49-F238E27FC236}">
-                <a16:creationId xmlns:a16="http://schemas.microsoft.com/office/drawing/2014/main" xmlns="" id="{FBAEB1D6-5F14-4FA5-9CC1-F1F27B76CF93}"/>
+                <a16:creationId xmlns:a16="http://schemas.microsoft.com/office/drawing/2014/main" id="{FBAEB1D6-5F14-4FA5-9CC1-F1F27B76CF93}"/>
               </a:ext>
             </a:extLst>
           </p:cNvPr>
@@ -12940,7 +12936,7 @@
           <p:cNvPr id="5" name="Fußzeilenplatzhalter 4">
             <a:extLst>
               <a:ext uri="{FF2B5EF4-FFF2-40B4-BE49-F238E27FC236}">
-                <a16:creationId xmlns:a16="http://schemas.microsoft.com/office/drawing/2014/main" xmlns="" id="{DB08F782-DCB4-4161-88AE-F7AA7041A40F}"/>
+                <a16:creationId xmlns:a16="http://schemas.microsoft.com/office/drawing/2014/main" id="{DB08F782-DCB4-4161-88AE-F7AA7041A40F}"/>
               </a:ext>
             </a:extLst>
           </p:cNvPr>
@@ -12968,7 +12964,7 @@
           <p:cNvPr id="6" name="Foliennummernplatzhalter 5">
             <a:extLst>
               <a:ext uri="{FF2B5EF4-FFF2-40B4-BE49-F238E27FC236}">
-                <a16:creationId xmlns:a16="http://schemas.microsoft.com/office/drawing/2014/main" xmlns="" id="{3E21B9F1-DC31-40EC-82DF-25E8412AFF2C}"/>
+                <a16:creationId xmlns:a16="http://schemas.microsoft.com/office/drawing/2014/main" id="{3E21B9F1-DC31-40EC-82DF-25E8412AFF2C}"/>
               </a:ext>
             </a:extLst>
           </p:cNvPr>
@@ -13027,7 +13023,7 @@
           <p:cNvPr id="2" name="Title 1">
             <a:extLst>
               <a:ext uri="{FF2B5EF4-FFF2-40B4-BE49-F238E27FC236}">
-                <a16:creationId xmlns:a16="http://schemas.microsoft.com/office/drawing/2014/main" xmlns="" id="{4C84315F-315F-4066-9D3A-472733691F27}"/>
+                <a16:creationId xmlns:a16="http://schemas.microsoft.com/office/drawing/2014/main" id="{4C84315F-315F-4066-9D3A-472733691F27}"/>
               </a:ext>
             </a:extLst>
           </p:cNvPr>
@@ -13078,7 +13074,7 @@
           <p:cNvPr id="3" name="Content Placeholder 2">
             <a:extLst>
               <a:ext uri="{FF2B5EF4-FFF2-40B4-BE49-F238E27FC236}">
-                <a16:creationId xmlns:a16="http://schemas.microsoft.com/office/drawing/2014/main" xmlns="" id="{3CCB48FF-D0DB-4239-BF7B-3AC940333DEC}"/>
+                <a16:creationId xmlns:a16="http://schemas.microsoft.com/office/drawing/2014/main" id="{3CCB48FF-D0DB-4239-BF7B-3AC940333DEC}"/>
               </a:ext>
             </a:extLst>
           </p:cNvPr>
@@ -13207,7 +13203,7 @@
           <p:cNvPr id="4" name="Footer Placeholder 3">
             <a:extLst>
               <a:ext uri="{FF2B5EF4-FFF2-40B4-BE49-F238E27FC236}">
-                <a16:creationId xmlns:a16="http://schemas.microsoft.com/office/drawing/2014/main" xmlns="" id="{0EF7D1E5-7A19-4BA2-8CAA-9135FB90076C}"/>
+                <a16:creationId xmlns:a16="http://schemas.microsoft.com/office/drawing/2014/main" id="{0EF7D1E5-7A19-4BA2-8CAA-9135FB90076C}"/>
               </a:ext>
             </a:extLst>
           </p:cNvPr>
@@ -13240,7 +13236,7 @@
           <p:cNvPr id="5" name="Slide Number Placeholder 4">
             <a:extLst>
               <a:ext uri="{FF2B5EF4-FFF2-40B4-BE49-F238E27FC236}">
-                <a16:creationId xmlns:a16="http://schemas.microsoft.com/office/drawing/2014/main" xmlns="" id="{FAC16E02-623C-4BDA-BAFA-B73797A517FD}"/>
+                <a16:creationId xmlns:a16="http://schemas.microsoft.com/office/drawing/2014/main" id="{FAC16E02-623C-4BDA-BAFA-B73797A517FD}"/>
               </a:ext>
             </a:extLst>
           </p:cNvPr>
@@ -13274,7 +13270,7 @@
           <p:cNvPr id="7" name="Grafik 6" descr="Ein Bild, das Screenshot enthält.&#10;&#10;Automatisch generierte Beschreibung">
             <a:extLst>
               <a:ext uri="{FF2B5EF4-FFF2-40B4-BE49-F238E27FC236}">
-                <a16:creationId xmlns:a16="http://schemas.microsoft.com/office/drawing/2014/main" xmlns="" id="{C6D8A160-082B-4802-BCC8-63E68D79088A}"/>
+                <a16:creationId xmlns:a16="http://schemas.microsoft.com/office/drawing/2014/main" id="{C6D8A160-082B-4802-BCC8-63E68D79088A}"/>
               </a:ext>
             </a:extLst>
           </p:cNvPr>
@@ -13340,7 +13336,7 @@
           <p:cNvPr id="2" name="Title 1">
             <a:extLst>
               <a:ext uri="{FF2B5EF4-FFF2-40B4-BE49-F238E27FC236}">
-                <a16:creationId xmlns:a16="http://schemas.microsoft.com/office/drawing/2014/main" xmlns="" id="{4C84315F-315F-4066-9D3A-472733691F27}"/>
+                <a16:creationId xmlns:a16="http://schemas.microsoft.com/office/drawing/2014/main" id="{4C84315F-315F-4066-9D3A-472733691F27}"/>
               </a:ext>
             </a:extLst>
           </p:cNvPr>
@@ -13387,7 +13383,7 @@
           <p:cNvPr id="3" name="Content Placeholder 2">
             <a:extLst>
               <a:ext uri="{FF2B5EF4-FFF2-40B4-BE49-F238E27FC236}">
-                <a16:creationId xmlns:a16="http://schemas.microsoft.com/office/drawing/2014/main" xmlns="" id="{3CCB48FF-D0DB-4239-BF7B-3AC940333DEC}"/>
+                <a16:creationId xmlns:a16="http://schemas.microsoft.com/office/drawing/2014/main" id="{3CCB48FF-D0DB-4239-BF7B-3AC940333DEC}"/>
               </a:ext>
             </a:extLst>
           </p:cNvPr>
@@ -13455,7 +13451,7 @@
           <p:cNvPr id="4" name="Footer Placeholder 3">
             <a:extLst>
               <a:ext uri="{FF2B5EF4-FFF2-40B4-BE49-F238E27FC236}">
-                <a16:creationId xmlns:a16="http://schemas.microsoft.com/office/drawing/2014/main" xmlns="" id="{0EF7D1E5-7A19-4BA2-8CAA-9135FB90076C}"/>
+                <a16:creationId xmlns:a16="http://schemas.microsoft.com/office/drawing/2014/main" id="{0EF7D1E5-7A19-4BA2-8CAA-9135FB90076C}"/>
               </a:ext>
             </a:extLst>
           </p:cNvPr>
@@ -13488,7 +13484,7 @@
           <p:cNvPr id="5" name="Slide Number Placeholder 4">
             <a:extLst>
               <a:ext uri="{FF2B5EF4-FFF2-40B4-BE49-F238E27FC236}">
-                <a16:creationId xmlns:a16="http://schemas.microsoft.com/office/drawing/2014/main" xmlns="" id="{FAC16E02-623C-4BDA-BAFA-B73797A517FD}"/>
+                <a16:creationId xmlns:a16="http://schemas.microsoft.com/office/drawing/2014/main" id="{FAC16E02-623C-4BDA-BAFA-B73797A517FD}"/>
               </a:ext>
             </a:extLst>
           </p:cNvPr>
@@ -13522,7 +13518,7 @@
           <p:cNvPr id="8" name="Grafik 7">
             <a:extLst>
               <a:ext uri="{FF2B5EF4-FFF2-40B4-BE49-F238E27FC236}">
-                <a16:creationId xmlns:a16="http://schemas.microsoft.com/office/drawing/2014/main" xmlns="" id="{269F6777-DAC5-4237-8396-8FB8169A6384}"/>
+                <a16:creationId xmlns:a16="http://schemas.microsoft.com/office/drawing/2014/main" id="{269F6777-DAC5-4237-8396-8FB8169A6384}"/>
               </a:ext>
             </a:extLst>
           </p:cNvPr>
@@ -13558,7 +13554,7 @@
           <p:cNvPr id="10" name="Grafik 9" descr="Ein Bild, das Screenshot enthält.&#10;&#10;Automatisch generierte Beschreibung">
             <a:extLst>
               <a:ext uri="{FF2B5EF4-FFF2-40B4-BE49-F238E27FC236}">
-                <a16:creationId xmlns:a16="http://schemas.microsoft.com/office/drawing/2014/main" xmlns="" id="{14490D41-80A0-4C33-A2CF-D3BAF9AE9CF6}"/>
+                <a16:creationId xmlns:a16="http://schemas.microsoft.com/office/drawing/2014/main" id="{14490D41-80A0-4C33-A2CF-D3BAF9AE9CF6}"/>
               </a:ext>
             </a:extLst>
           </p:cNvPr>
@@ -13594,7 +13590,7 @@
           <p:cNvPr id="11" name="Textfeld 10">
             <a:extLst>
               <a:ext uri="{FF2B5EF4-FFF2-40B4-BE49-F238E27FC236}">
-                <a16:creationId xmlns:a16="http://schemas.microsoft.com/office/drawing/2014/main" xmlns="" id="{E93B4C1D-B2B1-4CB0-A814-2A2B5321822F}"/>
+                <a16:creationId xmlns:a16="http://schemas.microsoft.com/office/drawing/2014/main" id="{E93B4C1D-B2B1-4CB0-A814-2A2B5321822F}"/>
               </a:ext>
             </a:extLst>
           </p:cNvPr>
@@ -13642,7 +13638,7 @@
           <p:cNvPr id="12" name="Textfeld 11">
             <a:extLst>
               <a:ext uri="{FF2B5EF4-FFF2-40B4-BE49-F238E27FC236}">
-                <a16:creationId xmlns:a16="http://schemas.microsoft.com/office/drawing/2014/main" xmlns="" id="{42DBCF64-5F28-4D8C-B161-9DE6DFAB4E36}"/>
+                <a16:creationId xmlns:a16="http://schemas.microsoft.com/office/drawing/2014/main" id="{42DBCF64-5F28-4D8C-B161-9DE6DFAB4E36}"/>
               </a:ext>
             </a:extLst>
           </p:cNvPr>
@@ -13715,7 +13711,7 @@
           <p:cNvPr id="2" name="Titel 1">
             <a:extLst>
               <a:ext uri="{FF2B5EF4-FFF2-40B4-BE49-F238E27FC236}">
-                <a16:creationId xmlns:a16="http://schemas.microsoft.com/office/drawing/2014/main" xmlns="" id="{0C84D783-1E23-4D31-A167-7B9D190AAA9B}"/>
+                <a16:creationId xmlns:a16="http://schemas.microsoft.com/office/drawing/2014/main" id="{0C84D783-1E23-4D31-A167-7B9D190AAA9B}"/>
               </a:ext>
             </a:extLst>
           </p:cNvPr>
@@ -13742,10 +13738,6 @@
             <a:r>
               <a:rPr lang="en-NZ" dirty="0" err="1"/>
               <a:t>Kennlinien</a:t>
-            </a:r>
-            <a:r>
-              <a:rPr lang="en-NZ" dirty="0"/>
-              <a:t/>
             </a:r>
             <a:br>
               <a:rPr lang="en-NZ" dirty="0"/>
@@ -13767,7 +13759,7 @@
           <p:cNvPr id="3" name="Inhaltsplatzhalter 2">
             <a:extLst>
               <a:ext uri="{FF2B5EF4-FFF2-40B4-BE49-F238E27FC236}">
-                <a16:creationId xmlns:a16="http://schemas.microsoft.com/office/drawing/2014/main" xmlns="" id="{BABF5C33-7554-4297-A144-BA91DC915755}"/>
+                <a16:creationId xmlns:a16="http://schemas.microsoft.com/office/drawing/2014/main" id="{BABF5C33-7554-4297-A144-BA91DC915755}"/>
               </a:ext>
             </a:extLst>
           </p:cNvPr>
@@ -13809,7 +13801,7 @@
           <p:cNvPr id="7" name="Inhaltsplatzhalter 6">
             <a:extLst>
               <a:ext uri="{FF2B5EF4-FFF2-40B4-BE49-F238E27FC236}">
-                <a16:creationId xmlns:a16="http://schemas.microsoft.com/office/drawing/2014/main" xmlns="" id="{69C30DC1-E47A-46AD-94A8-14B576B9F1CB}"/>
+                <a16:creationId xmlns:a16="http://schemas.microsoft.com/office/drawing/2014/main" id="{69C30DC1-E47A-46AD-94A8-14B576B9F1CB}"/>
               </a:ext>
             </a:extLst>
           </p:cNvPr>
@@ -13841,7 +13833,7 @@
           <p:cNvPr id="5" name="Fußzeilenplatzhalter 4">
             <a:extLst>
               <a:ext uri="{FF2B5EF4-FFF2-40B4-BE49-F238E27FC236}">
-                <a16:creationId xmlns:a16="http://schemas.microsoft.com/office/drawing/2014/main" xmlns="" id="{5EE04440-D578-4BC9-AFE9-188AE5A15D83}"/>
+                <a16:creationId xmlns:a16="http://schemas.microsoft.com/office/drawing/2014/main" id="{5EE04440-D578-4BC9-AFE9-188AE5A15D83}"/>
               </a:ext>
             </a:extLst>
           </p:cNvPr>
@@ -13869,7 +13861,7 @@
           <p:cNvPr id="6" name="Foliennummernplatzhalter 5">
             <a:extLst>
               <a:ext uri="{FF2B5EF4-FFF2-40B4-BE49-F238E27FC236}">
-                <a16:creationId xmlns:a16="http://schemas.microsoft.com/office/drawing/2014/main" xmlns="" id="{1626310D-58D0-4D30-AB26-C0F6492EE42A}"/>
+                <a16:creationId xmlns:a16="http://schemas.microsoft.com/office/drawing/2014/main" id="{1626310D-58D0-4D30-AB26-C0F6492EE42A}"/>
               </a:ext>
             </a:extLst>
           </p:cNvPr>
@@ -13928,7 +13920,7 @@
           <p:cNvPr id="2" name="Titel 1">
             <a:extLst>
               <a:ext uri="{FF2B5EF4-FFF2-40B4-BE49-F238E27FC236}">
-                <a16:creationId xmlns:a16="http://schemas.microsoft.com/office/drawing/2014/main" xmlns="" id="{0C84D783-1E23-4D31-A167-7B9D190AAA9B}"/>
+                <a16:creationId xmlns:a16="http://schemas.microsoft.com/office/drawing/2014/main" id="{0C84D783-1E23-4D31-A167-7B9D190AAA9B}"/>
               </a:ext>
             </a:extLst>
           </p:cNvPr>
@@ -13955,10 +13947,6 @@
             <a:r>
               <a:rPr lang="en-NZ" dirty="0" err="1"/>
               <a:t>Kennlinien</a:t>
-            </a:r>
-            <a:r>
-              <a:rPr lang="en-NZ" dirty="0"/>
-              <a:t/>
             </a:r>
             <a:br>
               <a:rPr lang="en-NZ" dirty="0"/>
@@ -13980,7 +13968,7 @@
           <p:cNvPr id="3" name="Inhaltsplatzhalter 2">
             <a:extLst>
               <a:ext uri="{FF2B5EF4-FFF2-40B4-BE49-F238E27FC236}">
-                <a16:creationId xmlns:a16="http://schemas.microsoft.com/office/drawing/2014/main" xmlns="" id="{BABF5C33-7554-4297-A144-BA91DC915755}"/>
+                <a16:creationId xmlns:a16="http://schemas.microsoft.com/office/drawing/2014/main" id="{BABF5C33-7554-4297-A144-BA91DC915755}"/>
               </a:ext>
             </a:extLst>
           </p:cNvPr>
@@ -14019,7 +14007,7 @@
           <p:cNvPr id="5" name="Fußzeilenplatzhalter 4">
             <a:extLst>
               <a:ext uri="{FF2B5EF4-FFF2-40B4-BE49-F238E27FC236}">
-                <a16:creationId xmlns:a16="http://schemas.microsoft.com/office/drawing/2014/main" xmlns="" id="{5EE04440-D578-4BC9-AFE9-188AE5A15D83}"/>
+                <a16:creationId xmlns:a16="http://schemas.microsoft.com/office/drawing/2014/main" id="{5EE04440-D578-4BC9-AFE9-188AE5A15D83}"/>
               </a:ext>
             </a:extLst>
           </p:cNvPr>
@@ -14047,7 +14035,7 @@
           <p:cNvPr id="6" name="Foliennummernplatzhalter 5">
             <a:extLst>
               <a:ext uri="{FF2B5EF4-FFF2-40B4-BE49-F238E27FC236}">
-                <a16:creationId xmlns:a16="http://schemas.microsoft.com/office/drawing/2014/main" xmlns="" id="{1626310D-58D0-4D30-AB26-C0F6492EE42A}"/>
+                <a16:creationId xmlns:a16="http://schemas.microsoft.com/office/drawing/2014/main" id="{1626310D-58D0-4D30-AB26-C0F6492EE42A}"/>
               </a:ext>
             </a:extLst>
           </p:cNvPr>
@@ -14076,7 +14064,7 @@
           <p:cNvPr id="9" name="Inhaltsplatzhalter 8">
             <a:extLst>
               <a:ext uri="{FF2B5EF4-FFF2-40B4-BE49-F238E27FC236}">
-                <a16:creationId xmlns:a16="http://schemas.microsoft.com/office/drawing/2014/main" xmlns="" id="{F18B9E0B-E80D-4E38-B625-0C5A50228016}"/>
+                <a16:creationId xmlns:a16="http://schemas.microsoft.com/office/drawing/2014/main" id="{F18B9E0B-E80D-4E38-B625-0C5A50228016}"/>
               </a:ext>
             </a:extLst>
           </p:cNvPr>
@@ -14138,7 +14126,7 @@
           <p:cNvPr id="2" name="Titel 1">
             <a:extLst>
               <a:ext uri="{FF2B5EF4-FFF2-40B4-BE49-F238E27FC236}">
-                <a16:creationId xmlns:a16="http://schemas.microsoft.com/office/drawing/2014/main" xmlns="" id="{66F1BA0D-C2FA-47D2-9FB8-AD44C4EED4AD}"/>
+                <a16:creationId xmlns:a16="http://schemas.microsoft.com/office/drawing/2014/main" id="{66F1BA0D-C2FA-47D2-9FB8-AD44C4EED4AD}"/>
               </a:ext>
             </a:extLst>
           </p:cNvPr>
@@ -14182,7 +14170,7 @@
           <p:cNvPr id="3" name="Inhaltsplatzhalter 2">
             <a:extLst>
               <a:ext uri="{FF2B5EF4-FFF2-40B4-BE49-F238E27FC236}">
-                <a16:creationId xmlns:a16="http://schemas.microsoft.com/office/drawing/2014/main" xmlns="" id="{6EEE1972-3631-4FBA-B46A-2AA4D12679A6}"/>
+                <a16:creationId xmlns:a16="http://schemas.microsoft.com/office/drawing/2014/main" id="{6EEE1972-3631-4FBA-B46A-2AA4D12679A6}"/>
               </a:ext>
             </a:extLst>
           </p:cNvPr>
@@ -14223,7 +14211,7 @@
           <p:cNvPr id="5" name="Fußzeilenplatzhalter 4">
             <a:extLst>
               <a:ext uri="{FF2B5EF4-FFF2-40B4-BE49-F238E27FC236}">
-                <a16:creationId xmlns:a16="http://schemas.microsoft.com/office/drawing/2014/main" xmlns="" id="{819DB87F-8E51-49C7-A29F-F2C16E1E90C3}"/>
+                <a16:creationId xmlns:a16="http://schemas.microsoft.com/office/drawing/2014/main" id="{819DB87F-8E51-49C7-A29F-F2C16E1E90C3}"/>
               </a:ext>
             </a:extLst>
           </p:cNvPr>
@@ -14251,7 +14239,7 @@
           <p:cNvPr id="6" name="Foliennummernplatzhalter 5">
             <a:extLst>
               <a:ext uri="{FF2B5EF4-FFF2-40B4-BE49-F238E27FC236}">
-                <a16:creationId xmlns:a16="http://schemas.microsoft.com/office/drawing/2014/main" xmlns="" id="{2B7E863B-C09E-4732-B624-D572A5287E56}"/>
+                <a16:creationId xmlns:a16="http://schemas.microsoft.com/office/drawing/2014/main" id="{2B7E863B-C09E-4732-B624-D572A5287E56}"/>
               </a:ext>
             </a:extLst>
           </p:cNvPr>
@@ -14280,7 +14268,7 @@
           <p:cNvPr id="16" name="Inhaltsplatzhalter 15">
             <a:extLst>
               <a:ext uri="{FF2B5EF4-FFF2-40B4-BE49-F238E27FC236}">
-                <a16:creationId xmlns:a16="http://schemas.microsoft.com/office/drawing/2014/main" xmlns="" id="{9485EB70-197A-45EF-9B71-B1730B205A96}"/>
+                <a16:creationId xmlns:a16="http://schemas.microsoft.com/office/drawing/2014/main" id="{9485EB70-197A-45EF-9B71-B1730B205A96}"/>
               </a:ext>
             </a:extLst>
           </p:cNvPr>
@@ -14342,7 +14330,7 @@
           <p:cNvPr id="2" name="Title 1">
             <a:extLst>
               <a:ext uri="{FF2B5EF4-FFF2-40B4-BE49-F238E27FC236}">
-                <a16:creationId xmlns:a16="http://schemas.microsoft.com/office/drawing/2014/main" xmlns="" id="{15066376-BDA9-42B0-B399-BBF455FEAB84}"/>
+                <a16:creationId xmlns:a16="http://schemas.microsoft.com/office/drawing/2014/main" id="{15066376-BDA9-42B0-B399-BBF455FEAB84}"/>
               </a:ext>
             </a:extLst>
           </p:cNvPr>
@@ -14376,7 +14364,7 @@
           <p:cNvPr id="3" name="Content Placeholder 2">
             <a:extLst>
               <a:ext uri="{FF2B5EF4-FFF2-40B4-BE49-F238E27FC236}">
-                <a16:creationId xmlns:a16="http://schemas.microsoft.com/office/drawing/2014/main" xmlns="" id="{0FBAFCDA-66B7-4892-8C91-69D5101FD3EE}"/>
+                <a16:creationId xmlns:a16="http://schemas.microsoft.com/office/drawing/2014/main" id="{0FBAFCDA-66B7-4892-8C91-69D5101FD3EE}"/>
               </a:ext>
             </a:extLst>
           </p:cNvPr>
@@ -14530,7 +14518,7 @@
           <p:cNvPr id="4" name="Footer Placeholder 3">
             <a:extLst>
               <a:ext uri="{FF2B5EF4-FFF2-40B4-BE49-F238E27FC236}">
-                <a16:creationId xmlns:a16="http://schemas.microsoft.com/office/drawing/2014/main" xmlns="" id="{5F1B4AEF-1956-4FA4-AF17-52F5FA22EA93}"/>
+                <a16:creationId xmlns:a16="http://schemas.microsoft.com/office/drawing/2014/main" id="{5F1B4AEF-1956-4FA4-AF17-52F5FA22EA93}"/>
               </a:ext>
             </a:extLst>
           </p:cNvPr>
@@ -14564,7 +14552,7 @@
           <p:cNvPr id="5" name="Slide Number Placeholder 4">
             <a:extLst>
               <a:ext uri="{FF2B5EF4-FFF2-40B4-BE49-F238E27FC236}">
-                <a16:creationId xmlns:a16="http://schemas.microsoft.com/office/drawing/2014/main" xmlns="" id="{D87CE355-2B04-4F17-8E3C-AE813E70FDE4}"/>
+                <a16:creationId xmlns:a16="http://schemas.microsoft.com/office/drawing/2014/main" id="{D87CE355-2B04-4F17-8E3C-AE813E70FDE4}"/>
               </a:ext>
             </a:extLst>
           </p:cNvPr>
@@ -14628,7 +14616,7 @@
           <p:cNvPr id="2" name="Title 1">
             <a:extLst>
               <a:ext uri="{FF2B5EF4-FFF2-40B4-BE49-F238E27FC236}">
-                <a16:creationId xmlns:a16="http://schemas.microsoft.com/office/drawing/2014/main" xmlns="" id="{4C84315F-315F-4066-9D3A-472733691F27}"/>
+                <a16:creationId xmlns:a16="http://schemas.microsoft.com/office/drawing/2014/main" id="{4C84315F-315F-4066-9D3A-472733691F27}"/>
               </a:ext>
             </a:extLst>
           </p:cNvPr>
@@ -14675,7 +14663,7 @@
           <p:cNvPr id="4" name="Footer Placeholder 3">
             <a:extLst>
               <a:ext uri="{FF2B5EF4-FFF2-40B4-BE49-F238E27FC236}">
-                <a16:creationId xmlns:a16="http://schemas.microsoft.com/office/drawing/2014/main" xmlns="" id="{0EF7D1E5-7A19-4BA2-8CAA-9135FB90076C}"/>
+                <a16:creationId xmlns:a16="http://schemas.microsoft.com/office/drawing/2014/main" id="{0EF7D1E5-7A19-4BA2-8CAA-9135FB90076C}"/>
               </a:ext>
             </a:extLst>
           </p:cNvPr>
@@ -14708,7 +14696,7 @@
           <p:cNvPr id="5" name="Slide Number Placeholder 4">
             <a:extLst>
               <a:ext uri="{FF2B5EF4-FFF2-40B4-BE49-F238E27FC236}">
-                <a16:creationId xmlns:a16="http://schemas.microsoft.com/office/drawing/2014/main" xmlns="" id="{FAC16E02-623C-4BDA-BAFA-B73797A517FD}"/>
+                <a16:creationId xmlns:a16="http://schemas.microsoft.com/office/drawing/2014/main" id="{FAC16E02-623C-4BDA-BAFA-B73797A517FD}"/>
               </a:ext>
             </a:extLst>
           </p:cNvPr>
@@ -14742,7 +14730,7 @@
           <p:cNvPr id="13" name="Grafik 12" descr="Ein Bild, das Screenshot enthält.&#10;&#10;Automatisch generierte Beschreibung">
             <a:extLst>
               <a:ext uri="{FF2B5EF4-FFF2-40B4-BE49-F238E27FC236}">
-                <a16:creationId xmlns:a16="http://schemas.microsoft.com/office/drawing/2014/main" xmlns="" id="{F8DEC07D-47B3-4C2C-8979-5804656B76FB}"/>
+                <a16:creationId xmlns:a16="http://schemas.microsoft.com/office/drawing/2014/main" id="{F8DEC07D-47B3-4C2C-8979-5804656B76FB}"/>
               </a:ext>
             </a:extLst>
           </p:cNvPr>
@@ -14778,7 +14766,7 @@
           <p:cNvPr id="14" name="Textfeld 13">
             <a:extLst>
               <a:ext uri="{FF2B5EF4-FFF2-40B4-BE49-F238E27FC236}">
-                <a16:creationId xmlns:a16="http://schemas.microsoft.com/office/drawing/2014/main" xmlns="" id="{E30BC66D-03A0-4C1B-9A50-E7476EEBEA24}"/>
+                <a16:creationId xmlns:a16="http://schemas.microsoft.com/office/drawing/2014/main" id="{E30BC66D-03A0-4C1B-9A50-E7476EEBEA24}"/>
               </a:ext>
             </a:extLst>
           </p:cNvPr>
@@ -14872,7 +14860,7 @@
           <p:cNvPr id="15" name="Textfeld 14">
             <a:extLst>
               <a:ext uri="{FF2B5EF4-FFF2-40B4-BE49-F238E27FC236}">
-                <a16:creationId xmlns:a16="http://schemas.microsoft.com/office/drawing/2014/main" xmlns="" id="{B0CCF971-9740-4C60-B819-C327D7CC14B9}"/>
+                <a16:creationId xmlns:a16="http://schemas.microsoft.com/office/drawing/2014/main" id="{B0CCF971-9740-4C60-B819-C327D7CC14B9}"/>
               </a:ext>
             </a:extLst>
           </p:cNvPr>
@@ -14945,7 +14933,7 @@
           <p:cNvPr id="2" name="Title 1">
             <a:extLst>
               <a:ext uri="{FF2B5EF4-FFF2-40B4-BE49-F238E27FC236}">
-                <a16:creationId xmlns:a16="http://schemas.microsoft.com/office/drawing/2014/main" xmlns="" id="{4C84315F-315F-4066-9D3A-472733691F27}"/>
+                <a16:creationId xmlns:a16="http://schemas.microsoft.com/office/drawing/2014/main" id="{4C84315F-315F-4066-9D3A-472733691F27}"/>
               </a:ext>
             </a:extLst>
           </p:cNvPr>
@@ -14992,7 +14980,7 @@
           <p:cNvPr id="4" name="Footer Placeholder 3">
             <a:extLst>
               <a:ext uri="{FF2B5EF4-FFF2-40B4-BE49-F238E27FC236}">
-                <a16:creationId xmlns:a16="http://schemas.microsoft.com/office/drawing/2014/main" xmlns="" id="{0EF7D1E5-7A19-4BA2-8CAA-9135FB90076C}"/>
+                <a16:creationId xmlns:a16="http://schemas.microsoft.com/office/drawing/2014/main" id="{0EF7D1E5-7A19-4BA2-8CAA-9135FB90076C}"/>
               </a:ext>
             </a:extLst>
           </p:cNvPr>
@@ -15025,7 +15013,7 @@
           <p:cNvPr id="5" name="Slide Number Placeholder 4">
             <a:extLst>
               <a:ext uri="{FF2B5EF4-FFF2-40B4-BE49-F238E27FC236}">
-                <a16:creationId xmlns:a16="http://schemas.microsoft.com/office/drawing/2014/main" xmlns="" id="{FAC16E02-623C-4BDA-BAFA-B73797A517FD}"/>
+                <a16:creationId xmlns:a16="http://schemas.microsoft.com/office/drawing/2014/main" id="{FAC16E02-623C-4BDA-BAFA-B73797A517FD}"/>
               </a:ext>
             </a:extLst>
           </p:cNvPr>
@@ -15059,7 +15047,7 @@
           <p:cNvPr id="6" name="Grafik 5" descr="Ein Bild, das Screenshot enthält.&#10;&#10;Automatisch generierte Beschreibung">
             <a:extLst>
               <a:ext uri="{FF2B5EF4-FFF2-40B4-BE49-F238E27FC236}">
-                <a16:creationId xmlns:a16="http://schemas.microsoft.com/office/drawing/2014/main" xmlns="" id="{E84480C7-A7BE-4603-8078-0594808F9C84}"/>
+                <a16:creationId xmlns:a16="http://schemas.microsoft.com/office/drawing/2014/main" id="{E84480C7-A7BE-4603-8078-0594808F9C84}"/>
               </a:ext>
             </a:extLst>
           </p:cNvPr>
@@ -15095,7 +15083,7 @@
           <p:cNvPr id="7" name="Textfeld 6">
             <a:extLst>
               <a:ext uri="{FF2B5EF4-FFF2-40B4-BE49-F238E27FC236}">
-                <a16:creationId xmlns:a16="http://schemas.microsoft.com/office/drawing/2014/main" xmlns="" id="{C1D64D27-CB0E-48C8-BDC5-E2E4F5AD8D9E}"/>
+                <a16:creationId xmlns:a16="http://schemas.microsoft.com/office/drawing/2014/main" id="{C1D64D27-CB0E-48C8-BDC5-E2E4F5AD8D9E}"/>
               </a:ext>
             </a:extLst>
           </p:cNvPr>
@@ -15130,7 +15118,7 @@
           <p:cNvPr id="8" name="Textfeld 7">
             <a:extLst>
               <a:ext uri="{FF2B5EF4-FFF2-40B4-BE49-F238E27FC236}">
-                <a16:creationId xmlns:a16="http://schemas.microsoft.com/office/drawing/2014/main" xmlns="" id="{F800D383-B01F-4C07-BDBE-7459A0254FA2}"/>
+                <a16:creationId xmlns:a16="http://schemas.microsoft.com/office/drawing/2014/main" id="{F800D383-B01F-4C07-BDBE-7459A0254FA2}"/>
               </a:ext>
             </a:extLst>
           </p:cNvPr>
@@ -15260,10 +15248,10 @@
           <p:cNvPr id="10" name="Freeform: Shape 9">
             <a:extLst>
               <a:ext uri="{FF2B5EF4-FFF2-40B4-BE49-F238E27FC236}">
-                <a16:creationId xmlns:a16="http://schemas.microsoft.com/office/drawing/2014/main" xmlns="" id="{66B332A4-D438-4773-A77F-5ED49A448D9D}"/>
+                <a16:creationId xmlns:a16="http://schemas.microsoft.com/office/drawing/2014/main" id="{66B332A4-D438-4773-A77F-5ED49A448D9D}"/>
               </a:ext>
               <a:ext uri="{C183D7F6-B498-43B3-948B-1728B52AA6E4}">
-                <adec:decorative xmlns:adec="http://schemas.microsoft.com/office/drawing/2017/decorative" xmlns="" val="1"/>
+                <adec:decorative xmlns:adec="http://schemas.microsoft.com/office/drawing/2017/decorative" val="1"/>
               </a:ext>
             </a:extLst>
           </p:cNvPr>
@@ -15273,7 +15261,7 @@
           <p:nvPr>
             <p:extLst>
               <p:ext uri="{386F3935-93C4-4BCD-93E2-E3B085C9AB24}">
-                <p16:designElem xmlns:p16="http://schemas.microsoft.com/office/powerpoint/2015/main" xmlns="" val="1"/>
+                <p16:designElem xmlns:p16="http://schemas.microsoft.com/office/powerpoint/2015/main" val="1"/>
               </p:ext>
             </p:extLst>
           </p:nvPr>
@@ -15426,10 +15414,10 @@
           <p:cNvPr id="12" name="Freeform: Shape 11">
             <a:extLst>
               <a:ext uri="{FF2B5EF4-FFF2-40B4-BE49-F238E27FC236}">
-                <a16:creationId xmlns:a16="http://schemas.microsoft.com/office/drawing/2014/main" xmlns="" id="{DF9AD32D-FF05-44F4-BD4D-9CEE89B71EB9}"/>
+                <a16:creationId xmlns:a16="http://schemas.microsoft.com/office/drawing/2014/main" id="{DF9AD32D-FF05-44F4-BD4D-9CEE89B71EB9}"/>
               </a:ext>
               <a:ext uri="{C183D7F6-B498-43B3-948B-1728B52AA6E4}">
-                <adec:decorative xmlns:adec="http://schemas.microsoft.com/office/drawing/2017/decorative" xmlns="" val="1"/>
+                <adec:decorative xmlns:adec="http://schemas.microsoft.com/office/drawing/2017/decorative" val="1"/>
               </a:ext>
             </a:extLst>
           </p:cNvPr>
@@ -15439,7 +15427,7 @@
           <p:nvPr>
             <p:extLst>
               <p:ext uri="{386F3935-93C4-4BCD-93E2-E3B085C9AB24}">
-                <p16:designElem xmlns:p16="http://schemas.microsoft.com/office/powerpoint/2015/main" xmlns="" val="1"/>
+                <p16:designElem xmlns:p16="http://schemas.microsoft.com/office/powerpoint/2015/main" val="1"/>
               </p:ext>
             </p:extLst>
           </p:nvPr>
@@ -15590,7 +15578,7 @@
           <p:cNvPr id="2" name="Title 1">
             <a:extLst>
               <a:ext uri="{FF2B5EF4-FFF2-40B4-BE49-F238E27FC236}">
-                <a16:creationId xmlns:a16="http://schemas.microsoft.com/office/drawing/2014/main" xmlns="" id="{4C84315F-315F-4066-9D3A-472733691F27}"/>
+                <a16:creationId xmlns:a16="http://schemas.microsoft.com/office/drawing/2014/main" id="{4C84315F-315F-4066-9D3A-472733691F27}"/>
               </a:ext>
             </a:extLst>
           </p:cNvPr>
@@ -15663,7 +15651,7 @@
           <p:cNvPr id="4" name="Footer Placeholder 3">
             <a:extLst>
               <a:ext uri="{FF2B5EF4-FFF2-40B4-BE49-F238E27FC236}">
-                <a16:creationId xmlns:a16="http://schemas.microsoft.com/office/drawing/2014/main" xmlns="" id="{0EF7D1E5-7A19-4BA2-8CAA-9135FB90076C}"/>
+                <a16:creationId xmlns:a16="http://schemas.microsoft.com/office/drawing/2014/main" id="{0EF7D1E5-7A19-4BA2-8CAA-9135FB90076C}"/>
               </a:ext>
             </a:extLst>
           </p:cNvPr>
@@ -15712,7 +15700,7 @@
           <p:cNvPr id="5" name="Slide Number Placeholder 4">
             <a:extLst>
               <a:ext uri="{FF2B5EF4-FFF2-40B4-BE49-F238E27FC236}">
-                <a16:creationId xmlns:a16="http://schemas.microsoft.com/office/drawing/2014/main" xmlns="" id="{FAC16E02-623C-4BDA-BAFA-B73797A517FD}"/>
+                <a16:creationId xmlns:a16="http://schemas.microsoft.com/office/drawing/2014/main" id="{FAC16E02-623C-4BDA-BAFA-B73797A517FD}"/>
               </a:ext>
             </a:extLst>
           </p:cNvPr>
@@ -15985,48 +15973,15 @@
           <a:p>
             <a:r>
               <a:rPr lang="de-DE" dirty="0"/>
-              <a:t>Planung zum Teil schwierig</a:t>
-            </a:r>
-          </a:p>
-          <a:p>
-            <a:pPr lvl="1"/>
-            <a:r>
-              <a:rPr lang="de-DE" dirty="0"/>
-              <a:t>Da Überblick über das gesamte Projekt noch nicht vorhanden war </a:t>
-            </a:r>
-          </a:p>
-          <a:p>
-            <a:r>
-              <a:rPr lang="de-DE" dirty="0"/>
-              <a:t>Teilweise Missverständnisse bei den Anforderungen</a:t>
-            </a:r>
-          </a:p>
-          <a:p>
-            <a:pPr lvl="1"/>
-            <a:r>
-              <a:rPr lang="de-DE" dirty="0"/>
-              <a:t>Wurden bei Besprechungen größtenteils beseitigt</a:t>
-            </a:r>
-          </a:p>
-          <a:p>
-            <a:r>
-              <a:rPr lang="de-DE" dirty="0"/>
-              <a:t>Zeitplan teilweise eingehalten</a:t>
-            </a:r>
-          </a:p>
-          <a:p>
-            <a:pPr lvl="1"/>
-            <a:r>
-              <a:rPr lang="de-DE" dirty="0"/>
-              <a:t>Zum Teil schwierig perfekt einzuhalten</a:t>
-            </a:r>
-          </a:p>
-          <a:p>
-            <a:pPr lvl="1"/>
-            <a:r>
-              <a:rPr lang="de-DE" dirty="0"/>
-              <a:t>Durch dynamische Vorgehensweise wurde der Zeitplan gut ausbalanciert</a:t>
-            </a:r>
+              <a:t>Planung war zum Teil schwierig</a:t>
+            </a:r>
+          </a:p>
+          <a:p>
+            <a:r>
+              <a:rPr lang="de-DE"/>
+              <a:t>Missverständnisse bei den Anforderungen</a:t>
+            </a:r>
+            <a:endParaRPr lang="de-DE" dirty="0"/>
           </a:p>
           <a:p>
             <a:endParaRPr lang="de-DE" dirty="0"/>
@@ -16121,7 +16076,7 @@
           <p:cNvPr id="2" name="Title 1">
             <a:extLst>
               <a:ext uri="{FF2B5EF4-FFF2-40B4-BE49-F238E27FC236}">
-                <a16:creationId xmlns:a16="http://schemas.microsoft.com/office/drawing/2014/main" xmlns="" id="{0754DA76-FBA9-4255-9F8F-DBD2A5E204F0}"/>
+                <a16:creationId xmlns:a16="http://schemas.microsoft.com/office/drawing/2014/main" id="{0754DA76-FBA9-4255-9F8F-DBD2A5E204F0}"/>
               </a:ext>
             </a:extLst>
           </p:cNvPr>
@@ -16157,7 +16112,7 @@
           <p:cNvPr id="7" name="Picture 6" descr="A screenshot of a cell phone&#10;&#10;Description automatically generated">
             <a:extLst>
               <a:ext uri="{FF2B5EF4-FFF2-40B4-BE49-F238E27FC236}">
-                <a16:creationId xmlns:a16="http://schemas.microsoft.com/office/drawing/2014/main" xmlns="" id="{ABEF1177-6BDC-4C82-AAB5-58804151FB71}"/>
+                <a16:creationId xmlns:a16="http://schemas.microsoft.com/office/drawing/2014/main" id="{ABEF1177-6BDC-4C82-AAB5-58804151FB71}"/>
               </a:ext>
             </a:extLst>
           </p:cNvPr>
@@ -16193,10 +16148,10 @@
           <p:cNvPr id="12" name="Freeform: Shape 11">
             <a:extLst>
               <a:ext uri="{FF2B5EF4-FFF2-40B4-BE49-F238E27FC236}">
-                <a16:creationId xmlns:a16="http://schemas.microsoft.com/office/drawing/2014/main" xmlns="" id="{C607803A-4E99-444E-94F7-8785CDDF5849}"/>
+                <a16:creationId xmlns:a16="http://schemas.microsoft.com/office/drawing/2014/main" id="{C607803A-4E99-444E-94F7-8785CDDF5849}"/>
               </a:ext>
               <a:ext uri="{C183D7F6-B498-43B3-948B-1728B52AA6E4}">
-                <adec:decorative xmlns:adec="http://schemas.microsoft.com/office/drawing/2017/decorative" xmlns="" val="1"/>
+                <adec:decorative xmlns:adec="http://schemas.microsoft.com/office/drawing/2017/decorative" val="1"/>
               </a:ext>
             </a:extLst>
           </p:cNvPr>
@@ -16206,7 +16161,7 @@
           <p:nvPr>
             <p:extLst>
               <p:ext uri="{386F3935-93C4-4BCD-93E2-E3B085C9AB24}">
-                <p16:designElem xmlns:p16="http://schemas.microsoft.com/office/powerpoint/2015/main" xmlns="" val="1"/>
+                <p16:designElem xmlns:p16="http://schemas.microsoft.com/office/powerpoint/2015/main" val="1"/>
               </p:ext>
             </p:extLst>
           </p:nvPr>
@@ -16297,10 +16252,10 @@
           <p:cNvPr id="14" name="Freeform: Shape 13">
             <a:extLst>
               <a:ext uri="{FF2B5EF4-FFF2-40B4-BE49-F238E27FC236}">
-                <a16:creationId xmlns:a16="http://schemas.microsoft.com/office/drawing/2014/main" xmlns="" id="{2989BE6A-C309-418E-8ADD-1616A980570D}"/>
+                <a16:creationId xmlns:a16="http://schemas.microsoft.com/office/drawing/2014/main" id="{2989BE6A-C309-418E-8ADD-1616A980570D}"/>
               </a:ext>
               <a:ext uri="{C183D7F6-B498-43B3-948B-1728B52AA6E4}">
-                <adec:decorative xmlns:adec="http://schemas.microsoft.com/office/drawing/2017/decorative" xmlns="" val="1"/>
+                <adec:decorative xmlns:adec="http://schemas.microsoft.com/office/drawing/2017/decorative" val="1"/>
               </a:ext>
             </a:extLst>
           </p:cNvPr>
@@ -16310,7 +16265,7 @@
           <p:nvPr>
             <p:extLst>
               <p:ext uri="{386F3935-93C4-4BCD-93E2-E3B085C9AB24}">
-                <p16:designElem xmlns:p16="http://schemas.microsoft.com/office/powerpoint/2015/main" xmlns="" val="1"/>
+                <p16:designElem xmlns:p16="http://schemas.microsoft.com/office/powerpoint/2015/main" val="1"/>
               </p:ext>
             </p:extLst>
           </p:nvPr>
@@ -16438,7 +16393,7 @@
           <p:cNvPr id="3" name="Content Placeholder 2">
             <a:extLst>
               <a:ext uri="{FF2B5EF4-FFF2-40B4-BE49-F238E27FC236}">
-                <a16:creationId xmlns:a16="http://schemas.microsoft.com/office/drawing/2014/main" xmlns="" id="{A42C7976-7264-4148-AD03-59E4B4F7C697}"/>
+                <a16:creationId xmlns:a16="http://schemas.microsoft.com/office/drawing/2014/main" id="{A42C7976-7264-4148-AD03-59E4B4F7C697}"/>
               </a:ext>
             </a:extLst>
           </p:cNvPr>
@@ -16533,7 +16488,7 @@
           <p:cNvPr id="4" name="Footer Placeholder 3">
             <a:extLst>
               <a:ext uri="{FF2B5EF4-FFF2-40B4-BE49-F238E27FC236}">
-                <a16:creationId xmlns:a16="http://schemas.microsoft.com/office/drawing/2014/main" xmlns="" id="{E4E0C278-526A-4003-B85A-72429B341BB6}"/>
+                <a16:creationId xmlns:a16="http://schemas.microsoft.com/office/drawing/2014/main" id="{E4E0C278-526A-4003-B85A-72429B341BB6}"/>
               </a:ext>
             </a:extLst>
           </p:cNvPr>
@@ -16579,7 +16534,7 @@
           <p:cNvPr id="5" name="Slide Number Placeholder 4">
             <a:extLst>
               <a:ext uri="{FF2B5EF4-FFF2-40B4-BE49-F238E27FC236}">
-                <a16:creationId xmlns:a16="http://schemas.microsoft.com/office/drawing/2014/main" xmlns="" id="{A92E81ED-7F21-418B-B91B-7B27BAA6E5C0}"/>
+                <a16:creationId xmlns:a16="http://schemas.microsoft.com/office/drawing/2014/main" id="{A92E81ED-7F21-418B-B91B-7B27BAA6E5C0}"/>
               </a:ext>
             </a:extLst>
           </p:cNvPr>
@@ -16675,7 +16630,7 @@
           <p:cNvPr id="2" name="Title 1">
             <a:extLst>
               <a:ext uri="{FF2B5EF4-FFF2-40B4-BE49-F238E27FC236}">
-                <a16:creationId xmlns:a16="http://schemas.microsoft.com/office/drawing/2014/main" xmlns="" id="{D0F7DBBA-40E4-45A3-ACD0-6F25C32BF6C6}"/>
+                <a16:creationId xmlns:a16="http://schemas.microsoft.com/office/drawing/2014/main" id="{D0F7DBBA-40E4-45A3-ACD0-6F25C32BF6C6}"/>
               </a:ext>
             </a:extLst>
           </p:cNvPr>
@@ -16711,7 +16666,7 @@
           <p:cNvPr id="11" name="Picture 10" descr="A screenshot of a cell phone&#10;&#10;Description automatically generated">
             <a:extLst>
               <a:ext uri="{FF2B5EF4-FFF2-40B4-BE49-F238E27FC236}">
-                <a16:creationId xmlns:a16="http://schemas.microsoft.com/office/drawing/2014/main" xmlns="" id="{EC8D9439-AB1B-4EEA-8BA5-227492613A4C}"/>
+                <a16:creationId xmlns:a16="http://schemas.microsoft.com/office/drawing/2014/main" id="{EC8D9439-AB1B-4EEA-8BA5-227492613A4C}"/>
               </a:ext>
             </a:extLst>
           </p:cNvPr>
@@ -16747,10 +16702,10 @@
           <p:cNvPr id="19" name="Freeform: Shape 15">
             <a:extLst>
               <a:ext uri="{FF2B5EF4-FFF2-40B4-BE49-F238E27FC236}">
-                <a16:creationId xmlns:a16="http://schemas.microsoft.com/office/drawing/2014/main" xmlns="" id="{C607803A-4E99-444E-94F7-8785CDDF5849}"/>
+                <a16:creationId xmlns:a16="http://schemas.microsoft.com/office/drawing/2014/main" id="{C607803A-4E99-444E-94F7-8785CDDF5849}"/>
               </a:ext>
               <a:ext uri="{C183D7F6-B498-43B3-948B-1728B52AA6E4}">
-                <adec:decorative xmlns:adec="http://schemas.microsoft.com/office/drawing/2017/decorative" xmlns="" val="1"/>
+                <adec:decorative xmlns:adec="http://schemas.microsoft.com/office/drawing/2017/decorative" val="1"/>
               </a:ext>
             </a:extLst>
           </p:cNvPr>
@@ -16760,7 +16715,7 @@
           <p:nvPr>
             <p:extLst>
               <p:ext uri="{386F3935-93C4-4BCD-93E2-E3B085C9AB24}">
-                <p16:designElem xmlns:p16="http://schemas.microsoft.com/office/powerpoint/2015/main" xmlns="" val="1"/>
+                <p16:designElem xmlns:p16="http://schemas.microsoft.com/office/powerpoint/2015/main" val="1"/>
               </p:ext>
             </p:extLst>
           </p:nvPr>
@@ -16851,10 +16806,10 @@
           <p:cNvPr id="18" name="Freeform: Shape 17">
             <a:extLst>
               <a:ext uri="{FF2B5EF4-FFF2-40B4-BE49-F238E27FC236}">
-                <a16:creationId xmlns:a16="http://schemas.microsoft.com/office/drawing/2014/main" xmlns="" id="{2989BE6A-C309-418E-8ADD-1616A980570D}"/>
+                <a16:creationId xmlns:a16="http://schemas.microsoft.com/office/drawing/2014/main" id="{2989BE6A-C309-418E-8ADD-1616A980570D}"/>
               </a:ext>
               <a:ext uri="{C183D7F6-B498-43B3-948B-1728B52AA6E4}">
-                <adec:decorative xmlns:adec="http://schemas.microsoft.com/office/drawing/2017/decorative" xmlns="" val="1"/>
+                <adec:decorative xmlns:adec="http://schemas.microsoft.com/office/drawing/2017/decorative" val="1"/>
               </a:ext>
             </a:extLst>
           </p:cNvPr>
@@ -16864,7 +16819,7 @@
           <p:nvPr>
             <p:extLst>
               <p:ext uri="{386F3935-93C4-4BCD-93E2-E3B085C9AB24}">
-                <p16:designElem xmlns:p16="http://schemas.microsoft.com/office/powerpoint/2015/main" xmlns="" val="1"/>
+                <p16:designElem xmlns:p16="http://schemas.microsoft.com/office/powerpoint/2015/main" val="1"/>
               </p:ext>
             </p:extLst>
           </p:nvPr>
@@ -16992,7 +16947,7 @@
           <p:cNvPr id="9" name="Content Placeholder 8">
             <a:extLst>
               <a:ext uri="{FF2B5EF4-FFF2-40B4-BE49-F238E27FC236}">
-                <a16:creationId xmlns:a16="http://schemas.microsoft.com/office/drawing/2014/main" xmlns="" id="{020673C7-CB6D-4F67-ABF0-DE2C50E51566}"/>
+                <a16:creationId xmlns:a16="http://schemas.microsoft.com/office/drawing/2014/main" id="{020673C7-CB6D-4F67-ABF0-DE2C50E51566}"/>
               </a:ext>
             </a:extLst>
           </p:cNvPr>
@@ -17033,7 +16988,7 @@
           <p:cNvPr id="4" name="Footer Placeholder 3">
             <a:extLst>
               <a:ext uri="{FF2B5EF4-FFF2-40B4-BE49-F238E27FC236}">
-                <a16:creationId xmlns:a16="http://schemas.microsoft.com/office/drawing/2014/main" xmlns="" id="{5E901347-E5AB-4A86-8D5E-33FABF95AA3A}"/>
+                <a16:creationId xmlns:a16="http://schemas.microsoft.com/office/drawing/2014/main" id="{5E901347-E5AB-4A86-8D5E-33FABF95AA3A}"/>
               </a:ext>
             </a:extLst>
           </p:cNvPr>
@@ -17079,7 +17034,7 @@
           <p:cNvPr id="5" name="Slide Number Placeholder 4">
             <a:extLst>
               <a:ext uri="{FF2B5EF4-FFF2-40B4-BE49-F238E27FC236}">
-                <a16:creationId xmlns:a16="http://schemas.microsoft.com/office/drawing/2014/main" xmlns="" id="{409F682C-D2C9-4003-BF7F-EDBFC5A4DF22}"/>
+                <a16:creationId xmlns:a16="http://schemas.microsoft.com/office/drawing/2014/main" id="{409F682C-D2C9-4003-BF7F-EDBFC5A4DF22}"/>
               </a:ext>
             </a:extLst>
           </p:cNvPr>
@@ -17175,7 +17130,7 @@
           <p:cNvPr id="2" name="Title 1">
             <a:extLst>
               <a:ext uri="{FF2B5EF4-FFF2-40B4-BE49-F238E27FC236}">
-                <a16:creationId xmlns:a16="http://schemas.microsoft.com/office/drawing/2014/main" xmlns="" id="{7FB8FAAD-55D4-4F7B-A3E3-56C2607E59AC}"/>
+                <a16:creationId xmlns:a16="http://schemas.microsoft.com/office/drawing/2014/main" id="{7FB8FAAD-55D4-4F7B-A3E3-56C2607E59AC}"/>
               </a:ext>
             </a:extLst>
           </p:cNvPr>
@@ -17211,7 +17166,7 @@
           <p:cNvPr id="7" name="Content Placeholder 6" descr="A screenshot of a cell phone&#10;&#10;Description automatically generated">
             <a:extLst>
               <a:ext uri="{FF2B5EF4-FFF2-40B4-BE49-F238E27FC236}">
-                <a16:creationId xmlns:a16="http://schemas.microsoft.com/office/drawing/2014/main" xmlns="" id="{D42E2C0D-B957-49ED-A36D-F2E34026D6B7}"/>
+                <a16:creationId xmlns:a16="http://schemas.microsoft.com/office/drawing/2014/main" id="{D42E2C0D-B957-49ED-A36D-F2E34026D6B7}"/>
               </a:ext>
             </a:extLst>
           </p:cNvPr>
@@ -17247,10 +17202,10 @@
           <p:cNvPr id="14" name="Freeform: Shape 13">
             <a:extLst>
               <a:ext uri="{FF2B5EF4-FFF2-40B4-BE49-F238E27FC236}">
-                <a16:creationId xmlns:a16="http://schemas.microsoft.com/office/drawing/2014/main" xmlns="" id="{C607803A-4E99-444E-94F7-8785CDDF5849}"/>
+                <a16:creationId xmlns:a16="http://schemas.microsoft.com/office/drawing/2014/main" id="{C607803A-4E99-444E-94F7-8785CDDF5849}"/>
               </a:ext>
               <a:ext uri="{C183D7F6-B498-43B3-948B-1728B52AA6E4}">
-                <adec:decorative xmlns:adec="http://schemas.microsoft.com/office/drawing/2017/decorative" xmlns="" val="1"/>
+                <adec:decorative xmlns:adec="http://schemas.microsoft.com/office/drawing/2017/decorative" val="1"/>
               </a:ext>
             </a:extLst>
           </p:cNvPr>
@@ -17260,7 +17215,7 @@
           <p:nvPr>
             <p:extLst>
               <p:ext uri="{386F3935-93C4-4BCD-93E2-E3B085C9AB24}">
-                <p16:designElem xmlns:p16="http://schemas.microsoft.com/office/powerpoint/2015/main" xmlns="" val="1"/>
+                <p16:designElem xmlns:p16="http://schemas.microsoft.com/office/powerpoint/2015/main" val="1"/>
               </p:ext>
             </p:extLst>
           </p:nvPr>
@@ -17351,10 +17306,10 @@
           <p:cNvPr id="16" name="Freeform: Shape 15">
             <a:extLst>
               <a:ext uri="{FF2B5EF4-FFF2-40B4-BE49-F238E27FC236}">
-                <a16:creationId xmlns:a16="http://schemas.microsoft.com/office/drawing/2014/main" xmlns="" id="{2989BE6A-C309-418E-8ADD-1616A980570D}"/>
+                <a16:creationId xmlns:a16="http://schemas.microsoft.com/office/drawing/2014/main" id="{2989BE6A-C309-418E-8ADD-1616A980570D}"/>
               </a:ext>
               <a:ext uri="{C183D7F6-B498-43B3-948B-1728B52AA6E4}">
-                <adec:decorative xmlns:adec="http://schemas.microsoft.com/office/drawing/2017/decorative" xmlns="" val="1"/>
+                <adec:decorative xmlns:adec="http://schemas.microsoft.com/office/drawing/2017/decorative" val="1"/>
               </a:ext>
             </a:extLst>
           </p:cNvPr>
@@ -17364,7 +17319,7 @@
           <p:nvPr>
             <p:extLst>
               <p:ext uri="{386F3935-93C4-4BCD-93E2-E3B085C9AB24}">
-                <p16:designElem xmlns:p16="http://schemas.microsoft.com/office/powerpoint/2015/main" xmlns="" val="1"/>
+                <p16:designElem xmlns:p16="http://schemas.microsoft.com/office/powerpoint/2015/main" val="1"/>
               </p:ext>
             </p:extLst>
           </p:nvPr>
@@ -17492,7 +17447,7 @@
           <p:cNvPr id="11" name="Content Placeholder 10">
             <a:extLst>
               <a:ext uri="{FF2B5EF4-FFF2-40B4-BE49-F238E27FC236}">
-                <a16:creationId xmlns:a16="http://schemas.microsoft.com/office/drawing/2014/main" xmlns="" id="{8DC07883-6FEB-4246-BFE9-889DDCF1DD98}"/>
+                <a16:creationId xmlns:a16="http://schemas.microsoft.com/office/drawing/2014/main" id="{8DC07883-6FEB-4246-BFE9-889DDCF1DD98}"/>
               </a:ext>
             </a:extLst>
           </p:cNvPr>
@@ -17563,7 +17518,7 @@
           <p:cNvPr id="4" name="Footer Placeholder 3">
             <a:extLst>
               <a:ext uri="{FF2B5EF4-FFF2-40B4-BE49-F238E27FC236}">
-                <a16:creationId xmlns:a16="http://schemas.microsoft.com/office/drawing/2014/main" xmlns="" id="{4F1639C5-FA60-4BF7-98BA-05F3753189A9}"/>
+                <a16:creationId xmlns:a16="http://schemas.microsoft.com/office/drawing/2014/main" id="{4F1639C5-FA60-4BF7-98BA-05F3753189A9}"/>
               </a:ext>
             </a:extLst>
           </p:cNvPr>
@@ -17609,7 +17564,7 @@
           <p:cNvPr id="5" name="Slide Number Placeholder 4">
             <a:extLst>
               <a:ext uri="{FF2B5EF4-FFF2-40B4-BE49-F238E27FC236}">
-                <a16:creationId xmlns:a16="http://schemas.microsoft.com/office/drawing/2014/main" xmlns="" id="{A6093915-6888-4B2E-A7DB-162E0D0C61DB}"/>
+                <a16:creationId xmlns:a16="http://schemas.microsoft.com/office/drawing/2014/main" id="{A6093915-6888-4B2E-A7DB-162E0D0C61DB}"/>
               </a:ext>
             </a:extLst>
           </p:cNvPr>
@@ -17697,7 +17652,7 @@
           <p:cNvPr id="10" name="TextBox 9">
             <a:extLst>
               <a:ext uri="{FF2B5EF4-FFF2-40B4-BE49-F238E27FC236}">
-                <a16:creationId xmlns:a16="http://schemas.microsoft.com/office/drawing/2014/main" xmlns="" id="{0EC7CB5C-2C3D-4A9E-BB5E-032FF2465606}"/>
+                <a16:creationId xmlns:a16="http://schemas.microsoft.com/office/drawing/2014/main" id="{0EC7CB5C-2C3D-4A9E-BB5E-032FF2465606}"/>
               </a:ext>
             </a:extLst>
           </p:cNvPr>
@@ -17729,7 +17684,7 @@
           <p:cNvPr id="3" name="Picture 2" descr="A picture containing implement, pencil, computer, sitting&#10;&#10;Description automatically generated">
             <a:extLst>
               <a:ext uri="{FF2B5EF4-FFF2-40B4-BE49-F238E27FC236}">
-                <a16:creationId xmlns:a16="http://schemas.microsoft.com/office/drawing/2014/main" xmlns="" id="{EAC737AC-7EDE-4FC3-BCB3-AD1B0ED862F8}"/>
+                <a16:creationId xmlns:a16="http://schemas.microsoft.com/office/drawing/2014/main" id="{EAC737AC-7EDE-4FC3-BCB3-AD1B0ED862F8}"/>
               </a:ext>
             </a:extLst>
           </p:cNvPr>
@@ -17806,10 +17761,10 @@
           <p:cNvPr id="19" name="Freeform: Shape 18">
             <a:extLst>
               <a:ext uri="{FF2B5EF4-FFF2-40B4-BE49-F238E27FC236}">
-                <a16:creationId xmlns:a16="http://schemas.microsoft.com/office/drawing/2014/main" xmlns="" id="{66B332A4-D438-4773-A77F-5ED49A448D9D}"/>
+                <a16:creationId xmlns:a16="http://schemas.microsoft.com/office/drawing/2014/main" id="{66B332A4-D438-4773-A77F-5ED49A448D9D}"/>
               </a:ext>
               <a:ext uri="{C183D7F6-B498-43B3-948B-1728B52AA6E4}">
-                <adec:decorative xmlns:adec="http://schemas.microsoft.com/office/drawing/2017/decorative" xmlns="" val="1"/>
+                <adec:decorative xmlns:adec="http://schemas.microsoft.com/office/drawing/2017/decorative" val="1"/>
               </a:ext>
             </a:extLst>
           </p:cNvPr>
@@ -17819,7 +17774,7 @@
           <p:nvPr>
             <p:extLst>
               <p:ext uri="{386F3935-93C4-4BCD-93E2-E3B085C9AB24}">
-                <p16:designElem xmlns:p16="http://schemas.microsoft.com/office/powerpoint/2015/main" xmlns="" val="1"/>
+                <p16:designElem xmlns:p16="http://schemas.microsoft.com/office/powerpoint/2015/main" val="1"/>
               </p:ext>
             </p:extLst>
           </p:nvPr>
@@ -17972,10 +17927,10 @@
           <p:cNvPr id="21" name="Freeform: Shape 20">
             <a:extLst>
               <a:ext uri="{FF2B5EF4-FFF2-40B4-BE49-F238E27FC236}">
-                <a16:creationId xmlns:a16="http://schemas.microsoft.com/office/drawing/2014/main" xmlns="" id="{DF9AD32D-FF05-44F4-BD4D-9CEE89B71EB9}"/>
+                <a16:creationId xmlns:a16="http://schemas.microsoft.com/office/drawing/2014/main" id="{DF9AD32D-FF05-44F4-BD4D-9CEE89B71EB9}"/>
               </a:ext>
               <a:ext uri="{C183D7F6-B498-43B3-948B-1728B52AA6E4}">
-                <adec:decorative xmlns:adec="http://schemas.microsoft.com/office/drawing/2017/decorative" xmlns="" val="1"/>
+                <adec:decorative xmlns:adec="http://schemas.microsoft.com/office/drawing/2017/decorative" val="1"/>
               </a:ext>
             </a:extLst>
           </p:cNvPr>
@@ -17985,7 +17940,7 @@
           <p:nvPr>
             <p:extLst>
               <p:ext uri="{386F3935-93C4-4BCD-93E2-E3B085C9AB24}">
-                <p16:designElem xmlns:p16="http://schemas.microsoft.com/office/powerpoint/2015/main" xmlns="" val="1"/>
+                <p16:designElem xmlns:p16="http://schemas.microsoft.com/office/powerpoint/2015/main" val="1"/>
               </p:ext>
             </p:extLst>
           </p:nvPr>
@@ -18136,7 +18091,7 @@
           <p:cNvPr id="2" name="Title 1">
             <a:extLst>
               <a:ext uri="{FF2B5EF4-FFF2-40B4-BE49-F238E27FC236}">
-                <a16:creationId xmlns:a16="http://schemas.microsoft.com/office/drawing/2014/main" xmlns="" id="{4C84315F-315F-4066-9D3A-472733691F27}"/>
+                <a16:creationId xmlns:a16="http://schemas.microsoft.com/office/drawing/2014/main" id="{4C84315F-315F-4066-9D3A-472733691F27}"/>
               </a:ext>
             </a:extLst>
           </p:cNvPr>
@@ -18179,7 +18134,7 @@
           <p:cNvPr id="4" name="Footer Placeholder 3">
             <a:extLst>
               <a:ext uri="{FF2B5EF4-FFF2-40B4-BE49-F238E27FC236}">
-                <a16:creationId xmlns:a16="http://schemas.microsoft.com/office/drawing/2014/main" xmlns="" id="{0EF7D1E5-7A19-4BA2-8CAA-9135FB90076C}"/>
+                <a16:creationId xmlns:a16="http://schemas.microsoft.com/office/drawing/2014/main" id="{0EF7D1E5-7A19-4BA2-8CAA-9135FB90076C}"/>
               </a:ext>
             </a:extLst>
           </p:cNvPr>
@@ -18228,7 +18183,7 @@
           <p:cNvPr id="5" name="Slide Number Placeholder 4">
             <a:extLst>
               <a:ext uri="{FF2B5EF4-FFF2-40B4-BE49-F238E27FC236}">
-                <a16:creationId xmlns:a16="http://schemas.microsoft.com/office/drawing/2014/main" xmlns="" id="{FAC16E02-623C-4BDA-BAFA-B73797A517FD}"/>
+                <a16:creationId xmlns:a16="http://schemas.microsoft.com/office/drawing/2014/main" id="{FAC16E02-623C-4BDA-BAFA-B73797A517FD}"/>
               </a:ext>
             </a:extLst>
           </p:cNvPr>

--- a/docs/Seminarvortrag.pptx
+++ b/docs/Seminarvortrag.pptx
@@ -10,14 +10,14 @@
   <p:sldIdLst>
     <p:sldId id="257" r:id="rId2"/>
     <p:sldId id="258" r:id="rId3"/>
-    <p:sldId id="280" r:id="rId4"/>
-    <p:sldId id="259" r:id="rId5"/>
-    <p:sldId id="261" r:id="rId6"/>
-    <p:sldId id="260" r:id="rId7"/>
-    <p:sldId id="262" r:id="rId8"/>
-    <p:sldId id="291" r:id="rId9"/>
-    <p:sldId id="281" r:id="rId10"/>
-    <p:sldId id="293" r:id="rId11"/>
+    <p:sldId id="281" r:id="rId4"/>
+    <p:sldId id="293" r:id="rId5"/>
+    <p:sldId id="280" r:id="rId6"/>
+    <p:sldId id="259" r:id="rId7"/>
+    <p:sldId id="261" r:id="rId8"/>
+    <p:sldId id="260" r:id="rId9"/>
+    <p:sldId id="262" r:id="rId10"/>
+    <p:sldId id="291" r:id="rId11"/>
     <p:sldId id="279" r:id="rId12"/>
     <p:sldId id="275" r:id="rId13"/>
     <p:sldId id="274" r:id="rId14"/>
@@ -527,7 +527,7 @@
       </p:grpSpPr>
       <p:sp>
         <p:nvSpPr>
-          <p:cNvPr id="2" name="Slide Image Placeholder 1"/>
+          <p:cNvPr id="2" name="Folienbildplatzhalter 1"/>
           <p:cNvSpPr>
             <a:spLocks noGrp="1" noRot="1" noChangeAspect="1"/>
           </p:cNvSpPr>
@@ -539,7 +539,7 @@
       </p:sp>
       <p:sp>
         <p:nvSpPr>
-          <p:cNvPr id="3" name="Notes Placeholder 2"/>
+          <p:cNvPr id="3" name="Notizenplatzhalter 2"/>
           <p:cNvSpPr>
             <a:spLocks noGrp="1"/>
           </p:cNvSpPr>
@@ -552,13 +552,86 @@
           <a:bodyPr/>
           <a:lstStyle/>
           <a:p>
-            <a:endParaRPr lang="en-NZ" dirty="0"/>
-          </a:p>
-        </p:txBody>
-      </p:sp>
-      <p:sp>
-        <p:nvSpPr>
-          <p:cNvPr id="4" name="Slide Number Placeholder 3"/>
+            <a:r>
+              <a:rPr lang="de-DE" dirty="0"/>
+              <a:t> Projektleiter: Moritz </a:t>
+            </a:r>
+            <a:r>
+              <a:rPr lang="de-DE" dirty="0" err="1"/>
+              <a:t>Withöft</a:t>
+            </a:r>
+            <a:endParaRPr lang="de-DE" dirty="0"/>
+          </a:p>
+          <a:p>
+            <a:r>
+              <a:rPr lang="de-DE" dirty="0"/>
+              <a:t>Dokumentationsmanager: Moritz </a:t>
+            </a:r>
+            <a:r>
+              <a:rPr lang="de-DE" dirty="0" err="1"/>
+              <a:t>Withöft</a:t>
+            </a:r>
+            <a:endParaRPr lang="de-DE" dirty="0"/>
+          </a:p>
+          <a:p>
+            <a:r>
+              <a:rPr lang="de-DE" dirty="0"/>
+              <a:t>Schnittstellenmanager: Michelle Vorwerk</a:t>
+            </a:r>
+          </a:p>
+          <a:p>
+            <a:r>
+              <a:rPr lang="de-DE" dirty="0"/>
+              <a:t>Frontend:</a:t>
+            </a:r>
+          </a:p>
+          <a:p>
+            <a:pPr lvl="1"/>
+            <a:r>
+              <a:rPr lang="de-DE" dirty="0"/>
+              <a:t>Michelle Vorwerk</a:t>
+            </a:r>
+          </a:p>
+          <a:p>
+            <a:pPr lvl="1"/>
+            <a:r>
+              <a:rPr lang="de-DE" dirty="0"/>
+              <a:t>Christiane Zolkin</a:t>
+            </a:r>
+          </a:p>
+          <a:p>
+            <a:pPr lvl="1"/>
+            <a:r>
+              <a:rPr lang="de-DE" dirty="0"/>
+              <a:t>Moritz </a:t>
+            </a:r>
+            <a:r>
+              <a:rPr lang="de-DE" dirty="0" err="1"/>
+              <a:t>Withöft</a:t>
+            </a:r>
+            <a:endParaRPr lang="de-DE" dirty="0"/>
+          </a:p>
+          <a:p>
+            <a:r>
+              <a:rPr lang="de-DE" dirty="0"/>
+              <a:t>Backend:</a:t>
+            </a:r>
+          </a:p>
+          <a:p>
+            <a:pPr lvl="1"/>
+            <a:r>
+              <a:rPr lang="de-DE" dirty="0"/>
+              <a:t>Hannes Rüffer</a:t>
+            </a:r>
+          </a:p>
+          <a:p>
+            <a:endParaRPr lang="de-DE" dirty="0"/>
+          </a:p>
+        </p:txBody>
+      </p:sp>
+      <p:sp>
+        <p:nvSpPr>
+          <p:cNvPr id="4" name="Foliennummernplatzhalter 3"/>
           <p:cNvSpPr>
             <a:spLocks noGrp="1"/>
           </p:cNvSpPr>
@@ -571,9 +644,9 @@
           <a:bodyPr/>
           <a:lstStyle/>
           <a:p>
-            <a:fld id="{F16849D4-3324-4FF6-8AE8-B1DC02517370}" type="slidenum">
+            <a:fld id="{0942BA0F-76A4-4F7A-AC66-00E9D6FDCBC2}" type="slidenum">
               <a:rPr lang="de-DE" smtClean="0"/>
-              <a:t>8</a:t>
+              <a:t>4</a:t>
             </a:fld>
             <a:endParaRPr lang="de-DE"/>
           </a:p>
@@ -582,7 +655,7 @@
     </p:spTree>
     <p:extLst>
       <p:ext uri="{BB962C8B-B14F-4D97-AF65-F5344CB8AC3E}">
-        <p14:creationId xmlns:p14="http://schemas.microsoft.com/office/powerpoint/2010/main" val="3480008940"/>
+        <p14:creationId xmlns:p14="http://schemas.microsoft.com/office/powerpoint/2010/main" val="3186037184"/>
       </p:ext>
     </p:extLst>
   </p:cSld>
@@ -611,7 +684,7 @@
       </p:grpSpPr>
       <p:sp>
         <p:nvSpPr>
-          <p:cNvPr id="2" name="Folienbildplatzhalter 1"/>
+          <p:cNvPr id="2" name="Slide Image Placeholder 1"/>
           <p:cNvSpPr>
             <a:spLocks noGrp="1" noRot="1" noChangeAspect="1"/>
           </p:cNvSpPr>
@@ -623,7 +696,7 @@
       </p:sp>
       <p:sp>
         <p:nvSpPr>
-          <p:cNvPr id="3" name="Notizenplatzhalter 2"/>
+          <p:cNvPr id="3" name="Notes Placeholder 2"/>
           <p:cNvSpPr>
             <a:spLocks noGrp="1"/>
           </p:cNvSpPr>
@@ -636,86 +709,13 @@
           <a:bodyPr/>
           <a:lstStyle/>
           <a:p>
-            <a:r>
-              <a:rPr lang="de-DE" dirty="0"/>
-              <a:t> Projektleiter: Moritz </a:t>
-            </a:r>
-            <a:r>
-              <a:rPr lang="de-DE" dirty="0" err="1"/>
-              <a:t>Withöft</a:t>
-            </a:r>
-            <a:endParaRPr lang="de-DE" dirty="0"/>
-          </a:p>
-          <a:p>
-            <a:r>
-              <a:rPr lang="de-DE" dirty="0"/>
-              <a:t>Dokumentationsmanager: Moritz </a:t>
-            </a:r>
-            <a:r>
-              <a:rPr lang="de-DE" dirty="0" err="1"/>
-              <a:t>Withöft</a:t>
-            </a:r>
-            <a:endParaRPr lang="de-DE" dirty="0"/>
-          </a:p>
-          <a:p>
-            <a:r>
-              <a:rPr lang="de-DE" dirty="0"/>
-              <a:t>Schnittstellenmanager: Michelle Vorwerk</a:t>
-            </a:r>
-          </a:p>
-          <a:p>
-            <a:r>
-              <a:rPr lang="de-DE" dirty="0"/>
-              <a:t>Frontend:</a:t>
-            </a:r>
-          </a:p>
-          <a:p>
-            <a:pPr lvl="1"/>
-            <a:r>
-              <a:rPr lang="de-DE" dirty="0"/>
-              <a:t>Michelle Vorwerk</a:t>
-            </a:r>
-          </a:p>
-          <a:p>
-            <a:pPr lvl="1"/>
-            <a:r>
-              <a:rPr lang="de-DE" dirty="0"/>
-              <a:t>Christiane Zolkin</a:t>
-            </a:r>
-          </a:p>
-          <a:p>
-            <a:pPr lvl="1"/>
-            <a:r>
-              <a:rPr lang="de-DE" dirty="0"/>
-              <a:t>Moritz </a:t>
-            </a:r>
-            <a:r>
-              <a:rPr lang="de-DE" dirty="0" err="1"/>
-              <a:t>Withöft</a:t>
-            </a:r>
-            <a:endParaRPr lang="de-DE" dirty="0"/>
-          </a:p>
-          <a:p>
-            <a:r>
-              <a:rPr lang="de-DE" dirty="0"/>
-              <a:t>Backend:</a:t>
-            </a:r>
-          </a:p>
-          <a:p>
-            <a:pPr lvl="1"/>
-            <a:r>
-              <a:rPr lang="de-DE" dirty="0"/>
-              <a:t>Hannes Rüffer</a:t>
-            </a:r>
-          </a:p>
-          <a:p>
-            <a:endParaRPr lang="de-DE" dirty="0"/>
-          </a:p>
-        </p:txBody>
-      </p:sp>
-      <p:sp>
-        <p:nvSpPr>
-          <p:cNvPr id="4" name="Foliennummernplatzhalter 3"/>
+            <a:endParaRPr lang="en-NZ" dirty="0"/>
+          </a:p>
+        </p:txBody>
+      </p:sp>
+      <p:sp>
+        <p:nvSpPr>
+          <p:cNvPr id="4" name="Slide Number Placeholder 3"/>
           <p:cNvSpPr>
             <a:spLocks noGrp="1"/>
           </p:cNvSpPr>
@@ -728,7 +728,7 @@
           <a:bodyPr/>
           <a:lstStyle/>
           <a:p>
-            <a:fld id="{0942BA0F-76A4-4F7A-AC66-00E9D6FDCBC2}" type="slidenum">
+            <a:fld id="{F16849D4-3324-4FF6-8AE8-B1DC02517370}" type="slidenum">
               <a:rPr lang="de-DE" smtClean="0"/>
               <a:t>10</a:t>
             </a:fld>
@@ -739,7 +739,7 @@
     </p:spTree>
     <p:extLst>
       <p:ext uri="{BB962C8B-B14F-4D97-AF65-F5344CB8AC3E}">
-        <p14:creationId xmlns:p14="http://schemas.microsoft.com/office/powerpoint/2010/main" val="1717572405"/>
+        <p14:creationId xmlns:p14="http://schemas.microsoft.com/office/powerpoint/2010/main" val="3480008940"/>
       </p:ext>
     </p:extLst>
   </p:cSld>
@@ -4583,220 +4583,76 @@
       </p:grpSpPr>
       <p:sp>
         <p:nvSpPr>
-          <p:cNvPr id="7" name="Titel 6">
-            <a:extLst>
-              <a:ext uri="{FF2B5EF4-FFF2-40B4-BE49-F238E27FC236}">
-                <a16:creationId xmlns:a16="http://schemas.microsoft.com/office/drawing/2014/main" id="{06F81B39-CC5E-430E-A51C-C34E1573A8DA}"/>
-              </a:ext>
-            </a:extLst>
-          </p:cNvPr>
-          <p:cNvSpPr>
-            <a:spLocks noGrp="1"/>
-          </p:cNvSpPr>
-          <p:nvPr>
-            <p:ph type="title"/>
-          </p:nvPr>
-        </p:nvSpPr>
-        <p:spPr/>
-        <p:txBody>
-          <a:bodyPr/>
-          <a:lstStyle/>
-          <a:p>
-            <a:r>
-              <a:rPr lang="de-DE" dirty="0"/>
-              <a:t>Team</a:t>
-            </a:r>
-          </a:p>
-        </p:txBody>
-      </p:sp>
-      <p:sp>
-        <p:nvSpPr>
-          <p:cNvPr id="3" name="Inhaltsplatzhalter 2">
-            <a:extLst>
-              <a:ext uri="{FF2B5EF4-FFF2-40B4-BE49-F238E27FC236}">
-                <a16:creationId xmlns:a16="http://schemas.microsoft.com/office/drawing/2014/main" id="{05EB6F76-0506-482C-8DF5-5972FA052E23}"/>
-              </a:ext>
-            </a:extLst>
-          </p:cNvPr>
-          <p:cNvSpPr>
-            <a:spLocks noGrp="1"/>
-          </p:cNvSpPr>
-          <p:nvPr>
-            <p:ph sz="half" idx="1"/>
-          </p:nvPr>
-        </p:nvSpPr>
-        <p:spPr/>
-        <p:txBody>
-          <a:bodyPr>
-            <a:normAutofit/>
+          <p:cNvPr id="10" name="TextBox 9">
+            <a:extLst>
+              <a:ext uri="{FF2B5EF4-FFF2-40B4-BE49-F238E27FC236}">
+                <a16:creationId xmlns:a16="http://schemas.microsoft.com/office/drawing/2014/main" id="{0EC7CB5C-2C3D-4A9E-BB5E-032FF2465606}"/>
+              </a:ext>
+            </a:extLst>
+          </p:cNvPr>
+          <p:cNvSpPr txBox="1"/>
+          <p:nvPr/>
+        </p:nvSpPr>
+        <p:spPr>
+          <a:xfrm>
+            <a:off x="2910515" y="1167320"/>
+            <a:ext cx="2933862" cy="369332"/>
+          </a:xfrm>
+          <a:prstGeom prst="rect">
+            <a:avLst/>
+          </a:prstGeom>
+          <a:noFill/>
+        </p:spPr>
+        <p:txBody>
+          <a:bodyPr wrap="square" rtlCol="0">
+            <a:spAutoFit/>
           </a:bodyPr>
           <a:lstStyle/>
           <a:p>
-            <a:r>
-              <a:rPr lang="de-DE" dirty="0"/>
-              <a:t>Moritz </a:t>
-            </a:r>
-            <a:r>
-              <a:rPr lang="de-DE" dirty="0" err="1"/>
-              <a:t>Withöft</a:t>
-            </a:r>
-            <a:endParaRPr lang="de-DE" dirty="0"/>
-          </a:p>
-          <a:p>
-            <a:pPr lvl="1"/>
-            <a:r>
-              <a:rPr lang="de-DE" dirty="0"/>
-              <a:t>Projektleiter</a:t>
-            </a:r>
-          </a:p>
-          <a:p>
-            <a:pPr lvl="1"/>
-            <a:r>
-              <a:rPr lang="de-DE" dirty="0"/>
-              <a:t>Dokumentationsmanager</a:t>
-            </a:r>
-          </a:p>
-          <a:p>
-            <a:pPr lvl="1"/>
-            <a:r>
-              <a:rPr lang="de-DE" dirty="0"/>
-              <a:t>Frontend</a:t>
-            </a:r>
-          </a:p>
-          <a:p>
-            <a:r>
-              <a:rPr lang="de-DE" dirty="0"/>
-              <a:t>Hannes Rüffer</a:t>
-            </a:r>
-          </a:p>
-          <a:p>
-            <a:pPr lvl="1"/>
-            <a:r>
-              <a:rPr lang="de-DE" dirty="0"/>
-              <a:t>Backend</a:t>
-            </a:r>
-          </a:p>
-        </p:txBody>
-      </p:sp>
-      <p:sp>
-        <p:nvSpPr>
-          <p:cNvPr id="8" name="Inhaltsplatzhalter 7">
-            <a:extLst>
-              <a:ext uri="{FF2B5EF4-FFF2-40B4-BE49-F238E27FC236}">
-                <a16:creationId xmlns:a16="http://schemas.microsoft.com/office/drawing/2014/main" id="{1984EF27-681D-4A81-BD45-B65014D1190C}"/>
-              </a:ext>
-            </a:extLst>
-          </p:cNvPr>
-          <p:cNvSpPr>
-            <a:spLocks noGrp="1"/>
-          </p:cNvSpPr>
-          <p:nvPr>
-            <p:ph sz="half" idx="2"/>
-          </p:nvPr>
-        </p:nvSpPr>
-        <p:spPr/>
-        <p:txBody>
-          <a:bodyPr/>
-          <a:lstStyle/>
-          <a:p>
-            <a:r>
-              <a:rPr lang="de-DE" dirty="0"/>
-              <a:t>Christiane Zolkin</a:t>
-            </a:r>
-          </a:p>
-          <a:p>
-            <a:pPr lvl="1"/>
-            <a:r>
-              <a:rPr lang="de-DE" dirty="0"/>
-              <a:t>Frontend</a:t>
-            </a:r>
-          </a:p>
-          <a:p>
-            <a:r>
-              <a:rPr lang="de-DE" dirty="0"/>
-              <a:t>Michelle Vorwerk</a:t>
-            </a:r>
-          </a:p>
-          <a:p>
-            <a:pPr lvl="1"/>
-            <a:r>
-              <a:rPr lang="de-DE" dirty="0"/>
-              <a:t>Schnittstellenmanager</a:t>
-            </a:r>
-          </a:p>
-          <a:p>
-            <a:pPr lvl="1"/>
-            <a:r>
-              <a:rPr lang="de-DE" dirty="0"/>
-              <a:t>Frontend</a:t>
-            </a:r>
-          </a:p>
-          <a:p>
-            <a:endParaRPr lang="de-DE" dirty="0"/>
-          </a:p>
-        </p:txBody>
-      </p:sp>
-      <p:sp>
-        <p:nvSpPr>
-          <p:cNvPr id="5" name="Fußzeilenplatzhalter 4">
-            <a:extLst>
-              <a:ext uri="{FF2B5EF4-FFF2-40B4-BE49-F238E27FC236}">
-                <a16:creationId xmlns:a16="http://schemas.microsoft.com/office/drawing/2014/main" id="{B3342DBB-7459-4914-8B4E-7D75AACAC05D}"/>
-              </a:ext>
-            </a:extLst>
-          </p:cNvPr>
-          <p:cNvSpPr>
-            <a:spLocks noGrp="1"/>
-          </p:cNvSpPr>
-          <p:nvPr>
-            <p:ph type="ftr" sz="quarter" idx="11"/>
-          </p:nvPr>
-        </p:nvSpPr>
-        <p:spPr/>
-        <p:txBody>
-          <a:bodyPr/>
-          <a:lstStyle/>
-          <a:p>
-            <a:r>
-              <a:rPr lang="de-DE"/>
-              <a:t>WS19/20 - PV-Modulportal - Rüffer, Vorwerk, Withöft, Zolkin</a:t>
-            </a:r>
-          </a:p>
-        </p:txBody>
-      </p:sp>
-      <p:sp>
-        <p:nvSpPr>
-          <p:cNvPr id="6" name="Foliennummernplatzhalter 5">
-            <a:extLst>
-              <a:ext uri="{FF2B5EF4-FFF2-40B4-BE49-F238E27FC236}">
-                <a16:creationId xmlns:a16="http://schemas.microsoft.com/office/drawing/2014/main" id="{039F0CB6-0EB5-48C9-A7AF-B05D53CB2CF0}"/>
-              </a:ext>
-            </a:extLst>
-          </p:cNvPr>
-          <p:cNvSpPr>
-            <a:spLocks noGrp="1"/>
-          </p:cNvSpPr>
-          <p:nvPr>
-            <p:ph type="sldNum" sz="quarter" idx="12"/>
-          </p:nvPr>
-        </p:nvSpPr>
-        <p:spPr/>
-        <p:txBody>
-          <a:bodyPr/>
-          <a:lstStyle/>
-          <a:p>
-            <a:fld id="{969E759D-A893-4B96-8B48-96EE547EBC41}" type="slidenum">
-              <a:rPr lang="de-DE" smtClean="0"/>
-              <a:t>10</a:t>
-            </a:fld>
-            <a:endParaRPr lang="de-DE"/>
-          </a:p>
-        </p:txBody>
-      </p:sp>
+            <a:endParaRPr lang="en-NZ" dirty="0"/>
+          </a:p>
+        </p:txBody>
+      </p:sp>
+      <p:pic>
+        <p:nvPicPr>
+          <p:cNvPr id="3" name="Picture 2" descr="A picture containing implement, pencil, computer, sitting&#10;&#10;Description automatically generated">
+            <a:extLst>
+              <a:ext uri="{FF2B5EF4-FFF2-40B4-BE49-F238E27FC236}">
+                <a16:creationId xmlns:a16="http://schemas.microsoft.com/office/drawing/2014/main" id="{EAC737AC-7EDE-4FC3-BCB3-AD1B0ED862F8}"/>
+              </a:ext>
+            </a:extLst>
+          </p:cNvPr>
+          <p:cNvPicPr>
+            <a:picLocks noChangeAspect="1"/>
+          </p:cNvPicPr>
+          <p:nvPr/>
+        </p:nvPicPr>
+        <p:blipFill>
+          <a:blip r:embed="rId3" cstate="print">
+            <a:extLst>
+              <a:ext uri="{28A0092B-C50C-407E-A947-70E740481C1C}">
+                <a14:useLocalDpi xmlns:a14="http://schemas.microsoft.com/office/drawing/2010/main" val="0"/>
+              </a:ext>
+            </a:extLst>
+          </a:blip>
+          <a:stretch>
+            <a:fillRect/>
+          </a:stretch>
+        </p:blipFill>
+        <p:spPr>
+          <a:xfrm>
+            <a:off x="0" y="136187"/>
+            <a:ext cx="12192000" cy="6653720"/>
+          </a:xfrm>
+          <a:prstGeom prst="rect">
+            <a:avLst/>
+          </a:prstGeom>
+        </p:spPr>
+      </p:pic>
     </p:spTree>
     <p:extLst>
       <p:ext uri="{BB962C8B-B14F-4D97-AF65-F5344CB8AC3E}">
-        <p14:creationId xmlns:p14="http://schemas.microsoft.com/office/powerpoint/2010/main" val="3481525500"/>
+        <p14:creationId xmlns:p14="http://schemas.microsoft.com/office/powerpoint/2010/main" val="17102612"/>
       </p:ext>
     </p:extLst>
   </p:cSld>
@@ -7817,13 +7673,6 @@
           <a:p>
             <a:r>
               <a:rPr lang="en-NZ" sz="1700" dirty="0" err="1"/>
-              <a:t>Projektbeschreibung</a:t>
-            </a:r>
-            <a:endParaRPr lang="en-NZ" sz="1700" dirty="0"/>
-          </a:p>
-          <a:p>
-            <a:r>
-              <a:rPr lang="en-NZ" sz="1700" dirty="0" err="1"/>
               <a:t>Vorstellung</a:t>
             </a:r>
             <a:r>
@@ -7847,8 +7696,14 @@
               <a:t> </a:t>
             </a:r>
             <a:r>
+              <a:rPr lang="en-NZ" sz="1700"/>
+              <a:t>Aufgaben</a:t>
+            </a:r>
+          </a:p>
+          <a:p>
+            <a:r>
               <a:rPr lang="en-NZ" sz="1700" dirty="0" err="1"/>
-              <a:t>Aufgaben</a:t>
+              <a:t>Projektbeschreibung</a:t>
             </a:r>
             <a:endParaRPr lang="en-NZ" sz="1700" dirty="0"/>
           </a:p>
@@ -11259,7 +11114,7 @@
       </p:grpSpPr>
       <p:sp>
         <p:nvSpPr>
-          <p:cNvPr id="19" name="Freeform: Shape 18">
+          <p:cNvPr id="10" name="Freeform: Shape 9">
             <a:extLst>
               <a:ext uri="{FF2B5EF4-FFF2-40B4-BE49-F238E27FC236}">
                 <a16:creationId xmlns:a16="http://schemas.microsoft.com/office/drawing/2014/main" id="{66B332A4-D438-4773-A77F-5ED49A448D9D}"/>
@@ -11425,7 +11280,7 @@
       </p:sp>
       <p:sp>
         <p:nvSpPr>
-          <p:cNvPr id="21" name="Freeform: Shape 20">
+          <p:cNvPr id="12" name="Freeform: Shape 11">
             <a:extLst>
               <a:ext uri="{FF2B5EF4-FFF2-40B4-BE49-F238E27FC236}">
                 <a16:creationId xmlns:a16="http://schemas.microsoft.com/office/drawing/2014/main" id="{DF9AD32D-FF05-44F4-BD4D-9CEE89B71EB9}"/>
@@ -11625,7 +11480,7 @@
                   </a:schemeClr>
                 </a:solidFill>
               </a:rPr>
-              <a:t>Projektbeschreibung</a:t>
+              <a:t>Vorstellung der Gruppe</a:t>
             </a:r>
           </a:p>
         </p:txBody>
@@ -11742,7 +11597,7 @@
     </p:spTree>
     <p:extLst>
       <p:ext uri="{BB962C8B-B14F-4D97-AF65-F5344CB8AC3E}">
-        <p14:creationId xmlns:p14="http://schemas.microsoft.com/office/powerpoint/2010/main" val="2543022861"/>
+        <p14:creationId xmlns:p14="http://schemas.microsoft.com/office/powerpoint/2010/main" val="1463021494"/>
       </p:ext>
     </p:extLst>
   </p:cSld>
@@ -14327,10 +14182,10 @@
       </p:grpSpPr>
       <p:sp>
         <p:nvSpPr>
-          <p:cNvPr id="2" name="Title 1">
-            <a:extLst>
-              <a:ext uri="{FF2B5EF4-FFF2-40B4-BE49-F238E27FC236}">
-                <a16:creationId xmlns:a16="http://schemas.microsoft.com/office/drawing/2014/main" id="{15066376-BDA9-42B0-B399-BBF455FEAB84}"/>
+          <p:cNvPr id="7" name="Titel 6">
+            <a:extLst>
+              <a:ext uri="{FF2B5EF4-FFF2-40B4-BE49-F238E27FC236}">
+                <a16:creationId xmlns:a16="http://schemas.microsoft.com/office/drawing/2014/main" id="{06F81B39-CC5E-430E-A51C-C34E1573A8DA}"/>
               </a:ext>
             </a:extLst>
           </p:cNvPr>
@@ -14341,184 +14196,151 @@
             <p:ph type="title"/>
           </p:nvPr>
         </p:nvSpPr>
-        <p:spPr>
-          <a:xfrm>
-            <a:off x="838200" y="365125"/>
-            <a:ext cx="10515600" cy="1325563"/>
-          </a:xfrm>
-        </p:spPr>
+        <p:spPr/>
         <p:txBody>
           <a:bodyPr/>
           <a:lstStyle/>
           <a:p>
             <a:r>
-              <a:rPr lang="en-NZ"/>
-              <a:t>Projektbeschreibung</a:t>
-            </a:r>
-            <a:endParaRPr lang="en-NZ" dirty="0"/>
-          </a:p>
-        </p:txBody>
-      </p:sp>
-      <p:sp>
-        <p:nvSpPr>
-          <p:cNvPr id="3" name="Content Placeholder 2">
-            <a:extLst>
-              <a:ext uri="{FF2B5EF4-FFF2-40B4-BE49-F238E27FC236}">
-                <a16:creationId xmlns:a16="http://schemas.microsoft.com/office/drawing/2014/main" id="{0FBAFCDA-66B7-4892-8C91-69D5101FD3EE}"/>
-              </a:ext>
-            </a:extLst>
-          </p:cNvPr>
-          <p:cNvSpPr>
-            <a:spLocks noGrp="1"/>
-          </p:cNvSpPr>
-          <p:nvPr>
-            <p:ph idx="1"/>
+              <a:rPr lang="de-DE" dirty="0"/>
+              <a:t>Team</a:t>
+            </a:r>
+          </a:p>
+        </p:txBody>
+      </p:sp>
+      <p:sp>
+        <p:nvSpPr>
+          <p:cNvPr id="3" name="Inhaltsplatzhalter 2">
+            <a:extLst>
+              <a:ext uri="{FF2B5EF4-FFF2-40B4-BE49-F238E27FC236}">
+                <a16:creationId xmlns:a16="http://schemas.microsoft.com/office/drawing/2014/main" id="{05EB6F76-0506-482C-8DF5-5972FA052E23}"/>
+              </a:ext>
+            </a:extLst>
+          </p:cNvPr>
+          <p:cNvSpPr>
+            <a:spLocks noGrp="1"/>
+          </p:cNvSpPr>
+          <p:nvPr>
+            <p:ph sz="half" idx="1"/>
           </p:nvPr>
         </p:nvSpPr>
         <p:spPr/>
         <p:txBody>
           <a:bodyPr>
-            <a:normAutofit fontScale="92500" lnSpcReduction="10000"/>
+            <a:normAutofit/>
           </a:bodyPr>
           <a:lstStyle/>
           <a:p>
             <a:r>
-              <a:rPr lang="en-NZ" dirty="0"/>
-              <a:t>PV-</a:t>
-            </a:r>
-            <a:r>
-              <a:rPr lang="en-NZ" dirty="0" err="1"/>
-              <a:t>Modulportal</a:t>
-            </a:r>
-            <a:r>
-              <a:rPr lang="en-NZ" dirty="0"/>
-              <a:t> </a:t>
-            </a:r>
-            <a:r>
-              <a:rPr lang="en-NZ" dirty="0" err="1"/>
-              <a:t>zum</a:t>
-            </a:r>
-            <a:r>
-              <a:rPr lang="en-NZ" dirty="0"/>
-              <a:t> </a:t>
-            </a:r>
-            <a:r>
-              <a:rPr lang="en-NZ" dirty="0" err="1"/>
-              <a:t>Vergleichen</a:t>
-            </a:r>
-            <a:r>
-              <a:rPr lang="en-NZ" dirty="0"/>
-              <a:t> von </a:t>
-            </a:r>
-            <a:r>
-              <a:rPr lang="en-NZ" dirty="0" err="1"/>
-              <a:t>Kennlinien</a:t>
-            </a:r>
-            <a:endParaRPr lang="en-NZ" dirty="0"/>
+              <a:rPr lang="de-DE" dirty="0"/>
+              <a:t>Moritz </a:t>
+            </a:r>
+            <a:r>
+              <a:rPr lang="de-DE" dirty="0" err="1"/>
+              <a:t>Withöft</a:t>
+            </a:r>
+            <a:endParaRPr lang="de-DE" dirty="0"/>
           </a:p>
           <a:p>
             <a:pPr lvl="1"/>
             <a:r>
-              <a:rPr lang="en-NZ" dirty="0" err="1"/>
-              <a:t>Erfassen</a:t>
-            </a:r>
-            <a:endParaRPr lang="en-NZ" dirty="0"/>
+              <a:rPr lang="de-DE" dirty="0"/>
+              <a:t>Projektleiter</a:t>
+            </a:r>
           </a:p>
           <a:p>
             <a:pPr lvl="1"/>
             <a:r>
-              <a:rPr lang="en-NZ" dirty="0" err="1"/>
-              <a:t>Vergleichen</a:t>
-            </a:r>
-            <a:endParaRPr lang="en-NZ" dirty="0"/>
+              <a:rPr lang="de-DE" dirty="0"/>
+              <a:t>Dokumentationsmanager</a:t>
+            </a:r>
           </a:p>
           <a:p>
             <a:pPr lvl="1"/>
             <a:r>
-              <a:rPr lang="en-NZ" dirty="0" err="1"/>
-              <a:t>Statistiken</a:t>
-            </a:r>
-            <a:endParaRPr lang="en-NZ" dirty="0"/>
+              <a:rPr lang="de-DE" dirty="0"/>
+              <a:t>Frontend</a:t>
+            </a:r>
+          </a:p>
+          <a:p>
+            <a:r>
+              <a:rPr lang="de-DE" dirty="0"/>
+              <a:t>Hannes Rüffer</a:t>
+            </a:r>
           </a:p>
           <a:p>
             <a:pPr lvl="1"/>
             <a:r>
-              <a:rPr lang="en-NZ" dirty="0" err="1"/>
-              <a:t>Diskussionen</a:t>
-            </a:r>
-            <a:endParaRPr lang="en-NZ" dirty="0"/>
+              <a:rPr lang="de-DE" dirty="0"/>
+              <a:t>Backend</a:t>
+            </a:r>
+          </a:p>
+        </p:txBody>
+      </p:sp>
+      <p:sp>
+        <p:nvSpPr>
+          <p:cNvPr id="8" name="Inhaltsplatzhalter 7">
+            <a:extLst>
+              <a:ext uri="{FF2B5EF4-FFF2-40B4-BE49-F238E27FC236}">
+                <a16:creationId xmlns:a16="http://schemas.microsoft.com/office/drawing/2014/main" id="{1984EF27-681D-4A81-BD45-B65014D1190C}"/>
+              </a:ext>
+            </a:extLst>
+          </p:cNvPr>
+          <p:cNvSpPr>
+            <a:spLocks noGrp="1"/>
+          </p:cNvSpPr>
+          <p:nvPr>
+            <p:ph sz="half" idx="2"/>
+          </p:nvPr>
+        </p:nvSpPr>
+        <p:spPr/>
+        <p:txBody>
+          <a:bodyPr/>
+          <a:lstStyle/>
+          <a:p>
+            <a:r>
+              <a:rPr lang="de-DE" dirty="0"/>
+              <a:t>Christiane Zolkin</a:t>
+            </a:r>
           </a:p>
           <a:p>
             <a:pPr lvl="1"/>
             <a:r>
-              <a:rPr lang="en-NZ" dirty="0"/>
-              <a:t>Downloads</a:t>
-            </a:r>
-          </a:p>
-          <a:p>
-            <a:r>
-              <a:rPr lang="en-NZ" dirty="0" err="1"/>
-              <a:t>Übersichtsseite</a:t>
-            </a:r>
-            <a:endParaRPr lang="en-NZ" dirty="0"/>
-          </a:p>
-          <a:p>
-            <a:r>
-              <a:rPr lang="en-NZ" dirty="0" err="1"/>
-              <a:t>Detailseite</a:t>
-            </a:r>
-            <a:endParaRPr lang="en-NZ" dirty="0"/>
-          </a:p>
-          <a:p>
-            <a:r>
-              <a:rPr lang="en-NZ" dirty="0" err="1"/>
-              <a:t>Suche</a:t>
-            </a:r>
-            <a:endParaRPr lang="en-NZ" dirty="0"/>
-          </a:p>
-          <a:p>
-            <a:r>
-              <a:rPr lang="en-NZ" dirty="0" err="1"/>
-              <a:t>Uploadseite</a:t>
-            </a:r>
-            <a:endParaRPr lang="en-NZ" dirty="0"/>
+              <a:rPr lang="de-DE" dirty="0"/>
+              <a:t>Frontend</a:t>
+            </a:r>
+          </a:p>
+          <a:p>
+            <a:r>
+              <a:rPr lang="de-DE" dirty="0"/>
+              <a:t>Michelle Vorwerk</a:t>
+            </a:r>
           </a:p>
           <a:p>
             <a:pPr lvl="1"/>
             <a:r>
-              <a:rPr lang="en-NZ" dirty="0"/>
-              <a:t>Nach </a:t>
-            </a:r>
-            <a:r>
-              <a:rPr lang="en-NZ" dirty="0" err="1"/>
-              <a:t>Planung</a:t>
-            </a:r>
-            <a:r>
-              <a:rPr lang="en-NZ" dirty="0"/>
-              <a:t> </a:t>
-            </a:r>
-            <a:r>
-              <a:rPr lang="en-NZ" dirty="0" err="1"/>
-              <a:t>noch</a:t>
-            </a:r>
-            <a:r>
-              <a:rPr lang="en-NZ" dirty="0"/>
-              <a:t> </a:t>
-            </a:r>
-            <a:r>
-              <a:rPr lang="en-NZ" dirty="0" err="1"/>
-              <a:t>ausstehend</a:t>
-            </a:r>
-            <a:endParaRPr lang="en-NZ" dirty="0"/>
-          </a:p>
-        </p:txBody>
-      </p:sp>
-      <p:sp>
-        <p:nvSpPr>
-          <p:cNvPr id="4" name="Footer Placeholder 3">
-            <a:extLst>
-              <a:ext uri="{FF2B5EF4-FFF2-40B4-BE49-F238E27FC236}">
-                <a16:creationId xmlns:a16="http://schemas.microsoft.com/office/drawing/2014/main" id="{5F1B4AEF-1956-4FA4-AF17-52F5FA22EA93}"/>
+              <a:rPr lang="de-DE" dirty="0"/>
+              <a:t>Schnittstellenmanager</a:t>
+            </a:r>
+          </a:p>
+          <a:p>
+            <a:pPr lvl="1"/>
+            <a:r>
+              <a:rPr lang="de-DE" dirty="0"/>
+              <a:t>Frontend</a:t>
+            </a:r>
+          </a:p>
+          <a:p>
+            <a:endParaRPr lang="de-DE" dirty="0"/>
+          </a:p>
+        </p:txBody>
+      </p:sp>
+      <p:sp>
+        <p:nvSpPr>
+          <p:cNvPr id="5" name="Fußzeilenplatzhalter 4">
+            <a:extLst>
+              <a:ext uri="{FF2B5EF4-FFF2-40B4-BE49-F238E27FC236}">
+                <a16:creationId xmlns:a16="http://schemas.microsoft.com/office/drawing/2014/main" id="{B3342DBB-7459-4914-8B4E-7D75AACAC05D}"/>
               </a:ext>
             </a:extLst>
           </p:cNvPr>
@@ -14529,12 +14351,7 @@
             <p:ph type="ftr" sz="quarter" idx="11"/>
           </p:nvPr>
         </p:nvSpPr>
-        <p:spPr>
-          <a:xfrm>
-            <a:off x="4038600" y="6356350"/>
-            <a:ext cx="4114800" cy="365125"/>
-          </a:xfrm>
-        </p:spPr>
+        <p:spPr/>
         <p:txBody>
           <a:bodyPr/>
           <a:lstStyle/>
@@ -14543,16 +14360,15 @@
               <a:rPr lang="de-DE"/>
               <a:t>WS19/20 - PV-Modulportal - Rüffer, Vorwerk, Withöft, Zolkin</a:t>
             </a:r>
-            <a:endParaRPr lang="de-DE" dirty="0"/>
-          </a:p>
-        </p:txBody>
-      </p:sp>
-      <p:sp>
-        <p:nvSpPr>
-          <p:cNvPr id="5" name="Slide Number Placeholder 4">
-            <a:extLst>
-              <a:ext uri="{FF2B5EF4-FFF2-40B4-BE49-F238E27FC236}">
-                <a16:creationId xmlns:a16="http://schemas.microsoft.com/office/drawing/2014/main" id="{D87CE355-2B04-4F17-8E3C-AE813E70FDE4}"/>
+          </a:p>
+        </p:txBody>
+      </p:sp>
+      <p:sp>
+        <p:nvSpPr>
+          <p:cNvPr id="6" name="Foliennummernplatzhalter 5">
+            <a:extLst>
+              <a:ext uri="{FF2B5EF4-FFF2-40B4-BE49-F238E27FC236}">
+                <a16:creationId xmlns:a16="http://schemas.microsoft.com/office/drawing/2014/main" id="{039F0CB6-0EB5-48C9-A7AF-B05D53CB2CF0}"/>
               </a:ext>
             </a:extLst>
           </p:cNvPr>
@@ -14563,12 +14379,7 @@
             <p:ph type="sldNum" sz="quarter" idx="12"/>
           </p:nvPr>
         </p:nvSpPr>
-        <p:spPr>
-          <a:xfrm>
-            <a:off x="8610600" y="6356350"/>
-            <a:ext cx="2743200" cy="365125"/>
-          </a:xfrm>
-        </p:spPr>
+        <p:spPr/>
         <p:txBody>
           <a:bodyPr/>
           <a:lstStyle/>
@@ -14584,7 +14395,7 @@
     </p:spTree>
     <p:extLst>
       <p:ext uri="{BB962C8B-B14F-4D97-AF65-F5344CB8AC3E}">
-        <p14:creationId xmlns:p14="http://schemas.microsoft.com/office/powerpoint/2010/main" val="3475415157"/>
+        <p14:creationId xmlns:p14="http://schemas.microsoft.com/office/powerpoint/2010/main" val="4188451399"/>
       </p:ext>
     </p:extLst>
   </p:cSld>
@@ -16052,1688 +15863,6 @@
     <p:bg>
       <p:bgPr>
         <a:solidFill>
-          <a:schemeClr val="bg1"/>
-        </a:solidFill>
-        <a:effectLst/>
-      </p:bgPr>
-    </p:bg>
-    <p:spTree>
-      <p:nvGrpSpPr>
-        <p:cNvPr id="1" name=""/>
-        <p:cNvGrpSpPr/>
-        <p:nvPr/>
-      </p:nvGrpSpPr>
-      <p:grpSpPr>
-        <a:xfrm>
-          <a:off x="0" y="0"/>
-          <a:ext cx="0" cy="0"/>
-          <a:chOff x="0" y="0"/>
-          <a:chExt cx="0" cy="0"/>
-        </a:xfrm>
-      </p:grpSpPr>
-      <p:sp>
-        <p:nvSpPr>
-          <p:cNvPr id="2" name="Title 1">
-            <a:extLst>
-              <a:ext uri="{FF2B5EF4-FFF2-40B4-BE49-F238E27FC236}">
-                <a16:creationId xmlns:a16="http://schemas.microsoft.com/office/drawing/2014/main" id="{0754DA76-FBA9-4255-9F8F-DBD2A5E204F0}"/>
-              </a:ext>
-            </a:extLst>
-          </p:cNvPr>
-          <p:cNvSpPr>
-            <a:spLocks noGrp="1"/>
-          </p:cNvSpPr>
-          <p:nvPr>
-            <p:ph type="title"/>
-          </p:nvPr>
-        </p:nvSpPr>
-        <p:spPr>
-          <a:xfrm>
-            <a:off x="1514292" y="513612"/>
-            <a:ext cx="9894133" cy="1031216"/>
-          </a:xfrm>
-        </p:spPr>
-        <p:txBody>
-          <a:bodyPr anchor="b">
-            <a:normAutofit/>
-          </a:bodyPr>
-          <a:lstStyle/>
-          <a:p>
-            <a:r>
-              <a:rPr lang="en-NZ" dirty="0" err="1"/>
-              <a:t>Übersichtsseite</a:t>
-            </a:r>
-            <a:endParaRPr lang="en-NZ" dirty="0"/>
-          </a:p>
-        </p:txBody>
-      </p:sp>
-      <p:pic>
-        <p:nvPicPr>
-          <p:cNvPr id="7" name="Picture 6" descr="A screenshot of a cell phone&#10;&#10;Description automatically generated">
-            <a:extLst>
-              <a:ext uri="{FF2B5EF4-FFF2-40B4-BE49-F238E27FC236}">
-                <a16:creationId xmlns:a16="http://schemas.microsoft.com/office/drawing/2014/main" id="{ABEF1177-6BDC-4C82-AAB5-58804151FB71}"/>
-              </a:ext>
-            </a:extLst>
-          </p:cNvPr>
-          <p:cNvPicPr>
-            <a:picLocks noChangeAspect="1"/>
-          </p:cNvPicPr>
-          <p:nvPr/>
-        </p:nvPicPr>
-        <p:blipFill>
-          <a:blip r:embed="rId2">
-            <a:extLst>
-              <a:ext uri="{28A0092B-C50C-407E-A947-70E740481C1C}">
-                <a14:useLocalDpi xmlns:a14="http://schemas.microsoft.com/office/drawing/2010/main" val="0"/>
-              </a:ext>
-            </a:extLst>
-          </a:blip>
-          <a:stretch>
-            <a:fillRect/>
-          </a:stretch>
-        </p:blipFill>
-        <p:spPr>
-          <a:xfrm>
-            <a:off x="1105089" y="2234882"/>
-            <a:ext cx="5723473" cy="3305306"/>
-          </a:xfrm>
-          <a:prstGeom prst="rect">
-            <a:avLst/>
-          </a:prstGeom>
-        </p:spPr>
-      </p:pic>
-      <p:sp>
-        <p:nvSpPr>
-          <p:cNvPr id="12" name="Freeform: Shape 11">
-            <a:extLst>
-              <a:ext uri="{FF2B5EF4-FFF2-40B4-BE49-F238E27FC236}">
-                <a16:creationId xmlns:a16="http://schemas.microsoft.com/office/drawing/2014/main" id="{C607803A-4E99-444E-94F7-8785CDDF5849}"/>
-              </a:ext>
-              <a:ext uri="{C183D7F6-B498-43B3-948B-1728B52AA6E4}">
-                <adec:decorative xmlns:adec="http://schemas.microsoft.com/office/drawing/2017/decorative" val="1"/>
-              </a:ext>
-            </a:extLst>
-          </p:cNvPr>
-          <p:cNvSpPr>
-            <a:spLocks noGrp="1" noRot="1" noChangeAspect="1" noMove="1" noResize="1" noEditPoints="1" noAdjustHandles="1" noChangeArrowheads="1" noChangeShapeType="1" noTextEdit="1"/>
-          </p:cNvSpPr>
-          <p:nvPr>
-            <p:extLst>
-              <p:ext uri="{386F3935-93C4-4BCD-93E2-E3B085C9AB24}">
-                <p16:designElem xmlns:p16="http://schemas.microsoft.com/office/powerpoint/2015/main" val="1"/>
-              </p:ext>
-            </p:extLst>
-          </p:nvPr>
-        </p:nvSpPr>
-        <p:spPr bwMode="auto">
-          <a:xfrm flipH="1" flipV="1">
-            <a:off x="780154" y="1884045"/>
-            <a:ext cx="3275668" cy="2853308"/>
-          </a:xfrm>
-          <a:custGeom>
-            <a:avLst/>
-            <a:gdLst>
-              <a:gd name="connsiteX0" fmla="*/ 3275668 w 3275668"/>
-              <a:gd name="connsiteY0" fmla="*/ 2853308 h 2853308"/>
-              <a:gd name="connsiteX1" fmla="*/ 655 w 3275668"/>
-              <a:gd name="connsiteY1" fmla="*/ 2853308 h 2853308"/>
-              <a:gd name="connsiteX2" fmla="*/ 0 w 3275668"/>
-              <a:gd name="connsiteY2" fmla="*/ 2467565 h 2853308"/>
-              <a:gd name="connsiteX3" fmla="*/ 2869894 w 3275668"/>
-              <a:gd name="connsiteY3" fmla="*/ 2468888 h 2853308"/>
-              <a:gd name="connsiteX4" fmla="*/ 2869894 w 3275668"/>
-              <a:gd name="connsiteY4" fmla="*/ 0 h 2853308"/>
-              <a:gd name="connsiteX5" fmla="*/ 3275668 w 3275668"/>
-              <a:gd name="connsiteY5" fmla="*/ 0 h 2853308"/>
-            </a:gdLst>
-            <a:ahLst/>
-            <a:cxnLst>
-              <a:cxn ang="0">
-                <a:pos x="connsiteX0" y="connsiteY0"/>
-              </a:cxn>
-              <a:cxn ang="0">
-                <a:pos x="connsiteX1" y="connsiteY1"/>
-              </a:cxn>
-              <a:cxn ang="0">
-                <a:pos x="connsiteX2" y="connsiteY2"/>
-              </a:cxn>
-              <a:cxn ang="0">
-                <a:pos x="connsiteX3" y="connsiteY3"/>
-              </a:cxn>
-              <a:cxn ang="0">
-                <a:pos x="connsiteX4" y="connsiteY4"/>
-              </a:cxn>
-              <a:cxn ang="0">
-                <a:pos x="connsiteX5" y="connsiteY5"/>
-              </a:cxn>
-            </a:cxnLst>
-            <a:rect l="l" t="t" r="r" b="b"/>
-            <a:pathLst>
-              <a:path w="3275668" h="2853308">
-                <a:moveTo>
-                  <a:pt x="3275668" y="2853308"/>
-                </a:moveTo>
-                <a:lnTo>
-                  <a:pt x="655" y="2853308"/>
-                </a:lnTo>
-                <a:cubicBezTo>
-                  <a:pt x="-655" y="2720171"/>
-                  <a:pt x="1310" y="2600702"/>
-                  <a:pt x="0" y="2467565"/>
-                </a:cubicBezTo>
-                <a:lnTo>
-                  <a:pt x="2869894" y="2468888"/>
-                </a:lnTo>
-                <a:lnTo>
-                  <a:pt x="2869894" y="0"/>
-                </a:lnTo>
-                <a:lnTo>
-                  <a:pt x="3275668" y="0"/>
-                </a:lnTo>
-                <a:close/>
-              </a:path>
-            </a:pathLst>
-          </a:custGeom>
-          <a:solidFill>
-            <a:srgbClr val="4C4C4C"/>
-          </a:solidFill>
-          <a:ln w="0">
-            <a:noFill/>
-            <a:prstDash val="solid"/>
-            <a:round/>
-            <a:headEnd/>
-            <a:tailEnd/>
-          </a:ln>
-        </p:spPr>
-      </p:sp>
-      <p:sp>
-        <p:nvSpPr>
-          <p:cNvPr id="14" name="Freeform: Shape 13">
-            <a:extLst>
-              <a:ext uri="{FF2B5EF4-FFF2-40B4-BE49-F238E27FC236}">
-                <a16:creationId xmlns:a16="http://schemas.microsoft.com/office/drawing/2014/main" id="{2989BE6A-C309-418E-8ADD-1616A980570D}"/>
-              </a:ext>
-              <a:ext uri="{C183D7F6-B498-43B3-948B-1728B52AA6E4}">
-                <adec:decorative xmlns:adec="http://schemas.microsoft.com/office/drawing/2017/decorative" val="1"/>
-              </a:ext>
-            </a:extLst>
-          </p:cNvPr>
-          <p:cNvSpPr>
-            <a:spLocks noGrp="1" noRot="1" noChangeAspect="1" noMove="1" noResize="1" noEditPoints="1" noAdjustHandles="1" noChangeArrowheads="1" noChangeShapeType="1" noTextEdit="1"/>
-          </p:cNvSpPr>
-          <p:nvPr>
-            <p:extLst>
-              <p:ext uri="{386F3935-93C4-4BCD-93E2-E3B085C9AB24}">
-                <p16:designElem xmlns:p16="http://schemas.microsoft.com/office/powerpoint/2015/main" val="1"/>
-              </p:ext>
-            </p:extLst>
-          </p:nvPr>
-        </p:nvSpPr>
-        <p:spPr bwMode="auto">
-          <a:xfrm>
-            <a:off x="4055822" y="3222529"/>
-            <a:ext cx="3242952" cy="2828156"/>
-          </a:xfrm>
-          <a:custGeom>
-            <a:avLst/>
-            <a:gdLst>
-              <a:gd name="connsiteX0" fmla="*/ 2837178 w 3242952"/>
-              <a:gd name="connsiteY0" fmla="*/ 0 h 2828156"/>
-              <a:gd name="connsiteX1" fmla="*/ 3242952 w 3242952"/>
-              <a:gd name="connsiteY1" fmla="*/ 0 h 2828156"/>
-              <a:gd name="connsiteX2" fmla="*/ 3242952 w 3242952"/>
-              <a:gd name="connsiteY2" fmla="*/ 2828156 h 2828156"/>
-              <a:gd name="connsiteX3" fmla="*/ 0 w 3242952"/>
-              <a:gd name="connsiteY3" fmla="*/ 2828156 h 2828156"/>
-              <a:gd name="connsiteX4" fmla="*/ 0 w 3242952"/>
-              <a:gd name="connsiteY4" fmla="*/ 2442859 h 2828156"/>
-              <a:gd name="connsiteX5" fmla="*/ 2837178 w 3242952"/>
-              <a:gd name="connsiteY5" fmla="*/ 2443295 h 2828156"/>
-            </a:gdLst>
-            <a:ahLst/>
-            <a:cxnLst>
-              <a:cxn ang="0">
-                <a:pos x="connsiteX0" y="connsiteY0"/>
-              </a:cxn>
-              <a:cxn ang="0">
-                <a:pos x="connsiteX1" y="connsiteY1"/>
-              </a:cxn>
-              <a:cxn ang="0">
-                <a:pos x="connsiteX2" y="connsiteY2"/>
-              </a:cxn>
-              <a:cxn ang="0">
-                <a:pos x="connsiteX3" y="connsiteY3"/>
-              </a:cxn>
-              <a:cxn ang="0">
-                <a:pos x="connsiteX4" y="connsiteY4"/>
-              </a:cxn>
-              <a:cxn ang="0">
-                <a:pos x="connsiteX5" y="connsiteY5"/>
-              </a:cxn>
-            </a:cxnLst>
-            <a:rect l="l" t="t" r="r" b="b"/>
-            <a:pathLst>
-              <a:path w="3242952" h="2828156">
-                <a:moveTo>
-                  <a:pt x="2837178" y="0"/>
-                </a:moveTo>
-                <a:lnTo>
-                  <a:pt x="3242952" y="0"/>
-                </a:lnTo>
-                <a:lnTo>
-                  <a:pt x="3242952" y="2828156"/>
-                </a:lnTo>
-                <a:lnTo>
-                  <a:pt x="0" y="2828156"/>
-                </a:lnTo>
-                <a:lnTo>
-                  <a:pt x="0" y="2442859"/>
-                </a:lnTo>
-                <a:lnTo>
-                  <a:pt x="2837178" y="2443295"/>
-                </a:lnTo>
-                <a:close/>
-              </a:path>
-            </a:pathLst>
-          </a:custGeom>
-          <a:solidFill>
-            <a:srgbClr val="4C4C4C"/>
-          </a:solidFill>
-          <a:ln w="0">
-            <a:noFill/>
-            <a:prstDash val="solid"/>
-            <a:round/>
-            <a:headEnd/>
-            <a:tailEnd/>
-          </a:ln>
-        </p:spPr>
-        <p:txBody>
-          <a:bodyPr wrap="square">
-            <a:noAutofit/>
-          </a:bodyPr>
-          <a:lstStyle/>
-          <a:p>
-            <a:pPr marL="0" marR="0" lvl="0" indent="0" algn="l" defTabSz="914400" rtl="0" eaLnBrk="1" fontAlgn="auto" latinLnBrk="0" hangingPunct="1">
-              <a:lnSpc>
-                <a:spcPct val="100000"/>
-              </a:lnSpc>
-              <a:spcBef>
-                <a:spcPts val="0"/>
-              </a:spcBef>
-              <a:spcAft>
-                <a:spcPts val="0"/>
-              </a:spcAft>
-              <a:buClrTx/>
-              <a:buSzTx/>
-              <a:buFontTx/>
-              <a:buNone/>
-              <a:tabLst/>
-              <a:defRPr/>
-            </a:pPr>
-            <a:endParaRPr kumimoji="0" lang="en-US" sz="1800" b="0" i="0" u="none" strike="noStrike" kern="1200" cap="none" spc="0" normalizeH="0" baseline="0" noProof="0">
-              <a:ln>
-                <a:noFill/>
-              </a:ln>
-              <a:solidFill>
-                <a:prstClr val="black"/>
-              </a:solidFill>
-              <a:effectLst/>
-              <a:uLnTx/>
-              <a:uFillTx/>
-              <a:latin typeface="Calibri" panose="020F0502020204030204"/>
-              <a:ea typeface="+mn-ea"/>
-              <a:cs typeface="+mn-cs"/>
-            </a:endParaRPr>
-          </a:p>
-        </p:txBody>
-      </p:sp>
-      <p:sp>
-        <p:nvSpPr>
-          <p:cNvPr id="3" name="Content Placeholder 2">
-            <a:extLst>
-              <a:ext uri="{FF2B5EF4-FFF2-40B4-BE49-F238E27FC236}">
-                <a16:creationId xmlns:a16="http://schemas.microsoft.com/office/drawing/2014/main" id="{A42C7976-7264-4148-AD03-59E4B4F7C697}"/>
-              </a:ext>
-            </a:extLst>
-          </p:cNvPr>
-          <p:cNvSpPr>
-            <a:spLocks noGrp="1"/>
-          </p:cNvSpPr>
-          <p:nvPr>
-            <p:ph idx="1"/>
-          </p:nvPr>
-        </p:nvSpPr>
-        <p:spPr>
-          <a:xfrm>
-            <a:off x="7541111" y="2279151"/>
-            <a:ext cx="4114800" cy="3387145"/>
-          </a:xfrm>
-        </p:spPr>
-        <p:txBody>
-          <a:bodyPr anchor="ctr">
-            <a:normAutofit/>
-          </a:bodyPr>
-          <a:lstStyle/>
-          <a:p>
-            <a:r>
-              <a:rPr lang="en-NZ" sz="2400" dirty="0" err="1"/>
-              <a:t>Übersicht</a:t>
-            </a:r>
-            <a:r>
-              <a:rPr lang="en-NZ" sz="2400" dirty="0"/>
-              <a:t> nach:</a:t>
-            </a:r>
-          </a:p>
-          <a:p>
-            <a:pPr lvl="1"/>
-            <a:r>
-              <a:rPr lang="en-NZ" dirty="0" err="1"/>
-              <a:t>Neuste</a:t>
-            </a:r>
-            <a:endParaRPr lang="en-NZ" dirty="0"/>
-          </a:p>
-          <a:p>
-            <a:pPr lvl="1"/>
-            <a:r>
-              <a:rPr lang="en-NZ" dirty="0"/>
-              <a:t>Am </a:t>
-            </a:r>
-            <a:r>
-              <a:rPr lang="en-NZ" dirty="0" err="1"/>
-              <a:t>meisten</a:t>
-            </a:r>
-            <a:r>
-              <a:rPr lang="en-NZ" dirty="0"/>
-              <a:t> </a:t>
-            </a:r>
-            <a:r>
-              <a:rPr lang="en-NZ" dirty="0" err="1"/>
-              <a:t>gesucht</a:t>
-            </a:r>
-            <a:endParaRPr lang="en-NZ" dirty="0"/>
-          </a:p>
-          <a:p>
-            <a:pPr lvl="1"/>
-            <a:r>
-              <a:rPr lang="en-NZ" dirty="0"/>
-              <a:t>Am </a:t>
-            </a:r>
-            <a:r>
-              <a:rPr lang="en-NZ" dirty="0" err="1"/>
-              <a:t>meisten</a:t>
-            </a:r>
-            <a:r>
-              <a:rPr lang="en-NZ" dirty="0"/>
-              <a:t> </a:t>
-            </a:r>
-            <a:r>
-              <a:rPr lang="en-NZ" dirty="0" err="1"/>
-              <a:t>kommentiert</a:t>
-            </a:r>
-            <a:endParaRPr lang="en-NZ" dirty="0"/>
-          </a:p>
-          <a:p>
-            <a:pPr lvl="1"/>
-            <a:endParaRPr lang="en-NZ" dirty="0"/>
-          </a:p>
-          <a:p>
-            <a:pPr lvl="1"/>
-            <a:endParaRPr lang="en-NZ" dirty="0"/>
-          </a:p>
-        </p:txBody>
-      </p:sp>
-      <p:sp>
-        <p:nvSpPr>
-          <p:cNvPr id="4" name="Footer Placeholder 3">
-            <a:extLst>
-              <a:ext uri="{FF2B5EF4-FFF2-40B4-BE49-F238E27FC236}">
-                <a16:creationId xmlns:a16="http://schemas.microsoft.com/office/drawing/2014/main" id="{E4E0C278-526A-4003-B85A-72429B341BB6}"/>
-              </a:ext>
-            </a:extLst>
-          </p:cNvPr>
-          <p:cNvSpPr>
-            <a:spLocks noGrp="1"/>
-          </p:cNvSpPr>
-          <p:nvPr>
-            <p:ph type="ftr" sz="quarter" idx="11"/>
-          </p:nvPr>
-        </p:nvSpPr>
-        <p:spPr>
-          <a:xfrm>
-            <a:off x="4038600" y="6356350"/>
-            <a:ext cx="4114800" cy="365125"/>
-          </a:xfrm>
-        </p:spPr>
-        <p:txBody>
-          <a:bodyPr>
-            <a:normAutofit/>
-          </a:bodyPr>
-          <a:lstStyle/>
-          <a:p>
-            <a:pPr>
-              <a:spcAft>
-                <a:spcPts val="600"/>
-              </a:spcAft>
-            </a:pPr>
-            <a:r>
-              <a:rPr lang="de-DE">
-                <a:solidFill>
-                  <a:prstClr val="black">
-                    <a:tint val="75000"/>
-                  </a:prstClr>
-                </a:solidFill>
-              </a:rPr>
-              <a:t>WS19/20 - PV-Modulportal - Rüffer, Vorwerk, Withöft, Zolkin</a:t>
-            </a:r>
-          </a:p>
-        </p:txBody>
-      </p:sp>
-      <p:sp>
-        <p:nvSpPr>
-          <p:cNvPr id="5" name="Slide Number Placeholder 4">
-            <a:extLst>
-              <a:ext uri="{FF2B5EF4-FFF2-40B4-BE49-F238E27FC236}">
-                <a16:creationId xmlns:a16="http://schemas.microsoft.com/office/drawing/2014/main" id="{A92E81ED-7F21-418B-B91B-7B27BAA6E5C0}"/>
-              </a:ext>
-            </a:extLst>
-          </p:cNvPr>
-          <p:cNvSpPr>
-            <a:spLocks noGrp="1"/>
-          </p:cNvSpPr>
-          <p:nvPr>
-            <p:ph type="sldNum" sz="quarter" idx="12"/>
-          </p:nvPr>
-        </p:nvSpPr>
-        <p:spPr>
-          <a:xfrm>
-            <a:off x="8610600" y="6356350"/>
-            <a:ext cx="2743200" cy="365125"/>
-          </a:xfrm>
-        </p:spPr>
-        <p:txBody>
-          <a:bodyPr>
-            <a:normAutofit/>
-          </a:bodyPr>
-          <a:lstStyle/>
-          <a:p>
-            <a:pPr>
-              <a:spcAft>
-                <a:spcPts val="600"/>
-              </a:spcAft>
-            </a:pPr>
-            <a:fld id="{969E759D-A893-4B96-8B48-96EE547EBC41}" type="slidenum">
-              <a:rPr lang="de-DE">
-                <a:solidFill>
-                  <a:prstClr val="black">
-                    <a:tint val="75000"/>
-                  </a:prstClr>
-                </a:solidFill>
-              </a:rPr>
-              <a:pPr>
-                <a:spcAft>
-                  <a:spcPts val="600"/>
-                </a:spcAft>
-              </a:pPr>
-              <a:t>5</a:t>
-            </a:fld>
-            <a:endParaRPr lang="de-DE">
-              <a:solidFill>
-                <a:prstClr val="black">
-                  <a:tint val="75000"/>
-                </a:prstClr>
-              </a:solidFill>
-            </a:endParaRPr>
-          </a:p>
-        </p:txBody>
-      </p:sp>
-    </p:spTree>
-    <p:extLst>
-      <p:ext uri="{BB962C8B-B14F-4D97-AF65-F5344CB8AC3E}">
-        <p14:creationId xmlns:p14="http://schemas.microsoft.com/office/powerpoint/2010/main" val="1382505995"/>
-      </p:ext>
-    </p:extLst>
-  </p:cSld>
-  <p:clrMapOvr>
-    <a:masterClrMapping/>
-  </p:clrMapOvr>
-</p:sld>
-</file>
-
-<file path=ppt/slides/slide6.xml><?xml version="1.0" encoding="utf-8"?>
-<p:sld xmlns:a="http://schemas.openxmlformats.org/drawingml/2006/main" xmlns:r="http://schemas.openxmlformats.org/officeDocument/2006/relationships" xmlns:p="http://schemas.openxmlformats.org/presentationml/2006/main">
-  <p:cSld>
-    <p:bg>
-      <p:bgPr>
-        <a:solidFill>
-          <a:schemeClr val="bg1"/>
-        </a:solidFill>
-        <a:effectLst/>
-      </p:bgPr>
-    </p:bg>
-    <p:spTree>
-      <p:nvGrpSpPr>
-        <p:cNvPr id="1" name=""/>
-        <p:cNvGrpSpPr/>
-        <p:nvPr/>
-      </p:nvGrpSpPr>
-      <p:grpSpPr>
-        <a:xfrm>
-          <a:off x="0" y="0"/>
-          <a:ext cx="0" cy="0"/>
-          <a:chOff x="0" y="0"/>
-          <a:chExt cx="0" cy="0"/>
-        </a:xfrm>
-      </p:grpSpPr>
-      <p:sp>
-        <p:nvSpPr>
-          <p:cNvPr id="2" name="Title 1">
-            <a:extLst>
-              <a:ext uri="{FF2B5EF4-FFF2-40B4-BE49-F238E27FC236}">
-                <a16:creationId xmlns:a16="http://schemas.microsoft.com/office/drawing/2014/main" id="{D0F7DBBA-40E4-45A3-ACD0-6F25C32BF6C6}"/>
-              </a:ext>
-            </a:extLst>
-          </p:cNvPr>
-          <p:cNvSpPr>
-            <a:spLocks noGrp="1"/>
-          </p:cNvSpPr>
-          <p:nvPr>
-            <p:ph type="title"/>
-          </p:nvPr>
-        </p:nvSpPr>
-        <p:spPr>
-          <a:xfrm>
-            <a:off x="1514292" y="513612"/>
-            <a:ext cx="9894133" cy="1031216"/>
-          </a:xfrm>
-        </p:spPr>
-        <p:txBody>
-          <a:bodyPr anchor="b">
-            <a:normAutofit/>
-          </a:bodyPr>
-          <a:lstStyle/>
-          <a:p>
-            <a:r>
-              <a:rPr lang="en-NZ"/>
-              <a:t>Suche</a:t>
-            </a:r>
-            <a:endParaRPr lang="en-NZ" dirty="0"/>
-          </a:p>
-        </p:txBody>
-      </p:sp>
-      <p:pic>
-        <p:nvPicPr>
-          <p:cNvPr id="11" name="Picture 10" descr="A screenshot of a cell phone&#10;&#10;Description automatically generated">
-            <a:extLst>
-              <a:ext uri="{FF2B5EF4-FFF2-40B4-BE49-F238E27FC236}">
-                <a16:creationId xmlns:a16="http://schemas.microsoft.com/office/drawing/2014/main" id="{EC8D9439-AB1B-4EEA-8BA5-227492613A4C}"/>
-              </a:ext>
-            </a:extLst>
-          </p:cNvPr>
-          <p:cNvPicPr>
-            <a:picLocks noChangeAspect="1"/>
-          </p:cNvPicPr>
-          <p:nvPr/>
-        </p:nvPicPr>
-        <p:blipFill>
-          <a:blip r:embed="rId2">
-            <a:extLst>
-              <a:ext uri="{28A0092B-C50C-407E-A947-70E740481C1C}">
-                <a14:useLocalDpi xmlns:a14="http://schemas.microsoft.com/office/drawing/2010/main" val="0"/>
-              </a:ext>
-            </a:extLst>
-          </a:blip>
-          <a:stretch>
-            <a:fillRect/>
-          </a:stretch>
-        </p:blipFill>
-        <p:spPr>
-          <a:xfrm>
-            <a:off x="1221475" y="2311687"/>
-            <a:ext cx="5633493" cy="3239259"/>
-          </a:xfrm>
-          <a:prstGeom prst="rect">
-            <a:avLst/>
-          </a:prstGeom>
-        </p:spPr>
-      </p:pic>
-      <p:sp>
-        <p:nvSpPr>
-          <p:cNvPr id="19" name="Freeform: Shape 15">
-            <a:extLst>
-              <a:ext uri="{FF2B5EF4-FFF2-40B4-BE49-F238E27FC236}">
-                <a16:creationId xmlns:a16="http://schemas.microsoft.com/office/drawing/2014/main" id="{C607803A-4E99-444E-94F7-8785CDDF5849}"/>
-              </a:ext>
-              <a:ext uri="{C183D7F6-B498-43B3-948B-1728B52AA6E4}">
-                <adec:decorative xmlns:adec="http://schemas.microsoft.com/office/drawing/2017/decorative" val="1"/>
-              </a:ext>
-            </a:extLst>
-          </p:cNvPr>
-          <p:cNvSpPr>
-            <a:spLocks noGrp="1" noRot="1" noChangeAspect="1" noMove="1" noResize="1" noEditPoints="1" noAdjustHandles="1" noChangeArrowheads="1" noChangeShapeType="1" noTextEdit="1"/>
-          </p:cNvSpPr>
-          <p:nvPr>
-            <p:extLst>
-              <p:ext uri="{386F3935-93C4-4BCD-93E2-E3B085C9AB24}">
-                <p16:designElem xmlns:p16="http://schemas.microsoft.com/office/powerpoint/2015/main" val="1"/>
-              </p:ext>
-            </p:extLst>
-          </p:nvPr>
-        </p:nvSpPr>
-        <p:spPr bwMode="auto">
-          <a:xfrm flipH="1" flipV="1">
-            <a:off x="780154" y="1884045"/>
-            <a:ext cx="3275668" cy="2853308"/>
-          </a:xfrm>
-          <a:custGeom>
-            <a:avLst/>
-            <a:gdLst>
-              <a:gd name="connsiteX0" fmla="*/ 3275668 w 3275668"/>
-              <a:gd name="connsiteY0" fmla="*/ 2853308 h 2853308"/>
-              <a:gd name="connsiteX1" fmla="*/ 655 w 3275668"/>
-              <a:gd name="connsiteY1" fmla="*/ 2853308 h 2853308"/>
-              <a:gd name="connsiteX2" fmla="*/ 0 w 3275668"/>
-              <a:gd name="connsiteY2" fmla="*/ 2467565 h 2853308"/>
-              <a:gd name="connsiteX3" fmla="*/ 2869894 w 3275668"/>
-              <a:gd name="connsiteY3" fmla="*/ 2468888 h 2853308"/>
-              <a:gd name="connsiteX4" fmla="*/ 2869894 w 3275668"/>
-              <a:gd name="connsiteY4" fmla="*/ 0 h 2853308"/>
-              <a:gd name="connsiteX5" fmla="*/ 3275668 w 3275668"/>
-              <a:gd name="connsiteY5" fmla="*/ 0 h 2853308"/>
-            </a:gdLst>
-            <a:ahLst/>
-            <a:cxnLst>
-              <a:cxn ang="0">
-                <a:pos x="connsiteX0" y="connsiteY0"/>
-              </a:cxn>
-              <a:cxn ang="0">
-                <a:pos x="connsiteX1" y="connsiteY1"/>
-              </a:cxn>
-              <a:cxn ang="0">
-                <a:pos x="connsiteX2" y="connsiteY2"/>
-              </a:cxn>
-              <a:cxn ang="0">
-                <a:pos x="connsiteX3" y="connsiteY3"/>
-              </a:cxn>
-              <a:cxn ang="0">
-                <a:pos x="connsiteX4" y="connsiteY4"/>
-              </a:cxn>
-              <a:cxn ang="0">
-                <a:pos x="connsiteX5" y="connsiteY5"/>
-              </a:cxn>
-            </a:cxnLst>
-            <a:rect l="l" t="t" r="r" b="b"/>
-            <a:pathLst>
-              <a:path w="3275668" h="2853308">
-                <a:moveTo>
-                  <a:pt x="3275668" y="2853308"/>
-                </a:moveTo>
-                <a:lnTo>
-                  <a:pt x="655" y="2853308"/>
-                </a:lnTo>
-                <a:cubicBezTo>
-                  <a:pt x="-655" y="2720171"/>
-                  <a:pt x="1310" y="2600702"/>
-                  <a:pt x="0" y="2467565"/>
-                </a:cubicBezTo>
-                <a:lnTo>
-                  <a:pt x="2869894" y="2468888"/>
-                </a:lnTo>
-                <a:lnTo>
-                  <a:pt x="2869894" y="0"/>
-                </a:lnTo>
-                <a:lnTo>
-                  <a:pt x="3275668" y="0"/>
-                </a:lnTo>
-                <a:close/>
-              </a:path>
-            </a:pathLst>
-          </a:custGeom>
-          <a:solidFill>
-            <a:srgbClr val="4C4C4C"/>
-          </a:solidFill>
-          <a:ln w="0">
-            <a:noFill/>
-            <a:prstDash val="solid"/>
-            <a:round/>
-            <a:headEnd/>
-            <a:tailEnd/>
-          </a:ln>
-        </p:spPr>
-      </p:sp>
-      <p:sp>
-        <p:nvSpPr>
-          <p:cNvPr id="18" name="Freeform: Shape 17">
-            <a:extLst>
-              <a:ext uri="{FF2B5EF4-FFF2-40B4-BE49-F238E27FC236}">
-                <a16:creationId xmlns:a16="http://schemas.microsoft.com/office/drawing/2014/main" id="{2989BE6A-C309-418E-8ADD-1616A980570D}"/>
-              </a:ext>
-              <a:ext uri="{C183D7F6-B498-43B3-948B-1728B52AA6E4}">
-                <adec:decorative xmlns:adec="http://schemas.microsoft.com/office/drawing/2017/decorative" val="1"/>
-              </a:ext>
-            </a:extLst>
-          </p:cNvPr>
-          <p:cNvSpPr>
-            <a:spLocks noGrp="1" noRot="1" noChangeAspect="1" noMove="1" noResize="1" noEditPoints="1" noAdjustHandles="1" noChangeArrowheads="1" noChangeShapeType="1" noTextEdit="1"/>
-          </p:cNvSpPr>
-          <p:nvPr>
-            <p:extLst>
-              <p:ext uri="{386F3935-93C4-4BCD-93E2-E3B085C9AB24}">
-                <p16:designElem xmlns:p16="http://schemas.microsoft.com/office/powerpoint/2015/main" val="1"/>
-              </p:ext>
-            </p:extLst>
-          </p:nvPr>
-        </p:nvSpPr>
-        <p:spPr bwMode="auto">
-          <a:xfrm>
-            <a:off x="4055822" y="3222529"/>
-            <a:ext cx="3242952" cy="2828156"/>
-          </a:xfrm>
-          <a:custGeom>
-            <a:avLst/>
-            <a:gdLst>
-              <a:gd name="connsiteX0" fmla="*/ 2837178 w 3242952"/>
-              <a:gd name="connsiteY0" fmla="*/ 0 h 2828156"/>
-              <a:gd name="connsiteX1" fmla="*/ 3242952 w 3242952"/>
-              <a:gd name="connsiteY1" fmla="*/ 0 h 2828156"/>
-              <a:gd name="connsiteX2" fmla="*/ 3242952 w 3242952"/>
-              <a:gd name="connsiteY2" fmla="*/ 2828156 h 2828156"/>
-              <a:gd name="connsiteX3" fmla="*/ 0 w 3242952"/>
-              <a:gd name="connsiteY3" fmla="*/ 2828156 h 2828156"/>
-              <a:gd name="connsiteX4" fmla="*/ 0 w 3242952"/>
-              <a:gd name="connsiteY4" fmla="*/ 2442859 h 2828156"/>
-              <a:gd name="connsiteX5" fmla="*/ 2837178 w 3242952"/>
-              <a:gd name="connsiteY5" fmla="*/ 2443295 h 2828156"/>
-            </a:gdLst>
-            <a:ahLst/>
-            <a:cxnLst>
-              <a:cxn ang="0">
-                <a:pos x="connsiteX0" y="connsiteY0"/>
-              </a:cxn>
-              <a:cxn ang="0">
-                <a:pos x="connsiteX1" y="connsiteY1"/>
-              </a:cxn>
-              <a:cxn ang="0">
-                <a:pos x="connsiteX2" y="connsiteY2"/>
-              </a:cxn>
-              <a:cxn ang="0">
-                <a:pos x="connsiteX3" y="connsiteY3"/>
-              </a:cxn>
-              <a:cxn ang="0">
-                <a:pos x="connsiteX4" y="connsiteY4"/>
-              </a:cxn>
-              <a:cxn ang="0">
-                <a:pos x="connsiteX5" y="connsiteY5"/>
-              </a:cxn>
-            </a:cxnLst>
-            <a:rect l="l" t="t" r="r" b="b"/>
-            <a:pathLst>
-              <a:path w="3242952" h="2828156">
-                <a:moveTo>
-                  <a:pt x="2837178" y="0"/>
-                </a:moveTo>
-                <a:lnTo>
-                  <a:pt x="3242952" y="0"/>
-                </a:lnTo>
-                <a:lnTo>
-                  <a:pt x="3242952" y="2828156"/>
-                </a:lnTo>
-                <a:lnTo>
-                  <a:pt x="0" y="2828156"/>
-                </a:lnTo>
-                <a:lnTo>
-                  <a:pt x="0" y="2442859"/>
-                </a:lnTo>
-                <a:lnTo>
-                  <a:pt x="2837178" y="2443295"/>
-                </a:lnTo>
-                <a:close/>
-              </a:path>
-            </a:pathLst>
-          </a:custGeom>
-          <a:solidFill>
-            <a:srgbClr val="4C4C4C"/>
-          </a:solidFill>
-          <a:ln w="0">
-            <a:noFill/>
-            <a:prstDash val="solid"/>
-            <a:round/>
-            <a:headEnd/>
-            <a:tailEnd/>
-          </a:ln>
-        </p:spPr>
-        <p:txBody>
-          <a:bodyPr wrap="square">
-            <a:noAutofit/>
-          </a:bodyPr>
-          <a:lstStyle/>
-          <a:p>
-            <a:pPr marL="0" marR="0" lvl="0" indent="0" algn="l" defTabSz="914400" rtl="0" eaLnBrk="1" fontAlgn="auto" latinLnBrk="0" hangingPunct="1">
-              <a:lnSpc>
-                <a:spcPct val="100000"/>
-              </a:lnSpc>
-              <a:spcBef>
-                <a:spcPts val="0"/>
-              </a:spcBef>
-              <a:spcAft>
-                <a:spcPts val="0"/>
-              </a:spcAft>
-              <a:buClrTx/>
-              <a:buSzTx/>
-              <a:buFontTx/>
-              <a:buNone/>
-              <a:tabLst/>
-              <a:defRPr/>
-            </a:pPr>
-            <a:endParaRPr kumimoji="0" lang="en-US" sz="1800" b="0" i="0" u="none" strike="noStrike" kern="1200" cap="none" spc="0" normalizeH="0" baseline="0" noProof="0">
-              <a:ln>
-                <a:noFill/>
-              </a:ln>
-              <a:solidFill>
-                <a:prstClr val="black"/>
-              </a:solidFill>
-              <a:effectLst/>
-              <a:uLnTx/>
-              <a:uFillTx/>
-              <a:latin typeface="Calibri" panose="020F0502020204030204"/>
-              <a:ea typeface="+mn-ea"/>
-              <a:cs typeface="+mn-cs"/>
-            </a:endParaRPr>
-          </a:p>
-        </p:txBody>
-      </p:sp>
-      <p:sp>
-        <p:nvSpPr>
-          <p:cNvPr id="9" name="Content Placeholder 8">
-            <a:extLst>
-              <a:ext uri="{FF2B5EF4-FFF2-40B4-BE49-F238E27FC236}">
-                <a16:creationId xmlns:a16="http://schemas.microsoft.com/office/drawing/2014/main" id="{020673C7-CB6D-4F67-ABF0-DE2C50E51566}"/>
-              </a:ext>
-            </a:extLst>
-          </p:cNvPr>
-          <p:cNvSpPr>
-            <a:spLocks noGrp="1"/>
-          </p:cNvSpPr>
-          <p:nvPr>
-            <p:ph idx="1"/>
-          </p:nvPr>
-        </p:nvSpPr>
-        <p:spPr>
-          <a:xfrm>
-            <a:off x="7781373" y="2279151"/>
-            <a:ext cx="3627063" cy="3387145"/>
-          </a:xfrm>
-        </p:spPr>
-        <p:txBody>
-          <a:bodyPr anchor="ctr">
-            <a:normAutofit/>
-          </a:bodyPr>
-          <a:lstStyle/>
-          <a:p>
-            <a:r>
-              <a:rPr lang="en-NZ" sz="2400"/>
-              <a:t>Suche nach Hersteller über Alphabetleiste</a:t>
-            </a:r>
-          </a:p>
-          <a:p>
-            <a:r>
-              <a:rPr lang="en-NZ" sz="2400"/>
-              <a:t>Volltextsuche nach Modulnamen und Hersteller</a:t>
-            </a:r>
-          </a:p>
-        </p:txBody>
-      </p:sp>
-      <p:sp>
-        <p:nvSpPr>
-          <p:cNvPr id="4" name="Footer Placeholder 3">
-            <a:extLst>
-              <a:ext uri="{FF2B5EF4-FFF2-40B4-BE49-F238E27FC236}">
-                <a16:creationId xmlns:a16="http://schemas.microsoft.com/office/drawing/2014/main" id="{5E901347-E5AB-4A86-8D5E-33FABF95AA3A}"/>
-              </a:ext>
-            </a:extLst>
-          </p:cNvPr>
-          <p:cNvSpPr>
-            <a:spLocks noGrp="1"/>
-          </p:cNvSpPr>
-          <p:nvPr>
-            <p:ph type="ftr" sz="quarter" idx="11"/>
-          </p:nvPr>
-        </p:nvSpPr>
-        <p:spPr>
-          <a:xfrm>
-            <a:off x="4038600" y="6356350"/>
-            <a:ext cx="4114800" cy="365125"/>
-          </a:xfrm>
-        </p:spPr>
-        <p:txBody>
-          <a:bodyPr>
-            <a:normAutofit/>
-          </a:bodyPr>
-          <a:lstStyle/>
-          <a:p>
-            <a:pPr>
-              <a:spcAft>
-                <a:spcPts val="600"/>
-              </a:spcAft>
-            </a:pPr>
-            <a:r>
-              <a:rPr lang="de-DE">
-                <a:solidFill>
-                  <a:prstClr val="black">
-                    <a:tint val="75000"/>
-                  </a:prstClr>
-                </a:solidFill>
-              </a:rPr>
-              <a:t>WS19/20 - PV-Modulportal - Rüffer, Vorwerk, Withöft, Zolkin</a:t>
-            </a:r>
-          </a:p>
-        </p:txBody>
-      </p:sp>
-      <p:sp>
-        <p:nvSpPr>
-          <p:cNvPr id="5" name="Slide Number Placeholder 4">
-            <a:extLst>
-              <a:ext uri="{FF2B5EF4-FFF2-40B4-BE49-F238E27FC236}">
-                <a16:creationId xmlns:a16="http://schemas.microsoft.com/office/drawing/2014/main" id="{409F682C-D2C9-4003-BF7F-EDBFC5A4DF22}"/>
-              </a:ext>
-            </a:extLst>
-          </p:cNvPr>
-          <p:cNvSpPr>
-            <a:spLocks noGrp="1"/>
-          </p:cNvSpPr>
-          <p:nvPr>
-            <p:ph type="sldNum" sz="quarter" idx="12"/>
-          </p:nvPr>
-        </p:nvSpPr>
-        <p:spPr>
-          <a:xfrm>
-            <a:off x="8610600" y="6356350"/>
-            <a:ext cx="2743200" cy="365125"/>
-          </a:xfrm>
-        </p:spPr>
-        <p:txBody>
-          <a:bodyPr>
-            <a:normAutofit/>
-          </a:bodyPr>
-          <a:lstStyle/>
-          <a:p>
-            <a:pPr>
-              <a:spcAft>
-                <a:spcPts val="600"/>
-              </a:spcAft>
-            </a:pPr>
-            <a:fld id="{969E759D-A893-4B96-8B48-96EE547EBC41}" type="slidenum">
-              <a:rPr lang="de-DE">
-                <a:solidFill>
-                  <a:prstClr val="black">
-                    <a:tint val="75000"/>
-                  </a:prstClr>
-                </a:solidFill>
-              </a:rPr>
-              <a:pPr>
-                <a:spcAft>
-                  <a:spcPts val="600"/>
-                </a:spcAft>
-              </a:pPr>
-              <a:t>6</a:t>
-            </a:fld>
-            <a:endParaRPr lang="de-DE">
-              <a:solidFill>
-                <a:prstClr val="black">
-                  <a:tint val="75000"/>
-                </a:prstClr>
-              </a:solidFill>
-            </a:endParaRPr>
-          </a:p>
-        </p:txBody>
-      </p:sp>
-    </p:spTree>
-    <p:extLst>
-      <p:ext uri="{BB962C8B-B14F-4D97-AF65-F5344CB8AC3E}">
-        <p14:creationId xmlns:p14="http://schemas.microsoft.com/office/powerpoint/2010/main" val="2994298085"/>
-      </p:ext>
-    </p:extLst>
-  </p:cSld>
-  <p:clrMapOvr>
-    <a:masterClrMapping/>
-  </p:clrMapOvr>
-</p:sld>
-</file>
-
-<file path=ppt/slides/slide7.xml><?xml version="1.0" encoding="utf-8"?>
-<p:sld xmlns:a="http://schemas.openxmlformats.org/drawingml/2006/main" xmlns:r="http://schemas.openxmlformats.org/officeDocument/2006/relationships" xmlns:p="http://schemas.openxmlformats.org/presentationml/2006/main">
-  <p:cSld>
-    <p:bg>
-      <p:bgPr>
-        <a:solidFill>
-          <a:schemeClr val="bg1"/>
-        </a:solidFill>
-        <a:effectLst/>
-      </p:bgPr>
-    </p:bg>
-    <p:spTree>
-      <p:nvGrpSpPr>
-        <p:cNvPr id="1" name=""/>
-        <p:cNvGrpSpPr/>
-        <p:nvPr/>
-      </p:nvGrpSpPr>
-      <p:grpSpPr>
-        <a:xfrm>
-          <a:off x="0" y="0"/>
-          <a:ext cx="0" cy="0"/>
-          <a:chOff x="0" y="0"/>
-          <a:chExt cx="0" cy="0"/>
-        </a:xfrm>
-      </p:grpSpPr>
-      <p:sp>
-        <p:nvSpPr>
-          <p:cNvPr id="2" name="Title 1">
-            <a:extLst>
-              <a:ext uri="{FF2B5EF4-FFF2-40B4-BE49-F238E27FC236}">
-                <a16:creationId xmlns:a16="http://schemas.microsoft.com/office/drawing/2014/main" id="{7FB8FAAD-55D4-4F7B-A3E3-56C2607E59AC}"/>
-              </a:ext>
-            </a:extLst>
-          </p:cNvPr>
-          <p:cNvSpPr>
-            <a:spLocks noGrp="1"/>
-          </p:cNvSpPr>
-          <p:nvPr>
-            <p:ph type="title"/>
-          </p:nvPr>
-        </p:nvSpPr>
-        <p:spPr>
-          <a:xfrm>
-            <a:off x="1514292" y="513612"/>
-            <a:ext cx="9894133" cy="1031216"/>
-          </a:xfrm>
-        </p:spPr>
-        <p:txBody>
-          <a:bodyPr anchor="b">
-            <a:normAutofit/>
-          </a:bodyPr>
-          <a:lstStyle/>
-          <a:p>
-            <a:r>
-              <a:rPr lang="en-NZ" dirty="0" err="1"/>
-              <a:t>Detailseite</a:t>
-            </a:r>
-            <a:endParaRPr lang="en-NZ" dirty="0"/>
-          </a:p>
-        </p:txBody>
-      </p:sp>
-      <p:pic>
-        <p:nvPicPr>
-          <p:cNvPr id="7" name="Content Placeholder 6" descr="A screenshot of a cell phone&#10;&#10;Description automatically generated">
-            <a:extLst>
-              <a:ext uri="{FF2B5EF4-FFF2-40B4-BE49-F238E27FC236}">
-                <a16:creationId xmlns:a16="http://schemas.microsoft.com/office/drawing/2014/main" id="{D42E2C0D-B957-49ED-A36D-F2E34026D6B7}"/>
-              </a:ext>
-            </a:extLst>
-          </p:cNvPr>
-          <p:cNvPicPr>
-            <a:picLocks noChangeAspect="1"/>
-          </p:cNvPicPr>
-          <p:nvPr/>
-        </p:nvPicPr>
-        <p:blipFill>
-          <a:blip r:embed="rId2">
-            <a:extLst>
-              <a:ext uri="{28A0092B-C50C-407E-A947-70E740481C1C}">
-                <a14:useLocalDpi xmlns:a14="http://schemas.microsoft.com/office/drawing/2010/main" val="0"/>
-              </a:ext>
-            </a:extLst>
-          </a:blip>
-          <a:stretch>
-            <a:fillRect/>
-          </a:stretch>
-        </p:blipFill>
-        <p:spPr>
-          <a:xfrm>
-            <a:off x="1117147" y="2421575"/>
-            <a:ext cx="5685323" cy="2970581"/>
-          </a:xfrm>
-          <a:prstGeom prst="rect">
-            <a:avLst/>
-          </a:prstGeom>
-        </p:spPr>
-      </p:pic>
-      <p:sp>
-        <p:nvSpPr>
-          <p:cNvPr id="14" name="Freeform: Shape 13">
-            <a:extLst>
-              <a:ext uri="{FF2B5EF4-FFF2-40B4-BE49-F238E27FC236}">
-                <a16:creationId xmlns:a16="http://schemas.microsoft.com/office/drawing/2014/main" id="{C607803A-4E99-444E-94F7-8785CDDF5849}"/>
-              </a:ext>
-              <a:ext uri="{C183D7F6-B498-43B3-948B-1728B52AA6E4}">
-                <adec:decorative xmlns:adec="http://schemas.microsoft.com/office/drawing/2017/decorative" val="1"/>
-              </a:ext>
-            </a:extLst>
-          </p:cNvPr>
-          <p:cNvSpPr>
-            <a:spLocks noGrp="1" noRot="1" noChangeAspect="1" noMove="1" noResize="1" noEditPoints="1" noAdjustHandles="1" noChangeArrowheads="1" noChangeShapeType="1" noTextEdit="1"/>
-          </p:cNvSpPr>
-          <p:nvPr>
-            <p:extLst>
-              <p:ext uri="{386F3935-93C4-4BCD-93E2-E3B085C9AB24}">
-                <p16:designElem xmlns:p16="http://schemas.microsoft.com/office/powerpoint/2015/main" val="1"/>
-              </p:ext>
-            </p:extLst>
-          </p:nvPr>
-        </p:nvSpPr>
-        <p:spPr bwMode="auto">
-          <a:xfrm flipH="1" flipV="1">
-            <a:off x="780154" y="1884045"/>
-            <a:ext cx="3275668" cy="2853308"/>
-          </a:xfrm>
-          <a:custGeom>
-            <a:avLst/>
-            <a:gdLst>
-              <a:gd name="connsiteX0" fmla="*/ 3275668 w 3275668"/>
-              <a:gd name="connsiteY0" fmla="*/ 2853308 h 2853308"/>
-              <a:gd name="connsiteX1" fmla="*/ 655 w 3275668"/>
-              <a:gd name="connsiteY1" fmla="*/ 2853308 h 2853308"/>
-              <a:gd name="connsiteX2" fmla="*/ 0 w 3275668"/>
-              <a:gd name="connsiteY2" fmla="*/ 2467565 h 2853308"/>
-              <a:gd name="connsiteX3" fmla="*/ 2869894 w 3275668"/>
-              <a:gd name="connsiteY3" fmla="*/ 2468888 h 2853308"/>
-              <a:gd name="connsiteX4" fmla="*/ 2869894 w 3275668"/>
-              <a:gd name="connsiteY4" fmla="*/ 0 h 2853308"/>
-              <a:gd name="connsiteX5" fmla="*/ 3275668 w 3275668"/>
-              <a:gd name="connsiteY5" fmla="*/ 0 h 2853308"/>
-            </a:gdLst>
-            <a:ahLst/>
-            <a:cxnLst>
-              <a:cxn ang="0">
-                <a:pos x="connsiteX0" y="connsiteY0"/>
-              </a:cxn>
-              <a:cxn ang="0">
-                <a:pos x="connsiteX1" y="connsiteY1"/>
-              </a:cxn>
-              <a:cxn ang="0">
-                <a:pos x="connsiteX2" y="connsiteY2"/>
-              </a:cxn>
-              <a:cxn ang="0">
-                <a:pos x="connsiteX3" y="connsiteY3"/>
-              </a:cxn>
-              <a:cxn ang="0">
-                <a:pos x="connsiteX4" y="connsiteY4"/>
-              </a:cxn>
-              <a:cxn ang="0">
-                <a:pos x="connsiteX5" y="connsiteY5"/>
-              </a:cxn>
-            </a:cxnLst>
-            <a:rect l="l" t="t" r="r" b="b"/>
-            <a:pathLst>
-              <a:path w="3275668" h="2853308">
-                <a:moveTo>
-                  <a:pt x="3275668" y="2853308"/>
-                </a:moveTo>
-                <a:lnTo>
-                  <a:pt x="655" y="2853308"/>
-                </a:lnTo>
-                <a:cubicBezTo>
-                  <a:pt x="-655" y="2720171"/>
-                  <a:pt x="1310" y="2600702"/>
-                  <a:pt x="0" y="2467565"/>
-                </a:cubicBezTo>
-                <a:lnTo>
-                  <a:pt x="2869894" y="2468888"/>
-                </a:lnTo>
-                <a:lnTo>
-                  <a:pt x="2869894" y="0"/>
-                </a:lnTo>
-                <a:lnTo>
-                  <a:pt x="3275668" y="0"/>
-                </a:lnTo>
-                <a:close/>
-              </a:path>
-            </a:pathLst>
-          </a:custGeom>
-          <a:solidFill>
-            <a:srgbClr val="4C4C4C"/>
-          </a:solidFill>
-          <a:ln w="0">
-            <a:noFill/>
-            <a:prstDash val="solid"/>
-            <a:round/>
-            <a:headEnd/>
-            <a:tailEnd/>
-          </a:ln>
-        </p:spPr>
-      </p:sp>
-      <p:sp>
-        <p:nvSpPr>
-          <p:cNvPr id="16" name="Freeform: Shape 15">
-            <a:extLst>
-              <a:ext uri="{FF2B5EF4-FFF2-40B4-BE49-F238E27FC236}">
-                <a16:creationId xmlns:a16="http://schemas.microsoft.com/office/drawing/2014/main" id="{2989BE6A-C309-418E-8ADD-1616A980570D}"/>
-              </a:ext>
-              <a:ext uri="{C183D7F6-B498-43B3-948B-1728B52AA6E4}">
-                <adec:decorative xmlns:adec="http://schemas.microsoft.com/office/drawing/2017/decorative" val="1"/>
-              </a:ext>
-            </a:extLst>
-          </p:cNvPr>
-          <p:cNvSpPr>
-            <a:spLocks noGrp="1" noRot="1" noChangeAspect="1" noMove="1" noResize="1" noEditPoints="1" noAdjustHandles="1" noChangeArrowheads="1" noChangeShapeType="1" noTextEdit="1"/>
-          </p:cNvSpPr>
-          <p:nvPr>
-            <p:extLst>
-              <p:ext uri="{386F3935-93C4-4BCD-93E2-E3B085C9AB24}">
-                <p16:designElem xmlns:p16="http://schemas.microsoft.com/office/powerpoint/2015/main" val="1"/>
-              </p:ext>
-            </p:extLst>
-          </p:nvPr>
-        </p:nvSpPr>
-        <p:spPr bwMode="auto">
-          <a:xfrm>
-            <a:off x="4055822" y="3222529"/>
-            <a:ext cx="3242952" cy="2828156"/>
-          </a:xfrm>
-          <a:custGeom>
-            <a:avLst/>
-            <a:gdLst>
-              <a:gd name="connsiteX0" fmla="*/ 2837178 w 3242952"/>
-              <a:gd name="connsiteY0" fmla="*/ 0 h 2828156"/>
-              <a:gd name="connsiteX1" fmla="*/ 3242952 w 3242952"/>
-              <a:gd name="connsiteY1" fmla="*/ 0 h 2828156"/>
-              <a:gd name="connsiteX2" fmla="*/ 3242952 w 3242952"/>
-              <a:gd name="connsiteY2" fmla="*/ 2828156 h 2828156"/>
-              <a:gd name="connsiteX3" fmla="*/ 0 w 3242952"/>
-              <a:gd name="connsiteY3" fmla="*/ 2828156 h 2828156"/>
-              <a:gd name="connsiteX4" fmla="*/ 0 w 3242952"/>
-              <a:gd name="connsiteY4" fmla="*/ 2442859 h 2828156"/>
-              <a:gd name="connsiteX5" fmla="*/ 2837178 w 3242952"/>
-              <a:gd name="connsiteY5" fmla="*/ 2443295 h 2828156"/>
-            </a:gdLst>
-            <a:ahLst/>
-            <a:cxnLst>
-              <a:cxn ang="0">
-                <a:pos x="connsiteX0" y="connsiteY0"/>
-              </a:cxn>
-              <a:cxn ang="0">
-                <a:pos x="connsiteX1" y="connsiteY1"/>
-              </a:cxn>
-              <a:cxn ang="0">
-                <a:pos x="connsiteX2" y="connsiteY2"/>
-              </a:cxn>
-              <a:cxn ang="0">
-                <a:pos x="connsiteX3" y="connsiteY3"/>
-              </a:cxn>
-              <a:cxn ang="0">
-                <a:pos x="connsiteX4" y="connsiteY4"/>
-              </a:cxn>
-              <a:cxn ang="0">
-                <a:pos x="connsiteX5" y="connsiteY5"/>
-              </a:cxn>
-            </a:cxnLst>
-            <a:rect l="l" t="t" r="r" b="b"/>
-            <a:pathLst>
-              <a:path w="3242952" h="2828156">
-                <a:moveTo>
-                  <a:pt x="2837178" y="0"/>
-                </a:moveTo>
-                <a:lnTo>
-                  <a:pt x="3242952" y="0"/>
-                </a:lnTo>
-                <a:lnTo>
-                  <a:pt x="3242952" y="2828156"/>
-                </a:lnTo>
-                <a:lnTo>
-                  <a:pt x="0" y="2828156"/>
-                </a:lnTo>
-                <a:lnTo>
-                  <a:pt x="0" y="2442859"/>
-                </a:lnTo>
-                <a:lnTo>
-                  <a:pt x="2837178" y="2443295"/>
-                </a:lnTo>
-                <a:close/>
-              </a:path>
-            </a:pathLst>
-          </a:custGeom>
-          <a:solidFill>
-            <a:srgbClr val="4C4C4C"/>
-          </a:solidFill>
-          <a:ln w="0">
-            <a:noFill/>
-            <a:prstDash val="solid"/>
-            <a:round/>
-            <a:headEnd/>
-            <a:tailEnd/>
-          </a:ln>
-        </p:spPr>
-        <p:txBody>
-          <a:bodyPr wrap="square">
-            <a:noAutofit/>
-          </a:bodyPr>
-          <a:lstStyle/>
-          <a:p>
-            <a:pPr marL="0" marR="0" lvl="0" indent="0" algn="l" defTabSz="914400" rtl="0" eaLnBrk="1" fontAlgn="auto" latinLnBrk="0" hangingPunct="1">
-              <a:lnSpc>
-                <a:spcPct val="100000"/>
-              </a:lnSpc>
-              <a:spcBef>
-                <a:spcPts val="0"/>
-              </a:spcBef>
-              <a:spcAft>
-                <a:spcPts val="0"/>
-              </a:spcAft>
-              <a:buClrTx/>
-              <a:buSzTx/>
-              <a:buFontTx/>
-              <a:buNone/>
-              <a:tabLst/>
-              <a:defRPr/>
-            </a:pPr>
-            <a:endParaRPr kumimoji="0" lang="en-US" sz="1800" b="0" i="0" u="none" strike="noStrike" kern="1200" cap="none" spc="0" normalizeH="0" baseline="0" noProof="0">
-              <a:ln>
-                <a:noFill/>
-              </a:ln>
-              <a:solidFill>
-                <a:prstClr val="black"/>
-              </a:solidFill>
-              <a:effectLst/>
-              <a:uLnTx/>
-              <a:uFillTx/>
-              <a:latin typeface="Calibri" panose="020F0502020204030204"/>
-              <a:ea typeface="+mn-ea"/>
-              <a:cs typeface="+mn-cs"/>
-            </a:endParaRPr>
-          </a:p>
-        </p:txBody>
-      </p:sp>
-      <p:sp>
-        <p:nvSpPr>
-          <p:cNvPr id="11" name="Content Placeholder 10">
-            <a:extLst>
-              <a:ext uri="{FF2B5EF4-FFF2-40B4-BE49-F238E27FC236}">
-                <a16:creationId xmlns:a16="http://schemas.microsoft.com/office/drawing/2014/main" id="{8DC07883-6FEB-4246-BFE9-889DDCF1DD98}"/>
-              </a:ext>
-            </a:extLst>
-          </p:cNvPr>
-          <p:cNvSpPr>
-            <a:spLocks noGrp="1"/>
-          </p:cNvSpPr>
-          <p:nvPr>
-            <p:ph idx="1"/>
-          </p:nvPr>
-        </p:nvSpPr>
-        <p:spPr>
-          <a:xfrm>
-            <a:off x="7781373" y="2279151"/>
-            <a:ext cx="3627063" cy="3387145"/>
-          </a:xfrm>
-        </p:spPr>
-        <p:txBody>
-          <a:bodyPr anchor="ctr">
-            <a:normAutofit/>
-          </a:bodyPr>
-          <a:lstStyle/>
-          <a:p>
-            <a:r>
-              <a:rPr lang="en-US" sz="2400" dirty="0" err="1"/>
-              <a:t>Detaillierte</a:t>
-            </a:r>
-            <a:r>
-              <a:rPr lang="en-US" sz="2400" dirty="0"/>
-              <a:t> </a:t>
-            </a:r>
-            <a:r>
-              <a:rPr lang="en-US" sz="2400" dirty="0" err="1"/>
-              <a:t>Informationen</a:t>
-            </a:r>
-            <a:endParaRPr lang="en-US" sz="2400" dirty="0"/>
-          </a:p>
-          <a:p>
-            <a:r>
-              <a:rPr lang="en-US" sz="2400" dirty="0" err="1"/>
-              <a:t>Kennlinien</a:t>
-            </a:r>
-            <a:endParaRPr lang="en-US" sz="2400" dirty="0"/>
-          </a:p>
-          <a:p>
-            <a:r>
-              <a:rPr lang="en-US" sz="2400" dirty="0" err="1"/>
-              <a:t>Fehleranalyse</a:t>
-            </a:r>
-            <a:endParaRPr lang="en-US" sz="2400" dirty="0"/>
-          </a:p>
-          <a:p>
-            <a:r>
-              <a:rPr lang="en-US" sz="2400" dirty="0"/>
-              <a:t>Downloads</a:t>
-            </a:r>
-          </a:p>
-          <a:p>
-            <a:r>
-              <a:rPr lang="en-US" sz="2400" dirty="0" err="1"/>
-              <a:t>Diskussionen</a:t>
-            </a:r>
-            <a:endParaRPr lang="en-US" sz="2400" dirty="0"/>
-          </a:p>
-        </p:txBody>
-      </p:sp>
-      <p:sp>
-        <p:nvSpPr>
-          <p:cNvPr id="4" name="Footer Placeholder 3">
-            <a:extLst>
-              <a:ext uri="{FF2B5EF4-FFF2-40B4-BE49-F238E27FC236}">
-                <a16:creationId xmlns:a16="http://schemas.microsoft.com/office/drawing/2014/main" id="{4F1639C5-FA60-4BF7-98BA-05F3753189A9}"/>
-              </a:ext>
-            </a:extLst>
-          </p:cNvPr>
-          <p:cNvSpPr>
-            <a:spLocks noGrp="1"/>
-          </p:cNvSpPr>
-          <p:nvPr>
-            <p:ph type="ftr" sz="quarter" idx="11"/>
-          </p:nvPr>
-        </p:nvSpPr>
-        <p:spPr>
-          <a:xfrm>
-            <a:off x="4038600" y="6356350"/>
-            <a:ext cx="4114800" cy="365125"/>
-          </a:xfrm>
-        </p:spPr>
-        <p:txBody>
-          <a:bodyPr>
-            <a:normAutofit/>
-          </a:bodyPr>
-          <a:lstStyle/>
-          <a:p>
-            <a:pPr>
-              <a:spcAft>
-                <a:spcPts val="600"/>
-              </a:spcAft>
-            </a:pPr>
-            <a:r>
-              <a:rPr lang="de-DE">
-                <a:solidFill>
-                  <a:prstClr val="black">
-                    <a:tint val="75000"/>
-                  </a:prstClr>
-                </a:solidFill>
-              </a:rPr>
-              <a:t>WS19/20 - PV-Modulportal - Rüffer, Vorwerk, Withöft, Zolkin</a:t>
-            </a:r>
-          </a:p>
-        </p:txBody>
-      </p:sp>
-      <p:sp>
-        <p:nvSpPr>
-          <p:cNvPr id="5" name="Slide Number Placeholder 4">
-            <a:extLst>
-              <a:ext uri="{FF2B5EF4-FFF2-40B4-BE49-F238E27FC236}">
-                <a16:creationId xmlns:a16="http://schemas.microsoft.com/office/drawing/2014/main" id="{A6093915-6888-4B2E-A7DB-162E0D0C61DB}"/>
-              </a:ext>
-            </a:extLst>
-          </p:cNvPr>
-          <p:cNvSpPr>
-            <a:spLocks noGrp="1"/>
-          </p:cNvSpPr>
-          <p:nvPr>
-            <p:ph type="sldNum" sz="quarter" idx="12"/>
-          </p:nvPr>
-        </p:nvSpPr>
-        <p:spPr>
-          <a:xfrm>
-            <a:off x="8610600" y="6356350"/>
-            <a:ext cx="2743200" cy="365125"/>
-          </a:xfrm>
-        </p:spPr>
-        <p:txBody>
-          <a:bodyPr>
-            <a:normAutofit/>
-          </a:bodyPr>
-          <a:lstStyle/>
-          <a:p>
-            <a:pPr>
-              <a:spcAft>
-                <a:spcPts val="600"/>
-              </a:spcAft>
-            </a:pPr>
-            <a:fld id="{969E759D-A893-4B96-8B48-96EE547EBC41}" type="slidenum">
-              <a:rPr lang="de-DE">
-                <a:solidFill>
-                  <a:prstClr val="black">
-                    <a:tint val="75000"/>
-                  </a:prstClr>
-                </a:solidFill>
-              </a:rPr>
-              <a:pPr>
-                <a:spcAft>
-                  <a:spcPts val="600"/>
-                </a:spcAft>
-              </a:pPr>
-              <a:t>7</a:t>
-            </a:fld>
-            <a:endParaRPr lang="de-DE">
-              <a:solidFill>
-                <a:prstClr val="black">
-                  <a:tint val="75000"/>
-                </a:prstClr>
-              </a:solidFill>
-            </a:endParaRPr>
-          </a:p>
-        </p:txBody>
-      </p:sp>
-    </p:spTree>
-    <p:extLst>
-      <p:ext uri="{BB962C8B-B14F-4D97-AF65-F5344CB8AC3E}">
-        <p14:creationId xmlns:p14="http://schemas.microsoft.com/office/powerpoint/2010/main" val="20718558"/>
-      </p:ext>
-    </p:extLst>
-  </p:cSld>
-  <p:clrMapOvr>
-    <a:masterClrMapping/>
-  </p:clrMapOvr>
-</p:sld>
-</file>
-
-<file path=ppt/slides/slide8.xml><?xml version="1.0" encoding="utf-8"?>
-<p:sld xmlns:a="http://schemas.openxmlformats.org/drawingml/2006/main" xmlns:r="http://schemas.openxmlformats.org/officeDocument/2006/relationships" xmlns:p="http://schemas.openxmlformats.org/presentationml/2006/main">
-  <p:cSld>
-    <p:spTree>
-      <p:nvGrpSpPr>
-        <p:cNvPr id="1" name=""/>
-        <p:cNvGrpSpPr/>
-        <p:nvPr/>
-      </p:nvGrpSpPr>
-      <p:grpSpPr>
-        <a:xfrm>
-          <a:off x="0" y="0"/>
-          <a:ext cx="0" cy="0"/>
-          <a:chOff x="0" y="0"/>
-          <a:chExt cx="0" cy="0"/>
-        </a:xfrm>
-      </p:grpSpPr>
-      <p:sp>
-        <p:nvSpPr>
-          <p:cNvPr id="10" name="TextBox 9">
-            <a:extLst>
-              <a:ext uri="{FF2B5EF4-FFF2-40B4-BE49-F238E27FC236}">
-                <a16:creationId xmlns:a16="http://schemas.microsoft.com/office/drawing/2014/main" id="{0EC7CB5C-2C3D-4A9E-BB5E-032FF2465606}"/>
-              </a:ext>
-            </a:extLst>
-          </p:cNvPr>
-          <p:cNvSpPr txBox="1"/>
-          <p:nvPr/>
-        </p:nvSpPr>
-        <p:spPr>
-          <a:xfrm>
-            <a:off x="2910515" y="1167320"/>
-            <a:ext cx="2933862" cy="369332"/>
-          </a:xfrm>
-          <a:prstGeom prst="rect">
-            <a:avLst/>
-          </a:prstGeom>
-          <a:noFill/>
-        </p:spPr>
-        <p:txBody>
-          <a:bodyPr wrap="square" rtlCol="0">
-            <a:spAutoFit/>
-          </a:bodyPr>
-          <a:lstStyle/>
-          <a:p>
-            <a:endParaRPr lang="en-NZ" dirty="0"/>
-          </a:p>
-        </p:txBody>
-      </p:sp>
-      <p:pic>
-        <p:nvPicPr>
-          <p:cNvPr id="3" name="Picture 2" descr="A picture containing implement, pencil, computer, sitting&#10;&#10;Description automatically generated">
-            <a:extLst>
-              <a:ext uri="{FF2B5EF4-FFF2-40B4-BE49-F238E27FC236}">
-                <a16:creationId xmlns:a16="http://schemas.microsoft.com/office/drawing/2014/main" id="{EAC737AC-7EDE-4FC3-BCB3-AD1B0ED862F8}"/>
-              </a:ext>
-            </a:extLst>
-          </p:cNvPr>
-          <p:cNvPicPr>
-            <a:picLocks noChangeAspect="1"/>
-          </p:cNvPicPr>
-          <p:nvPr/>
-        </p:nvPicPr>
-        <p:blipFill>
-          <a:blip r:embed="rId3" cstate="print">
-            <a:extLst>
-              <a:ext uri="{28A0092B-C50C-407E-A947-70E740481C1C}">
-                <a14:useLocalDpi xmlns:a14="http://schemas.microsoft.com/office/drawing/2010/main" val="0"/>
-              </a:ext>
-            </a:extLst>
-          </a:blip>
-          <a:stretch>
-            <a:fillRect/>
-          </a:stretch>
-        </p:blipFill>
-        <p:spPr>
-          <a:xfrm>
-            <a:off x="0" y="136187"/>
-            <a:ext cx="12192000" cy="6653720"/>
-          </a:xfrm>
-          <a:prstGeom prst="rect">
-            <a:avLst/>
-          </a:prstGeom>
-        </p:spPr>
-      </p:pic>
-    </p:spTree>
-    <p:extLst>
-      <p:ext uri="{BB962C8B-B14F-4D97-AF65-F5344CB8AC3E}">
-        <p14:creationId xmlns:p14="http://schemas.microsoft.com/office/powerpoint/2010/main" val="17102612"/>
-      </p:ext>
-    </p:extLst>
-  </p:cSld>
-  <p:clrMapOvr>
-    <a:masterClrMapping/>
-  </p:clrMapOvr>
-</p:sld>
-</file>
-
-<file path=ppt/slides/slide9.xml><?xml version="1.0" encoding="utf-8"?>
-<p:sld xmlns:a="http://schemas.openxmlformats.org/drawingml/2006/main" xmlns:r="http://schemas.openxmlformats.org/officeDocument/2006/relationships" xmlns:p="http://schemas.openxmlformats.org/presentationml/2006/main">
-  <p:cSld>
-    <p:bg>
-      <p:bgPr>
-        <a:solidFill>
           <a:schemeClr val="bg1">
             <a:tint val="95000"/>
             <a:satMod val="170000"/>
@@ -18124,7 +16253,7 @@
                   </a:schemeClr>
                 </a:solidFill>
               </a:rPr>
-              <a:t>Vorstellung der Gruppe</a:t>
+              <a:t>Projektbeschreibung</a:t>
             </a:r>
           </a:p>
         </p:txBody>
@@ -18228,7 +16357,7 @@
                   <a:spcPts val="600"/>
                 </a:spcAft>
               </a:pPr>
-              <a:t>9</a:t>
+              <a:t>5</a:t>
             </a:fld>
             <a:endParaRPr lang="en-US" sz="1500">
               <a:solidFill>
@@ -18241,12 +16370,1882 @@
     </p:spTree>
     <p:extLst>
       <p:ext uri="{BB962C8B-B14F-4D97-AF65-F5344CB8AC3E}">
-        <p14:creationId xmlns:p14="http://schemas.microsoft.com/office/powerpoint/2010/main" val="1060759245"/>
+        <p14:creationId xmlns:p14="http://schemas.microsoft.com/office/powerpoint/2010/main" val="2543022861"/>
       </p:ext>
     </p:extLst>
   </p:cSld>
   <p:clrMapOvr>
     <a:overrideClrMapping bg1="dk1" tx1="lt1" bg2="dk2" tx2="lt2" accent1="accent1" accent2="accent2" accent3="accent3" accent4="accent4" accent5="accent5" accent6="accent6" hlink="hlink" folHlink="folHlink"/>
+  </p:clrMapOvr>
+</p:sld>
+</file>
+
+<file path=ppt/slides/slide6.xml><?xml version="1.0" encoding="utf-8"?>
+<p:sld xmlns:a="http://schemas.openxmlformats.org/drawingml/2006/main" xmlns:r="http://schemas.openxmlformats.org/officeDocument/2006/relationships" xmlns:p="http://schemas.openxmlformats.org/presentationml/2006/main">
+  <p:cSld>
+    <p:spTree>
+      <p:nvGrpSpPr>
+        <p:cNvPr id="1" name=""/>
+        <p:cNvGrpSpPr/>
+        <p:nvPr/>
+      </p:nvGrpSpPr>
+      <p:grpSpPr>
+        <a:xfrm>
+          <a:off x="0" y="0"/>
+          <a:ext cx="0" cy="0"/>
+          <a:chOff x="0" y="0"/>
+          <a:chExt cx="0" cy="0"/>
+        </a:xfrm>
+      </p:grpSpPr>
+      <p:sp>
+        <p:nvSpPr>
+          <p:cNvPr id="2" name="Title 1">
+            <a:extLst>
+              <a:ext uri="{FF2B5EF4-FFF2-40B4-BE49-F238E27FC236}">
+                <a16:creationId xmlns:a16="http://schemas.microsoft.com/office/drawing/2014/main" id="{15066376-BDA9-42B0-B399-BBF455FEAB84}"/>
+              </a:ext>
+            </a:extLst>
+          </p:cNvPr>
+          <p:cNvSpPr>
+            <a:spLocks noGrp="1"/>
+          </p:cNvSpPr>
+          <p:nvPr>
+            <p:ph type="title"/>
+          </p:nvPr>
+        </p:nvSpPr>
+        <p:spPr>
+          <a:xfrm>
+            <a:off x="838200" y="365125"/>
+            <a:ext cx="10515600" cy="1325563"/>
+          </a:xfrm>
+        </p:spPr>
+        <p:txBody>
+          <a:bodyPr/>
+          <a:lstStyle/>
+          <a:p>
+            <a:r>
+              <a:rPr lang="en-NZ"/>
+              <a:t>Projektbeschreibung</a:t>
+            </a:r>
+            <a:endParaRPr lang="en-NZ" dirty="0"/>
+          </a:p>
+        </p:txBody>
+      </p:sp>
+      <p:sp>
+        <p:nvSpPr>
+          <p:cNvPr id="3" name="Content Placeholder 2">
+            <a:extLst>
+              <a:ext uri="{FF2B5EF4-FFF2-40B4-BE49-F238E27FC236}">
+                <a16:creationId xmlns:a16="http://schemas.microsoft.com/office/drawing/2014/main" id="{0FBAFCDA-66B7-4892-8C91-69D5101FD3EE}"/>
+              </a:ext>
+            </a:extLst>
+          </p:cNvPr>
+          <p:cNvSpPr>
+            <a:spLocks noGrp="1"/>
+          </p:cNvSpPr>
+          <p:nvPr>
+            <p:ph idx="1"/>
+          </p:nvPr>
+        </p:nvSpPr>
+        <p:spPr/>
+        <p:txBody>
+          <a:bodyPr>
+            <a:normAutofit fontScale="92500" lnSpcReduction="10000"/>
+          </a:bodyPr>
+          <a:lstStyle/>
+          <a:p>
+            <a:r>
+              <a:rPr lang="en-NZ" dirty="0"/>
+              <a:t>PV-</a:t>
+            </a:r>
+            <a:r>
+              <a:rPr lang="en-NZ" dirty="0" err="1"/>
+              <a:t>Modulportal</a:t>
+            </a:r>
+            <a:r>
+              <a:rPr lang="en-NZ" dirty="0"/>
+              <a:t> </a:t>
+            </a:r>
+            <a:r>
+              <a:rPr lang="en-NZ" dirty="0" err="1"/>
+              <a:t>zum</a:t>
+            </a:r>
+            <a:r>
+              <a:rPr lang="en-NZ" dirty="0"/>
+              <a:t> </a:t>
+            </a:r>
+            <a:r>
+              <a:rPr lang="en-NZ" dirty="0" err="1"/>
+              <a:t>Vergleichen</a:t>
+            </a:r>
+            <a:r>
+              <a:rPr lang="en-NZ" dirty="0"/>
+              <a:t> von </a:t>
+            </a:r>
+            <a:r>
+              <a:rPr lang="en-NZ" dirty="0" err="1"/>
+              <a:t>Kennlinien</a:t>
+            </a:r>
+            <a:endParaRPr lang="en-NZ" dirty="0"/>
+          </a:p>
+          <a:p>
+            <a:pPr lvl="1"/>
+            <a:r>
+              <a:rPr lang="en-NZ" dirty="0" err="1"/>
+              <a:t>Erfassen</a:t>
+            </a:r>
+            <a:endParaRPr lang="en-NZ" dirty="0"/>
+          </a:p>
+          <a:p>
+            <a:pPr lvl="1"/>
+            <a:r>
+              <a:rPr lang="en-NZ" dirty="0" err="1"/>
+              <a:t>Vergleichen</a:t>
+            </a:r>
+            <a:endParaRPr lang="en-NZ" dirty="0"/>
+          </a:p>
+          <a:p>
+            <a:pPr lvl="1"/>
+            <a:r>
+              <a:rPr lang="en-NZ" dirty="0" err="1"/>
+              <a:t>Statistiken</a:t>
+            </a:r>
+            <a:endParaRPr lang="en-NZ" dirty="0"/>
+          </a:p>
+          <a:p>
+            <a:pPr lvl="1"/>
+            <a:r>
+              <a:rPr lang="en-NZ" dirty="0" err="1"/>
+              <a:t>Diskussionen</a:t>
+            </a:r>
+            <a:endParaRPr lang="en-NZ" dirty="0"/>
+          </a:p>
+          <a:p>
+            <a:pPr lvl="1"/>
+            <a:r>
+              <a:rPr lang="en-NZ" dirty="0"/>
+              <a:t>Downloads</a:t>
+            </a:r>
+          </a:p>
+          <a:p>
+            <a:r>
+              <a:rPr lang="en-NZ" dirty="0" err="1"/>
+              <a:t>Übersichtsseite</a:t>
+            </a:r>
+            <a:endParaRPr lang="en-NZ" dirty="0"/>
+          </a:p>
+          <a:p>
+            <a:r>
+              <a:rPr lang="en-NZ" dirty="0" err="1"/>
+              <a:t>Detailseite</a:t>
+            </a:r>
+            <a:endParaRPr lang="en-NZ" dirty="0"/>
+          </a:p>
+          <a:p>
+            <a:r>
+              <a:rPr lang="en-NZ" dirty="0" err="1"/>
+              <a:t>Suche</a:t>
+            </a:r>
+            <a:endParaRPr lang="en-NZ" dirty="0"/>
+          </a:p>
+          <a:p>
+            <a:r>
+              <a:rPr lang="en-NZ" dirty="0" err="1"/>
+              <a:t>Uploadseite</a:t>
+            </a:r>
+            <a:endParaRPr lang="en-NZ" dirty="0"/>
+          </a:p>
+          <a:p>
+            <a:pPr lvl="1"/>
+            <a:r>
+              <a:rPr lang="en-NZ" dirty="0"/>
+              <a:t>Nach </a:t>
+            </a:r>
+            <a:r>
+              <a:rPr lang="en-NZ" dirty="0" err="1"/>
+              <a:t>Planung</a:t>
+            </a:r>
+            <a:r>
+              <a:rPr lang="en-NZ" dirty="0"/>
+              <a:t> </a:t>
+            </a:r>
+            <a:r>
+              <a:rPr lang="en-NZ" dirty="0" err="1"/>
+              <a:t>noch</a:t>
+            </a:r>
+            <a:r>
+              <a:rPr lang="en-NZ" dirty="0"/>
+              <a:t> </a:t>
+            </a:r>
+            <a:r>
+              <a:rPr lang="en-NZ" dirty="0" err="1"/>
+              <a:t>ausstehend</a:t>
+            </a:r>
+            <a:endParaRPr lang="en-NZ" dirty="0"/>
+          </a:p>
+        </p:txBody>
+      </p:sp>
+      <p:sp>
+        <p:nvSpPr>
+          <p:cNvPr id="4" name="Footer Placeholder 3">
+            <a:extLst>
+              <a:ext uri="{FF2B5EF4-FFF2-40B4-BE49-F238E27FC236}">
+                <a16:creationId xmlns:a16="http://schemas.microsoft.com/office/drawing/2014/main" id="{5F1B4AEF-1956-4FA4-AF17-52F5FA22EA93}"/>
+              </a:ext>
+            </a:extLst>
+          </p:cNvPr>
+          <p:cNvSpPr>
+            <a:spLocks noGrp="1"/>
+          </p:cNvSpPr>
+          <p:nvPr>
+            <p:ph type="ftr" sz="quarter" idx="11"/>
+          </p:nvPr>
+        </p:nvSpPr>
+        <p:spPr>
+          <a:xfrm>
+            <a:off x="4038600" y="6356350"/>
+            <a:ext cx="4114800" cy="365125"/>
+          </a:xfrm>
+        </p:spPr>
+        <p:txBody>
+          <a:bodyPr/>
+          <a:lstStyle/>
+          <a:p>
+            <a:r>
+              <a:rPr lang="de-DE"/>
+              <a:t>WS19/20 - PV-Modulportal - Rüffer, Vorwerk, Withöft, Zolkin</a:t>
+            </a:r>
+            <a:endParaRPr lang="de-DE" dirty="0"/>
+          </a:p>
+        </p:txBody>
+      </p:sp>
+      <p:sp>
+        <p:nvSpPr>
+          <p:cNvPr id="5" name="Slide Number Placeholder 4">
+            <a:extLst>
+              <a:ext uri="{FF2B5EF4-FFF2-40B4-BE49-F238E27FC236}">
+                <a16:creationId xmlns:a16="http://schemas.microsoft.com/office/drawing/2014/main" id="{D87CE355-2B04-4F17-8E3C-AE813E70FDE4}"/>
+              </a:ext>
+            </a:extLst>
+          </p:cNvPr>
+          <p:cNvSpPr>
+            <a:spLocks noGrp="1"/>
+          </p:cNvSpPr>
+          <p:nvPr>
+            <p:ph type="sldNum" sz="quarter" idx="12"/>
+          </p:nvPr>
+        </p:nvSpPr>
+        <p:spPr>
+          <a:xfrm>
+            <a:off x="8610600" y="6356350"/>
+            <a:ext cx="2743200" cy="365125"/>
+          </a:xfrm>
+        </p:spPr>
+        <p:txBody>
+          <a:bodyPr/>
+          <a:lstStyle/>
+          <a:p>
+            <a:fld id="{969E759D-A893-4B96-8B48-96EE547EBC41}" type="slidenum">
+              <a:rPr lang="de-DE" smtClean="0"/>
+              <a:t>6</a:t>
+            </a:fld>
+            <a:endParaRPr lang="de-DE"/>
+          </a:p>
+        </p:txBody>
+      </p:sp>
+    </p:spTree>
+    <p:extLst>
+      <p:ext uri="{BB962C8B-B14F-4D97-AF65-F5344CB8AC3E}">
+        <p14:creationId xmlns:p14="http://schemas.microsoft.com/office/powerpoint/2010/main" val="3475415157"/>
+      </p:ext>
+    </p:extLst>
+  </p:cSld>
+  <p:clrMapOvr>
+    <a:masterClrMapping/>
+  </p:clrMapOvr>
+</p:sld>
+</file>
+
+<file path=ppt/slides/slide7.xml><?xml version="1.0" encoding="utf-8"?>
+<p:sld xmlns:a="http://schemas.openxmlformats.org/drawingml/2006/main" xmlns:r="http://schemas.openxmlformats.org/officeDocument/2006/relationships" xmlns:p="http://schemas.openxmlformats.org/presentationml/2006/main">
+  <p:cSld>
+    <p:bg>
+      <p:bgPr>
+        <a:solidFill>
+          <a:schemeClr val="bg1"/>
+        </a:solidFill>
+        <a:effectLst/>
+      </p:bgPr>
+    </p:bg>
+    <p:spTree>
+      <p:nvGrpSpPr>
+        <p:cNvPr id="1" name=""/>
+        <p:cNvGrpSpPr/>
+        <p:nvPr/>
+      </p:nvGrpSpPr>
+      <p:grpSpPr>
+        <a:xfrm>
+          <a:off x="0" y="0"/>
+          <a:ext cx="0" cy="0"/>
+          <a:chOff x="0" y="0"/>
+          <a:chExt cx="0" cy="0"/>
+        </a:xfrm>
+      </p:grpSpPr>
+      <p:sp>
+        <p:nvSpPr>
+          <p:cNvPr id="2" name="Title 1">
+            <a:extLst>
+              <a:ext uri="{FF2B5EF4-FFF2-40B4-BE49-F238E27FC236}">
+                <a16:creationId xmlns:a16="http://schemas.microsoft.com/office/drawing/2014/main" id="{0754DA76-FBA9-4255-9F8F-DBD2A5E204F0}"/>
+              </a:ext>
+            </a:extLst>
+          </p:cNvPr>
+          <p:cNvSpPr>
+            <a:spLocks noGrp="1"/>
+          </p:cNvSpPr>
+          <p:nvPr>
+            <p:ph type="title"/>
+          </p:nvPr>
+        </p:nvSpPr>
+        <p:spPr>
+          <a:xfrm>
+            <a:off x="1514292" y="513612"/>
+            <a:ext cx="9894133" cy="1031216"/>
+          </a:xfrm>
+        </p:spPr>
+        <p:txBody>
+          <a:bodyPr anchor="b">
+            <a:normAutofit/>
+          </a:bodyPr>
+          <a:lstStyle/>
+          <a:p>
+            <a:r>
+              <a:rPr lang="en-NZ" dirty="0" err="1"/>
+              <a:t>Übersichtsseite</a:t>
+            </a:r>
+            <a:endParaRPr lang="en-NZ" dirty="0"/>
+          </a:p>
+        </p:txBody>
+      </p:sp>
+      <p:pic>
+        <p:nvPicPr>
+          <p:cNvPr id="7" name="Picture 6" descr="A screenshot of a cell phone&#10;&#10;Description automatically generated">
+            <a:extLst>
+              <a:ext uri="{FF2B5EF4-FFF2-40B4-BE49-F238E27FC236}">
+                <a16:creationId xmlns:a16="http://schemas.microsoft.com/office/drawing/2014/main" id="{ABEF1177-6BDC-4C82-AAB5-58804151FB71}"/>
+              </a:ext>
+            </a:extLst>
+          </p:cNvPr>
+          <p:cNvPicPr>
+            <a:picLocks noChangeAspect="1"/>
+          </p:cNvPicPr>
+          <p:nvPr/>
+        </p:nvPicPr>
+        <p:blipFill>
+          <a:blip r:embed="rId2">
+            <a:extLst>
+              <a:ext uri="{28A0092B-C50C-407E-A947-70E740481C1C}">
+                <a14:useLocalDpi xmlns:a14="http://schemas.microsoft.com/office/drawing/2010/main" val="0"/>
+              </a:ext>
+            </a:extLst>
+          </a:blip>
+          <a:stretch>
+            <a:fillRect/>
+          </a:stretch>
+        </p:blipFill>
+        <p:spPr>
+          <a:xfrm>
+            <a:off x="1105089" y="2234882"/>
+            <a:ext cx="5723473" cy="3305306"/>
+          </a:xfrm>
+          <a:prstGeom prst="rect">
+            <a:avLst/>
+          </a:prstGeom>
+        </p:spPr>
+      </p:pic>
+      <p:sp>
+        <p:nvSpPr>
+          <p:cNvPr id="12" name="Freeform: Shape 11">
+            <a:extLst>
+              <a:ext uri="{FF2B5EF4-FFF2-40B4-BE49-F238E27FC236}">
+                <a16:creationId xmlns:a16="http://schemas.microsoft.com/office/drawing/2014/main" id="{C607803A-4E99-444E-94F7-8785CDDF5849}"/>
+              </a:ext>
+              <a:ext uri="{C183D7F6-B498-43B3-948B-1728B52AA6E4}">
+                <adec:decorative xmlns:adec="http://schemas.microsoft.com/office/drawing/2017/decorative" val="1"/>
+              </a:ext>
+            </a:extLst>
+          </p:cNvPr>
+          <p:cNvSpPr>
+            <a:spLocks noGrp="1" noRot="1" noChangeAspect="1" noMove="1" noResize="1" noEditPoints="1" noAdjustHandles="1" noChangeArrowheads="1" noChangeShapeType="1" noTextEdit="1"/>
+          </p:cNvSpPr>
+          <p:nvPr>
+            <p:extLst>
+              <p:ext uri="{386F3935-93C4-4BCD-93E2-E3B085C9AB24}">
+                <p16:designElem xmlns:p16="http://schemas.microsoft.com/office/powerpoint/2015/main" val="1"/>
+              </p:ext>
+            </p:extLst>
+          </p:nvPr>
+        </p:nvSpPr>
+        <p:spPr bwMode="auto">
+          <a:xfrm flipH="1" flipV="1">
+            <a:off x="780154" y="1884045"/>
+            <a:ext cx="3275668" cy="2853308"/>
+          </a:xfrm>
+          <a:custGeom>
+            <a:avLst/>
+            <a:gdLst>
+              <a:gd name="connsiteX0" fmla="*/ 3275668 w 3275668"/>
+              <a:gd name="connsiteY0" fmla="*/ 2853308 h 2853308"/>
+              <a:gd name="connsiteX1" fmla="*/ 655 w 3275668"/>
+              <a:gd name="connsiteY1" fmla="*/ 2853308 h 2853308"/>
+              <a:gd name="connsiteX2" fmla="*/ 0 w 3275668"/>
+              <a:gd name="connsiteY2" fmla="*/ 2467565 h 2853308"/>
+              <a:gd name="connsiteX3" fmla="*/ 2869894 w 3275668"/>
+              <a:gd name="connsiteY3" fmla="*/ 2468888 h 2853308"/>
+              <a:gd name="connsiteX4" fmla="*/ 2869894 w 3275668"/>
+              <a:gd name="connsiteY4" fmla="*/ 0 h 2853308"/>
+              <a:gd name="connsiteX5" fmla="*/ 3275668 w 3275668"/>
+              <a:gd name="connsiteY5" fmla="*/ 0 h 2853308"/>
+            </a:gdLst>
+            <a:ahLst/>
+            <a:cxnLst>
+              <a:cxn ang="0">
+                <a:pos x="connsiteX0" y="connsiteY0"/>
+              </a:cxn>
+              <a:cxn ang="0">
+                <a:pos x="connsiteX1" y="connsiteY1"/>
+              </a:cxn>
+              <a:cxn ang="0">
+                <a:pos x="connsiteX2" y="connsiteY2"/>
+              </a:cxn>
+              <a:cxn ang="0">
+                <a:pos x="connsiteX3" y="connsiteY3"/>
+              </a:cxn>
+              <a:cxn ang="0">
+                <a:pos x="connsiteX4" y="connsiteY4"/>
+              </a:cxn>
+              <a:cxn ang="0">
+                <a:pos x="connsiteX5" y="connsiteY5"/>
+              </a:cxn>
+            </a:cxnLst>
+            <a:rect l="l" t="t" r="r" b="b"/>
+            <a:pathLst>
+              <a:path w="3275668" h="2853308">
+                <a:moveTo>
+                  <a:pt x="3275668" y="2853308"/>
+                </a:moveTo>
+                <a:lnTo>
+                  <a:pt x="655" y="2853308"/>
+                </a:lnTo>
+                <a:cubicBezTo>
+                  <a:pt x="-655" y="2720171"/>
+                  <a:pt x="1310" y="2600702"/>
+                  <a:pt x="0" y="2467565"/>
+                </a:cubicBezTo>
+                <a:lnTo>
+                  <a:pt x="2869894" y="2468888"/>
+                </a:lnTo>
+                <a:lnTo>
+                  <a:pt x="2869894" y="0"/>
+                </a:lnTo>
+                <a:lnTo>
+                  <a:pt x="3275668" y="0"/>
+                </a:lnTo>
+                <a:close/>
+              </a:path>
+            </a:pathLst>
+          </a:custGeom>
+          <a:solidFill>
+            <a:srgbClr val="4C4C4C"/>
+          </a:solidFill>
+          <a:ln w="0">
+            <a:noFill/>
+            <a:prstDash val="solid"/>
+            <a:round/>
+            <a:headEnd/>
+            <a:tailEnd/>
+          </a:ln>
+        </p:spPr>
+      </p:sp>
+      <p:sp>
+        <p:nvSpPr>
+          <p:cNvPr id="14" name="Freeform: Shape 13">
+            <a:extLst>
+              <a:ext uri="{FF2B5EF4-FFF2-40B4-BE49-F238E27FC236}">
+                <a16:creationId xmlns:a16="http://schemas.microsoft.com/office/drawing/2014/main" id="{2989BE6A-C309-418E-8ADD-1616A980570D}"/>
+              </a:ext>
+              <a:ext uri="{C183D7F6-B498-43B3-948B-1728B52AA6E4}">
+                <adec:decorative xmlns:adec="http://schemas.microsoft.com/office/drawing/2017/decorative" val="1"/>
+              </a:ext>
+            </a:extLst>
+          </p:cNvPr>
+          <p:cNvSpPr>
+            <a:spLocks noGrp="1" noRot="1" noChangeAspect="1" noMove="1" noResize="1" noEditPoints="1" noAdjustHandles="1" noChangeArrowheads="1" noChangeShapeType="1" noTextEdit="1"/>
+          </p:cNvSpPr>
+          <p:nvPr>
+            <p:extLst>
+              <p:ext uri="{386F3935-93C4-4BCD-93E2-E3B085C9AB24}">
+                <p16:designElem xmlns:p16="http://schemas.microsoft.com/office/powerpoint/2015/main" val="1"/>
+              </p:ext>
+            </p:extLst>
+          </p:nvPr>
+        </p:nvSpPr>
+        <p:spPr bwMode="auto">
+          <a:xfrm>
+            <a:off x="4055822" y="3222529"/>
+            <a:ext cx="3242952" cy="2828156"/>
+          </a:xfrm>
+          <a:custGeom>
+            <a:avLst/>
+            <a:gdLst>
+              <a:gd name="connsiteX0" fmla="*/ 2837178 w 3242952"/>
+              <a:gd name="connsiteY0" fmla="*/ 0 h 2828156"/>
+              <a:gd name="connsiteX1" fmla="*/ 3242952 w 3242952"/>
+              <a:gd name="connsiteY1" fmla="*/ 0 h 2828156"/>
+              <a:gd name="connsiteX2" fmla="*/ 3242952 w 3242952"/>
+              <a:gd name="connsiteY2" fmla="*/ 2828156 h 2828156"/>
+              <a:gd name="connsiteX3" fmla="*/ 0 w 3242952"/>
+              <a:gd name="connsiteY3" fmla="*/ 2828156 h 2828156"/>
+              <a:gd name="connsiteX4" fmla="*/ 0 w 3242952"/>
+              <a:gd name="connsiteY4" fmla="*/ 2442859 h 2828156"/>
+              <a:gd name="connsiteX5" fmla="*/ 2837178 w 3242952"/>
+              <a:gd name="connsiteY5" fmla="*/ 2443295 h 2828156"/>
+            </a:gdLst>
+            <a:ahLst/>
+            <a:cxnLst>
+              <a:cxn ang="0">
+                <a:pos x="connsiteX0" y="connsiteY0"/>
+              </a:cxn>
+              <a:cxn ang="0">
+                <a:pos x="connsiteX1" y="connsiteY1"/>
+              </a:cxn>
+              <a:cxn ang="0">
+                <a:pos x="connsiteX2" y="connsiteY2"/>
+              </a:cxn>
+              <a:cxn ang="0">
+                <a:pos x="connsiteX3" y="connsiteY3"/>
+              </a:cxn>
+              <a:cxn ang="0">
+                <a:pos x="connsiteX4" y="connsiteY4"/>
+              </a:cxn>
+              <a:cxn ang="0">
+                <a:pos x="connsiteX5" y="connsiteY5"/>
+              </a:cxn>
+            </a:cxnLst>
+            <a:rect l="l" t="t" r="r" b="b"/>
+            <a:pathLst>
+              <a:path w="3242952" h="2828156">
+                <a:moveTo>
+                  <a:pt x="2837178" y="0"/>
+                </a:moveTo>
+                <a:lnTo>
+                  <a:pt x="3242952" y="0"/>
+                </a:lnTo>
+                <a:lnTo>
+                  <a:pt x="3242952" y="2828156"/>
+                </a:lnTo>
+                <a:lnTo>
+                  <a:pt x="0" y="2828156"/>
+                </a:lnTo>
+                <a:lnTo>
+                  <a:pt x="0" y="2442859"/>
+                </a:lnTo>
+                <a:lnTo>
+                  <a:pt x="2837178" y="2443295"/>
+                </a:lnTo>
+                <a:close/>
+              </a:path>
+            </a:pathLst>
+          </a:custGeom>
+          <a:solidFill>
+            <a:srgbClr val="4C4C4C"/>
+          </a:solidFill>
+          <a:ln w="0">
+            <a:noFill/>
+            <a:prstDash val="solid"/>
+            <a:round/>
+            <a:headEnd/>
+            <a:tailEnd/>
+          </a:ln>
+        </p:spPr>
+        <p:txBody>
+          <a:bodyPr wrap="square">
+            <a:noAutofit/>
+          </a:bodyPr>
+          <a:lstStyle/>
+          <a:p>
+            <a:pPr marL="0" marR="0" lvl="0" indent="0" algn="l" defTabSz="914400" rtl="0" eaLnBrk="1" fontAlgn="auto" latinLnBrk="0" hangingPunct="1">
+              <a:lnSpc>
+                <a:spcPct val="100000"/>
+              </a:lnSpc>
+              <a:spcBef>
+                <a:spcPts val="0"/>
+              </a:spcBef>
+              <a:spcAft>
+                <a:spcPts val="0"/>
+              </a:spcAft>
+              <a:buClrTx/>
+              <a:buSzTx/>
+              <a:buFontTx/>
+              <a:buNone/>
+              <a:tabLst/>
+              <a:defRPr/>
+            </a:pPr>
+            <a:endParaRPr kumimoji="0" lang="en-US" sz="1800" b="0" i="0" u="none" strike="noStrike" kern="1200" cap="none" spc="0" normalizeH="0" baseline="0" noProof="0">
+              <a:ln>
+                <a:noFill/>
+              </a:ln>
+              <a:solidFill>
+                <a:prstClr val="black"/>
+              </a:solidFill>
+              <a:effectLst/>
+              <a:uLnTx/>
+              <a:uFillTx/>
+              <a:latin typeface="Calibri" panose="020F0502020204030204"/>
+              <a:ea typeface="+mn-ea"/>
+              <a:cs typeface="+mn-cs"/>
+            </a:endParaRPr>
+          </a:p>
+        </p:txBody>
+      </p:sp>
+      <p:sp>
+        <p:nvSpPr>
+          <p:cNvPr id="3" name="Content Placeholder 2">
+            <a:extLst>
+              <a:ext uri="{FF2B5EF4-FFF2-40B4-BE49-F238E27FC236}">
+                <a16:creationId xmlns:a16="http://schemas.microsoft.com/office/drawing/2014/main" id="{A42C7976-7264-4148-AD03-59E4B4F7C697}"/>
+              </a:ext>
+            </a:extLst>
+          </p:cNvPr>
+          <p:cNvSpPr>
+            <a:spLocks noGrp="1"/>
+          </p:cNvSpPr>
+          <p:nvPr>
+            <p:ph idx="1"/>
+          </p:nvPr>
+        </p:nvSpPr>
+        <p:spPr>
+          <a:xfrm>
+            <a:off x="7541111" y="2279151"/>
+            <a:ext cx="4114800" cy="3387145"/>
+          </a:xfrm>
+        </p:spPr>
+        <p:txBody>
+          <a:bodyPr anchor="ctr">
+            <a:normAutofit/>
+          </a:bodyPr>
+          <a:lstStyle/>
+          <a:p>
+            <a:r>
+              <a:rPr lang="en-NZ" sz="2400" dirty="0" err="1"/>
+              <a:t>Übersicht</a:t>
+            </a:r>
+            <a:r>
+              <a:rPr lang="en-NZ" sz="2400" dirty="0"/>
+              <a:t> nach:</a:t>
+            </a:r>
+          </a:p>
+          <a:p>
+            <a:pPr lvl="1"/>
+            <a:r>
+              <a:rPr lang="en-NZ" dirty="0" err="1"/>
+              <a:t>Neuste</a:t>
+            </a:r>
+            <a:endParaRPr lang="en-NZ" dirty="0"/>
+          </a:p>
+          <a:p>
+            <a:pPr lvl="1"/>
+            <a:r>
+              <a:rPr lang="en-NZ" dirty="0"/>
+              <a:t>Am </a:t>
+            </a:r>
+            <a:r>
+              <a:rPr lang="en-NZ" dirty="0" err="1"/>
+              <a:t>meisten</a:t>
+            </a:r>
+            <a:r>
+              <a:rPr lang="en-NZ" dirty="0"/>
+              <a:t> </a:t>
+            </a:r>
+            <a:r>
+              <a:rPr lang="en-NZ" dirty="0" err="1"/>
+              <a:t>gesucht</a:t>
+            </a:r>
+            <a:endParaRPr lang="en-NZ" dirty="0"/>
+          </a:p>
+          <a:p>
+            <a:pPr lvl="1"/>
+            <a:r>
+              <a:rPr lang="en-NZ" dirty="0"/>
+              <a:t>Am </a:t>
+            </a:r>
+            <a:r>
+              <a:rPr lang="en-NZ" dirty="0" err="1"/>
+              <a:t>meisten</a:t>
+            </a:r>
+            <a:r>
+              <a:rPr lang="en-NZ" dirty="0"/>
+              <a:t> </a:t>
+            </a:r>
+            <a:r>
+              <a:rPr lang="en-NZ" dirty="0" err="1"/>
+              <a:t>kommentiert</a:t>
+            </a:r>
+            <a:endParaRPr lang="en-NZ" dirty="0"/>
+          </a:p>
+          <a:p>
+            <a:pPr lvl="1"/>
+            <a:endParaRPr lang="en-NZ" dirty="0"/>
+          </a:p>
+          <a:p>
+            <a:pPr lvl="1"/>
+            <a:endParaRPr lang="en-NZ" dirty="0"/>
+          </a:p>
+        </p:txBody>
+      </p:sp>
+      <p:sp>
+        <p:nvSpPr>
+          <p:cNvPr id="4" name="Footer Placeholder 3">
+            <a:extLst>
+              <a:ext uri="{FF2B5EF4-FFF2-40B4-BE49-F238E27FC236}">
+                <a16:creationId xmlns:a16="http://schemas.microsoft.com/office/drawing/2014/main" id="{E4E0C278-526A-4003-B85A-72429B341BB6}"/>
+              </a:ext>
+            </a:extLst>
+          </p:cNvPr>
+          <p:cNvSpPr>
+            <a:spLocks noGrp="1"/>
+          </p:cNvSpPr>
+          <p:nvPr>
+            <p:ph type="ftr" sz="quarter" idx="11"/>
+          </p:nvPr>
+        </p:nvSpPr>
+        <p:spPr>
+          <a:xfrm>
+            <a:off x="4038600" y="6356350"/>
+            <a:ext cx="4114800" cy="365125"/>
+          </a:xfrm>
+        </p:spPr>
+        <p:txBody>
+          <a:bodyPr>
+            <a:normAutofit/>
+          </a:bodyPr>
+          <a:lstStyle/>
+          <a:p>
+            <a:pPr>
+              <a:spcAft>
+                <a:spcPts val="600"/>
+              </a:spcAft>
+            </a:pPr>
+            <a:r>
+              <a:rPr lang="de-DE">
+                <a:solidFill>
+                  <a:prstClr val="black">
+                    <a:tint val="75000"/>
+                  </a:prstClr>
+                </a:solidFill>
+              </a:rPr>
+              <a:t>WS19/20 - PV-Modulportal - Rüffer, Vorwerk, Withöft, Zolkin</a:t>
+            </a:r>
+          </a:p>
+        </p:txBody>
+      </p:sp>
+      <p:sp>
+        <p:nvSpPr>
+          <p:cNvPr id="5" name="Slide Number Placeholder 4">
+            <a:extLst>
+              <a:ext uri="{FF2B5EF4-FFF2-40B4-BE49-F238E27FC236}">
+                <a16:creationId xmlns:a16="http://schemas.microsoft.com/office/drawing/2014/main" id="{A92E81ED-7F21-418B-B91B-7B27BAA6E5C0}"/>
+              </a:ext>
+            </a:extLst>
+          </p:cNvPr>
+          <p:cNvSpPr>
+            <a:spLocks noGrp="1"/>
+          </p:cNvSpPr>
+          <p:nvPr>
+            <p:ph type="sldNum" sz="quarter" idx="12"/>
+          </p:nvPr>
+        </p:nvSpPr>
+        <p:spPr>
+          <a:xfrm>
+            <a:off x="8610600" y="6356350"/>
+            <a:ext cx="2743200" cy="365125"/>
+          </a:xfrm>
+        </p:spPr>
+        <p:txBody>
+          <a:bodyPr>
+            <a:normAutofit/>
+          </a:bodyPr>
+          <a:lstStyle/>
+          <a:p>
+            <a:pPr>
+              <a:spcAft>
+                <a:spcPts val="600"/>
+              </a:spcAft>
+            </a:pPr>
+            <a:fld id="{969E759D-A893-4B96-8B48-96EE547EBC41}" type="slidenum">
+              <a:rPr lang="de-DE">
+                <a:solidFill>
+                  <a:prstClr val="black">
+                    <a:tint val="75000"/>
+                  </a:prstClr>
+                </a:solidFill>
+              </a:rPr>
+              <a:pPr>
+                <a:spcAft>
+                  <a:spcPts val="600"/>
+                </a:spcAft>
+              </a:pPr>
+              <a:t>7</a:t>
+            </a:fld>
+            <a:endParaRPr lang="de-DE">
+              <a:solidFill>
+                <a:prstClr val="black">
+                  <a:tint val="75000"/>
+                </a:prstClr>
+              </a:solidFill>
+            </a:endParaRPr>
+          </a:p>
+        </p:txBody>
+      </p:sp>
+    </p:spTree>
+    <p:extLst>
+      <p:ext uri="{BB962C8B-B14F-4D97-AF65-F5344CB8AC3E}">
+        <p14:creationId xmlns:p14="http://schemas.microsoft.com/office/powerpoint/2010/main" val="1382505995"/>
+      </p:ext>
+    </p:extLst>
+  </p:cSld>
+  <p:clrMapOvr>
+    <a:masterClrMapping/>
+  </p:clrMapOvr>
+</p:sld>
+</file>
+
+<file path=ppt/slides/slide8.xml><?xml version="1.0" encoding="utf-8"?>
+<p:sld xmlns:a="http://schemas.openxmlformats.org/drawingml/2006/main" xmlns:r="http://schemas.openxmlformats.org/officeDocument/2006/relationships" xmlns:p="http://schemas.openxmlformats.org/presentationml/2006/main">
+  <p:cSld>
+    <p:bg>
+      <p:bgPr>
+        <a:solidFill>
+          <a:schemeClr val="bg1"/>
+        </a:solidFill>
+        <a:effectLst/>
+      </p:bgPr>
+    </p:bg>
+    <p:spTree>
+      <p:nvGrpSpPr>
+        <p:cNvPr id="1" name=""/>
+        <p:cNvGrpSpPr/>
+        <p:nvPr/>
+      </p:nvGrpSpPr>
+      <p:grpSpPr>
+        <a:xfrm>
+          <a:off x="0" y="0"/>
+          <a:ext cx="0" cy="0"/>
+          <a:chOff x="0" y="0"/>
+          <a:chExt cx="0" cy="0"/>
+        </a:xfrm>
+      </p:grpSpPr>
+      <p:sp>
+        <p:nvSpPr>
+          <p:cNvPr id="2" name="Title 1">
+            <a:extLst>
+              <a:ext uri="{FF2B5EF4-FFF2-40B4-BE49-F238E27FC236}">
+                <a16:creationId xmlns:a16="http://schemas.microsoft.com/office/drawing/2014/main" id="{D0F7DBBA-40E4-45A3-ACD0-6F25C32BF6C6}"/>
+              </a:ext>
+            </a:extLst>
+          </p:cNvPr>
+          <p:cNvSpPr>
+            <a:spLocks noGrp="1"/>
+          </p:cNvSpPr>
+          <p:nvPr>
+            <p:ph type="title"/>
+          </p:nvPr>
+        </p:nvSpPr>
+        <p:spPr>
+          <a:xfrm>
+            <a:off x="1514292" y="513612"/>
+            <a:ext cx="9894133" cy="1031216"/>
+          </a:xfrm>
+        </p:spPr>
+        <p:txBody>
+          <a:bodyPr anchor="b">
+            <a:normAutofit/>
+          </a:bodyPr>
+          <a:lstStyle/>
+          <a:p>
+            <a:r>
+              <a:rPr lang="en-NZ"/>
+              <a:t>Suche</a:t>
+            </a:r>
+            <a:endParaRPr lang="en-NZ" dirty="0"/>
+          </a:p>
+        </p:txBody>
+      </p:sp>
+      <p:pic>
+        <p:nvPicPr>
+          <p:cNvPr id="11" name="Picture 10" descr="A screenshot of a cell phone&#10;&#10;Description automatically generated">
+            <a:extLst>
+              <a:ext uri="{FF2B5EF4-FFF2-40B4-BE49-F238E27FC236}">
+                <a16:creationId xmlns:a16="http://schemas.microsoft.com/office/drawing/2014/main" id="{EC8D9439-AB1B-4EEA-8BA5-227492613A4C}"/>
+              </a:ext>
+            </a:extLst>
+          </p:cNvPr>
+          <p:cNvPicPr>
+            <a:picLocks noChangeAspect="1"/>
+          </p:cNvPicPr>
+          <p:nvPr/>
+        </p:nvPicPr>
+        <p:blipFill>
+          <a:blip r:embed="rId2">
+            <a:extLst>
+              <a:ext uri="{28A0092B-C50C-407E-A947-70E740481C1C}">
+                <a14:useLocalDpi xmlns:a14="http://schemas.microsoft.com/office/drawing/2010/main" val="0"/>
+              </a:ext>
+            </a:extLst>
+          </a:blip>
+          <a:stretch>
+            <a:fillRect/>
+          </a:stretch>
+        </p:blipFill>
+        <p:spPr>
+          <a:xfrm>
+            <a:off x="1221475" y="2311687"/>
+            <a:ext cx="5633493" cy="3239259"/>
+          </a:xfrm>
+          <a:prstGeom prst="rect">
+            <a:avLst/>
+          </a:prstGeom>
+        </p:spPr>
+      </p:pic>
+      <p:sp>
+        <p:nvSpPr>
+          <p:cNvPr id="19" name="Freeform: Shape 15">
+            <a:extLst>
+              <a:ext uri="{FF2B5EF4-FFF2-40B4-BE49-F238E27FC236}">
+                <a16:creationId xmlns:a16="http://schemas.microsoft.com/office/drawing/2014/main" id="{C607803A-4E99-444E-94F7-8785CDDF5849}"/>
+              </a:ext>
+              <a:ext uri="{C183D7F6-B498-43B3-948B-1728B52AA6E4}">
+                <adec:decorative xmlns:adec="http://schemas.microsoft.com/office/drawing/2017/decorative" val="1"/>
+              </a:ext>
+            </a:extLst>
+          </p:cNvPr>
+          <p:cNvSpPr>
+            <a:spLocks noGrp="1" noRot="1" noChangeAspect="1" noMove="1" noResize="1" noEditPoints="1" noAdjustHandles="1" noChangeArrowheads="1" noChangeShapeType="1" noTextEdit="1"/>
+          </p:cNvSpPr>
+          <p:nvPr>
+            <p:extLst>
+              <p:ext uri="{386F3935-93C4-4BCD-93E2-E3B085C9AB24}">
+                <p16:designElem xmlns:p16="http://schemas.microsoft.com/office/powerpoint/2015/main" val="1"/>
+              </p:ext>
+            </p:extLst>
+          </p:nvPr>
+        </p:nvSpPr>
+        <p:spPr bwMode="auto">
+          <a:xfrm flipH="1" flipV="1">
+            <a:off x="780154" y="1884045"/>
+            <a:ext cx="3275668" cy="2853308"/>
+          </a:xfrm>
+          <a:custGeom>
+            <a:avLst/>
+            <a:gdLst>
+              <a:gd name="connsiteX0" fmla="*/ 3275668 w 3275668"/>
+              <a:gd name="connsiteY0" fmla="*/ 2853308 h 2853308"/>
+              <a:gd name="connsiteX1" fmla="*/ 655 w 3275668"/>
+              <a:gd name="connsiteY1" fmla="*/ 2853308 h 2853308"/>
+              <a:gd name="connsiteX2" fmla="*/ 0 w 3275668"/>
+              <a:gd name="connsiteY2" fmla="*/ 2467565 h 2853308"/>
+              <a:gd name="connsiteX3" fmla="*/ 2869894 w 3275668"/>
+              <a:gd name="connsiteY3" fmla="*/ 2468888 h 2853308"/>
+              <a:gd name="connsiteX4" fmla="*/ 2869894 w 3275668"/>
+              <a:gd name="connsiteY4" fmla="*/ 0 h 2853308"/>
+              <a:gd name="connsiteX5" fmla="*/ 3275668 w 3275668"/>
+              <a:gd name="connsiteY5" fmla="*/ 0 h 2853308"/>
+            </a:gdLst>
+            <a:ahLst/>
+            <a:cxnLst>
+              <a:cxn ang="0">
+                <a:pos x="connsiteX0" y="connsiteY0"/>
+              </a:cxn>
+              <a:cxn ang="0">
+                <a:pos x="connsiteX1" y="connsiteY1"/>
+              </a:cxn>
+              <a:cxn ang="0">
+                <a:pos x="connsiteX2" y="connsiteY2"/>
+              </a:cxn>
+              <a:cxn ang="0">
+                <a:pos x="connsiteX3" y="connsiteY3"/>
+              </a:cxn>
+              <a:cxn ang="0">
+                <a:pos x="connsiteX4" y="connsiteY4"/>
+              </a:cxn>
+              <a:cxn ang="0">
+                <a:pos x="connsiteX5" y="connsiteY5"/>
+              </a:cxn>
+            </a:cxnLst>
+            <a:rect l="l" t="t" r="r" b="b"/>
+            <a:pathLst>
+              <a:path w="3275668" h="2853308">
+                <a:moveTo>
+                  <a:pt x="3275668" y="2853308"/>
+                </a:moveTo>
+                <a:lnTo>
+                  <a:pt x="655" y="2853308"/>
+                </a:lnTo>
+                <a:cubicBezTo>
+                  <a:pt x="-655" y="2720171"/>
+                  <a:pt x="1310" y="2600702"/>
+                  <a:pt x="0" y="2467565"/>
+                </a:cubicBezTo>
+                <a:lnTo>
+                  <a:pt x="2869894" y="2468888"/>
+                </a:lnTo>
+                <a:lnTo>
+                  <a:pt x="2869894" y="0"/>
+                </a:lnTo>
+                <a:lnTo>
+                  <a:pt x="3275668" y="0"/>
+                </a:lnTo>
+                <a:close/>
+              </a:path>
+            </a:pathLst>
+          </a:custGeom>
+          <a:solidFill>
+            <a:srgbClr val="4C4C4C"/>
+          </a:solidFill>
+          <a:ln w="0">
+            <a:noFill/>
+            <a:prstDash val="solid"/>
+            <a:round/>
+            <a:headEnd/>
+            <a:tailEnd/>
+          </a:ln>
+        </p:spPr>
+      </p:sp>
+      <p:sp>
+        <p:nvSpPr>
+          <p:cNvPr id="18" name="Freeform: Shape 17">
+            <a:extLst>
+              <a:ext uri="{FF2B5EF4-FFF2-40B4-BE49-F238E27FC236}">
+                <a16:creationId xmlns:a16="http://schemas.microsoft.com/office/drawing/2014/main" id="{2989BE6A-C309-418E-8ADD-1616A980570D}"/>
+              </a:ext>
+              <a:ext uri="{C183D7F6-B498-43B3-948B-1728B52AA6E4}">
+                <adec:decorative xmlns:adec="http://schemas.microsoft.com/office/drawing/2017/decorative" val="1"/>
+              </a:ext>
+            </a:extLst>
+          </p:cNvPr>
+          <p:cNvSpPr>
+            <a:spLocks noGrp="1" noRot="1" noChangeAspect="1" noMove="1" noResize="1" noEditPoints="1" noAdjustHandles="1" noChangeArrowheads="1" noChangeShapeType="1" noTextEdit="1"/>
+          </p:cNvSpPr>
+          <p:nvPr>
+            <p:extLst>
+              <p:ext uri="{386F3935-93C4-4BCD-93E2-E3B085C9AB24}">
+                <p16:designElem xmlns:p16="http://schemas.microsoft.com/office/powerpoint/2015/main" val="1"/>
+              </p:ext>
+            </p:extLst>
+          </p:nvPr>
+        </p:nvSpPr>
+        <p:spPr bwMode="auto">
+          <a:xfrm>
+            <a:off x="4055822" y="3222529"/>
+            <a:ext cx="3242952" cy="2828156"/>
+          </a:xfrm>
+          <a:custGeom>
+            <a:avLst/>
+            <a:gdLst>
+              <a:gd name="connsiteX0" fmla="*/ 2837178 w 3242952"/>
+              <a:gd name="connsiteY0" fmla="*/ 0 h 2828156"/>
+              <a:gd name="connsiteX1" fmla="*/ 3242952 w 3242952"/>
+              <a:gd name="connsiteY1" fmla="*/ 0 h 2828156"/>
+              <a:gd name="connsiteX2" fmla="*/ 3242952 w 3242952"/>
+              <a:gd name="connsiteY2" fmla="*/ 2828156 h 2828156"/>
+              <a:gd name="connsiteX3" fmla="*/ 0 w 3242952"/>
+              <a:gd name="connsiteY3" fmla="*/ 2828156 h 2828156"/>
+              <a:gd name="connsiteX4" fmla="*/ 0 w 3242952"/>
+              <a:gd name="connsiteY4" fmla="*/ 2442859 h 2828156"/>
+              <a:gd name="connsiteX5" fmla="*/ 2837178 w 3242952"/>
+              <a:gd name="connsiteY5" fmla="*/ 2443295 h 2828156"/>
+            </a:gdLst>
+            <a:ahLst/>
+            <a:cxnLst>
+              <a:cxn ang="0">
+                <a:pos x="connsiteX0" y="connsiteY0"/>
+              </a:cxn>
+              <a:cxn ang="0">
+                <a:pos x="connsiteX1" y="connsiteY1"/>
+              </a:cxn>
+              <a:cxn ang="0">
+                <a:pos x="connsiteX2" y="connsiteY2"/>
+              </a:cxn>
+              <a:cxn ang="0">
+                <a:pos x="connsiteX3" y="connsiteY3"/>
+              </a:cxn>
+              <a:cxn ang="0">
+                <a:pos x="connsiteX4" y="connsiteY4"/>
+              </a:cxn>
+              <a:cxn ang="0">
+                <a:pos x="connsiteX5" y="connsiteY5"/>
+              </a:cxn>
+            </a:cxnLst>
+            <a:rect l="l" t="t" r="r" b="b"/>
+            <a:pathLst>
+              <a:path w="3242952" h="2828156">
+                <a:moveTo>
+                  <a:pt x="2837178" y="0"/>
+                </a:moveTo>
+                <a:lnTo>
+                  <a:pt x="3242952" y="0"/>
+                </a:lnTo>
+                <a:lnTo>
+                  <a:pt x="3242952" y="2828156"/>
+                </a:lnTo>
+                <a:lnTo>
+                  <a:pt x="0" y="2828156"/>
+                </a:lnTo>
+                <a:lnTo>
+                  <a:pt x="0" y="2442859"/>
+                </a:lnTo>
+                <a:lnTo>
+                  <a:pt x="2837178" y="2443295"/>
+                </a:lnTo>
+                <a:close/>
+              </a:path>
+            </a:pathLst>
+          </a:custGeom>
+          <a:solidFill>
+            <a:srgbClr val="4C4C4C"/>
+          </a:solidFill>
+          <a:ln w="0">
+            <a:noFill/>
+            <a:prstDash val="solid"/>
+            <a:round/>
+            <a:headEnd/>
+            <a:tailEnd/>
+          </a:ln>
+        </p:spPr>
+        <p:txBody>
+          <a:bodyPr wrap="square">
+            <a:noAutofit/>
+          </a:bodyPr>
+          <a:lstStyle/>
+          <a:p>
+            <a:pPr marL="0" marR="0" lvl="0" indent="0" algn="l" defTabSz="914400" rtl="0" eaLnBrk="1" fontAlgn="auto" latinLnBrk="0" hangingPunct="1">
+              <a:lnSpc>
+                <a:spcPct val="100000"/>
+              </a:lnSpc>
+              <a:spcBef>
+                <a:spcPts val="0"/>
+              </a:spcBef>
+              <a:spcAft>
+                <a:spcPts val="0"/>
+              </a:spcAft>
+              <a:buClrTx/>
+              <a:buSzTx/>
+              <a:buFontTx/>
+              <a:buNone/>
+              <a:tabLst/>
+              <a:defRPr/>
+            </a:pPr>
+            <a:endParaRPr kumimoji="0" lang="en-US" sz="1800" b="0" i="0" u="none" strike="noStrike" kern="1200" cap="none" spc="0" normalizeH="0" baseline="0" noProof="0">
+              <a:ln>
+                <a:noFill/>
+              </a:ln>
+              <a:solidFill>
+                <a:prstClr val="black"/>
+              </a:solidFill>
+              <a:effectLst/>
+              <a:uLnTx/>
+              <a:uFillTx/>
+              <a:latin typeface="Calibri" panose="020F0502020204030204"/>
+              <a:ea typeface="+mn-ea"/>
+              <a:cs typeface="+mn-cs"/>
+            </a:endParaRPr>
+          </a:p>
+        </p:txBody>
+      </p:sp>
+      <p:sp>
+        <p:nvSpPr>
+          <p:cNvPr id="9" name="Content Placeholder 8">
+            <a:extLst>
+              <a:ext uri="{FF2B5EF4-FFF2-40B4-BE49-F238E27FC236}">
+                <a16:creationId xmlns:a16="http://schemas.microsoft.com/office/drawing/2014/main" id="{020673C7-CB6D-4F67-ABF0-DE2C50E51566}"/>
+              </a:ext>
+            </a:extLst>
+          </p:cNvPr>
+          <p:cNvSpPr>
+            <a:spLocks noGrp="1"/>
+          </p:cNvSpPr>
+          <p:nvPr>
+            <p:ph idx="1"/>
+          </p:nvPr>
+        </p:nvSpPr>
+        <p:spPr>
+          <a:xfrm>
+            <a:off x="7781373" y="2279151"/>
+            <a:ext cx="3627063" cy="3387145"/>
+          </a:xfrm>
+        </p:spPr>
+        <p:txBody>
+          <a:bodyPr anchor="ctr">
+            <a:normAutofit/>
+          </a:bodyPr>
+          <a:lstStyle/>
+          <a:p>
+            <a:r>
+              <a:rPr lang="en-NZ" sz="2400"/>
+              <a:t>Suche nach Hersteller über Alphabetleiste</a:t>
+            </a:r>
+          </a:p>
+          <a:p>
+            <a:r>
+              <a:rPr lang="en-NZ" sz="2400"/>
+              <a:t>Volltextsuche nach Modulnamen und Hersteller</a:t>
+            </a:r>
+          </a:p>
+        </p:txBody>
+      </p:sp>
+      <p:sp>
+        <p:nvSpPr>
+          <p:cNvPr id="4" name="Footer Placeholder 3">
+            <a:extLst>
+              <a:ext uri="{FF2B5EF4-FFF2-40B4-BE49-F238E27FC236}">
+                <a16:creationId xmlns:a16="http://schemas.microsoft.com/office/drawing/2014/main" id="{5E901347-E5AB-4A86-8D5E-33FABF95AA3A}"/>
+              </a:ext>
+            </a:extLst>
+          </p:cNvPr>
+          <p:cNvSpPr>
+            <a:spLocks noGrp="1"/>
+          </p:cNvSpPr>
+          <p:nvPr>
+            <p:ph type="ftr" sz="quarter" idx="11"/>
+          </p:nvPr>
+        </p:nvSpPr>
+        <p:spPr>
+          <a:xfrm>
+            <a:off x="4038600" y="6356350"/>
+            <a:ext cx="4114800" cy="365125"/>
+          </a:xfrm>
+        </p:spPr>
+        <p:txBody>
+          <a:bodyPr>
+            <a:normAutofit/>
+          </a:bodyPr>
+          <a:lstStyle/>
+          <a:p>
+            <a:pPr>
+              <a:spcAft>
+                <a:spcPts val="600"/>
+              </a:spcAft>
+            </a:pPr>
+            <a:r>
+              <a:rPr lang="de-DE">
+                <a:solidFill>
+                  <a:prstClr val="black">
+                    <a:tint val="75000"/>
+                  </a:prstClr>
+                </a:solidFill>
+              </a:rPr>
+              <a:t>WS19/20 - PV-Modulportal - Rüffer, Vorwerk, Withöft, Zolkin</a:t>
+            </a:r>
+          </a:p>
+        </p:txBody>
+      </p:sp>
+      <p:sp>
+        <p:nvSpPr>
+          <p:cNvPr id="5" name="Slide Number Placeholder 4">
+            <a:extLst>
+              <a:ext uri="{FF2B5EF4-FFF2-40B4-BE49-F238E27FC236}">
+                <a16:creationId xmlns:a16="http://schemas.microsoft.com/office/drawing/2014/main" id="{409F682C-D2C9-4003-BF7F-EDBFC5A4DF22}"/>
+              </a:ext>
+            </a:extLst>
+          </p:cNvPr>
+          <p:cNvSpPr>
+            <a:spLocks noGrp="1"/>
+          </p:cNvSpPr>
+          <p:nvPr>
+            <p:ph type="sldNum" sz="quarter" idx="12"/>
+          </p:nvPr>
+        </p:nvSpPr>
+        <p:spPr>
+          <a:xfrm>
+            <a:off x="8610600" y="6356350"/>
+            <a:ext cx="2743200" cy="365125"/>
+          </a:xfrm>
+        </p:spPr>
+        <p:txBody>
+          <a:bodyPr>
+            <a:normAutofit/>
+          </a:bodyPr>
+          <a:lstStyle/>
+          <a:p>
+            <a:pPr>
+              <a:spcAft>
+                <a:spcPts val="600"/>
+              </a:spcAft>
+            </a:pPr>
+            <a:fld id="{969E759D-A893-4B96-8B48-96EE547EBC41}" type="slidenum">
+              <a:rPr lang="de-DE">
+                <a:solidFill>
+                  <a:prstClr val="black">
+                    <a:tint val="75000"/>
+                  </a:prstClr>
+                </a:solidFill>
+              </a:rPr>
+              <a:pPr>
+                <a:spcAft>
+                  <a:spcPts val="600"/>
+                </a:spcAft>
+              </a:pPr>
+              <a:t>8</a:t>
+            </a:fld>
+            <a:endParaRPr lang="de-DE">
+              <a:solidFill>
+                <a:prstClr val="black">
+                  <a:tint val="75000"/>
+                </a:prstClr>
+              </a:solidFill>
+            </a:endParaRPr>
+          </a:p>
+        </p:txBody>
+      </p:sp>
+    </p:spTree>
+    <p:extLst>
+      <p:ext uri="{BB962C8B-B14F-4D97-AF65-F5344CB8AC3E}">
+        <p14:creationId xmlns:p14="http://schemas.microsoft.com/office/powerpoint/2010/main" val="2994298085"/>
+      </p:ext>
+    </p:extLst>
+  </p:cSld>
+  <p:clrMapOvr>
+    <a:masterClrMapping/>
+  </p:clrMapOvr>
+</p:sld>
+</file>
+
+<file path=ppt/slides/slide9.xml><?xml version="1.0" encoding="utf-8"?>
+<p:sld xmlns:a="http://schemas.openxmlformats.org/drawingml/2006/main" xmlns:r="http://schemas.openxmlformats.org/officeDocument/2006/relationships" xmlns:p="http://schemas.openxmlformats.org/presentationml/2006/main">
+  <p:cSld>
+    <p:bg>
+      <p:bgPr>
+        <a:solidFill>
+          <a:schemeClr val="bg1"/>
+        </a:solidFill>
+        <a:effectLst/>
+      </p:bgPr>
+    </p:bg>
+    <p:spTree>
+      <p:nvGrpSpPr>
+        <p:cNvPr id="1" name=""/>
+        <p:cNvGrpSpPr/>
+        <p:nvPr/>
+      </p:nvGrpSpPr>
+      <p:grpSpPr>
+        <a:xfrm>
+          <a:off x="0" y="0"/>
+          <a:ext cx="0" cy="0"/>
+          <a:chOff x="0" y="0"/>
+          <a:chExt cx="0" cy="0"/>
+        </a:xfrm>
+      </p:grpSpPr>
+      <p:sp>
+        <p:nvSpPr>
+          <p:cNvPr id="2" name="Title 1">
+            <a:extLst>
+              <a:ext uri="{FF2B5EF4-FFF2-40B4-BE49-F238E27FC236}">
+                <a16:creationId xmlns:a16="http://schemas.microsoft.com/office/drawing/2014/main" id="{7FB8FAAD-55D4-4F7B-A3E3-56C2607E59AC}"/>
+              </a:ext>
+            </a:extLst>
+          </p:cNvPr>
+          <p:cNvSpPr>
+            <a:spLocks noGrp="1"/>
+          </p:cNvSpPr>
+          <p:nvPr>
+            <p:ph type="title"/>
+          </p:nvPr>
+        </p:nvSpPr>
+        <p:spPr>
+          <a:xfrm>
+            <a:off x="1514292" y="513612"/>
+            <a:ext cx="9894133" cy="1031216"/>
+          </a:xfrm>
+        </p:spPr>
+        <p:txBody>
+          <a:bodyPr anchor="b">
+            <a:normAutofit/>
+          </a:bodyPr>
+          <a:lstStyle/>
+          <a:p>
+            <a:r>
+              <a:rPr lang="en-NZ" dirty="0" err="1"/>
+              <a:t>Detailseite</a:t>
+            </a:r>
+            <a:endParaRPr lang="en-NZ" dirty="0"/>
+          </a:p>
+        </p:txBody>
+      </p:sp>
+      <p:pic>
+        <p:nvPicPr>
+          <p:cNvPr id="7" name="Content Placeholder 6" descr="A screenshot of a cell phone&#10;&#10;Description automatically generated">
+            <a:extLst>
+              <a:ext uri="{FF2B5EF4-FFF2-40B4-BE49-F238E27FC236}">
+                <a16:creationId xmlns:a16="http://schemas.microsoft.com/office/drawing/2014/main" id="{D42E2C0D-B957-49ED-A36D-F2E34026D6B7}"/>
+              </a:ext>
+            </a:extLst>
+          </p:cNvPr>
+          <p:cNvPicPr>
+            <a:picLocks noChangeAspect="1"/>
+          </p:cNvPicPr>
+          <p:nvPr/>
+        </p:nvPicPr>
+        <p:blipFill>
+          <a:blip r:embed="rId2">
+            <a:extLst>
+              <a:ext uri="{28A0092B-C50C-407E-A947-70E740481C1C}">
+                <a14:useLocalDpi xmlns:a14="http://schemas.microsoft.com/office/drawing/2010/main" val="0"/>
+              </a:ext>
+            </a:extLst>
+          </a:blip>
+          <a:stretch>
+            <a:fillRect/>
+          </a:stretch>
+        </p:blipFill>
+        <p:spPr>
+          <a:xfrm>
+            <a:off x="1117147" y="2421575"/>
+            <a:ext cx="5685323" cy="2970581"/>
+          </a:xfrm>
+          <a:prstGeom prst="rect">
+            <a:avLst/>
+          </a:prstGeom>
+        </p:spPr>
+      </p:pic>
+      <p:sp>
+        <p:nvSpPr>
+          <p:cNvPr id="14" name="Freeform: Shape 13">
+            <a:extLst>
+              <a:ext uri="{FF2B5EF4-FFF2-40B4-BE49-F238E27FC236}">
+                <a16:creationId xmlns:a16="http://schemas.microsoft.com/office/drawing/2014/main" id="{C607803A-4E99-444E-94F7-8785CDDF5849}"/>
+              </a:ext>
+              <a:ext uri="{C183D7F6-B498-43B3-948B-1728B52AA6E4}">
+                <adec:decorative xmlns:adec="http://schemas.microsoft.com/office/drawing/2017/decorative" val="1"/>
+              </a:ext>
+            </a:extLst>
+          </p:cNvPr>
+          <p:cNvSpPr>
+            <a:spLocks noGrp="1" noRot="1" noChangeAspect="1" noMove="1" noResize="1" noEditPoints="1" noAdjustHandles="1" noChangeArrowheads="1" noChangeShapeType="1" noTextEdit="1"/>
+          </p:cNvSpPr>
+          <p:nvPr>
+            <p:extLst>
+              <p:ext uri="{386F3935-93C4-4BCD-93E2-E3B085C9AB24}">
+                <p16:designElem xmlns:p16="http://schemas.microsoft.com/office/powerpoint/2015/main" val="1"/>
+              </p:ext>
+            </p:extLst>
+          </p:nvPr>
+        </p:nvSpPr>
+        <p:spPr bwMode="auto">
+          <a:xfrm flipH="1" flipV="1">
+            <a:off x="780154" y="1884045"/>
+            <a:ext cx="3275668" cy="2853308"/>
+          </a:xfrm>
+          <a:custGeom>
+            <a:avLst/>
+            <a:gdLst>
+              <a:gd name="connsiteX0" fmla="*/ 3275668 w 3275668"/>
+              <a:gd name="connsiteY0" fmla="*/ 2853308 h 2853308"/>
+              <a:gd name="connsiteX1" fmla="*/ 655 w 3275668"/>
+              <a:gd name="connsiteY1" fmla="*/ 2853308 h 2853308"/>
+              <a:gd name="connsiteX2" fmla="*/ 0 w 3275668"/>
+              <a:gd name="connsiteY2" fmla="*/ 2467565 h 2853308"/>
+              <a:gd name="connsiteX3" fmla="*/ 2869894 w 3275668"/>
+              <a:gd name="connsiteY3" fmla="*/ 2468888 h 2853308"/>
+              <a:gd name="connsiteX4" fmla="*/ 2869894 w 3275668"/>
+              <a:gd name="connsiteY4" fmla="*/ 0 h 2853308"/>
+              <a:gd name="connsiteX5" fmla="*/ 3275668 w 3275668"/>
+              <a:gd name="connsiteY5" fmla="*/ 0 h 2853308"/>
+            </a:gdLst>
+            <a:ahLst/>
+            <a:cxnLst>
+              <a:cxn ang="0">
+                <a:pos x="connsiteX0" y="connsiteY0"/>
+              </a:cxn>
+              <a:cxn ang="0">
+                <a:pos x="connsiteX1" y="connsiteY1"/>
+              </a:cxn>
+              <a:cxn ang="0">
+                <a:pos x="connsiteX2" y="connsiteY2"/>
+              </a:cxn>
+              <a:cxn ang="0">
+                <a:pos x="connsiteX3" y="connsiteY3"/>
+              </a:cxn>
+              <a:cxn ang="0">
+                <a:pos x="connsiteX4" y="connsiteY4"/>
+              </a:cxn>
+              <a:cxn ang="0">
+                <a:pos x="connsiteX5" y="connsiteY5"/>
+              </a:cxn>
+            </a:cxnLst>
+            <a:rect l="l" t="t" r="r" b="b"/>
+            <a:pathLst>
+              <a:path w="3275668" h="2853308">
+                <a:moveTo>
+                  <a:pt x="3275668" y="2853308"/>
+                </a:moveTo>
+                <a:lnTo>
+                  <a:pt x="655" y="2853308"/>
+                </a:lnTo>
+                <a:cubicBezTo>
+                  <a:pt x="-655" y="2720171"/>
+                  <a:pt x="1310" y="2600702"/>
+                  <a:pt x="0" y="2467565"/>
+                </a:cubicBezTo>
+                <a:lnTo>
+                  <a:pt x="2869894" y="2468888"/>
+                </a:lnTo>
+                <a:lnTo>
+                  <a:pt x="2869894" y="0"/>
+                </a:lnTo>
+                <a:lnTo>
+                  <a:pt x="3275668" y="0"/>
+                </a:lnTo>
+                <a:close/>
+              </a:path>
+            </a:pathLst>
+          </a:custGeom>
+          <a:solidFill>
+            <a:srgbClr val="4C4C4C"/>
+          </a:solidFill>
+          <a:ln w="0">
+            <a:noFill/>
+            <a:prstDash val="solid"/>
+            <a:round/>
+            <a:headEnd/>
+            <a:tailEnd/>
+          </a:ln>
+        </p:spPr>
+      </p:sp>
+      <p:sp>
+        <p:nvSpPr>
+          <p:cNvPr id="16" name="Freeform: Shape 15">
+            <a:extLst>
+              <a:ext uri="{FF2B5EF4-FFF2-40B4-BE49-F238E27FC236}">
+                <a16:creationId xmlns:a16="http://schemas.microsoft.com/office/drawing/2014/main" id="{2989BE6A-C309-418E-8ADD-1616A980570D}"/>
+              </a:ext>
+              <a:ext uri="{C183D7F6-B498-43B3-948B-1728B52AA6E4}">
+                <adec:decorative xmlns:adec="http://schemas.microsoft.com/office/drawing/2017/decorative" val="1"/>
+              </a:ext>
+            </a:extLst>
+          </p:cNvPr>
+          <p:cNvSpPr>
+            <a:spLocks noGrp="1" noRot="1" noChangeAspect="1" noMove="1" noResize="1" noEditPoints="1" noAdjustHandles="1" noChangeArrowheads="1" noChangeShapeType="1" noTextEdit="1"/>
+          </p:cNvSpPr>
+          <p:nvPr>
+            <p:extLst>
+              <p:ext uri="{386F3935-93C4-4BCD-93E2-E3B085C9AB24}">
+                <p16:designElem xmlns:p16="http://schemas.microsoft.com/office/powerpoint/2015/main" val="1"/>
+              </p:ext>
+            </p:extLst>
+          </p:nvPr>
+        </p:nvSpPr>
+        <p:spPr bwMode="auto">
+          <a:xfrm>
+            <a:off x="4055822" y="3222529"/>
+            <a:ext cx="3242952" cy="2828156"/>
+          </a:xfrm>
+          <a:custGeom>
+            <a:avLst/>
+            <a:gdLst>
+              <a:gd name="connsiteX0" fmla="*/ 2837178 w 3242952"/>
+              <a:gd name="connsiteY0" fmla="*/ 0 h 2828156"/>
+              <a:gd name="connsiteX1" fmla="*/ 3242952 w 3242952"/>
+              <a:gd name="connsiteY1" fmla="*/ 0 h 2828156"/>
+              <a:gd name="connsiteX2" fmla="*/ 3242952 w 3242952"/>
+              <a:gd name="connsiteY2" fmla="*/ 2828156 h 2828156"/>
+              <a:gd name="connsiteX3" fmla="*/ 0 w 3242952"/>
+              <a:gd name="connsiteY3" fmla="*/ 2828156 h 2828156"/>
+              <a:gd name="connsiteX4" fmla="*/ 0 w 3242952"/>
+              <a:gd name="connsiteY4" fmla="*/ 2442859 h 2828156"/>
+              <a:gd name="connsiteX5" fmla="*/ 2837178 w 3242952"/>
+              <a:gd name="connsiteY5" fmla="*/ 2443295 h 2828156"/>
+            </a:gdLst>
+            <a:ahLst/>
+            <a:cxnLst>
+              <a:cxn ang="0">
+                <a:pos x="connsiteX0" y="connsiteY0"/>
+              </a:cxn>
+              <a:cxn ang="0">
+                <a:pos x="connsiteX1" y="connsiteY1"/>
+              </a:cxn>
+              <a:cxn ang="0">
+                <a:pos x="connsiteX2" y="connsiteY2"/>
+              </a:cxn>
+              <a:cxn ang="0">
+                <a:pos x="connsiteX3" y="connsiteY3"/>
+              </a:cxn>
+              <a:cxn ang="0">
+                <a:pos x="connsiteX4" y="connsiteY4"/>
+              </a:cxn>
+              <a:cxn ang="0">
+                <a:pos x="connsiteX5" y="connsiteY5"/>
+              </a:cxn>
+            </a:cxnLst>
+            <a:rect l="l" t="t" r="r" b="b"/>
+            <a:pathLst>
+              <a:path w="3242952" h="2828156">
+                <a:moveTo>
+                  <a:pt x="2837178" y="0"/>
+                </a:moveTo>
+                <a:lnTo>
+                  <a:pt x="3242952" y="0"/>
+                </a:lnTo>
+                <a:lnTo>
+                  <a:pt x="3242952" y="2828156"/>
+                </a:lnTo>
+                <a:lnTo>
+                  <a:pt x="0" y="2828156"/>
+                </a:lnTo>
+                <a:lnTo>
+                  <a:pt x="0" y="2442859"/>
+                </a:lnTo>
+                <a:lnTo>
+                  <a:pt x="2837178" y="2443295"/>
+                </a:lnTo>
+                <a:close/>
+              </a:path>
+            </a:pathLst>
+          </a:custGeom>
+          <a:solidFill>
+            <a:srgbClr val="4C4C4C"/>
+          </a:solidFill>
+          <a:ln w="0">
+            <a:noFill/>
+            <a:prstDash val="solid"/>
+            <a:round/>
+            <a:headEnd/>
+            <a:tailEnd/>
+          </a:ln>
+        </p:spPr>
+        <p:txBody>
+          <a:bodyPr wrap="square">
+            <a:noAutofit/>
+          </a:bodyPr>
+          <a:lstStyle/>
+          <a:p>
+            <a:pPr marL="0" marR="0" lvl="0" indent="0" algn="l" defTabSz="914400" rtl="0" eaLnBrk="1" fontAlgn="auto" latinLnBrk="0" hangingPunct="1">
+              <a:lnSpc>
+                <a:spcPct val="100000"/>
+              </a:lnSpc>
+              <a:spcBef>
+                <a:spcPts val="0"/>
+              </a:spcBef>
+              <a:spcAft>
+                <a:spcPts val="0"/>
+              </a:spcAft>
+              <a:buClrTx/>
+              <a:buSzTx/>
+              <a:buFontTx/>
+              <a:buNone/>
+              <a:tabLst/>
+              <a:defRPr/>
+            </a:pPr>
+            <a:endParaRPr kumimoji="0" lang="en-US" sz="1800" b="0" i="0" u="none" strike="noStrike" kern="1200" cap="none" spc="0" normalizeH="0" baseline="0" noProof="0">
+              <a:ln>
+                <a:noFill/>
+              </a:ln>
+              <a:solidFill>
+                <a:prstClr val="black"/>
+              </a:solidFill>
+              <a:effectLst/>
+              <a:uLnTx/>
+              <a:uFillTx/>
+              <a:latin typeface="Calibri" panose="020F0502020204030204"/>
+              <a:ea typeface="+mn-ea"/>
+              <a:cs typeface="+mn-cs"/>
+            </a:endParaRPr>
+          </a:p>
+        </p:txBody>
+      </p:sp>
+      <p:sp>
+        <p:nvSpPr>
+          <p:cNvPr id="11" name="Content Placeholder 10">
+            <a:extLst>
+              <a:ext uri="{FF2B5EF4-FFF2-40B4-BE49-F238E27FC236}">
+                <a16:creationId xmlns:a16="http://schemas.microsoft.com/office/drawing/2014/main" id="{8DC07883-6FEB-4246-BFE9-889DDCF1DD98}"/>
+              </a:ext>
+            </a:extLst>
+          </p:cNvPr>
+          <p:cNvSpPr>
+            <a:spLocks noGrp="1"/>
+          </p:cNvSpPr>
+          <p:nvPr>
+            <p:ph idx="1"/>
+          </p:nvPr>
+        </p:nvSpPr>
+        <p:spPr>
+          <a:xfrm>
+            <a:off x="7781373" y="2279151"/>
+            <a:ext cx="3627063" cy="3387145"/>
+          </a:xfrm>
+        </p:spPr>
+        <p:txBody>
+          <a:bodyPr anchor="ctr">
+            <a:normAutofit/>
+          </a:bodyPr>
+          <a:lstStyle/>
+          <a:p>
+            <a:r>
+              <a:rPr lang="en-US" sz="2400" dirty="0" err="1"/>
+              <a:t>Detaillierte</a:t>
+            </a:r>
+            <a:r>
+              <a:rPr lang="en-US" sz="2400" dirty="0"/>
+              <a:t> </a:t>
+            </a:r>
+            <a:r>
+              <a:rPr lang="en-US" sz="2400" dirty="0" err="1"/>
+              <a:t>Informationen</a:t>
+            </a:r>
+            <a:endParaRPr lang="en-US" sz="2400" dirty="0"/>
+          </a:p>
+          <a:p>
+            <a:r>
+              <a:rPr lang="en-US" sz="2400" dirty="0" err="1"/>
+              <a:t>Kennlinien</a:t>
+            </a:r>
+            <a:endParaRPr lang="en-US" sz="2400" dirty="0"/>
+          </a:p>
+          <a:p>
+            <a:r>
+              <a:rPr lang="en-US" sz="2400" dirty="0" err="1"/>
+              <a:t>Fehleranalyse</a:t>
+            </a:r>
+            <a:endParaRPr lang="en-US" sz="2400" dirty="0"/>
+          </a:p>
+          <a:p>
+            <a:r>
+              <a:rPr lang="en-US" sz="2400" dirty="0"/>
+              <a:t>Downloads</a:t>
+            </a:r>
+          </a:p>
+          <a:p>
+            <a:r>
+              <a:rPr lang="en-US" sz="2400" dirty="0" err="1"/>
+              <a:t>Diskussionen</a:t>
+            </a:r>
+            <a:endParaRPr lang="en-US" sz="2400" dirty="0"/>
+          </a:p>
+        </p:txBody>
+      </p:sp>
+      <p:sp>
+        <p:nvSpPr>
+          <p:cNvPr id="4" name="Footer Placeholder 3">
+            <a:extLst>
+              <a:ext uri="{FF2B5EF4-FFF2-40B4-BE49-F238E27FC236}">
+                <a16:creationId xmlns:a16="http://schemas.microsoft.com/office/drawing/2014/main" id="{4F1639C5-FA60-4BF7-98BA-05F3753189A9}"/>
+              </a:ext>
+            </a:extLst>
+          </p:cNvPr>
+          <p:cNvSpPr>
+            <a:spLocks noGrp="1"/>
+          </p:cNvSpPr>
+          <p:nvPr>
+            <p:ph type="ftr" sz="quarter" idx="11"/>
+          </p:nvPr>
+        </p:nvSpPr>
+        <p:spPr>
+          <a:xfrm>
+            <a:off x="4038600" y="6356350"/>
+            <a:ext cx="4114800" cy="365125"/>
+          </a:xfrm>
+        </p:spPr>
+        <p:txBody>
+          <a:bodyPr>
+            <a:normAutofit/>
+          </a:bodyPr>
+          <a:lstStyle/>
+          <a:p>
+            <a:pPr>
+              <a:spcAft>
+                <a:spcPts val="600"/>
+              </a:spcAft>
+            </a:pPr>
+            <a:r>
+              <a:rPr lang="de-DE">
+                <a:solidFill>
+                  <a:prstClr val="black">
+                    <a:tint val="75000"/>
+                  </a:prstClr>
+                </a:solidFill>
+              </a:rPr>
+              <a:t>WS19/20 - PV-Modulportal - Rüffer, Vorwerk, Withöft, Zolkin</a:t>
+            </a:r>
+          </a:p>
+        </p:txBody>
+      </p:sp>
+      <p:sp>
+        <p:nvSpPr>
+          <p:cNvPr id="5" name="Slide Number Placeholder 4">
+            <a:extLst>
+              <a:ext uri="{FF2B5EF4-FFF2-40B4-BE49-F238E27FC236}">
+                <a16:creationId xmlns:a16="http://schemas.microsoft.com/office/drawing/2014/main" id="{A6093915-6888-4B2E-A7DB-162E0D0C61DB}"/>
+              </a:ext>
+            </a:extLst>
+          </p:cNvPr>
+          <p:cNvSpPr>
+            <a:spLocks noGrp="1"/>
+          </p:cNvSpPr>
+          <p:nvPr>
+            <p:ph type="sldNum" sz="quarter" idx="12"/>
+          </p:nvPr>
+        </p:nvSpPr>
+        <p:spPr>
+          <a:xfrm>
+            <a:off x="8610600" y="6356350"/>
+            <a:ext cx="2743200" cy="365125"/>
+          </a:xfrm>
+        </p:spPr>
+        <p:txBody>
+          <a:bodyPr>
+            <a:normAutofit/>
+          </a:bodyPr>
+          <a:lstStyle/>
+          <a:p>
+            <a:pPr>
+              <a:spcAft>
+                <a:spcPts val="600"/>
+              </a:spcAft>
+            </a:pPr>
+            <a:fld id="{969E759D-A893-4B96-8B48-96EE547EBC41}" type="slidenum">
+              <a:rPr lang="de-DE">
+                <a:solidFill>
+                  <a:prstClr val="black">
+                    <a:tint val="75000"/>
+                  </a:prstClr>
+                </a:solidFill>
+              </a:rPr>
+              <a:pPr>
+                <a:spcAft>
+                  <a:spcPts val="600"/>
+                </a:spcAft>
+              </a:pPr>
+              <a:t>9</a:t>
+            </a:fld>
+            <a:endParaRPr lang="de-DE">
+              <a:solidFill>
+                <a:prstClr val="black">
+                  <a:tint val="75000"/>
+                </a:prstClr>
+              </a:solidFill>
+            </a:endParaRPr>
+          </a:p>
+        </p:txBody>
+      </p:sp>
+    </p:spTree>
+    <p:extLst>
+      <p:ext uri="{BB962C8B-B14F-4D97-AF65-F5344CB8AC3E}">
+        <p14:creationId xmlns:p14="http://schemas.microsoft.com/office/powerpoint/2010/main" val="20718558"/>
+      </p:ext>
+    </p:extLst>
+  </p:cSld>
+  <p:clrMapOvr>
+    <a:masterClrMapping/>
   </p:clrMapOvr>
 </p:sld>
 </file>

--- a/docs/Seminarvortrag.pptx
+++ b/docs/Seminarvortrag.pptx
@@ -5,7 +5,7 @@
     <p:sldMasterId id="2147483660" r:id="rId1"/>
   </p:sldMasterIdLst>
   <p:notesMasterIdLst>
-    <p:notesMasterId r:id="rId46"/>
+    <p:notesMasterId r:id="rId47"/>
   </p:notesMasterIdLst>
   <p:sldIdLst>
     <p:sldId id="257" r:id="rId2"/>
@@ -27,31 +27,32 @@
     <p:sldId id="300" r:id="rId18"/>
     <p:sldId id="286" r:id="rId19"/>
     <p:sldId id="301" r:id="rId20"/>
-    <p:sldId id="287" r:id="rId21"/>
-    <p:sldId id="285" r:id="rId22"/>
-    <p:sldId id="288" r:id="rId23"/>
-    <p:sldId id="289" r:id="rId24"/>
-    <p:sldId id="290" r:id="rId25"/>
-    <p:sldId id="284" r:id="rId26"/>
-    <p:sldId id="266" r:id="rId27"/>
-    <p:sldId id="292" r:id="rId28"/>
-    <p:sldId id="278" r:id="rId29"/>
-    <p:sldId id="265" r:id="rId30"/>
-    <p:sldId id="267" r:id="rId31"/>
-    <p:sldId id="269" r:id="rId32"/>
-    <p:sldId id="270" r:id="rId33"/>
-    <p:sldId id="294" r:id="rId34"/>
-    <p:sldId id="295" r:id="rId35"/>
-    <p:sldId id="268" r:id="rId36"/>
-    <p:sldId id="271" r:id="rId37"/>
-    <p:sldId id="296" r:id="rId38"/>
-    <p:sldId id="297" r:id="rId39"/>
-    <p:sldId id="298" r:id="rId40"/>
-    <p:sldId id="272" r:id="rId41"/>
-    <p:sldId id="273" r:id="rId42"/>
-    <p:sldId id="282" r:id="rId43"/>
-    <p:sldId id="263" r:id="rId44"/>
-    <p:sldId id="264" r:id="rId45"/>
+    <p:sldId id="302" r:id="rId21"/>
+    <p:sldId id="287" r:id="rId22"/>
+    <p:sldId id="285" r:id="rId23"/>
+    <p:sldId id="288" r:id="rId24"/>
+    <p:sldId id="289" r:id="rId25"/>
+    <p:sldId id="290" r:id="rId26"/>
+    <p:sldId id="284" r:id="rId27"/>
+    <p:sldId id="266" r:id="rId28"/>
+    <p:sldId id="292" r:id="rId29"/>
+    <p:sldId id="278" r:id="rId30"/>
+    <p:sldId id="265" r:id="rId31"/>
+    <p:sldId id="267" r:id="rId32"/>
+    <p:sldId id="269" r:id="rId33"/>
+    <p:sldId id="270" r:id="rId34"/>
+    <p:sldId id="294" r:id="rId35"/>
+    <p:sldId id="295" r:id="rId36"/>
+    <p:sldId id="268" r:id="rId37"/>
+    <p:sldId id="271" r:id="rId38"/>
+    <p:sldId id="296" r:id="rId39"/>
+    <p:sldId id="297" r:id="rId40"/>
+    <p:sldId id="298" r:id="rId41"/>
+    <p:sldId id="272" r:id="rId42"/>
+    <p:sldId id="273" r:id="rId43"/>
+    <p:sldId id="282" r:id="rId44"/>
+    <p:sldId id="263" r:id="rId45"/>
+    <p:sldId id="264" r:id="rId46"/>
   </p:sldIdLst>
   <p:sldSz cx="12192000" cy="6858000"/>
   <p:notesSz cx="6858000" cy="9144000"/>
@@ -240,7 +241,7 @@
           <a:p>
             <a:fld id="{45BAF5FC-A74A-4194-B400-41A03DD9C024}" type="datetimeFigureOut">
               <a:rPr lang="de-DE" smtClean="0"/>
-              <a:t>10.12.2019</a:t>
+              <a:t>21.01.2020</a:t>
             </a:fld>
             <a:endParaRPr lang="de-DE"/>
           </a:p>
@@ -814,7 +815,7 @@
           <a:p>
             <a:fld id="{0942BA0F-76A4-4F7A-AC66-00E9D6FDCBC2}" type="slidenum">
               <a:rPr lang="de-DE" smtClean="0"/>
-              <a:t>37</a:t>
+              <a:t>38</a:t>
             </a:fld>
             <a:endParaRPr lang="de-DE"/>
           </a:p>
@@ -898,7 +899,7 @@
           <a:p>
             <a:fld id="{0942BA0F-76A4-4F7A-AC66-00E9D6FDCBC2}" type="slidenum">
               <a:rPr lang="de-DE" smtClean="0"/>
-              <a:t>38</a:t>
+              <a:t>39</a:t>
             </a:fld>
             <a:endParaRPr lang="de-DE"/>
           </a:p>
@@ -1066,7 +1067,7 @@
           <a:p>
             <a:fld id="{45D0F98D-38D5-4C1A-A003-148E75DBF760}" type="datetime1">
               <a:rPr lang="de-DE" smtClean="0"/>
-              <a:t>10.12.2019</a:t>
+              <a:t>21.01.2020</a:t>
             </a:fld>
             <a:endParaRPr lang="de-DE"/>
           </a:p>
@@ -1269,7 +1270,7 @@
           <a:p>
             <a:fld id="{35EE94FD-1B66-443A-A78C-7063FFFB3DB5}" type="datetime1">
               <a:rPr lang="de-DE" smtClean="0"/>
-              <a:t>10.12.2019</a:t>
+              <a:t>21.01.2020</a:t>
             </a:fld>
             <a:endParaRPr lang="de-DE"/>
           </a:p>
@@ -1482,7 +1483,7 @@
           <a:p>
             <a:fld id="{846435C6-9F94-4AA4-B35A-39DE494D17EA}" type="datetime1">
               <a:rPr lang="de-DE" smtClean="0"/>
-              <a:t>10.12.2019</a:t>
+              <a:t>21.01.2020</a:t>
             </a:fld>
             <a:endParaRPr lang="de-DE"/>
           </a:p>
@@ -1685,7 +1686,7 @@
           <a:p>
             <a:fld id="{7BA378BF-52EB-4C5B-B6BB-996DFE0988BD}" type="datetime1">
               <a:rPr lang="de-DE" smtClean="0"/>
-              <a:t>10.12.2019</a:t>
+              <a:t>21.01.2020</a:t>
             </a:fld>
             <a:endParaRPr lang="de-DE"/>
           </a:p>
@@ -1964,7 +1965,7 @@
           <a:p>
             <a:fld id="{546325AB-2200-4FF3-AF2A-B172FFDDBDF4}" type="datetime1">
               <a:rPr lang="de-DE" smtClean="0"/>
-              <a:t>10.12.2019</a:t>
+              <a:t>21.01.2020</a:t>
             </a:fld>
             <a:endParaRPr lang="de-DE"/>
           </a:p>
@@ -2235,7 +2236,7 @@
           <a:p>
             <a:fld id="{4BD4E413-4B36-416A-99F8-917101FD3552}" type="datetime1">
               <a:rPr lang="de-DE" smtClean="0"/>
-              <a:t>10.12.2019</a:t>
+              <a:t>21.01.2020</a:t>
             </a:fld>
             <a:endParaRPr lang="de-DE"/>
           </a:p>
@@ -2653,7 +2654,7 @@
           <a:p>
             <a:fld id="{350CD5BB-2135-4C1C-9EB9-6B104A7F1852}" type="datetime1">
               <a:rPr lang="de-DE" smtClean="0"/>
-              <a:t>10.12.2019</a:t>
+              <a:t>21.01.2020</a:t>
             </a:fld>
             <a:endParaRPr lang="de-DE"/>
           </a:p>
@@ -2798,7 +2799,7 @@
           <a:p>
             <a:fld id="{5F8EFD36-9E63-4951-BEF9-F6B8ACF9848D}" type="datetime1">
               <a:rPr lang="de-DE" smtClean="0"/>
-              <a:t>10.12.2019</a:t>
+              <a:t>21.01.2020</a:t>
             </a:fld>
             <a:endParaRPr lang="de-DE"/>
           </a:p>
@@ -2914,7 +2915,7 @@
           <a:p>
             <a:fld id="{5809FACB-23B1-4A10-9D0A-328C6885745A}" type="datetime1">
               <a:rPr lang="de-DE" smtClean="0"/>
-              <a:t>10.12.2019</a:t>
+              <a:t>21.01.2020</a:t>
             </a:fld>
             <a:endParaRPr lang="de-DE"/>
           </a:p>
@@ -3230,7 +3231,7 @@
           <a:p>
             <a:fld id="{D34E0433-A910-4A2C-B27B-93E80F26180A}" type="datetime1">
               <a:rPr lang="de-DE" smtClean="0"/>
-              <a:t>10.12.2019</a:t>
+              <a:t>21.01.2020</a:t>
             </a:fld>
             <a:endParaRPr lang="de-DE"/>
           </a:p>
@@ -3522,7 +3523,7 @@
           <a:p>
             <a:fld id="{27D0816D-89A7-4D5C-8256-1B20355E25D9}" type="datetime1">
               <a:rPr lang="de-DE" smtClean="0"/>
-              <a:t>10.12.2019</a:t>
+              <a:t>21.01.2020</a:t>
             </a:fld>
             <a:endParaRPr lang="de-DE"/>
           </a:p>
@@ -3768,7 +3769,7 @@
           <a:p>
             <a:fld id="{96A0F86B-E49E-4FBD-A866-1ABC19B2F8A7}" type="datetime1">
               <a:rPr lang="de-DE" smtClean="0"/>
-              <a:t>10.12.2019</a:t>
+              <a:t>21.01.2020</a:t>
             </a:fld>
             <a:endParaRPr lang="de-DE"/>
           </a:p>
@@ -7984,7 +7985,7 @@
           <p:cNvPr id="2" name="Title 1">
             <a:extLst>
               <a:ext uri="{FF2B5EF4-FFF2-40B4-BE49-F238E27FC236}">
-                <a16:creationId xmlns:a16="http://schemas.microsoft.com/office/drawing/2014/main" id="{4C84315F-315F-4066-9D3A-472733691F27}"/>
+                <a16:creationId xmlns:a16="http://schemas.microsoft.com/office/drawing/2014/main" id="{04EF8330-4D7C-4E9A-A1C8-E6FB85589E2A}"/>
               </a:ext>
             </a:extLst>
           </p:cNvPr>
@@ -7997,29 +7998,36 @@
         </p:nvSpPr>
         <p:spPr>
           <a:xfrm>
-            <a:off x="838200" y="365125"/>
-            <a:ext cx="10515600" cy="834502"/>
-          </a:xfrm>
-        </p:spPr>
-        <p:txBody>
-          <a:bodyPr>
-            <a:normAutofit/>
-          </a:bodyPr>
-          <a:lstStyle/>
-          <a:p>
-            <a:r>
-              <a:rPr lang="de-DE" dirty="0"/>
-              <a:t>Konzeptionelle Arbeiten   - 	Kommentare</a:t>
-            </a:r>
-          </a:p>
-        </p:txBody>
-      </p:sp>
-      <p:sp>
-        <p:nvSpPr>
-          <p:cNvPr id="4" name="Footer Placeholder 3">
-            <a:extLst>
-              <a:ext uri="{FF2B5EF4-FFF2-40B4-BE49-F238E27FC236}">
-                <a16:creationId xmlns:a16="http://schemas.microsoft.com/office/drawing/2014/main" id="{0EF7D1E5-7A19-4BA2-8CAA-9135FB90076C}"/>
+            <a:off x="838200" y="-139700"/>
+            <a:ext cx="10515600" cy="1325563"/>
+          </a:xfrm>
+        </p:spPr>
+        <p:txBody>
+          <a:bodyPr/>
+          <a:lstStyle/>
+          <a:p>
+            <a:r>
+              <a:rPr lang="en-NZ" dirty="0" err="1"/>
+              <a:t>Kennlinienupload</a:t>
+            </a:r>
+            <a:r>
+              <a:rPr lang="en-NZ" dirty="0"/>
+              <a:t> - </a:t>
+            </a:r>
+            <a:r>
+              <a:rPr lang="en-NZ" dirty="0" err="1"/>
+              <a:t>Sequenzdiagramm</a:t>
+            </a:r>
+            <a:endParaRPr lang="de-DE" dirty="0"/>
+          </a:p>
+        </p:txBody>
+      </p:sp>
+      <p:sp>
+        <p:nvSpPr>
+          <p:cNvPr id="5" name="Footer Placeholder 4">
+            <a:extLst>
+              <a:ext uri="{FF2B5EF4-FFF2-40B4-BE49-F238E27FC236}">
+                <a16:creationId xmlns:a16="http://schemas.microsoft.com/office/drawing/2014/main" id="{617D10F4-7377-4B05-B0A4-336695A06C18}"/>
               </a:ext>
             </a:extLst>
           </p:cNvPr>
@@ -8044,10 +8052,10 @@
       </p:sp>
       <p:sp>
         <p:nvSpPr>
-          <p:cNvPr id="5" name="Slide Number Placeholder 4">
-            <a:extLst>
-              <a:ext uri="{FF2B5EF4-FFF2-40B4-BE49-F238E27FC236}">
-                <a16:creationId xmlns:a16="http://schemas.microsoft.com/office/drawing/2014/main" id="{FAC16E02-623C-4BDA-BAFA-B73797A517FD}"/>
+          <p:cNvPr id="6" name="Slide Number Placeholder 5">
+            <a:extLst>
+              <a:ext uri="{FF2B5EF4-FFF2-40B4-BE49-F238E27FC236}">
+                <a16:creationId xmlns:a16="http://schemas.microsoft.com/office/drawing/2014/main" id="{F209B0C9-C21B-46CA-9709-593ACB7246B3}"/>
               </a:ext>
             </a:extLst>
           </p:cNvPr>
@@ -8073,10 +8081,10 @@
       </p:sp>
       <p:pic>
         <p:nvPicPr>
-          <p:cNvPr id="9" name="Grafik 8" descr="Ein Bild, das Screenshot enthält.&#10;&#10;Automatisch generierte Beschreibung">
-            <a:extLst>
-              <a:ext uri="{FF2B5EF4-FFF2-40B4-BE49-F238E27FC236}">
-                <a16:creationId xmlns:a16="http://schemas.microsoft.com/office/drawing/2014/main" id="{1CF22820-0D34-45D3-8819-BF095251084E}"/>
+          <p:cNvPr id="8" name="Picture 7" descr="A screenshot of a cell phone&#10;&#10;Description automatically generated">
+            <a:extLst>
+              <a:ext uri="{FF2B5EF4-FFF2-40B4-BE49-F238E27FC236}">
+                <a16:creationId xmlns:a16="http://schemas.microsoft.com/office/drawing/2014/main" id="{92AEAB62-BAC0-4B6F-8576-867009120E13}"/>
               </a:ext>
             </a:extLst>
           </p:cNvPr>
@@ -8099,8 +8107,8 @@
         </p:blipFill>
         <p:spPr>
           <a:xfrm>
-            <a:off x="1283854" y="1199627"/>
-            <a:ext cx="9624291" cy="4741242"/>
+            <a:off x="1257300" y="819017"/>
+            <a:ext cx="9677400" cy="5627290"/>
           </a:xfrm>
           <a:prstGeom prst="rect">
             <a:avLst/>
@@ -8110,7 +8118,7 @@
     </p:spTree>
     <p:extLst>
       <p:ext uri="{BB962C8B-B14F-4D97-AF65-F5344CB8AC3E}">
-        <p14:creationId xmlns:p14="http://schemas.microsoft.com/office/powerpoint/2010/main" val="2135619852"/>
+        <p14:creationId xmlns:p14="http://schemas.microsoft.com/office/powerpoint/2010/main" val="3207411120"/>
       </p:ext>
     </p:extLst>
   </p:cSld>
@@ -8167,7 +8175,7 @@
           <a:p>
             <a:r>
               <a:rPr lang="de-DE" dirty="0"/>
-              <a:t>Konzeptionelle Arbeiten   - 	Medien</a:t>
+              <a:t>Konzeptionelle Arbeiten   - 	Kommentare</a:t>
             </a:r>
           </a:p>
         </p:txBody>
@@ -8231,10 +8239,10 @@
       </p:sp>
       <p:pic>
         <p:nvPicPr>
-          <p:cNvPr id="6" name="Grafik 5" descr="Ein Bild, das Screenshot enthält.&#10;&#10;Automatisch generierte Beschreibung">
-            <a:extLst>
-              <a:ext uri="{FF2B5EF4-FFF2-40B4-BE49-F238E27FC236}">
-                <a16:creationId xmlns:a16="http://schemas.microsoft.com/office/drawing/2014/main" id="{D3804517-A1AB-4647-A2F4-4B145C958491}"/>
+          <p:cNvPr id="9" name="Grafik 8" descr="Ein Bild, das Screenshot enthält.&#10;&#10;Automatisch generierte Beschreibung">
+            <a:extLst>
+              <a:ext uri="{FF2B5EF4-FFF2-40B4-BE49-F238E27FC236}">
+                <a16:creationId xmlns:a16="http://schemas.microsoft.com/office/drawing/2014/main" id="{1CF22820-0D34-45D3-8819-BF095251084E}"/>
               </a:ext>
             </a:extLst>
           </p:cNvPr>
@@ -8257,8 +8265,8 @@
         </p:blipFill>
         <p:spPr>
           <a:xfrm>
-            <a:off x="1850772" y="1199627"/>
-            <a:ext cx="8490456" cy="5010417"/>
+            <a:off x="1283854" y="1199627"/>
+            <a:ext cx="9624291" cy="4741242"/>
           </a:xfrm>
           <a:prstGeom prst="rect">
             <a:avLst/>
@@ -8268,7 +8276,7 @@
     </p:spTree>
     <p:extLst>
       <p:ext uri="{BB962C8B-B14F-4D97-AF65-F5344CB8AC3E}">
-        <p14:creationId xmlns:p14="http://schemas.microsoft.com/office/powerpoint/2010/main" val="1192285281"/>
+        <p14:creationId xmlns:p14="http://schemas.microsoft.com/office/powerpoint/2010/main" val="2135619852"/>
       </p:ext>
     </p:extLst>
   </p:cSld>
@@ -8313,7 +8321,7 @@
         </p:nvSpPr>
         <p:spPr>
           <a:xfrm>
-            <a:off x="838200" y="256883"/>
+            <a:off x="838200" y="365125"/>
             <a:ext cx="10515600" cy="834502"/>
           </a:xfrm>
         </p:spPr>
@@ -8325,7 +8333,7 @@
           <a:p>
             <a:r>
               <a:rPr lang="de-DE" dirty="0"/>
-              <a:t>Konzeptionelle Arbeiten   - 	Gesamt (alt)</a:t>
+              <a:t>Konzeptionelle Arbeiten   - 	Medien</a:t>
             </a:r>
           </a:p>
         </p:txBody>
@@ -8389,10 +8397,10 @@
       </p:sp>
       <p:pic>
         <p:nvPicPr>
-          <p:cNvPr id="8" name="Grafik 7">
-            <a:extLst>
-              <a:ext uri="{FF2B5EF4-FFF2-40B4-BE49-F238E27FC236}">
-                <a16:creationId xmlns:a16="http://schemas.microsoft.com/office/drawing/2014/main" id="{4879F5CA-79B7-4E1C-AE56-DF28301AF14F}"/>
+          <p:cNvPr id="6" name="Grafik 5" descr="Ein Bild, das Screenshot enthält.&#10;&#10;Automatisch generierte Beschreibung">
+            <a:extLst>
+              <a:ext uri="{FF2B5EF4-FFF2-40B4-BE49-F238E27FC236}">
+                <a16:creationId xmlns:a16="http://schemas.microsoft.com/office/drawing/2014/main" id="{D3804517-A1AB-4647-A2F4-4B145C958491}"/>
               </a:ext>
             </a:extLst>
           </p:cNvPr>
@@ -8415,8 +8423,8 @@
         </p:blipFill>
         <p:spPr>
           <a:xfrm>
-            <a:off x="0" y="1091385"/>
-            <a:ext cx="12192000" cy="5048481"/>
+            <a:off x="1850772" y="1199627"/>
+            <a:ext cx="8490456" cy="5010417"/>
           </a:xfrm>
           <a:prstGeom prst="rect">
             <a:avLst/>
@@ -8426,7 +8434,7 @@
     </p:spTree>
     <p:extLst>
       <p:ext uri="{BB962C8B-B14F-4D97-AF65-F5344CB8AC3E}">
-        <p14:creationId xmlns:p14="http://schemas.microsoft.com/office/powerpoint/2010/main" val="2502654463"/>
+        <p14:creationId xmlns:p14="http://schemas.microsoft.com/office/powerpoint/2010/main" val="1192285281"/>
       </p:ext>
     </p:extLst>
   </p:cSld>
@@ -8483,7 +8491,7 @@
           <a:p>
             <a:r>
               <a:rPr lang="de-DE" dirty="0"/>
-              <a:t>Konzeptionelle Arbeiten   - 	Gesamt (neu)</a:t>
+              <a:t>Konzeptionelle Arbeiten   - 	Gesamt (alt)</a:t>
             </a:r>
           </a:p>
         </p:txBody>
@@ -8545,10 +8553,46 @@
           </a:p>
         </p:txBody>
       </p:sp>
+      <p:pic>
+        <p:nvPicPr>
+          <p:cNvPr id="8" name="Grafik 7">
+            <a:extLst>
+              <a:ext uri="{FF2B5EF4-FFF2-40B4-BE49-F238E27FC236}">
+                <a16:creationId xmlns:a16="http://schemas.microsoft.com/office/drawing/2014/main" id="{4879F5CA-79B7-4E1C-AE56-DF28301AF14F}"/>
+              </a:ext>
+            </a:extLst>
+          </p:cNvPr>
+          <p:cNvPicPr>
+            <a:picLocks noChangeAspect="1"/>
+          </p:cNvPicPr>
+          <p:nvPr/>
+        </p:nvPicPr>
+        <p:blipFill>
+          <a:blip r:embed="rId2">
+            <a:extLst>
+              <a:ext uri="{28A0092B-C50C-407E-A947-70E740481C1C}">
+                <a14:useLocalDpi xmlns:a14="http://schemas.microsoft.com/office/drawing/2010/main" val="0"/>
+              </a:ext>
+            </a:extLst>
+          </a:blip>
+          <a:stretch>
+            <a:fillRect/>
+          </a:stretch>
+        </p:blipFill>
+        <p:spPr>
+          <a:xfrm>
+            <a:off x="0" y="1091385"/>
+            <a:ext cx="12192000" cy="5048481"/>
+          </a:xfrm>
+          <a:prstGeom prst="rect">
+            <a:avLst/>
+          </a:prstGeom>
+        </p:spPr>
+      </p:pic>
     </p:spTree>
     <p:extLst>
       <p:ext uri="{BB962C8B-B14F-4D97-AF65-F5344CB8AC3E}">
-        <p14:creationId xmlns:p14="http://schemas.microsoft.com/office/powerpoint/2010/main" val="2349829792"/>
+        <p14:creationId xmlns:p14="http://schemas.microsoft.com/office/powerpoint/2010/main" val="2502654463"/>
       </p:ext>
     </p:extLst>
   </p:cSld>
@@ -8577,6 +8621,41 @@
       </p:grpSpPr>
       <p:sp>
         <p:nvSpPr>
+          <p:cNvPr id="2" name="Title 1">
+            <a:extLst>
+              <a:ext uri="{FF2B5EF4-FFF2-40B4-BE49-F238E27FC236}">
+                <a16:creationId xmlns:a16="http://schemas.microsoft.com/office/drawing/2014/main" id="{4C84315F-315F-4066-9D3A-472733691F27}"/>
+              </a:ext>
+            </a:extLst>
+          </p:cNvPr>
+          <p:cNvSpPr>
+            <a:spLocks noGrp="1"/>
+          </p:cNvSpPr>
+          <p:nvPr>
+            <p:ph type="title"/>
+          </p:nvPr>
+        </p:nvSpPr>
+        <p:spPr>
+          <a:xfrm>
+            <a:off x="838200" y="256883"/>
+            <a:ext cx="10515600" cy="834502"/>
+          </a:xfrm>
+        </p:spPr>
+        <p:txBody>
+          <a:bodyPr>
+            <a:normAutofit/>
+          </a:bodyPr>
+          <a:lstStyle/>
+          <a:p>
+            <a:r>
+              <a:rPr lang="de-DE" dirty="0"/>
+              <a:t>Konzeptionelle Arbeiten   - 	Gesamt (neu)</a:t>
+            </a:r>
+          </a:p>
+        </p:txBody>
+      </p:sp>
+      <p:sp>
+        <p:nvSpPr>
           <p:cNvPr id="4" name="Footer Placeholder 3">
             <a:extLst>
               <a:ext uri="{FF2B5EF4-FFF2-40B4-BE49-F238E27FC236}">
@@ -8627,6 +8706,93 @@
             <a:fld id="{969E759D-A893-4B96-8B48-96EE547EBC41}" type="slidenum">
               <a:rPr lang="de-DE" smtClean="0"/>
               <a:t>24</a:t>
+            </a:fld>
+            <a:endParaRPr lang="de-DE"/>
+          </a:p>
+        </p:txBody>
+      </p:sp>
+    </p:spTree>
+    <p:extLst>
+      <p:ext uri="{BB962C8B-B14F-4D97-AF65-F5344CB8AC3E}">
+        <p14:creationId xmlns:p14="http://schemas.microsoft.com/office/powerpoint/2010/main" val="2349829792"/>
+      </p:ext>
+    </p:extLst>
+  </p:cSld>
+  <p:clrMapOvr>
+    <a:masterClrMapping/>
+  </p:clrMapOvr>
+</p:sld>
+</file>
+
+<file path=ppt/slides/slide25.xml><?xml version="1.0" encoding="utf-8"?>
+<p:sld xmlns:a="http://schemas.openxmlformats.org/drawingml/2006/main" xmlns:r="http://schemas.openxmlformats.org/officeDocument/2006/relationships" xmlns:p="http://schemas.openxmlformats.org/presentationml/2006/main">
+  <p:cSld>
+    <p:spTree>
+      <p:nvGrpSpPr>
+        <p:cNvPr id="1" name=""/>
+        <p:cNvGrpSpPr/>
+        <p:nvPr/>
+      </p:nvGrpSpPr>
+      <p:grpSpPr>
+        <a:xfrm>
+          <a:off x="0" y="0"/>
+          <a:ext cx="0" cy="0"/>
+          <a:chOff x="0" y="0"/>
+          <a:chExt cx="0" cy="0"/>
+        </a:xfrm>
+      </p:grpSpPr>
+      <p:sp>
+        <p:nvSpPr>
+          <p:cNvPr id="4" name="Footer Placeholder 3">
+            <a:extLst>
+              <a:ext uri="{FF2B5EF4-FFF2-40B4-BE49-F238E27FC236}">
+                <a16:creationId xmlns:a16="http://schemas.microsoft.com/office/drawing/2014/main" id="{0EF7D1E5-7A19-4BA2-8CAA-9135FB90076C}"/>
+              </a:ext>
+            </a:extLst>
+          </p:cNvPr>
+          <p:cNvSpPr>
+            <a:spLocks noGrp="1"/>
+          </p:cNvSpPr>
+          <p:nvPr>
+            <p:ph type="ftr" sz="quarter" idx="11"/>
+          </p:nvPr>
+        </p:nvSpPr>
+        <p:spPr/>
+        <p:txBody>
+          <a:bodyPr/>
+          <a:lstStyle/>
+          <a:p>
+            <a:r>
+              <a:rPr lang="de-DE"/>
+              <a:t>WS19/20 - PV-Modulportal - Rüffer, Vorwerk, Withöft, Zolkin</a:t>
+            </a:r>
+          </a:p>
+        </p:txBody>
+      </p:sp>
+      <p:sp>
+        <p:nvSpPr>
+          <p:cNvPr id="5" name="Slide Number Placeholder 4">
+            <a:extLst>
+              <a:ext uri="{FF2B5EF4-FFF2-40B4-BE49-F238E27FC236}">
+                <a16:creationId xmlns:a16="http://schemas.microsoft.com/office/drawing/2014/main" id="{FAC16E02-623C-4BDA-BAFA-B73797A517FD}"/>
+              </a:ext>
+            </a:extLst>
+          </p:cNvPr>
+          <p:cNvSpPr>
+            <a:spLocks noGrp="1"/>
+          </p:cNvSpPr>
+          <p:nvPr>
+            <p:ph type="sldNum" sz="quarter" idx="12"/>
+          </p:nvPr>
+        </p:nvSpPr>
+        <p:spPr/>
+        <p:txBody>
+          <a:bodyPr/>
+          <a:lstStyle/>
+          <a:p>
+            <a:fld id="{969E759D-A893-4B96-8B48-96EE547EBC41}" type="slidenum">
+              <a:rPr lang="de-DE" smtClean="0"/>
+              <a:t>25</a:t>
             </a:fld>
             <a:endParaRPr lang="de-DE"/>
           </a:p>
@@ -8681,7 +8847,7 @@
 </p:sld>
 </file>
 
-<file path=ppt/slides/slide25.xml><?xml version="1.0" encoding="utf-8"?>
+<file path=ppt/slides/slide26.xml><?xml version="1.0" encoding="utf-8"?>
 <p:sld xmlns:a="http://schemas.openxmlformats.org/drawingml/2006/main" xmlns:r="http://schemas.openxmlformats.org/officeDocument/2006/relationships" xmlns:p="http://schemas.openxmlformats.org/presentationml/2006/main">
   <p:cSld>
     <p:bg>
@@ -9200,7 +9366,7 @@
                   <a:spcPts val="600"/>
                 </a:spcAft>
               </a:pPr>
-              <a:t>25</a:t>
+              <a:t>26</a:t>
             </a:fld>
             <a:endParaRPr lang="en-US" sz="1500">
               <a:solidFill>
@@ -9223,7 +9389,7 @@
 </p:sld>
 </file>
 
-<file path=ppt/slides/slide26.xml><?xml version="1.0" encoding="utf-8"?>
+<file path=ppt/slides/slide27.xml><?xml version="1.0" encoding="utf-8"?>
 <p:sld xmlns:a="http://schemas.openxmlformats.org/drawingml/2006/main" xmlns:r="http://schemas.openxmlformats.org/officeDocument/2006/relationships" xmlns:p="http://schemas.openxmlformats.org/presentationml/2006/main">
   <p:cSld>
     <p:spTree>
@@ -9968,7 +10134,7 @@
           <a:p>
             <a:fld id="{969E759D-A893-4B96-8B48-96EE547EBC41}" type="slidenum">
               <a:rPr lang="de-DE" smtClean="0"/>
-              <a:t>26</a:t>
+              <a:t>27</a:t>
             </a:fld>
             <a:endParaRPr lang="de-DE"/>
           </a:p>
@@ -9987,7 +10153,7 @@
 </p:sld>
 </file>
 
-<file path=ppt/slides/slide27.xml><?xml version="1.0" encoding="utf-8"?>
+<file path=ppt/slides/slide28.xml><?xml version="1.0" encoding="utf-8"?>
 <p:sld xmlns:a="http://schemas.openxmlformats.org/drawingml/2006/main" xmlns:r="http://schemas.openxmlformats.org/officeDocument/2006/relationships" xmlns:p="http://schemas.openxmlformats.org/presentationml/2006/main">
   <p:cSld>
     <p:spTree>
@@ -10101,7 +10267,7 @@
           <a:p>
             <a:fld id="{969E759D-A893-4B96-8B48-96EE547EBC41}" type="slidenum">
               <a:rPr lang="de-DE" smtClean="0"/>
-              <a:t>27</a:t>
+              <a:t>28</a:t>
             </a:fld>
             <a:endParaRPr lang="de-DE"/>
           </a:p>
@@ -10156,7 +10322,7 @@
 </p:sld>
 </file>
 
-<file path=ppt/slides/slide28.xml><?xml version="1.0" encoding="utf-8"?>
+<file path=ppt/slides/slide29.xml><?xml version="1.0" encoding="utf-8"?>
 <p:sld xmlns:a="http://schemas.openxmlformats.org/drawingml/2006/main" xmlns:r="http://schemas.openxmlformats.org/officeDocument/2006/relationships" xmlns:p="http://schemas.openxmlformats.org/presentationml/2006/main">
   <p:cSld>
     <p:bg>
@@ -10656,7 +10822,7 @@
                   <a:spcPts val="600"/>
                 </a:spcAft>
               </a:pPr>
-              <a:t>28</a:t>
+              <a:t>29</a:t>
             </a:fld>
             <a:endParaRPr lang="en-US" sz="1500">
               <a:solidFill>
@@ -10675,411 +10841,6 @@
   </p:cSld>
   <p:clrMapOvr>
     <a:overrideClrMapping bg1="dk1" tx1="lt1" bg2="dk2" tx2="lt2" accent1="accent1" accent2="accent2" accent3="accent3" accent4="accent4" accent5="accent5" accent6="accent6" hlink="hlink" folHlink="folHlink"/>
-  </p:clrMapOvr>
-</p:sld>
-</file>
-
-<file path=ppt/slides/slide29.xml><?xml version="1.0" encoding="utf-8"?>
-<p:sld xmlns:a="http://schemas.openxmlformats.org/drawingml/2006/main" xmlns:r="http://schemas.openxmlformats.org/officeDocument/2006/relationships" xmlns:p="http://schemas.openxmlformats.org/presentationml/2006/main">
-  <p:cSld>
-    <p:spTree>
-      <p:nvGrpSpPr>
-        <p:cNvPr id="1" name=""/>
-        <p:cNvGrpSpPr/>
-        <p:nvPr/>
-      </p:nvGrpSpPr>
-      <p:grpSpPr>
-        <a:xfrm>
-          <a:off x="0" y="0"/>
-          <a:ext cx="0" cy="0"/>
-          <a:chOff x="0" y="0"/>
-          <a:chExt cx="0" cy="0"/>
-        </a:xfrm>
-      </p:grpSpPr>
-      <p:sp>
-        <p:nvSpPr>
-          <p:cNvPr id="2" name="Title 1">
-            <a:extLst>
-              <a:ext uri="{FF2B5EF4-FFF2-40B4-BE49-F238E27FC236}">
-                <a16:creationId xmlns:a16="http://schemas.microsoft.com/office/drawing/2014/main" id="{4C84315F-315F-4066-9D3A-472733691F27}"/>
-              </a:ext>
-            </a:extLst>
-          </p:cNvPr>
-          <p:cNvSpPr>
-            <a:spLocks noGrp="1"/>
-          </p:cNvSpPr>
-          <p:nvPr>
-            <p:ph type="title"/>
-          </p:nvPr>
-        </p:nvSpPr>
-        <p:spPr/>
-        <p:txBody>
-          <a:bodyPr>
-            <a:normAutofit fontScale="90000"/>
-          </a:bodyPr>
-          <a:lstStyle/>
-          <a:p>
-            <a:r>
-              <a:rPr lang="en-NZ" dirty="0" err="1"/>
-              <a:t>Codeimplementierungen</a:t>
-            </a:r>
-            <a:r>
-              <a:rPr lang="en-NZ" dirty="0"/>
-              <a:t>    – 	Handling der 									</a:t>
-            </a:r>
-            <a:r>
-              <a:rPr lang="en-NZ" dirty="0" err="1"/>
-              <a:t>Suchergebnisse</a:t>
-            </a:r>
-            <a:endParaRPr lang="de-DE" dirty="0"/>
-          </a:p>
-        </p:txBody>
-      </p:sp>
-      <p:sp>
-        <p:nvSpPr>
-          <p:cNvPr id="3" name="Content Placeholder 2">
-            <a:extLst>
-              <a:ext uri="{FF2B5EF4-FFF2-40B4-BE49-F238E27FC236}">
-                <a16:creationId xmlns:a16="http://schemas.microsoft.com/office/drawing/2014/main" id="{3CCB48FF-D0DB-4239-BF7B-3AC940333DEC}"/>
-              </a:ext>
-            </a:extLst>
-          </p:cNvPr>
-          <p:cNvSpPr>
-            <a:spLocks noGrp="1"/>
-          </p:cNvSpPr>
-          <p:nvPr>
-            <p:ph sz="half" idx="1"/>
-          </p:nvPr>
-        </p:nvSpPr>
-        <p:spPr/>
-        <p:txBody>
-          <a:bodyPr>
-            <a:normAutofit/>
-          </a:bodyPr>
-          <a:lstStyle/>
-          <a:p>
-            <a:r>
-              <a:rPr lang="en-NZ" dirty="0" err="1"/>
-              <a:t>Suchergebnis</a:t>
-            </a:r>
-            <a:r>
-              <a:rPr lang="en-NZ" dirty="0"/>
-              <a:t> </a:t>
-            </a:r>
-            <a:r>
-              <a:rPr lang="en-NZ" dirty="0" err="1"/>
-              <a:t>kann</a:t>
-            </a:r>
-            <a:r>
-              <a:rPr lang="en-NZ" dirty="0"/>
-              <a:t> sein:</a:t>
-            </a:r>
-          </a:p>
-          <a:p>
-            <a:pPr lvl="1"/>
-            <a:r>
-              <a:rPr lang="en-NZ" dirty="0" err="1"/>
-              <a:t>Hersteller</a:t>
-            </a:r>
-            <a:endParaRPr lang="en-NZ" dirty="0"/>
-          </a:p>
-          <a:p>
-            <a:pPr lvl="2"/>
-            <a:r>
-              <a:rPr lang="en-NZ" dirty="0" err="1"/>
-              <a:t>Suche</a:t>
-            </a:r>
-            <a:r>
-              <a:rPr lang="en-NZ" dirty="0"/>
-              <a:t> nach </a:t>
-            </a:r>
-            <a:r>
-              <a:rPr lang="en-NZ" dirty="0" err="1"/>
-              <a:t>Modultypen</a:t>
-            </a:r>
-            <a:endParaRPr lang="en-NZ" dirty="0"/>
-          </a:p>
-          <a:p>
-            <a:pPr lvl="1"/>
-            <a:r>
-              <a:rPr lang="en-NZ" dirty="0" err="1"/>
-              <a:t>Modultyp</a:t>
-            </a:r>
-            <a:endParaRPr lang="en-NZ" dirty="0"/>
-          </a:p>
-          <a:p>
-            <a:pPr lvl="2"/>
-            <a:r>
-              <a:rPr lang="en-NZ" dirty="0" err="1"/>
-              <a:t>Verweis</a:t>
-            </a:r>
-            <a:r>
-              <a:rPr lang="en-NZ" dirty="0"/>
-              <a:t> auf </a:t>
-            </a:r>
-            <a:r>
-              <a:rPr lang="en-NZ" dirty="0" err="1"/>
-              <a:t>Detailseite</a:t>
-            </a:r>
-            <a:endParaRPr lang="en-NZ" dirty="0"/>
-          </a:p>
-          <a:p>
-            <a:r>
-              <a:rPr lang="en-NZ" dirty="0" err="1"/>
-              <a:t>Werden</a:t>
-            </a:r>
-            <a:r>
-              <a:rPr lang="en-NZ" dirty="0"/>
-              <a:t> in </a:t>
-            </a:r>
-            <a:r>
-              <a:rPr lang="en-NZ" dirty="0" err="1"/>
-              <a:t>gleicher</a:t>
-            </a:r>
-            <a:r>
-              <a:rPr lang="en-NZ" dirty="0"/>
-              <a:t> </a:t>
-            </a:r>
-            <a:r>
-              <a:rPr lang="en-NZ" dirty="0" err="1"/>
-              <a:t>Methode</a:t>
-            </a:r>
-            <a:r>
-              <a:rPr lang="en-NZ" dirty="0"/>
-              <a:t> </a:t>
-            </a:r>
-            <a:r>
-              <a:rPr lang="en-NZ" dirty="0" err="1"/>
-              <a:t>zugefügt</a:t>
-            </a:r>
-            <a:endParaRPr lang="en-NZ" dirty="0"/>
-          </a:p>
-          <a:p>
-            <a:r>
-              <a:rPr lang="en-NZ" dirty="0" err="1"/>
-              <a:t>Idee</a:t>
-            </a:r>
-            <a:r>
-              <a:rPr lang="en-NZ" dirty="0"/>
-              <a:t>: </a:t>
-            </a:r>
-            <a:r>
-              <a:rPr lang="en-NZ" dirty="0" err="1"/>
-              <a:t>Enum</a:t>
-            </a:r>
-            <a:r>
-              <a:rPr lang="en-NZ" dirty="0"/>
-              <a:t> </a:t>
-            </a:r>
-            <a:r>
-              <a:rPr lang="en-NZ" dirty="0" err="1"/>
-              <a:t>zum</a:t>
-            </a:r>
-            <a:r>
-              <a:rPr lang="en-NZ" dirty="0"/>
-              <a:t> </a:t>
-            </a:r>
-            <a:r>
-              <a:rPr lang="en-NZ" dirty="0" err="1"/>
-              <a:t>Unterscheiden</a:t>
-            </a:r>
-            <a:endParaRPr lang="en-NZ" dirty="0"/>
-          </a:p>
-          <a:p>
-            <a:r>
-              <a:rPr lang="en-NZ" dirty="0" err="1"/>
-              <a:t>Vorteil</a:t>
-            </a:r>
-            <a:r>
-              <a:rPr lang="en-NZ" dirty="0"/>
-              <a:t>: </a:t>
-            </a:r>
-            <a:r>
-              <a:rPr lang="en-NZ" dirty="0" err="1"/>
-              <a:t>Keine</a:t>
-            </a:r>
-            <a:r>
-              <a:rPr lang="en-NZ" dirty="0"/>
-              <a:t> </a:t>
-            </a:r>
-            <a:r>
-              <a:rPr lang="en-NZ" dirty="0" err="1"/>
-              <a:t>zweite</a:t>
-            </a:r>
-            <a:r>
-              <a:rPr lang="en-NZ" dirty="0"/>
-              <a:t> </a:t>
-            </a:r>
-            <a:r>
-              <a:rPr lang="en-NZ" dirty="0" err="1"/>
-              <a:t>Methode</a:t>
-            </a:r>
-            <a:r>
-              <a:rPr lang="en-NZ" dirty="0"/>
-              <a:t> </a:t>
-            </a:r>
-            <a:r>
-              <a:rPr lang="en-NZ" dirty="0" err="1"/>
-              <a:t>für</a:t>
-            </a:r>
-            <a:r>
-              <a:rPr lang="en-NZ" dirty="0"/>
-              <a:t> </a:t>
-            </a:r>
-            <a:r>
-              <a:rPr lang="en-NZ" dirty="0" err="1"/>
-              <a:t>gleichen</a:t>
-            </a:r>
-            <a:r>
-              <a:rPr lang="en-NZ" dirty="0"/>
-              <a:t> </a:t>
-            </a:r>
-            <a:r>
-              <a:rPr lang="en-NZ" dirty="0" err="1"/>
-              <a:t>Anwendungsfall</a:t>
-            </a:r>
-            <a:endParaRPr lang="de-DE" dirty="0"/>
-          </a:p>
-        </p:txBody>
-      </p:sp>
-      <p:sp>
-        <p:nvSpPr>
-          <p:cNvPr id="4" name="Footer Placeholder 3">
-            <a:extLst>
-              <a:ext uri="{FF2B5EF4-FFF2-40B4-BE49-F238E27FC236}">
-                <a16:creationId xmlns:a16="http://schemas.microsoft.com/office/drawing/2014/main" id="{0EF7D1E5-7A19-4BA2-8CAA-9135FB90076C}"/>
-              </a:ext>
-            </a:extLst>
-          </p:cNvPr>
-          <p:cNvSpPr>
-            <a:spLocks noGrp="1"/>
-          </p:cNvSpPr>
-          <p:nvPr>
-            <p:ph type="ftr" sz="quarter" idx="11"/>
-          </p:nvPr>
-        </p:nvSpPr>
-        <p:spPr/>
-        <p:txBody>
-          <a:bodyPr/>
-          <a:lstStyle/>
-          <a:p>
-            <a:r>
-              <a:rPr lang="de-DE"/>
-              <a:t>WS19/20 - PV-Modulportal - Rüffer, Vorwerk, Withöft, Zolkin</a:t>
-            </a:r>
-          </a:p>
-        </p:txBody>
-      </p:sp>
-      <p:sp>
-        <p:nvSpPr>
-          <p:cNvPr id="5" name="Slide Number Placeholder 4">
-            <a:extLst>
-              <a:ext uri="{FF2B5EF4-FFF2-40B4-BE49-F238E27FC236}">
-                <a16:creationId xmlns:a16="http://schemas.microsoft.com/office/drawing/2014/main" id="{FAC16E02-623C-4BDA-BAFA-B73797A517FD}"/>
-              </a:ext>
-            </a:extLst>
-          </p:cNvPr>
-          <p:cNvSpPr>
-            <a:spLocks noGrp="1"/>
-          </p:cNvSpPr>
-          <p:nvPr>
-            <p:ph type="sldNum" sz="quarter" idx="12"/>
-          </p:nvPr>
-        </p:nvSpPr>
-        <p:spPr/>
-        <p:txBody>
-          <a:bodyPr/>
-          <a:lstStyle/>
-          <a:p>
-            <a:fld id="{969E759D-A893-4B96-8B48-96EE547EBC41}" type="slidenum">
-              <a:rPr lang="de-DE" smtClean="0"/>
-              <a:t>29</a:t>
-            </a:fld>
-            <a:endParaRPr lang="de-DE"/>
-          </a:p>
-        </p:txBody>
-      </p:sp>
-      <p:pic>
-        <p:nvPicPr>
-          <p:cNvPr id="8" name="Picture 7">
-            <a:extLst>
-              <a:ext uri="{FF2B5EF4-FFF2-40B4-BE49-F238E27FC236}">
-                <a16:creationId xmlns:a16="http://schemas.microsoft.com/office/drawing/2014/main" id="{727B0294-0674-43BC-BDB7-4BEB8B9EBA86}"/>
-              </a:ext>
-            </a:extLst>
-          </p:cNvPr>
-          <p:cNvPicPr>
-            <a:picLocks noChangeAspect="1"/>
-          </p:cNvPicPr>
-          <p:nvPr/>
-        </p:nvPicPr>
-        <p:blipFill>
-          <a:blip r:embed="rId2">
-            <a:extLst>
-              <a:ext uri="{28A0092B-C50C-407E-A947-70E740481C1C}">
-                <a14:useLocalDpi xmlns:a14="http://schemas.microsoft.com/office/drawing/2010/main" val="0"/>
-              </a:ext>
-            </a:extLst>
-          </a:blip>
-          <a:stretch>
-            <a:fillRect/>
-          </a:stretch>
-        </p:blipFill>
-        <p:spPr>
-          <a:xfrm>
-            <a:off x="5753100" y="2112645"/>
-            <a:ext cx="5715000" cy="213360"/>
-          </a:xfrm>
-          <a:prstGeom prst="rect">
-            <a:avLst/>
-          </a:prstGeom>
-        </p:spPr>
-      </p:pic>
-      <p:pic>
-        <p:nvPicPr>
-          <p:cNvPr id="10" name="Picture 9" descr="A screenshot of a cell phone&#10;&#10;Description automatically generated">
-            <a:extLst>
-              <a:ext uri="{FF2B5EF4-FFF2-40B4-BE49-F238E27FC236}">
-                <a16:creationId xmlns:a16="http://schemas.microsoft.com/office/drawing/2014/main" id="{49618CDA-DEB7-47DC-9E64-77CBE909E0AE}"/>
-              </a:ext>
-            </a:extLst>
-          </p:cNvPr>
-          <p:cNvPicPr>
-            <a:picLocks noChangeAspect="1"/>
-          </p:cNvPicPr>
-          <p:nvPr/>
-        </p:nvPicPr>
-        <p:blipFill>
-          <a:blip r:embed="rId3">
-            <a:extLst>
-              <a:ext uri="{28A0092B-C50C-407E-A947-70E740481C1C}">
-                <a14:useLocalDpi xmlns:a14="http://schemas.microsoft.com/office/drawing/2010/main" val="0"/>
-              </a:ext>
-            </a:extLst>
-          </a:blip>
-          <a:stretch>
-            <a:fillRect/>
-          </a:stretch>
-        </p:blipFill>
-        <p:spPr>
-          <a:xfrm>
-            <a:off x="6019800" y="2396490"/>
-            <a:ext cx="4808220" cy="2065020"/>
-          </a:xfrm>
-          <a:prstGeom prst="rect">
-            <a:avLst/>
-          </a:prstGeom>
-        </p:spPr>
-      </p:pic>
-    </p:spTree>
-    <p:extLst>
-      <p:ext uri="{BB962C8B-B14F-4D97-AF65-F5344CB8AC3E}">
-        <p14:creationId xmlns:p14="http://schemas.microsoft.com/office/powerpoint/2010/main" val="1219806837"/>
-      </p:ext>
-    </p:extLst>
-  </p:cSld>
-  <p:clrMapOvr>
-    <a:masterClrMapping/>
   </p:clrMapOvr>
 </p:sld>
 </file>
@@ -11640,12 +11401,7 @@
             <p:ph type="title"/>
           </p:nvPr>
         </p:nvSpPr>
-        <p:spPr>
-          <a:xfrm>
-            <a:off x="838200" y="365125"/>
-            <a:ext cx="10515600" cy="1325563"/>
-          </a:xfrm>
-        </p:spPr>
+        <p:spPr/>
         <p:txBody>
           <a:bodyPr>
             <a:normAutofit fontScale="90000"/>
@@ -11653,15 +11409,16 @@
           <a:lstStyle/>
           <a:p>
             <a:r>
-              <a:rPr lang="en-NZ"/>
-              <a:t>Codeimplementierungen    – 	Ändern von</a:t>
-            </a:r>
-            <a:br>
-              <a:rPr lang="en-NZ"/>
-            </a:br>
-            <a:r>
-              <a:rPr lang="en-NZ"/>
-              <a:t>							Queryparametern</a:t>
+              <a:rPr lang="en-NZ" dirty="0" err="1"/>
+              <a:t>Codeimplementierungen</a:t>
+            </a:r>
+            <a:r>
+              <a:rPr lang="en-NZ" dirty="0"/>
+              <a:t>    – 	Handling der 									</a:t>
+            </a:r>
+            <a:r>
+              <a:rPr lang="en-NZ" dirty="0" err="1"/>
+              <a:t>Suchergebnisse</a:t>
             </a:r>
             <a:endParaRPr lang="de-DE" dirty="0"/>
           </a:p>
@@ -11683,12 +11440,7 @@
             <p:ph sz="half" idx="1"/>
           </p:nvPr>
         </p:nvSpPr>
-        <p:spPr>
-          <a:xfrm>
-            <a:off x="838199" y="1825625"/>
-            <a:ext cx="9267825" cy="4351338"/>
-          </a:xfrm>
-        </p:spPr>
+        <p:spPr/>
         <p:txBody>
           <a:bodyPr>
             <a:normAutofit/>
@@ -11697,33 +11449,7 @@
           <a:p>
             <a:r>
               <a:rPr lang="en-NZ" dirty="0" err="1"/>
-              <a:t>Anfragen</a:t>
-            </a:r>
-            <a:r>
-              <a:rPr lang="en-NZ" dirty="0"/>
-              <a:t> an Backend </a:t>
-            </a:r>
-            <a:r>
-              <a:rPr lang="en-NZ" dirty="0" err="1"/>
-              <a:t>über</a:t>
-            </a:r>
-            <a:r>
-              <a:rPr lang="en-NZ" dirty="0"/>
-              <a:t> GET</a:t>
-            </a:r>
-          </a:p>
-          <a:p>
-            <a:r>
-              <a:rPr lang="en-NZ" dirty="0" err="1"/>
-              <a:t>Für</a:t>
-            </a:r>
-            <a:r>
-              <a:rPr lang="en-NZ" dirty="0"/>
-              <a:t> Range-Query </a:t>
-            </a:r>
-            <a:r>
-              <a:rPr lang="en-NZ" dirty="0" err="1"/>
-              <a:t>zur</a:t>
+              <a:t>Suchergebnis</a:t>
             </a:r>
             <a:r>
               <a:rPr lang="en-NZ" dirty="0"/>
@@ -11731,7 +11457,73 @@
             </a:r>
             <a:r>
               <a:rPr lang="en-NZ" dirty="0" err="1"/>
+              <a:t>kann</a:t>
+            </a:r>
+            <a:r>
+              <a:rPr lang="en-NZ" dirty="0"/>
+              <a:t> sein:</a:t>
+            </a:r>
+          </a:p>
+          <a:p>
+            <a:pPr lvl="1"/>
+            <a:r>
+              <a:rPr lang="en-NZ" dirty="0" err="1"/>
+              <a:t>Hersteller</a:t>
+            </a:r>
+            <a:endParaRPr lang="en-NZ" dirty="0"/>
+          </a:p>
+          <a:p>
+            <a:pPr lvl="2"/>
+            <a:r>
+              <a:rPr lang="en-NZ" dirty="0" err="1"/>
               <a:t>Suche</a:t>
+            </a:r>
+            <a:r>
+              <a:rPr lang="en-NZ" dirty="0"/>
+              <a:t> nach </a:t>
+            </a:r>
+            <a:r>
+              <a:rPr lang="en-NZ" dirty="0" err="1"/>
+              <a:t>Modultypen</a:t>
+            </a:r>
+            <a:endParaRPr lang="en-NZ" dirty="0"/>
+          </a:p>
+          <a:p>
+            <a:pPr lvl="1"/>
+            <a:r>
+              <a:rPr lang="en-NZ" dirty="0" err="1"/>
+              <a:t>Modultyp</a:t>
+            </a:r>
+            <a:endParaRPr lang="en-NZ" dirty="0"/>
+          </a:p>
+          <a:p>
+            <a:pPr lvl="2"/>
+            <a:r>
+              <a:rPr lang="en-NZ" dirty="0" err="1"/>
+              <a:t>Verweis</a:t>
+            </a:r>
+            <a:r>
+              <a:rPr lang="en-NZ" dirty="0"/>
+              <a:t> auf </a:t>
+            </a:r>
+            <a:r>
+              <a:rPr lang="en-NZ" dirty="0" err="1"/>
+              <a:t>Detailseite</a:t>
+            </a:r>
+            <a:endParaRPr lang="en-NZ" dirty="0"/>
+          </a:p>
+          <a:p>
+            <a:r>
+              <a:rPr lang="en-NZ" dirty="0" err="1"/>
+              <a:t>Werden</a:t>
+            </a:r>
+            <a:r>
+              <a:rPr lang="en-NZ" dirty="0"/>
+              <a:t> in </a:t>
+            </a:r>
+            <a:r>
+              <a:rPr lang="en-NZ" dirty="0" err="1"/>
+              <a:t>gleicher</a:t>
             </a:r>
             <a:r>
               <a:rPr lang="en-NZ" dirty="0"/>
@@ -11739,34 +11531,7 @@
             </a:r>
             <a:r>
               <a:rPr lang="en-NZ" dirty="0" err="1"/>
-              <a:t>Wildcardoperator</a:t>
-            </a:r>
-            <a:r>
-              <a:rPr lang="en-NZ" dirty="0"/>
-              <a:t> (</a:t>
-            </a:r>
-            <a:r>
-              <a:rPr lang="en-NZ" b="1" i="1" dirty="0"/>
-              <a:t>%</a:t>
-            </a:r>
-            <a:r>
-              <a:rPr lang="en-NZ" dirty="0"/>
-              <a:t>) </a:t>
-            </a:r>
-            <a:r>
-              <a:rPr lang="en-NZ" dirty="0" err="1"/>
-              <a:t>benötigt</a:t>
-            </a:r>
-            <a:endParaRPr lang="en-NZ" dirty="0"/>
-          </a:p>
-          <a:p>
-            <a:r>
-              <a:rPr lang="en-NZ" dirty="0"/>
-              <a:t>Problem: </a:t>
-            </a:r>
-            <a:r>
-              <a:rPr lang="en-NZ" dirty="0" err="1"/>
-              <a:t>Suchanfrage</a:t>
+              <a:t>Methode</a:t>
             </a:r>
             <a:r>
               <a:rPr lang="en-NZ" dirty="0"/>
@@ -11774,19 +11539,22 @@
             </a:r>
             <a:r>
               <a:rPr lang="en-NZ" dirty="0" err="1"/>
-              <a:t>wird</a:t>
+              <a:t>zugefügt</a:t>
+            </a:r>
+            <a:endParaRPr lang="en-NZ" dirty="0"/>
+          </a:p>
+          <a:p>
+            <a:r>
+              <a:rPr lang="en-NZ" dirty="0" err="1"/>
+              <a:t>Idee</a:t>
             </a:r>
             <a:r>
               <a:rPr lang="en-NZ" dirty="0"/>
-              <a:t> encoded: </a:t>
-            </a:r>
-            <a:r>
-              <a:rPr lang="en-NZ" b="1" i="1" dirty="0"/>
-              <a:t>%AB </a:t>
+              <a:t>: </a:t>
             </a:r>
             <a:r>
               <a:rPr lang="en-NZ" dirty="0" err="1"/>
-              <a:t>wird</a:t>
+              <a:t>Enum</a:t>
             </a:r>
             <a:r>
               <a:rPr lang="en-NZ" dirty="0"/>
@@ -11794,21 +11562,7 @@
             </a:r>
             <a:r>
               <a:rPr lang="en-NZ" dirty="0" err="1"/>
-              <a:t>zu</a:t>
-            </a:r>
-            <a:r>
-              <a:rPr lang="en-NZ" dirty="0"/>
-              <a:t>  </a:t>
-            </a:r>
-            <a:r>
-              <a:rPr lang="en-NZ" b="1" i="1" dirty="0"/>
-              <a:t>«</a:t>
-            </a:r>
-          </a:p>
-          <a:p>
-            <a:r>
-              <a:rPr lang="en-NZ" dirty="0" err="1"/>
-              <a:t>Wildcardoperator</a:t>
+              <a:t>zum</a:t>
             </a:r>
             <a:r>
               <a:rPr lang="en-NZ" dirty="0"/>
@@ -11816,15 +11570,22 @@
             </a:r>
             <a:r>
               <a:rPr lang="en-NZ" dirty="0" err="1"/>
-              <a:t>musste</a:t>
+              <a:t>Unterscheiden</a:t>
+            </a:r>
+            <a:endParaRPr lang="en-NZ" dirty="0"/>
+          </a:p>
+          <a:p>
+            <a:r>
+              <a:rPr lang="en-NZ" dirty="0" err="1"/>
+              <a:t>Vorteil</a:t>
             </a:r>
             <a:r>
               <a:rPr lang="en-NZ" dirty="0"/>
-              <a:t> neu </a:t>
+              <a:t>: </a:t>
             </a:r>
             <a:r>
               <a:rPr lang="en-NZ" dirty="0" err="1"/>
-              <a:t>definiert</a:t>
+              <a:t>Keine</a:t>
             </a:r>
             <a:r>
               <a:rPr lang="en-NZ" dirty="0"/>
@@ -11832,9 +11593,41 @@
             </a:r>
             <a:r>
               <a:rPr lang="en-NZ" dirty="0" err="1"/>
-              <a:t>werden</a:t>
-            </a:r>
-            <a:endParaRPr lang="en-NZ" dirty="0"/>
+              <a:t>zweite</a:t>
+            </a:r>
+            <a:r>
+              <a:rPr lang="en-NZ" dirty="0"/>
+              <a:t> </a:t>
+            </a:r>
+            <a:r>
+              <a:rPr lang="en-NZ" dirty="0" err="1"/>
+              <a:t>Methode</a:t>
+            </a:r>
+            <a:r>
+              <a:rPr lang="en-NZ" dirty="0"/>
+              <a:t> </a:t>
+            </a:r>
+            <a:r>
+              <a:rPr lang="en-NZ" dirty="0" err="1"/>
+              <a:t>für</a:t>
+            </a:r>
+            <a:r>
+              <a:rPr lang="en-NZ" dirty="0"/>
+              <a:t> </a:t>
+            </a:r>
+            <a:r>
+              <a:rPr lang="en-NZ" dirty="0" err="1"/>
+              <a:t>gleichen</a:t>
+            </a:r>
+            <a:r>
+              <a:rPr lang="en-NZ" dirty="0"/>
+              <a:t> </a:t>
+            </a:r>
+            <a:r>
+              <a:rPr lang="en-NZ" dirty="0" err="1"/>
+              <a:t>Anwendungsfall</a:t>
+            </a:r>
+            <a:endParaRPr lang="de-DE" dirty="0"/>
           </a:p>
         </p:txBody>
       </p:sp>
@@ -11854,12 +11647,7 @@
             <p:ph type="ftr" sz="quarter" idx="11"/>
           </p:nvPr>
         </p:nvSpPr>
-        <p:spPr>
-          <a:xfrm>
-            <a:off x="4038600" y="6356350"/>
-            <a:ext cx="4114800" cy="365125"/>
-          </a:xfrm>
-        </p:spPr>
+        <p:spPr/>
         <p:txBody>
           <a:bodyPr/>
           <a:lstStyle/>
@@ -11887,12 +11675,7 @@
             <p:ph type="sldNum" sz="quarter" idx="12"/>
           </p:nvPr>
         </p:nvSpPr>
-        <p:spPr>
-          <a:xfrm>
-            <a:off x="8610600" y="6356350"/>
-            <a:ext cx="2743200" cy="365125"/>
-          </a:xfrm>
-        </p:spPr>
+        <p:spPr/>
         <p:txBody>
           <a:bodyPr/>
           <a:lstStyle/>
@@ -11907,10 +11690,10 @@
       </p:sp>
       <p:pic>
         <p:nvPicPr>
-          <p:cNvPr id="12" name="Picture 11">
-            <a:extLst>
-              <a:ext uri="{FF2B5EF4-FFF2-40B4-BE49-F238E27FC236}">
-                <a16:creationId xmlns:a16="http://schemas.microsoft.com/office/drawing/2014/main" id="{4952C6A9-A774-46DB-BDF1-F673FA48CDFD}"/>
+          <p:cNvPr id="8" name="Picture 7">
+            <a:extLst>
+              <a:ext uri="{FF2B5EF4-FFF2-40B4-BE49-F238E27FC236}">
+                <a16:creationId xmlns:a16="http://schemas.microsoft.com/office/drawing/2014/main" id="{727B0294-0674-43BC-BDB7-4BEB8B9EBA86}"/>
               </a:ext>
             </a:extLst>
           </p:cNvPr>
@@ -11933,8 +11716,44 @@
         </p:blipFill>
         <p:spPr>
           <a:xfrm>
-            <a:off x="204950" y="4377205"/>
-            <a:ext cx="11782100" cy="1189273"/>
+            <a:off x="5753100" y="2112645"/>
+            <a:ext cx="5715000" cy="213360"/>
+          </a:xfrm>
+          <a:prstGeom prst="rect">
+            <a:avLst/>
+          </a:prstGeom>
+        </p:spPr>
+      </p:pic>
+      <p:pic>
+        <p:nvPicPr>
+          <p:cNvPr id="10" name="Picture 9" descr="A screenshot of a cell phone&#10;&#10;Description automatically generated">
+            <a:extLst>
+              <a:ext uri="{FF2B5EF4-FFF2-40B4-BE49-F238E27FC236}">
+                <a16:creationId xmlns:a16="http://schemas.microsoft.com/office/drawing/2014/main" id="{49618CDA-DEB7-47DC-9E64-77CBE909E0AE}"/>
+              </a:ext>
+            </a:extLst>
+          </p:cNvPr>
+          <p:cNvPicPr>
+            <a:picLocks noChangeAspect="1"/>
+          </p:cNvPicPr>
+          <p:nvPr/>
+        </p:nvPicPr>
+        <p:blipFill>
+          <a:blip r:embed="rId3">
+            <a:extLst>
+              <a:ext uri="{28A0092B-C50C-407E-A947-70E740481C1C}">
+                <a14:useLocalDpi xmlns:a14="http://schemas.microsoft.com/office/drawing/2010/main" val="0"/>
+              </a:ext>
+            </a:extLst>
+          </a:blip>
+          <a:stretch>
+            <a:fillRect/>
+          </a:stretch>
+        </p:blipFill>
+        <p:spPr>
+          <a:xfrm>
+            <a:off x="6019800" y="2396490"/>
+            <a:ext cx="4808220" cy="2065020"/>
           </a:xfrm>
           <a:prstGeom prst="rect">
             <a:avLst/>
@@ -11944,7 +11763,7 @@
     </p:spTree>
     <p:extLst>
       <p:ext uri="{BB962C8B-B14F-4D97-AF65-F5344CB8AC3E}">
-        <p14:creationId xmlns:p14="http://schemas.microsoft.com/office/powerpoint/2010/main" val="1507256200"/>
+        <p14:creationId xmlns:p14="http://schemas.microsoft.com/office/powerpoint/2010/main" val="1219806837"/>
       </p:ext>
     </p:extLst>
   </p:cSld>
@@ -11995,24 +11814,86 @@
         </p:spPr>
         <p:txBody>
           <a:bodyPr>
+            <a:normAutofit fontScale="90000"/>
+          </a:bodyPr>
+          <a:lstStyle/>
+          <a:p>
+            <a:r>
+              <a:rPr lang="en-NZ"/>
+              <a:t>Codeimplementierungen    – 	Ändern von</a:t>
+            </a:r>
+            <a:br>
+              <a:rPr lang="en-NZ"/>
+            </a:br>
+            <a:r>
+              <a:rPr lang="en-NZ"/>
+              <a:t>							Queryparametern</a:t>
+            </a:r>
+            <a:endParaRPr lang="de-DE" dirty="0"/>
+          </a:p>
+        </p:txBody>
+      </p:sp>
+      <p:sp>
+        <p:nvSpPr>
+          <p:cNvPr id="3" name="Content Placeholder 2">
+            <a:extLst>
+              <a:ext uri="{FF2B5EF4-FFF2-40B4-BE49-F238E27FC236}">
+                <a16:creationId xmlns:a16="http://schemas.microsoft.com/office/drawing/2014/main" id="{3CCB48FF-D0DB-4239-BF7B-3AC940333DEC}"/>
+              </a:ext>
+            </a:extLst>
+          </p:cNvPr>
+          <p:cNvSpPr>
+            <a:spLocks noGrp="1"/>
+          </p:cNvSpPr>
+          <p:nvPr>
+            <p:ph sz="half" idx="1"/>
+          </p:nvPr>
+        </p:nvSpPr>
+        <p:spPr>
+          <a:xfrm>
+            <a:off x="838199" y="1825625"/>
+            <a:ext cx="9267825" cy="4351338"/>
+          </a:xfrm>
+        </p:spPr>
+        <p:txBody>
+          <a:bodyPr>
             <a:normAutofit/>
           </a:bodyPr>
           <a:lstStyle/>
           <a:p>
             <a:r>
               <a:rPr lang="en-NZ" dirty="0" err="1"/>
-              <a:t>Codeimplementierungen</a:t>
+              <a:t>Anfragen</a:t>
             </a:r>
             <a:r>
               <a:rPr lang="en-NZ" dirty="0"/>
-              <a:t>  – 	Backend</a:t>
-            </a:r>
-            <a:br>
+              <a:t> an Backend </a:t>
+            </a:r>
+            <a:r>
+              <a:rPr lang="en-NZ" dirty="0" err="1"/>
+              <a:t>über</a:t>
+            </a:r>
+            <a:r>
               <a:rPr lang="en-NZ" dirty="0"/>
-            </a:br>
+              <a:t> GET</a:t>
+            </a:r>
+          </a:p>
+          <a:p>
+            <a:r>
+              <a:rPr lang="en-NZ" dirty="0" err="1"/>
+              <a:t>Für</a:t>
+            </a:r>
             <a:r>
               <a:rPr lang="en-NZ" dirty="0"/>
-              <a:t>							</a:t>
+              <a:t> Range-Query </a:t>
+            </a:r>
+            <a:r>
+              <a:rPr lang="en-NZ" dirty="0" err="1"/>
+              <a:t>zur</a:t>
+            </a:r>
+            <a:r>
+              <a:rPr lang="en-NZ" dirty="0"/>
+              <a:t> </a:t>
             </a:r>
             <a:r>
               <a:rPr lang="en-NZ" dirty="0" err="1"/>
@@ -12020,27 +11901,189 @@
             </a:r>
             <a:r>
               <a:rPr lang="en-NZ" dirty="0"/>
-              <a:t> I</a:t>
-            </a:r>
-            <a:endParaRPr lang="de-DE" dirty="0"/>
+              <a:t> </a:t>
+            </a:r>
+            <a:r>
+              <a:rPr lang="en-NZ" dirty="0" err="1"/>
+              <a:t>Wildcardoperator</a:t>
+            </a:r>
+            <a:r>
+              <a:rPr lang="en-NZ" dirty="0"/>
+              <a:t> (</a:t>
+            </a:r>
+            <a:r>
+              <a:rPr lang="en-NZ" b="1" i="1" dirty="0"/>
+              <a:t>%</a:t>
+            </a:r>
+            <a:r>
+              <a:rPr lang="en-NZ" dirty="0"/>
+              <a:t>) </a:t>
+            </a:r>
+            <a:r>
+              <a:rPr lang="en-NZ" dirty="0" err="1"/>
+              <a:t>benötigt</a:t>
+            </a:r>
+            <a:endParaRPr lang="en-NZ" dirty="0"/>
+          </a:p>
+          <a:p>
+            <a:r>
+              <a:rPr lang="en-NZ" dirty="0"/>
+              <a:t>Problem: </a:t>
+            </a:r>
+            <a:r>
+              <a:rPr lang="en-NZ" dirty="0" err="1"/>
+              <a:t>Suchanfrage</a:t>
+            </a:r>
+            <a:r>
+              <a:rPr lang="en-NZ" dirty="0"/>
+              <a:t> </a:t>
+            </a:r>
+            <a:r>
+              <a:rPr lang="en-NZ" dirty="0" err="1"/>
+              <a:t>wird</a:t>
+            </a:r>
+            <a:r>
+              <a:rPr lang="en-NZ" dirty="0"/>
+              <a:t> encoded: </a:t>
+            </a:r>
+            <a:r>
+              <a:rPr lang="en-NZ" b="1" i="1" dirty="0"/>
+              <a:t>%AB </a:t>
+            </a:r>
+            <a:r>
+              <a:rPr lang="en-NZ" dirty="0" err="1"/>
+              <a:t>wird</a:t>
+            </a:r>
+            <a:r>
+              <a:rPr lang="en-NZ" dirty="0"/>
+              <a:t> </a:t>
+            </a:r>
+            <a:r>
+              <a:rPr lang="en-NZ" dirty="0" err="1"/>
+              <a:t>zu</a:t>
+            </a:r>
+            <a:r>
+              <a:rPr lang="en-NZ" dirty="0"/>
+              <a:t>  </a:t>
+            </a:r>
+            <a:r>
+              <a:rPr lang="en-NZ" b="1" i="1" dirty="0"/>
+              <a:t>«</a:t>
+            </a:r>
+          </a:p>
+          <a:p>
+            <a:r>
+              <a:rPr lang="en-NZ" dirty="0" err="1"/>
+              <a:t>Wildcardoperator</a:t>
+            </a:r>
+            <a:r>
+              <a:rPr lang="en-NZ" dirty="0"/>
+              <a:t> </a:t>
+            </a:r>
+            <a:r>
+              <a:rPr lang="en-NZ" dirty="0" err="1"/>
+              <a:t>musste</a:t>
+            </a:r>
+            <a:r>
+              <a:rPr lang="en-NZ" dirty="0"/>
+              <a:t> neu </a:t>
+            </a:r>
+            <a:r>
+              <a:rPr lang="en-NZ" dirty="0" err="1"/>
+              <a:t>definiert</a:t>
+            </a:r>
+            <a:r>
+              <a:rPr lang="en-NZ" dirty="0"/>
+              <a:t> </a:t>
+            </a:r>
+            <a:r>
+              <a:rPr lang="en-NZ" dirty="0" err="1"/>
+              <a:t>werden</a:t>
+            </a:r>
+            <a:endParaRPr lang="en-NZ" dirty="0"/>
+          </a:p>
+        </p:txBody>
+      </p:sp>
+      <p:sp>
+        <p:nvSpPr>
+          <p:cNvPr id="4" name="Footer Placeholder 3">
+            <a:extLst>
+              <a:ext uri="{FF2B5EF4-FFF2-40B4-BE49-F238E27FC236}">
+                <a16:creationId xmlns:a16="http://schemas.microsoft.com/office/drawing/2014/main" id="{0EF7D1E5-7A19-4BA2-8CAA-9135FB90076C}"/>
+              </a:ext>
+            </a:extLst>
+          </p:cNvPr>
+          <p:cNvSpPr>
+            <a:spLocks noGrp="1"/>
+          </p:cNvSpPr>
+          <p:nvPr>
+            <p:ph type="ftr" sz="quarter" idx="11"/>
+          </p:nvPr>
+        </p:nvSpPr>
+        <p:spPr>
+          <a:xfrm>
+            <a:off x="4038600" y="6356350"/>
+            <a:ext cx="4114800" cy="365125"/>
+          </a:xfrm>
+        </p:spPr>
+        <p:txBody>
+          <a:bodyPr/>
+          <a:lstStyle/>
+          <a:p>
+            <a:r>
+              <a:rPr lang="de-DE"/>
+              <a:t>WS19/20 - PV-Modulportal - Rüffer, Vorwerk, Withöft, Zolkin</a:t>
+            </a:r>
+          </a:p>
+        </p:txBody>
+      </p:sp>
+      <p:sp>
+        <p:nvSpPr>
+          <p:cNvPr id="5" name="Slide Number Placeholder 4">
+            <a:extLst>
+              <a:ext uri="{FF2B5EF4-FFF2-40B4-BE49-F238E27FC236}">
+                <a16:creationId xmlns:a16="http://schemas.microsoft.com/office/drawing/2014/main" id="{FAC16E02-623C-4BDA-BAFA-B73797A517FD}"/>
+              </a:ext>
+            </a:extLst>
+          </p:cNvPr>
+          <p:cNvSpPr>
+            <a:spLocks noGrp="1"/>
+          </p:cNvSpPr>
+          <p:nvPr>
+            <p:ph type="sldNum" sz="quarter" idx="12"/>
+          </p:nvPr>
+        </p:nvSpPr>
+        <p:spPr>
+          <a:xfrm>
+            <a:off x="8610600" y="6356350"/>
+            <a:ext cx="2743200" cy="365125"/>
+          </a:xfrm>
+        </p:spPr>
+        <p:txBody>
+          <a:bodyPr/>
+          <a:lstStyle/>
+          <a:p>
+            <a:fld id="{969E759D-A893-4B96-8B48-96EE547EBC41}" type="slidenum">
+              <a:rPr lang="de-DE" smtClean="0"/>
+              <a:t>31</a:t>
+            </a:fld>
+            <a:endParaRPr lang="de-DE"/>
           </a:p>
         </p:txBody>
       </p:sp>
       <p:pic>
         <p:nvPicPr>
-          <p:cNvPr id="8" name="Inhaltsplatzhalter 7" descr="Ein Bild, das Screenshot enthält.&#10;&#10;Automatisch generierte Beschreibung">
-            <a:extLst>
-              <a:ext uri="{FF2B5EF4-FFF2-40B4-BE49-F238E27FC236}">
-                <a16:creationId xmlns:a16="http://schemas.microsoft.com/office/drawing/2014/main" id="{E3924121-A383-42BD-A8DC-7D467B374357}"/>
+          <p:cNvPr id="12" name="Picture 11">
+            <a:extLst>
+              <a:ext uri="{FF2B5EF4-FFF2-40B4-BE49-F238E27FC236}">
+                <a16:creationId xmlns:a16="http://schemas.microsoft.com/office/drawing/2014/main" id="{4952C6A9-A774-46DB-BDF1-F673FA48CDFD}"/>
               </a:ext>
             </a:extLst>
           </p:cNvPr>
           <p:cNvPicPr>
-            <a:picLocks noGrp="1" noChangeAspect="1"/>
+            <a:picLocks noChangeAspect="1"/>
           </p:cNvPicPr>
-          <p:nvPr>
-            <p:ph sz="half" idx="1"/>
-          </p:nvPr>
+          <p:nvPr/>
         </p:nvPicPr>
         <p:blipFill>
           <a:blip r:embed="rId2">
@@ -12056,193 +12099,18 @@
         </p:blipFill>
         <p:spPr>
           <a:xfrm>
-            <a:off x="404089" y="2654125"/>
-            <a:ext cx="5950530" cy="2895499"/>
-          </a:xfrm>
-        </p:spPr>
-      </p:pic>
-      <p:sp>
-        <p:nvSpPr>
-          <p:cNvPr id="4" name="Footer Placeholder 3">
-            <a:extLst>
-              <a:ext uri="{FF2B5EF4-FFF2-40B4-BE49-F238E27FC236}">
-                <a16:creationId xmlns:a16="http://schemas.microsoft.com/office/drawing/2014/main" id="{0EF7D1E5-7A19-4BA2-8CAA-9135FB90076C}"/>
-              </a:ext>
-            </a:extLst>
-          </p:cNvPr>
-          <p:cNvSpPr>
-            <a:spLocks noGrp="1"/>
-          </p:cNvSpPr>
-          <p:nvPr>
-            <p:ph type="ftr" sz="quarter" idx="11"/>
-          </p:nvPr>
-        </p:nvSpPr>
-        <p:spPr>
-          <a:xfrm>
-            <a:off x="4038600" y="6356350"/>
-            <a:ext cx="4114800" cy="365125"/>
-          </a:xfrm>
-        </p:spPr>
-        <p:txBody>
-          <a:bodyPr/>
-          <a:lstStyle/>
-          <a:p>
-            <a:r>
-              <a:rPr lang="de-DE"/>
-              <a:t>WS19/20 - PV-Modulportal - Rüffer, Vorwerk, Withöft, Zolkin</a:t>
-            </a:r>
-          </a:p>
-        </p:txBody>
-      </p:sp>
-      <p:sp>
-        <p:nvSpPr>
-          <p:cNvPr id="5" name="Slide Number Placeholder 4">
-            <a:extLst>
-              <a:ext uri="{FF2B5EF4-FFF2-40B4-BE49-F238E27FC236}">
-                <a16:creationId xmlns:a16="http://schemas.microsoft.com/office/drawing/2014/main" id="{FAC16E02-623C-4BDA-BAFA-B73797A517FD}"/>
-              </a:ext>
-            </a:extLst>
-          </p:cNvPr>
-          <p:cNvSpPr>
-            <a:spLocks noGrp="1"/>
-          </p:cNvSpPr>
-          <p:nvPr>
-            <p:ph type="sldNum" sz="quarter" idx="12"/>
-          </p:nvPr>
-        </p:nvSpPr>
-        <p:spPr>
-          <a:xfrm>
-            <a:off x="8610600" y="6356350"/>
-            <a:ext cx="2743200" cy="365125"/>
-          </a:xfrm>
-        </p:spPr>
-        <p:txBody>
-          <a:bodyPr/>
-          <a:lstStyle/>
-          <a:p>
-            <a:fld id="{969E759D-A893-4B96-8B48-96EE547EBC41}" type="slidenum">
-              <a:rPr lang="de-DE" smtClean="0"/>
-              <a:t>31</a:t>
-            </a:fld>
-            <a:endParaRPr lang="de-DE"/>
-          </a:p>
-        </p:txBody>
-      </p:sp>
-      <p:sp>
-        <p:nvSpPr>
-          <p:cNvPr id="9" name="Textfeld 8">
-            <a:extLst>
-              <a:ext uri="{FF2B5EF4-FFF2-40B4-BE49-F238E27FC236}">
-                <a16:creationId xmlns:a16="http://schemas.microsoft.com/office/drawing/2014/main" id="{0BC016EB-C997-45C6-8835-9C6489AE7467}"/>
-              </a:ext>
-            </a:extLst>
-          </p:cNvPr>
-          <p:cNvSpPr txBox="1"/>
-          <p:nvPr/>
-        </p:nvSpPr>
-        <p:spPr>
-          <a:xfrm>
-            <a:off x="1745671" y="2170850"/>
-            <a:ext cx="2655022" cy="369332"/>
+            <a:off x="204950" y="4377205"/>
+            <a:ext cx="11782100" cy="1189273"/>
           </a:xfrm>
           <a:prstGeom prst="rect">
             <a:avLst/>
           </a:prstGeom>
-          <a:noFill/>
-        </p:spPr>
-        <p:txBody>
-          <a:bodyPr wrap="none" rtlCol="0">
-            <a:spAutoFit/>
-          </a:bodyPr>
-          <a:lstStyle/>
-          <a:p>
-            <a:r>
-              <a:rPr lang="de-DE" dirty="0"/>
-              <a:t>Parsen der GET-Parameter</a:t>
-            </a:r>
-          </a:p>
-        </p:txBody>
-      </p:sp>
-      <p:pic>
-        <p:nvPicPr>
-          <p:cNvPr id="11" name="Grafik 10" descr="Ein Bild, das Screenshot enthält.&#10;&#10;Automatisch generierte Beschreibung">
-            <a:extLst>
-              <a:ext uri="{FF2B5EF4-FFF2-40B4-BE49-F238E27FC236}">
-                <a16:creationId xmlns:a16="http://schemas.microsoft.com/office/drawing/2014/main" id="{2788B166-ACA4-49D8-8267-C2B86797E620}"/>
-              </a:ext>
-            </a:extLst>
-          </p:cNvPr>
-          <p:cNvPicPr>
-            <a:picLocks noChangeAspect="1"/>
-          </p:cNvPicPr>
-          <p:nvPr/>
-        </p:nvPicPr>
-        <p:blipFill>
-          <a:blip r:embed="rId3">
-            <a:extLst>
-              <a:ext uri="{28A0092B-C50C-407E-A947-70E740481C1C}">
-                <a14:useLocalDpi xmlns:a14="http://schemas.microsoft.com/office/drawing/2010/main" val="0"/>
-              </a:ext>
-            </a:extLst>
-          </a:blip>
-          <a:stretch>
-            <a:fillRect/>
-          </a:stretch>
-        </p:blipFill>
-        <p:spPr>
-          <a:xfrm>
-            <a:off x="6902064" y="2654125"/>
-            <a:ext cx="5197657" cy="2895499"/>
-          </a:xfrm>
-          <a:prstGeom prst="rect">
-            <a:avLst/>
-          </a:prstGeom>
         </p:spPr>
       </p:pic>
-      <p:sp>
-        <p:nvSpPr>
-          <p:cNvPr id="16" name="Textfeld 15">
-            <a:extLst>
-              <a:ext uri="{FF2B5EF4-FFF2-40B4-BE49-F238E27FC236}">
-                <a16:creationId xmlns:a16="http://schemas.microsoft.com/office/drawing/2014/main" id="{3B830095-FAAF-4349-B714-8DEAD2804688}"/>
-              </a:ext>
-            </a:extLst>
-          </p:cNvPr>
-          <p:cNvSpPr txBox="1"/>
-          <p:nvPr/>
-        </p:nvSpPr>
-        <p:spPr>
-          <a:xfrm>
-            <a:off x="7976034" y="2170850"/>
-            <a:ext cx="3066737" cy="369332"/>
-          </a:xfrm>
-          <a:prstGeom prst="rect">
-            <a:avLst/>
-          </a:prstGeom>
-          <a:noFill/>
-        </p:spPr>
-        <p:txBody>
-          <a:bodyPr wrap="none" rtlCol="0">
-            <a:spAutoFit/>
-          </a:bodyPr>
-          <a:lstStyle/>
-          <a:p>
-            <a:r>
-              <a:rPr lang="de-DE" dirty="0"/>
-              <a:t>Einfügen in die </a:t>
-            </a:r>
-            <a:r>
-              <a:rPr lang="de-DE" dirty="0" err="1"/>
-              <a:t>PreparedQuery</a:t>
-            </a:r>
-            <a:endParaRPr lang="de-DE" dirty="0"/>
-          </a:p>
-        </p:txBody>
-      </p:sp>
     </p:spTree>
     <p:extLst>
       <p:ext uri="{BB962C8B-B14F-4D97-AF65-F5344CB8AC3E}">
-        <p14:creationId xmlns:p14="http://schemas.microsoft.com/office/powerpoint/2010/main" val="622820045"/>
+        <p14:creationId xmlns:p14="http://schemas.microsoft.com/office/powerpoint/2010/main" val="1507256200"/>
       </p:ext>
     </p:extLst>
   </p:cSld>
@@ -12318,127 +12186,27 @@
             </a:r>
             <a:r>
               <a:rPr lang="en-NZ" dirty="0"/>
-              <a:t> II</a:t>
+              <a:t> I</a:t>
             </a:r>
             <a:endParaRPr lang="de-DE" dirty="0"/>
-          </a:p>
-        </p:txBody>
-      </p:sp>
-      <p:sp>
-        <p:nvSpPr>
-          <p:cNvPr id="4" name="Footer Placeholder 3">
-            <a:extLst>
-              <a:ext uri="{FF2B5EF4-FFF2-40B4-BE49-F238E27FC236}">
-                <a16:creationId xmlns:a16="http://schemas.microsoft.com/office/drawing/2014/main" id="{0EF7D1E5-7A19-4BA2-8CAA-9135FB90076C}"/>
-              </a:ext>
-            </a:extLst>
-          </p:cNvPr>
-          <p:cNvSpPr>
-            <a:spLocks noGrp="1"/>
-          </p:cNvSpPr>
-          <p:nvPr>
-            <p:ph type="ftr" sz="quarter" idx="11"/>
-          </p:nvPr>
-        </p:nvSpPr>
-        <p:spPr>
-          <a:xfrm>
-            <a:off x="4038600" y="6356350"/>
-            <a:ext cx="4114800" cy="365125"/>
-          </a:xfrm>
-        </p:spPr>
-        <p:txBody>
-          <a:bodyPr/>
-          <a:lstStyle/>
-          <a:p>
-            <a:r>
-              <a:rPr lang="de-DE"/>
-              <a:t>WS19/20 - PV-Modulportal - Rüffer, Vorwerk, Withöft, Zolkin</a:t>
-            </a:r>
-          </a:p>
-        </p:txBody>
-      </p:sp>
-      <p:sp>
-        <p:nvSpPr>
-          <p:cNvPr id="5" name="Slide Number Placeholder 4">
-            <a:extLst>
-              <a:ext uri="{FF2B5EF4-FFF2-40B4-BE49-F238E27FC236}">
-                <a16:creationId xmlns:a16="http://schemas.microsoft.com/office/drawing/2014/main" id="{FAC16E02-623C-4BDA-BAFA-B73797A517FD}"/>
-              </a:ext>
-            </a:extLst>
-          </p:cNvPr>
-          <p:cNvSpPr>
-            <a:spLocks noGrp="1"/>
-          </p:cNvSpPr>
-          <p:nvPr>
-            <p:ph type="sldNum" sz="quarter" idx="12"/>
-          </p:nvPr>
-        </p:nvSpPr>
-        <p:spPr>
-          <a:xfrm>
-            <a:off x="8610600" y="6356350"/>
-            <a:ext cx="2743200" cy="365125"/>
-          </a:xfrm>
-        </p:spPr>
-        <p:txBody>
-          <a:bodyPr/>
-          <a:lstStyle/>
-          <a:p>
-            <a:fld id="{969E759D-A893-4B96-8B48-96EE547EBC41}" type="slidenum">
-              <a:rPr lang="de-DE" smtClean="0"/>
-              <a:t>32</a:t>
-            </a:fld>
-            <a:endParaRPr lang="de-DE"/>
-          </a:p>
-        </p:txBody>
-      </p:sp>
-      <p:sp>
-        <p:nvSpPr>
-          <p:cNvPr id="9" name="Textfeld 8">
-            <a:extLst>
-              <a:ext uri="{FF2B5EF4-FFF2-40B4-BE49-F238E27FC236}">
-                <a16:creationId xmlns:a16="http://schemas.microsoft.com/office/drawing/2014/main" id="{0BC016EB-C997-45C6-8835-9C6489AE7467}"/>
-              </a:ext>
-            </a:extLst>
-          </p:cNvPr>
-          <p:cNvSpPr txBox="1"/>
-          <p:nvPr/>
-        </p:nvSpPr>
-        <p:spPr>
-          <a:xfrm>
-            <a:off x="4123633" y="2114068"/>
-            <a:ext cx="3944734" cy="369332"/>
-          </a:xfrm>
-          <a:prstGeom prst="rect">
-            <a:avLst/>
-          </a:prstGeom>
-          <a:noFill/>
-        </p:spPr>
-        <p:txBody>
-          <a:bodyPr wrap="none" rtlCol="0">
-            <a:spAutoFit/>
-          </a:bodyPr>
-          <a:lstStyle/>
-          <a:p>
-            <a:r>
-              <a:rPr lang="de-DE" dirty="0"/>
-              <a:t>Parameter binden, Ersetzung von § zu %</a:t>
-            </a:r>
           </a:p>
         </p:txBody>
       </p:sp>
       <p:pic>
         <p:nvPicPr>
-          <p:cNvPr id="6" name="Grafik 5" descr="Ein Bild, das Messer enthält.&#10;&#10;Automatisch generierte Beschreibung">
-            <a:extLst>
-              <a:ext uri="{FF2B5EF4-FFF2-40B4-BE49-F238E27FC236}">
-                <a16:creationId xmlns:a16="http://schemas.microsoft.com/office/drawing/2014/main" id="{33492598-0506-4F48-9736-08ECA55DD99C}"/>
+          <p:cNvPr id="8" name="Inhaltsplatzhalter 7" descr="Ein Bild, das Screenshot enthält.&#10;&#10;Automatisch generierte Beschreibung">
+            <a:extLst>
+              <a:ext uri="{FF2B5EF4-FFF2-40B4-BE49-F238E27FC236}">
+                <a16:creationId xmlns:a16="http://schemas.microsoft.com/office/drawing/2014/main" id="{E3924121-A383-42BD-A8DC-7D467B374357}"/>
               </a:ext>
             </a:extLst>
           </p:cNvPr>
           <p:cNvPicPr>
-            <a:picLocks noChangeAspect="1"/>
+            <a:picLocks noGrp="1" noChangeAspect="1"/>
           </p:cNvPicPr>
-          <p:nvPr/>
+          <p:nvPr>
+            <p:ph sz="half" idx="1"/>
+          </p:nvPr>
         </p:nvPicPr>
         <p:blipFill>
           <a:blip r:embed="rId2">
@@ -12454,18 +12222,193 @@
         </p:blipFill>
         <p:spPr>
           <a:xfrm>
-            <a:off x="2342626" y="2776583"/>
-            <a:ext cx="7506748" cy="1095528"/>
+            <a:off x="404089" y="2654125"/>
+            <a:ext cx="5950530" cy="2895499"/>
+          </a:xfrm>
+        </p:spPr>
+      </p:pic>
+      <p:sp>
+        <p:nvSpPr>
+          <p:cNvPr id="4" name="Footer Placeholder 3">
+            <a:extLst>
+              <a:ext uri="{FF2B5EF4-FFF2-40B4-BE49-F238E27FC236}">
+                <a16:creationId xmlns:a16="http://schemas.microsoft.com/office/drawing/2014/main" id="{0EF7D1E5-7A19-4BA2-8CAA-9135FB90076C}"/>
+              </a:ext>
+            </a:extLst>
+          </p:cNvPr>
+          <p:cNvSpPr>
+            <a:spLocks noGrp="1"/>
+          </p:cNvSpPr>
+          <p:nvPr>
+            <p:ph type="ftr" sz="quarter" idx="11"/>
+          </p:nvPr>
+        </p:nvSpPr>
+        <p:spPr>
+          <a:xfrm>
+            <a:off x="4038600" y="6356350"/>
+            <a:ext cx="4114800" cy="365125"/>
+          </a:xfrm>
+        </p:spPr>
+        <p:txBody>
+          <a:bodyPr/>
+          <a:lstStyle/>
+          <a:p>
+            <a:r>
+              <a:rPr lang="de-DE"/>
+              <a:t>WS19/20 - PV-Modulportal - Rüffer, Vorwerk, Withöft, Zolkin</a:t>
+            </a:r>
+          </a:p>
+        </p:txBody>
+      </p:sp>
+      <p:sp>
+        <p:nvSpPr>
+          <p:cNvPr id="5" name="Slide Number Placeholder 4">
+            <a:extLst>
+              <a:ext uri="{FF2B5EF4-FFF2-40B4-BE49-F238E27FC236}">
+                <a16:creationId xmlns:a16="http://schemas.microsoft.com/office/drawing/2014/main" id="{FAC16E02-623C-4BDA-BAFA-B73797A517FD}"/>
+              </a:ext>
+            </a:extLst>
+          </p:cNvPr>
+          <p:cNvSpPr>
+            <a:spLocks noGrp="1"/>
+          </p:cNvSpPr>
+          <p:nvPr>
+            <p:ph type="sldNum" sz="quarter" idx="12"/>
+          </p:nvPr>
+        </p:nvSpPr>
+        <p:spPr>
+          <a:xfrm>
+            <a:off x="8610600" y="6356350"/>
+            <a:ext cx="2743200" cy="365125"/>
+          </a:xfrm>
+        </p:spPr>
+        <p:txBody>
+          <a:bodyPr/>
+          <a:lstStyle/>
+          <a:p>
+            <a:fld id="{969E759D-A893-4B96-8B48-96EE547EBC41}" type="slidenum">
+              <a:rPr lang="de-DE" smtClean="0"/>
+              <a:t>32</a:t>
+            </a:fld>
+            <a:endParaRPr lang="de-DE"/>
+          </a:p>
+        </p:txBody>
+      </p:sp>
+      <p:sp>
+        <p:nvSpPr>
+          <p:cNvPr id="9" name="Textfeld 8">
+            <a:extLst>
+              <a:ext uri="{FF2B5EF4-FFF2-40B4-BE49-F238E27FC236}">
+                <a16:creationId xmlns:a16="http://schemas.microsoft.com/office/drawing/2014/main" id="{0BC016EB-C997-45C6-8835-9C6489AE7467}"/>
+              </a:ext>
+            </a:extLst>
+          </p:cNvPr>
+          <p:cNvSpPr txBox="1"/>
+          <p:nvPr/>
+        </p:nvSpPr>
+        <p:spPr>
+          <a:xfrm>
+            <a:off x="1745671" y="2170850"/>
+            <a:ext cx="2655022" cy="369332"/>
           </a:xfrm>
           <a:prstGeom prst="rect">
             <a:avLst/>
           </a:prstGeom>
+          <a:noFill/>
+        </p:spPr>
+        <p:txBody>
+          <a:bodyPr wrap="none" rtlCol="0">
+            <a:spAutoFit/>
+          </a:bodyPr>
+          <a:lstStyle/>
+          <a:p>
+            <a:r>
+              <a:rPr lang="de-DE" dirty="0"/>
+              <a:t>Parsen der GET-Parameter</a:t>
+            </a:r>
+          </a:p>
+        </p:txBody>
+      </p:sp>
+      <p:pic>
+        <p:nvPicPr>
+          <p:cNvPr id="11" name="Grafik 10" descr="Ein Bild, das Screenshot enthält.&#10;&#10;Automatisch generierte Beschreibung">
+            <a:extLst>
+              <a:ext uri="{FF2B5EF4-FFF2-40B4-BE49-F238E27FC236}">
+                <a16:creationId xmlns:a16="http://schemas.microsoft.com/office/drawing/2014/main" id="{2788B166-ACA4-49D8-8267-C2B86797E620}"/>
+              </a:ext>
+            </a:extLst>
+          </p:cNvPr>
+          <p:cNvPicPr>
+            <a:picLocks noChangeAspect="1"/>
+          </p:cNvPicPr>
+          <p:nvPr/>
+        </p:nvPicPr>
+        <p:blipFill>
+          <a:blip r:embed="rId3">
+            <a:extLst>
+              <a:ext uri="{28A0092B-C50C-407E-A947-70E740481C1C}">
+                <a14:useLocalDpi xmlns:a14="http://schemas.microsoft.com/office/drawing/2010/main" val="0"/>
+              </a:ext>
+            </a:extLst>
+          </a:blip>
+          <a:stretch>
+            <a:fillRect/>
+          </a:stretch>
+        </p:blipFill>
+        <p:spPr>
+          <a:xfrm>
+            <a:off x="6902064" y="2654125"/>
+            <a:ext cx="5197657" cy="2895499"/>
+          </a:xfrm>
+          <a:prstGeom prst="rect">
+            <a:avLst/>
+          </a:prstGeom>
         </p:spPr>
       </p:pic>
+      <p:sp>
+        <p:nvSpPr>
+          <p:cNvPr id="16" name="Textfeld 15">
+            <a:extLst>
+              <a:ext uri="{FF2B5EF4-FFF2-40B4-BE49-F238E27FC236}">
+                <a16:creationId xmlns:a16="http://schemas.microsoft.com/office/drawing/2014/main" id="{3B830095-FAAF-4349-B714-8DEAD2804688}"/>
+              </a:ext>
+            </a:extLst>
+          </p:cNvPr>
+          <p:cNvSpPr txBox="1"/>
+          <p:nvPr/>
+        </p:nvSpPr>
+        <p:spPr>
+          <a:xfrm>
+            <a:off x="7976034" y="2170850"/>
+            <a:ext cx="3066737" cy="369332"/>
+          </a:xfrm>
+          <a:prstGeom prst="rect">
+            <a:avLst/>
+          </a:prstGeom>
+          <a:noFill/>
+        </p:spPr>
+        <p:txBody>
+          <a:bodyPr wrap="none" rtlCol="0">
+            <a:spAutoFit/>
+          </a:bodyPr>
+          <a:lstStyle/>
+          <a:p>
+            <a:r>
+              <a:rPr lang="de-DE" dirty="0"/>
+              <a:t>Einfügen in die </a:t>
+            </a:r>
+            <a:r>
+              <a:rPr lang="de-DE" dirty="0" err="1"/>
+              <a:t>PreparedQuery</a:t>
+            </a:r>
+            <a:endParaRPr lang="de-DE" dirty="0"/>
+          </a:p>
+        </p:txBody>
+      </p:sp>
     </p:spTree>
     <p:extLst>
       <p:ext uri="{BB962C8B-B14F-4D97-AF65-F5344CB8AC3E}">
-        <p14:creationId xmlns:p14="http://schemas.microsoft.com/office/powerpoint/2010/main" val="1073039314"/>
+        <p14:creationId xmlns:p14="http://schemas.microsoft.com/office/powerpoint/2010/main" val="622820045"/>
       </p:ext>
     </p:extLst>
   </p:cSld>
@@ -12494,10 +12437,10 @@
       </p:grpSpPr>
       <p:sp>
         <p:nvSpPr>
-          <p:cNvPr id="2" name="Titel 1">
-            <a:extLst>
-              <a:ext uri="{FF2B5EF4-FFF2-40B4-BE49-F238E27FC236}">
-                <a16:creationId xmlns:a16="http://schemas.microsoft.com/office/drawing/2014/main" id="{17DEE8A4-A5A4-4301-9176-15D6AA2023C5}"/>
+          <p:cNvPr id="2" name="Title 1">
+            <a:extLst>
+              <a:ext uri="{FF2B5EF4-FFF2-40B4-BE49-F238E27FC236}">
+                <a16:creationId xmlns:a16="http://schemas.microsoft.com/office/drawing/2014/main" id="{4C84315F-315F-4066-9D3A-472733691F27}"/>
               </a:ext>
             </a:extLst>
           </p:cNvPr>
@@ -12508,9 +12451,16 @@
             <p:ph type="title"/>
           </p:nvPr>
         </p:nvSpPr>
-        <p:spPr/>
-        <p:txBody>
-          <a:bodyPr/>
+        <p:spPr>
+          <a:xfrm>
+            <a:off x="838200" y="365125"/>
+            <a:ext cx="10515600" cy="1325563"/>
+          </a:xfrm>
+        </p:spPr>
+        <p:txBody>
+          <a:bodyPr>
+            <a:normAutofit/>
+          </a:bodyPr>
           <a:lstStyle/>
           <a:p>
             <a:r>
@@ -12519,7 +12469,7 @@
             </a:r>
             <a:r>
               <a:rPr lang="en-NZ" dirty="0"/>
-              <a:t>  – 	Frontend</a:t>
+              <a:t>  – 	Backend</a:t>
             </a:r>
             <a:br>
               <a:rPr lang="en-NZ" dirty="0"/>
@@ -12530,7 +12480,11 @@
             </a:r>
             <a:r>
               <a:rPr lang="en-NZ" dirty="0" err="1"/>
-              <a:t>Kommentare</a:t>
+              <a:t>Suche</a:t>
+            </a:r>
+            <a:r>
+              <a:rPr lang="en-NZ" dirty="0"/>
+              <a:t> II</a:t>
             </a:r>
             <a:endParaRPr lang="de-DE" dirty="0"/>
           </a:p>
@@ -12538,38 +12492,10 @@
       </p:sp>
       <p:sp>
         <p:nvSpPr>
-          <p:cNvPr id="3" name="Inhaltsplatzhalter 2">
-            <a:extLst>
-              <a:ext uri="{FF2B5EF4-FFF2-40B4-BE49-F238E27FC236}">
-                <a16:creationId xmlns:a16="http://schemas.microsoft.com/office/drawing/2014/main" id="{F00680B5-0C22-4D42-BEA8-0B4B975F1B86}"/>
-              </a:ext>
-            </a:extLst>
-          </p:cNvPr>
-          <p:cNvSpPr>
-            <a:spLocks noGrp="1"/>
-          </p:cNvSpPr>
-          <p:nvPr>
-            <p:ph sz="half" idx="1"/>
-          </p:nvPr>
-        </p:nvSpPr>
-        <p:spPr/>
-        <p:txBody>
-          <a:bodyPr/>
-          <a:lstStyle/>
-          <a:p>
-            <a:r>
-              <a:rPr lang="de-DE" dirty="0"/>
-              <a:t>SWAC Komponente</a:t>
-            </a:r>
-          </a:p>
-        </p:txBody>
-      </p:sp>
-      <p:sp>
-        <p:nvSpPr>
-          <p:cNvPr id="5" name="Fußzeilenplatzhalter 4">
-            <a:extLst>
-              <a:ext uri="{FF2B5EF4-FFF2-40B4-BE49-F238E27FC236}">
-                <a16:creationId xmlns:a16="http://schemas.microsoft.com/office/drawing/2014/main" id="{DB08F782-DCB4-4161-88AE-F7AA7041A40F}"/>
+          <p:cNvPr id="4" name="Footer Placeholder 3">
+            <a:extLst>
+              <a:ext uri="{FF2B5EF4-FFF2-40B4-BE49-F238E27FC236}">
+                <a16:creationId xmlns:a16="http://schemas.microsoft.com/office/drawing/2014/main" id="{0EF7D1E5-7A19-4BA2-8CAA-9135FB90076C}"/>
               </a:ext>
             </a:extLst>
           </p:cNvPr>
@@ -12580,7 +12506,12 @@
             <p:ph type="ftr" sz="quarter" idx="11"/>
           </p:nvPr>
         </p:nvSpPr>
-        <p:spPr/>
+        <p:spPr>
+          <a:xfrm>
+            <a:off x="4038600" y="6356350"/>
+            <a:ext cx="4114800" cy="365125"/>
+          </a:xfrm>
+        </p:spPr>
         <p:txBody>
           <a:bodyPr/>
           <a:lstStyle/>
@@ -12594,10 +12525,10 @@
       </p:sp>
       <p:sp>
         <p:nvSpPr>
-          <p:cNvPr id="6" name="Foliennummernplatzhalter 5">
-            <a:extLst>
-              <a:ext uri="{FF2B5EF4-FFF2-40B4-BE49-F238E27FC236}">
-                <a16:creationId xmlns:a16="http://schemas.microsoft.com/office/drawing/2014/main" id="{3E21B9F1-DC31-40EC-82DF-25E8412AFF2C}"/>
+          <p:cNvPr id="5" name="Slide Number Placeholder 4">
+            <a:extLst>
+              <a:ext uri="{FF2B5EF4-FFF2-40B4-BE49-F238E27FC236}">
+                <a16:creationId xmlns:a16="http://schemas.microsoft.com/office/drawing/2014/main" id="{FAC16E02-623C-4BDA-BAFA-B73797A517FD}"/>
               </a:ext>
             </a:extLst>
           </p:cNvPr>
@@ -12608,7 +12539,12 @@
             <p:ph type="sldNum" sz="quarter" idx="12"/>
           </p:nvPr>
         </p:nvSpPr>
-        <p:spPr/>
+        <p:spPr>
+          <a:xfrm>
+            <a:off x="8610600" y="6356350"/>
+            <a:ext cx="2743200" cy="365125"/>
+          </a:xfrm>
+        </p:spPr>
         <p:txBody>
           <a:bodyPr/>
           <a:lstStyle/>
@@ -12621,31 +12557,71 @@
           </a:p>
         </p:txBody>
       </p:sp>
+      <p:sp>
+        <p:nvSpPr>
+          <p:cNvPr id="9" name="Textfeld 8">
+            <a:extLst>
+              <a:ext uri="{FF2B5EF4-FFF2-40B4-BE49-F238E27FC236}">
+                <a16:creationId xmlns:a16="http://schemas.microsoft.com/office/drawing/2014/main" id="{0BC016EB-C997-45C6-8835-9C6489AE7467}"/>
+              </a:ext>
+            </a:extLst>
+          </p:cNvPr>
+          <p:cNvSpPr txBox="1"/>
+          <p:nvPr/>
+        </p:nvSpPr>
+        <p:spPr>
+          <a:xfrm>
+            <a:off x="4123633" y="2114068"/>
+            <a:ext cx="3944734" cy="369332"/>
+          </a:xfrm>
+          <a:prstGeom prst="rect">
+            <a:avLst/>
+          </a:prstGeom>
+          <a:noFill/>
+        </p:spPr>
+        <p:txBody>
+          <a:bodyPr wrap="none" rtlCol="0">
+            <a:spAutoFit/>
+          </a:bodyPr>
+          <a:lstStyle/>
+          <a:p>
+            <a:r>
+              <a:rPr lang="de-DE" dirty="0"/>
+              <a:t>Parameter binden, Ersetzung von § zu %</a:t>
+            </a:r>
+          </a:p>
+        </p:txBody>
+      </p:sp>
       <p:pic>
         <p:nvPicPr>
-          <p:cNvPr id="11" name="Inhaltsplatzhalter 10">
-            <a:extLst>
-              <a:ext uri="{FF2B5EF4-FFF2-40B4-BE49-F238E27FC236}">
-                <a16:creationId xmlns:a16="http://schemas.microsoft.com/office/drawing/2014/main" id="{007F4C84-4F4F-4520-885C-408A29A85748}"/>
+          <p:cNvPr id="6" name="Grafik 5" descr="Ein Bild, das Messer enthält.&#10;&#10;Automatisch generierte Beschreibung">
+            <a:extLst>
+              <a:ext uri="{FF2B5EF4-FFF2-40B4-BE49-F238E27FC236}">
+                <a16:creationId xmlns:a16="http://schemas.microsoft.com/office/drawing/2014/main" id="{33492598-0506-4F48-9736-08ECA55DD99C}"/>
               </a:ext>
             </a:extLst>
           </p:cNvPr>
           <p:cNvPicPr>
-            <a:picLocks noGrp="1" noChangeAspect="1"/>
+            <a:picLocks noChangeAspect="1"/>
           </p:cNvPicPr>
-          <p:nvPr>
-            <p:ph sz="half" idx="2"/>
-          </p:nvPr>
+          <p:nvPr/>
         </p:nvPicPr>
-        <p:blipFill rotWithShape="1">
-          <a:blip r:embed="rId2"/>
-          <a:srcRect t="28846"/>
-          <a:stretch/>
+        <p:blipFill>
+          <a:blip r:embed="rId2">
+            <a:extLst>
+              <a:ext uri="{28A0092B-C50C-407E-A947-70E740481C1C}">
+                <a14:useLocalDpi xmlns:a14="http://schemas.microsoft.com/office/drawing/2010/main" val="0"/>
+              </a:ext>
+            </a:extLst>
+          </a:blip>
+          <a:stretch>
+            <a:fillRect/>
+          </a:stretch>
         </p:blipFill>
         <p:spPr>
           <a:xfrm>
-            <a:off x="520699" y="2312988"/>
-            <a:ext cx="11519669" cy="3998912"/>
+            <a:off x="2342626" y="2776583"/>
+            <a:ext cx="7506748" cy="1095528"/>
           </a:xfrm>
           <a:prstGeom prst="rect">
             <a:avLst/>
@@ -12655,7 +12631,7 @@
     </p:spTree>
     <p:extLst>
       <p:ext uri="{BB962C8B-B14F-4D97-AF65-F5344CB8AC3E}">
-        <p14:creationId xmlns:p14="http://schemas.microsoft.com/office/powerpoint/2010/main" val="2584507575"/>
+        <p14:creationId xmlns:p14="http://schemas.microsoft.com/office/powerpoint/2010/main" val="1073039314"/>
       </p:ext>
     </p:extLst>
   </p:cSld>
@@ -12749,43 +12725,11 @@
           <a:p>
             <a:r>
               <a:rPr lang="de-DE" dirty="0"/>
-              <a:t>Senden eines Kommentares</a:t>
-            </a:r>
-          </a:p>
-        </p:txBody>
-      </p:sp>
-      <p:pic>
-        <p:nvPicPr>
-          <p:cNvPr id="8" name="Inhaltsplatzhalter 7">
-            <a:extLst>
-              <a:ext uri="{FF2B5EF4-FFF2-40B4-BE49-F238E27FC236}">
-                <a16:creationId xmlns:a16="http://schemas.microsoft.com/office/drawing/2014/main" id="{FBAEB1D6-5F14-4FA5-9CC1-F1F27B76CF93}"/>
-              </a:ext>
-            </a:extLst>
-          </p:cNvPr>
-          <p:cNvPicPr>
-            <a:picLocks noGrp="1" noChangeAspect="1"/>
-          </p:cNvPicPr>
-          <p:nvPr>
-            <p:ph sz="half" idx="2"/>
-          </p:nvPr>
-        </p:nvPicPr>
-        <p:blipFill>
-          <a:blip r:embed="rId2"/>
-          <a:stretch>
-            <a:fillRect/>
-          </a:stretch>
-        </p:blipFill>
-        <p:spPr>
-          <a:xfrm>
-            <a:off x="635347" y="2341563"/>
-            <a:ext cx="10921305" cy="4151312"/>
-          </a:xfrm>
-          <a:prstGeom prst="rect">
-            <a:avLst/>
-          </a:prstGeom>
-        </p:spPr>
-      </p:pic>
+              <a:t>SWAC Komponente</a:t>
+            </a:r>
+          </a:p>
+        </p:txBody>
+      </p:sp>
       <p:sp>
         <p:nvSpPr>
           <p:cNvPr id="5" name="Fußzeilenplatzhalter 4">
@@ -12843,10 +12787,41 @@
           </a:p>
         </p:txBody>
       </p:sp>
+      <p:pic>
+        <p:nvPicPr>
+          <p:cNvPr id="11" name="Inhaltsplatzhalter 10">
+            <a:extLst>
+              <a:ext uri="{FF2B5EF4-FFF2-40B4-BE49-F238E27FC236}">
+                <a16:creationId xmlns:a16="http://schemas.microsoft.com/office/drawing/2014/main" id="{007F4C84-4F4F-4520-885C-408A29A85748}"/>
+              </a:ext>
+            </a:extLst>
+          </p:cNvPr>
+          <p:cNvPicPr>
+            <a:picLocks noGrp="1" noChangeAspect="1"/>
+          </p:cNvPicPr>
+          <p:nvPr>
+            <p:ph sz="half" idx="2"/>
+          </p:nvPr>
+        </p:nvPicPr>
+        <p:blipFill rotWithShape="1">
+          <a:blip r:embed="rId2"/>
+          <a:srcRect t="28846"/>
+          <a:stretch/>
+        </p:blipFill>
+        <p:spPr>
+          <a:xfrm>
+            <a:off x="520699" y="2312988"/>
+            <a:ext cx="11519669" cy="3998912"/>
+          </a:xfrm>
+          <a:prstGeom prst="rect">
+            <a:avLst/>
+          </a:prstGeom>
+        </p:spPr>
+      </p:pic>
     </p:spTree>
     <p:extLst>
       <p:ext uri="{BB962C8B-B14F-4D97-AF65-F5344CB8AC3E}">
-        <p14:creationId xmlns:p14="http://schemas.microsoft.com/office/powerpoint/2010/main" val="3451479124"/>
+        <p14:creationId xmlns:p14="http://schemas.microsoft.com/office/powerpoint/2010/main" val="2584507575"/>
       </p:ext>
     </p:extLst>
   </p:cSld>
@@ -12875,10 +12850,10 @@
       </p:grpSpPr>
       <p:sp>
         <p:nvSpPr>
-          <p:cNvPr id="2" name="Title 1">
-            <a:extLst>
-              <a:ext uri="{FF2B5EF4-FFF2-40B4-BE49-F238E27FC236}">
-                <a16:creationId xmlns:a16="http://schemas.microsoft.com/office/drawing/2014/main" id="{4C84315F-315F-4066-9D3A-472733691F27}"/>
+          <p:cNvPr id="2" name="Titel 1">
+            <a:extLst>
+              <a:ext uri="{FF2B5EF4-FFF2-40B4-BE49-F238E27FC236}">
+                <a16:creationId xmlns:a16="http://schemas.microsoft.com/office/drawing/2014/main" id="{17DEE8A4-A5A4-4301-9176-15D6AA2023C5}"/>
               </a:ext>
             </a:extLst>
           </p:cNvPr>
@@ -12889,16 +12864,9 @@
             <p:ph type="title"/>
           </p:nvPr>
         </p:nvSpPr>
-        <p:spPr>
-          <a:xfrm>
-            <a:off x="838200" y="365125"/>
-            <a:ext cx="10515600" cy="1325563"/>
-          </a:xfrm>
-        </p:spPr>
-        <p:txBody>
-          <a:bodyPr>
-            <a:normAutofit/>
-          </a:bodyPr>
+        <p:spPr/>
+        <p:txBody>
+          <a:bodyPr/>
           <a:lstStyle/>
           <a:p>
             <a:r>
@@ -12907,7 +12875,7 @@
             </a:r>
             <a:r>
               <a:rPr lang="en-NZ" dirty="0"/>
-              <a:t>  – 	Backend</a:t>
+              <a:t>  – 	Frontend</a:t>
             </a:r>
             <a:br>
               <a:rPr lang="en-NZ" dirty="0"/>
@@ -12926,10 +12894,10 @@
       </p:sp>
       <p:sp>
         <p:nvSpPr>
-          <p:cNvPr id="3" name="Content Placeholder 2">
-            <a:extLst>
-              <a:ext uri="{FF2B5EF4-FFF2-40B4-BE49-F238E27FC236}">
-                <a16:creationId xmlns:a16="http://schemas.microsoft.com/office/drawing/2014/main" id="{3CCB48FF-D0DB-4239-BF7B-3AC940333DEC}"/>
+          <p:cNvPr id="3" name="Inhaltsplatzhalter 2">
+            <a:extLst>
+              <a:ext uri="{FF2B5EF4-FFF2-40B4-BE49-F238E27FC236}">
+                <a16:creationId xmlns:a16="http://schemas.microsoft.com/office/drawing/2014/main" id="{F00680B5-0C22-4D42-BEA8-0B4B975F1B86}"/>
               </a:ext>
             </a:extLst>
           </p:cNvPr>
@@ -12940,226 +12908,111 @@
             <p:ph sz="half" idx="1"/>
           </p:nvPr>
         </p:nvSpPr>
-        <p:spPr>
-          <a:xfrm>
-            <a:off x="838200" y="1825624"/>
-            <a:ext cx="3706091" cy="4055627"/>
-          </a:xfrm>
-        </p:spPr>
-        <p:txBody>
-          <a:bodyPr>
-            <a:normAutofit/>
-          </a:bodyPr>
-          <a:lstStyle/>
-          <a:p>
-            <a:r>
-              <a:rPr lang="en-NZ" dirty="0" err="1"/>
-              <a:t>Kommentare</a:t>
-            </a:r>
-            <a:r>
-              <a:rPr lang="en-NZ" dirty="0"/>
-              <a:t> </a:t>
-            </a:r>
-            <a:r>
-              <a:rPr lang="en-NZ" dirty="0" err="1"/>
-              <a:t>können</a:t>
-            </a:r>
-            <a:r>
-              <a:rPr lang="en-NZ" dirty="0"/>
-              <a:t> </a:t>
-            </a:r>
-            <a:r>
-              <a:rPr lang="en-NZ" dirty="0" err="1"/>
-              <a:t>verschachtelt</a:t>
-            </a:r>
-            <a:r>
-              <a:rPr lang="en-NZ" dirty="0"/>
-              <a:t> </a:t>
-            </a:r>
-            <a:r>
-              <a:rPr lang="en-NZ" dirty="0" err="1"/>
-              <a:t>werden</a:t>
-            </a:r>
-            <a:endParaRPr lang="en-NZ" dirty="0"/>
-          </a:p>
-          <a:p>
-            <a:r>
-              <a:rPr lang="en-NZ" dirty="0"/>
-              <a:t>Parent-</a:t>
-            </a:r>
-            <a:r>
-              <a:rPr lang="en-NZ" dirty="0" err="1"/>
-              <a:t>Kommentare</a:t>
-            </a:r>
-            <a:r>
-              <a:rPr lang="en-NZ" dirty="0"/>
-              <a:t> </a:t>
-            </a:r>
-            <a:r>
-              <a:rPr lang="en-NZ" dirty="0" err="1"/>
-              <a:t>müssen</a:t>
-            </a:r>
-            <a:r>
-              <a:rPr lang="en-NZ" dirty="0"/>
-              <a:t> </a:t>
-            </a:r>
-            <a:r>
-              <a:rPr lang="en-NZ" dirty="0" err="1"/>
-              <a:t>referenziert</a:t>
-            </a:r>
-            <a:r>
-              <a:rPr lang="en-NZ" dirty="0"/>
-              <a:t> </a:t>
-            </a:r>
-            <a:r>
-              <a:rPr lang="en-NZ" dirty="0" err="1"/>
-              <a:t>werden</a:t>
-            </a:r>
-            <a:endParaRPr lang="en-NZ" dirty="0"/>
-          </a:p>
-          <a:p>
-            <a:pPr lvl="1">
-              <a:buFont typeface="Symbol" panose="05050102010706020507" pitchFamily="18" charset="2"/>
-              <a:buChar char="-"/>
-            </a:pPr>
-            <a:r>
-              <a:rPr lang="en-NZ" dirty="0"/>
-              <a:t>SWAC </a:t>
-            </a:r>
-            <a:r>
-              <a:rPr lang="en-NZ" dirty="0" err="1"/>
-              <a:t>übernimmt</a:t>
-            </a:r>
-            <a:r>
-              <a:rPr lang="en-NZ" dirty="0"/>
-              <a:t> </a:t>
-            </a:r>
-            <a:r>
-              <a:rPr lang="en-NZ" dirty="0" err="1"/>
-              <a:t>rekursiven</a:t>
-            </a:r>
-            <a:r>
-              <a:rPr lang="en-NZ" dirty="0"/>
-              <a:t> </a:t>
-            </a:r>
-            <a:r>
-              <a:rPr lang="en-NZ" dirty="0" err="1"/>
-              <a:t>Aufruf</a:t>
-            </a:r>
-            <a:endParaRPr lang="en-NZ" dirty="0"/>
-          </a:p>
-          <a:p>
-            <a:endParaRPr lang="en-NZ" dirty="0"/>
-          </a:p>
-        </p:txBody>
-      </p:sp>
-      <p:sp>
-        <p:nvSpPr>
-          <p:cNvPr id="4" name="Footer Placeholder 3">
-            <a:extLst>
-              <a:ext uri="{FF2B5EF4-FFF2-40B4-BE49-F238E27FC236}">
-                <a16:creationId xmlns:a16="http://schemas.microsoft.com/office/drawing/2014/main" id="{0EF7D1E5-7A19-4BA2-8CAA-9135FB90076C}"/>
-              </a:ext>
-            </a:extLst>
-          </p:cNvPr>
-          <p:cNvSpPr>
-            <a:spLocks noGrp="1"/>
-          </p:cNvSpPr>
-          <p:nvPr>
-            <p:ph type="ftr" sz="quarter" idx="11"/>
-          </p:nvPr>
-        </p:nvSpPr>
-        <p:spPr>
-          <a:xfrm>
-            <a:off x="4038600" y="6356350"/>
-            <a:ext cx="4114800" cy="365125"/>
-          </a:xfrm>
-        </p:spPr>
+        <p:spPr/>
         <p:txBody>
           <a:bodyPr/>
           <a:lstStyle/>
           <a:p>
             <a:r>
-              <a:rPr lang="de-DE"/>
-              <a:t>WS19/20 - PV-Modulportal - Rüffer, Vorwerk, Withöft, Zolkin</a:t>
-            </a:r>
-          </a:p>
-        </p:txBody>
-      </p:sp>
-      <p:sp>
-        <p:nvSpPr>
-          <p:cNvPr id="5" name="Slide Number Placeholder 4">
-            <a:extLst>
-              <a:ext uri="{FF2B5EF4-FFF2-40B4-BE49-F238E27FC236}">
-                <a16:creationId xmlns:a16="http://schemas.microsoft.com/office/drawing/2014/main" id="{FAC16E02-623C-4BDA-BAFA-B73797A517FD}"/>
-              </a:ext>
-            </a:extLst>
-          </p:cNvPr>
-          <p:cNvSpPr>
-            <a:spLocks noGrp="1"/>
-          </p:cNvSpPr>
-          <p:nvPr>
-            <p:ph type="sldNum" sz="quarter" idx="12"/>
-          </p:nvPr>
-        </p:nvSpPr>
-        <p:spPr>
-          <a:xfrm>
-            <a:off x="8610600" y="6356350"/>
-            <a:ext cx="2743200" cy="365125"/>
-          </a:xfrm>
-        </p:spPr>
-        <p:txBody>
-          <a:bodyPr/>
-          <a:lstStyle/>
-          <a:p>
-            <a:fld id="{969E759D-A893-4B96-8B48-96EE547EBC41}" type="slidenum">
-              <a:rPr lang="de-DE" smtClean="0"/>
-              <a:t>35</a:t>
-            </a:fld>
-            <a:endParaRPr lang="de-DE"/>
+              <a:rPr lang="de-DE" dirty="0"/>
+              <a:t>Senden eines Kommentares</a:t>
+            </a:r>
           </a:p>
         </p:txBody>
       </p:sp>
       <p:pic>
         <p:nvPicPr>
-          <p:cNvPr id="7" name="Grafik 6" descr="Ein Bild, das Screenshot enthält.&#10;&#10;Automatisch generierte Beschreibung">
-            <a:extLst>
-              <a:ext uri="{FF2B5EF4-FFF2-40B4-BE49-F238E27FC236}">
-                <a16:creationId xmlns:a16="http://schemas.microsoft.com/office/drawing/2014/main" id="{C6D8A160-082B-4802-BCC8-63E68D79088A}"/>
+          <p:cNvPr id="8" name="Inhaltsplatzhalter 7">
+            <a:extLst>
+              <a:ext uri="{FF2B5EF4-FFF2-40B4-BE49-F238E27FC236}">
+                <a16:creationId xmlns:a16="http://schemas.microsoft.com/office/drawing/2014/main" id="{FBAEB1D6-5F14-4FA5-9CC1-F1F27B76CF93}"/>
               </a:ext>
             </a:extLst>
           </p:cNvPr>
           <p:cNvPicPr>
-            <a:picLocks noChangeAspect="1"/>
+            <a:picLocks noGrp="1" noChangeAspect="1"/>
           </p:cNvPicPr>
-          <p:nvPr/>
+          <p:nvPr>
+            <p:ph sz="half" idx="2"/>
+          </p:nvPr>
         </p:nvPicPr>
         <p:blipFill>
-          <a:blip r:embed="rId2">
-            <a:extLst>
-              <a:ext uri="{28A0092B-C50C-407E-A947-70E740481C1C}">
-                <a14:useLocalDpi xmlns:a14="http://schemas.microsoft.com/office/drawing/2010/main" val="0"/>
-              </a:ext>
-            </a:extLst>
-          </a:blip>
+          <a:blip r:embed="rId2"/>
           <a:stretch>
             <a:fillRect/>
           </a:stretch>
         </p:blipFill>
         <p:spPr>
           <a:xfrm>
-            <a:off x="5281148" y="2947142"/>
-            <a:ext cx="6658904" cy="2934109"/>
+            <a:off x="635347" y="2341563"/>
+            <a:ext cx="10921305" cy="4151312"/>
           </a:xfrm>
           <a:prstGeom prst="rect">
             <a:avLst/>
           </a:prstGeom>
         </p:spPr>
       </p:pic>
+      <p:sp>
+        <p:nvSpPr>
+          <p:cNvPr id="5" name="Fußzeilenplatzhalter 4">
+            <a:extLst>
+              <a:ext uri="{FF2B5EF4-FFF2-40B4-BE49-F238E27FC236}">
+                <a16:creationId xmlns:a16="http://schemas.microsoft.com/office/drawing/2014/main" id="{DB08F782-DCB4-4161-88AE-F7AA7041A40F}"/>
+              </a:ext>
+            </a:extLst>
+          </p:cNvPr>
+          <p:cNvSpPr>
+            <a:spLocks noGrp="1"/>
+          </p:cNvSpPr>
+          <p:nvPr>
+            <p:ph type="ftr" sz="quarter" idx="11"/>
+          </p:nvPr>
+        </p:nvSpPr>
+        <p:spPr/>
+        <p:txBody>
+          <a:bodyPr/>
+          <a:lstStyle/>
+          <a:p>
+            <a:r>
+              <a:rPr lang="de-DE"/>
+              <a:t>WS19/20 - PV-Modulportal - Rüffer, Vorwerk, Withöft, Zolkin</a:t>
+            </a:r>
+          </a:p>
+        </p:txBody>
+      </p:sp>
+      <p:sp>
+        <p:nvSpPr>
+          <p:cNvPr id="6" name="Foliennummernplatzhalter 5">
+            <a:extLst>
+              <a:ext uri="{FF2B5EF4-FFF2-40B4-BE49-F238E27FC236}">
+                <a16:creationId xmlns:a16="http://schemas.microsoft.com/office/drawing/2014/main" id="{3E21B9F1-DC31-40EC-82DF-25E8412AFF2C}"/>
+              </a:ext>
+            </a:extLst>
+          </p:cNvPr>
+          <p:cNvSpPr>
+            <a:spLocks noGrp="1"/>
+          </p:cNvSpPr>
+          <p:nvPr>
+            <p:ph type="sldNum" sz="quarter" idx="12"/>
+          </p:nvPr>
+        </p:nvSpPr>
+        <p:spPr/>
+        <p:txBody>
+          <a:bodyPr/>
+          <a:lstStyle/>
+          <a:p>
+            <a:fld id="{969E759D-A893-4B96-8B48-96EE547EBC41}" type="slidenum">
+              <a:rPr lang="de-DE" smtClean="0"/>
+              <a:t>35</a:t>
+            </a:fld>
+            <a:endParaRPr lang="de-DE"/>
+          </a:p>
+        </p:txBody>
+      </p:sp>
     </p:spTree>
     <p:extLst>
       <p:ext uri="{BB962C8B-B14F-4D97-AF65-F5344CB8AC3E}">
-        <p14:creationId xmlns:p14="http://schemas.microsoft.com/office/powerpoint/2010/main" val="1642630570"/>
+        <p14:creationId xmlns:p14="http://schemas.microsoft.com/office/powerpoint/2010/main" val="3451479124"/>
       </p:ext>
     </p:extLst>
   </p:cSld>
@@ -13227,7 +13080,11 @@
             </a:br>
             <a:r>
               <a:rPr lang="en-NZ" dirty="0"/>
-              <a:t>							Media</a:t>
+              <a:t>							</a:t>
+            </a:r>
+            <a:r>
+              <a:rPr lang="en-NZ" dirty="0" err="1"/>
+              <a:t>Kommentare</a:t>
             </a:r>
             <a:endParaRPr lang="de-DE" dirty="0"/>
           </a:p>
@@ -13251,48 +13108,109 @@
         </p:nvSpPr>
         <p:spPr>
           <a:xfrm>
-            <a:off x="527804" y="2073804"/>
-            <a:ext cx="5923327" cy="1009854"/>
+            <a:off x="838200" y="1825624"/>
+            <a:ext cx="3706091" cy="4055627"/>
           </a:xfrm>
         </p:spPr>
         <p:txBody>
           <a:bodyPr>
-            <a:normAutofit fontScale="92500"/>
+            <a:normAutofit/>
           </a:bodyPr>
           <a:lstStyle/>
           <a:p>
-            <a:pPr marL="0" indent="0">
-              <a:buNone/>
+            <a:r>
+              <a:rPr lang="en-NZ" dirty="0" err="1"/>
+              <a:t>Kommentare</a:t>
+            </a:r>
+            <a:r>
+              <a:rPr lang="en-NZ" dirty="0"/>
+              <a:t> </a:t>
+            </a:r>
+            <a:r>
+              <a:rPr lang="en-NZ" dirty="0" err="1"/>
+              <a:t>können</a:t>
+            </a:r>
+            <a:r>
+              <a:rPr lang="en-NZ" dirty="0"/>
+              <a:t> </a:t>
+            </a:r>
+            <a:r>
+              <a:rPr lang="en-NZ" dirty="0" err="1"/>
+              <a:t>verschachtelt</a:t>
+            </a:r>
+            <a:r>
+              <a:rPr lang="en-NZ" dirty="0"/>
+              <a:t> </a:t>
+            </a:r>
+            <a:r>
+              <a:rPr lang="en-NZ" dirty="0" err="1"/>
+              <a:t>werden</a:t>
+            </a:r>
+            <a:endParaRPr lang="en-NZ" dirty="0"/>
+          </a:p>
+          <a:p>
+            <a:r>
+              <a:rPr lang="en-NZ" dirty="0"/>
+              <a:t>Parent-</a:t>
+            </a:r>
+            <a:r>
+              <a:rPr lang="en-NZ" dirty="0" err="1"/>
+              <a:t>Kommentare</a:t>
+            </a:r>
+            <a:r>
+              <a:rPr lang="en-NZ" dirty="0"/>
+              <a:t> </a:t>
+            </a:r>
+            <a:r>
+              <a:rPr lang="en-NZ" dirty="0" err="1"/>
+              <a:t>müssen</a:t>
+            </a:r>
+            <a:r>
+              <a:rPr lang="en-NZ" dirty="0"/>
+              <a:t> </a:t>
+            </a:r>
+            <a:r>
+              <a:rPr lang="en-NZ" dirty="0" err="1"/>
+              <a:t>referenziert</a:t>
+            </a:r>
+            <a:r>
+              <a:rPr lang="en-NZ" dirty="0"/>
+              <a:t> </a:t>
+            </a:r>
+            <a:r>
+              <a:rPr lang="en-NZ" dirty="0" err="1"/>
+              <a:t>werden</a:t>
+            </a:r>
+            <a:endParaRPr lang="en-NZ" dirty="0"/>
+          </a:p>
+          <a:p>
+            <a:pPr lvl="1">
+              <a:buFont typeface="Symbol" panose="05050102010706020507" pitchFamily="18" charset="2"/>
+              <a:buChar char="-"/>
             </a:pPr>
             <a:r>
+              <a:rPr lang="en-NZ" dirty="0"/>
+              <a:t>SWAC </a:t>
+            </a:r>
+            <a:r>
               <a:rPr lang="en-NZ" dirty="0" err="1"/>
-              <a:t>Vorher</a:t>
+              <a:t>übernimmt</a:t>
             </a:r>
             <a:r>
               <a:rPr lang="en-NZ" dirty="0"/>
-              <a:t>	Media n : 1 </a:t>
+              <a:t> </a:t>
             </a:r>
             <a:r>
               <a:rPr lang="en-NZ" dirty="0" err="1"/>
-              <a:t>ObservedObject</a:t>
-            </a:r>
-            <a:endParaRPr lang="en-NZ" dirty="0"/>
-          </a:p>
-          <a:p>
-            <a:pPr marL="0" indent="0">
-              <a:buNone/>
-            </a:pPr>
+              <a:t>rekursiven</a:t>
+            </a:r>
+            <a:r>
+              <a:rPr lang="en-NZ" dirty="0"/>
+              <a:t> </a:t>
+            </a:r>
             <a:r>
               <a:rPr lang="en-NZ" dirty="0" err="1"/>
-              <a:t>Ziel</a:t>
-            </a:r>
-            <a:r>
-              <a:rPr lang="en-NZ" dirty="0"/>
-              <a:t>		Media n : m </a:t>
-            </a:r>
-            <a:r>
-              <a:rPr lang="en-NZ" dirty="0" err="1"/>
-              <a:t>ObservedObject</a:t>
+              <a:t>Aufruf</a:t>
             </a:r>
             <a:endParaRPr lang="en-NZ" dirty="0"/>
           </a:p>
@@ -13370,10 +13288,10 @@
       </p:sp>
       <p:pic>
         <p:nvPicPr>
-          <p:cNvPr id="8" name="Grafik 7">
-            <a:extLst>
-              <a:ext uri="{FF2B5EF4-FFF2-40B4-BE49-F238E27FC236}">
-                <a16:creationId xmlns:a16="http://schemas.microsoft.com/office/drawing/2014/main" id="{269F6777-DAC5-4237-8396-8FB8169A6384}"/>
+          <p:cNvPr id="7" name="Grafik 6" descr="Ein Bild, das Screenshot enthält.&#10;&#10;Automatisch generierte Beschreibung">
+            <a:extLst>
+              <a:ext uri="{FF2B5EF4-FFF2-40B4-BE49-F238E27FC236}">
+                <a16:creationId xmlns:a16="http://schemas.microsoft.com/office/drawing/2014/main" id="{C6D8A160-082B-4802-BCC8-63E68D79088A}"/>
               </a:ext>
             </a:extLst>
           </p:cNvPr>
@@ -13396,145 +13314,18 @@
         </p:blipFill>
         <p:spPr>
           <a:xfrm>
-            <a:off x="583938" y="4768978"/>
-            <a:ext cx="5811061" cy="400106"/>
+            <a:off x="5281148" y="2947142"/>
+            <a:ext cx="6658904" cy="2934109"/>
           </a:xfrm>
           <a:prstGeom prst="rect">
             <a:avLst/>
           </a:prstGeom>
         </p:spPr>
       </p:pic>
-      <p:pic>
-        <p:nvPicPr>
-          <p:cNvPr id="10" name="Grafik 9" descr="Ein Bild, das Screenshot enthält.&#10;&#10;Automatisch generierte Beschreibung">
-            <a:extLst>
-              <a:ext uri="{FF2B5EF4-FFF2-40B4-BE49-F238E27FC236}">
-                <a16:creationId xmlns:a16="http://schemas.microsoft.com/office/drawing/2014/main" id="{14490D41-80A0-4C33-A2CF-D3BAF9AE9CF6}"/>
-              </a:ext>
-            </a:extLst>
-          </p:cNvPr>
-          <p:cNvPicPr>
-            <a:picLocks noChangeAspect="1"/>
-          </p:cNvPicPr>
-          <p:nvPr/>
-        </p:nvPicPr>
-        <p:blipFill>
-          <a:blip r:embed="rId3">
-            <a:extLst>
-              <a:ext uri="{28A0092B-C50C-407E-A947-70E740481C1C}">
-                <a14:useLocalDpi xmlns:a14="http://schemas.microsoft.com/office/drawing/2010/main" val="0"/>
-              </a:ext>
-            </a:extLst>
-          </a:blip>
-          <a:stretch>
-            <a:fillRect/>
-          </a:stretch>
-        </p:blipFill>
-        <p:spPr>
-          <a:xfrm>
-            <a:off x="7734416" y="3911608"/>
-            <a:ext cx="3296110" cy="2114845"/>
-          </a:xfrm>
-          <a:prstGeom prst="rect">
-            <a:avLst/>
-          </a:prstGeom>
-        </p:spPr>
-      </p:pic>
-      <p:sp>
-        <p:nvSpPr>
-          <p:cNvPr id="11" name="Textfeld 10">
-            <a:extLst>
-              <a:ext uri="{FF2B5EF4-FFF2-40B4-BE49-F238E27FC236}">
-                <a16:creationId xmlns:a16="http://schemas.microsoft.com/office/drawing/2014/main" id="{E93B4C1D-B2B1-4CB0-A814-2A2B5321822F}"/>
-              </a:ext>
-            </a:extLst>
-          </p:cNvPr>
-          <p:cNvSpPr txBox="1"/>
-          <p:nvPr/>
-        </p:nvSpPr>
-        <p:spPr>
-          <a:xfrm>
-            <a:off x="989811" y="4222388"/>
-            <a:ext cx="4999317" cy="369332"/>
-          </a:xfrm>
-          <a:prstGeom prst="rect">
-            <a:avLst/>
-          </a:prstGeom>
-          <a:noFill/>
-        </p:spPr>
-        <p:txBody>
-          <a:bodyPr wrap="none" rtlCol="0">
-            <a:spAutoFit/>
-          </a:bodyPr>
-          <a:lstStyle/>
-          <a:p>
-            <a:r>
-              <a:rPr lang="de-DE" dirty="0"/>
-              <a:t>Neuer Verweis in </a:t>
-            </a:r>
-            <a:r>
-              <a:rPr lang="de-DE" dirty="0" err="1"/>
-              <a:t>TblMedia</a:t>
-            </a:r>
-            <a:r>
-              <a:rPr lang="de-DE" dirty="0"/>
-              <a:t> und </a:t>
-            </a:r>
-            <a:r>
-              <a:rPr lang="de-DE" dirty="0" err="1"/>
-              <a:t>TblObservedObject</a:t>
-            </a:r>
-            <a:endParaRPr lang="de-DE" dirty="0"/>
-          </a:p>
-        </p:txBody>
-      </p:sp>
-      <p:sp>
-        <p:nvSpPr>
-          <p:cNvPr id="12" name="Textfeld 11">
-            <a:extLst>
-              <a:ext uri="{FF2B5EF4-FFF2-40B4-BE49-F238E27FC236}">
-                <a16:creationId xmlns:a16="http://schemas.microsoft.com/office/drawing/2014/main" id="{42DBCF64-5F28-4D8C-B161-9DE6DFAB4E36}"/>
-              </a:ext>
-            </a:extLst>
-          </p:cNvPr>
-          <p:cNvSpPr txBox="1"/>
-          <p:nvPr/>
-        </p:nvSpPr>
-        <p:spPr>
-          <a:xfrm>
-            <a:off x="7416801" y="3429000"/>
-            <a:ext cx="4296176" cy="369332"/>
-          </a:xfrm>
-          <a:prstGeom prst="rect">
-            <a:avLst/>
-          </a:prstGeom>
-          <a:noFill/>
-        </p:spPr>
-        <p:txBody>
-          <a:bodyPr wrap="none" rtlCol="0">
-            <a:spAutoFit/>
-          </a:bodyPr>
-          <a:lstStyle/>
-          <a:p>
-            <a:r>
-              <a:rPr lang="de-DE" dirty="0"/>
-              <a:t>n:m Verbindung herstellen in der </a:t>
-            </a:r>
-            <a:r>
-              <a:rPr lang="de-DE" dirty="0" err="1"/>
-              <a:t>Join</a:t>
-            </a:r>
-            <a:r>
-              <a:rPr lang="de-DE" dirty="0"/>
-              <a:t>-Entity</a:t>
-            </a:r>
-          </a:p>
-        </p:txBody>
-      </p:sp>
     </p:spTree>
     <p:extLst>
       <p:ext uri="{BB962C8B-B14F-4D97-AF65-F5344CB8AC3E}">
-        <p14:creationId xmlns:p14="http://schemas.microsoft.com/office/powerpoint/2010/main" val="3339384398"/>
+        <p14:creationId xmlns:p14="http://schemas.microsoft.com/office/powerpoint/2010/main" val="1642630570"/>
       </p:ext>
     </p:extLst>
   </p:cSld>
@@ -13563,10 +13354,10 @@
       </p:grpSpPr>
       <p:sp>
         <p:nvSpPr>
-          <p:cNvPr id="2" name="Titel 1">
-            <a:extLst>
-              <a:ext uri="{FF2B5EF4-FFF2-40B4-BE49-F238E27FC236}">
-                <a16:creationId xmlns:a16="http://schemas.microsoft.com/office/drawing/2014/main" id="{0C84D783-1E23-4D31-A167-7B9D190AAA9B}"/>
+          <p:cNvPr id="2" name="Title 1">
+            <a:extLst>
+              <a:ext uri="{FF2B5EF4-FFF2-40B4-BE49-F238E27FC236}">
+                <a16:creationId xmlns:a16="http://schemas.microsoft.com/office/drawing/2014/main" id="{4C84315F-315F-4066-9D3A-472733691F27}"/>
               </a:ext>
             </a:extLst>
           </p:cNvPr>
@@ -13577,9 +13368,16 @@
             <p:ph type="title"/>
           </p:nvPr>
         </p:nvSpPr>
-        <p:spPr/>
-        <p:txBody>
-          <a:bodyPr/>
+        <p:spPr>
+          <a:xfrm>
+            <a:off x="838200" y="365125"/>
+            <a:ext cx="10515600" cy="1325563"/>
+          </a:xfrm>
+        </p:spPr>
+        <p:txBody>
+          <a:bodyPr>
+            <a:normAutofit/>
+          </a:bodyPr>
           <a:lstStyle/>
           <a:p>
             <a:r>
@@ -13588,162 +13386,321 @@
             </a:r>
             <a:r>
               <a:rPr lang="en-NZ" dirty="0"/>
-              <a:t>  – 	</a:t>
-            </a:r>
-            <a:r>
-              <a:rPr lang="en-NZ" dirty="0" err="1"/>
-              <a:t>Kennlinien</a:t>
+              <a:t>  – 	Backend</a:t>
             </a:r>
             <a:br>
               <a:rPr lang="en-NZ" dirty="0"/>
             </a:br>
             <a:r>
               <a:rPr lang="en-NZ" dirty="0"/>
-              <a:t>							</a:t>
-            </a:r>
+              <a:t>							Media</a:t>
+            </a:r>
+            <a:endParaRPr lang="de-DE" dirty="0"/>
+          </a:p>
+        </p:txBody>
+      </p:sp>
+      <p:sp>
+        <p:nvSpPr>
+          <p:cNvPr id="3" name="Content Placeholder 2">
+            <a:extLst>
+              <a:ext uri="{FF2B5EF4-FFF2-40B4-BE49-F238E27FC236}">
+                <a16:creationId xmlns:a16="http://schemas.microsoft.com/office/drawing/2014/main" id="{3CCB48FF-D0DB-4239-BF7B-3AC940333DEC}"/>
+              </a:ext>
+            </a:extLst>
+          </p:cNvPr>
+          <p:cNvSpPr>
+            <a:spLocks noGrp="1"/>
+          </p:cNvSpPr>
+          <p:nvPr>
+            <p:ph sz="half" idx="1"/>
+          </p:nvPr>
+        </p:nvSpPr>
+        <p:spPr>
+          <a:xfrm>
+            <a:off x="527804" y="2073804"/>
+            <a:ext cx="5923327" cy="1009854"/>
+          </a:xfrm>
+        </p:spPr>
+        <p:txBody>
+          <a:bodyPr>
+            <a:normAutofit fontScale="92500"/>
+          </a:bodyPr>
+          <a:lstStyle/>
+          <a:p>
+            <a:pPr marL="0" indent="0">
+              <a:buNone/>
+            </a:pPr>
             <a:r>
               <a:rPr lang="en-NZ" dirty="0" err="1"/>
-              <a:t>Diagramm</a:t>
-            </a:r>
-            <a:endParaRPr lang="de-DE" dirty="0"/>
-          </a:p>
-        </p:txBody>
-      </p:sp>
-      <p:sp>
-        <p:nvSpPr>
-          <p:cNvPr id="3" name="Inhaltsplatzhalter 2">
-            <a:extLst>
-              <a:ext uri="{FF2B5EF4-FFF2-40B4-BE49-F238E27FC236}">
-                <a16:creationId xmlns:a16="http://schemas.microsoft.com/office/drawing/2014/main" id="{BABF5C33-7554-4297-A144-BA91DC915755}"/>
-              </a:ext>
-            </a:extLst>
-          </p:cNvPr>
-          <p:cNvSpPr>
-            <a:spLocks noGrp="1"/>
-          </p:cNvSpPr>
-          <p:nvPr>
-            <p:ph sz="half" idx="1"/>
-          </p:nvPr>
-        </p:nvSpPr>
-        <p:spPr/>
+              <a:t>Vorher</a:t>
+            </a:r>
+            <a:r>
+              <a:rPr lang="en-NZ" dirty="0"/>
+              <a:t>	Media n : 1 </a:t>
+            </a:r>
+            <a:r>
+              <a:rPr lang="en-NZ" dirty="0" err="1"/>
+              <a:t>ObservedObject</a:t>
+            </a:r>
+            <a:endParaRPr lang="en-NZ" dirty="0"/>
+          </a:p>
+          <a:p>
+            <a:pPr marL="0" indent="0">
+              <a:buNone/>
+            </a:pPr>
+            <a:r>
+              <a:rPr lang="en-NZ" dirty="0" err="1"/>
+              <a:t>Ziel</a:t>
+            </a:r>
+            <a:r>
+              <a:rPr lang="en-NZ" dirty="0"/>
+              <a:t>		Media n : m </a:t>
+            </a:r>
+            <a:r>
+              <a:rPr lang="en-NZ" dirty="0" err="1"/>
+              <a:t>ObservedObject</a:t>
+            </a:r>
+            <a:endParaRPr lang="en-NZ" dirty="0"/>
+          </a:p>
+          <a:p>
+            <a:endParaRPr lang="en-NZ" dirty="0"/>
+          </a:p>
+        </p:txBody>
+      </p:sp>
+      <p:sp>
+        <p:nvSpPr>
+          <p:cNvPr id="4" name="Footer Placeholder 3">
+            <a:extLst>
+              <a:ext uri="{FF2B5EF4-FFF2-40B4-BE49-F238E27FC236}">
+                <a16:creationId xmlns:a16="http://schemas.microsoft.com/office/drawing/2014/main" id="{0EF7D1E5-7A19-4BA2-8CAA-9135FB90076C}"/>
+              </a:ext>
+            </a:extLst>
+          </p:cNvPr>
+          <p:cNvSpPr>
+            <a:spLocks noGrp="1"/>
+          </p:cNvSpPr>
+          <p:nvPr>
+            <p:ph type="ftr" sz="quarter" idx="11"/>
+          </p:nvPr>
+        </p:nvSpPr>
+        <p:spPr>
+          <a:xfrm>
+            <a:off x="4038600" y="6356350"/>
+            <a:ext cx="4114800" cy="365125"/>
+          </a:xfrm>
+        </p:spPr>
         <p:txBody>
           <a:bodyPr/>
           <a:lstStyle/>
           <a:p>
             <a:r>
-              <a:rPr lang="de-DE" dirty="0"/>
-              <a:t>Chart Komponente </a:t>
-            </a:r>
-          </a:p>
-          <a:p>
-            <a:pPr lvl="1"/>
-            <a:r>
-              <a:rPr lang="de-DE" dirty="0"/>
-              <a:t>Neuer Plugin</a:t>
-            </a:r>
-          </a:p>
-          <a:p>
-            <a:pPr lvl="1"/>
-            <a:r>
-              <a:rPr lang="de-DE" dirty="0"/>
-              <a:t>Optionen für die Darstellung des Diagramms</a:t>
-            </a:r>
+              <a:rPr lang="de-DE"/>
+              <a:t>WS19/20 - PV-Modulportal - Rüffer, Vorwerk, Withöft, Zolkin</a:t>
+            </a:r>
+          </a:p>
+        </p:txBody>
+      </p:sp>
+      <p:sp>
+        <p:nvSpPr>
+          <p:cNvPr id="5" name="Slide Number Placeholder 4">
+            <a:extLst>
+              <a:ext uri="{FF2B5EF4-FFF2-40B4-BE49-F238E27FC236}">
+                <a16:creationId xmlns:a16="http://schemas.microsoft.com/office/drawing/2014/main" id="{FAC16E02-623C-4BDA-BAFA-B73797A517FD}"/>
+              </a:ext>
+            </a:extLst>
+          </p:cNvPr>
+          <p:cNvSpPr>
+            <a:spLocks noGrp="1"/>
+          </p:cNvSpPr>
+          <p:nvPr>
+            <p:ph type="sldNum" sz="quarter" idx="12"/>
+          </p:nvPr>
+        </p:nvSpPr>
+        <p:spPr>
+          <a:xfrm>
+            <a:off x="8610600" y="6356350"/>
+            <a:ext cx="2743200" cy="365125"/>
+          </a:xfrm>
+        </p:spPr>
+        <p:txBody>
+          <a:bodyPr/>
+          <a:lstStyle/>
+          <a:p>
+            <a:fld id="{969E759D-A893-4B96-8B48-96EE547EBC41}" type="slidenum">
+              <a:rPr lang="de-DE" smtClean="0"/>
+              <a:t>37</a:t>
+            </a:fld>
+            <a:endParaRPr lang="de-DE"/>
           </a:p>
         </p:txBody>
       </p:sp>
       <p:pic>
         <p:nvPicPr>
-          <p:cNvPr id="7" name="Inhaltsplatzhalter 6">
-            <a:extLst>
-              <a:ext uri="{FF2B5EF4-FFF2-40B4-BE49-F238E27FC236}">
-                <a16:creationId xmlns:a16="http://schemas.microsoft.com/office/drawing/2014/main" id="{69C30DC1-E47A-46AD-94A8-14B576B9F1CB}"/>
+          <p:cNvPr id="8" name="Grafik 7">
+            <a:extLst>
+              <a:ext uri="{FF2B5EF4-FFF2-40B4-BE49-F238E27FC236}">
+                <a16:creationId xmlns:a16="http://schemas.microsoft.com/office/drawing/2014/main" id="{269F6777-DAC5-4237-8396-8FB8169A6384}"/>
               </a:ext>
             </a:extLst>
           </p:cNvPr>
           <p:cNvPicPr>
-            <a:picLocks noGrp="1" noChangeAspect="1"/>
+            <a:picLocks noChangeAspect="1"/>
           </p:cNvPicPr>
-          <p:nvPr>
-            <p:ph sz="half" idx="2"/>
-          </p:nvPr>
+          <p:nvPr/>
         </p:nvPicPr>
         <p:blipFill>
-          <a:blip r:embed="rId3"/>
+          <a:blip r:embed="rId2">
+            <a:extLst>
+              <a:ext uri="{28A0092B-C50C-407E-A947-70E740481C1C}">
+                <a14:useLocalDpi xmlns:a14="http://schemas.microsoft.com/office/drawing/2010/main" val="0"/>
+              </a:ext>
+            </a:extLst>
+          </a:blip>
           <a:stretch>
             <a:fillRect/>
           </a:stretch>
         </p:blipFill>
         <p:spPr>
           <a:xfrm>
-            <a:off x="6019800" y="1690688"/>
-            <a:ext cx="5903913" cy="4357940"/>
+            <a:off x="583938" y="4768978"/>
+            <a:ext cx="5811061" cy="400106"/>
           </a:xfrm>
           <a:prstGeom prst="rect">
             <a:avLst/>
           </a:prstGeom>
         </p:spPr>
       </p:pic>
-      <p:sp>
-        <p:nvSpPr>
-          <p:cNvPr id="5" name="Fußzeilenplatzhalter 4">
-            <a:extLst>
-              <a:ext uri="{FF2B5EF4-FFF2-40B4-BE49-F238E27FC236}">
-                <a16:creationId xmlns:a16="http://schemas.microsoft.com/office/drawing/2014/main" id="{5EE04440-D578-4BC9-AFE9-188AE5A15D83}"/>
-              </a:ext>
-            </a:extLst>
-          </p:cNvPr>
-          <p:cNvSpPr>
-            <a:spLocks noGrp="1"/>
-          </p:cNvSpPr>
-          <p:nvPr>
-            <p:ph type="ftr" sz="quarter" idx="11"/>
-          </p:nvPr>
-        </p:nvSpPr>
-        <p:spPr/>
-        <p:txBody>
-          <a:bodyPr/>
-          <a:lstStyle/>
-          <a:p>
-            <a:r>
-              <a:rPr lang="de-DE"/>
-              <a:t>WS19/20 - PV-Modulportal - Rüffer, Vorwerk, Withöft, Zolkin</a:t>
-            </a:r>
-          </a:p>
-        </p:txBody>
-      </p:sp>
-      <p:sp>
-        <p:nvSpPr>
-          <p:cNvPr id="6" name="Foliennummernplatzhalter 5">
-            <a:extLst>
-              <a:ext uri="{FF2B5EF4-FFF2-40B4-BE49-F238E27FC236}">
-                <a16:creationId xmlns:a16="http://schemas.microsoft.com/office/drawing/2014/main" id="{1626310D-58D0-4D30-AB26-C0F6492EE42A}"/>
-              </a:ext>
-            </a:extLst>
-          </p:cNvPr>
-          <p:cNvSpPr>
-            <a:spLocks noGrp="1"/>
-          </p:cNvSpPr>
-          <p:nvPr>
-            <p:ph type="sldNum" sz="quarter" idx="12"/>
-          </p:nvPr>
-        </p:nvSpPr>
-        <p:spPr/>
-        <p:txBody>
-          <a:bodyPr/>
-          <a:lstStyle/>
-          <a:p>
-            <a:fld id="{969E759D-A893-4B96-8B48-96EE547EBC41}" type="slidenum">
-              <a:rPr lang="de-DE" smtClean="0"/>
-              <a:t>37</a:t>
-            </a:fld>
-            <a:endParaRPr lang="de-DE"/>
+      <p:pic>
+        <p:nvPicPr>
+          <p:cNvPr id="10" name="Grafik 9" descr="Ein Bild, das Screenshot enthält.&#10;&#10;Automatisch generierte Beschreibung">
+            <a:extLst>
+              <a:ext uri="{FF2B5EF4-FFF2-40B4-BE49-F238E27FC236}">
+                <a16:creationId xmlns:a16="http://schemas.microsoft.com/office/drawing/2014/main" id="{14490D41-80A0-4C33-A2CF-D3BAF9AE9CF6}"/>
+              </a:ext>
+            </a:extLst>
+          </p:cNvPr>
+          <p:cNvPicPr>
+            <a:picLocks noChangeAspect="1"/>
+          </p:cNvPicPr>
+          <p:nvPr/>
+        </p:nvPicPr>
+        <p:blipFill>
+          <a:blip r:embed="rId3">
+            <a:extLst>
+              <a:ext uri="{28A0092B-C50C-407E-A947-70E740481C1C}">
+                <a14:useLocalDpi xmlns:a14="http://schemas.microsoft.com/office/drawing/2010/main" val="0"/>
+              </a:ext>
+            </a:extLst>
+          </a:blip>
+          <a:stretch>
+            <a:fillRect/>
+          </a:stretch>
+        </p:blipFill>
+        <p:spPr>
+          <a:xfrm>
+            <a:off x="7734416" y="3911608"/>
+            <a:ext cx="3296110" cy="2114845"/>
+          </a:xfrm>
+          <a:prstGeom prst="rect">
+            <a:avLst/>
+          </a:prstGeom>
+        </p:spPr>
+      </p:pic>
+      <p:sp>
+        <p:nvSpPr>
+          <p:cNvPr id="11" name="Textfeld 10">
+            <a:extLst>
+              <a:ext uri="{FF2B5EF4-FFF2-40B4-BE49-F238E27FC236}">
+                <a16:creationId xmlns:a16="http://schemas.microsoft.com/office/drawing/2014/main" id="{E93B4C1D-B2B1-4CB0-A814-2A2B5321822F}"/>
+              </a:ext>
+            </a:extLst>
+          </p:cNvPr>
+          <p:cNvSpPr txBox="1"/>
+          <p:nvPr/>
+        </p:nvSpPr>
+        <p:spPr>
+          <a:xfrm>
+            <a:off x="989811" y="4222388"/>
+            <a:ext cx="4999317" cy="369332"/>
+          </a:xfrm>
+          <a:prstGeom prst="rect">
+            <a:avLst/>
+          </a:prstGeom>
+          <a:noFill/>
+        </p:spPr>
+        <p:txBody>
+          <a:bodyPr wrap="none" rtlCol="0">
+            <a:spAutoFit/>
+          </a:bodyPr>
+          <a:lstStyle/>
+          <a:p>
+            <a:r>
+              <a:rPr lang="de-DE" dirty="0"/>
+              <a:t>Neuer Verweis in </a:t>
+            </a:r>
+            <a:r>
+              <a:rPr lang="de-DE" dirty="0" err="1"/>
+              <a:t>TblMedia</a:t>
+            </a:r>
+            <a:r>
+              <a:rPr lang="de-DE" dirty="0"/>
+              <a:t> und </a:t>
+            </a:r>
+            <a:r>
+              <a:rPr lang="de-DE" dirty="0" err="1"/>
+              <a:t>TblObservedObject</a:t>
+            </a:r>
+            <a:endParaRPr lang="de-DE" dirty="0"/>
+          </a:p>
+        </p:txBody>
+      </p:sp>
+      <p:sp>
+        <p:nvSpPr>
+          <p:cNvPr id="12" name="Textfeld 11">
+            <a:extLst>
+              <a:ext uri="{FF2B5EF4-FFF2-40B4-BE49-F238E27FC236}">
+                <a16:creationId xmlns:a16="http://schemas.microsoft.com/office/drawing/2014/main" id="{42DBCF64-5F28-4D8C-B161-9DE6DFAB4E36}"/>
+              </a:ext>
+            </a:extLst>
+          </p:cNvPr>
+          <p:cNvSpPr txBox="1"/>
+          <p:nvPr/>
+        </p:nvSpPr>
+        <p:spPr>
+          <a:xfrm>
+            <a:off x="7416801" y="3429000"/>
+            <a:ext cx="4296176" cy="369332"/>
+          </a:xfrm>
+          <a:prstGeom prst="rect">
+            <a:avLst/>
+          </a:prstGeom>
+          <a:noFill/>
+        </p:spPr>
+        <p:txBody>
+          <a:bodyPr wrap="none" rtlCol="0">
+            <a:spAutoFit/>
+          </a:bodyPr>
+          <a:lstStyle/>
+          <a:p>
+            <a:r>
+              <a:rPr lang="de-DE" dirty="0"/>
+              <a:t>n:m Verbindung herstellen in der </a:t>
+            </a:r>
+            <a:r>
+              <a:rPr lang="de-DE" dirty="0" err="1"/>
+              <a:t>Join</a:t>
+            </a:r>
+            <a:r>
+              <a:rPr lang="de-DE" dirty="0"/>
+              <a:t>-Entity</a:t>
+            </a:r>
           </a:p>
         </p:txBody>
       </p:sp>
     </p:spTree>
     <p:extLst>
       <p:ext uri="{BB962C8B-B14F-4D97-AF65-F5344CB8AC3E}">
-        <p14:creationId xmlns:p14="http://schemas.microsoft.com/office/powerpoint/2010/main" val="1491783072"/>
+        <p14:creationId xmlns:p14="http://schemas.microsoft.com/office/powerpoint/2010/main" val="3339384398"/>
       </p:ext>
     </p:extLst>
   </p:cSld>
@@ -13834,92 +13791,38 @@
             <p:ph sz="half" idx="1"/>
           </p:nvPr>
         </p:nvSpPr>
-        <p:spPr>
-          <a:xfrm>
-            <a:off x="838200" y="1825625"/>
-            <a:ext cx="4241800" cy="4351338"/>
-          </a:xfrm>
-        </p:spPr>
+        <p:spPr/>
         <p:txBody>
           <a:bodyPr/>
           <a:lstStyle/>
           <a:p>
             <a:r>
               <a:rPr lang="de-DE" dirty="0"/>
-              <a:t>Daten von REST Schnittstelle holen</a:t>
-            </a:r>
-          </a:p>
-          <a:p>
+              <a:t>Chart Komponente </a:t>
+            </a:r>
+          </a:p>
+          <a:p>
+            <a:pPr lvl="1"/>
             <a:r>
               <a:rPr lang="de-DE" dirty="0"/>
-              <a:t>P ausrechnen &amp; in JS Objekt speichern</a:t>
-            </a:r>
-          </a:p>
-        </p:txBody>
-      </p:sp>
-      <p:sp>
-        <p:nvSpPr>
-          <p:cNvPr id="5" name="Fußzeilenplatzhalter 4">
-            <a:extLst>
-              <a:ext uri="{FF2B5EF4-FFF2-40B4-BE49-F238E27FC236}">
-                <a16:creationId xmlns:a16="http://schemas.microsoft.com/office/drawing/2014/main" id="{5EE04440-D578-4BC9-AFE9-188AE5A15D83}"/>
-              </a:ext>
-            </a:extLst>
-          </p:cNvPr>
-          <p:cNvSpPr>
-            <a:spLocks noGrp="1"/>
-          </p:cNvSpPr>
-          <p:nvPr>
-            <p:ph type="ftr" sz="quarter" idx="11"/>
-          </p:nvPr>
-        </p:nvSpPr>
-        <p:spPr/>
-        <p:txBody>
-          <a:bodyPr/>
-          <a:lstStyle/>
-          <a:p>
-            <a:r>
-              <a:rPr lang="de-DE"/>
-              <a:t>WS19/20 - PV-Modulportal - Rüffer, Vorwerk, Withöft, Zolkin</a:t>
-            </a:r>
-          </a:p>
-        </p:txBody>
-      </p:sp>
-      <p:sp>
-        <p:nvSpPr>
-          <p:cNvPr id="6" name="Foliennummernplatzhalter 5">
-            <a:extLst>
-              <a:ext uri="{FF2B5EF4-FFF2-40B4-BE49-F238E27FC236}">
-                <a16:creationId xmlns:a16="http://schemas.microsoft.com/office/drawing/2014/main" id="{1626310D-58D0-4D30-AB26-C0F6492EE42A}"/>
-              </a:ext>
-            </a:extLst>
-          </p:cNvPr>
-          <p:cNvSpPr>
-            <a:spLocks noGrp="1"/>
-          </p:cNvSpPr>
-          <p:nvPr>
-            <p:ph type="sldNum" sz="quarter" idx="12"/>
-          </p:nvPr>
-        </p:nvSpPr>
-        <p:spPr/>
-        <p:txBody>
-          <a:bodyPr/>
-          <a:lstStyle/>
-          <a:p>
-            <a:fld id="{969E759D-A893-4B96-8B48-96EE547EBC41}" type="slidenum">
-              <a:rPr lang="de-DE" smtClean="0"/>
-              <a:t>38</a:t>
-            </a:fld>
-            <a:endParaRPr lang="de-DE"/>
+              <a:t>Neuer Plugin</a:t>
+            </a:r>
+          </a:p>
+          <a:p>
+            <a:pPr lvl="1"/>
+            <a:r>
+              <a:rPr lang="de-DE" dirty="0"/>
+              <a:t>Optionen für die Darstellung des Diagramms</a:t>
+            </a:r>
           </a:p>
         </p:txBody>
       </p:sp>
       <p:pic>
         <p:nvPicPr>
-          <p:cNvPr id="9" name="Inhaltsplatzhalter 8">
-            <a:extLst>
-              <a:ext uri="{FF2B5EF4-FFF2-40B4-BE49-F238E27FC236}">
-                <a16:creationId xmlns:a16="http://schemas.microsoft.com/office/drawing/2014/main" id="{F18B9E0B-E80D-4E38-B625-0C5A50228016}"/>
+          <p:cNvPr id="7" name="Inhaltsplatzhalter 6">
+            <a:extLst>
+              <a:ext uri="{FF2B5EF4-FFF2-40B4-BE49-F238E27FC236}">
+                <a16:creationId xmlns:a16="http://schemas.microsoft.com/office/drawing/2014/main" id="{69C30DC1-E47A-46AD-94A8-14B576B9F1CB}"/>
               </a:ext>
             </a:extLst>
           </p:cNvPr>
@@ -13938,18 +13841,75 @@
         </p:blipFill>
         <p:spPr>
           <a:xfrm>
-            <a:off x="4521202" y="1716074"/>
-            <a:ext cx="7018418" cy="4640276"/>
+            <a:off x="6019800" y="1690688"/>
+            <a:ext cx="5903913" cy="4357940"/>
           </a:xfrm>
           <a:prstGeom prst="rect">
             <a:avLst/>
           </a:prstGeom>
         </p:spPr>
       </p:pic>
+      <p:sp>
+        <p:nvSpPr>
+          <p:cNvPr id="5" name="Fußzeilenplatzhalter 4">
+            <a:extLst>
+              <a:ext uri="{FF2B5EF4-FFF2-40B4-BE49-F238E27FC236}">
+                <a16:creationId xmlns:a16="http://schemas.microsoft.com/office/drawing/2014/main" id="{5EE04440-D578-4BC9-AFE9-188AE5A15D83}"/>
+              </a:ext>
+            </a:extLst>
+          </p:cNvPr>
+          <p:cNvSpPr>
+            <a:spLocks noGrp="1"/>
+          </p:cNvSpPr>
+          <p:nvPr>
+            <p:ph type="ftr" sz="quarter" idx="11"/>
+          </p:nvPr>
+        </p:nvSpPr>
+        <p:spPr/>
+        <p:txBody>
+          <a:bodyPr/>
+          <a:lstStyle/>
+          <a:p>
+            <a:r>
+              <a:rPr lang="de-DE"/>
+              <a:t>WS19/20 - PV-Modulportal - Rüffer, Vorwerk, Withöft, Zolkin</a:t>
+            </a:r>
+          </a:p>
+        </p:txBody>
+      </p:sp>
+      <p:sp>
+        <p:nvSpPr>
+          <p:cNvPr id="6" name="Foliennummernplatzhalter 5">
+            <a:extLst>
+              <a:ext uri="{FF2B5EF4-FFF2-40B4-BE49-F238E27FC236}">
+                <a16:creationId xmlns:a16="http://schemas.microsoft.com/office/drawing/2014/main" id="{1626310D-58D0-4D30-AB26-C0F6492EE42A}"/>
+              </a:ext>
+            </a:extLst>
+          </p:cNvPr>
+          <p:cNvSpPr>
+            <a:spLocks noGrp="1"/>
+          </p:cNvSpPr>
+          <p:nvPr>
+            <p:ph type="sldNum" sz="quarter" idx="12"/>
+          </p:nvPr>
+        </p:nvSpPr>
+        <p:spPr/>
+        <p:txBody>
+          <a:bodyPr/>
+          <a:lstStyle/>
+          <a:p>
+            <a:fld id="{969E759D-A893-4B96-8B48-96EE547EBC41}" type="slidenum">
+              <a:rPr lang="de-DE" smtClean="0"/>
+              <a:t>38</a:t>
+            </a:fld>
+            <a:endParaRPr lang="de-DE"/>
+          </a:p>
+        </p:txBody>
+      </p:sp>
     </p:spTree>
     <p:extLst>
       <p:ext uri="{BB962C8B-B14F-4D97-AF65-F5344CB8AC3E}">
-        <p14:creationId xmlns:p14="http://schemas.microsoft.com/office/powerpoint/2010/main" val="3636852884"/>
+        <p14:creationId xmlns:p14="http://schemas.microsoft.com/office/powerpoint/2010/main" val="1491783072"/>
       </p:ext>
     </p:extLst>
   </p:cSld>
@@ -13981,7 +13941,7 @@
           <p:cNvPr id="2" name="Titel 1">
             <a:extLst>
               <a:ext uri="{FF2B5EF4-FFF2-40B4-BE49-F238E27FC236}">
-                <a16:creationId xmlns:a16="http://schemas.microsoft.com/office/drawing/2014/main" id="{66F1BA0D-C2FA-47D2-9FB8-AD44C4EED4AD}"/>
+                <a16:creationId xmlns:a16="http://schemas.microsoft.com/office/drawing/2014/main" id="{0C84D783-1E23-4D31-A167-7B9D190AAA9B}"/>
               </a:ext>
             </a:extLst>
           </p:cNvPr>
@@ -14003,7 +13963,11 @@
             </a:r>
             <a:r>
               <a:rPr lang="en-NZ" dirty="0"/>
-              <a:t>  – 	Modul</a:t>
+              <a:t>  – 	</a:t>
+            </a:r>
+            <a:r>
+              <a:rPr lang="en-NZ" dirty="0" err="1"/>
+              <a:t>Kennlinien</a:t>
             </a:r>
             <a:br>
               <a:rPr lang="en-NZ" dirty="0"/>
@@ -14014,7 +13978,7 @@
             </a:r>
             <a:r>
               <a:rPr lang="en-NZ" dirty="0" err="1"/>
-              <a:t>Übersicht</a:t>
+              <a:t>Diagramm</a:t>
             </a:r>
             <a:endParaRPr lang="de-DE" dirty="0"/>
           </a:p>
@@ -14025,7 +13989,7 @@
           <p:cNvPr id="3" name="Inhaltsplatzhalter 2">
             <a:extLst>
               <a:ext uri="{FF2B5EF4-FFF2-40B4-BE49-F238E27FC236}">
-                <a16:creationId xmlns:a16="http://schemas.microsoft.com/office/drawing/2014/main" id="{6EEE1972-3631-4FBA-B46A-2AA4D12679A6}"/>
+                <a16:creationId xmlns:a16="http://schemas.microsoft.com/office/drawing/2014/main" id="{BABF5C33-7554-4297-A144-BA91DC915755}"/>
               </a:ext>
             </a:extLst>
           </p:cNvPr>
@@ -14038,8 +14002,8 @@
         </p:nvSpPr>
         <p:spPr>
           <a:xfrm>
-            <a:off x="838200" y="1690688"/>
-            <a:ext cx="5181600" cy="4351338"/>
+            <a:off x="838200" y="1825625"/>
+            <a:ext cx="4241800" cy="4351338"/>
           </a:xfrm>
         </p:spPr>
         <p:txBody>
@@ -14048,15 +14012,13 @@
           <a:p>
             <a:r>
               <a:rPr lang="de-DE" dirty="0"/>
-              <a:t>SWAC </a:t>
-            </a:r>
-            <a:r>
-              <a:rPr lang="de-DE" dirty="0" err="1"/>
-              <a:t>Present</a:t>
-            </a:r>
+              <a:t>Daten von REST Schnittstelle holen</a:t>
+            </a:r>
+          </a:p>
+          <a:p>
             <a:r>
               <a:rPr lang="de-DE" dirty="0"/>
-              <a:t> Komponente</a:t>
+              <a:t>P ausrechnen &amp; in JS Objekt speichern</a:t>
             </a:r>
           </a:p>
         </p:txBody>
@@ -14066,7 +14028,7 @@
           <p:cNvPr id="5" name="Fußzeilenplatzhalter 4">
             <a:extLst>
               <a:ext uri="{FF2B5EF4-FFF2-40B4-BE49-F238E27FC236}">
-                <a16:creationId xmlns:a16="http://schemas.microsoft.com/office/drawing/2014/main" id="{819DB87F-8E51-49C7-A29F-F2C16E1E90C3}"/>
+                <a16:creationId xmlns:a16="http://schemas.microsoft.com/office/drawing/2014/main" id="{5EE04440-D578-4BC9-AFE9-188AE5A15D83}"/>
               </a:ext>
             </a:extLst>
           </p:cNvPr>
@@ -14094,7 +14056,7 @@
           <p:cNvPr id="6" name="Foliennummernplatzhalter 5">
             <a:extLst>
               <a:ext uri="{FF2B5EF4-FFF2-40B4-BE49-F238E27FC236}">
-                <a16:creationId xmlns:a16="http://schemas.microsoft.com/office/drawing/2014/main" id="{2B7E863B-C09E-4732-B624-D572A5287E56}"/>
+                <a16:creationId xmlns:a16="http://schemas.microsoft.com/office/drawing/2014/main" id="{1626310D-58D0-4D30-AB26-C0F6492EE42A}"/>
               </a:ext>
             </a:extLst>
           </p:cNvPr>
@@ -14120,10 +14082,10 @@
       </p:sp>
       <p:pic>
         <p:nvPicPr>
-          <p:cNvPr id="16" name="Inhaltsplatzhalter 15">
-            <a:extLst>
-              <a:ext uri="{FF2B5EF4-FFF2-40B4-BE49-F238E27FC236}">
-                <a16:creationId xmlns:a16="http://schemas.microsoft.com/office/drawing/2014/main" id="{9485EB70-197A-45EF-9B71-B1730B205A96}"/>
+          <p:cNvPr id="9" name="Inhaltsplatzhalter 8">
+            <a:extLst>
+              <a:ext uri="{FF2B5EF4-FFF2-40B4-BE49-F238E27FC236}">
+                <a16:creationId xmlns:a16="http://schemas.microsoft.com/office/drawing/2014/main" id="{F18B9E0B-E80D-4E38-B625-0C5A50228016}"/>
               </a:ext>
             </a:extLst>
           </p:cNvPr>
@@ -14135,15 +14097,15 @@
           </p:nvPr>
         </p:nvPicPr>
         <p:blipFill>
-          <a:blip r:embed="rId2"/>
+          <a:blip r:embed="rId3"/>
           <a:stretch>
             <a:fillRect/>
           </a:stretch>
         </p:blipFill>
         <p:spPr>
           <a:xfrm>
-            <a:off x="503222" y="2243138"/>
-            <a:ext cx="11337960" cy="3956050"/>
+            <a:off x="4521202" y="1716074"/>
+            <a:ext cx="7018418" cy="4640276"/>
           </a:xfrm>
           <a:prstGeom prst="rect">
             <a:avLst/>
@@ -14153,7 +14115,7 @@
     </p:spTree>
     <p:extLst>
       <p:ext uri="{BB962C8B-B14F-4D97-AF65-F5344CB8AC3E}">
-        <p14:creationId xmlns:p14="http://schemas.microsoft.com/office/powerpoint/2010/main" val="1973854940"/>
+        <p14:creationId xmlns:p14="http://schemas.microsoft.com/office/powerpoint/2010/main" val="3636852884"/>
       </p:ext>
     </p:extLst>
   </p:cSld>
@@ -14424,10 +14386,10 @@
       </p:grpSpPr>
       <p:sp>
         <p:nvSpPr>
-          <p:cNvPr id="2" name="Title 1">
-            <a:extLst>
-              <a:ext uri="{FF2B5EF4-FFF2-40B4-BE49-F238E27FC236}">
-                <a16:creationId xmlns:a16="http://schemas.microsoft.com/office/drawing/2014/main" id="{4C84315F-315F-4066-9D3A-472733691F27}"/>
+          <p:cNvPr id="2" name="Titel 1">
+            <a:extLst>
+              <a:ext uri="{FF2B5EF4-FFF2-40B4-BE49-F238E27FC236}">
+                <a16:creationId xmlns:a16="http://schemas.microsoft.com/office/drawing/2014/main" id="{66F1BA0D-C2FA-47D2-9FB8-AD44C4EED4AD}"/>
               </a:ext>
             </a:extLst>
           </p:cNvPr>
@@ -14438,16 +14400,9 @@
             <p:ph type="title"/>
           </p:nvPr>
         </p:nvSpPr>
-        <p:spPr>
-          <a:xfrm>
-            <a:off x="838200" y="365125"/>
-            <a:ext cx="10515600" cy="1325563"/>
-          </a:xfrm>
-        </p:spPr>
-        <p:txBody>
-          <a:bodyPr>
-            <a:normAutofit/>
-          </a:bodyPr>
+        <p:spPr/>
+        <p:txBody>
+          <a:bodyPr/>
           <a:lstStyle/>
           <a:p>
             <a:r>
@@ -14456,14 +14411,18 @@
             </a:r>
             <a:r>
               <a:rPr lang="en-NZ" dirty="0"/>
-              <a:t>  – 	Backend</a:t>
+              <a:t>  – 	Modul</a:t>
             </a:r>
             <a:br>
               <a:rPr lang="en-NZ" dirty="0"/>
             </a:br>
             <a:r>
               <a:rPr lang="en-NZ" dirty="0"/>
-              <a:t>							View Requests</a:t>
+              <a:t>							</a:t>
+            </a:r>
+            <a:r>
+              <a:rPr lang="en-NZ" dirty="0" err="1"/>
+              <a:t>Übersicht</a:t>
             </a:r>
             <a:endParaRPr lang="de-DE" dirty="0"/>
           </a:p>
@@ -14471,26 +14430,62 @@
       </p:sp>
       <p:sp>
         <p:nvSpPr>
-          <p:cNvPr id="4" name="Footer Placeholder 3">
-            <a:extLst>
-              <a:ext uri="{FF2B5EF4-FFF2-40B4-BE49-F238E27FC236}">
-                <a16:creationId xmlns:a16="http://schemas.microsoft.com/office/drawing/2014/main" id="{0EF7D1E5-7A19-4BA2-8CAA-9135FB90076C}"/>
-              </a:ext>
-            </a:extLst>
-          </p:cNvPr>
-          <p:cNvSpPr>
-            <a:spLocks noGrp="1"/>
-          </p:cNvSpPr>
-          <p:nvPr>
-            <p:ph type="ftr" sz="quarter" idx="11"/>
+          <p:cNvPr id="3" name="Inhaltsplatzhalter 2">
+            <a:extLst>
+              <a:ext uri="{FF2B5EF4-FFF2-40B4-BE49-F238E27FC236}">
+                <a16:creationId xmlns:a16="http://schemas.microsoft.com/office/drawing/2014/main" id="{6EEE1972-3631-4FBA-B46A-2AA4D12679A6}"/>
+              </a:ext>
+            </a:extLst>
+          </p:cNvPr>
+          <p:cNvSpPr>
+            <a:spLocks noGrp="1"/>
+          </p:cNvSpPr>
+          <p:nvPr>
+            <p:ph sz="half" idx="1"/>
           </p:nvPr>
         </p:nvSpPr>
         <p:spPr>
           <a:xfrm>
-            <a:off x="4038600" y="6356350"/>
-            <a:ext cx="4114800" cy="365125"/>
-          </a:xfrm>
-        </p:spPr>
+            <a:off x="838200" y="1690688"/>
+            <a:ext cx="5181600" cy="4351338"/>
+          </a:xfrm>
+        </p:spPr>
+        <p:txBody>
+          <a:bodyPr/>
+          <a:lstStyle/>
+          <a:p>
+            <a:r>
+              <a:rPr lang="de-DE" dirty="0"/>
+              <a:t>SWAC </a:t>
+            </a:r>
+            <a:r>
+              <a:rPr lang="de-DE" dirty="0" err="1"/>
+              <a:t>Present</a:t>
+            </a:r>
+            <a:r>
+              <a:rPr lang="de-DE" dirty="0"/>
+              <a:t> Komponente</a:t>
+            </a:r>
+          </a:p>
+        </p:txBody>
+      </p:sp>
+      <p:sp>
+        <p:nvSpPr>
+          <p:cNvPr id="5" name="Fußzeilenplatzhalter 4">
+            <a:extLst>
+              <a:ext uri="{FF2B5EF4-FFF2-40B4-BE49-F238E27FC236}">
+                <a16:creationId xmlns:a16="http://schemas.microsoft.com/office/drawing/2014/main" id="{819DB87F-8E51-49C7-A29F-F2C16E1E90C3}"/>
+              </a:ext>
+            </a:extLst>
+          </p:cNvPr>
+          <p:cNvSpPr>
+            <a:spLocks noGrp="1"/>
+          </p:cNvSpPr>
+          <p:nvPr>
+            <p:ph type="ftr" sz="quarter" idx="11"/>
+          </p:nvPr>
+        </p:nvSpPr>
+        <p:spPr/>
         <p:txBody>
           <a:bodyPr/>
           <a:lstStyle/>
@@ -14504,10 +14499,10 @@
       </p:sp>
       <p:sp>
         <p:nvSpPr>
-          <p:cNvPr id="5" name="Slide Number Placeholder 4">
-            <a:extLst>
-              <a:ext uri="{FF2B5EF4-FFF2-40B4-BE49-F238E27FC236}">
-                <a16:creationId xmlns:a16="http://schemas.microsoft.com/office/drawing/2014/main" id="{FAC16E02-623C-4BDA-BAFA-B73797A517FD}"/>
+          <p:cNvPr id="6" name="Foliennummernplatzhalter 5">
+            <a:extLst>
+              <a:ext uri="{FF2B5EF4-FFF2-40B4-BE49-F238E27FC236}">
+                <a16:creationId xmlns:a16="http://schemas.microsoft.com/office/drawing/2014/main" id="{2B7E863B-C09E-4732-B624-D572A5287E56}"/>
               </a:ext>
             </a:extLst>
           </p:cNvPr>
@@ -14518,12 +14513,7 @@
             <p:ph type="sldNum" sz="quarter" idx="12"/>
           </p:nvPr>
         </p:nvSpPr>
-        <p:spPr>
-          <a:xfrm>
-            <a:off x="8610600" y="6356350"/>
-            <a:ext cx="2743200" cy="365125"/>
-          </a:xfrm>
-        </p:spPr>
+        <p:spPr/>
         <p:txBody>
           <a:bodyPr/>
           <a:lstStyle/>
@@ -14538,181 +14528,40 @@
       </p:sp>
       <p:pic>
         <p:nvPicPr>
-          <p:cNvPr id="13" name="Grafik 12" descr="Ein Bild, das Screenshot enthält.&#10;&#10;Automatisch generierte Beschreibung">
-            <a:extLst>
-              <a:ext uri="{FF2B5EF4-FFF2-40B4-BE49-F238E27FC236}">
-                <a16:creationId xmlns:a16="http://schemas.microsoft.com/office/drawing/2014/main" id="{F8DEC07D-47B3-4C2C-8979-5804656B76FB}"/>
+          <p:cNvPr id="16" name="Inhaltsplatzhalter 15">
+            <a:extLst>
+              <a:ext uri="{FF2B5EF4-FFF2-40B4-BE49-F238E27FC236}">
+                <a16:creationId xmlns:a16="http://schemas.microsoft.com/office/drawing/2014/main" id="{9485EB70-197A-45EF-9B71-B1730B205A96}"/>
               </a:ext>
             </a:extLst>
           </p:cNvPr>
           <p:cNvPicPr>
-            <a:picLocks noChangeAspect="1"/>
+            <a:picLocks noGrp="1" noChangeAspect="1"/>
           </p:cNvPicPr>
-          <p:nvPr/>
+          <p:nvPr>
+            <p:ph sz="half" idx="2"/>
+          </p:nvPr>
         </p:nvPicPr>
         <p:blipFill>
-          <a:blip r:embed="rId2">
-            <a:extLst>
-              <a:ext uri="{28A0092B-C50C-407E-A947-70E740481C1C}">
-                <a14:useLocalDpi xmlns:a14="http://schemas.microsoft.com/office/drawing/2010/main" val="0"/>
-              </a:ext>
-            </a:extLst>
-          </a:blip>
+          <a:blip r:embed="rId2"/>
           <a:stretch>
             <a:fillRect/>
           </a:stretch>
         </p:blipFill>
         <p:spPr>
           <a:xfrm>
-            <a:off x="4769030" y="2903019"/>
-            <a:ext cx="6768740" cy="3017490"/>
+            <a:off x="503222" y="2243138"/>
+            <a:ext cx="11337960" cy="3956050"/>
           </a:xfrm>
           <a:prstGeom prst="rect">
             <a:avLst/>
           </a:prstGeom>
         </p:spPr>
       </p:pic>
-      <p:sp>
-        <p:nvSpPr>
-          <p:cNvPr id="14" name="Textfeld 13">
-            <a:extLst>
-              <a:ext uri="{FF2B5EF4-FFF2-40B4-BE49-F238E27FC236}">
-                <a16:creationId xmlns:a16="http://schemas.microsoft.com/office/drawing/2014/main" id="{E30BC66D-03A0-4C1B-9A50-E7476EEBEA24}"/>
-              </a:ext>
-            </a:extLst>
-          </p:cNvPr>
-          <p:cNvSpPr txBox="1"/>
-          <p:nvPr/>
-        </p:nvSpPr>
-        <p:spPr>
-          <a:xfrm>
-            <a:off x="931321" y="1934832"/>
-            <a:ext cx="4706930" cy="1477328"/>
-          </a:xfrm>
-          <a:prstGeom prst="rect">
-            <a:avLst/>
-          </a:prstGeom>
-          <a:noFill/>
-        </p:spPr>
-        <p:txBody>
-          <a:bodyPr wrap="none" rtlCol="0">
-            <a:spAutoFit/>
-          </a:bodyPr>
-          <a:lstStyle/>
-          <a:p>
-            <a:r>
-              <a:rPr lang="en-US" dirty="0"/>
-              <a:t>SELECT </a:t>
-            </a:r>
-            <a:r>
-              <a:rPr lang="en-US" dirty="0" err="1"/>
-              <a:t>t.dataset</a:t>
-            </a:r>
-            <a:r>
-              <a:rPr lang="en-US" dirty="0"/>
-              <a:t>, COUNT(id) AS </a:t>
-            </a:r>
-            <a:r>
-              <a:rPr lang="en-US" dirty="0" err="1"/>
-              <a:t>view_count</a:t>
-            </a:r>
-            <a:endParaRPr lang="en-US" dirty="0"/>
-          </a:p>
-          <a:p>
-            <a:r>
-              <a:rPr lang="en-US" dirty="0"/>
-              <a:t>FROM </a:t>
-            </a:r>
-            <a:r>
-              <a:rPr lang="en-US" dirty="0" err="1"/>
-              <a:t>TblObservedObjectDataSetViewRequest</a:t>
-            </a:r>
-            <a:r>
-              <a:rPr lang="en-US" dirty="0"/>
-              <a:t> t</a:t>
-            </a:r>
-          </a:p>
-          <a:p>
-            <a:r>
-              <a:rPr lang="en-US" dirty="0"/>
-              <a:t>WHERE t.id = :id</a:t>
-            </a:r>
-          </a:p>
-          <a:p>
-            <a:r>
-              <a:rPr lang="en-US" dirty="0"/>
-              <a:t>GROUP BY </a:t>
-            </a:r>
-            <a:r>
-              <a:rPr lang="en-US" dirty="0" err="1"/>
-              <a:t>t.dataset</a:t>
-            </a:r>
-            <a:endParaRPr lang="en-US" dirty="0"/>
-          </a:p>
-          <a:p>
-            <a:r>
-              <a:rPr lang="en-US" dirty="0"/>
-              <a:t>ORDER BY </a:t>
-            </a:r>
-            <a:r>
-              <a:rPr lang="en-US" dirty="0" err="1"/>
-              <a:t>view_count</a:t>
-            </a:r>
-            <a:r>
-              <a:rPr lang="en-US" dirty="0"/>
-              <a:t> DESC</a:t>
-            </a:r>
-            <a:endParaRPr lang="de-DE" dirty="0"/>
-          </a:p>
-        </p:txBody>
-      </p:sp>
-      <p:sp>
-        <p:nvSpPr>
-          <p:cNvPr id="15" name="Textfeld 14">
-            <a:extLst>
-              <a:ext uri="{FF2B5EF4-FFF2-40B4-BE49-F238E27FC236}">
-                <a16:creationId xmlns:a16="http://schemas.microsoft.com/office/drawing/2014/main" id="{B0CCF971-9740-4C60-B819-C327D7CC14B9}"/>
-              </a:ext>
-            </a:extLst>
-          </p:cNvPr>
-          <p:cNvSpPr txBox="1"/>
-          <p:nvPr/>
-        </p:nvSpPr>
-        <p:spPr>
-          <a:xfrm>
-            <a:off x="1477818" y="1565500"/>
-            <a:ext cx="3431709" cy="369332"/>
-          </a:xfrm>
-          <a:prstGeom prst="rect">
-            <a:avLst/>
-          </a:prstGeom>
-          <a:noFill/>
-        </p:spPr>
-        <p:txBody>
-          <a:bodyPr wrap="none" rtlCol="0">
-            <a:spAutoFit/>
-          </a:bodyPr>
-          <a:lstStyle/>
-          <a:p>
-            <a:r>
-              <a:rPr lang="de-DE" u="sng" dirty="0"/>
-              <a:t>Query zu „</a:t>
-            </a:r>
-            <a:r>
-              <a:rPr lang="de-DE" u="sng" dirty="0" err="1"/>
-              <a:t>getMostViewedByOoId</a:t>
-            </a:r>
-            <a:r>
-              <a:rPr lang="de-DE" u="sng" dirty="0"/>
-              <a:t>“</a:t>
-            </a:r>
-          </a:p>
-        </p:txBody>
-      </p:sp>
     </p:spTree>
     <p:extLst>
       <p:ext uri="{BB962C8B-B14F-4D97-AF65-F5344CB8AC3E}">
-        <p14:creationId xmlns:p14="http://schemas.microsoft.com/office/powerpoint/2010/main" val="459681618"/>
+        <p14:creationId xmlns:p14="http://schemas.microsoft.com/office/powerpoint/2010/main" val="1973854940"/>
       </p:ext>
     </p:extLst>
   </p:cSld>
@@ -14780,7 +14629,7 @@
             </a:br>
             <a:r>
               <a:rPr lang="en-NZ" dirty="0"/>
-              <a:t>							View Requests II</a:t>
+              <a:t>							View Requests</a:t>
             </a:r>
             <a:endParaRPr lang="de-DE" dirty="0"/>
           </a:p>
@@ -14848,6 +14697,323 @@
             <a:fld id="{969E759D-A893-4B96-8B48-96EE547EBC41}" type="slidenum">
               <a:rPr lang="de-DE" smtClean="0"/>
               <a:t>41</a:t>
+            </a:fld>
+            <a:endParaRPr lang="de-DE"/>
+          </a:p>
+        </p:txBody>
+      </p:sp>
+      <p:pic>
+        <p:nvPicPr>
+          <p:cNvPr id="13" name="Grafik 12" descr="Ein Bild, das Screenshot enthält.&#10;&#10;Automatisch generierte Beschreibung">
+            <a:extLst>
+              <a:ext uri="{FF2B5EF4-FFF2-40B4-BE49-F238E27FC236}">
+                <a16:creationId xmlns:a16="http://schemas.microsoft.com/office/drawing/2014/main" id="{F8DEC07D-47B3-4C2C-8979-5804656B76FB}"/>
+              </a:ext>
+            </a:extLst>
+          </p:cNvPr>
+          <p:cNvPicPr>
+            <a:picLocks noChangeAspect="1"/>
+          </p:cNvPicPr>
+          <p:nvPr/>
+        </p:nvPicPr>
+        <p:blipFill>
+          <a:blip r:embed="rId2">
+            <a:extLst>
+              <a:ext uri="{28A0092B-C50C-407E-A947-70E740481C1C}">
+                <a14:useLocalDpi xmlns:a14="http://schemas.microsoft.com/office/drawing/2010/main" val="0"/>
+              </a:ext>
+            </a:extLst>
+          </a:blip>
+          <a:stretch>
+            <a:fillRect/>
+          </a:stretch>
+        </p:blipFill>
+        <p:spPr>
+          <a:xfrm>
+            <a:off x="4769030" y="2903019"/>
+            <a:ext cx="6768740" cy="3017490"/>
+          </a:xfrm>
+          <a:prstGeom prst="rect">
+            <a:avLst/>
+          </a:prstGeom>
+        </p:spPr>
+      </p:pic>
+      <p:sp>
+        <p:nvSpPr>
+          <p:cNvPr id="14" name="Textfeld 13">
+            <a:extLst>
+              <a:ext uri="{FF2B5EF4-FFF2-40B4-BE49-F238E27FC236}">
+                <a16:creationId xmlns:a16="http://schemas.microsoft.com/office/drawing/2014/main" id="{E30BC66D-03A0-4C1B-9A50-E7476EEBEA24}"/>
+              </a:ext>
+            </a:extLst>
+          </p:cNvPr>
+          <p:cNvSpPr txBox="1"/>
+          <p:nvPr/>
+        </p:nvSpPr>
+        <p:spPr>
+          <a:xfrm>
+            <a:off x="931321" y="1934832"/>
+            <a:ext cx="4706930" cy="1477328"/>
+          </a:xfrm>
+          <a:prstGeom prst="rect">
+            <a:avLst/>
+          </a:prstGeom>
+          <a:noFill/>
+        </p:spPr>
+        <p:txBody>
+          <a:bodyPr wrap="none" rtlCol="0">
+            <a:spAutoFit/>
+          </a:bodyPr>
+          <a:lstStyle/>
+          <a:p>
+            <a:r>
+              <a:rPr lang="en-US" dirty="0"/>
+              <a:t>SELECT </a:t>
+            </a:r>
+            <a:r>
+              <a:rPr lang="en-US" dirty="0" err="1"/>
+              <a:t>t.dataset</a:t>
+            </a:r>
+            <a:r>
+              <a:rPr lang="en-US" dirty="0"/>
+              <a:t>, COUNT(id) AS </a:t>
+            </a:r>
+            <a:r>
+              <a:rPr lang="en-US" dirty="0" err="1"/>
+              <a:t>view_count</a:t>
+            </a:r>
+            <a:endParaRPr lang="en-US" dirty="0"/>
+          </a:p>
+          <a:p>
+            <a:r>
+              <a:rPr lang="en-US" dirty="0"/>
+              <a:t>FROM </a:t>
+            </a:r>
+            <a:r>
+              <a:rPr lang="en-US" dirty="0" err="1"/>
+              <a:t>TblObservedObjectDataSetViewRequest</a:t>
+            </a:r>
+            <a:r>
+              <a:rPr lang="en-US" dirty="0"/>
+              <a:t> t</a:t>
+            </a:r>
+          </a:p>
+          <a:p>
+            <a:r>
+              <a:rPr lang="en-US" dirty="0"/>
+              <a:t>WHERE t.id = :id</a:t>
+            </a:r>
+          </a:p>
+          <a:p>
+            <a:r>
+              <a:rPr lang="en-US" dirty="0"/>
+              <a:t>GROUP BY </a:t>
+            </a:r>
+            <a:r>
+              <a:rPr lang="en-US" dirty="0" err="1"/>
+              <a:t>t.dataset</a:t>
+            </a:r>
+            <a:endParaRPr lang="en-US" dirty="0"/>
+          </a:p>
+          <a:p>
+            <a:r>
+              <a:rPr lang="en-US" dirty="0"/>
+              <a:t>ORDER BY </a:t>
+            </a:r>
+            <a:r>
+              <a:rPr lang="en-US" dirty="0" err="1"/>
+              <a:t>view_count</a:t>
+            </a:r>
+            <a:r>
+              <a:rPr lang="en-US" dirty="0"/>
+              <a:t> DESC</a:t>
+            </a:r>
+            <a:endParaRPr lang="de-DE" dirty="0"/>
+          </a:p>
+        </p:txBody>
+      </p:sp>
+      <p:sp>
+        <p:nvSpPr>
+          <p:cNvPr id="15" name="Textfeld 14">
+            <a:extLst>
+              <a:ext uri="{FF2B5EF4-FFF2-40B4-BE49-F238E27FC236}">
+                <a16:creationId xmlns:a16="http://schemas.microsoft.com/office/drawing/2014/main" id="{B0CCF971-9740-4C60-B819-C327D7CC14B9}"/>
+              </a:ext>
+            </a:extLst>
+          </p:cNvPr>
+          <p:cNvSpPr txBox="1"/>
+          <p:nvPr/>
+        </p:nvSpPr>
+        <p:spPr>
+          <a:xfrm>
+            <a:off x="1477818" y="1565500"/>
+            <a:ext cx="3431709" cy="369332"/>
+          </a:xfrm>
+          <a:prstGeom prst="rect">
+            <a:avLst/>
+          </a:prstGeom>
+          <a:noFill/>
+        </p:spPr>
+        <p:txBody>
+          <a:bodyPr wrap="none" rtlCol="0">
+            <a:spAutoFit/>
+          </a:bodyPr>
+          <a:lstStyle/>
+          <a:p>
+            <a:r>
+              <a:rPr lang="de-DE" u="sng" dirty="0"/>
+              <a:t>Query zu „</a:t>
+            </a:r>
+            <a:r>
+              <a:rPr lang="de-DE" u="sng" dirty="0" err="1"/>
+              <a:t>getMostViewedByOoId</a:t>
+            </a:r>
+            <a:r>
+              <a:rPr lang="de-DE" u="sng" dirty="0"/>
+              <a:t>“</a:t>
+            </a:r>
+          </a:p>
+        </p:txBody>
+      </p:sp>
+    </p:spTree>
+    <p:extLst>
+      <p:ext uri="{BB962C8B-B14F-4D97-AF65-F5344CB8AC3E}">
+        <p14:creationId xmlns:p14="http://schemas.microsoft.com/office/powerpoint/2010/main" val="459681618"/>
+      </p:ext>
+    </p:extLst>
+  </p:cSld>
+  <p:clrMapOvr>
+    <a:masterClrMapping/>
+  </p:clrMapOvr>
+</p:sld>
+</file>
+
+<file path=ppt/slides/slide42.xml><?xml version="1.0" encoding="utf-8"?>
+<p:sld xmlns:a="http://schemas.openxmlformats.org/drawingml/2006/main" xmlns:r="http://schemas.openxmlformats.org/officeDocument/2006/relationships" xmlns:p="http://schemas.openxmlformats.org/presentationml/2006/main">
+  <p:cSld>
+    <p:spTree>
+      <p:nvGrpSpPr>
+        <p:cNvPr id="1" name=""/>
+        <p:cNvGrpSpPr/>
+        <p:nvPr/>
+      </p:nvGrpSpPr>
+      <p:grpSpPr>
+        <a:xfrm>
+          <a:off x="0" y="0"/>
+          <a:ext cx="0" cy="0"/>
+          <a:chOff x="0" y="0"/>
+          <a:chExt cx="0" cy="0"/>
+        </a:xfrm>
+      </p:grpSpPr>
+      <p:sp>
+        <p:nvSpPr>
+          <p:cNvPr id="2" name="Title 1">
+            <a:extLst>
+              <a:ext uri="{FF2B5EF4-FFF2-40B4-BE49-F238E27FC236}">
+                <a16:creationId xmlns:a16="http://schemas.microsoft.com/office/drawing/2014/main" id="{4C84315F-315F-4066-9D3A-472733691F27}"/>
+              </a:ext>
+            </a:extLst>
+          </p:cNvPr>
+          <p:cNvSpPr>
+            <a:spLocks noGrp="1"/>
+          </p:cNvSpPr>
+          <p:nvPr>
+            <p:ph type="title"/>
+          </p:nvPr>
+        </p:nvSpPr>
+        <p:spPr>
+          <a:xfrm>
+            <a:off x="838200" y="365125"/>
+            <a:ext cx="10515600" cy="1325563"/>
+          </a:xfrm>
+        </p:spPr>
+        <p:txBody>
+          <a:bodyPr>
+            <a:normAutofit/>
+          </a:bodyPr>
+          <a:lstStyle/>
+          <a:p>
+            <a:r>
+              <a:rPr lang="en-NZ" dirty="0" err="1"/>
+              <a:t>Codeimplementierungen</a:t>
+            </a:r>
+            <a:r>
+              <a:rPr lang="en-NZ" dirty="0"/>
+              <a:t>  – 	Backend</a:t>
+            </a:r>
+            <a:br>
+              <a:rPr lang="en-NZ" dirty="0"/>
+            </a:br>
+            <a:r>
+              <a:rPr lang="en-NZ" dirty="0"/>
+              <a:t>							View Requests II</a:t>
+            </a:r>
+            <a:endParaRPr lang="de-DE" dirty="0"/>
+          </a:p>
+        </p:txBody>
+      </p:sp>
+      <p:sp>
+        <p:nvSpPr>
+          <p:cNvPr id="4" name="Footer Placeholder 3">
+            <a:extLst>
+              <a:ext uri="{FF2B5EF4-FFF2-40B4-BE49-F238E27FC236}">
+                <a16:creationId xmlns:a16="http://schemas.microsoft.com/office/drawing/2014/main" id="{0EF7D1E5-7A19-4BA2-8CAA-9135FB90076C}"/>
+              </a:ext>
+            </a:extLst>
+          </p:cNvPr>
+          <p:cNvSpPr>
+            <a:spLocks noGrp="1"/>
+          </p:cNvSpPr>
+          <p:nvPr>
+            <p:ph type="ftr" sz="quarter" idx="11"/>
+          </p:nvPr>
+        </p:nvSpPr>
+        <p:spPr>
+          <a:xfrm>
+            <a:off x="4038600" y="6356350"/>
+            <a:ext cx="4114800" cy="365125"/>
+          </a:xfrm>
+        </p:spPr>
+        <p:txBody>
+          <a:bodyPr/>
+          <a:lstStyle/>
+          <a:p>
+            <a:r>
+              <a:rPr lang="de-DE"/>
+              <a:t>WS19/20 - PV-Modulportal - Rüffer, Vorwerk, Withöft, Zolkin</a:t>
+            </a:r>
+          </a:p>
+        </p:txBody>
+      </p:sp>
+      <p:sp>
+        <p:nvSpPr>
+          <p:cNvPr id="5" name="Slide Number Placeholder 4">
+            <a:extLst>
+              <a:ext uri="{FF2B5EF4-FFF2-40B4-BE49-F238E27FC236}">
+                <a16:creationId xmlns:a16="http://schemas.microsoft.com/office/drawing/2014/main" id="{FAC16E02-623C-4BDA-BAFA-B73797A517FD}"/>
+              </a:ext>
+            </a:extLst>
+          </p:cNvPr>
+          <p:cNvSpPr>
+            <a:spLocks noGrp="1"/>
+          </p:cNvSpPr>
+          <p:nvPr>
+            <p:ph type="sldNum" sz="quarter" idx="12"/>
+          </p:nvPr>
+        </p:nvSpPr>
+        <p:spPr>
+          <a:xfrm>
+            <a:off x="8610600" y="6356350"/>
+            <a:ext cx="2743200" cy="365125"/>
+          </a:xfrm>
+        </p:spPr>
+        <p:txBody>
+          <a:bodyPr/>
+          <a:lstStyle/>
+          <a:p>
+            <a:fld id="{969E759D-A893-4B96-8B48-96EE547EBC41}" type="slidenum">
+              <a:rPr lang="de-DE" smtClean="0"/>
+              <a:t>42</a:t>
             </a:fld>
             <a:endParaRPr lang="de-DE"/>
           </a:p>
@@ -15026,7 +15192,7 @@
 </p:sld>
 </file>
 
-<file path=ppt/slides/slide42.xml><?xml version="1.0" encoding="utf-8"?>
+<file path=ppt/slides/slide43.xml><?xml version="1.0" encoding="utf-8"?>
 <p:sld xmlns:a="http://schemas.openxmlformats.org/drawingml/2006/main" xmlns:r="http://schemas.openxmlformats.org/officeDocument/2006/relationships" xmlns:p="http://schemas.openxmlformats.org/presentationml/2006/main">
   <p:cSld>
     <p:bg>
@@ -15556,7 +15722,7 @@
                   <a:spcPts val="600"/>
                 </a:spcAft>
               </a:pPr>
-              <a:t>42</a:t>
+              <a:t>43</a:t>
             </a:fld>
             <a:endParaRPr lang="en-US" sz="1500">
               <a:solidFill>
@@ -15575,143 +15741,6 @@
   </p:cSld>
   <p:clrMapOvr>
     <a:overrideClrMapping bg1="dk1" tx1="lt1" bg2="dk2" tx2="lt2" accent1="accent1" accent2="accent2" accent3="accent3" accent4="accent4" accent5="accent5" accent6="accent6" hlink="hlink" folHlink="folHlink"/>
-  </p:clrMapOvr>
-</p:sld>
-</file>
-
-<file path=ppt/slides/slide43.xml><?xml version="1.0" encoding="utf-8"?>
-<p:sld xmlns:a="http://schemas.openxmlformats.org/drawingml/2006/main" xmlns:r="http://schemas.openxmlformats.org/officeDocument/2006/relationships" xmlns:p="http://schemas.openxmlformats.org/presentationml/2006/main">
-  <p:cSld>
-    <p:spTree>
-      <p:nvGrpSpPr>
-        <p:cNvPr id="1" name=""/>
-        <p:cNvGrpSpPr/>
-        <p:nvPr/>
-      </p:nvGrpSpPr>
-      <p:grpSpPr>
-        <a:xfrm>
-          <a:off x="0" y="0"/>
-          <a:ext cx="0" cy="0"/>
-          <a:chOff x="0" y="0"/>
-          <a:chExt cx="0" cy="0"/>
-        </a:xfrm>
-      </p:grpSpPr>
-      <p:sp>
-        <p:nvSpPr>
-          <p:cNvPr id="2" name="Titel 1"/>
-          <p:cNvSpPr>
-            <a:spLocks noGrp="1"/>
-          </p:cNvSpPr>
-          <p:nvPr>
-            <p:ph type="title"/>
-          </p:nvPr>
-        </p:nvSpPr>
-        <p:spPr/>
-        <p:txBody>
-          <a:bodyPr/>
-          <a:lstStyle/>
-          <a:p>
-            <a:r>
-              <a:rPr lang="de-DE" dirty="0"/>
-              <a:t>Ausblick</a:t>
-            </a:r>
-          </a:p>
-        </p:txBody>
-      </p:sp>
-      <p:sp>
-        <p:nvSpPr>
-          <p:cNvPr id="3" name="Inhaltsplatzhalter 2"/>
-          <p:cNvSpPr>
-            <a:spLocks noGrp="1"/>
-          </p:cNvSpPr>
-          <p:nvPr>
-            <p:ph idx="1"/>
-          </p:nvPr>
-        </p:nvSpPr>
-        <p:spPr/>
-        <p:txBody>
-          <a:bodyPr/>
-          <a:lstStyle/>
-          <a:p>
-            <a:r>
-              <a:rPr lang="de-DE" dirty="0"/>
-              <a:t>Fertigstellung der Moduldetailseite</a:t>
-            </a:r>
-          </a:p>
-          <a:p>
-            <a:r>
-              <a:rPr lang="de-DE" dirty="0"/>
-              <a:t>Modul-Upload Seite</a:t>
-            </a:r>
-          </a:p>
-          <a:p>
-            <a:r>
-              <a:rPr lang="de-DE" dirty="0"/>
-              <a:t>Dokumentation</a:t>
-            </a:r>
-          </a:p>
-          <a:p>
-            <a:r>
-              <a:rPr lang="de-DE" dirty="0"/>
-              <a:t>Projektbericht</a:t>
-            </a:r>
-          </a:p>
-        </p:txBody>
-      </p:sp>
-      <p:sp>
-        <p:nvSpPr>
-          <p:cNvPr id="4" name="Fußzeilenplatzhalter 3"/>
-          <p:cNvSpPr>
-            <a:spLocks noGrp="1"/>
-          </p:cNvSpPr>
-          <p:nvPr>
-            <p:ph type="ftr" sz="quarter" idx="11"/>
-          </p:nvPr>
-        </p:nvSpPr>
-        <p:spPr/>
-        <p:txBody>
-          <a:bodyPr/>
-          <a:lstStyle/>
-          <a:p>
-            <a:r>
-              <a:rPr lang="de-DE"/>
-              <a:t>WS19/20 - PV-Modulportal - Rüffer, Vorwerk, Withöft, Zolkin</a:t>
-            </a:r>
-          </a:p>
-        </p:txBody>
-      </p:sp>
-      <p:sp>
-        <p:nvSpPr>
-          <p:cNvPr id="5" name="Foliennummernplatzhalter 4"/>
-          <p:cNvSpPr>
-            <a:spLocks noGrp="1"/>
-          </p:cNvSpPr>
-          <p:nvPr>
-            <p:ph type="sldNum" sz="quarter" idx="12"/>
-          </p:nvPr>
-        </p:nvSpPr>
-        <p:spPr/>
-        <p:txBody>
-          <a:bodyPr/>
-          <a:lstStyle/>
-          <a:p>
-            <a:fld id="{969E759D-A893-4B96-8B48-96EE547EBC41}" type="slidenum">
-              <a:rPr lang="de-DE" smtClean="0"/>
-              <a:t>43</a:t>
-            </a:fld>
-            <a:endParaRPr lang="de-DE"/>
-          </a:p>
-        </p:txBody>
-      </p:sp>
-    </p:spTree>
-    <p:extLst>
-      <p:ext uri="{BB962C8B-B14F-4D97-AF65-F5344CB8AC3E}">
-        <p14:creationId xmlns:p14="http://schemas.microsoft.com/office/powerpoint/2010/main" val="3786423145"/>
-      </p:ext>
-    </p:extLst>
-  </p:cSld>
-  <p:clrMapOvr>
-    <a:masterClrMapping/>
   </p:clrMapOvr>
 </p:sld>
 </file>
@@ -15750,7 +15779,7 @@
           <a:p>
             <a:r>
               <a:rPr lang="de-DE" dirty="0"/>
-              <a:t>Fazit</a:t>
+              <a:t>Ausblick</a:t>
             </a:r>
           </a:p>
         </p:txBody>
@@ -15772,30 +15801,26 @@
           <a:p>
             <a:r>
               <a:rPr lang="de-DE" dirty="0"/>
-              <a:t>Erstellung des Grob- und Feinkonzepts zu Beginn war sehr hilfreich</a:t>
+              <a:t>Fertigstellung der Moduldetailseite</a:t>
             </a:r>
           </a:p>
           <a:p>
             <a:r>
               <a:rPr lang="de-DE" dirty="0"/>
-              <a:t>Kommunikation im Team und Gruppendynamik war gut</a:t>
+              <a:t>Modul-Upload Seite</a:t>
             </a:r>
           </a:p>
           <a:p>
             <a:r>
               <a:rPr lang="de-DE" dirty="0"/>
-              <a:t>Planung war zum Teil schwierig</a:t>
-            </a:r>
-          </a:p>
-          <a:p>
-            <a:r>
-              <a:rPr lang="de-DE"/>
-              <a:t>Missverständnisse bei den Anforderungen</a:t>
-            </a:r>
-            <a:endParaRPr lang="de-DE" dirty="0"/>
-          </a:p>
-          <a:p>
-            <a:endParaRPr lang="de-DE" dirty="0"/>
+              <a:t>Dokumentation</a:t>
+            </a:r>
+          </a:p>
+          <a:p>
+            <a:r>
+              <a:rPr lang="de-DE" dirty="0"/>
+              <a:t>Projektbericht</a:t>
+            </a:r>
           </a:p>
         </p:txBody>
       </p:sp>
@@ -15839,6 +15864,147 @@
             <a:fld id="{969E759D-A893-4B96-8B48-96EE547EBC41}" type="slidenum">
               <a:rPr lang="de-DE" smtClean="0"/>
               <a:t>44</a:t>
+            </a:fld>
+            <a:endParaRPr lang="de-DE"/>
+          </a:p>
+        </p:txBody>
+      </p:sp>
+    </p:spTree>
+    <p:extLst>
+      <p:ext uri="{BB962C8B-B14F-4D97-AF65-F5344CB8AC3E}">
+        <p14:creationId xmlns:p14="http://schemas.microsoft.com/office/powerpoint/2010/main" val="3786423145"/>
+      </p:ext>
+    </p:extLst>
+  </p:cSld>
+  <p:clrMapOvr>
+    <a:masterClrMapping/>
+  </p:clrMapOvr>
+</p:sld>
+</file>
+
+<file path=ppt/slides/slide45.xml><?xml version="1.0" encoding="utf-8"?>
+<p:sld xmlns:a="http://schemas.openxmlformats.org/drawingml/2006/main" xmlns:r="http://schemas.openxmlformats.org/officeDocument/2006/relationships" xmlns:p="http://schemas.openxmlformats.org/presentationml/2006/main">
+  <p:cSld>
+    <p:spTree>
+      <p:nvGrpSpPr>
+        <p:cNvPr id="1" name=""/>
+        <p:cNvGrpSpPr/>
+        <p:nvPr/>
+      </p:nvGrpSpPr>
+      <p:grpSpPr>
+        <a:xfrm>
+          <a:off x="0" y="0"/>
+          <a:ext cx="0" cy="0"/>
+          <a:chOff x="0" y="0"/>
+          <a:chExt cx="0" cy="0"/>
+        </a:xfrm>
+      </p:grpSpPr>
+      <p:sp>
+        <p:nvSpPr>
+          <p:cNvPr id="2" name="Titel 1"/>
+          <p:cNvSpPr>
+            <a:spLocks noGrp="1"/>
+          </p:cNvSpPr>
+          <p:nvPr>
+            <p:ph type="title"/>
+          </p:nvPr>
+        </p:nvSpPr>
+        <p:spPr/>
+        <p:txBody>
+          <a:bodyPr/>
+          <a:lstStyle/>
+          <a:p>
+            <a:r>
+              <a:rPr lang="de-DE" dirty="0"/>
+              <a:t>Fazit</a:t>
+            </a:r>
+          </a:p>
+        </p:txBody>
+      </p:sp>
+      <p:sp>
+        <p:nvSpPr>
+          <p:cNvPr id="3" name="Inhaltsplatzhalter 2"/>
+          <p:cNvSpPr>
+            <a:spLocks noGrp="1"/>
+          </p:cNvSpPr>
+          <p:nvPr>
+            <p:ph idx="1"/>
+          </p:nvPr>
+        </p:nvSpPr>
+        <p:spPr/>
+        <p:txBody>
+          <a:bodyPr/>
+          <a:lstStyle/>
+          <a:p>
+            <a:r>
+              <a:rPr lang="de-DE" dirty="0"/>
+              <a:t>Erstellung des Grob- und Feinkonzepts zu Beginn war sehr hilfreich</a:t>
+            </a:r>
+          </a:p>
+          <a:p>
+            <a:r>
+              <a:rPr lang="de-DE" dirty="0"/>
+              <a:t>Kommunikation im Team und Gruppendynamik war gut</a:t>
+            </a:r>
+          </a:p>
+          <a:p>
+            <a:r>
+              <a:rPr lang="de-DE" dirty="0"/>
+              <a:t>Planung war zum Teil schwierig</a:t>
+            </a:r>
+          </a:p>
+          <a:p>
+            <a:r>
+              <a:rPr lang="de-DE"/>
+              <a:t>Missverständnisse bei den Anforderungen</a:t>
+            </a:r>
+            <a:endParaRPr lang="de-DE" dirty="0"/>
+          </a:p>
+          <a:p>
+            <a:endParaRPr lang="de-DE" dirty="0"/>
+          </a:p>
+        </p:txBody>
+      </p:sp>
+      <p:sp>
+        <p:nvSpPr>
+          <p:cNvPr id="4" name="Fußzeilenplatzhalter 3"/>
+          <p:cNvSpPr>
+            <a:spLocks noGrp="1"/>
+          </p:cNvSpPr>
+          <p:nvPr>
+            <p:ph type="ftr" sz="quarter" idx="11"/>
+          </p:nvPr>
+        </p:nvSpPr>
+        <p:spPr/>
+        <p:txBody>
+          <a:bodyPr/>
+          <a:lstStyle/>
+          <a:p>
+            <a:r>
+              <a:rPr lang="de-DE"/>
+              <a:t>WS19/20 - PV-Modulportal - Rüffer, Vorwerk, Withöft, Zolkin</a:t>
+            </a:r>
+          </a:p>
+        </p:txBody>
+      </p:sp>
+      <p:sp>
+        <p:nvSpPr>
+          <p:cNvPr id="5" name="Foliennummernplatzhalter 4"/>
+          <p:cNvSpPr>
+            <a:spLocks noGrp="1"/>
+          </p:cNvSpPr>
+          <p:nvPr>
+            <p:ph type="sldNum" sz="quarter" idx="12"/>
+          </p:nvPr>
+        </p:nvSpPr>
+        <p:spPr/>
+        <p:txBody>
+          <a:bodyPr/>
+          <a:lstStyle/>
+          <a:p>
+            <a:fld id="{969E759D-A893-4B96-8B48-96EE547EBC41}" type="slidenum">
+              <a:rPr lang="de-DE" smtClean="0"/>
+              <a:t>45</a:t>
             </a:fld>
             <a:endParaRPr lang="de-DE"/>
           </a:p>
